--- a/ppt/ganttppt.pptx
+++ b/ppt/ganttppt.pptx
@@ -253,7 +253,7 @@
           <a:p>
             <a:fld id="{E5913C49-45AE-4926-BFC9-EBF79FA12E5C}" type="datetimeFigureOut">
               <a:rPr lang="en-US" smtClean="0"/>
-              <a:t>3/31/2019</a:t>
+              <a:t>4/17/2019</a:t>
             </a:fld>
             <a:endParaRPr lang="en-US"/>
           </a:p>
@@ -421,7 +421,7 @@
           <a:p>
             <a:fld id="{E5913C49-45AE-4926-BFC9-EBF79FA12E5C}" type="datetimeFigureOut">
               <a:rPr lang="en-US" smtClean="0"/>
-              <a:t>3/31/2019</a:t>
+              <a:t>4/17/2019</a:t>
             </a:fld>
             <a:endParaRPr lang="en-US"/>
           </a:p>
@@ -599,7 +599,7 @@
           <a:p>
             <a:fld id="{E5913C49-45AE-4926-BFC9-EBF79FA12E5C}" type="datetimeFigureOut">
               <a:rPr lang="en-US" smtClean="0"/>
-              <a:t>3/31/2019</a:t>
+              <a:t>4/17/2019</a:t>
             </a:fld>
             <a:endParaRPr lang="en-US"/>
           </a:p>
@@ -767,7 +767,7 @@
           <a:p>
             <a:fld id="{E5913C49-45AE-4926-BFC9-EBF79FA12E5C}" type="datetimeFigureOut">
               <a:rPr lang="en-US" smtClean="0"/>
-              <a:t>3/31/2019</a:t>
+              <a:t>4/17/2019</a:t>
             </a:fld>
             <a:endParaRPr lang="en-US"/>
           </a:p>
@@ -1012,7 +1012,7 @@
           <a:p>
             <a:fld id="{E5913C49-45AE-4926-BFC9-EBF79FA12E5C}" type="datetimeFigureOut">
               <a:rPr lang="en-US" smtClean="0"/>
-              <a:t>3/31/2019</a:t>
+              <a:t>4/17/2019</a:t>
             </a:fld>
             <a:endParaRPr lang="en-US"/>
           </a:p>
@@ -1241,7 +1241,7 @@
           <a:p>
             <a:fld id="{E5913C49-45AE-4926-BFC9-EBF79FA12E5C}" type="datetimeFigureOut">
               <a:rPr lang="en-US" smtClean="0"/>
-              <a:t>3/31/2019</a:t>
+              <a:t>4/17/2019</a:t>
             </a:fld>
             <a:endParaRPr lang="en-US"/>
           </a:p>
@@ -1605,7 +1605,7 @@
           <a:p>
             <a:fld id="{E5913C49-45AE-4926-BFC9-EBF79FA12E5C}" type="datetimeFigureOut">
               <a:rPr lang="en-US" smtClean="0"/>
-              <a:t>3/31/2019</a:t>
+              <a:t>4/17/2019</a:t>
             </a:fld>
             <a:endParaRPr lang="en-US"/>
           </a:p>
@@ -1722,7 +1722,7 @@
           <a:p>
             <a:fld id="{E5913C49-45AE-4926-BFC9-EBF79FA12E5C}" type="datetimeFigureOut">
               <a:rPr lang="en-US" smtClean="0"/>
-              <a:t>3/31/2019</a:t>
+              <a:t>4/17/2019</a:t>
             </a:fld>
             <a:endParaRPr lang="en-US"/>
           </a:p>
@@ -1817,7 +1817,7 @@
           <a:p>
             <a:fld id="{E5913C49-45AE-4926-BFC9-EBF79FA12E5C}" type="datetimeFigureOut">
               <a:rPr lang="en-US" smtClean="0"/>
-              <a:t>3/31/2019</a:t>
+              <a:t>4/17/2019</a:t>
             </a:fld>
             <a:endParaRPr lang="en-US"/>
           </a:p>
@@ -2092,7 +2092,7 @@
           <a:p>
             <a:fld id="{E5913C49-45AE-4926-BFC9-EBF79FA12E5C}" type="datetimeFigureOut">
               <a:rPr lang="en-US" smtClean="0"/>
-              <a:t>3/31/2019</a:t>
+              <a:t>4/17/2019</a:t>
             </a:fld>
             <a:endParaRPr lang="en-US"/>
           </a:p>
@@ -2344,7 +2344,7 @@
           <a:p>
             <a:fld id="{E5913C49-45AE-4926-BFC9-EBF79FA12E5C}" type="datetimeFigureOut">
               <a:rPr lang="en-US" smtClean="0"/>
-              <a:t>3/31/2019</a:t>
+              <a:t>4/17/2019</a:t>
             </a:fld>
             <a:endParaRPr lang="en-US"/>
           </a:p>
@@ -2555,7 +2555,7 @@
           <a:p>
             <a:fld id="{E5913C49-45AE-4926-BFC9-EBF79FA12E5C}" type="datetimeFigureOut">
               <a:rPr lang="en-US" smtClean="0"/>
-              <a:t>3/31/2019</a:t>
+              <a:t>4/17/2019</a:t>
             </a:fld>
             <a:endParaRPr lang="en-US"/>
           </a:p>
@@ -8919,10 +8919,10 @@
       </p:grpSpPr>
       <p:cxnSp>
         <p:nvCxnSpPr>
-          <p:cNvPr id="155" name="OTLSHAPE_T_22f39fb829944911aac60ff29587efd4_HorizontalConnector1">
-            <a:extLst>
-              <a:ext uri="{FF2B5EF4-FFF2-40B4-BE49-F238E27FC236}">
-                <a16:creationId xmlns:a16="http://schemas.microsoft.com/office/drawing/2014/main" id="{284EE767-15A4-4123-9CF5-526F36F15743}"/>
+          <p:cNvPr id="359" name="OTLSHAPE_T_22f39fb829944911aac60ff29587efd4_HorizontalConnector1">
+            <a:extLst>
+              <a:ext uri="{FF2B5EF4-FFF2-40B4-BE49-F238E27FC236}">
+                <a16:creationId xmlns:a16="http://schemas.microsoft.com/office/drawing/2014/main" id="{5E4EDFB7-CFC1-4358-963D-B232A89AD3C2}"/>
               </a:ext>
             </a:extLst>
           </p:cNvPr>
@@ -8935,8 +8935,8 @@
         </p:nvCxnSpPr>
         <p:spPr>
           <a:xfrm>
-            <a:off x="1168061" y="6627165"/>
-            <a:ext cx="8144007" cy="0"/>
+            <a:off x="1790022" y="6447155"/>
+            <a:ext cx="7522046" cy="0"/>
           </a:xfrm>
           <a:prstGeom prst="line">
             <a:avLst/>
@@ -8968,10 +8968,10 @@
       </p:cxnSp>
       <p:cxnSp>
         <p:nvCxnSpPr>
-          <p:cNvPr id="154" name="OTLSHAPE_T_c22bba176f134d64ba72062b45823b4c_HorizontalConnector1">
-            <a:extLst>
-              <a:ext uri="{FF2B5EF4-FFF2-40B4-BE49-F238E27FC236}">
-                <a16:creationId xmlns:a16="http://schemas.microsoft.com/office/drawing/2014/main" id="{968708BE-BC9F-4E2F-8F11-9CEF085933CC}"/>
+          <p:cNvPr id="358" name="OTLSHAPE_T_853f2e2a1d91481f8b3ea3fdeadd8ffb_HorizontalConnector1">
+            <a:extLst>
+              <a:ext uri="{FF2B5EF4-FFF2-40B4-BE49-F238E27FC236}">
+                <a16:creationId xmlns:a16="http://schemas.microsoft.com/office/drawing/2014/main" id="{55CBB2CE-255B-4636-9EDD-9A7F94D95C88}"/>
               </a:ext>
             </a:extLst>
           </p:cNvPr>
@@ -8984,8 +8984,8 @@
         </p:nvCxnSpPr>
         <p:spPr>
           <a:xfrm>
-            <a:off x="745828" y="6360465"/>
-            <a:ext cx="7466006" cy="0"/>
+            <a:off x="1307761" y="6180455"/>
+            <a:ext cx="6396273" cy="0"/>
           </a:xfrm>
           <a:prstGeom prst="line">
             <a:avLst/>
@@ -9017,10 +9017,10 @@
       </p:cxnSp>
       <p:cxnSp>
         <p:nvCxnSpPr>
-          <p:cNvPr id="153" name="OTLSHAPE_T_231d62aedad648418686eb38ef14fb7a_HorizontalConnector1">
-            <a:extLst>
-              <a:ext uri="{FF2B5EF4-FFF2-40B4-BE49-F238E27FC236}">
-                <a16:creationId xmlns:a16="http://schemas.microsoft.com/office/drawing/2014/main" id="{6C73D067-C6C0-4484-91BD-16851F805681}"/>
+          <p:cNvPr id="357" name="OTLSHAPE_T_55871566acb4479fa593c4d75faba5f3_HorizontalConnector1">
+            <a:extLst>
+              <a:ext uri="{FF2B5EF4-FFF2-40B4-BE49-F238E27FC236}">
+                <a16:creationId xmlns:a16="http://schemas.microsoft.com/office/drawing/2014/main" id="{C8B2CD3E-A717-472D-A615-526B5D5B4C95}"/>
               </a:ext>
             </a:extLst>
           </p:cNvPr>
@@ -9033,8 +9033,8 @@
         </p:nvCxnSpPr>
         <p:spPr>
           <a:xfrm>
-            <a:off x="2101003" y="6093765"/>
-            <a:ext cx="4841331" cy="0"/>
+            <a:off x="1534245" y="5913755"/>
+            <a:ext cx="5323456" cy="0"/>
           </a:xfrm>
           <a:prstGeom prst="line">
             <a:avLst/>
@@ -9066,10 +9066,10 @@
       </p:cxnSp>
       <p:cxnSp>
         <p:nvCxnSpPr>
-          <p:cNvPr id="152" name="OTLSHAPE_T_853f2e2a1d91481f8b3ea3fdeadd8ffb_HorizontalConnector1">
-            <a:extLst>
-              <a:ext uri="{FF2B5EF4-FFF2-40B4-BE49-F238E27FC236}">
-                <a16:creationId xmlns:a16="http://schemas.microsoft.com/office/drawing/2014/main" id="{1ECC9EAC-BF85-4A94-821B-3F7DD27D5BF3}"/>
+          <p:cNvPr id="356" name="OTLSHAPE_T_e676dd5c8d65477588b6d56b4e73ee0c_HorizontalConnector1">
+            <a:extLst>
+              <a:ext uri="{FF2B5EF4-FFF2-40B4-BE49-F238E27FC236}">
+                <a16:creationId xmlns:a16="http://schemas.microsoft.com/office/drawing/2014/main" id="{3EE7C468-C7A1-46ED-BD23-22754B244822}"/>
               </a:ext>
             </a:extLst>
           </p:cNvPr>
@@ -9082,8 +9082,8 @@
         </p:nvCxnSpPr>
         <p:spPr>
           <a:xfrm>
-            <a:off x="1307761" y="5827065"/>
-            <a:ext cx="5634573" cy="0"/>
+            <a:off x="1339342" y="5647055"/>
+            <a:ext cx="3317891" cy="0"/>
           </a:xfrm>
           <a:prstGeom prst="line">
             <a:avLst/>
@@ -9115,10 +9115,10 @@
       </p:cxnSp>
       <p:cxnSp>
         <p:nvCxnSpPr>
-          <p:cNvPr id="151" name="OTLSHAPE_T_55871566acb4479fa593c4d75faba5f3_HorizontalConnector1">
-            <a:extLst>
-              <a:ext uri="{FF2B5EF4-FFF2-40B4-BE49-F238E27FC236}">
-                <a16:creationId xmlns:a16="http://schemas.microsoft.com/office/drawing/2014/main" id="{A47CBB35-06DE-472D-8795-8FFA68FAA339}"/>
+          <p:cNvPr id="355" name="OTLSHAPE_T_27ae47589bac40d38409405d5a28c9b6_HorizontalConnector1">
+            <a:extLst>
+              <a:ext uri="{FF2B5EF4-FFF2-40B4-BE49-F238E27FC236}">
+                <a16:creationId xmlns:a16="http://schemas.microsoft.com/office/drawing/2014/main" id="{319BBF73-01CA-47B4-86A1-D0081162A174}"/>
               </a:ext>
             </a:extLst>
           </p:cNvPr>
@@ -9131,8 +9131,8 @@
         </p:nvCxnSpPr>
         <p:spPr>
           <a:xfrm>
-            <a:off x="1534244" y="5560365"/>
-            <a:ext cx="4815656" cy="0"/>
+            <a:off x="1199642" y="5380355"/>
+            <a:ext cx="3119058" cy="0"/>
           </a:xfrm>
           <a:prstGeom prst="line">
             <a:avLst/>
@@ -9164,10 +9164,10 @@
       </p:cxnSp>
       <p:cxnSp>
         <p:nvCxnSpPr>
-          <p:cNvPr id="150" name="OTLSHAPE_T_27ae47589bac40d38409405d5a28c9b6_HorizontalConnector1">
-            <a:extLst>
-              <a:ext uri="{FF2B5EF4-FFF2-40B4-BE49-F238E27FC236}">
-                <a16:creationId xmlns:a16="http://schemas.microsoft.com/office/drawing/2014/main" id="{879D60F2-32E7-4FF9-AC79-B802771B3C72}"/>
+          <p:cNvPr id="354" name="OTLSHAPE_T_382ddf7c49ae41a9a896b68233bb860b_HorizontalConnector1">
+            <a:extLst>
+              <a:ext uri="{FF2B5EF4-FFF2-40B4-BE49-F238E27FC236}">
+                <a16:creationId xmlns:a16="http://schemas.microsoft.com/office/drawing/2014/main" id="{8E868E32-4510-4BA8-9F55-FA006025E8C7}"/>
               </a:ext>
             </a:extLst>
           </p:cNvPr>
@@ -9180,8 +9180,8 @@
         </p:nvCxnSpPr>
         <p:spPr>
           <a:xfrm>
-            <a:off x="1199642" y="5293665"/>
-            <a:ext cx="3288324" cy="0"/>
+            <a:off x="2353903" y="5113655"/>
+            <a:ext cx="1710897" cy="0"/>
           </a:xfrm>
           <a:prstGeom prst="line">
             <a:avLst/>
@@ -9213,10 +9213,10 @@
       </p:cxnSp>
       <p:cxnSp>
         <p:nvCxnSpPr>
-          <p:cNvPr id="149" name="OTLSHAPE_T_e676dd5c8d65477588b6d56b4e73ee0c_HorizontalConnector1">
-            <a:extLst>
-              <a:ext uri="{FF2B5EF4-FFF2-40B4-BE49-F238E27FC236}">
-                <a16:creationId xmlns:a16="http://schemas.microsoft.com/office/drawing/2014/main" id="{036B38C9-3967-413D-80BF-B0EEB94ED380}"/>
+          <p:cNvPr id="353" name="OTLSHAPE_T_75dffbd02c41442183b720bbfa1c3d22_HorizontalConnector1">
+            <a:extLst>
+              <a:ext uri="{FF2B5EF4-FFF2-40B4-BE49-F238E27FC236}">
+                <a16:creationId xmlns:a16="http://schemas.microsoft.com/office/drawing/2014/main" id="{B18A3267-4541-4B21-8202-0329317C5832}"/>
               </a:ext>
             </a:extLst>
           </p:cNvPr>
@@ -9229,8 +9229,8 @@
         </p:nvCxnSpPr>
         <p:spPr>
           <a:xfrm>
-            <a:off x="1339342" y="5026965"/>
-            <a:ext cx="2556191" cy="0"/>
+            <a:off x="1307761" y="4846955"/>
+            <a:ext cx="2503138" cy="0"/>
           </a:xfrm>
           <a:prstGeom prst="line">
             <a:avLst/>
@@ -9262,10 +9262,10 @@
       </p:cxnSp>
       <p:cxnSp>
         <p:nvCxnSpPr>
-          <p:cNvPr id="148" name="OTLSHAPE_T_5e91d7c96d4149b7b28ed3ae91d52159_HorizontalConnector1">
-            <a:extLst>
-              <a:ext uri="{FF2B5EF4-FFF2-40B4-BE49-F238E27FC236}">
-                <a16:creationId xmlns:a16="http://schemas.microsoft.com/office/drawing/2014/main" id="{5DCF680C-B0B0-471D-B8BE-B1B3944C1E64}"/>
+          <p:cNvPr id="352" name="OTLSHAPE_T_d447ea458d95438995f5caa9b91329cc_HorizontalConnector1">
+            <a:extLst>
+              <a:ext uri="{FF2B5EF4-FFF2-40B4-BE49-F238E27FC236}">
+                <a16:creationId xmlns:a16="http://schemas.microsoft.com/office/drawing/2014/main" id="{E1E249B3-C3FE-4645-B9AB-E4BFFDD7FBFD}"/>
               </a:ext>
             </a:extLst>
           </p:cNvPr>
@@ -9278,8 +9278,8 @@
         </p:nvCxnSpPr>
         <p:spPr>
           <a:xfrm>
-            <a:off x="1339342" y="4760265"/>
-            <a:ext cx="2556191" cy="0"/>
+            <a:off x="1647190" y="4580255"/>
+            <a:ext cx="1909810" cy="0"/>
           </a:xfrm>
           <a:prstGeom prst="line">
             <a:avLst/>
@@ -9311,10 +9311,10 @@
       </p:cxnSp>
       <p:cxnSp>
         <p:nvCxnSpPr>
-          <p:cNvPr id="147" name="OTLSHAPE_T_851ed80c604a4b30a8d306879c8ab2b5_HorizontalConnector1">
-            <a:extLst>
-              <a:ext uri="{FF2B5EF4-FFF2-40B4-BE49-F238E27FC236}">
-                <a16:creationId xmlns:a16="http://schemas.microsoft.com/office/drawing/2014/main" id="{B406867D-447F-4A5C-8D8C-1580F25F9099}"/>
+          <p:cNvPr id="351" name="OTLSHAPE_T_d5cd6d2f98024f49adcf10a7c42fbeff_HorizontalConnector1">
+            <a:extLst>
+              <a:ext uri="{FF2B5EF4-FFF2-40B4-BE49-F238E27FC236}">
+                <a16:creationId xmlns:a16="http://schemas.microsoft.com/office/drawing/2014/main" id="{18CA8101-C1A4-45B6-B633-6DF28012A300}"/>
               </a:ext>
             </a:extLst>
           </p:cNvPr>
@@ -9327,8 +9327,8 @@
         </p:nvCxnSpPr>
         <p:spPr>
           <a:xfrm>
-            <a:off x="1696508" y="4493565"/>
-            <a:ext cx="2199025" cy="0"/>
+            <a:off x="1790023" y="4313555"/>
+            <a:ext cx="1766977" cy="0"/>
           </a:xfrm>
           <a:prstGeom prst="line">
             <a:avLst/>
@@ -9358,172 +9358,25 @@
           </a:fontRef>
         </p:style>
       </p:cxnSp>
-      <p:cxnSp>
-        <p:nvCxnSpPr>
-          <p:cNvPr id="146" name="OTLSHAPE_T_75dffbd02c41442183b720bbfa1c3d22_HorizontalConnector1">
-            <a:extLst>
-              <a:ext uri="{FF2B5EF4-FFF2-40B4-BE49-F238E27FC236}">
-                <a16:creationId xmlns:a16="http://schemas.microsoft.com/office/drawing/2014/main" id="{3EF7EECB-DA5A-4571-B827-C7F283CFDF7A}"/>
-              </a:ext>
-            </a:extLst>
-          </p:cNvPr>
-          <p:cNvCxnSpPr/>
+      <p:sp>
+        <p:nvSpPr>
+          <p:cNvPr id="338" name="OTLSHAPE_TB_00000000000000000000000000000000_LeftEndCaps">
+            <a:extLst>
+              <a:ext uri="{FF2B5EF4-FFF2-40B4-BE49-F238E27FC236}">
+                <a16:creationId xmlns:a16="http://schemas.microsoft.com/office/drawing/2014/main" id="{3F8436CE-DC67-43D9-B421-47A7E0622FAD}"/>
+              </a:ext>
+            </a:extLst>
+          </p:cNvPr>
+          <p:cNvSpPr txBox="1"/>
           <p:nvPr>
             <p:custDataLst>
               <p:tags r:id="rId11"/>
             </p:custDataLst>
           </p:nvPr>
-        </p:nvCxnSpPr>
-        <p:spPr>
-          <a:xfrm>
-            <a:off x="1307761" y="4226865"/>
-            <a:ext cx="2333872" cy="0"/>
-          </a:xfrm>
-          <a:prstGeom prst="line">
-            <a:avLst/>
-          </a:prstGeom>
-          <a:ln w="7620" cap="flat" cmpd="sng" algn="ctr">
-            <a:solidFill>
-              <a:srgbClr val="CCCCCC"/>
-            </a:solidFill>
-            <a:prstDash val="solid"/>
-            <a:miter lim="800000"/>
-            <a:headEnd type="none" w="med" len="med"/>
-            <a:tailEnd type="none" w="med" len="med"/>
-          </a:ln>
-        </p:spPr>
-        <p:style>
-          <a:lnRef idx="1">
-            <a:schemeClr val="accent1"/>
-          </a:lnRef>
-          <a:fillRef idx="0">
-            <a:schemeClr val="accent1"/>
-          </a:fillRef>
-          <a:effectRef idx="0">
-            <a:schemeClr val="accent1"/>
-          </a:effectRef>
-          <a:fontRef idx="minor">
-            <a:schemeClr val="tx1"/>
-          </a:fontRef>
-        </p:style>
-      </p:cxnSp>
-      <p:cxnSp>
-        <p:nvCxnSpPr>
-          <p:cNvPr id="145" name="OTLSHAPE_T_382ddf7c49ae41a9a896b68233bb860b_HorizontalConnector1">
-            <a:extLst>
-              <a:ext uri="{FF2B5EF4-FFF2-40B4-BE49-F238E27FC236}">
-                <a16:creationId xmlns:a16="http://schemas.microsoft.com/office/drawing/2014/main" id="{2C281C43-1A62-4AEB-9131-A8CF182CC198}"/>
-              </a:ext>
-            </a:extLst>
-          </p:cNvPr>
-          <p:cNvCxnSpPr/>
-          <p:nvPr>
-            <p:custDataLst>
-              <p:tags r:id="rId12"/>
-            </p:custDataLst>
-          </p:nvPr>
-        </p:nvCxnSpPr>
-        <p:spPr>
-          <a:xfrm>
-            <a:off x="581533" y="3960165"/>
-            <a:ext cx="2975467" cy="0"/>
-          </a:xfrm>
-          <a:prstGeom prst="line">
-            <a:avLst/>
-          </a:prstGeom>
-          <a:ln w="7620" cap="flat" cmpd="sng" algn="ctr">
-            <a:solidFill>
-              <a:srgbClr val="CCCCCC"/>
-            </a:solidFill>
-            <a:prstDash val="solid"/>
-            <a:miter lim="800000"/>
-            <a:headEnd type="none" w="med" len="med"/>
-            <a:tailEnd type="none" w="med" len="med"/>
-          </a:ln>
-        </p:spPr>
-        <p:style>
-          <a:lnRef idx="1">
-            <a:schemeClr val="accent1"/>
-          </a:lnRef>
-          <a:fillRef idx="0">
-            <a:schemeClr val="accent1"/>
-          </a:fillRef>
-          <a:effectRef idx="0">
-            <a:schemeClr val="accent1"/>
-          </a:effectRef>
-          <a:fontRef idx="minor">
-            <a:schemeClr val="tx1"/>
-          </a:fontRef>
-        </p:style>
-      </p:cxnSp>
-      <p:cxnSp>
-        <p:nvCxnSpPr>
-          <p:cNvPr id="144" name="OTLSHAPE_T_d447ea458d95438995f5caa9b91329cc_HorizontalConnector1">
-            <a:extLst>
-              <a:ext uri="{FF2B5EF4-FFF2-40B4-BE49-F238E27FC236}">
-                <a16:creationId xmlns:a16="http://schemas.microsoft.com/office/drawing/2014/main" id="{2C83530A-F3ED-455F-9529-B50CF2786671}"/>
-              </a:ext>
-            </a:extLst>
-          </p:cNvPr>
-          <p:cNvCxnSpPr/>
-          <p:nvPr>
-            <p:custDataLst>
-              <p:tags r:id="rId13"/>
-            </p:custDataLst>
-          </p:nvPr>
-        </p:nvCxnSpPr>
-        <p:spPr>
-          <a:xfrm>
-            <a:off x="1647190" y="3693465"/>
-            <a:ext cx="1909810" cy="0"/>
-          </a:xfrm>
-          <a:prstGeom prst="line">
-            <a:avLst/>
-          </a:prstGeom>
-          <a:ln w="7620" cap="flat" cmpd="sng" algn="ctr">
-            <a:solidFill>
-              <a:srgbClr val="CCCCCC"/>
-            </a:solidFill>
-            <a:prstDash val="solid"/>
-            <a:miter lim="800000"/>
-            <a:headEnd type="none" w="med" len="med"/>
-            <a:tailEnd type="none" w="med" len="med"/>
-          </a:ln>
-        </p:spPr>
-        <p:style>
-          <a:lnRef idx="1">
-            <a:schemeClr val="accent1"/>
-          </a:lnRef>
-          <a:fillRef idx="0">
-            <a:schemeClr val="accent1"/>
-          </a:fillRef>
-          <a:effectRef idx="0">
-            <a:schemeClr val="accent1"/>
-          </a:effectRef>
-          <a:fontRef idx="minor">
-            <a:schemeClr val="tx1"/>
-          </a:fontRef>
-        </p:style>
-      </p:cxnSp>
-      <p:sp>
-        <p:nvSpPr>
-          <p:cNvPr id="131" name="OTLSHAPE_TB_00000000000000000000000000000000_LeftEndCaps">
-            <a:extLst>
-              <a:ext uri="{FF2B5EF4-FFF2-40B4-BE49-F238E27FC236}">
-                <a16:creationId xmlns:a16="http://schemas.microsoft.com/office/drawing/2014/main" id="{FE5A6A88-C68C-48B5-B919-BF6D102BEB0B}"/>
-              </a:ext>
-            </a:extLst>
-          </p:cNvPr>
-          <p:cNvSpPr txBox="1"/>
-          <p:nvPr>
-            <p:custDataLst>
-              <p:tags r:id="rId14"/>
-            </p:custDataLst>
-          </p:nvPr>
-        </p:nvSpPr>
-        <p:spPr>
-          <a:xfrm>
-            <a:off x="317500" y="2478879"/>
+        </p:nvSpPr>
+        <p:spPr>
+          <a:xfrm>
+            <a:off x="317500" y="3098969"/>
             <a:ext cx="451662" cy="279061"/>
           </a:xfrm>
           <a:prstGeom prst="rect">
@@ -9558,23 +9411,23 @@
       </p:sp>
       <p:sp>
         <p:nvSpPr>
-          <p:cNvPr id="132" name="OTLSHAPE_TB_00000000000000000000000000000000_RightEndCaps">
-            <a:extLst>
-              <a:ext uri="{FF2B5EF4-FFF2-40B4-BE49-F238E27FC236}">
-                <a16:creationId xmlns:a16="http://schemas.microsoft.com/office/drawing/2014/main" id="{93994D66-79A0-4706-BB73-E80776E96DFA}"/>
+          <p:cNvPr id="339" name="OTLSHAPE_TB_00000000000000000000000000000000_RightEndCaps">
+            <a:extLst>
+              <a:ext uri="{FF2B5EF4-FFF2-40B4-BE49-F238E27FC236}">
+                <a16:creationId xmlns:a16="http://schemas.microsoft.com/office/drawing/2014/main" id="{7D3F34D5-B1DE-4CD1-B643-D63EFD098287}"/>
               </a:ext>
             </a:extLst>
           </p:cNvPr>
           <p:cNvSpPr txBox="1"/>
           <p:nvPr>
             <p:custDataLst>
-              <p:tags r:id="rId15"/>
-            </p:custDataLst>
-          </p:nvPr>
-        </p:nvSpPr>
-        <p:spPr>
-          <a:xfrm>
-            <a:off x="11411034" y="2478879"/>
+              <p:tags r:id="rId12"/>
+            </p:custDataLst>
+          </p:nvPr>
+        </p:nvSpPr>
+        <p:spPr>
+          <a:xfrm>
+            <a:off x="11411034" y="3098969"/>
             <a:ext cx="451662" cy="279061"/>
           </a:xfrm>
           <a:prstGeom prst="rect">
@@ -9609,23 +9462,23 @@
       </p:sp>
       <p:sp>
         <p:nvSpPr>
-          <p:cNvPr id="133" name="OTLSHAPE_TB_00000000000000000000000000000000_ScaleContainer">
-            <a:extLst>
-              <a:ext uri="{FF2B5EF4-FFF2-40B4-BE49-F238E27FC236}">
-                <a16:creationId xmlns:a16="http://schemas.microsoft.com/office/drawing/2014/main" id="{AAD995F2-FE5B-4F04-9754-58837B8FDB49}"/>
+          <p:cNvPr id="340" name="OTLSHAPE_TB_00000000000000000000000000000000_ScaleContainer">
+            <a:extLst>
+              <a:ext uri="{FF2B5EF4-FFF2-40B4-BE49-F238E27FC236}">
+                <a16:creationId xmlns:a16="http://schemas.microsoft.com/office/drawing/2014/main" id="{C0F4EC55-8736-447D-9546-AA60386F2CEE}"/>
               </a:ext>
             </a:extLst>
           </p:cNvPr>
           <p:cNvSpPr/>
           <p:nvPr>
             <p:custDataLst>
-              <p:tags r:id="rId16"/>
-            </p:custDataLst>
-          </p:nvPr>
-        </p:nvSpPr>
-        <p:spPr>
-          <a:xfrm>
-            <a:off x="933365" y="2427910"/>
+              <p:tags r:id="rId13"/>
+            </p:custDataLst>
+          </p:nvPr>
+        </p:nvSpPr>
+        <p:spPr>
+          <a:xfrm>
+            <a:off x="933365" y="3048000"/>
             <a:ext cx="10337800" cy="381000"/>
           </a:xfrm>
           <a:prstGeom prst="rect">
@@ -9701,24 +9554,24 @@
       </p:sp>
       <p:sp>
         <p:nvSpPr>
-          <p:cNvPr id="134" name="OTLSHAPE_TB_00000000000000000000000000000000_ElapsedTime">
-            <a:extLst>
-              <a:ext uri="{FF2B5EF4-FFF2-40B4-BE49-F238E27FC236}">
-                <a16:creationId xmlns:a16="http://schemas.microsoft.com/office/drawing/2014/main" id="{D219BBBC-150F-487A-8AD5-17F187B57FE4}"/>
+          <p:cNvPr id="341" name="OTLSHAPE_TB_00000000000000000000000000000000_ElapsedTime">
+            <a:extLst>
+              <a:ext uri="{FF2B5EF4-FFF2-40B4-BE49-F238E27FC236}">
+                <a16:creationId xmlns:a16="http://schemas.microsoft.com/office/drawing/2014/main" id="{AB58468E-8AF3-486E-91E5-76346C98CABD}"/>
               </a:ext>
             </a:extLst>
           </p:cNvPr>
           <p:cNvSpPr/>
           <p:nvPr>
             <p:custDataLst>
-              <p:tags r:id="rId17"/>
-            </p:custDataLst>
-          </p:nvPr>
-        </p:nvSpPr>
-        <p:spPr>
-          <a:xfrm>
-            <a:off x="933365" y="2732710"/>
-            <a:ext cx="2616200" cy="76200"/>
+              <p:tags r:id="rId14"/>
+            </p:custDataLst>
+          </p:nvPr>
+        </p:nvSpPr>
+        <p:spPr>
+          <a:xfrm>
+            <a:off x="933365" y="3352800"/>
+            <a:ext cx="4051300" cy="76200"/>
           </a:xfrm>
           <a:prstGeom prst="rect">
             <a:avLst/>
@@ -9784,23 +9637,23 @@
       </p:sp>
       <p:sp>
         <p:nvSpPr>
-          <p:cNvPr id="135" name="OTLSHAPE_TB_00000000000000000000000000000000_TodayMarkerShape">
-            <a:extLst>
-              <a:ext uri="{FF2B5EF4-FFF2-40B4-BE49-F238E27FC236}">
-                <a16:creationId xmlns:a16="http://schemas.microsoft.com/office/drawing/2014/main" id="{8995D056-B00A-47C7-9ED8-EF56E63365FC}"/>
+          <p:cNvPr id="342" name="OTLSHAPE_TB_00000000000000000000000000000000_TodayMarkerShape">
+            <a:extLst>
+              <a:ext uri="{FF2B5EF4-FFF2-40B4-BE49-F238E27FC236}">
+                <a16:creationId xmlns:a16="http://schemas.microsoft.com/office/drawing/2014/main" id="{C2EDFA3E-3361-4ABA-8A2F-664497E8C0D6}"/>
               </a:ext>
             </a:extLst>
           </p:cNvPr>
           <p:cNvSpPr/>
           <p:nvPr>
             <p:custDataLst>
-              <p:tags r:id="rId18"/>
-            </p:custDataLst>
-          </p:nvPr>
-        </p:nvSpPr>
-        <p:spPr>
-          <a:xfrm>
-            <a:off x="3495128" y="2808910"/>
+              <p:tags r:id="rId15"/>
+            </p:custDataLst>
+          </p:nvPr>
+        </p:nvSpPr>
+        <p:spPr>
+          <a:xfrm>
+            <a:off x="4925687" y="3429000"/>
             <a:ext cx="114300" cy="127000"/>
           </a:xfrm>
           <a:prstGeom prst="triangle">
@@ -9865,23 +9718,23 @@
       </p:sp>
       <p:sp>
         <p:nvSpPr>
-          <p:cNvPr id="136" name="OTLSHAPE_TB_00000000000000000000000000000000_TodayMarkerText">
-            <a:extLst>
-              <a:ext uri="{FF2B5EF4-FFF2-40B4-BE49-F238E27FC236}">
-                <a16:creationId xmlns:a16="http://schemas.microsoft.com/office/drawing/2014/main" id="{A6E92DAA-755F-4967-A8CF-7F4D7F079B56}"/>
+          <p:cNvPr id="343" name="OTLSHAPE_TB_00000000000000000000000000000000_TodayMarkerText">
+            <a:extLst>
+              <a:ext uri="{FF2B5EF4-FFF2-40B4-BE49-F238E27FC236}">
+                <a16:creationId xmlns:a16="http://schemas.microsoft.com/office/drawing/2014/main" id="{FADBDA02-7A52-4748-993E-588808BBE0CE}"/>
               </a:ext>
             </a:extLst>
           </p:cNvPr>
           <p:cNvSpPr txBox="1"/>
           <p:nvPr>
             <p:custDataLst>
-              <p:tags r:id="rId19"/>
-            </p:custDataLst>
-          </p:nvPr>
-        </p:nvSpPr>
-        <p:spPr>
-          <a:xfrm>
-            <a:off x="3397157" y="2935910"/>
+              <p:tags r:id="rId16"/>
+            </p:custDataLst>
+          </p:nvPr>
+        </p:nvSpPr>
+        <p:spPr>
+          <a:xfrm>
+            <a:off x="4827715" y="3556000"/>
             <a:ext cx="304800" cy="186055"/>
           </a:xfrm>
           <a:prstGeom prst="rect">
@@ -9910,23 +9763,23 @@
       </p:sp>
       <p:sp>
         <p:nvSpPr>
-          <p:cNvPr id="137" name="OTLSHAPE_TB_00000000000000000000000000000000_TimescaleInterval1">
-            <a:extLst>
-              <a:ext uri="{FF2B5EF4-FFF2-40B4-BE49-F238E27FC236}">
-                <a16:creationId xmlns:a16="http://schemas.microsoft.com/office/drawing/2014/main" id="{C8F710EF-D747-4698-8117-8D46689B7715}"/>
+          <p:cNvPr id="344" name="OTLSHAPE_TB_00000000000000000000000000000000_TimescaleInterval1">
+            <a:extLst>
+              <a:ext uri="{FF2B5EF4-FFF2-40B4-BE49-F238E27FC236}">
+                <a16:creationId xmlns:a16="http://schemas.microsoft.com/office/drawing/2014/main" id="{32F39C7A-F011-410A-9807-3CB9F9CDBC00}"/>
               </a:ext>
             </a:extLst>
           </p:cNvPr>
           <p:cNvSpPr txBox="1"/>
           <p:nvPr>
             <p:custDataLst>
-              <p:tags r:id="rId20"/>
-            </p:custDataLst>
-          </p:nvPr>
-        </p:nvSpPr>
-        <p:spPr>
-          <a:xfrm>
-            <a:off x="996865" y="2525383"/>
+              <p:tags r:id="rId17"/>
+            </p:custDataLst>
+          </p:nvPr>
+        </p:nvSpPr>
+        <p:spPr>
+          <a:xfrm>
+            <a:off x="996865" y="3145473"/>
             <a:ext cx="75470" cy="186055"/>
           </a:xfrm>
           <a:prstGeom prst="rect">
@@ -9960,23 +9813,23 @@
       </p:sp>
       <p:cxnSp>
         <p:nvCxnSpPr>
-          <p:cNvPr id="138" name="OTLSHAPE_TB_00000000000000000000000000000000_Separator1">
-            <a:extLst>
-              <a:ext uri="{FF2B5EF4-FFF2-40B4-BE49-F238E27FC236}">
-                <a16:creationId xmlns:a16="http://schemas.microsoft.com/office/drawing/2014/main" id="{9098A8BE-21BA-4EEC-95BE-633E13A0A1C5}"/>
+          <p:cNvPr id="345" name="OTLSHAPE_TB_00000000000000000000000000000000_Separator1">
+            <a:extLst>
+              <a:ext uri="{FF2B5EF4-FFF2-40B4-BE49-F238E27FC236}">
+                <a16:creationId xmlns:a16="http://schemas.microsoft.com/office/drawing/2014/main" id="{754BB225-B192-41F1-A76B-A416D507514C}"/>
               </a:ext>
             </a:extLst>
           </p:cNvPr>
           <p:cNvCxnSpPr/>
           <p:nvPr>
             <p:custDataLst>
-              <p:tags r:id="rId21"/>
+              <p:tags r:id="rId18"/>
             </p:custDataLst>
           </p:nvPr>
         </p:nvCxnSpPr>
         <p:spPr>
           <a:xfrm>
-            <a:off x="3556999" y="2516810"/>
+            <a:off x="3556999" y="3136900"/>
             <a:ext cx="0" cy="203200"/>
           </a:xfrm>
           <a:prstGeom prst="line">
@@ -10011,23 +9864,23 @@
       </p:cxnSp>
       <p:sp>
         <p:nvSpPr>
-          <p:cNvPr id="139" name="OTLSHAPE_TB_00000000000000000000000000000000_TimescaleInterval2">
-            <a:extLst>
-              <a:ext uri="{FF2B5EF4-FFF2-40B4-BE49-F238E27FC236}">
-                <a16:creationId xmlns:a16="http://schemas.microsoft.com/office/drawing/2014/main" id="{448D08CC-950D-4DF0-ACEA-1AC33226679D}"/>
+          <p:cNvPr id="346" name="OTLSHAPE_TB_00000000000000000000000000000000_TimescaleInterval2">
+            <a:extLst>
+              <a:ext uri="{FF2B5EF4-FFF2-40B4-BE49-F238E27FC236}">
+                <a16:creationId xmlns:a16="http://schemas.microsoft.com/office/drawing/2014/main" id="{1BB78DA2-AADC-4881-AC76-F44E8AA6F509}"/>
               </a:ext>
             </a:extLst>
           </p:cNvPr>
           <p:cNvSpPr txBox="1"/>
           <p:nvPr>
             <p:custDataLst>
-              <p:tags r:id="rId22"/>
-            </p:custDataLst>
-          </p:nvPr>
-        </p:nvSpPr>
-        <p:spPr>
-          <a:xfrm>
-            <a:off x="3620500" y="2525383"/>
+              <p:tags r:id="rId19"/>
+            </p:custDataLst>
+          </p:nvPr>
+        </p:nvSpPr>
+        <p:spPr>
+          <a:xfrm>
+            <a:off x="3620500" y="3145473"/>
             <a:ext cx="75470" cy="186055"/>
           </a:xfrm>
           <a:prstGeom prst="rect">
@@ -10061,23 +9914,23 @@
       </p:sp>
       <p:cxnSp>
         <p:nvCxnSpPr>
-          <p:cNvPr id="140" name="OTLSHAPE_TB_00000000000000000000000000000000_Separator2">
-            <a:extLst>
-              <a:ext uri="{FF2B5EF4-FFF2-40B4-BE49-F238E27FC236}">
-                <a16:creationId xmlns:a16="http://schemas.microsoft.com/office/drawing/2014/main" id="{C4C99BBD-ADAF-48F5-A971-A7AAD7858A25}"/>
+          <p:cNvPr id="347" name="OTLSHAPE_TB_00000000000000000000000000000000_Separator2">
+            <a:extLst>
+              <a:ext uri="{FF2B5EF4-FFF2-40B4-BE49-F238E27FC236}">
+                <a16:creationId xmlns:a16="http://schemas.microsoft.com/office/drawing/2014/main" id="{6D3E41D3-7219-41F1-A42B-3F677B62577B}"/>
               </a:ext>
             </a:extLst>
           </p:cNvPr>
           <p:cNvCxnSpPr/>
           <p:nvPr>
             <p:custDataLst>
-              <p:tags r:id="rId23"/>
+              <p:tags r:id="rId20"/>
             </p:custDataLst>
           </p:nvPr>
         </p:nvCxnSpPr>
         <p:spPr>
           <a:xfrm>
-            <a:off x="6096000" y="2516810"/>
+            <a:off x="6096000" y="3136900"/>
             <a:ext cx="0" cy="203200"/>
           </a:xfrm>
           <a:prstGeom prst="line">
@@ -10112,23 +9965,23 @@
       </p:cxnSp>
       <p:sp>
         <p:nvSpPr>
-          <p:cNvPr id="141" name="OTLSHAPE_TB_00000000000000000000000000000000_TimescaleInterval3">
-            <a:extLst>
-              <a:ext uri="{FF2B5EF4-FFF2-40B4-BE49-F238E27FC236}">
-                <a16:creationId xmlns:a16="http://schemas.microsoft.com/office/drawing/2014/main" id="{79E36BD4-6254-4CAB-B344-26B2390AA330}"/>
+          <p:cNvPr id="348" name="OTLSHAPE_TB_00000000000000000000000000000000_TimescaleInterval3">
+            <a:extLst>
+              <a:ext uri="{FF2B5EF4-FFF2-40B4-BE49-F238E27FC236}">
+                <a16:creationId xmlns:a16="http://schemas.microsoft.com/office/drawing/2014/main" id="{8E4E930D-9BD4-465D-8B2E-33C358562E83}"/>
               </a:ext>
             </a:extLst>
           </p:cNvPr>
           <p:cNvSpPr txBox="1"/>
           <p:nvPr>
             <p:custDataLst>
-              <p:tags r:id="rId24"/>
-            </p:custDataLst>
-          </p:nvPr>
-        </p:nvSpPr>
-        <p:spPr>
-          <a:xfrm>
-            <a:off x="6159500" y="2525383"/>
+              <p:tags r:id="rId21"/>
+            </p:custDataLst>
+          </p:nvPr>
+        </p:nvSpPr>
+        <p:spPr>
+          <a:xfrm>
+            <a:off x="6159500" y="3145473"/>
             <a:ext cx="75470" cy="186055"/>
           </a:xfrm>
           <a:prstGeom prst="rect">
@@ -10162,23 +10015,23 @@
       </p:sp>
       <p:cxnSp>
         <p:nvCxnSpPr>
-          <p:cNvPr id="142" name="OTLSHAPE_TB_00000000000000000000000000000000_Separator3">
-            <a:extLst>
-              <a:ext uri="{FF2B5EF4-FFF2-40B4-BE49-F238E27FC236}">
-                <a16:creationId xmlns:a16="http://schemas.microsoft.com/office/drawing/2014/main" id="{C564A10C-29BF-4182-BEA7-99C9A13FDA0C}"/>
+          <p:cNvPr id="349" name="OTLSHAPE_TB_00000000000000000000000000000000_Separator3">
+            <a:extLst>
+              <a:ext uri="{FF2B5EF4-FFF2-40B4-BE49-F238E27FC236}">
+                <a16:creationId xmlns:a16="http://schemas.microsoft.com/office/drawing/2014/main" id="{F15E2E3C-0DE7-4466-8AF3-B4BE00484C04}"/>
               </a:ext>
             </a:extLst>
           </p:cNvPr>
           <p:cNvCxnSpPr/>
           <p:nvPr>
             <p:custDataLst>
-              <p:tags r:id="rId25"/>
+              <p:tags r:id="rId22"/>
             </p:custDataLst>
           </p:nvPr>
         </p:nvCxnSpPr>
         <p:spPr>
           <a:xfrm>
-            <a:off x="8719634" y="2516810"/>
+            <a:off x="8719634" y="3136900"/>
             <a:ext cx="0" cy="203200"/>
           </a:xfrm>
           <a:prstGeom prst="line">
@@ -10213,23 +10066,23 @@
       </p:cxnSp>
       <p:sp>
         <p:nvSpPr>
-          <p:cNvPr id="143" name="OTLSHAPE_TB_00000000000000000000000000000000_TimescaleInterval4">
-            <a:extLst>
-              <a:ext uri="{FF2B5EF4-FFF2-40B4-BE49-F238E27FC236}">
-                <a16:creationId xmlns:a16="http://schemas.microsoft.com/office/drawing/2014/main" id="{F7854A1C-EBDB-411C-9267-3448E7AE4612}"/>
+          <p:cNvPr id="350" name="OTLSHAPE_TB_00000000000000000000000000000000_TimescaleInterval4">
+            <a:extLst>
+              <a:ext uri="{FF2B5EF4-FFF2-40B4-BE49-F238E27FC236}">
+                <a16:creationId xmlns:a16="http://schemas.microsoft.com/office/drawing/2014/main" id="{772D2BCF-CD87-41CA-99D8-A41968BE0B98}"/>
               </a:ext>
             </a:extLst>
           </p:cNvPr>
           <p:cNvSpPr txBox="1"/>
           <p:nvPr>
             <p:custDataLst>
-              <p:tags r:id="rId26"/>
-            </p:custDataLst>
-          </p:nvPr>
-        </p:nvSpPr>
-        <p:spPr>
-          <a:xfrm>
-            <a:off x="8783134" y="2525383"/>
+              <p:tags r:id="rId23"/>
+            </p:custDataLst>
+          </p:nvPr>
+        </p:nvSpPr>
+        <p:spPr>
+          <a:xfrm>
+            <a:off x="8783134" y="3145473"/>
             <a:ext cx="75470" cy="186055"/>
           </a:xfrm>
           <a:prstGeom prst="rect">
@@ -10263,23 +10116,23 @@
       </p:sp>
       <p:sp>
         <p:nvSpPr>
-          <p:cNvPr id="156" name="OTLSHAPE_T_22a4f0d76806446789e8d0dc63898e9a_Shape">
-            <a:extLst>
-              <a:ext uri="{FF2B5EF4-FFF2-40B4-BE49-F238E27FC236}">
-                <a16:creationId xmlns:a16="http://schemas.microsoft.com/office/drawing/2014/main" id="{94A44F19-E69C-485C-B073-F3319A92BFDE}"/>
+          <p:cNvPr id="360" name="OTLSHAPE_T_22a4f0d76806446789e8d0dc63898e9a_Shape">
+            <a:extLst>
+              <a:ext uri="{FF2B5EF4-FFF2-40B4-BE49-F238E27FC236}">
+                <a16:creationId xmlns:a16="http://schemas.microsoft.com/office/drawing/2014/main" id="{90EF5E3C-F996-45B8-9263-C5F89385FAE3}"/>
               </a:ext>
             </a:extLst>
           </p:cNvPr>
           <p:cNvSpPr/>
           <p:nvPr>
             <p:custDataLst>
-              <p:tags r:id="rId27"/>
-            </p:custDataLst>
-          </p:nvPr>
-        </p:nvSpPr>
-        <p:spPr>
-          <a:xfrm>
-            <a:off x="1356532" y="3325165"/>
+              <p:tags r:id="rId24"/>
+            </p:custDataLst>
+          </p:nvPr>
+        </p:nvSpPr>
+        <p:spPr>
+          <a:xfrm>
+            <a:off x="1356532" y="3945255"/>
             <a:ext cx="2209800" cy="203200"/>
           </a:xfrm>
           <a:prstGeom prst="rect">
@@ -10358,17 +10211,17 @@
       </p:sp>
       <p:sp>
         <p:nvSpPr>
-          <p:cNvPr id="157" name="OTLSHAPE_T_22a4f0d76806446789e8d0dc63898e9a_ShapePercentage" hidden="1">
-            <a:extLst>
-              <a:ext uri="{FF2B5EF4-FFF2-40B4-BE49-F238E27FC236}">
-                <a16:creationId xmlns:a16="http://schemas.microsoft.com/office/drawing/2014/main" id="{3501304C-37D4-44FA-A3A4-FA1299F69413}"/>
+          <p:cNvPr id="361" name="OTLSHAPE_T_22a4f0d76806446789e8d0dc63898e9a_ShapePercentage" hidden="1">
+            <a:extLst>
+              <a:ext uri="{FF2B5EF4-FFF2-40B4-BE49-F238E27FC236}">
+                <a16:creationId xmlns:a16="http://schemas.microsoft.com/office/drawing/2014/main" id="{8A32BE37-1BEA-4116-BAB5-412B1BF22A7F}"/>
               </a:ext>
             </a:extLst>
           </p:cNvPr>
           <p:cNvSpPr/>
           <p:nvPr>
             <p:custDataLst>
-              <p:tags r:id="rId28"/>
+              <p:tags r:id="rId25"/>
             </p:custDataLst>
           </p:nvPr>
         </p:nvSpPr>
@@ -10408,17 +10261,17 @@
       </p:sp>
       <p:sp>
         <p:nvSpPr>
-          <p:cNvPr id="158" name="OTLSHAPE_T_22a4f0d76806446789e8d0dc63898e9a_Duration" hidden="1">
-            <a:extLst>
-              <a:ext uri="{FF2B5EF4-FFF2-40B4-BE49-F238E27FC236}">
-                <a16:creationId xmlns:a16="http://schemas.microsoft.com/office/drawing/2014/main" id="{609A23C8-1B4B-4258-91A9-E0CBC2253033}"/>
+          <p:cNvPr id="362" name="OTLSHAPE_T_22a4f0d76806446789e8d0dc63898e9a_Duration" hidden="1">
+            <a:extLst>
+              <a:ext uri="{FF2B5EF4-FFF2-40B4-BE49-F238E27FC236}">
+                <a16:creationId xmlns:a16="http://schemas.microsoft.com/office/drawing/2014/main" id="{8F86F227-F73D-4326-9609-5371D31AFFDD}"/>
               </a:ext>
             </a:extLst>
           </p:cNvPr>
           <p:cNvSpPr txBox="1"/>
           <p:nvPr>
             <p:custDataLst>
-              <p:tags r:id="rId29"/>
+              <p:tags r:id="rId26"/>
             </p:custDataLst>
           </p:nvPr>
         </p:nvSpPr>
@@ -10462,17 +10315,17 @@
       </p:sp>
       <p:sp>
         <p:nvSpPr>
-          <p:cNvPr id="159" name="OTLSHAPE_T_22a4f0d76806446789e8d0dc63898e9a_TextPercentage" hidden="1">
-            <a:extLst>
-              <a:ext uri="{FF2B5EF4-FFF2-40B4-BE49-F238E27FC236}">
-                <a16:creationId xmlns:a16="http://schemas.microsoft.com/office/drawing/2014/main" id="{E78E7F8A-E464-4725-A2FF-E1B1084F4CF9}"/>
+          <p:cNvPr id="363" name="OTLSHAPE_T_22a4f0d76806446789e8d0dc63898e9a_TextPercentage" hidden="1">
+            <a:extLst>
+              <a:ext uri="{FF2B5EF4-FFF2-40B4-BE49-F238E27FC236}">
+                <a16:creationId xmlns:a16="http://schemas.microsoft.com/office/drawing/2014/main" id="{B0E32DC4-45D4-45D5-9256-45286F69C1DE}"/>
               </a:ext>
             </a:extLst>
           </p:cNvPr>
           <p:cNvSpPr txBox="1"/>
           <p:nvPr>
             <p:custDataLst>
-              <p:tags r:id="rId30"/>
+              <p:tags r:id="rId27"/>
             </p:custDataLst>
           </p:nvPr>
         </p:nvSpPr>
@@ -10504,17 +10357,17 @@
       </p:sp>
       <p:sp>
         <p:nvSpPr>
-          <p:cNvPr id="160" name="OTLSHAPE_T_22a4f0d76806446789e8d0dc63898e9a_StartDate" hidden="1">
-            <a:extLst>
-              <a:ext uri="{FF2B5EF4-FFF2-40B4-BE49-F238E27FC236}">
-                <a16:creationId xmlns:a16="http://schemas.microsoft.com/office/drawing/2014/main" id="{0CF52FB8-EB8F-4A5F-A77A-B61EE158EB0A}"/>
+          <p:cNvPr id="364" name="OTLSHAPE_T_22a4f0d76806446789e8d0dc63898e9a_StartDate" hidden="1">
+            <a:extLst>
+              <a:ext uri="{FF2B5EF4-FFF2-40B4-BE49-F238E27FC236}">
+                <a16:creationId xmlns:a16="http://schemas.microsoft.com/office/drawing/2014/main" id="{52D30A78-5A84-4D8F-B16D-68CB2CFE3434}"/>
               </a:ext>
             </a:extLst>
           </p:cNvPr>
           <p:cNvSpPr txBox="1"/>
           <p:nvPr>
             <p:custDataLst>
-              <p:tags r:id="rId31"/>
+              <p:tags r:id="rId28"/>
             </p:custDataLst>
           </p:nvPr>
         </p:nvSpPr>
@@ -10546,17 +10399,17 @@
       </p:sp>
       <p:sp>
         <p:nvSpPr>
-          <p:cNvPr id="161" name="OTLSHAPE_T_22a4f0d76806446789e8d0dc63898e9a_EndDate" hidden="1">
-            <a:extLst>
-              <a:ext uri="{FF2B5EF4-FFF2-40B4-BE49-F238E27FC236}">
-                <a16:creationId xmlns:a16="http://schemas.microsoft.com/office/drawing/2014/main" id="{7441B2F5-54E6-4FA3-B557-1C28009A8E69}"/>
+          <p:cNvPr id="365" name="OTLSHAPE_T_22a4f0d76806446789e8d0dc63898e9a_EndDate" hidden="1">
+            <a:extLst>
+              <a:ext uri="{FF2B5EF4-FFF2-40B4-BE49-F238E27FC236}">
+                <a16:creationId xmlns:a16="http://schemas.microsoft.com/office/drawing/2014/main" id="{4B8BDEB8-5EAB-43B3-AE93-6449BCD9552C}"/>
               </a:ext>
             </a:extLst>
           </p:cNvPr>
           <p:cNvSpPr txBox="1"/>
           <p:nvPr>
             <p:custDataLst>
-              <p:tags r:id="rId32"/>
+              <p:tags r:id="rId29"/>
             </p:custDataLst>
           </p:nvPr>
         </p:nvSpPr>
@@ -10588,23 +10441,23 @@
       </p:sp>
       <p:sp>
         <p:nvSpPr>
-          <p:cNvPr id="162" name="OTLSHAPE_T_22a4f0d76806446789e8d0dc63898e9a_JoinedDate">
-            <a:extLst>
-              <a:ext uri="{FF2B5EF4-FFF2-40B4-BE49-F238E27FC236}">
-                <a16:creationId xmlns:a16="http://schemas.microsoft.com/office/drawing/2014/main" id="{4E3B071C-E27E-44CD-80CF-BA5EC95697AD}"/>
+          <p:cNvPr id="366" name="OTLSHAPE_T_22a4f0d76806446789e8d0dc63898e9a_JoinedDate">
+            <a:extLst>
+              <a:ext uri="{FF2B5EF4-FFF2-40B4-BE49-F238E27FC236}">
+                <a16:creationId xmlns:a16="http://schemas.microsoft.com/office/drawing/2014/main" id="{064BC10B-A868-44AE-A6E5-309AFAC5A392}"/>
               </a:ext>
             </a:extLst>
           </p:cNvPr>
           <p:cNvSpPr txBox="1"/>
           <p:nvPr>
             <p:custDataLst>
-              <p:tags r:id="rId33"/>
-            </p:custDataLst>
-          </p:nvPr>
-        </p:nvSpPr>
-        <p:spPr>
-          <a:xfrm>
-            <a:off x="3607741" y="3349253"/>
+              <p:tags r:id="rId30"/>
+            </p:custDataLst>
+          </p:nvPr>
+        </p:nvSpPr>
+        <p:spPr>
+          <a:xfrm>
+            <a:off x="3607741" y="3969343"/>
             <a:ext cx="1092200" cy="155025"/>
           </a:xfrm>
           <a:prstGeom prst="rect">
@@ -10638,23 +10491,23 @@
       </p:sp>
       <p:sp>
         <p:nvSpPr>
-          <p:cNvPr id="163" name="OTLSHAPE_T_22a4f0d76806446789e8d0dc63898e9a_Title">
-            <a:extLst>
-              <a:ext uri="{FF2B5EF4-FFF2-40B4-BE49-F238E27FC236}">
-                <a16:creationId xmlns:a16="http://schemas.microsoft.com/office/drawing/2014/main" id="{755D90D1-E0A7-4E61-B948-611B0A886179}"/>
+          <p:cNvPr id="367" name="OTLSHAPE_T_22a4f0d76806446789e8d0dc63898e9a_Title">
+            <a:extLst>
+              <a:ext uri="{FF2B5EF4-FFF2-40B4-BE49-F238E27FC236}">
+                <a16:creationId xmlns:a16="http://schemas.microsoft.com/office/drawing/2014/main" id="{F52D675D-6219-47F9-8DB1-E037641F17CD}"/>
               </a:ext>
             </a:extLst>
           </p:cNvPr>
           <p:cNvSpPr txBox="1"/>
           <p:nvPr>
             <p:custDataLst>
-              <p:tags r:id="rId34"/>
-            </p:custDataLst>
-          </p:nvPr>
-        </p:nvSpPr>
-        <p:spPr>
-          <a:xfrm>
-            <a:off x="127000" y="3341506"/>
+              <p:tags r:id="rId31"/>
+            </p:custDataLst>
+          </p:nvPr>
+        </p:nvSpPr>
+        <p:spPr>
+          <a:xfrm>
+            <a:off x="127000" y="3961596"/>
             <a:ext cx="1219200" cy="170519"/>
           </a:xfrm>
           <a:prstGeom prst="rect">
@@ -10700,24 +10553,24 @@
       </p:sp>
       <p:sp>
         <p:nvSpPr>
-          <p:cNvPr id="164" name="OTLSHAPE_T_d447ea458d95438995f5caa9b91329cc_Shape">
-            <a:extLst>
-              <a:ext uri="{FF2B5EF4-FFF2-40B4-BE49-F238E27FC236}">
-                <a16:creationId xmlns:a16="http://schemas.microsoft.com/office/drawing/2014/main" id="{A7055747-D057-427F-A7DA-95A9AFD6C3D8}"/>
+          <p:cNvPr id="368" name="OTLSHAPE_T_d5cd6d2f98024f49adcf10a7c42fbeff_Shape">
+            <a:extLst>
+              <a:ext uri="{FF2B5EF4-FFF2-40B4-BE49-F238E27FC236}">
+                <a16:creationId xmlns:a16="http://schemas.microsoft.com/office/drawing/2014/main" id="{DFF31260-3EDC-4241-B463-140E24D6C6C3}"/>
               </a:ext>
             </a:extLst>
           </p:cNvPr>
           <p:cNvSpPr/>
           <p:nvPr>
             <p:custDataLst>
-              <p:tags r:id="rId35"/>
-            </p:custDataLst>
-          </p:nvPr>
-        </p:nvSpPr>
-        <p:spPr>
-          <a:xfrm>
-            <a:off x="3557000" y="3591865"/>
-            <a:ext cx="431800" cy="203200"/>
+              <p:tags r:id="rId32"/>
+            </p:custDataLst>
+          </p:nvPr>
+        </p:nvSpPr>
+        <p:spPr>
+          <a:xfrm>
+            <a:off x="3557000" y="4211955"/>
+            <a:ext cx="2540000" cy="203200"/>
           </a:xfrm>
           <a:prstGeom prst="rect">
             <a:avLst/>
@@ -10795,17 +10648,17 @@
       </p:sp>
       <p:sp>
         <p:nvSpPr>
-          <p:cNvPr id="165" name="OTLSHAPE_T_d447ea458d95438995f5caa9b91329cc_ShapePercentage" hidden="1">
-            <a:extLst>
-              <a:ext uri="{FF2B5EF4-FFF2-40B4-BE49-F238E27FC236}">
-                <a16:creationId xmlns:a16="http://schemas.microsoft.com/office/drawing/2014/main" id="{E3CA001C-98AB-4C29-B04F-DBE99FAB65EB}"/>
+          <p:cNvPr id="369" name="OTLSHAPE_T_d5cd6d2f98024f49adcf10a7c42fbeff_ShapePercentage" hidden="1">
+            <a:extLst>
+              <a:ext uri="{FF2B5EF4-FFF2-40B4-BE49-F238E27FC236}">
+                <a16:creationId xmlns:a16="http://schemas.microsoft.com/office/drawing/2014/main" id="{6E5333FC-0978-4F3C-B72F-26306A2F6684}"/>
               </a:ext>
             </a:extLst>
           </p:cNvPr>
           <p:cNvSpPr/>
           <p:nvPr>
             <p:custDataLst>
-              <p:tags r:id="rId36"/>
+              <p:tags r:id="rId33"/>
             </p:custDataLst>
           </p:nvPr>
         </p:nvSpPr>
@@ -10845,24 +10698,24 @@
       </p:sp>
       <p:sp>
         <p:nvSpPr>
-          <p:cNvPr id="166" name="OTLSHAPE_T_d447ea458d95438995f5caa9b91329cc_Duration" hidden="1">
-            <a:extLst>
-              <a:ext uri="{FF2B5EF4-FFF2-40B4-BE49-F238E27FC236}">
-                <a16:creationId xmlns:a16="http://schemas.microsoft.com/office/drawing/2014/main" id="{FB3FDA9E-4D9B-49E1-AFEC-56B0F2B20538}"/>
+          <p:cNvPr id="370" name="OTLSHAPE_T_d5cd6d2f98024f49adcf10a7c42fbeff_Duration" hidden="1">
+            <a:extLst>
+              <a:ext uri="{FF2B5EF4-FFF2-40B4-BE49-F238E27FC236}">
+                <a16:creationId xmlns:a16="http://schemas.microsoft.com/office/drawing/2014/main" id="{6591A7EE-CC89-4CB0-852F-1451D6AAAA1A}"/>
               </a:ext>
             </a:extLst>
           </p:cNvPr>
           <p:cNvSpPr txBox="1"/>
           <p:nvPr>
             <p:custDataLst>
-              <p:tags r:id="rId37"/>
+              <p:tags r:id="rId34"/>
             </p:custDataLst>
           </p:nvPr>
         </p:nvSpPr>
         <p:spPr>
           <a:xfrm>
             <a:off x="0" y="4211955"/>
-            <a:ext cx="228600" cy="155025"/>
+            <a:ext cx="292100" cy="155025"/>
           </a:xfrm>
           <a:prstGeom prst="rect">
             <a:avLst/>
@@ -10883,7 +10736,7 @@
                 </a:solidFill>
                 <a:latin typeface="Calibri" panose="020F0502020204030204" pitchFamily="34" charset="0"/>
               </a:rPr>
-              <a:t>5 </a:t>
+              <a:t>30 </a:t>
             </a:r>
             <a:r>
               <a:rPr lang="ko-KR" altLang="en-US" sz="1000">
@@ -10899,17 +10752,17 @@
       </p:sp>
       <p:sp>
         <p:nvSpPr>
-          <p:cNvPr id="167" name="OTLSHAPE_T_d447ea458d95438995f5caa9b91329cc_TextPercentage" hidden="1">
-            <a:extLst>
-              <a:ext uri="{FF2B5EF4-FFF2-40B4-BE49-F238E27FC236}">
-                <a16:creationId xmlns:a16="http://schemas.microsoft.com/office/drawing/2014/main" id="{864F0EFB-0168-45F8-8795-63D272235B5F}"/>
+          <p:cNvPr id="371" name="OTLSHAPE_T_d5cd6d2f98024f49adcf10a7c42fbeff_TextPercentage" hidden="1">
+            <a:extLst>
+              <a:ext uri="{FF2B5EF4-FFF2-40B4-BE49-F238E27FC236}">
+                <a16:creationId xmlns:a16="http://schemas.microsoft.com/office/drawing/2014/main" id="{64B4ABE4-59CB-4C43-B537-937F07B78D50}"/>
               </a:ext>
             </a:extLst>
           </p:cNvPr>
           <p:cNvSpPr txBox="1"/>
           <p:nvPr>
             <p:custDataLst>
-              <p:tags r:id="rId38"/>
+              <p:tags r:id="rId35"/>
             </p:custDataLst>
           </p:nvPr>
         </p:nvSpPr>
@@ -10941,17 +10794,17 @@
       </p:sp>
       <p:sp>
         <p:nvSpPr>
-          <p:cNvPr id="168" name="OTLSHAPE_T_d447ea458d95438995f5caa9b91329cc_StartDate" hidden="1">
-            <a:extLst>
-              <a:ext uri="{FF2B5EF4-FFF2-40B4-BE49-F238E27FC236}">
-                <a16:creationId xmlns:a16="http://schemas.microsoft.com/office/drawing/2014/main" id="{E79D5145-53CD-4175-87AB-A6340206CF85}"/>
+          <p:cNvPr id="372" name="OTLSHAPE_T_d5cd6d2f98024f49adcf10a7c42fbeff_StartDate" hidden="1">
+            <a:extLst>
+              <a:ext uri="{FF2B5EF4-FFF2-40B4-BE49-F238E27FC236}">
+                <a16:creationId xmlns:a16="http://schemas.microsoft.com/office/drawing/2014/main" id="{5CAF69C0-32D7-49EB-B55C-174815307998}"/>
               </a:ext>
             </a:extLst>
           </p:cNvPr>
           <p:cNvSpPr txBox="1"/>
           <p:nvPr>
             <p:custDataLst>
-              <p:tags r:id="rId39"/>
+              <p:tags r:id="rId36"/>
             </p:custDataLst>
           </p:nvPr>
         </p:nvSpPr>
@@ -10983,17 +10836,17 @@
       </p:sp>
       <p:sp>
         <p:nvSpPr>
-          <p:cNvPr id="169" name="OTLSHAPE_T_d447ea458d95438995f5caa9b91329cc_EndDate" hidden="1">
-            <a:extLst>
-              <a:ext uri="{FF2B5EF4-FFF2-40B4-BE49-F238E27FC236}">
-                <a16:creationId xmlns:a16="http://schemas.microsoft.com/office/drawing/2014/main" id="{23A811B1-356A-4675-90CC-5331263FC204}"/>
+          <p:cNvPr id="373" name="OTLSHAPE_T_d5cd6d2f98024f49adcf10a7c42fbeff_EndDate" hidden="1">
+            <a:extLst>
+              <a:ext uri="{FF2B5EF4-FFF2-40B4-BE49-F238E27FC236}">
+                <a16:creationId xmlns:a16="http://schemas.microsoft.com/office/drawing/2014/main" id="{6AE82CF0-CCA4-451A-BF86-46768F103A53}"/>
               </a:ext>
             </a:extLst>
           </p:cNvPr>
           <p:cNvSpPr txBox="1"/>
           <p:nvPr>
             <p:custDataLst>
-              <p:tags r:id="rId40"/>
+              <p:tags r:id="rId37"/>
             </p:custDataLst>
           </p:nvPr>
         </p:nvSpPr>
@@ -11025,24 +10878,24 @@
       </p:sp>
       <p:sp>
         <p:nvSpPr>
-          <p:cNvPr id="170" name="OTLSHAPE_T_d447ea458d95438995f5caa9b91329cc_JoinedDate">
-            <a:extLst>
-              <a:ext uri="{FF2B5EF4-FFF2-40B4-BE49-F238E27FC236}">
-                <a16:creationId xmlns:a16="http://schemas.microsoft.com/office/drawing/2014/main" id="{65BABD14-764D-4D16-BA9E-0A536CA549D4}"/>
+          <p:cNvPr id="374" name="OTLSHAPE_T_d5cd6d2f98024f49adcf10a7c42fbeff_JoinedDate">
+            <a:extLst>
+              <a:ext uri="{FF2B5EF4-FFF2-40B4-BE49-F238E27FC236}">
+                <a16:creationId xmlns:a16="http://schemas.microsoft.com/office/drawing/2014/main" id="{491BF955-BB10-4E2D-B675-B8E1DE3BD269}"/>
               </a:ext>
             </a:extLst>
           </p:cNvPr>
           <p:cNvSpPr txBox="1"/>
           <p:nvPr>
             <p:custDataLst>
-              <p:tags r:id="rId41"/>
-            </p:custDataLst>
-          </p:nvPr>
-        </p:nvSpPr>
-        <p:spPr>
-          <a:xfrm>
-            <a:off x="4030907" y="3615953"/>
-            <a:ext cx="1028700" cy="155025"/>
+              <p:tags r:id="rId38"/>
+            </p:custDataLst>
+          </p:nvPr>
+        </p:nvSpPr>
+        <p:spPr>
+          <a:xfrm>
+            <a:off x="6146742" y="4236043"/>
+            <a:ext cx="1092200" cy="155025"/>
           </a:xfrm>
           <a:prstGeom prst="rect">
             <a:avLst/>
@@ -11062,7 +10915,7 @@
                 </a:solidFill>
                 <a:latin typeface="Calibri" panose="020F0502020204030204" pitchFamily="34" charset="0"/>
               </a:rPr>
-              <a:t>4-1-2019 - 4-5-2019</a:t>
+              <a:t>4-1-2019 - 4-30-2019</a:t>
             </a:r>
             <a:endParaRPr lang="ko-KR" altLang="en-US" sz="1000" spc="-4">
               <a:solidFill>
@@ -11075,24 +10928,24 @@
       </p:sp>
       <p:sp>
         <p:nvSpPr>
-          <p:cNvPr id="171" name="OTLSHAPE_T_d447ea458d95438995f5caa9b91329cc_Title">
-            <a:extLst>
-              <a:ext uri="{FF2B5EF4-FFF2-40B4-BE49-F238E27FC236}">
-                <a16:creationId xmlns:a16="http://schemas.microsoft.com/office/drawing/2014/main" id="{25C8DB8E-C872-48C8-823E-3AE97C920B2A}"/>
+          <p:cNvPr id="375" name="OTLSHAPE_T_d5cd6d2f98024f49adcf10a7c42fbeff_Title">
+            <a:extLst>
+              <a:ext uri="{FF2B5EF4-FFF2-40B4-BE49-F238E27FC236}">
+                <a16:creationId xmlns:a16="http://schemas.microsoft.com/office/drawing/2014/main" id="{4678F05D-15E6-441B-B7CB-ED8DF44570C1}"/>
               </a:ext>
             </a:extLst>
           </p:cNvPr>
           <p:cNvSpPr txBox="1"/>
           <p:nvPr>
             <p:custDataLst>
-              <p:tags r:id="rId42"/>
-            </p:custDataLst>
-          </p:nvPr>
-        </p:nvSpPr>
-        <p:spPr>
-          <a:xfrm>
-            <a:off x="127000" y="3608206"/>
-            <a:ext cx="1524000" cy="170519"/>
+              <p:tags r:id="rId39"/>
+            </p:custDataLst>
+          </p:nvPr>
+        </p:nvSpPr>
+        <p:spPr>
+          <a:xfrm>
+            <a:off x="127000" y="4228296"/>
+            <a:ext cx="1663700" cy="170519"/>
           </a:xfrm>
           <a:prstGeom prst="rect">
             <a:avLst/>
@@ -11112,49 +10965,31 @@
                 </a:solidFill>
                 <a:latin typeface="Calibri" panose="020F0502020204030204" pitchFamily="34" charset="0"/>
               </a:rPr>
-              <a:t>관련 오픈소스 수집</a:t>
-            </a:r>
-            <a:r>
-              <a:rPr lang="en-US" altLang="ko-KR" sz="1100" b="1" spc="-4">
-                <a:solidFill>
-                  <a:schemeClr val="dk1"/>
-                </a:solidFill>
-                <a:latin typeface="Calibri" panose="020F0502020204030204" pitchFamily="34" charset="0"/>
-              </a:rPr>
-              <a:t>/</a:t>
-            </a:r>
-            <a:r>
-              <a:rPr lang="ko-KR" altLang="en-US" sz="1100" b="1" spc="-4">
-                <a:solidFill>
-                  <a:schemeClr val="dk1"/>
-                </a:solidFill>
-                <a:latin typeface="Calibri" panose="020F0502020204030204" pitchFamily="34" charset="0"/>
-              </a:rPr>
-              <a:t>분석</a:t>
-            </a:r>
-          </a:p>
-        </p:txBody>
-      </p:sp>
-      <p:sp>
-        <p:nvSpPr>
-          <p:cNvPr id="172" name="OTLSHAPE_T_382ddf7c49ae41a9a896b68233bb860b_Shape">
-            <a:extLst>
-              <a:ext uri="{FF2B5EF4-FFF2-40B4-BE49-F238E27FC236}">
-                <a16:creationId xmlns:a16="http://schemas.microsoft.com/office/drawing/2014/main" id="{8D6C10F9-9AE8-461A-9D2C-596D22600034}"/>
+              <a:t>중간 보고서 작성 및 피드백</a:t>
+            </a:r>
+          </a:p>
+        </p:txBody>
+      </p:sp>
+      <p:sp>
+        <p:nvSpPr>
+          <p:cNvPr id="376" name="OTLSHAPE_T_d447ea458d95438995f5caa9b91329cc_Shape">
+            <a:extLst>
+              <a:ext uri="{FF2B5EF4-FFF2-40B4-BE49-F238E27FC236}">
+                <a16:creationId xmlns:a16="http://schemas.microsoft.com/office/drawing/2014/main" id="{1918D732-B2E2-4C54-A484-E157ECCEFE29}"/>
               </a:ext>
             </a:extLst>
           </p:cNvPr>
           <p:cNvSpPr/>
           <p:nvPr>
             <p:custDataLst>
-              <p:tags r:id="rId43"/>
-            </p:custDataLst>
-          </p:nvPr>
-        </p:nvSpPr>
-        <p:spPr>
-          <a:xfrm>
-            <a:off x="3557000" y="3858565"/>
-            <a:ext cx="1701800" cy="203200"/>
+              <p:tags r:id="rId40"/>
+            </p:custDataLst>
+          </p:nvPr>
+        </p:nvSpPr>
+        <p:spPr>
+          <a:xfrm>
+            <a:off x="3557000" y="4478655"/>
+            <a:ext cx="850900" cy="203200"/>
           </a:xfrm>
           <a:prstGeom prst="rect">
             <a:avLst/>
@@ -11232,17 +11067,17 @@
       </p:sp>
       <p:sp>
         <p:nvSpPr>
-          <p:cNvPr id="173" name="OTLSHAPE_T_382ddf7c49ae41a9a896b68233bb860b_ShapePercentage" hidden="1">
-            <a:extLst>
-              <a:ext uri="{FF2B5EF4-FFF2-40B4-BE49-F238E27FC236}">
-                <a16:creationId xmlns:a16="http://schemas.microsoft.com/office/drawing/2014/main" id="{50990C2D-B1FC-42BD-9301-2CC26CB353B9}"/>
+          <p:cNvPr id="377" name="OTLSHAPE_T_d447ea458d95438995f5caa9b91329cc_ShapePercentage" hidden="1">
+            <a:extLst>
+              <a:ext uri="{FF2B5EF4-FFF2-40B4-BE49-F238E27FC236}">
+                <a16:creationId xmlns:a16="http://schemas.microsoft.com/office/drawing/2014/main" id="{44ED2B29-0456-43A1-A70E-0BD232D0C33C}"/>
               </a:ext>
             </a:extLst>
           </p:cNvPr>
           <p:cNvSpPr/>
           <p:nvPr>
             <p:custDataLst>
-              <p:tags r:id="rId44"/>
+              <p:tags r:id="rId41"/>
             </p:custDataLst>
           </p:nvPr>
         </p:nvSpPr>
@@ -11282,17 +11117,17 @@
       </p:sp>
       <p:sp>
         <p:nvSpPr>
-          <p:cNvPr id="174" name="OTLSHAPE_T_382ddf7c49ae41a9a896b68233bb860b_Duration" hidden="1">
-            <a:extLst>
-              <a:ext uri="{FF2B5EF4-FFF2-40B4-BE49-F238E27FC236}">
-                <a16:creationId xmlns:a16="http://schemas.microsoft.com/office/drawing/2014/main" id="{A1CBAD83-EFDF-413B-A525-C2B7EC21DD16}"/>
+          <p:cNvPr id="378" name="OTLSHAPE_T_d447ea458d95438995f5caa9b91329cc_Duration" hidden="1">
+            <a:extLst>
+              <a:ext uri="{FF2B5EF4-FFF2-40B4-BE49-F238E27FC236}">
+                <a16:creationId xmlns:a16="http://schemas.microsoft.com/office/drawing/2014/main" id="{E40565D1-5283-4297-9612-7404EC27A8B6}"/>
               </a:ext>
             </a:extLst>
           </p:cNvPr>
           <p:cNvSpPr txBox="1"/>
           <p:nvPr>
             <p:custDataLst>
-              <p:tags r:id="rId45"/>
+              <p:tags r:id="rId42"/>
             </p:custDataLst>
           </p:nvPr>
         </p:nvSpPr>
@@ -11320,7 +11155,7 @@
                 </a:solidFill>
                 <a:latin typeface="Calibri" panose="020F0502020204030204" pitchFamily="34" charset="0"/>
               </a:rPr>
-              <a:t>20 </a:t>
+              <a:t>10 </a:t>
             </a:r>
             <a:r>
               <a:rPr lang="ko-KR" altLang="en-US" sz="1000">
@@ -11336,17 +11171,17 @@
       </p:sp>
       <p:sp>
         <p:nvSpPr>
-          <p:cNvPr id="175" name="OTLSHAPE_T_382ddf7c49ae41a9a896b68233bb860b_TextPercentage" hidden="1">
-            <a:extLst>
-              <a:ext uri="{FF2B5EF4-FFF2-40B4-BE49-F238E27FC236}">
-                <a16:creationId xmlns:a16="http://schemas.microsoft.com/office/drawing/2014/main" id="{FBF16721-8F9B-4127-9629-D7E9841C1B63}"/>
+          <p:cNvPr id="379" name="OTLSHAPE_T_d447ea458d95438995f5caa9b91329cc_TextPercentage" hidden="1">
+            <a:extLst>
+              <a:ext uri="{FF2B5EF4-FFF2-40B4-BE49-F238E27FC236}">
+                <a16:creationId xmlns:a16="http://schemas.microsoft.com/office/drawing/2014/main" id="{062E71CF-E6E4-40E0-AF06-43D86DAD3853}"/>
               </a:ext>
             </a:extLst>
           </p:cNvPr>
           <p:cNvSpPr txBox="1"/>
           <p:nvPr>
             <p:custDataLst>
-              <p:tags r:id="rId46"/>
+              <p:tags r:id="rId43"/>
             </p:custDataLst>
           </p:nvPr>
         </p:nvSpPr>
@@ -11378,17 +11213,17 @@
       </p:sp>
       <p:sp>
         <p:nvSpPr>
-          <p:cNvPr id="176" name="OTLSHAPE_T_382ddf7c49ae41a9a896b68233bb860b_StartDate" hidden="1">
-            <a:extLst>
-              <a:ext uri="{FF2B5EF4-FFF2-40B4-BE49-F238E27FC236}">
-                <a16:creationId xmlns:a16="http://schemas.microsoft.com/office/drawing/2014/main" id="{39C42BA7-2D73-41A7-B1FE-2786D17333A2}"/>
+          <p:cNvPr id="380" name="OTLSHAPE_T_d447ea458d95438995f5caa9b91329cc_StartDate" hidden="1">
+            <a:extLst>
+              <a:ext uri="{FF2B5EF4-FFF2-40B4-BE49-F238E27FC236}">
+                <a16:creationId xmlns:a16="http://schemas.microsoft.com/office/drawing/2014/main" id="{B4353475-ECF5-489C-A76E-AAFAF9704F61}"/>
               </a:ext>
             </a:extLst>
           </p:cNvPr>
           <p:cNvSpPr txBox="1"/>
           <p:nvPr>
             <p:custDataLst>
-              <p:tags r:id="rId47"/>
+              <p:tags r:id="rId44"/>
             </p:custDataLst>
           </p:nvPr>
         </p:nvSpPr>
@@ -11420,17 +11255,17 @@
       </p:sp>
       <p:sp>
         <p:nvSpPr>
-          <p:cNvPr id="177" name="OTLSHAPE_T_382ddf7c49ae41a9a896b68233bb860b_EndDate" hidden="1">
-            <a:extLst>
-              <a:ext uri="{FF2B5EF4-FFF2-40B4-BE49-F238E27FC236}">
-                <a16:creationId xmlns:a16="http://schemas.microsoft.com/office/drawing/2014/main" id="{93352F9E-EB12-4B2B-821E-C2AC887C7ABB}"/>
+          <p:cNvPr id="381" name="OTLSHAPE_T_d447ea458d95438995f5caa9b91329cc_EndDate" hidden="1">
+            <a:extLst>
+              <a:ext uri="{FF2B5EF4-FFF2-40B4-BE49-F238E27FC236}">
+                <a16:creationId xmlns:a16="http://schemas.microsoft.com/office/drawing/2014/main" id="{E3F2E5D4-9B17-4E6E-9D89-77767E5690F4}"/>
               </a:ext>
             </a:extLst>
           </p:cNvPr>
           <p:cNvSpPr txBox="1"/>
           <p:nvPr>
             <p:custDataLst>
-              <p:tags r:id="rId48"/>
+              <p:tags r:id="rId45"/>
             </p:custDataLst>
           </p:nvPr>
         </p:nvSpPr>
@@ -11462,23 +11297,23 @@
       </p:sp>
       <p:sp>
         <p:nvSpPr>
-          <p:cNvPr id="178" name="OTLSHAPE_T_382ddf7c49ae41a9a896b68233bb860b_JoinedDate">
-            <a:extLst>
-              <a:ext uri="{FF2B5EF4-FFF2-40B4-BE49-F238E27FC236}">
-                <a16:creationId xmlns:a16="http://schemas.microsoft.com/office/drawing/2014/main" id="{8B46095E-F974-47A6-BBFB-293EC9BA28B8}"/>
+          <p:cNvPr id="382" name="OTLSHAPE_T_d447ea458d95438995f5caa9b91329cc_JoinedDate">
+            <a:extLst>
+              <a:ext uri="{FF2B5EF4-FFF2-40B4-BE49-F238E27FC236}">
+                <a16:creationId xmlns:a16="http://schemas.microsoft.com/office/drawing/2014/main" id="{4CE08AB5-D193-4599-878E-CC28B184E733}"/>
               </a:ext>
             </a:extLst>
           </p:cNvPr>
           <p:cNvSpPr txBox="1"/>
           <p:nvPr>
             <p:custDataLst>
-              <p:tags r:id="rId49"/>
-            </p:custDataLst>
-          </p:nvPr>
-        </p:nvSpPr>
-        <p:spPr>
-          <a:xfrm>
-            <a:off x="5300408" y="3882653"/>
+              <p:tags r:id="rId46"/>
+            </p:custDataLst>
+          </p:nvPr>
+        </p:nvSpPr>
+        <p:spPr>
+          <a:xfrm>
+            <a:off x="4454075" y="4502743"/>
             <a:ext cx="1092200" cy="155025"/>
           </a:xfrm>
           <a:prstGeom prst="rect">
@@ -11499,7 +11334,7 @@
                 </a:solidFill>
                 <a:latin typeface="Calibri" panose="020F0502020204030204" pitchFamily="34" charset="0"/>
               </a:rPr>
-              <a:t>4-1-2019 - 4-20-2019</a:t>
+              <a:t>4-1-2019 - 4-10-2019</a:t>
             </a:r>
             <a:endParaRPr lang="ko-KR" altLang="en-US" sz="1000" spc="-4">
               <a:solidFill>
@@ -11512,24 +11347,24 @@
       </p:sp>
       <p:sp>
         <p:nvSpPr>
-          <p:cNvPr id="179" name="OTLSHAPE_T_382ddf7c49ae41a9a896b68233bb860b_Title">
-            <a:extLst>
-              <a:ext uri="{FF2B5EF4-FFF2-40B4-BE49-F238E27FC236}">
-                <a16:creationId xmlns:a16="http://schemas.microsoft.com/office/drawing/2014/main" id="{FE62D381-C036-493D-B83E-9103E460A38B}"/>
+          <p:cNvPr id="383" name="OTLSHAPE_T_d447ea458d95438995f5caa9b91329cc_Title">
+            <a:extLst>
+              <a:ext uri="{FF2B5EF4-FFF2-40B4-BE49-F238E27FC236}">
+                <a16:creationId xmlns:a16="http://schemas.microsoft.com/office/drawing/2014/main" id="{4E1CE74B-D8AC-4A84-8329-5DD3DD2A385E}"/>
               </a:ext>
             </a:extLst>
           </p:cNvPr>
           <p:cNvSpPr txBox="1"/>
           <p:nvPr>
             <p:custDataLst>
-              <p:tags r:id="rId50"/>
-            </p:custDataLst>
-          </p:nvPr>
-        </p:nvSpPr>
-        <p:spPr>
-          <a:xfrm>
-            <a:off x="127000" y="3874906"/>
-            <a:ext cx="457200" cy="170519"/>
+              <p:tags r:id="rId47"/>
+            </p:custDataLst>
+          </p:nvPr>
+        </p:nvSpPr>
+        <p:spPr>
+          <a:xfrm>
+            <a:off x="127000" y="4494996"/>
+            <a:ext cx="1524000" cy="170519"/>
           </a:xfrm>
           <a:prstGeom prst="rect">
             <a:avLst/>
@@ -11543,46 +11378,55 @@
           <a:lstStyle/>
           <a:p>
             <a:r>
-              <a:rPr lang="en-US" altLang="ko-KR" sz="1100" b="1" spc="-10">
+              <a:rPr lang="ko-KR" altLang="en-US" sz="1100" b="1" spc="-4">
                 <a:solidFill>
                   <a:schemeClr val="dk1"/>
                 </a:solidFill>
                 <a:latin typeface="Calibri" panose="020F0502020204030204" pitchFamily="34" charset="0"/>
               </a:rPr>
-              <a:t>C# </a:t>
-            </a:r>
-            <a:r>
-              <a:rPr lang="ko-KR" altLang="en-US" sz="1100" b="1" spc="-10">
+              <a:t>관련 오픈소스 수집</a:t>
+            </a:r>
+            <a:r>
+              <a:rPr lang="en-US" altLang="ko-KR" sz="1100" b="1" spc="-4">
                 <a:solidFill>
                   <a:schemeClr val="dk1"/>
                 </a:solidFill>
                 <a:latin typeface="Calibri" panose="020F0502020204030204" pitchFamily="34" charset="0"/>
               </a:rPr>
-              <a:t>공부</a:t>
-            </a:r>
-          </a:p>
-        </p:txBody>
-      </p:sp>
-      <p:sp>
-        <p:nvSpPr>
-          <p:cNvPr id="180" name="OTLSHAPE_T_75dffbd02c41442183b720bbfa1c3d22_Shape">
-            <a:extLst>
-              <a:ext uri="{FF2B5EF4-FFF2-40B4-BE49-F238E27FC236}">
-                <a16:creationId xmlns:a16="http://schemas.microsoft.com/office/drawing/2014/main" id="{F64D4284-730A-4BDA-A611-4D7D0791CEEF}"/>
+              <a:t>/</a:t>
+            </a:r>
+            <a:r>
+              <a:rPr lang="ko-KR" altLang="en-US" sz="1100" b="1" spc="-4">
+                <a:solidFill>
+                  <a:schemeClr val="dk1"/>
+                </a:solidFill>
+                <a:latin typeface="Calibri" panose="020F0502020204030204" pitchFamily="34" charset="0"/>
+              </a:rPr>
+              <a:t>분석</a:t>
+            </a:r>
+          </a:p>
+        </p:txBody>
+      </p:sp>
+      <p:sp>
+        <p:nvSpPr>
+          <p:cNvPr id="384" name="OTLSHAPE_T_75dffbd02c41442183b720bbfa1c3d22_Shape">
+            <a:extLst>
+              <a:ext uri="{FF2B5EF4-FFF2-40B4-BE49-F238E27FC236}">
+                <a16:creationId xmlns:a16="http://schemas.microsoft.com/office/drawing/2014/main" id="{CA6B154D-3743-4C18-868C-7080F089A35E}"/>
               </a:ext>
             </a:extLst>
           </p:cNvPr>
           <p:cNvSpPr/>
           <p:nvPr>
             <p:custDataLst>
-              <p:tags r:id="rId51"/>
-            </p:custDataLst>
-          </p:nvPr>
-        </p:nvSpPr>
-        <p:spPr>
-          <a:xfrm>
-            <a:off x="3641633" y="4125265"/>
-            <a:ext cx="939800" cy="203200"/>
+              <p:tags r:id="rId48"/>
+            </p:custDataLst>
+          </p:nvPr>
+        </p:nvSpPr>
+        <p:spPr>
+          <a:xfrm>
+            <a:off x="3810900" y="4745355"/>
+            <a:ext cx="596900" cy="203200"/>
           </a:xfrm>
           <a:prstGeom prst="rect">
             <a:avLst/>
@@ -11660,23 +11504,23 @@
       </p:sp>
       <p:sp>
         <p:nvSpPr>
-          <p:cNvPr id="181" name="OTLSHAPE_T_75dffbd02c41442183b720bbfa1c3d22_ShapePercentage" hidden="1">
-            <a:extLst>
-              <a:ext uri="{FF2B5EF4-FFF2-40B4-BE49-F238E27FC236}">
-                <a16:creationId xmlns:a16="http://schemas.microsoft.com/office/drawing/2014/main" id="{99CB0CD4-D42F-473D-9F38-FBFF34830E0B}"/>
+          <p:cNvPr id="385" name="OTLSHAPE_T_75dffbd02c41442183b720bbfa1c3d22_ShapePercentage" hidden="1">
+            <a:extLst>
+              <a:ext uri="{FF2B5EF4-FFF2-40B4-BE49-F238E27FC236}">
+                <a16:creationId xmlns:a16="http://schemas.microsoft.com/office/drawing/2014/main" id="{206C7012-A044-48D7-A187-361F082670BA}"/>
               </a:ext>
             </a:extLst>
           </p:cNvPr>
           <p:cNvSpPr/>
           <p:nvPr>
             <p:custDataLst>
-              <p:tags r:id="rId52"/>
-            </p:custDataLst>
-          </p:nvPr>
-        </p:nvSpPr>
-        <p:spPr>
-          <a:xfrm>
-            <a:off x="3641633" y="4745355"/>
+              <p:tags r:id="rId49"/>
+            </p:custDataLst>
+          </p:nvPr>
+        </p:nvSpPr>
+        <p:spPr>
+          <a:xfrm>
+            <a:off x="3810900" y="4745355"/>
             <a:ext cx="0" cy="0"/>
           </a:xfrm>
           <a:prstGeom prst="rect">
@@ -11710,24 +11554,24 @@
       </p:sp>
       <p:sp>
         <p:nvSpPr>
-          <p:cNvPr id="182" name="OTLSHAPE_T_75dffbd02c41442183b720bbfa1c3d22_Duration" hidden="1">
-            <a:extLst>
-              <a:ext uri="{FF2B5EF4-FFF2-40B4-BE49-F238E27FC236}">
-                <a16:creationId xmlns:a16="http://schemas.microsoft.com/office/drawing/2014/main" id="{E0D5B610-906E-4313-96A3-E4DE5789BB16}"/>
+          <p:cNvPr id="386" name="OTLSHAPE_T_75dffbd02c41442183b720bbfa1c3d22_Duration" hidden="1">
+            <a:extLst>
+              <a:ext uri="{FF2B5EF4-FFF2-40B4-BE49-F238E27FC236}">
+                <a16:creationId xmlns:a16="http://schemas.microsoft.com/office/drawing/2014/main" id="{72BB3AE0-1ACB-43BB-9145-35C373708008}"/>
               </a:ext>
             </a:extLst>
           </p:cNvPr>
           <p:cNvSpPr txBox="1"/>
           <p:nvPr>
             <p:custDataLst>
-              <p:tags r:id="rId53"/>
+              <p:tags r:id="rId50"/>
             </p:custDataLst>
           </p:nvPr>
         </p:nvSpPr>
         <p:spPr>
           <a:xfrm>
             <a:off x="0" y="4745355"/>
-            <a:ext cx="292100" cy="155025"/>
+            <a:ext cx="228600" cy="155025"/>
           </a:xfrm>
           <a:prstGeom prst="rect">
             <a:avLst/>
@@ -11748,7 +11592,7 @@
                 </a:solidFill>
                 <a:latin typeface="Calibri" panose="020F0502020204030204" pitchFamily="34" charset="0"/>
               </a:rPr>
-              <a:t>11 </a:t>
+              <a:t>7 </a:t>
             </a:r>
             <a:r>
               <a:rPr lang="ko-KR" altLang="en-US" sz="1000">
@@ -11764,17 +11608,17 @@
       </p:sp>
       <p:sp>
         <p:nvSpPr>
-          <p:cNvPr id="183" name="OTLSHAPE_T_75dffbd02c41442183b720bbfa1c3d22_TextPercentage" hidden="1">
-            <a:extLst>
-              <a:ext uri="{FF2B5EF4-FFF2-40B4-BE49-F238E27FC236}">
-                <a16:creationId xmlns:a16="http://schemas.microsoft.com/office/drawing/2014/main" id="{5CE8C7BC-5763-4449-BE9E-D0671B787C30}"/>
+          <p:cNvPr id="387" name="OTLSHAPE_T_75dffbd02c41442183b720bbfa1c3d22_TextPercentage" hidden="1">
+            <a:extLst>
+              <a:ext uri="{FF2B5EF4-FFF2-40B4-BE49-F238E27FC236}">
+                <a16:creationId xmlns:a16="http://schemas.microsoft.com/office/drawing/2014/main" id="{56128215-D4CE-498D-ACB1-376C24162656}"/>
               </a:ext>
             </a:extLst>
           </p:cNvPr>
           <p:cNvSpPr txBox="1"/>
           <p:nvPr>
             <p:custDataLst>
-              <p:tags r:id="rId54"/>
+              <p:tags r:id="rId51"/>
             </p:custDataLst>
           </p:nvPr>
         </p:nvSpPr>
@@ -11806,17 +11650,17 @@
       </p:sp>
       <p:sp>
         <p:nvSpPr>
-          <p:cNvPr id="184" name="OTLSHAPE_T_75dffbd02c41442183b720bbfa1c3d22_StartDate" hidden="1">
-            <a:extLst>
-              <a:ext uri="{FF2B5EF4-FFF2-40B4-BE49-F238E27FC236}">
-                <a16:creationId xmlns:a16="http://schemas.microsoft.com/office/drawing/2014/main" id="{8B788F75-D597-418A-B390-7FDD2D52DDC8}"/>
+          <p:cNvPr id="388" name="OTLSHAPE_T_75dffbd02c41442183b720bbfa1c3d22_StartDate" hidden="1">
+            <a:extLst>
+              <a:ext uri="{FF2B5EF4-FFF2-40B4-BE49-F238E27FC236}">
+                <a16:creationId xmlns:a16="http://schemas.microsoft.com/office/drawing/2014/main" id="{BFFA9211-F4E3-4DAF-9E68-6DF93FF1BE85}"/>
               </a:ext>
             </a:extLst>
           </p:cNvPr>
           <p:cNvSpPr txBox="1"/>
           <p:nvPr>
             <p:custDataLst>
-              <p:tags r:id="rId55"/>
+              <p:tags r:id="rId52"/>
             </p:custDataLst>
           </p:nvPr>
         </p:nvSpPr>
@@ -11848,17 +11692,17 @@
       </p:sp>
       <p:sp>
         <p:nvSpPr>
-          <p:cNvPr id="185" name="OTLSHAPE_T_75dffbd02c41442183b720bbfa1c3d22_EndDate" hidden="1">
-            <a:extLst>
-              <a:ext uri="{FF2B5EF4-FFF2-40B4-BE49-F238E27FC236}">
-                <a16:creationId xmlns:a16="http://schemas.microsoft.com/office/drawing/2014/main" id="{F8953460-CEA7-42F8-BCA2-0E238F2F7625}"/>
+          <p:cNvPr id="389" name="OTLSHAPE_T_75dffbd02c41442183b720bbfa1c3d22_EndDate" hidden="1">
+            <a:extLst>
+              <a:ext uri="{FF2B5EF4-FFF2-40B4-BE49-F238E27FC236}">
+                <a16:creationId xmlns:a16="http://schemas.microsoft.com/office/drawing/2014/main" id="{89F3721F-69B6-46B6-A439-42FB556A1338}"/>
               </a:ext>
             </a:extLst>
           </p:cNvPr>
           <p:cNvSpPr txBox="1"/>
           <p:nvPr>
             <p:custDataLst>
-              <p:tags r:id="rId56"/>
+              <p:tags r:id="rId53"/>
             </p:custDataLst>
           </p:nvPr>
         </p:nvSpPr>
@@ -11890,23 +11734,23 @@
       </p:sp>
       <p:sp>
         <p:nvSpPr>
-          <p:cNvPr id="186" name="OTLSHAPE_T_75dffbd02c41442183b720bbfa1c3d22_JoinedDate">
-            <a:extLst>
-              <a:ext uri="{FF2B5EF4-FFF2-40B4-BE49-F238E27FC236}">
-                <a16:creationId xmlns:a16="http://schemas.microsoft.com/office/drawing/2014/main" id="{BB238C27-6521-4CEC-BC8C-C6F8F86690ED}"/>
+          <p:cNvPr id="390" name="OTLSHAPE_T_75dffbd02c41442183b720bbfa1c3d22_JoinedDate">
+            <a:extLst>
+              <a:ext uri="{FF2B5EF4-FFF2-40B4-BE49-F238E27FC236}">
+                <a16:creationId xmlns:a16="http://schemas.microsoft.com/office/drawing/2014/main" id="{D05DB780-2903-4A60-B4E9-1F3900B1D595}"/>
               </a:ext>
             </a:extLst>
           </p:cNvPr>
           <p:cNvSpPr txBox="1"/>
           <p:nvPr>
             <p:custDataLst>
-              <p:tags r:id="rId57"/>
-            </p:custDataLst>
-          </p:nvPr>
-        </p:nvSpPr>
-        <p:spPr>
-          <a:xfrm>
-            <a:off x="4623341" y="4149353"/>
+              <p:tags r:id="rId54"/>
+            </p:custDataLst>
+          </p:nvPr>
+        </p:nvSpPr>
+        <p:spPr>
+          <a:xfrm>
+            <a:off x="4454075" y="4769443"/>
             <a:ext cx="1092200" cy="155025"/>
           </a:xfrm>
           <a:prstGeom prst="rect">
@@ -11927,7 +11771,7 @@
                 </a:solidFill>
                 <a:latin typeface="Calibri" panose="020F0502020204030204" pitchFamily="34" charset="0"/>
               </a:rPr>
-              <a:t>4-2-2019 - 4-12-2019</a:t>
+              <a:t>4-4-2019 - 4-10-2019</a:t>
             </a:r>
             <a:endParaRPr lang="ko-KR" altLang="en-US" sz="1000" spc="-4">
               <a:solidFill>
@@ -11940,23 +11784,23 @@
       </p:sp>
       <p:sp>
         <p:nvSpPr>
-          <p:cNvPr id="187" name="OTLSHAPE_T_75dffbd02c41442183b720bbfa1c3d22_Title">
-            <a:extLst>
-              <a:ext uri="{FF2B5EF4-FFF2-40B4-BE49-F238E27FC236}">
-                <a16:creationId xmlns:a16="http://schemas.microsoft.com/office/drawing/2014/main" id="{E52298A1-59D8-4EC1-98D2-046C84779BF6}"/>
+          <p:cNvPr id="391" name="OTLSHAPE_T_75dffbd02c41442183b720bbfa1c3d22_Title">
+            <a:extLst>
+              <a:ext uri="{FF2B5EF4-FFF2-40B4-BE49-F238E27FC236}">
+                <a16:creationId xmlns:a16="http://schemas.microsoft.com/office/drawing/2014/main" id="{2E17B189-3D6B-4C85-A339-29B87046667B}"/>
               </a:ext>
             </a:extLst>
           </p:cNvPr>
           <p:cNvSpPr txBox="1"/>
           <p:nvPr>
             <p:custDataLst>
-              <p:tags r:id="rId58"/>
-            </p:custDataLst>
-          </p:nvPr>
-        </p:nvSpPr>
-        <p:spPr>
-          <a:xfrm>
-            <a:off x="127000" y="4141606"/>
+              <p:tags r:id="rId55"/>
+            </p:custDataLst>
+          </p:nvPr>
+        </p:nvSpPr>
+        <p:spPr>
+          <a:xfrm>
+            <a:off x="127000" y="4761696"/>
             <a:ext cx="1181100" cy="170519"/>
           </a:xfrm>
           <a:prstGeom prst="rect">
@@ -11984,24 +11828,24 @@
       </p:sp>
       <p:sp>
         <p:nvSpPr>
-          <p:cNvPr id="188" name="OTLSHAPE_T_851ed80c604a4b30a8d306879c8ab2b5_Shape">
-            <a:extLst>
-              <a:ext uri="{FF2B5EF4-FFF2-40B4-BE49-F238E27FC236}">
-                <a16:creationId xmlns:a16="http://schemas.microsoft.com/office/drawing/2014/main" id="{DEDDD08C-7331-4BD0-A345-5B2169111B79}"/>
+          <p:cNvPr id="392" name="OTLSHAPE_T_382ddf7c49ae41a9a896b68233bb860b_Shape">
+            <a:extLst>
+              <a:ext uri="{FF2B5EF4-FFF2-40B4-BE49-F238E27FC236}">
+                <a16:creationId xmlns:a16="http://schemas.microsoft.com/office/drawing/2014/main" id="{44688EDB-BA9B-45E8-B92A-AD08B5D9299B}"/>
               </a:ext>
             </a:extLst>
           </p:cNvPr>
           <p:cNvSpPr/>
           <p:nvPr>
             <p:custDataLst>
-              <p:tags r:id="rId59"/>
-            </p:custDataLst>
-          </p:nvPr>
-        </p:nvSpPr>
-        <p:spPr>
-          <a:xfrm>
-            <a:off x="3895533" y="4391965"/>
-            <a:ext cx="1358900" cy="203200"/>
+              <p:tags r:id="rId56"/>
+            </p:custDataLst>
+          </p:nvPr>
+        </p:nvSpPr>
+        <p:spPr>
+          <a:xfrm>
+            <a:off x="4064800" y="5012055"/>
+            <a:ext cx="1193800" cy="203200"/>
           </a:xfrm>
           <a:prstGeom prst="rect">
             <a:avLst/>
@@ -12079,23 +11923,23 @@
       </p:sp>
       <p:sp>
         <p:nvSpPr>
-          <p:cNvPr id="189" name="OTLSHAPE_T_851ed80c604a4b30a8d306879c8ab2b5_ShapePercentage" hidden="1">
-            <a:extLst>
-              <a:ext uri="{FF2B5EF4-FFF2-40B4-BE49-F238E27FC236}">
-                <a16:creationId xmlns:a16="http://schemas.microsoft.com/office/drawing/2014/main" id="{1FFF164C-E90D-44A6-B90B-320919DE2DAD}"/>
+          <p:cNvPr id="393" name="OTLSHAPE_T_382ddf7c49ae41a9a896b68233bb860b_ShapePercentage" hidden="1">
+            <a:extLst>
+              <a:ext uri="{FF2B5EF4-FFF2-40B4-BE49-F238E27FC236}">
+                <a16:creationId xmlns:a16="http://schemas.microsoft.com/office/drawing/2014/main" id="{FFAE89BE-5A4F-4E12-AB0B-AF167B2F66FF}"/>
               </a:ext>
             </a:extLst>
           </p:cNvPr>
           <p:cNvSpPr/>
           <p:nvPr>
             <p:custDataLst>
-              <p:tags r:id="rId60"/>
-            </p:custDataLst>
-          </p:nvPr>
-        </p:nvSpPr>
-        <p:spPr>
-          <a:xfrm>
-            <a:off x="3895533" y="5012055"/>
+              <p:tags r:id="rId57"/>
+            </p:custDataLst>
+          </p:nvPr>
+        </p:nvSpPr>
+        <p:spPr>
+          <a:xfrm>
+            <a:off x="4064800" y="5012055"/>
             <a:ext cx="0" cy="0"/>
           </a:xfrm>
           <a:prstGeom prst="rect">
@@ -12129,17 +11973,17 @@
       </p:sp>
       <p:sp>
         <p:nvSpPr>
-          <p:cNvPr id="190" name="OTLSHAPE_T_851ed80c604a4b30a8d306879c8ab2b5_Duration" hidden="1">
-            <a:extLst>
-              <a:ext uri="{FF2B5EF4-FFF2-40B4-BE49-F238E27FC236}">
-                <a16:creationId xmlns:a16="http://schemas.microsoft.com/office/drawing/2014/main" id="{F13B735E-1AB1-4250-AB6B-BD183476F9F6}"/>
+          <p:cNvPr id="394" name="OTLSHAPE_T_382ddf7c49ae41a9a896b68233bb860b_Duration" hidden="1">
+            <a:extLst>
+              <a:ext uri="{FF2B5EF4-FFF2-40B4-BE49-F238E27FC236}">
+                <a16:creationId xmlns:a16="http://schemas.microsoft.com/office/drawing/2014/main" id="{21194B00-D3E6-4477-BE73-B04F2E30A2E6}"/>
               </a:ext>
             </a:extLst>
           </p:cNvPr>
           <p:cNvSpPr txBox="1"/>
           <p:nvPr>
             <p:custDataLst>
-              <p:tags r:id="rId61"/>
+              <p:tags r:id="rId58"/>
             </p:custDataLst>
           </p:nvPr>
         </p:nvSpPr>
@@ -12167,7 +12011,7 @@
                 </a:solidFill>
                 <a:latin typeface="Calibri" panose="020F0502020204030204" pitchFamily="34" charset="0"/>
               </a:rPr>
-              <a:t>16 </a:t>
+              <a:t>14 </a:t>
             </a:r>
             <a:r>
               <a:rPr lang="ko-KR" altLang="en-US" sz="1000">
@@ -12183,17 +12027,17 @@
       </p:sp>
       <p:sp>
         <p:nvSpPr>
-          <p:cNvPr id="191" name="OTLSHAPE_T_851ed80c604a4b30a8d306879c8ab2b5_TextPercentage" hidden="1">
-            <a:extLst>
-              <a:ext uri="{FF2B5EF4-FFF2-40B4-BE49-F238E27FC236}">
-                <a16:creationId xmlns:a16="http://schemas.microsoft.com/office/drawing/2014/main" id="{469923CD-C619-461A-89EE-73D2994724DA}"/>
+          <p:cNvPr id="395" name="OTLSHAPE_T_382ddf7c49ae41a9a896b68233bb860b_TextPercentage" hidden="1">
+            <a:extLst>
+              <a:ext uri="{FF2B5EF4-FFF2-40B4-BE49-F238E27FC236}">
+                <a16:creationId xmlns:a16="http://schemas.microsoft.com/office/drawing/2014/main" id="{D9620474-9A12-46D2-9463-5AED90594FF4}"/>
               </a:ext>
             </a:extLst>
           </p:cNvPr>
           <p:cNvSpPr txBox="1"/>
           <p:nvPr>
             <p:custDataLst>
-              <p:tags r:id="rId62"/>
+              <p:tags r:id="rId59"/>
             </p:custDataLst>
           </p:nvPr>
         </p:nvSpPr>
@@ -12225,17 +12069,17 @@
       </p:sp>
       <p:sp>
         <p:nvSpPr>
-          <p:cNvPr id="192" name="OTLSHAPE_T_851ed80c604a4b30a8d306879c8ab2b5_StartDate" hidden="1">
-            <a:extLst>
-              <a:ext uri="{FF2B5EF4-FFF2-40B4-BE49-F238E27FC236}">
-                <a16:creationId xmlns:a16="http://schemas.microsoft.com/office/drawing/2014/main" id="{18DEE134-7144-448B-A795-BEA64D567F56}"/>
+          <p:cNvPr id="396" name="OTLSHAPE_T_382ddf7c49ae41a9a896b68233bb860b_StartDate" hidden="1">
+            <a:extLst>
+              <a:ext uri="{FF2B5EF4-FFF2-40B4-BE49-F238E27FC236}">
+                <a16:creationId xmlns:a16="http://schemas.microsoft.com/office/drawing/2014/main" id="{64C2948F-0579-477B-9738-5DD4F5CA4B64}"/>
               </a:ext>
             </a:extLst>
           </p:cNvPr>
           <p:cNvSpPr txBox="1"/>
           <p:nvPr>
             <p:custDataLst>
-              <p:tags r:id="rId63"/>
+              <p:tags r:id="rId60"/>
             </p:custDataLst>
           </p:nvPr>
         </p:nvSpPr>
@@ -12267,17 +12111,17 @@
       </p:sp>
       <p:sp>
         <p:nvSpPr>
-          <p:cNvPr id="193" name="OTLSHAPE_T_851ed80c604a4b30a8d306879c8ab2b5_EndDate" hidden="1">
-            <a:extLst>
-              <a:ext uri="{FF2B5EF4-FFF2-40B4-BE49-F238E27FC236}">
-                <a16:creationId xmlns:a16="http://schemas.microsoft.com/office/drawing/2014/main" id="{15548676-E1A1-4368-B117-4A667E2FBEF1}"/>
+          <p:cNvPr id="397" name="OTLSHAPE_T_382ddf7c49ae41a9a896b68233bb860b_EndDate" hidden="1">
+            <a:extLst>
+              <a:ext uri="{FF2B5EF4-FFF2-40B4-BE49-F238E27FC236}">
+                <a16:creationId xmlns:a16="http://schemas.microsoft.com/office/drawing/2014/main" id="{DF8F2A14-3EBA-4CFC-9CA9-0863A05EE568}"/>
               </a:ext>
             </a:extLst>
           </p:cNvPr>
           <p:cNvSpPr txBox="1"/>
           <p:nvPr>
             <p:custDataLst>
-              <p:tags r:id="rId64"/>
+              <p:tags r:id="rId61"/>
             </p:custDataLst>
           </p:nvPr>
         </p:nvSpPr>
@@ -12309,23 +12153,23 @@
       </p:sp>
       <p:sp>
         <p:nvSpPr>
-          <p:cNvPr id="194" name="OTLSHAPE_T_851ed80c604a4b30a8d306879c8ab2b5_JoinedDate">
-            <a:extLst>
-              <a:ext uri="{FF2B5EF4-FFF2-40B4-BE49-F238E27FC236}">
-                <a16:creationId xmlns:a16="http://schemas.microsoft.com/office/drawing/2014/main" id="{2A30A8C3-8900-4D09-8623-60898FD930B0}"/>
+          <p:cNvPr id="398" name="OTLSHAPE_T_382ddf7c49ae41a9a896b68233bb860b_JoinedDate">
+            <a:extLst>
+              <a:ext uri="{FF2B5EF4-FFF2-40B4-BE49-F238E27FC236}">
+                <a16:creationId xmlns:a16="http://schemas.microsoft.com/office/drawing/2014/main" id="{BA0D6833-216C-45D5-ABA4-9AB908D016A5}"/>
               </a:ext>
             </a:extLst>
           </p:cNvPr>
           <p:cNvSpPr txBox="1"/>
           <p:nvPr>
             <p:custDataLst>
-              <p:tags r:id="rId65"/>
-            </p:custDataLst>
-          </p:nvPr>
-        </p:nvSpPr>
-        <p:spPr>
-          <a:xfrm>
-            <a:off x="5300408" y="4416053"/>
+              <p:tags r:id="rId62"/>
+            </p:custDataLst>
+          </p:nvPr>
+        </p:nvSpPr>
+        <p:spPr>
+          <a:xfrm>
+            <a:off x="5300408" y="5036143"/>
             <a:ext cx="1092200" cy="155025"/>
           </a:xfrm>
           <a:prstGeom prst="rect">
@@ -12346,7 +12190,7 @@
                 </a:solidFill>
                 <a:latin typeface="Calibri" panose="020F0502020204030204" pitchFamily="34" charset="0"/>
               </a:rPr>
-              <a:t>4-5-2019 - 4-20-2019</a:t>
+              <a:t>4-7-2019 - 4-20-2019</a:t>
             </a:r>
             <a:endParaRPr lang="ko-KR" altLang="en-US" sz="1000" spc="-4">
               <a:solidFill>
@@ -12359,24 +12203,24 @@
       </p:sp>
       <p:sp>
         <p:nvSpPr>
-          <p:cNvPr id="195" name="OTLSHAPE_T_851ed80c604a4b30a8d306879c8ab2b5_Title">
-            <a:extLst>
-              <a:ext uri="{FF2B5EF4-FFF2-40B4-BE49-F238E27FC236}">
-                <a16:creationId xmlns:a16="http://schemas.microsoft.com/office/drawing/2014/main" id="{62B60BB9-20AF-46BF-BDA7-C9C0A6A4C2B3}"/>
+          <p:cNvPr id="399" name="OTLSHAPE_T_382ddf7c49ae41a9a896b68233bb860b_Title">
+            <a:extLst>
+              <a:ext uri="{FF2B5EF4-FFF2-40B4-BE49-F238E27FC236}">
+                <a16:creationId xmlns:a16="http://schemas.microsoft.com/office/drawing/2014/main" id="{4B5515F4-100E-4C97-9D02-6E8FCFC7A0D4}"/>
               </a:ext>
             </a:extLst>
           </p:cNvPr>
           <p:cNvSpPr txBox="1"/>
           <p:nvPr>
             <p:custDataLst>
-              <p:tags r:id="rId66"/>
-            </p:custDataLst>
-          </p:nvPr>
-        </p:nvSpPr>
-        <p:spPr>
-          <a:xfrm>
-            <a:off x="127000" y="4408306"/>
-            <a:ext cx="1574800" cy="170519"/>
+              <p:tags r:id="rId63"/>
+            </p:custDataLst>
+          </p:nvPr>
+        </p:nvSpPr>
+        <p:spPr>
+          <a:xfrm>
+            <a:off x="127000" y="5028396"/>
+            <a:ext cx="2235200" cy="170519"/>
           </a:xfrm>
           <a:prstGeom prst="rect">
             <a:avLst/>
@@ -12389,6 +12233,15 @@
           </a:bodyPr>
           <a:lstStyle/>
           <a:p>
+            <a:r>
+              <a:rPr lang="en-US" altLang="ko-KR" sz="1100" b="1" spc="-4">
+                <a:solidFill>
+                  <a:schemeClr val="dk1"/>
+                </a:solidFill>
+                <a:latin typeface="Calibri" panose="020F0502020204030204" pitchFamily="34" charset="0"/>
+              </a:rPr>
+              <a:t>C# </a:t>
+            </a:r>
             <a:r>
               <a:rPr lang="ko-KR" altLang="en-US" sz="1100" b="1" spc="-4">
                 <a:solidFill>
@@ -12396,7 +12249,7 @@
                 </a:solidFill>
                 <a:latin typeface="Calibri" panose="020F0502020204030204" pitchFamily="34" charset="0"/>
               </a:rPr>
-              <a:t>윈도우 프로그램 </a:t>
+              <a:t>공부 및 윈도우 프로그램 </a:t>
             </a:r>
             <a:r>
               <a:rPr lang="en-US" altLang="ko-KR" sz="1100" b="1" spc="-4">
@@ -12421,24 +12274,443 @@
       </p:sp>
       <p:sp>
         <p:nvSpPr>
-          <p:cNvPr id="196" name="OTLSHAPE_T_5e91d7c96d4149b7b28ed3ae91d52159_Shape">
-            <a:extLst>
-              <a:ext uri="{FF2B5EF4-FFF2-40B4-BE49-F238E27FC236}">
-                <a16:creationId xmlns:a16="http://schemas.microsoft.com/office/drawing/2014/main" id="{596671C3-FE8E-43BB-9473-4BC50643EA92}"/>
+          <p:cNvPr id="400" name="OTLSHAPE_T_27ae47589bac40d38409405d5a28c9b6_Shape">
+            <a:extLst>
+              <a:ext uri="{FF2B5EF4-FFF2-40B4-BE49-F238E27FC236}">
+                <a16:creationId xmlns:a16="http://schemas.microsoft.com/office/drawing/2014/main" id="{ED788829-287A-4F42-B06B-B40C714F97A8}"/>
               </a:ext>
             </a:extLst>
           </p:cNvPr>
           <p:cNvSpPr/>
           <p:nvPr>
             <p:custDataLst>
+              <p:tags r:id="rId64"/>
+            </p:custDataLst>
+          </p:nvPr>
+        </p:nvSpPr>
+        <p:spPr>
+          <a:xfrm>
+            <a:off x="4318700" y="5278755"/>
+            <a:ext cx="3390900" cy="203200"/>
+          </a:xfrm>
+          <a:prstGeom prst="rect">
+            <a:avLst/>
+          </a:prstGeom>
+          <a:solidFill>
+            <a:schemeClr val="accent4"/>
+          </a:solidFill>
+          <a:ln w="12700" cap="flat" cmpd="sng" algn="ctr">
+            <a:noFill/>
+            <a:prstDash val="solid"/>
+            <a:miter lim="800000"/>
+          </a:ln>
+          <a:effectLst/>
+          <a:scene3d>
+            <a:camera prst="orthographicFront"/>
+            <a:lightRig rig="balanced" dir="t">
+              <a:rot lat="0" lon="0" rev="8700000"/>
+            </a:lightRig>
+          </a:scene3d>
+          <a:sp3d>
+            <a:bevelT w="165100" h="12700"/>
+          </a:sp3d>
+          <a:extLst>
+            <a:ext uri="{91240B29-F687-4F45-9708-019B960494DF}">
+              <a14:hiddenLine xmlns:a14="http://schemas.microsoft.com/office/drawing/2010/main" w="12700" cap="flat" cmpd="sng" algn="ctr">
+                <a:solidFill>
+                  <a:schemeClr val="accent1">
+                    <a:shade val="50000"/>
+                  </a:schemeClr>
+                </a:solidFill>
+                <a:prstDash val="solid"/>
+                <a:miter lim="800000"/>
+              </a14:hiddenLine>
+            </a:ext>
+            <a:ext uri="{AF507438-7753-43E0-B8FC-AC1667EBCBE1}">
+              <a14:hiddenEffects xmlns:a14="http://schemas.microsoft.com/office/drawing/2010/main">
+                <a:effectLst>
+                  <a:outerShdw>
+                    <a:scrgbClr r="0" g="0" b="0">
+                      <a:alpha val="50000"/>
+                    </a:scrgbClr>
+                  </a:outerShdw>
+                </a:effectLst>
+              </a14:hiddenEffects>
+            </a:ext>
+            <a:ext uri="{53640926-AAD7-44D8-BBD7-CCE9431645EC}">
+              <a14:shadowObscured xmlns:a14="http://schemas.microsoft.com/office/drawing/2010/main" val="1"/>
+            </a:ext>
+          </a:extLst>
+        </p:spPr>
+        <p:style>
+          <a:lnRef idx="2">
+            <a:schemeClr val="accent1">
+              <a:shade val="50000"/>
+            </a:schemeClr>
+          </a:lnRef>
+          <a:fillRef idx="1">
+            <a:schemeClr val="accent1"/>
+          </a:fillRef>
+          <a:effectRef idx="0">
+            <a:schemeClr val="accent1"/>
+          </a:effectRef>
+          <a:fontRef idx="minor">
+            <a:schemeClr val="lt1"/>
+          </a:fontRef>
+        </p:style>
+        <p:txBody>
+          <a:bodyPr rtlCol="0" anchor="ctr"/>
+          <a:lstStyle/>
+          <a:p>
+            <a:pPr algn="ctr"/>
+            <a:endParaRPr lang="ko-KR" altLang="en-US"/>
+          </a:p>
+        </p:txBody>
+      </p:sp>
+      <p:sp>
+        <p:nvSpPr>
+          <p:cNvPr id="401" name="OTLSHAPE_T_27ae47589bac40d38409405d5a28c9b6_ShapePercentage" hidden="1">
+            <a:extLst>
+              <a:ext uri="{FF2B5EF4-FFF2-40B4-BE49-F238E27FC236}">
+                <a16:creationId xmlns:a16="http://schemas.microsoft.com/office/drawing/2014/main" id="{9062EA1D-C60C-4776-83CF-38E5FF0A7DF4}"/>
+              </a:ext>
+            </a:extLst>
+          </p:cNvPr>
+          <p:cNvSpPr/>
+          <p:nvPr>
+            <p:custDataLst>
+              <p:tags r:id="rId65"/>
+            </p:custDataLst>
+          </p:nvPr>
+        </p:nvSpPr>
+        <p:spPr>
+          <a:xfrm>
+            <a:off x="4318700" y="5278755"/>
+            <a:ext cx="0" cy="0"/>
+          </a:xfrm>
+          <a:prstGeom prst="rect">
+            <a:avLst/>
+          </a:prstGeom>
+        </p:spPr>
+        <p:style>
+          <a:lnRef idx="2">
+            <a:schemeClr val="accent1">
+              <a:shade val="50000"/>
+            </a:schemeClr>
+          </a:lnRef>
+          <a:fillRef idx="1">
+            <a:schemeClr val="accent1"/>
+          </a:fillRef>
+          <a:effectRef idx="0">
+            <a:schemeClr val="accent1"/>
+          </a:effectRef>
+          <a:fontRef idx="minor">
+            <a:schemeClr val="lt1"/>
+          </a:fontRef>
+        </p:style>
+        <p:txBody>
+          <a:bodyPr rtlCol="0" anchor="ctr"/>
+          <a:lstStyle/>
+          <a:p>
+            <a:pPr algn="ctr"/>
+            <a:endParaRPr lang="ko-KR" altLang="en-US"/>
+          </a:p>
+        </p:txBody>
+      </p:sp>
+      <p:sp>
+        <p:nvSpPr>
+          <p:cNvPr id="402" name="OTLSHAPE_T_27ae47589bac40d38409405d5a28c9b6_Duration" hidden="1">
+            <a:extLst>
+              <a:ext uri="{FF2B5EF4-FFF2-40B4-BE49-F238E27FC236}">
+                <a16:creationId xmlns:a16="http://schemas.microsoft.com/office/drawing/2014/main" id="{3EA83226-F907-4058-B35F-D190854ABA7B}"/>
+              </a:ext>
+            </a:extLst>
+          </p:cNvPr>
+          <p:cNvSpPr txBox="1"/>
+          <p:nvPr>
+            <p:custDataLst>
+              <p:tags r:id="rId66"/>
+            </p:custDataLst>
+          </p:nvPr>
+        </p:nvSpPr>
+        <p:spPr>
+          <a:xfrm>
+            <a:off x="0" y="5278755"/>
+            <a:ext cx="292100" cy="155025"/>
+          </a:xfrm>
+          <a:prstGeom prst="rect">
+            <a:avLst/>
+          </a:prstGeom>
+          <a:noFill/>
+        </p:spPr>
+        <p:txBody>
+          <a:bodyPr vert="horz" wrap="square" lIns="0" tIns="0" rIns="0" bIns="0" rtlCol="0" anchor="ctr" anchorCtr="0">
+            <a:spAutoFit/>
+          </a:bodyPr>
+          <a:lstStyle/>
+          <a:p>
+            <a:pPr algn="ctr"/>
+            <a:r>
+              <a:rPr lang="en-US" altLang="ko-KR" sz="1000">
+                <a:solidFill>
+                  <a:schemeClr val="accent2"/>
+                </a:solidFill>
+                <a:latin typeface="Calibri" panose="020F0502020204030204" pitchFamily="34" charset="0"/>
+              </a:rPr>
+              <a:t>40 </a:t>
+            </a:r>
+            <a:r>
+              <a:rPr lang="ko-KR" altLang="en-US" sz="1000">
+                <a:solidFill>
+                  <a:schemeClr val="accent2"/>
+                </a:solidFill>
+                <a:latin typeface="Calibri" panose="020F0502020204030204" pitchFamily="34" charset="0"/>
+              </a:rPr>
+              <a:t>일</a:t>
+            </a:r>
+          </a:p>
+        </p:txBody>
+      </p:sp>
+      <p:sp>
+        <p:nvSpPr>
+          <p:cNvPr id="403" name="OTLSHAPE_T_27ae47589bac40d38409405d5a28c9b6_TextPercentage" hidden="1">
+            <a:extLst>
+              <a:ext uri="{FF2B5EF4-FFF2-40B4-BE49-F238E27FC236}">
+                <a16:creationId xmlns:a16="http://schemas.microsoft.com/office/drawing/2014/main" id="{161B4426-402B-4FBB-A9D2-31F43C047651}"/>
+              </a:ext>
+            </a:extLst>
+          </p:cNvPr>
+          <p:cNvSpPr txBox="1"/>
+          <p:nvPr>
+            <p:custDataLst>
               <p:tags r:id="rId67"/>
             </p:custDataLst>
           </p:nvPr>
         </p:nvSpPr>
         <p:spPr>
           <a:xfrm>
-            <a:off x="3895533" y="4658665"/>
-            <a:ext cx="2540000" cy="203200"/>
+            <a:off x="0" y="5433780"/>
+            <a:ext cx="0" cy="153888"/>
+          </a:xfrm>
+          <a:prstGeom prst="rect">
+            <a:avLst/>
+          </a:prstGeom>
+          <a:noFill/>
+        </p:spPr>
+        <p:txBody>
+          <a:bodyPr vert="horz" wrap="square" lIns="0" tIns="0" rIns="0" bIns="0" rtlCol="0" anchor="ctr" anchorCtr="0">
+            <a:spAutoFit/>
+          </a:bodyPr>
+          <a:lstStyle/>
+          <a:p>
+            <a:pPr algn="ctr"/>
+            <a:endParaRPr lang="ko-KR" altLang="en-US" sz="1000">
+              <a:solidFill>
+                <a:schemeClr val="accent2"/>
+              </a:solidFill>
+              <a:latin typeface="Calibri" panose="020F0502020204030204" pitchFamily="34" charset="0"/>
+            </a:endParaRPr>
+          </a:p>
+        </p:txBody>
+      </p:sp>
+      <p:sp>
+        <p:nvSpPr>
+          <p:cNvPr id="404" name="OTLSHAPE_T_27ae47589bac40d38409405d5a28c9b6_StartDate" hidden="1">
+            <a:extLst>
+              <a:ext uri="{FF2B5EF4-FFF2-40B4-BE49-F238E27FC236}">
+                <a16:creationId xmlns:a16="http://schemas.microsoft.com/office/drawing/2014/main" id="{413045B5-B318-4DAE-8B58-85CF319A31BC}"/>
+              </a:ext>
+            </a:extLst>
+          </p:cNvPr>
+          <p:cNvSpPr txBox="1"/>
+          <p:nvPr>
+            <p:custDataLst>
+              <p:tags r:id="rId68"/>
+            </p:custDataLst>
+          </p:nvPr>
+        </p:nvSpPr>
+        <p:spPr>
+          <a:xfrm>
+            <a:off x="0" y="5433780"/>
+            <a:ext cx="0" cy="153888"/>
+          </a:xfrm>
+          <a:prstGeom prst="rect">
+            <a:avLst/>
+          </a:prstGeom>
+          <a:noFill/>
+        </p:spPr>
+        <p:txBody>
+          <a:bodyPr vert="horz" wrap="square" lIns="0" tIns="0" rIns="0" bIns="0" rtlCol="0" anchor="ctr" anchorCtr="0">
+            <a:spAutoFit/>
+          </a:bodyPr>
+          <a:lstStyle/>
+          <a:p>
+            <a:pPr algn="ctr"/>
+            <a:endParaRPr lang="ko-KR" altLang="en-US" sz="1000">
+              <a:solidFill>
+                <a:schemeClr val="dk2"/>
+              </a:solidFill>
+              <a:latin typeface="Calibri" panose="020F0502020204030204" pitchFamily="34" charset="0"/>
+            </a:endParaRPr>
+          </a:p>
+        </p:txBody>
+      </p:sp>
+      <p:sp>
+        <p:nvSpPr>
+          <p:cNvPr id="405" name="OTLSHAPE_T_27ae47589bac40d38409405d5a28c9b6_EndDate" hidden="1">
+            <a:extLst>
+              <a:ext uri="{FF2B5EF4-FFF2-40B4-BE49-F238E27FC236}">
+                <a16:creationId xmlns:a16="http://schemas.microsoft.com/office/drawing/2014/main" id="{664072A3-4031-414B-AE4D-AF900646636E}"/>
+              </a:ext>
+            </a:extLst>
+          </p:cNvPr>
+          <p:cNvSpPr txBox="1"/>
+          <p:nvPr>
+            <p:custDataLst>
+              <p:tags r:id="rId69"/>
+            </p:custDataLst>
+          </p:nvPr>
+        </p:nvSpPr>
+        <p:spPr>
+          <a:xfrm>
+            <a:off x="0" y="5433780"/>
+            <a:ext cx="0" cy="153888"/>
+          </a:xfrm>
+          <a:prstGeom prst="rect">
+            <a:avLst/>
+          </a:prstGeom>
+          <a:noFill/>
+        </p:spPr>
+        <p:txBody>
+          <a:bodyPr vert="horz" wrap="square" lIns="0" tIns="0" rIns="0" bIns="0" rtlCol="0" anchor="ctr" anchorCtr="0">
+            <a:spAutoFit/>
+          </a:bodyPr>
+          <a:lstStyle/>
+          <a:p>
+            <a:pPr algn="ctr"/>
+            <a:endParaRPr lang="ko-KR" altLang="en-US" sz="1000">
+              <a:solidFill>
+                <a:schemeClr val="dk2"/>
+              </a:solidFill>
+              <a:latin typeface="Calibri" panose="020F0502020204030204" pitchFamily="34" charset="0"/>
+            </a:endParaRPr>
+          </a:p>
+        </p:txBody>
+      </p:sp>
+      <p:sp>
+        <p:nvSpPr>
+          <p:cNvPr id="406" name="OTLSHAPE_T_27ae47589bac40d38409405d5a28c9b6_JoinedDate">
+            <a:extLst>
+              <a:ext uri="{FF2B5EF4-FFF2-40B4-BE49-F238E27FC236}">
+                <a16:creationId xmlns:a16="http://schemas.microsoft.com/office/drawing/2014/main" id="{53A24356-6828-4023-9565-E7B54A526675}"/>
+              </a:ext>
+            </a:extLst>
+          </p:cNvPr>
+          <p:cNvSpPr txBox="1"/>
+          <p:nvPr>
+            <p:custDataLst>
+              <p:tags r:id="rId70"/>
+            </p:custDataLst>
+          </p:nvPr>
+        </p:nvSpPr>
+        <p:spPr>
+          <a:xfrm>
+            <a:off x="7754775" y="5302843"/>
+            <a:ext cx="1155700" cy="155025"/>
+          </a:xfrm>
+          <a:prstGeom prst="rect">
+            <a:avLst/>
+          </a:prstGeom>
+          <a:noFill/>
+        </p:spPr>
+        <p:txBody>
+          <a:bodyPr vert="horz" wrap="square" lIns="0" tIns="0" rIns="0" bIns="0" rtlCol="0" anchor="ctr" anchorCtr="0">
+            <a:spAutoFit/>
+          </a:bodyPr>
+          <a:lstStyle/>
+          <a:p>
+            <a:r>
+              <a:rPr lang="en-US" altLang="ko-KR" sz="1000" spc="-4">
+                <a:solidFill>
+                  <a:schemeClr val="dk2"/>
+                </a:solidFill>
+                <a:latin typeface="Calibri" panose="020F0502020204030204" pitchFamily="34" charset="0"/>
+              </a:rPr>
+              <a:t>4-10-2019 - 5-19-2019</a:t>
+            </a:r>
+            <a:endParaRPr lang="ko-KR" altLang="en-US" sz="1000" spc="-4">
+              <a:solidFill>
+                <a:schemeClr val="dk2"/>
+              </a:solidFill>
+              <a:latin typeface="Calibri" panose="020F0502020204030204" pitchFamily="34" charset="0"/>
+            </a:endParaRPr>
+          </a:p>
+        </p:txBody>
+      </p:sp>
+      <p:sp>
+        <p:nvSpPr>
+          <p:cNvPr id="407" name="OTLSHAPE_T_27ae47589bac40d38409405d5a28c9b6_Title">
+            <a:extLst>
+              <a:ext uri="{FF2B5EF4-FFF2-40B4-BE49-F238E27FC236}">
+                <a16:creationId xmlns:a16="http://schemas.microsoft.com/office/drawing/2014/main" id="{0311C83E-F098-4F15-A651-34BD8F3B7714}"/>
+              </a:ext>
+            </a:extLst>
+          </p:cNvPr>
+          <p:cNvSpPr txBox="1"/>
+          <p:nvPr>
+            <p:custDataLst>
+              <p:tags r:id="rId71"/>
+            </p:custDataLst>
+          </p:nvPr>
+        </p:nvSpPr>
+        <p:spPr>
+          <a:xfrm>
+            <a:off x="127000" y="5295096"/>
+            <a:ext cx="1079500" cy="170519"/>
+          </a:xfrm>
+          <a:prstGeom prst="rect">
+            <a:avLst/>
+          </a:prstGeom>
+          <a:noFill/>
+        </p:spPr>
+        <p:txBody>
+          <a:bodyPr vert="horz" wrap="square" lIns="0" tIns="0" rIns="0" bIns="0" rtlCol="0" anchor="ctr" anchorCtr="0">
+            <a:spAutoFit/>
+          </a:bodyPr>
+          <a:lstStyle/>
+          <a:p>
+            <a:r>
+              <a:rPr lang="ko-KR" altLang="en-US" sz="1100" b="1" spc="-6">
+                <a:solidFill>
+                  <a:schemeClr val="dk1"/>
+                </a:solidFill>
+                <a:latin typeface="Calibri" panose="020F0502020204030204" pitchFamily="34" charset="0"/>
+              </a:rPr>
+              <a:t>손 인식 모듈 개발</a:t>
+            </a:r>
+          </a:p>
+        </p:txBody>
+      </p:sp>
+      <p:sp>
+        <p:nvSpPr>
+          <p:cNvPr id="408" name="OTLSHAPE_T_e676dd5c8d65477588b6d56b4e73ee0c_Shape">
+            <a:extLst>
+              <a:ext uri="{FF2B5EF4-FFF2-40B4-BE49-F238E27FC236}">
+                <a16:creationId xmlns:a16="http://schemas.microsoft.com/office/drawing/2014/main" id="{0DD430B3-2896-4804-9836-788051E41EE5}"/>
+              </a:ext>
+            </a:extLst>
+          </p:cNvPr>
+          <p:cNvSpPr/>
+          <p:nvPr>
+            <p:custDataLst>
+              <p:tags r:id="rId72"/>
+            </p:custDataLst>
+          </p:nvPr>
+        </p:nvSpPr>
+        <p:spPr>
+          <a:xfrm>
+            <a:off x="4657233" y="5545455"/>
+            <a:ext cx="2209800" cy="203200"/>
           </a:xfrm>
           <a:prstGeom prst="rect">
             <a:avLst/>
@@ -12516,23 +12788,23 @@
       </p:sp>
       <p:sp>
         <p:nvSpPr>
-          <p:cNvPr id="197" name="OTLSHAPE_T_5e91d7c96d4149b7b28ed3ae91d52159_ShapePercentage" hidden="1">
-            <a:extLst>
-              <a:ext uri="{FF2B5EF4-FFF2-40B4-BE49-F238E27FC236}">
-                <a16:creationId xmlns:a16="http://schemas.microsoft.com/office/drawing/2014/main" id="{A0699CBB-6CC5-4BB6-8E1C-A35E225D11DD}"/>
+          <p:cNvPr id="409" name="OTLSHAPE_T_e676dd5c8d65477588b6d56b4e73ee0c_ShapePercentage" hidden="1">
+            <a:extLst>
+              <a:ext uri="{FF2B5EF4-FFF2-40B4-BE49-F238E27FC236}">
+                <a16:creationId xmlns:a16="http://schemas.microsoft.com/office/drawing/2014/main" id="{EE40BC65-81EC-47B8-A30F-2267748A98F5}"/>
               </a:ext>
             </a:extLst>
           </p:cNvPr>
           <p:cNvSpPr/>
           <p:nvPr>
             <p:custDataLst>
-              <p:tags r:id="rId68"/>
-            </p:custDataLst>
-          </p:nvPr>
-        </p:nvSpPr>
-        <p:spPr>
-          <a:xfrm>
-            <a:off x="3895533" y="5278755"/>
+              <p:tags r:id="rId73"/>
+            </p:custDataLst>
+          </p:nvPr>
+        </p:nvSpPr>
+        <p:spPr>
+          <a:xfrm>
+            <a:off x="4657233" y="5545455"/>
             <a:ext cx="0" cy="0"/>
           </a:xfrm>
           <a:prstGeom prst="rect">
@@ -12566,23 +12838,23 @@
       </p:sp>
       <p:sp>
         <p:nvSpPr>
-          <p:cNvPr id="198" name="OTLSHAPE_T_5e91d7c96d4149b7b28ed3ae91d52159_Duration" hidden="1">
-            <a:extLst>
-              <a:ext uri="{FF2B5EF4-FFF2-40B4-BE49-F238E27FC236}">
-                <a16:creationId xmlns:a16="http://schemas.microsoft.com/office/drawing/2014/main" id="{5A042450-873D-444D-814E-371C9BFAE716}"/>
+          <p:cNvPr id="410" name="OTLSHAPE_T_e676dd5c8d65477588b6d56b4e73ee0c_Duration" hidden="1">
+            <a:extLst>
+              <a:ext uri="{FF2B5EF4-FFF2-40B4-BE49-F238E27FC236}">
+                <a16:creationId xmlns:a16="http://schemas.microsoft.com/office/drawing/2014/main" id="{C6A96DFB-08C1-48C1-8582-C6734FD50813}"/>
               </a:ext>
             </a:extLst>
           </p:cNvPr>
           <p:cNvSpPr txBox="1"/>
           <p:nvPr>
             <p:custDataLst>
-              <p:tags r:id="rId69"/>
-            </p:custDataLst>
-          </p:nvPr>
-        </p:nvSpPr>
-        <p:spPr>
-          <a:xfrm>
-            <a:off x="0" y="5278755"/>
+              <p:tags r:id="rId74"/>
+            </p:custDataLst>
+          </p:nvPr>
+        </p:nvSpPr>
+        <p:spPr>
+          <a:xfrm>
+            <a:off x="0" y="5545455"/>
             <a:ext cx="292100" cy="155025"/>
           </a:xfrm>
           <a:prstGeom prst="rect">
@@ -12604,7 +12876,7 @@
                 </a:solidFill>
                 <a:latin typeface="Calibri" panose="020F0502020204030204" pitchFamily="34" charset="0"/>
               </a:rPr>
-              <a:t>30 </a:t>
+              <a:t>26 </a:t>
             </a:r>
             <a:r>
               <a:rPr lang="ko-KR" altLang="en-US" sz="1000">
@@ -12620,23 +12892,23 @@
       </p:sp>
       <p:sp>
         <p:nvSpPr>
-          <p:cNvPr id="199" name="OTLSHAPE_T_5e91d7c96d4149b7b28ed3ae91d52159_TextPercentage" hidden="1">
-            <a:extLst>
-              <a:ext uri="{FF2B5EF4-FFF2-40B4-BE49-F238E27FC236}">
-                <a16:creationId xmlns:a16="http://schemas.microsoft.com/office/drawing/2014/main" id="{18B960AA-B9B6-4654-B4D4-96DBA5956321}"/>
+          <p:cNvPr id="411" name="OTLSHAPE_T_e676dd5c8d65477588b6d56b4e73ee0c_TextPercentage" hidden="1">
+            <a:extLst>
+              <a:ext uri="{FF2B5EF4-FFF2-40B4-BE49-F238E27FC236}">
+                <a16:creationId xmlns:a16="http://schemas.microsoft.com/office/drawing/2014/main" id="{D4358568-52ED-4ADD-B527-AD7DEB45AA88}"/>
               </a:ext>
             </a:extLst>
           </p:cNvPr>
           <p:cNvSpPr txBox="1"/>
           <p:nvPr>
             <p:custDataLst>
-              <p:tags r:id="rId70"/>
-            </p:custDataLst>
-          </p:nvPr>
-        </p:nvSpPr>
-        <p:spPr>
-          <a:xfrm>
-            <a:off x="0" y="5433780"/>
+              <p:tags r:id="rId75"/>
+            </p:custDataLst>
+          </p:nvPr>
+        </p:nvSpPr>
+        <p:spPr>
+          <a:xfrm>
+            <a:off x="0" y="5700480"/>
             <a:ext cx="0" cy="153888"/>
           </a:xfrm>
           <a:prstGeom prst="rect">
@@ -12662,23 +12934,23 @@
       </p:sp>
       <p:sp>
         <p:nvSpPr>
-          <p:cNvPr id="200" name="OTLSHAPE_T_5e91d7c96d4149b7b28ed3ae91d52159_StartDate" hidden="1">
-            <a:extLst>
-              <a:ext uri="{FF2B5EF4-FFF2-40B4-BE49-F238E27FC236}">
-                <a16:creationId xmlns:a16="http://schemas.microsoft.com/office/drawing/2014/main" id="{7FE70E0C-ECA7-43D6-B3B4-30C60D3A1636}"/>
+          <p:cNvPr id="412" name="OTLSHAPE_T_e676dd5c8d65477588b6d56b4e73ee0c_StartDate" hidden="1">
+            <a:extLst>
+              <a:ext uri="{FF2B5EF4-FFF2-40B4-BE49-F238E27FC236}">
+                <a16:creationId xmlns:a16="http://schemas.microsoft.com/office/drawing/2014/main" id="{8E9037CF-B4DA-4280-AD1D-792F528187FE}"/>
               </a:ext>
             </a:extLst>
           </p:cNvPr>
           <p:cNvSpPr txBox="1"/>
           <p:nvPr>
             <p:custDataLst>
-              <p:tags r:id="rId71"/>
-            </p:custDataLst>
-          </p:nvPr>
-        </p:nvSpPr>
-        <p:spPr>
-          <a:xfrm>
-            <a:off x="0" y="5433780"/>
+              <p:tags r:id="rId76"/>
+            </p:custDataLst>
+          </p:nvPr>
+        </p:nvSpPr>
+        <p:spPr>
+          <a:xfrm>
+            <a:off x="0" y="5700480"/>
             <a:ext cx="0" cy="153888"/>
           </a:xfrm>
           <a:prstGeom prst="rect">
@@ -12704,23 +12976,23 @@
       </p:sp>
       <p:sp>
         <p:nvSpPr>
-          <p:cNvPr id="201" name="OTLSHAPE_T_5e91d7c96d4149b7b28ed3ae91d52159_EndDate" hidden="1">
-            <a:extLst>
-              <a:ext uri="{FF2B5EF4-FFF2-40B4-BE49-F238E27FC236}">
-                <a16:creationId xmlns:a16="http://schemas.microsoft.com/office/drawing/2014/main" id="{9CF1DA9E-0350-4ABE-9917-037EE0948A4A}"/>
+          <p:cNvPr id="413" name="OTLSHAPE_T_e676dd5c8d65477588b6d56b4e73ee0c_EndDate" hidden="1">
+            <a:extLst>
+              <a:ext uri="{FF2B5EF4-FFF2-40B4-BE49-F238E27FC236}">
+                <a16:creationId xmlns:a16="http://schemas.microsoft.com/office/drawing/2014/main" id="{96E96049-F57F-4FE8-9F65-FC502E58E766}"/>
               </a:ext>
             </a:extLst>
           </p:cNvPr>
           <p:cNvSpPr txBox="1"/>
           <p:nvPr>
             <p:custDataLst>
-              <p:tags r:id="rId72"/>
-            </p:custDataLst>
-          </p:nvPr>
-        </p:nvSpPr>
-        <p:spPr>
-          <a:xfrm>
-            <a:off x="0" y="5433780"/>
+              <p:tags r:id="rId77"/>
+            </p:custDataLst>
+          </p:nvPr>
+        </p:nvSpPr>
+        <p:spPr>
+          <a:xfrm>
+            <a:off x="0" y="5700480"/>
             <a:ext cx="0" cy="153888"/>
           </a:xfrm>
           <a:prstGeom prst="rect">
@@ -12746,24 +13018,24 @@
       </p:sp>
       <p:sp>
         <p:nvSpPr>
-          <p:cNvPr id="202" name="OTLSHAPE_T_5e91d7c96d4149b7b28ed3ae91d52159_JoinedDate">
-            <a:extLst>
-              <a:ext uri="{FF2B5EF4-FFF2-40B4-BE49-F238E27FC236}">
-                <a16:creationId xmlns:a16="http://schemas.microsoft.com/office/drawing/2014/main" id="{6795A474-16F3-41AC-9D8F-62CF9D04BAED}"/>
+          <p:cNvPr id="414" name="OTLSHAPE_T_e676dd5c8d65477588b6d56b4e73ee0c_JoinedDate">
+            <a:extLst>
+              <a:ext uri="{FF2B5EF4-FFF2-40B4-BE49-F238E27FC236}">
+                <a16:creationId xmlns:a16="http://schemas.microsoft.com/office/drawing/2014/main" id="{70F23FCB-BDB5-4A75-808D-C82A8F50A64C}"/>
               </a:ext>
             </a:extLst>
           </p:cNvPr>
           <p:cNvSpPr txBox="1"/>
           <p:nvPr>
             <p:custDataLst>
-              <p:tags r:id="rId73"/>
-            </p:custDataLst>
-          </p:nvPr>
-        </p:nvSpPr>
-        <p:spPr>
-          <a:xfrm>
-            <a:off x="6485275" y="4682753"/>
-            <a:ext cx="1028700" cy="155025"/>
+              <p:tags r:id="rId78"/>
+            </p:custDataLst>
+          </p:nvPr>
+        </p:nvSpPr>
+        <p:spPr>
+          <a:xfrm>
+            <a:off x="6908442" y="5569543"/>
+            <a:ext cx="1092200" cy="155025"/>
           </a:xfrm>
           <a:prstGeom prst="rect">
             <a:avLst/>
@@ -12783,7 +13055,7 @@
                 </a:solidFill>
                 <a:latin typeface="Calibri" panose="020F0502020204030204" pitchFamily="34" charset="0"/>
               </a:rPr>
-              <a:t>4-5-2019 - 5-4-2019</a:t>
+              <a:t>4-14-2019 - 5-9-2019</a:t>
             </a:r>
             <a:endParaRPr lang="ko-KR" altLang="en-US" sz="1000" spc="-4">
               <a:solidFill>
@@ -12796,23 +13068,23 @@
       </p:sp>
       <p:sp>
         <p:nvSpPr>
-          <p:cNvPr id="203" name="OTLSHAPE_T_5e91d7c96d4149b7b28ed3ae91d52159_Title">
-            <a:extLst>
-              <a:ext uri="{FF2B5EF4-FFF2-40B4-BE49-F238E27FC236}">
-                <a16:creationId xmlns:a16="http://schemas.microsoft.com/office/drawing/2014/main" id="{1CBB1646-8A73-4C38-8A26-B0965610A46A}"/>
+          <p:cNvPr id="415" name="OTLSHAPE_T_e676dd5c8d65477588b6d56b4e73ee0c_Title">
+            <a:extLst>
+              <a:ext uri="{FF2B5EF4-FFF2-40B4-BE49-F238E27FC236}">
+                <a16:creationId xmlns:a16="http://schemas.microsoft.com/office/drawing/2014/main" id="{AE023D5D-0CB2-4984-949A-22DB3366299C}"/>
               </a:ext>
             </a:extLst>
           </p:cNvPr>
           <p:cNvSpPr txBox="1"/>
           <p:nvPr>
             <p:custDataLst>
-              <p:tags r:id="rId74"/>
-            </p:custDataLst>
-          </p:nvPr>
-        </p:nvSpPr>
-        <p:spPr>
-          <a:xfrm>
-            <a:off x="127000" y="4675006"/>
+              <p:tags r:id="rId79"/>
+            </p:custDataLst>
+          </p:nvPr>
+        </p:nvSpPr>
+        <p:spPr>
+          <a:xfrm>
+            <a:off x="127000" y="5561796"/>
             <a:ext cx="1219200" cy="170519"/>
           </a:xfrm>
           <a:prstGeom prst="rect">
@@ -12833,31 +13105,31 @@
                 </a:solidFill>
                 <a:latin typeface="Calibri" panose="020F0502020204030204" pitchFamily="34" charset="0"/>
               </a:rPr>
-              <a:t>의상 추출 모듈 개발</a:t>
-            </a:r>
-          </a:p>
-        </p:txBody>
-      </p:sp>
-      <p:sp>
-        <p:nvSpPr>
-          <p:cNvPr id="204" name="OTLSHAPE_T_e676dd5c8d65477588b6d56b4e73ee0c_Shape">
-            <a:extLst>
-              <a:ext uri="{FF2B5EF4-FFF2-40B4-BE49-F238E27FC236}">
-                <a16:creationId xmlns:a16="http://schemas.microsoft.com/office/drawing/2014/main" id="{1E1F932C-2621-409D-8447-0A5845C6E936}"/>
+              <a:t>신체 인식 모듈 개발</a:t>
+            </a:r>
+          </a:p>
+        </p:txBody>
+      </p:sp>
+      <p:sp>
+        <p:nvSpPr>
+          <p:cNvPr id="416" name="OTLSHAPE_T_55871566acb4479fa593c4d75faba5f3_Shape">
+            <a:extLst>
+              <a:ext uri="{FF2B5EF4-FFF2-40B4-BE49-F238E27FC236}">
+                <a16:creationId xmlns:a16="http://schemas.microsoft.com/office/drawing/2014/main" id="{54C98B02-983E-4D6D-8FAA-DC52C08EEA30}"/>
               </a:ext>
             </a:extLst>
           </p:cNvPr>
           <p:cNvSpPr/>
           <p:nvPr>
             <p:custDataLst>
-              <p:tags r:id="rId75"/>
-            </p:custDataLst>
-          </p:nvPr>
-        </p:nvSpPr>
-        <p:spPr>
-          <a:xfrm>
-            <a:off x="3895533" y="4925365"/>
-            <a:ext cx="2540000" cy="203200"/>
+              <p:tags r:id="rId80"/>
+            </p:custDataLst>
+          </p:nvPr>
+        </p:nvSpPr>
+        <p:spPr>
+          <a:xfrm>
+            <a:off x="6857701" y="5812155"/>
+            <a:ext cx="2463800" cy="203200"/>
           </a:xfrm>
           <a:prstGeom prst="rect">
             <a:avLst/>
@@ -12935,23 +13207,23 @@
       </p:sp>
       <p:sp>
         <p:nvSpPr>
-          <p:cNvPr id="205" name="OTLSHAPE_T_e676dd5c8d65477588b6d56b4e73ee0c_ShapePercentage" hidden="1">
-            <a:extLst>
-              <a:ext uri="{FF2B5EF4-FFF2-40B4-BE49-F238E27FC236}">
-                <a16:creationId xmlns:a16="http://schemas.microsoft.com/office/drawing/2014/main" id="{B1639DCD-9808-41FF-AD54-5464E0724BBA}"/>
+          <p:cNvPr id="417" name="OTLSHAPE_T_55871566acb4479fa593c4d75faba5f3_ShapePercentage" hidden="1">
+            <a:extLst>
+              <a:ext uri="{FF2B5EF4-FFF2-40B4-BE49-F238E27FC236}">
+                <a16:creationId xmlns:a16="http://schemas.microsoft.com/office/drawing/2014/main" id="{0FBCACE9-2B5F-40CA-9A06-2D1C6C12C860}"/>
               </a:ext>
             </a:extLst>
           </p:cNvPr>
           <p:cNvSpPr/>
           <p:nvPr>
             <p:custDataLst>
-              <p:tags r:id="rId76"/>
-            </p:custDataLst>
-          </p:nvPr>
-        </p:nvSpPr>
-        <p:spPr>
-          <a:xfrm>
-            <a:off x="3895533" y="5545455"/>
+              <p:tags r:id="rId81"/>
+            </p:custDataLst>
+          </p:nvPr>
+        </p:nvSpPr>
+        <p:spPr>
+          <a:xfrm>
+            <a:off x="6857701" y="5812155"/>
             <a:ext cx="0" cy="0"/>
           </a:xfrm>
           <a:prstGeom prst="rect">
@@ -12985,23 +13257,23 @@
       </p:sp>
       <p:sp>
         <p:nvSpPr>
-          <p:cNvPr id="206" name="OTLSHAPE_T_e676dd5c8d65477588b6d56b4e73ee0c_Duration" hidden="1">
-            <a:extLst>
-              <a:ext uri="{FF2B5EF4-FFF2-40B4-BE49-F238E27FC236}">
-                <a16:creationId xmlns:a16="http://schemas.microsoft.com/office/drawing/2014/main" id="{DAE00DD7-CEE0-4933-85C2-5839F9CD8B46}"/>
+          <p:cNvPr id="418" name="OTLSHAPE_T_55871566acb4479fa593c4d75faba5f3_Duration" hidden="1">
+            <a:extLst>
+              <a:ext uri="{FF2B5EF4-FFF2-40B4-BE49-F238E27FC236}">
+                <a16:creationId xmlns:a16="http://schemas.microsoft.com/office/drawing/2014/main" id="{E33CFDDC-F4A4-4A30-A57B-659E5A4AB8C8}"/>
               </a:ext>
             </a:extLst>
           </p:cNvPr>
           <p:cNvSpPr txBox="1"/>
           <p:nvPr>
             <p:custDataLst>
-              <p:tags r:id="rId77"/>
-            </p:custDataLst>
-          </p:nvPr>
-        </p:nvSpPr>
-        <p:spPr>
-          <a:xfrm>
-            <a:off x="0" y="5545455"/>
+              <p:tags r:id="rId82"/>
+            </p:custDataLst>
+          </p:nvPr>
+        </p:nvSpPr>
+        <p:spPr>
+          <a:xfrm>
+            <a:off x="0" y="5812155"/>
             <a:ext cx="292100" cy="155025"/>
           </a:xfrm>
           <a:prstGeom prst="rect">
@@ -13023,7 +13295,7 @@
                 </a:solidFill>
                 <a:latin typeface="Calibri" panose="020F0502020204030204" pitchFamily="34" charset="0"/>
               </a:rPr>
-              <a:t>30 </a:t>
+              <a:t>29 </a:t>
             </a:r>
             <a:r>
               <a:rPr lang="ko-KR" altLang="en-US" sz="1000">
@@ -13039,23 +13311,23 @@
       </p:sp>
       <p:sp>
         <p:nvSpPr>
-          <p:cNvPr id="207" name="OTLSHAPE_T_e676dd5c8d65477588b6d56b4e73ee0c_TextPercentage" hidden="1">
-            <a:extLst>
-              <a:ext uri="{FF2B5EF4-FFF2-40B4-BE49-F238E27FC236}">
-                <a16:creationId xmlns:a16="http://schemas.microsoft.com/office/drawing/2014/main" id="{70D491D5-F8C7-48E7-8D1A-14CBA4612397}"/>
+          <p:cNvPr id="419" name="OTLSHAPE_T_55871566acb4479fa593c4d75faba5f3_TextPercentage" hidden="1">
+            <a:extLst>
+              <a:ext uri="{FF2B5EF4-FFF2-40B4-BE49-F238E27FC236}">
+                <a16:creationId xmlns:a16="http://schemas.microsoft.com/office/drawing/2014/main" id="{88BD422D-EF88-4965-9822-C36F47D2D934}"/>
               </a:ext>
             </a:extLst>
           </p:cNvPr>
           <p:cNvSpPr txBox="1"/>
           <p:nvPr>
             <p:custDataLst>
-              <p:tags r:id="rId78"/>
-            </p:custDataLst>
-          </p:nvPr>
-        </p:nvSpPr>
-        <p:spPr>
-          <a:xfrm>
-            <a:off x="0" y="5700480"/>
+              <p:tags r:id="rId83"/>
+            </p:custDataLst>
+          </p:nvPr>
+        </p:nvSpPr>
+        <p:spPr>
+          <a:xfrm>
+            <a:off x="0" y="5967180"/>
             <a:ext cx="0" cy="153888"/>
           </a:xfrm>
           <a:prstGeom prst="rect">
@@ -13081,23 +13353,23 @@
       </p:sp>
       <p:sp>
         <p:nvSpPr>
-          <p:cNvPr id="208" name="OTLSHAPE_T_e676dd5c8d65477588b6d56b4e73ee0c_StartDate" hidden="1">
-            <a:extLst>
-              <a:ext uri="{FF2B5EF4-FFF2-40B4-BE49-F238E27FC236}">
-                <a16:creationId xmlns:a16="http://schemas.microsoft.com/office/drawing/2014/main" id="{F080BCC6-8A6D-4FF0-8C57-6B7EB3C17982}"/>
+          <p:cNvPr id="420" name="OTLSHAPE_T_55871566acb4479fa593c4d75faba5f3_StartDate" hidden="1">
+            <a:extLst>
+              <a:ext uri="{FF2B5EF4-FFF2-40B4-BE49-F238E27FC236}">
+                <a16:creationId xmlns:a16="http://schemas.microsoft.com/office/drawing/2014/main" id="{C35BE52C-9DD2-416D-895C-D0B0CD9256EB}"/>
               </a:ext>
             </a:extLst>
           </p:cNvPr>
           <p:cNvSpPr txBox="1"/>
           <p:nvPr>
             <p:custDataLst>
-              <p:tags r:id="rId79"/>
-            </p:custDataLst>
-          </p:nvPr>
-        </p:nvSpPr>
-        <p:spPr>
-          <a:xfrm>
-            <a:off x="0" y="5700480"/>
+              <p:tags r:id="rId84"/>
+            </p:custDataLst>
+          </p:nvPr>
+        </p:nvSpPr>
+        <p:spPr>
+          <a:xfrm>
+            <a:off x="0" y="5967180"/>
             <a:ext cx="0" cy="153888"/>
           </a:xfrm>
           <a:prstGeom prst="rect">
@@ -13123,23 +13395,23 @@
       </p:sp>
       <p:sp>
         <p:nvSpPr>
-          <p:cNvPr id="209" name="OTLSHAPE_T_e676dd5c8d65477588b6d56b4e73ee0c_EndDate" hidden="1">
-            <a:extLst>
-              <a:ext uri="{FF2B5EF4-FFF2-40B4-BE49-F238E27FC236}">
-                <a16:creationId xmlns:a16="http://schemas.microsoft.com/office/drawing/2014/main" id="{F7F6C17B-A289-4073-906C-E8BF796B4685}"/>
+          <p:cNvPr id="421" name="OTLSHAPE_T_55871566acb4479fa593c4d75faba5f3_EndDate" hidden="1">
+            <a:extLst>
+              <a:ext uri="{FF2B5EF4-FFF2-40B4-BE49-F238E27FC236}">
+                <a16:creationId xmlns:a16="http://schemas.microsoft.com/office/drawing/2014/main" id="{6F3655CB-AB31-4FE5-98D2-5122485C9799}"/>
               </a:ext>
             </a:extLst>
           </p:cNvPr>
           <p:cNvSpPr txBox="1"/>
           <p:nvPr>
             <p:custDataLst>
-              <p:tags r:id="rId80"/>
-            </p:custDataLst>
-          </p:nvPr>
-        </p:nvSpPr>
-        <p:spPr>
-          <a:xfrm>
-            <a:off x="0" y="5700480"/>
+              <p:tags r:id="rId85"/>
+            </p:custDataLst>
+          </p:nvPr>
+        </p:nvSpPr>
+        <p:spPr>
+          <a:xfrm>
+            <a:off x="0" y="5967180"/>
             <a:ext cx="0" cy="153888"/>
           </a:xfrm>
           <a:prstGeom prst="rect">
@@ -13165,24 +13437,24 @@
       </p:sp>
       <p:sp>
         <p:nvSpPr>
-          <p:cNvPr id="210" name="OTLSHAPE_T_e676dd5c8d65477588b6d56b4e73ee0c_JoinedDate">
-            <a:extLst>
-              <a:ext uri="{FF2B5EF4-FFF2-40B4-BE49-F238E27FC236}">
-                <a16:creationId xmlns:a16="http://schemas.microsoft.com/office/drawing/2014/main" id="{3EB54412-017E-4A33-8003-6BC56C5CAD7D}"/>
+          <p:cNvPr id="422" name="OTLSHAPE_T_55871566acb4479fa593c4d75faba5f3_JoinedDate">
+            <a:extLst>
+              <a:ext uri="{FF2B5EF4-FFF2-40B4-BE49-F238E27FC236}">
+                <a16:creationId xmlns:a16="http://schemas.microsoft.com/office/drawing/2014/main" id="{05A03A50-73FD-4F82-91FE-1D45096D6494}"/>
               </a:ext>
             </a:extLst>
           </p:cNvPr>
           <p:cNvSpPr txBox="1"/>
           <p:nvPr>
             <p:custDataLst>
-              <p:tags r:id="rId81"/>
-            </p:custDataLst>
-          </p:nvPr>
-        </p:nvSpPr>
-        <p:spPr>
-          <a:xfrm>
-            <a:off x="6485275" y="4949453"/>
-            <a:ext cx="1028700" cy="155025"/>
+              <p:tags r:id="rId86"/>
+            </p:custDataLst>
+          </p:nvPr>
+        </p:nvSpPr>
+        <p:spPr>
+          <a:xfrm>
+            <a:off x="9362810" y="5836243"/>
+            <a:ext cx="1092200" cy="155025"/>
           </a:xfrm>
           <a:prstGeom prst="rect">
             <a:avLst/>
@@ -13202,7 +13474,7 @@
                 </a:solidFill>
                 <a:latin typeface="Calibri" panose="020F0502020204030204" pitchFamily="34" charset="0"/>
               </a:rPr>
-              <a:t>4-5-2019 - 5-4-2019</a:t>
+              <a:t>5-10-2019 - 6-7-2019</a:t>
             </a:r>
             <a:endParaRPr lang="ko-KR" altLang="en-US" sz="1000" spc="-4">
               <a:solidFill>
@@ -13215,861 +13487,23 @@
       </p:sp>
       <p:sp>
         <p:nvSpPr>
-          <p:cNvPr id="211" name="OTLSHAPE_T_e676dd5c8d65477588b6d56b4e73ee0c_Title">
-            <a:extLst>
-              <a:ext uri="{FF2B5EF4-FFF2-40B4-BE49-F238E27FC236}">
-                <a16:creationId xmlns:a16="http://schemas.microsoft.com/office/drawing/2014/main" id="{8E3BADA2-F664-460F-A890-E8E2A7EFFE92}"/>
+          <p:cNvPr id="423" name="OTLSHAPE_T_55871566acb4479fa593c4d75faba5f3_Title">
+            <a:extLst>
+              <a:ext uri="{FF2B5EF4-FFF2-40B4-BE49-F238E27FC236}">
+                <a16:creationId xmlns:a16="http://schemas.microsoft.com/office/drawing/2014/main" id="{D3EF318C-9E7F-41C2-8F3D-6494A142B2D7}"/>
               </a:ext>
             </a:extLst>
           </p:cNvPr>
           <p:cNvSpPr txBox="1"/>
           <p:nvPr>
             <p:custDataLst>
-              <p:tags r:id="rId82"/>
-            </p:custDataLst>
-          </p:nvPr>
-        </p:nvSpPr>
-        <p:spPr>
-          <a:xfrm>
-            <a:off x="127000" y="4941706"/>
-            <a:ext cx="1219200" cy="170519"/>
-          </a:xfrm>
-          <a:prstGeom prst="rect">
-            <a:avLst/>
-          </a:prstGeom>
-          <a:noFill/>
-        </p:spPr>
-        <p:txBody>
-          <a:bodyPr vert="horz" wrap="square" lIns="0" tIns="0" rIns="0" bIns="0" rtlCol="0" anchor="ctr" anchorCtr="0">
-            <a:spAutoFit/>
-          </a:bodyPr>
-          <a:lstStyle/>
-          <a:p>
-            <a:r>
-              <a:rPr lang="ko-KR" altLang="en-US" sz="1100" b="1" spc="-6">
-                <a:solidFill>
-                  <a:schemeClr val="dk1"/>
-                </a:solidFill>
-                <a:latin typeface="Calibri" panose="020F0502020204030204" pitchFamily="34" charset="0"/>
-              </a:rPr>
-              <a:t>신체 인식 모듈 개발</a:t>
-            </a:r>
-          </a:p>
-        </p:txBody>
-      </p:sp>
-      <p:sp>
-        <p:nvSpPr>
-          <p:cNvPr id="212" name="OTLSHAPE_T_27ae47589bac40d38409405d5a28c9b6_Shape">
-            <a:extLst>
-              <a:ext uri="{FF2B5EF4-FFF2-40B4-BE49-F238E27FC236}">
-                <a16:creationId xmlns:a16="http://schemas.microsoft.com/office/drawing/2014/main" id="{F3885ADE-50D2-4440-B497-EBA6F684F971}"/>
-              </a:ext>
-            </a:extLst>
-          </p:cNvPr>
-          <p:cNvSpPr/>
-          <p:nvPr>
-            <p:custDataLst>
-              <p:tags r:id="rId83"/>
-            </p:custDataLst>
-          </p:nvPr>
-        </p:nvSpPr>
-        <p:spPr>
-          <a:xfrm>
-            <a:off x="4487967" y="5192065"/>
-            <a:ext cx="2540000" cy="203200"/>
-          </a:xfrm>
-          <a:prstGeom prst="rect">
-            <a:avLst/>
-          </a:prstGeom>
-          <a:solidFill>
-            <a:schemeClr val="accent2"/>
-          </a:solidFill>
-          <a:ln w="12700" cap="flat" cmpd="sng" algn="ctr">
-            <a:noFill/>
-            <a:prstDash val="solid"/>
-            <a:miter lim="800000"/>
-          </a:ln>
-          <a:effectLst/>
-          <a:scene3d>
-            <a:camera prst="orthographicFront"/>
-            <a:lightRig rig="balanced" dir="t">
-              <a:rot lat="0" lon="0" rev="8700000"/>
-            </a:lightRig>
-          </a:scene3d>
-          <a:sp3d>
-            <a:bevelT w="165100" h="12700"/>
-          </a:sp3d>
-          <a:extLst>
-            <a:ext uri="{91240B29-F687-4F45-9708-019B960494DF}">
-              <a14:hiddenLine xmlns:a14="http://schemas.microsoft.com/office/drawing/2010/main" w="12700" cap="flat" cmpd="sng" algn="ctr">
-                <a:solidFill>
-                  <a:schemeClr val="accent1">
-                    <a:shade val="50000"/>
-                  </a:schemeClr>
-                </a:solidFill>
-                <a:prstDash val="solid"/>
-                <a:miter lim="800000"/>
-              </a14:hiddenLine>
-            </a:ext>
-            <a:ext uri="{AF507438-7753-43E0-B8FC-AC1667EBCBE1}">
-              <a14:hiddenEffects xmlns:a14="http://schemas.microsoft.com/office/drawing/2010/main">
-                <a:effectLst>
-                  <a:outerShdw>
-                    <a:scrgbClr r="0" g="0" b="0">
-                      <a:alpha val="50000"/>
-                    </a:scrgbClr>
-                  </a:outerShdw>
-                </a:effectLst>
-              </a14:hiddenEffects>
-            </a:ext>
-            <a:ext uri="{53640926-AAD7-44D8-BBD7-CCE9431645EC}">
-              <a14:shadowObscured xmlns:a14="http://schemas.microsoft.com/office/drawing/2010/main" val="1"/>
-            </a:ext>
-          </a:extLst>
-        </p:spPr>
-        <p:style>
-          <a:lnRef idx="2">
-            <a:schemeClr val="accent1">
-              <a:shade val="50000"/>
-            </a:schemeClr>
-          </a:lnRef>
-          <a:fillRef idx="1">
-            <a:schemeClr val="accent1"/>
-          </a:fillRef>
-          <a:effectRef idx="0">
-            <a:schemeClr val="accent1"/>
-          </a:effectRef>
-          <a:fontRef idx="minor">
-            <a:schemeClr val="lt1"/>
-          </a:fontRef>
-        </p:style>
-        <p:txBody>
-          <a:bodyPr rtlCol="0" anchor="ctr"/>
-          <a:lstStyle/>
-          <a:p>
-            <a:pPr algn="ctr"/>
-            <a:endParaRPr lang="ko-KR" altLang="en-US"/>
-          </a:p>
-        </p:txBody>
-      </p:sp>
-      <p:sp>
-        <p:nvSpPr>
-          <p:cNvPr id="213" name="OTLSHAPE_T_27ae47589bac40d38409405d5a28c9b6_ShapePercentage" hidden="1">
-            <a:extLst>
-              <a:ext uri="{FF2B5EF4-FFF2-40B4-BE49-F238E27FC236}">
-                <a16:creationId xmlns:a16="http://schemas.microsoft.com/office/drawing/2014/main" id="{2BDDA336-FFD9-4AD8-9E7B-0E71BE8B0AD7}"/>
-              </a:ext>
-            </a:extLst>
-          </p:cNvPr>
-          <p:cNvSpPr/>
-          <p:nvPr>
-            <p:custDataLst>
-              <p:tags r:id="rId84"/>
-            </p:custDataLst>
-          </p:nvPr>
-        </p:nvSpPr>
-        <p:spPr>
-          <a:xfrm>
-            <a:off x="4487967" y="5812155"/>
-            <a:ext cx="0" cy="0"/>
-          </a:xfrm>
-          <a:prstGeom prst="rect">
-            <a:avLst/>
-          </a:prstGeom>
-        </p:spPr>
-        <p:style>
-          <a:lnRef idx="2">
-            <a:schemeClr val="accent1">
-              <a:shade val="50000"/>
-            </a:schemeClr>
-          </a:lnRef>
-          <a:fillRef idx="1">
-            <a:schemeClr val="accent1"/>
-          </a:fillRef>
-          <a:effectRef idx="0">
-            <a:schemeClr val="accent1"/>
-          </a:effectRef>
-          <a:fontRef idx="minor">
-            <a:schemeClr val="lt1"/>
-          </a:fontRef>
-        </p:style>
-        <p:txBody>
-          <a:bodyPr rtlCol="0" anchor="ctr"/>
-          <a:lstStyle/>
-          <a:p>
-            <a:pPr algn="ctr"/>
-            <a:endParaRPr lang="ko-KR" altLang="en-US"/>
-          </a:p>
-        </p:txBody>
-      </p:sp>
-      <p:sp>
-        <p:nvSpPr>
-          <p:cNvPr id="214" name="OTLSHAPE_T_27ae47589bac40d38409405d5a28c9b6_Duration" hidden="1">
-            <a:extLst>
-              <a:ext uri="{FF2B5EF4-FFF2-40B4-BE49-F238E27FC236}">
-                <a16:creationId xmlns:a16="http://schemas.microsoft.com/office/drawing/2014/main" id="{85BA0E68-D85D-49E6-A6AD-1AA811242F93}"/>
-              </a:ext>
-            </a:extLst>
-          </p:cNvPr>
-          <p:cNvSpPr txBox="1"/>
-          <p:nvPr>
-            <p:custDataLst>
-              <p:tags r:id="rId85"/>
-            </p:custDataLst>
-          </p:nvPr>
-        </p:nvSpPr>
-        <p:spPr>
-          <a:xfrm>
-            <a:off x="0" y="5812155"/>
-            <a:ext cx="292100" cy="155025"/>
-          </a:xfrm>
-          <a:prstGeom prst="rect">
-            <a:avLst/>
-          </a:prstGeom>
-          <a:noFill/>
-        </p:spPr>
-        <p:txBody>
-          <a:bodyPr vert="horz" wrap="square" lIns="0" tIns="0" rIns="0" bIns="0" rtlCol="0" anchor="ctr" anchorCtr="0">
-            <a:spAutoFit/>
-          </a:bodyPr>
-          <a:lstStyle/>
-          <a:p>
-            <a:pPr algn="ctr"/>
-            <a:r>
-              <a:rPr lang="en-US" altLang="ko-KR" sz="1000">
-                <a:solidFill>
-                  <a:schemeClr val="accent2"/>
-                </a:solidFill>
-                <a:latin typeface="Calibri" panose="020F0502020204030204" pitchFamily="34" charset="0"/>
-              </a:rPr>
-              <a:t>30 </a:t>
-            </a:r>
-            <a:r>
-              <a:rPr lang="ko-KR" altLang="en-US" sz="1000">
-                <a:solidFill>
-                  <a:schemeClr val="accent2"/>
-                </a:solidFill>
-                <a:latin typeface="Calibri" panose="020F0502020204030204" pitchFamily="34" charset="0"/>
-              </a:rPr>
-              <a:t>일</a:t>
-            </a:r>
-          </a:p>
-        </p:txBody>
-      </p:sp>
-      <p:sp>
-        <p:nvSpPr>
-          <p:cNvPr id="215" name="OTLSHAPE_T_27ae47589bac40d38409405d5a28c9b6_TextPercentage" hidden="1">
-            <a:extLst>
-              <a:ext uri="{FF2B5EF4-FFF2-40B4-BE49-F238E27FC236}">
-                <a16:creationId xmlns:a16="http://schemas.microsoft.com/office/drawing/2014/main" id="{CA65982F-A349-45D5-8CA6-1B6C05AA3713}"/>
-              </a:ext>
-            </a:extLst>
-          </p:cNvPr>
-          <p:cNvSpPr txBox="1"/>
-          <p:nvPr>
-            <p:custDataLst>
-              <p:tags r:id="rId86"/>
-            </p:custDataLst>
-          </p:nvPr>
-        </p:nvSpPr>
-        <p:spPr>
-          <a:xfrm>
-            <a:off x="0" y="5967180"/>
-            <a:ext cx="0" cy="153888"/>
-          </a:xfrm>
-          <a:prstGeom prst="rect">
-            <a:avLst/>
-          </a:prstGeom>
-          <a:noFill/>
-        </p:spPr>
-        <p:txBody>
-          <a:bodyPr vert="horz" wrap="square" lIns="0" tIns="0" rIns="0" bIns="0" rtlCol="0" anchor="ctr" anchorCtr="0">
-            <a:spAutoFit/>
-          </a:bodyPr>
-          <a:lstStyle/>
-          <a:p>
-            <a:pPr algn="ctr"/>
-            <a:endParaRPr lang="ko-KR" altLang="en-US" sz="1000">
-              <a:solidFill>
-                <a:schemeClr val="accent2"/>
-              </a:solidFill>
-              <a:latin typeface="Calibri" panose="020F0502020204030204" pitchFamily="34" charset="0"/>
-            </a:endParaRPr>
-          </a:p>
-        </p:txBody>
-      </p:sp>
-      <p:sp>
-        <p:nvSpPr>
-          <p:cNvPr id="216" name="OTLSHAPE_T_27ae47589bac40d38409405d5a28c9b6_StartDate" hidden="1">
-            <a:extLst>
-              <a:ext uri="{FF2B5EF4-FFF2-40B4-BE49-F238E27FC236}">
-                <a16:creationId xmlns:a16="http://schemas.microsoft.com/office/drawing/2014/main" id="{41486622-50FB-4550-8FF0-540C643A754B}"/>
-              </a:ext>
-            </a:extLst>
-          </p:cNvPr>
-          <p:cNvSpPr txBox="1"/>
-          <p:nvPr>
-            <p:custDataLst>
               <p:tags r:id="rId87"/>
             </p:custDataLst>
           </p:nvPr>
         </p:nvSpPr>
         <p:spPr>
           <a:xfrm>
-            <a:off x="0" y="5967180"/>
-            <a:ext cx="0" cy="153888"/>
-          </a:xfrm>
-          <a:prstGeom prst="rect">
-            <a:avLst/>
-          </a:prstGeom>
-          <a:noFill/>
-        </p:spPr>
-        <p:txBody>
-          <a:bodyPr vert="horz" wrap="square" lIns="0" tIns="0" rIns="0" bIns="0" rtlCol="0" anchor="ctr" anchorCtr="0">
-            <a:spAutoFit/>
-          </a:bodyPr>
-          <a:lstStyle/>
-          <a:p>
-            <a:pPr algn="ctr"/>
-            <a:endParaRPr lang="ko-KR" altLang="en-US" sz="1000">
-              <a:solidFill>
-                <a:schemeClr val="dk2"/>
-              </a:solidFill>
-              <a:latin typeface="Calibri" panose="020F0502020204030204" pitchFamily="34" charset="0"/>
-            </a:endParaRPr>
-          </a:p>
-        </p:txBody>
-      </p:sp>
-      <p:sp>
-        <p:nvSpPr>
-          <p:cNvPr id="217" name="OTLSHAPE_T_27ae47589bac40d38409405d5a28c9b6_EndDate" hidden="1">
-            <a:extLst>
-              <a:ext uri="{FF2B5EF4-FFF2-40B4-BE49-F238E27FC236}">
-                <a16:creationId xmlns:a16="http://schemas.microsoft.com/office/drawing/2014/main" id="{FD9A9E6D-ABCA-4260-B993-A594E5DACBE6}"/>
-              </a:ext>
-            </a:extLst>
-          </p:cNvPr>
-          <p:cNvSpPr txBox="1"/>
-          <p:nvPr>
-            <p:custDataLst>
-              <p:tags r:id="rId88"/>
-            </p:custDataLst>
-          </p:nvPr>
-        </p:nvSpPr>
-        <p:spPr>
-          <a:xfrm>
-            <a:off x="0" y="5967180"/>
-            <a:ext cx="0" cy="153888"/>
-          </a:xfrm>
-          <a:prstGeom prst="rect">
-            <a:avLst/>
-          </a:prstGeom>
-          <a:noFill/>
-        </p:spPr>
-        <p:txBody>
-          <a:bodyPr vert="horz" wrap="square" lIns="0" tIns="0" rIns="0" bIns="0" rtlCol="0" anchor="ctr" anchorCtr="0">
-            <a:spAutoFit/>
-          </a:bodyPr>
-          <a:lstStyle/>
-          <a:p>
-            <a:pPr algn="ctr"/>
-            <a:endParaRPr lang="ko-KR" altLang="en-US" sz="1000">
-              <a:solidFill>
-                <a:schemeClr val="dk2"/>
-              </a:solidFill>
-              <a:latin typeface="Calibri" panose="020F0502020204030204" pitchFamily="34" charset="0"/>
-            </a:endParaRPr>
-          </a:p>
-        </p:txBody>
-      </p:sp>
-      <p:sp>
-        <p:nvSpPr>
-          <p:cNvPr id="218" name="OTLSHAPE_T_27ae47589bac40d38409405d5a28c9b6_JoinedDate">
-            <a:extLst>
-              <a:ext uri="{FF2B5EF4-FFF2-40B4-BE49-F238E27FC236}">
-                <a16:creationId xmlns:a16="http://schemas.microsoft.com/office/drawing/2014/main" id="{B744A2DD-6289-410D-AEAB-CA43BD066934}"/>
-              </a:ext>
-            </a:extLst>
-          </p:cNvPr>
-          <p:cNvSpPr txBox="1"/>
-          <p:nvPr>
-            <p:custDataLst>
-              <p:tags r:id="rId89"/>
-            </p:custDataLst>
-          </p:nvPr>
-        </p:nvSpPr>
-        <p:spPr>
-          <a:xfrm>
-            <a:off x="7077709" y="5216153"/>
-            <a:ext cx="1155700" cy="155025"/>
-          </a:xfrm>
-          <a:prstGeom prst="rect">
-            <a:avLst/>
-          </a:prstGeom>
-          <a:noFill/>
-        </p:spPr>
-        <p:txBody>
-          <a:bodyPr vert="horz" wrap="square" lIns="0" tIns="0" rIns="0" bIns="0" rtlCol="0" anchor="ctr" anchorCtr="0">
-            <a:spAutoFit/>
-          </a:bodyPr>
-          <a:lstStyle/>
-          <a:p>
-            <a:r>
-              <a:rPr lang="en-US" altLang="ko-KR" sz="1000" spc="-4">
-                <a:solidFill>
-                  <a:schemeClr val="dk2"/>
-                </a:solidFill>
-                <a:latin typeface="Calibri" panose="020F0502020204030204" pitchFamily="34" charset="0"/>
-              </a:rPr>
-              <a:t>4-12-2019 - 5-11-2019</a:t>
-            </a:r>
-            <a:endParaRPr lang="ko-KR" altLang="en-US" sz="1000" spc="-4">
-              <a:solidFill>
-                <a:schemeClr val="dk2"/>
-              </a:solidFill>
-              <a:latin typeface="Calibri" panose="020F0502020204030204" pitchFamily="34" charset="0"/>
-            </a:endParaRPr>
-          </a:p>
-        </p:txBody>
-      </p:sp>
-      <p:sp>
-        <p:nvSpPr>
-          <p:cNvPr id="219" name="OTLSHAPE_T_27ae47589bac40d38409405d5a28c9b6_Title">
-            <a:extLst>
-              <a:ext uri="{FF2B5EF4-FFF2-40B4-BE49-F238E27FC236}">
-                <a16:creationId xmlns:a16="http://schemas.microsoft.com/office/drawing/2014/main" id="{A9C8648A-7BE0-44C0-AC80-752A3DF06EC4}"/>
-              </a:ext>
-            </a:extLst>
-          </p:cNvPr>
-          <p:cNvSpPr txBox="1"/>
-          <p:nvPr>
-            <p:custDataLst>
-              <p:tags r:id="rId90"/>
-            </p:custDataLst>
-          </p:nvPr>
-        </p:nvSpPr>
-        <p:spPr>
-          <a:xfrm>
-            <a:off x="127000" y="5208406"/>
-            <a:ext cx="1079500" cy="170519"/>
-          </a:xfrm>
-          <a:prstGeom prst="rect">
-            <a:avLst/>
-          </a:prstGeom>
-          <a:noFill/>
-        </p:spPr>
-        <p:txBody>
-          <a:bodyPr vert="horz" wrap="square" lIns="0" tIns="0" rIns="0" bIns="0" rtlCol="0" anchor="ctr" anchorCtr="0">
-            <a:spAutoFit/>
-          </a:bodyPr>
-          <a:lstStyle/>
-          <a:p>
-            <a:r>
-              <a:rPr lang="ko-KR" altLang="en-US" sz="1100" b="1" spc="-6">
-                <a:solidFill>
-                  <a:schemeClr val="dk1"/>
-                </a:solidFill>
-                <a:latin typeface="Calibri" panose="020F0502020204030204" pitchFamily="34" charset="0"/>
-              </a:rPr>
-              <a:t>손 인식 모듈 개발</a:t>
-            </a:r>
-          </a:p>
-        </p:txBody>
-      </p:sp>
-      <p:sp>
-        <p:nvSpPr>
-          <p:cNvPr id="220" name="OTLSHAPE_T_55871566acb4479fa593c4d75faba5f3_Shape">
-            <a:extLst>
-              <a:ext uri="{FF2B5EF4-FFF2-40B4-BE49-F238E27FC236}">
-                <a16:creationId xmlns:a16="http://schemas.microsoft.com/office/drawing/2014/main" id="{EC2FCE7B-3EBC-4119-8E62-58EB83748B05}"/>
-              </a:ext>
-            </a:extLst>
-          </p:cNvPr>
-          <p:cNvSpPr/>
-          <p:nvPr>
-            <p:custDataLst>
-              <p:tags r:id="rId91"/>
-            </p:custDataLst>
-          </p:nvPr>
-        </p:nvSpPr>
-        <p:spPr>
-          <a:xfrm>
-            <a:off x="6349900" y="5458765"/>
-            <a:ext cx="1955800" cy="203200"/>
-          </a:xfrm>
-          <a:prstGeom prst="rect">
-            <a:avLst/>
-          </a:prstGeom>
-          <a:solidFill>
-            <a:schemeClr val="accent2"/>
-          </a:solidFill>
-          <a:ln w="12700" cap="flat" cmpd="sng" algn="ctr">
-            <a:noFill/>
-            <a:prstDash val="solid"/>
-            <a:miter lim="800000"/>
-          </a:ln>
-          <a:effectLst/>
-          <a:scene3d>
-            <a:camera prst="orthographicFront"/>
-            <a:lightRig rig="balanced" dir="t">
-              <a:rot lat="0" lon="0" rev="8700000"/>
-            </a:lightRig>
-          </a:scene3d>
-          <a:sp3d>
-            <a:bevelT w="165100" h="12700"/>
-          </a:sp3d>
-          <a:extLst>
-            <a:ext uri="{91240B29-F687-4F45-9708-019B960494DF}">
-              <a14:hiddenLine xmlns:a14="http://schemas.microsoft.com/office/drawing/2010/main" w="12700" cap="flat" cmpd="sng" algn="ctr">
-                <a:solidFill>
-                  <a:schemeClr val="accent1">
-                    <a:shade val="50000"/>
-                  </a:schemeClr>
-                </a:solidFill>
-                <a:prstDash val="solid"/>
-                <a:miter lim="800000"/>
-              </a14:hiddenLine>
-            </a:ext>
-            <a:ext uri="{AF507438-7753-43E0-B8FC-AC1667EBCBE1}">
-              <a14:hiddenEffects xmlns:a14="http://schemas.microsoft.com/office/drawing/2010/main">
-                <a:effectLst>
-                  <a:outerShdw>
-                    <a:scrgbClr r="0" g="0" b="0">
-                      <a:alpha val="50000"/>
-                    </a:scrgbClr>
-                  </a:outerShdw>
-                </a:effectLst>
-              </a14:hiddenEffects>
-            </a:ext>
-            <a:ext uri="{53640926-AAD7-44D8-BBD7-CCE9431645EC}">
-              <a14:shadowObscured xmlns:a14="http://schemas.microsoft.com/office/drawing/2010/main" val="1"/>
-            </a:ext>
-          </a:extLst>
-        </p:spPr>
-        <p:style>
-          <a:lnRef idx="2">
-            <a:schemeClr val="accent1">
-              <a:shade val="50000"/>
-            </a:schemeClr>
-          </a:lnRef>
-          <a:fillRef idx="1">
-            <a:schemeClr val="accent1"/>
-          </a:fillRef>
-          <a:effectRef idx="0">
-            <a:schemeClr val="accent1"/>
-          </a:effectRef>
-          <a:fontRef idx="minor">
-            <a:schemeClr val="lt1"/>
-          </a:fontRef>
-        </p:style>
-        <p:txBody>
-          <a:bodyPr rtlCol="0" anchor="ctr"/>
-          <a:lstStyle/>
-          <a:p>
-            <a:pPr algn="ctr"/>
-            <a:endParaRPr lang="ko-KR" altLang="en-US"/>
-          </a:p>
-        </p:txBody>
-      </p:sp>
-      <p:sp>
-        <p:nvSpPr>
-          <p:cNvPr id="221" name="OTLSHAPE_T_55871566acb4479fa593c4d75faba5f3_ShapePercentage" hidden="1">
-            <a:extLst>
-              <a:ext uri="{FF2B5EF4-FFF2-40B4-BE49-F238E27FC236}">
-                <a16:creationId xmlns:a16="http://schemas.microsoft.com/office/drawing/2014/main" id="{D5525A8B-0739-424F-85A9-331F901FBD97}"/>
-              </a:ext>
-            </a:extLst>
-          </p:cNvPr>
-          <p:cNvSpPr/>
-          <p:nvPr>
-            <p:custDataLst>
-              <p:tags r:id="rId92"/>
-            </p:custDataLst>
-          </p:nvPr>
-        </p:nvSpPr>
-        <p:spPr>
-          <a:xfrm>
-            <a:off x="6349900" y="6078855"/>
-            <a:ext cx="0" cy="0"/>
-          </a:xfrm>
-          <a:prstGeom prst="rect">
-            <a:avLst/>
-          </a:prstGeom>
-        </p:spPr>
-        <p:style>
-          <a:lnRef idx="2">
-            <a:schemeClr val="accent1">
-              <a:shade val="50000"/>
-            </a:schemeClr>
-          </a:lnRef>
-          <a:fillRef idx="1">
-            <a:schemeClr val="accent1"/>
-          </a:fillRef>
-          <a:effectRef idx="0">
-            <a:schemeClr val="accent1"/>
-          </a:effectRef>
-          <a:fontRef idx="minor">
-            <a:schemeClr val="lt1"/>
-          </a:fontRef>
-        </p:style>
-        <p:txBody>
-          <a:bodyPr rtlCol="0" anchor="ctr"/>
-          <a:lstStyle/>
-          <a:p>
-            <a:pPr algn="ctr"/>
-            <a:endParaRPr lang="ko-KR" altLang="en-US"/>
-          </a:p>
-        </p:txBody>
-      </p:sp>
-      <p:sp>
-        <p:nvSpPr>
-          <p:cNvPr id="222" name="OTLSHAPE_T_55871566acb4479fa593c4d75faba5f3_Duration" hidden="1">
-            <a:extLst>
-              <a:ext uri="{FF2B5EF4-FFF2-40B4-BE49-F238E27FC236}">
-                <a16:creationId xmlns:a16="http://schemas.microsoft.com/office/drawing/2014/main" id="{A724363F-CD57-4BB8-A3E4-B26CD440A8B7}"/>
-              </a:ext>
-            </a:extLst>
-          </p:cNvPr>
-          <p:cNvSpPr txBox="1"/>
-          <p:nvPr>
-            <p:custDataLst>
-              <p:tags r:id="rId93"/>
-            </p:custDataLst>
-          </p:nvPr>
-        </p:nvSpPr>
-        <p:spPr>
-          <a:xfrm>
-            <a:off x="0" y="6078855"/>
-            <a:ext cx="292100" cy="155025"/>
-          </a:xfrm>
-          <a:prstGeom prst="rect">
-            <a:avLst/>
-          </a:prstGeom>
-          <a:noFill/>
-        </p:spPr>
-        <p:txBody>
-          <a:bodyPr vert="horz" wrap="square" lIns="0" tIns="0" rIns="0" bIns="0" rtlCol="0" anchor="ctr" anchorCtr="0">
-            <a:spAutoFit/>
-          </a:bodyPr>
-          <a:lstStyle/>
-          <a:p>
-            <a:pPr algn="ctr"/>
-            <a:r>
-              <a:rPr lang="en-US" altLang="ko-KR" sz="1000">
-                <a:solidFill>
-                  <a:schemeClr val="accent2"/>
-                </a:solidFill>
-                <a:latin typeface="Calibri" panose="020F0502020204030204" pitchFamily="34" charset="0"/>
-              </a:rPr>
-              <a:t>23 </a:t>
-            </a:r>
-            <a:r>
-              <a:rPr lang="ko-KR" altLang="en-US" sz="1000">
-                <a:solidFill>
-                  <a:schemeClr val="accent2"/>
-                </a:solidFill>
-                <a:latin typeface="Calibri" panose="020F0502020204030204" pitchFamily="34" charset="0"/>
-              </a:rPr>
-              <a:t>일</a:t>
-            </a:r>
-          </a:p>
-        </p:txBody>
-      </p:sp>
-      <p:sp>
-        <p:nvSpPr>
-          <p:cNvPr id="223" name="OTLSHAPE_T_55871566acb4479fa593c4d75faba5f3_TextPercentage" hidden="1">
-            <a:extLst>
-              <a:ext uri="{FF2B5EF4-FFF2-40B4-BE49-F238E27FC236}">
-                <a16:creationId xmlns:a16="http://schemas.microsoft.com/office/drawing/2014/main" id="{06F38902-9159-44AD-84F1-FFA862952757}"/>
-              </a:ext>
-            </a:extLst>
-          </p:cNvPr>
-          <p:cNvSpPr txBox="1"/>
-          <p:nvPr>
-            <p:custDataLst>
-              <p:tags r:id="rId94"/>
-            </p:custDataLst>
-          </p:nvPr>
-        </p:nvSpPr>
-        <p:spPr>
-          <a:xfrm>
-            <a:off x="0" y="6233880"/>
-            <a:ext cx="0" cy="153888"/>
-          </a:xfrm>
-          <a:prstGeom prst="rect">
-            <a:avLst/>
-          </a:prstGeom>
-          <a:noFill/>
-        </p:spPr>
-        <p:txBody>
-          <a:bodyPr vert="horz" wrap="square" lIns="0" tIns="0" rIns="0" bIns="0" rtlCol="0" anchor="ctr" anchorCtr="0">
-            <a:spAutoFit/>
-          </a:bodyPr>
-          <a:lstStyle/>
-          <a:p>
-            <a:pPr algn="ctr"/>
-            <a:endParaRPr lang="ko-KR" altLang="en-US" sz="1000">
-              <a:solidFill>
-                <a:schemeClr val="accent2"/>
-              </a:solidFill>
-              <a:latin typeface="Calibri" panose="020F0502020204030204" pitchFamily="34" charset="0"/>
-            </a:endParaRPr>
-          </a:p>
-        </p:txBody>
-      </p:sp>
-      <p:sp>
-        <p:nvSpPr>
-          <p:cNvPr id="224" name="OTLSHAPE_T_55871566acb4479fa593c4d75faba5f3_StartDate" hidden="1">
-            <a:extLst>
-              <a:ext uri="{FF2B5EF4-FFF2-40B4-BE49-F238E27FC236}">
-                <a16:creationId xmlns:a16="http://schemas.microsoft.com/office/drawing/2014/main" id="{1B49689C-5EC1-4DAC-97DB-9652580DF457}"/>
-              </a:ext>
-            </a:extLst>
-          </p:cNvPr>
-          <p:cNvSpPr txBox="1"/>
-          <p:nvPr>
-            <p:custDataLst>
-              <p:tags r:id="rId95"/>
-            </p:custDataLst>
-          </p:nvPr>
-        </p:nvSpPr>
-        <p:spPr>
-          <a:xfrm>
-            <a:off x="0" y="6233880"/>
-            <a:ext cx="0" cy="153888"/>
-          </a:xfrm>
-          <a:prstGeom prst="rect">
-            <a:avLst/>
-          </a:prstGeom>
-          <a:noFill/>
-        </p:spPr>
-        <p:txBody>
-          <a:bodyPr vert="horz" wrap="square" lIns="0" tIns="0" rIns="0" bIns="0" rtlCol="0" anchor="ctr" anchorCtr="0">
-            <a:spAutoFit/>
-          </a:bodyPr>
-          <a:lstStyle/>
-          <a:p>
-            <a:pPr algn="ctr"/>
-            <a:endParaRPr lang="ko-KR" altLang="en-US" sz="1000">
-              <a:solidFill>
-                <a:schemeClr val="dk2"/>
-              </a:solidFill>
-              <a:latin typeface="Calibri" panose="020F0502020204030204" pitchFamily="34" charset="0"/>
-            </a:endParaRPr>
-          </a:p>
-        </p:txBody>
-      </p:sp>
-      <p:sp>
-        <p:nvSpPr>
-          <p:cNvPr id="225" name="OTLSHAPE_T_55871566acb4479fa593c4d75faba5f3_EndDate" hidden="1">
-            <a:extLst>
-              <a:ext uri="{FF2B5EF4-FFF2-40B4-BE49-F238E27FC236}">
-                <a16:creationId xmlns:a16="http://schemas.microsoft.com/office/drawing/2014/main" id="{2CFBB9C2-F1F3-4103-A198-5720585D8B0B}"/>
-              </a:ext>
-            </a:extLst>
-          </p:cNvPr>
-          <p:cNvSpPr txBox="1"/>
-          <p:nvPr>
-            <p:custDataLst>
-              <p:tags r:id="rId96"/>
-            </p:custDataLst>
-          </p:nvPr>
-        </p:nvSpPr>
-        <p:spPr>
-          <a:xfrm>
-            <a:off x="0" y="6233880"/>
-            <a:ext cx="0" cy="153888"/>
-          </a:xfrm>
-          <a:prstGeom prst="rect">
-            <a:avLst/>
-          </a:prstGeom>
-          <a:noFill/>
-        </p:spPr>
-        <p:txBody>
-          <a:bodyPr vert="horz" wrap="square" lIns="0" tIns="0" rIns="0" bIns="0" rtlCol="0" anchor="ctr" anchorCtr="0">
-            <a:spAutoFit/>
-          </a:bodyPr>
-          <a:lstStyle/>
-          <a:p>
-            <a:pPr algn="ctr"/>
-            <a:endParaRPr lang="ko-KR" altLang="en-US" sz="1000">
-              <a:solidFill>
-                <a:schemeClr val="dk2"/>
-              </a:solidFill>
-              <a:latin typeface="Calibri" panose="020F0502020204030204" pitchFamily="34" charset="0"/>
-            </a:endParaRPr>
-          </a:p>
-        </p:txBody>
-      </p:sp>
-      <p:sp>
-        <p:nvSpPr>
-          <p:cNvPr id="226" name="OTLSHAPE_T_55871566acb4479fa593c4d75faba5f3_JoinedDate">
-            <a:extLst>
-              <a:ext uri="{FF2B5EF4-FFF2-40B4-BE49-F238E27FC236}">
-                <a16:creationId xmlns:a16="http://schemas.microsoft.com/office/drawing/2014/main" id="{C11309D0-A23A-4D73-A463-80500BCB4E1E}"/>
-              </a:ext>
-            </a:extLst>
-          </p:cNvPr>
-          <p:cNvSpPr txBox="1"/>
-          <p:nvPr>
-            <p:custDataLst>
-              <p:tags r:id="rId97"/>
-            </p:custDataLst>
-          </p:nvPr>
-        </p:nvSpPr>
-        <p:spPr>
-          <a:xfrm>
-            <a:off x="8347209" y="5482853"/>
-            <a:ext cx="1092200" cy="155025"/>
-          </a:xfrm>
-          <a:prstGeom prst="rect">
-            <a:avLst/>
-          </a:prstGeom>
-          <a:noFill/>
-        </p:spPr>
-        <p:txBody>
-          <a:bodyPr vert="horz" wrap="square" lIns="0" tIns="0" rIns="0" bIns="0" rtlCol="0" anchor="ctr" anchorCtr="0">
-            <a:spAutoFit/>
-          </a:bodyPr>
-          <a:lstStyle/>
-          <a:p>
-            <a:r>
-              <a:rPr lang="en-US" altLang="ko-KR" sz="1000" spc="-4">
-                <a:solidFill>
-                  <a:schemeClr val="dk2"/>
-                </a:solidFill>
-                <a:latin typeface="Calibri" panose="020F0502020204030204" pitchFamily="34" charset="0"/>
-              </a:rPr>
-              <a:t>5-4-2019 - 5-26-2019</a:t>
-            </a:r>
-            <a:endParaRPr lang="ko-KR" altLang="en-US" sz="1000" spc="-4">
-              <a:solidFill>
-                <a:schemeClr val="dk2"/>
-              </a:solidFill>
-              <a:latin typeface="Calibri" panose="020F0502020204030204" pitchFamily="34" charset="0"/>
-            </a:endParaRPr>
-          </a:p>
-        </p:txBody>
-      </p:sp>
-      <p:sp>
-        <p:nvSpPr>
-          <p:cNvPr id="227" name="OTLSHAPE_T_55871566acb4479fa593c4d75faba5f3_Title">
-            <a:extLst>
-              <a:ext uri="{FF2B5EF4-FFF2-40B4-BE49-F238E27FC236}">
-                <a16:creationId xmlns:a16="http://schemas.microsoft.com/office/drawing/2014/main" id="{4B2724A6-7C7E-4956-90C5-6F5FDAE6E61F}"/>
-              </a:ext>
-            </a:extLst>
-          </p:cNvPr>
-          <p:cNvSpPr txBox="1"/>
-          <p:nvPr>
-            <p:custDataLst>
-              <p:tags r:id="rId98"/>
-            </p:custDataLst>
-          </p:nvPr>
-        </p:nvSpPr>
-        <p:spPr>
-          <a:xfrm>
-            <a:off x="127000" y="5475106"/>
+            <a:off x="127000" y="5828496"/>
             <a:ext cx="1409700" cy="170519"/>
           </a:xfrm>
           <a:prstGeom prst="rect">
@@ -14106,24 +13540,24 @@
       </p:sp>
       <p:sp>
         <p:nvSpPr>
-          <p:cNvPr id="228" name="OTLSHAPE_T_853f2e2a1d91481f8b3ea3fdeadd8ffb_Shape">
-            <a:extLst>
-              <a:ext uri="{FF2B5EF4-FFF2-40B4-BE49-F238E27FC236}">
-                <a16:creationId xmlns:a16="http://schemas.microsoft.com/office/drawing/2014/main" id="{18233A85-43E4-4DB2-A05B-EB9139DD22AA}"/>
+          <p:cNvPr id="424" name="OTLSHAPE_T_853f2e2a1d91481f8b3ea3fdeadd8ffb_Shape">
+            <a:extLst>
+              <a:ext uri="{FF2B5EF4-FFF2-40B4-BE49-F238E27FC236}">
+                <a16:creationId xmlns:a16="http://schemas.microsoft.com/office/drawing/2014/main" id="{A5CD802A-597F-45A6-924E-0EDC29B7F86D}"/>
               </a:ext>
             </a:extLst>
           </p:cNvPr>
           <p:cNvSpPr/>
           <p:nvPr>
             <p:custDataLst>
-              <p:tags r:id="rId99"/>
-            </p:custDataLst>
-          </p:nvPr>
-        </p:nvSpPr>
-        <p:spPr>
-          <a:xfrm>
-            <a:off x="6942334" y="5725465"/>
-            <a:ext cx="1016000" cy="203200"/>
+              <p:tags r:id="rId88"/>
+            </p:custDataLst>
+          </p:nvPr>
+        </p:nvSpPr>
+        <p:spPr>
+          <a:xfrm>
+            <a:off x="7704034" y="6078855"/>
+            <a:ext cx="596900" cy="203200"/>
           </a:xfrm>
           <a:prstGeom prst="rect">
             <a:avLst/>
@@ -14201,23 +13635,23 @@
       </p:sp>
       <p:sp>
         <p:nvSpPr>
-          <p:cNvPr id="229" name="OTLSHAPE_T_853f2e2a1d91481f8b3ea3fdeadd8ffb_ShapePercentage" hidden="1">
-            <a:extLst>
-              <a:ext uri="{FF2B5EF4-FFF2-40B4-BE49-F238E27FC236}">
-                <a16:creationId xmlns:a16="http://schemas.microsoft.com/office/drawing/2014/main" id="{7EB3E42E-A2A2-4F88-A2CD-504BF235FFD6}"/>
+          <p:cNvPr id="425" name="OTLSHAPE_T_853f2e2a1d91481f8b3ea3fdeadd8ffb_ShapePercentage" hidden="1">
+            <a:extLst>
+              <a:ext uri="{FF2B5EF4-FFF2-40B4-BE49-F238E27FC236}">
+                <a16:creationId xmlns:a16="http://schemas.microsoft.com/office/drawing/2014/main" id="{BFE6792E-1556-4295-A100-6418E823B559}"/>
               </a:ext>
             </a:extLst>
           </p:cNvPr>
           <p:cNvSpPr/>
           <p:nvPr>
             <p:custDataLst>
-              <p:tags r:id="rId100"/>
-            </p:custDataLst>
-          </p:nvPr>
-        </p:nvSpPr>
-        <p:spPr>
-          <a:xfrm>
-            <a:off x="6942334" y="6345555"/>
+              <p:tags r:id="rId89"/>
+            </p:custDataLst>
+          </p:nvPr>
+        </p:nvSpPr>
+        <p:spPr>
+          <a:xfrm>
+            <a:off x="7704034" y="6078855"/>
             <a:ext cx="0" cy="0"/>
           </a:xfrm>
           <a:prstGeom prst="rect">
@@ -14251,24 +13685,24 @@
       </p:sp>
       <p:sp>
         <p:nvSpPr>
-          <p:cNvPr id="230" name="OTLSHAPE_T_853f2e2a1d91481f8b3ea3fdeadd8ffb_Duration" hidden="1">
-            <a:extLst>
-              <a:ext uri="{FF2B5EF4-FFF2-40B4-BE49-F238E27FC236}">
-                <a16:creationId xmlns:a16="http://schemas.microsoft.com/office/drawing/2014/main" id="{7459C7E6-9718-4090-8A49-3C2DC88D24F1}"/>
+          <p:cNvPr id="426" name="OTLSHAPE_T_853f2e2a1d91481f8b3ea3fdeadd8ffb_Duration" hidden="1">
+            <a:extLst>
+              <a:ext uri="{FF2B5EF4-FFF2-40B4-BE49-F238E27FC236}">
+                <a16:creationId xmlns:a16="http://schemas.microsoft.com/office/drawing/2014/main" id="{F93E0E2C-06BD-4234-BDA9-859AD71D5AA8}"/>
               </a:ext>
             </a:extLst>
           </p:cNvPr>
           <p:cNvSpPr txBox="1"/>
           <p:nvPr>
             <p:custDataLst>
-              <p:tags r:id="rId101"/>
-            </p:custDataLst>
-          </p:nvPr>
-        </p:nvSpPr>
-        <p:spPr>
-          <a:xfrm>
-            <a:off x="0" y="6345555"/>
-            <a:ext cx="292100" cy="155025"/>
+              <p:tags r:id="rId90"/>
+            </p:custDataLst>
+          </p:nvPr>
+        </p:nvSpPr>
+        <p:spPr>
+          <a:xfrm>
+            <a:off x="0" y="6078855"/>
+            <a:ext cx="228600" cy="155025"/>
           </a:xfrm>
           <a:prstGeom prst="rect">
             <a:avLst/>
@@ -14289,7 +13723,7 @@
                 </a:solidFill>
                 <a:latin typeface="Calibri" panose="020F0502020204030204" pitchFamily="34" charset="0"/>
               </a:rPr>
-              <a:t>12 </a:t>
+              <a:t>7 </a:t>
             </a:r>
             <a:r>
               <a:rPr lang="ko-KR" altLang="en-US" sz="1000">
@@ -14305,23 +13739,23 @@
       </p:sp>
       <p:sp>
         <p:nvSpPr>
-          <p:cNvPr id="231" name="OTLSHAPE_T_853f2e2a1d91481f8b3ea3fdeadd8ffb_TextPercentage" hidden="1">
-            <a:extLst>
-              <a:ext uri="{FF2B5EF4-FFF2-40B4-BE49-F238E27FC236}">
-                <a16:creationId xmlns:a16="http://schemas.microsoft.com/office/drawing/2014/main" id="{9C34DBC3-B5FF-40F4-9553-A368DCFF2886}"/>
+          <p:cNvPr id="427" name="OTLSHAPE_T_853f2e2a1d91481f8b3ea3fdeadd8ffb_TextPercentage" hidden="1">
+            <a:extLst>
+              <a:ext uri="{FF2B5EF4-FFF2-40B4-BE49-F238E27FC236}">
+                <a16:creationId xmlns:a16="http://schemas.microsoft.com/office/drawing/2014/main" id="{FF833793-C732-424F-8093-272825524C35}"/>
               </a:ext>
             </a:extLst>
           </p:cNvPr>
           <p:cNvSpPr txBox="1"/>
           <p:nvPr>
             <p:custDataLst>
-              <p:tags r:id="rId102"/>
-            </p:custDataLst>
-          </p:nvPr>
-        </p:nvSpPr>
-        <p:spPr>
-          <a:xfrm>
-            <a:off x="0" y="6500580"/>
+              <p:tags r:id="rId91"/>
+            </p:custDataLst>
+          </p:nvPr>
+        </p:nvSpPr>
+        <p:spPr>
+          <a:xfrm>
+            <a:off x="0" y="6233880"/>
             <a:ext cx="0" cy="153888"/>
           </a:xfrm>
           <a:prstGeom prst="rect">
@@ -14347,23 +13781,23 @@
       </p:sp>
       <p:sp>
         <p:nvSpPr>
-          <p:cNvPr id="232" name="OTLSHAPE_T_853f2e2a1d91481f8b3ea3fdeadd8ffb_StartDate" hidden="1">
-            <a:extLst>
-              <a:ext uri="{FF2B5EF4-FFF2-40B4-BE49-F238E27FC236}">
-                <a16:creationId xmlns:a16="http://schemas.microsoft.com/office/drawing/2014/main" id="{2D8C7349-BE44-4E5B-9393-979083F857AC}"/>
+          <p:cNvPr id="428" name="OTLSHAPE_T_853f2e2a1d91481f8b3ea3fdeadd8ffb_StartDate" hidden="1">
+            <a:extLst>
+              <a:ext uri="{FF2B5EF4-FFF2-40B4-BE49-F238E27FC236}">
+                <a16:creationId xmlns:a16="http://schemas.microsoft.com/office/drawing/2014/main" id="{23119BBD-F9F8-414A-B50A-60EA2B2112FF}"/>
               </a:ext>
             </a:extLst>
           </p:cNvPr>
           <p:cNvSpPr txBox="1"/>
           <p:nvPr>
             <p:custDataLst>
-              <p:tags r:id="rId103"/>
-            </p:custDataLst>
-          </p:nvPr>
-        </p:nvSpPr>
-        <p:spPr>
-          <a:xfrm>
-            <a:off x="0" y="6500580"/>
+              <p:tags r:id="rId92"/>
+            </p:custDataLst>
+          </p:nvPr>
+        </p:nvSpPr>
+        <p:spPr>
+          <a:xfrm>
+            <a:off x="0" y="6233880"/>
             <a:ext cx="0" cy="153888"/>
           </a:xfrm>
           <a:prstGeom prst="rect">
@@ -14389,23 +13823,23 @@
       </p:sp>
       <p:sp>
         <p:nvSpPr>
-          <p:cNvPr id="233" name="OTLSHAPE_T_853f2e2a1d91481f8b3ea3fdeadd8ffb_EndDate" hidden="1">
-            <a:extLst>
-              <a:ext uri="{FF2B5EF4-FFF2-40B4-BE49-F238E27FC236}">
-                <a16:creationId xmlns:a16="http://schemas.microsoft.com/office/drawing/2014/main" id="{E853D543-1E53-4886-B345-F72046E98789}"/>
+          <p:cNvPr id="429" name="OTLSHAPE_T_853f2e2a1d91481f8b3ea3fdeadd8ffb_EndDate" hidden="1">
+            <a:extLst>
+              <a:ext uri="{FF2B5EF4-FFF2-40B4-BE49-F238E27FC236}">
+                <a16:creationId xmlns:a16="http://schemas.microsoft.com/office/drawing/2014/main" id="{74E05CE1-3D7E-4480-82B8-30476CA2DA0A}"/>
               </a:ext>
             </a:extLst>
           </p:cNvPr>
           <p:cNvSpPr txBox="1"/>
           <p:nvPr>
             <p:custDataLst>
-              <p:tags r:id="rId104"/>
-            </p:custDataLst>
-          </p:nvPr>
-        </p:nvSpPr>
-        <p:spPr>
-          <a:xfrm>
-            <a:off x="0" y="6500580"/>
+              <p:tags r:id="rId93"/>
+            </p:custDataLst>
+          </p:nvPr>
+        </p:nvSpPr>
+        <p:spPr>
+          <a:xfrm>
+            <a:off x="0" y="6233880"/>
             <a:ext cx="0" cy="153888"/>
           </a:xfrm>
           <a:prstGeom prst="rect">
@@ -14431,23 +13865,23 @@
       </p:sp>
       <p:sp>
         <p:nvSpPr>
-          <p:cNvPr id="234" name="OTLSHAPE_T_853f2e2a1d91481f8b3ea3fdeadd8ffb_JoinedDate">
-            <a:extLst>
-              <a:ext uri="{FF2B5EF4-FFF2-40B4-BE49-F238E27FC236}">
-                <a16:creationId xmlns:a16="http://schemas.microsoft.com/office/drawing/2014/main" id="{3129FA35-9A19-40C3-BA10-CC2BBFFD464F}"/>
+          <p:cNvPr id="430" name="OTLSHAPE_T_853f2e2a1d91481f8b3ea3fdeadd8ffb_JoinedDate">
+            <a:extLst>
+              <a:ext uri="{FF2B5EF4-FFF2-40B4-BE49-F238E27FC236}">
+                <a16:creationId xmlns:a16="http://schemas.microsoft.com/office/drawing/2014/main" id="{DCD57F00-C883-4432-A132-A6810DE26231}"/>
               </a:ext>
             </a:extLst>
           </p:cNvPr>
           <p:cNvSpPr txBox="1"/>
           <p:nvPr>
             <p:custDataLst>
-              <p:tags r:id="rId105"/>
-            </p:custDataLst>
-          </p:nvPr>
-        </p:nvSpPr>
-        <p:spPr>
-          <a:xfrm>
-            <a:off x="8008676" y="5749553"/>
+              <p:tags r:id="rId94"/>
+            </p:custDataLst>
+          </p:nvPr>
+        </p:nvSpPr>
+        <p:spPr>
+          <a:xfrm>
+            <a:off x="8347209" y="6102943"/>
             <a:ext cx="1155700" cy="155025"/>
           </a:xfrm>
           <a:prstGeom prst="rect">
@@ -14468,7 +13902,7 @@
                 </a:solidFill>
                 <a:latin typeface="Calibri" panose="020F0502020204030204" pitchFamily="34" charset="0"/>
               </a:rPr>
-              <a:t>5-11-2019 - 5-22-2019</a:t>
+              <a:t>5-20-2019 - 5-26-2019</a:t>
             </a:r>
             <a:endParaRPr lang="ko-KR" altLang="en-US" sz="1000" spc="-4">
               <a:solidFill>
@@ -14481,23 +13915,23 @@
       </p:sp>
       <p:sp>
         <p:nvSpPr>
-          <p:cNvPr id="235" name="OTLSHAPE_T_853f2e2a1d91481f8b3ea3fdeadd8ffb_Title">
-            <a:extLst>
-              <a:ext uri="{FF2B5EF4-FFF2-40B4-BE49-F238E27FC236}">
-                <a16:creationId xmlns:a16="http://schemas.microsoft.com/office/drawing/2014/main" id="{5984277B-1CEE-4A2C-81E5-56C74CE829AF}"/>
+          <p:cNvPr id="431" name="OTLSHAPE_T_853f2e2a1d91481f8b3ea3fdeadd8ffb_Title">
+            <a:extLst>
+              <a:ext uri="{FF2B5EF4-FFF2-40B4-BE49-F238E27FC236}">
+                <a16:creationId xmlns:a16="http://schemas.microsoft.com/office/drawing/2014/main" id="{67DF86EB-45F5-48E5-B86A-8A0980F43A5C}"/>
               </a:ext>
             </a:extLst>
           </p:cNvPr>
           <p:cNvSpPr txBox="1"/>
           <p:nvPr>
             <p:custDataLst>
-              <p:tags r:id="rId106"/>
-            </p:custDataLst>
-          </p:nvPr>
-        </p:nvSpPr>
-        <p:spPr>
-          <a:xfrm>
-            <a:off x="127000" y="5741806"/>
+              <p:tags r:id="rId95"/>
+            </p:custDataLst>
+          </p:nvPr>
+        </p:nvSpPr>
+        <p:spPr>
+          <a:xfrm>
+            <a:off x="127000" y="6095196"/>
             <a:ext cx="1181100" cy="170519"/>
           </a:xfrm>
           <a:prstGeom prst="rect">
@@ -14525,30 +13959,30 @@
       </p:sp>
       <p:sp>
         <p:nvSpPr>
-          <p:cNvPr id="236" name="OTLSHAPE_T_231d62aedad648418686eb38ef14fb7a_Shape">
-            <a:extLst>
-              <a:ext uri="{FF2B5EF4-FFF2-40B4-BE49-F238E27FC236}">
-                <a16:creationId xmlns:a16="http://schemas.microsoft.com/office/drawing/2014/main" id="{1389BF18-02F4-4C89-A875-EE70A378E34C}"/>
+          <p:cNvPr id="432" name="OTLSHAPE_T_22f39fb829944911aac60ff29587efd4_Shape">
+            <a:extLst>
+              <a:ext uri="{FF2B5EF4-FFF2-40B4-BE49-F238E27FC236}">
+                <a16:creationId xmlns:a16="http://schemas.microsoft.com/office/drawing/2014/main" id="{42674B4A-7DC6-4379-881A-6AB13C674EAF}"/>
               </a:ext>
             </a:extLst>
           </p:cNvPr>
           <p:cNvSpPr/>
           <p:nvPr>
             <p:custDataLst>
-              <p:tags r:id="rId107"/>
-            </p:custDataLst>
-          </p:nvPr>
-        </p:nvSpPr>
-        <p:spPr>
-          <a:xfrm>
-            <a:off x="6942334" y="5992165"/>
-            <a:ext cx="2463800" cy="203200"/>
+              <p:tags r:id="rId96"/>
+            </p:custDataLst>
+          </p:nvPr>
+        </p:nvSpPr>
+        <p:spPr>
+          <a:xfrm>
+            <a:off x="9312068" y="6345555"/>
+            <a:ext cx="1016000" cy="203200"/>
           </a:xfrm>
           <a:prstGeom prst="rect">
             <a:avLst/>
           </a:prstGeom>
           <a:solidFill>
-            <a:schemeClr val="accent4"/>
+            <a:schemeClr val="accent1"/>
           </a:solidFill>
           <a:ln w="12700" cap="flat" cmpd="sng" algn="ctr">
             <a:noFill/>
@@ -14620,23 +14054,23 @@
       </p:sp>
       <p:sp>
         <p:nvSpPr>
-          <p:cNvPr id="237" name="OTLSHAPE_T_231d62aedad648418686eb38ef14fb7a_ShapePercentage" hidden="1">
-            <a:extLst>
-              <a:ext uri="{FF2B5EF4-FFF2-40B4-BE49-F238E27FC236}">
-                <a16:creationId xmlns:a16="http://schemas.microsoft.com/office/drawing/2014/main" id="{1B62EE0E-9A97-4DBE-8DEE-D89062117418}"/>
+          <p:cNvPr id="433" name="OTLSHAPE_T_22f39fb829944911aac60ff29587efd4_ShapePercentage" hidden="1">
+            <a:extLst>
+              <a:ext uri="{FF2B5EF4-FFF2-40B4-BE49-F238E27FC236}">
+                <a16:creationId xmlns:a16="http://schemas.microsoft.com/office/drawing/2014/main" id="{873A6BD8-E0B6-4425-A957-872F527EB233}"/>
               </a:ext>
             </a:extLst>
           </p:cNvPr>
           <p:cNvSpPr/>
           <p:nvPr>
             <p:custDataLst>
-              <p:tags r:id="rId108"/>
-            </p:custDataLst>
-          </p:nvPr>
-        </p:nvSpPr>
-        <p:spPr>
-          <a:xfrm>
-            <a:off x="6942334" y="6612255"/>
+              <p:tags r:id="rId97"/>
+            </p:custDataLst>
+          </p:nvPr>
+        </p:nvSpPr>
+        <p:spPr>
+          <a:xfrm>
+            <a:off x="9312068" y="6345555"/>
             <a:ext cx="0" cy="0"/>
           </a:xfrm>
           <a:prstGeom prst="rect">
@@ -14670,23 +14104,23 @@
       </p:sp>
       <p:sp>
         <p:nvSpPr>
-          <p:cNvPr id="238" name="OTLSHAPE_T_231d62aedad648418686eb38ef14fb7a_Duration" hidden="1">
-            <a:extLst>
-              <a:ext uri="{FF2B5EF4-FFF2-40B4-BE49-F238E27FC236}">
-                <a16:creationId xmlns:a16="http://schemas.microsoft.com/office/drawing/2014/main" id="{E82FBF89-4957-4BA6-8D02-22DCDDF31D95}"/>
+          <p:cNvPr id="434" name="OTLSHAPE_T_22f39fb829944911aac60ff29587efd4_Duration" hidden="1">
+            <a:extLst>
+              <a:ext uri="{FF2B5EF4-FFF2-40B4-BE49-F238E27FC236}">
+                <a16:creationId xmlns:a16="http://schemas.microsoft.com/office/drawing/2014/main" id="{696960D8-7438-4BCC-A83A-2D003B07792C}"/>
               </a:ext>
             </a:extLst>
           </p:cNvPr>
           <p:cNvSpPr txBox="1"/>
           <p:nvPr>
             <p:custDataLst>
-              <p:tags r:id="rId109"/>
-            </p:custDataLst>
-          </p:nvPr>
-        </p:nvSpPr>
-        <p:spPr>
-          <a:xfrm>
-            <a:off x="0" y="6612255"/>
+              <p:tags r:id="rId98"/>
+            </p:custDataLst>
+          </p:nvPr>
+        </p:nvSpPr>
+        <p:spPr>
+          <a:xfrm>
+            <a:off x="0" y="6345555"/>
             <a:ext cx="292100" cy="155025"/>
           </a:xfrm>
           <a:prstGeom prst="rect">
@@ -14708,7 +14142,7 @@
                 </a:solidFill>
                 <a:latin typeface="Calibri" panose="020F0502020204030204" pitchFamily="34" charset="0"/>
               </a:rPr>
-              <a:t>29 </a:t>
+              <a:t>12 </a:t>
             </a:r>
             <a:r>
               <a:rPr lang="ko-KR" altLang="en-US" sz="1000">
@@ -14724,23 +14158,23 @@
       </p:sp>
       <p:sp>
         <p:nvSpPr>
-          <p:cNvPr id="239" name="OTLSHAPE_T_231d62aedad648418686eb38ef14fb7a_TextPercentage" hidden="1">
-            <a:extLst>
-              <a:ext uri="{FF2B5EF4-FFF2-40B4-BE49-F238E27FC236}">
-                <a16:creationId xmlns:a16="http://schemas.microsoft.com/office/drawing/2014/main" id="{B0309706-396B-4F63-AE6E-5F9235699A73}"/>
+          <p:cNvPr id="435" name="OTLSHAPE_T_22f39fb829944911aac60ff29587efd4_TextPercentage" hidden="1">
+            <a:extLst>
+              <a:ext uri="{FF2B5EF4-FFF2-40B4-BE49-F238E27FC236}">
+                <a16:creationId xmlns:a16="http://schemas.microsoft.com/office/drawing/2014/main" id="{8BF24C98-24BE-4438-B94F-D7AACF2E35F7}"/>
               </a:ext>
             </a:extLst>
           </p:cNvPr>
           <p:cNvSpPr txBox="1"/>
           <p:nvPr>
             <p:custDataLst>
-              <p:tags r:id="rId110"/>
-            </p:custDataLst>
-          </p:nvPr>
-        </p:nvSpPr>
-        <p:spPr>
-          <a:xfrm>
-            <a:off x="0" y="6767280"/>
+              <p:tags r:id="rId99"/>
+            </p:custDataLst>
+          </p:nvPr>
+        </p:nvSpPr>
+        <p:spPr>
+          <a:xfrm>
+            <a:off x="0" y="6500580"/>
             <a:ext cx="0" cy="153888"/>
           </a:xfrm>
           <a:prstGeom prst="rect">
@@ -14766,23 +14200,23 @@
       </p:sp>
       <p:sp>
         <p:nvSpPr>
-          <p:cNvPr id="240" name="OTLSHAPE_T_231d62aedad648418686eb38ef14fb7a_StartDate" hidden="1">
-            <a:extLst>
-              <a:ext uri="{FF2B5EF4-FFF2-40B4-BE49-F238E27FC236}">
-                <a16:creationId xmlns:a16="http://schemas.microsoft.com/office/drawing/2014/main" id="{541A4CEA-A32F-49F9-A7F9-69EFB638851F}"/>
+          <p:cNvPr id="436" name="OTLSHAPE_T_22f39fb829944911aac60ff29587efd4_StartDate" hidden="1">
+            <a:extLst>
+              <a:ext uri="{FF2B5EF4-FFF2-40B4-BE49-F238E27FC236}">
+                <a16:creationId xmlns:a16="http://schemas.microsoft.com/office/drawing/2014/main" id="{17899601-E678-4DD0-A95F-8A06DE2ACA9A}"/>
               </a:ext>
             </a:extLst>
           </p:cNvPr>
           <p:cNvSpPr txBox="1"/>
           <p:nvPr>
             <p:custDataLst>
-              <p:tags r:id="rId111"/>
-            </p:custDataLst>
-          </p:nvPr>
-        </p:nvSpPr>
-        <p:spPr>
-          <a:xfrm>
-            <a:off x="0" y="6767280"/>
+              <p:tags r:id="rId100"/>
+            </p:custDataLst>
+          </p:nvPr>
+        </p:nvSpPr>
+        <p:spPr>
+          <a:xfrm>
+            <a:off x="0" y="6500580"/>
             <a:ext cx="0" cy="153888"/>
           </a:xfrm>
           <a:prstGeom prst="rect">
@@ -14808,23 +14242,23 @@
       </p:sp>
       <p:sp>
         <p:nvSpPr>
-          <p:cNvPr id="241" name="OTLSHAPE_T_231d62aedad648418686eb38ef14fb7a_EndDate" hidden="1">
-            <a:extLst>
-              <a:ext uri="{FF2B5EF4-FFF2-40B4-BE49-F238E27FC236}">
-                <a16:creationId xmlns:a16="http://schemas.microsoft.com/office/drawing/2014/main" id="{39F33B95-E7F8-46FA-B16B-EC1DC35C50C1}"/>
+          <p:cNvPr id="437" name="OTLSHAPE_T_22f39fb829944911aac60ff29587efd4_EndDate" hidden="1">
+            <a:extLst>
+              <a:ext uri="{FF2B5EF4-FFF2-40B4-BE49-F238E27FC236}">
+                <a16:creationId xmlns:a16="http://schemas.microsoft.com/office/drawing/2014/main" id="{06BFCB64-FA40-403C-9589-E925A142ADD7}"/>
               </a:ext>
             </a:extLst>
           </p:cNvPr>
           <p:cNvSpPr txBox="1"/>
           <p:nvPr>
             <p:custDataLst>
-              <p:tags r:id="rId112"/>
-            </p:custDataLst>
-          </p:nvPr>
-        </p:nvSpPr>
-        <p:spPr>
-          <a:xfrm>
-            <a:off x="0" y="6767280"/>
+              <p:tags r:id="rId101"/>
+            </p:custDataLst>
+          </p:nvPr>
+        </p:nvSpPr>
+        <p:spPr>
+          <a:xfrm>
+            <a:off x="0" y="6500580"/>
             <a:ext cx="0" cy="153888"/>
           </a:xfrm>
           <a:prstGeom prst="rect">
@@ -14850,879 +14284,23 @@
       </p:sp>
       <p:sp>
         <p:nvSpPr>
-          <p:cNvPr id="242" name="OTLSHAPE_T_231d62aedad648418686eb38ef14fb7a_JoinedDate">
-            <a:extLst>
-              <a:ext uri="{FF2B5EF4-FFF2-40B4-BE49-F238E27FC236}">
-                <a16:creationId xmlns:a16="http://schemas.microsoft.com/office/drawing/2014/main" id="{89074D3D-ED9E-410B-A42E-39FED859B40C}"/>
+          <p:cNvPr id="438" name="OTLSHAPE_T_22f39fb829944911aac60ff29587efd4_JoinedDate">
+            <a:extLst>
+              <a:ext uri="{FF2B5EF4-FFF2-40B4-BE49-F238E27FC236}">
+                <a16:creationId xmlns:a16="http://schemas.microsoft.com/office/drawing/2014/main" id="{F25C5A02-1671-4C64-90F5-67F03A039343}"/>
               </a:ext>
             </a:extLst>
           </p:cNvPr>
           <p:cNvSpPr txBox="1"/>
           <p:nvPr>
             <p:custDataLst>
-              <p:tags r:id="rId113"/>
-            </p:custDataLst>
-          </p:nvPr>
-        </p:nvSpPr>
-        <p:spPr>
-          <a:xfrm>
-            <a:off x="9447443" y="6016253"/>
-            <a:ext cx="1092200" cy="155025"/>
-          </a:xfrm>
-          <a:prstGeom prst="rect">
-            <a:avLst/>
-          </a:prstGeom>
-          <a:noFill/>
-        </p:spPr>
-        <p:txBody>
-          <a:bodyPr vert="horz" wrap="square" lIns="0" tIns="0" rIns="0" bIns="0" rtlCol="0" anchor="ctr" anchorCtr="0">
-            <a:spAutoFit/>
-          </a:bodyPr>
-          <a:lstStyle/>
-          <a:p>
-            <a:r>
-              <a:rPr lang="en-US" altLang="ko-KR" sz="1000" spc="-4">
-                <a:solidFill>
-                  <a:schemeClr val="dk2"/>
-                </a:solidFill>
-                <a:latin typeface="Calibri" panose="020F0502020204030204" pitchFamily="34" charset="0"/>
-              </a:rPr>
-              <a:t>5-11-2019 - 6-8-2019</a:t>
-            </a:r>
-            <a:endParaRPr lang="ko-KR" altLang="en-US" sz="1000" spc="-4">
-              <a:solidFill>
-                <a:schemeClr val="dk2"/>
-              </a:solidFill>
-              <a:latin typeface="Calibri" panose="020F0502020204030204" pitchFamily="34" charset="0"/>
-            </a:endParaRPr>
-          </a:p>
-        </p:txBody>
-      </p:sp>
-      <p:sp>
-        <p:nvSpPr>
-          <p:cNvPr id="243" name="OTLSHAPE_T_231d62aedad648418686eb38ef14fb7a_Title">
-            <a:extLst>
-              <a:ext uri="{FF2B5EF4-FFF2-40B4-BE49-F238E27FC236}">
-                <a16:creationId xmlns:a16="http://schemas.microsoft.com/office/drawing/2014/main" id="{14310AA1-C422-4BBA-84FF-50A25A89C8E1}"/>
-              </a:ext>
-            </a:extLst>
-          </p:cNvPr>
-          <p:cNvSpPr txBox="1"/>
-          <p:nvPr>
-            <p:custDataLst>
-              <p:tags r:id="rId114"/>
-            </p:custDataLst>
-          </p:nvPr>
-        </p:nvSpPr>
-        <p:spPr>
-          <a:xfrm>
-            <a:off x="127000" y="6008505"/>
-            <a:ext cx="1981200" cy="170519"/>
-          </a:xfrm>
-          <a:prstGeom prst="rect">
-            <a:avLst/>
-          </a:prstGeom>
-          <a:noFill/>
-        </p:spPr>
-        <p:txBody>
-          <a:bodyPr vert="horz" wrap="square" lIns="0" tIns="0" rIns="0" bIns="0" rtlCol="0" anchor="ctr" anchorCtr="0">
-            <a:spAutoFit/>
-          </a:bodyPr>
-          <a:lstStyle/>
-          <a:p>
-            <a:r>
-              <a:rPr lang="ko-KR" altLang="en-US" sz="1100" b="1" spc="-4">
-                <a:solidFill>
-                  <a:schemeClr val="dk1"/>
-                </a:solidFill>
-                <a:latin typeface="Calibri" panose="020F0502020204030204" pitchFamily="34" charset="0"/>
-              </a:rPr>
-              <a:t>날씨에 따른 의상 추천 모듈 개발</a:t>
-            </a:r>
-          </a:p>
-        </p:txBody>
-      </p:sp>
-      <p:sp>
-        <p:nvSpPr>
-          <p:cNvPr id="244" name="OTLSHAPE_T_c22bba176f134d64ba72062b45823b4c_Shape">
-            <a:extLst>
-              <a:ext uri="{FF2B5EF4-FFF2-40B4-BE49-F238E27FC236}">
-                <a16:creationId xmlns:a16="http://schemas.microsoft.com/office/drawing/2014/main" id="{02272FBF-4FE0-4DA0-8D15-5777075B0B00}"/>
-              </a:ext>
-            </a:extLst>
-          </p:cNvPr>
-          <p:cNvSpPr/>
-          <p:nvPr>
-            <p:custDataLst>
-              <p:tags r:id="rId115"/>
-            </p:custDataLst>
-          </p:nvPr>
-        </p:nvSpPr>
-        <p:spPr>
-          <a:xfrm>
-            <a:off x="8211834" y="6258865"/>
-            <a:ext cx="2120900" cy="203200"/>
-          </a:xfrm>
-          <a:prstGeom prst="rect">
-            <a:avLst/>
-          </a:prstGeom>
-          <a:solidFill>
-            <a:schemeClr val="accent1"/>
-          </a:solidFill>
-          <a:ln w="12700" cap="flat" cmpd="sng" algn="ctr">
-            <a:noFill/>
-            <a:prstDash val="solid"/>
-            <a:miter lim="800000"/>
-          </a:ln>
-          <a:effectLst/>
-          <a:scene3d>
-            <a:camera prst="orthographicFront"/>
-            <a:lightRig rig="balanced" dir="t">
-              <a:rot lat="0" lon="0" rev="8700000"/>
-            </a:lightRig>
-          </a:scene3d>
-          <a:sp3d>
-            <a:bevelT w="165100" h="12700"/>
-          </a:sp3d>
-          <a:extLst>
-            <a:ext uri="{91240B29-F687-4F45-9708-019B960494DF}">
-              <a14:hiddenLine xmlns:a14="http://schemas.microsoft.com/office/drawing/2010/main" w="12700" cap="flat" cmpd="sng" algn="ctr">
-                <a:solidFill>
-                  <a:schemeClr val="accent1">
-                    <a:shade val="50000"/>
-                  </a:schemeClr>
-                </a:solidFill>
-                <a:prstDash val="solid"/>
-                <a:miter lim="800000"/>
-              </a14:hiddenLine>
-            </a:ext>
-            <a:ext uri="{AF507438-7753-43E0-B8FC-AC1667EBCBE1}">
-              <a14:hiddenEffects xmlns:a14="http://schemas.microsoft.com/office/drawing/2010/main">
-                <a:effectLst>
-                  <a:outerShdw>
-                    <a:scrgbClr r="0" g="0" b="0">
-                      <a:alpha val="50000"/>
-                    </a:scrgbClr>
-                  </a:outerShdw>
-                </a:effectLst>
-              </a14:hiddenEffects>
-            </a:ext>
-            <a:ext uri="{53640926-AAD7-44D8-BBD7-CCE9431645EC}">
-              <a14:shadowObscured xmlns:a14="http://schemas.microsoft.com/office/drawing/2010/main" val="1"/>
-            </a:ext>
-          </a:extLst>
-        </p:spPr>
-        <p:style>
-          <a:lnRef idx="2">
-            <a:schemeClr val="accent1">
-              <a:shade val="50000"/>
-            </a:schemeClr>
-          </a:lnRef>
-          <a:fillRef idx="1">
-            <a:schemeClr val="accent1"/>
-          </a:fillRef>
-          <a:effectRef idx="0">
-            <a:schemeClr val="accent1"/>
-          </a:effectRef>
-          <a:fontRef idx="minor">
-            <a:schemeClr val="lt1"/>
-          </a:fontRef>
-        </p:style>
-        <p:txBody>
-          <a:bodyPr rtlCol="0" anchor="ctr"/>
-          <a:lstStyle/>
-          <a:p>
-            <a:pPr algn="ctr"/>
-            <a:endParaRPr lang="ko-KR" altLang="en-US"/>
-          </a:p>
-        </p:txBody>
-      </p:sp>
-      <p:sp>
-        <p:nvSpPr>
-          <p:cNvPr id="245" name="OTLSHAPE_T_c22bba176f134d64ba72062b45823b4c_ShapePercentage" hidden="1">
-            <a:extLst>
-              <a:ext uri="{FF2B5EF4-FFF2-40B4-BE49-F238E27FC236}">
-                <a16:creationId xmlns:a16="http://schemas.microsoft.com/office/drawing/2014/main" id="{CFDA8154-B944-45A9-B483-88E8D903F500}"/>
-              </a:ext>
-            </a:extLst>
-          </p:cNvPr>
-          <p:cNvSpPr/>
-          <p:nvPr>
-            <p:custDataLst>
-              <p:tags r:id="rId116"/>
-            </p:custDataLst>
-          </p:nvPr>
-        </p:nvSpPr>
-        <p:spPr>
-          <a:xfrm>
-            <a:off x="8211834" y="6878955"/>
-            <a:ext cx="0" cy="0"/>
-          </a:xfrm>
-          <a:prstGeom prst="rect">
-            <a:avLst/>
-          </a:prstGeom>
-        </p:spPr>
-        <p:style>
-          <a:lnRef idx="2">
-            <a:schemeClr val="accent1">
-              <a:shade val="50000"/>
-            </a:schemeClr>
-          </a:lnRef>
-          <a:fillRef idx="1">
-            <a:schemeClr val="accent1"/>
-          </a:fillRef>
-          <a:effectRef idx="0">
-            <a:schemeClr val="accent1"/>
-          </a:effectRef>
-          <a:fontRef idx="minor">
-            <a:schemeClr val="lt1"/>
-          </a:fontRef>
-        </p:style>
-        <p:txBody>
-          <a:bodyPr rtlCol="0" anchor="ctr"/>
-          <a:lstStyle/>
-          <a:p>
-            <a:pPr algn="ctr"/>
-            <a:endParaRPr lang="ko-KR" altLang="en-US"/>
-          </a:p>
-        </p:txBody>
-      </p:sp>
-      <p:sp>
-        <p:nvSpPr>
-          <p:cNvPr id="246" name="OTLSHAPE_T_c22bba176f134d64ba72062b45823b4c_Duration" hidden="1">
-            <a:extLst>
-              <a:ext uri="{FF2B5EF4-FFF2-40B4-BE49-F238E27FC236}">
-                <a16:creationId xmlns:a16="http://schemas.microsoft.com/office/drawing/2014/main" id="{8BD5613C-1B9D-488C-A7DC-95B98681272F}"/>
-              </a:ext>
-            </a:extLst>
-          </p:cNvPr>
-          <p:cNvSpPr txBox="1"/>
-          <p:nvPr>
-            <p:custDataLst>
-              <p:tags r:id="rId117"/>
-            </p:custDataLst>
-          </p:nvPr>
-        </p:nvSpPr>
-        <p:spPr>
-          <a:xfrm>
-            <a:off x="0" y="6878955"/>
-            <a:ext cx="292100" cy="155025"/>
-          </a:xfrm>
-          <a:prstGeom prst="rect">
-            <a:avLst/>
-          </a:prstGeom>
-          <a:noFill/>
-        </p:spPr>
-        <p:txBody>
-          <a:bodyPr vert="horz" wrap="square" lIns="0" tIns="0" rIns="0" bIns="0" rtlCol="0" anchor="ctr" anchorCtr="0">
-            <a:spAutoFit/>
-          </a:bodyPr>
-          <a:lstStyle/>
-          <a:p>
-            <a:pPr algn="ctr"/>
-            <a:r>
-              <a:rPr lang="en-US" altLang="ko-KR" sz="1000">
-                <a:solidFill>
-                  <a:schemeClr val="accent2"/>
-                </a:solidFill>
-                <a:latin typeface="Calibri" panose="020F0502020204030204" pitchFamily="34" charset="0"/>
-              </a:rPr>
-              <a:t>25 </a:t>
-            </a:r>
-            <a:r>
-              <a:rPr lang="ko-KR" altLang="en-US" sz="1000">
-                <a:solidFill>
-                  <a:schemeClr val="accent2"/>
-                </a:solidFill>
-                <a:latin typeface="Calibri" panose="020F0502020204030204" pitchFamily="34" charset="0"/>
-              </a:rPr>
-              <a:t>일</a:t>
-            </a:r>
-          </a:p>
-        </p:txBody>
-      </p:sp>
-      <p:sp>
-        <p:nvSpPr>
-          <p:cNvPr id="247" name="OTLSHAPE_T_c22bba176f134d64ba72062b45823b4c_TextPercentage" hidden="1">
-            <a:extLst>
-              <a:ext uri="{FF2B5EF4-FFF2-40B4-BE49-F238E27FC236}">
-                <a16:creationId xmlns:a16="http://schemas.microsoft.com/office/drawing/2014/main" id="{31D735F1-3E70-4614-945F-ADD058EDFB67}"/>
-              </a:ext>
-            </a:extLst>
-          </p:cNvPr>
-          <p:cNvSpPr txBox="1"/>
-          <p:nvPr>
-            <p:custDataLst>
-              <p:tags r:id="rId118"/>
-            </p:custDataLst>
-          </p:nvPr>
-        </p:nvSpPr>
-        <p:spPr>
-          <a:xfrm>
-            <a:off x="0" y="7033980"/>
-            <a:ext cx="0" cy="153888"/>
-          </a:xfrm>
-          <a:prstGeom prst="rect">
-            <a:avLst/>
-          </a:prstGeom>
-          <a:noFill/>
-        </p:spPr>
-        <p:txBody>
-          <a:bodyPr vert="horz" wrap="square" lIns="0" tIns="0" rIns="0" bIns="0" rtlCol="0" anchor="ctr" anchorCtr="0">
-            <a:spAutoFit/>
-          </a:bodyPr>
-          <a:lstStyle/>
-          <a:p>
-            <a:pPr algn="ctr"/>
-            <a:endParaRPr lang="ko-KR" altLang="en-US" sz="1000">
-              <a:solidFill>
-                <a:schemeClr val="accent2"/>
-              </a:solidFill>
-              <a:latin typeface="Calibri" panose="020F0502020204030204" pitchFamily="34" charset="0"/>
-            </a:endParaRPr>
-          </a:p>
-        </p:txBody>
-      </p:sp>
-      <p:sp>
-        <p:nvSpPr>
-          <p:cNvPr id="248" name="OTLSHAPE_T_c22bba176f134d64ba72062b45823b4c_StartDate" hidden="1">
-            <a:extLst>
-              <a:ext uri="{FF2B5EF4-FFF2-40B4-BE49-F238E27FC236}">
-                <a16:creationId xmlns:a16="http://schemas.microsoft.com/office/drawing/2014/main" id="{EE4DF937-1717-4381-8D03-6DDFEF5B1648}"/>
-              </a:ext>
-            </a:extLst>
-          </p:cNvPr>
-          <p:cNvSpPr txBox="1"/>
-          <p:nvPr>
-            <p:custDataLst>
-              <p:tags r:id="rId119"/>
-            </p:custDataLst>
-          </p:nvPr>
-        </p:nvSpPr>
-        <p:spPr>
-          <a:xfrm>
-            <a:off x="0" y="7033980"/>
-            <a:ext cx="0" cy="153888"/>
-          </a:xfrm>
-          <a:prstGeom prst="rect">
-            <a:avLst/>
-          </a:prstGeom>
-          <a:noFill/>
-        </p:spPr>
-        <p:txBody>
-          <a:bodyPr vert="horz" wrap="square" lIns="0" tIns="0" rIns="0" bIns="0" rtlCol="0" anchor="ctr" anchorCtr="0">
-            <a:spAutoFit/>
-          </a:bodyPr>
-          <a:lstStyle/>
-          <a:p>
-            <a:pPr algn="ctr"/>
-            <a:endParaRPr lang="ko-KR" altLang="en-US" sz="1000">
-              <a:solidFill>
-                <a:schemeClr val="dk2"/>
-              </a:solidFill>
-              <a:latin typeface="Calibri" panose="020F0502020204030204" pitchFamily="34" charset="0"/>
-            </a:endParaRPr>
-          </a:p>
-        </p:txBody>
-      </p:sp>
-      <p:sp>
-        <p:nvSpPr>
-          <p:cNvPr id="249" name="OTLSHAPE_T_c22bba176f134d64ba72062b45823b4c_EndDate" hidden="1">
-            <a:extLst>
-              <a:ext uri="{FF2B5EF4-FFF2-40B4-BE49-F238E27FC236}">
-                <a16:creationId xmlns:a16="http://schemas.microsoft.com/office/drawing/2014/main" id="{158429AA-06BF-4EEA-9FD9-B0BF34B8B1CF}"/>
-              </a:ext>
-            </a:extLst>
-          </p:cNvPr>
-          <p:cNvSpPr txBox="1"/>
-          <p:nvPr>
-            <p:custDataLst>
-              <p:tags r:id="rId120"/>
-            </p:custDataLst>
-          </p:nvPr>
-        </p:nvSpPr>
-        <p:spPr>
-          <a:xfrm>
-            <a:off x="0" y="7033980"/>
-            <a:ext cx="0" cy="153888"/>
-          </a:xfrm>
-          <a:prstGeom prst="rect">
-            <a:avLst/>
-          </a:prstGeom>
-          <a:noFill/>
-        </p:spPr>
-        <p:txBody>
-          <a:bodyPr vert="horz" wrap="square" lIns="0" tIns="0" rIns="0" bIns="0" rtlCol="0" anchor="ctr" anchorCtr="0">
-            <a:spAutoFit/>
-          </a:bodyPr>
-          <a:lstStyle/>
-          <a:p>
-            <a:pPr algn="ctr"/>
-            <a:endParaRPr lang="ko-KR" altLang="en-US" sz="1000">
-              <a:solidFill>
-                <a:schemeClr val="dk2"/>
-              </a:solidFill>
-              <a:latin typeface="Calibri" panose="020F0502020204030204" pitchFamily="34" charset="0"/>
-            </a:endParaRPr>
-          </a:p>
-        </p:txBody>
-      </p:sp>
-      <p:sp>
-        <p:nvSpPr>
-          <p:cNvPr id="250" name="OTLSHAPE_T_c22bba176f134d64ba72062b45823b4c_JoinedDate">
-            <a:extLst>
-              <a:ext uri="{FF2B5EF4-FFF2-40B4-BE49-F238E27FC236}">
-                <a16:creationId xmlns:a16="http://schemas.microsoft.com/office/drawing/2014/main" id="{059C77B0-EC52-4F9C-9399-6D08C84525D9}"/>
-              </a:ext>
-            </a:extLst>
-          </p:cNvPr>
-          <p:cNvSpPr txBox="1"/>
-          <p:nvPr>
-            <p:custDataLst>
-              <p:tags r:id="rId121"/>
-            </p:custDataLst>
-          </p:nvPr>
-        </p:nvSpPr>
-        <p:spPr>
-          <a:xfrm>
-            <a:off x="10378410" y="6282953"/>
-            <a:ext cx="1155700" cy="155025"/>
-          </a:xfrm>
-          <a:prstGeom prst="rect">
-            <a:avLst/>
-          </a:prstGeom>
-          <a:noFill/>
-        </p:spPr>
-        <p:txBody>
-          <a:bodyPr vert="horz" wrap="square" lIns="0" tIns="0" rIns="0" bIns="0" rtlCol="0" anchor="ctr" anchorCtr="0">
-            <a:spAutoFit/>
-          </a:bodyPr>
-          <a:lstStyle/>
-          <a:p>
-            <a:r>
-              <a:rPr lang="en-US" altLang="ko-KR" sz="1000" spc="-4">
-                <a:solidFill>
-                  <a:schemeClr val="dk2"/>
-                </a:solidFill>
-                <a:latin typeface="Calibri" panose="020F0502020204030204" pitchFamily="34" charset="0"/>
-              </a:rPr>
-              <a:t>5-26-2019 - 6-19-2019</a:t>
-            </a:r>
-            <a:endParaRPr lang="ko-KR" altLang="en-US" sz="1000" spc="-4">
-              <a:solidFill>
-                <a:schemeClr val="dk2"/>
-              </a:solidFill>
-              <a:latin typeface="Calibri" panose="020F0502020204030204" pitchFamily="34" charset="0"/>
-            </a:endParaRPr>
-          </a:p>
-        </p:txBody>
-      </p:sp>
-      <p:sp>
-        <p:nvSpPr>
-          <p:cNvPr id="251" name="OTLSHAPE_T_c22bba176f134d64ba72062b45823b4c_Title">
-            <a:extLst>
-              <a:ext uri="{FF2B5EF4-FFF2-40B4-BE49-F238E27FC236}">
-                <a16:creationId xmlns:a16="http://schemas.microsoft.com/office/drawing/2014/main" id="{461DAE98-4BC7-4750-BB7A-76CB8C9B0357}"/>
-              </a:ext>
-            </a:extLst>
-          </p:cNvPr>
-          <p:cNvSpPr txBox="1"/>
-          <p:nvPr>
-            <p:custDataLst>
-              <p:tags r:id="rId122"/>
-            </p:custDataLst>
-          </p:nvPr>
-        </p:nvSpPr>
-        <p:spPr>
-          <a:xfrm>
-            <a:off x="127000" y="6275205"/>
-            <a:ext cx="622300" cy="170519"/>
-          </a:xfrm>
-          <a:prstGeom prst="rect">
-            <a:avLst/>
-          </a:prstGeom>
-          <a:noFill/>
-        </p:spPr>
-        <p:txBody>
-          <a:bodyPr vert="horz" wrap="square" lIns="0" tIns="0" rIns="0" bIns="0" rtlCol="0" anchor="ctr" anchorCtr="0">
-            <a:spAutoFit/>
-          </a:bodyPr>
-          <a:lstStyle/>
-          <a:p>
-            <a:r>
-              <a:rPr lang="ko-KR" altLang="en-US" sz="1100" b="1" spc="-10">
-                <a:solidFill>
-                  <a:schemeClr val="dk1"/>
-                </a:solidFill>
-                <a:latin typeface="Calibri" panose="020F0502020204030204" pitchFamily="34" charset="0"/>
-              </a:rPr>
-              <a:t>유지</a:t>
-            </a:r>
-            <a:r>
-              <a:rPr lang="en-US" altLang="ko-KR" sz="1100" b="1" spc="-10">
-                <a:solidFill>
-                  <a:schemeClr val="dk1"/>
-                </a:solidFill>
-                <a:latin typeface="Calibri" panose="020F0502020204030204" pitchFamily="34" charset="0"/>
-              </a:rPr>
-              <a:t>/</a:t>
-            </a:r>
-            <a:r>
-              <a:rPr lang="ko-KR" altLang="en-US" sz="1100" b="1" spc="-10">
-                <a:solidFill>
-                  <a:schemeClr val="dk1"/>
-                </a:solidFill>
-                <a:latin typeface="Calibri" panose="020F0502020204030204" pitchFamily="34" charset="0"/>
-              </a:rPr>
-              <a:t>보수</a:t>
-            </a:r>
-          </a:p>
-        </p:txBody>
-      </p:sp>
-      <p:sp>
-        <p:nvSpPr>
-          <p:cNvPr id="252" name="OTLSHAPE_T_22f39fb829944911aac60ff29587efd4_Shape">
-            <a:extLst>
-              <a:ext uri="{FF2B5EF4-FFF2-40B4-BE49-F238E27FC236}">
-                <a16:creationId xmlns:a16="http://schemas.microsoft.com/office/drawing/2014/main" id="{DBC4F6B0-F57A-442D-A436-2859CC578E1C}"/>
-              </a:ext>
-            </a:extLst>
-          </p:cNvPr>
-          <p:cNvSpPr/>
-          <p:nvPr>
-            <p:custDataLst>
-              <p:tags r:id="rId123"/>
-            </p:custDataLst>
-          </p:nvPr>
-        </p:nvSpPr>
-        <p:spPr>
-          <a:xfrm>
-            <a:off x="9312068" y="6525565"/>
-            <a:ext cx="1016000" cy="203200"/>
-          </a:xfrm>
-          <a:prstGeom prst="rect">
-            <a:avLst/>
-          </a:prstGeom>
-          <a:solidFill>
-            <a:schemeClr val="accent1"/>
-          </a:solidFill>
-          <a:ln w="12700" cap="flat" cmpd="sng" algn="ctr">
-            <a:noFill/>
-            <a:prstDash val="solid"/>
-            <a:miter lim="800000"/>
-          </a:ln>
-          <a:effectLst/>
-          <a:scene3d>
-            <a:camera prst="orthographicFront"/>
-            <a:lightRig rig="balanced" dir="t">
-              <a:rot lat="0" lon="0" rev="8700000"/>
-            </a:lightRig>
-          </a:scene3d>
-          <a:sp3d>
-            <a:bevelT w="165100" h="12700"/>
-          </a:sp3d>
-          <a:extLst>
-            <a:ext uri="{91240B29-F687-4F45-9708-019B960494DF}">
-              <a14:hiddenLine xmlns:a14="http://schemas.microsoft.com/office/drawing/2010/main" w="12700" cap="flat" cmpd="sng" algn="ctr">
-                <a:solidFill>
-                  <a:schemeClr val="accent1">
-                    <a:shade val="50000"/>
-                  </a:schemeClr>
-                </a:solidFill>
-                <a:prstDash val="solid"/>
-                <a:miter lim="800000"/>
-              </a14:hiddenLine>
-            </a:ext>
-            <a:ext uri="{AF507438-7753-43E0-B8FC-AC1667EBCBE1}">
-              <a14:hiddenEffects xmlns:a14="http://schemas.microsoft.com/office/drawing/2010/main">
-                <a:effectLst>
-                  <a:outerShdw>
-                    <a:scrgbClr r="0" g="0" b="0">
-                      <a:alpha val="50000"/>
-                    </a:scrgbClr>
-                  </a:outerShdw>
-                </a:effectLst>
-              </a14:hiddenEffects>
-            </a:ext>
-            <a:ext uri="{53640926-AAD7-44D8-BBD7-CCE9431645EC}">
-              <a14:shadowObscured xmlns:a14="http://schemas.microsoft.com/office/drawing/2010/main" val="1"/>
-            </a:ext>
-          </a:extLst>
-        </p:spPr>
-        <p:style>
-          <a:lnRef idx="2">
-            <a:schemeClr val="accent1">
-              <a:shade val="50000"/>
-            </a:schemeClr>
-          </a:lnRef>
-          <a:fillRef idx="1">
-            <a:schemeClr val="accent1"/>
-          </a:fillRef>
-          <a:effectRef idx="0">
-            <a:schemeClr val="accent1"/>
-          </a:effectRef>
-          <a:fontRef idx="minor">
-            <a:schemeClr val="lt1"/>
-          </a:fontRef>
-        </p:style>
-        <p:txBody>
-          <a:bodyPr rtlCol="0" anchor="ctr"/>
-          <a:lstStyle/>
-          <a:p>
-            <a:pPr algn="ctr"/>
-            <a:endParaRPr lang="ko-KR" altLang="en-US"/>
-          </a:p>
-        </p:txBody>
-      </p:sp>
-      <p:sp>
-        <p:nvSpPr>
-          <p:cNvPr id="253" name="OTLSHAPE_T_22f39fb829944911aac60ff29587efd4_ShapePercentage" hidden="1">
-            <a:extLst>
-              <a:ext uri="{FF2B5EF4-FFF2-40B4-BE49-F238E27FC236}">
-                <a16:creationId xmlns:a16="http://schemas.microsoft.com/office/drawing/2014/main" id="{CF127A40-31C8-44B1-AC93-AED30728828A}"/>
-              </a:ext>
-            </a:extLst>
-          </p:cNvPr>
-          <p:cNvSpPr/>
-          <p:nvPr>
-            <p:custDataLst>
-              <p:tags r:id="rId124"/>
-            </p:custDataLst>
-          </p:nvPr>
-        </p:nvSpPr>
-        <p:spPr>
-          <a:xfrm>
-            <a:off x="9312068" y="7145655"/>
-            <a:ext cx="0" cy="0"/>
-          </a:xfrm>
-          <a:prstGeom prst="rect">
-            <a:avLst/>
-          </a:prstGeom>
-        </p:spPr>
-        <p:style>
-          <a:lnRef idx="2">
-            <a:schemeClr val="accent1">
-              <a:shade val="50000"/>
-            </a:schemeClr>
-          </a:lnRef>
-          <a:fillRef idx="1">
-            <a:schemeClr val="accent1"/>
-          </a:fillRef>
-          <a:effectRef idx="0">
-            <a:schemeClr val="accent1"/>
-          </a:effectRef>
-          <a:fontRef idx="minor">
-            <a:schemeClr val="lt1"/>
-          </a:fontRef>
-        </p:style>
-        <p:txBody>
-          <a:bodyPr rtlCol="0" anchor="ctr"/>
-          <a:lstStyle/>
-          <a:p>
-            <a:pPr algn="ctr"/>
-            <a:endParaRPr lang="ko-KR" altLang="en-US"/>
-          </a:p>
-        </p:txBody>
-      </p:sp>
-      <p:sp>
-        <p:nvSpPr>
-          <p:cNvPr id="254" name="OTLSHAPE_T_22f39fb829944911aac60ff29587efd4_Duration" hidden="1">
-            <a:extLst>
-              <a:ext uri="{FF2B5EF4-FFF2-40B4-BE49-F238E27FC236}">
-                <a16:creationId xmlns:a16="http://schemas.microsoft.com/office/drawing/2014/main" id="{3E7D0CCC-35F1-4FBB-BCAA-E6ADBFB6314D}"/>
-              </a:ext>
-            </a:extLst>
-          </p:cNvPr>
-          <p:cNvSpPr txBox="1"/>
-          <p:nvPr>
-            <p:custDataLst>
-              <p:tags r:id="rId125"/>
-            </p:custDataLst>
-          </p:nvPr>
-        </p:nvSpPr>
-        <p:spPr>
-          <a:xfrm>
-            <a:off x="0" y="7145655"/>
-            <a:ext cx="292100" cy="155025"/>
-          </a:xfrm>
-          <a:prstGeom prst="rect">
-            <a:avLst/>
-          </a:prstGeom>
-          <a:noFill/>
-        </p:spPr>
-        <p:txBody>
-          <a:bodyPr vert="horz" wrap="square" lIns="0" tIns="0" rIns="0" bIns="0" rtlCol="0" anchor="ctr" anchorCtr="0">
-            <a:spAutoFit/>
-          </a:bodyPr>
-          <a:lstStyle/>
-          <a:p>
-            <a:pPr algn="ctr"/>
-            <a:r>
-              <a:rPr lang="en-US" altLang="ko-KR" sz="1000">
-                <a:solidFill>
-                  <a:schemeClr val="accent2"/>
-                </a:solidFill>
-                <a:latin typeface="Calibri" panose="020F0502020204030204" pitchFamily="34" charset="0"/>
-              </a:rPr>
-              <a:t>12 </a:t>
-            </a:r>
-            <a:r>
-              <a:rPr lang="ko-KR" altLang="en-US" sz="1000">
-                <a:solidFill>
-                  <a:schemeClr val="accent2"/>
-                </a:solidFill>
-                <a:latin typeface="Calibri" panose="020F0502020204030204" pitchFamily="34" charset="0"/>
-              </a:rPr>
-              <a:t>일</a:t>
-            </a:r>
-          </a:p>
-        </p:txBody>
-      </p:sp>
-      <p:sp>
-        <p:nvSpPr>
-          <p:cNvPr id="255" name="OTLSHAPE_T_22f39fb829944911aac60ff29587efd4_TextPercentage" hidden="1">
-            <a:extLst>
-              <a:ext uri="{FF2B5EF4-FFF2-40B4-BE49-F238E27FC236}">
-                <a16:creationId xmlns:a16="http://schemas.microsoft.com/office/drawing/2014/main" id="{E400AA41-B650-4697-B1DE-3867F69B8E43}"/>
-              </a:ext>
-            </a:extLst>
-          </p:cNvPr>
-          <p:cNvSpPr txBox="1"/>
-          <p:nvPr>
-            <p:custDataLst>
-              <p:tags r:id="rId126"/>
-            </p:custDataLst>
-          </p:nvPr>
-        </p:nvSpPr>
-        <p:spPr>
-          <a:xfrm>
-            <a:off x="0" y="7300680"/>
-            <a:ext cx="0" cy="153888"/>
-          </a:xfrm>
-          <a:prstGeom prst="rect">
-            <a:avLst/>
-          </a:prstGeom>
-          <a:noFill/>
-        </p:spPr>
-        <p:txBody>
-          <a:bodyPr vert="horz" wrap="square" lIns="0" tIns="0" rIns="0" bIns="0" rtlCol="0" anchor="ctr" anchorCtr="0">
-            <a:spAutoFit/>
-          </a:bodyPr>
-          <a:lstStyle/>
-          <a:p>
-            <a:pPr algn="ctr"/>
-            <a:endParaRPr lang="ko-KR" altLang="en-US" sz="1000">
-              <a:solidFill>
-                <a:schemeClr val="accent2"/>
-              </a:solidFill>
-              <a:latin typeface="Calibri" panose="020F0502020204030204" pitchFamily="34" charset="0"/>
-            </a:endParaRPr>
-          </a:p>
-        </p:txBody>
-      </p:sp>
-      <p:sp>
-        <p:nvSpPr>
-          <p:cNvPr id="256" name="OTLSHAPE_T_22f39fb829944911aac60ff29587efd4_StartDate" hidden="1">
-            <a:extLst>
-              <a:ext uri="{FF2B5EF4-FFF2-40B4-BE49-F238E27FC236}">
-                <a16:creationId xmlns:a16="http://schemas.microsoft.com/office/drawing/2014/main" id="{555274D1-ACD6-4416-941B-22FFC709E0DB}"/>
-              </a:ext>
-            </a:extLst>
-          </p:cNvPr>
-          <p:cNvSpPr txBox="1"/>
-          <p:nvPr>
-            <p:custDataLst>
-              <p:tags r:id="rId127"/>
-            </p:custDataLst>
-          </p:nvPr>
-        </p:nvSpPr>
-        <p:spPr>
-          <a:xfrm>
-            <a:off x="0" y="7300680"/>
-            <a:ext cx="0" cy="153888"/>
-          </a:xfrm>
-          <a:prstGeom prst="rect">
-            <a:avLst/>
-          </a:prstGeom>
-          <a:noFill/>
-        </p:spPr>
-        <p:txBody>
-          <a:bodyPr vert="horz" wrap="square" lIns="0" tIns="0" rIns="0" bIns="0" rtlCol="0" anchor="ctr" anchorCtr="0">
-            <a:spAutoFit/>
-          </a:bodyPr>
-          <a:lstStyle/>
-          <a:p>
-            <a:pPr algn="ctr"/>
-            <a:endParaRPr lang="ko-KR" altLang="en-US" sz="1000">
-              <a:solidFill>
-                <a:schemeClr val="dk2"/>
-              </a:solidFill>
-              <a:latin typeface="Calibri" panose="020F0502020204030204" pitchFamily="34" charset="0"/>
-            </a:endParaRPr>
-          </a:p>
-        </p:txBody>
-      </p:sp>
-      <p:sp>
-        <p:nvSpPr>
-          <p:cNvPr id="257" name="OTLSHAPE_T_22f39fb829944911aac60ff29587efd4_EndDate" hidden="1">
-            <a:extLst>
-              <a:ext uri="{FF2B5EF4-FFF2-40B4-BE49-F238E27FC236}">
-                <a16:creationId xmlns:a16="http://schemas.microsoft.com/office/drawing/2014/main" id="{7E62DB6A-5716-41B4-9111-19097126C1A8}"/>
-              </a:ext>
-            </a:extLst>
-          </p:cNvPr>
-          <p:cNvSpPr txBox="1"/>
-          <p:nvPr>
-            <p:custDataLst>
-              <p:tags r:id="rId128"/>
-            </p:custDataLst>
-          </p:nvPr>
-        </p:nvSpPr>
-        <p:spPr>
-          <a:xfrm>
-            <a:off x="0" y="7300680"/>
-            <a:ext cx="0" cy="153888"/>
-          </a:xfrm>
-          <a:prstGeom prst="rect">
-            <a:avLst/>
-          </a:prstGeom>
-          <a:noFill/>
-        </p:spPr>
-        <p:txBody>
-          <a:bodyPr vert="horz" wrap="square" lIns="0" tIns="0" rIns="0" bIns="0" rtlCol="0" anchor="ctr" anchorCtr="0">
-            <a:spAutoFit/>
-          </a:bodyPr>
-          <a:lstStyle/>
-          <a:p>
-            <a:pPr algn="ctr"/>
-            <a:endParaRPr lang="ko-KR" altLang="en-US" sz="1000">
-              <a:solidFill>
-                <a:schemeClr val="dk2"/>
-              </a:solidFill>
-              <a:latin typeface="Calibri" panose="020F0502020204030204" pitchFamily="34" charset="0"/>
-            </a:endParaRPr>
-          </a:p>
-        </p:txBody>
-      </p:sp>
-      <p:sp>
-        <p:nvSpPr>
-          <p:cNvPr id="258" name="OTLSHAPE_T_22f39fb829944911aac60ff29587efd4_JoinedDate">
-            <a:extLst>
-              <a:ext uri="{FF2B5EF4-FFF2-40B4-BE49-F238E27FC236}">
-                <a16:creationId xmlns:a16="http://schemas.microsoft.com/office/drawing/2014/main" id="{BD6096F1-5242-4848-B8D6-5656326130CC}"/>
-              </a:ext>
-            </a:extLst>
-          </p:cNvPr>
-          <p:cNvSpPr txBox="1"/>
-          <p:nvPr>
-            <p:custDataLst>
-              <p:tags r:id="rId129"/>
-            </p:custDataLst>
-          </p:nvPr>
-        </p:nvSpPr>
-        <p:spPr>
-          <a:xfrm>
-            <a:off x="10378410" y="6549653"/>
+              <p:tags r:id="rId102"/>
+            </p:custDataLst>
+          </p:nvPr>
+        </p:nvSpPr>
+        <p:spPr>
+          <a:xfrm>
+            <a:off x="10378410" y="6369643"/>
             <a:ext cx="1092200" cy="155025"/>
           </a:xfrm>
           <a:prstGeom prst="rect">
@@ -15756,24 +14334,24 @@
       </p:sp>
       <p:sp>
         <p:nvSpPr>
-          <p:cNvPr id="259" name="OTLSHAPE_T_22f39fb829944911aac60ff29587efd4_Title">
-            <a:extLst>
-              <a:ext uri="{FF2B5EF4-FFF2-40B4-BE49-F238E27FC236}">
-                <a16:creationId xmlns:a16="http://schemas.microsoft.com/office/drawing/2014/main" id="{E77B1A57-E255-4178-BFE5-6D87C5ED89C6}"/>
+          <p:cNvPr id="439" name="OTLSHAPE_T_22f39fb829944911aac60ff29587efd4_Title">
+            <a:extLst>
+              <a:ext uri="{FF2B5EF4-FFF2-40B4-BE49-F238E27FC236}">
+                <a16:creationId xmlns:a16="http://schemas.microsoft.com/office/drawing/2014/main" id="{168F2D03-21C2-4897-A394-7258F04AB01B}"/>
               </a:ext>
             </a:extLst>
           </p:cNvPr>
           <p:cNvSpPr txBox="1"/>
           <p:nvPr>
             <p:custDataLst>
-              <p:tags r:id="rId130"/>
-            </p:custDataLst>
-          </p:nvPr>
-        </p:nvSpPr>
-        <p:spPr>
-          <a:xfrm>
-            <a:off x="127000" y="6541905"/>
-            <a:ext cx="1041400" cy="170519"/>
+              <p:tags r:id="rId103"/>
+            </p:custDataLst>
+          </p:nvPr>
+        </p:nvSpPr>
+        <p:spPr>
+          <a:xfrm>
+            <a:off x="127000" y="6361896"/>
+            <a:ext cx="1663700" cy="170519"/>
           </a:xfrm>
           <a:prstGeom prst="rect">
             <a:avLst/>
@@ -15787,13 +14365,13 @@
           <a:lstStyle/>
           <a:p>
             <a:r>
-              <a:rPr lang="ko-KR" altLang="en-US" sz="1100" b="1" spc="-6">
+              <a:rPr lang="ko-KR" altLang="en-US" sz="1100" b="1" spc="-4">
                 <a:solidFill>
                   <a:schemeClr val="dk1"/>
                 </a:solidFill>
                 <a:latin typeface="Calibri" panose="020F0502020204030204" pitchFamily="34" charset="0"/>
               </a:rPr>
-              <a:t>최종 보고서 작성</a:t>
+              <a:t>최종 보고서 작성 및 피드백</a:t>
             </a:r>
           </a:p>
         </p:txBody>
@@ -15859,7 +14437,7 @@
 
 <file path=ppt/tags/tag105.xml><?xml version="1.0" encoding="utf-8"?>
 <p:tagLst xmlns:a="http://schemas.openxmlformats.org/drawingml/2006/main" xmlns:r="http://schemas.openxmlformats.org/officeDocument/2006/relationships" xmlns:p="http://schemas.openxmlformats.org/presentationml/2006/main">
-  <p:tag name="__PART_0" val="eyIkaWQiOiIxIiwiQ3VsdHVyZUluZm9OYW1lIjoia28tS1IiLCJTdHlsZU5hbWUiOm51bGwsIlZlcnNpb24iOnsiJGlkIjoiMiIsIlZlcnNpb24iOiIzLjEuMyIsIk9yaWdpbmFsQXNzZW1ibHlWZXJzaW9uIjoiMy42Mi4xMS4wMCIsIkVkaXRpb24iOiJCYXNpYyIsIklzUGx1c0VkaXRpb24iOmZhbHNlfSwiRWZmZWN0IjoxLCJTdHlsZSI6eyIkaWQiOiIzIiwiVGltZWJhbmRTdHlsZSI6eyIkaWQiOiI0IiwiU2NhbGVNYXJraW5nIjowLCJTaGFwZSI6MCwiU2hhcGVTdHlsZSI6eyIkaWQiOiI1IiwiTWFyZ2luIjp7IiRpZCI6IjYiLCJUb3AiOjAsIkxlZnQiOjEyLCJSaWdodCI6MTIsIkJvdHRvbSI6MH0sIlBhZGRpbmciOnsiJGlkIjoiNyIsIlRvcCI6NywiTGVmdCI6MCwiUmlnaHQiOjAsIkJvdHRvbSI6N30sIkJhY2tncm91bmQiOnsiJGlkIjoiOCIsIkNvbG9yIjp7IiRpZCI6IjkiLCJBIjoyNTUsIlIiOjY4LCJHIjo4NCwiQiI6MTA2fX0sIklzVmlzaWJsZSI6dHJ1ZSwiV2lkdGgiOjg1OC4wLCJIZWlnaHQiOjMwLjAsIkJvcmRlclN0eWxlIjp7IiRpZCI6IjEwIiwiTGluZUNvbG9yIjp7IiRpZCI6IjExIiwiJHR5cGUiOiJOTFJFLkNvbW1vbi5Eb20uU29saWRDb2xvckJydXNoLCBOTFJFLkNvbW1vbiIsIkNvbG9yIjp7IiRpZCI6IjEyIiwiQSI6MjU1LCJSIjoyNTUsIkciOjAsIkIiOjB9fSwiTGluZVdlaWdodCI6MC4wLCJMaW5lVHlwZSI6MCwiUGFyZW50U3R5bGUiOm51bGx9LCJQYXJlbnRTdHlsZSI6bnVsbH0sIlJpZ2h0RW5kQ2Fwc1N0eWxlIjp7IiRpZCI6IjEzIiwiRm9udFNldHRpbmdzIjp7IiRpZCI6IjE0IiwiRm9udFNpemUiOjE4LCJGb250TmFtZSI6IkNhbGlicmkiLCJJc0JvbGQiOnRydWUsIklzSXRhbGljIjpmYWxzZSwiSXNVbmRlcmxpbmVkIjpmYWxzZSwiUGFyZW50U3R5bGUiOm51bGx9LCJBdXRvU2l6ZSI6MCwiRm9yZWdyb3VuZCI6eyIkaWQiOiIxNSIsIkNvbG9yIjp7IiRpZCI6IjE2IiwiQSI6MjU1LCJSIjoyMzcsIkciOjEyNSwiQiI6NDl9fSwiTWF4V2lkdGgiOiJJbmZpbml0eSIsIk1heEhlaWdodCI6IkluZmluaXR5IiwiU21hcnRGb3JlZ3JvdW5kSXNBY3RpdmUiOmZhbHNlLCJIb3Jpem9udGFsQWxpZ25tZW50IjowLCJWZXJ0aWNhbEFsaWdubWVudCI6MCwiU21hcnRGb3JlZ3JvdW5kIjpudWxsLCJCYWNrZ3JvdW5kRmlsbFR5cGUiOjAsIk1hcmdpbiI6eyIkaWQiOiIxNyIsIlRvcCI6MCwiTGVmdCI6MCwiUmlnaHQiOjI1LCJCb3R0b20iOjB9LCJQYWRkaW5nIjp7IiRpZCI6IjE4IiwiVG9wIjowLCJMZWZ0IjowLCJSaWdodCI6MCwiQm90dG9tIjowfSwiQmFja2dyb3VuZCI6eyIkaWQiOiIxOSIsIkNvbG9yIjp7IiRpZCI6IjIwIiwiQSI6ODksIlIiOjAsIkciOjAsIkIiOjB9fSwiSXNWaXNpYmxlIjp0cnVlLCJXaWR0aCI6MC4wLCJIZWlnaHQiOjAuMCwiQm9yZGVyU3R5bGUiOm51bGwsIlBhcmVudFN0eWxlIjpudWxsfSwiTGVmdEVuZENhcHNTdHlsZSI6eyIkaWQiOiIyMSIsIkZvbnRTZXR0aW5ncyI6eyIkaWQiOiIyMiIsIkZvbnRTaXplIjoxOCwiRm9udE5hbWUiOiJDYWxpYnJpIiwiSXNCb2xkIjp0cnVlLCJJc0l0YWxpYyI6ZmFsc2UsIklzVW5kZXJsaW5lZCI6ZmFsc2UsIlBhcmVudFN0eWxlIjpudWxsfSwiQXV0b1NpemUiOjAsIkZvcmVncm91bmQiOnsiJGlkIjoiMjMiLCJDb2xvciI6eyIkaWQiOiIyNCIsIkEiOjI1NSwiUiI6MjM3LCJHIjoxMjUsIkIiOjQ5fX0sIk1heFdpZHRoIjoiSW5maW5pdHkiLCJNYXhIZWlnaHQiOiJJbmZpbml0eSIsIlNtYXJ0Rm9yZWdyb3VuZElzQWN0aXZlIjpmYWxzZSwiSG9yaXpvbnRhbEFsaWdubWVudCI6MCwiVmVydGljYWxBbGlnbm1lbnQiOjAsIlNtYXJ0Rm9yZWdyb3VuZCI6bnVsbCwiQmFja2dyb3VuZEZpbGxUeXBlIjowLCJNYXJnaW4iOnsiJGlkIjoiMjUiLCJUb3AiOjAsIkxlZnQiOjI1LCJSaWdodCI6MCwiQm90dG9tIjowfSwiUGFkZGluZyI6eyIkaWQiOiIyNiIsIlRvcCI6MCwiTGVmdCI6MCwiUmlnaHQiOjAsIkJvdHRvbSI6MH0sIkJhY2tncm91bmQiOnsiJGlkIjoiMjciLCJDb2xvciI6eyIkcmVmIjoiMjAifX0sIklzVmlzaWJsZSI6dHJ1ZSwiV2lkdGgiOjAuMCwiSGVpZ2h0IjowLjAsIkJvcmRlclN0eWxlIjpudWxsLCJQYXJlbnRTdHlsZSI6bnVsbH0sIlRvZGF5VGV4dFN0eWxlIjp7IiRpZCI6IjI4IiwiRm9udFNldHRpbmdzIjp7IiRpZCI6IjI5IiwiRm9udFNpemUiOjEyLCJGb250TmFtZSI6IkNhbGlicmkiLCJJc0JvbGQiOmZhbHNlLCJJc0l0YWxpYyI6ZmFsc2UsIklzVW5kZXJsaW5lZCI6ZmFsc2UsIlBhcmVudFN0eWxlIjpudWxsfSwiQXV0b1NpemUiOjAsIkZvcmVncm91bmQiOnsiJGlkIjoiMzAiLCJDb2xvciI6eyIkaWQiOiIzMSIsIkEiOjI1NSwiUiI6MCwiRyI6MCwiQiI6MH19LCJNYXhXaWR0aCI6MjAwLjAsIk1heEhlaWdodCI6IkluZmluaXR5IiwiU21hcnRGb3JlZ3JvdW5kSXNBY3RpdmUiOmZhbHNlLCJIb3Jpem9udGFsQWxpZ25tZW50IjowLCJWZXJ0aWNhbEFsaWdubWVudCI6MCwiU21hcnRGb3JlZ3JvdW5kIjpudWxsLCJCYWNrZ3JvdW5kRmlsbFR5cGUiOjAsIk1hcmdpbiI6eyIkaWQiOiIzMiIsIlRvcCI6MCwiTGVmdCI6MCwiUmlnaHQiOjAsIkJvdHRvbSI6MH0sIlBhZGRpbmciOnsiJGlkIjoiMzMiLCJUb3AiOjAsIkxlZnQiOjAsIlJpZ2h0IjowLCJCb3R0b20iOjB9LCJCYWNrZ3JvdW5kIjp7IiRpZCI6IjM0IiwiQ29sb3IiOnsiJHJlZiI6IjIwIn19LCJJc1Zpc2libGUiOnRydWUsIldpZHRoIjowLjAsIkhlaWdodCI6MC4wLCJCb3JkZXJTdHlsZSI6bnVsbCwiUGFyZW50U3R5bGUiOm51bGx9LCJUb2RheU1hcmtlclN0eWxlIjp7IiRpZCI6IjM1IiwiTWFyZ2luIjp7IiRpZCI6IjM2IiwiVG9wIjowLCJMZWZ0IjowLCJSaWdodCI6MCwiQm90dG9tIjowfSwiUGFkZGluZyI6eyIkaWQiOiIzNyIsIlRvcCI6MCwiTGVmdCI6MCwiUmlnaHQiOjAsIkJvdHRvbSI6MH0sIkJhY2tncm91bmQiOnsiJGlkIjoiMzgiLCJDb2xvciI6eyIkaWQiOiIzOSIsIkEiOjI1NSwiUiI6MjU1LCJHIjowLCJCIjowfX0sIklzVmlzaWJsZSI6dHJ1ZSwiV2lkdGgiOjAuMCwiSGVpZ2h0IjowLjAsIkJvcmRlclN0eWxlIjpudWxsLCJQYXJlbnRTdHlsZSI6bnVsbH0sIlNjYWxlU3R5bGUiOnsiJGlkIjoiNDAiLCJTaG93U2VnbWVudFNlcGFyYXRvcnMiOnRydWUsIlNlZ21lbnRTZXBhcmF0b3JPcGFjaXR5IjozMCwiRm9udFNldHRpbmdzIjp7IiRpZCI6IjQxIiwiRm9udFNpemUiOjEyLCJGb250TmFtZSI6IkNhbGlicmkiLCJJc0JvbGQiOmZhbHNlLCJJc0l0YWxpYyI6ZmFsc2UsIklzVW5kZXJsaW5lZCI6ZmFsc2UsIlBhcmVudFN0eWxlIjpudWxsfSwiQXV0b1NpemUiOjAsIkZvcmVncm91bmQiOnsiJGlkIjoiNDIiLCJDb2xvciI6eyIkaWQiOiI0MyIsIkEiOjI1NSwiUiI6MjU1LCJHIjoyNTUsIkIiOjI1NX19LCJNYXhXaWR0aCI6MjAwLjAsIk1heEhlaWdodCI6IkluZmluaXR5IiwiU21hcnRGb3JlZ3JvdW5kSXNBY3RpdmUiOmZhbHNlLCJIb3Jpem9udGFsQWxpZ25tZW50IjowLCJWZXJ0aWNhbEFsaWdubWVudCI6MSwiU21hcnRGb3JlZ3JvdW5kIjpudWxsLCJCYWNrZ3JvdW5kRmlsbFR5cGUiOjAsIk1hcmdpbiI6eyIkaWQiOiI0NCIsIlRvcCI6MCwiTGVmdCI6NSwiUmlnaHQiOjAsIkJvdHRvbSI6MH0sIlBhZGRpbmciOnsiJGlkIjoiNDUiLCJUb3AiOjAsIkxlZnQiOjAsIlJpZ2h0IjowLCJCb3R0b20iOjB9LCJCYWNrZ3JvdW5kIjp7IiRpZCI6IjQ2IiwiQ29sb3IiOnsiJHJlZiI6IjIwIn19LCJJc1Zpc2libGUiOnRydWUsIldpZHRoIjowLjAsIkhlaWdodCI6MC4wLCJCb3JkZXJTdHlsZSI6bnVsbCwiUGFyZW50U3R5bGUiOm51bGx9LCJFbGFwc2VkVGltZUJhY2tncm91bmQiOnsiJGlkIjoiNDciLCJDb2xvciI6eyIkaWQiOiI0OCIsIkEiOjE5MSwiUiI6MjU1LCJHIjowLCJCIjowfX0sIkFwcGVuZFllYXJPblllYXJDaGFuZ2UiOnRydWUsIkVsYXBzZWRUaW1lRm9ybWF0IjoyLCJUb2RheU1hcmtlclBvc2l0aW9uIjozLCJRdWlja1Bvc2l0aW9uIjoxLCJBYnNvbHV0ZVBvc2l0aW9uIjoyNDAuMCwiTWFyZ2luIjp7IiRpZCI6IjQ5IiwiVG9wIjowLCJMZWZ0IjoxMCwiUmlnaHQiOjEwLCJCb3R0b20iOjB9LCJQYWRkaW5nIjp7IiRpZCI6IjUwIiwiVG9wIjowLCJMZWZ0IjowLCJSaWdodCI6MCwiQm90dG9tIjowfSwiQmFja2dyb3VuZCI6eyIkaWQiOiI1MSIsIkNvbG9yIjp7IiRpZCI6IjUyIiwiQSI6MjU1LCJSIjozMSwiRyI6NzMsIkIiOjEyNX19LCJJc1Zpc2libGUiOnRydWUsIldpZHRoIjowLjAsIkhlaWdodCI6MC4wLCJCb3JkZXJTdHlsZSI6bnVsbCwiUGFyZW50U3R5bGUiOm51bGx9LCJEZWZhdWx0TWlsZXN0b25lU3R5bGUiOnsiJGlkIjoiNTMiLCJTaGFwZSI6MiwiQ29ubmVjdG9yTWFyZ2luIjp7IiRpZCI6IjU0IiwiVG9wIjowLCJMZWZ0IjoyLCJSaWdodCI6MiwiQm90dG9tIjowfSwiQ29ubmVjdG9yU3R5bGUiOnsiJGlkIjoiNTUiLCJMaW5lQ29sb3IiOnsiJGlkIjoiNTYiLCIkdHlwZSI6Ik5MUkUuQ29tbW9uLkRvbS5Tb2xpZENvbG9yQnJ1c2gsIE5MUkUuQ29tbW9uIiwiQ29sb3IiOnsiJGlkIjoiNTciLCJBIjoxMjcsIlIiOjMxLCJHIjo3MywiQiI6MTI2fX0sIkxpbmVXZWlnaHQiOjEuMCwiTGluZVR5cGUiOjAsIlBhcmVudFN0eWxlIjpudWxsfSwiSXNCZWxvd1RpbWViYW5kIjpmYWxzZSwiSGlkZURhdGUiOmZhbHNlLCJTaGFwZVNpemUiOjEsIlNwYWNpbmciOjEuMCwiUGFkZGluZyI6eyIkaWQiOiI1OCIsIlRvcCI6NywiTGVmdCI6MywiUmlnaHQiOjAsIkJvdHRvbSI6Mn0sIlNoYXBlU3R5bGUiOnsiJGlkIjoiNTkiLCJNYXJnaW4iOnsiJGlkIjoiNjAiLCJUb3AiOjAsIkxlZnQiOjAsIlJpZ2h0IjowLCJCb3R0b20iOjB9LCJQYWRkaW5nIjp7IiRpZCI6IjYxIiwiVG9wIjowLCJMZWZ0IjowLCJSaWdodCI6MCwiQm90dG9tIjowfSwiQmFja2dyb3VuZCI6eyIkaWQiOiI2MiIsIkNvbG9yIjp7IiRpZCI6IjYzIiwiQSI6MjU1LCJSIjowLCJHIjoxMTQsIkIiOjE4OH19LCJJc1Zpc2libGUiOnRydWUsIldpZHRoIjoxOC4wLCJIZWlnaHQiOjIwLjAsIkJvcmRlclN0eWxlIjp7IiRpZCI6IjY0IiwiTGluZUNvbG9yIjp7IiRpZCI6IjY1IiwiJHR5cGUiOiJOTFJFLkNvbW1vbi5Eb20uU29saWRDb2xvckJydXNoLCBOTFJFLkNvbW1vbiIsIkNvbG9yIjp7IiRpZCI6IjY2IiwiQSI6MjU1LCJSIjoyNTUsIkciOjAsIkIiOjB9fSwiTGluZVdlaWdodCI6MC4wLCJMaW5lVHlwZSI6MCwiUGFyZW50U3R5bGUiOm51bGx9LCJQYXJlbnRTdHlsZSI6bnVsbH0sIlRpdGxlU3R5bGUiOnsiJGlkIjoiNjciLCJGb250U2V0dGluZ3MiOnsiJGlkIjoiNjgiLCJGb250U2l6ZSI6MTEsIkZvbnROYW1lIjoiQ2FsaWJyaSIsIklzQm9sZCI6dHJ1ZSwiSXNJdGFsaWMiOmZhbHNlLCJJc1VuZGVybGluZWQiOmZhbHNlLCJQYXJlbnRTdHlsZSI6bnVsbH0sIkF1dG9TaXplIjowLCJGb3JlZ3JvdW5kIjp7IiRpZCI6IjY5IiwiQ29sb3IiOnsiJGlkIjoiNzAiLCJBIjoyNTUsIlIiOjAsIkciOjAsIkIiOjB9fSwiTWF4V2lkdGgiOjIwMC4wLCJNYXhIZWlnaHQiOiJJbmZpbml0eSIsIlNtYXJ0Rm9yZWdyb3VuZElzQWN0aXZlIjpmYWxzZSwiSG9yaXpvbnRhbEFsaWdubWVudCI6MCwiVmVydGljYWxBbGlnbm1lbnQiOjAsIlNtYXJ0Rm9yZWdyb3VuZCI6bnVsbCwiQmFja2dyb3VuZEZpbGxUeXBlIjowLCJNYXJnaW4iOnsiJGlkIjoiNzEiLCJUb3AiOjAsIkxlZnQiOjAsIlJpZ2h0IjowLCJCb3R0b20iOjB9LCJQYWRkaW5nIjp7IiRpZCI6IjcyIiwiVG9wIjowLCJMZWZ0IjowLCJSaWdodCI6MCwiQm90dG9tIjowfSwiQmFja2dyb3VuZCI6eyIkaWQiOiI3MyIsIkNvbG9yIjp7IiRyZWYiOiIyMCJ9fSwiSXNWaXNpYmxlIjp0cnVlLCJXaWR0aCI6MC4wLCJIZWlnaHQiOjAuMCwiQm9yZGVyU3R5bGUiOm51bGwsIlBhcmVudFN0eWxlIjpudWxsfSwiRGF0ZVN0eWxlIjp7IiRpZCI6Ijc0IiwiRm9udFNldHRpbmdzIjp7IiRpZCI6Ijc1IiwiRm9udFNpemUiOjEwLCJGb250TmFtZSI6IkNhbGlicmkiLCJJc0JvbGQiOmZhbHNlLCJJc0l0YWxpYyI6ZmFsc2UsIklzVW5kZXJsaW5lZCI6ZmFsc2UsIlBhcmVudFN0eWxlIjpudWxsfSwiQXV0b1NpemUiOjAsIkZvcmVncm91bmQiOnsiJGlkIjoiNzYiLCJDb2xvciI6eyIkaWQiOiI3NyIsIkEiOjI1NSwiUiI6NjgsIkciOjg0LCJCIjoxMDZ9fSwiTWF4V2lkdGgiOjIwMC4wLCJNYXhIZWlnaHQiOiJJbmZpbml0eSIsIlNtYXJ0Rm9yZWdyb3VuZElzQWN0aXZlIjpmYWxzZSwiSG9yaXpvbnRhbEFsaWdubWVudCI6MCwiVmVydGljYWxBbGlnbm1lbnQiOjAsIlNtYXJ0Rm9yZWdyb3VuZCI6bnVsbCwiQmFja2dyb3VuZEZpbGxUeXBlIjowLCJNYXJnaW4iOnsiJGlkIjoiNzgiLCJUb3AiOjAsIkxlZnQiOjAsIlJpZ2h0IjowLCJCb3R0b20iOjB9LCJQYWRkaW5nIjp7IiRpZCI6Ijc5IiwiVG9wIjowLCJMZWZ0IjowLCJSaWdodCI6MCwiQm90dG9tIjowfSwiQmFja2dyb3VuZCI6eyIkaWQiOiI4MCIsIkNvbG9yIjp7IiRyZWYiOiIyMCJ9fSwiSXNWaXNpYmxlIjp0cnVlLCJXaWR0aCI6MC4wLCJIZWlnaHQiOjAuMCwiQm9yZGVyU3R5bGUiOm51bGwsIlBhcmVudFN0eWxlIjpudWxsfSwiRGF0ZUZvcm1hdCI6eyIkaWQiOiI4MSIsIkZvcm1hdFN0cmluZyI6Ik0vZC95eXl5IiwiU2VwYXJhdG9yIjoiLyIsIlVzZUludGVybmF0aW9uYWxEYXRlRm9ybWF0IjpmYWxzZSwiRGF0ZUlzVmlzaWJsZSI6dHJ1ZSwiVGltZUlzVmlzaWJsZSI6ZmFsc2UsIkhvdXJEaWdpdHMiOjEsIkFtUG1EZXNpZ25hdG9yIjoyLCJUcmltMDBNaW51dGVzIjpmYWxzZSwiTGFzdEtub3duVmlzaWJpbGl0eVN0YXRlIjpudWxsfSwiSXNWaXNpYmxlIjp0cnVlLCJQYXJlbnRTdHlsZSI6bnVsbH0sIkRlZmF1bHRUYXNrU3R5bGUiOnsiJGlkIjoiODIiLCJTaGFwZSI6MCwiU2hhcGVUaGlja25lc3MiOjEsIkR1cmF0aW9uRm9ybWF0IjowLCJJbmNsdWRlTm9uV29ya2luZ0RheXNJbkR1cmF0aW9uIjpmYWxzZSwiUGVyY2VudGFnZUNvbXBsZXRlU3R5bGUiOnsiJGlkIjoiODMiLCJGb250U2V0dGluZ3MiOnsiJGlkIjoiODQiLCJGb250U2l6ZSI6MTAsIkZvbnROYW1lIjoiQ2FsaWJyaSIsIklzQm9sZCI6ZmFsc2UsIklzSXRhbGljIjpmYWxzZSwiSXNVbmRlcmxpbmVkIjpmYWxzZSwiUGFyZW50U3R5bGUiOm51bGx9LCJBdXRvU2l6ZSI6MCwiRm9yZWdyb3VuZCI6eyIkaWQiOiI4NSIsIkNvbG9yIjp7IiRpZCI6Ijg2IiwiQSI6MjU1LCJSIjoyMzcsIkciOjEyNSwiQiI6NDl9fSwiTWF4V2lkdGgiOjIwMC4wLCJNYXhIZWlnaHQiOiJJbmZpbml0eSIsIlNtYXJ0Rm9yZWdyb3VuZElzQWN0aXZlIjpmYWxzZSwiSG9yaXpvbnRhbEFsaWdubWVudCI6MCwiVmVydGljYWxBbGlnbm1lbnQiOjAsIlNtYXJ0Rm9yZWdyb3VuZCI6bnVsbCwiQmFja2dyb3VuZEZpbGxUeXBlIjowLCJNYXJnaW4iOnsiJGlkIjoiODciLCJUb3AiOjAsIkxlZnQiOjAsIlJpZ2h0IjowLCJCb3R0b20iOjB9LCJQYWRkaW5nIjp7IiRpZCI6Ijg4IiwiVG9wIjowLCJMZWZ0IjowLCJSaWdodCI6MCwiQm90dG9tIjowfSwiQmFja2dyb3VuZCI6eyIkaWQiOiI4OSIsIkNvbG9yIjp7IiRyZWYiOiIyMCJ9fSwiSXNWaXNpYmxlIjp0cnVlLCJXaWR0aCI6MC4wLCJIZWlnaHQiOjAuMCwiQm9yZGVyU3R5bGUiOm51bGwsIlBhcmVudFN0eWxlIjpudWxsfSwiRHVyYXRpb25TdHlsZSI6eyIkaWQiOiI5MCIsIkZvbnRTZXR0aW5ncyI6eyIkaWQiOiI5MSIsIkZvbnRTaXplIjoxMCwiRm9udE5hbWUiOiJDYWxpYnJpIiwiSXNCb2xkIjpmYWxzZSwiSXNJdGFsaWMiOmZhbHNlLCJJc1VuZGVybGluZWQiOmZhbHNlLCJQYXJlbnRTdHlsZSI6bnVsbH0sIkF1dG9TaXplIjowLCJGb3JlZ3JvdW5kIjp7IiRpZCI6IjkyIiwiQ29sb3IiOnsiJGlkIjoiOTMiLCJBIjoyNTUsIlIiOjIzNywiRyI6MTI1LCJCIjo0OX19LCJNYXhXaWR0aCI6MjAwLjAsIk1heEhlaWdodCI6IkluZmluaXR5IiwiU21hcnRGb3JlZ3JvdW5kSXNBY3RpdmUiOmZhbHNlLCJIb3Jpem9udGFsQWxpZ25tZW50IjowLCJWZXJ0aWNhbEFsaWdubWVudCI6MCwiU21hcnRGb3JlZ3JvdW5kIjpudWxsLCJCYWNrZ3JvdW5kRmlsbFR5cGUiOjAsIk1hcmdpbiI6eyIkaWQiOiI5NCIsIlRvcCI6MCwiTGVmdCI6MCwiUmlnaHQiOjAsIkJvdHRvbSI6MH0sIlBhZGRpbmciOnsiJGlkIjoiOTUiLCJUb3AiOjAsIkxlZnQiOjAsIlJpZ2h0IjowLCJCb3R0b20iOjB9LCJCYWNrZ3JvdW5kIjp7IiRpZCI6Ijk2IiwiQ29sb3IiOnsiJHJlZiI6IjIwIn19LCJJc1Zpc2libGUiOnRydWUsIldpZHRoIjowLjAsIkhlaWdodCI6MC4wLCJCb3JkZXJTdHlsZSI6bnVsbCwiUGFyZW50U3R5bGUiOm51bGx9LCJIb3Jpem9udGFsQ29ubmVjdG9yU3R5bGUiOnsiJGlkIjoiOTciLCJMaW5lQ29sb3IiOnsiJGlkIjoiOTgiLCIkdHlwZSI6Ik5MUkUuQ29tbW9uLkRvbS5Tb2xpZENvbG9yQnJ1c2gsIE5MUkUuQ29tbW9uIiwiQ29sb3IiOnsiJGlkIjoiOTkiLCJBIjoyNTUsIlIiOjIwNCwiRyI6MjA0LCJCIjoyMDR9fSwiTGluZVdlaWdodCI6MS4wLCJMaW5lVHlwZSI6MCwiUGFyZW50U3R5bGUiOm51bGx9LCJWZXJ0aWNhbENvbm5lY3RvclN0eWxlIjp7IiRpZCI6IjEwMCIsIkxpbmVDb2xvciI6eyIkaWQiOiIxMDEiLCIkdHlwZSI6Ik5MUkUuQ29tbW9uLkRvbS5Tb2xpZENvbG9yQnJ1c2gsIE5MUkUuQ29tbW9uIiwiQ29sb3IiOnsiJGlkIjoiMTAyIiwiQSI6MjU1LCJSIjoyMDQsIkciOjIwNCwiQiI6MjA0fX0sIkxpbmVXZWlnaHQiOjAuMCwiTGluZVR5cGUiOjAsIlBhcmVudFN0eWxlIjpudWxsfSwiTWFyZ2luIjpudWxsLCJTdGFydERhdGVQb3NpdGlvbiI6NCwiRW5kRGF0ZVBvc2l0aW9uIjo0LCJEYXRlSXNWaXNpYmxlIjp0cnVlLCJUaXRsZVBvc2l0aW9uIjo1LCJEdXJhdGlvblBvc2l0aW9uIjo2LCJQZXJjZW50YWdlQ29tcGxldGVkUG9zaXRpb24iOjYsIlNwYWNpbmciOjUsIklzQmVsb3dUaW1lYmFuZCI6dHJ1ZSwiUGVyY2VudGFnZUNvbXBsZXRlU2hhcGVPcGFjaXR5IjozNSwiU2hhcGVTdHlsZSI6eyIkaWQiOiIxMDMiLCJNYXJnaW4iOnsiJGlkIjoiMTA0IiwiVG9wIjowLCJMZWZ0Ijo0LCJSaWdodCI6NCwiQm90dG9tIjowfSwiUGFkZGluZyI6eyIkaWQiOiIxMDUiLCJUb3AiOjAsIkxlZnQiOjAsIlJpZ2h0IjowLCJCb3R0b20iOjB9LCJCYWNrZ3JvdW5kIjp7IiRpZCI6IjEwNiIsIkNvbG9yIjp7IiRpZCI6IjEwNyIsIkEiOjI1NSwiUiI6MCwiRyI6MTE0LCJCIjoxODh9fSwiSXNWaXNpYmxlIjp0cnVlLCJXaWR0aCI6MC4wLCJIZWlnaHQiOjE2LjAsIkJvcmRlclN0eWxlIjp7IiRpZCI6IjEwOCIsIkxpbmVDb2xvciI6eyIkaWQiOiIxMDkiLCIkdHlwZSI6Ik5MUkUuQ29tbW9uLkRvbS5Tb2xpZENvbG9yQnJ1c2gsIE5MUkUuQ29tbW9uIiwiQ29sb3IiOnsiJGlkIjoiMTEwIiwiQSI6MjU1LCJSIjoyNTUsIkciOjAsIkIiOjB9fSwiTGluZVdlaWdodCI6MC4wLCJMaW5lVHlwZSI6MCwiUGFyZW50U3R5bGUiOm51bGx9LCJQYXJlbnRTdHlsZSI6bnVsbH0sIlRpdGxlU3R5bGUiOnsiJGlkIjoiMTExIiwiRm9udFNldHRpbmdzIjp7IiRpZCI6IjExMiIsIkZvbnRTaXplIjoxMSwiRm9udE5hbWUiOiJDYWxpYnJpIiwiSXNCb2xkIjp0cnVlLCJJc0l0YWxpYyI6ZmFsc2UsIklzVW5kZXJsaW5lZCI6ZmFsc2UsIlBhcmVudFN0eWxlIjpudWxsfSwiQXV0b1NpemUiOjAsIkZvcmVncm91bmQiOnsiJGlkIjoiMTEzIiwiQ29sb3IiOnsiJGlkIjoiMTE0IiwiQSI6MjU1LCJSIjowLCJHIjowLCJCIjowfX0sIk1heFdpZHRoIjo5NjAuMCwiTWF4SGVpZ2h0IjoiSW5maW5pdHkiLCJTbWFydEZvcmVncm91bmRJc0FjdGl2ZSI6ZmFsc2UsIkhvcml6b250YWxBbGlnbm1lbnQiOjAsIlZlcnRpY2FsQWxpZ25tZW50IjowLCJTbWFydEZvcmVncm91bmQiOm51bGwsIkJhY2tncm91bmRGaWxsVHlwZSI6MCwiTWFyZ2luIjp7IiRpZCI6IjExNSIsIlRvcCI6MCwiTGVmdCI6MCwiUmlnaHQiOjAsIkJvdHRvbSI6MH0sIlBhZGRpbmciOnsiJGlkIjoiMTE2IiwiVG9wIjowLCJMZWZ0IjowLCJSaWdodCI6MCwiQm90dG9tIjowfSwiQmFja2dyb3VuZCI6eyIkaWQiOiIxMTciLCJDb2xvciI6eyIkcmVmIjoiMjAifX0sIklzVmlzaWJsZSI6dHJ1ZSwiV2lkdGgiOjAuMCwiSGVpZ2h0IjowLjAsIkJvcmRlclN0eWxlIjpudWxsLCJQYXJlbnRTdHlsZSI6bnVsbH0sIkRhdGVTdHlsZSI6eyIkaWQiOiIxMTgiLCJGb250U2V0dGluZ3MiOnsiJGlkIjoiMTE5IiwiRm9udFNpemUiOjEwLCJGb250TmFtZSI6IkNhbGlicmkiLCJJc0JvbGQiOmZhbHNlLCJJc0l0YWxpYyI6ZmFsc2UsIklzVW5kZXJsaW5lZCI6ZmFsc2UsIlBhcmVudFN0eWxlIjpudWxsfSwiQXV0b1NpemUiOjAsIkZvcmVncm91bmQiOnsiJGlkIjoiMTIwIiwiQ29sb3IiOnsiJGlkIjoiMTIxIiwiQSI6MjU1LCJSIjo2OCwiRyI6ODQsIkIiOjEwNn19LCJNYXhXaWR0aCI6MjAwLjAsIk1heEhlaWdodCI6IkluZmluaXR5IiwiU21hcnRGb3JlZ3JvdW5kSXNBY3RpdmUiOmZhbHNlLCJIb3Jpem9udGFsQWxpZ25tZW50IjowLCJWZXJ0aWNhbEFsaWdubWVudCI6MCwiU21hcnRGb3JlZ3JvdW5kIjpudWxsLCJCYWNrZ3JvdW5kRmlsbFR5cGUiOjAsIk1hcmdpbiI6eyIkaWQiOiIxMjIiLCJUb3AiOjAsIkxlZnQiOjAsIlJpZ2h0IjowLCJCb3R0b20iOjB9LCJQYWRkaW5nIjp7IiRpZCI6IjEyMyIsIlRvcCI6MCwiTGVmdCI6MCwiUmlnaHQiOjAsIkJvdHRvbSI6MH0sIkJhY2tncm91bmQiOnsiJGlkIjoiMTI0IiwiQ29sb3IiOnsiJHJlZiI6IjIwIn19LCJJc1Zpc2libGUiOnRydWUsIldpZHRoIjowLjAsIkhlaWdodCI6MC4wLCJCb3JkZXJTdHlsZSI6bnVsbCwiUGFyZW50U3R5bGUiOm51bGx9LCJEYXRlRm9ybWF0Ijp7IiRpZCI6IjEyNSIsIkZvcm1hdFN0cmluZyI6Ik0vZC95eXl5IiwiU2VwYXJhdG9yIjoiLyIsIlVzZUludGVybmF0aW9uYWxEYXRlRm9ybWF0IjpmYWxzZSwiRGF0ZUlzVmlzaWJsZSI6dHJ1ZSwiVGltZUlzVmlzaWJsZSI6ZmFsc2UsIkhvdXJEaWdpdHMiOjEsIkFtUG1EZXNpZ25hdG9yIjoyLCJUcmltMDBNaW51dGVzIjpmYWxzZSwiTGFzdEtub3duVmlzaWJpbGl0eVN0YXRlIjpudWxsfSwiSXNWaXNpYmxlIjp0cnVlLCJQYXJlbnRTdHlsZSI6bnVsbCwiX2V4cGxpY2l0bHlTZXQiOnsiJGlkIjoiMTI2IiwiU2hhcGVTdHlsZSI6ZmFsc2UsIlRpdGxlU3R5bGUiOmZhbHNlLCJEYXRlU3R5bGUiOmZhbHNlLCJIb3Jpem9udGFsQ29ubmVjdG9yU3R5bGUiOmZhbHNlLCJWZXJ0aWNhbENvbm5lY3RvclN0eWxlIjpmYWxzZSwiUGVyY2VudGFnZUNvbXBsZXRlU2hhcGVPcGFjaXR5IjpmYWxzZSwiRHVyYXRpb25Gb3JtYXQiOmZhbHNlLCJEdXJhdGlvblBvc2l0aW9uIjpmYWxzZSwiRW5kRGF0ZVBvc2l0aW9uIjpmYWxzZSwiSXNCZWxvd1RpbWViYW5kIjpmYWxzZSwiUGVyY2VudGFnZUNvbXBsZXRlZFBvc2l0aW9uIjpmYWxzZSwiU2hhcGUiOmZhbHNlLCJTaGFwZVRoaWNrbmVzcyI6ZmFsc2UsIlNwYWNpbmciOmZhbHNlLCJTdGFydERhdGVQb3NpdGlvbiI6ZmFsc2UsIlRpdGxlUG9zaXRpb24iOmZhbHNlLCJEYXRlRm9ybWF0IjpmYWxzZSwiSXNWaXNpYmxlIjpmYWxzZSwiTWFyZ2luIjpmYWxzZX19LCJTaG93RWxhcHNlZFRpbWVHcmFkaWVudFN0eWxlIjpmYWxzZX0sIlNjYWxlIjp7IiRpZCI6IjEyNyIsIlN0YXJ0RGF0ZSI6IjAwMDEtMDEtMDFUMDA6MDA6MDAiLCJFbmREYXRlIjoiMjAxOS0wNi0xOVQyMzo1OTowMCIsIkZvcm1hdCI6Ik1NTSIsIlR5cGUiOjIsIkF1dG9EYXRlUmFuZ2UiOnRydWUsIldvcmtpbmdEYXlzIjoxMjcsIlRvZGF5TWFya2VyVGV4dCI6IuyYpOuKmCIsIkF1dG9TY2FsZVR5cGUiOnRydWV9LCJNaWxlc3RvbmVzIjpbXSwiVGFza3MiOlt7IiRpZCI6IjEyOCIsIkdyb3VwTmFtZSI6bnVsbCwiU3RhcnREYXRlIjoiMjAxOS0wMy0wNlQwMDowMDowMCIsIkVuZERhdGUiOiIyMDE5LTAzLTMxVDIzOjU5OjAwIiwiUGVyY2VudGFnZUNvbXBsZXRlIjpudWxsLCJTdHlsZSI6eyIkaWQiOiIxMjkiLCJTaGFwZSI6MCwiU2hhcGVUaGlja25lc3MiOjEsIkR1cmF0aW9uRm9ybWF0IjowLCJJbmNsdWRlTm9uV29ya2luZ0RheXNJbkR1cmF0aW9uIjpmYWxzZSwiUGVyY2VudGFnZUNvbXBsZXRlU3R5bGUiOnsiJGlkIjoiMTMwIiwiRm9udFNldHRpbmdzIjp7IiRpZCI6IjEzMSIsIkZvbnRTaXplIjoxMCwiRm9udE5hbWUiOiJDYWxpYnJpIiwiSXNCb2xkIjpmYWxzZSwiSXNJdGFsaWMiOmZhbHNlLCJJc1VuZGVybGluZWQiOmZhbHNlLCJQYXJlbnRTdHlsZSI6bnVsbH0sIkF1dG9TaXplIjowLCJGb3JlZ3JvdW5kIjp7IiRpZCI6IjEzMiIsIkNvbG9yIjp7IiRyZWYiOiI4NiJ9fSwiTWF4V2lkdGgiOjIwMC4wLCJNYXhIZWlnaHQiOiJJbmZpbml0eSIsIlNtYXJ0Rm9yZWdyb3VuZElzQWN0aXZlIjpmYWxzZSwiSG9yaXpvbnRhbEFsaWdubWVudCI6MCwiVmVydGljYWxBbGlnbm1lbnQiOjAsIlNtYXJ0Rm9yZWdyb3VuZCI6bnVsbCwiQmFja2dyb3VuZEZpbGxUeXBlIjowLCJNYXJnaW4iOnsiJGlkIjoiMTMzIiwiVG9wIjowLCJMZWZ0IjowLCJSaWdodCI6MCwiQm90dG9tIjowfSwiUGFkZGluZyI6eyIkaWQiOiIxMzQiLCJUb3AiOjAsIkxlZnQiOjAsIlJpZ2h0IjowLCJCb3R0b20iOjB9LCJCYWNrZ3JvdW5kIjp7IiRyZWYiOiI4OSJ9LCJJc1Zpc2libGUiOnRydWUsIldpZHRoIjowLjAsIkhlaWdodCI6MC4wLCJCb3JkZXJTdHlsZSI6eyIkaWQiOiIxMzUiLCJMaW5lQ29sb3IiOm51bGwsIkxpbmVXZWlnaHQiOjAuMCwiTGluZVR5cGUiOjAsIlBhcmVudFN0eWxlIjpudWxsfSwiUGFyZW50U3R5bGUiOm51bGx9LCJEdXJhdGlvblN0eWxlIjp7IiRpZCI6IjEzNiIsIkZvbnRTZXR0aW5ncyI6eyIkaWQiOiIxMzciLCJGb250U2l6ZSI6MTAsIkZvbnROYW1lIjoiQ2FsaWJyaSIsIklzQm9sZCI6ZmFsc2UsIklzSXRhbGljIjpmYWxzZSwiSXNVbmRlcmxpbmVkIjpmYWxzZSwiUGFyZW50U3R5bGUiOm51bGx9LCJBdXRvU2l6ZSI6MCwiRm9yZWdyb3VuZCI6eyIkaWQiOiIxMzgiLCJDb2xvciI6eyIkcmVmIjoiOTMifX0sIk1heFdpZHRoIjoyMDAuMCwiTWF4SGVpZ2h0IjoiSW5maW5pdHkiLCJTbWFydEZvcmVncm91bmRJc0FjdGl2ZSI6ZmFsc2UsIkhvcml6b250YWxBbGlnbm1lbnQiOjAsIlZlcnRpY2FsQWxpZ25tZW50IjowLCJTbWFydEZvcmVncm91bmQiOm51bGwsIkJhY2tncm91bmRGaWxsVHlwZSI6MCwiTWFyZ2luIjp7IiRpZCI6IjEzOSIsIlRvcCI6MCwiTGVmdCI6MCwiUmlnaHQiOjAsIkJvdHRvbSI6MH0sIlBhZGRpbmciOnsiJGlkIjoiMTQwIiwiVG9wIjowLCJMZWZ0IjowLCJSaWdodCI6MCwiQm90dG9tIjowfSwiQmFja2dyb3VuZCI6eyIkcmVmIjoiOTYifSwiSXNWaXNpYmxlIjp0cnVlLCJXaWR0aCI6MC4wLCJIZWlnaHQiOjAuMCwiQm9yZGVyU3R5bGUiOnsiJGlkIjoiMTQxIiwiTGluZUNvbG9yIjpudWxsLCJMaW5lV2VpZ2h0IjowLjAsIkxpbmVUeXBlIjowLCJQYXJlbnRTdHlsZSI6bnVsbH0sIlBhcmVudFN0eWxlIjpudWxsfSwiSG9yaXpvbnRhbENvbm5lY3RvclN0eWxlIjp7IiRpZCI6IjE0MiIsIkxpbmVDb2xvciI6eyIkcmVmIjoiOTgifSwiTGluZVdlaWdodCI6MS4wLCJMaW5lVHlwZSI6MCwiUGFyZW50U3R5bGUiOm51bGx9LCJWZXJ0aWNhbENvbm5lY3RvclN0eWxlIjp7IiRpZCI6IjE0MyIsIkxpbmVDb2xvciI6eyIkcmVmIjoiMTAxIn0sIkxpbmVXZWlnaHQiOjAuMCwiTGluZVR5cGUiOjAsIlBhcmVudFN0eWxlIjpudWxsfSwiTWFyZ2luIjpudWxsLCJTdGFydERhdGVQb3NpdGlvbiI6NCwiRW5kRGF0ZVBvc2l0aW9uIjo0LCJEYXRlSXNWaXNpYmxlIjp0cnVlLCJUaXRsZVBvc2l0aW9uIjo1LCJEdXJhdGlvblBvc2l0aW9uIjo2LCJQZXJjZW50YWdlQ29tcGxldGVkUG9zaXRpb24iOjYsIlNwYWNpbmciOjUsIklzQmVsb3dUaW1lYmFuZCI6dHJ1ZSwiUGVyY2VudGFnZUNvbXBsZXRlU2hhcGVPcGFjaXR5IjozNSwiU2hhcGVTdHlsZSI6eyIkaWQiOiIxNDQiLCJNYXJnaW4iOnsiJGlkIjoiMTQ1IiwiVG9wIjowLCJMZWZ0Ijo0LCJSaWdodCI6NCwiQm90dG9tIjowfSwiUGFkZGluZyI6eyIkaWQiOiIxNDYiLCJUb3AiOjAsIkxlZnQiOjAsIlJpZ2h0IjowLCJCb3R0b20iOjB9LCJCYWNrZ3JvdW5kIjp7IiRpZCI6IjE0NyIsIkNvbG9yIjp7IiRpZCI6IjE0OCIsIkEiOjI1NSwiUiI6OTEsIkciOjE1NSwiQiI6MjEzfX0sIklzVmlzaWJsZSI6dHJ1ZSwiV2lkdGgiOjAuMCwiSGVpZ2h0IjoxNi4wLCJCb3JkZXJTdHlsZSI6eyIkaWQiOiIxNDkiLCJMaW5lQ29sb3IiOnsiJHJlZiI6IjEwOSJ9LCJMaW5lV2VpZ2h0IjowLjAsIkxpbmVUeXBlIjowLCJQYXJlbnRTdHlsZSI6bnVsbH0sIlBhcmVudFN0eWxlIjpudWxsfSwiVGl0bGVTdHlsZSI6eyIkaWQiOiIxNTAiLCJGb250U2V0dGluZ3MiOnsiJGlkIjoiMTUxIiwiRm9udFNpemUiOjExLCJGb250TmFtZSI6IkNhbGlicmkiLCJJc0JvbGQiOnRydWUsIklzSXRhbGljIjpmYWxzZSwiSXNVbmRlcmxpbmVkIjpmYWxzZSwiUGFyZW50U3R5bGUiOm51bGx9LCJBdXRvU2l6ZSI6MCwiRm9yZWdyb3VuZCI6eyIkaWQiOiIxNTIiLCJDb2xvciI6eyIkcmVmIjoiMTE0In19LCJNYXhXaWR0aCI6OTYwLjAsIk1heEhlaWdodCI6IkluZmluaXR5IiwiU21hcnRGb3JlZ3JvdW5kSXNBY3RpdmUiOmZhbHNlLCJIb3Jpem9udGFsQWxpZ25tZW50IjowLCJWZXJ0aWNhbEFsaWdubWVudCI6MCwiU21hcnRGb3JlZ3JvdW5kIjpudWxsLCJCYWNrZ3JvdW5kRmlsbFR5cGUiOjAsIk1hcmdpbiI6eyIkaWQiOiIxNTMiLCJUb3AiOjAsIkxlZnQiOjAsIlJpZ2h0IjowLCJCb3R0b20iOjB9LCJQYWRkaW5nIjp7IiRpZCI6IjE1NCIsIlRvcCI6MCwiTGVmdCI6MCwiUmlnaHQiOjAsIkJvdHRvbSI6MH0sIkJhY2tncm91bmQiOnsiJHJlZiI6IjExNyJ9LCJJc1Zpc2libGUiOnRydWUsIldpZHRoIjowLjAsIkhlaWdodCI6MC4wLCJCb3JkZXJTdHlsZSI6eyIkaWQiOiIxNTUiLCJMaW5lQ29sb3IiOm51bGwsIkxpbmVXZWlnaHQiOjAuMCwiTGluZVR5cGUiOjAsIlBhcmVudFN0eWxlIjpudWxsfSwiUGFyZW50U3R5bGUiOm51bGx9LCJEYXRlU3R5bGUiOnsiJGlkIjoiMTU2IiwiRm9udFNldHRpbmdzIjp7IiRpZCI6IjE1NyIsIkZvbnRTaXplIjoxMCwiRm9udE5hbWUiOiJDYWxpYnJpIiwiSXNCb2xkIjpmYWxzZSwiSXNJdGFsaWMiOmZhbHNlLCJJc1VuZGVybGluZWQiOmZhbHNlLCJQYXJlbnRTdHlsZSI6bnVsbH0sIkF1dG9TaXplIjowLCJGb3JlZ3JvdW5kIjp7IiRpZCI6IjE1OCIsIkNvbG9yIjp7IiRyZWYiOiIxMjEifX0sIk1heFdpZHRoIjoyMDAuMCwiTWF4SGVpZ2h0IjoiSW5maW5pdHkiLCJTbWFydEZvcmVncm91bmRJc0FjdGl2ZSI6ZmFsc2UsIkhvcml6b250YWxBbGlnbm1lbnQiOjAsIlZlcnRpY2FsQWxpZ25tZW50IjowLCJTbWFydEZvcmVncm91bmQiOm51bGwsIkJhY2tncm91bmRGaWxsVHlwZSI6MCwiTWFyZ2luIjp7IiRpZCI6IjE1OSIsIlRvcCI6MCwiTGVmdCI6MCwiUmlnaHQiOjAsIkJvdHRvbSI6MH0sIlBhZGRpbmciOnsiJGlkIjoiMTYwIiwiVG9wIjowLCJMZWZ0IjowLCJSaWdodCI6MCwiQm90dG9tIjowfSwiQmFja2dyb3VuZCI6eyIkcmVmIjoiMTI0In0sIklzVmlzaWJsZSI6dHJ1ZSwiV2lkdGgiOjAuMCwiSGVpZ2h0IjowLjAsIkJvcmRlclN0eWxlIjp7IiRpZCI6IjE2MSIsIkxpbmVDb2xvciI6bnVsbCwiTGluZVdlaWdodCI6MC4wLCJMaW5lVHlwZSI6MCwiUGFyZW50U3R5bGUiOm51bGx9LCJQYXJlbnRTdHlsZSI6bnVsbH0sIkRhdGVGb3JtYXQiOnsiJGlkIjoiMTYyIiwiRm9ybWF0U3RyaW5nIjoiTS9kL3l5eXkiLCJTZXBhcmF0b3IiOiIvIiwiVXNlSW50ZXJuYXRpb25hbERhdGVGb3JtYXQiOmZhbHNlLCJEYXRlSXNWaXNpYmxlIjp0cnVlLCJUaW1lSXNWaXNpYmxlIjpmYWxzZSwiSG91ckRpZ2l0cyI6MSwiQW1QbURlc2lnbmF0b3IiOjIsIlRyaW0wME1pbnV0ZXMiOmZhbHNlLCJMYXN0S25vd25WaXNpYmlsaXR5U3RhdGUiOm51bGx9LCJJc1Zpc2libGUiOnRydWUsIlBhcmVudFN0eWxlIjpudWxsfSwiSW5kZXgiOjEsIlNtYXJ0RHVyYXRpb25BY3RpdmF0ZWQiOmZhbHNlLCJEYXRlRm9ybWF0Ijp7IiRyZWYiOiIxNjIifSwiSWQiOiIyMmE0ZjBkNy02ODA2LTQ0NjctODllOC1kMGRjNjM4OThlOWEiLCJJbXBvcnRJZCI6bnVsbCwiVGl0bGUiOiLtlITroZzsoJ3tirgg6rOE7ZqNL+yEpOqzhCIsIk5vdGUiOm51bGwsIkh5cGVybGluayI6bnVsbCwiSXNDaGFuZ2VkIjpmYWxzZSwiSXNOZXciOmZhbHNlfSx7IiRpZCI6IjE2MyIsIkdyb3VwTmFtZSI6bnVsbCwiU3RhcnREYXRlIjoiMjAxOS0wNC0wMVQwMDowMDowMCIsIkVuZERhdGUiOiIyMDE5LTA0LTA1VDIzOjU5OjAwIiwiUGVyY2VudGFnZUNvbXBsZXRlIjpudWxsLCJTdHlsZSI6eyIkaWQiOiIxNjQiLCJTaGFwZSI6MCwiU2hhcGVUaGlja25lc3MiOjEsIkR1cmF0aW9uRm9ybWF0IjowLCJJbmNsdWRlTm9uV29ya2luZ0RheXNJbkR1cmF0aW9uIjpmYWxzZSwiUGVyY2VudGFnZUNvbXBsZXRlU3R5bGUiOnsiJGlkIjoiMTY1IiwiRm9udFNldHRpbmdzIjp7IiRpZCI6IjE2NiIsIkZvbnRTaXplIjoxMCwiRm9udE5hbWUiOiJDYWxpYnJpIiwiSXNCb2xkIjpmYWxzZSwiSXNJdGFsaWMiOmZhbHNlLCJJc1VuZGVybGluZWQiOmZhbHNlLCJQYXJlbnRTdHlsZSI6bnVsbH0sIkF1dG9TaXplIjowLCJGb3JlZ3JvdW5kIjp7IiRpZCI6IjE2NyIsIkNvbG9yIjp7IiRyZWYiOiI4NiJ9fSwiTWF4V2lkdGgiOjIwMC4wLCJNYXhIZWlnaHQiOiJJbmZpbml0eSIsIlNtYXJ0Rm9yZWdyb3VuZElzQWN0aXZlIjpmYWxzZSwiSG9yaXpvbnRhbEFsaWdubWVudCI6MCwiVmVydGljYWxBbGlnbm1lbnQiOjAsIlNtYXJ0Rm9yZWdyb3VuZCI6bnVsbCwiQmFja2dyb3VuZEZpbGxUeXBlIjowLCJNYXJnaW4iOnsiJGlkIjoiMTY4IiwiVG9wIjowLCJMZWZ0IjowLCJSaWdodCI6MCwiQm90dG9tIjowfSwiUGFkZGluZyI6eyIkaWQiOiIxNjkiLCJUb3AiOjAsIkxlZnQiOjAsIlJpZ2h0IjowLCJCb3R0b20iOjB9LCJCYWNrZ3JvdW5kIjp7IiRyZWYiOiI4OSJ9LCJJc1Zpc2libGUiOnRydWUsIldpZHRoIjowLjAsIkhlaWdodCI6MC4wLCJCb3JkZXJTdHlsZSI6eyIkaWQiOiIxNzAiLCJMaW5lQ29sb3IiOm51bGwsIkxpbmVXZWlnaHQiOjAuMCwiTGluZVR5cGUiOjAsIlBhcmVudFN0eWxlIjpudWxsfSwiUGFyZW50U3R5bGUiOm51bGx9LCJEdXJhdGlvblN0eWxlIjp7IiRpZCI6IjE3MSIsIkZvbnRTZXR0aW5ncyI6eyIkaWQiOiIxNzIiLCJGb250U2l6ZSI6MTAsIkZvbnROYW1lIjoiQ2FsaWJyaSIsIklzQm9sZCI6ZmFsc2UsIklzSXRhbGljIjpmYWxzZSwiSXNVbmRlcmxpbmVkIjpmYWxzZSwiUGFyZW50U3R5bGUiOm51bGx9LCJBdXRvU2l6ZSI6MCwiRm9yZWdyb3VuZCI6eyIkaWQiOiIxNzMiLCJDb2xvciI6eyIkcmVmIjoiOTMifX0sIk1heFdpZHRoIjoyMDAuMCwiTWF4SGVpZ2h0IjoiSW5maW5pdHkiLCJTbWFydEZvcmVncm91bmRJc0FjdGl2ZSI6ZmFsc2UsIkhvcml6b250YWxBbGlnbm1lbnQiOjAsIlZlcnRpY2FsQWxpZ25tZW50IjowLCJTbWFydEZvcmVncm91bmQiOm51bGwsIkJhY2tncm91bmRGaWxsVHlwZSI6MCwiTWFyZ2luIjp7IiRpZCI6IjE3NCIsIlRvcCI6MCwiTGVmdCI6MCwiUmlnaHQiOjAsIkJvdHRvbSI6MH0sIlBhZGRpbmciOnsiJGlkIjoiMTc1IiwiVG9wIjowLCJMZWZ0IjowLCJSaWdodCI6MCwiQm90dG9tIjowfSwiQmFja2dyb3VuZCI6eyIkcmVmIjoiOTYifSwiSXNWaXNpYmxlIjp0cnVlLCJXaWR0aCI6MC4wLCJIZWlnaHQiOjAuMCwiQm9yZGVyU3R5bGUiOnsiJGlkIjoiMTc2IiwiTGluZUNvbG9yIjpudWxsLCJMaW5lV2VpZ2h0IjowLjAsIkxpbmVUeXBlIjowLCJQYXJlbnRTdHlsZSI6bnVsbH0sIlBhcmVudFN0eWxlIjpudWxsfSwiSG9yaXpvbnRhbENvbm5lY3RvclN0eWxlIjp7IiRpZCI6IjE3NyIsIkxpbmVDb2xvciI6eyIkcmVmIjoiOTgifSwiTGluZVdlaWdodCI6MS4wLCJMaW5lVHlwZSI6MCwiUGFyZW50U3R5bGUiOm51bGx9LCJWZXJ0aWNhbENvbm5lY3RvclN0eWxlIjp7IiRpZCI6IjE3OCIsIkxpbmVDb2xvciI6eyIkcmVmIjoiMTAxIn0sIkxpbmVXZWlnaHQiOjAuMCwiTGluZVR5cGUiOjAsIlBhcmVudFN0eWxlIjpudWxsfSwiTWFyZ2luIjpudWxsLCJTdGFydERhdGVQb3NpdGlvbiI6NCwiRW5kRGF0ZVBvc2l0aW9uIjo0LCJEYXRlSXNWaXNpYmxlIjp0cnVlLCJUaXRsZVBvc2l0aW9uIjo1LCJEdXJhdGlvblBvc2l0aW9uIjo2LCJQZXJjZW50YWdlQ29tcGxldGVkUG9zaXRpb24iOjYsIlNwYWNpbmciOjUsIklzQmVsb3dUaW1lYmFuZCI6dHJ1ZSwiUGVyY2VudGFnZUNvbXBsZXRlU2hhcGVPcGFjaXR5IjozNSwiU2hhcGVTdHlsZSI6eyIkaWQiOiIxNzkiLCJNYXJnaW4iOnsiJGlkIjoiMTgwIiwiVG9wIjowLCJMZWZ0Ijo0LCJSaWdodCI6NCwiQm90dG9tIjowfSwiUGFkZGluZyI6eyIkaWQiOiIxODEiLCJUb3AiOjAsIkxlZnQiOjAsIlJpZ2h0IjowLCJCb3R0b20iOjB9LCJCYWNrZ3JvdW5kIjp7IiRpZCI6IjE4MiIsIkNvbG9yIjp7IiRpZCI6IjE4MyIsIkEiOjI1NSwiUiI6OTEsIkciOjE1NSwiQiI6MjEzfX0sIklzVmlzaWJsZSI6dHJ1ZSwiV2lkdGgiOjAuMCwiSGVpZ2h0IjoxNi4wLCJCb3JkZXJTdHlsZSI6eyIkaWQiOiIxODQiLCJMaW5lQ29sb3IiOnsiJHJlZiI6IjEwOSJ9LCJMaW5lV2VpZ2h0IjowLjAsIkxpbmVUeXBlIjowLCJQYXJlbnRTdHlsZSI6bnVsbH0sIlBhcmVudFN0eWxlIjpudWxsfSwiVGl0bGVTdHlsZSI6eyIkaWQiOiIxODUiLCJGb250U2V0dGluZ3MiOnsiJGlkIjoiMTg2IiwiRm9udFNpemUiOjExLCJGb250TmFtZSI6IkNhbGlicmkiLCJJc0JvbGQiOnRydWUsIklzSXRhbGljIjpmYWxzZSwiSXNVbmRlcmxpbmVkIjpmYWxzZSwiUGFyZW50U3R5bGUiOm51bGx9LCJBdXRvU2l6ZSI6MCwiRm9yZWdyb3VuZCI6eyIkaWQiOiIxODciLCJDb2xvciI6eyIkcmVmIjoiMTE0In19LCJNYXhXaWR0aCI6OTYwLjAsIk1heEhlaWdodCI6IkluZmluaXR5IiwiU21hcnRGb3JlZ3JvdW5kSXNBY3RpdmUiOmZhbHNlLCJIb3Jpem9udGFsQWxpZ25tZW50IjowLCJWZXJ0aWNhbEFsaWdubWVudCI6MCwiU21hcnRGb3JlZ3JvdW5kIjpudWxsLCJCYWNrZ3JvdW5kRmlsbFR5cGUiOjAsIk1hcmdpbiI6eyIkaWQiOiIxODgiLCJUb3AiOjAsIkxlZnQiOjAsIlJpZ2h0IjowLCJCb3R0b20iOjB9LCJQYWRkaW5nIjp7IiRpZCI6IjE4OSIsIlRvcCI6MCwiTGVmdCI6MCwiUmlnaHQiOjAsIkJvdHRvbSI6MH0sIkJhY2tncm91bmQiOnsiJHJlZiI6IjExNyJ9LCJJc1Zpc2libGUiOnRydWUsIldpZHRoIjowLjAsIkhlaWdodCI6MC4wLCJCb3JkZXJTdHlsZSI6eyIkaWQiOiIxOTAiLCJMaW5lQ29sb3IiOm51bGwsIkxpbmVXZWlnaHQiOjAuMCwiTGluZVR5cGUiOjAsIlBhcmVudFN0eWxlIjpudWxsfSwiUGFyZW50U3R5bGUiOm51bGx9LCJEYXRlU3R5bGUiOnsiJGlkIjoiMTkxIiwiRm9udFNldHRpbmdzIjp7IiRpZCI6IjE5MiIsIkZvbnRTaXplIjoxMCwiRm9udE5hbWUiOiJDYWxpYnJpIiwiSXNCb2xkIjpmYWxzZSwiSXNJdGFsaWMiOmZhbHNlLCJJc1VuZGVybGluZWQiOmZhbHNlLCJQYXJlbnRTdHlsZSI6bnVsbH0sIkF1dG9TaXplIjowLCJGb3JlZ3JvdW5kIjp7IiRpZCI6IjE5MyIsIkNvbG9yIjp7IiRyZWYiOiIxMjEifX0sIk1heFdpZHRoIjoyMDAuMCwiTWF4SGVpZ2h0IjoiSW5maW5pdHkiLCJTbWFydEZvcmVncm91bmRJc0FjdGl2ZSI6ZmFsc2UsIkhvcml6b250YWxBbGlnbm1lbnQiOjAsIlZlcnRpY2FsQWxpZ25tZW50IjowLCJTbWFydEZvcmVncm91bmQiOm51bGwsIkJhY2tncm91bmRGaWxsVHlwZSI6MCwiTWFyZ2luIjp7IiRpZCI6IjE5NCIsIlRvcCI6MCwiTGVmdCI6MCwiUmlnaHQiOjAsIkJvdHRvbSI6MH0sIlBhZGRpbmciOnsiJGlkIjoiMTk1IiwiVG9wIjowLCJMZWZ0IjowLCJSaWdodCI6MCwiQm90dG9tIjowfSwiQmFja2dyb3VuZCI6eyIkcmVmIjoiMTI0In0sIklzVmlzaWJsZSI6dHJ1ZSwiV2lkdGgiOjAuMCwiSGVpZ2h0IjowLjAsIkJvcmRlclN0eWxlIjp7IiRpZCI6IjE5NiIsIkxpbmVDb2xvciI6bnVsbCwiTGluZVdlaWdodCI6MC4wLCJMaW5lVHlwZSI6MCwiUGFyZW50U3R5bGUiOm51bGx9LCJQYXJlbnRTdHlsZSI6bnVsbH0sIkRhdGVGb3JtYXQiOnsiJGlkIjoiMTk3IiwiRm9ybWF0U3RyaW5nIjoiTS9kL3l5eXkiLCJTZXBhcmF0b3IiOiIvIiwiVXNlSW50ZXJuYXRpb25hbERhdGVGb3JtYXQiOmZhbHNlLCJEYXRlSXNWaXNpYmxlIjp0cnVlLCJUaW1lSXNWaXNpYmxlIjpmYWxzZSwiSG91ckRpZ2l0cyI6MSwiQW1QbURlc2lnbmF0b3IiOjIsIlRyaW0wME1pbnV0ZXMiOmZhbHNlLCJMYXN0S25vd25WaXNpYmlsaXR5U3RhdGUiOm51bGx9LCJJc1Zpc2libGUiOnRydWUsIlBhcmVudFN0eWxlIjpudWxsfSwiSW5kZXgiOjIsIlNtYXJ0RHVyYXRpb25BY3RpdmF0ZWQiOmZhbHNlLCJEYXRlRm9ybWF0Ijp7IiRyZWYiOiIxOTcifSwiSWQiOiJkNDQ3ZWE0NS04ZDk1LTQzODktOTVmNS1jYWE5YjkxMzI5Y2MiLCJJbXBvcnRJZCI6bnVsbCwiVGl0bGUiOiLqtIDroKgg7Jik7ZSI7IaM7IqkIOyImOynkS/rtoTshJ0iLCJOb3RlIjpudWxsLCJIeXBlcmxpbmsiOm51bGwsIklzQ2hhbmdlZCI6ZmFsc2UsIklzTmV3IjpmYWxzZX0seyIkaWQiOiIxOTgiLCJHcm91cE5hbWUiOm51bGwsIlN0YXJ0RGF0ZSI6IjIwMTktMDQtMDFUMDA6MDA6MDAiLCJFbmREYXRlIjoiMjAxOS0wNC0yMFQyMzo1OTowMCIsIlBlcmNlbnRhZ2VDb21wbGV0ZSI6bnVsbCwiU3R5bGUiOnsiJGlkIjoiMTk5IiwiU2hhcGUiOjAsIlNoYXBlVGhpY2tuZXNzIjoxLCJEdXJhdGlvbkZvcm1hdCI6MCwiSW5jbHVkZU5vbldvcmtpbmdEYXlzSW5EdXJhdGlvbiI6ZmFsc2UsIlBlcmNlbnRhZ2VDb21wbGV0ZVN0eWxlIjp7IiRpZCI6IjIwMCIsIkZvbnRTZXR0aW5ncyI6eyIkaWQiOiIyMDEiLCJGb250U2l6ZSI6MTAsIkZvbnROYW1lIjoiQ2FsaWJyaSIsIklzQm9sZCI6ZmFsc2UsIklzSXRhbGljIjpmYWxzZSwiSXNVbmRlcmxpbmVkIjpmYWxzZSwiUGFyZW50U3R5bGUiOm51bGx9LCJBdXRvU2l6ZSI6MCwiRm9yZWdyb3VuZCI6eyIkaWQiOiIyMDIiLCJDb2xvciI6eyIkcmVmIjoiODYifX0sIk1heFdpZHRoIjoyMDAuMCwiTWF4SGVpZ2h0IjoiSW5maW5pdHkiLCJTbWFydEZvcmVncm91bmRJc0FjdGl2ZSI6ZmFsc2UsIkhvcml6b250YWxBbGlnbm1lbnQiOjAsIlZlcnRpY2FsQWxpZ25tZW50IjowLCJTbWFydEZvcmVncm91bmQiOm51bGwsIkJhY2tncm91bmRGaWxsVHlwZSI6MCwiTWFyZ2luIjp7IiRpZCI6IjIwMyIsIlRvcCI6MCwiTGVmdCI6MCwiUmlnaHQiOjAsIkJvdHRvbSI6MH0sIlBhZGRpbmciOnsiJGlkIjoiMjA0IiwiVG9wIjowLCJMZWZ0IjowLCJSaWdodCI6MCwiQm90dG9tIjowfSwiQmFja2dyb3VuZCI6eyIkcmVmIjoiODkifSwiSXNWaXNpYmxlIjp0cnVlLCJXaWR0aCI6MC4wLCJIZWlnaHQiOjAuMCwiQm9yZGVyU3R5bGUiOnsiJGlkIjoiMjA1IiwiTGluZUNvbG9yIjpudWxsLCJMaW5lV2VpZ2h0IjowLjAsIkxpbmVUeXBlIjowLCJQYXJlbnRTdHlsZSI6bnVsbH0sIlBhcmVudFN0eWxlIjpudWxsfSwiRHVyYXRpb25TdHlsZSI6eyIkaWQiOiIyMDYiLCJGb250U2V0dGluZ3MiOnsiJGlkIjoiMjA3IiwiRm9udFNpemUiOjEwLCJGb250TmFtZSI6IkNhbGlicmkiLCJJc0JvbGQiOmZhbHNlLCJJc0l0YWxpYyI6ZmFsc2UsIklzVW5kZXJsaW5lZCI6ZmFsc2UsIlBhcmVudFN0eWxlIjpudWxsfSwiQXV0b1NpemUiOjAsIkZvcmVncm91bmQiOnsiJGlkIjoiMjA4IiwiQ29sb3IiOnsiJHJlZiI6IjkzIn19LCJNYXhXaWR0aCI6MjAwLjAsIk1heEhlaWdodCI6IkluZmluaXR5IiwiU21hcnRGb3JlZ3JvdW5kSXNBY3RpdmUiOmZhbHNlLCJIb3Jpem9udGFsQWxpZ25tZW50IjowLCJWZXJ0aWNhbEFsaWdubWVudCI6MCwiU21hcnRGb3JlZ3JvdW5kIjpudWxsLCJCYWNrZ3JvdW5kRmlsbFR5cGUiOjAsIk1hcmdpbiI6eyIkaWQiOiIyMDkiLCJUb3AiOjAsIkxlZnQiOjAsIlJpZ2h0IjowLCJCb3R0b20iOjB9LCJQYWRkaW5nIjp7IiRpZCI6IjIxMCIsIlRvcCI6MCwiTGVmdCI6MCwiUmlnaHQiOjAsIkJvdHRvbSI6MH0sIkJhY2tncm91bmQiOnsiJHJlZiI6Ijk2In0sIklzVmlzaWJsZSI6dHJ1ZSwiV2lkdGgiOjAuMCwiSGVpZ2h0IjowLjAsIkJvcmRlclN0eWxlIjp7IiRpZCI6IjIxMSIsIkxpbmVDb2xvciI6bnVsbCwiTGluZVdlaWdodCI6MC4wLCJMaW5lVHlwZSI6MCwiUGFyZW50U3R5bGUiOm51bGx9LCJQYXJlbnRTdHlsZSI6bnVsbH0sIkhvcml6b250YWxDb25uZWN0b3JTdHlsZSI6eyIkaWQiOiIyMTIiLCJMaW5lQ29sb3IiOnsiJHJlZiI6Ijk4In0sIkxpbmVXZWlnaHQiOjEuMCwiTGluZVR5cGUiOjAsIlBhcmVudFN0eWxlIjpudWxsfSwiVmVydGljYWxDb25uZWN0b3JTdHlsZSI6eyIkaWQiOiIyMTMiLCJMaW5lQ29sb3IiOnsiJHJlZiI6IjEwMSJ9LCJMaW5lV2VpZ2h0IjowLjAsIkxpbmVUeXBlIjowLCJQYXJlbnRTdHlsZSI6bnVsbH0sIk1hcmdpbiI6bnVsbCwiU3RhcnREYXRlUG9zaXRpb24iOjQsIkVuZERhdGVQb3NpdGlvbiI6NCwiRGF0ZUlzVmlzaWJsZSI6dHJ1ZSwiVGl0bGVQb3NpdGlvbiI6NSwiRHVyYXRpb25Qb3NpdGlvbiI6NiwiUGVyY2VudGFnZUNvbXBsZXRlZFBvc2l0aW9uIjo2LCJTcGFjaW5nIjo1LCJJc0JlbG93VGltZWJhbmQiOnRydWUsIlBlcmNlbnRhZ2VDb21wbGV0ZVNoYXBlT3BhY2l0eSI6MzUsIlNoYXBlU3R5bGUiOnsiJGlkIjoiMjE0IiwiTWFyZ2luIjp7IiRpZCI6IjIxNSIsIlRvcCI6MCwiTGVmdCI6NCwiUmlnaHQiOjQsIkJvdHRvbSI6MH0sIlBhZGRpbmciOnsiJGlkIjoiMjE2IiwiVG9wIjowLCJMZWZ0IjowLCJSaWdodCI6MCwiQm90dG9tIjowfSwiQmFja2dyb3VuZCI6eyIkaWQiOiIyMTciLCJDb2xvciI6eyIkaWQiOiIyMTgiLCJBIjoyNTUsIlIiOjkxLCJHIjoxNTUsIkIiOjIxM319LCJJc1Zpc2libGUiOnRydWUsIldpZHRoIjowLjAsIkhlaWdodCI6MTYuMCwiQm9yZGVyU3R5bGUiOnsiJGlkIjoiMjE5IiwiTGluZUNvbG9yIjp7IiRyZWYiOiIxMDkifSwiTGluZVdlaWdodCI6MC4wLCJMaW5lVHlwZSI6MCwiUGFyZW50U3R5bGUiOm51bGx9LCJQYXJlbnRTdHlsZSI6bnVsbH0sIlRpdGxlU3R5bGUiOnsiJGlkIjoiMjIwIiwiRm9udFNldHRpbmdzIjp7IiRpZCI6IjIyMSIsIkZvbnRTaXplIjoxMSwiRm9udE5hbWUiOiJDYWxpYnJpIiwiSXNCb2xkIjp0cnVlLCJJc0l0YWxpYyI6ZmFsc2UsIklzVW5kZXJsaW5lZCI6ZmFsc2UsIlBhcmVudFN0eWxlIjpudWxsfSwiQXV0b1NpemUiOjAsIkZvcmVncm91bmQiOnsiJGlkIjoiMjIyIiwiQ29sb3IiOnsiJHJlZiI6IjExNCJ9fSwiTWF4V2lkdGgiOjk2MC4wLCJNYXhIZWlnaHQiOiJJbmZpbml0eSIsIlNtYXJ0Rm9yZWdyb3VuZElzQWN0aXZlIjpmYWxzZSwiSG9yaXpvbnRhbEFsaWdubWVudCI6MCwiVmVydGljYWxBbGlnbm1lbnQiOjAsIlNtYXJ0Rm9yZWdyb3VuZCI6bnVsbCwiQmFja2dyb3VuZEZpbGxUeXBlIjowLCJNYXJnaW4iOnsiJGlkIjoiMjIzIiwiVG9wIjowLCJMZWZ0IjowLCJSaWdodCI6MCwiQm90dG9tIjowfSwiUGFkZGluZyI6eyIkaWQiOiIyMjQiLCJUb3AiOjAsIkxlZnQiOjAsIlJpZ2h0IjowLCJCb3R0b20iOjB9LCJCYWNrZ3JvdW5kIjp7IiRyZWYiOiIxMTcifSwiSXNWaXNpYmxlIjp0cnVlLCJXaWR0aCI6MC4wLCJIZWlnaHQiOjAuMCwiQm9yZGVyU3R5bGUiOnsiJGlkIjoiMjI1IiwiTGluZUNvbG9yIjpudWxsLCJMaW5lV2VpZ2h0IjowLjAsIkxpbmVUeXBlIjowLCJQYXJlbnRTdHlsZSI6bnVsbH0sIlBhcmVudFN0eWxlIjpudWxsfSwiRGF0ZVN0eWxlIjp7IiRpZCI6IjIyNiIsIkZvbnRTZXR0aW5ncyI6eyIkaWQiOiIyMjciLCJGb250U2l6ZSI6MTAsIkZvbnROYW1lIjoiQ2FsaWJyaSIsIklzQm9sZCI6ZmFsc2UsIklzSXRhbGljIjpmYWxzZSwiSXNVbmRlcmxpbmVkIjpmYWxzZSwiUGFyZW50U3R5bGUiOm51bGx9LCJBdXRvU2l6ZSI6MCwiRm9yZWdyb3VuZCI6eyIkaWQiOiIyMjgiLCJDb2xvciI6eyIkcmVmIjoiMTIxIn19LCJNYXhXaWR0aCI6MjAwLjAsIk1heEhlaWdodCI6IkluZmluaXR5IiwiU21hcnRGb3JlZ3JvdW5kSXNBY3RpdmUiOmZhbHNlLCJIb3Jpem9udGFsQWxpZ25tZW50IjowLCJWZXJ0aWNhbEFsaWdubWVudCI6MCwiU21hcnRGb3JlZ3JvdW5kIjpudWxsLCJCYWNrZ3JvdW5kRmlsbFR5cGUiOjAsIk1hcmdpbiI6eyIkaWQiOiIyMjkiLCJUb3AiOjAsIkxlZnQiOjAsIlJpZ2h0IjowLCJCb3R0b20iOjB9LCJQYWRkaW5nIjp7IiRpZCI6IjIzMCIsIlRvcCI6MCwiTGVmdCI6MCwiUmlnaHQiOjAsIkJvdHRvbSI6MH0sIkJhY2tncm91bmQiOnsiJHJlZiI6IjEyNCJ9LCJJc1Zpc2libGUiOnRydWUsIldpZHRoIjowLjAsIkhlaWdodCI6MC4wLCJCb3JkZXJTdHlsZSI6eyIkaWQiOiIyMzEiLCJMaW5lQ29sb3IiOm51bGwsIkxpbmVXZWlnaHQiOjAuMCwiTGluZVR5cGUiOjAsIlBhcmVudFN0eWxlIjpudWxsfSwiUGFyZW50U3R5bGUiOm51bGx9LCJEYXRlRm9ybWF0Ijp7IiRpZCI6IjIzMiIsIkZvcm1hdFN0cmluZyI6Ik0vZC95eXl5IiwiU2VwYXJhdG9yIjoiLyIsIlVzZUludGVybmF0aW9uYWxEYXRlRm9ybWF0IjpmYWxzZSwiRGF0ZUlzVmlzaWJsZSI6dHJ1ZSwiVGltZUlzVmlzaWJsZSI6ZmFsc2UsIkhvdXJEaWdpdHMiOjEsIkFtUG1EZXNpZ25hdG9yIjoyLCJUcmltMDBNaW51dGVzIjpmYWxzZSwiTGFzdEtub3duVmlzaWJpbGl0eVN0YXRlIjpudWxsfSwiSXNWaXNpYmxlIjp0cnVlLCJQYXJlbnRTdHlsZSI6bnVsbH0sIkluZGV4IjozLCJTbWFydER1cmF0aW9uQWN0aXZhdGVkIjpmYWxzZSwiRGF0ZUZvcm1hdCI6eyIkcmVmIjoiMjMyIn0sIklkIjoiMzgyZGRmN2MtNDlhZS00MWE5LWE4OTYtYjY4MjMzYmI4NjBiIiwiSW1wb3J0SWQiOm51bGwsIlRpdGxlIjoiQyMg6rO167aAIiwiTm90ZSI6bnVsbCwiSHlwZXJsaW5rIjpudWxsLCJJc0NoYW5nZWQiOmZhbHNlLCJJc05ldyI6ZmFsc2V9LHsiJGlkIjoiMjMzIiwiR3JvdXBOYW1lIjpudWxsLCJTdGFydERhdGUiOiIyMDE5LTA0LTAyVDAwOjAwOjAwIiwiRW5kRGF0ZSI6IjIwMTktMDQtMTJUMjM6NTk6MDAiLCJQZXJjZW50YWdlQ29tcGxldGUiOm51bGwsIlN0eWxlIjp7IiRpZCI6IjIzNCIsIlNoYXBlIjowLCJTaGFwZVRoaWNrbmVzcyI6MSwiRHVyYXRpb25Gb3JtYXQiOjAsIkluY2x1ZGVOb25Xb3JraW5nRGF5c0luRHVyYXRpb24iOmZhbHNlLCJQZXJjZW50YWdlQ29tcGxldGVTdHlsZSI6eyIkaWQiOiIyMzUiLCJGb250U2V0dGluZ3MiOnsiJGlkIjoiMjM2IiwiRm9udFNpemUiOjEwLCJGb250TmFtZSI6IkNhbGlicmkiLCJJc0JvbGQiOmZhbHNlLCJJc0l0YWxpYyI6ZmFsc2UsIklzVW5kZXJsaW5lZCI6ZmFsc2UsIlBhcmVudFN0eWxlIjpudWxsfSwiQXV0b1NpemUiOjAsIkZvcmVncm91bmQiOnsiJGlkIjoiMjM3IiwiQ29sb3IiOnsiJHJlZiI6Ijg2In19LCJNYXhXaWR0aCI6MjAwLjAsIk1heEhlaWdodCI6IkluZmluaXR5IiwiU21hcnRGb3JlZ3JvdW5kSXNBY3RpdmUiOmZhbHNlLCJIb3Jpem9udGFsQWxpZ25tZW50IjowLCJWZXJ0aWNhbEFsaWdubWVudCI6MCwiU21hcnRGb3JlZ3JvdW5kIjpudWxsLCJCYWNrZ3JvdW5kRmlsbFR5cGUiOjAsIk1hcmdpbiI6eyIkaWQiOiIyMzgiLCJUb3AiOjAsIkxlZnQiOjAsIlJpZ2h0IjowLCJCb3R0b20iOjB9LCJQYWRkaW5nIjp7IiRpZCI6IjIzOSIsIlRvcCI6MCwiTGVmdCI6MCwiUmlnaHQiOjAsIkJvdHRvbSI6MH0sIkJhY2tncm91bmQiOnsiJHJlZiI6Ijg5In0sIklzVmlzaWJsZSI6dHJ1ZSwiV2lkdGgiOjAuMCwiSGVpZ2h0IjowLjAsIkJvcmRlclN0eWxlIjp7IiRpZCI6IjI0MCIsIkxpbmVDb2xvciI6bnVsbCwiTGluZVdlaWdodCI6MC4wLCJMaW5lVHlwZSI6MCwiUGFyZW50U3R5bGUiOm51bGx9LCJQYXJlbnRTdHlsZSI6bnVsbH0sIkR1cmF0aW9uU3R5bGUiOnsiJGlkIjoiMjQxIiwiRm9udFNldHRpbmdzIjp7IiRpZCI6IjI0MiIsIkZvbnRTaXplIjoxMCwiRm9udE5hbWUiOiJDYWxpYnJpIiwiSXNCb2xkIjpmYWxzZSwiSXNJdGFsaWMiOmZhbHNlLCJJc1VuZGVybGluZWQiOmZhbHNlLCJQYXJlbnRTdHlsZSI6bnVsbH0sIkF1dG9TaXplIjowLCJGb3JlZ3JvdW5kIjp7IiRpZCI6IjI0MyIsIkNvbG9yIjp7IiRyZWYiOiI5MyJ9fSwiTWF4V2lkdGgiOjIwMC4wLCJNYXhIZWlnaHQiOiJJbmZpbml0eSIsIlNtYXJ0Rm9yZWdyb3VuZElzQWN0aXZlIjpmYWxzZSwiSG9yaXpvbnRhbEFsaWdubWVudCI6MCwiVmVydGljYWxBbGlnbm1lbnQiOjAsIlNtYXJ0Rm9yZWdyb3VuZCI6bnVsbCwiQmFja2dyb3VuZEZpbGxUeXBlIjowLCJNYXJnaW4iOnsiJGlkIjoiMjQ0IiwiVG9wIjowLCJMZWZ0IjowLCJSaWdodCI6MCwiQm90dG9tIjowfSwiUGFkZGluZyI6eyIkaWQiOiIyNDUiLCJUb3AiOjAsIkxlZnQiOjAsIlJpZ2h0IjowLCJCb3R0b20iOjB9LCJCYWNrZ3JvdW5kIjp7IiRyZWYiOiI5NiJ9LCJJc1Zpc2libGUiOnRydWUsIldpZHRoIjowLjAsIkhlaWdodCI6MC4wLCJCb3JkZXJTdHlsZSI6eyIkaWQiOiIyNDYiLCJMaW5lQ29sb3IiOm51bGwsIkxpbmVXZWlnaHQiOjAuMCwiTGluZVR5cGUiOjAsIlBhcmVudFN0eWxlIjpudWxsfSwiUGFyZW50U3R5bGUiOm51bGx9LCJIb3Jpem9udGFsQ29ubmVjdG9yU3R5bGUiOnsiJGlkIjoiMjQ3IiwiTGluZUNvbG9yIjp7IiRyZWYiOiI5OCJ9LCJMaW5lV2VpZ2h0IjoxLjAsIkxpbmVUeXBlIjowLCJQYXJlbnRTdHlsZSI6bnVsbH0sIlZlcnRpY2FsQ29ubmVjdG9yU3R5bGUiOnsiJGlkIjoiMjQ4IiwiTGluZUNvbG9yIjp7IiRyZWYiOiIxMDEifSwiTGluZVdlaWdodCI6MC4wLCJMaW5lVHlwZSI6MCwiUGFyZW50U3R5bGUiOm51bGx9LCJNYXJnaW4iOm51bGwsIlN0YXJ0RGF0ZVBvc2l0aW9uIjo0LCJFbmREYXRlUG9zaXRpb24iOjQsIkRhdGVJc1Zpc2libGUiOnRydWUsIlRpdGxlUG9zaXRpb24iOjUsIkR1cmF0aW9uUG9zaXRpb24iOjYsIlBlcmNlbnRhZ2VDb21wbGV0ZWRQb3NpdGlvbiI6NiwiU3BhY2luZyI6NSwiSXNCZWxvd1RpbWViYW5kIjp0cnVlLCJQZXJjZW50YWdlQ29tcGxldGVTaGFwZU9wYWNpdHkiOjM1LCJTaGFwZVN0eWxlIjp7IiRpZCI6IjI0OSIsIk1hcmdpbiI6eyIkaWQiOiIyNTAiLCJUb3AiOjAsIkxlZnQiOjQsIlJpZ2h0Ijo0LCJCb3R0b20iOjB9LCJQYWRkaW5nIjp7IiRpZCI6IjI1MSIsIlRvcCI6MCwiTGVmdCI6MCwiUmlnaHQiOjAsIkJvdHRvbSI6MH0sIkJhY2tncm91bmQiOnsiJGlkIjoiMjUyIiwiQ29sb3IiOnsiJGlkIjoiMjUzIiwiQSI6MjU1LCJSIjoxMTIsIkciOjE3MywiQiI6NzF9fSwiSXNWaXNpYmxlIjp0cnVlLCJXaWR0aCI6MC4wLCJIZWlnaHQiOjE2LjAsIkJvcmRlclN0eWxlIjp7IiRpZCI6IjI1NCIsIkxpbmVDb2xvciI6eyIkcmVmIjoiMTA5In0sIkxpbmVXZWlnaHQiOjAuMCwiTGluZVR5cGUiOjAsIlBhcmVudFN0eWxlIjpudWxsfSwiUGFyZW50U3R5bGUiOm51bGx9LCJUaXRsZVN0eWxlIjp7IiRpZCI6IjI1NSIsIkZvbnRTZXR0aW5ncyI6eyIkaWQiOiIyNTYiLCJGb250U2l6ZSI6MTEsIkZvbnROYW1lIjoiQ2FsaWJyaSIsIklzQm9sZCI6dHJ1ZSwiSXNJdGFsaWMiOmZhbHNlLCJJc1VuZGVybGluZWQiOmZhbHNlLCJQYXJlbnRTdHlsZSI6bnVsbH0sIkF1dG9TaXplIjowLCJGb3JlZ3JvdW5kIjp7IiRpZCI6IjI1NyIsIkNvbG9yIjp7IiRyZWYiOiIxMTQifX0sIk1heFdpZHRoIjo5NjAuMCwiTWF4SGVpZ2h0IjoiSW5maW5pdHkiLCJTbWFydEZvcmVncm91bmRJc0FjdGl2ZSI6ZmFsc2UsIkhvcml6b250YWxBbGlnbm1lbnQiOjAsIlZlcnRpY2FsQWxpZ25tZW50IjowLCJTbWFydEZvcmVncm91bmQiOm51bGwsIkJhY2tncm91bmRGaWxsVHlwZSI6MCwiTWFyZ2luIjp7IiRpZCI6IjI1OCIsIlRvcCI6MCwiTGVmdCI6MCwiUmlnaHQiOjAsIkJvdHRvbSI6MH0sIlBhZGRpbmciOnsiJGlkIjoiMjU5IiwiVG9wIjowLCJMZWZ0IjowLCJSaWdodCI6MCwiQm90dG9tIjowfSwiQmFja2dyb3VuZCI6eyIkcmVmIjoiMTE3In0sIklzVmlzaWJsZSI6dHJ1ZSwiV2lkdGgiOjAuMCwiSGVpZ2h0IjowLjAsIkJvcmRlclN0eWxlIjp7IiRpZCI6IjI2MCIsIkxpbmVDb2xvciI6bnVsbCwiTGluZVdlaWdodCI6MC4wLCJMaW5lVHlwZSI6MCwiUGFyZW50U3R5bGUiOm51bGx9LCJQYXJlbnRTdHlsZSI6bnVsbH0sIkRhdGVTdHlsZSI6eyIkaWQiOiIyNjEiLCJGb250U2V0dGluZ3MiOnsiJGlkIjoiMjYyIiwiRm9udFNpemUiOjEwLCJGb250TmFtZSI6IkNhbGlicmkiLCJJc0JvbGQiOmZhbHNlLCJJc0l0YWxpYyI6ZmFsc2UsIklzVW5kZXJsaW5lZCI6ZmFsc2UsIlBhcmVudFN0eWxlIjpudWxsfSwiQXV0b1NpemUiOjAsIkZvcmVncm91bmQiOnsiJGlkIjoiMjYzIiwiQ29sb3IiOnsiJHJlZiI6IjEyMSJ9fSwiTWF4V2lkdGgiOjIwMC4wLCJNYXhIZWlnaHQiOiJJbmZpbml0eSIsIlNtYXJ0Rm9yZWdyb3VuZElzQWN0aXZlIjpmYWxzZSwiSG9yaXpvbnRhbEFsaWdubWVudCI6MCwiVmVydGljYWxBbGlnbm1lbnQiOjAsIlNtYXJ0Rm9yZWdyb3VuZCI6bnVsbCwiQmFja2dyb3VuZEZpbGxUeXBlIjowLCJNYXJnaW4iOnsiJGlkIjoiMjY0IiwiVG9wIjowLCJMZWZ0IjowLCJSaWdodCI6MCwiQm90dG9tIjowfSwiUGFkZGluZyI6eyIkaWQiOiIyNjUiLCJUb3AiOjAsIkxlZnQiOjAsIlJpZ2h0IjowLCJCb3R0b20iOjB9LCJCYWNrZ3JvdW5kIjp7IiRyZWYiOiIxMjQifSwiSXNWaXNpYmxlIjp0cnVlLCJXaWR0aCI6MC4wLCJIZWlnaHQiOjAuMCwiQm9yZGVyU3R5bGUiOnsiJGlkIjoiMjY2IiwiTGluZUNvbG9yIjpudWxsLCJMaW5lV2VpZ2h0IjowLjAsIkxpbmVUeXBlIjowLCJQYXJlbnRTdHlsZSI6bnVsbH0sIlBhcmVudFN0eWxlIjpudWxsfSwiRGF0ZUZvcm1hdCI6eyIkaWQiOiIyNjciLCJGb3JtYXRTdHJpbmciOiJNL2QveXl5eSIsIlNlcGFyYXRvciI6Ii8iLCJVc2VJbnRlcm5hdGlvbmFsRGF0ZUZvcm1hdCI6ZmFsc2UsIkRhdGVJc1Zpc2libGUiOnRydWUsIlRpbWVJc1Zpc2libGUiOmZhbHNlLCJIb3VyRGlnaXRzIjoxLCJBbVBtRGVzaWduYXRvciI6MiwiVHJpbTAwTWludXRlcyI6ZmFsc2UsIkxhc3RLbm93blZpc2liaWxpdHlTdGF0ZSI6bnVsbH0sIklzVmlzaWJsZSI6dHJ1ZSwiUGFyZW50U3R5bGUiOm51bGx9LCJJbmRleCI6NCwiU21hcnREdXJhdGlvbkFjdGl2YXRlZCI6ZmFsc2UsIkRhdGVGb3JtYXQiOnsiJHJlZiI6IjI2NyJ9LCJJZCI6Ijc1ZGZmYmQwLTJjNDEtNDQyMS04M2I3LTIwYmJmYTFjM2QyMiIsIkltcG9ydElkIjpudWxsLCJUaXRsZSI6IuyViOuTnOuhnOydtOuTnCDslbEg6rCc67CcIiwiTm90ZSI6bnVsbCwiSHlwZXJsaW5rIjpudWxsLCJJc0NoYW5nZWQiOmZhbHNlLCJJc05ldyI6ZmFsc2V9LHsiJGlkIjoiMjY4IiwiR3JvdXBOYW1lIjpudWxsLCJTdGFydERhdGUiOiIyMDE5LTA0LTA1VDAwOjAwOjAwIiwiRW5kRGF0ZSI6IjIwMTktMDQtMjBUMjM6NTk6MDAiLCJQZXJjZW50YWdlQ29tcGxldGUiOm51bGwsIlN0eWxlIjp7IiRpZCI6IjI2OSIsIlNoYXBlIjowLCJTaGFwZVRoaWNrbmVzcyI6MSwiRHVyYXRpb25Gb3JtYXQiOjAsIkluY2x1ZGVOb25Xb3JraW5nRGF5c0luRHVyYXRpb24iOmZhbHNlLCJQZXJjZW50YWdlQ29tcGxldGVTdHlsZSI6eyIkaWQiOiIyNzAiLCJGb250U2V0dGluZ3MiOnsiJGlkIjoiMjcxIiwiRm9udFNpemUiOjEwLCJGb250TmFtZSI6IkNhbGlicmkiLCJJc0JvbGQiOmZhbHNlLCJJc0l0YWxpYyI6ZmFsc2UsIklzVW5kZXJsaW5lZCI6ZmFsc2UsIlBhcmVudFN0eWxlIjpudWxsfSwiQXV0b1NpemUiOjAsIkZvcmVncm91bmQiOnsiJGlkIjoiMjcyIiwiQ29sb3IiOnsiJHJlZiI6Ijg2In19LCJNYXhXaWR0aCI6MjAwLjAsIk1heEhlaWdodCI6IkluZmluaXR5IiwiU21hcnRGb3JlZ3JvdW5kSXNBY3RpdmUiOmZhbHNlLCJIb3Jpem9udGFsQWxpZ25tZW50IjowLCJWZXJ0aWNhbEFsaWdubWVudCI6MCwiU21hcnRGb3JlZ3JvdW5kIjpudWxsLCJCYWNrZ3JvdW5kRmlsbFR5cGUiOjAsIk1hcmdpbiI6eyIkaWQiOiIyNzMiLCJUb3AiOjAsIkxlZnQiOjAsIlJpZ2h0IjowLCJCb3R0b20iOjB9LCJQYWRkaW5nIjp7IiRpZCI6IjI3NCIsIlRvcCI6MCwiTGVmdCI6MCwiUmlnaHQiOjAsIkJvdHRvbSI6MH0sIkJhY2tncm91bmQiOnsiJHJlZiI6Ijg5In0sIklzVmlzaWJsZSI6dHJ1ZSwiV2lkdGgiOjAuMCwiSGVpZ2h0IjowLjAsIkJvcmRlclN0eWxlIjp7IiRpZCI6IjI3NSIsIkxpbmVDb2xvciI6bnVsbCwiTGluZVdlaWdodCI6MC4wLCJMaW5lVHlwZSI6MCwiUGFyZW50U3R5bGUiOm51bGx9LCJQYXJlbnRTdHlsZSI6bnVsbH0sIkR1cmF0aW9uU3R5bGUiOnsiJGlkIjoiMjc2IiwiRm9udFNldHRpbmdzIjp7IiRpZCI6IjI3NyIsIkZvbnRTaXplIjoxMCwiRm9udE5hbWUiOiJDYWxpYnJpIiwiSXNCb2xkIjpmYWxzZSwiSXNJdGFsaWMiOmZhbHNlLCJJc1VuZGVybGluZWQiOmZhbHNlLCJQYXJlbnRTdHlsZSI6bnVsbH0sIkF1dG9TaXplIjowLCJGb3JlZ3JvdW5kIjp7IiRpZCI6IjI3OCIsIkNvbG9yIjp7IiRyZWYiOiI5MyJ9fSwiTWF4V2lkdGgiOjIwMC4wLCJNYXhIZWlnaHQiOiJJbmZpbml0eSIsIlNtYXJ0Rm9yZWdyb3VuZElzQWN0aXZlIjpmYWxzZSwiSG9yaXpvbnRhbEFsaWdubWVudCI6MCwiVmVydGljYWxBbGlnbm1lbnQiOjAsIlNtYXJ0Rm9yZWdyb3VuZCI6bnVsbCwiQmFja2dyb3VuZEZpbGxUeXBlIjowLCJNYXJnaW4iOnsiJGlkIjoiMjc5IiwiVG9wIjowLCJMZWZ0IjowLCJSaWdodCI6MCwiQm90dG9tIjowfSwiUGFkZGluZyI6eyIkaWQiOiIyODAiLCJUb3AiOjAsIkxlZnQiOjAsIlJpZ2h0IjowLCJCb3R0b20iOjB9LCJCYWNrZ3JvdW5kIjp7IiRyZWYiOiI5NiJ9LCJJc1Zpc2libGUiOnRydWUsIldpZHRoIjowLjAsIkhlaWdodCI6MC4wLCJCb3JkZXJTdHlsZSI6eyIkaWQiOiIyODEiLCJMaW5lQ29sb3IiOm51bGwsIkxpbmVXZWlnaHQiOjAuMCwiTGluZVR5cGUiOjAsIlBhcmVudFN0eWxlIjpudWxsfSwiUGFyZW50U3R5bGUiOm51bGx9LCJIb3Jpem9udGFsQ29ubmVjdG9yU3R5bGUiOnsiJGlkIjoiMjgyIiwiTGluZUNvbG9yIjp7IiRyZWYiOiI5OCJ9LCJMaW5lV2VpZ2h0IjoxLjAsIkxpbmVUeXBlIjowLCJQYXJlbnRTdHlsZSI6bnVsbH0sIlZlcnRpY2FsQ29ubmVjdG9yU3R5bGUiOnsiJGlkIjoiMjgzIiwiTGluZUNvbG9yIjp7IiRyZWYiOiIxMDEifSwiTGluZVdlaWdodCI6MC4wLCJMaW5lVHlwZSI6MCwiUGFyZW50U3R5bGUiOm51bGx9LCJNYXJnaW4iOm51bGwsIlN0YXJ0RGF0ZVBvc2l0aW9uIjo0LCJFbmREYXRlUG9zaXRpb24iOjQsIkRhdGVJc1Zpc2libGUiOnRydWUsIlRpdGxlUG9zaXRpb24iOjUsIkR1cmF0aW9uUG9zaXRpb24iOjYsIlBlcmNlbnRhZ2VDb21wbGV0ZWRQb3NpdGlvbiI6NiwiU3BhY2luZyI6NSwiSXNCZWxvd1RpbWViYW5kIjp0cnVlLCJQZXJjZW50YWdlQ29tcGxldGVTaGFwZU9wYWNpdHkiOjM1LCJTaGFwZVN0eWxlIjp7IiRpZCI6IjI4NCIsIk1hcmdpbiI6eyIkaWQiOiIyODUiLCJUb3AiOjAsIkxlZnQiOjQsIlJpZ2h0Ijo0LCJCb3R0b20iOjB9LCJQYWRkaW5nIjp7IiRpZCI6IjI4NiIsIlRvcCI6MCwiTGVmdCI6MCwiUmlnaHQiOjAsIkJvdHRvbSI6MH0sIkJhY2tncm91bmQiOnsiJGlkIjoiMjg3IiwiQ29sb3IiOnsiJGlkIjoiMjg4IiwiQSI6MjU1LCJSIjo2OCwiRyI6ODQsIkIiOjEwNn19LCJJc1Zpc2libGUiOnRydWUsIldpZHRoIjowLjAsIkhlaWdodCI6MTYuMCwiQm9yZGVyU3R5bGUiOnsiJGlkIjoiMjg5IiwiTGluZUNvbG9yIjp7IiRyZWYiOiIxMDkifSwiTGluZVdlaWdodCI6MC4wLCJMaW5lVHlwZSI6MCwiUGFyZW50U3R5bGUiOm51bGx9LCJQYXJlbnRTdHlsZSI6bnVsbH0sIlRpdGxlU3R5bGUiOnsiJGlkIjoiMjkwIiwiRm9udFNldHRpbmdzIjp7IiRpZCI6IjI5MSIsIkZvbnRTaXplIjoxMSwiRm9udE5hbWUiOiJDYWxpYnJpIiwiSXNCb2xkIjp0cnVlLCJJc0l0YWxpYyI6ZmFsc2UsIklzVW5kZXJsaW5lZCI6ZmFsc2UsIlBhcmVudFN0eWxlIjpudWxsfSwiQXV0b1NpemUiOjAsIkZvcmVncm91bmQiOnsiJGlkIjoiMjkyIiwiQ29sb3IiOnsiJHJlZiI6IjExNCJ9fSwiTWF4V2lkdGgiOjk2MC4wLCJNYXhIZWlnaHQiOiJJbmZpbml0eSIsIlNtYXJ0Rm9yZWdyb3VuZElzQWN0aXZlIjpmYWxzZSwiSG9yaXpvbnRhbEFsaWdubWVudCI6MCwiVmVydGljYWxBbGlnbm1lbnQiOjAsIlNtYXJ0Rm9yZWdyb3VuZCI6bnVsbCwiQmFja2dyb3VuZEZpbGxUeXBlIjowLCJNYXJnaW4iOnsiJGlkIjoiMjkzIiwiVG9wIjowLCJMZWZ0IjowLCJSaWdodCI6MCwiQm90dG9tIjowfSwiUGFkZGluZyI6eyIkaWQiOiIyOTQiLCJUb3AiOjAsIkxlZnQiOjAsIlJpZ2h0IjowLCJCb3R0b20iOjB9LCJCYWNrZ3JvdW5kIjp7IiRyZWYiOiIxMTcifSwiSXNWaXNpYmxlIjp0cnVlLCJXaWR0aCI6MC4wLCJIZWlnaHQiOjAuMCwiQm9yZGVyU3R5bGUiOnsiJGlkIjoiMjk1IiwiTGluZUNvbG9yIjpudWxsLCJMaW5lV2VpZ2h0IjowLjAsIkxpbmVUeXBlIjowLCJQYXJlbnRTdHlsZSI6bnVsbH0sIlBhcmVudFN0eWxlIjpudWxsfSwiRGF0ZVN0eWxlIjp7IiRpZCI6IjI5NiIsIkZvbnRTZXR0aW5ncyI6eyIkaWQiOiIyOTciLCJGb250U2l6ZSI6MTAsIkZvbnROYW1lIjoiQ2FsaWJyaSIsIklzQm9sZCI6ZmFsc2UsIklzSXRhbGljIjpmYWxzZSwiSXNVbmRlcmxpbmVkIjpmYWxzZSwiUGFyZW50U3R5bGUiOm51bGx9LCJBdXRvU2l6ZSI6MCwiRm9yZWdyb3VuZCI6eyIkaWQiOiIyOTgiLCJDb2xvciI6eyIkcmVmIjoiMTIxIn19LCJNYXhXaWR0aCI6MjAwLjAsIk1heEhlaWdodCI6IkluZmluaXR5IiwiU21hcnRGb3JlZ3JvdW5kSXNBY3RpdmUiOmZhbHNlLCJIb3Jpem9udGFsQWxpZ25tZW50IjowLCJWZXJ0aWNhbEFsaWdubWVudCI6MCwiU21hcnRGb3JlZ3JvdW5kIjpudWxsLCJCYWNrZ3JvdW5kRmlsbFR5cGUiOjAsIk1hcmdpbiI6eyIkaWQiOiIyOTkiLCJUb3AiOjAsIkxlZnQiOjAsIlJpZ2h0IjowLCJCb3R0b20iOjB9LCJQYWRkaW5nIjp7IiRpZCI6IjMwMCIsIlRvcCI6MCwiTGVmdCI6MCwiUmlnaHQiOjAsIkJvdHRvbSI6MH0sIkJhY2tncm91bmQiOnsiJHJlZiI6IjEyNCJ9LCJJc1Zpc2libGUiOnRydWUsIldpZHRoIjowLjAsIkhlaWdodCI6MC4wLCJCb3JkZXJTdHlsZSI6eyIkaWQiOiIzMDEiLCJMaW5lQ29sb3IiOm51bGwsIkxpbmVXZWlnaHQiOjAuMCwiTGluZVR5cGUiOjAsIlBhcmVudFN0eWxlIjpudWxsfSwiUGFyZW50U3R5bGUiOm51bGx9LCJEYXRlRm9ybWF0Ijp7IiRpZCI6IjMwMiIsIkZvcm1hdFN0cmluZyI6Ik0vZC95eXl5IiwiU2VwYXJhdG9yIjoiLyIsIlVzZUludGVybmF0aW9uYWxEYXRlRm9ybWF0IjpmYWxzZSwiRGF0ZUlzVmlzaWJsZSI6dHJ1ZSwiVGltZUlzVmlzaWJsZSI6ZmFsc2UsIkhvdXJEaWdpdHMiOjEsIkFtUG1EZXNpZ25hdG9yIjoyLCJUcmltMDBNaW51dGVzIjpmYWxzZSwiTGFzdEtub3duVmlzaWJpbGl0eVN0YXRlIjpudWxsfSwiSXNWaXNpYmxlIjp0cnVlLCJQYXJlbnRTdHlsZSI6bnVsbH0sIkluZGV4Ijo1LCJTbWFydER1cmF0aW9uQWN0aXZhdGVkIjpmYWxzZSwiRGF0ZUZvcm1hdCI6eyIkcmVmIjoiMzAyIn0sIklkIjoiODUxZWQ4MGMtNjA0YS00YjMwLWE4ZDMtMDY4NzljOGFiMmI1IiwiSW1wb3J0SWQiOm51bGwsIlRpdGxlIjoi7JyI64+E7JqwIO2UhOuhnOq3uOueqCBHVUkg6rCc67CcIiwiTm90ZSI6bnVsbCwiSHlwZXJsaW5rIjpudWxsLCJJc0NoYW5nZWQiOmZhbHNlLCJJc05ldyI6ZmFsc2V9LHsiJGlkIjoiMzAzIiwiR3JvdXBOYW1lIjpudWxsLCJTdGFydERhdGUiOiIyMDE5LTA0LTA1VDAwOjAwOjAwIiwiRW5kRGF0ZSI6IjIwMTktMDUtMDRUMjM6NTk6MDAiLCJQZXJjZW50YWdlQ29tcGxldGUiOm51bGwsIlN0eWxlIjp7IiRpZCI6IjMwNCIsIlNoYXBlIjowLCJTaGFwZVRoaWNrbmVzcyI6MSwiRHVyYXRpb25Gb3JtYXQiOjAsIkluY2x1ZGVOb25Xb3JraW5nRGF5c0luRHVyYXRpb24iOmZhbHNlLCJQZXJjZW50YWdlQ29tcGxldGVTdHlsZSI6eyIkaWQiOiIzMDUiLCJGb250U2V0dGluZ3MiOnsiJGlkIjoiMzA2IiwiRm9udFNpemUiOjEwLCJGb250TmFtZSI6IkNhbGlicmkiLCJJc0JvbGQiOmZhbHNlLCJJc0l0YWxpYyI6ZmFsc2UsIklzVW5kZXJsaW5lZCI6ZmFsc2UsIlBhcmVudFN0eWxlIjpudWxsfSwiQXV0b1NpemUiOjAsIkZvcmVncm91bmQiOnsiJGlkIjoiMzA3IiwiQ29sb3IiOnsiJHJlZiI6Ijg2In19LCJNYXhXaWR0aCI6MjAwLjAsIk1heEhlaWdodCI6IkluZmluaXR5IiwiU21hcnRGb3JlZ3JvdW5kSXNBY3RpdmUiOmZhbHNlLCJIb3Jpem9udGFsQWxpZ25tZW50IjowLCJWZXJ0aWNhbEFsaWdubWVudCI6MCwiU21hcnRGb3JlZ3JvdW5kIjpudWxsLCJCYWNrZ3JvdW5kRmlsbFR5cGUiOjAsIk1hcmdpbiI6eyIkaWQiOiIzMDgiLCJUb3AiOjAsIkxlZnQiOjAsIlJpZ2h0IjowLCJCb3R0b20iOjB9LCJQYWRkaW5nIjp7IiRpZCI6IjMwOSIsIlRvcCI6MCwiTGVmdCI6MCwiUmlnaHQiOjAsIkJvdHRvbSI6MH0sIkJhY2tncm91bmQiOnsiJHJlZiI6Ijg5In0sIklzVmlzaWJsZSI6dHJ1ZSwiV2lkdGgiOjAuMCwiSGVpZ2h0IjowLjAsIkJvcmRlclN0eWxlIjp7IiRpZCI6IjMxMCIsIkxpbmVDb2xvciI6bnVsbCwiTGluZVdlaWdodCI6MC4wLCJMaW5lVHlwZSI6MCwiUGFyZW50U3R5bGUiOm51bGx9LCJQYXJlbnRTdHlsZSI6bnVsbH0sIkR1cmF0aW9uU3R5bGUiOnsiJGlkIjoiMzExIiwiRm9udFNldHRpbmdzIjp7IiRpZCI6IjMxMiIsIkZvbnRTaXplIjoxMCwiRm9udE5hbWUiOiJDYWxpYnJpIiwiSXNCb2xkIjpmYWxzZSwiSXNJdGFsaWMiOmZhbHNlLCJJc1VuZGVybGluZWQiOmZhbHNlLCJQYXJlbnRTdHlsZSI6bnVsbH0sIkF1dG9TaXplIjowLCJGb3JlZ3JvdW5kIjp7IiRpZCI6IjMxMyIsIkNvbG9yIjp7IiRyZWYiOiI5MyJ9fSwiTWF4V2lkdGgiOjIwMC4wLCJNYXhIZWlnaHQiOiJJbmZpbml0eSIsIlNtYXJ0Rm9yZWdyb3VuZElzQWN0aXZlIjpmYWxzZSwiSG9yaXpvbnRhbEFsaWdubWVudCI6MCwiVmVydGljYWxBbGlnbm1lbnQiOjAsIlNtYXJ0Rm9yZWdyb3VuZCI6bnVsbCwiQmFja2dyb3VuZEZpbGxUeXBlIjowLCJNYXJnaW4iOnsiJGlkIjoiMzE0IiwiVG9wIjowLCJMZWZ0IjowLCJSaWdodCI6MCwiQm90dG9tIjowfSwiUGFkZGluZyI6eyIkaWQiOiIzMTUiLCJUb3AiOjAsIkxlZnQiOjAsIlJpZ2h0IjowLCJCb3R0b20iOjB9LCJCYWNrZ3JvdW5kIjp7IiRyZWYiOiI5NiJ9LCJJc1Zpc2libGUiOnRydWUsIldpZHRoIjowLjAsIkhlaWdodCI6MC4wLCJCb3JkZXJTdHlsZSI6eyIkaWQiOiIzMTYiLCJMaW5lQ29sb3IiOm51bGwsIkxpbmVXZWlnaHQiOjAuMCwiTGluZVR5cGUiOjAsIlBhcmVudFN0eWxlIjpudWxsfSwiUGFyZW50U3R5bGUiOm51bGx9LCJIb3Jpem9udGFsQ29ubmVjdG9yU3R5bGUiOnsiJGlkIjoiMzE3IiwiTGluZUNvbG9yIjp7IiRyZWYiOiI5OCJ9LCJMaW5lV2VpZ2h0IjoxLjAsIkxpbmVUeXBlIjowLCJQYXJlbnRTdHlsZSI6bnVsbH0sIlZlcnRpY2FsQ29ubmVjdG9yU3R5bGUiOnsiJGlkIjoiMzE4IiwiTGluZUNvbG9yIjp7IiRyZWYiOiIxMDEifSwiTGluZVdlaWdodCI6MC4wLCJMaW5lVHlwZSI6MCwiUGFyZW50U3R5bGUiOm51bGx9LCJNYXJnaW4iOm51bGwsIlN0YXJ0RGF0ZVBvc2l0aW9uIjo0LCJFbmREYXRlUG9zaXRpb24iOjQsIkRhdGVJc1Zpc2libGUiOnRydWUsIlRpdGxlUG9zaXRpb24iOjUsIkR1cmF0aW9uUG9zaXRpb24iOjYsIlBlcmNlbnRhZ2VDb21wbGV0ZWRQb3NpdGlvbiI6NiwiU3BhY2luZyI6NSwiSXNCZWxvd1RpbWViYW5kIjp0cnVlLCJQZXJjZW50YWdlQ29tcGxldGVTaGFwZU9wYWNpdHkiOjM1LCJTaGFwZVN0eWxlIjp7IiRpZCI6IjMxOSIsIk1hcmdpbiI6eyIkaWQiOiIzMjAiLCJUb3AiOjAsIkxlZnQiOjQsIlJpZ2h0Ijo0LCJCb3R0b20iOjB9LCJQYWRkaW5nIjp7IiRpZCI6IjMyMSIsIlRvcCI6MCwiTGVmdCI6MCwiUmlnaHQiOjAsIkJvdHRvbSI6MH0sIkJhY2tncm91bmQiOnsiJGlkIjoiMzIyIiwiQ29sb3IiOnsiJGlkIjoiMzIzIiwiQSI6MjU1LCJSIjoyMzcsIkciOjEyNSwiQiI6NDl9fSwiSXNWaXNpYmxlIjp0cnVlLCJXaWR0aCI6MC4wLCJIZWlnaHQiOjE2LjAsIkJvcmRlclN0eWxlIjp7IiRpZCI6IjMyNCIsIkxpbmVDb2xvciI6eyIkcmVmIjoiMTA5In0sIkxpbmVXZWlnaHQiOjAuMCwiTGluZVR5cGUiOjAsIlBhcmVudFN0eWxlIjpudWxsfSwiUGFyZW50U3R5bGUiOm51bGx9LCJUaXRsZVN0eWxlIjp7IiRpZCI6IjMyNSIsIkZvbnRTZXR0aW5ncyI6eyIkaWQiOiIzMjYiLCJGb250U2l6ZSI6MTEsIkZvbnROYW1lIjoiQ2FsaWJyaSIsIklzQm9sZCI6dHJ1ZSwiSXNJdGFsaWMiOmZhbHNlLCJJc1VuZGVybGluZWQiOmZhbHNlLCJQYXJlbnRTdHlsZSI6bnVsbH0sIkF1dG9TaXplIjowLCJGb3JlZ3JvdW5kIjp7IiRpZCI6IjMyNyIsIkNvbG9yIjp7IiRyZWYiOiIxMTQifX0sIk1heFdpZHRoIjo5NjAuMCwiTWF4SGVpZ2h0IjoiSW5maW5pdHkiLCJTbWFydEZvcmVncm91bmRJc0FjdGl2ZSI6ZmFsc2UsIkhvcml6b250YWxBbGlnbm1lbnQiOjAsIlZlcnRpY2FsQWxpZ25tZW50IjowLCJTbWFydEZvcmVncm91bmQiOm51bGwsIkJhY2tncm91bmRGaWxsVHlwZSI6MCwiTWFyZ2luIjp7IiRpZCI6IjMyOCIsIlRvcCI6MCwiTGVmdCI6MCwiUmlnaHQiOjAsIkJvdHRvbSI6MH0sIlBhZGRpbmciOnsiJGlkIjoiMzI5IiwiVG9wIjowLCJMZWZ0IjowLCJSaWdodCI6MCwiQm90dG9tIjowfSwiQmFja2dyb3VuZCI6eyIkcmVmIjoiMTE3In0sIklzVmlzaWJsZSI6dHJ1ZSwiV2lkdGgiOjAuMCwiSGVpZ2h0IjowLjAsIkJvcmRlclN0eWxlIjp7IiRpZCI6IjMzMCIsIkxpbmVDb2xvciI6bnVsbCwiTGluZVdlaWdodCI6MC4wLCJMaW5lVHlwZSI6MCwiUGFyZW50U3R5bGUiOm51bGx9LCJQYXJlbnRTdHlsZSI6bnVsbH0sIkRhdGVTdHlsZSI6eyIkaWQiOiIzMzEiLCJGb250U2V0dGluZ3MiOnsiJGlkIjoiMzMyIiwiRm9udFNpemUiOjEwLCJGb250TmFtZSI6IkNhbGlicmkiLCJJc0JvbGQiOmZhbHNlLCJJc0l0YWxpYyI6ZmFsc2UsIklzVW5kZXJsaW5lZCI6ZmFsc2UsIlBhcmVudFN0eWxlIjpudWxsfSwiQXV0b1NpemUiOjAsIkZvcmVncm91bmQiOnsiJGlkIjoiMzMzIiwiQ29sb3IiOnsiJHJlZiI6IjEyMSJ9fSwiTWF4V2lkdGgiOjIwMC4wLCJNYXhIZWlnaHQiOiJJbmZpbml0eSIsIlNtYXJ0Rm9yZWdyb3VuZElzQWN0aXZlIjpmYWxzZSwiSG9yaXpvbnRhbEFsaWdubWVudCI6MCwiVmVydGljYWxBbGlnbm1lbnQiOjAsIlNtYXJ0Rm9yZWdyb3VuZCI6bnVsbCwiQmFja2dyb3VuZEZpbGxUeXBlIjowLCJNYXJnaW4iOnsiJGlkIjoiMzM0IiwiVG9wIjowLCJMZWZ0IjowLCJSaWdodCI6MCwiQm90dG9tIjowfSwiUGFkZGluZyI6eyIkaWQiOiIzMzUiLCJUb3AiOjAsIkxlZnQiOjAsIlJpZ2h0IjowLCJCb3R0b20iOjB9LCJCYWNrZ3JvdW5kIjp7IiRyZWYiOiIxMjQifSwiSXNWaXNpYmxlIjp0cnVlLCJXaWR0aCI6MC4wLCJIZWlnaHQiOjAuMCwiQm9yZGVyU3R5bGUiOnsiJGlkIjoiMzM2IiwiTGluZUNvbG9yIjpudWxsLCJMaW5lV2VpZ2h0IjowLjAsIkxpbmVUeXBlIjowLCJQYXJlbnRTdHlsZSI6bnVsbH0sIlBhcmVudFN0eWxlIjpudWxsfSwiRGF0ZUZvcm1hdCI6eyIkaWQiOiIzMzciLCJGb3JtYXRTdHJpbmciOiJNL2QveXl5eSIsIlNlcGFyYXRvciI6Ii8iLCJVc2VJbnRlcm5hdGlvbmFsRGF0ZUZvcm1hdCI6ZmFsc2UsIkRhdGVJc1Zpc2libGUiOnRydWUsIlRpbWVJc1Zpc2libGUiOmZhbHNlLCJIb3VyRGlnaXRzIjoxLCJBbVBtRGVzaWduYXRvciI6MiwiVHJpbTAwTWludXRlcyI6ZmFsc2UsIkxhc3RLbm93blZpc2liaWxpdHlTdGF0ZSI6bnVsbH0sIklzVmlzaWJsZSI6dHJ1ZSwiUGFyZW50U3R5bGUiOm51bGx9LCJJbmRleCI6NiwiU21hcnREdXJhdGlvbkFjdGl2YXRlZCI6ZmFsc2UsIkRhdGVGb3JtYXQiOnsiJHJlZiI6IjMzNyJ9LCJJZCI6IjVlOTFkN2M5LTZkNDEtNDliNy1iMjhlLWQzYWU5MWQ1MjE1OSIsIkltcG9ydElkIjpudWxsLCJUaXRsZSI6IuydmOyDgSDstpTstpwg66qo65OIIOqwnOuwnCIsIk5vdGUiOm51bGwsIkh5cGVybGluayI6bnVsbCwiSXNDaGFuZ2VkIjpmYWxzZSwiSXNOZXciOmZhbHNlfSx7IiRpZCI6IjMzOCIsIkdyb3VwTmFtZSI6bnVsbCwiU3RhcnREYXRlIjoiMjAxOS0wNC0wNVQwMDowMDowMCIsIkVuZERhdGUiOiIyMDE5LTA1LTA0VDIzOjU5OjAwIiwiUGVyY2VudGFnZUNvbXBsZXRlIjpudWxsLCJTdHlsZSI6eyIkaWQiOiIzMzkiLCJTaGFwZSI6MCwiU2hhcGVUaGlja25lc3MiOjEsIkR1cmF0aW9uRm9ybWF0IjowLCJJbmNsdWRlTm9uV29ya2luZ0RheXNJbkR1cmF0aW9uIjpmYWxzZSwiUGVyY2VudGFnZUNvbXBsZXRlU3R5bGUiOnsiJGlkIjoiMzQwIiwiRm9udFNldHRpbmdzIjp7IiRpZCI6IjM0MSIsIkZvbnRTaXplIjoxMCwiRm9udE5hbWUiOiJDYWxpYnJpIiwiSXNCb2xkIjpmYWxzZSwiSXNJdGFsaWMiOmZhbHNlLCJJc1VuZGVybGluZWQiOmZhbHNlLCJQYXJlbnRTdHlsZSI6bnVsbH0sIkF1dG9TaXplIjowLCJGb3JlZ3JvdW5kIjp7IiRpZCI6IjM0MiIsIkNvbG9yIjp7IiRyZWYiOiI4NiJ9fSwiTWF4V2lkdGgiOjIwMC4wLCJNYXhIZWlnaHQiOiJJbmZpbml0eSIsIlNtYXJ0Rm9yZWdyb3VuZElzQWN0aXZlIjpmYWxzZSwiSG9yaXpvbnRhbEFsaWdubWVudCI6MCwiVmVydGljYWxBbGlnbm1lbnQiOjAsIlNtYXJ0Rm9yZWdyb3VuZCI6bnVsbCwiQmFja2dyb3VuZEZpbGxUeXBlIjowLCJNYXJnaW4iOnsiJGlkIjoiMzQzIiwiVG9wIjowLCJMZWZ0IjowLCJSaWdodCI6MCwiQm90dG9tIjowfSwiUGFkZGluZyI6eyIkaWQiOiIzNDQiLCJUb3AiOjAsIkxlZnQiOjAsIlJpZ2h0IjowLCJCb3R0b20iOjB9LCJCYWNrZ3JvdW5kIjp7IiRyZWYiOiI4OSJ9LCJJc1Zpc2libGUiOnRydWUsIldpZHRoIjowLjAsIkhlaWdodCI6MC4wLCJCb3JkZXJTdHlsZSI6eyIkaWQiOiIzNDUiLCJMaW5lQ29sb3IiOm51bGwsIkxpbmVXZWlnaHQiOjAuMCwiTGluZVR5cGUiOjAsIlBhcmVudFN0eWxlIjpudWxsfSwiUGFyZW50U3R5bGUiOm51bGx9LCJEdXJhdGlvblN0eWxlIjp7IiRpZCI6IjM0NiIsIkZvbnRTZXR0aW5ncyI6eyIkaWQiOiIzNDciLCJGb250U2l6ZSI6MTAsIkZvbnROYW1lIjoiQ2FsaWJyaSIsIklzQm9sZCI6ZmFsc2UsIklzSXRhbGljIjpmYWxzZSwiSXNVbmRlcmxpbmVkIjpmYWxzZSwiUGFyZW50U3R5bGUiOm51bGx9LCJBdXRvU2l6ZSI6MCwiRm9yZWdyb3VuZCI6eyIkaWQiOiIzNDgiLCJDb2xvciI6eyIkcmVmIjoiOTMifX0sIk1heFdpZHRoIjoyMDAuMCwiTWF4SGVpZ2h0IjoiSW5maW5pdHkiLCJTbWFydEZvcmVncm91bmRJc0FjdGl2ZSI6ZmFsc2UsIkhvcml6b250YWxBbGlnbm1lbnQiOjAsIlZlcnRpY2FsQWxpZ25tZW50IjowLCJTbWFydEZvcmVncm91bmQiOm51bGwsIkJhY2tncm91bmRGaWxsVHlwZSI6MCwiTWFyZ2luIjp7IiRpZCI6IjM0OSIsIlRvcCI6MCwiTGVmdCI6MCwiUmlnaHQiOjAsIkJvdHRvbSI6MH0sIlBhZGRpbmciOnsiJGlkIjoiMzUwIiwiVG9wIjowLCJMZWZ0IjowLCJSaWdodCI6MCwiQm90dG9tIjowfSwiQmFja2dyb3VuZCI6eyIkcmVmIjoiOTYifSwiSXNWaXNpYmxlIjp0cnVlLCJXaWR0aCI6MC4wLCJIZWlnaHQiOjAuMCwiQm9yZGVyU3R5bGUiOnsiJGlkIjoiMzUxIiwiTGluZUNvbG9yIjpudWxsLCJMaW5lV2VpZ2h0IjowLjAsIkxpbmVUeXBlIjowLCJQYXJlbnRTdHlsZSI6bnVsbH0sIlBhcmVudFN0eWxlIjpudWxsfSwiSG9yaXpvbnRhbENvbm5lY3RvclN0eWxlIjp7IiRpZCI6IjM1MiIsIkxpbmVDb2xvciI6eyIkcmVmIjoiOTgifSwiTGluZVdlaWdodCI6MS4wLCJMaW5lVHlwZSI6MCwiUGFyZW50U3R5bGUiOm51bGx9LCJWZXJ0aWNhbENvbm5lY3RvclN0eWxlIjp7IiRpZCI6IjM1MyIsIkxpbmVDb2xvciI6eyIkcmVmIjoiMTAxIn0sIkxpbmVXZWlnaHQiOjAuMCwiTGluZVR5cGUiOjAsIlBhcmVudFN0eWxlIjpudWxsfSwiTWFyZ2luIjpudWxsLCJTdGFydERhdGVQb3NpdGlvbiI6NCwiRW5kRGF0ZVBvc2l0aW9uIjo0LCJEYXRlSXNWaXNpYmxlIjp0cnVlLCJUaXRsZVBvc2l0aW9uIjo1LCJEdXJhdGlvblBvc2l0aW9uIjo2LCJQZXJjZW50YWdlQ29tcGxldGVkUG9zaXRpb24iOjYsIlNwYWNpbmciOjUsIklzQmVsb3dUaW1lYmFuZCI6dHJ1ZSwiUGVyY2VudGFnZUNvbXBsZXRlU2hhcGVPcGFjaXR5IjozNSwiU2hhcGVTdHlsZSI6eyIkaWQiOiIzNTQiLCJNYXJnaW4iOnsiJGlkIjoiMzU1IiwiVG9wIjowLCJMZWZ0Ijo0LCJSaWdodCI6NCwiQm90dG9tIjowfSwiUGFkZGluZyI6eyIkaWQiOiIzNTYiLCJUb3AiOjAsIkxlZnQiOjAsIlJpZ2h0IjowLCJCb3R0b20iOjB9LCJCYWNrZ3JvdW5kIjp7IiRpZCI6IjM1NyIsIkNvbG9yIjp7IiRpZCI6IjM1OCIsIkEiOjI1NSwiUiI6MjM3LCJHIjoxMjUsIkIiOjQ5fX0sIklzVmlzaWJsZSI6dHJ1ZSwiV2lkdGgiOjAuMCwiSGVpZ2h0IjoxNi4wLCJCb3JkZXJTdHlsZSI6eyIkaWQiOiIzNTkiLCJMaW5lQ29sb3IiOnsiJHJlZiI6IjEwOSJ9LCJMaW5lV2VpZ2h0IjowLjAsIkxpbmVUeXBlIjowLCJQYXJlbnRTdHlsZSI6bnVsbH0sIlBhcmVudFN0eWxlIjpudWxsfSwiVGl0bGVTdHlsZSI6eyIkaWQiOiIzNjAiLCJGb250U2V0dGluZ3MiOnsiJGlkIjoiMzYxIiwiRm9udFNpemUiOjExLCJGb250TmFtZSI6IkNhbGlicmkiLCJJc0JvbGQiOnRydWUsIklzSXRhbGljIjpmYWxzZSwiSXNVbmRlcmxpbmVkIjpmYWxzZSwiUGFyZW50U3R5bGUiOm51bGx9LCJBdXRvU2l6ZSI6MCwiRm9yZWdyb3VuZCI6eyIkaWQiOiIzNjIiLCJDb2xvciI6eyIkcmVmIjoiMTE0In19LCJNYXhXaWR0aCI6OTYwLjAsIk1heEhlaWdodCI6IkluZmluaXR5IiwiU21hcnRGb3JlZ3JvdW5kSXNBY3RpdmUiOmZhbHNlLCJIb3Jpem9udGFsQWxpZ25tZW50IjowLCJWZXJ0aWNhbEFsaWdubWVudCI6MCwiU21hcnRGb3JlZ3JvdW5kIjpudWxsLCJCYWNrZ3JvdW5kRmlsbFR5cGUiOjAsIk1hcmdpbiI6eyIkaWQiOiIzNjMiLCJUb3AiOjAsIkxlZnQiOjAsIlJpZ2h0IjowLCJCb3R0b20iOjB9LCJQYWRkaW5nIjp7IiRpZCI6IjM2NCIsIlRvcCI6MCwiTGVmdCI6MCwiUmlnaHQiOjAsIkJvdHRvbSI6MH0sIkJhY2tncm91bmQiOnsiJHJlZiI6IjExNyJ9LCJJc1Zpc2libGUiOnRydWUsIldpZHRoIjowLjAsIkhlaWdodCI6MC4wLCJCb3JkZXJTdHlsZSI6eyIkaWQiOiIzNjUiLCJMaW5lQ29sb3IiOm51bGwsIkxpbmVXZWlnaHQiOjAuMCwiTGluZVR5cGUiOjAsIlBhcmVudFN0eWxlIjpudWxsfSwiUGFyZW50U3R5bGUiOm51bGx9LCJEYXRlU3R5bGUiOnsiJGlkIjoiMzY2IiwiRm9udFNldHRpbmdzIjp7IiRpZCI6IjM2NyIsIkZvbnRTaXplIjoxMCwiRm9udE5hbWUiOiJDYWxpYnJpIiwiSXNCb2xkIjpmYWxzZSwiSXNJdGFsaWMiOmZhbHNlLCJJc1VuZGVybGluZWQiOmZhbHNlLCJQYXJlbnRTdHlsZSI6bnVsbH0sIkF1dG9TaXplIjowLCJGb3JlZ3JvdW5kIjp7IiRpZCI6IjM2OCIsIkNvbG9yIjp7IiRyZWYiOiIxMjEifX0sIk1heFdpZHRoIjoyMDAuMCwiTWF4SGVpZ2h0IjoiSW5maW5pdHkiLCJTbWFydEZvcmVncm91bmRJc0FjdGl2ZSI6ZmFsc2UsIkhvcml6b250YWxBbGlnbm1lbnQiOjAsIlZlcnRpY2FsQWxpZ25tZW50IjowLCJTbWFydEZvcmVncm91bmQiOm51bGwsIkJhY2tncm91bmRGaWxsVHlwZSI6MCwiTWFyZ2luIjp7IiRpZCI6IjM2OSIsIlRvcCI6MCwiTGVmdCI6MCwiUmlnaHQiOjAsIkJvdHRvbSI6MH0sIlBhZGRpbmciOnsiJGlkIjoiMzcwIiwiVG9wIjowLCJMZWZ0IjowLCJSaWdodCI6MCwiQm90dG9tIjowfSwiQmFja2dyb3VuZCI6eyIkcmVmIjoiMTI0In0sIklzVmlzaWJsZSI6dHJ1ZSwiV2lkdGgiOjAuMCwiSGVpZ2h0IjowLjAsIkJvcmRlclN0eWxlIjp7IiRpZCI6IjM3MSIsIkxpbmVDb2xvciI6bnVsbCwiTGluZVdlaWdodCI6MC4wLCJMaW5lVHlwZSI6MCwiUGFyZW50U3R5bGUiOm51bGx9LCJQYXJlbnRTdHlsZSI6bnVsbH0sIkRhdGVGb3JtYXQiOnsiJGlkIjoiMzcyIiwiRm9ybWF0U3RyaW5nIjoiTS9kL3l5eXkiLCJTZXBhcmF0b3IiOiIvIiwiVXNlSW50ZXJuYXRpb25hbERhdGVGb3JtYXQiOmZhbHNlLCJEYXRlSXNWaXNpYmxlIjp0cnVlLCJUaW1lSXNWaXNpYmxlIjpmYWxzZSwiSG91ckRpZ2l0cyI6MSwiQW1QbURlc2lnbmF0b3IiOjIsIlRyaW0wME1pbnV0ZXMiOmZhbHNlLCJMYXN0S25vd25WaXNpYmlsaXR5U3RhdGUiOm51bGx9LCJJc1Zpc2libGUiOnRydWUsIlBhcmVudFN0eWxlIjpudWxsfSwiSW5kZXgiOjcsIlNtYXJ0RHVyYXRpb25BY3RpdmF0ZWQiOmZhbHNlLCJEYXRlRm9ybWF0Ijp7IiRyZWYiOiIzNzIifSwiSWQiOiJlNjc2ZGQ1Yy04ZDY1LTQ3NzUtODhiNi1kNTZiNGU3M2VlMGMiLCJJbXBvcnRJZCI6bnVsbCwiVGl0bGUiOiLsi6DssrQg7J247IudIOuqqOuTiCDqsJzrsJwiLCJOb3RlIjpudWxsLCJIeXBlcmxpbmsiOm51bGwsIklzQ2hhbmdlZCI6ZmFsc2UsIklzTmV3IjpmYWxzZX0seyIkaWQiOiIzNzMiLCJHcm91cE5hbWUiOm51bGwsIlN0YXJ0RGF0ZSI6IjIwMTktMDQtMTJUMDA6MDA6MDAiLCJFbmREYXRlIjoiMjAxOS0wNS0xMVQyMzo1OTowMCIsIlBlcmNlbnRhZ2VDb21wbGV0ZSI6bnVsbCwiU3R5bGUiOnsiJGlkIjoiMzc0IiwiU2hhcGUiOjAsIlNoYXBlVGhpY2tuZXNzIjoxLCJEdXJhdGlvbkZvcm1hdCI6MCwiSW5jbHVkZU5vbldvcmtpbmdEYXlzSW5EdXJhdGlvbiI6ZmFsc2UsIlBlcmNlbnRhZ2VDb21wbGV0ZVN0eWxlIjp7IiRpZCI6IjM3NSIsIkZvbnRTZXR0aW5ncyI6eyIkaWQiOiIzNzYiLCJGb250U2l6ZSI6MTAsIkZvbnROYW1lIjoiQ2FsaWJyaSIsIklzQm9sZCI6ZmFsc2UsIklzSXRhbGljIjpmYWxzZSwiSXNVbmRlcmxpbmVkIjpmYWxzZSwiUGFyZW50U3R5bGUiOm51bGx9LCJBdXRvU2l6ZSI6MCwiRm9yZWdyb3VuZCI6eyIkaWQiOiIzNzciLCJDb2xvciI6eyIkcmVmIjoiODYifX0sIk1heFdpZHRoIjoyMDAuMCwiTWF4SGVpZ2h0IjoiSW5maW5pdHkiLCJTbWFydEZvcmVncm91bmRJc0FjdGl2ZSI6ZmFsc2UsIkhvcml6b250YWxBbGlnbm1lbnQiOjAsIlZlcnRpY2FsQWxpZ25tZW50IjowLCJTbWFydEZvcmVncm91bmQiOm51bGwsIkJhY2tncm91bmRGaWxsVHlwZSI6MCwiTWFyZ2luIjp7IiRpZCI6IjM3OCIsIlRvcCI6MCwiTGVmdCI6MCwiUmlnaHQiOjAsIkJvdHRvbSI6MH0sIlBhZGRpbmciOnsiJGlkIjoiMzc5IiwiVG9wIjowLCJMZWZ0IjowLCJSaWdodCI6MCwiQm90dG9tIjowfSwiQmFja2dyb3VuZCI6eyIkcmVmIjoiODkifSwiSXNWaXNpYmxlIjp0cnVlLCJXaWR0aCI6MC4wLCJIZWlnaHQiOjAuMCwiQm9yZGVyU3R5bGUiOnsiJGlkIjoiMzgwIiwiTGluZUNvbG9yIjpudWxsLCJMaW5lV2VpZ2h0IjowLjAsIkxpbmVUeXBlIjowLCJQYXJlbnRTdHlsZSI6bnVsbH0sIlBhcmVudFN0eWxlIjpudWxsfSwiRHVyYXRpb25TdHlsZSI6eyIkaWQiOiIzODEiLCJGb250U2V0dGluZ3MiOnsiJGlkIjoiMzgyIiwiRm9udFNpemUiOjEwLCJGb250TmFtZSI6IkNhbGlicmkiLCJJc0JvbGQiOmZhbHNlLCJJc0l0YWxpYyI6ZmFsc2UsIklzVW5kZXJsaW5lZCI6ZmFsc2UsIlBhcmVudFN0eWxlIjpudWxsfSwiQXV0b1NpemUiOjAsIkZvcmVncm91bmQiOnsiJGlkIjoiMzgzIiwiQ29sb3IiOnsiJHJlZiI6IjkzIn19LCJNYXhXaWR0aCI6MjAwLjAsIk1heEhlaWdodCI6IkluZmluaXR5IiwiU21hcnRGb3JlZ3JvdW5kSXNBY3RpdmUiOmZhbHNlLCJIb3Jpem9udGFsQWxpZ25tZW50IjowLCJWZXJ0aWNhbEFsaWdubWVudCI6MCwiU21hcnRGb3JlZ3JvdW5kIjpudWxsLCJCYWNrZ3JvdW5kRmlsbFR5cGUiOjAsIk1hcmdpbiI6eyIkaWQiOiIzODQiLCJUb3AiOjAsIkxlZnQiOjAsIlJpZ2h0IjowLCJCb3R0b20iOjB9LCJQYWRkaW5nIjp7IiRpZCI6IjM4NSIsIlRvcCI6MCwiTGVmdCI6MCwiUmlnaHQiOjAsIkJvdHRvbSI6MH0sIkJhY2tncm91bmQiOnsiJHJlZiI6Ijk2In0sIklzVmlzaWJsZSI6dHJ1ZSwiV2lkdGgiOjAuMCwiSGVpZ2h0IjowLjAsIkJvcmRlclN0eWxlIjp7IiRpZCI6IjM4NiIsIkxpbmVDb2xvciI6bnVsbCwiTGluZVdlaWdodCI6MC4wLCJMaW5lVHlwZSI6MCwiUGFyZW50U3R5bGUiOm51bGx9LCJQYXJlbnRTdHlsZSI6bnVsbH0sIkhvcml6b250YWxDb25uZWN0b3JTdHlsZSI6eyIkaWQiOiIzODciLCJMaW5lQ29sb3IiOnsiJHJlZiI6Ijk4In0sIkxpbmVXZWlnaHQiOjEuMCwiTGluZVR5cGUiOjAsIlBhcmVudFN0eWxlIjpudWxsfSwiVmVydGljYWxDb25uZWN0b3JTdHlsZSI6eyIkaWQiOiIzODgiLCJMaW5lQ29sb3IiOnsiJHJlZiI6IjEwMSJ9LCJMaW5lV2VpZ2h0IjowLjAsIkxpbmVUeXBlIjowLCJQYXJlbnRTdHlsZSI6bnVsbH0sIk1hcmdpbiI6bnVsbCwiU3RhcnREYXRlUG9zaXRpb24iOjQsIkVuZERhdGVQb3NpdGlvbiI6NCwiRGF0ZUlzVmlzaWJsZSI6dHJ1ZSwiVGl0bGVQb3NpdGlvbiI6NSwiRHVyYXRpb25Qb3NpdGlvbiI6NiwiUGVyY2VudGFnZUNvbXBsZXRlZFBvc2l0aW9uIjo2LCJTcGFjaW5nIjo1LCJJc0JlbG93VGltZWJhbmQiOnRydWUsIlBlcmNlbnRhZ2VDb21wbGV0ZVNoYXBlT3BhY2l0eSI6MzUsIlNoYXBlU3R5bGUiOnsiJGlkIjoiMzg5IiwiTWFyZ2luIjp7IiRpZCI6IjM5MCIsIlRvcCI6MCwiTGVmdCI6NCwiUmlnaHQiOjQsIkJvdHRvbSI6MH0sIlBhZGRpbmciOnsiJGlkIjoiMzkxIiwiVG9wIjowLCJMZWZ0IjowLCJSaWdodCI6MCwiQm90dG9tIjowfSwiQmFja2dyb3VuZCI6eyIkaWQiOiIzOTIiLCJDb2xvciI6eyIkaWQiOiIzOTMiLCJBIjoyNTUsIlIiOjIzNywiRyI6MTI1LCJCIjo0OX19LCJJc1Zpc2libGUiOnRydWUsIldpZHRoIjowLjAsIkhlaWdodCI6MTYuMCwiQm9yZGVyU3R5bGUiOnsiJGlkIjoiMzk0IiwiTGluZUNvbG9yIjp7IiRyZWYiOiIxMDkifSwiTGluZVdlaWdodCI6MC4wLCJMaW5lVHlwZSI6MCwiUGFyZW50U3R5bGUiOm51bGx9LCJQYXJlbnRTdHlsZSI6bnVsbH0sIlRpdGxlU3R5bGUiOnsiJGlkIjoiMzk1IiwiRm9udFNldHRpbmdzIjp7IiRpZCI6IjM5NiIsIkZvbnRTaXplIjoxMSwiRm9udE5hbWUiOiJDYWxpYnJpIiwiSXNCb2xkIjp0cnVlLCJJc0l0YWxpYyI6ZmFsc2UsIklzVW5kZXJsaW5lZCI6ZmFsc2UsIlBhcmVudFN0eWxlIjpudWxsfSwiQXV0b1NpemUiOjAsIkZvcmVncm91bmQiOnsiJGlkIjoiMzk3IiwiQ29sb3IiOnsiJHJlZiI6IjExNCJ9fSwiTWF4V2lkdGgiOjk2MC4wLCJNYXhIZWlnaHQiOiJJbmZpbml0eSIsIlNtYXJ0Rm9yZWdyb3VuZElzQWN0aXZlIjpmYWxzZSwiSG9yaXpvbnRhbEFsaWdubWVudCI6MCwiVmVydGljYWxBbGlnbm1lbnQiOjAsIlNtYXJ0Rm9yZWdyb3VuZCI6bnVsbCwiQmFja2dyb3VuZEZpbGxUeXBlIjowLCJNYXJnaW4iOnsiJGlkIjoiMzk4IiwiVG9wIjowLCJMZWZ0IjowLCJSaWdodCI6MCwiQm90dG9tIjowfSwiUGFkZGluZyI6eyIkaWQiOiIzOTkiLCJUb3AiOjAsIkxlZnQiOjAsIlJpZ2h0IjowLCJCb3R0b20iOjB9LCJCYWNrZ3JvdW5kIjp7IiRyZWYiOiIxMTcifSwiSXNWaXNpYmxlIjp0cnVlLCJXaWR0aCI6MC4wLCJIZWlnaHQiOjAuMCwiQm9yZGVyU3R5bGUiOnsiJGlkIjoiNDAwIiwiTGluZUNvbG9yIjpudWxsLCJMaW5lV2VpZ2h0IjowLjAsIkxpbmVUeXBlIjowLCJQYXJlbnRTdHlsZSI6bnVsbH0sIlBhcmVudFN0eWxlIjpudWxsfSwiRGF0ZVN0eWxlIjp7IiRpZCI6IjQwMSIsIkZvbnRTZXR0aW5ncyI6eyIkaWQiOiI0MDIiLCJGb250U2l6ZSI6MTAsIkZvbnROYW1lIjoiQ2FsaWJyaSIsIklzQm9sZCI6ZmFsc2UsIklzSXRhbGljIjpmYWxzZSwiSXNVbmRlcmxpbmVkIjpmYWxzZSwiUGFyZW50U3R5bGUiOm51bGx9LCJBdXRvU2l6ZSI6MCwiRm9yZWdyb3VuZCI6eyIkaWQiOiI0MDMiLCJDb2xvciI6eyIkcmVmIjoiMTIxIn19LCJNYXhXaWR0aCI6MjAwLjAsIk1heEhlaWdodCI6IkluZmluaXR5IiwiU21hcnRGb3JlZ3JvdW5kSXNBY3RpdmUiOmZhbHNlLCJIb3Jpem9udGFsQWxpZ25tZW50IjowLCJWZXJ0aWNhbEFsaWdubWVudCI6MCwiU21hcnRGb3JlZ3JvdW5kIjpudWxsLCJCYWNrZ3JvdW5kRmlsbFR5cGUiOjAsIk1hcmdpbiI6eyIkaWQiOiI0MDQiLCJUb3AiOjAsIkxlZnQiOjAsIlJpZ2h0IjowLCJCb3R0b20iOjB9LCJQYWRkaW5nIjp7IiRpZCI6IjQwNSIsIlRvcCI6MCwiTGVmdCI6MCwiUmlnaHQiOjAsIkJvdHRvbSI6MH0sIkJhY2tncm91bmQiOnsiJHJlZiI6IjEyNCJ9LCJJc1Zpc2libGUiOnRydWUsIldpZHRoIjowLjAsIkhlaWdodCI6MC4wLCJCb3JkZXJTdHlsZSI6eyIkaWQiOiI0MDYiLCJMaW5lQ29sb3IiOm51bGwsIkxpbmVXZWlnaHQiOjAuMCwiTGluZVR5cGUiOjAsIlBhcmVudFN0eWxlIjpudWxsfSwiUGFyZW50U3R5bGUiOm51bGx9LCJEYXRlRm9ybWF0Ijp7IiRpZCI6IjQwNyIsIkZvcm1hdFN0cmluZyI6Ik0vZC95eXl5IiwiU2VwYXJhdG9yIjoiLyIsIlVzZUludGVybmF0aW9uYWxEYXRlRm9ybWF0IjpmYWxzZSwiRGF0ZUlzVmlzaWJsZSI6dHJ1ZSwiVGltZUlzVmlzaWJsZSI6ZmFsc2UsIkhvdXJEaWdpdHMiOjEsIkFtUG1EZXNpZ25hdG9yIjoyLCJUcmltMDBNaW51dGVzIjpmYWxzZSwiTGFzdEtub3duVmlzaWJpbGl0eVN0YXRlIjpudWxsfSwiSXNWaXNpYmxlIjp0cnVlLCJQYXJlbnRTdHlsZSI6bnVsbH0sIkluZGV4Ijo4LCJTbWFydER1cmF0aW9uQWN0aXZhdGVkIjpmYWxzZSwiRGF0ZUZvcm1hdCI6eyIkcmVmIjoiNDA3In0sIklkIjoiMjdhZTQ3NTgtOWJhYy00MGQzLTg0MDktNDA1ZDVhMjhjOWI2IiwiSW1wb3J0SWQiOm51bGwsIlRpdGxlIjoi7IaQIOyduOyLnSDrqqjrk4gg6rCc67CcIiwiTm90ZSI6bnVsbCwiSHlwZXJsaW5rIjpudWxsLCJJc0NoYW5nZWQiOmZhbHNlLCJJc05ldyI6ZmFsc2V9LHsiJGlkIjoiNDA4IiwiR3JvdXBOYW1lIjpudWxsLCJTdGFydERhdGUiOiIyMDE5LTA1LTA0VDAwOjAwOjAwIiwiRW5kRGF0ZSI6IjIwMTktMDUtMjZUMjM6NTk6MDAiLCJQZXJjZW50YWdlQ29tcGxldGUiOm51bGwsIlN0eWxlIjp7IiRpZCI6IjQwOSIsIlNoYXBlIjowLCJTaGFwZVRoaWNrbmVzcyI6MSwiRHVyYXRpb25Gb3JtYXQiOjAsIkluY2x1ZGVOb25Xb3JraW5nRGF5c0luRHVyYXRpb24iOmZhbHNlLCJQZXJjZW50YWdlQ29tcGxldGVTdHlsZSI6eyIkaWQiOiI0MTAiLCJGb250U2V0dGluZ3MiOnsiJGlkIjoiNDExIiwiRm9udFNpemUiOjEwLCJGb250TmFtZSI6IkNhbGlicmkiLCJJc0JvbGQiOmZhbHNlLCJJc0l0YWxpYyI6ZmFsc2UsIklzVW5kZXJsaW5lZCI6ZmFsc2UsIlBhcmVudFN0eWxlIjpudWxsfSwiQXV0b1NpemUiOjAsIkZvcmVncm91bmQiOnsiJGlkIjoiNDEyIiwiQ29sb3IiOnsiJHJlZiI6Ijg2In19LCJNYXhXaWR0aCI6MjAwLjAsIk1heEhlaWdodCI6IkluZmluaXR5IiwiU21hcnRGb3JlZ3JvdW5kSXNBY3RpdmUiOmZhbHNlLCJIb3Jpem9udGFsQWxpZ25tZW50IjowLCJWZXJ0aWNhbEFsaWdubWVudCI6MCwiU21hcnRGb3JlZ3JvdW5kIjpudWxsLCJCYWNrZ3JvdW5kRmlsbFR5cGUiOjAsIk1hcmdpbiI6eyIkaWQiOiI0MTMiLCJUb3AiOjAsIkxlZnQiOjAsIlJpZ2h0IjowLCJCb3R0b20iOjB9LCJQYWRkaW5nIjp7IiRpZCI6IjQxNCIsIlRvcCI6MCwiTGVmdCI6MCwiUmlnaHQiOjAsIkJvdHRvbSI6MH0sIkJhY2tncm91bmQiOnsiJHJlZiI6Ijg5In0sIklzVmlzaWJsZSI6dHJ1ZSwiV2lkdGgiOjAuMCwiSGVpZ2h0IjowLjAsIkJvcmRlclN0eWxlIjp7IiRpZCI6IjQxNSIsIkxpbmVDb2xvciI6bnVsbCwiTGluZVdlaWdodCI6MC4wLCJMaW5lVHlwZSI6MCwiUGFyZW50U3R5bGUiOm51bGx9LCJQYXJlbnRTdHlsZSI6bnVsbH0sIkR1cmF0aW9uU3R5bGUiOnsiJGlkIjoiNDE2IiwiRm9udFNldHRpbmdzIjp7IiRpZCI6IjQxNyIsIkZvbnRTaXplIjoxMCwiRm9udE5hbWUiOiJDYWxpYnJpIiwiSXNCb2xkIjpmYWxzZSwiSXNJdGFsaWMiOmZhbHNlLCJJc1VuZGVybGluZWQiOmZhbHNlLCJQYXJlbnRTdHlsZSI6bnVsbH0sIkF1dG9TaXplIjowLCJGb3JlZ3JvdW5kIjp7IiRpZCI6IjQxOCIsIkNvbG9yIjp7IiRyZWYiOiI5MyJ9fSwiTWF4V2lkdGgiOjIwMC4wLCJNYXhIZWlnaHQiOiJJbmZpbml0eSIsIlNtYXJ0Rm9yZWdyb3VuZElzQWN0aXZlIjpmYWxzZSwiSG9yaXpvbnRhbEFsaWdubWVudCI6MCwiVmVydGljYWxBbGlnbm1lbnQiOjAsIlNtYXJ0Rm9yZWdyb3VuZCI6bnVsbCwiQmFja2dyb3VuZEZpbGxUeXBlIjowLCJNYXJnaW4iOnsiJGlkIjoiNDE5IiwiVG9wIjowLCJMZWZ0IjowLCJSaWdodCI6MCwiQm90dG9tIjowfSwiUGFkZGluZyI6eyIkaWQiOiI0MjAiLCJUb3AiOjAsIkxlZnQiOjAsIlJpZ2h0IjowLCJCb3R0b20iOjB9LCJCYWNrZ3JvdW5kIjp7IiRyZWYiOiI5NiJ9LCJJc1Zpc2libGUiOnRydWUsIldpZHRoIjowLjAsIkhlaWdodCI6MC4wLCJCb3JkZXJTdHlsZSI6eyIkaWQiOiI0MjEiLCJMaW5lQ29sb3IiOm51bGwsIkxpbmVXZWlnaHQiOjAuMCwiTGluZVR5cGUiOjAsIlBhcmVudFN0eWxlIjpudWxsfSwiUGFyZW50U3R5bGUiOm51bGx9LCJIb3Jpem9udGFsQ29ubmVjdG9yU3R5bGUiOnsiJGlkIjoiNDIyIiwiTGluZUNvbG9yIjp7IiRyZWYiOiI5OCJ9LCJMaW5lV2VpZ2h0IjoxLjAsIkxpbmVUeXBlIjowLCJQYXJlbnRTdHlsZSI6bnVsbH0sIlZlcnRpY2FsQ29ubmVjdG9yU3R5bGUiOnsiJGlkIjoiNDIzIiwiTGluZUNvbG9yIjp7IiRyZWYiOiIxMDEifSwiTGluZVdlaWdodCI6MC4wLCJMaW5lVHlwZSI6MCwiUGFyZW50U3R5bGUiOm51bGx9LCJNYXJnaW4iOm51bGwsIlN0YXJ0RGF0ZVBvc2l0aW9uIjo0LCJFbmREYXRlUG9zaXRpb24iOjQsIkRhdGVJc1Zpc2libGUiOnRydWUsIlRpdGxlUG9zaXRpb24iOjUsIkR1cmF0aW9uUG9zaXRpb24iOjYsIlBlcmNlbnRhZ2VDb21wbGV0ZWRQb3NpdGlvbiI6NiwiU3BhY2luZyI6NSwiSXNCZWxvd1RpbWViYW5kIjp0cnVlLCJQZXJjZW50YWdlQ29tcGxldGVTaGFwZU9wYWNpdHkiOjM1LCJTaGFwZVN0eWxlIjp7IiRpZCI6IjQyNCIsIk1hcmdpbiI6eyIkaWQiOiI0MjUiLCJUb3AiOjAsIkxlZnQiOjQsIlJpZ2h0Ijo0LCJCb3R0b20iOjB9LCJQYWRkaW5nIjp7IiRpZCI6IjQyNiIsIlRvcCI6MCwiTGVmdCI6MCwiUmlnaHQiOjAsIkJvdHRvbSI6MH0sIkJhY2tncm91bmQiOnsiJGlkIjoiNDI3IiwiQ29sb3IiOnsiJGlkIjoiNDI4IiwiQSI6MjU1LCJSIjoyMzcsIkciOjEyNSwiQiI6NDl9fSwiSXNWaXNpYmxlIjp0cnVlLCJXaWR0aCI6MC4wLCJIZWlnaHQiOjE2LjAsIkJvcmRlclN0eWxlIjp7IiRpZCI6IjQyOSIsIkxpbmVDb2xvciI6eyIkcmVmIjoiMTA5In0sIkxpbmVXZWlnaHQiOjAuMCwiTGluZVR5cGUiOjAsIlBhcmVudFN0eWxlIjpudWxsfSwiUGFyZW50U3R5bGUiOm51bGx9LCJUaXRsZVN0eWxlIjp7IiRpZCI6IjQzMCIsIkZvbnRTZXR0aW5ncyI6eyIkaWQiOiI0MzEiLCJGb250U2l6ZSI6MTEsIkZvbnROYW1lIjoiQ2FsaWJyaSIsIklzQm9sZCI6dHJ1ZSwiSXNJdGFsaWMiOmZhbHNlLCJJc1VuZGVybGluZWQiOmZhbHNlLCJQYXJlbnRTdHlsZSI6bnVsbH0sIkF1dG9TaXplIjowLCJGb3JlZ3JvdW5kIjp7IiRpZCI6IjQzMiIsIkNvbG9yIjp7IiRyZWYiOiIxMTQifX0sIk1heFdpZHRoIjo5NjAuMCwiTWF4SGVpZ2h0IjoiSW5maW5pdHkiLCJTbWFydEZvcmVncm91bmRJc0FjdGl2ZSI6ZmFsc2UsIkhvcml6b250YWxBbGlnbm1lbnQiOjAsIlZlcnRpY2FsQWxpZ25tZW50IjowLCJTbWFydEZvcmVncm91bmQiOm51bGwsIkJhY2tncm91bmRGaWxsVHlwZSI6MCwiTWFyZ2luIjp7IiRpZCI6IjQzMyIsIlRvcCI6MCwiTGVmdCI6MCwiUmlnaHQiOjAsIkJvdHRvbSI6MH0sIlBhZGRpbmciOnsiJGlkIjoiNDM0IiwiVG9wIjowLCJMZWZ0IjowLCJSaWdodCI6MCwiQm90dG9tIjowfSwiQmFja2dyb3VuZCI6eyIkcmVmIjoiMTE3In0sIklzVmlzaWJsZSI6dHJ1ZSwiV2lkdGgiOjAuMCwiSGVpZ2h0IjowLjAsIkJvcmRlclN0eWxlIjp7IiRpZCI6IjQzNSIsIkxpbmVDb2xvciI6bnVsbCwiTGluZVdlaWdodCI6MC4wLCJMaW5lVHlwZSI6MCwiUGFyZW50U3R5bGUiOm51bGx9LCJQYXJlbnRTdHlsZSI6bnVsbH0sIkRhdGVTdHlsZSI6eyIkaWQiOiI0MzYiLCJGb250U2V0dGluZ3MiOnsiJGlkIjoiNDM3IiwiRm9udFNpemUiOjEwLCJGb250TmFtZSI6IkNhbGlicmkiLCJJc0JvbGQiOmZhbHNlLCJJc0l0YWxpYyI6ZmFsc2UsIklzVW5kZXJsaW5lZCI6ZmFsc2UsIlBhcmVudFN0eWxlIjpudWxsfSwiQXV0b1NpemUiOjAsIkZvcmVncm91bmQiOnsiJGlkIjoiNDM4IiwiQ29sb3IiOnsiJHJlZiI6IjEyMSJ9fSwiTWF4V2lkdGgiOjIwMC4wLCJNYXhIZWlnaHQiOiJJbmZpbml0eSIsIlNtYXJ0Rm9yZWdyb3VuZElzQWN0aXZlIjpmYWxzZSwiSG9yaXpvbnRhbEFsaWdubWVudCI6MCwiVmVydGljYWxBbGlnbm1lbnQiOjAsIlNtYXJ0Rm9yZWdyb3VuZCI6bnVsbCwiQmFja2dyb3VuZEZpbGxUeXBlIjowLCJNYXJnaW4iOnsiJGlkIjoiNDM5IiwiVG9wIjowLCJMZWZ0IjowLCJSaWdodCI6MCwiQm90dG9tIjowfSwiUGFkZGluZyI6eyIkaWQiOiI0NDAiLCJUb3AiOjAsIkxlZnQiOjAsIlJpZ2h0IjowLCJCb3R0b20iOjB9LCJCYWNrZ3JvdW5kIjp7IiRyZWYiOiIxMjQifSwiSXNWaXNpYmxlIjp0cnVlLCJXaWR0aCI6MC4wLCJIZWlnaHQiOjAuMCwiQm9yZGVyU3R5bGUiOnsiJGlkIjoiNDQxIiwiTGluZUNvbG9yIjpudWxsLCJMaW5lV2VpZ2h0IjowLjAsIkxpbmVUeXBlIjowLCJQYXJlbnRTdHlsZSI6bnVsbH0sIlBhcmVudFN0eWxlIjpudWxsfSwiRGF0ZUZvcm1hdCI6eyIkaWQiOiI0NDIiLCJGb3JtYXRTdHJpbmciOiJNL2QveXl5eSIsIlNlcGFyYXRvciI6Ii8iLCJVc2VJbnRlcm5hdGlvbmFsRGF0ZUZvcm1hdCI6ZmFsc2UsIkRhdGVJc1Zpc2libGUiOnRydWUsIlRpbWVJc1Zpc2libGUiOmZhbHNlLCJIb3VyRGlnaXRzIjoxLCJBbVBtRGVzaWduYXRvciI6MiwiVHJpbTAwTWludXRlcyI6ZmFsc2UsIkxhc3RLbm93blZpc2liaWxpdHlTdGF0ZSI6bnVsbH0sIklzVmlzaWJsZSI6dHJ1ZSwiUGFyZW50U3R5bGUiOm51bGx9LCJJbmRleCI6OSwiU21hcnREdXJhdGlvbkFjdGl2YXRlZCI6ZmFsc2UsIkRhdGVGb3JtYXQiOnsiJHJlZiI6IjQ0MiJ9LCJJZCI6IjU1ODcxNTY2LWFjYjQtNDc5Zi1hNTkzLWM0ZDc1ZmFiYTVmMyIsIkltcG9ydElkIjpudWxsLCJUaXRsZSI6IkFSIOydmOyDgSDstpzroKUg66qo65OIIOqwnOuwnCIsIk5vdGUiOm51bGwsIkh5cGVybGluayI6bnVsbCwiSXNDaGFuZ2VkIjpmYWxzZSwiSXNOZXciOmZhbHNlfSx7IiRpZCI6IjQ0MyIsIkdyb3VwTmFtZSI6bnVsbCwiU3RhcnREYXRlIjoiMjAxOS0wNS0xMVQwMDowMDowMCIsIkVuZERhdGUiOiIyMDE5LTA1LTIyVDIzOjU5OjAwIiwiUGVyY2VudGFnZUNvbXBsZXRlIjpudWxsLCJTdHlsZSI6eyIkaWQiOiI0NDQiLCJTaGFwZSI6MCwiU2hhcGVUaGlja25lc3MiOjEsIkR1cmF0aW9uRm9ybWF0IjowLCJJbmNsdWRlTm9uV29ya2luZ0RheXNJbkR1cmF0aW9uIjpmYWxzZSwiUGVyY2VudGFnZUNvbXBsZXRlU3R5bGUiOnsiJGlkIjoiNDQ1IiwiRm9udFNldHRpbmdzIjp7IiRpZCI6IjQ0NiIsIkZvbnRTaXplIjoxMCwiRm9udE5hbWUiOiJDYWxpYnJpIiwiSXNCb2xkIjpmYWxzZSwiSXNJdGFsaWMiOmZhbHNlLCJJc1VuZGVybGluZWQiOmZhbHNlLCJQYXJlbnRTdHlsZSI6bnVsbH0sIkF1dG9TaXplIjowLCJGb3JlZ3JvdW5kIjp7IiRpZCI6IjQ0NyIsIkNvbG9yIjp7IiRyZWYiOiI4NiJ9fSwiTWF4V2lkdGgiOjIwMC4wLCJNYXhIZWlnaHQiOiJJbmZpbml0eSIsIlNtYXJ0Rm9yZWdyb3VuZElzQWN0aXZlIjpmYWxzZSwiSG9yaXpvbnRhbEFsaWdubWVudCI6MCwiVmVydGljYWxBbGlnbm1lbnQiOjAsIlNtYXJ0Rm9yZWdyb3VuZCI6bnVsbCwiQmFja2dyb3VuZEZpbGxUeXBlIjowLCJNYXJnaW4iOnsiJGlkIjoiNDQ4IiwiVG9wIjowLCJMZWZ0IjowLCJSaWdodCI6MCwiQm90dG9tIjowfSwiUGFkZGluZyI6eyIkaWQiOiI0NDkiLCJUb3AiOjAsIkxlZnQiOjAsIlJpZ2h0IjowLCJCb3R0b20iOjB9LCJCYWNrZ3JvdW5kIjp7IiRyZWYiOiI4OSJ9LCJJc1Zpc2libGUiOnRydWUsIldpZHRoIjowLjAsIkhlaWdodCI6MC4wLCJCb3JkZXJTdHlsZSI6eyIkaWQiOiI0NTAiLCJMaW5lQ29sb3IiOm51bGwsIkxpbmVXZWlnaHQiOjAuMCwiTGluZVR5cGUiOjAsIlBhcmVudFN0eWxlIjpudWxsfSwiUGFyZW50U3R5bGUiOm51bGx9LCJEdXJhdGlvblN0eWxlIjp7IiRpZCI6IjQ1MSIsIkZvbnRTZXR0aW5ncyI6eyIkaWQiOiI0NTIiLCJGb250U2l6ZSI6MTAsIkZvbnROYW1lIjoiQ2FsaWJyaSIsIklzQm9sZCI6ZmFsc2UsIklzSXRhbGljIjpmYWxzZSwiSXNVbmRlcmxpbmVkIjpmYWxzZSwiUGFyZW50U3R5bGUiOm51bGx9LCJBdXRvU2l6ZSI6MCwiRm9yZWdyb3VuZCI6eyIkaWQiOiI0NTMiLCJDb2xvciI6eyIkcmVmIjoiOTMifX0sIk1heFdpZHRoIjoyMDAuMCwiTWF4SGVpZ2h0IjoiSW5maW5pdHkiLCJTbWFydEZvcmVncm91bmRJc0FjdGl2ZSI6ZmFsc2UsIkhvcml6b250YWxBbGlnbm1lbnQiOjAsIlZlcnRpY2FsQWxpZ25tZW50IjowLCJTbWFydEZvcmVncm91bmQiOm51bGwsIkJhY2tncm91bmRGaWxsVHlwZSI6MCwiTWFyZ2luIjp7IiRpZCI6IjQ1NCIsIlRvcCI6MCwiTGVmdCI6MCwiUmlnaHQiOjAsIkJvdHRvbSI6MH0sIlBhZGRpbmciOnsiJGlkIjoiNDU1IiwiVG9wIjowLCJMZWZ0IjowLCJSaWdodCI6MCwiQm90dG9tIjowfSwiQmFja2dyb3VuZCI6eyIkcmVmIjoiOTYifSwiSXNWaXNpYmxlIjp0cnVlLCJXaWR0aCI6MC4wLCJIZWlnaHQiOjAuMCwiQm9yZGVyU3R5bGUiOnsiJGlkIjoiNDU2IiwiTGluZUNvbG9yIjpudWxsLCJMaW5lV2VpZ2h0IjowLjAsIkxpbmVUeXBlIjowLCJQYXJlbnRTdHlsZSI6bnVsbH0sIlBhcmVudFN0eWxlIjpudWxsfSwiSG9yaXpvbnRhbENvbm5lY3RvclN0eWxlIjp7IiRpZCI6IjQ1NyIsIkxpbmVDb2xvciI6eyIkcmVmIjoiOTgifSwiTGluZVdlaWdodCI6MS4wLCJMaW5lVHlwZSI6MCwiUGFyZW50U3R5bGUiOm51bGx9LCJWZXJ0aWNhbENvbm5lY3RvclN0eWxlIjp7IiRpZCI6IjQ1OCIsIkxpbmVDb2xvciI6eyIkcmVmIjoiMTAxIn0sIkxpbmVXZWlnaHQiOjAuMCwiTGluZVR5cGUiOjAsIlBhcmVudFN0eWxlIjpudWxsfSwiTWFyZ2luIjpudWxsLCJTdGFydERhdGVQb3NpdGlvbiI6NCwiRW5kRGF0ZVBvc2l0aW9uIjo0LCJEYXRlSXNWaXNpYmxlIjp0cnVlLCJUaXRsZVBvc2l0aW9uIjo1LCJEdXJhdGlvblBvc2l0aW9uIjo2LCJQZXJjZW50YWdlQ29tcGxldGVkUG9zaXRpb24iOjYsIlNwYWNpbmciOjUsIklzQmVsb3dUaW1lYmFuZCI6dHJ1ZSwiUGVyY2VudGFnZUNvbXBsZXRlU2hhcGVPcGFjaXR5IjozNSwiU2hhcGVTdHlsZSI6eyIkaWQiOiI0NTkiLCJNYXJnaW4iOnsiJGlkIjoiNDYwIiwiVG9wIjowLCJMZWZ0Ijo0LCJSaWdodCI6NCwiQm90dG9tIjowfSwiUGFkZGluZyI6eyIkaWQiOiI0NjEiLCJUb3AiOjAsIkxlZnQiOjAsIlJpZ2h0IjowLCJCb3R0b20iOjB9LCJCYWNrZ3JvdW5kIjp7IiRpZCI6IjQ2MiIsIkNvbG9yIjp7IiRpZCI6IjQ2MyIsIkEiOjI1NSwiUiI6MjU1LCJHIjoxOTIsIkIiOjB9fSwiSXNWaXNpYmxlIjp0cnVlLCJXaWR0aCI6MC4wLCJIZWlnaHQiOjE2LjAsIkJvcmRlclN0eWxlIjp7IiRpZCI6IjQ2NCIsIkxpbmVDb2xvciI6eyIkcmVmIjoiMTA5In0sIkxpbmVXZWlnaHQiOjAuMCwiTGluZVR5cGUiOjAsIlBhcmVudFN0eWxlIjpudWxsfSwiUGFyZW50U3R5bGUiOm51bGx9LCJUaXRsZVN0eWxlIjp7IiRpZCI6IjQ2NSIsIkZvbnRTZXR0aW5ncyI6eyIkaWQiOiI0NjYiLCJGb250U2l6ZSI6MTEsIkZvbnROYW1lIjoiQ2FsaWJyaSIsIklzQm9sZCI6dHJ1ZSwiSXNJdGFsaWMiOmZhbHNlLCJJc1VuZGVybGluZWQiOmZhbHNlLCJQYXJlbnRTdHlsZSI6bnVsbH0sIkF1dG9TaXplIjowLCJGb3JlZ3JvdW5kIjp7IiRpZCI6IjQ2NyIsIkNvbG9yIjp7IiRyZWYiOiIxMTQifX0sIk1heFdpZHRoIjo5NjAuMCwiTWF4SGVpZ2h0IjoiSW5maW5pdHkiLCJTbWFydEZvcmVncm91bmRJc0FjdGl2ZSI6ZmFsc2UsIkhvcml6b250YWxBbGlnbm1lbnQiOjAsIlZlcnRpY2FsQWxpZ25tZW50IjowLCJTbWFydEZvcmVncm91bmQiOm51bGwsIkJhY2tncm91bmRGaWxsVHlwZSI6MCwiTWFyZ2luIjp7IiRpZCI6IjQ2OCIsIlRvcCI6MCwiTGVmdCI6MCwiUmlnaHQiOjAsIkJvdHRvbSI6MH0sIlBhZGRpbmciOnsiJGlkIjoiNDY5IiwiVG9wIjowLCJMZWZ0IjowLCJSaWdodCI6MCwiQm90dG9tIjowfSwiQmFja2dyb3VuZCI6eyIkcmVmIjoiMTE3In0sIklzVmlzaWJsZSI6dHJ1ZSwiV2lkdGgiOjAuMCwiSGVpZ2h0IjowLjAsIkJvcmRlclN0eWxlIjp7IiRpZCI6IjQ3MCIsIkxpbmVDb2xvciI6bnVsbCwiTGluZVdlaWdodCI6MC4wLCJMaW5lVHlwZSI6MCwiUGFyZW50U3R5bGUiOm51bGx9LCJQYXJlbnRTdHlsZSI6bnVsbH0sIkRhdGVTdHlsZSI6eyIkaWQiOiI0NzEiLCJGb250U2V0dGluZ3MiOnsiJGlkIjoiNDcyIiwiRm9udFNpemUiOjEwLCJGb250TmFtZSI6IkNhbGlicmkiLCJJc0JvbGQiOmZhbHNlLCJJc0l0YWxpYyI6ZmFsc2UsIklzVW5kZXJsaW5lZCI6ZmFsc2UsIlBhcmVudFN0eWxlIjpudWxsfSwiQXV0b1NpemUiOjAsIkZvcmVncm91bmQiOnsiJGlkIjoiNDczIiwiQ29sb3IiOnsiJHJlZiI6IjEyMSJ9fSwiTWF4V2lkdGgiOjIwMC4wLCJNYXhIZWlnaHQiOiJJbmZpbml0eSIsIlNtYXJ0Rm9yZWdyb3VuZElzQWN0aXZlIjpmYWxzZSwiSG9yaXpvbnRhbEFsaWdubWVudCI6MCwiVmVydGljYWxBbGlnbm1lbnQiOjAsIlNtYXJ0Rm9yZWdyb3VuZCI6bnVsbCwiQmFja2dyb3VuZEZpbGxUeXBlIjowLCJNYXJnaW4iOnsiJGlkIjoiNDc0IiwiVG9wIjowLCJMZWZ0IjowLCJSaWdodCI6MCwiQm90dG9tIjowfSwiUGFkZGluZyI6eyIkaWQiOiI0NzUiLCJUb3AiOjAsIkxlZnQiOjAsIlJpZ2h0IjowLCJCb3R0b20iOjB9LCJCYWNrZ3JvdW5kIjp7IiRyZWYiOiIxMjQifSwiSXNWaXNpYmxlIjp0cnVlLCJXaWR0aCI6MC4wLCJIZWlnaHQiOjAuMCwiQm9yZGVyU3R5bGUiOnsiJGlkIjoiNDc2IiwiTGluZUNvbG9yIjpudWxsLCJMaW5lV2VpZ2h0IjowLjAsIkxpbmVUeXBlIjowLCJQYXJlbnRTdHlsZSI6bnVsbH0sIlBhcmVudFN0eWxlIjpudWxsfSwiRGF0ZUZvcm1hdCI6eyIkaWQiOiI0NzciLCJGb3JtYXRTdHJpbmciOiJNL2QveXl5eSIsIlNlcGFyYXRvciI6Ii8iLCJVc2VJbnRlcm5hdGlvbmFsRGF0ZUZvcm1hdCI6ZmFsc2UsIkRhdGVJc1Zpc2libGUiOnRydWUsIlRpbWVJc1Zpc2libGUiOmZhbHNlLCJIb3VyRGlnaXRzIjoxLCJBbVBtRGVzaWduYXRvciI6MiwiVHJpbTAwTWludXRlcyI6ZmFsc2UsIkxhc3RLbm93blZpc2liaWxpdHlTdGF0ZSI6bnVsbH0sIklzVmlzaWJsZSI6dHJ1ZSwiUGFyZW50U3R5bGUiOm51bGx9LCJJbmRleCI6MTAsIlNtYXJ0RHVyYXRpb25BY3RpdmF0ZWQiOmZhbHNlLCJEYXRlRm9ybWF0Ijp7IiRyZWYiOiI0NzcifSwiSWQiOiI4NTNmMmUyYS0xZDkxLTQ4MWYtOGIzZS1hM2ZkZWFkZDhmZmIiLCJJbXBvcnRJZCI6bnVsbCwiVGl0bGUiOiLsppDqsqjssL7quLAg66qo65OIIOqwnOuwnCIsIk5vdGUiOm51bGwsIkh5cGVybGluayI6bnVsbCwiSXNDaGFuZ2VkIjpmYWxzZSwiSXNOZXciOmZhbHNlfSx7IiRpZCI6IjQ3OCIsIkdyb3VwTmFtZSI6bnVsbCwiU3RhcnREYXRlIjoiMjAxOS0wNS0xMVQwMDowMDowMCIsIkVuZERhdGUiOiIyMDE5LTA2LTA4VDIzOjU5OjAwIiwiUGVyY2VudGFnZUNvbXBsZXRlIjpudWxsLCJTdHlsZSI6eyIkaWQiOiI0NzkiLCJTaGFwZSI6MCwiU2hhcGVUaGlja25lc3MiOjEsIkR1cmF0aW9uRm9ybWF0IjowLCJJbmNsdWRlTm9uV29ya2luZ0RheXNJbkR1cmF0aW9uIjpmYWxzZSwiUGVyY2VudGFnZUNvbXBsZXRlU3R5bGUiOnsiJGlkIjoiNDgwIiwiRm9udFNldHRpbmdzIjp7IiRpZCI6IjQ4MSIsIkZvbnRTaXplIjoxMCwiRm9udE5hbWUiOiJDYWxpYnJpIiwiSXNCb2xkIjpmYWxzZSwiSXNJdGFsaWMiOmZhbHNlLCJJc1VuZGVybGluZWQiOmZhbHNlLCJQYXJlbnRTdHlsZSI6bnVsbH0sIkF1dG9TaXplIjowLCJGb3JlZ3JvdW5kIjp7IiRpZCI6IjQ4MiIsIkNvbG9yIjp7IiRyZWYiOiI4NiJ9fSwiTWF4V2lkdGgiOjIwMC4wLCJNYXhIZWlnaHQiOiJJbmZpbml0eSIsIlNtYXJ0Rm9yZWdyb3VuZElzQWN0aXZlIjpmYWxzZSwiSG9yaXpvbnRhbEFsaWdubWVudCI6MCwiVmVydGljYWxBbGlnbm1lbnQiOjAsIlNtYXJ0Rm9yZWdyb3VuZCI6bnVsbCwiQmFja2dyb3VuZEZpbGxUeXBlIjowLCJNYXJnaW4iOnsiJGlkIjoiNDgzIiwiVG9wIjowLCJMZWZ0IjowLCJSaWdodCI6MCwiQm90dG9tIjowfSwiUGFkZGluZyI6eyIkaWQiOiI0ODQiLCJUb3AiOjAsIkxlZnQiOjAsIlJpZ2h0IjowLCJCb3R0b20iOjB9LCJCYWNrZ3JvdW5kIjp7IiRyZWYiOiI4OSJ9LCJJc1Zpc2libGUiOnRydWUsIldpZHRoIjowLjAsIkhlaWdodCI6MC4wLCJCb3JkZXJTdHlsZSI6eyIkaWQiOiI0ODUiLCJMaW5lQ29sb3IiOm51bGwsIkxpbmVXZWlnaHQiOjAuMCwiTGluZVR5cGUiOjAsIlBhcmVudFN0eWxlIjpudWxsfSwiUGFyZW50U3R5bGUiOm51bGx9LCJEdXJhdGlvblN0eWxlIjp7IiRpZCI6IjQ4NiIsIkZvbnRTZXR0aW5ncyI6eyIkaWQiOiI0ODciLCJGb250U2l6ZSI6MTAsIkZvbnROYW1lIjoiQ2FsaWJyaSIsIklzQm9sZCI6ZmFsc2UsIklzSXRhbGljIjpmYWxzZSwiSXNVbmRlcmxpbmVkIjpmYWxzZSwiUGFyZW50U3R5bGUiOm51bGx9LCJBdXRvU2l6ZSI6MCwiRm9yZWdyb3VuZCI6eyIkaWQiOiI0ODgiLCJDb2xvciI6eyIkcmVmIjoiOTMifX0sIk1heFdpZHRoIjoyMDAuMCwiTWF4SGVpZ2h0IjoiSW5maW5pdHkiLCJTbWFydEZvcmVncm91bmRJc0FjdGl2ZSI6ZmFsc2UsIkhvcml6b250YWxBbGlnbm1lbnQiOjAsIlZlcnRpY2FsQWxpZ25tZW50IjowLCJTbWFydEZvcmVncm91bmQiOm51bGwsIkJhY2tncm91bmRGaWxsVHlwZSI6MCwiTWFyZ2luIjp7IiRpZCI6IjQ4OSIsIlRvcCI6MCwiTGVmdCI6MCwiUmlnaHQiOjAsIkJvdHRvbSI6MH0sIlBhZGRpbmciOnsiJGlkIjoiNDkwIiwiVG9wIjowLCJMZWZ0IjowLCJSaWdodCI6MCwiQm90dG9tIjowfSwiQmFja2dyb3VuZCI6eyIkcmVmIjoiOTYifSwiSXNWaXNpYmxlIjp0cnVlLCJXaWR0aCI6MC4wLCJIZWlnaHQiOjAuMCwiQm9yZGVyU3R5bGUiOnsiJGlkIjoiNDkxIiwiTGluZUNvbG9yIjpudWxsLCJMaW5lV2VpZ2h0IjowLjAsIkxpbmVUeXBlIjowLCJQYXJlbnRTdHlsZSI6bnVsbH0sIlBhcmVudFN0eWxlIjpudWxsfSwiSG9yaXpvbnRhbENvbm5lY3RvclN0eWxlIjp7IiRpZCI6IjQ5MiIsIkxpbmVDb2xvciI6eyIkcmVmIjoiOTgifSwiTGluZVdlaWdodCI6MS4wLCJMaW5lVHlwZSI6MCwiUGFyZW50U3R5bGUiOm51bGx9LCJWZXJ0aWNhbENvbm5lY3RvclN0eWxlIjp7IiRpZCI6IjQ5MyIsIkxpbmVDb2xvciI6eyIkcmVmIjoiMTAxIn0sIkxpbmVXZWlnaHQiOjAuMCwiTGluZVR5cGUiOjAsIlBhcmVudFN0eWxlIjpudWxsfSwiTWFyZ2luIjpudWxsLCJTdGFydERhdGVQb3NpdGlvbiI6NCwiRW5kRGF0ZVBvc2l0aW9uIjo0LCJEYXRlSXNWaXNpYmxlIjp0cnVlLCJUaXRsZVBvc2l0aW9uIjo1LCJEdXJhdGlvblBvc2l0aW9uIjo2LCJQZXJjZW50YWdlQ29tcGxldGVkUG9zaXRpb24iOjYsIlNwYWNpbmciOjUsIklzQmVsb3dUaW1lYmFuZCI6dHJ1ZSwiUGVyY2VudGFnZUNvbXBsZXRlU2hhcGVPcGFjaXR5IjozNSwiU2hhcGVTdHlsZSI6eyIkaWQiOiI0OTQiLCJNYXJnaW4iOnsiJGlkIjoiNDk1IiwiVG9wIjowLCJMZWZ0Ijo0LCJSaWdodCI6NCwiQm90dG9tIjowfSwiUGFkZGluZyI6eyIkaWQiOiI0OTYiLCJUb3AiOjAsIkxlZnQiOjAsIlJpZ2h0IjowLCJCb3R0b20iOjB9LCJCYWNrZ3JvdW5kIjp7IiRpZCI6IjQ5NyIsIkNvbG9yIjp7IiRpZCI6IjQ5OCIsIkEiOjI1NSwiUiI6MjU1LCJHIjoxOTIsIkIiOjB9fSwiSXNWaXNpYmxlIjp0cnVlLCJXaWR0aCI6MC4wLCJIZWlnaHQiOjE2LjAsIkJvcmRlclN0eWxlIjp7IiRpZCI6IjQ5OSIsIkxpbmVDb2xvciI6eyIkcmVmIjoiMTA5In0sIkxpbmVXZWlnaHQiOjAuMCwiTGluZVR5cGUiOjAsIlBhcmVudFN0eWxlIjpudWxsfSwiUGFyZW50U3R5bGUiOm51bGx9LCJUaXRsZVN0eWxlIjp7IiRpZCI6IjUwMCIsIkZvbnRTZXR0aW5ncyI6eyIkaWQiOiI1MDEiLCJGb250U2l6ZSI6MTEsIkZvbnROYW1lIjoiQ2FsaWJyaSIsIklzQm9sZCI6dHJ1ZSwiSXNJdGFsaWMiOmZhbHNlLCJJc1VuZGVybGluZWQiOmZhbHNlLCJQYXJlbnRTdHlsZSI6bnVsbH0sIkF1dG9TaXplIjowLCJGb3JlZ3JvdW5kIjp7IiRpZCI6IjUwMiIsIkNvbG9yIjp7IiRyZWYiOiIxMTQifX0sIk1heFdpZHRoIjo5NjAuMCwiTWF4SGVpZ2h0IjoiSW5maW5pdHkiLCJTbWFydEZvcmVncm91bmRJc0FjdGl2ZSI6ZmFsc2UsIkhvcml6b250YWxBbGlnbm1lbnQiOjAsIlZlcnRpY2FsQWxpZ25tZW50IjowLCJTbWFydEZvcmVncm91bmQiOm51bGwsIkJhY2tncm91bmRGaWxsVHlwZSI6MCwiTWFyZ2luIjp7IiRpZCI6IjUwMyIsIlRvcCI6MCwiTGVmdCI6MCwiUmlnaHQiOjAsIkJvdHRvbSI6MH0sIlBhZGRpbmciOnsiJGlkIjoiNTA0IiwiVG9wIjowLCJMZWZ0IjowLCJSaWdodCI6MCwiQm90dG9tIjowfSwiQmFja2dyb3VuZCI6eyIkcmVmIjoiMTE3In0sIklzVmlzaWJsZSI6dHJ1ZSwiV2lkdGgiOjAuMCwiSGVpZ2h0IjowLjAsIkJvcmRlclN0eWxlIjp7IiRpZCI6IjUwNSIsIkxpbmVDb2xvciI6bnVsbCwiTGluZVdlaWdodCI6MC4wLCJMaW5lVHlwZSI6MCwiUGFyZW50U3R5bGUiOm51bGx9LCJQYXJlbnRTdHlsZSI6bnVsbH0sIkRhdGVTdHlsZSI6eyIkaWQiOiI1MDYiLCJGb250U2V0dGluZ3MiOnsiJGlkIjoiNTA3IiwiRm9udFNpemUiOjEwLCJGb250TmFtZSI6IkNhbGlicmkiLCJJc0JvbGQiOmZhbHNlLCJJc0l0YWxpYyI6ZmFsc2UsIklzVW5kZXJsaW5lZCI6ZmFsc2UsIlBhcmVudFN0eWxlIjpudWxsfSwiQXV0b1NpemUiOjAsIkZvcmVncm91bmQiOnsiJGlkIjoiNTA4IiwiQ29sb3IiOnsiJHJlZiI6IjEyMSJ9fSwiTWF4V2lkdGgiOjIwMC4wLCJNYXhIZWlnaHQiOiJJbmZpbml0eSIsIlNtYXJ0Rm9yZWdyb3VuZElzQWN0aXZlIjpmYWxzZSwiSG9yaXpvbnRhbEFsaWdubWVudCI6MCwiVmVydGljYWxBbGlnbm1lbnQiOjAsIlNtYXJ0Rm9yZWdyb3VuZCI6bnVsbCwiQmFja2dyb3VuZEZpbGxUeXBlIjowLCJNYXJnaW4iOnsiJGlkIjoiNTA5IiwiVG9wIjowLCJMZWZ0IjowLCJSaWdodCI6MCwiQm90dG9tIjowfSwiUGFkZGluZyI6eyIkaWQiOiI1MTAiLCJUb3AiOjAsIkxlZnQiOjAsIlJpZ2h0IjowLCJCb3R0b20iOjB9LCJCYWNrZ3JvdW5kIjp7IiRyZWYiOiIxMjQifSwiSXNWaXNpYmxlIjp0cnVlLCJXaWR0aCI6MC4wLCJIZWlnaHQiOjAuMCwiQm9yZGVyU3R5bGUiOnsiJGlkIjoiNTExIiwiTGluZUNvbG9yIjpudWxsLCJMaW5lV2VpZ2h0IjowLjAsIkxpbmVUeXBlIjowLCJQYXJlbnRTdHlsZSI6bnVsbH0sIlBhcmVudFN0eWxlIjpudWxsfSwiRGF0ZUZvcm1hdCI6eyIkaWQiOiI1MTIiLCJGb3JtYXRTdHJpbmciOiJNL2QveXl5eSIsIlNlcGFyYXRvciI6Ii8iLCJVc2VJbnRlcm5hdGlvbmFsRGF0ZUZvcm1hdCI6ZmFsc2UsIkRhdGVJc1Zpc2libGUiOnRydWUsIlRpbWVJc1Zpc2libGUiOmZhbHNlLCJIb3VyRGlnaXRzIjoxLCJBbVBtRGVzaWduYXRvciI6MiwiVHJpbTAwTWludXRlcyI6ZmFsc2UsIkxhc3RLbm93blZpc2liaWxpdHlTdGF0ZSI6bnVsbH0sIklzVmlzaWJsZSI6dHJ1ZSwiUGFyZW50U3R5bGUiOm51bGx9LCJJbmRleCI6MTEsIlNtYXJ0RHVyYXRpb25BY3RpdmF0ZWQiOmZhbHNlLCJEYXRlRm9ybWF0Ijp7IiRyZWYiOiI1MTIifSwiSWQiOiIyMzFkNjJhZS1kYWQ2LTQ4NDEtODY4Ni1lYjM4ZWYxNGZiN2EiLCJJbXBvcnRJZCI6bnVsbCwiVGl0bGUiOiLrgqDslKjsl5Ag65Sw66W4IOydmOyDgSDstpTsspwg66qo65OIIOqwnOuwnCIsIk5vdGUiOm51bGwsIkh5cGVybGluayI6bnVsbCwiSXNDaGFuZ2VkIjpmYWxzZSwiSXNOZXciOmZhbHNlfSx7IiRpZCI6IjUxMyIsIkdyb3VwTmFtZSI6bnVsbCwiU3RhcnREYXRlIjoiMjAxOS0wNS0yNlQwMDowMDowMCIsIkVuZERhdGUiOiIyMDE5LTA2LTE5VDIzOjU5OjAwIiwiUGVyY2VudGFnZUNvbXBsZXRlIjpudWxsLCJTdHlsZSI6eyIkaWQiOiI1MTQiLCJTaGFwZSI6MCwiU2hhcGVUaGlja25lc3MiOjEsIkR1cmF0aW9uRm9ybWF0IjowLCJJbmNsdWRlTm9uV29ya2luZ0RheXNJbkR1cmF0aW9uIjpmYWxzZSwiUGVyY2VudGFnZUNvbXBsZXRlU3R5bGUiOnsiJGlkIjoiNTE1IiwiRm9udFNldHRpbmdzIjp7IiRpZCI6IjUxNiIsIkZvbnRTaXplIjoxMCwiRm9udE5hbWUiOiJDYWxpYnJpIiwiSXNCb2xkIjpmYWxzZSwiSXNJdGFsaWMiOmZhbHNlLCJJc1VuZGVybGluZWQiOmZhbHNlLCJQYXJlbnRTdHlsZSI6bnVsbH0sIkF1dG9TaXplIjowLCJGb3JlZ3JvdW5kIjp7IiRpZCI6IjUxNyIsIkNvbG9yIjp7IiRyZWYiOiI4NiJ9fSwiTWF4V2lkdGgiOjIwMC4wLCJNYXhIZWlnaHQiOiJJbmZpbml0eSIsIlNtYXJ0Rm9yZWdyb3VuZElzQWN0aXZlIjpmYWxzZSwiSG9yaXpvbnRhbEFsaWdubWVudCI6MCwiVmVydGljYWxBbGlnbm1lbnQiOjAsIlNtYXJ0Rm9yZWdyb3VuZCI6bnVsbCwiQmFja2dyb3VuZEZpbGxUeXBlIjowLCJNYXJnaW4iOnsiJGlkIjoiNTE4IiwiVG9wIjowLCJMZWZ0IjowLCJSaWdodCI6MCwiQm90dG9tIjowfSwiUGFkZGluZyI6eyIkaWQiOiI1MTkiLCJUb3AiOjAsIkxlZnQiOjAsIlJpZ2h0IjowLCJCb3R0b20iOjB9LCJCYWNrZ3JvdW5kIjp7IiRyZWYiOiI4OSJ9LCJJc1Zpc2libGUiOnRydWUsIldpZHRoIjowLjAsIkhlaWdodCI6MC4wLCJCb3JkZXJTdHlsZSI6eyIkaWQiOiI1MjAiLCJMaW5lQ29sb3IiOm51bGwsIkxpbmVXZWlnaHQiOjAuMCwiTGluZVR5cGUiOjAsIlBhcmVudFN0eWxlIjpudWxsfSwiUGFyZW50U3R5bGUiOm51bGx9LCJEdXJhdGlvblN0eWxlIjp7IiRpZCI6IjUyMSIsIkZvbnRTZXR0aW5ncyI6eyIkaWQiOiI1MjIiLCJGb250U2l6ZSI6MTAsIkZvbnROYW1lIjoiQ2FsaWJyaSIsIklzQm9sZCI6ZmFsc2UsIklzSXRhbGljIjpmYWxzZSwiSXNVbmRlcmxpbmVkIjpmYWxzZSwiUGFyZW50U3R5bGUiOm51bGx9LCJBdXRvU2l6ZSI6MCwiRm9yZWdyb3VuZCI6eyIkaWQiOiI1MjMiLCJDb2xvciI6eyIkcmVmIjoiOTMifX0sIk1heFdpZHRoIjoyMDAuMCwiTWF4SGVpZ2h0IjoiSW5maW5pdHkiLCJTbWFydEZvcmVncm91bmRJc0FjdGl2ZSI6ZmFsc2UsIkhvcml6b250YWxBbGlnbm1lbnQiOjAsIlZlcnRpY2FsQWxpZ25tZW50IjowLCJTbWFydEZvcmVncm91bmQiOm51bGwsIkJhY2tncm91bmRGaWxsVHlwZSI6MCwiTWFyZ2luIjp7IiRpZCI6IjUyNCIsIlRvcCI6MCwiTGVmdCI6MCwiUmlnaHQiOjAsIkJvdHRvbSI6MH0sIlBhZGRpbmciOnsiJGlkIjoiNTI1IiwiVG9wIjowLCJMZWZ0IjowLCJSaWdodCI6MCwiQm90dG9tIjowfSwiQmFja2dyb3VuZCI6eyIkcmVmIjoiOTYifSwiSXNWaXNpYmxlIjp0cnVlLCJXaWR0aCI6MC4wLCJIZWlnaHQiOjAuMCwiQm9yZGVyU3R5bGUiOnsiJGlkIjoiNTI2IiwiTGluZUNvbG9yIjpudWxsLCJMaW5lV2VpZ2h0IjowLjAsIkxpbmVUeXBlIjowLCJQYXJlbnRTdHlsZSI6bnVsbH0sIlBhcmVudFN0eWxlIjpudWxsfSwiSG9yaXpvbnRhbENvbm5lY3RvclN0eWxlIjp7IiRpZCI6IjUyNyIsIkxpbmVDb2xvciI6eyIkcmVmIjoiOTgifSwiTGluZVdlaWdodCI6MS4wLCJMaW5lVHlwZSI6MCwiUGFyZW50U3R5bGUiOm51bGx9LCJWZXJ0aWNhbENvbm5lY3RvclN0eWxlIjp7IiRpZCI6IjUyOCIsIkxpbmVDb2xvciI6eyIkcmVmIjoiMTAxIn0sIkxpbmVXZWlnaHQiOjAuMCwiTGluZVR5cGUiOjAsIlBhcmVudFN0eWxlIjpudWxsfSwiTWFyZ2luIjpudWxsLCJTdGFydERhdGVQb3NpdGlvbiI6NCwiRW5kRGF0ZVBvc2l0aW9uIjo0LCJEYXRlSXNWaXNpYmxlIjp0cnVlLCJUaXRsZVBvc2l0aW9uIjo1LCJEdXJhdGlvblBvc2l0aW9uIjo2LCJQZXJjZW50YWdlQ29tcGxldGVkUG9zaXRpb24iOjYsIlNwYWNpbmciOjUsIklzQmVsb3dUaW1lYmFuZCI6dHJ1ZSwiUGVyY2VudGFnZUNvbXBsZXRlU2hhcGVPcGFjaXR5IjozNSwiU2hhcGVTdHlsZSI6eyIkaWQiOiI1MjkiLCJNYXJnaW4iOnsiJGlkIjoiNTMwIiwiVG9wIjowLCJMZWZ0Ijo0LCJSaWdodCI6NCwiQm90dG9tIjowfSwiUGFkZGluZyI6eyIkaWQiOiI1MzEiLCJUb3AiOjAsIkxlZnQiOjAsIlJpZ2h0IjowLCJCb3R0b20iOjB9LCJCYWNrZ3JvdW5kIjp7IiRpZCI6IjUzMiIsIkNvbG9yIjp7IiRpZCI6IjUzMyIsIkEiOjI1NSwiUiI6OTEsIkciOjE1NSwiQiI6MjEzfX0sIklzVmlzaWJsZSI6dHJ1ZSwiV2lkdGgiOjAuMCwiSGVpZ2h0IjoxNi4wLCJCb3JkZXJTdHlsZSI6eyIkaWQiOiI1MzQiLCJMaW5lQ29sb3IiOnsiJHJlZiI6IjEwOSJ9LCJMaW5lV2VpZ2h0IjowLjAsIkxpbmVUeXBlIjowLCJQYXJlbnRTdHlsZSI6bnVsbH0sIlBhcmVudFN0eWxlIjpudWxsfSwiVGl0bGVTdHlsZSI6eyIkaWQiOiI1MzUiLCJGb250U2V0dGluZ3MiOnsiJGlkIjoiNTM2IiwiRm9udFNpemUiOjExLCJGb250TmFtZSI6IkNhbGlicmkiLCJJc0JvbGQiOnRydWUsIklzSXRhbGljIjpmYWxzZSwiSXNVbmRlcmxpbmVkIjpmYWxzZSwiUGFyZW50U3R5bGUiOm51bGx9LCJBdXRvU2l6ZSI6MCwiRm9yZWdyb3VuZCI6eyIkaWQiOiI1MzciLCJDb2xvciI6eyIkcmVmIjoiMTE0In19LCJNYXhXaWR0aCI6OTYwLjAsIk1heEhlaWdodCI6IkluZmluaXR5IiwiU21hcnRGb3JlZ3JvdW5kSXNBY3RpdmUiOmZhbHNlLCJIb3Jpem9udGFsQWxpZ25tZW50IjowLCJWZXJ0aWNhbEFsaWdubWVudCI6MCwiU21hcnRGb3JlZ3JvdW5kIjpudWxsLCJCYWNrZ3JvdW5kRmlsbFR5cGUiOjAsIk1hcmdpbiI6eyIkaWQiOiI1MzgiLCJUb3AiOjAsIkxlZnQiOjAsIlJpZ2h0IjowLCJCb3R0b20iOjB9LCJQYWRkaW5nIjp7IiRpZCI6IjUzOSIsIlRvcCI6MCwiTGVmdCI6MCwiUmlnaHQiOjAsIkJvdHRvbSI6MH0sIkJhY2tncm91bmQiOnsiJHJlZiI6IjExNyJ9LCJJc1Zpc2libGUiOnRydWUsIldpZHRoIjowLjAsIkhlaWdodCI6MC4wLCJCb3JkZXJTdHlsZSI6eyIkaWQiOiI1NDAiLCJMaW5lQ29sb3IiOm51bGwsIkxpbmVXZWlnaHQiOjAuMCwiTGluZVR5cGUiOjAsIlBhcmVudFN0eWxlIjpudWxsfSwiUGFyZW50U3R5bGUiOm51bGx9LCJEYXRlU3R5bGUiOnsiJGlkIjoiNTQxIiwiRm9udFNldHRpbmdzIjp7IiRpZCI6IjU0MiIsIkZvbnRTaXplIjoxMCwiRm9udE5hbWUiOiJDYWxpYnJpIiwiSXNCb2xkIjpmYWxzZSwiSXNJdGFsaWMiOmZhbHNlLCJJc1VuZGVybGluZWQiOmZhbHNlLCJQYXJlbnRTdHlsZSI6bnVsbH0sIkF1dG9TaXplIjowLCJGb3JlZ3JvdW5kIjp7IiRpZCI6IjU0MyIsIkNvbG9yIjp7IiRyZWYiOiIxMjEifX0sIk1heFdpZHRoIjoyMDAuMCwiTWF4SGVpZ2h0IjoiSW5maW5pdHkiLCJTbWFydEZvcmVncm91bmRJc0FjdGl2ZSI6ZmFsc2UsIkhvcml6b250YWxBbGlnbm1lbnQiOjAsIlZlcnRpY2FsQWxpZ25tZW50IjowLCJTbWFydEZvcmVncm91bmQiOm51bGwsIkJhY2tncm91bmRGaWxsVHlwZSI6MCwiTWFyZ2luIjp7IiRpZCI6IjU0NCIsIlRvcCI6MCwiTGVmdCI6MCwiUmlnaHQiOjAsIkJvdHRvbSI6MH0sIlBhZGRpbmciOnsiJGlkIjoiNTQ1IiwiVG9wIjowLCJMZWZ0IjowLCJSaWdodCI6MCwiQm90dG9tIjowfSwiQmFja2dyb3VuZCI6eyIkcmVmIjoiMTI0In0sIklzVmlzaWJsZSI6dHJ1ZSwiV2lkdGgiOjAuMCwiSGVpZ2h0IjowLjAsIkJvcmRlclN0eWxlIjp7IiRpZCI6IjU0NiIsIkxpbmVDb2xvciI6bnVsbCwiTGluZVdlaWdodCI6MC4wLCJMaW5lVHlwZSI6MCwiUGFyZW50U3R5bGUiOm51bGx9LCJQYXJlbnRTdHlsZSI6bnVsbH0sIkRhdGVGb3JtYXQiOnsiJGlkIjoiNTQ3IiwiRm9ybWF0U3RyaW5nIjoiTS9kL3l5eXkiLCJTZXBhcmF0b3IiOiIvIiwiVXNlSW50ZXJuYXRpb25hbERhdGVGb3JtYXQiOmZhbHNlLCJEYXRlSXNWaXNpYmxlIjp0cnVlLCJUaW1lSXNWaXNpYmxlIjpmYWxzZSwiSG91ckRpZ2l0cyI6MSwiQW1QbURlc2lnbmF0b3IiOjIsIlRyaW0wME1pbnV0ZXMiOmZhbHNlLCJMYXN0S25vd25WaXNpYmlsaXR5U3RhdGUiOm51bGx9LCJJc1Zpc2libGUiOnRydWUsIlBhcmVudFN0eWxlIjpudWxsfSwiSW5kZXgiOjEyLCJTbWFydER1cmF0aW9uQWN0aXZhdGVkIjpmYWxzZSwiRGF0ZUZvcm1hdCI6eyIkcmVmIjoiNTQ3In0sIklkIjoiYzIyYmJhMTctNmYxMy00ZDY0LWJhNzItMDYyYjQ1ODIzYjRjIiwiSW1wb3J0SWQiOm51bGwsIlRpdGxlIjoi7Jyg7KeAL+uztOyImCIsIk5vdGUiOm51bGwsIkh5cGVybGluayI6bnVsbCwiSXNDaGFuZ2VkIjpmYWxzZSwiSXNOZXciOmZhbHNlfSx7IiRpZCI6IjU0OCIsIkdyb3VwTmFtZSI6bnVsbCwiU3RhcnREYXRlIjoiMjAxOS0wNi0wOFQwMDowMDowMCIsIkVuZERhdGUiOiIyMDE5LTA2LTE5VDIzOjU5OjAwIiwiUGVyY2VudGFnZUNvbXBsZXRlIjpudWxsLCJTdHlsZSI6eyIkaWQiOiI1NDkiLCJTaGFwZSI6MCwiU2hhcGVUaGlja25lc3MiOjEsIkR1cmF0aW9uRm9ybWF0IjowLCJJbmNsdWRlTm9uV29ya2luZ0RheXNJbkR1cmF0aW9uIjpmYWxzZSwiUGVyY2VudGFnZUNvbXBsZXRlU3R5bGUiOnsiJGlkIjoiNTUwIiwiRm9udFNldHRpbmdzIjp7IiRpZCI6IjU1MSIsIkZvbnRTaXplIjoxMCwiRm9udE5hbWUiOiJDYWxpYnJpIiwiSXNCb2xkIjpmYWxzZSwiSXNJdGFsaWMiOmZhbHNlLCJJc1VuZGVybGluZWQiOmZhbHNlLCJQYXJlbnRTdHlsZSI6bnVsbH0sIkF1dG9TaXplIjowLCJGb3JlZ3JvdW5kIjp7IiRpZCI6IjU1MiIsIkNvbG9yIjp7IiRyZWYiOiI4NiJ9fSwiTWF4V2lkdGgiOjIwMC4wLCJNYXhIZWlnaHQiOiJJbmZpbml0eSIsIlNtYXJ0Rm9yZWdyb3VuZElzQWN0aXZlIjpmYWxzZSwiSG9yaXpvbnRhbEFsaWdubWVudCI6MCwiVmVydGljYWxBbGlnbm1lbnQiOjAsIlNtYXJ0Rm9yZWdyb3VuZCI6bnVsbCwiQmFja2dyb3VuZEZpbGxUeXBlIjowLCJNYXJnaW4iOnsiJGlkIjoiNTUzIiwiVG9wIjowLCJMZWZ0IjowLCJSaWdodCI6MCwiQm90dG9tIjowfSwiUGFkZGluZyI6eyIkaWQiOiI1NTQiLCJUb3AiOjAsIkxlZnQiOjAsIlJpZ2h0IjowLCJCb3R0b20iOjB9LCJCYWNrZ3JvdW5kIjp7IiRyZWYiOiI4OSJ9LCJJc1Zpc2libGUiOnRydWUsIldpZHRoIjowLjAsIkhlaWdodCI6MC4wLCJCb3JkZXJTdHlsZSI6eyIkaWQiOiI1NTUiLCJMaW5lQ29sb3IiOm51bGwsIkxpbmVXZWlnaHQiOjAuMCwiTGluZVR5cGUiOjAsIlBhcmVudFN0eWxlIjpudWxsfSwiUGFyZW50U3R5bGUiOm51bGx9LCJEdXJhdGlvblN0eWxlIjp7IiRpZCI6IjU1NiIsIkZvbnRTZXR0aW5ncyI6eyIkaWQiOiI1NTciLCJGb250U2l6ZSI6MTAsIkZvbnROYW1lIjoiQ2FsaWJyaSIsIklzQm9sZCI6ZmFsc2UsIklzSXRhbGljIjpmYWxzZSwiSXNVbmRlcmxpbmVkIjpmYWxzZSwiUGFyZW50U3R5bGUiOm51bGx9LCJBdXRvU2l6ZSI6MCwiRm9yZWdyb3VuZCI6eyIkaWQiOiI1NTgiLCJDb2xvciI6eyIkcmVmIjoiOTMifX0sIk1heFdpZHRoIjoyMDAuMCwiTWF4SGVpZ2h0IjoiSW5maW5pdHkiLCJTbWFydEZvcmVncm91bmRJc0FjdGl2ZSI6ZmFsc2UsIkhvcml6b250YWxBbGlnbm1lbnQiOjAsIlZlcnRpY2FsQWxpZ25tZW50IjowLCJTbWFydEZvcmVncm91bmQiOm51bGwsIkJhY2tncm91bmRGaWxsVHlwZSI6MCwiTWFyZ2luIjp7IiRpZCI6IjU1OSIsIlRvcCI6MCwiTGVmdCI6MCwiUmlnaHQiOjAsIkJvdHRvbSI6MH0sIlBhZGRpbmciOnsiJGlkIjoiNTYwIiwiVG9wIjowLCJMZWZ0IjowLCJSaWdodCI6MCwiQm90dG9tIjowfSwiQmFja2dyb3VuZCI6eyIkcmVmIjoiOTYifSwiSXNWaXNpYmxlIjp0cnVlLCJXaWR0aCI6MC4wLCJIZWlnaHQiOjAuMCwiQm9yZGVyU3R5bGUiOnsiJGlkIjoiNTYxIiwiTGluZUNvbG9yIjpudWxsLCJMaW5lV2VpZ2h0IjowLjAsIkxpbmVUeXBlIjowLCJQYXJlbnRTdHlsZSI6bnVsbH0sIlBhcmVudFN0eWxlIjpudWxsfSwiSG9yaXpvbnRhbENvbm5lY3RvclN0eWxlIjp7IiRpZCI6IjU2MiIsIkxpbmVDb2xvciI6eyIkcmVmIjoiOTgifSwiTGluZVdlaWdodCI6MS4wLCJMaW5lVHlwZSI6MCwiUGFyZW50U3R5bGUiOm51bGx9LCJWZXJ0aWNhbENvbm5lY3RvclN0eWxlIjp7IiRpZCI6IjU2MyIsIkxpbmVDb2xvciI6eyIkcmVmIjoiMTAxIn0sIkxpbmVXZWlnaHQiOjAuMCwiTGluZVR5cGUiOjAsIlBhcmVudFN0eWxlIjpudWxsfSwiTWFyZ2luIjpudWxsLCJTdGFydERhdGVQb3NpdGlvbiI6NCwiRW5kRGF0ZVBvc2l0aW9uIjo0LCJEYXRlSXNWaXNpYmxlIjp0cnVlLCJUaXRsZVBvc2l0aW9uIjo1LCJEdXJhdGlvblBvc2l0aW9uIjo2LCJQZXJjZW50YWdlQ29tcGxldGVkUG9zaXRpb24iOjYsIlNwYWNpbmciOjUsIklzQmVsb3dUaW1lYmFuZCI6dHJ1ZSwiUGVyY2VudGFnZUNvbXBsZXRlU2hhcGVPcGFjaXR5IjozNSwiU2hhcGVTdHlsZSI6eyIkaWQiOiI1NjQiLCJNYXJnaW4iOnsiJGlkIjoiNTY1IiwiVG9wIjowLCJMZWZ0Ijo0LCJSaWdodCI6NCwiQm90dG9tIjowfSwiUGFkZGluZyI6eyIkaWQiOiI1NjYiLCJUb3AiOjAsIkxlZnQiOjAsIlJpZ2h0IjowLCJCb3R0b20iOjB9LCJCYWNrZ3JvdW5kIjp7IiRpZCI6IjU2NyIsIkNvbG9yIjp7IiRpZCI6IjU2OCIsIkEiOjI1NSwiUiI6OTEsIkciOjE1NSwiQiI6MjEzfX0sIklzVmlzaWJsZSI6dHJ1ZSwiV2lkdGgiOjAuMCwiSGVpZ2h0IjoxNi4wLCJCb3JkZXJTdHlsZSI6eyIkaWQiOiI1NjkiLCJMaW5lQ29sb3IiOnsiJHJlZiI6IjEwOSJ9LCJMaW5lV2VpZ2h0IjowLjAsIkxpbmVUeXBlIjowLCJQYXJlbnRTdHlsZSI6bnVsbH0sIlBhcmVudFN0eWxlIjpudWxsfSwiVGl0bGVTdHlsZSI6eyIkaWQiOiI1NzAiLCJGb250U2V0dGluZ3MiOnsiJGlkIjoiNTcxIiwiRm9udFNpemUiOjExLCJGb250TmFtZSI6IkNhbGlicmkiLCJJc0JvbGQiOnRydWUsIklzSXRhbGljIjpmYWxzZSwiSXNVbmRlcmxpbmVkIjpmYWxzZSwiUGFyZW50U3R5bGUiOm51bGx9LCJBdXRvU2l6ZSI6MCwiRm9yZWdyb3VuZCI6eyIkaWQiOiI1NzIiLCJDb2xvciI6eyIkcmVmIjoiMTE0In19LCJNYXhXaWR0aCI6OTYwLjAsIk1heEhlaWdodCI6IkluZmluaXR5IiwiU21hcnRGb3JlZ3JvdW5kSXNBY3RpdmUiOmZhbHNlLCJIb3Jpem9udGFsQWxpZ25tZW50IjowLCJWZXJ0aWNhbEFsaWdubWVudCI6MCwiU21hcnRGb3JlZ3JvdW5kIjpudWxsLCJCYWNrZ3JvdW5kRmlsbFR5cGUiOjAsIk1hcmdpbiI6eyIkaWQiOiI1NzMiLCJUb3AiOjAsIkxlZnQiOjAsIlJpZ2h0IjowLCJCb3R0b20iOjB9LCJQYWRkaW5nIjp7IiRpZCI6IjU3NCIsIlRvcCI6MCwiTGVmdCI6MCwiUmlnaHQiOjAsIkJvdHRvbSI6MH0sIkJhY2tncm91bmQiOnsiJHJlZiI6IjExNyJ9LCJJc1Zpc2libGUiOnRydWUsIldpZHRoIjowLjAsIkhlaWdodCI6MC4wLCJCb3JkZXJTdHlsZSI6eyIkaWQiOiI1NzUiLCJMaW5lQ29sb3IiOm51bGwsIkxpbmVXZWlnaHQiOjAuMCwiTGluZVR5cGUiOjAsIlBhcmVudFN0eWxlIjpudWxsfSwiUGFyZW50U3R5bGUiOm51bGx9LCJEYXRlU3R5bGUiOnsiJGlkIjoiNTc2IiwiRm9udFNldHRpbmdzIjp7IiRpZCI6IjU3NyIsIkZvbnRTaXplIjoxMCwiRm9udE5hbWUiOiJDYWxpYnJpIiwiSXNCb2xkIjpmYWxzZSwiSXNJdGFsaWMiOmZhbHNlLCJJc1VuZGVybGluZWQiOmZhbHNlLCJQYXJlbnRTdHlsZSI6bnVsbH0sIkF1dG9TaXplIjowLCJGb3JlZ3JvdW5kIjp7IiRpZCI6IjU3OCIsIkNvbG9yIjp7IiRyZWYiOiIxMjEifX0sIk1heFdpZHRoIjoyMDAuMCwiTWF4SGVpZ2h0IjoiSW5maW5pdHkiLCJTbWFydEZvcmVncm91bmRJc0FjdGl2ZSI6ZmFsc2UsIkhvcml6b250YWxBbGlnbm1lbnQiOjAsIlZlcnRpY2FsQWxpZ25tZW50IjowLCJTbWFydEZvcmVncm91bmQiOm51bGwsIkJhY2tncm91bmRGaWxsVHlwZSI6MCwiTWFyZ2luIjp7IiRpZCI6IjU3OSIsIlRvcCI6MCwiTGVmdCI6MCwiUmlnaHQiOjAsIkJvdHRvbSI6MH0sIlBhZGRpbmciOnsiJGlkIjoiNTgwIiwiVG9wIjowLCJMZWZ0IjowLCJSaWdodCI6MCwiQm90dG9tIjowfSwiQmFja2dyb3VuZCI6eyIkcmVmIjoiMTI0In0sIklzVmlzaWJsZSI6dHJ1ZSwiV2lkdGgiOjAuMCwiSGVpZ2h0IjowLjAsIkJvcmRlclN0eWxlIjp7IiRpZCI6IjU4MSIsIkxpbmVDb2xvciI6bnVsbCwiTGluZVdlaWdodCI6MC4wLCJMaW5lVHlwZSI6MCwiUGFyZW50U3R5bGUiOm51bGx9LCJQYXJlbnRTdHlsZSI6bnVsbH0sIkRhdGVGb3JtYXQiOnsiJGlkIjoiNTgyIiwiRm9ybWF0U3RyaW5nIjoiTS9kL3l5eXkiLCJTZXBhcmF0b3IiOiIvIiwiVXNlSW50ZXJuYXRpb25hbERhdGVGb3JtYXQiOmZhbHNlLCJEYXRlSXNWaXNpYmxlIjp0cnVlLCJUaW1lSXNWaXNpYmxlIjpmYWxzZSwiSG91ckRpZ2l0cyI6MSwiQW1QbURlc2lnbmF0b3IiOjIsIlRyaW0wME1pbnV0ZXMiOmZhbHNlLCJMYXN0S25vd25WaXNpYmlsaXR5U3RhdGUiOm51bGx9LCJJc1Zpc2libGUiOnRydWUsIlBhcmVudFN0eWxlIjpudWxsfSwiSW5kZXgiOjEzLCJTbWFydER1cmF0aW9uQWN0aXZhdGVkIjpmYWxzZSwiRGF0ZUZvcm1hdCI6eyIkcmVmIjoiNTgyIn0sIklkIjoiMjJmMzlmYjgtMjk5NC00OTExLWFhYzYtMGZmMjk1ODdlZmQ0IiwiSW1wb3J0SWQiOm51bGwsIlRpdGxlIjoi7LWc7KKFIOuztOqzoOyEnCDsnpHshLEiLCJOb3RlIjpudWxsLCJIeXBlcmxpbmsiOm51bGwsIklzQ2hhbmdlZCI6ZmFsc2UsIklzTmV3IjpmYWxzZX1dLCJNc1Byb2plY3RJdGVtc1RyZWUiOnsiJGlkIjoiNTgzIiwiUm9vdCI6eyJJbXBvcnRJZCI6bnVsbCwiSXNJbXBvcnRlZCI6ZmFsc2UsIkNoaWxkcmVuIjpbXX19LCJNZXRhZGF0YSI6eyIkaWQiOiI1ODQiLCJSZWNlbnRDb2xvcnNDb2xsZWN0aW9uIjoiW1wiI0ZGRkZDMDAwXCIsXCIjRkZFRDdEMzFcIixcIiNGRjVCOUJENVwiLFwiI0ZGNDQ1NDZBXCIsXCIjRkY3MEFENDdcIl0ifSwiU2V0dGluZ3MiOnsiJGlkIjoiNTg1IiwiSW1wYU9wdGlvbnMiOnsiJGlkIjoiNTg2IiwiTGVmdFRvUmlnaHQiOmZhbHNlLCJQYXlsb2FkT3B0aW9ucyI6Mn0sIlVzZUNvbXByZXNzaW9uIjpmYWxzZSwiQ29tcHJlc2lvblBlcmNlbnRhZ2UiOjUwLjAsIkluYWN0aXZlSW50ZXJ2YWxXaWR0aFRocmVzaG9sZCI6MzAuMCwiSW5hY3RpdmVJbnRlcnZhbFdpZHRoIjoxLjAsIlNwbGl0VGFza3MiOmZhbHNlLCJVc2VDbHVzdGVyIjpmYWxzZSwiRXBzaWxvbiI6MC4wLCJNaW5Qb2ludHNUb0Zvcm1BQ2x1c3RlciI6MiwiR2VuZXJhdGVJbnZpc2libGVTaGFwZXMiOmZhbHNlLCJTbWFydFRpbWVsaW5lVGFza1BlcmNlbnRhZ2VGaXQiOmZhbHNlfSwiSXNOZXciOnRydWUsIkltcG9ydFR5cGUiOjAsIkZpbGVQYXRoIjpudWxsLCJUaW1lQ29uZmlndXJhdGlvbiI6eyIkaWQiOiI1ODciLCJVc2VUaW1lIjpmYWxzZSwiV29ya0RheVN0YXJ0IjoiMDA6MDA6MDAiLCJXb3JrRGF5RW5kIjoiMjM6NTk6MDAifSwiTGFzdFVzZWRUZW1wbGF0ZUlkIjoiNzM1NWI2MzMtYWM2Ni00NTI4LThiNGQtMjk5ZmFlZGM5ZWU5In0="/>
+  <p:tag name="__PART_0" val="eyIkaWQiOiIxIiwiQ3VsdHVyZUluZm9OYW1lIjoia28tS1IiLCJTdHlsZU5hbWUiOm51bGwsIlZlcnNpb24iOnsiJGlkIjoiMiIsIlZlcnNpb24iOiIzLjEuMyIsIk9yaWdpbmFsQXNzZW1ibHlWZXJzaW9uIjoiMy42Mi4xMS4wMCIsIkVkaXRpb24iOiJCYXNpYyIsIklzUGx1c0VkaXRpb24iOmZhbHNlfSwiRWZmZWN0IjoxLCJTdHlsZSI6eyIkaWQiOiIzIiwiVGltZWJhbmRTdHlsZSI6eyIkaWQiOiI0IiwiU2NhbGVNYXJraW5nIjowLCJTaGFwZSI6MCwiU2hhcGVTdHlsZSI6eyIkaWQiOiI1IiwiTWFyZ2luIjp7IiRpZCI6IjYiLCJUb3AiOjAsIkxlZnQiOjEyLCJSaWdodCI6MTIsIkJvdHRvbSI6MH0sIlBhZGRpbmciOnsiJGlkIjoiNyIsIlRvcCI6NywiTGVmdCI6MCwiUmlnaHQiOjAsIkJvdHRvbSI6N30sIkJhY2tncm91bmQiOnsiJGlkIjoiOCIsIkNvbG9yIjp7IiRpZCI6IjkiLCJBIjoyNTUsIlIiOjY4LCJHIjo4NCwiQiI6MTA2fX0sIklzVmlzaWJsZSI6dHJ1ZSwiV2lkdGgiOjg1OC4wLCJIZWlnaHQiOjMwLjAsIkJvcmRlclN0eWxlIjp7IiRpZCI6IjEwIiwiTGluZUNvbG9yIjp7IiRpZCI6IjExIiwiJHR5cGUiOiJOTFJFLkNvbW1vbi5Eb20uU29saWRDb2xvckJydXNoLCBOTFJFLkNvbW1vbiIsIkNvbG9yIjp7IiRpZCI6IjEyIiwiQSI6MjU1LCJSIjoyNTUsIkciOjAsIkIiOjB9fSwiTGluZVdlaWdodCI6MC4wLCJMaW5lVHlwZSI6MCwiUGFyZW50U3R5bGUiOm51bGx9LCJQYXJlbnRTdHlsZSI6bnVsbH0sIlJpZ2h0RW5kQ2Fwc1N0eWxlIjp7IiRpZCI6IjEzIiwiRm9udFNldHRpbmdzIjp7IiRpZCI6IjE0IiwiRm9udFNpemUiOjE4LCJGb250TmFtZSI6IkNhbGlicmkiLCJJc0JvbGQiOnRydWUsIklzSXRhbGljIjpmYWxzZSwiSXNVbmRlcmxpbmVkIjpmYWxzZSwiUGFyZW50U3R5bGUiOm51bGx9LCJBdXRvU2l6ZSI6MCwiRm9yZWdyb3VuZCI6eyIkaWQiOiIxNSIsIkNvbG9yIjp7IiRpZCI6IjE2IiwiQSI6MjU1LCJSIjoyMzcsIkciOjEyNSwiQiI6NDl9fSwiTWF4V2lkdGgiOiJJbmZpbml0eSIsIk1heEhlaWdodCI6IkluZmluaXR5IiwiU21hcnRGb3JlZ3JvdW5kSXNBY3RpdmUiOmZhbHNlLCJIb3Jpem9udGFsQWxpZ25tZW50IjowLCJWZXJ0aWNhbEFsaWdubWVudCI6MCwiU21hcnRGb3JlZ3JvdW5kIjpudWxsLCJCYWNrZ3JvdW5kRmlsbFR5cGUiOjAsIk1hcmdpbiI6eyIkaWQiOiIxNyIsIlRvcCI6MCwiTGVmdCI6MCwiUmlnaHQiOjI1LCJCb3R0b20iOjB9LCJQYWRkaW5nIjp7IiRpZCI6IjE4IiwiVG9wIjowLCJMZWZ0IjowLCJSaWdodCI6MCwiQm90dG9tIjowfSwiQmFja2dyb3VuZCI6eyIkaWQiOiIxOSIsIkNvbG9yIjp7IiRpZCI6IjIwIiwiQSI6ODksIlIiOjAsIkciOjAsIkIiOjB9fSwiSXNWaXNpYmxlIjp0cnVlLCJXaWR0aCI6MC4wLCJIZWlnaHQiOjAuMCwiQm9yZGVyU3R5bGUiOm51bGwsIlBhcmVudFN0eWxlIjpudWxsfSwiTGVmdEVuZENhcHNTdHlsZSI6eyIkaWQiOiIyMSIsIkZvbnRTZXR0aW5ncyI6eyIkaWQiOiIyMiIsIkZvbnRTaXplIjoxOCwiRm9udE5hbWUiOiJDYWxpYnJpIiwiSXNCb2xkIjp0cnVlLCJJc0l0YWxpYyI6ZmFsc2UsIklzVW5kZXJsaW5lZCI6ZmFsc2UsIlBhcmVudFN0eWxlIjpudWxsfSwiQXV0b1NpemUiOjAsIkZvcmVncm91bmQiOnsiJGlkIjoiMjMiLCJDb2xvciI6eyIkaWQiOiIyNCIsIkEiOjI1NSwiUiI6MjM3LCJHIjoxMjUsIkIiOjQ5fX0sIk1heFdpZHRoIjoiSW5maW5pdHkiLCJNYXhIZWlnaHQiOiJJbmZpbml0eSIsIlNtYXJ0Rm9yZWdyb3VuZElzQWN0aXZlIjpmYWxzZSwiSG9yaXpvbnRhbEFsaWdubWVudCI6MCwiVmVydGljYWxBbGlnbm1lbnQiOjAsIlNtYXJ0Rm9yZWdyb3VuZCI6bnVsbCwiQmFja2dyb3VuZEZpbGxUeXBlIjowLCJNYXJnaW4iOnsiJGlkIjoiMjUiLCJUb3AiOjAsIkxlZnQiOjI1LCJSaWdodCI6MCwiQm90dG9tIjowfSwiUGFkZGluZyI6eyIkaWQiOiIyNiIsIlRvcCI6MCwiTGVmdCI6MCwiUmlnaHQiOjAsIkJvdHRvbSI6MH0sIkJhY2tncm91bmQiOnsiJGlkIjoiMjciLCJDb2xvciI6eyIkcmVmIjoiMjAifX0sIklzVmlzaWJsZSI6dHJ1ZSwiV2lkdGgiOjAuMCwiSGVpZ2h0IjowLjAsIkJvcmRlclN0eWxlIjpudWxsLCJQYXJlbnRTdHlsZSI6bnVsbH0sIlRvZGF5VGV4dFN0eWxlIjp7IiRpZCI6IjI4IiwiRm9udFNldHRpbmdzIjp7IiRpZCI6IjI5IiwiRm9udFNpemUiOjEyLCJGb250TmFtZSI6IkNhbGlicmkiLCJJc0JvbGQiOmZhbHNlLCJJc0l0YWxpYyI6ZmFsc2UsIklzVW5kZXJsaW5lZCI6ZmFsc2UsIlBhcmVudFN0eWxlIjpudWxsfSwiQXV0b1NpemUiOjAsIkZvcmVncm91bmQiOnsiJGlkIjoiMzAiLCJDb2xvciI6eyIkaWQiOiIzMSIsIkEiOjI1NSwiUiI6MCwiRyI6MCwiQiI6MH19LCJNYXhXaWR0aCI6MjAwLjAsIk1heEhlaWdodCI6IkluZmluaXR5IiwiU21hcnRGb3JlZ3JvdW5kSXNBY3RpdmUiOmZhbHNlLCJIb3Jpem9udGFsQWxpZ25tZW50IjowLCJWZXJ0aWNhbEFsaWdubWVudCI6MCwiU21hcnRGb3JlZ3JvdW5kIjpudWxsLCJCYWNrZ3JvdW5kRmlsbFR5cGUiOjAsIk1hcmdpbiI6eyIkaWQiOiIzMiIsIlRvcCI6MCwiTGVmdCI6MCwiUmlnaHQiOjAsIkJvdHRvbSI6MH0sIlBhZGRpbmciOnsiJGlkIjoiMzMiLCJUb3AiOjAsIkxlZnQiOjAsIlJpZ2h0IjowLCJCb3R0b20iOjB9LCJCYWNrZ3JvdW5kIjp7IiRpZCI6IjM0IiwiQ29sb3IiOnsiJHJlZiI6IjIwIn19LCJJc1Zpc2libGUiOnRydWUsIldpZHRoIjowLjAsIkhlaWdodCI6MC4wLCJCb3JkZXJTdHlsZSI6bnVsbCwiUGFyZW50U3R5bGUiOm51bGx9LCJUb2RheU1hcmtlclN0eWxlIjp7IiRpZCI6IjM1IiwiTWFyZ2luIjp7IiRpZCI6IjM2IiwiVG9wIjowLCJMZWZ0IjowLCJSaWdodCI6MCwiQm90dG9tIjowfSwiUGFkZGluZyI6eyIkaWQiOiIzNyIsIlRvcCI6MCwiTGVmdCI6MCwiUmlnaHQiOjAsIkJvdHRvbSI6MH0sIkJhY2tncm91bmQiOnsiJGlkIjoiMzgiLCJDb2xvciI6eyIkaWQiOiIzOSIsIkEiOjI1NSwiUiI6MjU1LCJHIjowLCJCIjowfX0sIklzVmlzaWJsZSI6dHJ1ZSwiV2lkdGgiOjAuMCwiSGVpZ2h0IjowLjAsIkJvcmRlclN0eWxlIjpudWxsLCJQYXJlbnRTdHlsZSI6bnVsbH0sIlNjYWxlU3R5bGUiOnsiJGlkIjoiNDAiLCJTaG93U2VnbWVudFNlcGFyYXRvcnMiOnRydWUsIlNlZ21lbnRTZXBhcmF0b3JPcGFjaXR5IjozMCwiRm9udFNldHRpbmdzIjp7IiRpZCI6IjQxIiwiRm9udFNpemUiOjEyLCJGb250TmFtZSI6IkNhbGlicmkiLCJJc0JvbGQiOmZhbHNlLCJJc0l0YWxpYyI6ZmFsc2UsIklzVW5kZXJsaW5lZCI6ZmFsc2UsIlBhcmVudFN0eWxlIjpudWxsfSwiQXV0b1NpemUiOjAsIkZvcmVncm91bmQiOnsiJGlkIjoiNDIiLCJDb2xvciI6eyIkaWQiOiI0MyIsIkEiOjI1NSwiUiI6MjU1LCJHIjoyNTUsIkIiOjI1NX19LCJNYXhXaWR0aCI6MjAwLjAsIk1heEhlaWdodCI6IkluZmluaXR5IiwiU21hcnRGb3JlZ3JvdW5kSXNBY3RpdmUiOmZhbHNlLCJIb3Jpem9udGFsQWxpZ25tZW50IjowLCJWZXJ0aWNhbEFsaWdubWVudCI6MSwiU21hcnRGb3JlZ3JvdW5kIjpudWxsLCJCYWNrZ3JvdW5kRmlsbFR5cGUiOjAsIk1hcmdpbiI6eyIkaWQiOiI0NCIsIlRvcCI6MCwiTGVmdCI6NSwiUmlnaHQiOjAsIkJvdHRvbSI6MH0sIlBhZGRpbmciOnsiJGlkIjoiNDUiLCJUb3AiOjAsIkxlZnQiOjAsIlJpZ2h0IjowLCJCb3R0b20iOjB9LCJCYWNrZ3JvdW5kIjp7IiRpZCI6IjQ2IiwiQ29sb3IiOnsiJHJlZiI6IjIwIn19LCJJc1Zpc2libGUiOnRydWUsIldpZHRoIjowLjAsIkhlaWdodCI6MC4wLCJCb3JkZXJTdHlsZSI6bnVsbCwiUGFyZW50U3R5bGUiOm51bGx9LCJFbGFwc2VkVGltZUJhY2tncm91bmQiOnsiJGlkIjoiNDciLCJDb2xvciI6eyIkaWQiOiI0OCIsIkEiOjE5MSwiUiI6MjU1LCJHIjowLCJCIjowfX0sIkFwcGVuZFllYXJPblllYXJDaGFuZ2UiOnRydWUsIkVsYXBzZWRUaW1lRm9ybWF0IjoyLCJUb2RheU1hcmtlclBvc2l0aW9uIjozLCJRdWlja1Bvc2l0aW9uIjoxLCJBYnNvbHV0ZVBvc2l0aW9uIjoyNDAuMCwiTWFyZ2luIjp7IiRpZCI6IjQ5IiwiVG9wIjowLCJMZWZ0IjoxMCwiUmlnaHQiOjEwLCJCb3R0b20iOjB9LCJQYWRkaW5nIjp7IiRpZCI6IjUwIiwiVG9wIjowLCJMZWZ0IjowLCJSaWdodCI6MCwiQm90dG9tIjowfSwiQmFja2dyb3VuZCI6eyIkaWQiOiI1MSIsIkNvbG9yIjp7IiRpZCI6IjUyIiwiQSI6MjU1LCJSIjozMSwiRyI6NzMsIkIiOjEyNX19LCJJc1Zpc2libGUiOnRydWUsIldpZHRoIjowLjAsIkhlaWdodCI6MC4wLCJCb3JkZXJTdHlsZSI6bnVsbCwiUGFyZW50U3R5bGUiOm51bGx9LCJEZWZhdWx0TWlsZXN0b25lU3R5bGUiOnsiJGlkIjoiNTMiLCJTaGFwZSI6MiwiQ29ubmVjdG9yTWFyZ2luIjp7IiRpZCI6IjU0IiwiVG9wIjowLCJMZWZ0IjoyLCJSaWdodCI6MiwiQm90dG9tIjowfSwiQ29ubmVjdG9yU3R5bGUiOnsiJGlkIjoiNTUiLCJMaW5lQ29sb3IiOnsiJGlkIjoiNTYiLCIkdHlwZSI6Ik5MUkUuQ29tbW9uLkRvbS5Tb2xpZENvbG9yQnJ1c2gsIE5MUkUuQ29tbW9uIiwiQ29sb3IiOnsiJGlkIjoiNTciLCJBIjoxMjcsIlIiOjMxLCJHIjo3MywiQiI6MTI2fX0sIkxpbmVXZWlnaHQiOjEuMCwiTGluZVR5cGUiOjAsIlBhcmVudFN0eWxlIjpudWxsfSwiSXNCZWxvd1RpbWViYW5kIjpmYWxzZSwiSGlkZURhdGUiOmZhbHNlLCJTaGFwZVNpemUiOjEsIlNwYWNpbmciOjEuMCwiUGFkZGluZyI6eyIkaWQiOiI1OCIsIlRvcCI6NywiTGVmdCI6MywiUmlnaHQiOjAsIkJvdHRvbSI6Mn0sIlNoYXBlU3R5bGUiOnsiJGlkIjoiNTkiLCJNYXJnaW4iOnsiJGlkIjoiNjAiLCJUb3AiOjAsIkxlZnQiOjAsIlJpZ2h0IjowLCJCb3R0b20iOjB9LCJQYWRkaW5nIjp7IiRpZCI6IjYxIiwiVG9wIjowLCJMZWZ0IjowLCJSaWdodCI6MCwiQm90dG9tIjowfSwiQmFja2dyb3VuZCI6eyIkaWQiOiI2MiIsIkNvbG9yIjp7IiRpZCI6IjYzIiwiQSI6MjU1LCJSIjowLCJHIjoxMTQsIkIiOjE4OH19LCJJc1Zpc2libGUiOnRydWUsIldpZHRoIjoxOC4wLCJIZWlnaHQiOjIwLjAsIkJvcmRlclN0eWxlIjp7IiRpZCI6IjY0IiwiTGluZUNvbG9yIjp7IiRpZCI6IjY1IiwiJHR5cGUiOiJOTFJFLkNvbW1vbi5Eb20uU29saWRDb2xvckJydXNoLCBOTFJFLkNvbW1vbiIsIkNvbG9yIjp7IiRpZCI6IjY2IiwiQSI6MjU1LCJSIjoyNTUsIkciOjAsIkIiOjB9fSwiTGluZVdlaWdodCI6MC4wLCJMaW5lVHlwZSI6MCwiUGFyZW50U3R5bGUiOm51bGx9LCJQYXJlbnRTdHlsZSI6bnVsbH0sIlRpdGxlU3R5bGUiOnsiJGlkIjoiNjciLCJGb250U2V0dGluZ3MiOnsiJGlkIjoiNjgiLCJGb250U2l6ZSI6MTEsIkZvbnROYW1lIjoiQ2FsaWJyaSIsIklzQm9sZCI6dHJ1ZSwiSXNJdGFsaWMiOmZhbHNlLCJJc1VuZGVybGluZWQiOmZhbHNlLCJQYXJlbnRTdHlsZSI6bnVsbH0sIkF1dG9TaXplIjowLCJGb3JlZ3JvdW5kIjp7IiRpZCI6IjY5IiwiQ29sb3IiOnsiJGlkIjoiNzAiLCJBIjoyNTUsIlIiOjAsIkciOjAsIkIiOjB9fSwiTWF4V2lkdGgiOjIwMC4wLCJNYXhIZWlnaHQiOiJJbmZpbml0eSIsIlNtYXJ0Rm9yZWdyb3VuZElzQWN0aXZlIjpmYWxzZSwiSG9yaXpvbnRhbEFsaWdubWVudCI6MCwiVmVydGljYWxBbGlnbm1lbnQiOjAsIlNtYXJ0Rm9yZWdyb3VuZCI6bnVsbCwiQmFja2dyb3VuZEZpbGxUeXBlIjowLCJNYXJnaW4iOnsiJGlkIjoiNzEiLCJUb3AiOjAsIkxlZnQiOjAsIlJpZ2h0IjowLCJCb3R0b20iOjB9LCJQYWRkaW5nIjp7IiRpZCI6IjcyIiwiVG9wIjowLCJMZWZ0IjowLCJSaWdodCI6MCwiQm90dG9tIjowfSwiQmFja2dyb3VuZCI6eyIkaWQiOiI3MyIsIkNvbG9yIjp7IiRyZWYiOiIyMCJ9fSwiSXNWaXNpYmxlIjp0cnVlLCJXaWR0aCI6MC4wLCJIZWlnaHQiOjAuMCwiQm9yZGVyU3R5bGUiOm51bGwsIlBhcmVudFN0eWxlIjpudWxsfSwiRGF0ZVN0eWxlIjp7IiRpZCI6Ijc0IiwiRm9udFNldHRpbmdzIjp7IiRpZCI6Ijc1IiwiRm9udFNpemUiOjEwLCJGb250TmFtZSI6IkNhbGlicmkiLCJJc0JvbGQiOmZhbHNlLCJJc0l0YWxpYyI6ZmFsc2UsIklzVW5kZXJsaW5lZCI6ZmFsc2UsIlBhcmVudFN0eWxlIjpudWxsfSwiQXV0b1NpemUiOjAsIkZvcmVncm91bmQiOnsiJGlkIjoiNzYiLCJDb2xvciI6eyIkaWQiOiI3NyIsIkEiOjI1NSwiUiI6NjgsIkciOjg0LCJCIjoxMDZ9fSwiTWF4V2lkdGgiOjIwMC4wLCJNYXhIZWlnaHQiOiJJbmZpbml0eSIsIlNtYXJ0Rm9yZWdyb3VuZElzQWN0aXZlIjpmYWxzZSwiSG9yaXpvbnRhbEFsaWdubWVudCI6MCwiVmVydGljYWxBbGlnbm1lbnQiOjAsIlNtYXJ0Rm9yZWdyb3VuZCI6bnVsbCwiQmFja2dyb3VuZEZpbGxUeXBlIjowLCJNYXJnaW4iOnsiJGlkIjoiNzgiLCJUb3AiOjAsIkxlZnQiOjAsIlJpZ2h0IjowLCJCb3R0b20iOjB9LCJQYWRkaW5nIjp7IiRpZCI6Ijc5IiwiVG9wIjowLCJMZWZ0IjowLCJSaWdodCI6MCwiQm90dG9tIjowfSwiQmFja2dyb3VuZCI6eyIkaWQiOiI4MCIsIkNvbG9yIjp7IiRyZWYiOiIyMCJ9fSwiSXNWaXNpYmxlIjp0cnVlLCJXaWR0aCI6MC4wLCJIZWlnaHQiOjAuMCwiQm9yZGVyU3R5bGUiOm51bGwsIlBhcmVudFN0eWxlIjpudWxsfSwiRGF0ZUZvcm1hdCI6eyIkaWQiOiI4MSIsIkZvcm1hdFN0cmluZyI6Ik0vZC95eXl5IiwiU2VwYXJhdG9yIjoiLyIsIlVzZUludGVybmF0aW9uYWxEYXRlRm9ybWF0IjpmYWxzZSwiRGF0ZUlzVmlzaWJsZSI6dHJ1ZSwiVGltZUlzVmlzaWJsZSI6ZmFsc2UsIkhvdXJEaWdpdHMiOjEsIkFtUG1EZXNpZ25hdG9yIjoyLCJUcmltMDBNaW51dGVzIjpmYWxzZSwiTGFzdEtub3duVmlzaWJpbGl0eVN0YXRlIjpudWxsfSwiSXNWaXNpYmxlIjp0cnVlLCJQYXJlbnRTdHlsZSI6bnVsbH0sIkRlZmF1bHRUYXNrU3R5bGUiOnsiJGlkIjoiODIiLCJTaGFwZSI6MCwiU2hhcGVUaGlja25lc3MiOjEsIkR1cmF0aW9uRm9ybWF0IjowLCJJbmNsdWRlTm9uV29ya2luZ0RheXNJbkR1cmF0aW9uIjpmYWxzZSwiUGVyY2VudGFnZUNvbXBsZXRlU3R5bGUiOnsiJGlkIjoiODMiLCJGb250U2V0dGluZ3MiOnsiJGlkIjoiODQiLCJGb250U2l6ZSI6MTAsIkZvbnROYW1lIjoiQ2FsaWJyaSIsIklzQm9sZCI6ZmFsc2UsIklzSXRhbGljIjpmYWxzZSwiSXNVbmRlcmxpbmVkIjpmYWxzZSwiUGFyZW50U3R5bGUiOm51bGx9LCJBdXRvU2l6ZSI6MCwiRm9yZWdyb3VuZCI6eyIkaWQiOiI4NSIsIkNvbG9yIjp7IiRpZCI6Ijg2IiwiQSI6MjU1LCJSIjoyMzcsIkciOjEyNSwiQiI6NDl9fSwiTWF4V2lkdGgiOjIwMC4wLCJNYXhIZWlnaHQiOiJJbmZpbml0eSIsIlNtYXJ0Rm9yZWdyb3VuZElzQWN0aXZlIjpmYWxzZSwiSG9yaXpvbnRhbEFsaWdubWVudCI6MCwiVmVydGljYWxBbGlnbm1lbnQiOjAsIlNtYXJ0Rm9yZWdyb3VuZCI6bnVsbCwiQmFja2dyb3VuZEZpbGxUeXBlIjowLCJNYXJnaW4iOnsiJGlkIjoiODciLCJUb3AiOjAsIkxlZnQiOjAsIlJpZ2h0IjowLCJCb3R0b20iOjB9LCJQYWRkaW5nIjp7IiRpZCI6Ijg4IiwiVG9wIjowLCJMZWZ0IjowLCJSaWdodCI6MCwiQm90dG9tIjowfSwiQmFja2dyb3VuZCI6eyIkaWQiOiI4OSIsIkNvbG9yIjp7IiRyZWYiOiIyMCJ9fSwiSXNWaXNpYmxlIjp0cnVlLCJXaWR0aCI6MC4wLCJIZWlnaHQiOjAuMCwiQm9yZGVyU3R5bGUiOm51bGwsIlBhcmVudFN0eWxlIjpudWxsfSwiRHVyYXRpb25TdHlsZSI6eyIkaWQiOiI5MCIsIkZvbnRTZXR0aW5ncyI6eyIkaWQiOiI5MSIsIkZvbnRTaXplIjoxMCwiRm9udE5hbWUiOiJDYWxpYnJpIiwiSXNCb2xkIjpmYWxzZSwiSXNJdGFsaWMiOmZhbHNlLCJJc1VuZGVybGluZWQiOmZhbHNlLCJQYXJlbnRTdHlsZSI6bnVsbH0sIkF1dG9TaXplIjowLCJGb3JlZ3JvdW5kIjp7IiRpZCI6IjkyIiwiQ29sb3IiOnsiJGlkIjoiOTMiLCJBIjoyNTUsIlIiOjIzNywiRyI6MTI1LCJCIjo0OX19LCJNYXhXaWR0aCI6MjAwLjAsIk1heEhlaWdodCI6IkluZmluaXR5IiwiU21hcnRGb3JlZ3JvdW5kSXNBY3RpdmUiOmZhbHNlLCJIb3Jpem9udGFsQWxpZ25tZW50IjowLCJWZXJ0aWNhbEFsaWdubWVudCI6MCwiU21hcnRGb3JlZ3JvdW5kIjpudWxsLCJCYWNrZ3JvdW5kRmlsbFR5cGUiOjAsIk1hcmdpbiI6eyIkaWQiOiI5NCIsIlRvcCI6MCwiTGVmdCI6MCwiUmlnaHQiOjAsIkJvdHRvbSI6MH0sIlBhZGRpbmciOnsiJGlkIjoiOTUiLCJUb3AiOjAsIkxlZnQiOjAsIlJpZ2h0IjowLCJCb3R0b20iOjB9LCJCYWNrZ3JvdW5kIjp7IiRpZCI6Ijk2IiwiQ29sb3IiOnsiJHJlZiI6IjIwIn19LCJJc1Zpc2libGUiOnRydWUsIldpZHRoIjowLjAsIkhlaWdodCI6MC4wLCJCb3JkZXJTdHlsZSI6bnVsbCwiUGFyZW50U3R5bGUiOm51bGx9LCJIb3Jpem9udGFsQ29ubmVjdG9yU3R5bGUiOnsiJGlkIjoiOTciLCJMaW5lQ29sb3IiOnsiJGlkIjoiOTgiLCIkdHlwZSI6Ik5MUkUuQ29tbW9uLkRvbS5Tb2xpZENvbG9yQnJ1c2gsIE5MUkUuQ29tbW9uIiwiQ29sb3IiOnsiJGlkIjoiOTkiLCJBIjoyNTUsIlIiOjIwNCwiRyI6MjA0LCJCIjoyMDR9fSwiTGluZVdlaWdodCI6MS4wLCJMaW5lVHlwZSI6MCwiUGFyZW50U3R5bGUiOm51bGx9LCJWZXJ0aWNhbENvbm5lY3RvclN0eWxlIjp7IiRpZCI6IjEwMCIsIkxpbmVDb2xvciI6eyIkaWQiOiIxMDEiLCIkdHlwZSI6Ik5MUkUuQ29tbW9uLkRvbS5Tb2xpZENvbG9yQnJ1c2gsIE5MUkUuQ29tbW9uIiwiQ29sb3IiOnsiJGlkIjoiMTAyIiwiQSI6MjU1LCJSIjoyMDQsIkciOjIwNCwiQiI6MjA0fX0sIkxpbmVXZWlnaHQiOjAuMCwiTGluZVR5cGUiOjAsIlBhcmVudFN0eWxlIjpudWxsfSwiTWFyZ2luIjpudWxsLCJTdGFydERhdGVQb3NpdGlvbiI6NCwiRW5kRGF0ZVBvc2l0aW9uIjo0LCJEYXRlSXNWaXNpYmxlIjp0cnVlLCJUaXRsZVBvc2l0aW9uIjo1LCJEdXJhdGlvblBvc2l0aW9uIjo2LCJQZXJjZW50YWdlQ29tcGxldGVkUG9zaXRpb24iOjYsIlNwYWNpbmciOjUsIklzQmVsb3dUaW1lYmFuZCI6dHJ1ZSwiUGVyY2VudGFnZUNvbXBsZXRlU2hhcGVPcGFjaXR5IjozNSwiU2hhcGVTdHlsZSI6eyIkaWQiOiIxMDMiLCJNYXJnaW4iOnsiJGlkIjoiMTA0IiwiVG9wIjowLCJMZWZ0Ijo0LCJSaWdodCI6NCwiQm90dG9tIjowfSwiUGFkZGluZyI6eyIkaWQiOiIxMDUiLCJUb3AiOjAsIkxlZnQiOjAsIlJpZ2h0IjowLCJCb3R0b20iOjB9LCJCYWNrZ3JvdW5kIjp7IiRpZCI6IjEwNiIsIkNvbG9yIjp7IiRpZCI6IjEwNyIsIkEiOjI1NSwiUiI6MCwiRyI6MTE0LCJCIjoxODh9fSwiSXNWaXNpYmxlIjp0cnVlLCJXaWR0aCI6MC4wLCJIZWlnaHQiOjE2LjAsIkJvcmRlclN0eWxlIjp7IiRpZCI6IjEwOCIsIkxpbmVDb2xvciI6eyIkaWQiOiIxMDkiLCIkdHlwZSI6Ik5MUkUuQ29tbW9uLkRvbS5Tb2xpZENvbG9yQnJ1c2gsIE5MUkUuQ29tbW9uIiwiQ29sb3IiOnsiJGlkIjoiMTEwIiwiQSI6MjU1LCJSIjoyNTUsIkciOjAsIkIiOjB9fSwiTGluZVdlaWdodCI6MC4wLCJMaW5lVHlwZSI6MCwiUGFyZW50U3R5bGUiOm51bGx9LCJQYXJlbnRTdHlsZSI6bnVsbH0sIlRpdGxlU3R5bGUiOnsiJGlkIjoiMTExIiwiRm9udFNldHRpbmdzIjp7IiRpZCI6IjExMiIsIkZvbnRTaXplIjoxMSwiRm9udE5hbWUiOiJDYWxpYnJpIiwiSXNCb2xkIjp0cnVlLCJJc0l0YWxpYyI6ZmFsc2UsIklzVW5kZXJsaW5lZCI6ZmFsc2UsIlBhcmVudFN0eWxlIjpudWxsfSwiQXV0b1NpemUiOjAsIkZvcmVncm91bmQiOnsiJGlkIjoiMTEzIiwiQ29sb3IiOnsiJGlkIjoiMTE0IiwiQSI6MjU1LCJSIjowLCJHIjowLCJCIjowfX0sIk1heFdpZHRoIjo5NjAuMCwiTWF4SGVpZ2h0IjoiSW5maW5pdHkiLCJTbWFydEZvcmVncm91bmRJc0FjdGl2ZSI6ZmFsc2UsIkhvcml6b250YWxBbGlnbm1lbnQiOjAsIlZlcnRpY2FsQWxpZ25tZW50IjowLCJTbWFydEZvcmVncm91bmQiOm51bGwsIkJhY2tncm91bmRGaWxsVHlwZSI6MCwiTWFyZ2luIjp7IiRpZCI6IjExNSIsIlRvcCI6MCwiTGVmdCI6MCwiUmlnaHQiOjAsIkJvdHRvbSI6MH0sIlBhZGRpbmciOnsiJGlkIjoiMTE2IiwiVG9wIjowLCJMZWZ0IjowLCJSaWdodCI6MCwiQm90dG9tIjowfSwiQmFja2dyb3VuZCI6eyIkaWQiOiIxMTciLCJDb2xvciI6eyIkcmVmIjoiMjAifX0sIklzVmlzaWJsZSI6dHJ1ZSwiV2lkdGgiOjAuMCwiSGVpZ2h0IjowLjAsIkJvcmRlclN0eWxlIjpudWxsLCJQYXJlbnRTdHlsZSI6bnVsbH0sIkRhdGVTdHlsZSI6eyIkaWQiOiIxMTgiLCJGb250U2V0dGluZ3MiOnsiJGlkIjoiMTE5IiwiRm9udFNpemUiOjEwLCJGb250TmFtZSI6IkNhbGlicmkiLCJJc0JvbGQiOmZhbHNlLCJJc0l0YWxpYyI6ZmFsc2UsIklzVW5kZXJsaW5lZCI6ZmFsc2UsIlBhcmVudFN0eWxlIjpudWxsfSwiQXV0b1NpemUiOjAsIkZvcmVncm91bmQiOnsiJGlkIjoiMTIwIiwiQ29sb3IiOnsiJGlkIjoiMTIxIiwiQSI6MjU1LCJSIjo2OCwiRyI6ODQsIkIiOjEwNn19LCJNYXhXaWR0aCI6MjAwLjAsIk1heEhlaWdodCI6IkluZmluaXR5IiwiU21hcnRGb3JlZ3JvdW5kSXNBY3RpdmUiOmZhbHNlLCJIb3Jpem9udGFsQWxpZ25tZW50IjowLCJWZXJ0aWNhbEFsaWdubWVudCI6MCwiU21hcnRGb3JlZ3JvdW5kIjpudWxsLCJCYWNrZ3JvdW5kRmlsbFR5cGUiOjAsIk1hcmdpbiI6eyIkaWQiOiIxMjIiLCJUb3AiOjAsIkxlZnQiOjAsIlJpZ2h0IjowLCJCb3R0b20iOjB9LCJQYWRkaW5nIjp7IiRpZCI6IjEyMyIsIlRvcCI6MCwiTGVmdCI6MCwiUmlnaHQiOjAsIkJvdHRvbSI6MH0sIkJhY2tncm91bmQiOnsiJGlkIjoiMTI0IiwiQ29sb3IiOnsiJHJlZiI6IjIwIn19LCJJc1Zpc2libGUiOnRydWUsIldpZHRoIjowLjAsIkhlaWdodCI6MC4wLCJCb3JkZXJTdHlsZSI6bnVsbCwiUGFyZW50U3R5bGUiOm51bGx9LCJEYXRlRm9ybWF0Ijp7IiRpZCI6IjEyNSIsIkZvcm1hdFN0cmluZyI6Ik0vZC95eXl5IiwiU2VwYXJhdG9yIjoiLyIsIlVzZUludGVybmF0aW9uYWxEYXRlRm9ybWF0IjpmYWxzZSwiRGF0ZUlzVmlzaWJsZSI6dHJ1ZSwiVGltZUlzVmlzaWJsZSI6ZmFsc2UsIkhvdXJEaWdpdHMiOjEsIkFtUG1EZXNpZ25hdG9yIjoyLCJUcmltMDBNaW51dGVzIjpmYWxzZSwiTGFzdEtub3duVmlzaWJpbGl0eVN0YXRlIjpudWxsfSwiSXNWaXNpYmxlIjp0cnVlLCJQYXJlbnRTdHlsZSI6bnVsbCwiX2V4cGxpY2l0bHlTZXQiOnsiJGlkIjoiMTI2IiwiU2hhcGVTdHlsZSI6ZmFsc2UsIlRpdGxlU3R5bGUiOmZhbHNlLCJEYXRlU3R5bGUiOmZhbHNlLCJIb3Jpem9udGFsQ29ubmVjdG9yU3R5bGUiOmZhbHNlLCJWZXJ0aWNhbENvbm5lY3RvclN0eWxlIjpmYWxzZSwiUGVyY2VudGFnZUNvbXBsZXRlU2hhcGVPcGFjaXR5IjpmYWxzZSwiU2hhcGUiOmZhbHNlLCJTaGFwZVRoaWNrbmVzcyI6ZmFsc2UsIkR1cmF0aW9uRm9ybWF0IjpmYWxzZSwiSW5jbHVkZU5vbldvcmtpbmdEYXlzSW5EdXJhdGlvbiI6ZmFsc2UsIk1hcmdpbiI6ZmFsc2UsIlN0YXJ0RGF0ZVBvc2l0aW9uIjpmYWxzZSwiRW5kRGF0ZVBvc2l0aW9uIjpmYWxzZSwiVGl0bGVQb3NpdGlvbiI6ZmFsc2UsIkR1cmF0aW9uUG9zaXRpb24iOmZhbHNlLCJQZXJjZW50YWdlQ29tcGxldGVkUG9zaXRpb24iOmZhbHNlLCJTcGFjaW5nIjpmYWxzZSwiSXNCZWxvd1RpbWViYW5kIjpmYWxzZSwiRGF0ZUZvcm1hdCI6ZmFsc2UsIklzVmlzaWJsZSI6ZmFsc2V9fSwiU2hvd0VsYXBzZWRUaW1lR3JhZGllbnRTdHlsZSI6ZmFsc2V9LCJTY2FsZSI6eyIkaWQiOiIxMjciLCJTdGFydERhdGUiOiIwMDAxLTAxLTAxVDAwOjAwOjAwIiwiRW5kRGF0ZSI6IjIwMTktMDYtMTlUMjM6NTk6MDAiLCJGb3JtYXQiOiJNTU0iLCJUeXBlIjoyLCJBdXRvRGF0ZVJhbmdlIjp0cnVlLCJXb3JraW5nRGF5cyI6MTI3LCJUb2RheU1hcmtlclRleHQiOiLsmKTripgiLCJBdXRvU2NhbGVUeXBlIjp0cnVlfSwiTWlsZXN0b25lcyI6W10sIlRhc2tzIjpbeyIkaWQiOiIxMjgiLCJHcm91cE5hbWUiOm51bGwsIlN0YXJ0RGF0ZSI6IjIwMTktMDMtMDZUMDA6MDA6MDAiLCJFbmREYXRlIjoiMjAxOS0wMy0zMVQyMzo1OTowMCIsIlBlcmNlbnRhZ2VDb21wbGV0ZSI6bnVsbCwiU3R5bGUiOnsiJGlkIjoiMTI5IiwiU2hhcGUiOjAsIlNoYXBlVGhpY2tuZXNzIjoxLCJEdXJhdGlvbkZvcm1hdCI6MCwiSW5jbHVkZU5vbldvcmtpbmdEYXlzSW5EdXJhdGlvbiI6ZmFsc2UsIlBlcmNlbnRhZ2VDb21wbGV0ZVN0eWxlIjp7IiRpZCI6IjEzMCIsIkZvbnRTZXR0aW5ncyI6eyIkaWQiOiIxMzEiLCJGb250U2l6ZSI6MTAsIkZvbnROYW1lIjoiQ2FsaWJyaSIsIklzQm9sZCI6ZmFsc2UsIklzSXRhbGljIjpmYWxzZSwiSXNVbmRlcmxpbmVkIjpmYWxzZSwiUGFyZW50U3R5bGUiOm51bGx9LCJBdXRvU2l6ZSI6MCwiRm9yZWdyb3VuZCI6eyIkaWQiOiIxMzIiLCJDb2xvciI6eyIkcmVmIjoiODYifX0sIk1heFdpZHRoIjoyMDAuMCwiTWF4SGVpZ2h0IjoiSW5maW5pdHkiLCJTbWFydEZvcmVncm91bmRJc0FjdGl2ZSI6ZmFsc2UsIkhvcml6b250YWxBbGlnbm1lbnQiOjAsIlZlcnRpY2FsQWxpZ25tZW50IjowLCJTbWFydEZvcmVncm91bmQiOm51bGwsIkJhY2tncm91bmRGaWxsVHlwZSI6MCwiTWFyZ2luIjp7IiRpZCI6IjEzMyIsIlRvcCI6MCwiTGVmdCI6MCwiUmlnaHQiOjAsIkJvdHRvbSI6MH0sIlBhZGRpbmciOnsiJGlkIjoiMTM0IiwiVG9wIjowLCJMZWZ0IjowLCJSaWdodCI6MCwiQm90dG9tIjowfSwiQmFja2dyb3VuZCI6eyIkcmVmIjoiODkifSwiSXNWaXNpYmxlIjp0cnVlLCJXaWR0aCI6MC4wLCJIZWlnaHQiOjAuMCwiQm9yZGVyU3R5bGUiOnsiJGlkIjoiMTM1IiwiTGluZUNvbG9yIjpudWxsLCJMaW5lV2VpZ2h0IjowLjAsIkxpbmVUeXBlIjowLCJQYXJlbnRTdHlsZSI6bnVsbH0sIlBhcmVudFN0eWxlIjpudWxsfSwiRHVyYXRpb25TdHlsZSI6eyIkaWQiOiIxMzYiLCJGb250U2V0dGluZ3MiOnsiJGlkIjoiMTM3IiwiRm9udFNpemUiOjEwLCJGb250TmFtZSI6IkNhbGlicmkiLCJJc0JvbGQiOmZhbHNlLCJJc0l0YWxpYyI6ZmFsc2UsIklzVW5kZXJsaW5lZCI6ZmFsc2UsIlBhcmVudFN0eWxlIjpudWxsfSwiQXV0b1NpemUiOjAsIkZvcmVncm91bmQiOnsiJGlkIjoiMTM4IiwiQ29sb3IiOnsiJHJlZiI6IjkzIn19LCJNYXhXaWR0aCI6MjAwLjAsIk1heEhlaWdodCI6IkluZmluaXR5IiwiU21hcnRGb3JlZ3JvdW5kSXNBY3RpdmUiOmZhbHNlLCJIb3Jpem9udGFsQWxpZ25tZW50IjowLCJWZXJ0aWNhbEFsaWdubWVudCI6MCwiU21hcnRGb3JlZ3JvdW5kIjpudWxsLCJCYWNrZ3JvdW5kRmlsbFR5cGUiOjAsIk1hcmdpbiI6eyIkaWQiOiIxMzkiLCJUb3AiOjAsIkxlZnQiOjAsIlJpZ2h0IjowLCJCb3R0b20iOjB9LCJQYWRkaW5nIjp7IiRpZCI6IjE0MCIsIlRvcCI6MCwiTGVmdCI6MCwiUmlnaHQiOjAsIkJvdHRvbSI6MH0sIkJhY2tncm91bmQiOnsiJHJlZiI6Ijk2In0sIklzVmlzaWJsZSI6dHJ1ZSwiV2lkdGgiOjAuMCwiSGVpZ2h0IjowLjAsIkJvcmRlclN0eWxlIjp7IiRpZCI6IjE0MSIsIkxpbmVDb2xvciI6bnVsbCwiTGluZVdlaWdodCI6MC4wLCJMaW5lVHlwZSI6MCwiUGFyZW50U3R5bGUiOm51bGx9LCJQYXJlbnRTdHlsZSI6bnVsbH0sIkhvcml6b250YWxDb25uZWN0b3JTdHlsZSI6eyIkaWQiOiIxNDIiLCJMaW5lQ29sb3IiOnsiJHJlZiI6Ijk4In0sIkxpbmVXZWlnaHQiOjAuMCwiTGluZVR5cGUiOjAsIlBhcmVudFN0eWxlIjpudWxsfSwiVmVydGljYWxDb25uZWN0b3JTdHlsZSI6eyIkaWQiOiIxNDMiLCJMaW5lQ29sb3IiOnsiJHJlZiI6IjEwMSJ9LCJMaW5lV2VpZ2h0IjowLjAsIkxpbmVUeXBlIjowLCJQYXJlbnRTdHlsZSI6bnVsbH0sIk1hcmdpbiI6bnVsbCwiU3RhcnREYXRlUG9zaXRpb24iOjQsIkVuZERhdGVQb3NpdGlvbiI6NCwiRGF0ZUlzVmlzaWJsZSI6dHJ1ZSwiVGl0bGVQb3NpdGlvbiI6NSwiRHVyYXRpb25Qb3NpdGlvbiI6NiwiUGVyY2VudGFnZUNvbXBsZXRlZFBvc2l0aW9uIjo2LCJTcGFjaW5nIjo1LCJJc0JlbG93VGltZWJhbmQiOnRydWUsIlBlcmNlbnRhZ2VDb21wbGV0ZVNoYXBlT3BhY2l0eSI6MzUsIlNoYXBlU3R5bGUiOnsiJGlkIjoiMTQ0IiwiTWFyZ2luIjp7IiRpZCI6IjE0NSIsIlRvcCI6MCwiTGVmdCI6NCwiUmlnaHQiOjQsIkJvdHRvbSI6MH0sIlBhZGRpbmciOnsiJGlkIjoiMTQ2IiwiVG9wIjowLCJMZWZ0IjowLCJSaWdodCI6MCwiQm90dG9tIjowfSwiQmFja2dyb3VuZCI6eyIkaWQiOiIxNDciLCJDb2xvciI6eyIkaWQiOiIxNDgiLCJBIjoyNTUsIlIiOjkxLCJHIjoxNTUsIkIiOjIxM319LCJJc1Zpc2libGUiOnRydWUsIldpZHRoIjowLjAsIkhlaWdodCI6MTYuMCwiQm9yZGVyU3R5bGUiOnsiJGlkIjoiMTQ5IiwiTGluZUNvbG9yIjp7IiRyZWYiOiIxMDkifSwiTGluZVdlaWdodCI6MC4wLCJMaW5lVHlwZSI6MCwiUGFyZW50U3R5bGUiOm51bGx9LCJQYXJlbnRTdHlsZSI6bnVsbH0sIlRpdGxlU3R5bGUiOnsiJGlkIjoiMTUwIiwiRm9udFNldHRpbmdzIjp7IiRpZCI6IjE1MSIsIkZvbnRTaXplIjoxMSwiRm9udE5hbWUiOiJDYWxpYnJpIiwiSXNCb2xkIjp0cnVlLCJJc0l0YWxpYyI6ZmFsc2UsIklzVW5kZXJsaW5lZCI6ZmFsc2UsIlBhcmVudFN0eWxlIjpudWxsfSwiQXV0b1NpemUiOjAsIkZvcmVncm91bmQiOnsiJGlkIjoiMTUyIiwiQ29sb3IiOnsiJHJlZiI6IjExNCJ9fSwiTWF4V2lkdGgiOjk2MC4wLCJNYXhIZWlnaHQiOiJJbmZpbml0eSIsIlNtYXJ0Rm9yZWdyb3VuZElzQWN0aXZlIjpmYWxzZSwiSG9yaXpvbnRhbEFsaWdubWVudCI6MCwiVmVydGljYWxBbGlnbm1lbnQiOjAsIlNtYXJ0Rm9yZWdyb3VuZCI6bnVsbCwiQmFja2dyb3VuZEZpbGxUeXBlIjowLCJNYXJnaW4iOnsiJGlkIjoiMTUzIiwiVG9wIjowLCJMZWZ0IjowLCJSaWdodCI6MCwiQm90dG9tIjowfSwiUGFkZGluZyI6eyIkaWQiOiIxNTQiLCJUb3AiOjAsIkxlZnQiOjAsIlJpZ2h0IjowLCJCb3R0b20iOjB9LCJCYWNrZ3JvdW5kIjp7IiRyZWYiOiIxMTcifSwiSXNWaXNpYmxlIjp0cnVlLCJXaWR0aCI6MC4wLCJIZWlnaHQiOjAuMCwiQm9yZGVyU3R5bGUiOnsiJGlkIjoiMTU1IiwiTGluZUNvbG9yIjpudWxsLCJMaW5lV2VpZ2h0IjowLjAsIkxpbmVUeXBlIjowLCJQYXJlbnRTdHlsZSI6bnVsbH0sIlBhcmVudFN0eWxlIjpudWxsfSwiRGF0ZVN0eWxlIjp7IiRpZCI6IjE1NiIsIkZvbnRTZXR0aW5ncyI6eyIkaWQiOiIxNTciLCJGb250U2l6ZSI6MTAsIkZvbnROYW1lIjoiQ2FsaWJyaSIsIklzQm9sZCI6ZmFsc2UsIklzSXRhbGljIjpmYWxzZSwiSXNVbmRlcmxpbmVkIjpmYWxzZSwiUGFyZW50U3R5bGUiOm51bGx9LCJBdXRvU2l6ZSI6MCwiRm9yZWdyb3VuZCI6eyIkaWQiOiIxNTgiLCJDb2xvciI6eyIkcmVmIjoiMTIxIn19LCJNYXhXaWR0aCI6MjAwLjAsIk1heEhlaWdodCI6IkluZmluaXR5IiwiU21hcnRGb3JlZ3JvdW5kSXNBY3RpdmUiOmZhbHNlLCJIb3Jpem9udGFsQWxpZ25tZW50IjowLCJWZXJ0aWNhbEFsaWdubWVudCI6MCwiU21hcnRGb3JlZ3JvdW5kIjpudWxsLCJCYWNrZ3JvdW5kRmlsbFR5cGUiOjAsIk1hcmdpbiI6eyIkaWQiOiIxNTkiLCJUb3AiOjAsIkxlZnQiOjAsIlJpZ2h0IjowLCJCb3R0b20iOjB9LCJQYWRkaW5nIjp7IiRpZCI6IjE2MCIsIlRvcCI6MCwiTGVmdCI6MCwiUmlnaHQiOjAsIkJvdHRvbSI6MH0sIkJhY2tncm91bmQiOnsiJHJlZiI6IjEyNCJ9LCJJc1Zpc2libGUiOnRydWUsIldpZHRoIjowLjAsIkhlaWdodCI6MC4wLCJCb3JkZXJTdHlsZSI6eyIkaWQiOiIxNjEiLCJMaW5lQ29sb3IiOm51bGwsIkxpbmVXZWlnaHQiOjAuMCwiTGluZVR5cGUiOjAsIlBhcmVudFN0eWxlIjpudWxsfSwiUGFyZW50U3R5bGUiOm51bGx9LCJEYXRlRm9ybWF0Ijp7IiRpZCI6IjE2MiIsIkZvcm1hdFN0cmluZyI6Ik0vZC95eXl5IiwiU2VwYXJhdG9yIjoiLyIsIlVzZUludGVybmF0aW9uYWxEYXRlRm9ybWF0IjpmYWxzZSwiRGF0ZUlzVmlzaWJsZSI6dHJ1ZSwiVGltZUlzVmlzaWJsZSI6ZmFsc2UsIkhvdXJEaWdpdHMiOjEsIkFtUG1EZXNpZ25hdG9yIjoyLCJUcmltMDBNaW51dGVzIjpmYWxzZSwiTGFzdEtub3duVmlzaWJpbGl0eVN0YXRlIjpudWxsfSwiSXNWaXNpYmxlIjp0cnVlLCJQYXJlbnRTdHlsZSI6bnVsbH0sIkluZGV4IjoxLCJTbWFydER1cmF0aW9uQWN0aXZhdGVkIjpmYWxzZSwiRGF0ZUZvcm1hdCI6eyIkcmVmIjoiMTYyIn0sIklkIjoiMjJhNGYwZDctNjgwNi00NDY3LTg5ZTgtZDBkYzYzODk4ZTlhIiwiSW1wb3J0SWQiOm51bGwsIlRpdGxlIjoi7ZSE66Gc7KCd7Yq4IOqzhO2ajS/shKTqs4QiLCJOb3RlIjpudWxsLCJIeXBlcmxpbmsiOm51bGwsIklzQ2hhbmdlZCI6ZmFsc2UsIklzTmV3IjpmYWxzZX0seyIkaWQiOiIxNjMiLCJHcm91cE5hbWUiOm51bGwsIlN0YXJ0RGF0ZSI6IjIwMTktMDQtMDFUMDA6MDA6MDBaIiwiRW5kRGF0ZSI6IjIwMTktMDQtMzBUMjM6NTk6MDBaIiwiUGVyY2VudGFnZUNvbXBsZXRlIjpudWxsLCJTdHlsZSI6eyIkaWQiOiIxNjQiLCJTaGFwZSI6MCwiU2hhcGVUaGlja25lc3MiOjEsIkR1cmF0aW9uRm9ybWF0IjowLCJJbmNsdWRlTm9uV29ya2luZ0RheXNJbkR1cmF0aW9uIjpmYWxzZSwiUGVyY2VudGFnZUNvbXBsZXRlU3R5bGUiOnsiJGlkIjoiMTY1IiwiRm9udFNldHRpbmdzIjp7IiRpZCI6IjE2NiIsIkZvbnRTaXplIjoxMCwiRm9udE5hbWUiOiJDYWxpYnJpIiwiSXNCb2xkIjpmYWxzZSwiSXNJdGFsaWMiOmZhbHNlLCJJc1VuZGVybGluZWQiOmZhbHNlLCJQYXJlbnRTdHlsZSI6bnVsbH0sIkF1dG9TaXplIjowLCJGb3JlZ3JvdW5kIjp7IiRyZWYiOiI4NSJ9LCJNYXhXaWR0aCI6MjAwLjAsIk1heEhlaWdodCI6IkluZmluaXR5IiwiU21hcnRGb3JlZ3JvdW5kSXNBY3RpdmUiOmZhbHNlLCJIb3Jpem9udGFsQWxpZ25tZW50IjowLCJWZXJ0aWNhbEFsaWdubWVudCI6MCwiU21hcnRGb3JlZ3JvdW5kIjpudWxsLCJCYWNrZ3JvdW5kRmlsbFR5cGUiOjAsIk1hcmdpbiI6eyIkcmVmIjoiODcifSwiUGFkZGluZyI6eyIkcmVmIjoiODgifSwiQmFja2dyb3VuZCI6eyIkcmVmIjoiODkifSwiSXNWaXNpYmxlIjp0cnVlLCJXaWR0aCI6MC4wLCJIZWlnaHQiOjAuMCwiQm9yZGVyU3R5bGUiOnsiJGlkIjoiMTY3IiwiTGluZUNvbG9yIjpudWxsLCJMaW5lV2VpZ2h0IjowLjAsIkxpbmVUeXBlIjowLCJQYXJlbnRTdHlsZSI6bnVsbH0sIlBhcmVudFN0eWxlIjpudWxsfSwiRHVyYXRpb25TdHlsZSI6eyIkaWQiOiIxNjgiLCJGb250U2V0dGluZ3MiOnsiJGlkIjoiMTY5IiwiRm9udFNpemUiOjEwLCJGb250TmFtZSI6IkNhbGlicmkiLCJJc0JvbGQiOmZhbHNlLCJJc0l0YWxpYyI6ZmFsc2UsIklzVW5kZXJsaW5lZCI6ZmFsc2UsIlBhcmVudFN0eWxlIjpudWxsfSwiQXV0b1NpemUiOjAsIkZvcmVncm91bmQiOnsiJHJlZiI6IjkyIn0sIk1heFdpZHRoIjoyMDAuMCwiTWF4SGVpZ2h0IjoiSW5maW5pdHkiLCJTbWFydEZvcmVncm91bmRJc0FjdGl2ZSI6ZmFsc2UsIkhvcml6b250YWxBbGlnbm1lbnQiOjAsIlZlcnRpY2FsQWxpZ25tZW50IjowLCJTbWFydEZvcmVncm91bmQiOm51bGwsIkJhY2tncm91bmRGaWxsVHlwZSI6MCwiTWFyZ2luIjp7IiRyZWYiOiI5NCJ9LCJQYWRkaW5nIjp7IiRyZWYiOiI5NSJ9LCJCYWNrZ3JvdW5kIjp7IiRyZWYiOiI5NiJ9LCJJc1Zpc2libGUiOnRydWUsIldpZHRoIjowLjAsIkhlaWdodCI6MC4wLCJCb3JkZXJTdHlsZSI6eyIkaWQiOiIxNzAiLCJMaW5lQ29sb3IiOm51bGwsIkxpbmVXZWlnaHQiOjAuMCwiTGluZVR5cGUiOjAsIlBhcmVudFN0eWxlIjpudWxsfSwiUGFyZW50U3R5bGUiOm51bGx9LCJIb3Jpem9udGFsQ29ubmVjdG9yU3R5bGUiOnsiJGlkIjoiMTcxIiwiTGluZUNvbG9yIjp7IiRyZWYiOiI5OCJ9LCJMaW5lV2VpZ2h0IjoxLjAsIkxpbmVUeXBlIjowLCJQYXJlbnRTdHlsZSI6bnVsbH0sIlZlcnRpY2FsQ29ubmVjdG9yU3R5bGUiOnsiJGlkIjoiMTcyIiwiTGluZUNvbG9yIjp7IiRyZWYiOiIxMDEifSwiTGluZVdlaWdodCI6MC4wLCJMaW5lVHlwZSI6MCwiUGFyZW50U3R5bGUiOm51bGx9LCJNYXJnaW4iOm51bGwsIlN0YXJ0RGF0ZVBvc2l0aW9uIjo0LCJFbmREYXRlUG9zaXRpb24iOjQsIkRhdGVJc1Zpc2libGUiOnRydWUsIlRpdGxlUG9zaXRpb24iOjUsIkR1cmF0aW9uUG9zaXRpb24iOjYsIlBlcmNlbnRhZ2VDb21wbGV0ZWRQb3NpdGlvbiI6NiwiU3BhY2luZyI6NSwiSXNCZWxvd1RpbWViYW5kIjp0cnVlLCJQZXJjZW50YWdlQ29tcGxldGVTaGFwZU9wYWNpdHkiOjM1LCJTaGFwZVN0eWxlIjp7IiRpZCI6IjE3MyIsIk1hcmdpbiI6eyIkcmVmIjoiMTA0In0sIlBhZGRpbmciOnsiJHJlZiI6IjEwNSJ9LCJCYWNrZ3JvdW5kIjp7IiRpZCI6IjE3NCIsIkNvbG9yIjp7IiRpZCI6IjE3NSIsIkEiOjI1NSwiUiI6OTEsIkciOjE1NSwiQiI6MjEzfX0sIklzVmlzaWJsZSI6dHJ1ZSwiV2lkdGgiOjAuMCwiSGVpZ2h0IjoxNi4wLCJCb3JkZXJTdHlsZSI6eyIkaWQiOiIxNzYiLCJMaW5lQ29sb3IiOnsiJHJlZiI6IjEwOSJ9LCJMaW5lV2VpZ2h0IjowLjAsIkxpbmVUeXBlIjowLCJQYXJlbnRTdHlsZSI6bnVsbH0sIlBhcmVudFN0eWxlIjpudWxsfSwiVGl0bGVTdHlsZSI6eyIkaWQiOiIxNzciLCJGb250U2V0dGluZ3MiOnsiJGlkIjoiMTc4IiwiRm9udFNpemUiOjExLCJGb250TmFtZSI6IkNhbGlicmkiLCJJc0JvbGQiOnRydWUsIklzSXRhbGljIjpmYWxzZSwiSXNVbmRlcmxpbmVkIjpmYWxzZSwiUGFyZW50U3R5bGUiOm51bGx9LCJBdXRvU2l6ZSI6MCwiRm9yZWdyb3VuZCI6eyIkcmVmIjoiMTEzIn0sIk1heFdpZHRoIjo3MjAuMCwiTWF4SGVpZ2h0IjoiSW5maW5pdHkiLCJTbWFydEZvcmVncm91bmRJc0FjdGl2ZSI6ZmFsc2UsIkhvcml6b250YWxBbGlnbm1lbnQiOjAsIlZlcnRpY2FsQWxpZ25tZW50IjowLCJTbWFydEZvcmVncm91bmQiOm51bGwsIkJhY2tncm91bmRGaWxsVHlwZSI6MCwiTWFyZ2luIjp7IiRyZWYiOiIxMTUifSwiUGFkZGluZyI6eyIkcmVmIjoiMTE2In0sIkJhY2tncm91bmQiOnsiJHJlZiI6IjExNyJ9LCJJc1Zpc2libGUiOnRydWUsIldpZHRoIjowLjAsIkhlaWdodCI6MC4wLCJCb3JkZXJTdHlsZSI6eyIkaWQiOiIxNzkiLCJMaW5lQ29sb3IiOm51bGwsIkxpbmVXZWlnaHQiOjAuMCwiTGluZVR5cGUiOjAsIlBhcmVudFN0eWxlIjpudWxsfSwiUGFyZW50U3R5bGUiOm51bGx9LCJEYXRlU3R5bGUiOnsiJGlkIjoiMTgwIiwiRm9udFNldHRpbmdzIjp7IiRpZCI6IjE4MSIsIkZvbnRTaXplIjoxMCwiRm9udE5hbWUiOiJDYWxpYnJpIiwiSXNCb2xkIjpmYWxzZSwiSXNJdGFsaWMiOmZhbHNlLCJJc1VuZGVybGluZWQiOmZhbHNlLCJQYXJlbnRTdHlsZSI6bnVsbH0sIkF1dG9TaXplIjowLCJGb3JlZ3JvdW5kIjp7IiRyZWYiOiIxMjAifSwiTWF4V2lkdGgiOjIwMC4wLCJNYXhIZWlnaHQiOiJJbmZpbml0eSIsIlNtYXJ0Rm9yZWdyb3VuZElzQWN0aXZlIjpmYWxzZSwiSG9yaXpvbnRhbEFsaWdubWVudCI6MCwiVmVydGljYWxBbGlnbm1lbnQiOjAsIlNtYXJ0Rm9yZWdyb3VuZCI6bnVsbCwiQmFja2dyb3VuZEZpbGxUeXBlIjowLCJNYXJnaW4iOnsiJHJlZiI6IjEyMiJ9LCJQYWRkaW5nIjp7IiRyZWYiOiIxMjMifSwiQmFja2dyb3VuZCI6eyIkcmVmIjoiMTI0In0sIklzVmlzaWJsZSI6dHJ1ZSwiV2lkdGgiOjAuMCwiSGVpZ2h0IjowLjAsIkJvcmRlclN0eWxlIjp7IiRpZCI6IjE4MiIsIkxpbmVDb2xvciI6bnVsbCwiTGluZVdlaWdodCI6MC4wLCJMaW5lVHlwZSI6MCwiUGFyZW50U3R5bGUiOm51bGx9LCJQYXJlbnRTdHlsZSI6bnVsbH0sIkRhdGVGb3JtYXQiOnsiJHJlZiI6IjEyNSJ9LCJJc1Zpc2libGUiOnRydWUsIlBhcmVudFN0eWxlIjpudWxsfSwiSW5kZXgiOjIsIlNtYXJ0RHVyYXRpb25BY3RpdmF0ZWQiOmZhbHNlLCJEYXRlRm9ybWF0Ijp7IiRyZWYiOiIxMjUifSwiSWQiOiJkNWNkNmQyZi05ODAyLTRmNDktYWRjZi0xMGE3YzQyZmJlZmYiLCJJbXBvcnRJZCI6bnVsbCwiVGl0bGUiOiLspJHqsIQg67O06rOg7IScIOyekeyEsSDrsI8g7ZS865Oc67CxIiwiTm90ZSI6bnVsbCwiSHlwZXJsaW5rIjpudWxsLCJJc0NoYW5nZWQiOmZhbHNlLCJJc05ldyI6ZmFsc2V9LHsiJGlkIjoiMTgzIiwiR3JvdXBOYW1lIjpudWxsLCJTdGFydERhdGUiOiIyMDE5LTA0LTAxVDAwOjAwOjAwIiwiRW5kRGF0ZSI6IjIwMTktMDQtMTBUMjM6NTk6MDBaIiwiUGVyY2VudGFnZUNvbXBsZXRlIjpudWxsLCJTdHlsZSI6eyIkaWQiOiIxODQiLCJTaGFwZSI6MCwiU2hhcGVUaGlja25lc3MiOjEsIkR1cmF0aW9uRm9ybWF0IjowLCJJbmNsdWRlTm9uV29ya2luZ0RheXNJbkR1cmF0aW9uIjpmYWxzZSwiUGVyY2VudGFnZUNvbXBsZXRlU3R5bGUiOnsiJGlkIjoiMTg1IiwiRm9udFNldHRpbmdzIjp7IiRpZCI6IjE4NiIsIkZvbnRTaXplIjoxMCwiRm9udE5hbWUiOiJDYWxpYnJpIiwiSXNCb2xkIjpmYWxzZSwiSXNJdGFsaWMiOmZhbHNlLCJJc1VuZGVybGluZWQiOmZhbHNlLCJQYXJlbnRTdHlsZSI6bnVsbH0sIkF1dG9TaXplIjowLCJGb3JlZ3JvdW5kIjp7IiRpZCI6IjE4NyIsIkNvbG9yIjp7IiRyZWYiOiI4NiJ9fSwiTWF4V2lkdGgiOjIwMC4wLCJNYXhIZWlnaHQiOiJJbmZpbml0eSIsIlNtYXJ0Rm9yZWdyb3VuZElzQWN0aXZlIjpmYWxzZSwiSG9yaXpvbnRhbEFsaWdubWVudCI6MCwiVmVydGljYWxBbGlnbm1lbnQiOjAsIlNtYXJ0Rm9yZWdyb3VuZCI6bnVsbCwiQmFja2dyb3VuZEZpbGxUeXBlIjowLCJNYXJnaW4iOnsiJGlkIjoiMTg4IiwiVG9wIjowLCJMZWZ0IjowLCJSaWdodCI6MCwiQm90dG9tIjowfSwiUGFkZGluZyI6eyIkaWQiOiIxODkiLCJUb3AiOjAsIkxlZnQiOjAsIlJpZ2h0IjowLCJCb3R0b20iOjB9LCJCYWNrZ3JvdW5kIjp7IiRyZWYiOiI4OSJ9LCJJc1Zpc2libGUiOnRydWUsIldpZHRoIjowLjAsIkhlaWdodCI6MC4wLCJCb3JkZXJTdHlsZSI6eyIkaWQiOiIxOTAiLCJMaW5lQ29sb3IiOm51bGwsIkxpbmVXZWlnaHQiOjAuMCwiTGluZVR5cGUiOjAsIlBhcmVudFN0eWxlIjpudWxsfSwiUGFyZW50U3R5bGUiOm51bGx9LCJEdXJhdGlvblN0eWxlIjp7IiRpZCI6IjE5MSIsIkZvbnRTZXR0aW5ncyI6eyIkaWQiOiIxOTIiLCJGb250U2l6ZSI6MTAsIkZvbnROYW1lIjoiQ2FsaWJyaSIsIklzQm9sZCI6ZmFsc2UsIklzSXRhbGljIjpmYWxzZSwiSXNVbmRlcmxpbmVkIjpmYWxzZSwiUGFyZW50U3R5bGUiOm51bGx9LCJBdXRvU2l6ZSI6MCwiRm9yZWdyb3VuZCI6eyIkaWQiOiIxOTMiLCJDb2xvciI6eyIkcmVmIjoiOTMifX0sIk1heFdpZHRoIjoyMDAuMCwiTWF4SGVpZ2h0IjoiSW5maW5pdHkiLCJTbWFydEZvcmVncm91bmRJc0FjdGl2ZSI6ZmFsc2UsIkhvcml6b250YWxBbGlnbm1lbnQiOjAsIlZlcnRpY2FsQWxpZ25tZW50IjowLCJTbWFydEZvcmVncm91bmQiOm51bGwsIkJhY2tncm91bmRGaWxsVHlwZSI6MCwiTWFyZ2luIjp7IiRpZCI6IjE5NCIsIlRvcCI6MCwiTGVmdCI6MCwiUmlnaHQiOjAsIkJvdHRvbSI6MH0sIlBhZGRpbmciOnsiJGlkIjoiMTk1IiwiVG9wIjowLCJMZWZ0IjowLCJSaWdodCI6MCwiQm90dG9tIjowfSwiQmFja2dyb3VuZCI6eyIkcmVmIjoiOTYifSwiSXNWaXNpYmxlIjp0cnVlLCJXaWR0aCI6MC4wLCJIZWlnaHQiOjAuMCwiQm9yZGVyU3R5bGUiOnsiJGlkIjoiMTk2IiwiTGluZUNvbG9yIjpudWxsLCJMaW5lV2VpZ2h0IjowLjAsIkxpbmVUeXBlIjowLCJQYXJlbnRTdHlsZSI6bnVsbH0sIlBhcmVudFN0eWxlIjpudWxsfSwiSG9yaXpvbnRhbENvbm5lY3RvclN0eWxlIjp7IiRpZCI6IjE5NyIsIkxpbmVDb2xvciI6eyIkcmVmIjoiOTgifSwiTGluZVdlaWdodCI6MS4wLCJMaW5lVHlwZSI6MCwiUGFyZW50U3R5bGUiOm51bGx9LCJWZXJ0aWNhbENvbm5lY3RvclN0eWxlIjp7IiRpZCI6IjE5OCIsIkxpbmVDb2xvciI6eyIkcmVmIjoiMTAxIn0sIkxpbmVXZWlnaHQiOjAuMCwiTGluZVR5cGUiOjAsIlBhcmVudFN0eWxlIjpudWxsfSwiTWFyZ2luIjpudWxsLCJTdGFydERhdGVQb3NpdGlvbiI6NCwiRW5kRGF0ZVBvc2l0aW9uIjo0LCJEYXRlSXNWaXNpYmxlIjp0cnVlLCJUaXRsZVBvc2l0aW9uIjo1LCJEdXJhdGlvblBvc2l0aW9uIjo2LCJQZXJjZW50YWdlQ29tcGxldGVkUG9zaXRpb24iOjYsIlNwYWNpbmciOjUsIklzQmVsb3dUaW1lYmFuZCI6dHJ1ZSwiUGVyY2VudGFnZUNvbXBsZXRlU2hhcGVPcGFjaXR5IjozNSwiU2hhcGVTdHlsZSI6eyIkaWQiOiIxOTkiLCJNYXJnaW4iOnsiJGlkIjoiMjAwIiwiVG9wIjowLCJMZWZ0Ijo0LCJSaWdodCI6NCwiQm90dG9tIjowfSwiUGFkZGluZyI6eyIkaWQiOiIyMDEiLCJUb3AiOjAsIkxlZnQiOjAsIlJpZ2h0IjowLCJCb3R0b20iOjB9LCJCYWNrZ3JvdW5kIjp7IiRpZCI6IjIwMiIsIkNvbG9yIjp7IiRpZCI6IjIwMyIsIkEiOjI1NSwiUiI6OTEsIkciOjE1NSwiQiI6MjEzfX0sIklzVmlzaWJsZSI6dHJ1ZSwiV2lkdGgiOjAuMCwiSGVpZ2h0IjoxNi4wLCJCb3JkZXJTdHlsZSI6eyIkaWQiOiIyMDQiLCJMaW5lQ29sb3IiOnsiJHJlZiI6IjEwOSJ9LCJMaW5lV2VpZ2h0IjowLjAsIkxpbmVUeXBlIjowLCJQYXJlbnRTdHlsZSI6bnVsbH0sIlBhcmVudFN0eWxlIjpudWxsfSwiVGl0bGVTdHlsZSI6eyIkaWQiOiIyMDUiLCJGb250U2V0dGluZ3MiOnsiJGlkIjoiMjA2IiwiRm9udFNpemUiOjExLCJGb250TmFtZSI6IkNhbGlicmkiLCJJc0JvbGQiOnRydWUsIklzSXRhbGljIjpmYWxzZSwiSXNVbmRlcmxpbmVkIjpmYWxzZSwiUGFyZW50U3R5bGUiOm51bGx9LCJBdXRvU2l6ZSI6MCwiRm9yZWdyb3VuZCI6eyIkaWQiOiIyMDciLCJDb2xvciI6eyIkcmVmIjoiMTE0In19LCJNYXhXaWR0aCI6OTYwLjAsIk1heEhlaWdodCI6IkluZmluaXR5IiwiU21hcnRGb3JlZ3JvdW5kSXNBY3RpdmUiOmZhbHNlLCJIb3Jpem9udGFsQWxpZ25tZW50IjowLCJWZXJ0aWNhbEFsaWdubWVudCI6MCwiU21hcnRGb3JlZ3JvdW5kIjpudWxsLCJCYWNrZ3JvdW5kRmlsbFR5cGUiOjAsIk1hcmdpbiI6eyIkaWQiOiIyMDgiLCJUb3AiOjAsIkxlZnQiOjAsIlJpZ2h0IjowLCJCb3R0b20iOjB9LCJQYWRkaW5nIjp7IiRpZCI6IjIwOSIsIlRvcCI6MCwiTGVmdCI6MCwiUmlnaHQiOjAsIkJvdHRvbSI6MH0sIkJhY2tncm91bmQiOnsiJHJlZiI6IjExNyJ9LCJJc1Zpc2libGUiOnRydWUsIldpZHRoIjowLjAsIkhlaWdodCI6MC4wLCJCb3JkZXJTdHlsZSI6eyIkaWQiOiIyMTAiLCJMaW5lQ29sb3IiOm51bGwsIkxpbmVXZWlnaHQiOjAuMCwiTGluZVR5cGUiOjAsIlBhcmVudFN0eWxlIjpudWxsfSwiUGFyZW50U3R5bGUiOm51bGx9LCJEYXRlU3R5bGUiOnsiJGlkIjoiMjExIiwiRm9udFNldHRpbmdzIjp7IiRpZCI6IjIxMiIsIkZvbnRTaXplIjoxMCwiRm9udE5hbWUiOiJDYWxpYnJpIiwiSXNCb2xkIjpmYWxzZSwiSXNJdGFsaWMiOmZhbHNlLCJJc1VuZGVybGluZWQiOmZhbHNlLCJQYXJlbnRTdHlsZSI6bnVsbH0sIkF1dG9TaXplIjowLCJGb3JlZ3JvdW5kIjp7IiRpZCI6IjIxMyIsIkNvbG9yIjp7IiRyZWYiOiIxMjEifX0sIk1heFdpZHRoIjoyMDAuMCwiTWF4SGVpZ2h0IjoiSW5maW5pdHkiLCJTbWFydEZvcmVncm91bmRJc0FjdGl2ZSI6ZmFsc2UsIkhvcml6b250YWxBbGlnbm1lbnQiOjAsIlZlcnRpY2FsQWxpZ25tZW50IjowLCJTbWFydEZvcmVncm91bmQiOm51bGwsIkJhY2tncm91bmRGaWxsVHlwZSI6MCwiTWFyZ2luIjp7IiRpZCI6IjIxNCIsIlRvcCI6MCwiTGVmdCI6MCwiUmlnaHQiOjAsIkJvdHRvbSI6MH0sIlBhZGRpbmciOnsiJGlkIjoiMjE1IiwiVG9wIjowLCJMZWZ0IjowLCJSaWdodCI6MCwiQm90dG9tIjowfSwiQmFja2dyb3VuZCI6eyIkcmVmIjoiMTI0In0sIklzVmlzaWJsZSI6dHJ1ZSwiV2lkdGgiOjAuMCwiSGVpZ2h0IjowLjAsIkJvcmRlclN0eWxlIjp7IiRpZCI6IjIxNiIsIkxpbmVDb2xvciI6bnVsbCwiTGluZVdlaWdodCI6MC4wLCJMaW5lVHlwZSI6MCwiUGFyZW50U3R5bGUiOm51bGx9LCJQYXJlbnRTdHlsZSI6bnVsbH0sIkRhdGVGb3JtYXQiOnsiJGlkIjoiMjE3IiwiRm9ybWF0U3RyaW5nIjoiTS9kL3l5eXkiLCJTZXBhcmF0b3IiOiIvIiwiVXNlSW50ZXJuYXRpb25hbERhdGVGb3JtYXQiOmZhbHNlLCJEYXRlSXNWaXNpYmxlIjp0cnVlLCJUaW1lSXNWaXNpYmxlIjpmYWxzZSwiSG91ckRpZ2l0cyI6MSwiQW1QbURlc2lnbmF0b3IiOjIsIlRyaW0wME1pbnV0ZXMiOmZhbHNlLCJMYXN0S25vd25WaXNpYmlsaXR5U3RhdGUiOm51bGx9LCJJc1Zpc2libGUiOnRydWUsIlBhcmVudFN0eWxlIjpudWxsfSwiSW5kZXgiOjMsIlNtYXJ0RHVyYXRpb25BY3RpdmF0ZWQiOmZhbHNlLCJEYXRlRm9ybWF0Ijp7IiRyZWYiOiIyMTcifSwiSWQiOiJkNDQ3ZWE0NS04ZDk1LTQzODktOTVmNS1jYWE5YjkxMzI5Y2MiLCJJbXBvcnRJZCI6bnVsbCwiVGl0bGUiOiLqtIDroKgg7Jik7ZSI7IaM7IqkIOyImOynkS/rtoTshJ0iLCJOb3RlIjpudWxsLCJIeXBlcmxpbmsiOm51bGwsIklzQ2hhbmdlZCI6ZmFsc2UsIklzTmV3IjpmYWxzZX0seyIkaWQiOiIyMTgiLCJHcm91cE5hbWUiOm51bGwsIlN0YXJ0RGF0ZSI6IjIwMTktMDQtMDRUMDA6MDA6MDBaIiwiRW5kRGF0ZSI6IjIwMTktMDQtMTBUMjM6NTk6MDBaIiwiUGVyY2VudGFnZUNvbXBsZXRlIjpudWxsLCJTdHlsZSI6eyIkaWQiOiIyMTkiLCJTaGFwZSI6MCwiU2hhcGVUaGlja25lc3MiOjEsIkR1cmF0aW9uRm9ybWF0IjowLCJJbmNsdWRlTm9uV29ya2luZ0RheXNJbkR1cmF0aW9uIjpmYWxzZSwiUGVyY2VudGFnZUNvbXBsZXRlU3R5bGUiOnsiJGlkIjoiMjIwIiwiRm9udFNldHRpbmdzIjp7IiRpZCI6IjIyMSIsIkZvbnRTaXplIjoxMCwiRm9udE5hbWUiOiJDYWxpYnJpIiwiSXNCb2xkIjpmYWxzZSwiSXNJdGFsaWMiOmZhbHNlLCJJc1VuZGVybGluZWQiOmZhbHNlLCJQYXJlbnRTdHlsZSI6bnVsbH0sIkF1dG9TaXplIjowLCJGb3JlZ3JvdW5kIjp7IiRpZCI6IjIyMiIsIkNvbG9yIjp7IiRyZWYiOiI4NiJ9fSwiTWF4V2lkdGgiOjIwMC4wLCJNYXhIZWlnaHQiOiJJbmZpbml0eSIsIlNtYXJ0Rm9yZWdyb3VuZElzQWN0aXZlIjpmYWxzZSwiSG9yaXpvbnRhbEFsaWdubWVudCI6MCwiVmVydGljYWxBbGlnbm1lbnQiOjAsIlNtYXJ0Rm9yZWdyb3VuZCI6bnVsbCwiQmFja2dyb3VuZEZpbGxUeXBlIjowLCJNYXJnaW4iOnsiJGlkIjoiMjIzIiwiVG9wIjowLCJMZWZ0IjowLCJSaWdodCI6MCwiQm90dG9tIjowfSwiUGFkZGluZyI6eyIkaWQiOiIyMjQiLCJUb3AiOjAsIkxlZnQiOjAsIlJpZ2h0IjowLCJCb3R0b20iOjB9LCJCYWNrZ3JvdW5kIjp7IiRyZWYiOiI4OSJ9LCJJc1Zpc2libGUiOnRydWUsIldpZHRoIjowLjAsIkhlaWdodCI6MC4wLCJCb3JkZXJTdHlsZSI6eyIkaWQiOiIyMjUiLCJMaW5lQ29sb3IiOm51bGwsIkxpbmVXZWlnaHQiOjAuMCwiTGluZVR5cGUiOjAsIlBhcmVudFN0eWxlIjpudWxsfSwiUGFyZW50U3R5bGUiOm51bGx9LCJEdXJhdGlvblN0eWxlIjp7IiRpZCI6IjIyNiIsIkZvbnRTZXR0aW5ncyI6eyIkaWQiOiIyMjciLCJGb250U2l6ZSI6MTAsIkZvbnROYW1lIjoiQ2FsaWJyaSIsIklzQm9sZCI6ZmFsc2UsIklzSXRhbGljIjpmYWxzZSwiSXNVbmRlcmxpbmVkIjpmYWxzZSwiUGFyZW50U3R5bGUiOm51bGx9LCJBdXRvU2l6ZSI6MCwiRm9yZWdyb3VuZCI6eyIkaWQiOiIyMjgiLCJDb2xvciI6eyIkcmVmIjoiOTMifX0sIk1heFdpZHRoIjoyMDAuMCwiTWF4SGVpZ2h0IjoiSW5maW5pdHkiLCJTbWFydEZvcmVncm91bmRJc0FjdGl2ZSI6ZmFsc2UsIkhvcml6b250YWxBbGlnbm1lbnQiOjAsIlZlcnRpY2FsQWxpZ25tZW50IjowLCJTbWFydEZvcmVncm91bmQiOm51bGwsIkJhY2tncm91bmRGaWxsVHlwZSI6MCwiTWFyZ2luIjp7IiRpZCI6IjIyOSIsIlRvcCI6MCwiTGVmdCI6MCwiUmlnaHQiOjAsIkJvdHRvbSI6MH0sIlBhZGRpbmciOnsiJGlkIjoiMjMwIiwiVG9wIjowLCJMZWZ0IjowLCJSaWdodCI6MCwiQm90dG9tIjowfSwiQmFja2dyb3VuZCI6eyIkcmVmIjoiOTYifSwiSXNWaXNpYmxlIjp0cnVlLCJXaWR0aCI6MC4wLCJIZWlnaHQiOjAuMCwiQm9yZGVyU3R5bGUiOnsiJGlkIjoiMjMxIiwiTGluZUNvbG9yIjpudWxsLCJMaW5lV2VpZ2h0IjowLjAsIkxpbmVUeXBlIjowLCJQYXJlbnRTdHlsZSI6bnVsbH0sIlBhcmVudFN0eWxlIjpudWxsfSwiSG9yaXpvbnRhbENvbm5lY3RvclN0eWxlIjp7IiRpZCI6IjIzMiIsIkxpbmVDb2xvciI6eyIkcmVmIjoiOTgifSwiTGluZVdlaWdodCI6MS4wLCJMaW5lVHlwZSI6MCwiUGFyZW50U3R5bGUiOm51bGx9LCJWZXJ0aWNhbENvbm5lY3RvclN0eWxlIjp7IiRpZCI6IjIzMyIsIkxpbmVDb2xvciI6eyIkcmVmIjoiMTAxIn0sIkxpbmVXZWlnaHQiOjAuMCwiTGluZVR5cGUiOjAsIlBhcmVudFN0eWxlIjpudWxsfSwiTWFyZ2luIjpudWxsLCJTdGFydERhdGVQb3NpdGlvbiI6NCwiRW5kRGF0ZVBvc2l0aW9uIjo0LCJEYXRlSXNWaXNpYmxlIjp0cnVlLCJUaXRsZVBvc2l0aW9uIjo1LCJEdXJhdGlvblBvc2l0aW9uIjo2LCJQZXJjZW50YWdlQ29tcGxldGVkUG9zaXRpb24iOjYsIlNwYWNpbmciOjUsIklzQmVsb3dUaW1lYmFuZCI6dHJ1ZSwiUGVyY2VudGFnZUNvbXBsZXRlU2hhcGVPcGFjaXR5IjozNSwiU2hhcGVTdHlsZSI6eyIkaWQiOiIyMzQiLCJNYXJnaW4iOnsiJGlkIjoiMjM1IiwiVG9wIjowLCJMZWZ0Ijo0LCJSaWdodCI6NCwiQm90dG9tIjowfSwiUGFkZGluZyI6eyIkaWQiOiIyMzYiLCJUb3AiOjAsIkxlZnQiOjAsIlJpZ2h0IjowLCJCb3R0b20iOjB9LCJCYWNrZ3JvdW5kIjp7IiRpZCI6IjIzNyIsIkNvbG9yIjp7IiRpZCI6IjIzOCIsIkEiOjI1NSwiUiI6MTEyLCJHIjoxNzMsIkIiOjcxfX0sIklzVmlzaWJsZSI6dHJ1ZSwiV2lkdGgiOjAuMCwiSGVpZ2h0IjoxNi4wLCJCb3JkZXJTdHlsZSI6eyIkaWQiOiIyMzkiLCJMaW5lQ29sb3IiOnsiJHJlZiI6IjEwOSJ9LCJMaW5lV2VpZ2h0IjowLjAsIkxpbmVUeXBlIjowLCJQYXJlbnRTdHlsZSI6bnVsbH0sIlBhcmVudFN0eWxlIjpudWxsfSwiVGl0bGVTdHlsZSI6eyIkaWQiOiIyNDAiLCJGb250U2V0dGluZ3MiOnsiJGlkIjoiMjQxIiwiRm9udFNpemUiOjExLCJGb250TmFtZSI6IkNhbGlicmkiLCJJc0JvbGQiOnRydWUsIklzSXRhbGljIjpmYWxzZSwiSXNVbmRlcmxpbmVkIjpmYWxzZSwiUGFyZW50U3R5bGUiOm51bGx9LCJBdXRvU2l6ZSI6MCwiRm9yZWdyb3VuZCI6eyIkaWQiOiIyNDIiLCJDb2xvciI6eyIkcmVmIjoiMTE0In19LCJNYXhXaWR0aCI6OTYwLjAsIk1heEhlaWdodCI6IkluZmluaXR5IiwiU21hcnRGb3JlZ3JvdW5kSXNBY3RpdmUiOmZhbHNlLCJIb3Jpem9udGFsQWxpZ25tZW50IjowLCJWZXJ0aWNhbEFsaWdubWVudCI6MCwiU21hcnRGb3JlZ3JvdW5kIjpudWxsLCJCYWNrZ3JvdW5kRmlsbFR5cGUiOjAsIk1hcmdpbiI6eyIkaWQiOiIyNDMiLCJUb3AiOjAsIkxlZnQiOjAsIlJpZ2h0IjowLCJCb3R0b20iOjB9LCJQYWRkaW5nIjp7IiRpZCI6IjI0NCIsIlRvcCI6MCwiTGVmdCI6MCwiUmlnaHQiOjAsIkJvdHRvbSI6MH0sIkJhY2tncm91bmQiOnsiJHJlZiI6IjExNyJ9LCJJc1Zpc2libGUiOnRydWUsIldpZHRoIjowLjAsIkhlaWdodCI6MC4wLCJCb3JkZXJTdHlsZSI6eyIkaWQiOiIyNDUiLCJMaW5lQ29sb3IiOm51bGwsIkxpbmVXZWlnaHQiOjAuMCwiTGluZVR5cGUiOjAsIlBhcmVudFN0eWxlIjpudWxsfSwiUGFyZW50U3R5bGUiOm51bGx9LCJEYXRlU3R5bGUiOnsiJGlkIjoiMjQ2IiwiRm9udFNldHRpbmdzIjp7IiRpZCI6IjI0NyIsIkZvbnRTaXplIjoxMCwiRm9udE5hbWUiOiJDYWxpYnJpIiwiSXNCb2xkIjpmYWxzZSwiSXNJdGFsaWMiOmZhbHNlLCJJc1VuZGVybGluZWQiOmZhbHNlLCJQYXJlbnRTdHlsZSI6bnVsbH0sIkF1dG9TaXplIjowLCJGb3JlZ3JvdW5kIjp7IiRpZCI6IjI0OCIsIkNvbG9yIjp7IiRyZWYiOiIxMjEifX0sIk1heFdpZHRoIjoyMDAuMCwiTWF4SGVpZ2h0IjoiSW5maW5pdHkiLCJTbWFydEZvcmVncm91bmRJc0FjdGl2ZSI6ZmFsc2UsIkhvcml6b250YWxBbGlnbm1lbnQiOjAsIlZlcnRpY2FsQWxpZ25tZW50IjowLCJTbWFydEZvcmVncm91bmQiOm51bGwsIkJhY2tncm91bmRGaWxsVHlwZSI6MCwiTWFyZ2luIjp7IiRpZCI6IjI0OSIsIlRvcCI6MCwiTGVmdCI6MCwiUmlnaHQiOjAsIkJvdHRvbSI6MH0sIlBhZGRpbmciOnsiJGlkIjoiMjUwIiwiVG9wIjowLCJMZWZ0IjowLCJSaWdodCI6MCwiQm90dG9tIjowfSwiQmFja2dyb3VuZCI6eyIkcmVmIjoiMTI0In0sIklzVmlzaWJsZSI6dHJ1ZSwiV2lkdGgiOjAuMCwiSGVpZ2h0IjowLjAsIkJvcmRlclN0eWxlIjp7IiRpZCI6IjI1MSIsIkxpbmVDb2xvciI6bnVsbCwiTGluZVdlaWdodCI6MC4wLCJMaW5lVHlwZSI6MCwiUGFyZW50U3R5bGUiOm51bGx9LCJQYXJlbnRTdHlsZSI6bnVsbH0sIkRhdGVGb3JtYXQiOnsiJGlkIjoiMjUyIiwiRm9ybWF0U3RyaW5nIjoiTS9kL3l5eXkiLCJTZXBhcmF0b3IiOiIvIiwiVXNlSW50ZXJuYXRpb25hbERhdGVGb3JtYXQiOmZhbHNlLCJEYXRlSXNWaXNpYmxlIjp0cnVlLCJUaW1lSXNWaXNpYmxlIjpmYWxzZSwiSG91ckRpZ2l0cyI6MSwiQW1QbURlc2lnbmF0b3IiOjIsIlRyaW0wME1pbnV0ZXMiOmZhbHNlLCJMYXN0S25vd25WaXNpYmlsaXR5U3RhdGUiOm51bGx9LCJJc1Zpc2libGUiOnRydWUsIlBhcmVudFN0eWxlIjpudWxsfSwiSW5kZXgiOjQsIlNtYXJ0RHVyYXRpb25BY3RpdmF0ZWQiOmZhbHNlLCJEYXRlRm9ybWF0Ijp7IiRyZWYiOiIyNTIifSwiSWQiOiI3NWRmZmJkMC0yYzQxLTQ0MjEtODNiNy0yMGJiZmExYzNkMjIiLCJJbXBvcnRJZCI6bnVsbCwiVGl0bGUiOiLslYjrk5zroZzsnbTrk5wg7JWxIOqwnOuwnCIsIk5vdGUiOm51bGwsIkh5cGVybGluayI6bnVsbCwiSXNDaGFuZ2VkIjpmYWxzZSwiSXNOZXciOmZhbHNlfSx7IiRpZCI6IjI1MyIsIkdyb3VwTmFtZSI6bnVsbCwiU3RhcnREYXRlIjoiMjAxOS0wNC0wN1QwMDowMDowMFoiLCJFbmREYXRlIjoiMjAxOS0wNC0yMFQyMzo1OTowMCIsIlBlcmNlbnRhZ2VDb21wbGV0ZSI6bnVsbCwiU3R5bGUiOnsiJGlkIjoiMjU0IiwiU2hhcGUiOjAsIlNoYXBlVGhpY2tuZXNzIjoxLCJEdXJhdGlvbkZvcm1hdCI6MCwiSW5jbHVkZU5vbldvcmtpbmdEYXlzSW5EdXJhdGlvbiI6ZmFsc2UsIlBlcmNlbnRhZ2VDb21wbGV0ZVN0eWxlIjp7IiRpZCI6IjI1NSIsIkZvbnRTZXR0aW5ncyI6eyIkaWQiOiIyNTYiLCJGb250U2l6ZSI6MTAsIkZvbnROYW1lIjoiQ2FsaWJyaSIsIklzQm9sZCI6ZmFsc2UsIklzSXRhbGljIjpmYWxzZSwiSXNVbmRlcmxpbmVkIjpmYWxzZSwiUGFyZW50U3R5bGUiOm51bGx9LCJBdXRvU2l6ZSI6MCwiRm9yZWdyb3VuZCI6eyIkaWQiOiIyNTciLCJDb2xvciI6eyIkcmVmIjoiODYifX0sIk1heFdpZHRoIjoyMDAuMCwiTWF4SGVpZ2h0IjoiSW5maW5pdHkiLCJTbWFydEZvcmVncm91bmRJc0FjdGl2ZSI6ZmFsc2UsIkhvcml6b250YWxBbGlnbm1lbnQiOjAsIlZlcnRpY2FsQWxpZ25tZW50IjowLCJTbWFydEZvcmVncm91bmQiOm51bGwsIkJhY2tncm91bmRGaWxsVHlwZSI6MCwiTWFyZ2luIjp7IiRpZCI6IjI1OCIsIlRvcCI6MCwiTGVmdCI6MCwiUmlnaHQiOjAsIkJvdHRvbSI6MH0sIlBhZGRpbmciOnsiJGlkIjoiMjU5IiwiVG9wIjowLCJMZWZ0IjowLCJSaWdodCI6MCwiQm90dG9tIjowfSwiQmFja2dyb3VuZCI6eyIkcmVmIjoiODkifSwiSXNWaXNpYmxlIjp0cnVlLCJXaWR0aCI6MC4wLCJIZWlnaHQiOjAuMCwiQm9yZGVyU3R5bGUiOnsiJGlkIjoiMjYwIiwiTGluZUNvbG9yIjpudWxsLCJMaW5lV2VpZ2h0IjowLjAsIkxpbmVUeXBlIjowLCJQYXJlbnRTdHlsZSI6bnVsbH0sIlBhcmVudFN0eWxlIjpudWxsfSwiRHVyYXRpb25TdHlsZSI6eyIkaWQiOiIyNjEiLCJGb250U2V0dGluZ3MiOnsiJGlkIjoiMjYyIiwiRm9udFNpemUiOjEwLCJGb250TmFtZSI6IkNhbGlicmkiLCJJc0JvbGQiOmZhbHNlLCJJc0l0YWxpYyI6ZmFsc2UsIklzVW5kZXJsaW5lZCI6ZmFsc2UsIlBhcmVudFN0eWxlIjpudWxsfSwiQXV0b1NpemUiOjAsIkZvcmVncm91bmQiOnsiJGlkIjoiMjYzIiwiQ29sb3IiOnsiJHJlZiI6IjkzIn19LCJNYXhXaWR0aCI6MjAwLjAsIk1heEhlaWdodCI6IkluZmluaXR5IiwiU21hcnRGb3JlZ3JvdW5kSXNBY3RpdmUiOmZhbHNlLCJIb3Jpem9udGFsQWxpZ25tZW50IjowLCJWZXJ0aWNhbEFsaWdubWVudCI6MCwiU21hcnRGb3JlZ3JvdW5kIjpudWxsLCJCYWNrZ3JvdW5kRmlsbFR5cGUiOjAsIk1hcmdpbiI6eyIkaWQiOiIyNjQiLCJUb3AiOjAsIkxlZnQiOjAsIlJpZ2h0IjowLCJCb3R0b20iOjB9LCJQYWRkaW5nIjp7IiRpZCI6IjI2NSIsIlRvcCI6MCwiTGVmdCI6MCwiUmlnaHQiOjAsIkJvdHRvbSI6MH0sIkJhY2tncm91bmQiOnsiJHJlZiI6Ijk2In0sIklzVmlzaWJsZSI6dHJ1ZSwiV2lkdGgiOjAuMCwiSGVpZ2h0IjowLjAsIkJvcmRlclN0eWxlIjp7IiRpZCI6IjI2NiIsIkxpbmVDb2xvciI6bnVsbCwiTGluZVdlaWdodCI6MC4wLCJMaW5lVHlwZSI6MCwiUGFyZW50U3R5bGUiOm51bGx9LCJQYXJlbnRTdHlsZSI6bnVsbH0sIkhvcml6b250YWxDb25uZWN0b3JTdHlsZSI6eyIkaWQiOiIyNjciLCJMaW5lQ29sb3IiOnsiJHJlZiI6Ijk4In0sIkxpbmVXZWlnaHQiOjEuMCwiTGluZVR5cGUiOjAsIlBhcmVudFN0eWxlIjpudWxsfSwiVmVydGljYWxDb25uZWN0b3JTdHlsZSI6eyIkaWQiOiIyNjgiLCJMaW5lQ29sb3IiOnsiJHJlZiI6IjEwMSJ9LCJMaW5lV2VpZ2h0IjowLjAsIkxpbmVUeXBlIjowLCJQYXJlbnRTdHlsZSI6bnVsbH0sIk1hcmdpbiI6bnVsbCwiU3RhcnREYXRlUG9zaXRpb24iOjQsIkVuZERhdGVQb3NpdGlvbiI6NCwiRGF0ZUlzVmlzaWJsZSI6dHJ1ZSwiVGl0bGVQb3NpdGlvbiI6NSwiRHVyYXRpb25Qb3NpdGlvbiI6NiwiUGVyY2VudGFnZUNvbXBsZXRlZFBvc2l0aW9uIjo2LCJTcGFjaW5nIjo1LCJJc0JlbG93VGltZWJhbmQiOnRydWUsIlBlcmNlbnRhZ2VDb21wbGV0ZVNoYXBlT3BhY2l0eSI6MzUsIlNoYXBlU3R5bGUiOnsiJGlkIjoiMjY5IiwiTWFyZ2luIjp7IiRpZCI6IjI3MCIsIlRvcCI6MCwiTGVmdCI6NCwiUmlnaHQiOjQsIkJvdHRvbSI6MH0sIlBhZGRpbmciOnsiJGlkIjoiMjcxIiwiVG9wIjowLCJMZWZ0IjowLCJSaWdodCI6MCwiQm90dG9tIjowfSwiQmFja2dyb3VuZCI6eyIkaWQiOiIyNzIiLCJDb2xvciI6eyIkaWQiOiIyNzMiLCJBIjoyNTUsIlIiOjY4LCJHIjo4NCwiQiI6MTA2fX0sIklzVmlzaWJsZSI6dHJ1ZSwiV2lkdGgiOjAuMCwiSGVpZ2h0IjoxNi4wLCJCb3JkZXJTdHlsZSI6eyIkaWQiOiIyNzQiLCJMaW5lQ29sb3IiOnsiJHJlZiI6IjEwOSJ9LCJMaW5lV2VpZ2h0IjowLjAsIkxpbmVUeXBlIjowLCJQYXJlbnRTdHlsZSI6bnVsbH0sIlBhcmVudFN0eWxlIjpudWxsfSwiVGl0bGVTdHlsZSI6eyIkaWQiOiIyNzUiLCJGb250U2V0dGluZ3MiOnsiJGlkIjoiMjc2IiwiRm9udFNpemUiOjExLCJGb250TmFtZSI6IkNhbGlicmkiLCJJc0JvbGQiOnRydWUsIklzSXRhbGljIjpmYWxzZSwiSXNVbmRlcmxpbmVkIjpmYWxzZSwiUGFyZW50U3R5bGUiOm51bGx9LCJBdXRvU2l6ZSI6MCwiRm9yZWdyb3VuZCI6eyIkaWQiOiIyNzciLCJDb2xvciI6eyIkcmVmIjoiMTE0In19LCJNYXhXaWR0aCI6NzIwLjAsIk1heEhlaWdodCI6IkluZmluaXR5IiwiU21hcnRGb3JlZ3JvdW5kSXNBY3RpdmUiOmZhbHNlLCJIb3Jpem9udGFsQWxpZ25tZW50IjowLCJWZXJ0aWNhbEFsaWdubWVudCI6MCwiU21hcnRGb3JlZ3JvdW5kIjpudWxsLCJCYWNrZ3JvdW5kRmlsbFR5cGUiOjAsIk1hcmdpbiI6eyIkaWQiOiIyNzgiLCJUb3AiOjAsIkxlZnQiOjAsIlJpZ2h0IjowLCJCb3R0b20iOjB9LCJQYWRkaW5nIjp7IiRpZCI6IjI3OSIsIlRvcCI6MCwiTGVmdCI6MCwiUmlnaHQiOjAsIkJvdHRvbSI6MH0sIkJhY2tncm91bmQiOnsiJHJlZiI6IjExNyJ9LCJJc1Zpc2libGUiOnRydWUsIldpZHRoIjowLjAsIkhlaWdodCI6MC4wLCJCb3JkZXJTdHlsZSI6eyIkaWQiOiIyODAiLCJMaW5lQ29sb3IiOm51bGwsIkxpbmVXZWlnaHQiOjAuMCwiTGluZVR5cGUiOjAsIlBhcmVudFN0eWxlIjpudWxsfSwiUGFyZW50U3R5bGUiOm51bGx9LCJEYXRlU3R5bGUiOnsiJGlkIjoiMjgxIiwiRm9udFNldHRpbmdzIjp7IiRpZCI6IjI4MiIsIkZvbnRTaXplIjoxMCwiRm9udE5hbWUiOiJDYWxpYnJpIiwiSXNCb2xkIjpmYWxzZSwiSXNJdGFsaWMiOmZhbHNlLCJJc1VuZGVybGluZWQiOmZhbHNlLCJQYXJlbnRTdHlsZSI6bnVsbH0sIkF1dG9TaXplIjowLCJGb3JlZ3JvdW5kIjp7IiRpZCI6IjI4MyIsIkNvbG9yIjp7IiRyZWYiOiIxMjEifX0sIk1heFdpZHRoIjoyMDAuMCwiTWF4SGVpZ2h0IjoiSW5maW5pdHkiLCJTbWFydEZvcmVncm91bmRJc0FjdGl2ZSI6ZmFsc2UsIkhvcml6b250YWxBbGlnbm1lbnQiOjAsIlZlcnRpY2FsQWxpZ25tZW50IjowLCJTbWFydEZvcmVncm91bmQiOm51bGwsIkJhY2tncm91bmRGaWxsVHlwZSI6MCwiTWFyZ2luIjp7IiRpZCI6IjI4NCIsIlRvcCI6MCwiTGVmdCI6MCwiUmlnaHQiOjAsIkJvdHRvbSI6MH0sIlBhZGRpbmciOnsiJGlkIjoiMjg1IiwiVG9wIjowLCJMZWZ0IjowLCJSaWdodCI6MCwiQm90dG9tIjowfSwiQmFja2dyb3VuZCI6eyIkcmVmIjoiMTI0In0sIklzVmlzaWJsZSI6dHJ1ZSwiV2lkdGgiOjAuMCwiSGVpZ2h0IjowLjAsIkJvcmRlclN0eWxlIjp7IiRpZCI6IjI4NiIsIkxpbmVDb2xvciI6bnVsbCwiTGluZVdlaWdodCI6MC4wLCJMaW5lVHlwZSI6MCwiUGFyZW50U3R5bGUiOm51bGx9LCJQYXJlbnRTdHlsZSI6bnVsbH0sIkRhdGVGb3JtYXQiOnsiJGlkIjoiMjg3IiwiRm9ybWF0U3RyaW5nIjoiTS9kL3l5eXkiLCJTZXBhcmF0b3IiOiIvIiwiVXNlSW50ZXJuYXRpb25hbERhdGVGb3JtYXQiOmZhbHNlLCJEYXRlSXNWaXNpYmxlIjp0cnVlLCJUaW1lSXNWaXNpYmxlIjpmYWxzZSwiSG91ckRpZ2l0cyI6MSwiQW1QbURlc2lnbmF0b3IiOjIsIlRyaW0wME1pbnV0ZXMiOmZhbHNlLCJMYXN0S25vd25WaXNpYmlsaXR5U3RhdGUiOm51bGx9LCJJc1Zpc2libGUiOnRydWUsIlBhcmVudFN0eWxlIjpudWxsfSwiSW5kZXgiOjUsIlNtYXJ0RHVyYXRpb25BY3RpdmF0ZWQiOmZhbHNlLCJEYXRlRm9ybWF0Ijp7IiRyZWYiOiIyODcifSwiSWQiOiIzODJkZGY3Yy00OWFlLTQxYTktYTg5Ni1iNjgyMzNiYjg2MGIiLCJJbXBvcnRJZCI6bnVsbCwiVGl0bGUiOiJDIyDqs7XrtoAg67CPIOyciOuPhOyasCDtlITroZzqt7jrnqggR1VJIOqwnOuwnCIsIk5vdGUiOm51bGwsIkh5cGVybGluayI6bnVsbCwiSXNDaGFuZ2VkIjpmYWxzZSwiSXNOZXciOmZhbHNlfSx7IiRpZCI6IjI4OCIsIkdyb3VwTmFtZSI6bnVsbCwiU3RhcnREYXRlIjoiMjAxOS0wNC0xMFQwMDowMDowMFoiLCJFbmREYXRlIjoiMjAxOS0wNS0xOVQyMzo1OTowMFoiLCJQZXJjZW50YWdlQ29tcGxldGUiOm51bGwsIlN0eWxlIjp7IiRpZCI6IjI4OSIsIlNoYXBlIjowLCJTaGFwZVRoaWNrbmVzcyI6MSwiRHVyYXRpb25Gb3JtYXQiOjAsIkluY2x1ZGVOb25Xb3JraW5nRGF5c0luRHVyYXRpb24iOmZhbHNlLCJQZXJjZW50YWdlQ29tcGxldGVTdHlsZSI6eyIkaWQiOiIyOTAiLCJGb250U2V0dGluZ3MiOnsiJGlkIjoiMjkxIiwiRm9udFNpemUiOjEwLCJGb250TmFtZSI6IkNhbGlicmkiLCJJc0JvbGQiOmZhbHNlLCJJc0l0YWxpYyI6ZmFsc2UsIklzVW5kZXJsaW5lZCI6ZmFsc2UsIlBhcmVudFN0eWxlIjpudWxsfSwiQXV0b1NpemUiOjAsIkZvcmVncm91bmQiOnsiJGlkIjoiMjkyIiwiQ29sb3IiOnsiJHJlZiI6Ijg2In19LCJNYXhXaWR0aCI6MjAwLjAsIk1heEhlaWdodCI6IkluZmluaXR5IiwiU21hcnRGb3JlZ3JvdW5kSXNBY3RpdmUiOmZhbHNlLCJIb3Jpem9udGFsQWxpZ25tZW50IjowLCJWZXJ0aWNhbEFsaWdubWVudCI6MCwiU21hcnRGb3JlZ3JvdW5kIjpudWxsLCJCYWNrZ3JvdW5kRmlsbFR5cGUiOjAsIk1hcmdpbiI6eyIkaWQiOiIyOTMiLCJUb3AiOjAsIkxlZnQiOjAsIlJpZ2h0IjowLCJCb3R0b20iOjB9LCJQYWRkaW5nIjp7IiRpZCI6IjI5NCIsIlRvcCI6MCwiTGVmdCI6MCwiUmlnaHQiOjAsIkJvdHRvbSI6MH0sIkJhY2tncm91bmQiOnsiJHJlZiI6Ijg5In0sIklzVmlzaWJsZSI6dHJ1ZSwiV2lkdGgiOjAuMCwiSGVpZ2h0IjowLjAsIkJvcmRlclN0eWxlIjp7IiRpZCI6IjI5NSIsIkxpbmVDb2xvciI6bnVsbCwiTGluZVdlaWdodCI6MC4wLCJMaW5lVHlwZSI6MCwiUGFyZW50U3R5bGUiOm51bGx9LCJQYXJlbnRTdHlsZSI6bnVsbH0sIkR1cmF0aW9uU3R5bGUiOnsiJGlkIjoiMjk2IiwiRm9udFNldHRpbmdzIjp7IiRpZCI6IjI5NyIsIkZvbnRTaXplIjoxMCwiRm9udE5hbWUiOiJDYWxpYnJpIiwiSXNCb2xkIjpmYWxzZSwiSXNJdGFsaWMiOmZhbHNlLCJJc1VuZGVybGluZWQiOmZhbHNlLCJQYXJlbnRTdHlsZSI6bnVsbH0sIkF1dG9TaXplIjowLCJGb3JlZ3JvdW5kIjp7IiRpZCI6IjI5OCIsIkNvbG9yIjp7IiRyZWYiOiI5MyJ9fSwiTWF4V2lkdGgiOjIwMC4wLCJNYXhIZWlnaHQiOiJJbmZpbml0eSIsIlNtYXJ0Rm9yZWdyb3VuZElzQWN0aXZlIjpmYWxzZSwiSG9yaXpvbnRhbEFsaWdubWVudCI6MCwiVmVydGljYWxBbGlnbm1lbnQiOjAsIlNtYXJ0Rm9yZWdyb3VuZCI6bnVsbCwiQmFja2dyb3VuZEZpbGxUeXBlIjowLCJNYXJnaW4iOnsiJGlkIjoiMjk5IiwiVG9wIjowLCJMZWZ0IjowLCJSaWdodCI6MCwiQm90dG9tIjowfSwiUGFkZGluZyI6eyIkaWQiOiIzMDAiLCJUb3AiOjAsIkxlZnQiOjAsIlJpZ2h0IjowLCJCb3R0b20iOjB9LCJCYWNrZ3JvdW5kIjp7IiRyZWYiOiI5NiJ9LCJJc1Zpc2libGUiOnRydWUsIldpZHRoIjowLjAsIkhlaWdodCI6MC4wLCJCb3JkZXJTdHlsZSI6eyIkaWQiOiIzMDEiLCJMaW5lQ29sb3IiOm51bGwsIkxpbmVXZWlnaHQiOjAuMCwiTGluZVR5cGUiOjAsIlBhcmVudFN0eWxlIjpudWxsfSwiUGFyZW50U3R5bGUiOm51bGx9LCJIb3Jpem9udGFsQ29ubmVjdG9yU3R5bGUiOnsiJGlkIjoiMzAyIiwiTGluZUNvbG9yIjp7IiRyZWYiOiI5OCJ9LCJMaW5lV2VpZ2h0IjoxLjAsIkxpbmVUeXBlIjowLCJQYXJlbnRTdHlsZSI6bnVsbH0sIlZlcnRpY2FsQ29ubmVjdG9yU3R5bGUiOnsiJGlkIjoiMzAzIiwiTGluZUNvbG9yIjp7IiRyZWYiOiIxMDEifSwiTGluZVdlaWdodCI6MC4wLCJMaW5lVHlwZSI6MCwiUGFyZW50U3R5bGUiOm51bGx9LCJNYXJnaW4iOm51bGwsIlN0YXJ0RGF0ZVBvc2l0aW9uIjo0LCJFbmREYXRlUG9zaXRpb24iOjQsIkRhdGVJc1Zpc2libGUiOnRydWUsIlRpdGxlUG9zaXRpb24iOjUsIkR1cmF0aW9uUG9zaXRpb24iOjYsIlBlcmNlbnRhZ2VDb21wbGV0ZWRQb3NpdGlvbiI6NiwiU3BhY2luZyI6NSwiSXNCZWxvd1RpbWViYW5kIjp0cnVlLCJQZXJjZW50YWdlQ29tcGxldGVTaGFwZU9wYWNpdHkiOjM1LCJTaGFwZVN0eWxlIjp7IiRpZCI6IjMwNCIsIk1hcmdpbiI6eyIkaWQiOiIzMDUiLCJUb3AiOjAsIkxlZnQiOjQsIlJpZ2h0Ijo0LCJCb3R0b20iOjB9LCJQYWRkaW5nIjp7IiRpZCI6IjMwNiIsIlRvcCI6MCwiTGVmdCI6MCwiUmlnaHQiOjAsIkJvdHRvbSI6MH0sIkJhY2tncm91bmQiOnsiJGlkIjoiMzA3IiwiQ29sb3IiOnsiJGlkIjoiMzA4IiwiQSI6MjU1LCJSIjoyNTUsIkciOjE5MiwiQiI6MH19LCJJc1Zpc2libGUiOnRydWUsIldpZHRoIjowLjAsIkhlaWdodCI6MTYuMCwiQm9yZGVyU3R5bGUiOnsiJGlkIjoiMzA5IiwiTGluZUNvbG9yIjp7IiRyZWYiOiIxMDkifSwiTGluZVdlaWdodCI6MC4wLCJMaW5lVHlwZSI6MCwiUGFyZW50U3R5bGUiOm51bGx9LCJQYXJlbnRTdHlsZSI6bnVsbH0sIlRpdGxlU3R5bGUiOnsiJGlkIjoiMzEwIiwiRm9udFNldHRpbmdzIjp7IiRpZCI6IjMxMSIsIkZvbnRTaXplIjoxMSwiRm9udE5hbWUiOiJDYWxpYnJpIiwiSXNCb2xkIjp0cnVlLCJJc0l0YWxpYyI6ZmFsc2UsIklzVW5kZXJsaW5lZCI6ZmFsc2UsIlBhcmVudFN0eWxlIjpudWxsfSwiQXV0b1NpemUiOjAsIkZvcmVncm91bmQiOnsiJGlkIjoiMzEyIiwiQ29sb3IiOnsiJHJlZiI6IjExNCJ9fSwiTWF4V2lkdGgiOjk2MC4wLCJNYXhIZWlnaHQiOiJJbmZpbml0eSIsIlNtYXJ0Rm9yZWdyb3VuZElzQWN0aXZlIjpmYWxzZSwiSG9yaXpvbnRhbEFsaWdubWVudCI6MCwiVmVydGljYWxBbGlnbm1lbnQiOjAsIlNtYXJ0Rm9yZWdyb3VuZCI6bnVsbCwiQmFja2dyb3VuZEZpbGxUeXBlIjowLCJNYXJnaW4iOnsiJGlkIjoiMzEzIiwiVG9wIjowLCJMZWZ0IjowLCJSaWdodCI6MCwiQm90dG9tIjowfSwiUGFkZGluZyI6eyIkaWQiOiIzMTQiLCJUb3AiOjAsIkxlZnQiOjAsIlJpZ2h0IjowLCJCb3R0b20iOjB9LCJCYWNrZ3JvdW5kIjp7IiRyZWYiOiIxMTcifSwiSXNWaXNpYmxlIjp0cnVlLCJXaWR0aCI6MC4wLCJIZWlnaHQiOjAuMCwiQm9yZGVyU3R5bGUiOnsiJGlkIjoiMzE1IiwiTGluZUNvbG9yIjpudWxsLCJMaW5lV2VpZ2h0IjowLjAsIkxpbmVUeXBlIjowLCJQYXJlbnRTdHlsZSI6bnVsbH0sIlBhcmVudFN0eWxlIjpudWxsfSwiRGF0ZVN0eWxlIjp7IiRpZCI6IjMxNiIsIkZvbnRTZXR0aW5ncyI6eyIkaWQiOiIzMTciLCJGb250U2l6ZSI6MTAsIkZvbnROYW1lIjoiQ2FsaWJyaSIsIklzQm9sZCI6ZmFsc2UsIklzSXRhbGljIjpmYWxzZSwiSXNVbmRlcmxpbmVkIjpmYWxzZSwiUGFyZW50U3R5bGUiOm51bGx9LCJBdXRvU2l6ZSI6MCwiRm9yZWdyb3VuZCI6eyIkaWQiOiIzMTgiLCJDb2xvciI6eyIkcmVmIjoiMTIxIn19LCJNYXhXaWR0aCI6MjAwLjAsIk1heEhlaWdodCI6IkluZmluaXR5IiwiU21hcnRGb3JlZ3JvdW5kSXNBY3RpdmUiOmZhbHNlLCJIb3Jpem9udGFsQWxpZ25tZW50IjowLCJWZXJ0aWNhbEFsaWdubWVudCI6MCwiU21hcnRGb3JlZ3JvdW5kIjpudWxsLCJCYWNrZ3JvdW5kRmlsbFR5cGUiOjAsIk1hcmdpbiI6eyIkaWQiOiIzMTkiLCJUb3AiOjAsIkxlZnQiOjAsIlJpZ2h0IjowLCJCb3R0b20iOjB9LCJQYWRkaW5nIjp7IiRpZCI6IjMyMCIsIlRvcCI6MCwiTGVmdCI6MCwiUmlnaHQiOjAsIkJvdHRvbSI6MH0sIkJhY2tncm91bmQiOnsiJHJlZiI6IjEyNCJ9LCJJc1Zpc2libGUiOnRydWUsIldpZHRoIjowLjAsIkhlaWdodCI6MC4wLCJCb3JkZXJTdHlsZSI6eyIkaWQiOiIzMjEiLCJMaW5lQ29sb3IiOm51bGwsIkxpbmVXZWlnaHQiOjAuMCwiTGluZVR5cGUiOjAsIlBhcmVudFN0eWxlIjpudWxsfSwiUGFyZW50U3R5bGUiOm51bGx9LCJEYXRlRm9ybWF0Ijp7IiRpZCI6IjMyMiIsIkZvcm1hdFN0cmluZyI6Ik0vZC95eXl5IiwiU2VwYXJhdG9yIjoiLyIsIlVzZUludGVybmF0aW9uYWxEYXRlRm9ybWF0IjpmYWxzZSwiRGF0ZUlzVmlzaWJsZSI6dHJ1ZSwiVGltZUlzVmlzaWJsZSI6ZmFsc2UsIkhvdXJEaWdpdHMiOjEsIkFtUG1EZXNpZ25hdG9yIjoyLCJUcmltMDBNaW51dGVzIjpmYWxzZSwiTGFzdEtub3duVmlzaWJpbGl0eVN0YXRlIjpudWxsfSwiSXNWaXNpYmxlIjp0cnVlLCJQYXJlbnRTdHlsZSI6bnVsbH0sIkluZGV4Ijo2LCJTbWFydER1cmF0aW9uQWN0aXZhdGVkIjpmYWxzZSwiRGF0ZUZvcm1hdCI6eyIkcmVmIjoiMzIyIn0sIklkIjoiMjdhZTQ3NTgtOWJhYy00MGQzLTg0MDktNDA1ZDVhMjhjOWI2IiwiSW1wb3J0SWQiOm51bGwsIlRpdGxlIjoi7IaQIOyduOyLnSDrqqjrk4gg6rCc67CcIiwiTm90ZSI6bnVsbCwiSHlwZXJsaW5rIjpudWxsLCJJc0NoYW5nZWQiOmZhbHNlLCJJc05ldyI6ZmFsc2V9LHsiJGlkIjoiMzIzIiwiR3JvdXBOYW1lIjpudWxsLCJTdGFydERhdGUiOiIyMDE5LTA0LTE0VDAwOjAwOjAwWiIsIkVuZERhdGUiOiIyMDE5LTA1LTA5VDIzOjU5OjAwWiIsIlBlcmNlbnRhZ2VDb21wbGV0ZSI6bnVsbCwiU3R5bGUiOnsiJGlkIjoiMzI0IiwiU2hhcGUiOjAsIlNoYXBlVGhpY2tuZXNzIjoxLCJEdXJhdGlvbkZvcm1hdCI6MCwiSW5jbHVkZU5vbldvcmtpbmdEYXlzSW5EdXJhdGlvbiI6ZmFsc2UsIlBlcmNlbnRhZ2VDb21wbGV0ZVN0eWxlIjp7IiRpZCI6IjMyNSIsIkZvbnRTZXR0aW5ncyI6eyIkaWQiOiIzMjYiLCJGb250U2l6ZSI6MTAsIkZvbnROYW1lIjoiQ2FsaWJyaSIsIklzQm9sZCI6ZmFsc2UsIklzSXRhbGljIjpmYWxzZSwiSXNVbmRlcmxpbmVkIjpmYWxzZSwiUGFyZW50U3R5bGUiOm51bGx9LCJBdXRvU2l6ZSI6MCwiRm9yZWdyb3VuZCI6eyIkaWQiOiIzMjciLCJDb2xvciI6eyIkcmVmIjoiODYifX0sIk1heFdpZHRoIjoyMDAuMCwiTWF4SGVpZ2h0IjoiSW5maW5pdHkiLCJTbWFydEZvcmVncm91bmRJc0FjdGl2ZSI6ZmFsc2UsIkhvcml6b250YWxBbGlnbm1lbnQiOjAsIlZlcnRpY2FsQWxpZ25tZW50IjowLCJTbWFydEZvcmVncm91bmQiOm51bGwsIkJhY2tncm91bmRGaWxsVHlwZSI6MCwiTWFyZ2luIjp7IiRpZCI6IjMyOCIsIlRvcCI6MCwiTGVmdCI6MCwiUmlnaHQiOjAsIkJvdHRvbSI6MH0sIlBhZGRpbmciOnsiJGlkIjoiMzI5IiwiVG9wIjowLCJMZWZ0IjowLCJSaWdodCI6MCwiQm90dG9tIjowfSwiQmFja2dyb3VuZCI6eyIkcmVmIjoiODkifSwiSXNWaXNpYmxlIjp0cnVlLCJXaWR0aCI6MC4wLCJIZWlnaHQiOjAuMCwiQm9yZGVyU3R5bGUiOnsiJGlkIjoiMzMwIiwiTGluZUNvbG9yIjpudWxsLCJMaW5lV2VpZ2h0IjowLjAsIkxpbmVUeXBlIjowLCJQYXJlbnRTdHlsZSI6bnVsbH0sIlBhcmVudFN0eWxlIjpudWxsfSwiRHVyYXRpb25TdHlsZSI6eyIkaWQiOiIzMzEiLCJGb250U2V0dGluZ3MiOnsiJGlkIjoiMzMyIiwiRm9udFNpemUiOjEwLCJGb250TmFtZSI6IkNhbGlicmkiLCJJc0JvbGQiOmZhbHNlLCJJc0l0YWxpYyI6ZmFsc2UsIklzVW5kZXJsaW5lZCI6ZmFsc2UsIlBhcmVudFN0eWxlIjpudWxsfSwiQXV0b1NpemUiOjAsIkZvcmVncm91bmQiOnsiJGlkIjoiMzMzIiwiQ29sb3IiOnsiJHJlZiI6IjkzIn19LCJNYXhXaWR0aCI6MjAwLjAsIk1heEhlaWdodCI6IkluZmluaXR5IiwiU21hcnRGb3JlZ3JvdW5kSXNBY3RpdmUiOmZhbHNlLCJIb3Jpem9udGFsQWxpZ25tZW50IjowLCJWZXJ0aWNhbEFsaWdubWVudCI6MCwiU21hcnRGb3JlZ3JvdW5kIjpudWxsLCJCYWNrZ3JvdW5kRmlsbFR5cGUiOjAsIk1hcmdpbiI6eyIkaWQiOiIzMzQiLCJUb3AiOjAsIkxlZnQiOjAsIlJpZ2h0IjowLCJCb3R0b20iOjB9LCJQYWRkaW5nIjp7IiRpZCI6IjMzNSIsIlRvcCI6MCwiTGVmdCI6MCwiUmlnaHQiOjAsIkJvdHRvbSI6MH0sIkJhY2tncm91bmQiOnsiJHJlZiI6Ijk2In0sIklzVmlzaWJsZSI6dHJ1ZSwiV2lkdGgiOjAuMCwiSGVpZ2h0IjowLjAsIkJvcmRlclN0eWxlIjp7IiRpZCI6IjMzNiIsIkxpbmVDb2xvciI6bnVsbCwiTGluZVdlaWdodCI6MC4wLCJMaW5lVHlwZSI6MCwiUGFyZW50U3R5bGUiOm51bGx9LCJQYXJlbnRTdHlsZSI6bnVsbH0sIkhvcml6b250YWxDb25uZWN0b3JTdHlsZSI6eyIkaWQiOiIzMzciLCJMaW5lQ29sb3IiOnsiJHJlZiI6Ijk4In0sIkxpbmVXZWlnaHQiOjEuMCwiTGluZVR5cGUiOjAsIlBhcmVudFN0eWxlIjpudWxsfSwiVmVydGljYWxDb25uZWN0b3JTdHlsZSI6eyIkaWQiOiIzMzgiLCJMaW5lQ29sb3IiOnsiJHJlZiI6IjEwMSJ9LCJMaW5lV2VpZ2h0IjowLjAsIkxpbmVUeXBlIjowLCJQYXJlbnRTdHlsZSI6bnVsbH0sIk1hcmdpbiI6bnVsbCwiU3RhcnREYXRlUG9zaXRpb24iOjQsIkVuZERhdGVQb3NpdGlvbiI6NCwiRGF0ZUlzVmlzaWJsZSI6dHJ1ZSwiVGl0bGVQb3NpdGlvbiI6NSwiRHVyYXRpb25Qb3NpdGlvbiI6NiwiUGVyY2VudGFnZUNvbXBsZXRlZFBvc2l0aW9uIjo2LCJTcGFjaW5nIjo1LCJJc0JlbG93VGltZWJhbmQiOnRydWUsIlBlcmNlbnRhZ2VDb21wbGV0ZVNoYXBlT3BhY2l0eSI6MzUsIlNoYXBlU3R5bGUiOnsiJGlkIjoiMzM5IiwiTWFyZ2luIjp7IiRpZCI6IjM0MCIsIlRvcCI6MCwiTGVmdCI6NCwiUmlnaHQiOjQsIkJvdHRvbSI6MH0sIlBhZGRpbmciOnsiJGlkIjoiMzQxIiwiVG9wIjowLCJMZWZ0IjowLCJSaWdodCI6MCwiQm90dG9tIjowfSwiQmFja2dyb3VuZCI6eyIkaWQiOiIzNDIiLCJDb2xvciI6eyIkaWQiOiIzNDMiLCJBIjoyNTUsIlIiOjIzNywiRyI6MTI1LCJCIjo0OX19LCJJc1Zpc2libGUiOnRydWUsIldpZHRoIjowLjAsIkhlaWdodCI6MTYuMCwiQm9yZGVyU3R5bGUiOnsiJGlkIjoiMzQ0IiwiTGluZUNvbG9yIjp7IiRyZWYiOiIxMDkifSwiTGluZVdlaWdodCI6MC4wLCJMaW5lVHlwZSI6MCwiUGFyZW50U3R5bGUiOm51bGx9LCJQYXJlbnRTdHlsZSI6bnVsbH0sIlRpdGxlU3R5bGUiOnsiJGlkIjoiMzQ1IiwiRm9udFNldHRpbmdzIjp7IiRpZCI6IjM0NiIsIkZvbnRTaXplIjoxMSwiRm9udE5hbWUiOiJDYWxpYnJpIiwiSXNCb2xkIjp0cnVlLCJJc0l0YWxpYyI6ZmFsc2UsIklzVW5kZXJsaW5lZCI6ZmFsc2UsIlBhcmVudFN0eWxlIjpudWxsfSwiQXV0b1NpemUiOjAsIkZvcmVncm91bmQiOnsiJGlkIjoiMzQ3IiwiQ29sb3IiOnsiJHJlZiI6IjExNCJ9fSwiTWF4V2lkdGgiOjk2MC4wLCJNYXhIZWlnaHQiOiJJbmZpbml0eSIsIlNtYXJ0Rm9yZWdyb3VuZElzQWN0aXZlIjpmYWxzZSwiSG9yaXpvbnRhbEFsaWdubWVudCI6MCwiVmVydGljYWxBbGlnbm1lbnQiOjAsIlNtYXJ0Rm9yZWdyb3VuZCI6bnVsbCwiQmFja2dyb3VuZEZpbGxUeXBlIjowLCJNYXJnaW4iOnsiJGlkIjoiMzQ4IiwiVG9wIjowLCJMZWZ0IjowLCJSaWdodCI6MCwiQm90dG9tIjowfSwiUGFkZGluZyI6eyIkaWQiOiIzNDkiLCJUb3AiOjAsIkxlZnQiOjAsIlJpZ2h0IjowLCJCb3R0b20iOjB9LCJCYWNrZ3JvdW5kIjp7IiRyZWYiOiIxMTcifSwiSXNWaXNpYmxlIjp0cnVlLCJXaWR0aCI6MC4wLCJIZWlnaHQiOjAuMCwiQm9yZGVyU3R5bGUiOnsiJGlkIjoiMzUwIiwiTGluZUNvbG9yIjpudWxsLCJMaW5lV2VpZ2h0IjowLjAsIkxpbmVUeXBlIjowLCJQYXJlbnRTdHlsZSI6bnVsbH0sIlBhcmVudFN0eWxlIjpudWxsfSwiRGF0ZVN0eWxlIjp7IiRpZCI6IjM1MSIsIkZvbnRTZXR0aW5ncyI6eyIkaWQiOiIzNTIiLCJGb250U2l6ZSI6MTAsIkZvbnROYW1lIjoiQ2FsaWJyaSIsIklzQm9sZCI6ZmFsc2UsIklzSXRhbGljIjpmYWxzZSwiSXNVbmRlcmxpbmVkIjpmYWxzZSwiUGFyZW50U3R5bGUiOm51bGx9LCJBdXRvU2l6ZSI6MCwiRm9yZWdyb3VuZCI6eyIkaWQiOiIzNTMiLCJDb2xvciI6eyIkcmVmIjoiMTIxIn19LCJNYXhXaWR0aCI6MjAwLjAsIk1heEhlaWdodCI6IkluZmluaXR5IiwiU21hcnRGb3JlZ3JvdW5kSXNBY3RpdmUiOmZhbHNlLCJIb3Jpem9udGFsQWxpZ25tZW50IjowLCJWZXJ0aWNhbEFsaWdubWVudCI6MCwiU21hcnRGb3JlZ3JvdW5kIjpudWxsLCJCYWNrZ3JvdW5kRmlsbFR5cGUiOjAsIk1hcmdpbiI6eyIkaWQiOiIzNTQiLCJUb3AiOjAsIkxlZnQiOjAsIlJpZ2h0IjowLCJCb3R0b20iOjB9LCJQYWRkaW5nIjp7IiRpZCI6IjM1NSIsIlRvcCI6MCwiTGVmdCI6MCwiUmlnaHQiOjAsIkJvdHRvbSI6MH0sIkJhY2tncm91bmQiOnsiJHJlZiI6IjEyNCJ9LCJJc1Zpc2libGUiOnRydWUsIldpZHRoIjowLjAsIkhlaWdodCI6MC4wLCJCb3JkZXJTdHlsZSI6eyIkaWQiOiIzNTYiLCJMaW5lQ29sb3IiOm51bGwsIkxpbmVXZWlnaHQiOjAuMCwiTGluZVR5cGUiOjAsIlBhcmVudFN0eWxlIjpudWxsfSwiUGFyZW50U3R5bGUiOm51bGx9LCJEYXRlRm9ybWF0Ijp7IiRpZCI6IjM1NyIsIkZvcm1hdFN0cmluZyI6Ik0vZC95eXl5IiwiU2VwYXJhdG9yIjoiLyIsIlVzZUludGVybmF0aW9uYWxEYXRlRm9ybWF0IjpmYWxzZSwiRGF0ZUlzVmlzaWJsZSI6dHJ1ZSwiVGltZUlzVmlzaWJsZSI6ZmFsc2UsIkhvdXJEaWdpdHMiOjEsIkFtUG1EZXNpZ25hdG9yIjoyLCJUcmltMDBNaW51dGVzIjpmYWxzZSwiTGFzdEtub3duVmlzaWJpbGl0eVN0YXRlIjpudWxsfSwiSXNWaXNpYmxlIjp0cnVlLCJQYXJlbnRTdHlsZSI6bnVsbH0sIkluZGV4Ijo3LCJTbWFydER1cmF0aW9uQWN0aXZhdGVkIjpmYWxzZSwiRGF0ZUZvcm1hdCI6eyIkcmVmIjoiMzU3In0sIklkIjoiZTY3NmRkNWMtOGQ2NS00Nzc1LTg4YjYtZDU2YjRlNzNlZTBjIiwiSW1wb3J0SWQiOm51bGwsIlRpdGxlIjoi7Iug7LK0IOyduOyLnSDrqqjrk4gg6rCc67CcIiwiTm90ZSI6bnVsbCwiSHlwZXJsaW5rIjpudWxsLCJJc0NoYW5nZWQiOmZhbHNlLCJJc05ldyI6ZmFsc2V9LHsiJGlkIjoiMzU4IiwiR3JvdXBOYW1lIjpudWxsLCJTdGFydERhdGUiOiIyMDE5LTA1LTEwVDAwOjAwOjAwWiIsIkVuZERhdGUiOiIyMDE5LTA2LTA3VDIzOjU5OjAwWiIsIlBlcmNlbnRhZ2VDb21wbGV0ZSI6bnVsbCwiU3R5bGUiOnsiJGlkIjoiMzU5IiwiU2hhcGUiOjAsIlNoYXBlVGhpY2tuZXNzIjoxLCJEdXJhdGlvbkZvcm1hdCI6MCwiSW5jbHVkZU5vbldvcmtpbmdEYXlzSW5EdXJhdGlvbiI6ZmFsc2UsIlBlcmNlbnRhZ2VDb21wbGV0ZVN0eWxlIjp7IiRpZCI6IjM2MCIsIkZvbnRTZXR0aW5ncyI6eyIkaWQiOiIzNjEiLCJGb250U2l6ZSI6MTAsIkZvbnROYW1lIjoiQ2FsaWJyaSIsIklzQm9sZCI6ZmFsc2UsIklzSXRhbGljIjpmYWxzZSwiSXNVbmRlcmxpbmVkIjpmYWxzZSwiUGFyZW50U3R5bGUiOm51bGx9LCJBdXRvU2l6ZSI6MCwiRm9yZWdyb3VuZCI6eyIkaWQiOiIzNjIiLCJDb2xvciI6eyIkcmVmIjoiODYifX0sIk1heFdpZHRoIjoyMDAuMCwiTWF4SGVpZ2h0IjoiSW5maW5pdHkiLCJTbWFydEZvcmVncm91bmRJc0FjdGl2ZSI6ZmFsc2UsIkhvcml6b250YWxBbGlnbm1lbnQiOjAsIlZlcnRpY2FsQWxpZ25tZW50IjowLCJTbWFydEZvcmVncm91bmQiOm51bGwsIkJhY2tncm91bmRGaWxsVHlwZSI6MCwiTWFyZ2luIjp7IiRpZCI6IjM2MyIsIlRvcCI6MCwiTGVmdCI6MCwiUmlnaHQiOjAsIkJvdHRvbSI6MH0sIlBhZGRpbmciOnsiJGlkIjoiMzY0IiwiVG9wIjowLCJMZWZ0IjowLCJSaWdodCI6MCwiQm90dG9tIjowfSwiQmFja2dyb3VuZCI6eyIkcmVmIjoiODkifSwiSXNWaXNpYmxlIjp0cnVlLCJXaWR0aCI6MC4wLCJIZWlnaHQiOjAuMCwiQm9yZGVyU3R5bGUiOnsiJGlkIjoiMzY1IiwiTGluZUNvbG9yIjpudWxsLCJMaW5lV2VpZ2h0IjowLjAsIkxpbmVUeXBlIjowLCJQYXJlbnRTdHlsZSI6bnVsbH0sIlBhcmVudFN0eWxlIjpudWxsfSwiRHVyYXRpb25TdHlsZSI6eyIkaWQiOiIzNjYiLCJGb250U2V0dGluZ3MiOnsiJGlkIjoiMzY3IiwiRm9udFNpemUiOjEwLCJGb250TmFtZSI6IkNhbGlicmkiLCJJc0JvbGQiOmZhbHNlLCJJc0l0YWxpYyI6ZmFsc2UsIklzVW5kZXJsaW5lZCI6ZmFsc2UsIlBhcmVudFN0eWxlIjpudWxsfSwiQXV0b1NpemUiOjAsIkZvcmVncm91bmQiOnsiJGlkIjoiMzY4IiwiQ29sb3IiOnsiJHJlZiI6IjkzIn19LCJNYXhXaWR0aCI6MjAwLjAsIk1heEhlaWdodCI6IkluZmluaXR5IiwiU21hcnRGb3JlZ3JvdW5kSXNBY3RpdmUiOmZhbHNlLCJIb3Jpem9udGFsQWxpZ25tZW50IjowLCJWZXJ0aWNhbEFsaWdubWVudCI6MCwiU21hcnRGb3JlZ3JvdW5kIjpudWxsLCJCYWNrZ3JvdW5kRmlsbFR5cGUiOjAsIk1hcmdpbiI6eyIkaWQiOiIzNjkiLCJUb3AiOjAsIkxlZnQiOjAsIlJpZ2h0IjowLCJCb3R0b20iOjB9LCJQYWRkaW5nIjp7IiRpZCI6IjM3MCIsIlRvcCI6MCwiTGVmdCI6MCwiUmlnaHQiOjAsIkJvdHRvbSI6MH0sIkJhY2tncm91bmQiOnsiJHJlZiI6Ijk2In0sIklzVmlzaWJsZSI6dHJ1ZSwiV2lkdGgiOjAuMCwiSGVpZ2h0IjowLjAsIkJvcmRlclN0eWxlIjp7IiRpZCI6IjM3MSIsIkxpbmVDb2xvciI6bnVsbCwiTGluZVdlaWdodCI6MC4wLCJMaW5lVHlwZSI6MCwiUGFyZW50U3R5bGUiOm51bGx9LCJQYXJlbnRTdHlsZSI6bnVsbH0sIkhvcml6b250YWxDb25uZWN0b3JTdHlsZSI6eyIkaWQiOiIzNzIiLCJMaW5lQ29sb3IiOnsiJHJlZiI6Ijk4In0sIkxpbmVXZWlnaHQiOjEuMCwiTGluZVR5cGUiOjAsIlBhcmVudFN0eWxlIjpudWxsfSwiVmVydGljYWxDb25uZWN0b3JTdHlsZSI6eyIkaWQiOiIzNzMiLCJMaW5lQ29sb3IiOnsiJHJlZiI6IjEwMSJ9LCJMaW5lV2VpZ2h0IjowLjAsIkxpbmVUeXBlIjowLCJQYXJlbnRTdHlsZSI6bnVsbH0sIk1hcmdpbiI6bnVsbCwiU3RhcnREYXRlUG9zaXRpb24iOjQsIkVuZERhdGVQb3NpdGlvbiI6NCwiRGF0ZUlzVmlzaWJsZSI6dHJ1ZSwiVGl0bGVQb3NpdGlvbiI6NSwiRHVyYXRpb25Qb3NpdGlvbiI6NiwiUGVyY2VudGFnZUNvbXBsZXRlZFBvc2l0aW9uIjo2LCJTcGFjaW5nIjo1LCJJc0JlbG93VGltZWJhbmQiOnRydWUsIlBlcmNlbnRhZ2VDb21wbGV0ZVNoYXBlT3BhY2l0eSI6MzUsIlNoYXBlU3R5bGUiOnsiJGlkIjoiMzc0IiwiTWFyZ2luIjp7IiRpZCI6IjM3NSIsIlRvcCI6MCwiTGVmdCI6NCwiUmlnaHQiOjQsIkJvdHRvbSI6MH0sIlBhZGRpbmciOnsiJGlkIjoiMzc2IiwiVG9wIjowLCJMZWZ0IjowLCJSaWdodCI6MCwiQm90dG9tIjowfSwiQmFja2dyb3VuZCI6eyIkaWQiOiIzNzciLCJDb2xvciI6eyIkaWQiOiIzNzgiLCJBIjoyNTUsIlIiOjIzNywiRyI6MTI1LCJCIjo0OX19LCJJc1Zpc2libGUiOnRydWUsIldpZHRoIjowLjAsIkhlaWdodCI6MTYuMCwiQm9yZGVyU3R5bGUiOnsiJGlkIjoiMzc5IiwiTGluZUNvbG9yIjp7IiRyZWYiOiIxMDkifSwiTGluZVdlaWdodCI6MC4wLCJMaW5lVHlwZSI6MCwiUGFyZW50U3R5bGUiOm51bGx9LCJQYXJlbnRTdHlsZSI6bnVsbH0sIlRpdGxlU3R5bGUiOnsiJGlkIjoiMzgwIiwiRm9udFNldHRpbmdzIjp7IiRpZCI6IjM4MSIsIkZvbnRTaXplIjoxMSwiRm9udE5hbWUiOiJDYWxpYnJpIiwiSXNCb2xkIjp0cnVlLCJJc0l0YWxpYyI6ZmFsc2UsIklzVW5kZXJsaW5lZCI6ZmFsc2UsIlBhcmVudFN0eWxlIjpudWxsfSwiQXV0b1NpemUiOjAsIkZvcmVncm91bmQiOnsiJGlkIjoiMzgyIiwiQ29sb3IiOnsiJHJlZiI6IjExNCJ9fSwiTWF4V2lkdGgiOjk2MC4wLCJNYXhIZWlnaHQiOiJJbmZpbml0eSIsIlNtYXJ0Rm9yZWdyb3VuZElzQWN0aXZlIjpmYWxzZSwiSG9yaXpvbnRhbEFsaWdubWVudCI6MCwiVmVydGljYWxBbGlnbm1lbnQiOjAsIlNtYXJ0Rm9yZWdyb3VuZCI6bnVsbCwiQmFja2dyb3VuZEZpbGxUeXBlIjowLCJNYXJnaW4iOnsiJGlkIjoiMzgzIiwiVG9wIjowLCJMZWZ0IjowLCJSaWdodCI6MCwiQm90dG9tIjowfSwiUGFkZGluZyI6eyIkaWQiOiIzODQiLCJUb3AiOjAsIkxlZnQiOjAsIlJpZ2h0IjowLCJCb3R0b20iOjB9LCJCYWNrZ3JvdW5kIjp7IiRyZWYiOiIxMTcifSwiSXNWaXNpYmxlIjp0cnVlLCJXaWR0aCI6MC4wLCJIZWlnaHQiOjAuMCwiQm9yZGVyU3R5bGUiOnsiJGlkIjoiMzg1IiwiTGluZUNvbG9yIjpudWxsLCJMaW5lV2VpZ2h0IjowLjAsIkxpbmVUeXBlIjowLCJQYXJlbnRTdHlsZSI6bnVsbH0sIlBhcmVudFN0eWxlIjpudWxsfSwiRGF0ZVN0eWxlIjp7IiRpZCI6IjM4NiIsIkZvbnRTZXR0aW5ncyI6eyIkaWQiOiIzODciLCJGb250U2l6ZSI6MTAsIkZvbnROYW1lIjoiQ2FsaWJyaSIsIklzQm9sZCI6ZmFsc2UsIklzSXRhbGljIjpmYWxzZSwiSXNVbmRlcmxpbmVkIjpmYWxzZSwiUGFyZW50U3R5bGUiOm51bGx9LCJBdXRvU2l6ZSI6MCwiRm9yZWdyb3VuZCI6eyIkaWQiOiIzODgiLCJDb2xvciI6eyIkcmVmIjoiMTIxIn19LCJNYXhXaWR0aCI6MjAwLjAsIk1heEhlaWdodCI6IkluZmluaXR5IiwiU21hcnRGb3JlZ3JvdW5kSXNBY3RpdmUiOmZhbHNlLCJIb3Jpem9udGFsQWxpZ25tZW50IjowLCJWZXJ0aWNhbEFsaWdubWVudCI6MCwiU21hcnRGb3JlZ3JvdW5kIjpudWxsLCJCYWNrZ3JvdW5kRmlsbFR5cGUiOjAsIk1hcmdpbiI6eyIkaWQiOiIzODkiLCJUb3AiOjAsIkxlZnQiOjAsIlJpZ2h0IjowLCJCb3R0b20iOjB9LCJQYWRkaW5nIjp7IiRpZCI6IjM5MCIsIlRvcCI6MCwiTGVmdCI6MCwiUmlnaHQiOjAsIkJvdHRvbSI6MH0sIkJhY2tncm91bmQiOnsiJHJlZiI6IjEyNCJ9LCJJc1Zpc2libGUiOnRydWUsIldpZHRoIjowLjAsIkhlaWdodCI6MC4wLCJCb3JkZXJTdHlsZSI6eyIkaWQiOiIzOTEiLCJMaW5lQ29sb3IiOm51bGwsIkxpbmVXZWlnaHQiOjAuMCwiTGluZVR5cGUiOjAsIlBhcmVudFN0eWxlIjpudWxsfSwiUGFyZW50U3R5bGUiOm51bGx9LCJEYXRlRm9ybWF0Ijp7IiRpZCI6IjM5MiIsIkZvcm1hdFN0cmluZyI6Ik0vZC95eXl5IiwiU2VwYXJhdG9yIjoiLyIsIlVzZUludGVybmF0aW9uYWxEYXRlRm9ybWF0IjpmYWxzZSwiRGF0ZUlzVmlzaWJsZSI6dHJ1ZSwiVGltZUlzVmlzaWJsZSI6ZmFsc2UsIkhvdXJEaWdpdHMiOjEsIkFtUG1EZXNpZ25hdG9yIjoyLCJUcmltMDBNaW51dGVzIjpmYWxzZSwiTGFzdEtub3duVmlzaWJpbGl0eVN0YXRlIjpudWxsfSwiSXNWaXNpYmxlIjp0cnVlLCJQYXJlbnRTdHlsZSI6bnVsbH0sIkluZGV4Ijo4LCJTbWFydER1cmF0aW9uQWN0aXZhdGVkIjpmYWxzZSwiRGF0ZUZvcm1hdCI6eyIkcmVmIjoiMzkyIn0sIklkIjoiNTU4NzE1NjYtYWNiNC00NzlmLWE1OTMtYzRkNzVmYWJhNWYzIiwiSW1wb3J0SWQiOm51bGwsIlRpdGxlIjoiQVIg7J2Y7IOBIOy2nOugpSDrqqjrk4gg6rCc67CcIiwiTm90ZSI6bnVsbCwiSHlwZXJsaW5rIjpudWxsLCJJc0NoYW5nZWQiOmZhbHNlLCJJc05ldyI6ZmFsc2V9LHsiJGlkIjoiMzkzIiwiR3JvdXBOYW1lIjpudWxsLCJTdGFydERhdGUiOiIyMDE5LTA1LTIwVDAwOjAwOjAwWiIsIkVuZERhdGUiOiIyMDE5LTA1LTI2VDIzOjU5OjAwWiIsIlBlcmNlbnRhZ2VDb21wbGV0ZSI6bnVsbCwiU3R5bGUiOnsiJGlkIjoiMzk0IiwiU2hhcGUiOjAsIlNoYXBlVGhpY2tuZXNzIjoxLCJEdXJhdGlvbkZvcm1hdCI6MCwiSW5jbHVkZU5vbldvcmtpbmdEYXlzSW5EdXJhdGlvbiI6ZmFsc2UsIlBlcmNlbnRhZ2VDb21wbGV0ZVN0eWxlIjp7IiRpZCI6IjM5NSIsIkZvbnRTZXR0aW5ncyI6eyIkaWQiOiIzOTYiLCJGb250U2l6ZSI6MTAsIkZvbnROYW1lIjoiQ2FsaWJyaSIsIklzQm9sZCI6ZmFsc2UsIklzSXRhbGljIjpmYWxzZSwiSXNVbmRlcmxpbmVkIjpmYWxzZSwiUGFyZW50U3R5bGUiOm51bGx9LCJBdXRvU2l6ZSI6MCwiRm9yZWdyb3VuZCI6eyIkaWQiOiIzOTciLCJDb2xvciI6eyIkcmVmIjoiODYifX0sIk1heFdpZHRoIjoyMDAuMCwiTWF4SGVpZ2h0IjoiSW5maW5pdHkiLCJTbWFydEZvcmVncm91bmRJc0FjdGl2ZSI6ZmFsc2UsIkhvcml6b250YWxBbGlnbm1lbnQiOjAsIlZlcnRpY2FsQWxpZ25tZW50IjowLCJTbWFydEZvcmVncm91bmQiOm51bGwsIkJhY2tncm91bmRGaWxsVHlwZSI6MCwiTWFyZ2luIjp7IiRpZCI6IjM5OCIsIlRvcCI6MCwiTGVmdCI6MCwiUmlnaHQiOjAsIkJvdHRvbSI6MH0sIlBhZGRpbmciOnsiJGlkIjoiMzk5IiwiVG9wIjowLCJMZWZ0IjowLCJSaWdodCI6MCwiQm90dG9tIjowfSwiQmFja2dyb3VuZCI6eyIkcmVmIjoiODkifSwiSXNWaXNpYmxlIjp0cnVlLCJXaWR0aCI6MC4wLCJIZWlnaHQiOjAuMCwiQm9yZGVyU3R5bGUiOnsiJGlkIjoiNDAwIiwiTGluZUNvbG9yIjpudWxsLCJMaW5lV2VpZ2h0IjowLjAsIkxpbmVUeXBlIjowLCJQYXJlbnRTdHlsZSI6bnVsbH0sIlBhcmVudFN0eWxlIjpudWxsfSwiRHVyYXRpb25TdHlsZSI6eyIkaWQiOiI0MDEiLCJGb250U2V0dGluZ3MiOnsiJGlkIjoiNDAyIiwiRm9udFNpemUiOjEwLCJGb250TmFtZSI6IkNhbGlicmkiLCJJc0JvbGQiOmZhbHNlLCJJc0l0YWxpYyI6ZmFsc2UsIklzVW5kZXJsaW5lZCI6ZmFsc2UsIlBhcmVudFN0eWxlIjpudWxsfSwiQXV0b1NpemUiOjAsIkZvcmVncm91bmQiOnsiJGlkIjoiNDAzIiwiQ29sb3IiOnsiJHJlZiI6IjkzIn19LCJNYXhXaWR0aCI6MjAwLjAsIk1heEhlaWdodCI6IkluZmluaXR5IiwiU21hcnRGb3JlZ3JvdW5kSXNBY3RpdmUiOmZhbHNlLCJIb3Jpem9udGFsQWxpZ25tZW50IjowLCJWZXJ0aWNhbEFsaWdubWVudCI6MCwiU21hcnRGb3JlZ3JvdW5kIjpudWxsLCJCYWNrZ3JvdW5kRmlsbFR5cGUiOjAsIk1hcmdpbiI6eyIkaWQiOiI0MDQiLCJUb3AiOjAsIkxlZnQiOjAsIlJpZ2h0IjowLCJCb3R0b20iOjB9LCJQYWRkaW5nIjp7IiRpZCI6IjQwNSIsIlRvcCI6MCwiTGVmdCI6MCwiUmlnaHQiOjAsIkJvdHRvbSI6MH0sIkJhY2tncm91bmQiOnsiJHJlZiI6Ijk2In0sIklzVmlzaWJsZSI6dHJ1ZSwiV2lkdGgiOjAuMCwiSGVpZ2h0IjowLjAsIkJvcmRlclN0eWxlIjp7IiRpZCI6IjQwNiIsIkxpbmVDb2xvciI6bnVsbCwiTGluZVdlaWdodCI6MC4wLCJMaW5lVHlwZSI6MCwiUGFyZW50U3R5bGUiOm51bGx9LCJQYXJlbnRTdHlsZSI6bnVsbH0sIkhvcml6b250YWxDb25uZWN0b3JTdHlsZSI6eyIkaWQiOiI0MDciLCJMaW5lQ29sb3IiOnsiJHJlZiI6Ijk4In0sIkxpbmVXZWlnaHQiOjEuMCwiTGluZVR5cGUiOjAsIlBhcmVudFN0eWxlIjpudWxsfSwiVmVydGljYWxDb25uZWN0b3JTdHlsZSI6eyIkaWQiOiI0MDgiLCJMaW5lQ29sb3IiOnsiJHJlZiI6IjEwMSJ9LCJMaW5lV2VpZ2h0IjowLjAsIkxpbmVUeXBlIjowLCJQYXJlbnRTdHlsZSI6bnVsbH0sIk1hcmdpbiI6bnVsbCwiU3RhcnREYXRlUG9zaXRpb24iOjQsIkVuZERhdGVQb3NpdGlvbiI6NCwiRGF0ZUlzVmlzaWJsZSI6dHJ1ZSwiVGl0bGVQb3NpdGlvbiI6NSwiRHVyYXRpb25Qb3NpdGlvbiI6NiwiUGVyY2VudGFnZUNvbXBsZXRlZFBvc2l0aW9uIjo2LCJTcGFjaW5nIjo1LCJJc0JlbG93VGltZWJhbmQiOnRydWUsIlBlcmNlbnRhZ2VDb21wbGV0ZVNoYXBlT3BhY2l0eSI6MzUsIlNoYXBlU3R5bGUiOnsiJGlkIjoiNDA5IiwiTWFyZ2luIjp7IiRpZCI6IjQxMCIsIlRvcCI6MCwiTGVmdCI6NCwiUmlnaHQiOjQsIkJvdHRvbSI6MH0sIlBhZGRpbmciOnsiJGlkIjoiNDExIiwiVG9wIjowLCJMZWZ0IjowLCJSaWdodCI6MCwiQm90dG9tIjowfSwiQmFja2dyb3VuZCI6eyIkaWQiOiI0MTIiLCJDb2xvciI6eyIkaWQiOiI0MTMiLCJBIjoyNTUsIlIiOjI1NSwiRyI6MTkyLCJCIjowfX0sIklzVmlzaWJsZSI6dHJ1ZSwiV2lkdGgiOjAuMCwiSGVpZ2h0IjoxNi4wLCJCb3JkZXJTdHlsZSI6eyIkaWQiOiI0MTQiLCJMaW5lQ29sb3IiOnsiJHJlZiI6IjEwOSJ9LCJMaW5lV2VpZ2h0IjowLjAsIkxpbmVUeXBlIjowLCJQYXJlbnRTdHlsZSI6bnVsbH0sIlBhcmVudFN0eWxlIjpudWxsfSwiVGl0bGVTdHlsZSI6eyIkaWQiOiI0MTUiLCJGb250U2V0dGluZ3MiOnsiJGlkIjoiNDE2IiwiRm9udFNpemUiOjExLCJGb250TmFtZSI6IkNhbGlicmkiLCJJc0JvbGQiOnRydWUsIklzSXRhbGljIjpmYWxzZSwiSXNVbmRlcmxpbmVkIjpmYWxzZSwiUGFyZW50U3R5bGUiOm51bGx9LCJBdXRvU2l6ZSI6MCwiRm9yZWdyb3VuZCI6eyIkaWQiOiI0MTciLCJDb2xvciI6eyIkcmVmIjoiMTE0In19LCJNYXhXaWR0aCI6OTYwLjAsIk1heEhlaWdodCI6IkluZmluaXR5IiwiU21hcnRGb3JlZ3JvdW5kSXNBY3RpdmUiOmZhbHNlLCJIb3Jpem9udGFsQWxpZ25tZW50IjowLCJWZXJ0aWNhbEFsaWdubWVudCI6MCwiU21hcnRGb3JlZ3JvdW5kIjpudWxsLCJCYWNrZ3JvdW5kRmlsbFR5cGUiOjAsIk1hcmdpbiI6eyIkaWQiOiI0MTgiLCJUb3AiOjAsIkxlZnQiOjAsIlJpZ2h0IjowLCJCb3R0b20iOjB9LCJQYWRkaW5nIjp7IiRpZCI6IjQxOSIsIlRvcCI6MCwiTGVmdCI6MCwiUmlnaHQiOjAsIkJvdHRvbSI6MH0sIkJhY2tncm91bmQiOnsiJHJlZiI6IjExNyJ9LCJJc1Zpc2libGUiOnRydWUsIldpZHRoIjowLjAsIkhlaWdodCI6MC4wLCJCb3JkZXJTdHlsZSI6eyIkaWQiOiI0MjAiLCJMaW5lQ29sb3IiOm51bGwsIkxpbmVXZWlnaHQiOjAuMCwiTGluZVR5cGUiOjAsIlBhcmVudFN0eWxlIjpudWxsfSwiUGFyZW50U3R5bGUiOm51bGx9LCJEYXRlU3R5bGUiOnsiJGlkIjoiNDIxIiwiRm9udFNldHRpbmdzIjp7IiRpZCI6IjQyMiIsIkZvbnRTaXplIjoxMCwiRm9udE5hbWUiOiJDYWxpYnJpIiwiSXNCb2xkIjpmYWxzZSwiSXNJdGFsaWMiOmZhbHNlLCJJc1VuZGVybGluZWQiOmZhbHNlLCJQYXJlbnRTdHlsZSI6bnVsbH0sIkF1dG9TaXplIjowLCJGb3JlZ3JvdW5kIjp7IiRpZCI6IjQyMyIsIkNvbG9yIjp7IiRyZWYiOiIxMjEifX0sIk1heFdpZHRoIjoyMDAuMCwiTWF4SGVpZ2h0IjoiSW5maW5pdHkiLCJTbWFydEZvcmVncm91bmRJc0FjdGl2ZSI6ZmFsc2UsIkhvcml6b250YWxBbGlnbm1lbnQiOjAsIlZlcnRpY2FsQWxpZ25tZW50IjowLCJTbWFydEZvcmVncm91bmQiOm51bGwsIkJhY2tncm91bmRGaWxsVHlwZSI6MCwiTWFyZ2luIjp7IiRpZCI6IjQyNCIsIlRvcCI6MCwiTGVmdCI6MCwiUmlnaHQiOjAsIkJvdHRvbSI6MH0sIlBhZGRpbmciOnsiJGlkIjoiNDI1IiwiVG9wIjowLCJMZWZ0IjowLCJSaWdodCI6MCwiQm90dG9tIjowfSwiQmFja2dyb3VuZCI6eyIkcmVmIjoiMTI0In0sIklzVmlzaWJsZSI6dHJ1ZSwiV2lkdGgiOjAuMCwiSGVpZ2h0IjowLjAsIkJvcmRlclN0eWxlIjp7IiRpZCI6IjQyNiIsIkxpbmVDb2xvciI6bnVsbCwiTGluZVdlaWdodCI6MC4wLCJMaW5lVHlwZSI6MCwiUGFyZW50U3R5bGUiOm51bGx9LCJQYXJlbnRTdHlsZSI6bnVsbH0sIkRhdGVGb3JtYXQiOnsiJGlkIjoiNDI3IiwiRm9ybWF0U3RyaW5nIjoiTS9kL3l5eXkiLCJTZXBhcmF0b3IiOiIvIiwiVXNlSW50ZXJuYXRpb25hbERhdGVGb3JtYXQiOmZhbHNlLCJEYXRlSXNWaXNpYmxlIjp0cnVlLCJUaW1lSXNWaXNpYmxlIjpmYWxzZSwiSG91ckRpZ2l0cyI6MSwiQW1QbURlc2lnbmF0b3IiOjIsIlRyaW0wME1pbnV0ZXMiOmZhbHNlLCJMYXN0S25vd25WaXNpYmlsaXR5U3RhdGUiOm51bGx9LCJJc1Zpc2libGUiOnRydWUsIlBhcmVudFN0eWxlIjpudWxsfSwiSW5kZXgiOjksIlNtYXJ0RHVyYXRpb25BY3RpdmF0ZWQiOmZhbHNlLCJEYXRlRm9ybWF0Ijp7IiRyZWYiOiI0MjcifSwiSWQiOiI4NTNmMmUyYS0xZDkxLTQ4MWYtOGIzZS1hM2ZkZWFkZDhmZmIiLCJJbXBvcnRJZCI6bnVsbCwiVGl0bGUiOiLsppDqsqjssL7quLAg66qo65OIIOqwnOuwnCIsIk5vdGUiOm51bGwsIkh5cGVybGluayI6bnVsbCwiSXNDaGFuZ2VkIjpmYWxzZSwiSXNOZXciOmZhbHNlfSx7IiRpZCI6IjQyOCIsIkdyb3VwTmFtZSI6bnVsbCwiU3RhcnREYXRlIjoiMjAxOS0wNi0wOFQwMDowMDowMCIsIkVuZERhdGUiOiIyMDE5LTA2LTE5VDIzOjU5OjAwIiwiUGVyY2VudGFnZUNvbXBsZXRlIjpudWxsLCJTdHlsZSI6eyIkaWQiOiI0MjkiLCJTaGFwZSI6MCwiU2hhcGVUaGlja25lc3MiOjEsIkR1cmF0aW9uRm9ybWF0IjowLCJJbmNsdWRlTm9uV29ya2luZ0RheXNJbkR1cmF0aW9uIjpmYWxzZSwiUGVyY2VudGFnZUNvbXBsZXRlU3R5bGUiOnsiJGlkIjoiNDMwIiwiRm9udFNldHRpbmdzIjp7IiRpZCI6IjQzMSIsIkZvbnRTaXplIjoxMCwiRm9udE5hbWUiOiJDYWxpYnJpIiwiSXNCb2xkIjpmYWxzZSwiSXNJdGFsaWMiOmZhbHNlLCJJc1VuZGVybGluZWQiOmZhbHNlLCJQYXJlbnRTdHlsZSI6bnVsbH0sIkF1dG9TaXplIjowLCJGb3JlZ3JvdW5kIjp7IiRpZCI6IjQzMiIsIkNvbG9yIjp7IiRyZWYiOiI4NiJ9fSwiTWF4V2lkdGgiOjIwMC4wLCJNYXhIZWlnaHQiOiJJbmZpbml0eSIsIlNtYXJ0Rm9yZWdyb3VuZElzQWN0aXZlIjpmYWxzZSwiSG9yaXpvbnRhbEFsaWdubWVudCI6MCwiVmVydGljYWxBbGlnbm1lbnQiOjAsIlNtYXJ0Rm9yZWdyb3VuZCI6bnVsbCwiQmFja2dyb3VuZEZpbGxUeXBlIjowLCJNYXJnaW4iOnsiJGlkIjoiNDMzIiwiVG9wIjowLCJMZWZ0IjowLCJSaWdodCI6MCwiQm90dG9tIjowfSwiUGFkZGluZyI6eyIkaWQiOiI0MzQiLCJUb3AiOjAsIkxlZnQiOjAsIlJpZ2h0IjowLCJCb3R0b20iOjB9LCJCYWNrZ3JvdW5kIjp7IiRyZWYiOiI4OSJ9LCJJc1Zpc2libGUiOnRydWUsIldpZHRoIjowLjAsIkhlaWdodCI6MC4wLCJCb3JkZXJTdHlsZSI6eyIkaWQiOiI0MzUiLCJMaW5lQ29sb3IiOm51bGwsIkxpbmVXZWlnaHQiOjAuMCwiTGluZVR5cGUiOjAsIlBhcmVudFN0eWxlIjpudWxsfSwiUGFyZW50U3R5bGUiOm51bGx9LCJEdXJhdGlvblN0eWxlIjp7IiRpZCI6IjQzNiIsIkZvbnRTZXR0aW5ncyI6eyIkaWQiOiI0MzciLCJGb250U2l6ZSI6MTAsIkZvbnROYW1lIjoiQ2FsaWJyaSIsIklzQm9sZCI6ZmFsc2UsIklzSXRhbGljIjpmYWxzZSwiSXNVbmRlcmxpbmVkIjpmYWxzZSwiUGFyZW50U3R5bGUiOm51bGx9LCJBdXRvU2l6ZSI6MCwiRm9yZWdyb3VuZCI6eyIkaWQiOiI0MzgiLCJDb2xvciI6eyIkcmVmIjoiOTMifX0sIk1heFdpZHRoIjoyMDAuMCwiTWF4SGVpZ2h0IjoiSW5maW5pdHkiLCJTbWFydEZvcmVncm91bmRJc0FjdGl2ZSI6ZmFsc2UsIkhvcml6b250YWxBbGlnbm1lbnQiOjAsIlZlcnRpY2FsQWxpZ25tZW50IjowLCJTbWFydEZvcmVncm91bmQiOm51bGwsIkJhY2tncm91bmRGaWxsVHlwZSI6MCwiTWFyZ2luIjp7IiRpZCI6IjQzOSIsIlRvcCI6MCwiTGVmdCI6MCwiUmlnaHQiOjAsIkJvdHRvbSI6MH0sIlBhZGRpbmciOnsiJGlkIjoiNDQwIiwiVG9wIjowLCJMZWZ0IjowLCJSaWdodCI6MCwiQm90dG9tIjowfSwiQmFja2dyb3VuZCI6eyIkcmVmIjoiOTYifSwiSXNWaXNpYmxlIjp0cnVlLCJXaWR0aCI6MC4wLCJIZWlnaHQiOjAuMCwiQm9yZGVyU3R5bGUiOnsiJGlkIjoiNDQxIiwiTGluZUNvbG9yIjpudWxsLCJMaW5lV2VpZ2h0IjowLjAsIkxpbmVUeXBlIjowLCJQYXJlbnRTdHlsZSI6bnVsbH0sIlBhcmVudFN0eWxlIjpudWxsfSwiSG9yaXpvbnRhbENvbm5lY3RvclN0eWxlIjp7IiRpZCI6IjQ0MiIsIkxpbmVDb2xvciI6eyIkcmVmIjoiOTgifSwiTGluZVdlaWdodCI6MS4wLCJMaW5lVHlwZSI6MCwiUGFyZW50U3R5bGUiOm51bGx9LCJWZXJ0aWNhbENvbm5lY3RvclN0eWxlIjp7IiRpZCI6IjQ0MyIsIkxpbmVDb2xvciI6eyIkcmVmIjoiMTAxIn0sIkxpbmVXZWlnaHQiOjAuMCwiTGluZVR5cGUiOjAsIlBhcmVudFN0eWxlIjpudWxsfSwiTWFyZ2luIjpudWxsLCJTdGFydERhdGVQb3NpdGlvbiI6NCwiRW5kRGF0ZVBvc2l0aW9uIjo0LCJEYXRlSXNWaXNpYmxlIjp0cnVlLCJUaXRsZVBvc2l0aW9uIjo1LCJEdXJhdGlvblBvc2l0aW9uIjo2LCJQZXJjZW50YWdlQ29tcGxldGVkUG9zaXRpb24iOjYsIlNwYWNpbmciOjUsIklzQmVsb3dUaW1lYmFuZCI6dHJ1ZSwiUGVyY2VudGFnZUNvbXBsZXRlU2hhcGVPcGFjaXR5IjozNSwiU2hhcGVTdHlsZSI6eyIkaWQiOiI0NDQiLCJNYXJnaW4iOnsiJGlkIjoiNDQ1IiwiVG9wIjowLCJMZWZ0Ijo0LCJSaWdodCI6NCwiQm90dG9tIjowfSwiUGFkZGluZyI6eyIkaWQiOiI0NDYiLCJUb3AiOjAsIkxlZnQiOjAsIlJpZ2h0IjowLCJCb3R0b20iOjB9LCJCYWNrZ3JvdW5kIjp7IiRpZCI6IjQ0NyIsIkNvbG9yIjp7IiRpZCI6IjQ0OCIsIkEiOjI1NSwiUiI6OTEsIkciOjE1NSwiQiI6MjEzfX0sIklzVmlzaWJsZSI6dHJ1ZSwiV2lkdGgiOjAuMCwiSGVpZ2h0IjoxNi4wLCJCb3JkZXJTdHlsZSI6eyIkaWQiOiI0NDkiLCJMaW5lQ29sb3IiOnsiJHJlZiI6IjEwOSJ9LCJMaW5lV2VpZ2h0IjowLjAsIkxpbmVUeXBlIjowLCJQYXJlbnRTdHlsZSI6bnVsbH0sIlBhcmVudFN0eWxlIjpudWxsfSwiVGl0bGVTdHlsZSI6eyIkaWQiOiI0NTAiLCJGb250U2V0dGluZ3MiOnsiJGlkIjoiNDUxIiwiRm9udFNpemUiOjExLCJGb250TmFtZSI6IkNhbGlicmkiLCJJc0JvbGQiOnRydWUsIklzSXRhbGljIjpmYWxzZSwiSXNVbmRlcmxpbmVkIjpmYWxzZSwiUGFyZW50U3R5bGUiOm51bGx9LCJBdXRvU2l6ZSI6MCwiRm9yZWdyb3VuZCI6eyIkaWQiOiI0NTIiLCJDb2xvciI6eyIkcmVmIjoiMTE0In19LCJNYXhXaWR0aCI6NzIwLjAsIk1heEhlaWdodCI6IkluZmluaXR5IiwiU21hcnRGb3JlZ3JvdW5kSXNBY3RpdmUiOmZhbHNlLCJIb3Jpem9udGFsQWxpZ25tZW50IjowLCJWZXJ0aWNhbEFsaWdubWVudCI6MCwiU21hcnRGb3JlZ3JvdW5kIjpudWxsLCJCYWNrZ3JvdW5kRmlsbFR5cGUiOjAsIk1hcmdpbiI6eyIkaWQiOiI0NTMiLCJUb3AiOjAsIkxlZnQiOjAsIlJpZ2h0IjowLCJCb3R0b20iOjB9LCJQYWRkaW5nIjp7IiRpZCI6IjQ1NCIsIlRvcCI6MCwiTGVmdCI6MCwiUmlnaHQiOjAsIkJvdHRvbSI6MH0sIkJhY2tncm91bmQiOnsiJHJlZiI6IjExNyJ9LCJJc1Zpc2libGUiOnRydWUsIldpZHRoIjowLjAsIkhlaWdodCI6MC4wLCJCb3JkZXJTdHlsZSI6eyIkaWQiOiI0NTUiLCJMaW5lQ29sb3IiOm51bGwsIkxpbmVXZWlnaHQiOjAuMCwiTGluZVR5cGUiOjAsIlBhcmVudFN0eWxlIjpudWxsfSwiUGFyZW50U3R5bGUiOm51bGx9LCJEYXRlU3R5bGUiOnsiJGlkIjoiNDU2IiwiRm9udFNldHRpbmdzIjp7IiRpZCI6IjQ1NyIsIkZvbnRTaXplIjoxMCwiRm9udE5hbWUiOiJDYWxpYnJpIiwiSXNCb2xkIjpmYWxzZSwiSXNJdGFsaWMiOmZhbHNlLCJJc1VuZGVybGluZWQiOmZhbHNlLCJQYXJlbnRTdHlsZSI6bnVsbH0sIkF1dG9TaXplIjowLCJGb3JlZ3JvdW5kIjp7IiRpZCI6IjQ1OCIsIkNvbG9yIjp7IiRyZWYiOiIxMjEifX0sIk1heFdpZHRoIjoyMDAuMCwiTWF4SGVpZ2h0IjoiSW5maW5pdHkiLCJTbWFydEZvcmVncm91bmRJc0FjdGl2ZSI6ZmFsc2UsIkhvcml6b250YWxBbGlnbm1lbnQiOjAsIlZlcnRpY2FsQWxpZ25tZW50IjowLCJTbWFydEZvcmVncm91bmQiOm51bGwsIkJhY2tncm91bmRGaWxsVHlwZSI6MCwiTWFyZ2luIjp7IiRpZCI6IjQ1OSIsIlRvcCI6MCwiTGVmdCI6MCwiUmlnaHQiOjAsIkJvdHRvbSI6MH0sIlBhZGRpbmciOnsiJGlkIjoiNDYwIiwiVG9wIjowLCJMZWZ0IjowLCJSaWdodCI6MCwiQm90dG9tIjowfSwiQmFja2dyb3VuZCI6eyIkcmVmIjoiMTI0In0sIklzVmlzaWJsZSI6dHJ1ZSwiV2lkdGgiOjAuMCwiSGVpZ2h0IjowLjAsIkJvcmRlclN0eWxlIjp7IiRpZCI6IjQ2MSIsIkxpbmVDb2xvciI6bnVsbCwiTGluZVdlaWdodCI6MC4wLCJMaW5lVHlwZSI6MCwiUGFyZW50U3R5bGUiOm51bGx9LCJQYXJlbnRTdHlsZSI6bnVsbH0sIkRhdGVGb3JtYXQiOnsiJGlkIjoiNDYyIiwiRm9ybWF0U3RyaW5nIjoiTS9kL3l5eXkiLCJTZXBhcmF0b3IiOiIvIiwiVXNlSW50ZXJuYXRpb25hbERhdGVGb3JtYXQiOmZhbHNlLCJEYXRlSXNWaXNpYmxlIjp0cnVlLCJUaW1lSXNWaXNpYmxlIjpmYWxzZSwiSG91ckRpZ2l0cyI6MSwiQW1QbURlc2lnbmF0b3IiOjIsIlRyaW0wME1pbnV0ZXMiOmZhbHNlLCJMYXN0S25vd25WaXNpYmlsaXR5U3RhdGUiOm51bGx9LCJJc1Zpc2libGUiOnRydWUsIlBhcmVudFN0eWxlIjpudWxsfSwiSW5kZXgiOjEwLCJTbWFydER1cmF0aW9uQWN0aXZhdGVkIjpmYWxzZSwiRGF0ZUZvcm1hdCI6eyIkcmVmIjoiNDYyIn0sIklkIjoiMjJmMzlmYjgtMjk5NC00OTExLWFhYzYtMGZmMjk1ODdlZmQ0IiwiSW1wb3J0SWQiOm51bGwsIlRpdGxlIjoi7LWc7KKFIOuztOqzoOyEnCDsnpHshLEg67CPIO2UvOuTnOuwsSIsIk5vdGUiOm51bGwsIkh5cGVybGluayI6bnVsbCwiSXNDaGFuZ2VkIjpmYWxzZSwiSXNOZXciOmZhbHNlfV0sIk1zUHJvamVjdEl0ZW1zVHJlZSI6eyIkaWQiOiI0NjMiLCJSb290Ijp7IkltcG9ydElkIjpudWxsLCJJc0ltcG9ydGVkIjpmYWxzZSwiQ2hpbGRyZW4iOltdfX0sIk1ldGFkYXRhIjp7IiRpZCI6IjQ2NCIsIlJlY2VudENvbG9yc0NvbGxlY3Rpb24iOiJbXCIjRkZGRkMwMDBcIixcIiNGRkVEN0QzMVwiLFwiI0ZGNUI5QkQ1XCIsXCIjRkY0NDU0NkFcIixcIiNGRjcwQUQ0N1wiXSJ9LCJTZXR0aW5ncyI6eyIkaWQiOiI0NjUiLCJJbXBhT3B0aW9ucyI6eyIkaWQiOiI0NjYiLCJMZWZ0VG9SaWdodCI6ZmFsc2UsIlBheWxvYWRPcHRpb25zIjoyfSwiVXNlQ29tcHJlc3Npb24iOmZhbHNlLCJDb21wcmVzaW9uUGVyY2VudGFnZSI6NTAuMCwiSW5hY3RpdmVJbnRlcnZhbFdpZHRoVGhyZXNob2xkIjozMC4wLCJJbmFjdGl2ZUludGVydmFsV2lkdGgiOjEuMCwiU3BsaXRUYXNrcyI6ZmFsc2UsIlVzZUNsdXN0ZXIiOmZhbHNlLCJFcHNpbG9uIjowLjAsIk1pblBvaW50c1RvRm9ybUFDbHVzdGVyIjoyLCJHZW5lcmF0ZUludmlzaWJsZVNoYXBlcyI6ZmFsc2UsIlNtYXJ0VGltZWxpbmVUYXNrUGVyY2VudGFnZUZpdCI6ZmFsc2V9LCJJc05ldyI6dHJ1ZSwiSW1wb3J0VHlwZSI6MCwiRmlsZVBhdGgiOm51bGwsIlRpbWVDb25maWd1cmF0aW9uIjp7IiRpZCI6IjQ2NyIsIlVzZVRpbWUiOmZhbHNlLCJXb3JrRGF5U3RhcnQiOiIwMDowMDowMCIsIldvcmtEYXlFbmQiOiIyMzo1OTowMCJ9LCJMYXN0VXNlZFRlbXBsYXRlSWQiOiI3MzU1YjYzMy1hYzY2LTQ1MjgtOGI0ZC0yOTlmYWVkYzllZTkifQ=="/>
   <p:tag name="__MASTER" val="__part_0"/>
 </p:tagLst>
 </file>
@@ -16542,181 +15120,19 @@
 </p:tagLst>
 </file>
 
-<file path=ppt/tags/tag208.xml><?xml version="1.0" encoding="utf-8"?>
-<p:tagLst xmlns:a="http://schemas.openxmlformats.org/drawingml/2006/main" xmlns:r="http://schemas.openxmlformats.org/officeDocument/2006/relationships" xmlns:p="http://schemas.openxmlformats.org/presentationml/2006/main">
-  <p:tag name="OTLMARKERSHAPE" val="OTL"/>
-</p:tagLst>
-</file>
-
-<file path=ppt/tags/tag209.xml><?xml version="1.0" encoding="utf-8"?>
-<p:tagLst xmlns:a="http://schemas.openxmlformats.org/drawingml/2006/main" xmlns:r="http://schemas.openxmlformats.org/officeDocument/2006/relationships" xmlns:p="http://schemas.openxmlformats.org/presentationml/2006/main">
-  <p:tag name="OTLMARKERSHAPE" val="OTL"/>
-</p:tagLst>
-</file>
-
 <file path=ppt/tags/tag21.xml><?xml version="1.0" encoding="utf-8"?>
 <p:tagLst xmlns:a="http://schemas.openxmlformats.org/drawingml/2006/main" xmlns:r="http://schemas.openxmlformats.org/officeDocument/2006/relationships" xmlns:p="http://schemas.openxmlformats.org/presentationml/2006/main">
   <p:tag name="OTLMARKERSHAPE" val="OTL"/>
 </p:tagLst>
 </file>
 
-<file path=ppt/tags/tag210.xml><?xml version="1.0" encoding="utf-8"?>
-<p:tagLst xmlns:a="http://schemas.openxmlformats.org/drawingml/2006/main" xmlns:r="http://schemas.openxmlformats.org/officeDocument/2006/relationships" xmlns:p="http://schemas.openxmlformats.org/presentationml/2006/main">
-  <p:tag name="OTLMARKERSHAPE" val="OTL"/>
-</p:tagLst>
-</file>
-
-<file path=ppt/tags/tag211.xml><?xml version="1.0" encoding="utf-8"?>
-<p:tagLst xmlns:a="http://schemas.openxmlformats.org/drawingml/2006/main" xmlns:r="http://schemas.openxmlformats.org/officeDocument/2006/relationships" xmlns:p="http://schemas.openxmlformats.org/presentationml/2006/main">
-  <p:tag name="OTLMARKERSHAPE" val="OTL"/>
-</p:tagLst>
-</file>
-
-<file path=ppt/tags/tag212.xml><?xml version="1.0" encoding="utf-8"?>
-<p:tagLst xmlns:a="http://schemas.openxmlformats.org/drawingml/2006/main" xmlns:r="http://schemas.openxmlformats.org/officeDocument/2006/relationships" xmlns:p="http://schemas.openxmlformats.org/presentationml/2006/main">
-  <p:tag name="OTLMARKERSHAPE" val="OTL"/>
-</p:tagLst>
-</file>
-
-<file path=ppt/tags/tag213.xml><?xml version="1.0" encoding="utf-8"?>
-<p:tagLst xmlns:a="http://schemas.openxmlformats.org/drawingml/2006/main" xmlns:r="http://schemas.openxmlformats.org/officeDocument/2006/relationships" xmlns:p="http://schemas.openxmlformats.org/presentationml/2006/main">
-  <p:tag name="OTLMARKERSHAPE" val="OTL"/>
-</p:tagLst>
-</file>
-
-<file path=ppt/tags/tag214.xml><?xml version="1.0" encoding="utf-8"?>
-<p:tagLst xmlns:a="http://schemas.openxmlformats.org/drawingml/2006/main" xmlns:r="http://schemas.openxmlformats.org/officeDocument/2006/relationships" xmlns:p="http://schemas.openxmlformats.org/presentationml/2006/main">
-  <p:tag name="OTLMARKERSHAPE" val="OTL"/>
-</p:tagLst>
-</file>
-
-<file path=ppt/tags/tag215.xml><?xml version="1.0" encoding="utf-8"?>
-<p:tagLst xmlns:a="http://schemas.openxmlformats.org/drawingml/2006/main" xmlns:r="http://schemas.openxmlformats.org/officeDocument/2006/relationships" xmlns:p="http://schemas.openxmlformats.org/presentationml/2006/main">
-  <p:tag name="OTLMARKERSHAPE" val="OTL"/>
-</p:tagLst>
-</file>
-
-<file path=ppt/tags/tag216.xml><?xml version="1.0" encoding="utf-8"?>
-<p:tagLst xmlns:a="http://schemas.openxmlformats.org/drawingml/2006/main" xmlns:r="http://schemas.openxmlformats.org/officeDocument/2006/relationships" xmlns:p="http://schemas.openxmlformats.org/presentationml/2006/main">
-  <p:tag name="OTLMARKERSHAPE" val="OTL"/>
-</p:tagLst>
-</file>
-
-<file path=ppt/tags/tag217.xml><?xml version="1.0" encoding="utf-8"?>
-<p:tagLst xmlns:a="http://schemas.openxmlformats.org/drawingml/2006/main" xmlns:r="http://schemas.openxmlformats.org/officeDocument/2006/relationships" xmlns:p="http://schemas.openxmlformats.org/presentationml/2006/main">
-  <p:tag name="OTLMARKERSHAPE" val="OTL"/>
-</p:tagLst>
-</file>
-
-<file path=ppt/tags/tag218.xml><?xml version="1.0" encoding="utf-8"?>
-<p:tagLst xmlns:a="http://schemas.openxmlformats.org/drawingml/2006/main" xmlns:r="http://schemas.openxmlformats.org/officeDocument/2006/relationships" xmlns:p="http://schemas.openxmlformats.org/presentationml/2006/main">
-  <p:tag name="OTLMARKERSHAPE" val="OTL"/>
-</p:tagLst>
-</file>
-
-<file path=ppt/tags/tag219.xml><?xml version="1.0" encoding="utf-8"?>
-<p:tagLst xmlns:a="http://schemas.openxmlformats.org/drawingml/2006/main" xmlns:r="http://schemas.openxmlformats.org/officeDocument/2006/relationships" xmlns:p="http://schemas.openxmlformats.org/presentationml/2006/main">
-  <p:tag name="OTLMARKERSHAPE" val="OTL"/>
-</p:tagLst>
-</file>
-
 <file path=ppt/tags/tag22.xml><?xml version="1.0" encoding="utf-8"?>
 <p:tagLst xmlns:a="http://schemas.openxmlformats.org/drawingml/2006/main" xmlns:r="http://schemas.openxmlformats.org/officeDocument/2006/relationships" xmlns:p="http://schemas.openxmlformats.org/presentationml/2006/main">
   <p:tag name="OTLMARKERSHAPE" val="OTL"/>
 </p:tagLst>
 </file>
 
-<file path=ppt/tags/tag220.xml><?xml version="1.0" encoding="utf-8"?>
-<p:tagLst xmlns:a="http://schemas.openxmlformats.org/drawingml/2006/main" xmlns:r="http://schemas.openxmlformats.org/officeDocument/2006/relationships" xmlns:p="http://schemas.openxmlformats.org/presentationml/2006/main">
-  <p:tag name="OTLMARKERSHAPE" val="OTL"/>
-</p:tagLst>
-</file>
-
-<file path=ppt/tags/tag221.xml><?xml version="1.0" encoding="utf-8"?>
-<p:tagLst xmlns:a="http://schemas.openxmlformats.org/drawingml/2006/main" xmlns:r="http://schemas.openxmlformats.org/officeDocument/2006/relationships" xmlns:p="http://schemas.openxmlformats.org/presentationml/2006/main">
-  <p:tag name="OTLMARKERSHAPE" val="OTL"/>
-</p:tagLst>
-</file>
-
-<file path=ppt/tags/tag222.xml><?xml version="1.0" encoding="utf-8"?>
-<p:tagLst xmlns:a="http://schemas.openxmlformats.org/drawingml/2006/main" xmlns:r="http://schemas.openxmlformats.org/officeDocument/2006/relationships" xmlns:p="http://schemas.openxmlformats.org/presentationml/2006/main">
-  <p:tag name="OTLMARKERSHAPE" val="OTL"/>
-</p:tagLst>
-</file>
-
-<file path=ppt/tags/tag223.xml><?xml version="1.0" encoding="utf-8"?>
-<p:tagLst xmlns:a="http://schemas.openxmlformats.org/drawingml/2006/main" xmlns:r="http://schemas.openxmlformats.org/officeDocument/2006/relationships" xmlns:p="http://schemas.openxmlformats.org/presentationml/2006/main">
-  <p:tag name="OTLMARKERSHAPE" val="OTL"/>
-</p:tagLst>
-</file>
-
-<file path=ppt/tags/tag224.xml><?xml version="1.0" encoding="utf-8"?>
-<p:tagLst xmlns:a="http://schemas.openxmlformats.org/drawingml/2006/main" xmlns:r="http://schemas.openxmlformats.org/officeDocument/2006/relationships" xmlns:p="http://schemas.openxmlformats.org/presentationml/2006/main">
-  <p:tag name="OTLMARKERSHAPE" val="OTL"/>
-</p:tagLst>
-</file>
-
-<file path=ppt/tags/tag225.xml><?xml version="1.0" encoding="utf-8"?>
-<p:tagLst xmlns:a="http://schemas.openxmlformats.org/drawingml/2006/main" xmlns:r="http://schemas.openxmlformats.org/officeDocument/2006/relationships" xmlns:p="http://schemas.openxmlformats.org/presentationml/2006/main">
-  <p:tag name="OTLMARKERSHAPE" val="OTL"/>
-</p:tagLst>
-</file>
-
-<file path=ppt/tags/tag226.xml><?xml version="1.0" encoding="utf-8"?>
-<p:tagLst xmlns:a="http://schemas.openxmlformats.org/drawingml/2006/main" xmlns:r="http://schemas.openxmlformats.org/officeDocument/2006/relationships" xmlns:p="http://schemas.openxmlformats.org/presentationml/2006/main">
-  <p:tag name="OTLMARKERSHAPE" val="OTL"/>
-</p:tagLst>
-</file>
-
-<file path=ppt/tags/tag227.xml><?xml version="1.0" encoding="utf-8"?>
-<p:tagLst xmlns:a="http://schemas.openxmlformats.org/drawingml/2006/main" xmlns:r="http://schemas.openxmlformats.org/officeDocument/2006/relationships" xmlns:p="http://schemas.openxmlformats.org/presentationml/2006/main">
-  <p:tag name="OTLMARKERSHAPE" val="OTL"/>
-</p:tagLst>
-</file>
-
-<file path=ppt/tags/tag228.xml><?xml version="1.0" encoding="utf-8"?>
-<p:tagLst xmlns:a="http://schemas.openxmlformats.org/drawingml/2006/main" xmlns:r="http://schemas.openxmlformats.org/officeDocument/2006/relationships" xmlns:p="http://schemas.openxmlformats.org/presentationml/2006/main">
-  <p:tag name="OTLMARKERSHAPE" val="OTL"/>
-</p:tagLst>
-</file>
-
-<file path=ppt/tags/tag229.xml><?xml version="1.0" encoding="utf-8"?>
-<p:tagLst xmlns:a="http://schemas.openxmlformats.org/drawingml/2006/main" xmlns:r="http://schemas.openxmlformats.org/officeDocument/2006/relationships" xmlns:p="http://schemas.openxmlformats.org/presentationml/2006/main">
-  <p:tag name="OTLMARKERSHAPE" val="OTL"/>
-</p:tagLst>
-</file>
-
 <file path=ppt/tags/tag23.xml><?xml version="1.0" encoding="utf-8"?>
-<p:tagLst xmlns:a="http://schemas.openxmlformats.org/drawingml/2006/main" xmlns:r="http://schemas.openxmlformats.org/officeDocument/2006/relationships" xmlns:p="http://schemas.openxmlformats.org/presentationml/2006/main">
-  <p:tag name="OTLMARKERSHAPE" val="OTL"/>
-</p:tagLst>
-</file>
-
-<file path=ppt/tags/tag230.xml><?xml version="1.0" encoding="utf-8"?>
-<p:tagLst xmlns:a="http://schemas.openxmlformats.org/drawingml/2006/main" xmlns:r="http://schemas.openxmlformats.org/officeDocument/2006/relationships" xmlns:p="http://schemas.openxmlformats.org/presentationml/2006/main">
-  <p:tag name="OTLMARKERSHAPE" val="OTL"/>
-</p:tagLst>
-</file>
-
-<file path=ppt/tags/tag231.xml><?xml version="1.0" encoding="utf-8"?>
-<p:tagLst xmlns:a="http://schemas.openxmlformats.org/drawingml/2006/main" xmlns:r="http://schemas.openxmlformats.org/officeDocument/2006/relationships" xmlns:p="http://schemas.openxmlformats.org/presentationml/2006/main">
-  <p:tag name="OTLMARKERSHAPE" val="OTL"/>
-</p:tagLst>
-</file>
-
-<file path=ppt/tags/tag232.xml><?xml version="1.0" encoding="utf-8"?>
-<p:tagLst xmlns:a="http://schemas.openxmlformats.org/drawingml/2006/main" xmlns:r="http://schemas.openxmlformats.org/officeDocument/2006/relationships" xmlns:p="http://schemas.openxmlformats.org/presentationml/2006/main">
-  <p:tag name="OTLMARKERSHAPE" val="OTL"/>
-</p:tagLst>
-</file>
-
-<file path=ppt/tags/tag233.xml><?xml version="1.0" encoding="utf-8"?>
-<p:tagLst xmlns:a="http://schemas.openxmlformats.org/drawingml/2006/main" xmlns:r="http://schemas.openxmlformats.org/officeDocument/2006/relationships" xmlns:p="http://schemas.openxmlformats.org/presentationml/2006/main">
-  <p:tag name="OTLMARKERSHAPE" val="OTL"/>
-</p:tagLst>
-</file>
-
-<file path=ppt/tags/tag234.xml><?xml version="1.0" encoding="utf-8"?>
 <p:tagLst xmlns:a="http://schemas.openxmlformats.org/drawingml/2006/main" xmlns:r="http://schemas.openxmlformats.org/officeDocument/2006/relationships" xmlns:p="http://schemas.openxmlformats.org/presentationml/2006/main">
   <p:tag name="OTLMARKERSHAPE" val="OTL"/>
 </p:tagLst>

--- a/ppt/ganttppt.pptx
+++ b/ppt/ganttppt.pptx
@@ -8919,10 +8919,10 @@
       </p:grpSpPr>
       <p:cxnSp>
         <p:nvCxnSpPr>
-          <p:cNvPr id="359" name="OTLSHAPE_T_22f39fb829944911aac60ff29587efd4_HorizontalConnector1">
-            <a:extLst>
-              <a:ext uri="{FF2B5EF4-FFF2-40B4-BE49-F238E27FC236}">
-                <a16:creationId xmlns:a16="http://schemas.microsoft.com/office/drawing/2014/main" id="{5E4EDFB7-CFC1-4358-963D-B232A89AD3C2}"/>
+          <p:cNvPr id="515" name="OTLSHAPE_T_22f39fb829944911aac60ff29587efd4_HorizontalConnector1">
+            <a:extLst>
+              <a:ext uri="{FF2B5EF4-FFF2-40B4-BE49-F238E27FC236}">
+                <a16:creationId xmlns:a16="http://schemas.microsoft.com/office/drawing/2014/main" id="{82570801-1E81-4B01-9C51-19A570672978}"/>
               </a:ext>
             </a:extLst>
           </p:cNvPr>
@@ -8968,10 +8968,10 @@
       </p:cxnSp>
       <p:cxnSp>
         <p:nvCxnSpPr>
-          <p:cNvPr id="358" name="OTLSHAPE_T_853f2e2a1d91481f8b3ea3fdeadd8ffb_HorizontalConnector1">
-            <a:extLst>
-              <a:ext uri="{FF2B5EF4-FFF2-40B4-BE49-F238E27FC236}">
-                <a16:creationId xmlns:a16="http://schemas.microsoft.com/office/drawing/2014/main" id="{55CBB2CE-255B-4636-9EDD-9A7F94D95C88}"/>
+          <p:cNvPr id="514" name="OTLSHAPE_T_853f2e2a1d91481f8b3ea3fdeadd8ffb_HorizontalConnector1">
+            <a:extLst>
+              <a:ext uri="{FF2B5EF4-FFF2-40B4-BE49-F238E27FC236}">
+                <a16:creationId xmlns:a16="http://schemas.microsoft.com/office/drawing/2014/main" id="{1C6AD6EF-3614-45C3-95AC-A5CA8E60B100}"/>
               </a:ext>
             </a:extLst>
           </p:cNvPr>
@@ -9017,10 +9017,10 @@
       </p:cxnSp>
       <p:cxnSp>
         <p:nvCxnSpPr>
-          <p:cNvPr id="357" name="OTLSHAPE_T_55871566acb4479fa593c4d75faba5f3_HorizontalConnector1">
-            <a:extLst>
-              <a:ext uri="{FF2B5EF4-FFF2-40B4-BE49-F238E27FC236}">
-                <a16:creationId xmlns:a16="http://schemas.microsoft.com/office/drawing/2014/main" id="{C8B2CD3E-A717-472D-A615-526B5D5B4C95}"/>
+          <p:cNvPr id="513" name="OTLSHAPE_T_55871566acb4479fa593c4d75faba5f3_HorizontalConnector1">
+            <a:extLst>
+              <a:ext uri="{FF2B5EF4-FFF2-40B4-BE49-F238E27FC236}">
+                <a16:creationId xmlns:a16="http://schemas.microsoft.com/office/drawing/2014/main" id="{F5DD2549-1678-4F73-86D9-A7BEC1D07C2E}"/>
               </a:ext>
             </a:extLst>
           </p:cNvPr>
@@ -9033,8 +9033,8 @@
         </p:nvCxnSpPr>
         <p:spPr>
           <a:xfrm>
-            <a:off x="1534245" y="5913755"/>
-            <a:ext cx="5323456" cy="0"/>
+            <a:off x="1845226" y="5913755"/>
+            <a:ext cx="5012475" cy="0"/>
           </a:xfrm>
           <a:prstGeom prst="line">
             <a:avLst/>
@@ -9066,10 +9066,10 @@
       </p:cxnSp>
       <p:cxnSp>
         <p:nvCxnSpPr>
-          <p:cNvPr id="356" name="OTLSHAPE_T_e676dd5c8d65477588b6d56b4e73ee0c_HorizontalConnector1">
-            <a:extLst>
-              <a:ext uri="{FF2B5EF4-FFF2-40B4-BE49-F238E27FC236}">
-                <a16:creationId xmlns:a16="http://schemas.microsoft.com/office/drawing/2014/main" id="{3EE7C468-C7A1-46ED-BD23-22754B244822}"/>
+          <p:cNvPr id="512" name="OTLSHAPE_T_e676dd5c8d65477588b6d56b4e73ee0c_HorizontalConnector1">
+            <a:extLst>
+              <a:ext uri="{FF2B5EF4-FFF2-40B4-BE49-F238E27FC236}">
+                <a16:creationId xmlns:a16="http://schemas.microsoft.com/office/drawing/2014/main" id="{23E444F3-D7EB-4E31-9E00-A5E112744AD5}"/>
               </a:ext>
             </a:extLst>
           </p:cNvPr>
@@ -9115,10 +9115,10 @@
       </p:cxnSp>
       <p:cxnSp>
         <p:nvCxnSpPr>
-          <p:cNvPr id="355" name="OTLSHAPE_T_27ae47589bac40d38409405d5a28c9b6_HorizontalConnector1">
-            <a:extLst>
-              <a:ext uri="{FF2B5EF4-FFF2-40B4-BE49-F238E27FC236}">
-                <a16:creationId xmlns:a16="http://schemas.microsoft.com/office/drawing/2014/main" id="{319BBF73-01CA-47B4-86A1-D0081162A174}"/>
+          <p:cNvPr id="511" name="OTLSHAPE_T_27ae47589bac40d38409405d5a28c9b6_HorizontalConnector1">
+            <a:extLst>
+              <a:ext uri="{FF2B5EF4-FFF2-40B4-BE49-F238E27FC236}">
+                <a16:creationId xmlns:a16="http://schemas.microsoft.com/office/drawing/2014/main" id="{3668EC6F-6D9F-43D4-9AB3-1EE81FB644BF}"/>
               </a:ext>
             </a:extLst>
           </p:cNvPr>
@@ -9164,10 +9164,10 @@
       </p:cxnSp>
       <p:cxnSp>
         <p:nvCxnSpPr>
-          <p:cNvPr id="354" name="OTLSHAPE_T_382ddf7c49ae41a9a896b68233bb860b_HorizontalConnector1">
-            <a:extLst>
-              <a:ext uri="{FF2B5EF4-FFF2-40B4-BE49-F238E27FC236}">
-                <a16:creationId xmlns:a16="http://schemas.microsoft.com/office/drawing/2014/main" id="{8E868E32-4510-4BA8-9F55-FA006025E8C7}"/>
+          <p:cNvPr id="510" name="OTLSHAPE_T_382ddf7c49ae41a9a896b68233bb860b_HorizontalConnector1">
+            <a:extLst>
+              <a:ext uri="{FF2B5EF4-FFF2-40B4-BE49-F238E27FC236}">
+                <a16:creationId xmlns:a16="http://schemas.microsoft.com/office/drawing/2014/main" id="{1E536A14-1DAA-45DA-B235-2EAEFF4ADCB0}"/>
               </a:ext>
             </a:extLst>
           </p:cNvPr>
@@ -9213,10 +9213,10 @@
       </p:cxnSp>
       <p:cxnSp>
         <p:nvCxnSpPr>
-          <p:cNvPr id="353" name="OTLSHAPE_T_75dffbd02c41442183b720bbfa1c3d22_HorizontalConnector1">
-            <a:extLst>
-              <a:ext uri="{FF2B5EF4-FFF2-40B4-BE49-F238E27FC236}">
-                <a16:creationId xmlns:a16="http://schemas.microsoft.com/office/drawing/2014/main" id="{B18A3267-4541-4B21-8202-0329317C5832}"/>
+          <p:cNvPr id="509" name="OTLSHAPE_T_75dffbd02c41442183b720bbfa1c3d22_HorizontalConnector1">
+            <a:extLst>
+              <a:ext uri="{FF2B5EF4-FFF2-40B4-BE49-F238E27FC236}">
+                <a16:creationId xmlns:a16="http://schemas.microsoft.com/office/drawing/2014/main" id="{BCF20A37-A7BA-4858-8106-EA45721A2611}"/>
               </a:ext>
             </a:extLst>
           </p:cNvPr>
@@ -9262,10 +9262,10 @@
       </p:cxnSp>
       <p:cxnSp>
         <p:nvCxnSpPr>
-          <p:cNvPr id="352" name="OTLSHAPE_T_d447ea458d95438995f5caa9b91329cc_HorizontalConnector1">
-            <a:extLst>
-              <a:ext uri="{FF2B5EF4-FFF2-40B4-BE49-F238E27FC236}">
-                <a16:creationId xmlns:a16="http://schemas.microsoft.com/office/drawing/2014/main" id="{E1E249B3-C3FE-4645-B9AB-E4BFFDD7FBFD}"/>
+          <p:cNvPr id="508" name="OTLSHAPE_T_d447ea458d95438995f5caa9b91329cc_HorizontalConnector1">
+            <a:extLst>
+              <a:ext uri="{FF2B5EF4-FFF2-40B4-BE49-F238E27FC236}">
+                <a16:creationId xmlns:a16="http://schemas.microsoft.com/office/drawing/2014/main" id="{3E1E6A70-07A6-428A-9376-37653D72D257}"/>
               </a:ext>
             </a:extLst>
           </p:cNvPr>
@@ -9311,10 +9311,10 @@
       </p:cxnSp>
       <p:cxnSp>
         <p:nvCxnSpPr>
-          <p:cNvPr id="351" name="OTLSHAPE_T_d5cd6d2f98024f49adcf10a7c42fbeff_HorizontalConnector1">
-            <a:extLst>
-              <a:ext uri="{FF2B5EF4-FFF2-40B4-BE49-F238E27FC236}">
-                <a16:creationId xmlns:a16="http://schemas.microsoft.com/office/drawing/2014/main" id="{18CA8101-C1A4-45B6-B633-6DF28012A300}"/>
+          <p:cNvPr id="507" name="OTLSHAPE_T_d5cd6d2f98024f49adcf10a7c42fbeff_HorizontalConnector1">
+            <a:extLst>
+              <a:ext uri="{FF2B5EF4-FFF2-40B4-BE49-F238E27FC236}">
+                <a16:creationId xmlns:a16="http://schemas.microsoft.com/office/drawing/2014/main" id="{DEEBCD5E-4D24-4A95-9502-C1D339270A0E}"/>
               </a:ext>
             </a:extLst>
           </p:cNvPr>
@@ -9360,10 +9360,10 @@
       </p:cxnSp>
       <p:sp>
         <p:nvSpPr>
-          <p:cNvPr id="338" name="OTLSHAPE_TB_00000000000000000000000000000000_LeftEndCaps">
-            <a:extLst>
-              <a:ext uri="{FF2B5EF4-FFF2-40B4-BE49-F238E27FC236}">
-                <a16:creationId xmlns:a16="http://schemas.microsoft.com/office/drawing/2014/main" id="{3F8436CE-DC67-43D9-B421-47A7E0622FAD}"/>
+          <p:cNvPr id="494" name="OTLSHAPE_TB_00000000000000000000000000000000_LeftEndCaps">
+            <a:extLst>
+              <a:ext uri="{FF2B5EF4-FFF2-40B4-BE49-F238E27FC236}">
+                <a16:creationId xmlns:a16="http://schemas.microsoft.com/office/drawing/2014/main" id="{A3EC98C4-9E85-495A-BC7D-1BE40C9908B8}"/>
               </a:ext>
             </a:extLst>
           </p:cNvPr>
@@ -9411,10 +9411,10 @@
       </p:sp>
       <p:sp>
         <p:nvSpPr>
-          <p:cNvPr id="339" name="OTLSHAPE_TB_00000000000000000000000000000000_RightEndCaps">
-            <a:extLst>
-              <a:ext uri="{FF2B5EF4-FFF2-40B4-BE49-F238E27FC236}">
-                <a16:creationId xmlns:a16="http://schemas.microsoft.com/office/drawing/2014/main" id="{7D3F34D5-B1DE-4CD1-B643-D63EFD098287}"/>
+          <p:cNvPr id="495" name="OTLSHAPE_TB_00000000000000000000000000000000_RightEndCaps">
+            <a:extLst>
+              <a:ext uri="{FF2B5EF4-FFF2-40B4-BE49-F238E27FC236}">
+                <a16:creationId xmlns:a16="http://schemas.microsoft.com/office/drawing/2014/main" id="{86A58278-8DFF-4D8F-8496-E5CBACADA298}"/>
               </a:ext>
             </a:extLst>
           </p:cNvPr>
@@ -9462,10 +9462,10 @@
       </p:sp>
       <p:sp>
         <p:nvSpPr>
-          <p:cNvPr id="340" name="OTLSHAPE_TB_00000000000000000000000000000000_ScaleContainer">
-            <a:extLst>
-              <a:ext uri="{FF2B5EF4-FFF2-40B4-BE49-F238E27FC236}">
-                <a16:creationId xmlns:a16="http://schemas.microsoft.com/office/drawing/2014/main" id="{C0F4EC55-8736-447D-9546-AA60386F2CEE}"/>
+          <p:cNvPr id="496" name="OTLSHAPE_TB_00000000000000000000000000000000_ScaleContainer">
+            <a:extLst>
+              <a:ext uri="{FF2B5EF4-FFF2-40B4-BE49-F238E27FC236}">
+                <a16:creationId xmlns:a16="http://schemas.microsoft.com/office/drawing/2014/main" id="{3C16BCD7-838A-4581-B312-40EDAFAF71AA}"/>
               </a:ext>
             </a:extLst>
           </p:cNvPr>
@@ -9554,10 +9554,10 @@
       </p:sp>
       <p:sp>
         <p:nvSpPr>
-          <p:cNvPr id="341" name="OTLSHAPE_TB_00000000000000000000000000000000_ElapsedTime">
-            <a:extLst>
-              <a:ext uri="{FF2B5EF4-FFF2-40B4-BE49-F238E27FC236}">
-                <a16:creationId xmlns:a16="http://schemas.microsoft.com/office/drawing/2014/main" id="{AB58468E-8AF3-486E-91E5-76346C98CABD}"/>
+          <p:cNvPr id="497" name="OTLSHAPE_TB_00000000000000000000000000000000_ElapsedTime">
+            <a:extLst>
+              <a:ext uri="{FF2B5EF4-FFF2-40B4-BE49-F238E27FC236}">
+                <a16:creationId xmlns:a16="http://schemas.microsoft.com/office/drawing/2014/main" id="{4C6E9445-CB52-4BE4-B351-A0DE152660B0}"/>
               </a:ext>
             </a:extLst>
           </p:cNvPr>
@@ -9637,10 +9637,10 @@
       </p:sp>
       <p:sp>
         <p:nvSpPr>
-          <p:cNvPr id="342" name="OTLSHAPE_TB_00000000000000000000000000000000_TodayMarkerShape">
-            <a:extLst>
-              <a:ext uri="{FF2B5EF4-FFF2-40B4-BE49-F238E27FC236}">
-                <a16:creationId xmlns:a16="http://schemas.microsoft.com/office/drawing/2014/main" id="{C2EDFA3E-3361-4ABA-8A2F-664497E8C0D6}"/>
+          <p:cNvPr id="498" name="OTLSHAPE_TB_00000000000000000000000000000000_TodayMarkerShape">
+            <a:extLst>
+              <a:ext uri="{FF2B5EF4-FFF2-40B4-BE49-F238E27FC236}">
+                <a16:creationId xmlns:a16="http://schemas.microsoft.com/office/drawing/2014/main" id="{EF5C99A1-E68A-4DA3-80CC-B3AD30ACC1C5}"/>
               </a:ext>
             </a:extLst>
           </p:cNvPr>
@@ -9653,7 +9653,7 @@
         </p:nvSpPr>
         <p:spPr>
           <a:xfrm>
-            <a:off x="4925687" y="3429000"/>
+            <a:off x="4926845" y="3429000"/>
             <a:ext cx="114300" cy="127000"/>
           </a:xfrm>
           <a:prstGeom prst="triangle">
@@ -9718,10 +9718,10 @@
       </p:sp>
       <p:sp>
         <p:nvSpPr>
-          <p:cNvPr id="343" name="OTLSHAPE_TB_00000000000000000000000000000000_TodayMarkerText">
-            <a:extLst>
-              <a:ext uri="{FF2B5EF4-FFF2-40B4-BE49-F238E27FC236}">
-                <a16:creationId xmlns:a16="http://schemas.microsoft.com/office/drawing/2014/main" id="{FADBDA02-7A52-4748-993E-588808BBE0CE}"/>
+          <p:cNvPr id="499" name="OTLSHAPE_TB_00000000000000000000000000000000_TodayMarkerText">
+            <a:extLst>
+              <a:ext uri="{FF2B5EF4-FFF2-40B4-BE49-F238E27FC236}">
+                <a16:creationId xmlns:a16="http://schemas.microsoft.com/office/drawing/2014/main" id="{A466CD28-6F21-4556-9548-EF8DE7D46972}"/>
               </a:ext>
             </a:extLst>
           </p:cNvPr>
@@ -9734,7 +9734,7 @@
         </p:nvSpPr>
         <p:spPr>
           <a:xfrm>
-            <a:off x="4827715" y="3556000"/>
+            <a:off x="4828873" y="3556000"/>
             <a:ext cx="304800" cy="186055"/>
           </a:xfrm>
           <a:prstGeom prst="rect">
@@ -9763,10 +9763,10 @@
       </p:sp>
       <p:sp>
         <p:nvSpPr>
-          <p:cNvPr id="344" name="OTLSHAPE_TB_00000000000000000000000000000000_TimescaleInterval1">
-            <a:extLst>
-              <a:ext uri="{FF2B5EF4-FFF2-40B4-BE49-F238E27FC236}">
-                <a16:creationId xmlns:a16="http://schemas.microsoft.com/office/drawing/2014/main" id="{32F39C7A-F011-410A-9807-3CB9F9CDBC00}"/>
+          <p:cNvPr id="500" name="OTLSHAPE_TB_00000000000000000000000000000000_TimescaleInterval1">
+            <a:extLst>
+              <a:ext uri="{FF2B5EF4-FFF2-40B4-BE49-F238E27FC236}">
+                <a16:creationId xmlns:a16="http://schemas.microsoft.com/office/drawing/2014/main" id="{382F34EC-8EA7-4DFE-B267-CD9F983ECE09}"/>
               </a:ext>
             </a:extLst>
           </p:cNvPr>
@@ -9813,10 +9813,10 @@
       </p:sp>
       <p:cxnSp>
         <p:nvCxnSpPr>
-          <p:cNvPr id="345" name="OTLSHAPE_TB_00000000000000000000000000000000_Separator1">
-            <a:extLst>
-              <a:ext uri="{FF2B5EF4-FFF2-40B4-BE49-F238E27FC236}">
-                <a16:creationId xmlns:a16="http://schemas.microsoft.com/office/drawing/2014/main" id="{754BB225-B192-41F1-A76B-A416D507514C}"/>
+          <p:cNvPr id="501" name="OTLSHAPE_TB_00000000000000000000000000000000_Separator1">
+            <a:extLst>
+              <a:ext uri="{FF2B5EF4-FFF2-40B4-BE49-F238E27FC236}">
+                <a16:creationId xmlns:a16="http://schemas.microsoft.com/office/drawing/2014/main" id="{D078AD15-D363-48C2-AEC8-796A73A71241}"/>
               </a:ext>
             </a:extLst>
           </p:cNvPr>
@@ -9864,10 +9864,10 @@
       </p:cxnSp>
       <p:sp>
         <p:nvSpPr>
-          <p:cNvPr id="346" name="OTLSHAPE_TB_00000000000000000000000000000000_TimescaleInterval2">
-            <a:extLst>
-              <a:ext uri="{FF2B5EF4-FFF2-40B4-BE49-F238E27FC236}">
-                <a16:creationId xmlns:a16="http://schemas.microsoft.com/office/drawing/2014/main" id="{1BB78DA2-AADC-4881-AC76-F44E8AA6F509}"/>
+          <p:cNvPr id="502" name="OTLSHAPE_TB_00000000000000000000000000000000_TimescaleInterval2">
+            <a:extLst>
+              <a:ext uri="{FF2B5EF4-FFF2-40B4-BE49-F238E27FC236}">
+                <a16:creationId xmlns:a16="http://schemas.microsoft.com/office/drawing/2014/main" id="{886FB160-57FA-40EF-B9F7-6065B339F8FB}"/>
               </a:ext>
             </a:extLst>
           </p:cNvPr>
@@ -9914,10 +9914,10 @@
       </p:sp>
       <p:cxnSp>
         <p:nvCxnSpPr>
-          <p:cNvPr id="347" name="OTLSHAPE_TB_00000000000000000000000000000000_Separator2">
-            <a:extLst>
-              <a:ext uri="{FF2B5EF4-FFF2-40B4-BE49-F238E27FC236}">
-                <a16:creationId xmlns:a16="http://schemas.microsoft.com/office/drawing/2014/main" id="{6D3E41D3-7219-41F1-A42B-3F677B62577B}"/>
+          <p:cNvPr id="503" name="OTLSHAPE_TB_00000000000000000000000000000000_Separator2">
+            <a:extLst>
+              <a:ext uri="{FF2B5EF4-FFF2-40B4-BE49-F238E27FC236}">
+                <a16:creationId xmlns:a16="http://schemas.microsoft.com/office/drawing/2014/main" id="{13426529-8BCE-4542-90DB-575AFABE2900}"/>
               </a:ext>
             </a:extLst>
           </p:cNvPr>
@@ -9965,10 +9965,10 @@
       </p:cxnSp>
       <p:sp>
         <p:nvSpPr>
-          <p:cNvPr id="348" name="OTLSHAPE_TB_00000000000000000000000000000000_TimescaleInterval3">
-            <a:extLst>
-              <a:ext uri="{FF2B5EF4-FFF2-40B4-BE49-F238E27FC236}">
-                <a16:creationId xmlns:a16="http://schemas.microsoft.com/office/drawing/2014/main" id="{8E4E930D-9BD4-465D-8B2E-33C358562E83}"/>
+          <p:cNvPr id="504" name="OTLSHAPE_TB_00000000000000000000000000000000_TimescaleInterval3">
+            <a:extLst>
+              <a:ext uri="{FF2B5EF4-FFF2-40B4-BE49-F238E27FC236}">
+                <a16:creationId xmlns:a16="http://schemas.microsoft.com/office/drawing/2014/main" id="{BCA5ECDA-9BCC-4E30-A98F-C3828DFA7254}"/>
               </a:ext>
             </a:extLst>
           </p:cNvPr>
@@ -10015,10 +10015,10 @@
       </p:sp>
       <p:cxnSp>
         <p:nvCxnSpPr>
-          <p:cNvPr id="349" name="OTLSHAPE_TB_00000000000000000000000000000000_Separator3">
-            <a:extLst>
-              <a:ext uri="{FF2B5EF4-FFF2-40B4-BE49-F238E27FC236}">
-                <a16:creationId xmlns:a16="http://schemas.microsoft.com/office/drawing/2014/main" id="{F15E2E3C-0DE7-4466-8AF3-B4BE00484C04}"/>
+          <p:cNvPr id="505" name="OTLSHAPE_TB_00000000000000000000000000000000_Separator3">
+            <a:extLst>
+              <a:ext uri="{FF2B5EF4-FFF2-40B4-BE49-F238E27FC236}">
+                <a16:creationId xmlns:a16="http://schemas.microsoft.com/office/drawing/2014/main" id="{9A6BA867-AD97-4ECF-97E3-1BC815F305AF}"/>
               </a:ext>
             </a:extLst>
           </p:cNvPr>
@@ -10066,10 +10066,10 @@
       </p:cxnSp>
       <p:sp>
         <p:nvSpPr>
-          <p:cNvPr id="350" name="OTLSHAPE_TB_00000000000000000000000000000000_TimescaleInterval4">
-            <a:extLst>
-              <a:ext uri="{FF2B5EF4-FFF2-40B4-BE49-F238E27FC236}">
-                <a16:creationId xmlns:a16="http://schemas.microsoft.com/office/drawing/2014/main" id="{772D2BCF-CD87-41CA-99D8-A41968BE0B98}"/>
+          <p:cNvPr id="506" name="OTLSHAPE_TB_00000000000000000000000000000000_TimescaleInterval4">
+            <a:extLst>
+              <a:ext uri="{FF2B5EF4-FFF2-40B4-BE49-F238E27FC236}">
+                <a16:creationId xmlns:a16="http://schemas.microsoft.com/office/drawing/2014/main" id="{A85D0125-E844-457E-8E9D-7B4BF26CF8F7}"/>
               </a:ext>
             </a:extLst>
           </p:cNvPr>
@@ -10116,10 +10116,10 @@
       </p:sp>
       <p:sp>
         <p:nvSpPr>
-          <p:cNvPr id="360" name="OTLSHAPE_T_22a4f0d76806446789e8d0dc63898e9a_Shape">
-            <a:extLst>
-              <a:ext uri="{FF2B5EF4-FFF2-40B4-BE49-F238E27FC236}">
-                <a16:creationId xmlns:a16="http://schemas.microsoft.com/office/drawing/2014/main" id="{90EF5E3C-F996-45B8-9263-C5F89385FAE3}"/>
+          <p:cNvPr id="516" name="OTLSHAPE_T_22a4f0d76806446789e8d0dc63898e9a_Shape">
+            <a:extLst>
+              <a:ext uri="{FF2B5EF4-FFF2-40B4-BE49-F238E27FC236}">
+                <a16:creationId xmlns:a16="http://schemas.microsoft.com/office/drawing/2014/main" id="{4C698747-FCA8-4CCE-AB87-AF2330C8292C}"/>
               </a:ext>
             </a:extLst>
           </p:cNvPr>
@@ -10211,10 +10211,10 @@
       </p:sp>
       <p:sp>
         <p:nvSpPr>
-          <p:cNvPr id="361" name="OTLSHAPE_T_22a4f0d76806446789e8d0dc63898e9a_ShapePercentage" hidden="1">
-            <a:extLst>
-              <a:ext uri="{FF2B5EF4-FFF2-40B4-BE49-F238E27FC236}">
-                <a16:creationId xmlns:a16="http://schemas.microsoft.com/office/drawing/2014/main" id="{8A32BE37-1BEA-4116-BAB5-412B1BF22A7F}"/>
+          <p:cNvPr id="517" name="OTLSHAPE_T_22a4f0d76806446789e8d0dc63898e9a_ShapePercentage" hidden="1">
+            <a:extLst>
+              <a:ext uri="{FF2B5EF4-FFF2-40B4-BE49-F238E27FC236}">
+                <a16:creationId xmlns:a16="http://schemas.microsoft.com/office/drawing/2014/main" id="{1F9A8FEC-1F9D-4047-9D6E-7F3C6A818C75}"/>
               </a:ext>
             </a:extLst>
           </p:cNvPr>
@@ -10261,10 +10261,10 @@
       </p:sp>
       <p:sp>
         <p:nvSpPr>
-          <p:cNvPr id="362" name="OTLSHAPE_T_22a4f0d76806446789e8d0dc63898e9a_Duration" hidden="1">
-            <a:extLst>
-              <a:ext uri="{FF2B5EF4-FFF2-40B4-BE49-F238E27FC236}">
-                <a16:creationId xmlns:a16="http://schemas.microsoft.com/office/drawing/2014/main" id="{8F86F227-F73D-4326-9609-5371D31AFFDD}"/>
+          <p:cNvPr id="518" name="OTLSHAPE_T_22a4f0d76806446789e8d0dc63898e9a_Duration" hidden="1">
+            <a:extLst>
+              <a:ext uri="{FF2B5EF4-FFF2-40B4-BE49-F238E27FC236}">
+                <a16:creationId xmlns:a16="http://schemas.microsoft.com/office/drawing/2014/main" id="{658A365C-B409-4A00-96BB-7EF85A19CE56}"/>
               </a:ext>
             </a:extLst>
           </p:cNvPr>
@@ -10315,10 +10315,10 @@
       </p:sp>
       <p:sp>
         <p:nvSpPr>
-          <p:cNvPr id="363" name="OTLSHAPE_T_22a4f0d76806446789e8d0dc63898e9a_TextPercentage" hidden="1">
-            <a:extLst>
-              <a:ext uri="{FF2B5EF4-FFF2-40B4-BE49-F238E27FC236}">
-                <a16:creationId xmlns:a16="http://schemas.microsoft.com/office/drawing/2014/main" id="{B0E32DC4-45D4-45D5-9256-45286F69C1DE}"/>
+          <p:cNvPr id="519" name="OTLSHAPE_T_22a4f0d76806446789e8d0dc63898e9a_TextPercentage" hidden="1">
+            <a:extLst>
+              <a:ext uri="{FF2B5EF4-FFF2-40B4-BE49-F238E27FC236}">
+                <a16:creationId xmlns:a16="http://schemas.microsoft.com/office/drawing/2014/main" id="{D06BDE60-A530-4F35-BF58-9B06B8F6EBD5}"/>
               </a:ext>
             </a:extLst>
           </p:cNvPr>
@@ -10357,10 +10357,10 @@
       </p:sp>
       <p:sp>
         <p:nvSpPr>
-          <p:cNvPr id="364" name="OTLSHAPE_T_22a4f0d76806446789e8d0dc63898e9a_StartDate" hidden="1">
-            <a:extLst>
-              <a:ext uri="{FF2B5EF4-FFF2-40B4-BE49-F238E27FC236}">
-                <a16:creationId xmlns:a16="http://schemas.microsoft.com/office/drawing/2014/main" id="{52D30A78-5A84-4D8F-B16D-68CB2CFE3434}"/>
+          <p:cNvPr id="520" name="OTLSHAPE_T_22a4f0d76806446789e8d0dc63898e9a_StartDate" hidden="1">
+            <a:extLst>
+              <a:ext uri="{FF2B5EF4-FFF2-40B4-BE49-F238E27FC236}">
+                <a16:creationId xmlns:a16="http://schemas.microsoft.com/office/drawing/2014/main" id="{665FFCAE-39DE-4E5A-BD41-2ADCD2B6EC73}"/>
               </a:ext>
             </a:extLst>
           </p:cNvPr>
@@ -10399,10 +10399,10 @@
       </p:sp>
       <p:sp>
         <p:nvSpPr>
-          <p:cNvPr id="365" name="OTLSHAPE_T_22a4f0d76806446789e8d0dc63898e9a_EndDate" hidden="1">
-            <a:extLst>
-              <a:ext uri="{FF2B5EF4-FFF2-40B4-BE49-F238E27FC236}">
-                <a16:creationId xmlns:a16="http://schemas.microsoft.com/office/drawing/2014/main" id="{4B8BDEB8-5EAB-43B3-AE93-6449BCD9552C}"/>
+          <p:cNvPr id="521" name="OTLSHAPE_T_22a4f0d76806446789e8d0dc63898e9a_EndDate" hidden="1">
+            <a:extLst>
+              <a:ext uri="{FF2B5EF4-FFF2-40B4-BE49-F238E27FC236}">
+                <a16:creationId xmlns:a16="http://schemas.microsoft.com/office/drawing/2014/main" id="{C5442F36-2985-49A1-B39A-4E970D08324D}"/>
               </a:ext>
             </a:extLst>
           </p:cNvPr>
@@ -10441,10 +10441,10 @@
       </p:sp>
       <p:sp>
         <p:nvSpPr>
-          <p:cNvPr id="366" name="OTLSHAPE_T_22a4f0d76806446789e8d0dc63898e9a_JoinedDate">
-            <a:extLst>
-              <a:ext uri="{FF2B5EF4-FFF2-40B4-BE49-F238E27FC236}">
-                <a16:creationId xmlns:a16="http://schemas.microsoft.com/office/drawing/2014/main" id="{064BC10B-A868-44AE-A6E5-309AFAC5A392}"/>
+          <p:cNvPr id="522" name="OTLSHAPE_T_22a4f0d76806446789e8d0dc63898e9a_JoinedDate">
+            <a:extLst>
+              <a:ext uri="{FF2B5EF4-FFF2-40B4-BE49-F238E27FC236}">
+                <a16:creationId xmlns:a16="http://schemas.microsoft.com/office/drawing/2014/main" id="{3DB661EB-2EA5-4426-81E2-CBA2B2C228A1}"/>
               </a:ext>
             </a:extLst>
           </p:cNvPr>
@@ -10491,10 +10491,10 @@
       </p:sp>
       <p:sp>
         <p:nvSpPr>
-          <p:cNvPr id="367" name="OTLSHAPE_T_22a4f0d76806446789e8d0dc63898e9a_Title">
-            <a:extLst>
-              <a:ext uri="{FF2B5EF4-FFF2-40B4-BE49-F238E27FC236}">
-                <a16:creationId xmlns:a16="http://schemas.microsoft.com/office/drawing/2014/main" id="{F52D675D-6219-47F9-8DB1-E037641F17CD}"/>
+          <p:cNvPr id="523" name="OTLSHAPE_T_22a4f0d76806446789e8d0dc63898e9a_Title">
+            <a:extLst>
+              <a:ext uri="{FF2B5EF4-FFF2-40B4-BE49-F238E27FC236}">
+                <a16:creationId xmlns:a16="http://schemas.microsoft.com/office/drawing/2014/main" id="{4A00BDC4-A42E-4BDC-A45A-EFE1785975DB}"/>
               </a:ext>
             </a:extLst>
           </p:cNvPr>
@@ -10553,10 +10553,10 @@
       </p:sp>
       <p:sp>
         <p:nvSpPr>
-          <p:cNvPr id="368" name="OTLSHAPE_T_d5cd6d2f98024f49adcf10a7c42fbeff_Shape">
-            <a:extLst>
-              <a:ext uri="{FF2B5EF4-FFF2-40B4-BE49-F238E27FC236}">
-                <a16:creationId xmlns:a16="http://schemas.microsoft.com/office/drawing/2014/main" id="{DFF31260-3EDC-4241-B463-140E24D6C6C3}"/>
+          <p:cNvPr id="524" name="OTLSHAPE_T_d5cd6d2f98024f49adcf10a7c42fbeff_Shape">
+            <a:extLst>
+              <a:ext uri="{FF2B5EF4-FFF2-40B4-BE49-F238E27FC236}">
+                <a16:creationId xmlns:a16="http://schemas.microsoft.com/office/drawing/2014/main" id="{261E33EE-F54D-4251-B444-745915A18E2B}"/>
               </a:ext>
             </a:extLst>
           </p:cNvPr>
@@ -10648,10 +10648,10 @@
       </p:sp>
       <p:sp>
         <p:nvSpPr>
-          <p:cNvPr id="369" name="OTLSHAPE_T_d5cd6d2f98024f49adcf10a7c42fbeff_ShapePercentage" hidden="1">
-            <a:extLst>
-              <a:ext uri="{FF2B5EF4-FFF2-40B4-BE49-F238E27FC236}">
-                <a16:creationId xmlns:a16="http://schemas.microsoft.com/office/drawing/2014/main" id="{6E5333FC-0978-4F3C-B72F-26306A2F6684}"/>
+          <p:cNvPr id="525" name="OTLSHAPE_T_d5cd6d2f98024f49adcf10a7c42fbeff_ShapePercentage" hidden="1">
+            <a:extLst>
+              <a:ext uri="{FF2B5EF4-FFF2-40B4-BE49-F238E27FC236}">
+                <a16:creationId xmlns:a16="http://schemas.microsoft.com/office/drawing/2014/main" id="{85B24B4F-83FA-426C-9511-AB092CE9649A}"/>
               </a:ext>
             </a:extLst>
           </p:cNvPr>
@@ -10698,10 +10698,10 @@
       </p:sp>
       <p:sp>
         <p:nvSpPr>
-          <p:cNvPr id="370" name="OTLSHAPE_T_d5cd6d2f98024f49adcf10a7c42fbeff_Duration" hidden="1">
-            <a:extLst>
-              <a:ext uri="{FF2B5EF4-FFF2-40B4-BE49-F238E27FC236}">
-                <a16:creationId xmlns:a16="http://schemas.microsoft.com/office/drawing/2014/main" id="{6591A7EE-CC89-4CB0-852F-1451D6AAAA1A}"/>
+          <p:cNvPr id="526" name="OTLSHAPE_T_d5cd6d2f98024f49adcf10a7c42fbeff_Duration" hidden="1">
+            <a:extLst>
+              <a:ext uri="{FF2B5EF4-FFF2-40B4-BE49-F238E27FC236}">
+                <a16:creationId xmlns:a16="http://schemas.microsoft.com/office/drawing/2014/main" id="{265B096F-029C-42A2-B37F-113A0FBAA5EE}"/>
               </a:ext>
             </a:extLst>
           </p:cNvPr>
@@ -10752,10 +10752,10 @@
       </p:sp>
       <p:sp>
         <p:nvSpPr>
-          <p:cNvPr id="371" name="OTLSHAPE_T_d5cd6d2f98024f49adcf10a7c42fbeff_TextPercentage" hidden="1">
-            <a:extLst>
-              <a:ext uri="{FF2B5EF4-FFF2-40B4-BE49-F238E27FC236}">
-                <a16:creationId xmlns:a16="http://schemas.microsoft.com/office/drawing/2014/main" id="{64B4ABE4-59CB-4C43-B537-937F07B78D50}"/>
+          <p:cNvPr id="527" name="OTLSHAPE_T_d5cd6d2f98024f49adcf10a7c42fbeff_TextPercentage" hidden="1">
+            <a:extLst>
+              <a:ext uri="{FF2B5EF4-FFF2-40B4-BE49-F238E27FC236}">
+                <a16:creationId xmlns:a16="http://schemas.microsoft.com/office/drawing/2014/main" id="{ED97F8C7-003D-4784-9193-8702A44DD863}"/>
               </a:ext>
             </a:extLst>
           </p:cNvPr>
@@ -10794,10 +10794,10 @@
       </p:sp>
       <p:sp>
         <p:nvSpPr>
-          <p:cNvPr id="372" name="OTLSHAPE_T_d5cd6d2f98024f49adcf10a7c42fbeff_StartDate" hidden="1">
-            <a:extLst>
-              <a:ext uri="{FF2B5EF4-FFF2-40B4-BE49-F238E27FC236}">
-                <a16:creationId xmlns:a16="http://schemas.microsoft.com/office/drawing/2014/main" id="{5CAF69C0-32D7-49EB-B55C-174815307998}"/>
+          <p:cNvPr id="528" name="OTLSHAPE_T_d5cd6d2f98024f49adcf10a7c42fbeff_StartDate" hidden="1">
+            <a:extLst>
+              <a:ext uri="{FF2B5EF4-FFF2-40B4-BE49-F238E27FC236}">
+                <a16:creationId xmlns:a16="http://schemas.microsoft.com/office/drawing/2014/main" id="{F48FF234-AF3A-453B-96CF-A9F69F4717A6}"/>
               </a:ext>
             </a:extLst>
           </p:cNvPr>
@@ -10836,10 +10836,10 @@
       </p:sp>
       <p:sp>
         <p:nvSpPr>
-          <p:cNvPr id="373" name="OTLSHAPE_T_d5cd6d2f98024f49adcf10a7c42fbeff_EndDate" hidden="1">
-            <a:extLst>
-              <a:ext uri="{FF2B5EF4-FFF2-40B4-BE49-F238E27FC236}">
-                <a16:creationId xmlns:a16="http://schemas.microsoft.com/office/drawing/2014/main" id="{6AE82CF0-CCA4-451A-BF86-46768F103A53}"/>
+          <p:cNvPr id="529" name="OTLSHAPE_T_d5cd6d2f98024f49adcf10a7c42fbeff_EndDate" hidden="1">
+            <a:extLst>
+              <a:ext uri="{FF2B5EF4-FFF2-40B4-BE49-F238E27FC236}">
+                <a16:creationId xmlns:a16="http://schemas.microsoft.com/office/drawing/2014/main" id="{759F3710-5556-4A23-AC66-5A8E7713AA85}"/>
               </a:ext>
             </a:extLst>
           </p:cNvPr>
@@ -10878,10 +10878,10 @@
       </p:sp>
       <p:sp>
         <p:nvSpPr>
-          <p:cNvPr id="374" name="OTLSHAPE_T_d5cd6d2f98024f49adcf10a7c42fbeff_JoinedDate">
-            <a:extLst>
-              <a:ext uri="{FF2B5EF4-FFF2-40B4-BE49-F238E27FC236}">
-                <a16:creationId xmlns:a16="http://schemas.microsoft.com/office/drawing/2014/main" id="{491BF955-BB10-4E2D-B675-B8E1DE3BD269}"/>
+          <p:cNvPr id="530" name="OTLSHAPE_T_d5cd6d2f98024f49adcf10a7c42fbeff_JoinedDate">
+            <a:extLst>
+              <a:ext uri="{FF2B5EF4-FFF2-40B4-BE49-F238E27FC236}">
+                <a16:creationId xmlns:a16="http://schemas.microsoft.com/office/drawing/2014/main" id="{5FC1CCDB-AF8E-45CB-B4E4-46742DA8672D}"/>
               </a:ext>
             </a:extLst>
           </p:cNvPr>
@@ -10928,10 +10928,10 @@
       </p:sp>
       <p:sp>
         <p:nvSpPr>
-          <p:cNvPr id="375" name="OTLSHAPE_T_d5cd6d2f98024f49adcf10a7c42fbeff_Title">
-            <a:extLst>
-              <a:ext uri="{FF2B5EF4-FFF2-40B4-BE49-F238E27FC236}">
-                <a16:creationId xmlns:a16="http://schemas.microsoft.com/office/drawing/2014/main" id="{4678F05D-15E6-441B-B7CB-ED8DF44570C1}"/>
+          <p:cNvPr id="531" name="OTLSHAPE_T_d5cd6d2f98024f49adcf10a7c42fbeff_Title">
+            <a:extLst>
+              <a:ext uri="{FF2B5EF4-FFF2-40B4-BE49-F238E27FC236}">
+                <a16:creationId xmlns:a16="http://schemas.microsoft.com/office/drawing/2014/main" id="{AE9B82DF-E4A4-4ECA-91B7-EF0B748C7244}"/>
               </a:ext>
             </a:extLst>
           </p:cNvPr>
@@ -10972,10 +10972,10 @@
       </p:sp>
       <p:sp>
         <p:nvSpPr>
-          <p:cNvPr id="376" name="OTLSHAPE_T_d447ea458d95438995f5caa9b91329cc_Shape">
-            <a:extLst>
-              <a:ext uri="{FF2B5EF4-FFF2-40B4-BE49-F238E27FC236}">
-                <a16:creationId xmlns:a16="http://schemas.microsoft.com/office/drawing/2014/main" id="{1918D732-B2E2-4C54-A484-E157ECCEFE29}"/>
+          <p:cNvPr id="532" name="OTLSHAPE_T_d447ea458d95438995f5caa9b91329cc_Shape">
+            <a:extLst>
+              <a:ext uri="{FF2B5EF4-FFF2-40B4-BE49-F238E27FC236}">
+                <a16:creationId xmlns:a16="http://schemas.microsoft.com/office/drawing/2014/main" id="{7A717372-D7AE-4E18-A4CC-AF4834DF710B}"/>
               </a:ext>
             </a:extLst>
           </p:cNvPr>
@@ -11067,10 +11067,10 @@
       </p:sp>
       <p:sp>
         <p:nvSpPr>
-          <p:cNvPr id="377" name="OTLSHAPE_T_d447ea458d95438995f5caa9b91329cc_ShapePercentage" hidden="1">
-            <a:extLst>
-              <a:ext uri="{FF2B5EF4-FFF2-40B4-BE49-F238E27FC236}">
-                <a16:creationId xmlns:a16="http://schemas.microsoft.com/office/drawing/2014/main" id="{44ED2B29-0456-43A1-A70E-0BD232D0C33C}"/>
+          <p:cNvPr id="533" name="OTLSHAPE_T_d447ea458d95438995f5caa9b91329cc_ShapePercentage" hidden="1">
+            <a:extLst>
+              <a:ext uri="{FF2B5EF4-FFF2-40B4-BE49-F238E27FC236}">
+                <a16:creationId xmlns:a16="http://schemas.microsoft.com/office/drawing/2014/main" id="{6FE0A6C1-9FBC-4D72-AF0D-C2D2A930D9C6}"/>
               </a:ext>
             </a:extLst>
           </p:cNvPr>
@@ -11117,10 +11117,10 @@
       </p:sp>
       <p:sp>
         <p:nvSpPr>
-          <p:cNvPr id="378" name="OTLSHAPE_T_d447ea458d95438995f5caa9b91329cc_Duration" hidden="1">
-            <a:extLst>
-              <a:ext uri="{FF2B5EF4-FFF2-40B4-BE49-F238E27FC236}">
-                <a16:creationId xmlns:a16="http://schemas.microsoft.com/office/drawing/2014/main" id="{E40565D1-5283-4297-9612-7404EC27A8B6}"/>
+          <p:cNvPr id="534" name="OTLSHAPE_T_d447ea458d95438995f5caa9b91329cc_Duration" hidden="1">
+            <a:extLst>
+              <a:ext uri="{FF2B5EF4-FFF2-40B4-BE49-F238E27FC236}">
+                <a16:creationId xmlns:a16="http://schemas.microsoft.com/office/drawing/2014/main" id="{980734AF-D1BA-4042-BBDF-2558B18D8DC6}"/>
               </a:ext>
             </a:extLst>
           </p:cNvPr>
@@ -11171,10 +11171,10 @@
       </p:sp>
       <p:sp>
         <p:nvSpPr>
-          <p:cNvPr id="379" name="OTLSHAPE_T_d447ea458d95438995f5caa9b91329cc_TextPercentage" hidden="1">
-            <a:extLst>
-              <a:ext uri="{FF2B5EF4-FFF2-40B4-BE49-F238E27FC236}">
-                <a16:creationId xmlns:a16="http://schemas.microsoft.com/office/drawing/2014/main" id="{062E71CF-E6E4-40E0-AF06-43D86DAD3853}"/>
+          <p:cNvPr id="535" name="OTLSHAPE_T_d447ea458d95438995f5caa9b91329cc_TextPercentage" hidden="1">
+            <a:extLst>
+              <a:ext uri="{FF2B5EF4-FFF2-40B4-BE49-F238E27FC236}">
+                <a16:creationId xmlns:a16="http://schemas.microsoft.com/office/drawing/2014/main" id="{890B8BE1-D214-4BE2-9B5A-AC6FA26E9B58}"/>
               </a:ext>
             </a:extLst>
           </p:cNvPr>
@@ -11213,10 +11213,10 @@
       </p:sp>
       <p:sp>
         <p:nvSpPr>
-          <p:cNvPr id="380" name="OTLSHAPE_T_d447ea458d95438995f5caa9b91329cc_StartDate" hidden="1">
-            <a:extLst>
-              <a:ext uri="{FF2B5EF4-FFF2-40B4-BE49-F238E27FC236}">
-                <a16:creationId xmlns:a16="http://schemas.microsoft.com/office/drawing/2014/main" id="{B4353475-ECF5-489C-A76E-AAFAF9704F61}"/>
+          <p:cNvPr id="536" name="OTLSHAPE_T_d447ea458d95438995f5caa9b91329cc_StartDate" hidden="1">
+            <a:extLst>
+              <a:ext uri="{FF2B5EF4-FFF2-40B4-BE49-F238E27FC236}">
+                <a16:creationId xmlns:a16="http://schemas.microsoft.com/office/drawing/2014/main" id="{BAF7E6DB-10C7-43C2-82FC-64E7DD69B26B}"/>
               </a:ext>
             </a:extLst>
           </p:cNvPr>
@@ -11255,10 +11255,10 @@
       </p:sp>
       <p:sp>
         <p:nvSpPr>
-          <p:cNvPr id="381" name="OTLSHAPE_T_d447ea458d95438995f5caa9b91329cc_EndDate" hidden="1">
-            <a:extLst>
-              <a:ext uri="{FF2B5EF4-FFF2-40B4-BE49-F238E27FC236}">
-                <a16:creationId xmlns:a16="http://schemas.microsoft.com/office/drawing/2014/main" id="{E3F2E5D4-9B17-4E6E-9D89-77767E5690F4}"/>
+          <p:cNvPr id="537" name="OTLSHAPE_T_d447ea458d95438995f5caa9b91329cc_EndDate" hidden="1">
+            <a:extLst>
+              <a:ext uri="{FF2B5EF4-FFF2-40B4-BE49-F238E27FC236}">
+                <a16:creationId xmlns:a16="http://schemas.microsoft.com/office/drawing/2014/main" id="{DDA30915-FA19-4124-ADC8-3ED958C43B47}"/>
               </a:ext>
             </a:extLst>
           </p:cNvPr>
@@ -11297,10 +11297,10 @@
       </p:sp>
       <p:sp>
         <p:nvSpPr>
-          <p:cNvPr id="382" name="OTLSHAPE_T_d447ea458d95438995f5caa9b91329cc_JoinedDate">
-            <a:extLst>
-              <a:ext uri="{FF2B5EF4-FFF2-40B4-BE49-F238E27FC236}">
-                <a16:creationId xmlns:a16="http://schemas.microsoft.com/office/drawing/2014/main" id="{4CE08AB5-D193-4599-878E-CC28B184E733}"/>
+          <p:cNvPr id="538" name="OTLSHAPE_T_d447ea458d95438995f5caa9b91329cc_JoinedDate">
+            <a:extLst>
+              <a:ext uri="{FF2B5EF4-FFF2-40B4-BE49-F238E27FC236}">
+                <a16:creationId xmlns:a16="http://schemas.microsoft.com/office/drawing/2014/main" id="{5D4ED1DE-9625-4AAF-8607-47668A2D6A10}"/>
               </a:ext>
             </a:extLst>
           </p:cNvPr>
@@ -11347,10 +11347,10 @@
       </p:sp>
       <p:sp>
         <p:nvSpPr>
-          <p:cNvPr id="383" name="OTLSHAPE_T_d447ea458d95438995f5caa9b91329cc_Title">
-            <a:extLst>
-              <a:ext uri="{FF2B5EF4-FFF2-40B4-BE49-F238E27FC236}">
-                <a16:creationId xmlns:a16="http://schemas.microsoft.com/office/drawing/2014/main" id="{4E1CE74B-D8AC-4A84-8329-5DD3DD2A385E}"/>
+          <p:cNvPr id="539" name="OTLSHAPE_T_d447ea458d95438995f5caa9b91329cc_Title">
+            <a:extLst>
+              <a:ext uri="{FF2B5EF4-FFF2-40B4-BE49-F238E27FC236}">
+                <a16:creationId xmlns:a16="http://schemas.microsoft.com/office/drawing/2014/main" id="{C8ACD4A7-DF0D-4ED9-9FB6-B86DCECC9527}"/>
               </a:ext>
             </a:extLst>
           </p:cNvPr>
@@ -11409,10 +11409,10 @@
       </p:sp>
       <p:sp>
         <p:nvSpPr>
-          <p:cNvPr id="384" name="OTLSHAPE_T_75dffbd02c41442183b720bbfa1c3d22_Shape">
-            <a:extLst>
-              <a:ext uri="{FF2B5EF4-FFF2-40B4-BE49-F238E27FC236}">
-                <a16:creationId xmlns:a16="http://schemas.microsoft.com/office/drawing/2014/main" id="{CA6B154D-3743-4C18-868C-7080F089A35E}"/>
+          <p:cNvPr id="540" name="OTLSHAPE_T_75dffbd02c41442183b720bbfa1c3d22_Shape">
+            <a:extLst>
+              <a:ext uri="{FF2B5EF4-FFF2-40B4-BE49-F238E27FC236}">
+                <a16:creationId xmlns:a16="http://schemas.microsoft.com/office/drawing/2014/main" id="{F3FD3791-95D2-4E97-B9EC-9835CBF04095}"/>
               </a:ext>
             </a:extLst>
           </p:cNvPr>
@@ -11504,10 +11504,10 @@
       </p:sp>
       <p:sp>
         <p:nvSpPr>
-          <p:cNvPr id="385" name="OTLSHAPE_T_75dffbd02c41442183b720bbfa1c3d22_ShapePercentage" hidden="1">
-            <a:extLst>
-              <a:ext uri="{FF2B5EF4-FFF2-40B4-BE49-F238E27FC236}">
-                <a16:creationId xmlns:a16="http://schemas.microsoft.com/office/drawing/2014/main" id="{206C7012-A044-48D7-A187-361F082670BA}"/>
+          <p:cNvPr id="541" name="OTLSHAPE_T_75dffbd02c41442183b720bbfa1c3d22_ShapePercentage" hidden="1">
+            <a:extLst>
+              <a:ext uri="{FF2B5EF4-FFF2-40B4-BE49-F238E27FC236}">
+                <a16:creationId xmlns:a16="http://schemas.microsoft.com/office/drawing/2014/main" id="{C81F5802-D40C-4A36-8575-D3E915597658}"/>
               </a:ext>
             </a:extLst>
           </p:cNvPr>
@@ -11554,10 +11554,10 @@
       </p:sp>
       <p:sp>
         <p:nvSpPr>
-          <p:cNvPr id="386" name="OTLSHAPE_T_75dffbd02c41442183b720bbfa1c3d22_Duration" hidden="1">
-            <a:extLst>
-              <a:ext uri="{FF2B5EF4-FFF2-40B4-BE49-F238E27FC236}">
-                <a16:creationId xmlns:a16="http://schemas.microsoft.com/office/drawing/2014/main" id="{72BB3AE0-1ACB-43BB-9145-35C373708008}"/>
+          <p:cNvPr id="542" name="OTLSHAPE_T_75dffbd02c41442183b720bbfa1c3d22_Duration" hidden="1">
+            <a:extLst>
+              <a:ext uri="{FF2B5EF4-FFF2-40B4-BE49-F238E27FC236}">
+                <a16:creationId xmlns:a16="http://schemas.microsoft.com/office/drawing/2014/main" id="{39BB1F06-EFAA-4EC0-BDBF-DABD915EA8BA}"/>
               </a:ext>
             </a:extLst>
           </p:cNvPr>
@@ -11608,10 +11608,10 @@
       </p:sp>
       <p:sp>
         <p:nvSpPr>
-          <p:cNvPr id="387" name="OTLSHAPE_T_75dffbd02c41442183b720bbfa1c3d22_TextPercentage" hidden="1">
-            <a:extLst>
-              <a:ext uri="{FF2B5EF4-FFF2-40B4-BE49-F238E27FC236}">
-                <a16:creationId xmlns:a16="http://schemas.microsoft.com/office/drawing/2014/main" id="{56128215-D4CE-498D-ACB1-376C24162656}"/>
+          <p:cNvPr id="543" name="OTLSHAPE_T_75dffbd02c41442183b720bbfa1c3d22_TextPercentage" hidden="1">
+            <a:extLst>
+              <a:ext uri="{FF2B5EF4-FFF2-40B4-BE49-F238E27FC236}">
+                <a16:creationId xmlns:a16="http://schemas.microsoft.com/office/drawing/2014/main" id="{A68F9AAC-2D56-462A-8230-79383D083918}"/>
               </a:ext>
             </a:extLst>
           </p:cNvPr>
@@ -11650,10 +11650,10 @@
       </p:sp>
       <p:sp>
         <p:nvSpPr>
-          <p:cNvPr id="388" name="OTLSHAPE_T_75dffbd02c41442183b720bbfa1c3d22_StartDate" hidden="1">
-            <a:extLst>
-              <a:ext uri="{FF2B5EF4-FFF2-40B4-BE49-F238E27FC236}">
-                <a16:creationId xmlns:a16="http://schemas.microsoft.com/office/drawing/2014/main" id="{BFFA9211-F4E3-4DAF-9E68-6DF93FF1BE85}"/>
+          <p:cNvPr id="544" name="OTLSHAPE_T_75dffbd02c41442183b720bbfa1c3d22_StartDate" hidden="1">
+            <a:extLst>
+              <a:ext uri="{FF2B5EF4-FFF2-40B4-BE49-F238E27FC236}">
+                <a16:creationId xmlns:a16="http://schemas.microsoft.com/office/drawing/2014/main" id="{19CC9CA7-BC67-4817-AA51-D83BEFE3D8D8}"/>
               </a:ext>
             </a:extLst>
           </p:cNvPr>
@@ -11692,10 +11692,10 @@
       </p:sp>
       <p:sp>
         <p:nvSpPr>
-          <p:cNvPr id="389" name="OTLSHAPE_T_75dffbd02c41442183b720bbfa1c3d22_EndDate" hidden="1">
-            <a:extLst>
-              <a:ext uri="{FF2B5EF4-FFF2-40B4-BE49-F238E27FC236}">
-                <a16:creationId xmlns:a16="http://schemas.microsoft.com/office/drawing/2014/main" id="{89F3721F-69B6-46B6-A439-42FB556A1338}"/>
+          <p:cNvPr id="545" name="OTLSHAPE_T_75dffbd02c41442183b720bbfa1c3d22_EndDate" hidden="1">
+            <a:extLst>
+              <a:ext uri="{FF2B5EF4-FFF2-40B4-BE49-F238E27FC236}">
+                <a16:creationId xmlns:a16="http://schemas.microsoft.com/office/drawing/2014/main" id="{B498A4B0-CFC6-4E21-820C-90519AA48B14}"/>
               </a:ext>
             </a:extLst>
           </p:cNvPr>
@@ -11734,10 +11734,10 @@
       </p:sp>
       <p:sp>
         <p:nvSpPr>
-          <p:cNvPr id="390" name="OTLSHAPE_T_75dffbd02c41442183b720bbfa1c3d22_JoinedDate">
-            <a:extLst>
-              <a:ext uri="{FF2B5EF4-FFF2-40B4-BE49-F238E27FC236}">
-                <a16:creationId xmlns:a16="http://schemas.microsoft.com/office/drawing/2014/main" id="{D05DB780-2903-4A60-B4E9-1F3900B1D595}"/>
+          <p:cNvPr id="546" name="OTLSHAPE_T_75dffbd02c41442183b720bbfa1c3d22_JoinedDate">
+            <a:extLst>
+              <a:ext uri="{FF2B5EF4-FFF2-40B4-BE49-F238E27FC236}">
+                <a16:creationId xmlns:a16="http://schemas.microsoft.com/office/drawing/2014/main" id="{EEAC3D1A-1A39-45DE-82A6-9B8E86A8381D}"/>
               </a:ext>
             </a:extLst>
           </p:cNvPr>
@@ -11784,10 +11784,10 @@
       </p:sp>
       <p:sp>
         <p:nvSpPr>
-          <p:cNvPr id="391" name="OTLSHAPE_T_75dffbd02c41442183b720bbfa1c3d22_Title">
-            <a:extLst>
-              <a:ext uri="{FF2B5EF4-FFF2-40B4-BE49-F238E27FC236}">
-                <a16:creationId xmlns:a16="http://schemas.microsoft.com/office/drawing/2014/main" id="{2E17B189-3D6B-4C85-A339-29B87046667B}"/>
+          <p:cNvPr id="547" name="OTLSHAPE_T_75dffbd02c41442183b720bbfa1c3d22_Title">
+            <a:extLst>
+              <a:ext uri="{FF2B5EF4-FFF2-40B4-BE49-F238E27FC236}">
+                <a16:creationId xmlns:a16="http://schemas.microsoft.com/office/drawing/2014/main" id="{7ED974A1-4443-467C-9F05-630DBF353457}"/>
               </a:ext>
             </a:extLst>
           </p:cNvPr>
@@ -11828,10 +11828,10 @@
       </p:sp>
       <p:sp>
         <p:nvSpPr>
-          <p:cNvPr id="392" name="OTLSHAPE_T_382ddf7c49ae41a9a896b68233bb860b_Shape">
-            <a:extLst>
-              <a:ext uri="{FF2B5EF4-FFF2-40B4-BE49-F238E27FC236}">
-                <a16:creationId xmlns:a16="http://schemas.microsoft.com/office/drawing/2014/main" id="{44688EDB-BA9B-45E8-B92A-AD08B5D9299B}"/>
+          <p:cNvPr id="548" name="OTLSHAPE_T_382ddf7c49ae41a9a896b68233bb860b_Shape">
+            <a:extLst>
+              <a:ext uri="{FF2B5EF4-FFF2-40B4-BE49-F238E27FC236}">
+                <a16:creationId xmlns:a16="http://schemas.microsoft.com/office/drawing/2014/main" id="{FE400CE0-BAE4-44B6-A414-24214B4828FD}"/>
               </a:ext>
             </a:extLst>
           </p:cNvPr>
@@ -11923,10 +11923,10 @@
       </p:sp>
       <p:sp>
         <p:nvSpPr>
-          <p:cNvPr id="393" name="OTLSHAPE_T_382ddf7c49ae41a9a896b68233bb860b_ShapePercentage" hidden="1">
-            <a:extLst>
-              <a:ext uri="{FF2B5EF4-FFF2-40B4-BE49-F238E27FC236}">
-                <a16:creationId xmlns:a16="http://schemas.microsoft.com/office/drawing/2014/main" id="{FFAE89BE-5A4F-4E12-AB0B-AF167B2F66FF}"/>
+          <p:cNvPr id="549" name="OTLSHAPE_T_382ddf7c49ae41a9a896b68233bb860b_ShapePercentage" hidden="1">
+            <a:extLst>
+              <a:ext uri="{FF2B5EF4-FFF2-40B4-BE49-F238E27FC236}">
+                <a16:creationId xmlns:a16="http://schemas.microsoft.com/office/drawing/2014/main" id="{CF324A14-87D4-463E-83BE-054A939BA4BA}"/>
               </a:ext>
             </a:extLst>
           </p:cNvPr>
@@ -11973,10 +11973,10 @@
       </p:sp>
       <p:sp>
         <p:nvSpPr>
-          <p:cNvPr id="394" name="OTLSHAPE_T_382ddf7c49ae41a9a896b68233bb860b_Duration" hidden="1">
-            <a:extLst>
-              <a:ext uri="{FF2B5EF4-FFF2-40B4-BE49-F238E27FC236}">
-                <a16:creationId xmlns:a16="http://schemas.microsoft.com/office/drawing/2014/main" id="{21194B00-D3E6-4477-BE73-B04F2E30A2E6}"/>
+          <p:cNvPr id="550" name="OTLSHAPE_T_382ddf7c49ae41a9a896b68233bb860b_Duration" hidden="1">
+            <a:extLst>
+              <a:ext uri="{FF2B5EF4-FFF2-40B4-BE49-F238E27FC236}">
+                <a16:creationId xmlns:a16="http://schemas.microsoft.com/office/drawing/2014/main" id="{D8C87F52-6F8D-478B-BF8A-30A3912D4924}"/>
               </a:ext>
             </a:extLst>
           </p:cNvPr>
@@ -12027,10 +12027,10 @@
       </p:sp>
       <p:sp>
         <p:nvSpPr>
-          <p:cNvPr id="395" name="OTLSHAPE_T_382ddf7c49ae41a9a896b68233bb860b_TextPercentage" hidden="1">
-            <a:extLst>
-              <a:ext uri="{FF2B5EF4-FFF2-40B4-BE49-F238E27FC236}">
-                <a16:creationId xmlns:a16="http://schemas.microsoft.com/office/drawing/2014/main" id="{D9620474-9A12-46D2-9463-5AED90594FF4}"/>
+          <p:cNvPr id="551" name="OTLSHAPE_T_382ddf7c49ae41a9a896b68233bb860b_TextPercentage" hidden="1">
+            <a:extLst>
+              <a:ext uri="{FF2B5EF4-FFF2-40B4-BE49-F238E27FC236}">
+                <a16:creationId xmlns:a16="http://schemas.microsoft.com/office/drawing/2014/main" id="{E7F3CD34-13A8-4D80-93FE-C227EDF626FC}"/>
               </a:ext>
             </a:extLst>
           </p:cNvPr>
@@ -12069,10 +12069,10 @@
       </p:sp>
       <p:sp>
         <p:nvSpPr>
-          <p:cNvPr id="396" name="OTLSHAPE_T_382ddf7c49ae41a9a896b68233bb860b_StartDate" hidden="1">
-            <a:extLst>
-              <a:ext uri="{FF2B5EF4-FFF2-40B4-BE49-F238E27FC236}">
-                <a16:creationId xmlns:a16="http://schemas.microsoft.com/office/drawing/2014/main" id="{64C2948F-0579-477B-9738-5DD4F5CA4B64}"/>
+          <p:cNvPr id="552" name="OTLSHAPE_T_382ddf7c49ae41a9a896b68233bb860b_StartDate" hidden="1">
+            <a:extLst>
+              <a:ext uri="{FF2B5EF4-FFF2-40B4-BE49-F238E27FC236}">
+                <a16:creationId xmlns:a16="http://schemas.microsoft.com/office/drawing/2014/main" id="{CC9D6AC3-33FC-47D9-89E7-A5E9FEBB814E}"/>
               </a:ext>
             </a:extLst>
           </p:cNvPr>
@@ -12111,10 +12111,10 @@
       </p:sp>
       <p:sp>
         <p:nvSpPr>
-          <p:cNvPr id="397" name="OTLSHAPE_T_382ddf7c49ae41a9a896b68233bb860b_EndDate" hidden="1">
-            <a:extLst>
-              <a:ext uri="{FF2B5EF4-FFF2-40B4-BE49-F238E27FC236}">
-                <a16:creationId xmlns:a16="http://schemas.microsoft.com/office/drawing/2014/main" id="{DF8F2A14-3EBA-4CFC-9CA9-0863A05EE568}"/>
+          <p:cNvPr id="553" name="OTLSHAPE_T_382ddf7c49ae41a9a896b68233bb860b_EndDate" hidden="1">
+            <a:extLst>
+              <a:ext uri="{FF2B5EF4-FFF2-40B4-BE49-F238E27FC236}">
+                <a16:creationId xmlns:a16="http://schemas.microsoft.com/office/drawing/2014/main" id="{089B551A-CC69-4FC2-B5E7-772E2CC33076}"/>
               </a:ext>
             </a:extLst>
           </p:cNvPr>
@@ -12153,10 +12153,10 @@
       </p:sp>
       <p:sp>
         <p:nvSpPr>
-          <p:cNvPr id="398" name="OTLSHAPE_T_382ddf7c49ae41a9a896b68233bb860b_JoinedDate">
-            <a:extLst>
-              <a:ext uri="{FF2B5EF4-FFF2-40B4-BE49-F238E27FC236}">
-                <a16:creationId xmlns:a16="http://schemas.microsoft.com/office/drawing/2014/main" id="{BA0D6833-216C-45D5-ABA4-9AB908D016A5}"/>
+          <p:cNvPr id="554" name="OTLSHAPE_T_382ddf7c49ae41a9a896b68233bb860b_JoinedDate">
+            <a:extLst>
+              <a:ext uri="{FF2B5EF4-FFF2-40B4-BE49-F238E27FC236}">
+                <a16:creationId xmlns:a16="http://schemas.microsoft.com/office/drawing/2014/main" id="{6AC72120-3C5F-47AA-ABE7-27F703508A4D}"/>
               </a:ext>
             </a:extLst>
           </p:cNvPr>
@@ -12203,10 +12203,10 @@
       </p:sp>
       <p:sp>
         <p:nvSpPr>
-          <p:cNvPr id="399" name="OTLSHAPE_T_382ddf7c49ae41a9a896b68233bb860b_Title">
-            <a:extLst>
-              <a:ext uri="{FF2B5EF4-FFF2-40B4-BE49-F238E27FC236}">
-                <a16:creationId xmlns:a16="http://schemas.microsoft.com/office/drawing/2014/main" id="{4B5515F4-100E-4C97-9D02-6E8FCFC7A0D4}"/>
+          <p:cNvPr id="555" name="OTLSHAPE_T_382ddf7c49ae41a9a896b68233bb860b_Title">
+            <a:extLst>
+              <a:ext uri="{FF2B5EF4-FFF2-40B4-BE49-F238E27FC236}">
+                <a16:creationId xmlns:a16="http://schemas.microsoft.com/office/drawing/2014/main" id="{47EF468E-F142-43E9-BC6C-F0B73A9A76BA}"/>
               </a:ext>
             </a:extLst>
           </p:cNvPr>
@@ -12274,10 +12274,10 @@
       </p:sp>
       <p:sp>
         <p:nvSpPr>
-          <p:cNvPr id="400" name="OTLSHAPE_T_27ae47589bac40d38409405d5a28c9b6_Shape">
-            <a:extLst>
-              <a:ext uri="{FF2B5EF4-FFF2-40B4-BE49-F238E27FC236}">
-                <a16:creationId xmlns:a16="http://schemas.microsoft.com/office/drawing/2014/main" id="{ED788829-287A-4F42-B06B-B40C714F97A8}"/>
+          <p:cNvPr id="556" name="OTLSHAPE_T_27ae47589bac40d38409405d5a28c9b6_Shape">
+            <a:extLst>
+              <a:ext uri="{FF2B5EF4-FFF2-40B4-BE49-F238E27FC236}">
+                <a16:creationId xmlns:a16="http://schemas.microsoft.com/office/drawing/2014/main" id="{675BDAF9-8506-4EAF-A5B9-D16689EB0392}"/>
               </a:ext>
             </a:extLst>
           </p:cNvPr>
@@ -12369,10 +12369,10 @@
       </p:sp>
       <p:sp>
         <p:nvSpPr>
-          <p:cNvPr id="401" name="OTLSHAPE_T_27ae47589bac40d38409405d5a28c9b6_ShapePercentage" hidden="1">
-            <a:extLst>
-              <a:ext uri="{FF2B5EF4-FFF2-40B4-BE49-F238E27FC236}">
-                <a16:creationId xmlns:a16="http://schemas.microsoft.com/office/drawing/2014/main" id="{9062EA1D-C60C-4776-83CF-38E5FF0A7DF4}"/>
+          <p:cNvPr id="557" name="OTLSHAPE_T_27ae47589bac40d38409405d5a28c9b6_ShapePercentage" hidden="1">
+            <a:extLst>
+              <a:ext uri="{FF2B5EF4-FFF2-40B4-BE49-F238E27FC236}">
+                <a16:creationId xmlns:a16="http://schemas.microsoft.com/office/drawing/2014/main" id="{B353E3F3-61F4-47BF-9A9E-9A5B8CCFB35C}"/>
               </a:ext>
             </a:extLst>
           </p:cNvPr>
@@ -12419,10 +12419,10 @@
       </p:sp>
       <p:sp>
         <p:nvSpPr>
-          <p:cNvPr id="402" name="OTLSHAPE_T_27ae47589bac40d38409405d5a28c9b6_Duration" hidden="1">
-            <a:extLst>
-              <a:ext uri="{FF2B5EF4-FFF2-40B4-BE49-F238E27FC236}">
-                <a16:creationId xmlns:a16="http://schemas.microsoft.com/office/drawing/2014/main" id="{3EA83226-F907-4058-B35F-D190854ABA7B}"/>
+          <p:cNvPr id="558" name="OTLSHAPE_T_27ae47589bac40d38409405d5a28c9b6_Duration" hidden="1">
+            <a:extLst>
+              <a:ext uri="{FF2B5EF4-FFF2-40B4-BE49-F238E27FC236}">
+                <a16:creationId xmlns:a16="http://schemas.microsoft.com/office/drawing/2014/main" id="{135DEEA2-ABEF-4B77-B8E1-9B087F63A1DB}"/>
               </a:ext>
             </a:extLst>
           </p:cNvPr>
@@ -12473,10 +12473,10 @@
       </p:sp>
       <p:sp>
         <p:nvSpPr>
-          <p:cNvPr id="403" name="OTLSHAPE_T_27ae47589bac40d38409405d5a28c9b6_TextPercentage" hidden="1">
-            <a:extLst>
-              <a:ext uri="{FF2B5EF4-FFF2-40B4-BE49-F238E27FC236}">
-                <a16:creationId xmlns:a16="http://schemas.microsoft.com/office/drawing/2014/main" id="{161B4426-402B-4FBB-A9D2-31F43C047651}"/>
+          <p:cNvPr id="559" name="OTLSHAPE_T_27ae47589bac40d38409405d5a28c9b6_TextPercentage" hidden="1">
+            <a:extLst>
+              <a:ext uri="{FF2B5EF4-FFF2-40B4-BE49-F238E27FC236}">
+                <a16:creationId xmlns:a16="http://schemas.microsoft.com/office/drawing/2014/main" id="{D06D5607-BA54-4FE7-9C67-B0B97E070F94}"/>
               </a:ext>
             </a:extLst>
           </p:cNvPr>
@@ -12515,10 +12515,10 @@
       </p:sp>
       <p:sp>
         <p:nvSpPr>
-          <p:cNvPr id="404" name="OTLSHAPE_T_27ae47589bac40d38409405d5a28c9b6_StartDate" hidden="1">
-            <a:extLst>
-              <a:ext uri="{FF2B5EF4-FFF2-40B4-BE49-F238E27FC236}">
-                <a16:creationId xmlns:a16="http://schemas.microsoft.com/office/drawing/2014/main" id="{413045B5-B318-4DAE-8B58-85CF319A31BC}"/>
+          <p:cNvPr id="560" name="OTLSHAPE_T_27ae47589bac40d38409405d5a28c9b6_StartDate" hidden="1">
+            <a:extLst>
+              <a:ext uri="{FF2B5EF4-FFF2-40B4-BE49-F238E27FC236}">
+                <a16:creationId xmlns:a16="http://schemas.microsoft.com/office/drawing/2014/main" id="{24D54879-2959-4015-B3F3-E43B204ACE6A}"/>
               </a:ext>
             </a:extLst>
           </p:cNvPr>
@@ -12557,10 +12557,10 @@
       </p:sp>
       <p:sp>
         <p:nvSpPr>
-          <p:cNvPr id="405" name="OTLSHAPE_T_27ae47589bac40d38409405d5a28c9b6_EndDate" hidden="1">
-            <a:extLst>
-              <a:ext uri="{FF2B5EF4-FFF2-40B4-BE49-F238E27FC236}">
-                <a16:creationId xmlns:a16="http://schemas.microsoft.com/office/drawing/2014/main" id="{664072A3-4031-414B-AE4D-AF900646636E}"/>
+          <p:cNvPr id="561" name="OTLSHAPE_T_27ae47589bac40d38409405d5a28c9b6_EndDate" hidden="1">
+            <a:extLst>
+              <a:ext uri="{FF2B5EF4-FFF2-40B4-BE49-F238E27FC236}">
+                <a16:creationId xmlns:a16="http://schemas.microsoft.com/office/drawing/2014/main" id="{38C378AD-5934-4962-8069-F266E12B8E22}"/>
               </a:ext>
             </a:extLst>
           </p:cNvPr>
@@ -12599,10 +12599,10 @@
       </p:sp>
       <p:sp>
         <p:nvSpPr>
-          <p:cNvPr id="406" name="OTLSHAPE_T_27ae47589bac40d38409405d5a28c9b6_JoinedDate">
-            <a:extLst>
-              <a:ext uri="{FF2B5EF4-FFF2-40B4-BE49-F238E27FC236}">
-                <a16:creationId xmlns:a16="http://schemas.microsoft.com/office/drawing/2014/main" id="{53A24356-6828-4023-9565-E7B54A526675}"/>
+          <p:cNvPr id="562" name="OTLSHAPE_T_27ae47589bac40d38409405d5a28c9b6_JoinedDate">
+            <a:extLst>
+              <a:ext uri="{FF2B5EF4-FFF2-40B4-BE49-F238E27FC236}">
+                <a16:creationId xmlns:a16="http://schemas.microsoft.com/office/drawing/2014/main" id="{E0714F82-56A6-412D-8DDA-7ADC2876F0A5}"/>
               </a:ext>
             </a:extLst>
           </p:cNvPr>
@@ -12649,10 +12649,10 @@
       </p:sp>
       <p:sp>
         <p:nvSpPr>
-          <p:cNvPr id="407" name="OTLSHAPE_T_27ae47589bac40d38409405d5a28c9b6_Title">
-            <a:extLst>
-              <a:ext uri="{FF2B5EF4-FFF2-40B4-BE49-F238E27FC236}">
-                <a16:creationId xmlns:a16="http://schemas.microsoft.com/office/drawing/2014/main" id="{0311C83E-F098-4F15-A651-34BD8F3B7714}"/>
+          <p:cNvPr id="563" name="OTLSHAPE_T_27ae47589bac40d38409405d5a28c9b6_Title">
+            <a:extLst>
+              <a:ext uri="{FF2B5EF4-FFF2-40B4-BE49-F238E27FC236}">
+                <a16:creationId xmlns:a16="http://schemas.microsoft.com/office/drawing/2014/main" id="{D40FA495-5F20-46A4-94F3-2A7EC87C92EF}"/>
               </a:ext>
             </a:extLst>
           </p:cNvPr>
@@ -12693,10 +12693,10 @@
       </p:sp>
       <p:sp>
         <p:nvSpPr>
-          <p:cNvPr id="408" name="OTLSHAPE_T_e676dd5c8d65477588b6d56b4e73ee0c_Shape">
-            <a:extLst>
-              <a:ext uri="{FF2B5EF4-FFF2-40B4-BE49-F238E27FC236}">
-                <a16:creationId xmlns:a16="http://schemas.microsoft.com/office/drawing/2014/main" id="{0DD430B3-2896-4804-9836-788051E41EE5}"/>
+          <p:cNvPr id="564" name="OTLSHAPE_T_e676dd5c8d65477588b6d56b4e73ee0c_Shape">
+            <a:extLst>
+              <a:ext uri="{FF2B5EF4-FFF2-40B4-BE49-F238E27FC236}">
+                <a16:creationId xmlns:a16="http://schemas.microsoft.com/office/drawing/2014/main" id="{2D9422AE-D9A3-4116-A78D-DCFB96FD1717}"/>
               </a:ext>
             </a:extLst>
           </p:cNvPr>
@@ -12788,10 +12788,10 @@
       </p:sp>
       <p:sp>
         <p:nvSpPr>
-          <p:cNvPr id="409" name="OTLSHAPE_T_e676dd5c8d65477588b6d56b4e73ee0c_ShapePercentage" hidden="1">
-            <a:extLst>
-              <a:ext uri="{FF2B5EF4-FFF2-40B4-BE49-F238E27FC236}">
-                <a16:creationId xmlns:a16="http://schemas.microsoft.com/office/drawing/2014/main" id="{EE40BC65-81EC-47B8-A30F-2267748A98F5}"/>
+          <p:cNvPr id="565" name="OTLSHAPE_T_e676dd5c8d65477588b6d56b4e73ee0c_ShapePercentage" hidden="1">
+            <a:extLst>
+              <a:ext uri="{FF2B5EF4-FFF2-40B4-BE49-F238E27FC236}">
+                <a16:creationId xmlns:a16="http://schemas.microsoft.com/office/drawing/2014/main" id="{2FFCDD61-8064-498C-BE49-DE9FAD044295}"/>
               </a:ext>
             </a:extLst>
           </p:cNvPr>
@@ -12838,10 +12838,10 @@
       </p:sp>
       <p:sp>
         <p:nvSpPr>
-          <p:cNvPr id="410" name="OTLSHAPE_T_e676dd5c8d65477588b6d56b4e73ee0c_Duration" hidden="1">
-            <a:extLst>
-              <a:ext uri="{FF2B5EF4-FFF2-40B4-BE49-F238E27FC236}">
-                <a16:creationId xmlns:a16="http://schemas.microsoft.com/office/drawing/2014/main" id="{C6A96DFB-08C1-48C1-8582-C6734FD50813}"/>
+          <p:cNvPr id="566" name="OTLSHAPE_T_e676dd5c8d65477588b6d56b4e73ee0c_Duration" hidden="1">
+            <a:extLst>
+              <a:ext uri="{FF2B5EF4-FFF2-40B4-BE49-F238E27FC236}">
+                <a16:creationId xmlns:a16="http://schemas.microsoft.com/office/drawing/2014/main" id="{CA30B22A-7994-41D8-856C-C3D7F2247690}"/>
               </a:ext>
             </a:extLst>
           </p:cNvPr>
@@ -12892,10 +12892,10 @@
       </p:sp>
       <p:sp>
         <p:nvSpPr>
-          <p:cNvPr id="411" name="OTLSHAPE_T_e676dd5c8d65477588b6d56b4e73ee0c_TextPercentage" hidden="1">
-            <a:extLst>
-              <a:ext uri="{FF2B5EF4-FFF2-40B4-BE49-F238E27FC236}">
-                <a16:creationId xmlns:a16="http://schemas.microsoft.com/office/drawing/2014/main" id="{D4358568-52ED-4ADD-B527-AD7DEB45AA88}"/>
+          <p:cNvPr id="567" name="OTLSHAPE_T_e676dd5c8d65477588b6d56b4e73ee0c_TextPercentage" hidden="1">
+            <a:extLst>
+              <a:ext uri="{FF2B5EF4-FFF2-40B4-BE49-F238E27FC236}">
+                <a16:creationId xmlns:a16="http://schemas.microsoft.com/office/drawing/2014/main" id="{208B0166-B999-4B83-9415-13B6EB4FD9E6}"/>
               </a:ext>
             </a:extLst>
           </p:cNvPr>
@@ -12934,10 +12934,10 @@
       </p:sp>
       <p:sp>
         <p:nvSpPr>
-          <p:cNvPr id="412" name="OTLSHAPE_T_e676dd5c8d65477588b6d56b4e73ee0c_StartDate" hidden="1">
-            <a:extLst>
-              <a:ext uri="{FF2B5EF4-FFF2-40B4-BE49-F238E27FC236}">
-                <a16:creationId xmlns:a16="http://schemas.microsoft.com/office/drawing/2014/main" id="{8E9037CF-B4DA-4280-AD1D-792F528187FE}"/>
+          <p:cNvPr id="568" name="OTLSHAPE_T_e676dd5c8d65477588b6d56b4e73ee0c_StartDate" hidden="1">
+            <a:extLst>
+              <a:ext uri="{FF2B5EF4-FFF2-40B4-BE49-F238E27FC236}">
+                <a16:creationId xmlns:a16="http://schemas.microsoft.com/office/drawing/2014/main" id="{2357F307-CD33-4863-B1B0-9D1E72D8F782}"/>
               </a:ext>
             </a:extLst>
           </p:cNvPr>
@@ -12976,10 +12976,10 @@
       </p:sp>
       <p:sp>
         <p:nvSpPr>
-          <p:cNvPr id="413" name="OTLSHAPE_T_e676dd5c8d65477588b6d56b4e73ee0c_EndDate" hidden="1">
-            <a:extLst>
-              <a:ext uri="{FF2B5EF4-FFF2-40B4-BE49-F238E27FC236}">
-                <a16:creationId xmlns:a16="http://schemas.microsoft.com/office/drawing/2014/main" id="{96E96049-F57F-4FE8-9F65-FC502E58E766}"/>
+          <p:cNvPr id="569" name="OTLSHAPE_T_e676dd5c8d65477588b6d56b4e73ee0c_EndDate" hidden="1">
+            <a:extLst>
+              <a:ext uri="{FF2B5EF4-FFF2-40B4-BE49-F238E27FC236}">
+                <a16:creationId xmlns:a16="http://schemas.microsoft.com/office/drawing/2014/main" id="{9420328D-E702-41C3-98F2-73E3CA2CA50E}"/>
               </a:ext>
             </a:extLst>
           </p:cNvPr>
@@ -13018,10 +13018,10 @@
       </p:sp>
       <p:sp>
         <p:nvSpPr>
-          <p:cNvPr id="414" name="OTLSHAPE_T_e676dd5c8d65477588b6d56b4e73ee0c_JoinedDate">
-            <a:extLst>
-              <a:ext uri="{FF2B5EF4-FFF2-40B4-BE49-F238E27FC236}">
-                <a16:creationId xmlns:a16="http://schemas.microsoft.com/office/drawing/2014/main" id="{70F23FCB-BDB5-4A75-808D-C82A8F50A64C}"/>
+          <p:cNvPr id="570" name="OTLSHAPE_T_e676dd5c8d65477588b6d56b4e73ee0c_JoinedDate">
+            <a:extLst>
+              <a:ext uri="{FF2B5EF4-FFF2-40B4-BE49-F238E27FC236}">
+                <a16:creationId xmlns:a16="http://schemas.microsoft.com/office/drawing/2014/main" id="{0F2EDDEF-595A-494D-9817-076F9DC65C41}"/>
               </a:ext>
             </a:extLst>
           </p:cNvPr>
@@ -13068,10 +13068,10 @@
       </p:sp>
       <p:sp>
         <p:nvSpPr>
-          <p:cNvPr id="415" name="OTLSHAPE_T_e676dd5c8d65477588b6d56b4e73ee0c_Title">
-            <a:extLst>
-              <a:ext uri="{FF2B5EF4-FFF2-40B4-BE49-F238E27FC236}">
-                <a16:creationId xmlns:a16="http://schemas.microsoft.com/office/drawing/2014/main" id="{AE023D5D-0CB2-4984-949A-22DB3366299C}"/>
+          <p:cNvPr id="571" name="OTLSHAPE_T_e676dd5c8d65477588b6d56b4e73ee0c_Title">
+            <a:extLst>
+              <a:ext uri="{FF2B5EF4-FFF2-40B4-BE49-F238E27FC236}">
+                <a16:creationId xmlns:a16="http://schemas.microsoft.com/office/drawing/2014/main" id="{6FCA6889-C758-4247-9AD5-839494B4A923}"/>
               </a:ext>
             </a:extLst>
           </p:cNvPr>
@@ -13112,10 +13112,10 @@
       </p:sp>
       <p:sp>
         <p:nvSpPr>
-          <p:cNvPr id="416" name="OTLSHAPE_T_55871566acb4479fa593c4d75faba5f3_Shape">
-            <a:extLst>
-              <a:ext uri="{FF2B5EF4-FFF2-40B4-BE49-F238E27FC236}">
-                <a16:creationId xmlns:a16="http://schemas.microsoft.com/office/drawing/2014/main" id="{54C98B02-983E-4D6D-8FAA-DC52C08EEA30}"/>
+          <p:cNvPr id="572" name="OTLSHAPE_T_55871566acb4479fa593c4d75faba5f3_Shape">
+            <a:extLst>
+              <a:ext uri="{FF2B5EF4-FFF2-40B4-BE49-F238E27FC236}">
+                <a16:creationId xmlns:a16="http://schemas.microsoft.com/office/drawing/2014/main" id="{A7C6518C-61F0-4B3B-A7DA-E816EB02C529}"/>
               </a:ext>
             </a:extLst>
           </p:cNvPr>
@@ -13207,10 +13207,10 @@
       </p:sp>
       <p:sp>
         <p:nvSpPr>
-          <p:cNvPr id="417" name="OTLSHAPE_T_55871566acb4479fa593c4d75faba5f3_ShapePercentage" hidden="1">
-            <a:extLst>
-              <a:ext uri="{FF2B5EF4-FFF2-40B4-BE49-F238E27FC236}">
-                <a16:creationId xmlns:a16="http://schemas.microsoft.com/office/drawing/2014/main" id="{0FBCACE9-2B5F-40CA-9A06-2D1C6C12C860}"/>
+          <p:cNvPr id="573" name="OTLSHAPE_T_55871566acb4479fa593c4d75faba5f3_ShapePercentage" hidden="1">
+            <a:extLst>
+              <a:ext uri="{FF2B5EF4-FFF2-40B4-BE49-F238E27FC236}">
+                <a16:creationId xmlns:a16="http://schemas.microsoft.com/office/drawing/2014/main" id="{DCED9AB0-3AC7-40BE-B01E-6905E19F715F}"/>
               </a:ext>
             </a:extLst>
           </p:cNvPr>
@@ -13257,10 +13257,10 @@
       </p:sp>
       <p:sp>
         <p:nvSpPr>
-          <p:cNvPr id="418" name="OTLSHAPE_T_55871566acb4479fa593c4d75faba5f3_Duration" hidden="1">
-            <a:extLst>
-              <a:ext uri="{FF2B5EF4-FFF2-40B4-BE49-F238E27FC236}">
-                <a16:creationId xmlns:a16="http://schemas.microsoft.com/office/drawing/2014/main" id="{E33CFDDC-F4A4-4A30-A57B-659E5A4AB8C8}"/>
+          <p:cNvPr id="574" name="OTLSHAPE_T_55871566acb4479fa593c4d75faba5f3_Duration" hidden="1">
+            <a:extLst>
+              <a:ext uri="{FF2B5EF4-FFF2-40B4-BE49-F238E27FC236}">
+                <a16:creationId xmlns:a16="http://schemas.microsoft.com/office/drawing/2014/main" id="{B99AA088-182E-4BBB-B498-FE9A2841029A}"/>
               </a:ext>
             </a:extLst>
           </p:cNvPr>
@@ -13311,10 +13311,10 @@
       </p:sp>
       <p:sp>
         <p:nvSpPr>
-          <p:cNvPr id="419" name="OTLSHAPE_T_55871566acb4479fa593c4d75faba5f3_TextPercentage" hidden="1">
-            <a:extLst>
-              <a:ext uri="{FF2B5EF4-FFF2-40B4-BE49-F238E27FC236}">
-                <a16:creationId xmlns:a16="http://schemas.microsoft.com/office/drawing/2014/main" id="{88BD422D-EF88-4965-9822-C36F47D2D934}"/>
+          <p:cNvPr id="575" name="OTLSHAPE_T_55871566acb4479fa593c4d75faba5f3_TextPercentage" hidden="1">
+            <a:extLst>
+              <a:ext uri="{FF2B5EF4-FFF2-40B4-BE49-F238E27FC236}">
+                <a16:creationId xmlns:a16="http://schemas.microsoft.com/office/drawing/2014/main" id="{67CED5AF-E382-4C78-B34C-74B9326C04DC}"/>
               </a:ext>
             </a:extLst>
           </p:cNvPr>
@@ -13353,10 +13353,10 @@
       </p:sp>
       <p:sp>
         <p:nvSpPr>
-          <p:cNvPr id="420" name="OTLSHAPE_T_55871566acb4479fa593c4d75faba5f3_StartDate" hidden="1">
-            <a:extLst>
-              <a:ext uri="{FF2B5EF4-FFF2-40B4-BE49-F238E27FC236}">
-                <a16:creationId xmlns:a16="http://schemas.microsoft.com/office/drawing/2014/main" id="{C35BE52C-9DD2-416D-895C-D0B0CD9256EB}"/>
+          <p:cNvPr id="576" name="OTLSHAPE_T_55871566acb4479fa593c4d75faba5f3_StartDate" hidden="1">
+            <a:extLst>
+              <a:ext uri="{FF2B5EF4-FFF2-40B4-BE49-F238E27FC236}">
+                <a16:creationId xmlns:a16="http://schemas.microsoft.com/office/drawing/2014/main" id="{8383D797-6DF6-4487-BA6B-42F616A5AC69}"/>
               </a:ext>
             </a:extLst>
           </p:cNvPr>
@@ -13395,10 +13395,10 @@
       </p:sp>
       <p:sp>
         <p:nvSpPr>
-          <p:cNvPr id="421" name="OTLSHAPE_T_55871566acb4479fa593c4d75faba5f3_EndDate" hidden="1">
-            <a:extLst>
-              <a:ext uri="{FF2B5EF4-FFF2-40B4-BE49-F238E27FC236}">
-                <a16:creationId xmlns:a16="http://schemas.microsoft.com/office/drawing/2014/main" id="{6F3655CB-AB31-4FE5-98D2-5122485C9799}"/>
+          <p:cNvPr id="577" name="OTLSHAPE_T_55871566acb4479fa593c4d75faba5f3_EndDate" hidden="1">
+            <a:extLst>
+              <a:ext uri="{FF2B5EF4-FFF2-40B4-BE49-F238E27FC236}">
+                <a16:creationId xmlns:a16="http://schemas.microsoft.com/office/drawing/2014/main" id="{D27ABC3E-C9C4-4C5D-8B84-BB72C17F4650}"/>
               </a:ext>
             </a:extLst>
           </p:cNvPr>
@@ -13437,10 +13437,10 @@
       </p:sp>
       <p:sp>
         <p:nvSpPr>
-          <p:cNvPr id="422" name="OTLSHAPE_T_55871566acb4479fa593c4d75faba5f3_JoinedDate">
-            <a:extLst>
-              <a:ext uri="{FF2B5EF4-FFF2-40B4-BE49-F238E27FC236}">
-                <a16:creationId xmlns:a16="http://schemas.microsoft.com/office/drawing/2014/main" id="{05A03A50-73FD-4F82-91FE-1D45096D6494}"/>
+          <p:cNvPr id="578" name="OTLSHAPE_T_55871566acb4479fa593c4d75faba5f3_JoinedDate">
+            <a:extLst>
+              <a:ext uri="{FF2B5EF4-FFF2-40B4-BE49-F238E27FC236}">
+                <a16:creationId xmlns:a16="http://schemas.microsoft.com/office/drawing/2014/main" id="{49A6FE1A-FBB9-4E22-A444-9035D4E54C08}"/>
               </a:ext>
             </a:extLst>
           </p:cNvPr>
@@ -13487,10 +13487,10 @@
       </p:sp>
       <p:sp>
         <p:nvSpPr>
-          <p:cNvPr id="423" name="OTLSHAPE_T_55871566acb4479fa593c4d75faba5f3_Title">
-            <a:extLst>
-              <a:ext uri="{FF2B5EF4-FFF2-40B4-BE49-F238E27FC236}">
-                <a16:creationId xmlns:a16="http://schemas.microsoft.com/office/drawing/2014/main" id="{D3EF318C-9E7F-41C2-8F3D-6494A142B2D7}"/>
+          <p:cNvPr id="579" name="OTLSHAPE_T_55871566acb4479fa593c4d75faba5f3_Title">
+            <a:extLst>
+              <a:ext uri="{FF2B5EF4-FFF2-40B4-BE49-F238E27FC236}">
+                <a16:creationId xmlns:a16="http://schemas.microsoft.com/office/drawing/2014/main" id="{2086804C-BCE7-4D23-A6DE-47EA192200C4}"/>
               </a:ext>
             </a:extLst>
           </p:cNvPr>
@@ -13504,7 +13504,7 @@
         <p:spPr>
           <a:xfrm>
             <a:off x="127000" y="5828496"/>
-            <a:ext cx="1409700" cy="170519"/>
+            <a:ext cx="1727200" cy="170519"/>
           </a:xfrm>
           <a:prstGeom prst="rect">
             <a:avLst/>
@@ -13533,17 +13533,17 @@
                 </a:solidFill>
                 <a:latin typeface="Calibri" panose="020F0502020204030204" pitchFamily="34" charset="0"/>
               </a:rPr>
-              <a:t>의상 출력 모듈 개발</a:t>
-            </a:r>
-          </a:p>
-        </p:txBody>
-      </p:sp>
-      <p:sp>
-        <p:nvSpPr>
-          <p:cNvPr id="424" name="OTLSHAPE_T_853f2e2a1d91481f8b3ea3fdeadd8ffb_Shape">
-            <a:extLst>
-              <a:ext uri="{FF2B5EF4-FFF2-40B4-BE49-F238E27FC236}">
-                <a16:creationId xmlns:a16="http://schemas.microsoft.com/office/drawing/2014/main" id="{A5CD802A-597F-45A6-924E-0EDC29B7F86D}"/>
+              <a:t>의상 객체 생성 모듈 개발</a:t>
+            </a:r>
+          </a:p>
+        </p:txBody>
+      </p:sp>
+      <p:sp>
+        <p:nvSpPr>
+          <p:cNvPr id="580" name="OTLSHAPE_T_853f2e2a1d91481f8b3ea3fdeadd8ffb_Shape">
+            <a:extLst>
+              <a:ext uri="{FF2B5EF4-FFF2-40B4-BE49-F238E27FC236}">
+                <a16:creationId xmlns:a16="http://schemas.microsoft.com/office/drawing/2014/main" id="{21A8F175-FA15-47D4-AC9E-5330B5E70363}"/>
               </a:ext>
             </a:extLst>
           </p:cNvPr>
@@ -13635,10 +13635,10 @@
       </p:sp>
       <p:sp>
         <p:nvSpPr>
-          <p:cNvPr id="425" name="OTLSHAPE_T_853f2e2a1d91481f8b3ea3fdeadd8ffb_ShapePercentage" hidden="1">
-            <a:extLst>
-              <a:ext uri="{FF2B5EF4-FFF2-40B4-BE49-F238E27FC236}">
-                <a16:creationId xmlns:a16="http://schemas.microsoft.com/office/drawing/2014/main" id="{BFE6792E-1556-4295-A100-6418E823B559}"/>
+          <p:cNvPr id="581" name="OTLSHAPE_T_853f2e2a1d91481f8b3ea3fdeadd8ffb_ShapePercentage" hidden="1">
+            <a:extLst>
+              <a:ext uri="{FF2B5EF4-FFF2-40B4-BE49-F238E27FC236}">
+                <a16:creationId xmlns:a16="http://schemas.microsoft.com/office/drawing/2014/main" id="{6AAC7743-5C58-465D-9AEC-BB97A587CE6B}"/>
               </a:ext>
             </a:extLst>
           </p:cNvPr>
@@ -13685,10 +13685,10 @@
       </p:sp>
       <p:sp>
         <p:nvSpPr>
-          <p:cNvPr id="426" name="OTLSHAPE_T_853f2e2a1d91481f8b3ea3fdeadd8ffb_Duration" hidden="1">
-            <a:extLst>
-              <a:ext uri="{FF2B5EF4-FFF2-40B4-BE49-F238E27FC236}">
-                <a16:creationId xmlns:a16="http://schemas.microsoft.com/office/drawing/2014/main" id="{F93E0E2C-06BD-4234-BDA9-859AD71D5AA8}"/>
+          <p:cNvPr id="582" name="OTLSHAPE_T_853f2e2a1d91481f8b3ea3fdeadd8ffb_Duration" hidden="1">
+            <a:extLst>
+              <a:ext uri="{FF2B5EF4-FFF2-40B4-BE49-F238E27FC236}">
+                <a16:creationId xmlns:a16="http://schemas.microsoft.com/office/drawing/2014/main" id="{4021A796-F40C-4164-807A-5C41B18E1F4E}"/>
               </a:ext>
             </a:extLst>
           </p:cNvPr>
@@ -13739,10 +13739,10 @@
       </p:sp>
       <p:sp>
         <p:nvSpPr>
-          <p:cNvPr id="427" name="OTLSHAPE_T_853f2e2a1d91481f8b3ea3fdeadd8ffb_TextPercentage" hidden="1">
-            <a:extLst>
-              <a:ext uri="{FF2B5EF4-FFF2-40B4-BE49-F238E27FC236}">
-                <a16:creationId xmlns:a16="http://schemas.microsoft.com/office/drawing/2014/main" id="{FF833793-C732-424F-8093-272825524C35}"/>
+          <p:cNvPr id="583" name="OTLSHAPE_T_853f2e2a1d91481f8b3ea3fdeadd8ffb_TextPercentage" hidden="1">
+            <a:extLst>
+              <a:ext uri="{FF2B5EF4-FFF2-40B4-BE49-F238E27FC236}">
+                <a16:creationId xmlns:a16="http://schemas.microsoft.com/office/drawing/2014/main" id="{139362B1-98EA-410D-AF66-1A88955C7562}"/>
               </a:ext>
             </a:extLst>
           </p:cNvPr>
@@ -13781,10 +13781,10 @@
       </p:sp>
       <p:sp>
         <p:nvSpPr>
-          <p:cNvPr id="428" name="OTLSHAPE_T_853f2e2a1d91481f8b3ea3fdeadd8ffb_StartDate" hidden="1">
-            <a:extLst>
-              <a:ext uri="{FF2B5EF4-FFF2-40B4-BE49-F238E27FC236}">
-                <a16:creationId xmlns:a16="http://schemas.microsoft.com/office/drawing/2014/main" id="{23119BBD-F9F8-414A-B50A-60EA2B2112FF}"/>
+          <p:cNvPr id="584" name="OTLSHAPE_T_853f2e2a1d91481f8b3ea3fdeadd8ffb_StartDate" hidden="1">
+            <a:extLst>
+              <a:ext uri="{FF2B5EF4-FFF2-40B4-BE49-F238E27FC236}">
+                <a16:creationId xmlns:a16="http://schemas.microsoft.com/office/drawing/2014/main" id="{1A0C24A8-8F90-46B9-B0B1-36CEF7AA9E45}"/>
               </a:ext>
             </a:extLst>
           </p:cNvPr>
@@ -13823,10 +13823,10 @@
       </p:sp>
       <p:sp>
         <p:nvSpPr>
-          <p:cNvPr id="429" name="OTLSHAPE_T_853f2e2a1d91481f8b3ea3fdeadd8ffb_EndDate" hidden="1">
-            <a:extLst>
-              <a:ext uri="{FF2B5EF4-FFF2-40B4-BE49-F238E27FC236}">
-                <a16:creationId xmlns:a16="http://schemas.microsoft.com/office/drawing/2014/main" id="{74E05CE1-3D7E-4480-82B8-30476CA2DA0A}"/>
+          <p:cNvPr id="585" name="OTLSHAPE_T_853f2e2a1d91481f8b3ea3fdeadd8ffb_EndDate" hidden="1">
+            <a:extLst>
+              <a:ext uri="{FF2B5EF4-FFF2-40B4-BE49-F238E27FC236}">
+                <a16:creationId xmlns:a16="http://schemas.microsoft.com/office/drawing/2014/main" id="{4D629BC3-DDE1-4394-87A8-EAE054624212}"/>
               </a:ext>
             </a:extLst>
           </p:cNvPr>
@@ -13865,10 +13865,10 @@
       </p:sp>
       <p:sp>
         <p:nvSpPr>
-          <p:cNvPr id="430" name="OTLSHAPE_T_853f2e2a1d91481f8b3ea3fdeadd8ffb_JoinedDate">
-            <a:extLst>
-              <a:ext uri="{FF2B5EF4-FFF2-40B4-BE49-F238E27FC236}">
-                <a16:creationId xmlns:a16="http://schemas.microsoft.com/office/drawing/2014/main" id="{DCD57F00-C883-4432-A132-A6810DE26231}"/>
+          <p:cNvPr id="586" name="OTLSHAPE_T_853f2e2a1d91481f8b3ea3fdeadd8ffb_JoinedDate">
+            <a:extLst>
+              <a:ext uri="{FF2B5EF4-FFF2-40B4-BE49-F238E27FC236}">
+                <a16:creationId xmlns:a16="http://schemas.microsoft.com/office/drawing/2014/main" id="{E1F65A62-256F-4733-8530-89BE3BC8FC19}"/>
               </a:ext>
             </a:extLst>
           </p:cNvPr>
@@ -13915,10 +13915,10 @@
       </p:sp>
       <p:sp>
         <p:nvSpPr>
-          <p:cNvPr id="431" name="OTLSHAPE_T_853f2e2a1d91481f8b3ea3fdeadd8ffb_Title">
-            <a:extLst>
-              <a:ext uri="{FF2B5EF4-FFF2-40B4-BE49-F238E27FC236}">
-                <a16:creationId xmlns:a16="http://schemas.microsoft.com/office/drawing/2014/main" id="{67DF86EB-45F5-48E5-B86A-8A0980F43A5C}"/>
+          <p:cNvPr id="587" name="OTLSHAPE_T_853f2e2a1d91481f8b3ea3fdeadd8ffb_Title">
+            <a:extLst>
+              <a:ext uri="{FF2B5EF4-FFF2-40B4-BE49-F238E27FC236}">
+                <a16:creationId xmlns:a16="http://schemas.microsoft.com/office/drawing/2014/main" id="{7F016F0B-1D51-4914-BA58-566E4F740F42}"/>
               </a:ext>
             </a:extLst>
           </p:cNvPr>
@@ -13959,10 +13959,10 @@
       </p:sp>
       <p:sp>
         <p:nvSpPr>
-          <p:cNvPr id="432" name="OTLSHAPE_T_22f39fb829944911aac60ff29587efd4_Shape">
-            <a:extLst>
-              <a:ext uri="{FF2B5EF4-FFF2-40B4-BE49-F238E27FC236}">
-                <a16:creationId xmlns:a16="http://schemas.microsoft.com/office/drawing/2014/main" id="{42674B4A-7DC6-4379-881A-6AB13C674EAF}"/>
+          <p:cNvPr id="588" name="OTLSHAPE_T_22f39fb829944911aac60ff29587efd4_Shape">
+            <a:extLst>
+              <a:ext uri="{FF2B5EF4-FFF2-40B4-BE49-F238E27FC236}">
+                <a16:creationId xmlns:a16="http://schemas.microsoft.com/office/drawing/2014/main" id="{9F9D8552-D450-4431-AA37-4840C30C7D71}"/>
               </a:ext>
             </a:extLst>
           </p:cNvPr>
@@ -14054,10 +14054,10 @@
       </p:sp>
       <p:sp>
         <p:nvSpPr>
-          <p:cNvPr id="433" name="OTLSHAPE_T_22f39fb829944911aac60ff29587efd4_ShapePercentage" hidden="1">
-            <a:extLst>
-              <a:ext uri="{FF2B5EF4-FFF2-40B4-BE49-F238E27FC236}">
-                <a16:creationId xmlns:a16="http://schemas.microsoft.com/office/drawing/2014/main" id="{873A6BD8-E0B6-4425-A957-872F527EB233}"/>
+          <p:cNvPr id="589" name="OTLSHAPE_T_22f39fb829944911aac60ff29587efd4_ShapePercentage" hidden="1">
+            <a:extLst>
+              <a:ext uri="{FF2B5EF4-FFF2-40B4-BE49-F238E27FC236}">
+                <a16:creationId xmlns:a16="http://schemas.microsoft.com/office/drawing/2014/main" id="{31B9B77A-A6AF-4264-AE48-CB47376BE55B}"/>
               </a:ext>
             </a:extLst>
           </p:cNvPr>
@@ -14104,10 +14104,10 @@
       </p:sp>
       <p:sp>
         <p:nvSpPr>
-          <p:cNvPr id="434" name="OTLSHAPE_T_22f39fb829944911aac60ff29587efd4_Duration" hidden="1">
-            <a:extLst>
-              <a:ext uri="{FF2B5EF4-FFF2-40B4-BE49-F238E27FC236}">
-                <a16:creationId xmlns:a16="http://schemas.microsoft.com/office/drawing/2014/main" id="{696960D8-7438-4BCC-A83A-2D003B07792C}"/>
+          <p:cNvPr id="590" name="OTLSHAPE_T_22f39fb829944911aac60ff29587efd4_Duration" hidden="1">
+            <a:extLst>
+              <a:ext uri="{FF2B5EF4-FFF2-40B4-BE49-F238E27FC236}">
+                <a16:creationId xmlns:a16="http://schemas.microsoft.com/office/drawing/2014/main" id="{330822C4-BC2E-4C7B-84A2-2359E71DE2C7}"/>
               </a:ext>
             </a:extLst>
           </p:cNvPr>
@@ -14158,10 +14158,10 @@
       </p:sp>
       <p:sp>
         <p:nvSpPr>
-          <p:cNvPr id="435" name="OTLSHAPE_T_22f39fb829944911aac60ff29587efd4_TextPercentage" hidden="1">
-            <a:extLst>
-              <a:ext uri="{FF2B5EF4-FFF2-40B4-BE49-F238E27FC236}">
-                <a16:creationId xmlns:a16="http://schemas.microsoft.com/office/drawing/2014/main" id="{8BF24C98-24BE-4438-B94F-D7AACF2E35F7}"/>
+          <p:cNvPr id="591" name="OTLSHAPE_T_22f39fb829944911aac60ff29587efd4_TextPercentage" hidden="1">
+            <a:extLst>
+              <a:ext uri="{FF2B5EF4-FFF2-40B4-BE49-F238E27FC236}">
+                <a16:creationId xmlns:a16="http://schemas.microsoft.com/office/drawing/2014/main" id="{941B70F8-8EE0-4DD2-8456-025300EB6F74}"/>
               </a:ext>
             </a:extLst>
           </p:cNvPr>
@@ -14200,10 +14200,10 @@
       </p:sp>
       <p:sp>
         <p:nvSpPr>
-          <p:cNvPr id="436" name="OTLSHAPE_T_22f39fb829944911aac60ff29587efd4_StartDate" hidden="1">
-            <a:extLst>
-              <a:ext uri="{FF2B5EF4-FFF2-40B4-BE49-F238E27FC236}">
-                <a16:creationId xmlns:a16="http://schemas.microsoft.com/office/drawing/2014/main" id="{17899601-E678-4DD0-A95F-8A06DE2ACA9A}"/>
+          <p:cNvPr id="592" name="OTLSHAPE_T_22f39fb829944911aac60ff29587efd4_StartDate" hidden="1">
+            <a:extLst>
+              <a:ext uri="{FF2B5EF4-FFF2-40B4-BE49-F238E27FC236}">
+                <a16:creationId xmlns:a16="http://schemas.microsoft.com/office/drawing/2014/main" id="{3C53D4F5-A872-4C49-A8C6-9DE33B7C5208}"/>
               </a:ext>
             </a:extLst>
           </p:cNvPr>
@@ -14242,10 +14242,10 @@
       </p:sp>
       <p:sp>
         <p:nvSpPr>
-          <p:cNvPr id="437" name="OTLSHAPE_T_22f39fb829944911aac60ff29587efd4_EndDate" hidden="1">
-            <a:extLst>
-              <a:ext uri="{FF2B5EF4-FFF2-40B4-BE49-F238E27FC236}">
-                <a16:creationId xmlns:a16="http://schemas.microsoft.com/office/drawing/2014/main" id="{06BFCB64-FA40-403C-9589-E925A142ADD7}"/>
+          <p:cNvPr id="593" name="OTLSHAPE_T_22f39fb829944911aac60ff29587efd4_EndDate" hidden="1">
+            <a:extLst>
+              <a:ext uri="{FF2B5EF4-FFF2-40B4-BE49-F238E27FC236}">
+                <a16:creationId xmlns:a16="http://schemas.microsoft.com/office/drawing/2014/main" id="{013AFCF4-A2A7-44FA-95B3-8F0256D2D7AA}"/>
               </a:ext>
             </a:extLst>
           </p:cNvPr>
@@ -14284,10 +14284,10 @@
       </p:sp>
       <p:sp>
         <p:nvSpPr>
-          <p:cNvPr id="438" name="OTLSHAPE_T_22f39fb829944911aac60ff29587efd4_JoinedDate">
-            <a:extLst>
-              <a:ext uri="{FF2B5EF4-FFF2-40B4-BE49-F238E27FC236}">
-                <a16:creationId xmlns:a16="http://schemas.microsoft.com/office/drawing/2014/main" id="{F25C5A02-1671-4C64-90F5-67F03A039343}"/>
+          <p:cNvPr id="594" name="OTLSHAPE_T_22f39fb829944911aac60ff29587efd4_JoinedDate">
+            <a:extLst>
+              <a:ext uri="{FF2B5EF4-FFF2-40B4-BE49-F238E27FC236}">
+                <a16:creationId xmlns:a16="http://schemas.microsoft.com/office/drawing/2014/main" id="{58013D7B-16EF-4ECB-BAEC-9C2342310720}"/>
               </a:ext>
             </a:extLst>
           </p:cNvPr>
@@ -14334,10 +14334,10 @@
       </p:sp>
       <p:sp>
         <p:nvSpPr>
-          <p:cNvPr id="439" name="OTLSHAPE_T_22f39fb829944911aac60ff29587efd4_Title">
-            <a:extLst>
-              <a:ext uri="{FF2B5EF4-FFF2-40B4-BE49-F238E27FC236}">
-                <a16:creationId xmlns:a16="http://schemas.microsoft.com/office/drawing/2014/main" id="{168F2D03-21C2-4897-A394-7258F04AB01B}"/>
+          <p:cNvPr id="595" name="OTLSHAPE_T_22f39fb829944911aac60ff29587efd4_Title">
+            <a:extLst>
+              <a:ext uri="{FF2B5EF4-FFF2-40B4-BE49-F238E27FC236}">
+                <a16:creationId xmlns:a16="http://schemas.microsoft.com/office/drawing/2014/main" id="{FE6EC61B-A991-4445-91F6-18009A1C2B5D}"/>
               </a:ext>
             </a:extLst>
           </p:cNvPr>
@@ -14437,7 +14437,7 @@
 
 <file path=ppt/tags/tag105.xml><?xml version="1.0" encoding="utf-8"?>
 <p:tagLst xmlns:a="http://schemas.openxmlformats.org/drawingml/2006/main" xmlns:r="http://schemas.openxmlformats.org/officeDocument/2006/relationships" xmlns:p="http://schemas.openxmlformats.org/presentationml/2006/main">
-  <p:tag name="__PART_0" val="eyIkaWQiOiIxIiwiQ3VsdHVyZUluZm9OYW1lIjoia28tS1IiLCJTdHlsZU5hbWUiOm51bGwsIlZlcnNpb24iOnsiJGlkIjoiMiIsIlZlcnNpb24iOiIzLjEuMyIsIk9yaWdpbmFsQXNzZW1ibHlWZXJzaW9uIjoiMy42Mi4xMS4wMCIsIkVkaXRpb24iOiJCYXNpYyIsIklzUGx1c0VkaXRpb24iOmZhbHNlfSwiRWZmZWN0IjoxLCJTdHlsZSI6eyIkaWQiOiIzIiwiVGltZWJhbmRTdHlsZSI6eyIkaWQiOiI0IiwiU2NhbGVNYXJraW5nIjowLCJTaGFwZSI6MCwiU2hhcGVTdHlsZSI6eyIkaWQiOiI1IiwiTWFyZ2luIjp7IiRpZCI6IjYiLCJUb3AiOjAsIkxlZnQiOjEyLCJSaWdodCI6MTIsIkJvdHRvbSI6MH0sIlBhZGRpbmciOnsiJGlkIjoiNyIsIlRvcCI6NywiTGVmdCI6MCwiUmlnaHQiOjAsIkJvdHRvbSI6N30sIkJhY2tncm91bmQiOnsiJGlkIjoiOCIsIkNvbG9yIjp7IiRpZCI6IjkiLCJBIjoyNTUsIlIiOjY4LCJHIjo4NCwiQiI6MTA2fX0sIklzVmlzaWJsZSI6dHJ1ZSwiV2lkdGgiOjg1OC4wLCJIZWlnaHQiOjMwLjAsIkJvcmRlclN0eWxlIjp7IiRpZCI6IjEwIiwiTGluZUNvbG9yIjp7IiRpZCI6IjExIiwiJHR5cGUiOiJOTFJFLkNvbW1vbi5Eb20uU29saWRDb2xvckJydXNoLCBOTFJFLkNvbW1vbiIsIkNvbG9yIjp7IiRpZCI6IjEyIiwiQSI6MjU1LCJSIjoyNTUsIkciOjAsIkIiOjB9fSwiTGluZVdlaWdodCI6MC4wLCJMaW5lVHlwZSI6MCwiUGFyZW50U3R5bGUiOm51bGx9LCJQYXJlbnRTdHlsZSI6bnVsbH0sIlJpZ2h0RW5kQ2Fwc1N0eWxlIjp7IiRpZCI6IjEzIiwiRm9udFNldHRpbmdzIjp7IiRpZCI6IjE0IiwiRm9udFNpemUiOjE4LCJGb250TmFtZSI6IkNhbGlicmkiLCJJc0JvbGQiOnRydWUsIklzSXRhbGljIjpmYWxzZSwiSXNVbmRlcmxpbmVkIjpmYWxzZSwiUGFyZW50U3R5bGUiOm51bGx9LCJBdXRvU2l6ZSI6MCwiRm9yZWdyb3VuZCI6eyIkaWQiOiIxNSIsIkNvbG9yIjp7IiRpZCI6IjE2IiwiQSI6MjU1LCJSIjoyMzcsIkciOjEyNSwiQiI6NDl9fSwiTWF4V2lkdGgiOiJJbmZpbml0eSIsIk1heEhlaWdodCI6IkluZmluaXR5IiwiU21hcnRGb3JlZ3JvdW5kSXNBY3RpdmUiOmZhbHNlLCJIb3Jpem9udGFsQWxpZ25tZW50IjowLCJWZXJ0aWNhbEFsaWdubWVudCI6MCwiU21hcnRGb3JlZ3JvdW5kIjpudWxsLCJCYWNrZ3JvdW5kRmlsbFR5cGUiOjAsIk1hcmdpbiI6eyIkaWQiOiIxNyIsIlRvcCI6MCwiTGVmdCI6MCwiUmlnaHQiOjI1LCJCb3R0b20iOjB9LCJQYWRkaW5nIjp7IiRpZCI6IjE4IiwiVG9wIjowLCJMZWZ0IjowLCJSaWdodCI6MCwiQm90dG9tIjowfSwiQmFja2dyb3VuZCI6eyIkaWQiOiIxOSIsIkNvbG9yIjp7IiRpZCI6IjIwIiwiQSI6ODksIlIiOjAsIkciOjAsIkIiOjB9fSwiSXNWaXNpYmxlIjp0cnVlLCJXaWR0aCI6MC4wLCJIZWlnaHQiOjAuMCwiQm9yZGVyU3R5bGUiOm51bGwsIlBhcmVudFN0eWxlIjpudWxsfSwiTGVmdEVuZENhcHNTdHlsZSI6eyIkaWQiOiIyMSIsIkZvbnRTZXR0aW5ncyI6eyIkaWQiOiIyMiIsIkZvbnRTaXplIjoxOCwiRm9udE5hbWUiOiJDYWxpYnJpIiwiSXNCb2xkIjp0cnVlLCJJc0l0YWxpYyI6ZmFsc2UsIklzVW5kZXJsaW5lZCI6ZmFsc2UsIlBhcmVudFN0eWxlIjpudWxsfSwiQXV0b1NpemUiOjAsIkZvcmVncm91bmQiOnsiJGlkIjoiMjMiLCJDb2xvciI6eyIkaWQiOiIyNCIsIkEiOjI1NSwiUiI6MjM3LCJHIjoxMjUsIkIiOjQ5fX0sIk1heFdpZHRoIjoiSW5maW5pdHkiLCJNYXhIZWlnaHQiOiJJbmZpbml0eSIsIlNtYXJ0Rm9yZWdyb3VuZElzQWN0aXZlIjpmYWxzZSwiSG9yaXpvbnRhbEFsaWdubWVudCI6MCwiVmVydGljYWxBbGlnbm1lbnQiOjAsIlNtYXJ0Rm9yZWdyb3VuZCI6bnVsbCwiQmFja2dyb3VuZEZpbGxUeXBlIjowLCJNYXJnaW4iOnsiJGlkIjoiMjUiLCJUb3AiOjAsIkxlZnQiOjI1LCJSaWdodCI6MCwiQm90dG9tIjowfSwiUGFkZGluZyI6eyIkaWQiOiIyNiIsIlRvcCI6MCwiTGVmdCI6MCwiUmlnaHQiOjAsIkJvdHRvbSI6MH0sIkJhY2tncm91bmQiOnsiJGlkIjoiMjciLCJDb2xvciI6eyIkcmVmIjoiMjAifX0sIklzVmlzaWJsZSI6dHJ1ZSwiV2lkdGgiOjAuMCwiSGVpZ2h0IjowLjAsIkJvcmRlclN0eWxlIjpudWxsLCJQYXJlbnRTdHlsZSI6bnVsbH0sIlRvZGF5VGV4dFN0eWxlIjp7IiRpZCI6IjI4IiwiRm9udFNldHRpbmdzIjp7IiRpZCI6IjI5IiwiRm9udFNpemUiOjEyLCJGb250TmFtZSI6IkNhbGlicmkiLCJJc0JvbGQiOmZhbHNlLCJJc0l0YWxpYyI6ZmFsc2UsIklzVW5kZXJsaW5lZCI6ZmFsc2UsIlBhcmVudFN0eWxlIjpudWxsfSwiQXV0b1NpemUiOjAsIkZvcmVncm91bmQiOnsiJGlkIjoiMzAiLCJDb2xvciI6eyIkaWQiOiIzMSIsIkEiOjI1NSwiUiI6MCwiRyI6MCwiQiI6MH19LCJNYXhXaWR0aCI6MjAwLjAsIk1heEhlaWdodCI6IkluZmluaXR5IiwiU21hcnRGb3JlZ3JvdW5kSXNBY3RpdmUiOmZhbHNlLCJIb3Jpem9udGFsQWxpZ25tZW50IjowLCJWZXJ0aWNhbEFsaWdubWVudCI6MCwiU21hcnRGb3JlZ3JvdW5kIjpudWxsLCJCYWNrZ3JvdW5kRmlsbFR5cGUiOjAsIk1hcmdpbiI6eyIkaWQiOiIzMiIsIlRvcCI6MCwiTGVmdCI6MCwiUmlnaHQiOjAsIkJvdHRvbSI6MH0sIlBhZGRpbmciOnsiJGlkIjoiMzMiLCJUb3AiOjAsIkxlZnQiOjAsIlJpZ2h0IjowLCJCb3R0b20iOjB9LCJCYWNrZ3JvdW5kIjp7IiRpZCI6IjM0IiwiQ29sb3IiOnsiJHJlZiI6IjIwIn19LCJJc1Zpc2libGUiOnRydWUsIldpZHRoIjowLjAsIkhlaWdodCI6MC4wLCJCb3JkZXJTdHlsZSI6bnVsbCwiUGFyZW50U3R5bGUiOm51bGx9LCJUb2RheU1hcmtlclN0eWxlIjp7IiRpZCI6IjM1IiwiTWFyZ2luIjp7IiRpZCI6IjM2IiwiVG9wIjowLCJMZWZ0IjowLCJSaWdodCI6MCwiQm90dG9tIjowfSwiUGFkZGluZyI6eyIkaWQiOiIzNyIsIlRvcCI6MCwiTGVmdCI6MCwiUmlnaHQiOjAsIkJvdHRvbSI6MH0sIkJhY2tncm91bmQiOnsiJGlkIjoiMzgiLCJDb2xvciI6eyIkaWQiOiIzOSIsIkEiOjI1NSwiUiI6MjU1LCJHIjowLCJCIjowfX0sIklzVmlzaWJsZSI6dHJ1ZSwiV2lkdGgiOjAuMCwiSGVpZ2h0IjowLjAsIkJvcmRlclN0eWxlIjpudWxsLCJQYXJlbnRTdHlsZSI6bnVsbH0sIlNjYWxlU3R5bGUiOnsiJGlkIjoiNDAiLCJTaG93U2VnbWVudFNlcGFyYXRvcnMiOnRydWUsIlNlZ21lbnRTZXBhcmF0b3JPcGFjaXR5IjozMCwiRm9udFNldHRpbmdzIjp7IiRpZCI6IjQxIiwiRm9udFNpemUiOjEyLCJGb250TmFtZSI6IkNhbGlicmkiLCJJc0JvbGQiOmZhbHNlLCJJc0l0YWxpYyI6ZmFsc2UsIklzVW5kZXJsaW5lZCI6ZmFsc2UsIlBhcmVudFN0eWxlIjpudWxsfSwiQXV0b1NpemUiOjAsIkZvcmVncm91bmQiOnsiJGlkIjoiNDIiLCJDb2xvciI6eyIkaWQiOiI0MyIsIkEiOjI1NSwiUiI6MjU1LCJHIjoyNTUsIkIiOjI1NX19LCJNYXhXaWR0aCI6MjAwLjAsIk1heEhlaWdodCI6IkluZmluaXR5IiwiU21hcnRGb3JlZ3JvdW5kSXNBY3RpdmUiOmZhbHNlLCJIb3Jpem9udGFsQWxpZ25tZW50IjowLCJWZXJ0aWNhbEFsaWdubWVudCI6MSwiU21hcnRGb3JlZ3JvdW5kIjpudWxsLCJCYWNrZ3JvdW5kRmlsbFR5cGUiOjAsIk1hcmdpbiI6eyIkaWQiOiI0NCIsIlRvcCI6MCwiTGVmdCI6NSwiUmlnaHQiOjAsIkJvdHRvbSI6MH0sIlBhZGRpbmciOnsiJGlkIjoiNDUiLCJUb3AiOjAsIkxlZnQiOjAsIlJpZ2h0IjowLCJCb3R0b20iOjB9LCJCYWNrZ3JvdW5kIjp7IiRpZCI6IjQ2IiwiQ29sb3IiOnsiJHJlZiI6IjIwIn19LCJJc1Zpc2libGUiOnRydWUsIldpZHRoIjowLjAsIkhlaWdodCI6MC4wLCJCb3JkZXJTdHlsZSI6bnVsbCwiUGFyZW50U3R5bGUiOm51bGx9LCJFbGFwc2VkVGltZUJhY2tncm91bmQiOnsiJGlkIjoiNDciLCJDb2xvciI6eyIkaWQiOiI0OCIsIkEiOjE5MSwiUiI6MjU1LCJHIjowLCJCIjowfX0sIkFwcGVuZFllYXJPblllYXJDaGFuZ2UiOnRydWUsIkVsYXBzZWRUaW1lRm9ybWF0IjoyLCJUb2RheU1hcmtlclBvc2l0aW9uIjozLCJRdWlja1Bvc2l0aW9uIjoxLCJBYnNvbHV0ZVBvc2l0aW9uIjoyNDAuMCwiTWFyZ2luIjp7IiRpZCI6IjQ5IiwiVG9wIjowLCJMZWZ0IjoxMCwiUmlnaHQiOjEwLCJCb3R0b20iOjB9LCJQYWRkaW5nIjp7IiRpZCI6IjUwIiwiVG9wIjowLCJMZWZ0IjowLCJSaWdodCI6MCwiQm90dG9tIjowfSwiQmFja2dyb3VuZCI6eyIkaWQiOiI1MSIsIkNvbG9yIjp7IiRpZCI6IjUyIiwiQSI6MjU1LCJSIjozMSwiRyI6NzMsIkIiOjEyNX19LCJJc1Zpc2libGUiOnRydWUsIldpZHRoIjowLjAsIkhlaWdodCI6MC4wLCJCb3JkZXJTdHlsZSI6bnVsbCwiUGFyZW50U3R5bGUiOm51bGx9LCJEZWZhdWx0TWlsZXN0b25lU3R5bGUiOnsiJGlkIjoiNTMiLCJTaGFwZSI6MiwiQ29ubmVjdG9yTWFyZ2luIjp7IiRpZCI6IjU0IiwiVG9wIjowLCJMZWZ0IjoyLCJSaWdodCI6MiwiQm90dG9tIjowfSwiQ29ubmVjdG9yU3R5bGUiOnsiJGlkIjoiNTUiLCJMaW5lQ29sb3IiOnsiJGlkIjoiNTYiLCIkdHlwZSI6Ik5MUkUuQ29tbW9uLkRvbS5Tb2xpZENvbG9yQnJ1c2gsIE5MUkUuQ29tbW9uIiwiQ29sb3IiOnsiJGlkIjoiNTciLCJBIjoxMjcsIlIiOjMxLCJHIjo3MywiQiI6MTI2fX0sIkxpbmVXZWlnaHQiOjEuMCwiTGluZVR5cGUiOjAsIlBhcmVudFN0eWxlIjpudWxsfSwiSXNCZWxvd1RpbWViYW5kIjpmYWxzZSwiSGlkZURhdGUiOmZhbHNlLCJTaGFwZVNpemUiOjEsIlNwYWNpbmciOjEuMCwiUGFkZGluZyI6eyIkaWQiOiI1OCIsIlRvcCI6NywiTGVmdCI6MywiUmlnaHQiOjAsIkJvdHRvbSI6Mn0sIlNoYXBlU3R5bGUiOnsiJGlkIjoiNTkiLCJNYXJnaW4iOnsiJGlkIjoiNjAiLCJUb3AiOjAsIkxlZnQiOjAsIlJpZ2h0IjowLCJCb3R0b20iOjB9LCJQYWRkaW5nIjp7IiRpZCI6IjYxIiwiVG9wIjowLCJMZWZ0IjowLCJSaWdodCI6MCwiQm90dG9tIjowfSwiQmFja2dyb3VuZCI6eyIkaWQiOiI2MiIsIkNvbG9yIjp7IiRpZCI6IjYzIiwiQSI6MjU1LCJSIjowLCJHIjoxMTQsIkIiOjE4OH19LCJJc1Zpc2libGUiOnRydWUsIldpZHRoIjoxOC4wLCJIZWlnaHQiOjIwLjAsIkJvcmRlclN0eWxlIjp7IiRpZCI6IjY0IiwiTGluZUNvbG9yIjp7IiRpZCI6IjY1IiwiJHR5cGUiOiJOTFJFLkNvbW1vbi5Eb20uU29saWRDb2xvckJydXNoLCBOTFJFLkNvbW1vbiIsIkNvbG9yIjp7IiRpZCI6IjY2IiwiQSI6MjU1LCJSIjoyNTUsIkciOjAsIkIiOjB9fSwiTGluZVdlaWdodCI6MC4wLCJMaW5lVHlwZSI6MCwiUGFyZW50U3R5bGUiOm51bGx9LCJQYXJlbnRTdHlsZSI6bnVsbH0sIlRpdGxlU3R5bGUiOnsiJGlkIjoiNjciLCJGb250U2V0dGluZ3MiOnsiJGlkIjoiNjgiLCJGb250U2l6ZSI6MTEsIkZvbnROYW1lIjoiQ2FsaWJyaSIsIklzQm9sZCI6dHJ1ZSwiSXNJdGFsaWMiOmZhbHNlLCJJc1VuZGVybGluZWQiOmZhbHNlLCJQYXJlbnRTdHlsZSI6bnVsbH0sIkF1dG9TaXplIjowLCJGb3JlZ3JvdW5kIjp7IiRpZCI6IjY5IiwiQ29sb3IiOnsiJGlkIjoiNzAiLCJBIjoyNTUsIlIiOjAsIkciOjAsIkIiOjB9fSwiTWF4V2lkdGgiOjIwMC4wLCJNYXhIZWlnaHQiOiJJbmZpbml0eSIsIlNtYXJ0Rm9yZWdyb3VuZElzQWN0aXZlIjpmYWxzZSwiSG9yaXpvbnRhbEFsaWdubWVudCI6MCwiVmVydGljYWxBbGlnbm1lbnQiOjAsIlNtYXJ0Rm9yZWdyb3VuZCI6bnVsbCwiQmFja2dyb3VuZEZpbGxUeXBlIjowLCJNYXJnaW4iOnsiJGlkIjoiNzEiLCJUb3AiOjAsIkxlZnQiOjAsIlJpZ2h0IjowLCJCb3R0b20iOjB9LCJQYWRkaW5nIjp7IiRpZCI6IjcyIiwiVG9wIjowLCJMZWZ0IjowLCJSaWdodCI6MCwiQm90dG9tIjowfSwiQmFja2dyb3VuZCI6eyIkaWQiOiI3MyIsIkNvbG9yIjp7IiRyZWYiOiIyMCJ9fSwiSXNWaXNpYmxlIjp0cnVlLCJXaWR0aCI6MC4wLCJIZWlnaHQiOjAuMCwiQm9yZGVyU3R5bGUiOm51bGwsIlBhcmVudFN0eWxlIjpudWxsfSwiRGF0ZVN0eWxlIjp7IiRpZCI6Ijc0IiwiRm9udFNldHRpbmdzIjp7IiRpZCI6Ijc1IiwiRm9udFNpemUiOjEwLCJGb250TmFtZSI6IkNhbGlicmkiLCJJc0JvbGQiOmZhbHNlLCJJc0l0YWxpYyI6ZmFsc2UsIklzVW5kZXJsaW5lZCI6ZmFsc2UsIlBhcmVudFN0eWxlIjpudWxsfSwiQXV0b1NpemUiOjAsIkZvcmVncm91bmQiOnsiJGlkIjoiNzYiLCJDb2xvciI6eyIkaWQiOiI3NyIsIkEiOjI1NSwiUiI6NjgsIkciOjg0LCJCIjoxMDZ9fSwiTWF4V2lkdGgiOjIwMC4wLCJNYXhIZWlnaHQiOiJJbmZpbml0eSIsIlNtYXJ0Rm9yZWdyb3VuZElzQWN0aXZlIjpmYWxzZSwiSG9yaXpvbnRhbEFsaWdubWVudCI6MCwiVmVydGljYWxBbGlnbm1lbnQiOjAsIlNtYXJ0Rm9yZWdyb3VuZCI6bnVsbCwiQmFja2dyb3VuZEZpbGxUeXBlIjowLCJNYXJnaW4iOnsiJGlkIjoiNzgiLCJUb3AiOjAsIkxlZnQiOjAsIlJpZ2h0IjowLCJCb3R0b20iOjB9LCJQYWRkaW5nIjp7IiRpZCI6Ijc5IiwiVG9wIjowLCJMZWZ0IjowLCJSaWdodCI6MCwiQm90dG9tIjowfSwiQmFja2dyb3VuZCI6eyIkaWQiOiI4MCIsIkNvbG9yIjp7IiRyZWYiOiIyMCJ9fSwiSXNWaXNpYmxlIjp0cnVlLCJXaWR0aCI6MC4wLCJIZWlnaHQiOjAuMCwiQm9yZGVyU3R5bGUiOm51bGwsIlBhcmVudFN0eWxlIjpudWxsfSwiRGF0ZUZvcm1hdCI6eyIkaWQiOiI4MSIsIkZvcm1hdFN0cmluZyI6Ik0vZC95eXl5IiwiU2VwYXJhdG9yIjoiLyIsIlVzZUludGVybmF0aW9uYWxEYXRlRm9ybWF0IjpmYWxzZSwiRGF0ZUlzVmlzaWJsZSI6dHJ1ZSwiVGltZUlzVmlzaWJsZSI6ZmFsc2UsIkhvdXJEaWdpdHMiOjEsIkFtUG1EZXNpZ25hdG9yIjoyLCJUcmltMDBNaW51dGVzIjpmYWxzZSwiTGFzdEtub3duVmlzaWJpbGl0eVN0YXRlIjpudWxsfSwiSXNWaXNpYmxlIjp0cnVlLCJQYXJlbnRTdHlsZSI6bnVsbH0sIkRlZmF1bHRUYXNrU3R5bGUiOnsiJGlkIjoiODIiLCJTaGFwZSI6MCwiU2hhcGVUaGlja25lc3MiOjEsIkR1cmF0aW9uRm9ybWF0IjowLCJJbmNsdWRlTm9uV29ya2luZ0RheXNJbkR1cmF0aW9uIjpmYWxzZSwiUGVyY2VudGFnZUNvbXBsZXRlU3R5bGUiOnsiJGlkIjoiODMiLCJGb250U2V0dGluZ3MiOnsiJGlkIjoiODQiLCJGb250U2l6ZSI6MTAsIkZvbnROYW1lIjoiQ2FsaWJyaSIsIklzQm9sZCI6ZmFsc2UsIklzSXRhbGljIjpmYWxzZSwiSXNVbmRlcmxpbmVkIjpmYWxzZSwiUGFyZW50U3R5bGUiOm51bGx9LCJBdXRvU2l6ZSI6MCwiRm9yZWdyb3VuZCI6eyIkaWQiOiI4NSIsIkNvbG9yIjp7IiRpZCI6Ijg2IiwiQSI6MjU1LCJSIjoyMzcsIkciOjEyNSwiQiI6NDl9fSwiTWF4V2lkdGgiOjIwMC4wLCJNYXhIZWlnaHQiOiJJbmZpbml0eSIsIlNtYXJ0Rm9yZWdyb3VuZElzQWN0aXZlIjpmYWxzZSwiSG9yaXpvbnRhbEFsaWdubWVudCI6MCwiVmVydGljYWxBbGlnbm1lbnQiOjAsIlNtYXJ0Rm9yZWdyb3VuZCI6bnVsbCwiQmFja2dyb3VuZEZpbGxUeXBlIjowLCJNYXJnaW4iOnsiJGlkIjoiODciLCJUb3AiOjAsIkxlZnQiOjAsIlJpZ2h0IjowLCJCb3R0b20iOjB9LCJQYWRkaW5nIjp7IiRpZCI6Ijg4IiwiVG9wIjowLCJMZWZ0IjowLCJSaWdodCI6MCwiQm90dG9tIjowfSwiQmFja2dyb3VuZCI6eyIkaWQiOiI4OSIsIkNvbG9yIjp7IiRyZWYiOiIyMCJ9fSwiSXNWaXNpYmxlIjp0cnVlLCJXaWR0aCI6MC4wLCJIZWlnaHQiOjAuMCwiQm9yZGVyU3R5bGUiOm51bGwsIlBhcmVudFN0eWxlIjpudWxsfSwiRHVyYXRpb25TdHlsZSI6eyIkaWQiOiI5MCIsIkZvbnRTZXR0aW5ncyI6eyIkaWQiOiI5MSIsIkZvbnRTaXplIjoxMCwiRm9udE5hbWUiOiJDYWxpYnJpIiwiSXNCb2xkIjpmYWxzZSwiSXNJdGFsaWMiOmZhbHNlLCJJc1VuZGVybGluZWQiOmZhbHNlLCJQYXJlbnRTdHlsZSI6bnVsbH0sIkF1dG9TaXplIjowLCJGb3JlZ3JvdW5kIjp7IiRpZCI6IjkyIiwiQ29sb3IiOnsiJGlkIjoiOTMiLCJBIjoyNTUsIlIiOjIzNywiRyI6MTI1LCJCIjo0OX19LCJNYXhXaWR0aCI6MjAwLjAsIk1heEhlaWdodCI6IkluZmluaXR5IiwiU21hcnRGb3JlZ3JvdW5kSXNBY3RpdmUiOmZhbHNlLCJIb3Jpem9udGFsQWxpZ25tZW50IjowLCJWZXJ0aWNhbEFsaWdubWVudCI6MCwiU21hcnRGb3JlZ3JvdW5kIjpudWxsLCJCYWNrZ3JvdW5kRmlsbFR5cGUiOjAsIk1hcmdpbiI6eyIkaWQiOiI5NCIsIlRvcCI6MCwiTGVmdCI6MCwiUmlnaHQiOjAsIkJvdHRvbSI6MH0sIlBhZGRpbmciOnsiJGlkIjoiOTUiLCJUb3AiOjAsIkxlZnQiOjAsIlJpZ2h0IjowLCJCb3R0b20iOjB9LCJCYWNrZ3JvdW5kIjp7IiRpZCI6Ijk2IiwiQ29sb3IiOnsiJHJlZiI6IjIwIn19LCJJc1Zpc2libGUiOnRydWUsIldpZHRoIjowLjAsIkhlaWdodCI6MC4wLCJCb3JkZXJTdHlsZSI6bnVsbCwiUGFyZW50U3R5bGUiOm51bGx9LCJIb3Jpem9udGFsQ29ubmVjdG9yU3R5bGUiOnsiJGlkIjoiOTciLCJMaW5lQ29sb3IiOnsiJGlkIjoiOTgiLCIkdHlwZSI6Ik5MUkUuQ29tbW9uLkRvbS5Tb2xpZENvbG9yQnJ1c2gsIE5MUkUuQ29tbW9uIiwiQ29sb3IiOnsiJGlkIjoiOTkiLCJBIjoyNTUsIlIiOjIwNCwiRyI6MjA0LCJCIjoyMDR9fSwiTGluZVdlaWdodCI6MS4wLCJMaW5lVHlwZSI6MCwiUGFyZW50U3R5bGUiOm51bGx9LCJWZXJ0aWNhbENvbm5lY3RvclN0eWxlIjp7IiRpZCI6IjEwMCIsIkxpbmVDb2xvciI6eyIkaWQiOiIxMDEiLCIkdHlwZSI6Ik5MUkUuQ29tbW9uLkRvbS5Tb2xpZENvbG9yQnJ1c2gsIE5MUkUuQ29tbW9uIiwiQ29sb3IiOnsiJGlkIjoiMTAyIiwiQSI6MjU1LCJSIjoyMDQsIkciOjIwNCwiQiI6MjA0fX0sIkxpbmVXZWlnaHQiOjAuMCwiTGluZVR5cGUiOjAsIlBhcmVudFN0eWxlIjpudWxsfSwiTWFyZ2luIjpudWxsLCJTdGFydERhdGVQb3NpdGlvbiI6NCwiRW5kRGF0ZVBvc2l0aW9uIjo0LCJEYXRlSXNWaXNpYmxlIjp0cnVlLCJUaXRsZVBvc2l0aW9uIjo1LCJEdXJhdGlvblBvc2l0aW9uIjo2LCJQZXJjZW50YWdlQ29tcGxldGVkUG9zaXRpb24iOjYsIlNwYWNpbmciOjUsIklzQmVsb3dUaW1lYmFuZCI6dHJ1ZSwiUGVyY2VudGFnZUNvbXBsZXRlU2hhcGVPcGFjaXR5IjozNSwiU2hhcGVTdHlsZSI6eyIkaWQiOiIxMDMiLCJNYXJnaW4iOnsiJGlkIjoiMTA0IiwiVG9wIjowLCJMZWZ0Ijo0LCJSaWdodCI6NCwiQm90dG9tIjowfSwiUGFkZGluZyI6eyIkaWQiOiIxMDUiLCJUb3AiOjAsIkxlZnQiOjAsIlJpZ2h0IjowLCJCb3R0b20iOjB9LCJCYWNrZ3JvdW5kIjp7IiRpZCI6IjEwNiIsIkNvbG9yIjp7IiRpZCI6IjEwNyIsIkEiOjI1NSwiUiI6MCwiRyI6MTE0LCJCIjoxODh9fSwiSXNWaXNpYmxlIjp0cnVlLCJXaWR0aCI6MC4wLCJIZWlnaHQiOjE2LjAsIkJvcmRlclN0eWxlIjp7IiRpZCI6IjEwOCIsIkxpbmVDb2xvciI6eyIkaWQiOiIxMDkiLCIkdHlwZSI6Ik5MUkUuQ29tbW9uLkRvbS5Tb2xpZENvbG9yQnJ1c2gsIE5MUkUuQ29tbW9uIiwiQ29sb3IiOnsiJGlkIjoiMTEwIiwiQSI6MjU1LCJSIjoyNTUsIkciOjAsIkIiOjB9fSwiTGluZVdlaWdodCI6MC4wLCJMaW5lVHlwZSI6MCwiUGFyZW50U3R5bGUiOm51bGx9LCJQYXJlbnRTdHlsZSI6bnVsbH0sIlRpdGxlU3R5bGUiOnsiJGlkIjoiMTExIiwiRm9udFNldHRpbmdzIjp7IiRpZCI6IjExMiIsIkZvbnRTaXplIjoxMSwiRm9udE5hbWUiOiJDYWxpYnJpIiwiSXNCb2xkIjp0cnVlLCJJc0l0YWxpYyI6ZmFsc2UsIklzVW5kZXJsaW5lZCI6ZmFsc2UsIlBhcmVudFN0eWxlIjpudWxsfSwiQXV0b1NpemUiOjAsIkZvcmVncm91bmQiOnsiJGlkIjoiMTEzIiwiQ29sb3IiOnsiJGlkIjoiMTE0IiwiQSI6MjU1LCJSIjowLCJHIjowLCJCIjowfX0sIk1heFdpZHRoIjo5NjAuMCwiTWF4SGVpZ2h0IjoiSW5maW5pdHkiLCJTbWFydEZvcmVncm91bmRJc0FjdGl2ZSI6ZmFsc2UsIkhvcml6b250YWxBbGlnbm1lbnQiOjAsIlZlcnRpY2FsQWxpZ25tZW50IjowLCJTbWFydEZvcmVncm91bmQiOm51bGwsIkJhY2tncm91bmRGaWxsVHlwZSI6MCwiTWFyZ2luIjp7IiRpZCI6IjExNSIsIlRvcCI6MCwiTGVmdCI6MCwiUmlnaHQiOjAsIkJvdHRvbSI6MH0sIlBhZGRpbmciOnsiJGlkIjoiMTE2IiwiVG9wIjowLCJMZWZ0IjowLCJSaWdodCI6MCwiQm90dG9tIjowfSwiQmFja2dyb3VuZCI6eyIkaWQiOiIxMTciLCJDb2xvciI6eyIkcmVmIjoiMjAifX0sIklzVmlzaWJsZSI6dHJ1ZSwiV2lkdGgiOjAuMCwiSGVpZ2h0IjowLjAsIkJvcmRlclN0eWxlIjpudWxsLCJQYXJlbnRTdHlsZSI6bnVsbH0sIkRhdGVTdHlsZSI6eyIkaWQiOiIxMTgiLCJGb250U2V0dGluZ3MiOnsiJGlkIjoiMTE5IiwiRm9udFNpemUiOjEwLCJGb250TmFtZSI6IkNhbGlicmkiLCJJc0JvbGQiOmZhbHNlLCJJc0l0YWxpYyI6ZmFsc2UsIklzVW5kZXJsaW5lZCI6ZmFsc2UsIlBhcmVudFN0eWxlIjpudWxsfSwiQXV0b1NpemUiOjAsIkZvcmVncm91bmQiOnsiJGlkIjoiMTIwIiwiQ29sb3IiOnsiJGlkIjoiMTIxIiwiQSI6MjU1LCJSIjo2OCwiRyI6ODQsIkIiOjEwNn19LCJNYXhXaWR0aCI6MjAwLjAsIk1heEhlaWdodCI6IkluZmluaXR5IiwiU21hcnRGb3JlZ3JvdW5kSXNBY3RpdmUiOmZhbHNlLCJIb3Jpem9udGFsQWxpZ25tZW50IjowLCJWZXJ0aWNhbEFsaWdubWVudCI6MCwiU21hcnRGb3JlZ3JvdW5kIjpudWxsLCJCYWNrZ3JvdW5kRmlsbFR5cGUiOjAsIk1hcmdpbiI6eyIkaWQiOiIxMjIiLCJUb3AiOjAsIkxlZnQiOjAsIlJpZ2h0IjowLCJCb3R0b20iOjB9LCJQYWRkaW5nIjp7IiRpZCI6IjEyMyIsIlRvcCI6MCwiTGVmdCI6MCwiUmlnaHQiOjAsIkJvdHRvbSI6MH0sIkJhY2tncm91bmQiOnsiJGlkIjoiMTI0IiwiQ29sb3IiOnsiJHJlZiI6IjIwIn19LCJJc1Zpc2libGUiOnRydWUsIldpZHRoIjowLjAsIkhlaWdodCI6MC4wLCJCb3JkZXJTdHlsZSI6bnVsbCwiUGFyZW50U3R5bGUiOm51bGx9LCJEYXRlRm9ybWF0Ijp7IiRpZCI6IjEyNSIsIkZvcm1hdFN0cmluZyI6Ik0vZC95eXl5IiwiU2VwYXJhdG9yIjoiLyIsIlVzZUludGVybmF0aW9uYWxEYXRlRm9ybWF0IjpmYWxzZSwiRGF0ZUlzVmlzaWJsZSI6dHJ1ZSwiVGltZUlzVmlzaWJsZSI6ZmFsc2UsIkhvdXJEaWdpdHMiOjEsIkFtUG1EZXNpZ25hdG9yIjoyLCJUcmltMDBNaW51dGVzIjpmYWxzZSwiTGFzdEtub3duVmlzaWJpbGl0eVN0YXRlIjpudWxsfSwiSXNWaXNpYmxlIjp0cnVlLCJQYXJlbnRTdHlsZSI6bnVsbCwiX2V4cGxpY2l0bHlTZXQiOnsiJGlkIjoiMTI2IiwiU2hhcGVTdHlsZSI6ZmFsc2UsIlRpdGxlU3R5bGUiOmZhbHNlLCJEYXRlU3R5bGUiOmZhbHNlLCJIb3Jpem9udGFsQ29ubmVjdG9yU3R5bGUiOmZhbHNlLCJWZXJ0aWNhbENvbm5lY3RvclN0eWxlIjpmYWxzZSwiUGVyY2VudGFnZUNvbXBsZXRlU2hhcGVPcGFjaXR5IjpmYWxzZSwiU2hhcGUiOmZhbHNlLCJTaGFwZVRoaWNrbmVzcyI6ZmFsc2UsIkR1cmF0aW9uRm9ybWF0IjpmYWxzZSwiSW5jbHVkZU5vbldvcmtpbmdEYXlzSW5EdXJhdGlvbiI6ZmFsc2UsIk1hcmdpbiI6ZmFsc2UsIlN0YXJ0RGF0ZVBvc2l0aW9uIjpmYWxzZSwiRW5kRGF0ZVBvc2l0aW9uIjpmYWxzZSwiVGl0bGVQb3NpdGlvbiI6ZmFsc2UsIkR1cmF0aW9uUG9zaXRpb24iOmZhbHNlLCJQZXJjZW50YWdlQ29tcGxldGVkUG9zaXRpb24iOmZhbHNlLCJTcGFjaW5nIjpmYWxzZSwiSXNCZWxvd1RpbWViYW5kIjpmYWxzZSwiRGF0ZUZvcm1hdCI6ZmFsc2UsIklzVmlzaWJsZSI6ZmFsc2V9fSwiU2hvd0VsYXBzZWRUaW1lR3JhZGllbnRTdHlsZSI6ZmFsc2V9LCJTY2FsZSI6eyIkaWQiOiIxMjciLCJTdGFydERhdGUiOiIwMDAxLTAxLTAxVDAwOjAwOjAwIiwiRW5kRGF0ZSI6IjIwMTktMDYtMTlUMjM6NTk6MDAiLCJGb3JtYXQiOiJNTU0iLCJUeXBlIjoyLCJBdXRvRGF0ZVJhbmdlIjp0cnVlLCJXb3JraW5nRGF5cyI6MTI3LCJUb2RheU1hcmtlclRleHQiOiLsmKTripgiLCJBdXRvU2NhbGVUeXBlIjp0cnVlfSwiTWlsZXN0b25lcyI6W10sIlRhc2tzIjpbeyIkaWQiOiIxMjgiLCJHcm91cE5hbWUiOm51bGwsIlN0YXJ0RGF0ZSI6IjIwMTktMDMtMDZUMDA6MDA6MDAiLCJFbmREYXRlIjoiMjAxOS0wMy0zMVQyMzo1OTowMCIsIlBlcmNlbnRhZ2VDb21wbGV0ZSI6bnVsbCwiU3R5bGUiOnsiJGlkIjoiMTI5IiwiU2hhcGUiOjAsIlNoYXBlVGhpY2tuZXNzIjoxLCJEdXJhdGlvbkZvcm1hdCI6MCwiSW5jbHVkZU5vbldvcmtpbmdEYXlzSW5EdXJhdGlvbiI6ZmFsc2UsIlBlcmNlbnRhZ2VDb21wbGV0ZVN0eWxlIjp7IiRpZCI6IjEzMCIsIkZvbnRTZXR0aW5ncyI6eyIkaWQiOiIxMzEiLCJGb250U2l6ZSI6MTAsIkZvbnROYW1lIjoiQ2FsaWJyaSIsIklzQm9sZCI6ZmFsc2UsIklzSXRhbGljIjpmYWxzZSwiSXNVbmRlcmxpbmVkIjpmYWxzZSwiUGFyZW50U3R5bGUiOm51bGx9LCJBdXRvU2l6ZSI6MCwiRm9yZWdyb3VuZCI6eyIkaWQiOiIxMzIiLCJDb2xvciI6eyIkcmVmIjoiODYifX0sIk1heFdpZHRoIjoyMDAuMCwiTWF4SGVpZ2h0IjoiSW5maW5pdHkiLCJTbWFydEZvcmVncm91bmRJc0FjdGl2ZSI6ZmFsc2UsIkhvcml6b250YWxBbGlnbm1lbnQiOjAsIlZlcnRpY2FsQWxpZ25tZW50IjowLCJTbWFydEZvcmVncm91bmQiOm51bGwsIkJhY2tncm91bmRGaWxsVHlwZSI6MCwiTWFyZ2luIjp7IiRpZCI6IjEzMyIsIlRvcCI6MCwiTGVmdCI6MCwiUmlnaHQiOjAsIkJvdHRvbSI6MH0sIlBhZGRpbmciOnsiJGlkIjoiMTM0IiwiVG9wIjowLCJMZWZ0IjowLCJSaWdodCI6MCwiQm90dG9tIjowfSwiQmFja2dyb3VuZCI6eyIkcmVmIjoiODkifSwiSXNWaXNpYmxlIjp0cnVlLCJXaWR0aCI6MC4wLCJIZWlnaHQiOjAuMCwiQm9yZGVyU3R5bGUiOnsiJGlkIjoiMTM1IiwiTGluZUNvbG9yIjpudWxsLCJMaW5lV2VpZ2h0IjowLjAsIkxpbmVUeXBlIjowLCJQYXJlbnRTdHlsZSI6bnVsbH0sIlBhcmVudFN0eWxlIjpudWxsfSwiRHVyYXRpb25TdHlsZSI6eyIkaWQiOiIxMzYiLCJGb250U2V0dGluZ3MiOnsiJGlkIjoiMTM3IiwiRm9udFNpemUiOjEwLCJGb250TmFtZSI6IkNhbGlicmkiLCJJc0JvbGQiOmZhbHNlLCJJc0l0YWxpYyI6ZmFsc2UsIklzVW5kZXJsaW5lZCI6ZmFsc2UsIlBhcmVudFN0eWxlIjpudWxsfSwiQXV0b1NpemUiOjAsIkZvcmVncm91bmQiOnsiJGlkIjoiMTM4IiwiQ29sb3IiOnsiJHJlZiI6IjkzIn19LCJNYXhXaWR0aCI6MjAwLjAsIk1heEhlaWdodCI6IkluZmluaXR5IiwiU21hcnRGb3JlZ3JvdW5kSXNBY3RpdmUiOmZhbHNlLCJIb3Jpem9udGFsQWxpZ25tZW50IjowLCJWZXJ0aWNhbEFsaWdubWVudCI6MCwiU21hcnRGb3JlZ3JvdW5kIjpudWxsLCJCYWNrZ3JvdW5kRmlsbFR5cGUiOjAsIk1hcmdpbiI6eyIkaWQiOiIxMzkiLCJUb3AiOjAsIkxlZnQiOjAsIlJpZ2h0IjowLCJCb3R0b20iOjB9LCJQYWRkaW5nIjp7IiRpZCI6IjE0MCIsIlRvcCI6MCwiTGVmdCI6MCwiUmlnaHQiOjAsIkJvdHRvbSI6MH0sIkJhY2tncm91bmQiOnsiJHJlZiI6Ijk2In0sIklzVmlzaWJsZSI6dHJ1ZSwiV2lkdGgiOjAuMCwiSGVpZ2h0IjowLjAsIkJvcmRlclN0eWxlIjp7IiRpZCI6IjE0MSIsIkxpbmVDb2xvciI6bnVsbCwiTGluZVdlaWdodCI6MC4wLCJMaW5lVHlwZSI6MCwiUGFyZW50U3R5bGUiOm51bGx9LCJQYXJlbnRTdHlsZSI6bnVsbH0sIkhvcml6b250YWxDb25uZWN0b3JTdHlsZSI6eyIkaWQiOiIxNDIiLCJMaW5lQ29sb3IiOnsiJHJlZiI6Ijk4In0sIkxpbmVXZWlnaHQiOjAuMCwiTGluZVR5cGUiOjAsIlBhcmVudFN0eWxlIjpudWxsfSwiVmVydGljYWxDb25uZWN0b3JTdHlsZSI6eyIkaWQiOiIxNDMiLCJMaW5lQ29sb3IiOnsiJHJlZiI6IjEwMSJ9LCJMaW5lV2VpZ2h0IjowLjAsIkxpbmVUeXBlIjowLCJQYXJlbnRTdHlsZSI6bnVsbH0sIk1hcmdpbiI6bnVsbCwiU3RhcnREYXRlUG9zaXRpb24iOjQsIkVuZERhdGVQb3NpdGlvbiI6NCwiRGF0ZUlzVmlzaWJsZSI6dHJ1ZSwiVGl0bGVQb3NpdGlvbiI6NSwiRHVyYXRpb25Qb3NpdGlvbiI6NiwiUGVyY2VudGFnZUNvbXBsZXRlZFBvc2l0aW9uIjo2LCJTcGFjaW5nIjo1LCJJc0JlbG93VGltZWJhbmQiOnRydWUsIlBlcmNlbnRhZ2VDb21wbGV0ZVNoYXBlT3BhY2l0eSI6MzUsIlNoYXBlU3R5bGUiOnsiJGlkIjoiMTQ0IiwiTWFyZ2luIjp7IiRpZCI6IjE0NSIsIlRvcCI6MCwiTGVmdCI6NCwiUmlnaHQiOjQsIkJvdHRvbSI6MH0sIlBhZGRpbmciOnsiJGlkIjoiMTQ2IiwiVG9wIjowLCJMZWZ0IjowLCJSaWdodCI6MCwiQm90dG9tIjowfSwiQmFja2dyb3VuZCI6eyIkaWQiOiIxNDciLCJDb2xvciI6eyIkaWQiOiIxNDgiLCJBIjoyNTUsIlIiOjkxLCJHIjoxNTUsIkIiOjIxM319LCJJc1Zpc2libGUiOnRydWUsIldpZHRoIjowLjAsIkhlaWdodCI6MTYuMCwiQm9yZGVyU3R5bGUiOnsiJGlkIjoiMTQ5IiwiTGluZUNvbG9yIjp7IiRyZWYiOiIxMDkifSwiTGluZVdlaWdodCI6MC4wLCJMaW5lVHlwZSI6MCwiUGFyZW50U3R5bGUiOm51bGx9LCJQYXJlbnRTdHlsZSI6bnVsbH0sIlRpdGxlU3R5bGUiOnsiJGlkIjoiMTUwIiwiRm9udFNldHRpbmdzIjp7IiRpZCI6IjE1MSIsIkZvbnRTaXplIjoxMSwiRm9udE5hbWUiOiJDYWxpYnJpIiwiSXNCb2xkIjp0cnVlLCJJc0l0YWxpYyI6ZmFsc2UsIklzVW5kZXJsaW5lZCI6ZmFsc2UsIlBhcmVudFN0eWxlIjpudWxsfSwiQXV0b1NpemUiOjAsIkZvcmVncm91bmQiOnsiJGlkIjoiMTUyIiwiQ29sb3IiOnsiJHJlZiI6IjExNCJ9fSwiTWF4V2lkdGgiOjk2MC4wLCJNYXhIZWlnaHQiOiJJbmZpbml0eSIsIlNtYXJ0Rm9yZWdyb3VuZElzQWN0aXZlIjpmYWxzZSwiSG9yaXpvbnRhbEFsaWdubWVudCI6MCwiVmVydGljYWxBbGlnbm1lbnQiOjAsIlNtYXJ0Rm9yZWdyb3VuZCI6bnVsbCwiQmFja2dyb3VuZEZpbGxUeXBlIjowLCJNYXJnaW4iOnsiJGlkIjoiMTUzIiwiVG9wIjowLCJMZWZ0IjowLCJSaWdodCI6MCwiQm90dG9tIjowfSwiUGFkZGluZyI6eyIkaWQiOiIxNTQiLCJUb3AiOjAsIkxlZnQiOjAsIlJpZ2h0IjowLCJCb3R0b20iOjB9LCJCYWNrZ3JvdW5kIjp7IiRyZWYiOiIxMTcifSwiSXNWaXNpYmxlIjp0cnVlLCJXaWR0aCI6MC4wLCJIZWlnaHQiOjAuMCwiQm9yZGVyU3R5bGUiOnsiJGlkIjoiMTU1IiwiTGluZUNvbG9yIjpudWxsLCJMaW5lV2VpZ2h0IjowLjAsIkxpbmVUeXBlIjowLCJQYXJlbnRTdHlsZSI6bnVsbH0sIlBhcmVudFN0eWxlIjpudWxsfSwiRGF0ZVN0eWxlIjp7IiRpZCI6IjE1NiIsIkZvbnRTZXR0aW5ncyI6eyIkaWQiOiIxNTciLCJGb250U2l6ZSI6MTAsIkZvbnROYW1lIjoiQ2FsaWJyaSIsIklzQm9sZCI6ZmFsc2UsIklzSXRhbGljIjpmYWxzZSwiSXNVbmRlcmxpbmVkIjpmYWxzZSwiUGFyZW50U3R5bGUiOm51bGx9LCJBdXRvU2l6ZSI6MCwiRm9yZWdyb3VuZCI6eyIkaWQiOiIxNTgiLCJDb2xvciI6eyIkcmVmIjoiMTIxIn19LCJNYXhXaWR0aCI6MjAwLjAsIk1heEhlaWdodCI6IkluZmluaXR5IiwiU21hcnRGb3JlZ3JvdW5kSXNBY3RpdmUiOmZhbHNlLCJIb3Jpem9udGFsQWxpZ25tZW50IjowLCJWZXJ0aWNhbEFsaWdubWVudCI6MCwiU21hcnRGb3JlZ3JvdW5kIjpudWxsLCJCYWNrZ3JvdW5kRmlsbFR5cGUiOjAsIk1hcmdpbiI6eyIkaWQiOiIxNTkiLCJUb3AiOjAsIkxlZnQiOjAsIlJpZ2h0IjowLCJCb3R0b20iOjB9LCJQYWRkaW5nIjp7IiRpZCI6IjE2MCIsIlRvcCI6MCwiTGVmdCI6MCwiUmlnaHQiOjAsIkJvdHRvbSI6MH0sIkJhY2tncm91bmQiOnsiJHJlZiI6IjEyNCJ9LCJJc1Zpc2libGUiOnRydWUsIldpZHRoIjowLjAsIkhlaWdodCI6MC4wLCJCb3JkZXJTdHlsZSI6eyIkaWQiOiIxNjEiLCJMaW5lQ29sb3IiOm51bGwsIkxpbmVXZWlnaHQiOjAuMCwiTGluZVR5cGUiOjAsIlBhcmVudFN0eWxlIjpudWxsfSwiUGFyZW50U3R5bGUiOm51bGx9LCJEYXRlRm9ybWF0Ijp7IiRpZCI6IjE2MiIsIkZvcm1hdFN0cmluZyI6Ik0vZC95eXl5IiwiU2VwYXJhdG9yIjoiLyIsIlVzZUludGVybmF0aW9uYWxEYXRlRm9ybWF0IjpmYWxzZSwiRGF0ZUlzVmlzaWJsZSI6dHJ1ZSwiVGltZUlzVmlzaWJsZSI6ZmFsc2UsIkhvdXJEaWdpdHMiOjEsIkFtUG1EZXNpZ25hdG9yIjoyLCJUcmltMDBNaW51dGVzIjpmYWxzZSwiTGFzdEtub3duVmlzaWJpbGl0eVN0YXRlIjpudWxsfSwiSXNWaXNpYmxlIjp0cnVlLCJQYXJlbnRTdHlsZSI6bnVsbH0sIkluZGV4IjoxLCJTbWFydER1cmF0aW9uQWN0aXZhdGVkIjpmYWxzZSwiRGF0ZUZvcm1hdCI6eyIkcmVmIjoiMTYyIn0sIklkIjoiMjJhNGYwZDctNjgwNi00NDY3LTg5ZTgtZDBkYzYzODk4ZTlhIiwiSW1wb3J0SWQiOm51bGwsIlRpdGxlIjoi7ZSE66Gc7KCd7Yq4IOqzhO2ajS/shKTqs4QiLCJOb3RlIjpudWxsLCJIeXBlcmxpbmsiOm51bGwsIklzQ2hhbmdlZCI6ZmFsc2UsIklzTmV3IjpmYWxzZX0seyIkaWQiOiIxNjMiLCJHcm91cE5hbWUiOm51bGwsIlN0YXJ0RGF0ZSI6IjIwMTktMDQtMDFUMDA6MDA6MDBaIiwiRW5kRGF0ZSI6IjIwMTktMDQtMzBUMjM6NTk6MDBaIiwiUGVyY2VudGFnZUNvbXBsZXRlIjpudWxsLCJTdHlsZSI6eyIkaWQiOiIxNjQiLCJTaGFwZSI6MCwiU2hhcGVUaGlja25lc3MiOjEsIkR1cmF0aW9uRm9ybWF0IjowLCJJbmNsdWRlTm9uV29ya2luZ0RheXNJbkR1cmF0aW9uIjpmYWxzZSwiUGVyY2VudGFnZUNvbXBsZXRlU3R5bGUiOnsiJGlkIjoiMTY1IiwiRm9udFNldHRpbmdzIjp7IiRpZCI6IjE2NiIsIkZvbnRTaXplIjoxMCwiRm9udE5hbWUiOiJDYWxpYnJpIiwiSXNCb2xkIjpmYWxzZSwiSXNJdGFsaWMiOmZhbHNlLCJJc1VuZGVybGluZWQiOmZhbHNlLCJQYXJlbnRTdHlsZSI6bnVsbH0sIkF1dG9TaXplIjowLCJGb3JlZ3JvdW5kIjp7IiRyZWYiOiI4NSJ9LCJNYXhXaWR0aCI6MjAwLjAsIk1heEhlaWdodCI6IkluZmluaXR5IiwiU21hcnRGb3JlZ3JvdW5kSXNBY3RpdmUiOmZhbHNlLCJIb3Jpem9udGFsQWxpZ25tZW50IjowLCJWZXJ0aWNhbEFsaWdubWVudCI6MCwiU21hcnRGb3JlZ3JvdW5kIjpudWxsLCJCYWNrZ3JvdW5kRmlsbFR5cGUiOjAsIk1hcmdpbiI6eyIkcmVmIjoiODcifSwiUGFkZGluZyI6eyIkcmVmIjoiODgifSwiQmFja2dyb3VuZCI6eyIkcmVmIjoiODkifSwiSXNWaXNpYmxlIjp0cnVlLCJXaWR0aCI6MC4wLCJIZWlnaHQiOjAuMCwiQm9yZGVyU3R5bGUiOnsiJGlkIjoiMTY3IiwiTGluZUNvbG9yIjpudWxsLCJMaW5lV2VpZ2h0IjowLjAsIkxpbmVUeXBlIjowLCJQYXJlbnRTdHlsZSI6bnVsbH0sIlBhcmVudFN0eWxlIjpudWxsfSwiRHVyYXRpb25TdHlsZSI6eyIkaWQiOiIxNjgiLCJGb250U2V0dGluZ3MiOnsiJGlkIjoiMTY5IiwiRm9udFNpemUiOjEwLCJGb250TmFtZSI6IkNhbGlicmkiLCJJc0JvbGQiOmZhbHNlLCJJc0l0YWxpYyI6ZmFsc2UsIklzVW5kZXJsaW5lZCI6ZmFsc2UsIlBhcmVudFN0eWxlIjpudWxsfSwiQXV0b1NpemUiOjAsIkZvcmVncm91bmQiOnsiJHJlZiI6IjkyIn0sIk1heFdpZHRoIjoyMDAuMCwiTWF4SGVpZ2h0IjoiSW5maW5pdHkiLCJTbWFydEZvcmVncm91bmRJc0FjdGl2ZSI6ZmFsc2UsIkhvcml6b250YWxBbGlnbm1lbnQiOjAsIlZlcnRpY2FsQWxpZ25tZW50IjowLCJTbWFydEZvcmVncm91bmQiOm51bGwsIkJhY2tncm91bmRGaWxsVHlwZSI6MCwiTWFyZ2luIjp7IiRyZWYiOiI5NCJ9LCJQYWRkaW5nIjp7IiRyZWYiOiI5NSJ9LCJCYWNrZ3JvdW5kIjp7IiRyZWYiOiI5NiJ9LCJJc1Zpc2libGUiOnRydWUsIldpZHRoIjowLjAsIkhlaWdodCI6MC4wLCJCb3JkZXJTdHlsZSI6eyIkaWQiOiIxNzAiLCJMaW5lQ29sb3IiOm51bGwsIkxpbmVXZWlnaHQiOjAuMCwiTGluZVR5cGUiOjAsIlBhcmVudFN0eWxlIjpudWxsfSwiUGFyZW50U3R5bGUiOm51bGx9LCJIb3Jpem9udGFsQ29ubmVjdG9yU3R5bGUiOnsiJGlkIjoiMTcxIiwiTGluZUNvbG9yIjp7IiRyZWYiOiI5OCJ9LCJMaW5lV2VpZ2h0IjoxLjAsIkxpbmVUeXBlIjowLCJQYXJlbnRTdHlsZSI6bnVsbH0sIlZlcnRpY2FsQ29ubmVjdG9yU3R5bGUiOnsiJGlkIjoiMTcyIiwiTGluZUNvbG9yIjp7IiRyZWYiOiIxMDEifSwiTGluZVdlaWdodCI6MC4wLCJMaW5lVHlwZSI6MCwiUGFyZW50U3R5bGUiOm51bGx9LCJNYXJnaW4iOm51bGwsIlN0YXJ0RGF0ZVBvc2l0aW9uIjo0LCJFbmREYXRlUG9zaXRpb24iOjQsIkRhdGVJc1Zpc2libGUiOnRydWUsIlRpdGxlUG9zaXRpb24iOjUsIkR1cmF0aW9uUG9zaXRpb24iOjYsIlBlcmNlbnRhZ2VDb21wbGV0ZWRQb3NpdGlvbiI6NiwiU3BhY2luZyI6NSwiSXNCZWxvd1RpbWViYW5kIjp0cnVlLCJQZXJjZW50YWdlQ29tcGxldGVTaGFwZU9wYWNpdHkiOjM1LCJTaGFwZVN0eWxlIjp7IiRpZCI6IjE3MyIsIk1hcmdpbiI6eyIkcmVmIjoiMTA0In0sIlBhZGRpbmciOnsiJHJlZiI6IjEwNSJ9LCJCYWNrZ3JvdW5kIjp7IiRpZCI6IjE3NCIsIkNvbG9yIjp7IiRpZCI6IjE3NSIsIkEiOjI1NSwiUiI6OTEsIkciOjE1NSwiQiI6MjEzfX0sIklzVmlzaWJsZSI6dHJ1ZSwiV2lkdGgiOjAuMCwiSGVpZ2h0IjoxNi4wLCJCb3JkZXJTdHlsZSI6eyIkaWQiOiIxNzYiLCJMaW5lQ29sb3IiOnsiJHJlZiI6IjEwOSJ9LCJMaW5lV2VpZ2h0IjowLjAsIkxpbmVUeXBlIjowLCJQYXJlbnRTdHlsZSI6bnVsbH0sIlBhcmVudFN0eWxlIjpudWxsfSwiVGl0bGVTdHlsZSI6eyIkaWQiOiIxNzciLCJGb250U2V0dGluZ3MiOnsiJGlkIjoiMTc4IiwiRm9udFNpemUiOjExLCJGb250TmFtZSI6IkNhbGlicmkiLCJJc0JvbGQiOnRydWUsIklzSXRhbGljIjpmYWxzZSwiSXNVbmRlcmxpbmVkIjpmYWxzZSwiUGFyZW50U3R5bGUiOm51bGx9LCJBdXRvU2l6ZSI6MCwiRm9yZWdyb3VuZCI6eyIkcmVmIjoiMTEzIn0sIk1heFdpZHRoIjo3MjAuMCwiTWF4SGVpZ2h0IjoiSW5maW5pdHkiLCJTbWFydEZvcmVncm91bmRJc0FjdGl2ZSI6ZmFsc2UsIkhvcml6b250YWxBbGlnbm1lbnQiOjAsIlZlcnRpY2FsQWxpZ25tZW50IjowLCJTbWFydEZvcmVncm91bmQiOm51bGwsIkJhY2tncm91bmRGaWxsVHlwZSI6MCwiTWFyZ2luIjp7IiRyZWYiOiIxMTUifSwiUGFkZGluZyI6eyIkcmVmIjoiMTE2In0sIkJhY2tncm91bmQiOnsiJHJlZiI6IjExNyJ9LCJJc1Zpc2libGUiOnRydWUsIldpZHRoIjowLjAsIkhlaWdodCI6MC4wLCJCb3JkZXJTdHlsZSI6eyIkaWQiOiIxNzkiLCJMaW5lQ29sb3IiOm51bGwsIkxpbmVXZWlnaHQiOjAuMCwiTGluZVR5cGUiOjAsIlBhcmVudFN0eWxlIjpudWxsfSwiUGFyZW50U3R5bGUiOm51bGx9LCJEYXRlU3R5bGUiOnsiJGlkIjoiMTgwIiwiRm9udFNldHRpbmdzIjp7IiRpZCI6IjE4MSIsIkZvbnRTaXplIjoxMCwiRm9udE5hbWUiOiJDYWxpYnJpIiwiSXNCb2xkIjpmYWxzZSwiSXNJdGFsaWMiOmZhbHNlLCJJc1VuZGVybGluZWQiOmZhbHNlLCJQYXJlbnRTdHlsZSI6bnVsbH0sIkF1dG9TaXplIjowLCJGb3JlZ3JvdW5kIjp7IiRyZWYiOiIxMjAifSwiTWF4V2lkdGgiOjIwMC4wLCJNYXhIZWlnaHQiOiJJbmZpbml0eSIsIlNtYXJ0Rm9yZWdyb3VuZElzQWN0aXZlIjpmYWxzZSwiSG9yaXpvbnRhbEFsaWdubWVudCI6MCwiVmVydGljYWxBbGlnbm1lbnQiOjAsIlNtYXJ0Rm9yZWdyb3VuZCI6bnVsbCwiQmFja2dyb3VuZEZpbGxUeXBlIjowLCJNYXJnaW4iOnsiJHJlZiI6IjEyMiJ9LCJQYWRkaW5nIjp7IiRyZWYiOiIxMjMifSwiQmFja2dyb3VuZCI6eyIkcmVmIjoiMTI0In0sIklzVmlzaWJsZSI6dHJ1ZSwiV2lkdGgiOjAuMCwiSGVpZ2h0IjowLjAsIkJvcmRlclN0eWxlIjp7IiRpZCI6IjE4MiIsIkxpbmVDb2xvciI6bnVsbCwiTGluZVdlaWdodCI6MC4wLCJMaW5lVHlwZSI6MCwiUGFyZW50U3R5bGUiOm51bGx9LCJQYXJlbnRTdHlsZSI6bnVsbH0sIkRhdGVGb3JtYXQiOnsiJHJlZiI6IjEyNSJ9LCJJc1Zpc2libGUiOnRydWUsIlBhcmVudFN0eWxlIjpudWxsfSwiSW5kZXgiOjIsIlNtYXJ0RHVyYXRpb25BY3RpdmF0ZWQiOmZhbHNlLCJEYXRlRm9ybWF0Ijp7IiRyZWYiOiIxMjUifSwiSWQiOiJkNWNkNmQyZi05ODAyLTRmNDktYWRjZi0xMGE3YzQyZmJlZmYiLCJJbXBvcnRJZCI6bnVsbCwiVGl0bGUiOiLspJHqsIQg67O06rOg7IScIOyekeyEsSDrsI8g7ZS865Oc67CxIiwiTm90ZSI6bnVsbCwiSHlwZXJsaW5rIjpudWxsLCJJc0NoYW5nZWQiOmZhbHNlLCJJc05ldyI6ZmFsc2V9LHsiJGlkIjoiMTgzIiwiR3JvdXBOYW1lIjpudWxsLCJTdGFydERhdGUiOiIyMDE5LTA0LTAxVDAwOjAwOjAwIiwiRW5kRGF0ZSI6IjIwMTktMDQtMTBUMjM6NTk6MDBaIiwiUGVyY2VudGFnZUNvbXBsZXRlIjpudWxsLCJTdHlsZSI6eyIkaWQiOiIxODQiLCJTaGFwZSI6MCwiU2hhcGVUaGlja25lc3MiOjEsIkR1cmF0aW9uRm9ybWF0IjowLCJJbmNsdWRlTm9uV29ya2luZ0RheXNJbkR1cmF0aW9uIjpmYWxzZSwiUGVyY2VudGFnZUNvbXBsZXRlU3R5bGUiOnsiJGlkIjoiMTg1IiwiRm9udFNldHRpbmdzIjp7IiRpZCI6IjE4NiIsIkZvbnRTaXplIjoxMCwiRm9udE5hbWUiOiJDYWxpYnJpIiwiSXNCb2xkIjpmYWxzZSwiSXNJdGFsaWMiOmZhbHNlLCJJc1VuZGVybGluZWQiOmZhbHNlLCJQYXJlbnRTdHlsZSI6bnVsbH0sIkF1dG9TaXplIjowLCJGb3JlZ3JvdW5kIjp7IiRpZCI6IjE4NyIsIkNvbG9yIjp7IiRyZWYiOiI4NiJ9fSwiTWF4V2lkdGgiOjIwMC4wLCJNYXhIZWlnaHQiOiJJbmZpbml0eSIsIlNtYXJ0Rm9yZWdyb3VuZElzQWN0aXZlIjpmYWxzZSwiSG9yaXpvbnRhbEFsaWdubWVudCI6MCwiVmVydGljYWxBbGlnbm1lbnQiOjAsIlNtYXJ0Rm9yZWdyb3VuZCI6bnVsbCwiQmFja2dyb3VuZEZpbGxUeXBlIjowLCJNYXJnaW4iOnsiJGlkIjoiMTg4IiwiVG9wIjowLCJMZWZ0IjowLCJSaWdodCI6MCwiQm90dG9tIjowfSwiUGFkZGluZyI6eyIkaWQiOiIxODkiLCJUb3AiOjAsIkxlZnQiOjAsIlJpZ2h0IjowLCJCb3R0b20iOjB9LCJCYWNrZ3JvdW5kIjp7IiRyZWYiOiI4OSJ9LCJJc1Zpc2libGUiOnRydWUsIldpZHRoIjowLjAsIkhlaWdodCI6MC4wLCJCb3JkZXJTdHlsZSI6eyIkaWQiOiIxOTAiLCJMaW5lQ29sb3IiOm51bGwsIkxpbmVXZWlnaHQiOjAuMCwiTGluZVR5cGUiOjAsIlBhcmVudFN0eWxlIjpudWxsfSwiUGFyZW50U3R5bGUiOm51bGx9LCJEdXJhdGlvblN0eWxlIjp7IiRpZCI6IjE5MSIsIkZvbnRTZXR0aW5ncyI6eyIkaWQiOiIxOTIiLCJGb250U2l6ZSI6MTAsIkZvbnROYW1lIjoiQ2FsaWJyaSIsIklzQm9sZCI6ZmFsc2UsIklzSXRhbGljIjpmYWxzZSwiSXNVbmRlcmxpbmVkIjpmYWxzZSwiUGFyZW50U3R5bGUiOm51bGx9LCJBdXRvU2l6ZSI6MCwiRm9yZWdyb3VuZCI6eyIkaWQiOiIxOTMiLCJDb2xvciI6eyIkcmVmIjoiOTMifX0sIk1heFdpZHRoIjoyMDAuMCwiTWF4SGVpZ2h0IjoiSW5maW5pdHkiLCJTbWFydEZvcmVncm91bmRJc0FjdGl2ZSI6ZmFsc2UsIkhvcml6b250YWxBbGlnbm1lbnQiOjAsIlZlcnRpY2FsQWxpZ25tZW50IjowLCJTbWFydEZvcmVncm91bmQiOm51bGwsIkJhY2tncm91bmRGaWxsVHlwZSI6MCwiTWFyZ2luIjp7IiRpZCI6IjE5NCIsIlRvcCI6MCwiTGVmdCI6MCwiUmlnaHQiOjAsIkJvdHRvbSI6MH0sIlBhZGRpbmciOnsiJGlkIjoiMTk1IiwiVG9wIjowLCJMZWZ0IjowLCJSaWdodCI6MCwiQm90dG9tIjowfSwiQmFja2dyb3VuZCI6eyIkcmVmIjoiOTYifSwiSXNWaXNpYmxlIjp0cnVlLCJXaWR0aCI6MC4wLCJIZWlnaHQiOjAuMCwiQm9yZGVyU3R5bGUiOnsiJGlkIjoiMTk2IiwiTGluZUNvbG9yIjpudWxsLCJMaW5lV2VpZ2h0IjowLjAsIkxpbmVUeXBlIjowLCJQYXJlbnRTdHlsZSI6bnVsbH0sIlBhcmVudFN0eWxlIjpudWxsfSwiSG9yaXpvbnRhbENvbm5lY3RvclN0eWxlIjp7IiRpZCI6IjE5NyIsIkxpbmVDb2xvciI6eyIkcmVmIjoiOTgifSwiTGluZVdlaWdodCI6MS4wLCJMaW5lVHlwZSI6MCwiUGFyZW50U3R5bGUiOm51bGx9LCJWZXJ0aWNhbENvbm5lY3RvclN0eWxlIjp7IiRpZCI6IjE5OCIsIkxpbmVDb2xvciI6eyIkcmVmIjoiMTAxIn0sIkxpbmVXZWlnaHQiOjAuMCwiTGluZVR5cGUiOjAsIlBhcmVudFN0eWxlIjpudWxsfSwiTWFyZ2luIjpudWxsLCJTdGFydERhdGVQb3NpdGlvbiI6NCwiRW5kRGF0ZVBvc2l0aW9uIjo0LCJEYXRlSXNWaXNpYmxlIjp0cnVlLCJUaXRsZVBvc2l0aW9uIjo1LCJEdXJhdGlvblBvc2l0aW9uIjo2LCJQZXJjZW50YWdlQ29tcGxldGVkUG9zaXRpb24iOjYsIlNwYWNpbmciOjUsIklzQmVsb3dUaW1lYmFuZCI6dHJ1ZSwiUGVyY2VudGFnZUNvbXBsZXRlU2hhcGVPcGFjaXR5IjozNSwiU2hhcGVTdHlsZSI6eyIkaWQiOiIxOTkiLCJNYXJnaW4iOnsiJGlkIjoiMjAwIiwiVG9wIjowLCJMZWZ0Ijo0LCJSaWdodCI6NCwiQm90dG9tIjowfSwiUGFkZGluZyI6eyIkaWQiOiIyMDEiLCJUb3AiOjAsIkxlZnQiOjAsIlJpZ2h0IjowLCJCb3R0b20iOjB9LCJCYWNrZ3JvdW5kIjp7IiRpZCI6IjIwMiIsIkNvbG9yIjp7IiRpZCI6IjIwMyIsIkEiOjI1NSwiUiI6OTEsIkciOjE1NSwiQiI6MjEzfX0sIklzVmlzaWJsZSI6dHJ1ZSwiV2lkdGgiOjAuMCwiSGVpZ2h0IjoxNi4wLCJCb3JkZXJTdHlsZSI6eyIkaWQiOiIyMDQiLCJMaW5lQ29sb3IiOnsiJHJlZiI6IjEwOSJ9LCJMaW5lV2VpZ2h0IjowLjAsIkxpbmVUeXBlIjowLCJQYXJlbnRTdHlsZSI6bnVsbH0sIlBhcmVudFN0eWxlIjpudWxsfSwiVGl0bGVTdHlsZSI6eyIkaWQiOiIyMDUiLCJGb250U2V0dGluZ3MiOnsiJGlkIjoiMjA2IiwiRm9udFNpemUiOjExLCJGb250TmFtZSI6IkNhbGlicmkiLCJJc0JvbGQiOnRydWUsIklzSXRhbGljIjpmYWxzZSwiSXNVbmRlcmxpbmVkIjpmYWxzZSwiUGFyZW50U3R5bGUiOm51bGx9LCJBdXRvU2l6ZSI6MCwiRm9yZWdyb3VuZCI6eyIkaWQiOiIyMDciLCJDb2xvciI6eyIkcmVmIjoiMTE0In19LCJNYXhXaWR0aCI6OTYwLjAsIk1heEhlaWdodCI6IkluZmluaXR5IiwiU21hcnRGb3JlZ3JvdW5kSXNBY3RpdmUiOmZhbHNlLCJIb3Jpem9udGFsQWxpZ25tZW50IjowLCJWZXJ0aWNhbEFsaWdubWVudCI6MCwiU21hcnRGb3JlZ3JvdW5kIjpudWxsLCJCYWNrZ3JvdW5kRmlsbFR5cGUiOjAsIk1hcmdpbiI6eyIkaWQiOiIyMDgiLCJUb3AiOjAsIkxlZnQiOjAsIlJpZ2h0IjowLCJCb3R0b20iOjB9LCJQYWRkaW5nIjp7IiRpZCI6IjIwOSIsIlRvcCI6MCwiTGVmdCI6MCwiUmlnaHQiOjAsIkJvdHRvbSI6MH0sIkJhY2tncm91bmQiOnsiJHJlZiI6IjExNyJ9LCJJc1Zpc2libGUiOnRydWUsIldpZHRoIjowLjAsIkhlaWdodCI6MC4wLCJCb3JkZXJTdHlsZSI6eyIkaWQiOiIyMTAiLCJMaW5lQ29sb3IiOm51bGwsIkxpbmVXZWlnaHQiOjAuMCwiTGluZVR5cGUiOjAsIlBhcmVudFN0eWxlIjpudWxsfSwiUGFyZW50U3R5bGUiOm51bGx9LCJEYXRlU3R5bGUiOnsiJGlkIjoiMjExIiwiRm9udFNldHRpbmdzIjp7IiRpZCI6IjIxMiIsIkZvbnRTaXplIjoxMCwiRm9udE5hbWUiOiJDYWxpYnJpIiwiSXNCb2xkIjpmYWxzZSwiSXNJdGFsaWMiOmZhbHNlLCJJc1VuZGVybGluZWQiOmZhbHNlLCJQYXJlbnRTdHlsZSI6bnVsbH0sIkF1dG9TaXplIjowLCJGb3JlZ3JvdW5kIjp7IiRpZCI6IjIxMyIsIkNvbG9yIjp7IiRyZWYiOiIxMjEifX0sIk1heFdpZHRoIjoyMDAuMCwiTWF4SGVpZ2h0IjoiSW5maW5pdHkiLCJTbWFydEZvcmVncm91bmRJc0FjdGl2ZSI6ZmFsc2UsIkhvcml6b250YWxBbGlnbm1lbnQiOjAsIlZlcnRpY2FsQWxpZ25tZW50IjowLCJTbWFydEZvcmVncm91bmQiOm51bGwsIkJhY2tncm91bmRGaWxsVHlwZSI6MCwiTWFyZ2luIjp7IiRpZCI6IjIxNCIsIlRvcCI6MCwiTGVmdCI6MCwiUmlnaHQiOjAsIkJvdHRvbSI6MH0sIlBhZGRpbmciOnsiJGlkIjoiMjE1IiwiVG9wIjowLCJMZWZ0IjowLCJSaWdodCI6MCwiQm90dG9tIjowfSwiQmFja2dyb3VuZCI6eyIkcmVmIjoiMTI0In0sIklzVmlzaWJsZSI6dHJ1ZSwiV2lkdGgiOjAuMCwiSGVpZ2h0IjowLjAsIkJvcmRlclN0eWxlIjp7IiRpZCI6IjIxNiIsIkxpbmVDb2xvciI6bnVsbCwiTGluZVdlaWdodCI6MC4wLCJMaW5lVHlwZSI6MCwiUGFyZW50U3R5bGUiOm51bGx9LCJQYXJlbnRTdHlsZSI6bnVsbH0sIkRhdGVGb3JtYXQiOnsiJGlkIjoiMjE3IiwiRm9ybWF0U3RyaW5nIjoiTS9kL3l5eXkiLCJTZXBhcmF0b3IiOiIvIiwiVXNlSW50ZXJuYXRpb25hbERhdGVGb3JtYXQiOmZhbHNlLCJEYXRlSXNWaXNpYmxlIjp0cnVlLCJUaW1lSXNWaXNpYmxlIjpmYWxzZSwiSG91ckRpZ2l0cyI6MSwiQW1QbURlc2lnbmF0b3IiOjIsIlRyaW0wME1pbnV0ZXMiOmZhbHNlLCJMYXN0S25vd25WaXNpYmlsaXR5U3RhdGUiOm51bGx9LCJJc1Zpc2libGUiOnRydWUsIlBhcmVudFN0eWxlIjpudWxsfSwiSW5kZXgiOjMsIlNtYXJ0RHVyYXRpb25BY3RpdmF0ZWQiOmZhbHNlLCJEYXRlRm9ybWF0Ijp7IiRyZWYiOiIyMTcifSwiSWQiOiJkNDQ3ZWE0NS04ZDk1LTQzODktOTVmNS1jYWE5YjkxMzI5Y2MiLCJJbXBvcnRJZCI6bnVsbCwiVGl0bGUiOiLqtIDroKgg7Jik7ZSI7IaM7IqkIOyImOynkS/rtoTshJ0iLCJOb3RlIjpudWxsLCJIeXBlcmxpbmsiOm51bGwsIklzQ2hhbmdlZCI6ZmFsc2UsIklzTmV3IjpmYWxzZX0seyIkaWQiOiIyMTgiLCJHcm91cE5hbWUiOm51bGwsIlN0YXJ0RGF0ZSI6IjIwMTktMDQtMDRUMDA6MDA6MDBaIiwiRW5kRGF0ZSI6IjIwMTktMDQtMTBUMjM6NTk6MDBaIiwiUGVyY2VudGFnZUNvbXBsZXRlIjpudWxsLCJTdHlsZSI6eyIkaWQiOiIyMTkiLCJTaGFwZSI6MCwiU2hhcGVUaGlja25lc3MiOjEsIkR1cmF0aW9uRm9ybWF0IjowLCJJbmNsdWRlTm9uV29ya2luZ0RheXNJbkR1cmF0aW9uIjpmYWxzZSwiUGVyY2VudGFnZUNvbXBsZXRlU3R5bGUiOnsiJGlkIjoiMjIwIiwiRm9udFNldHRpbmdzIjp7IiRpZCI6IjIyMSIsIkZvbnRTaXplIjoxMCwiRm9udE5hbWUiOiJDYWxpYnJpIiwiSXNCb2xkIjpmYWxzZSwiSXNJdGFsaWMiOmZhbHNlLCJJc1VuZGVybGluZWQiOmZhbHNlLCJQYXJlbnRTdHlsZSI6bnVsbH0sIkF1dG9TaXplIjowLCJGb3JlZ3JvdW5kIjp7IiRpZCI6IjIyMiIsIkNvbG9yIjp7IiRyZWYiOiI4NiJ9fSwiTWF4V2lkdGgiOjIwMC4wLCJNYXhIZWlnaHQiOiJJbmZpbml0eSIsIlNtYXJ0Rm9yZWdyb3VuZElzQWN0aXZlIjpmYWxzZSwiSG9yaXpvbnRhbEFsaWdubWVudCI6MCwiVmVydGljYWxBbGlnbm1lbnQiOjAsIlNtYXJ0Rm9yZWdyb3VuZCI6bnVsbCwiQmFja2dyb3VuZEZpbGxUeXBlIjowLCJNYXJnaW4iOnsiJGlkIjoiMjIzIiwiVG9wIjowLCJMZWZ0IjowLCJSaWdodCI6MCwiQm90dG9tIjowfSwiUGFkZGluZyI6eyIkaWQiOiIyMjQiLCJUb3AiOjAsIkxlZnQiOjAsIlJpZ2h0IjowLCJCb3R0b20iOjB9LCJCYWNrZ3JvdW5kIjp7IiRyZWYiOiI4OSJ9LCJJc1Zpc2libGUiOnRydWUsIldpZHRoIjowLjAsIkhlaWdodCI6MC4wLCJCb3JkZXJTdHlsZSI6eyIkaWQiOiIyMjUiLCJMaW5lQ29sb3IiOm51bGwsIkxpbmVXZWlnaHQiOjAuMCwiTGluZVR5cGUiOjAsIlBhcmVudFN0eWxlIjpudWxsfSwiUGFyZW50U3R5bGUiOm51bGx9LCJEdXJhdGlvblN0eWxlIjp7IiRpZCI6IjIyNiIsIkZvbnRTZXR0aW5ncyI6eyIkaWQiOiIyMjciLCJGb250U2l6ZSI6MTAsIkZvbnROYW1lIjoiQ2FsaWJyaSIsIklzQm9sZCI6ZmFsc2UsIklzSXRhbGljIjpmYWxzZSwiSXNVbmRlcmxpbmVkIjpmYWxzZSwiUGFyZW50U3R5bGUiOm51bGx9LCJBdXRvU2l6ZSI6MCwiRm9yZWdyb3VuZCI6eyIkaWQiOiIyMjgiLCJDb2xvciI6eyIkcmVmIjoiOTMifX0sIk1heFdpZHRoIjoyMDAuMCwiTWF4SGVpZ2h0IjoiSW5maW5pdHkiLCJTbWFydEZvcmVncm91bmRJc0FjdGl2ZSI6ZmFsc2UsIkhvcml6b250YWxBbGlnbm1lbnQiOjAsIlZlcnRpY2FsQWxpZ25tZW50IjowLCJTbWFydEZvcmVncm91bmQiOm51bGwsIkJhY2tncm91bmRGaWxsVHlwZSI6MCwiTWFyZ2luIjp7IiRpZCI6IjIyOSIsIlRvcCI6MCwiTGVmdCI6MCwiUmlnaHQiOjAsIkJvdHRvbSI6MH0sIlBhZGRpbmciOnsiJGlkIjoiMjMwIiwiVG9wIjowLCJMZWZ0IjowLCJSaWdodCI6MCwiQm90dG9tIjowfSwiQmFja2dyb3VuZCI6eyIkcmVmIjoiOTYifSwiSXNWaXNpYmxlIjp0cnVlLCJXaWR0aCI6MC4wLCJIZWlnaHQiOjAuMCwiQm9yZGVyU3R5bGUiOnsiJGlkIjoiMjMxIiwiTGluZUNvbG9yIjpudWxsLCJMaW5lV2VpZ2h0IjowLjAsIkxpbmVUeXBlIjowLCJQYXJlbnRTdHlsZSI6bnVsbH0sIlBhcmVudFN0eWxlIjpudWxsfSwiSG9yaXpvbnRhbENvbm5lY3RvclN0eWxlIjp7IiRpZCI6IjIzMiIsIkxpbmVDb2xvciI6eyIkcmVmIjoiOTgifSwiTGluZVdlaWdodCI6MS4wLCJMaW5lVHlwZSI6MCwiUGFyZW50U3R5bGUiOm51bGx9LCJWZXJ0aWNhbENvbm5lY3RvclN0eWxlIjp7IiRpZCI6IjIzMyIsIkxpbmVDb2xvciI6eyIkcmVmIjoiMTAxIn0sIkxpbmVXZWlnaHQiOjAuMCwiTGluZVR5cGUiOjAsIlBhcmVudFN0eWxlIjpudWxsfSwiTWFyZ2luIjpudWxsLCJTdGFydERhdGVQb3NpdGlvbiI6NCwiRW5kRGF0ZVBvc2l0aW9uIjo0LCJEYXRlSXNWaXNpYmxlIjp0cnVlLCJUaXRsZVBvc2l0aW9uIjo1LCJEdXJhdGlvblBvc2l0aW9uIjo2LCJQZXJjZW50YWdlQ29tcGxldGVkUG9zaXRpb24iOjYsIlNwYWNpbmciOjUsIklzQmVsb3dUaW1lYmFuZCI6dHJ1ZSwiUGVyY2VudGFnZUNvbXBsZXRlU2hhcGVPcGFjaXR5IjozNSwiU2hhcGVTdHlsZSI6eyIkaWQiOiIyMzQiLCJNYXJnaW4iOnsiJGlkIjoiMjM1IiwiVG9wIjowLCJMZWZ0Ijo0LCJSaWdodCI6NCwiQm90dG9tIjowfSwiUGFkZGluZyI6eyIkaWQiOiIyMzYiLCJUb3AiOjAsIkxlZnQiOjAsIlJpZ2h0IjowLCJCb3R0b20iOjB9LCJCYWNrZ3JvdW5kIjp7IiRpZCI6IjIzNyIsIkNvbG9yIjp7IiRpZCI6IjIzOCIsIkEiOjI1NSwiUiI6MTEyLCJHIjoxNzMsIkIiOjcxfX0sIklzVmlzaWJsZSI6dHJ1ZSwiV2lkdGgiOjAuMCwiSGVpZ2h0IjoxNi4wLCJCb3JkZXJTdHlsZSI6eyIkaWQiOiIyMzkiLCJMaW5lQ29sb3IiOnsiJHJlZiI6IjEwOSJ9LCJMaW5lV2VpZ2h0IjowLjAsIkxpbmVUeXBlIjowLCJQYXJlbnRTdHlsZSI6bnVsbH0sIlBhcmVudFN0eWxlIjpudWxsfSwiVGl0bGVTdHlsZSI6eyIkaWQiOiIyNDAiLCJGb250U2V0dGluZ3MiOnsiJGlkIjoiMjQxIiwiRm9udFNpemUiOjExLCJGb250TmFtZSI6IkNhbGlicmkiLCJJc0JvbGQiOnRydWUsIklzSXRhbGljIjpmYWxzZSwiSXNVbmRlcmxpbmVkIjpmYWxzZSwiUGFyZW50U3R5bGUiOm51bGx9LCJBdXRvU2l6ZSI6MCwiRm9yZWdyb3VuZCI6eyIkaWQiOiIyNDIiLCJDb2xvciI6eyIkcmVmIjoiMTE0In19LCJNYXhXaWR0aCI6OTYwLjAsIk1heEhlaWdodCI6IkluZmluaXR5IiwiU21hcnRGb3JlZ3JvdW5kSXNBY3RpdmUiOmZhbHNlLCJIb3Jpem9udGFsQWxpZ25tZW50IjowLCJWZXJ0aWNhbEFsaWdubWVudCI6MCwiU21hcnRGb3JlZ3JvdW5kIjpudWxsLCJCYWNrZ3JvdW5kRmlsbFR5cGUiOjAsIk1hcmdpbiI6eyIkaWQiOiIyNDMiLCJUb3AiOjAsIkxlZnQiOjAsIlJpZ2h0IjowLCJCb3R0b20iOjB9LCJQYWRkaW5nIjp7IiRpZCI6IjI0NCIsIlRvcCI6MCwiTGVmdCI6MCwiUmlnaHQiOjAsIkJvdHRvbSI6MH0sIkJhY2tncm91bmQiOnsiJHJlZiI6IjExNyJ9LCJJc1Zpc2libGUiOnRydWUsIldpZHRoIjowLjAsIkhlaWdodCI6MC4wLCJCb3JkZXJTdHlsZSI6eyIkaWQiOiIyNDUiLCJMaW5lQ29sb3IiOm51bGwsIkxpbmVXZWlnaHQiOjAuMCwiTGluZVR5cGUiOjAsIlBhcmVudFN0eWxlIjpudWxsfSwiUGFyZW50U3R5bGUiOm51bGx9LCJEYXRlU3R5bGUiOnsiJGlkIjoiMjQ2IiwiRm9udFNldHRpbmdzIjp7IiRpZCI6IjI0NyIsIkZvbnRTaXplIjoxMCwiRm9udE5hbWUiOiJDYWxpYnJpIiwiSXNCb2xkIjpmYWxzZSwiSXNJdGFsaWMiOmZhbHNlLCJJc1VuZGVybGluZWQiOmZhbHNlLCJQYXJlbnRTdHlsZSI6bnVsbH0sIkF1dG9TaXplIjowLCJGb3JlZ3JvdW5kIjp7IiRpZCI6IjI0OCIsIkNvbG9yIjp7IiRyZWYiOiIxMjEifX0sIk1heFdpZHRoIjoyMDAuMCwiTWF4SGVpZ2h0IjoiSW5maW5pdHkiLCJTbWFydEZvcmVncm91bmRJc0FjdGl2ZSI6ZmFsc2UsIkhvcml6b250YWxBbGlnbm1lbnQiOjAsIlZlcnRpY2FsQWxpZ25tZW50IjowLCJTbWFydEZvcmVncm91bmQiOm51bGwsIkJhY2tncm91bmRGaWxsVHlwZSI6MCwiTWFyZ2luIjp7IiRpZCI6IjI0OSIsIlRvcCI6MCwiTGVmdCI6MCwiUmlnaHQiOjAsIkJvdHRvbSI6MH0sIlBhZGRpbmciOnsiJGlkIjoiMjUwIiwiVG9wIjowLCJMZWZ0IjowLCJSaWdodCI6MCwiQm90dG9tIjowfSwiQmFja2dyb3VuZCI6eyIkcmVmIjoiMTI0In0sIklzVmlzaWJsZSI6dHJ1ZSwiV2lkdGgiOjAuMCwiSGVpZ2h0IjowLjAsIkJvcmRlclN0eWxlIjp7IiRpZCI6IjI1MSIsIkxpbmVDb2xvciI6bnVsbCwiTGluZVdlaWdodCI6MC4wLCJMaW5lVHlwZSI6MCwiUGFyZW50U3R5bGUiOm51bGx9LCJQYXJlbnRTdHlsZSI6bnVsbH0sIkRhdGVGb3JtYXQiOnsiJGlkIjoiMjUyIiwiRm9ybWF0U3RyaW5nIjoiTS9kL3l5eXkiLCJTZXBhcmF0b3IiOiIvIiwiVXNlSW50ZXJuYXRpb25hbERhdGVGb3JtYXQiOmZhbHNlLCJEYXRlSXNWaXNpYmxlIjp0cnVlLCJUaW1lSXNWaXNpYmxlIjpmYWxzZSwiSG91ckRpZ2l0cyI6MSwiQW1QbURlc2lnbmF0b3IiOjIsIlRyaW0wME1pbnV0ZXMiOmZhbHNlLCJMYXN0S25vd25WaXNpYmlsaXR5U3RhdGUiOm51bGx9LCJJc1Zpc2libGUiOnRydWUsIlBhcmVudFN0eWxlIjpudWxsfSwiSW5kZXgiOjQsIlNtYXJ0RHVyYXRpb25BY3RpdmF0ZWQiOmZhbHNlLCJEYXRlRm9ybWF0Ijp7IiRyZWYiOiIyNTIifSwiSWQiOiI3NWRmZmJkMC0yYzQxLTQ0MjEtODNiNy0yMGJiZmExYzNkMjIiLCJJbXBvcnRJZCI6bnVsbCwiVGl0bGUiOiLslYjrk5zroZzsnbTrk5wg7JWxIOqwnOuwnCIsIk5vdGUiOm51bGwsIkh5cGVybGluayI6bnVsbCwiSXNDaGFuZ2VkIjpmYWxzZSwiSXNOZXciOmZhbHNlfSx7IiRpZCI6IjI1MyIsIkdyb3VwTmFtZSI6bnVsbCwiU3RhcnREYXRlIjoiMjAxOS0wNC0wN1QwMDowMDowMFoiLCJFbmREYXRlIjoiMjAxOS0wNC0yMFQyMzo1OTowMCIsIlBlcmNlbnRhZ2VDb21wbGV0ZSI6bnVsbCwiU3R5bGUiOnsiJGlkIjoiMjU0IiwiU2hhcGUiOjAsIlNoYXBlVGhpY2tuZXNzIjoxLCJEdXJhdGlvbkZvcm1hdCI6MCwiSW5jbHVkZU5vbldvcmtpbmdEYXlzSW5EdXJhdGlvbiI6ZmFsc2UsIlBlcmNlbnRhZ2VDb21wbGV0ZVN0eWxlIjp7IiRpZCI6IjI1NSIsIkZvbnRTZXR0aW5ncyI6eyIkaWQiOiIyNTYiLCJGb250U2l6ZSI6MTAsIkZvbnROYW1lIjoiQ2FsaWJyaSIsIklzQm9sZCI6ZmFsc2UsIklzSXRhbGljIjpmYWxzZSwiSXNVbmRlcmxpbmVkIjpmYWxzZSwiUGFyZW50U3R5bGUiOm51bGx9LCJBdXRvU2l6ZSI6MCwiRm9yZWdyb3VuZCI6eyIkaWQiOiIyNTciLCJDb2xvciI6eyIkcmVmIjoiODYifX0sIk1heFdpZHRoIjoyMDAuMCwiTWF4SGVpZ2h0IjoiSW5maW5pdHkiLCJTbWFydEZvcmVncm91bmRJc0FjdGl2ZSI6ZmFsc2UsIkhvcml6b250YWxBbGlnbm1lbnQiOjAsIlZlcnRpY2FsQWxpZ25tZW50IjowLCJTbWFydEZvcmVncm91bmQiOm51bGwsIkJhY2tncm91bmRGaWxsVHlwZSI6MCwiTWFyZ2luIjp7IiRpZCI6IjI1OCIsIlRvcCI6MCwiTGVmdCI6MCwiUmlnaHQiOjAsIkJvdHRvbSI6MH0sIlBhZGRpbmciOnsiJGlkIjoiMjU5IiwiVG9wIjowLCJMZWZ0IjowLCJSaWdodCI6MCwiQm90dG9tIjowfSwiQmFja2dyb3VuZCI6eyIkcmVmIjoiODkifSwiSXNWaXNpYmxlIjp0cnVlLCJXaWR0aCI6MC4wLCJIZWlnaHQiOjAuMCwiQm9yZGVyU3R5bGUiOnsiJGlkIjoiMjYwIiwiTGluZUNvbG9yIjpudWxsLCJMaW5lV2VpZ2h0IjowLjAsIkxpbmVUeXBlIjowLCJQYXJlbnRTdHlsZSI6bnVsbH0sIlBhcmVudFN0eWxlIjpudWxsfSwiRHVyYXRpb25TdHlsZSI6eyIkaWQiOiIyNjEiLCJGb250U2V0dGluZ3MiOnsiJGlkIjoiMjYyIiwiRm9udFNpemUiOjEwLCJGb250TmFtZSI6IkNhbGlicmkiLCJJc0JvbGQiOmZhbHNlLCJJc0l0YWxpYyI6ZmFsc2UsIklzVW5kZXJsaW5lZCI6ZmFsc2UsIlBhcmVudFN0eWxlIjpudWxsfSwiQXV0b1NpemUiOjAsIkZvcmVncm91bmQiOnsiJGlkIjoiMjYzIiwiQ29sb3IiOnsiJHJlZiI6IjkzIn19LCJNYXhXaWR0aCI6MjAwLjAsIk1heEhlaWdodCI6IkluZmluaXR5IiwiU21hcnRGb3JlZ3JvdW5kSXNBY3RpdmUiOmZhbHNlLCJIb3Jpem9udGFsQWxpZ25tZW50IjowLCJWZXJ0aWNhbEFsaWdubWVudCI6MCwiU21hcnRGb3JlZ3JvdW5kIjpudWxsLCJCYWNrZ3JvdW5kRmlsbFR5cGUiOjAsIk1hcmdpbiI6eyIkaWQiOiIyNjQiLCJUb3AiOjAsIkxlZnQiOjAsIlJpZ2h0IjowLCJCb3R0b20iOjB9LCJQYWRkaW5nIjp7IiRpZCI6IjI2NSIsIlRvcCI6MCwiTGVmdCI6MCwiUmlnaHQiOjAsIkJvdHRvbSI6MH0sIkJhY2tncm91bmQiOnsiJHJlZiI6Ijk2In0sIklzVmlzaWJsZSI6dHJ1ZSwiV2lkdGgiOjAuMCwiSGVpZ2h0IjowLjAsIkJvcmRlclN0eWxlIjp7IiRpZCI6IjI2NiIsIkxpbmVDb2xvciI6bnVsbCwiTGluZVdlaWdodCI6MC4wLCJMaW5lVHlwZSI6MCwiUGFyZW50U3R5bGUiOm51bGx9LCJQYXJlbnRTdHlsZSI6bnVsbH0sIkhvcml6b250YWxDb25uZWN0b3JTdHlsZSI6eyIkaWQiOiIyNjciLCJMaW5lQ29sb3IiOnsiJHJlZiI6Ijk4In0sIkxpbmVXZWlnaHQiOjEuMCwiTGluZVR5cGUiOjAsIlBhcmVudFN0eWxlIjpudWxsfSwiVmVydGljYWxDb25uZWN0b3JTdHlsZSI6eyIkaWQiOiIyNjgiLCJMaW5lQ29sb3IiOnsiJHJlZiI6IjEwMSJ9LCJMaW5lV2VpZ2h0IjowLjAsIkxpbmVUeXBlIjowLCJQYXJlbnRTdHlsZSI6bnVsbH0sIk1hcmdpbiI6bnVsbCwiU3RhcnREYXRlUG9zaXRpb24iOjQsIkVuZERhdGVQb3NpdGlvbiI6NCwiRGF0ZUlzVmlzaWJsZSI6dHJ1ZSwiVGl0bGVQb3NpdGlvbiI6NSwiRHVyYXRpb25Qb3NpdGlvbiI6NiwiUGVyY2VudGFnZUNvbXBsZXRlZFBvc2l0aW9uIjo2LCJTcGFjaW5nIjo1LCJJc0JlbG93VGltZWJhbmQiOnRydWUsIlBlcmNlbnRhZ2VDb21wbGV0ZVNoYXBlT3BhY2l0eSI6MzUsIlNoYXBlU3R5bGUiOnsiJGlkIjoiMjY5IiwiTWFyZ2luIjp7IiRpZCI6IjI3MCIsIlRvcCI6MCwiTGVmdCI6NCwiUmlnaHQiOjQsIkJvdHRvbSI6MH0sIlBhZGRpbmciOnsiJGlkIjoiMjcxIiwiVG9wIjowLCJMZWZ0IjowLCJSaWdodCI6MCwiQm90dG9tIjowfSwiQmFja2dyb3VuZCI6eyIkaWQiOiIyNzIiLCJDb2xvciI6eyIkaWQiOiIyNzMiLCJBIjoyNTUsIlIiOjY4LCJHIjo4NCwiQiI6MTA2fX0sIklzVmlzaWJsZSI6dHJ1ZSwiV2lkdGgiOjAuMCwiSGVpZ2h0IjoxNi4wLCJCb3JkZXJTdHlsZSI6eyIkaWQiOiIyNzQiLCJMaW5lQ29sb3IiOnsiJHJlZiI6IjEwOSJ9LCJMaW5lV2VpZ2h0IjowLjAsIkxpbmVUeXBlIjowLCJQYXJlbnRTdHlsZSI6bnVsbH0sIlBhcmVudFN0eWxlIjpudWxsfSwiVGl0bGVTdHlsZSI6eyIkaWQiOiIyNzUiLCJGb250U2V0dGluZ3MiOnsiJGlkIjoiMjc2IiwiRm9udFNpemUiOjExLCJGb250TmFtZSI6IkNhbGlicmkiLCJJc0JvbGQiOnRydWUsIklzSXRhbGljIjpmYWxzZSwiSXNVbmRlcmxpbmVkIjpmYWxzZSwiUGFyZW50U3R5bGUiOm51bGx9LCJBdXRvU2l6ZSI6MCwiRm9yZWdyb3VuZCI6eyIkaWQiOiIyNzciLCJDb2xvciI6eyIkcmVmIjoiMTE0In19LCJNYXhXaWR0aCI6NzIwLjAsIk1heEhlaWdodCI6IkluZmluaXR5IiwiU21hcnRGb3JlZ3JvdW5kSXNBY3RpdmUiOmZhbHNlLCJIb3Jpem9udGFsQWxpZ25tZW50IjowLCJWZXJ0aWNhbEFsaWdubWVudCI6MCwiU21hcnRGb3JlZ3JvdW5kIjpudWxsLCJCYWNrZ3JvdW5kRmlsbFR5cGUiOjAsIk1hcmdpbiI6eyIkaWQiOiIyNzgiLCJUb3AiOjAsIkxlZnQiOjAsIlJpZ2h0IjowLCJCb3R0b20iOjB9LCJQYWRkaW5nIjp7IiRpZCI6IjI3OSIsIlRvcCI6MCwiTGVmdCI6MCwiUmlnaHQiOjAsIkJvdHRvbSI6MH0sIkJhY2tncm91bmQiOnsiJHJlZiI6IjExNyJ9LCJJc1Zpc2libGUiOnRydWUsIldpZHRoIjowLjAsIkhlaWdodCI6MC4wLCJCb3JkZXJTdHlsZSI6eyIkaWQiOiIyODAiLCJMaW5lQ29sb3IiOm51bGwsIkxpbmVXZWlnaHQiOjAuMCwiTGluZVR5cGUiOjAsIlBhcmVudFN0eWxlIjpudWxsfSwiUGFyZW50U3R5bGUiOm51bGx9LCJEYXRlU3R5bGUiOnsiJGlkIjoiMjgxIiwiRm9udFNldHRpbmdzIjp7IiRpZCI6IjI4MiIsIkZvbnRTaXplIjoxMCwiRm9udE5hbWUiOiJDYWxpYnJpIiwiSXNCb2xkIjpmYWxzZSwiSXNJdGFsaWMiOmZhbHNlLCJJc1VuZGVybGluZWQiOmZhbHNlLCJQYXJlbnRTdHlsZSI6bnVsbH0sIkF1dG9TaXplIjowLCJGb3JlZ3JvdW5kIjp7IiRpZCI6IjI4MyIsIkNvbG9yIjp7IiRyZWYiOiIxMjEifX0sIk1heFdpZHRoIjoyMDAuMCwiTWF4SGVpZ2h0IjoiSW5maW5pdHkiLCJTbWFydEZvcmVncm91bmRJc0FjdGl2ZSI6ZmFsc2UsIkhvcml6b250YWxBbGlnbm1lbnQiOjAsIlZlcnRpY2FsQWxpZ25tZW50IjowLCJTbWFydEZvcmVncm91bmQiOm51bGwsIkJhY2tncm91bmRGaWxsVHlwZSI6MCwiTWFyZ2luIjp7IiRpZCI6IjI4NCIsIlRvcCI6MCwiTGVmdCI6MCwiUmlnaHQiOjAsIkJvdHRvbSI6MH0sIlBhZGRpbmciOnsiJGlkIjoiMjg1IiwiVG9wIjowLCJMZWZ0IjowLCJSaWdodCI6MCwiQm90dG9tIjowfSwiQmFja2dyb3VuZCI6eyIkcmVmIjoiMTI0In0sIklzVmlzaWJsZSI6dHJ1ZSwiV2lkdGgiOjAuMCwiSGVpZ2h0IjowLjAsIkJvcmRlclN0eWxlIjp7IiRpZCI6IjI4NiIsIkxpbmVDb2xvciI6bnVsbCwiTGluZVdlaWdodCI6MC4wLCJMaW5lVHlwZSI6MCwiUGFyZW50U3R5bGUiOm51bGx9LCJQYXJlbnRTdHlsZSI6bnVsbH0sIkRhdGVGb3JtYXQiOnsiJGlkIjoiMjg3IiwiRm9ybWF0U3RyaW5nIjoiTS9kL3l5eXkiLCJTZXBhcmF0b3IiOiIvIiwiVXNlSW50ZXJuYXRpb25hbERhdGVGb3JtYXQiOmZhbHNlLCJEYXRlSXNWaXNpYmxlIjp0cnVlLCJUaW1lSXNWaXNpYmxlIjpmYWxzZSwiSG91ckRpZ2l0cyI6MSwiQW1QbURlc2lnbmF0b3IiOjIsIlRyaW0wME1pbnV0ZXMiOmZhbHNlLCJMYXN0S25vd25WaXNpYmlsaXR5U3RhdGUiOm51bGx9LCJJc1Zpc2libGUiOnRydWUsIlBhcmVudFN0eWxlIjpudWxsfSwiSW5kZXgiOjUsIlNtYXJ0RHVyYXRpb25BY3RpdmF0ZWQiOmZhbHNlLCJEYXRlRm9ybWF0Ijp7IiRyZWYiOiIyODcifSwiSWQiOiIzODJkZGY3Yy00OWFlLTQxYTktYTg5Ni1iNjgyMzNiYjg2MGIiLCJJbXBvcnRJZCI6bnVsbCwiVGl0bGUiOiJDIyDqs7XrtoAg67CPIOyciOuPhOyasCDtlITroZzqt7jrnqggR1VJIOqwnOuwnCIsIk5vdGUiOm51bGwsIkh5cGVybGluayI6bnVsbCwiSXNDaGFuZ2VkIjpmYWxzZSwiSXNOZXciOmZhbHNlfSx7IiRpZCI6IjI4OCIsIkdyb3VwTmFtZSI6bnVsbCwiU3RhcnREYXRlIjoiMjAxOS0wNC0xMFQwMDowMDowMFoiLCJFbmREYXRlIjoiMjAxOS0wNS0xOVQyMzo1OTowMFoiLCJQZXJjZW50YWdlQ29tcGxldGUiOm51bGwsIlN0eWxlIjp7IiRpZCI6IjI4OSIsIlNoYXBlIjowLCJTaGFwZVRoaWNrbmVzcyI6MSwiRHVyYXRpb25Gb3JtYXQiOjAsIkluY2x1ZGVOb25Xb3JraW5nRGF5c0luRHVyYXRpb24iOmZhbHNlLCJQZXJjZW50YWdlQ29tcGxldGVTdHlsZSI6eyIkaWQiOiIyOTAiLCJGb250U2V0dGluZ3MiOnsiJGlkIjoiMjkxIiwiRm9udFNpemUiOjEwLCJGb250TmFtZSI6IkNhbGlicmkiLCJJc0JvbGQiOmZhbHNlLCJJc0l0YWxpYyI6ZmFsc2UsIklzVW5kZXJsaW5lZCI6ZmFsc2UsIlBhcmVudFN0eWxlIjpudWxsfSwiQXV0b1NpemUiOjAsIkZvcmVncm91bmQiOnsiJGlkIjoiMjkyIiwiQ29sb3IiOnsiJHJlZiI6Ijg2In19LCJNYXhXaWR0aCI6MjAwLjAsIk1heEhlaWdodCI6IkluZmluaXR5IiwiU21hcnRGb3JlZ3JvdW5kSXNBY3RpdmUiOmZhbHNlLCJIb3Jpem9udGFsQWxpZ25tZW50IjowLCJWZXJ0aWNhbEFsaWdubWVudCI6MCwiU21hcnRGb3JlZ3JvdW5kIjpudWxsLCJCYWNrZ3JvdW5kRmlsbFR5cGUiOjAsIk1hcmdpbiI6eyIkaWQiOiIyOTMiLCJUb3AiOjAsIkxlZnQiOjAsIlJpZ2h0IjowLCJCb3R0b20iOjB9LCJQYWRkaW5nIjp7IiRpZCI6IjI5NCIsIlRvcCI6MCwiTGVmdCI6MCwiUmlnaHQiOjAsIkJvdHRvbSI6MH0sIkJhY2tncm91bmQiOnsiJHJlZiI6Ijg5In0sIklzVmlzaWJsZSI6dHJ1ZSwiV2lkdGgiOjAuMCwiSGVpZ2h0IjowLjAsIkJvcmRlclN0eWxlIjp7IiRpZCI6IjI5NSIsIkxpbmVDb2xvciI6bnVsbCwiTGluZVdlaWdodCI6MC4wLCJMaW5lVHlwZSI6MCwiUGFyZW50U3R5bGUiOm51bGx9LCJQYXJlbnRTdHlsZSI6bnVsbH0sIkR1cmF0aW9uU3R5bGUiOnsiJGlkIjoiMjk2IiwiRm9udFNldHRpbmdzIjp7IiRpZCI6IjI5NyIsIkZvbnRTaXplIjoxMCwiRm9udE5hbWUiOiJDYWxpYnJpIiwiSXNCb2xkIjpmYWxzZSwiSXNJdGFsaWMiOmZhbHNlLCJJc1VuZGVybGluZWQiOmZhbHNlLCJQYXJlbnRTdHlsZSI6bnVsbH0sIkF1dG9TaXplIjowLCJGb3JlZ3JvdW5kIjp7IiRpZCI6IjI5OCIsIkNvbG9yIjp7IiRyZWYiOiI5MyJ9fSwiTWF4V2lkdGgiOjIwMC4wLCJNYXhIZWlnaHQiOiJJbmZpbml0eSIsIlNtYXJ0Rm9yZWdyb3VuZElzQWN0aXZlIjpmYWxzZSwiSG9yaXpvbnRhbEFsaWdubWVudCI6MCwiVmVydGljYWxBbGlnbm1lbnQiOjAsIlNtYXJ0Rm9yZWdyb3VuZCI6bnVsbCwiQmFja2dyb3VuZEZpbGxUeXBlIjowLCJNYXJnaW4iOnsiJGlkIjoiMjk5IiwiVG9wIjowLCJMZWZ0IjowLCJSaWdodCI6MCwiQm90dG9tIjowfSwiUGFkZGluZyI6eyIkaWQiOiIzMDAiLCJUb3AiOjAsIkxlZnQiOjAsIlJpZ2h0IjowLCJCb3R0b20iOjB9LCJCYWNrZ3JvdW5kIjp7IiRyZWYiOiI5NiJ9LCJJc1Zpc2libGUiOnRydWUsIldpZHRoIjowLjAsIkhlaWdodCI6MC4wLCJCb3JkZXJTdHlsZSI6eyIkaWQiOiIzMDEiLCJMaW5lQ29sb3IiOm51bGwsIkxpbmVXZWlnaHQiOjAuMCwiTGluZVR5cGUiOjAsIlBhcmVudFN0eWxlIjpudWxsfSwiUGFyZW50U3R5bGUiOm51bGx9LCJIb3Jpem9udGFsQ29ubmVjdG9yU3R5bGUiOnsiJGlkIjoiMzAyIiwiTGluZUNvbG9yIjp7IiRyZWYiOiI5OCJ9LCJMaW5lV2VpZ2h0IjoxLjAsIkxpbmVUeXBlIjowLCJQYXJlbnRTdHlsZSI6bnVsbH0sIlZlcnRpY2FsQ29ubmVjdG9yU3R5bGUiOnsiJGlkIjoiMzAzIiwiTGluZUNvbG9yIjp7IiRyZWYiOiIxMDEifSwiTGluZVdlaWdodCI6MC4wLCJMaW5lVHlwZSI6MCwiUGFyZW50U3R5bGUiOm51bGx9LCJNYXJnaW4iOm51bGwsIlN0YXJ0RGF0ZVBvc2l0aW9uIjo0LCJFbmREYXRlUG9zaXRpb24iOjQsIkRhdGVJc1Zpc2libGUiOnRydWUsIlRpdGxlUG9zaXRpb24iOjUsIkR1cmF0aW9uUG9zaXRpb24iOjYsIlBlcmNlbnRhZ2VDb21wbGV0ZWRQb3NpdGlvbiI6NiwiU3BhY2luZyI6NSwiSXNCZWxvd1RpbWViYW5kIjp0cnVlLCJQZXJjZW50YWdlQ29tcGxldGVTaGFwZU9wYWNpdHkiOjM1LCJTaGFwZVN0eWxlIjp7IiRpZCI6IjMwNCIsIk1hcmdpbiI6eyIkaWQiOiIzMDUiLCJUb3AiOjAsIkxlZnQiOjQsIlJpZ2h0Ijo0LCJCb3R0b20iOjB9LCJQYWRkaW5nIjp7IiRpZCI6IjMwNiIsIlRvcCI6MCwiTGVmdCI6MCwiUmlnaHQiOjAsIkJvdHRvbSI6MH0sIkJhY2tncm91bmQiOnsiJGlkIjoiMzA3IiwiQ29sb3IiOnsiJGlkIjoiMzA4IiwiQSI6MjU1LCJSIjoyNTUsIkciOjE5MiwiQiI6MH19LCJJc1Zpc2libGUiOnRydWUsIldpZHRoIjowLjAsIkhlaWdodCI6MTYuMCwiQm9yZGVyU3R5bGUiOnsiJGlkIjoiMzA5IiwiTGluZUNvbG9yIjp7IiRyZWYiOiIxMDkifSwiTGluZVdlaWdodCI6MC4wLCJMaW5lVHlwZSI6MCwiUGFyZW50U3R5bGUiOm51bGx9LCJQYXJlbnRTdHlsZSI6bnVsbH0sIlRpdGxlU3R5bGUiOnsiJGlkIjoiMzEwIiwiRm9udFNldHRpbmdzIjp7IiRpZCI6IjMxMSIsIkZvbnRTaXplIjoxMSwiRm9udE5hbWUiOiJDYWxpYnJpIiwiSXNCb2xkIjp0cnVlLCJJc0l0YWxpYyI6ZmFsc2UsIklzVW5kZXJsaW5lZCI6ZmFsc2UsIlBhcmVudFN0eWxlIjpudWxsfSwiQXV0b1NpemUiOjAsIkZvcmVncm91bmQiOnsiJGlkIjoiMzEyIiwiQ29sb3IiOnsiJHJlZiI6IjExNCJ9fSwiTWF4V2lkdGgiOjk2MC4wLCJNYXhIZWlnaHQiOiJJbmZpbml0eSIsIlNtYXJ0Rm9yZWdyb3VuZElzQWN0aXZlIjpmYWxzZSwiSG9yaXpvbnRhbEFsaWdubWVudCI6MCwiVmVydGljYWxBbGlnbm1lbnQiOjAsIlNtYXJ0Rm9yZWdyb3VuZCI6bnVsbCwiQmFja2dyb3VuZEZpbGxUeXBlIjowLCJNYXJnaW4iOnsiJGlkIjoiMzEzIiwiVG9wIjowLCJMZWZ0IjowLCJSaWdodCI6MCwiQm90dG9tIjowfSwiUGFkZGluZyI6eyIkaWQiOiIzMTQiLCJUb3AiOjAsIkxlZnQiOjAsIlJpZ2h0IjowLCJCb3R0b20iOjB9LCJCYWNrZ3JvdW5kIjp7IiRyZWYiOiIxMTcifSwiSXNWaXNpYmxlIjp0cnVlLCJXaWR0aCI6MC4wLCJIZWlnaHQiOjAuMCwiQm9yZGVyU3R5bGUiOnsiJGlkIjoiMzE1IiwiTGluZUNvbG9yIjpudWxsLCJMaW5lV2VpZ2h0IjowLjAsIkxpbmVUeXBlIjowLCJQYXJlbnRTdHlsZSI6bnVsbH0sIlBhcmVudFN0eWxlIjpudWxsfSwiRGF0ZVN0eWxlIjp7IiRpZCI6IjMxNiIsIkZvbnRTZXR0aW5ncyI6eyIkaWQiOiIzMTciLCJGb250U2l6ZSI6MTAsIkZvbnROYW1lIjoiQ2FsaWJyaSIsIklzQm9sZCI6ZmFsc2UsIklzSXRhbGljIjpmYWxzZSwiSXNVbmRlcmxpbmVkIjpmYWxzZSwiUGFyZW50U3R5bGUiOm51bGx9LCJBdXRvU2l6ZSI6MCwiRm9yZWdyb3VuZCI6eyIkaWQiOiIzMTgiLCJDb2xvciI6eyIkcmVmIjoiMTIxIn19LCJNYXhXaWR0aCI6MjAwLjAsIk1heEhlaWdodCI6IkluZmluaXR5IiwiU21hcnRGb3JlZ3JvdW5kSXNBY3RpdmUiOmZhbHNlLCJIb3Jpem9udGFsQWxpZ25tZW50IjowLCJWZXJ0aWNhbEFsaWdubWVudCI6MCwiU21hcnRGb3JlZ3JvdW5kIjpudWxsLCJCYWNrZ3JvdW5kRmlsbFR5cGUiOjAsIk1hcmdpbiI6eyIkaWQiOiIzMTkiLCJUb3AiOjAsIkxlZnQiOjAsIlJpZ2h0IjowLCJCb3R0b20iOjB9LCJQYWRkaW5nIjp7IiRpZCI6IjMyMCIsIlRvcCI6MCwiTGVmdCI6MCwiUmlnaHQiOjAsIkJvdHRvbSI6MH0sIkJhY2tncm91bmQiOnsiJHJlZiI6IjEyNCJ9LCJJc1Zpc2libGUiOnRydWUsIldpZHRoIjowLjAsIkhlaWdodCI6MC4wLCJCb3JkZXJTdHlsZSI6eyIkaWQiOiIzMjEiLCJMaW5lQ29sb3IiOm51bGwsIkxpbmVXZWlnaHQiOjAuMCwiTGluZVR5cGUiOjAsIlBhcmVudFN0eWxlIjpudWxsfSwiUGFyZW50U3R5bGUiOm51bGx9LCJEYXRlRm9ybWF0Ijp7IiRpZCI6IjMyMiIsIkZvcm1hdFN0cmluZyI6Ik0vZC95eXl5IiwiU2VwYXJhdG9yIjoiLyIsIlVzZUludGVybmF0aW9uYWxEYXRlRm9ybWF0IjpmYWxzZSwiRGF0ZUlzVmlzaWJsZSI6dHJ1ZSwiVGltZUlzVmlzaWJsZSI6ZmFsc2UsIkhvdXJEaWdpdHMiOjEsIkFtUG1EZXNpZ25hdG9yIjoyLCJUcmltMDBNaW51dGVzIjpmYWxzZSwiTGFzdEtub3duVmlzaWJpbGl0eVN0YXRlIjpudWxsfSwiSXNWaXNpYmxlIjp0cnVlLCJQYXJlbnRTdHlsZSI6bnVsbH0sIkluZGV4Ijo2LCJTbWFydER1cmF0aW9uQWN0aXZhdGVkIjpmYWxzZSwiRGF0ZUZvcm1hdCI6eyIkcmVmIjoiMzIyIn0sIklkIjoiMjdhZTQ3NTgtOWJhYy00MGQzLTg0MDktNDA1ZDVhMjhjOWI2IiwiSW1wb3J0SWQiOm51bGwsIlRpdGxlIjoi7IaQIOyduOyLnSDrqqjrk4gg6rCc67CcIiwiTm90ZSI6bnVsbCwiSHlwZXJsaW5rIjpudWxsLCJJc0NoYW5nZWQiOmZhbHNlLCJJc05ldyI6ZmFsc2V9LHsiJGlkIjoiMzIzIiwiR3JvdXBOYW1lIjpudWxsLCJTdGFydERhdGUiOiIyMDE5LTA0LTE0VDAwOjAwOjAwWiIsIkVuZERhdGUiOiIyMDE5LTA1LTA5VDIzOjU5OjAwWiIsIlBlcmNlbnRhZ2VDb21wbGV0ZSI6bnVsbCwiU3R5bGUiOnsiJGlkIjoiMzI0IiwiU2hhcGUiOjAsIlNoYXBlVGhpY2tuZXNzIjoxLCJEdXJhdGlvbkZvcm1hdCI6MCwiSW5jbHVkZU5vbldvcmtpbmdEYXlzSW5EdXJhdGlvbiI6ZmFsc2UsIlBlcmNlbnRhZ2VDb21wbGV0ZVN0eWxlIjp7IiRpZCI6IjMyNSIsIkZvbnRTZXR0aW5ncyI6eyIkaWQiOiIzMjYiLCJGb250U2l6ZSI6MTAsIkZvbnROYW1lIjoiQ2FsaWJyaSIsIklzQm9sZCI6ZmFsc2UsIklzSXRhbGljIjpmYWxzZSwiSXNVbmRlcmxpbmVkIjpmYWxzZSwiUGFyZW50U3R5bGUiOm51bGx9LCJBdXRvU2l6ZSI6MCwiRm9yZWdyb3VuZCI6eyIkaWQiOiIzMjciLCJDb2xvciI6eyIkcmVmIjoiODYifX0sIk1heFdpZHRoIjoyMDAuMCwiTWF4SGVpZ2h0IjoiSW5maW5pdHkiLCJTbWFydEZvcmVncm91bmRJc0FjdGl2ZSI6ZmFsc2UsIkhvcml6b250YWxBbGlnbm1lbnQiOjAsIlZlcnRpY2FsQWxpZ25tZW50IjowLCJTbWFydEZvcmVncm91bmQiOm51bGwsIkJhY2tncm91bmRGaWxsVHlwZSI6MCwiTWFyZ2luIjp7IiRpZCI6IjMyOCIsIlRvcCI6MCwiTGVmdCI6MCwiUmlnaHQiOjAsIkJvdHRvbSI6MH0sIlBhZGRpbmciOnsiJGlkIjoiMzI5IiwiVG9wIjowLCJMZWZ0IjowLCJSaWdodCI6MCwiQm90dG9tIjowfSwiQmFja2dyb3VuZCI6eyIkcmVmIjoiODkifSwiSXNWaXNpYmxlIjp0cnVlLCJXaWR0aCI6MC4wLCJIZWlnaHQiOjAuMCwiQm9yZGVyU3R5bGUiOnsiJGlkIjoiMzMwIiwiTGluZUNvbG9yIjpudWxsLCJMaW5lV2VpZ2h0IjowLjAsIkxpbmVUeXBlIjowLCJQYXJlbnRTdHlsZSI6bnVsbH0sIlBhcmVudFN0eWxlIjpudWxsfSwiRHVyYXRpb25TdHlsZSI6eyIkaWQiOiIzMzEiLCJGb250U2V0dGluZ3MiOnsiJGlkIjoiMzMyIiwiRm9udFNpemUiOjEwLCJGb250TmFtZSI6IkNhbGlicmkiLCJJc0JvbGQiOmZhbHNlLCJJc0l0YWxpYyI6ZmFsc2UsIklzVW5kZXJsaW5lZCI6ZmFsc2UsIlBhcmVudFN0eWxlIjpudWxsfSwiQXV0b1NpemUiOjAsIkZvcmVncm91bmQiOnsiJGlkIjoiMzMzIiwiQ29sb3IiOnsiJHJlZiI6IjkzIn19LCJNYXhXaWR0aCI6MjAwLjAsIk1heEhlaWdodCI6IkluZmluaXR5IiwiU21hcnRGb3JlZ3JvdW5kSXNBY3RpdmUiOmZhbHNlLCJIb3Jpem9udGFsQWxpZ25tZW50IjowLCJWZXJ0aWNhbEFsaWdubWVudCI6MCwiU21hcnRGb3JlZ3JvdW5kIjpudWxsLCJCYWNrZ3JvdW5kRmlsbFR5cGUiOjAsIk1hcmdpbiI6eyIkaWQiOiIzMzQiLCJUb3AiOjAsIkxlZnQiOjAsIlJpZ2h0IjowLCJCb3R0b20iOjB9LCJQYWRkaW5nIjp7IiRpZCI6IjMzNSIsIlRvcCI6MCwiTGVmdCI6MCwiUmlnaHQiOjAsIkJvdHRvbSI6MH0sIkJhY2tncm91bmQiOnsiJHJlZiI6Ijk2In0sIklzVmlzaWJsZSI6dHJ1ZSwiV2lkdGgiOjAuMCwiSGVpZ2h0IjowLjAsIkJvcmRlclN0eWxlIjp7IiRpZCI6IjMzNiIsIkxpbmVDb2xvciI6bnVsbCwiTGluZVdlaWdodCI6MC4wLCJMaW5lVHlwZSI6MCwiUGFyZW50U3R5bGUiOm51bGx9LCJQYXJlbnRTdHlsZSI6bnVsbH0sIkhvcml6b250YWxDb25uZWN0b3JTdHlsZSI6eyIkaWQiOiIzMzciLCJMaW5lQ29sb3IiOnsiJHJlZiI6Ijk4In0sIkxpbmVXZWlnaHQiOjEuMCwiTGluZVR5cGUiOjAsIlBhcmVudFN0eWxlIjpudWxsfSwiVmVydGljYWxDb25uZWN0b3JTdHlsZSI6eyIkaWQiOiIzMzgiLCJMaW5lQ29sb3IiOnsiJHJlZiI6IjEwMSJ9LCJMaW5lV2VpZ2h0IjowLjAsIkxpbmVUeXBlIjowLCJQYXJlbnRTdHlsZSI6bnVsbH0sIk1hcmdpbiI6bnVsbCwiU3RhcnREYXRlUG9zaXRpb24iOjQsIkVuZERhdGVQb3NpdGlvbiI6NCwiRGF0ZUlzVmlzaWJsZSI6dHJ1ZSwiVGl0bGVQb3NpdGlvbiI6NSwiRHVyYXRpb25Qb3NpdGlvbiI6NiwiUGVyY2VudGFnZUNvbXBsZXRlZFBvc2l0aW9uIjo2LCJTcGFjaW5nIjo1LCJJc0JlbG93VGltZWJhbmQiOnRydWUsIlBlcmNlbnRhZ2VDb21wbGV0ZVNoYXBlT3BhY2l0eSI6MzUsIlNoYXBlU3R5bGUiOnsiJGlkIjoiMzM5IiwiTWFyZ2luIjp7IiRpZCI6IjM0MCIsIlRvcCI6MCwiTGVmdCI6NCwiUmlnaHQiOjQsIkJvdHRvbSI6MH0sIlBhZGRpbmciOnsiJGlkIjoiMzQxIiwiVG9wIjowLCJMZWZ0IjowLCJSaWdodCI6MCwiQm90dG9tIjowfSwiQmFja2dyb3VuZCI6eyIkaWQiOiIzNDIiLCJDb2xvciI6eyIkaWQiOiIzNDMiLCJBIjoyNTUsIlIiOjIzNywiRyI6MTI1LCJCIjo0OX19LCJJc1Zpc2libGUiOnRydWUsIldpZHRoIjowLjAsIkhlaWdodCI6MTYuMCwiQm9yZGVyU3R5bGUiOnsiJGlkIjoiMzQ0IiwiTGluZUNvbG9yIjp7IiRyZWYiOiIxMDkifSwiTGluZVdlaWdodCI6MC4wLCJMaW5lVHlwZSI6MCwiUGFyZW50U3R5bGUiOm51bGx9LCJQYXJlbnRTdHlsZSI6bnVsbH0sIlRpdGxlU3R5bGUiOnsiJGlkIjoiMzQ1IiwiRm9udFNldHRpbmdzIjp7IiRpZCI6IjM0NiIsIkZvbnRTaXplIjoxMSwiRm9udE5hbWUiOiJDYWxpYnJpIiwiSXNCb2xkIjp0cnVlLCJJc0l0YWxpYyI6ZmFsc2UsIklzVW5kZXJsaW5lZCI6ZmFsc2UsIlBhcmVudFN0eWxlIjpudWxsfSwiQXV0b1NpemUiOjAsIkZvcmVncm91bmQiOnsiJGlkIjoiMzQ3IiwiQ29sb3IiOnsiJHJlZiI6IjExNCJ9fSwiTWF4V2lkdGgiOjk2MC4wLCJNYXhIZWlnaHQiOiJJbmZpbml0eSIsIlNtYXJ0Rm9yZWdyb3VuZElzQWN0aXZlIjpmYWxzZSwiSG9yaXpvbnRhbEFsaWdubWVudCI6MCwiVmVydGljYWxBbGlnbm1lbnQiOjAsIlNtYXJ0Rm9yZWdyb3VuZCI6bnVsbCwiQmFja2dyb3VuZEZpbGxUeXBlIjowLCJNYXJnaW4iOnsiJGlkIjoiMzQ4IiwiVG9wIjowLCJMZWZ0IjowLCJSaWdodCI6MCwiQm90dG9tIjowfSwiUGFkZGluZyI6eyIkaWQiOiIzNDkiLCJUb3AiOjAsIkxlZnQiOjAsIlJpZ2h0IjowLCJCb3R0b20iOjB9LCJCYWNrZ3JvdW5kIjp7IiRyZWYiOiIxMTcifSwiSXNWaXNpYmxlIjp0cnVlLCJXaWR0aCI6MC4wLCJIZWlnaHQiOjAuMCwiQm9yZGVyU3R5bGUiOnsiJGlkIjoiMzUwIiwiTGluZUNvbG9yIjpudWxsLCJMaW5lV2VpZ2h0IjowLjAsIkxpbmVUeXBlIjowLCJQYXJlbnRTdHlsZSI6bnVsbH0sIlBhcmVudFN0eWxlIjpudWxsfSwiRGF0ZVN0eWxlIjp7IiRpZCI6IjM1MSIsIkZvbnRTZXR0aW5ncyI6eyIkaWQiOiIzNTIiLCJGb250U2l6ZSI6MTAsIkZvbnROYW1lIjoiQ2FsaWJyaSIsIklzQm9sZCI6ZmFsc2UsIklzSXRhbGljIjpmYWxzZSwiSXNVbmRlcmxpbmVkIjpmYWxzZSwiUGFyZW50U3R5bGUiOm51bGx9LCJBdXRvU2l6ZSI6MCwiRm9yZWdyb3VuZCI6eyIkaWQiOiIzNTMiLCJDb2xvciI6eyIkcmVmIjoiMTIxIn19LCJNYXhXaWR0aCI6MjAwLjAsIk1heEhlaWdodCI6IkluZmluaXR5IiwiU21hcnRGb3JlZ3JvdW5kSXNBY3RpdmUiOmZhbHNlLCJIb3Jpem9udGFsQWxpZ25tZW50IjowLCJWZXJ0aWNhbEFsaWdubWVudCI6MCwiU21hcnRGb3JlZ3JvdW5kIjpudWxsLCJCYWNrZ3JvdW5kRmlsbFR5cGUiOjAsIk1hcmdpbiI6eyIkaWQiOiIzNTQiLCJUb3AiOjAsIkxlZnQiOjAsIlJpZ2h0IjowLCJCb3R0b20iOjB9LCJQYWRkaW5nIjp7IiRpZCI6IjM1NSIsIlRvcCI6MCwiTGVmdCI6MCwiUmlnaHQiOjAsIkJvdHRvbSI6MH0sIkJhY2tncm91bmQiOnsiJHJlZiI6IjEyNCJ9LCJJc1Zpc2libGUiOnRydWUsIldpZHRoIjowLjAsIkhlaWdodCI6MC4wLCJCb3JkZXJTdHlsZSI6eyIkaWQiOiIzNTYiLCJMaW5lQ29sb3IiOm51bGwsIkxpbmVXZWlnaHQiOjAuMCwiTGluZVR5cGUiOjAsIlBhcmVudFN0eWxlIjpudWxsfSwiUGFyZW50U3R5bGUiOm51bGx9LCJEYXRlRm9ybWF0Ijp7IiRpZCI6IjM1NyIsIkZvcm1hdFN0cmluZyI6Ik0vZC95eXl5IiwiU2VwYXJhdG9yIjoiLyIsIlVzZUludGVybmF0aW9uYWxEYXRlRm9ybWF0IjpmYWxzZSwiRGF0ZUlzVmlzaWJsZSI6dHJ1ZSwiVGltZUlzVmlzaWJsZSI6ZmFsc2UsIkhvdXJEaWdpdHMiOjEsIkFtUG1EZXNpZ25hdG9yIjoyLCJUcmltMDBNaW51dGVzIjpmYWxzZSwiTGFzdEtub3duVmlzaWJpbGl0eVN0YXRlIjpudWxsfSwiSXNWaXNpYmxlIjp0cnVlLCJQYXJlbnRTdHlsZSI6bnVsbH0sIkluZGV4Ijo3LCJTbWFydER1cmF0aW9uQWN0aXZhdGVkIjpmYWxzZSwiRGF0ZUZvcm1hdCI6eyIkcmVmIjoiMzU3In0sIklkIjoiZTY3NmRkNWMtOGQ2NS00Nzc1LTg4YjYtZDU2YjRlNzNlZTBjIiwiSW1wb3J0SWQiOm51bGwsIlRpdGxlIjoi7Iug7LK0IOyduOyLnSDrqqjrk4gg6rCc67CcIiwiTm90ZSI6bnVsbCwiSHlwZXJsaW5rIjpudWxsLCJJc0NoYW5nZWQiOmZhbHNlLCJJc05ldyI6ZmFsc2V9LHsiJGlkIjoiMzU4IiwiR3JvdXBOYW1lIjpudWxsLCJTdGFydERhdGUiOiIyMDE5LTA1LTEwVDAwOjAwOjAwWiIsIkVuZERhdGUiOiIyMDE5LTA2LTA3VDIzOjU5OjAwWiIsIlBlcmNlbnRhZ2VDb21wbGV0ZSI6bnVsbCwiU3R5bGUiOnsiJGlkIjoiMzU5IiwiU2hhcGUiOjAsIlNoYXBlVGhpY2tuZXNzIjoxLCJEdXJhdGlvbkZvcm1hdCI6MCwiSW5jbHVkZU5vbldvcmtpbmdEYXlzSW5EdXJhdGlvbiI6ZmFsc2UsIlBlcmNlbnRhZ2VDb21wbGV0ZVN0eWxlIjp7IiRpZCI6IjM2MCIsIkZvbnRTZXR0aW5ncyI6eyIkaWQiOiIzNjEiLCJGb250U2l6ZSI6MTAsIkZvbnROYW1lIjoiQ2FsaWJyaSIsIklzQm9sZCI6ZmFsc2UsIklzSXRhbGljIjpmYWxzZSwiSXNVbmRlcmxpbmVkIjpmYWxzZSwiUGFyZW50U3R5bGUiOm51bGx9LCJBdXRvU2l6ZSI6MCwiRm9yZWdyb3VuZCI6eyIkaWQiOiIzNjIiLCJDb2xvciI6eyIkcmVmIjoiODYifX0sIk1heFdpZHRoIjoyMDAuMCwiTWF4SGVpZ2h0IjoiSW5maW5pdHkiLCJTbWFydEZvcmVncm91bmRJc0FjdGl2ZSI6ZmFsc2UsIkhvcml6b250YWxBbGlnbm1lbnQiOjAsIlZlcnRpY2FsQWxpZ25tZW50IjowLCJTbWFydEZvcmVncm91bmQiOm51bGwsIkJhY2tncm91bmRGaWxsVHlwZSI6MCwiTWFyZ2luIjp7IiRpZCI6IjM2MyIsIlRvcCI6MCwiTGVmdCI6MCwiUmlnaHQiOjAsIkJvdHRvbSI6MH0sIlBhZGRpbmciOnsiJGlkIjoiMzY0IiwiVG9wIjowLCJMZWZ0IjowLCJSaWdodCI6MCwiQm90dG9tIjowfSwiQmFja2dyb3VuZCI6eyIkcmVmIjoiODkifSwiSXNWaXNpYmxlIjp0cnVlLCJXaWR0aCI6MC4wLCJIZWlnaHQiOjAuMCwiQm9yZGVyU3R5bGUiOnsiJGlkIjoiMzY1IiwiTGluZUNvbG9yIjpudWxsLCJMaW5lV2VpZ2h0IjowLjAsIkxpbmVUeXBlIjowLCJQYXJlbnRTdHlsZSI6bnVsbH0sIlBhcmVudFN0eWxlIjpudWxsfSwiRHVyYXRpb25TdHlsZSI6eyIkaWQiOiIzNjYiLCJGb250U2V0dGluZ3MiOnsiJGlkIjoiMzY3IiwiRm9udFNpemUiOjEwLCJGb250TmFtZSI6IkNhbGlicmkiLCJJc0JvbGQiOmZhbHNlLCJJc0l0YWxpYyI6ZmFsc2UsIklzVW5kZXJsaW5lZCI6ZmFsc2UsIlBhcmVudFN0eWxlIjpudWxsfSwiQXV0b1NpemUiOjAsIkZvcmVncm91bmQiOnsiJGlkIjoiMzY4IiwiQ29sb3IiOnsiJHJlZiI6IjkzIn19LCJNYXhXaWR0aCI6MjAwLjAsIk1heEhlaWdodCI6IkluZmluaXR5IiwiU21hcnRGb3JlZ3JvdW5kSXNBY3RpdmUiOmZhbHNlLCJIb3Jpem9udGFsQWxpZ25tZW50IjowLCJWZXJ0aWNhbEFsaWdubWVudCI6MCwiU21hcnRGb3JlZ3JvdW5kIjpudWxsLCJCYWNrZ3JvdW5kRmlsbFR5cGUiOjAsIk1hcmdpbiI6eyIkaWQiOiIzNjkiLCJUb3AiOjAsIkxlZnQiOjAsIlJpZ2h0IjowLCJCb3R0b20iOjB9LCJQYWRkaW5nIjp7IiRpZCI6IjM3MCIsIlRvcCI6MCwiTGVmdCI6MCwiUmlnaHQiOjAsIkJvdHRvbSI6MH0sIkJhY2tncm91bmQiOnsiJHJlZiI6Ijk2In0sIklzVmlzaWJsZSI6dHJ1ZSwiV2lkdGgiOjAuMCwiSGVpZ2h0IjowLjAsIkJvcmRlclN0eWxlIjp7IiRpZCI6IjM3MSIsIkxpbmVDb2xvciI6bnVsbCwiTGluZVdlaWdodCI6MC4wLCJMaW5lVHlwZSI6MCwiUGFyZW50U3R5bGUiOm51bGx9LCJQYXJlbnRTdHlsZSI6bnVsbH0sIkhvcml6b250YWxDb25uZWN0b3JTdHlsZSI6eyIkaWQiOiIzNzIiLCJMaW5lQ29sb3IiOnsiJHJlZiI6Ijk4In0sIkxpbmVXZWlnaHQiOjEuMCwiTGluZVR5cGUiOjAsIlBhcmVudFN0eWxlIjpudWxsfSwiVmVydGljYWxDb25uZWN0b3JTdHlsZSI6eyIkaWQiOiIzNzMiLCJMaW5lQ29sb3IiOnsiJHJlZiI6IjEwMSJ9LCJMaW5lV2VpZ2h0IjowLjAsIkxpbmVUeXBlIjowLCJQYXJlbnRTdHlsZSI6bnVsbH0sIk1hcmdpbiI6bnVsbCwiU3RhcnREYXRlUG9zaXRpb24iOjQsIkVuZERhdGVQb3NpdGlvbiI6NCwiRGF0ZUlzVmlzaWJsZSI6dHJ1ZSwiVGl0bGVQb3NpdGlvbiI6NSwiRHVyYXRpb25Qb3NpdGlvbiI6NiwiUGVyY2VudGFnZUNvbXBsZXRlZFBvc2l0aW9uIjo2LCJTcGFjaW5nIjo1LCJJc0JlbG93VGltZWJhbmQiOnRydWUsIlBlcmNlbnRhZ2VDb21wbGV0ZVNoYXBlT3BhY2l0eSI6MzUsIlNoYXBlU3R5bGUiOnsiJGlkIjoiMzc0IiwiTWFyZ2luIjp7IiRpZCI6IjM3NSIsIlRvcCI6MCwiTGVmdCI6NCwiUmlnaHQiOjQsIkJvdHRvbSI6MH0sIlBhZGRpbmciOnsiJGlkIjoiMzc2IiwiVG9wIjowLCJMZWZ0IjowLCJSaWdodCI6MCwiQm90dG9tIjowfSwiQmFja2dyb3VuZCI6eyIkaWQiOiIzNzciLCJDb2xvciI6eyIkaWQiOiIzNzgiLCJBIjoyNTUsIlIiOjIzNywiRyI6MTI1LCJCIjo0OX19LCJJc1Zpc2libGUiOnRydWUsIldpZHRoIjowLjAsIkhlaWdodCI6MTYuMCwiQm9yZGVyU3R5bGUiOnsiJGlkIjoiMzc5IiwiTGluZUNvbG9yIjp7IiRyZWYiOiIxMDkifSwiTGluZVdlaWdodCI6MC4wLCJMaW5lVHlwZSI6MCwiUGFyZW50U3R5bGUiOm51bGx9LCJQYXJlbnRTdHlsZSI6bnVsbH0sIlRpdGxlU3R5bGUiOnsiJGlkIjoiMzgwIiwiRm9udFNldHRpbmdzIjp7IiRpZCI6IjM4MSIsIkZvbnRTaXplIjoxMSwiRm9udE5hbWUiOiJDYWxpYnJpIiwiSXNCb2xkIjp0cnVlLCJJc0l0YWxpYyI6ZmFsc2UsIklzVW5kZXJsaW5lZCI6ZmFsc2UsIlBhcmVudFN0eWxlIjpudWxsfSwiQXV0b1NpemUiOjAsIkZvcmVncm91bmQiOnsiJGlkIjoiMzgyIiwiQ29sb3IiOnsiJHJlZiI6IjExNCJ9fSwiTWF4V2lkdGgiOjk2MC4wLCJNYXhIZWlnaHQiOiJJbmZpbml0eSIsIlNtYXJ0Rm9yZWdyb3VuZElzQWN0aXZlIjpmYWxzZSwiSG9yaXpvbnRhbEFsaWdubWVudCI6MCwiVmVydGljYWxBbGlnbm1lbnQiOjAsIlNtYXJ0Rm9yZWdyb3VuZCI6bnVsbCwiQmFja2dyb3VuZEZpbGxUeXBlIjowLCJNYXJnaW4iOnsiJGlkIjoiMzgzIiwiVG9wIjowLCJMZWZ0IjowLCJSaWdodCI6MCwiQm90dG9tIjowfSwiUGFkZGluZyI6eyIkaWQiOiIzODQiLCJUb3AiOjAsIkxlZnQiOjAsIlJpZ2h0IjowLCJCb3R0b20iOjB9LCJCYWNrZ3JvdW5kIjp7IiRyZWYiOiIxMTcifSwiSXNWaXNpYmxlIjp0cnVlLCJXaWR0aCI6MC4wLCJIZWlnaHQiOjAuMCwiQm9yZGVyU3R5bGUiOnsiJGlkIjoiMzg1IiwiTGluZUNvbG9yIjpudWxsLCJMaW5lV2VpZ2h0IjowLjAsIkxpbmVUeXBlIjowLCJQYXJlbnRTdHlsZSI6bnVsbH0sIlBhcmVudFN0eWxlIjpudWxsfSwiRGF0ZVN0eWxlIjp7IiRpZCI6IjM4NiIsIkZvbnRTZXR0aW5ncyI6eyIkaWQiOiIzODciLCJGb250U2l6ZSI6MTAsIkZvbnROYW1lIjoiQ2FsaWJyaSIsIklzQm9sZCI6ZmFsc2UsIklzSXRhbGljIjpmYWxzZSwiSXNVbmRlcmxpbmVkIjpmYWxzZSwiUGFyZW50U3R5bGUiOm51bGx9LCJBdXRvU2l6ZSI6MCwiRm9yZWdyb3VuZCI6eyIkaWQiOiIzODgiLCJDb2xvciI6eyIkcmVmIjoiMTIxIn19LCJNYXhXaWR0aCI6MjAwLjAsIk1heEhlaWdodCI6IkluZmluaXR5IiwiU21hcnRGb3JlZ3JvdW5kSXNBY3RpdmUiOmZhbHNlLCJIb3Jpem9udGFsQWxpZ25tZW50IjowLCJWZXJ0aWNhbEFsaWdubWVudCI6MCwiU21hcnRGb3JlZ3JvdW5kIjpudWxsLCJCYWNrZ3JvdW5kRmlsbFR5cGUiOjAsIk1hcmdpbiI6eyIkaWQiOiIzODkiLCJUb3AiOjAsIkxlZnQiOjAsIlJpZ2h0IjowLCJCb3R0b20iOjB9LCJQYWRkaW5nIjp7IiRpZCI6IjM5MCIsIlRvcCI6MCwiTGVmdCI6MCwiUmlnaHQiOjAsIkJvdHRvbSI6MH0sIkJhY2tncm91bmQiOnsiJHJlZiI6IjEyNCJ9LCJJc1Zpc2libGUiOnRydWUsIldpZHRoIjowLjAsIkhlaWdodCI6MC4wLCJCb3JkZXJTdHlsZSI6eyIkaWQiOiIzOTEiLCJMaW5lQ29sb3IiOm51bGwsIkxpbmVXZWlnaHQiOjAuMCwiTGluZVR5cGUiOjAsIlBhcmVudFN0eWxlIjpudWxsfSwiUGFyZW50U3R5bGUiOm51bGx9LCJEYXRlRm9ybWF0Ijp7IiRpZCI6IjM5MiIsIkZvcm1hdFN0cmluZyI6Ik0vZC95eXl5IiwiU2VwYXJhdG9yIjoiLyIsIlVzZUludGVybmF0aW9uYWxEYXRlRm9ybWF0IjpmYWxzZSwiRGF0ZUlzVmlzaWJsZSI6dHJ1ZSwiVGltZUlzVmlzaWJsZSI6ZmFsc2UsIkhvdXJEaWdpdHMiOjEsIkFtUG1EZXNpZ25hdG9yIjoyLCJUcmltMDBNaW51dGVzIjpmYWxzZSwiTGFzdEtub3duVmlzaWJpbGl0eVN0YXRlIjpudWxsfSwiSXNWaXNpYmxlIjp0cnVlLCJQYXJlbnRTdHlsZSI6bnVsbH0sIkluZGV4Ijo4LCJTbWFydER1cmF0aW9uQWN0aXZhdGVkIjpmYWxzZSwiRGF0ZUZvcm1hdCI6eyIkcmVmIjoiMzkyIn0sIklkIjoiNTU4NzE1NjYtYWNiNC00NzlmLWE1OTMtYzRkNzVmYWJhNWYzIiwiSW1wb3J0SWQiOm51bGwsIlRpdGxlIjoiQVIg7J2Y7IOBIOy2nOugpSDrqqjrk4gg6rCc67CcIiwiTm90ZSI6bnVsbCwiSHlwZXJsaW5rIjpudWxsLCJJc0NoYW5nZWQiOmZhbHNlLCJJc05ldyI6ZmFsc2V9LHsiJGlkIjoiMzkzIiwiR3JvdXBOYW1lIjpudWxsLCJTdGFydERhdGUiOiIyMDE5LTA1LTIwVDAwOjAwOjAwWiIsIkVuZERhdGUiOiIyMDE5LTA1LTI2VDIzOjU5OjAwWiIsIlBlcmNlbnRhZ2VDb21wbGV0ZSI6bnVsbCwiU3R5bGUiOnsiJGlkIjoiMzk0IiwiU2hhcGUiOjAsIlNoYXBlVGhpY2tuZXNzIjoxLCJEdXJhdGlvbkZvcm1hdCI6MCwiSW5jbHVkZU5vbldvcmtpbmdEYXlzSW5EdXJhdGlvbiI6ZmFsc2UsIlBlcmNlbnRhZ2VDb21wbGV0ZVN0eWxlIjp7IiRpZCI6IjM5NSIsIkZvbnRTZXR0aW5ncyI6eyIkaWQiOiIzOTYiLCJGb250U2l6ZSI6MTAsIkZvbnROYW1lIjoiQ2FsaWJyaSIsIklzQm9sZCI6ZmFsc2UsIklzSXRhbGljIjpmYWxzZSwiSXNVbmRlcmxpbmVkIjpmYWxzZSwiUGFyZW50U3R5bGUiOm51bGx9LCJBdXRvU2l6ZSI6MCwiRm9yZWdyb3VuZCI6eyIkaWQiOiIzOTciLCJDb2xvciI6eyIkcmVmIjoiODYifX0sIk1heFdpZHRoIjoyMDAuMCwiTWF4SGVpZ2h0IjoiSW5maW5pdHkiLCJTbWFydEZvcmVncm91bmRJc0FjdGl2ZSI6ZmFsc2UsIkhvcml6b250YWxBbGlnbm1lbnQiOjAsIlZlcnRpY2FsQWxpZ25tZW50IjowLCJTbWFydEZvcmVncm91bmQiOm51bGwsIkJhY2tncm91bmRGaWxsVHlwZSI6MCwiTWFyZ2luIjp7IiRpZCI6IjM5OCIsIlRvcCI6MCwiTGVmdCI6MCwiUmlnaHQiOjAsIkJvdHRvbSI6MH0sIlBhZGRpbmciOnsiJGlkIjoiMzk5IiwiVG9wIjowLCJMZWZ0IjowLCJSaWdodCI6MCwiQm90dG9tIjowfSwiQmFja2dyb3VuZCI6eyIkcmVmIjoiODkifSwiSXNWaXNpYmxlIjp0cnVlLCJXaWR0aCI6MC4wLCJIZWlnaHQiOjAuMCwiQm9yZGVyU3R5bGUiOnsiJGlkIjoiNDAwIiwiTGluZUNvbG9yIjpudWxsLCJMaW5lV2VpZ2h0IjowLjAsIkxpbmVUeXBlIjowLCJQYXJlbnRTdHlsZSI6bnVsbH0sIlBhcmVudFN0eWxlIjpudWxsfSwiRHVyYXRpb25TdHlsZSI6eyIkaWQiOiI0MDEiLCJGb250U2V0dGluZ3MiOnsiJGlkIjoiNDAyIiwiRm9udFNpemUiOjEwLCJGb250TmFtZSI6IkNhbGlicmkiLCJJc0JvbGQiOmZhbHNlLCJJc0l0YWxpYyI6ZmFsc2UsIklzVW5kZXJsaW5lZCI6ZmFsc2UsIlBhcmVudFN0eWxlIjpudWxsfSwiQXV0b1NpemUiOjAsIkZvcmVncm91bmQiOnsiJGlkIjoiNDAzIiwiQ29sb3IiOnsiJHJlZiI6IjkzIn19LCJNYXhXaWR0aCI6MjAwLjAsIk1heEhlaWdodCI6IkluZmluaXR5IiwiU21hcnRGb3JlZ3JvdW5kSXNBY3RpdmUiOmZhbHNlLCJIb3Jpem9udGFsQWxpZ25tZW50IjowLCJWZXJ0aWNhbEFsaWdubWVudCI6MCwiU21hcnRGb3JlZ3JvdW5kIjpudWxsLCJCYWNrZ3JvdW5kRmlsbFR5cGUiOjAsIk1hcmdpbiI6eyIkaWQiOiI0MDQiLCJUb3AiOjAsIkxlZnQiOjAsIlJpZ2h0IjowLCJCb3R0b20iOjB9LCJQYWRkaW5nIjp7IiRpZCI6IjQwNSIsIlRvcCI6MCwiTGVmdCI6MCwiUmlnaHQiOjAsIkJvdHRvbSI6MH0sIkJhY2tncm91bmQiOnsiJHJlZiI6Ijk2In0sIklzVmlzaWJsZSI6dHJ1ZSwiV2lkdGgiOjAuMCwiSGVpZ2h0IjowLjAsIkJvcmRlclN0eWxlIjp7IiRpZCI6IjQwNiIsIkxpbmVDb2xvciI6bnVsbCwiTGluZVdlaWdodCI6MC4wLCJMaW5lVHlwZSI6MCwiUGFyZW50U3R5bGUiOm51bGx9LCJQYXJlbnRTdHlsZSI6bnVsbH0sIkhvcml6b250YWxDb25uZWN0b3JTdHlsZSI6eyIkaWQiOiI0MDciLCJMaW5lQ29sb3IiOnsiJHJlZiI6Ijk4In0sIkxpbmVXZWlnaHQiOjEuMCwiTGluZVR5cGUiOjAsIlBhcmVudFN0eWxlIjpudWxsfSwiVmVydGljYWxDb25uZWN0b3JTdHlsZSI6eyIkaWQiOiI0MDgiLCJMaW5lQ29sb3IiOnsiJHJlZiI6IjEwMSJ9LCJMaW5lV2VpZ2h0IjowLjAsIkxpbmVUeXBlIjowLCJQYXJlbnRTdHlsZSI6bnVsbH0sIk1hcmdpbiI6bnVsbCwiU3RhcnREYXRlUG9zaXRpb24iOjQsIkVuZERhdGVQb3NpdGlvbiI6NCwiRGF0ZUlzVmlzaWJsZSI6dHJ1ZSwiVGl0bGVQb3NpdGlvbiI6NSwiRHVyYXRpb25Qb3NpdGlvbiI6NiwiUGVyY2VudGFnZUNvbXBsZXRlZFBvc2l0aW9uIjo2LCJTcGFjaW5nIjo1LCJJc0JlbG93VGltZWJhbmQiOnRydWUsIlBlcmNlbnRhZ2VDb21wbGV0ZVNoYXBlT3BhY2l0eSI6MzUsIlNoYXBlU3R5bGUiOnsiJGlkIjoiNDA5IiwiTWFyZ2luIjp7IiRpZCI6IjQxMCIsIlRvcCI6MCwiTGVmdCI6NCwiUmlnaHQiOjQsIkJvdHRvbSI6MH0sIlBhZGRpbmciOnsiJGlkIjoiNDExIiwiVG9wIjowLCJMZWZ0IjowLCJSaWdodCI6MCwiQm90dG9tIjowfSwiQmFja2dyb3VuZCI6eyIkaWQiOiI0MTIiLCJDb2xvciI6eyIkaWQiOiI0MTMiLCJBIjoyNTUsIlIiOjI1NSwiRyI6MTkyLCJCIjowfX0sIklzVmlzaWJsZSI6dHJ1ZSwiV2lkdGgiOjAuMCwiSGVpZ2h0IjoxNi4wLCJCb3JkZXJTdHlsZSI6eyIkaWQiOiI0MTQiLCJMaW5lQ29sb3IiOnsiJHJlZiI6IjEwOSJ9LCJMaW5lV2VpZ2h0IjowLjAsIkxpbmVUeXBlIjowLCJQYXJlbnRTdHlsZSI6bnVsbH0sIlBhcmVudFN0eWxlIjpudWxsfSwiVGl0bGVTdHlsZSI6eyIkaWQiOiI0MTUiLCJGb250U2V0dGluZ3MiOnsiJGlkIjoiNDE2IiwiRm9udFNpemUiOjExLCJGb250TmFtZSI6IkNhbGlicmkiLCJJc0JvbGQiOnRydWUsIklzSXRhbGljIjpmYWxzZSwiSXNVbmRlcmxpbmVkIjpmYWxzZSwiUGFyZW50U3R5bGUiOm51bGx9LCJBdXRvU2l6ZSI6MCwiRm9yZWdyb3VuZCI6eyIkaWQiOiI0MTciLCJDb2xvciI6eyIkcmVmIjoiMTE0In19LCJNYXhXaWR0aCI6OTYwLjAsIk1heEhlaWdodCI6IkluZmluaXR5IiwiU21hcnRGb3JlZ3JvdW5kSXNBY3RpdmUiOmZhbHNlLCJIb3Jpem9udGFsQWxpZ25tZW50IjowLCJWZXJ0aWNhbEFsaWdubWVudCI6MCwiU21hcnRGb3JlZ3JvdW5kIjpudWxsLCJCYWNrZ3JvdW5kRmlsbFR5cGUiOjAsIk1hcmdpbiI6eyIkaWQiOiI0MTgiLCJUb3AiOjAsIkxlZnQiOjAsIlJpZ2h0IjowLCJCb3R0b20iOjB9LCJQYWRkaW5nIjp7IiRpZCI6IjQxOSIsIlRvcCI6MCwiTGVmdCI6MCwiUmlnaHQiOjAsIkJvdHRvbSI6MH0sIkJhY2tncm91bmQiOnsiJHJlZiI6IjExNyJ9LCJJc1Zpc2libGUiOnRydWUsIldpZHRoIjowLjAsIkhlaWdodCI6MC4wLCJCb3JkZXJTdHlsZSI6eyIkaWQiOiI0MjAiLCJMaW5lQ29sb3IiOm51bGwsIkxpbmVXZWlnaHQiOjAuMCwiTGluZVR5cGUiOjAsIlBhcmVudFN0eWxlIjpudWxsfSwiUGFyZW50U3R5bGUiOm51bGx9LCJEYXRlU3R5bGUiOnsiJGlkIjoiNDIxIiwiRm9udFNldHRpbmdzIjp7IiRpZCI6IjQyMiIsIkZvbnRTaXplIjoxMCwiRm9udE5hbWUiOiJDYWxpYnJpIiwiSXNCb2xkIjpmYWxzZSwiSXNJdGFsaWMiOmZhbHNlLCJJc1VuZGVybGluZWQiOmZhbHNlLCJQYXJlbnRTdHlsZSI6bnVsbH0sIkF1dG9TaXplIjowLCJGb3JlZ3JvdW5kIjp7IiRpZCI6IjQyMyIsIkNvbG9yIjp7IiRyZWYiOiIxMjEifX0sIk1heFdpZHRoIjoyMDAuMCwiTWF4SGVpZ2h0IjoiSW5maW5pdHkiLCJTbWFydEZvcmVncm91bmRJc0FjdGl2ZSI6ZmFsc2UsIkhvcml6b250YWxBbGlnbm1lbnQiOjAsIlZlcnRpY2FsQWxpZ25tZW50IjowLCJTbWFydEZvcmVncm91bmQiOm51bGwsIkJhY2tncm91bmRGaWxsVHlwZSI6MCwiTWFyZ2luIjp7IiRpZCI6IjQyNCIsIlRvcCI6MCwiTGVmdCI6MCwiUmlnaHQiOjAsIkJvdHRvbSI6MH0sIlBhZGRpbmciOnsiJGlkIjoiNDI1IiwiVG9wIjowLCJMZWZ0IjowLCJSaWdodCI6MCwiQm90dG9tIjowfSwiQmFja2dyb3VuZCI6eyIkcmVmIjoiMTI0In0sIklzVmlzaWJsZSI6dHJ1ZSwiV2lkdGgiOjAuMCwiSGVpZ2h0IjowLjAsIkJvcmRlclN0eWxlIjp7IiRpZCI6IjQyNiIsIkxpbmVDb2xvciI6bnVsbCwiTGluZVdlaWdodCI6MC4wLCJMaW5lVHlwZSI6MCwiUGFyZW50U3R5bGUiOm51bGx9LCJQYXJlbnRTdHlsZSI6bnVsbH0sIkRhdGVGb3JtYXQiOnsiJGlkIjoiNDI3IiwiRm9ybWF0U3RyaW5nIjoiTS9kL3l5eXkiLCJTZXBhcmF0b3IiOiIvIiwiVXNlSW50ZXJuYXRpb25hbERhdGVGb3JtYXQiOmZhbHNlLCJEYXRlSXNWaXNpYmxlIjp0cnVlLCJUaW1lSXNWaXNpYmxlIjpmYWxzZSwiSG91ckRpZ2l0cyI6MSwiQW1QbURlc2lnbmF0b3IiOjIsIlRyaW0wME1pbnV0ZXMiOmZhbHNlLCJMYXN0S25vd25WaXNpYmlsaXR5U3RhdGUiOm51bGx9LCJJc1Zpc2libGUiOnRydWUsIlBhcmVudFN0eWxlIjpudWxsfSwiSW5kZXgiOjksIlNtYXJ0RHVyYXRpb25BY3RpdmF0ZWQiOmZhbHNlLCJEYXRlRm9ybWF0Ijp7IiRyZWYiOiI0MjcifSwiSWQiOiI4NTNmMmUyYS0xZDkxLTQ4MWYtOGIzZS1hM2ZkZWFkZDhmZmIiLCJJbXBvcnRJZCI6bnVsbCwiVGl0bGUiOiLsppDqsqjssL7quLAg66qo65OIIOqwnOuwnCIsIk5vdGUiOm51bGwsIkh5cGVybGluayI6bnVsbCwiSXNDaGFuZ2VkIjpmYWxzZSwiSXNOZXciOmZhbHNlfSx7IiRpZCI6IjQyOCIsIkdyb3VwTmFtZSI6bnVsbCwiU3RhcnREYXRlIjoiMjAxOS0wNi0wOFQwMDowMDowMCIsIkVuZERhdGUiOiIyMDE5LTA2LTE5VDIzOjU5OjAwIiwiUGVyY2VudGFnZUNvbXBsZXRlIjpudWxsLCJTdHlsZSI6eyIkaWQiOiI0MjkiLCJTaGFwZSI6MCwiU2hhcGVUaGlja25lc3MiOjEsIkR1cmF0aW9uRm9ybWF0IjowLCJJbmNsdWRlTm9uV29ya2luZ0RheXNJbkR1cmF0aW9uIjpmYWxzZSwiUGVyY2VudGFnZUNvbXBsZXRlU3R5bGUiOnsiJGlkIjoiNDMwIiwiRm9udFNldHRpbmdzIjp7IiRpZCI6IjQzMSIsIkZvbnRTaXplIjoxMCwiRm9udE5hbWUiOiJDYWxpYnJpIiwiSXNCb2xkIjpmYWxzZSwiSXNJdGFsaWMiOmZhbHNlLCJJc1VuZGVybGluZWQiOmZhbHNlLCJQYXJlbnRTdHlsZSI6bnVsbH0sIkF1dG9TaXplIjowLCJGb3JlZ3JvdW5kIjp7IiRpZCI6IjQzMiIsIkNvbG9yIjp7IiRyZWYiOiI4NiJ9fSwiTWF4V2lkdGgiOjIwMC4wLCJNYXhIZWlnaHQiOiJJbmZpbml0eSIsIlNtYXJ0Rm9yZWdyb3VuZElzQWN0aXZlIjpmYWxzZSwiSG9yaXpvbnRhbEFsaWdubWVudCI6MCwiVmVydGljYWxBbGlnbm1lbnQiOjAsIlNtYXJ0Rm9yZWdyb3VuZCI6bnVsbCwiQmFja2dyb3VuZEZpbGxUeXBlIjowLCJNYXJnaW4iOnsiJGlkIjoiNDMzIiwiVG9wIjowLCJMZWZ0IjowLCJSaWdodCI6MCwiQm90dG9tIjowfSwiUGFkZGluZyI6eyIkaWQiOiI0MzQiLCJUb3AiOjAsIkxlZnQiOjAsIlJpZ2h0IjowLCJCb3R0b20iOjB9LCJCYWNrZ3JvdW5kIjp7IiRyZWYiOiI4OSJ9LCJJc1Zpc2libGUiOnRydWUsIldpZHRoIjowLjAsIkhlaWdodCI6MC4wLCJCb3JkZXJTdHlsZSI6eyIkaWQiOiI0MzUiLCJMaW5lQ29sb3IiOm51bGwsIkxpbmVXZWlnaHQiOjAuMCwiTGluZVR5cGUiOjAsIlBhcmVudFN0eWxlIjpudWxsfSwiUGFyZW50U3R5bGUiOm51bGx9LCJEdXJhdGlvblN0eWxlIjp7IiRpZCI6IjQzNiIsIkZvbnRTZXR0aW5ncyI6eyIkaWQiOiI0MzciLCJGb250U2l6ZSI6MTAsIkZvbnROYW1lIjoiQ2FsaWJyaSIsIklzQm9sZCI6ZmFsc2UsIklzSXRhbGljIjpmYWxzZSwiSXNVbmRlcmxpbmVkIjpmYWxzZSwiUGFyZW50U3R5bGUiOm51bGx9LCJBdXRvU2l6ZSI6MCwiRm9yZWdyb3VuZCI6eyIkaWQiOiI0MzgiLCJDb2xvciI6eyIkcmVmIjoiOTMifX0sIk1heFdpZHRoIjoyMDAuMCwiTWF4SGVpZ2h0IjoiSW5maW5pdHkiLCJTbWFydEZvcmVncm91bmRJc0FjdGl2ZSI6ZmFsc2UsIkhvcml6b250YWxBbGlnbm1lbnQiOjAsIlZlcnRpY2FsQWxpZ25tZW50IjowLCJTbWFydEZvcmVncm91bmQiOm51bGwsIkJhY2tncm91bmRGaWxsVHlwZSI6MCwiTWFyZ2luIjp7IiRpZCI6IjQzOSIsIlRvcCI6MCwiTGVmdCI6MCwiUmlnaHQiOjAsIkJvdHRvbSI6MH0sIlBhZGRpbmciOnsiJGlkIjoiNDQwIiwiVG9wIjowLCJMZWZ0IjowLCJSaWdodCI6MCwiQm90dG9tIjowfSwiQmFja2dyb3VuZCI6eyIkcmVmIjoiOTYifSwiSXNWaXNpYmxlIjp0cnVlLCJXaWR0aCI6MC4wLCJIZWlnaHQiOjAuMCwiQm9yZGVyU3R5bGUiOnsiJGlkIjoiNDQxIiwiTGluZUNvbG9yIjpudWxsLCJMaW5lV2VpZ2h0IjowLjAsIkxpbmVUeXBlIjowLCJQYXJlbnRTdHlsZSI6bnVsbH0sIlBhcmVudFN0eWxlIjpudWxsfSwiSG9yaXpvbnRhbENvbm5lY3RvclN0eWxlIjp7IiRpZCI6IjQ0MiIsIkxpbmVDb2xvciI6eyIkcmVmIjoiOTgifSwiTGluZVdlaWdodCI6MS4wLCJMaW5lVHlwZSI6MCwiUGFyZW50U3R5bGUiOm51bGx9LCJWZXJ0aWNhbENvbm5lY3RvclN0eWxlIjp7IiRpZCI6IjQ0MyIsIkxpbmVDb2xvciI6eyIkcmVmIjoiMTAxIn0sIkxpbmVXZWlnaHQiOjAuMCwiTGluZVR5cGUiOjAsIlBhcmVudFN0eWxlIjpudWxsfSwiTWFyZ2luIjpudWxsLCJTdGFydERhdGVQb3NpdGlvbiI6NCwiRW5kRGF0ZVBvc2l0aW9uIjo0LCJEYXRlSXNWaXNpYmxlIjp0cnVlLCJUaXRsZVBvc2l0aW9uIjo1LCJEdXJhdGlvblBvc2l0aW9uIjo2LCJQZXJjZW50YWdlQ29tcGxldGVkUG9zaXRpb24iOjYsIlNwYWNpbmciOjUsIklzQmVsb3dUaW1lYmFuZCI6dHJ1ZSwiUGVyY2VudGFnZUNvbXBsZXRlU2hhcGVPcGFjaXR5IjozNSwiU2hhcGVTdHlsZSI6eyIkaWQiOiI0NDQiLCJNYXJnaW4iOnsiJGlkIjoiNDQ1IiwiVG9wIjowLCJMZWZ0Ijo0LCJSaWdodCI6NCwiQm90dG9tIjowfSwiUGFkZGluZyI6eyIkaWQiOiI0NDYiLCJUb3AiOjAsIkxlZnQiOjAsIlJpZ2h0IjowLCJCb3R0b20iOjB9LCJCYWNrZ3JvdW5kIjp7IiRpZCI6IjQ0NyIsIkNvbG9yIjp7IiRpZCI6IjQ0OCIsIkEiOjI1NSwiUiI6OTEsIkciOjE1NSwiQiI6MjEzfX0sIklzVmlzaWJsZSI6dHJ1ZSwiV2lkdGgiOjAuMCwiSGVpZ2h0IjoxNi4wLCJCb3JkZXJTdHlsZSI6eyIkaWQiOiI0NDkiLCJMaW5lQ29sb3IiOnsiJHJlZiI6IjEwOSJ9LCJMaW5lV2VpZ2h0IjowLjAsIkxpbmVUeXBlIjowLCJQYXJlbnRTdHlsZSI6bnVsbH0sIlBhcmVudFN0eWxlIjpudWxsfSwiVGl0bGVTdHlsZSI6eyIkaWQiOiI0NTAiLCJGb250U2V0dGluZ3MiOnsiJGlkIjoiNDUxIiwiRm9udFNpemUiOjExLCJGb250TmFtZSI6IkNhbGlicmkiLCJJc0JvbGQiOnRydWUsIklzSXRhbGljIjpmYWxzZSwiSXNVbmRlcmxpbmVkIjpmYWxzZSwiUGFyZW50U3R5bGUiOm51bGx9LCJBdXRvU2l6ZSI6MCwiRm9yZWdyb3VuZCI6eyIkaWQiOiI0NTIiLCJDb2xvciI6eyIkcmVmIjoiMTE0In19LCJNYXhXaWR0aCI6NzIwLjAsIk1heEhlaWdodCI6IkluZmluaXR5IiwiU21hcnRGb3JlZ3JvdW5kSXNBY3RpdmUiOmZhbHNlLCJIb3Jpem9udGFsQWxpZ25tZW50IjowLCJWZXJ0aWNhbEFsaWdubWVudCI6MCwiU21hcnRGb3JlZ3JvdW5kIjpudWxsLCJCYWNrZ3JvdW5kRmlsbFR5cGUiOjAsIk1hcmdpbiI6eyIkaWQiOiI0NTMiLCJUb3AiOjAsIkxlZnQiOjAsIlJpZ2h0IjowLCJCb3R0b20iOjB9LCJQYWRkaW5nIjp7IiRpZCI6IjQ1NCIsIlRvcCI6MCwiTGVmdCI6MCwiUmlnaHQiOjAsIkJvdHRvbSI6MH0sIkJhY2tncm91bmQiOnsiJHJlZiI6IjExNyJ9LCJJc1Zpc2libGUiOnRydWUsIldpZHRoIjowLjAsIkhlaWdodCI6MC4wLCJCb3JkZXJTdHlsZSI6eyIkaWQiOiI0NTUiLCJMaW5lQ29sb3IiOm51bGwsIkxpbmVXZWlnaHQiOjAuMCwiTGluZVR5cGUiOjAsIlBhcmVudFN0eWxlIjpudWxsfSwiUGFyZW50U3R5bGUiOm51bGx9LCJEYXRlU3R5bGUiOnsiJGlkIjoiNDU2IiwiRm9udFNldHRpbmdzIjp7IiRpZCI6IjQ1NyIsIkZvbnRTaXplIjoxMCwiRm9udE5hbWUiOiJDYWxpYnJpIiwiSXNCb2xkIjpmYWxzZSwiSXNJdGFsaWMiOmZhbHNlLCJJc1VuZGVybGluZWQiOmZhbHNlLCJQYXJlbnRTdHlsZSI6bnVsbH0sIkF1dG9TaXplIjowLCJGb3JlZ3JvdW5kIjp7IiRpZCI6IjQ1OCIsIkNvbG9yIjp7IiRyZWYiOiIxMjEifX0sIk1heFdpZHRoIjoyMDAuMCwiTWF4SGVpZ2h0IjoiSW5maW5pdHkiLCJTbWFydEZvcmVncm91bmRJc0FjdGl2ZSI6ZmFsc2UsIkhvcml6b250YWxBbGlnbm1lbnQiOjAsIlZlcnRpY2FsQWxpZ25tZW50IjowLCJTbWFydEZvcmVncm91bmQiOm51bGwsIkJhY2tncm91bmRGaWxsVHlwZSI6MCwiTWFyZ2luIjp7IiRpZCI6IjQ1OSIsIlRvcCI6MCwiTGVmdCI6MCwiUmlnaHQiOjAsIkJvdHRvbSI6MH0sIlBhZGRpbmciOnsiJGlkIjoiNDYwIiwiVG9wIjowLCJMZWZ0IjowLCJSaWdodCI6MCwiQm90dG9tIjowfSwiQmFja2dyb3VuZCI6eyIkcmVmIjoiMTI0In0sIklzVmlzaWJsZSI6dHJ1ZSwiV2lkdGgiOjAuMCwiSGVpZ2h0IjowLjAsIkJvcmRlclN0eWxlIjp7IiRpZCI6IjQ2MSIsIkxpbmVDb2xvciI6bnVsbCwiTGluZVdlaWdodCI6MC4wLCJMaW5lVHlwZSI6MCwiUGFyZW50U3R5bGUiOm51bGx9LCJQYXJlbnRTdHlsZSI6bnVsbH0sIkRhdGVGb3JtYXQiOnsiJGlkIjoiNDYyIiwiRm9ybWF0U3RyaW5nIjoiTS9kL3l5eXkiLCJTZXBhcmF0b3IiOiIvIiwiVXNlSW50ZXJuYXRpb25hbERhdGVGb3JtYXQiOmZhbHNlLCJEYXRlSXNWaXNpYmxlIjp0cnVlLCJUaW1lSXNWaXNpYmxlIjpmYWxzZSwiSG91ckRpZ2l0cyI6MSwiQW1QbURlc2lnbmF0b3IiOjIsIlRyaW0wME1pbnV0ZXMiOmZhbHNlLCJMYXN0S25vd25WaXNpYmlsaXR5U3RhdGUiOm51bGx9LCJJc1Zpc2libGUiOnRydWUsIlBhcmVudFN0eWxlIjpudWxsfSwiSW5kZXgiOjEwLCJTbWFydER1cmF0aW9uQWN0aXZhdGVkIjpmYWxzZSwiRGF0ZUZvcm1hdCI6eyIkcmVmIjoiNDYyIn0sIklkIjoiMjJmMzlmYjgtMjk5NC00OTExLWFhYzYtMGZmMjk1ODdlZmQ0IiwiSW1wb3J0SWQiOm51bGwsIlRpdGxlIjoi7LWc7KKFIOuztOqzoOyEnCDsnpHshLEg67CPIO2UvOuTnOuwsSIsIk5vdGUiOm51bGwsIkh5cGVybGluayI6bnVsbCwiSXNDaGFuZ2VkIjpmYWxzZSwiSXNOZXciOmZhbHNlfV0sIk1zUHJvamVjdEl0ZW1zVHJlZSI6eyIkaWQiOiI0NjMiLCJSb290Ijp7IkltcG9ydElkIjpudWxsLCJJc0ltcG9ydGVkIjpmYWxzZSwiQ2hpbGRyZW4iOltdfX0sIk1ldGFkYXRhIjp7IiRpZCI6IjQ2NCIsIlJlY2VudENvbG9yc0NvbGxlY3Rpb24iOiJbXCIjRkZGRkMwMDBcIixcIiNGRkVEN0QzMVwiLFwiI0ZGNUI5QkQ1XCIsXCIjRkY0NDU0NkFcIixcIiNGRjcwQUQ0N1wiXSJ9LCJTZXR0aW5ncyI6eyIkaWQiOiI0NjUiLCJJbXBhT3B0aW9ucyI6eyIkaWQiOiI0NjYiLCJMZWZ0VG9SaWdodCI6ZmFsc2UsIlBheWxvYWRPcHRpb25zIjoyfSwiVXNlQ29tcHJlc3Npb24iOmZhbHNlLCJDb21wcmVzaW9uUGVyY2VudGFnZSI6NTAuMCwiSW5hY3RpdmVJbnRlcnZhbFdpZHRoVGhyZXNob2xkIjozMC4wLCJJbmFjdGl2ZUludGVydmFsV2lkdGgiOjEuMCwiU3BsaXRUYXNrcyI6ZmFsc2UsIlVzZUNsdXN0ZXIiOmZhbHNlLCJFcHNpbG9uIjowLjAsIk1pblBvaW50c1RvRm9ybUFDbHVzdGVyIjoyLCJHZW5lcmF0ZUludmlzaWJsZVNoYXBlcyI6ZmFsc2UsIlNtYXJ0VGltZWxpbmVUYXNrUGVyY2VudGFnZUZpdCI6ZmFsc2V9LCJJc05ldyI6dHJ1ZSwiSW1wb3J0VHlwZSI6MCwiRmlsZVBhdGgiOm51bGwsIlRpbWVDb25maWd1cmF0aW9uIjp7IiRpZCI6IjQ2NyIsIlVzZVRpbWUiOmZhbHNlLCJXb3JrRGF5U3RhcnQiOiIwMDowMDowMCIsIldvcmtEYXlFbmQiOiIyMzo1OTowMCJ9LCJMYXN0VXNlZFRlbXBsYXRlSWQiOiI3MzU1YjYzMy1hYzY2LTQ1MjgtOGI0ZC0yOTlmYWVkYzllZTkifQ=="/>
+  <p:tag name="__PART_0" val="eyIkaWQiOiIxIiwiQ3VsdHVyZUluZm9OYW1lIjoia28tS1IiLCJTdHlsZU5hbWUiOm51bGwsIlZlcnNpb24iOnsiJGlkIjoiMiIsIlZlcnNpb24iOiIzLjEuMyIsIk9yaWdpbmFsQXNzZW1ibHlWZXJzaW9uIjoiMy42Mi4xMS4wMCIsIkVkaXRpb24iOiJCYXNpYyIsIklzUGx1c0VkaXRpb24iOmZhbHNlfSwiRWZmZWN0IjoxLCJTdHlsZSI6eyIkaWQiOiIzIiwiVGltZWJhbmRTdHlsZSI6eyIkaWQiOiI0IiwiU2NhbGVNYXJraW5nIjowLCJTaGFwZSI6MCwiU2hhcGVTdHlsZSI6eyIkaWQiOiI1IiwiTWFyZ2luIjp7IiRpZCI6IjYiLCJUb3AiOjAsIkxlZnQiOjEyLCJSaWdodCI6MTIsIkJvdHRvbSI6MH0sIlBhZGRpbmciOnsiJGlkIjoiNyIsIlRvcCI6NywiTGVmdCI6MCwiUmlnaHQiOjAsIkJvdHRvbSI6N30sIkJhY2tncm91bmQiOnsiJGlkIjoiOCIsIkNvbG9yIjp7IiRpZCI6IjkiLCJBIjoyNTUsIlIiOjY4LCJHIjo4NCwiQiI6MTA2fX0sIklzVmlzaWJsZSI6dHJ1ZSwiV2lkdGgiOjg1OC4wLCJIZWlnaHQiOjMwLjAsIkJvcmRlclN0eWxlIjp7IiRpZCI6IjEwIiwiTGluZUNvbG9yIjp7IiRpZCI6IjExIiwiJHR5cGUiOiJOTFJFLkNvbW1vbi5Eb20uU29saWRDb2xvckJydXNoLCBOTFJFLkNvbW1vbiIsIkNvbG9yIjp7IiRpZCI6IjEyIiwiQSI6MjU1LCJSIjoyNTUsIkciOjAsIkIiOjB9fSwiTGluZVdlaWdodCI6MC4wLCJMaW5lVHlwZSI6MCwiUGFyZW50U3R5bGUiOm51bGx9LCJQYXJlbnRTdHlsZSI6bnVsbH0sIlJpZ2h0RW5kQ2Fwc1N0eWxlIjp7IiRpZCI6IjEzIiwiRm9udFNldHRpbmdzIjp7IiRpZCI6IjE0IiwiRm9udFNpemUiOjE4LCJGb250TmFtZSI6IkNhbGlicmkiLCJJc0JvbGQiOnRydWUsIklzSXRhbGljIjpmYWxzZSwiSXNVbmRlcmxpbmVkIjpmYWxzZSwiUGFyZW50U3R5bGUiOm51bGx9LCJBdXRvU2l6ZSI6MCwiRm9yZWdyb3VuZCI6eyIkaWQiOiIxNSIsIkNvbG9yIjp7IiRpZCI6IjE2IiwiQSI6MjU1LCJSIjoyMzcsIkciOjEyNSwiQiI6NDl9fSwiTWF4V2lkdGgiOiJJbmZpbml0eSIsIk1heEhlaWdodCI6IkluZmluaXR5IiwiU21hcnRGb3JlZ3JvdW5kSXNBY3RpdmUiOmZhbHNlLCJIb3Jpem9udGFsQWxpZ25tZW50IjowLCJWZXJ0aWNhbEFsaWdubWVudCI6MCwiU21hcnRGb3JlZ3JvdW5kIjpudWxsLCJCYWNrZ3JvdW5kRmlsbFR5cGUiOjAsIk1hcmdpbiI6eyIkaWQiOiIxNyIsIlRvcCI6MCwiTGVmdCI6MCwiUmlnaHQiOjI1LCJCb3R0b20iOjB9LCJQYWRkaW5nIjp7IiRpZCI6IjE4IiwiVG9wIjowLCJMZWZ0IjowLCJSaWdodCI6MCwiQm90dG9tIjowfSwiQmFja2dyb3VuZCI6eyIkaWQiOiIxOSIsIkNvbG9yIjp7IiRpZCI6IjIwIiwiQSI6ODksIlIiOjAsIkciOjAsIkIiOjB9fSwiSXNWaXNpYmxlIjp0cnVlLCJXaWR0aCI6MC4wLCJIZWlnaHQiOjAuMCwiQm9yZGVyU3R5bGUiOm51bGwsIlBhcmVudFN0eWxlIjpudWxsfSwiTGVmdEVuZENhcHNTdHlsZSI6eyIkaWQiOiIyMSIsIkZvbnRTZXR0aW5ncyI6eyIkaWQiOiIyMiIsIkZvbnRTaXplIjoxOCwiRm9udE5hbWUiOiJDYWxpYnJpIiwiSXNCb2xkIjp0cnVlLCJJc0l0YWxpYyI6ZmFsc2UsIklzVW5kZXJsaW5lZCI6ZmFsc2UsIlBhcmVudFN0eWxlIjpudWxsfSwiQXV0b1NpemUiOjAsIkZvcmVncm91bmQiOnsiJGlkIjoiMjMiLCJDb2xvciI6eyIkaWQiOiIyNCIsIkEiOjI1NSwiUiI6MjM3LCJHIjoxMjUsIkIiOjQ5fX0sIk1heFdpZHRoIjoiSW5maW5pdHkiLCJNYXhIZWlnaHQiOiJJbmZpbml0eSIsIlNtYXJ0Rm9yZWdyb3VuZElzQWN0aXZlIjpmYWxzZSwiSG9yaXpvbnRhbEFsaWdubWVudCI6MCwiVmVydGljYWxBbGlnbm1lbnQiOjAsIlNtYXJ0Rm9yZWdyb3VuZCI6bnVsbCwiQmFja2dyb3VuZEZpbGxUeXBlIjowLCJNYXJnaW4iOnsiJGlkIjoiMjUiLCJUb3AiOjAsIkxlZnQiOjI1LCJSaWdodCI6MCwiQm90dG9tIjowfSwiUGFkZGluZyI6eyIkaWQiOiIyNiIsIlRvcCI6MCwiTGVmdCI6MCwiUmlnaHQiOjAsIkJvdHRvbSI6MH0sIkJhY2tncm91bmQiOnsiJGlkIjoiMjciLCJDb2xvciI6eyIkcmVmIjoiMjAifX0sIklzVmlzaWJsZSI6dHJ1ZSwiV2lkdGgiOjAuMCwiSGVpZ2h0IjowLjAsIkJvcmRlclN0eWxlIjpudWxsLCJQYXJlbnRTdHlsZSI6bnVsbH0sIlRvZGF5VGV4dFN0eWxlIjp7IiRpZCI6IjI4IiwiRm9udFNldHRpbmdzIjp7IiRpZCI6IjI5IiwiRm9udFNpemUiOjEyLCJGb250TmFtZSI6IkNhbGlicmkiLCJJc0JvbGQiOmZhbHNlLCJJc0l0YWxpYyI6ZmFsc2UsIklzVW5kZXJsaW5lZCI6ZmFsc2UsIlBhcmVudFN0eWxlIjpudWxsfSwiQXV0b1NpemUiOjAsIkZvcmVncm91bmQiOnsiJGlkIjoiMzAiLCJDb2xvciI6eyIkaWQiOiIzMSIsIkEiOjI1NSwiUiI6MCwiRyI6MCwiQiI6MH19LCJNYXhXaWR0aCI6MjAwLjAsIk1heEhlaWdodCI6IkluZmluaXR5IiwiU21hcnRGb3JlZ3JvdW5kSXNBY3RpdmUiOmZhbHNlLCJIb3Jpem9udGFsQWxpZ25tZW50IjowLCJWZXJ0aWNhbEFsaWdubWVudCI6MCwiU21hcnRGb3JlZ3JvdW5kIjpudWxsLCJCYWNrZ3JvdW5kRmlsbFR5cGUiOjAsIk1hcmdpbiI6eyIkaWQiOiIzMiIsIlRvcCI6MCwiTGVmdCI6MCwiUmlnaHQiOjAsIkJvdHRvbSI6MH0sIlBhZGRpbmciOnsiJGlkIjoiMzMiLCJUb3AiOjAsIkxlZnQiOjAsIlJpZ2h0IjowLCJCb3R0b20iOjB9LCJCYWNrZ3JvdW5kIjp7IiRpZCI6IjM0IiwiQ29sb3IiOnsiJHJlZiI6IjIwIn19LCJJc1Zpc2libGUiOnRydWUsIldpZHRoIjowLjAsIkhlaWdodCI6MC4wLCJCb3JkZXJTdHlsZSI6bnVsbCwiUGFyZW50U3R5bGUiOm51bGx9LCJUb2RheU1hcmtlclN0eWxlIjp7IiRpZCI6IjM1IiwiTWFyZ2luIjp7IiRpZCI6IjM2IiwiVG9wIjowLCJMZWZ0IjowLCJSaWdodCI6MCwiQm90dG9tIjowfSwiUGFkZGluZyI6eyIkaWQiOiIzNyIsIlRvcCI6MCwiTGVmdCI6MCwiUmlnaHQiOjAsIkJvdHRvbSI6MH0sIkJhY2tncm91bmQiOnsiJGlkIjoiMzgiLCJDb2xvciI6eyIkaWQiOiIzOSIsIkEiOjI1NSwiUiI6MjU1LCJHIjowLCJCIjowfX0sIklzVmlzaWJsZSI6dHJ1ZSwiV2lkdGgiOjAuMCwiSGVpZ2h0IjowLjAsIkJvcmRlclN0eWxlIjpudWxsLCJQYXJlbnRTdHlsZSI6bnVsbH0sIlNjYWxlU3R5bGUiOnsiJGlkIjoiNDAiLCJTaG93U2VnbWVudFNlcGFyYXRvcnMiOnRydWUsIlNlZ21lbnRTZXBhcmF0b3JPcGFjaXR5IjozMCwiRm9udFNldHRpbmdzIjp7IiRpZCI6IjQxIiwiRm9udFNpemUiOjEyLCJGb250TmFtZSI6IkNhbGlicmkiLCJJc0JvbGQiOmZhbHNlLCJJc0l0YWxpYyI6ZmFsc2UsIklzVW5kZXJsaW5lZCI6ZmFsc2UsIlBhcmVudFN0eWxlIjpudWxsfSwiQXV0b1NpemUiOjAsIkZvcmVncm91bmQiOnsiJGlkIjoiNDIiLCJDb2xvciI6eyIkaWQiOiI0MyIsIkEiOjI1NSwiUiI6MjU1LCJHIjoyNTUsIkIiOjI1NX19LCJNYXhXaWR0aCI6MjAwLjAsIk1heEhlaWdodCI6IkluZmluaXR5IiwiU21hcnRGb3JlZ3JvdW5kSXNBY3RpdmUiOmZhbHNlLCJIb3Jpem9udGFsQWxpZ25tZW50IjowLCJWZXJ0aWNhbEFsaWdubWVudCI6MSwiU21hcnRGb3JlZ3JvdW5kIjpudWxsLCJCYWNrZ3JvdW5kRmlsbFR5cGUiOjAsIk1hcmdpbiI6eyIkaWQiOiI0NCIsIlRvcCI6MCwiTGVmdCI6NSwiUmlnaHQiOjAsIkJvdHRvbSI6MH0sIlBhZGRpbmciOnsiJGlkIjoiNDUiLCJUb3AiOjAsIkxlZnQiOjAsIlJpZ2h0IjowLCJCb3R0b20iOjB9LCJCYWNrZ3JvdW5kIjp7IiRpZCI6IjQ2IiwiQ29sb3IiOnsiJHJlZiI6IjIwIn19LCJJc1Zpc2libGUiOnRydWUsIldpZHRoIjowLjAsIkhlaWdodCI6MC4wLCJCb3JkZXJTdHlsZSI6bnVsbCwiUGFyZW50U3R5bGUiOm51bGx9LCJFbGFwc2VkVGltZUJhY2tncm91bmQiOnsiJGlkIjoiNDciLCJDb2xvciI6eyIkaWQiOiI0OCIsIkEiOjE5MSwiUiI6MjU1LCJHIjowLCJCIjowfX0sIkFwcGVuZFllYXJPblllYXJDaGFuZ2UiOnRydWUsIkVsYXBzZWRUaW1lRm9ybWF0IjoyLCJUb2RheU1hcmtlclBvc2l0aW9uIjozLCJRdWlja1Bvc2l0aW9uIjoxLCJBYnNvbHV0ZVBvc2l0aW9uIjoyNDAuMCwiTWFyZ2luIjp7IiRpZCI6IjQ5IiwiVG9wIjowLCJMZWZ0IjoxMCwiUmlnaHQiOjEwLCJCb3R0b20iOjB9LCJQYWRkaW5nIjp7IiRpZCI6IjUwIiwiVG9wIjowLCJMZWZ0IjowLCJSaWdodCI6MCwiQm90dG9tIjowfSwiQmFja2dyb3VuZCI6eyIkaWQiOiI1MSIsIkNvbG9yIjp7IiRpZCI6IjUyIiwiQSI6MjU1LCJSIjozMSwiRyI6NzMsIkIiOjEyNX19LCJJc1Zpc2libGUiOnRydWUsIldpZHRoIjowLjAsIkhlaWdodCI6MC4wLCJCb3JkZXJTdHlsZSI6bnVsbCwiUGFyZW50U3R5bGUiOm51bGx9LCJEZWZhdWx0TWlsZXN0b25lU3R5bGUiOnsiJGlkIjoiNTMiLCJTaGFwZSI6MiwiQ29ubmVjdG9yTWFyZ2luIjp7IiRpZCI6IjU0IiwiVG9wIjowLCJMZWZ0IjoyLCJSaWdodCI6MiwiQm90dG9tIjowfSwiQ29ubmVjdG9yU3R5bGUiOnsiJGlkIjoiNTUiLCJMaW5lQ29sb3IiOnsiJGlkIjoiNTYiLCIkdHlwZSI6Ik5MUkUuQ29tbW9uLkRvbS5Tb2xpZENvbG9yQnJ1c2gsIE5MUkUuQ29tbW9uIiwiQ29sb3IiOnsiJGlkIjoiNTciLCJBIjoxMjcsIlIiOjMxLCJHIjo3MywiQiI6MTI2fX0sIkxpbmVXZWlnaHQiOjEuMCwiTGluZVR5cGUiOjAsIlBhcmVudFN0eWxlIjpudWxsfSwiSXNCZWxvd1RpbWViYW5kIjpmYWxzZSwiSGlkZURhdGUiOmZhbHNlLCJTaGFwZVNpemUiOjEsIlNwYWNpbmciOjEuMCwiUGFkZGluZyI6eyIkaWQiOiI1OCIsIlRvcCI6NywiTGVmdCI6MywiUmlnaHQiOjAsIkJvdHRvbSI6Mn0sIlNoYXBlU3R5bGUiOnsiJGlkIjoiNTkiLCJNYXJnaW4iOnsiJGlkIjoiNjAiLCJUb3AiOjAsIkxlZnQiOjAsIlJpZ2h0IjowLCJCb3R0b20iOjB9LCJQYWRkaW5nIjp7IiRpZCI6IjYxIiwiVG9wIjowLCJMZWZ0IjowLCJSaWdodCI6MCwiQm90dG9tIjowfSwiQmFja2dyb3VuZCI6eyIkaWQiOiI2MiIsIkNvbG9yIjp7IiRpZCI6IjYzIiwiQSI6MjU1LCJSIjowLCJHIjoxMTQsIkIiOjE4OH19LCJJc1Zpc2libGUiOnRydWUsIldpZHRoIjoxOC4wLCJIZWlnaHQiOjIwLjAsIkJvcmRlclN0eWxlIjp7IiRpZCI6IjY0IiwiTGluZUNvbG9yIjp7IiRpZCI6IjY1IiwiJHR5cGUiOiJOTFJFLkNvbW1vbi5Eb20uU29saWRDb2xvckJydXNoLCBOTFJFLkNvbW1vbiIsIkNvbG9yIjp7IiRpZCI6IjY2IiwiQSI6MjU1LCJSIjoyNTUsIkciOjAsIkIiOjB9fSwiTGluZVdlaWdodCI6MC4wLCJMaW5lVHlwZSI6MCwiUGFyZW50U3R5bGUiOm51bGx9LCJQYXJlbnRTdHlsZSI6bnVsbH0sIlRpdGxlU3R5bGUiOnsiJGlkIjoiNjciLCJGb250U2V0dGluZ3MiOnsiJGlkIjoiNjgiLCJGb250U2l6ZSI6MTEsIkZvbnROYW1lIjoiQ2FsaWJyaSIsIklzQm9sZCI6dHJ1ZSwiSXNJdGFsaWMiOmZhbHNlLCJJc1VuZGVybGluZWQiOmZhbHNlLCJQYXJlbnRTdHlsZSI6bnVsbH0sIkF1dG9TaXplIjowLCJGb3JlZ3JvdW5kIjp7IiRpZCI6IjY5IiwiQ29sb3IiOnsiJGlkIjoiNzAiLCJBIjoyNTUsIlIiOjAsIkciOjAsIkIiOjB9fSwiTWF4V2lkdGgiOjIwMC4wLCJNYXhIZWlnaHQiOiJJbmZpbml0eSIsIlNtYXJ0Rm9yZWdyb3VuZElzQWN0aXZlIjpmYWxzZSwiSG9yaXpvbnRhbEFsaWdubWVudCI6MCwiVmVydGljYWxBbGlnbm1lbnQiOjAsIlNtYXJ0Rm9yZWdyb3VuZCI6bnVsbCwiQmFja2dyb3VuZEZpbGxUeXBlIjowLCJNYXJnaW4iOnsiJGlkIjoiNzEiLCJUb3AiOjAsIkxlZnQiOjAsIlJpZ2h0IjowLCJCb3R0b20iOjB9LCJQYWRkaW5nIjp7IiRpZCI6IjcyIiwiVG9wIjowLCJMZWZ0IjowLCJSaWdodCI6MCwiQm90dG9tIjowfSwiQmFja2dyb3VuZCI6eyIkaWQiOiI3MyIsIkNvbG9yIjp7IiRyZWYiOiIyMCJ9fSwiSXNWaXNpYmxlIjp0cnVlLCJXaWR0aCI6MC4wLCJIZWlnaHQiOjAuMCwiQm9yZGVyU3R5bGUiOm51bGwsIlBhcmVudFN0eWxlIjpudWxsfSwiRGF0ZVN0eWxlIjp7IiRpZCI6Ijc0IiwiRm9udFNldHRpbmdzIjp7IiRpZCI6Ijc1IiwiRm9udFNpemUiOjEwLCJGb250TmFtZSI6IkNhbGlicmkiLCJJc0JvbGQiOmZhbHNlLCJJc0l0YWxpYyI6ZmFsc2UsIklzVW5kZXJsaW5lZCI6ZmFsc2UsIlBhcmVudFN0eWxlIjpudWxsfSwiQXV0b1NpemUiOjAsIkZvcmVncm91bmQiOnsiJGlkIjoiNzYiLCJDb2xvciI6eyIkaWQiOiI3NyIsIkEiOjI1NSwiUiI6NjgsIkciOjg0LCJCIjoxMDZ9fSwiTWF4V2lkdGgiOjIwMC4wLCJNYXhIZWlnaHQiOiJJbmZpbml0eSIsIlNtYXJ0Rm9yZWdyb3VuZElzQWN0aXZlIjpmYWxzZSwiSG9yaXpvbnRhbEFsaWdubWVudCI6MCwiVmVydGljYWxBbGlnbm1lbnQiOjAsIlNtYXJ0Rm9yZWdyb3VuZCI6bnVsbCwiQmFja2dyb3VuZEZpbGxUeXBlIjowLCJNYXJnaW4iOnsiJGlkIjoiNzgiLCJUb3AiOjAsIkxlZnQiOjAsIlJpZ2h0IjowLCJCb3R0b20iOjB9LCJQYWRkaW5nIjp7IiRpZCI6Ijc5IiwiVG9wIjowLCJMZWZ0IjowLCJSaWdodCI6MCwiQm90dG9tIjowfSwiQmFja2dyb3VuZCI6eyIkaWQiOiI4MCIsIkNvbG9yIjp7IiRyZWYiOiIyMCJ9fSwiSXNWaXNpYmxlIjp0cnVlLCJXaWR0aCI6MC4wLCJIZWlnaHQiOjAuMCwiQm9yZGVyU3R5bGUiOm51bGwsIlBhcmVudFN0eWxlIjpudWxsfSwiRGF0ZUZvcm1hdCI6eyIkaWQiOiI4MSIsIkZvcm1hdFN0cmluZyI6Ik0vZC95eXl5IiwiU2VwYXJhdG9yIjoiLyIsIlVzZUludGVybmF0aW9uYWxEYXRlRm9ybWF0IjpmYWxzZSwiRGF0ZUlzVmlzaWJsZSI6dHJ1ZSwiVGltZUlzVmlzaWJsZSI6ZmFsc2UsIkhvdXJEaWdpdHMiOjEsIkFtUG1EZXNpZ25hdG9yIjoyLCJUcmltMDBNaW51dGVzIjpmYWxzZSwiTGFzdEtub3duVmlzaWJpbGl0eVN0YXRlIjpudWxsfSwiSXNWaXNpYmxlIjp0cnVlLCJQYXJlbnRTdHlsZSI6bnVsbH0sIkRlZmF1bHRUYXNrU3R5bGUiOnsiJGlkIjoiODIiLCJTaGFwZSI6MCwiU2hhcGVUaGlja25lc3MiOjEsIkR1cmF0aW9uRm9ybWF0IjowLCJJbmNsdWRlTm9uV29ya2luZ0RheXNJbkR1cmF0aW9uIjpmYWxzZSwiUGVyY2VudGFnZUNvbXBsZXRlU3R5bGUiOnsiJGlkIjoiODMiLCJGb250U2V0dGluZ3MiOnsiJGlkIjoiODQiLCJGb250U2l6ZSI6MTAsIkZvbnROYW1lIjoiQ2FsaWJyaSIsIklzQm9sZCI6ZmFsc2UsIklzSXRhbGljIjpmYWxzZSwiSXNVbmRlcmxpbmVkIjpmYWxzZSwiUGFyZW50U3R5bGUiOm51bGx9LCJBdXRvU2l6ZSI6MCwiRm9yZWdyb3VuZCI6eyIkaWQiOiI4NSIsIkNvbG9yIjp7IiRpZCI6Ijg2IiwiQSI6MjU1LCJSIjoyMzcsIkciOjEyNSwiQiI6NDl9fSwiTWF4V2lkdGgiOjIwMC4wLCJNYXhIZWlnaHQiOiJJbmZpbml0eSIsIlNtYXJ0Rm9yZWdyb3VuZElzQWN0aXZlIjpmYWxzZSwiSG9yaXpvbnRhbEFsaWdubWVudCI6MCwiVmVydGljYWxBbGlnbm1lbnQiOjAsIlNtYXJ0Rm9yZWdyb3VuZCI6bnVsbCwiQmFja2dyb3VuZEZpbGxUeXBlIjowLCJNYXJnaW4iOnsiJGlkIjoiODciLCJUb3AiOjAsIkxlZnQiOjAsIlJpZ2h0IjowLCJCb3R0b20iOjB9LCJQYWRkaW5nIjp7IiRpZCI6Ijg4IiwiVG9wIjowLCJMZWZ0IjowLCJSaWdodCI6MCwiQm90dG9tIjowfSwiQmFja2dyb3VuZCI6eyIkaWQiOiI4OSIsIkNvbG9yIjp7IiRyZWYiOiIyMCJ9fSwiSXNWaXNpYmxlIjp0cnVlLCJXaWR0aCI6MC4wLCJIZWlnaHQiOjAuMCwiQm9yZGVyU3R5bGUiOm51bGwsIlBhcmVudFN0eWxlIjpudWxsfSwiRHVyYXRpb25TdHlsZSI6eyIkaWQiOiI5MCIsIkZvbnRTZXR0aW5ncyI6eyIkaWQiOiI5MSIsIkZvbnRTaXplIjoxMCwiRm9udE5hbWUiOiJDYWxpYnJpIiwiSXNCb2xkIjpmYWxzZSwiSXNJdGFsaWMiOmZhbHNlLCJJc1VuZGVybGluZWQiOmZhbHNlLCJQYXJlbnRTdHlsZSI6bnVsbH0sIkF1dG9TaXplIjowLCJGb3JlZ3JvdW5kIjp7IiRpZCI6IjkyIiwiQ29sb3IiOnsiJGlkIjoiOTMiLCJBIjoyNTUsIlIiOjIzNywiRyI6MTI1LCJCIjo0OX19LCJNYXhXaWR0aCI6MjAwLjAsIk1heEhlaWdodCI6IkluZmluaXR5IiwiU21hcnRGb3JlZ3JvdW5kSXNBY3RpdmUiOmZhbHNlLCJIb3Jpem9udGFsQWxpZ25tZW50IjowLCJWZXJ0aWNhbEFsaWdubWVudCI6MCwiU21hcnRGb3JlZ3JvdW5kIjpudWxsLCJCYWNrZ3JvdW5kRmlsbFR5cGUiOjAsIk1hcmdpbiI6eyIkaWQiOiI5NCIsIlRvcCI6MCwiTGVmdCI6MCwiUmlnaHQiOjAsIkJvdHRvbSI6MH0sIlBhZGRpbmciOnsiJGlkIjoiOTUiLCJUb3AiOjAsIkxlZnQiOjAsIlJpZ2h0IjowLCJCb3R0b20iOjB9LCJCYWNrZ3JvdW5kIjp7IiRpZCI6Ijk2IiwiQ29sb3IiOnsiJHJlZiI6IjIwIn19LCJJc1Zpc2libGUiOnRydWUsIldpZHRoIjowLjAsIkhlaWdodCI6MC4wLCJCb3JkZXJTdHlsZSI6bnVsbCwiUGFyZW50U3R5bGUiOm51bGx9LCJIb3Jpem9udGFsQ29ubmVjdG9yU3R5bGUiOnsiJGlkIjoiOTciLCJMaW5lQ29sb3IiOnsiJGlkIjoiOTgiLCIkdHlwZSI6Ik5MUkUuQ29tbW9uLkRvbS5Tb2xpZENvbG9yQnJ1c2gsIE5MUkUuQ29tbW9uIiwiQ29sb3IiOnsiJGlkIjoiOTkiLCJBIjoyNTUsIlIiOjIwNCwiRyI6MjA0LCJCIjoyMDR9fSwiTGluZVdlaWdodCI6MS4wLCJMaW5lVHlwZSI6MCwiUGFyZW50U3R5bGUiOm51bGx9LCJWZXJ0aWNhbENvbm5lY3RvclN0eWxlIjp7IiRpZCI6IjEwMCIsIkxpbmVDb2xvciI6eyIkaWQiOiIxMDEiLCIkdHlwZSI6Ik5MUkUuQ29tbW9uLkRvbS5Tb2xpZENvbG9yQnJ1c2gsIE5MUkUuQ29tbW9uIiwiQ29sb3IiOnsiJGlkIjoiMTAyIiwiQSI6MjU1LCJSIjoyMDQsIkciOjIwNCwiQiI6MjA0fX0sIkxpbmVXZWlnaHQiOjAuMCwiTGluZVR5cGUiOjAsIlBhcmVudFN0eWxlIjpudWxsfSwiTWFyZ2luIjpudWxsLCJTdGFydERhdGVQb3NpdGlvbiI6NCwiRW5kRGF0ZVBvc2l0aW9uIjo0LCJEYXRlSXNWaXNpYmxlIjp0cnVlLCJUaXRsZVBvc2l0aW9uIjo1LCJEdXJhdGlvblBvc2l0aW9uIjo2LCJQZXJjZW50YWdlQ29tcGxldGVkUG9zaXRpb24iOjYsIlNwYWNpbmciOjUsIklzQmVsb3dUaW1lYmFuZCI6dHJ1ZSwiUGVyY2VudGFnZUNvbXBsZXRlU2hhcGVPcGFjaXR5IjozNSwiU2hhcGVTdHlsZSI6eyIkaWQiOiIxMDMiLCJNYXJnaW4iOnsiJGlkIjoiMTA0IiwiVG9wIjowLCJMZWZ0Ijo0LCJSaWdodCI6NCwiQm90dG9tIjowfSwiUGFkZGluZyI6eyIkaWQiOiIxMDUiLCJUb3AiOjAsIkxlZnQiOjAsIlJpZ2h0IjowLCJCb3R0b20iOjB9LCJCYWNrZ3JvdW5kIjp7IiRpZCI6IjEwNiIsIkNvbG9yIjp7IiRpZCI6IjEwNyIsIkEiOjI1NSwiUiI6MCwiRyI6MTE0LCJCIjoxODh9fSwiSXNWaXNpYmxlIjp0cnVlLCJXaWR0aCI6MC4wLCJIZWlnaHQiOjE2LjAsIkJvcmRlclN0eWxlIjp7IiRpZCI6IjEwOCIsIkxpbmVDb2xvciI6eyIkaWQiOiIxMDkiLCIkdHlwZSI6Ik5MUkUuQ29tbW9uLkRvbS5Tb2xpZENvbG9yQnJ1c2gsIE5MUkUuQ29tbW9uIiwiQ29sb3IiOnsiJGlkIjoiMTEwIiwiQSI6MjU1LCJSIjoyNTUsIkciOjAsIkIiOjB9fSwiTGluZVdlaWdodCI6MC4wLCJMaW5lVHlwZSI6MCwiUGFyZW50U3R5bGUiOm51bGx9LCJQYXJlbnRTdHlsZSI6bnVsbH0sIlRpdGxlU3R5bGUiOnsiJGlkIjoiMTExIiwiRm9udFNldHRpbmdzIjp7IiRpZCI6IjExMiIsIkZvbnRTaXplIjoxMSwiRm9udE5hbWUiOiJDYWxpYnJpIiwiSXNCb2xkIjp0cnVlLCJJc0l0YWxpYyI6ZmFsc2UsIklzVW5kZXJsaW5lZCI6ZmFsc2UsIlBhcmVudFN0eWxlIjpudWxsfSwiQXV0b1NpemUiOjAsIkZvcmVncm91bmQiOnsiJGlkIjoiMTEzIiwiQ29sb3IiOnsiJGlkIjoiMTE0IiwiQSI6MjU1LCJSIjowLCJHIjowLCJCIjowfX0sIk1heFdpZHRoIjo5NjAuMCwiTWF4SGVpZ2h0IjoiSW5maW5pdHkiLCJTbWFydEZvcmVncm91bmRJc0FjdGl2ZSI6ZmFsc2UsIkhvcml6b250YWxBbGlnbm1lbnQiOjAsIlZlcnRpY2FsQWxpZ25tZW50IjowLCJTbWFydEZvcmVncm91bmQiOm51bGwsIkJhY2tncm91bmRGaWxsVHlwZSI6MCwiTWFyZ2luIjp7IiRpZCI6IjExNSIsIlRvcCI6MCwiTGVmdCI6MCwiUmlnaHQiOjAsIkJvdHRvbSI6MH0sIlBhZGRpbmciOnsiJGlkIjoiMTE2IiwiVG9wIjowLCJMZWZ0IjowLCJSaWdodCI6MCwiQm90dG9tIjowfSwiQmFja2dyb3VuZCI6eyIkaWQiOiIxMTciLCJDb2xvciI6eyIkcmVmIjoiMjAifX0sIklzVmlzaWJsZSI6dHJ1ZSwiV2lkdGgiOjAuMCwiSGVpZ2h0IjowLjAsIkJvcmRlclN0eWxlIjpudWxsLCJQYXJlbnRTdHlsZSI6bnVsbH0sIkRhdGVTdHlsZSI6eyIkaWQiOiIxMTgiLCJGb250U2V0dGluZ3MiOnsiJGlkIjoiMTE5IiwiRm9udFNpemUiOjEwLCJGb250TmFtZSI6IkNhbGlicmkiLCJJc0JvbGQiOmZhbHNlLCJJc0l0YWxpYyI6ZmFsc2UsIklzVW5kZXJsaW5lZCI6ZmFsc2UsIlBhcmVudFN0eWxlIjpudWxsfSwiQXV0b1NpemUiOjAsIkZvcmVncm91bmQiOnsiJGlkIjoiMTIwIiwiQ29sb3IiOnsiJGlkIjoiMTIxIiwiQSI6MjU1LCJSIjo2OCwiRyI6ODQsIkIiOjEwNn19LCJNYXhXaWR0aCI6MjAwLjAsIk1heEhlaWdodCI6IkluZmluaXR5IiwiU21hcnRGb3JlZ3JvdW5kSXNBY3RpdmUiOmZhbHNlLCJIb3Jpem9udGFsQWxpZ25tZW50IjowLCJWZXJ0aWNhbEFsaWdubWVudCI6MCwiU21hcnRGb3JlZ3JvdW5kIjpudWxsLCJCYWNrZ3JvdW5kRmlsbFR5cGUiOjAsIk1hcmdpbiI6eyIkaWQiOiIxMjIiLCJUb3AiOjAsIkxlZnQiOjAsIlJpZ2h0IjowLCJCb3R0b20iOjB9LCJQYWRkaW5nIjp7IiRpZCI6IjEyMyIsIlRvcCI6MCwiTGVmdCI6MCwiUmlnaHQiOjAsIkJvdHRvbSI6MH0sIkJhY2tncm91bmQiOnsiJGlkIjoiMTI0IiwiQ29sb3IiOnsiJHJlZiI6IjIwIn19LCJJc1Zpc2libGUiOnRydWUsIldpZHRoIjowLjAsIkhlaWdodCI6MC4wLCJCb3JkZXJTdHlsZSI6bnVsbCwiUGFyZW50U3R5bGUiOm51bGx9LCJEYXRlRm9ybWF0Ijp7IiRpZCI6IjEyNSIsIkZvcm1hdFN0cmluZyI6Ik0vZC95eXl5IiwiU2VwYXJhdG9yIjoiLyIsIlVzZUludGVybmF0aW9uYWxEYXRlRm9ybWF0IjpmYWxzZSwiRGF0ZUlzVmlzaWJsZSI6dHJ1ZSwiVGltZUlzVmlzaWJsZSI6ZmFsc2UsIkhvdXJEaWdpdHMiOjEsIkFtUG1EZXNpZ25hdG9yIjoyLCJUcmltMDBNaW51dGVzIjpmYWxzZSwiTGFzdEtub3duVmlzaWJpbGl0eVN0YXRlIjpudWxsfSwiSXNWaXNpYmxlIjp0cnVlLCJQYXJlbnRTdHlsZSI6bnVsbCwiX2V4cGxpY2l0bHlTZXQiOnsiJGlkIjoiMTI2IiwiU2hhcGVTdHlsZSI6ZmFsc2UsIlRpdGxlU3R5bGUiOmZhbHNlLCJEYXRlU3R5bGUiOmZhbHNlLCJIb3Jpem9udGFsQ29ubmVjdG9yU3R5bGUiOmZhbHNlLCJWZXJ0aWNhbENvbm5lY3RvclN0eWxlIjpmYWxzZSwiUGVyY2VudGFnZUNvbXBsZXRlU2hhcGVPcGFjaXR5IjpmYWxzZSwiU2hhcGUiOmZhbHNlLCJTaGFwZVRoaWNrbmVzcyI6ZmFsc2UsIkR1cmF0aW9uRm9ybWF0IjpmYWxzZSwiSW5jbHVkZU5vbldvcmtpbmdEYXlzSW5EdXJhdGlvbiI6ZmFsc2UsIk1hcmdpbiI6ZmFsc2UsIlN0YXJ0RGF0ZVBvc2l0aW9uIjpmYWxzZSwiRW5kRGF0ZVBvc2l0aW9uIjpmYWxzZSwiVGl0bGVQb3NpdGlvbiI6ZmFsc2UsIkR1cmF0aW9uUG9zaXRpb24iOmZhbHNlLCJQZXJjZW50YWdlQ29tcGxldGVkUG9zaXRpb24iOmZhbHNlLCJTcGFjaW5nIjpmYWxzZSwiSXNCZWxvd1RpbWViYW5kIjpmYWxzZSwiRGF0ZUZvcm1hdCI6ZmFsc2UsIklzVmlzaWJsZSI6ZmFsc2V9fSwiU2hvd0VsYXBzZWRUaW1lR3JhZGllbnRTdHlsZSI6ZmFsc2V9LCJTY2FsZSI6eyIkaWQiOiIxMjciLCJTdGFydERhdGUiOiIwMDAxLTAxLTAxVDAwOjAwOjAwIiwiRW5kRGF0ZSI6IjIwMTktMDYtMTlUMjM6NTk6MDAiLCJGb3JtYXQiOiJNTU0iLCJUeXBlIjoyLCJBdXRvRGF0ZVJhbmdlIjp0cnVlLCJXb3JraW5nRGF5cyI6MTI3LCJUb2RheU1hcmtlclRleHQiOiLsmKTripgiLCJBdXRvU2NhbGVUeXBlIjp0cnVlfSwiTWlsZXN0b25lcyI6W10sIlRhc2tzIjpbeyIkaWQiOiIxMjgiLCJHcm91cE5hbWUiOm51bGwsIlN0YXJ0RGF0ZSI6IjIwMTktMDMtMDZUMDA6MDA6MDAiLCJFbmREYXRlIjoiMjAxOS0wMy0zMVQyMzo1OTowMCIsIlBlcmNlbnRhZ2VDb21wbGV0ZSI6bnVsbCwiU3R5bGUiOnsiJGlkIjoiMTI5IiwiU2hhcGUiOjAsIlNoYXBlVGhpY2tuZXNzIjoxLCJEdXJhdGlvbkZvcm1hdCI6MCwiSW5jbHVkZU5vbldvcmtpbmdEYXlzSW5EdXJhdGlvbiI6ZmFsc2UsIlBlcmNlbnRhZ2VDb21wbGV0ZVN0eWxlIjp7IiRpZCI6IjEzMCIsIkZvbnRTZXR0aW5ncyI6eyIkaWQiOiIxMzEiLCJGb250U2l6ZSI6MTAsIkZvbnROYW1lIjoiQ2FsaWJyaSIsIklzQm9sZCI6ZmFsc2UsIklzSXRhbGljIjpmYWxzZSwiSXNVbmRlcmxpbmVkIjpmYWxzZSwiUGFyZW50U3R5bGUiOm51bGx9LCJBdXRvU2l6ZSI6MCwiRm9yZWdyb3VuZCI6eyIkaWQiOiIxMzIiLCJDb2xvciI6eyIkcmVmIjoiODYifX0sIk1heFdpZHRoIjoyMDAuMCwiTWF4SGVpZ2h0IjoiSW5maW5pdHkiLCJTbWFydEZvcmVncm91bmRJc0FjdGl2ZSI6ZmFsc2UsIkhvcml6b250YWxBbGlnbm1lbnQiOjAsIlZlcnRpY2FsQWxpZ25tZW50IjowLCJTbWFydEZvcmVncm91bmQiOm51bGwsIkJhY2tncm91bmRGaWxsVHlwZSI6MCwiTWFyZ2luIjp7IiRpZCI6IjEzMyIsIlRvcCI6MCwiTGVmdCI6MCwiUmlnaHQiOjAsIkJvdHRvbSI6MH0sIlBhZGRpbmciOnsiJGlkIjoiMTM0IiwiVG9wIjowLCJMZWZ0IjowLCJSaWdodCI6MCwiQm90dG9tIjowfSwiQmFja2dyb3VuZCI6eyIkcmVmIjoiODkifSwiSXNWaXNpYmxlIjp0cnVlLCJXaWR0aCI6MC4wLCJIZWlnaHQiOjAuMCwiQm9yZGVyU3R5bGUiOnsiJGlkIjoiMTM1IiwiTGluZUNvbG9yIjpudWxsLCJMaW5lV2VpZ2h0IjowLjAsIkxpbmVUeXBlIjowLCJQYXJlbnRTdHlsZSI6bnVsbH0sIlBhcmVudFN0eWxlIjpudWxsfSwiRHVyYXRpb25TdHlsZSI6eyIkaWQiOiIxMzYiLCJGb250U2V0dGluZ3MiOnsiJGlkIjoiMTM3IiwiRm9udFNpemUiOjEwLCJGb250TmFtZSI6IkNhbGlicmkiLCJJc0JvbGQiOmZhbHNlLCJJc0l0YWxpYyI6ZmFsc2UsIklzVW5kZXJsaW5lZCI6ZmFsc2UsIlBhcmVudFN0eWxlIjpudWxsfSwiQXV0b1NpemUiOjAsIkZvcmVncm91bmQiOnsiJGlkIjoiMTM4IiwiQ29sb3IiOnsiJHJlZiI6IjkzIn19LCJNYXhXaWR0aCI6MjAwLjAsIk1heEhlaWdodCI6IkluZmluaXR5IiwiU21hcnRGb3JlZ3JvdW5kSXNBY3RpdmUiOmZhbHNlLCJIb3Jpem9udGFsQWxpZ25tZW50IjowLCJWZXJ0aWNhbEFsaWdubWVudCI6MCwiU21hcnRGb3JlZ3JvdW5kIjpudWxsLCJCYWNrZ3JvdW5kRmlsbFR5cGUiOjAsIk1hcmdpbiI6eyIkaWQiOiIxMzkiLCJUb3AiOjAsIkxlZnQiOjAsIlJpZ2h0IjowLCJCb3R0b20iOjB9LCJQYWRkaW5nIjp7IiRpZCI6IjE0MCIsIlRvcCI6MCwiTGVmdCI6MCwiUmlnaHQiOjAsIkJvdHRvbSI6MH0sIkJhY2tncm91bmQiOnsiJHJlZiI6Ijk2In0sIklzVmlzaWJsZSI6dHJ1ZSwiV2lkdGgiOjAuMCwiSGVpZ2h0IjowLjAsIkJvcmRlclN0eWxlIjp7IiRpZCI6IjE0MSIsIkxpbmVDb2xvciI6bnVsbCwiTGluZVdlaWdodCI6MC4wLCJMaW5lVHlwZSI6MCwiUGFyZW50U3R5bGUiOm51bGx9LCJQYXJlbnRTdHlsZSI6bnVsbH0sIkhvcml6b250YWxDb25uZWN0b3JTdHlsZSI6eyIkaWQiOiIxNDIiLCJMaW5lQ29sb3IiOnsiJHJlZiI6Ijk4In0sIkxpbmVXZWlnaHQiOjAuMCwiTGluZVR5cGUiOjAsIlBhcmVudFN0eWxlIjpudWxsfSwiVmVydGljYWxDb25uZWN0b3JTdHlsZSI6eyIkaWQiOiIxNDMiLCJMaW5lQ29sb3IiOnsiJHJlZiI6IjEwMSJ9LCJMaW5lV2VpZ2h0IjowLjAsIkxpbmVUeXBlIjowLCJQYXJlbnRTdHlsZSI6bnVsbH0sIk1hcmdpbiI6bnVsbCwiU3RhcnREYXRlUG9zaXRpb24iOjQsIkVuZERhdGVQb3NpdGlvbiI6NCwiRGF0ZUlzVmlzaWJsZSI6dHJ1ZSwiVGl0bGVQb3NpdGlvbiI6NSwiRHVyYXRpb25Qb3NpdGlvbiI6NiwiUGVyY2VudGFnZUNvbXBsZXRlZFBvc2l0aW9uIjo2LCJTcGFjaW5nIjo1LCJJc0JlbG93VGltZWJhbmQiOnRydWUsIlBlcmNlbnRhZ2VDb21wbGV0ZVNoYXBlT3BhY2l0eSI6MzUsIlNoYXBlU3R5bGUiOnsiJGlkIjoiMTQ0IiwiTWFyZ2luIjp7IiRpZCI6IjE0NSIsIlRvcCI6MCwiTGVmdCI6NCwiUmlnaHQiOjQsIkJvdHRvbSI6MH0sIlBhZGRpbmciOnsiJGlkIjoiMTQ2IiwiVG9wIjowLCJMZWZ0IjowLCJSaWdodCI6MCwiQm90dG9tIjowfSwiQmFja2dyb3VuZCI6eyIkaWQiOiIxNDciLCJDb2xvciI6eyIkaWQiOiIxNDgiLCJBIjoyNTUsIlIiOjkxLCJHIjoxNTUsIkIiOjIxM319LCJJc1Zpc2libGUiOnRydWUsIldpZHRoIjowLjAsIkhlaWdodCI6MTYuMCwiQm9yZGVyU3R5bGUiOnsiJGlkIjoiMTQ5IiwiTGluZUNvbG9yIjp7IiRyZWYiOiIxMDkifSwiTGluZVdlaWdodCI6MC4wLCJMaW5lVHlwZSI6MCwiUGFyZW50U3R5bGUiOm51bGx9LCJQYXJlbnRTdHlsZSI6bnVsbH0sIlRpdGxlU3R5bGUiOnsiJGlkIjoiMTUwIiwiRm9udFNldHRpbmdzIjp7IiRpZCI6IjE1MSIsIkZvbnRTaXplIjoxMSwiRm9udE5hbWUiOiJDYWxpYnJpIiwiSXNCb2xkIjp0cnVlLCJJc0l0YWxpYyI6ZmFsc2UsIklzVW5kZXJsaW5lZCI6ZmFsc2UsIlBhcmVudFN0eWxlIjpudWxsfSwiQXV0b1NpemUiOjAsIkZvcmVncm91bmQiOnsiJGlkIjoiMTUyIiwiQ29sb3IiOnsiJHJlZiI6IjExNCJ9fSwiTWF4V2lkdGgiOjk2MC4wLCJNYXhIZWlnaHQiOiJJbmZpbml0eSIsIlNtYXJ0Rm9yZWdyb3VuZElzQWN0aXZlIjpmYWxzZSwiSG9yaXpvbnRhbEFsaWdubWVudCI6MCwiVmVydGljYWxBbGlnbm1lbnQiOjAsIlNtYXJ0Rm9yZWdyb3VuZCI6bnVsbCwiQmFja2dyb3VuZEZpbGxUeXBlIjowLCJNYXJnaW4iOnsiJGlkIjoiMTUzIiwiVG9wIjowLCJMZWZ0IjowLCJSaWdodCI6MCwiQm90dG9tIjowfSwiUGFkZGluZyI6eyIkaWQiOiIxNTQiLCJUb3AiOjAsIkxlZnQiOjAsIlJpZ2h0IjowLCJCb3R0b20iOjB9LCJCYWNrZ3JvdW5kIjp7IiRyZWYiOiIxMTcifSwiSXNWaXNpYmxlIjp0cnVlLCJXaWR0aCI6MC4wLCJIZWlnaHQiOjAuMCwiQm9yZGVyU3R5bGUiOnsiJGlkIjoiMTU1IiwiTGluZUNvbG9yIjpudWxsLCJMaW5lV2VpZ2h0IjowLjAsIkxpbmVUeXBlIjowLCJQYXJlbnRTdHlsZSI6bnVsbH0sIlBhcmVudFN0eWxlIjpudWxsfSwiRGF0ZVN0eWxlIjp7IiRpZCI6IjE1NiIsIkZvbnRTZXR0aW5ncyI6eyIkaWQiOiIxNTciLCJGb250U2l6ZSI6MTAsIkZvbnROYW1lIjoiQ2FsaWJyaSIsIklzQm9sZCI6ZmFsc2UsIklzSXRhbGljIjpmYWxzZSwiSXNVbmRlcmxpbmVkIjpmYWxzZSwiUGFyZW50U3R5bGUiOm51bGx9LCJBdXRvU2l6ZSI6MCwiRm9yZWdyb3VuZCI6eyIkaWQiOiIxNTgiLCJDb2xvciI6eyIkcmVmIjoiMTIxIn19LCJNYXhXaWR0aCI6MjAwLjAsIk1heEhlaWdodCI6IkluZmluaXR5IiwiU21hcnRGb3JlZ3JvdW5kSXNBY3RpdmUiOmZhbHNlLCJIb3Jpem9udGFsQWxpZ25tZW50IjowLCJWZXJ0aWNhbEFsaWdubWVudCI6MCwiU21hcnRGb3JlZ3JvdW5kIjpudWxsLCJCYWNrZ3JvdW5kRmlsbFR5cGUiOjAsIk1hcmdpbiI6eyIkaWQiOiIxNTkiLCJUb3AiOjAsIkxlZnQiOjAsIlJpZ2h0IjowLCJCb3R0b20iOjB9LCJQYWRkaW5nIjp7IiRpZCI6IjE2MCIsIlRvcCI6MCwiTGVmdCI6MCwiUmlnaHQiOjAsIkJvdHRvbSI6MH0sIkJhY2tncm91bmQiOnsiJHJlZiI6IjEyNCJ9LCJJc1Zpc2libGUiOnRydWUsIldpZHRoIjowLjAsIkhlaWdodCI6MC4wLCJCb3JkZXJTdHlsZSI6eyIkaWQiOiIxNjEiLCJMaW5lQ29sb3IiOm51bGwsIkxpbmVXZWlnaHQiOjAuMCwiTGluZVR5cGUiOjAsIlBhcmVudFN0eWxlIjpudWxsfSwiUGFyZW50U3R5bGUiOm51bGx9LCJEYXRlRm9ybWF0Ijp7IiRpZCI6IjE2MiIsIkZvcm1hdFN0cmluZyI6Ik0vZC95eXl5IiwiU2VwYXJhdG9yIjoiLyIsIlVzZUludGVybmF0aW9uYWxEYXRlRm9ybWF0IjpmYWxzZSwiRGF0ZUlzVmlzaWJsZSI6dHJ1ZSwiVGltZUlzVmlzaWJsZSI6ZmFsc2UsIkhvdXJEaWdpdHMiOjEsIkFtUG1EZXNpZ25hdG9yIjoyLCJUcmltMDBNaW51dGVzIjpmYWxzZSwiTGFzdEtub3duVmlzaWJpbGl0eVN0YXRlIjpudWxsfSwiSXNWaXNpYmxlIjp0cnVlLCJQYXJlbnRTdHlsZSI6bnVsbH0sIkluZGV4IjoxLCJTbWFydER1cmF0aW9uQWN0aXZhdGVkIjpmYWxzZSwiRGF0ZUZvcm1hdCI6eyIkcmVmIjoiMTYyIn0sIklkIjoiMjJhNGYwZDctNjgwNi00NDY3LTg5ZTgtZDBkYzYzODk4ZTlhIiwiSW1wb3J0SWQiOm51bGwsIlRpdGxlIjoi7ZSE66Gc7KCd7Yq4IOqzhO2ajS/shKTqs4QiLCJOb3RlIjpudWxsLCJIeXBlcmxpbmsiOm51bGwsIklzQ2hhbmdlZCI6ZmFsc2UsIklzTmV3IjpmYWxzZX0seyIkaWQiOiIxNjMiLCJHcm91cE5hbWUiOm51bGwsIlN0YXJ0RGF0ZSI6IjIwMTktMDQtMDFUMDA6MDA6MDBaIiwiRW5kRGF0ZSI6IjIwMTktMDQtMzBUMjM6NTk6MDBaIiwiUGVyY2VudGFnZUNvbXBsZXRlIjpudWxsLCJTdHlsZSI6eyIkaWQiOiIxNjQiLCJTaGFwZSI6MCwiU2hhcGVUaGlja25lc3MiOjEsIkR1cmF0aW9uRm9ybWF0IjowLCJJbmNsdWRlTm9uV29ya2luZ0RheXNJbkR1cmF0aW9uIjpmYWxzZSwiUGVyY2VudGFnZUNvbXBsZXRlU3R5bGUiOnsiJGlkIjoiMTY1IiwiRm9udFNldHRpbmdzIjp7IiRpZCI6IjE2NiIsIkZvbnRTaXplIjoxMCwiRm9udE5hbWUiOiJDYWxpYnJpIiwiSXNCb2xkIjpmYWxzZSwiSXNJdGFsaWMiOmZhbHNlLCJJc1VuZGVybGluZWQiOmZhbHNlLCJQYXJlbnRTdHlsZSI6bnVsbH0sIkF1dG9TaXplIjowLCJGb3JlZ3JvdW5kIjp7IiRyZWYiOiI4NSJ9LCJNYXhXaWR0aCI6MjAwLjAsIk1heEhlaWdodCI6IkluZmluaXR5IiwiU21hcnRGb3JlZ3JvdW5kSXNBY3RpdmUiOmZhbHNlLCJIb3Jpem9udGFsQWxpZ25tZW50IjowLCJWZXJ0aWNhbEFsaWdubWVudCI6MCwiU21hcnRGb3JlZ3JvdW5kIjpudWxsLCJCYWNrZ3JvdW5kRmlsbFR5cGUiOjAsIk1hcmdpbiI6eyIkcmVmIjoiODcifSwiUGFkZGluZyI6eyIkcmVmIjoiODgifSwiQmFja2dyb3VuZCI6eyIkcmVmIjoiODkifSwiSXNWaXNpYmxlIjp0cnVlLCJXaWR0aCI6MC4wLCJIZWlnaHQiOjAuMCwiQm9yZGVyU3R5bGUiOnsiJGlkIjoiMTY3IiwiTGluZUNvbG9yIjpudWxsLCJMaW5lV2VpZ2h0IjowLjAsIkxpbmVUeXBlIjowLCJQYXJlbnRTdHlsZSI6bnVsbH0sIlBhcmVudFN0eWxlIjpudWxsfSwiRHVyYXRpb25TdHlsZSI6eyIkaWQiOiIxNjgiLCJGb250U2V0dGluZ3MiOnsiJGlkIjoiMTY5IiwiRm9udFNpemUiOjEwLCJGb250TmFtZSI6IkNhbGlicmkiLCJJc0JvbGQiOmZhbHNlLCJJc0l0YWxpYyI6ZmFsc2UsIklzVW5kZXJsaW5lZCI6ZmFsc2UsIlBhcmVudFN0eWxlIjpudWxsfSwiQXV0b1NpemUiOjAsIkZvcmVncm91bmQiOnsiJHJlZiI6IjkyIn0sIk1heFdpZHRoIjoyMDAuMCwiTWF4SGVpZ2h0IjoiSW5maW5pdHkiLCJTbWFydEZvcmVncm91bmRJc0FjdGl2ZSI6ZmFsc2UsIkhvcml6b250YWxBbGlnbm1lbnQiOjAsIlZlcnRpY2FsQWxpZ25tZW50IjowLCJTbWFydEZvcmVncm91bmQiOm51bGwsIkJhY2tncm91bmRGaWxsVHlwZSI6MCwiTWFyZ2luIjp7IiRyZWYiOiI5NCJ9LCJQYWRkaW5nIjp7IiRyZWYiOiI5NSJ9LCJCYWNrZ3JvdW5kIjp7IiRyZWYiOiI5NiJ9LCJJc1Zpc2libGUiOnRydWUsIldpZHRoIjowLjAsIkhlaWdodCI6MC4wLCJCb3JkZXJTdHlsZSI6eyIkaWQiOiIxNzAiLCJMaW5lQ29sb3IiOm51bGwsIkxpbmVXZWlnaHQiOjAuMCwiTGluZVR5cGUiOjAsIlBhcmVudFN0eWxlIjpudWxsfSwiUGFyZW50U3R5bGUiOm51bGx9LCJIb3Jpem9udGFsQ29ubmVjdG9yU3R5bGUiOnsiJGlkIjoiMTcxIiwiTGluZUNvbG9yIjp7IiRyZWYiOiI5OCJ9LCJMaW5lV2VpZ2h0IjoxLjAsIkxpbmVUeXBlIjowLCJQYXJlbnRTdHlsZSI6bnVsbH0sIlZlcnRpY2FsQ29ubmVjdG9yU3R5bGUiOnsiJGlkIjoiMTcyIiwiTGluZUNvbG9yIjp7IiRyZWYiOiIxMDEifSwiTGluZVdlaWdodCI6MC4wLCJMaW5lVHlwZSI6MCwiUGFyZW50U3R5bGUiOm51bGx9LCJNYXJnaW4iOm51bGwsIlN0YXJ0RGF0ZVBvc2l0aW9uIjo0LCJFbmREYXRlUG9zaXRpb24iOjQsIkRhdGVJc1Zpc2libGUiOnRydWUsIlRpdGxlUG9zaXRpb24iOjUsIkR1cmF0aW9uUG9zaXRpb24iOjYsIlBlcmNlbnRhZ2VDb21wbGV0ZWRQb3NpdGlvbiI6NiwiU3BhY2luZyI6NSwiSXNCZWxvd1RpbWViYW5kIjp0cnVlLCJQZXJjZW50YWdlQ29tcGxldGVTaGFwZU9wYWNpdHkiOjM1LCJTaGFwZVN0eWxlIjp7IiRpZCI6IjE3MyIsIk1hcmdpbiI6eyIkcmVmIjoiMTA0In0sIlBhZGRpbmciOnsiJHJlZiI6IjEwNSJ9LCJCYWNrZ3JvdW5kIjp7IiRpZCI6IjE3NCIsIkNvbG9yIjp7IiRpZCI6IjE3NSIsIkEiOjI1NSwiUiI6OTEsIkciOjE1NSwiQiI6MjEzfX0sIklzVmlzaWJsZSI6dHJ1ZSwiV2lkdGgiOjAuMCwiSGVpZ2h0IjoxNi4wLCJCb3JkZXJTdHlsZSI6eyIkaWQiOiIxNzYiLCJMaW5lQ29sb3IiOnsiJHJlZiI6IjEwOSJ9LCJMaW5lV2VpZ2h0IjowLjAsIkxpbmVUeXBlIjowLCJQYXJlbnRTdHlsZSI6bnVsbH0sIlBhcmVudFN0eWxlIjpudWxsfSwiVGl0bGVTdHlsZSI6eyIkaWQiOiIxNzciLCJGb250U2V0dGluZ3MiOnsiJGlkIjoiMTc4IiwiRm9udFNpemUiOjExLCJGb250TmFtZSI6IkNhbGlicmkiLCJJc0JvbGQiOnRydWUsIklzSXRhbGljIjpmYWxzZSwiSXNVbmRlcmxpbmVkIjpmYWxzZSwiUGFyZW50U3R5bGUiOm51bGx9LCJBdXRvU2l6ZSI6MCwiRm9yZWdyb3VuZCI6eyIkcmVmIjoiMTEzIn0sIk1heFdpZHRoIjo3MjAuMCwiTWF4SGVpZ2h0IjoiSW5maW5pdHkiLCJTbWFydEZvcmVncm91bmRJc0FjdGl2ZSI6ZmFsc2UsIkhvcml6b250YWxBbGlnbm1lbnQiOjAsIlZlcnRpY2FsQWxpZ25tZW50IjowLCJTbWFydEZvcmVncm91bmQiOm51bGwsIkJhY2tncm91bmRGaWxsVHlwZSI6MCwiTWFyZ2luIjp7IiRyZWYiOiIxMTUifSwiUGFkZGluZyI6eyIkcmVmIjoiMTE2In0sIkJhY2tncm91bmQiOnsiJHJlZiI6IjExNyJ9LCJJc1Zpc2libGUiOnRydWUsIldpZHRoIjowLjAsIkhlaWdodCI6MC4wLCJCb3JkZXJTdHlsZSI6eyIkaWQiOiIxNzkiLCJMaW5lQ29sb3IiOm51bGwsIkxpbmVXZWlnaHQiOjAuMCwiTGluZVR5cGUiOjAsIlBhcmVudFN0eWxlIjpudWxsfSwiUGFyZW50U3R5bGUiOm51bGx9LCJEYXRlU3R5bGUiOnsiJGlkIjoiMTgwIiwiRm9udFNldHRpbmdzIjp7IiRpZCI6IjE4MSIsIkZvbnRTaXplIjoxMCwiRm9udE5hbWUiOiJDYWxpYnJpIiwiSXNCb2xkIjpmYWxzZSwiSXNJdGFsaWMiOmZhbHNlLCJJc1VuZGVybGluZWQiOmZhbHNlLCJQYXJlbnRTdHlsZSI6bnVsbH0sIkF1dG9TaXplIjowLCJGb3JlZ3JvdW5kIjp7IiRyZWYiOiIxMjAifSwiTWF4V2lkdGgiOjIwMC4wLCJNYXhIZWlnaHQiOiJJbmZpbml0eSIsIlNtYXJ0Rm9yZWdyb3VuZElzQWN0aXZlIjpmYWxzZSwiSG9yaXpvbnRhbEFsaWdubWVudCI6MCwiVmVydGljYWxBbGlnbm1lbnQiOjAsIlNtYXJ0Rm9yZWdyb3VuZCI6bnVsbCwiQmFja2dyb3VuZEZpbGxUeXBlIjowLCJNYXJnaW4iOnsiJHJlZiI6IjEyMiJ9LCJQYWRkaW5nIjp7IiRyZWYiOiIxMjMifSwiQmFja2dyb3VuZCI6eyIkcmVmIjoiMTI0In0sIklzVmlzaWJsZSI6dHJ1ZSwiV2lkdGgiOjAuMCwiSGVpZ2h0IjowLjAsIkJvcmRlclN0eWxlIjp7IiRpZCI6IjE4MiIsIkxpbmVDb2xvciI6bnVsbCwiTGluZVdlaWdodCI6MC4wLCJMaW5lVHlwZSI6MCwiUGFyZW50U3R5bGUiOm51bGx9LCJQYXJlbnRTdHlsZSI6bnVsbH0sIkRhdGVGb3JtYXQiOnsiJHJlZiI6IjEyNSJ9LCJJc1Zpc2libGUiOnRydWUsIlBhcmVudFN0eWxlIjpudWxsfSwiSW5kZXgiOjIsIlNtYXJ0RHVyYXRpb25BY3RpdmF0ZWQiOmZhbHNlLCJEYXRlRm9ybWF0Ijp7IiRyZWYiOiIxMjUifSwiSWQiOiJkNWNkNmQyZi05ODAyLTRmNDktYWRjZi0xMGE3YzQyZmJlZmYiLCJJbXBvcnRJZCI6bnVsbCwiVGl0bGUiOiLspJHqsIQg67O06rOg7IScIOyekeyEsSDrsI8g7ZS865Oc67CxIiwiTm90ZSI6bnVsbCwiSHlwZXJsaW5rIjpudWxsLCJJc0NoYW5nZWQiOmZhbHNlLCJJc05ldyI6ZmFsc2V9LHsiJGlkIjoiMTgzIiwiR3JvdXBOYW1lIjpudWxsLCJTdGFydERhdGUiOiIyMDE5LTA0LTAxVDAwOjAwOjAwIiwiRW5kRGF0ZSI6IjIwMTktMDQtMTBUMjM6NTk6MDBaIiwiUGVyY2VudGFnZUNvbXBsZXRlIjpudWxsLCJTdHlsZSI6eyIkaWQiOiIxODQiLCJTaGFwZSI6MCwiU2hhcGVUaGlja25lc3MiOjEsIkR1cmF0aW9uRm9ybWF0IjowLCJJbmNsdWRlTm9uV29ya2luZ0RheXNJbkR1cmF0aW9uIjpmYWxzZSwiUGVyY2VudGFnZUNvbXBsZXRlU3R5bGUiOnsiJGlkIjoiMTg1IiwiRm9udFNldHRpbmdzIjp7IiRpZCI6IjE4NiIsIkZvbnRTaXplIjoxMCwiRm9udE5hbWUiOiJDYWxpYnJpIiwiSXNCb2xkIjpmYWxzZSwiSXNJdGFsaWMiOmZhbHNlLCJJc1VuZGVybGluZWQiOmZhbHNlLCJQYXJlbnRTdHlsZSI6bnVsbH0sIkF1dG9TaXplIjowLCJGb3JlZ3JvdW5kIjp7IiRpZCI6IjE4NyIsIkNvbG9yIjp7IiRyZWYiOiI4NiJ9fSwiTWF4V2lkdGgiOjIwMC4wLCJNYXhIZWlnaHQiOiJJbmZpbml0eSIsIlNtYXJ0Rm9yZWdyb3VuZElzQWN0aXZlIjpmYWxzZSwiSG9yaXpvbnRhbEFsaWdubWVudCI6MCwiVmVydGljYWxBbGlnbm1lbnQiOjAsIlNtYXJ0Rm9yZWdyb3VuZCI6bnVsbCwiQmFja2dyb3VuZEZpbGxUeXBlIjowLCJNYXJnaW4iOnsiJGlkIjoiMTg4IiwiVG9wIjowLCJMZWZ0IjowLCJSaWdodCI6MCwiQm90dG9tIjowfSwiUGFkZGluZyI6eyIkaWQiOiIxODkiLCJUb3AiOjAsIkxlZnQiOjAsIlJpZ2h0IjowLCJCb3R0b20iOjB9LCJCYWNrZ3JvdW5kIjp7IiRyZWYiOiI4OSJ9LCJJc1Zpc2libGUiOnRydWUsIldpZHRoIjowLjAsIkhlaWdodCI6MC4wLCJCb3JkZXJTdHlsZSI6eyIkaWQiOiIxOTAiLCJMaW5lQ29sb3IiOm51bGwsIkxpbmVXZWlnaHQiOjAuMCwiTGluZVR5cGUiOjAsIlBhcmVudFN0eWxlIjpudWxsfSwiUGFyZW50U3R5bGUiOm51bGx9LCJEdXJhdGlvblN0eWxlIjp7IiRpZCI6IjE5MSIsIkZvbnRTZXR0aW5ncyI6eyIkaWQiOiIxOTIiLCJGb250U2l6ZSI6MTAsIkZvbnROYW1lIjoiQ2FsaWJyaSIsIklzQm9sZCI6ZmFsc2UsIklzSXRhbGljIjpmYWxzZSwiSXNVbmRlcmxpbmVkIjpmYWxzZSwiUGFyZW50U3R5bGUiOm51bGx9LCJBdXRvU2l6ZSI6MCwiRm9yZWdyb3VuZCI6eyIkaWQiOiIxOTMiLCJDb2xvciI6eyIkcmVmIjoiOTMifX0sIk1heFdpZHRoIjoyMDAuMCwiTWF4SGVpZ2h0IjoiSW5maW5pdHkiLCJTbWFydEZvcmVncm91bmRJc0FjdGl2ZSI6ZmFsc2UsIkhvcml6b250YWxBbGlnbm1lbnQiOjAsIlZlcnRpY2FsQWxpZ25tZW50IjowLCJTbWFydEZvcmVncm91bmQiOm51bGwsIkJhY2tncm91bmRGaWxsVHlwZSI6MCwiTWFyZ2luIjp7IiRpZCI6IjE5NCIsIlRvcCI6MCwiTGVmdCI6MCwiUmlnaHQiOjAsIkJvdHRvbSI6MH0sIlBhZGRpbmciOnsiJGlkIjoiMTk1IiwiVG9wIjowLCJMZWZ0IjowLCJSaWdodCI6MCwiQm90dG9tIjowfSwiQmFja2dyb3VuZCI6eyIkcmVmIjoiOTYifSwiSXNWaXNpYmxlIjp0cnVlLCJXaWR0aCI6MC4wLCJIZWlnaHQiOjAuMCwiQm9yZGVyU3R5bGUiOnsiJGlkIjoiMTk2IiwiTGluZUNvbG9yIjpudWxsLCJMaW5lV2VpZ2h0IjowLjAsIkxpbmVUeXBlIjowLCJQYXJlbnRTdHlsZSI6bnVsbH0sIlBhcmVudFN0eWxlIjpudWxsfSwiSG9yaXpvbnRhbENvbm5lY3RvclN0eWxlIjp7IiRpZCI6IjE5NyIsIkxpbmVDb2xvciI6eyIkcmVmIjoiOTgifSwiTGluZVdlaWdodCI6MS4wLCJMaW5lVHlwZSI6MCwiUGFyZW50U3R5bGUiOm51bGx9LCJWZXJ0aWNhbENvbm5lY3RvclN0eWxlIjp7IiRpZCI6IjE5OCIsIkxpbmVDb2xvciI6eyIkcmVmIjoiMTAxIn0sIkxpbmVXZWlnaHQiOjAuMCwiTGluZVR5cGUiOjAsIlBhcmVudFN0eWxlIjpudWxsfSwiTWFyZ2luIjpudWxsLCJTdGFydERhdGVQb3NpdGlvbiI6NCwiRW5kRGF0ZVBvc2l0aW9uIjo0LCJEYXRlSXNWaXNpYmxlIjp0cnVlLCJUaXRsZVBvc2l0aW9uIjo1LCJEdXJhdGlvblBvc2l0aW9uIjo2LCJQZXJjZW50YWdlQ29tcGxldGVkUG9zaXRpb24iOjYsIlNwYWNpbmciOjUsIklzQmVsb3dUaW1lYmFuZCI6dHJ1ZSwiUGVyY2VudGFnZUNvbXBsZXRlU2hhcGVPcGFjaXR5IjozNSwiU2hhcGVTdHlsZSI6eyIkaWQiOiIxOTkiLCJNYXJnaW4iOnsiJGlkIjoiMjAwIiwiVG9wIjowLCJMZWZ0Ijo0LCJSaWdodCI6NCwiQm90dG9tIjowfSwiUGFkZGluZyI6eyIkaWQiOiIyMDEiLCJUb3AiOjAsIkxlZnQiOjAsIlJpZ2h0IjowLCJCb3R0b20iOjB9LCJCYWNrZ3JvdW5kIjp7IiRpZCI6IjIwMiIsIkNvbG9yIjp7IiRpZCI6IjIwMyIsIkEiOjI1NSwiUiI6OTEsIkciOjE1NSwiQiI6MjEzfX0sIklzVmlzaWJsZSI6dHJ1ZSwiV2lkdGgiOjAuMCwiSGVpZ2h0IjoxNi4wLCJCb3JkZXJTdHlsZSI6eyIkaWQiOiIyMDQiLCJMaW5lQ29sb3IiOnsiJHJlZiI6IjEwOSJ9LCJMaW5lV2VpZ2h0IjowLjAsIkxpbmVUeXBlIjowLCJQYXJlbnRTdHlsZSI6bnVsbH0sIlBhcmVudFN0eWxlIjpudWxsfSwiVGl0bGVTdHlsZSI6eyIkaWQiOiIyMDUiLCJGb250U2V0dGluZ3MiOnsiJGlkIjoiMjA2IiwiRm9udFNpemUiOjExLCJGb250TmFtZSI6IkNhbGlicmkiLCJJc0JvbGQiOnRydWUsIklzSXRhbGljIjpmYWxzZSwiSXNVbmRlcmxpbmVkIjpmYWxzZSwiUGFyZW50U3R5bGUiOm51bGx9LCJBdXRvU2l6ZSI6MCwiRm9yZWdyb3VuZCI6eyIkaWQiOiIyMDciLCJDb2xvciI6eyIkcmVmIjoiMTE0In19LCJNYXhXaWR0aCI6OTYwLjAsIk1heEhlaWdodCI6IkluZmluaXR5IiwiU21hcnRGb3JlZ3JvdW5kSXNBY3RpdmUiOmZhbHNlLCJIb3Jpem9udGFsQWxpZ25tZW50IjowLCJWZXJ0aWNhbEFsaWdubWVudCI6MCwiU21hcnRGb3JlZ3JvdW5kIjpudWxsLCJCYWNrZ3JvdW5kRmlsbFR5cGUiOjAsIk1hcmdpbiI6eyIkaWQiOiIyMDgiLCJUb3AiOjAsIkxlZnQiOjAsIlJpZ2h0IjowLCJCb3R0b20iOjB9LCJQYWRkaW5nIjp7IiRpZCI6IjIwOSIsIlRvcCI6MCwiTGVmdCI6MCwiUmlnaHQiOjAsIkJvdHRvbSI6MH0sIkJhY2tncm91bmQiOnsiJHJlZiI6IjExNyJ9LCJJc1Zpc2libGUiOnRydWUsIldpZHRoIjowLjAsIkhlaWdodCI6MC4wLCJCb3JkZXJTdHlsZSI6eyIkaWQiOiIyMTAiLCJMaW5lQ29sb3IiOm51bGwsIkxpbmVXZWlnaHQiOjAuMCwiTGluZVR5cGUiOjAsIlBhcmVudFN0eWxlIjpudWxsfSwiUGFyZW50U3R5bGUiOm51bGx9LCJEYXRlU3R5bGUiOnsiJGlkIjoiMjExIiwiRm9udFNldHRpbmdzIjp7IiRpZCI6IjIxMiIsIkZvbnRTaXplIjoxMCwiRm9udE5hbWUiOiJDYWxpYnJpIiwiSXNCb2xkIjpmYWxzZSwiSXNJdGFsaWMiOmZhbHNlLCJJc1VuZGVybGluZWQiOmZhbHNlLCJQYXJlbnRTdHlsZSI6bnVsbH0sIkF1dG9TaXplIjowLCJGb3JlZ3JvdW5kIjp7IiRpZCI6IjIxMyIsIkNvbG9yIjp7IiRyZWYiOiIxMjEifX0sIk1heFdpZHRoIjoyMDAuMCwiTWF4SGVpZ2h0IjoiSW5maW5pdHkiLCJTbWFydEZvcmVncm91bmRJc0FjdGl2ZSI6ZmFsc2UsIkhvcml6b250YWxBbGlnbm1lbnQiOjAsIlZlcnRpY2FsQWxpZ25tZW50IjowLCJTbWFydEZvcmVncm91bmQiOm51bGwsIkJhY2tncm91bmRGaWxsVHlwZSI6MCwiTWFyZ2luIjp7IiRpZCI6IjIxNCIsIlRvcCI6MCwiTGVmdCI6MCwiUmlnaHQiOjAsIkJvdHRvbSI6MH0sIlBhZGRpbmciOnsiJGlkIjoiMjE1IiwiVG9wIjowLCJMZWZ0IjowLCJSaWdodCI6MCwiQm90dG9tIjowfSwiQmFja2dyb3VuZCI6eyIkcmVmIjoiMTI0In0sIklzVmlzaWJsZSI6dHJ1ZSwiV2lkdGgiOjAuMCwiSGVpZ2h0IjowLjAsIkJvcmRlclN0eWxlIjp7IiRpZCI6IjIxNiIsIkxpbmVDb2xvciI6bnVsbCwiTGluZVdlaWdodCI6MC4wLCJMaW5lVHlwZSI6MCwiUGFyZW50U3R5bGUiOm51bGx9LCJQYXJlbnRTdHlsZSI6bnVsbH0sIkRhdGVGb3JtYXQiOnsiJGlkIjoiMjE3IiwiRm9ybWF0U3RyaW5nIjoiTS9kL3l5eXkiLCJTZXBhcmF0b3IiOiIvIiwiVXNlSW50ZXJuYXRpb25hbERhdGVGb3JtYXQiOmZhbHNlLCJEYXRlSXNWaXNpYmxlIjp0cnVlLCJUaW1lSXNWaXNpYmxlIjpmYWxzZSwiSG91ckRpZ2l0cyI6MSwiQW1QbURlc2lnbmF0b3IiOjIsIlRyaW0wME1pbnV0ZXMiOmZhbHNlLCJMYXN0S25vd25WaXNpYmlsaXR5U3RhdGUiOm51bGx9LCJJc1Zpc2libGUiOnRydWUsIlBhcmVudFN0eWxlIjpudWxsfSwiSW5kZXgiOjMsIlNtYXJ0RHVyYXRpb25BY3RpdmF0ZWQiOmZhbHNlLCJEYXRlRm9ybWF0Ijp7IiRyZWYiOiIyMTcifSwiSWQiOiJkNDQ3ZWE0NS04ZDk1LTQzODktOTVmNS1jYWE5YjkxMzI5Y2MiLCJJbXBvcnRJZCI6bnVsbCwiVGl0bGUiOiLqtIDroKgg7Jik7ZSI7IaM7IqkIOyImOynkS/rtoTshJ0iLCJOb3RlIjpudWxsLCJIeXBlcmxpbmsiOm51bGwsIklzQ2hhbmdlZCI6ZmFsc2UsIklzTmV3IjpmYWxzZX0seyIkaWQiOiIyMTgiLCJHcm91cE5hbWUiOm51bGwsIlN0YXJ0RGF0ZSI6IjIwMTktMDQtMDRUMDA6MDA6MDBaIiwiRW5kRGF0ZSI6IjIwMTktMDQtMTBUMjM6NTk6MDBaIiwiUGVyY2VudGFnZUNvbXBsZXRlIjpudWxsLCJTdHlsZSI6eyIkaWQiOiIyMTkiLCJTaGFwZSI6MCwiU2hhcGVUaGlja25lc3MiOjEsIkR1cmF0aW9uRm9ybWF0IjowLCJJbmNsdWRlTm9uV29ya2luZ0RheXNJbkR1cmF0aW9uIjpmYWxzZSwiUGVyY2VudGFnZUNvbXBsZXRlU3R5bGUiOnsiJGlkIjoiMjIwIiwiRm9udFNldHRpbmdzIjp7IiRpZCI6IjIyMSIsIkZvbnRTaXplIjoxMCwiRm9udE5hbWUiOiJDYWxpYnJpIiwiSXNCb2xkIjpmYWxzZSwiSXNJdGFsaWMiOmZhbHNlLCJJc1VuZGVybGluZWQiOmZhbHNlLCJQYXJlbnRTdHlsZSI6bnVsbH0sIkF1dG9TaXplIjowLCJGb3JlZ3JvdW5kIjp7IiRpZCI6IjIyMiIsIkNvbG9yIjp7IiRyZWYiOiI4NiJ9fSwiTWF4V2lkdGgiOjIwMC4wLCJNYXhIZWlnaHQiOiJJbmZpbml0eSIsIlNtYXJ0Rm9yZWdyb3VuZElzQWN0aXZlIjpmYWxzZSwiSG9yaXpvbnRhbEFsaWdubWVudCI6MCwiVmVydGljYWxBbGlnbm1lbnQiOjAsIlNtYXJ0Rm9yZWdyb3VuZCI6bnVsbCwiQmFja2dyb3VuZEZpbGxUeXBlIjowLCJNYXJnaW4iOnsiJGlkIjoiMjIzIiwiVG9wIjowLCJMZWZ0IjowLCJSaWdodCI6MCwiQm90dG9tIjowfSwiUGFkZGluZyI6eyIkaWQiOiIyMjQiLCJUb3AiOjAsIkxlZnQiOjAsIlJpZ2h0IjowLCJCb3R0b20iOjB9LCJCYWNrZ3JvdW5kIjp7IiRyZWYiOiI4OSJ9LCJJc1Zpc2libGUiOnRydWUsIldpZHRoIjowLjAsIkhlaWdodCI6MC4wLCJCb3JkZXJTdHlsZSI6eyIkaWQiOiIyMjUiLCJMaW5lQ29sb3IiOm51bGwsIkxpbmVXZWlnaHQiOjAuMCwiTGluZVR5cGUiOjAsIlBhcmVudFN0eWxlIjpudWxsfSwiUGFyZW50U3R5bGUiOm51bGx9LCJEdXJhdGlvblN0eWxlIjp7IiRpZCI6IjIyNiIsIkZvbnRTZXR0aW5ncyI6eyIkaWQiOiIyMjciLCJGb250U2l6ZSI6MTAsIkZvbnROYW1lIjoiQ2FsaWJyaSIsIklzQm9sZCI6ZmFsc2UsIklzSXRhbGljIjpmYWxzZSwiSXNVbmRlcmxpbmVkIjpmYWxzZSwiUGFyZW50U3R5bGUiOm51bGx9LCJBdXRvU2l6ZSI6MCwiRm9yZWdyb3VuZCI6eyIkaWQiOiIyMjgiLCJDb2xvciI6eyIkcmVmIjoiOTMifX0sIk1heFdpZHRoIjoyMDAuMCwiTWF4SGVpZ2h0IjoiSW5maW5pdHkiLCJTbWFydEZvcmVncm91bmRJc0FjdGl2ZSI6ZmFsc2UsIkhvcml6b250YWxBbGlnbm1lbnQiOjAsIlZlcnRpY2FsQWxpZ25tZW50IjowLCJTbWFydEZvcmVncm91bmQiOm51bGwsIkJhY2tncm91bmRGaWxsVHlwZSI6MCwiTWFyZ2luIjp7IiRpZCI6IjIyOSIsIlRvcCI6MCwiTGVmdCI6MCwiUmlnaHQiOjAsIkJvdHRvbSI6MH0sIlBhZGRpbmciOnsiJGlkIjoiMjMwIiwiVG9wIjowLCJMZWZ0IjowLCJSaWdodCI6MCwiQm90dG9tIjowfSwiQmFja2dyb3VuZCI6eyIkcmVmIjoiOTYifSwiSXNWaXNpYmxlIjp0cnVlLCJXaWR0aCI6MC4wLCJIZWlnaHQiOjAuMCwiQm9yZGVyU3R5bGUiOnsiJGlkIjoiMjMxIiwiTGluZUNvbG9yIjpudWxsLCJMaW5lV2VpZ2h0IjowLjAsIkxpbmVUeXBlIjowLCJQYXJlbnRTdHlsZSI6bnVsbH0sIlBhcmVudFN0eWxlIjpudWxsfSwiSG9yaXpvbnRhbENvbm5lY3RvclN0eWxlIjp7IiRpZCI6IjIzMiIsIkxpbmVDb2xvciI6eyIkcmVmIjoiOTgifSwiTGluZVdlaWdodCI6MS4wLCJMaW5lVHlwZSI6MCwiUGFyZW50U3R5bGUiOm51bGx9LCJWZXJ0aWNhbENvbm5lY3RvclN0eWxlIjp7IiRpZCI6IjIzMyIsIkxpbmVDb2xvciI6eyIkcmVmIjoiMTAxIn0sIkxpbmVXZWlnaHQiOjAuMCwiTGluZVR5cGUiOjAsIlBhcmVudFN0eWxlIjpudWxsfSwiTWFyZ2luIjpudWxsLCJTdGFydERhdGVQb3NpdGlvbiI6NCwiRW5kRGF0ZVBvc2l0aW9uIjo0LCJEYXRlSXNWaXNpYmxlIjp0cnVlLCJUaXRsZVBvc2l0aW9uIjo1LCJEdXJhdGlvblBvc2l0aW9uIjo2LCJQZXJjZW50YWdlQ29tcGxldGVkUG9zaXRpb24iOjYsIlNwYWNpbmciOjUsIklzQmVsb3dUaW1lYmFuZCI6dHJ1ZSwiUGVyY2VudGFnZUNvbXBsZXRlU2hhcGVPcGFjaXR5IjozNSwiU2hhcGVTdHlsZSI6eyIkaWQiOiIyMzQiLCJNYXJnaW4iOnsiJGlkIjoiMjM1IiwiVG9wIjowLCJMZWZ0Ijo0LCJSaWdodCI6NCwiQm90dG9tIjowfSwiUGFkZGluZyI6eyIkaWQiOiIyMzYiLCJUb3AiOjAsIkxlZnQiOjAsIlJpZ2h0IjowLCJCb3R0b20iOjB9LCJCYWNrZ3JvdW5kIjp7IiRpZCI6IjIzNyIsIkNvbG9yIjp7IiRpZCI6IjIzOCIsIkEiOjI1NSwiUiI6MTEyLCJHIjoxNzMsIkIiOjcxfX0sIklzVmlzaWJsZSI6dHJ1ZSwiV2lkdGgiOjAuMCwiSGVpZ2h0IjoxNi4wLCJCb3JkZXJTdHlsZSI6eyIkaWQiOiIyMzkiLCJMaW5lQ29sb3IiOnsiJHJlZiI6IjEwOSJ9LCJMaW5lV2VpZ2h0IjowLjAsIkxpbmVUeXBlIjowLCJQYXJlbnRTdHlsZSI6bnVsbH0sIlBhcmVudFN0eWxlIjpudWxsfSwiVGl0bGVTdHlsZSI6eyIkaWQiOiIyNDAiLCJGb250U2V0dGluZ3MiOnsiJGlkIjoiMjQxIiwiRm9udFNpemUiOjExLCJGb250TmFtZSI6IkNhbGlicmkiLCJJc0JvbGQiOnRydWUsIklzSXRhbGljIjpmYWxzZSwiSXNVbmRlcmxpbmVkIjpmYWxzZSwiUGFyZW50U3R5bGUiOm51bGx9LCJBdXRvU2l6ZSI6MCwiRm9yZWdyb3VuZCI6eyIkaWQiOiIyNDIiLCJDb2xvciI6eyIkcmVmIjoiMTE0In19LCJNYXhXaWR0aCI6OTYwLjAsIk1heEhlaWdodCI6IkluZmluaXR5IiwiU21hcnRGb3JlZ3JvdW5kSXNBY3RpdmUiOmZhbHNlLCJIb3Jpem9udGFsQWxpZ25tZW50IjowLCJWZXJ0aWNhbEFsaWdubWVudCI6MCwiU21hcnRGb3JlZ3JvdW5kIjpudWxsLCJCYWNrZ3JvdW5kRmlsbFR5cGUiOjAsIk1hcmdpbiI6eyIkaWQiOiIyNDMiLCJUb3AiOjAsIkxlZnQiOjAsIlJpZ2h0IjowLCJCb3R0b20iOjB9LCJQYWRkaW5nIjp7IiRpZCI6IjI0NCIsIlRvcCI6MCwiTGVmdCI6MCwiUmlnaHQiOjAsIkJvdHRvbSI6MH0sIkJhY2tncm91bmQiOnsiJHJlZiI6IjExNyJ9LCJJc1Zpc2libGUiOnRydWUsIldpZHRoIjowLjAsIkhlaWdodCI6MC4wLCJCb3JkZXJTdHlsZSI6eyIkaWQiOiIyNDUiLCJMaW5lQ29sb3IiOm51bGwsIkxpbmVXZWlnaHQiOjAuMCwiTGluZVR5cGUiOjAsIlBhcmVudFN0eWxlIjpudWxsfSwiUGFyZW50U3R5bGUiOm51bGx9LCJEYXRlU3R5bGUiOnsiJGlkIjoiMjQ2IiwiRm9udFNldHRpbmdzIjp7IiRpZCI6IjI0NyIsIkZvbnRTaXplIjoxMCwiRm9udE5hbWUiOiJDYWxpYnJpIiwiSXNCb2xkIjpmYWxzZSwiSXNJdGFsaWMiOmZhbHNlLCJJc1VuZGVybGluZWQiOmZhbHNlLCJQYXJlbnRTdHlsZSI6bnVsbH0sIkF1dG9TaXplIjowLCJGb3JlZ3JvdW5kIjp7IiRpZCI6IjI0OCIsIkNvbG9yIjp7IiRyZWYiOiIxMjEifX0sIk1heFdpZHRoIjoyMDAuMCwiTWF4SGVpZ2h0IjoiSW5maW5pdHkiLCJTbWFydEZvcmVncm91bmRJc0FjdGl2ZSI6ZmFsc2UsIkhvcml6b250YWxBbGlnbm1lbnQiOjAsIlZlcnRpY2FsQWxpZ25tZW50IjowLCJTbWFydEZvcmVncm91bmQiOm51bGwsIkJhY2tncm91bmRGaWxsVHlwZSI6MCwiTWFyZ2luIjp7IiRpZCI6IjI0OSIsIlRvcCI6MCwiTGVmdCI6MCwiUmlnaHQiOjAsIkJvdHRvbSI6MH0sIlBhZGRpbmciOnsiJGlkIjoiMjUwIiwiVG9wIjowLCJMZWZ0IjowLCJSaWdodCI6MCwiQm90dG9tIjowfSwiQmFja2dyb3VuZCI6eyIkcmVmIjoiMTI0In0sIklzVmlzaWJsZSI6dHJ1ZSwiV2lkdGgiOjAuMCwiSGVpZ2h0IjowLjAsIkJvcmRlclN0eWxlIjp7IiRpZCI6IjI1MSIsIkxpbmVDb2xvciI6bnVsbCwiTGluZVdlaWdodCI6MC4wLCJMaW5lVHlwZSI6MCwiUGFyZW50U3R5bGUiOm51bGx9LCJQYXJlbnRTdHlsZSI6bnVsbH0sIkRhdGVGb3JtYXQiOnsiJGlkIjoiMjUyIiwiRm9ybWF0U3RyaW5nIjoiTS9kL3l5eXkiLCJTZXBhcmF0b3IiOiIvIiwiVXNlSW50ZXJuYXRpb25hbERhdGVGb3JtYXQiOmZhbHNlLCJEYXRlSXNWaXNpYmxlIjp0cnVlLCJUaW1lSXNWaXNpYmxlIjpmYWxzZSwiSG91ckRpZ2l0cyI6MSwiQW1QbURlc2lnbmF0b3IiOjIsIlRyaW0wME1pbnV0ZXMiOmZhbHNlLCJMYXN0S25vd25WaXNpYmlsaXR5U3RhdGUiOm51bGx9LCJJc1Zpc2libGUiOnRydWUsIlBhcmVudFN0eWxlIjpudWxsfSwiSW5kZXgiOjQsIlNtYXJ0RHVyYXRpb25BY3RpdmF0ZWQiOmZhbHNlLCJEYXRlRm9ybWF0Ijp7IiRyZWYiOiIyNTIifSwiSWQiOiI3NWRmZmJkMC0yYzQxLTQ0MjEtODNiNy0yMGJiZmExYzNkMjIiLCJJbXBvcnRJZCI6bnVsbCwiVGl0bGUiOiLslYjrk5zroZzsnbTrk5wg7JWxIOqwnOuwnCIsIk5vdGUiOm51bGwsIkh5cGVybGluayI6bnVsbCwiSXNDaGFuZ2VkIjpmYWxzZSwiSXNOZXciOmZhbHNlfSx7IiRpZCI6IjI1MyIsIkdyb3VwTmFtZSI6bnVsbCwiU3RhcnREYXRlIjoiMjAxOS0wNC0wN1QwMDowMDowMFoiLCJFbmREYXRlIjoiMjAxOS0wNC0yMFQyMzo1OTowMCIsIlBlcmNlbnRhZ2VDb21wbGV0ZSI6bnVsbCwiU3R5bGUiOnsiJGlkIjoiMjU0IiwiU2hhcGUiOjAsIlNoYXBlVGhpY2tuZXNzIjoxLCJEdXJhdGlvbkZvcm1hdCI6MCwiSW5jbHVkZU5vbldvcmtpbmdEYXlzSW5EdXJhdGlvbiI6ZmFsc2UsIlBlcmNlbnRhZ2VDb21wbGV0ZVN0eWxlIjp7IiRpZCI6IjI1NSIsIkZvbnRTZXR0aW5ncyI6eyIkaWQiOiIyNTYiLCJGb250U2l6ZSI6MTAsIkZvbnROYW1lIjoiQ2FsaWJyaSIsIklzQm9sZCI6ZmFsc2UsIklzSXRhbGljIjpmYWxzZSwiSXNVbmRlcmxpbmVkIjpmYWxzZSwiUGFyZW50U3R5bGUiOm51bGx9LCJBdXRvU2l6ZSI6MCwiRm9yZWdyb3VuZCI6eyIkaWQiOiIyNTciLCJDb2xvciI6eyIkcmVmIjoiODYifX0sIk1heFdpZHRoIjoyMDAuMCwiTWF4SGVpZ2h0IjoiSW5maW5pdHkiLCJTbWFydEZvcmVncm91bmRJc0FjdGl2ZSI6ZmFsc2UsIkhvcml6b250YWxBbGlnbm1lbnQiOjAsIlZlcnRpY2FsQWxpZ25tZW50IjowLCJTbWFydEZvcmVncm91bmQiOm51bGwsIkJhY2tncm91bmRGaWxsVHlwZSI6MCwiTWFyZ2luIjp7IiRpZCI6IjI1OCIsIlRvcCI6MCwiTGVmdCI6MCwiUmlnaHQiOjAsIkJvdHRvbSI6MH0sIlBhZGRpbmciOnsiJGlkIjoiMjU5IiwiVG9wIjowLCJMZWZ0IjowLCJSaWdodCI6MCwiQm90dG9tIjowfSwiQmFja2dyb3VuZCI6eyIkcmVmIjoiODkifSwiSXNWaXNpYmxlIjp0cnVlLCJXaWR0aCI6MC4wLCJIZWlnaHQiOjAuMCwiQm9yZGVyU3R5bGUiOnsiJGlkIjoiMjYwIiwiTGluZUNvbG9yIjpudWxsLCJMaW5lV2VpZ2h0IjowLjAsIkxpbmVUeXBlIjowLCJQYXJlbnRTdHlsZSI6bnVsbH0sIlBhcmVudFN0eWxlIjpudWxsfSwiRHVyYXRpb25TdHlsZSI6eyIkaWQiOiIyNjEiLCJGb250U2V0dGluZ3MiOnsiJGlkIjoiMjYyIiwiRm9udFNpemUiOjEwLCJGb250TmFtZSI6IkNhbGlicmkiLCJJc0JvbGQiOmZhbHNlLCJJc0l0YWxpYyI6ZmFsc2UsIklzVW5kZXJsaW5lZCI6ZmFsc2UsIlBhcmVudFN0eWxlIjpudWxsfSwiQXV0b1NpemUiOjAsIkZvcmVncm91bmQiOnsiJGlkIjoiMjYzIiwiQ29sb3IiOnsiJHJlZiI6IjkzIn19LCJNYXhXaWR0aCI6MjAwLjAsIk1heEhlaWdodCI6IkluZmluaXR5IiwiU21hcnRGb3JlZ3JvdW5kSXNBY3RpdmUiOmZhbHNlLCJIb3Jpem9udGFsQWxpZ25tZW50IjowLCJWZXJ0aWNhbEFsaWdubWVudCI6MCwiU21hcnRGb3JlZ3JvdW5kIjpudWxsLCJCYWNrZ3JvdW5kRmlsbFR5cGUiOjAsIk1hcmdpbiI6eyIkaWQiOiIyNjQiLCJUb3AiOjAsIkxlZnQiOjAsIlJpZ2h0IjowLCJCb3R0b20iOjB9LCJQYWRkaW5nIjp7IiRpZCI6IjI2NSIsIlRvcCI6MCwiTGVmdCI6MCwiUmlnaHQiOjAsIkJvdHRvbSI6MH0sIkJhY2tncm91bmQiOnsiJHJlZiI6Ijk2In0sIklzVmlzaWJsZSI6dHJ1ZSwiV2lkdGgiOjAuMCwiSGVpZ2h0IjowLjAsIkJvcmRlclN0eWxlIjp7IiRpZCI6IjI2NiIsIkxpbmVDb2xvciI6bnVsbCwiTGluZVdlaWdodCI6MC4wLCJMaW5lVHlwZSI6MCwiUGFyZW50U3R5bGUiOm51bGx9LCJQYXJlbnRTdHlsZSI6bnVsbH0sIkhvcml6b250YWxDb25uZWN0b3JTdHlsZSI6eyIkaWQiOiIyNjciLCJMaW5lQ29sb3IiOnsiJHJlZiI6Ijk4In0sIkxpbmVXZWlnaHQiOjEuMCwiTGluZVR5cGUiOjAsIlBhcmVudFN0eWxlIjpudWxsfSwiVmVydGljYWxDb25uZWN0b3JTdHlsZSI6eyIkaWQiOiIyNjgiLCJMaW5lQ29sb3IiOnsiJHJlZiI6IjEwMSJ9LCJMaW5lV2VpZ2h0IjowLjAsIkxpbmVUeXBlIjowLCJQYXJlbnRTdHlsZSI6bnVsbH0sIk1hcmdpbiI6bnVsbCwiU3RhcnREYXRlUG9zaXRpb24iOjQsIkVuZERhdGVQb3NpdGlvbiI6NCwiRGF0ZUlzVmlzaWJsZSI6dHJ1ZSwiVGl0bGVQb3NpdGlvbiI6NSwiRHVyYXRpb25Qb3NpdGlvbiI6NiwiUGVyY2VudGFnZUNvbXBsZXRlZFBvc2l0aW9uIjo2LCJTcGFjaW5nIjo1LCJJc0JlbG93VGltZWJhbmQiOnRydWUsIlBlcmNlbnRhZ2VDb21wbGV0ZVNoYXBlT3BhY2l0eSI6MzUsIlNoYXBlU3R5bGUiOnsiJGlkIjoiMjY5IiwiTWFyZ2luIjp7IiRpZCI6IjI3MCIsIlRvcCI6MCwiTGVmdCI6NCwiUmlnaHQiOjQsIkJvdHRvbSI6MH0sIlBhZGRpbmciOnsiJGlkIjoiMjcxIiwiVG9wIjowLCJMZWZ0IjowLCJSaWdodCI6MCwiQm90dG9tIjowfSwiQmFja2dyb3VuZCI6eyIkaWQiOiIyNzIiLCJDb2xvciI6eyIkaWQiOiIyNzMiLCJBIjoyNTUsIlIiOjY4LCJHIjo4NCwiQiI6MTA2fX0sIklzVmlzaWJsZSI6dHJ1ZSwiV2lkdGgiOjAuMCwiSGVpZ2h0IjoxNi4wLCJCb3JkZXJTdHlsZSI6eyIkaWQiOiIyNzQiLCJMaW5lQ29sb3IiOnsiJHJlZiI6IjEwOSJ9LCJMaW5lV2VpZ2h0IjowLjAsIkxpbmVUeXBlIjowLCJQYXJlbnRTdHlsZSI6bnVsbH0sIlBhcmVudFN0eWxlIjpudWxsfSwiVGl0bGVTdHlsZSI6eyIkaWQiOiIyNzUiLCJGb250U2V0dGluZ3MiOnsiJGlkIjoiMjc2IiwiRm9udFNpemUiOjExLCJGb250TmFtZSI6IkNhbGlicmkiLCJJc0JvbGQiOnRydWUsIklzSXRhbGljIjpmYWxzZSwiSXNVbmRlcmxpbmVkIjpmYWxzZSwiUGFyZW50U3R5bGUiOm51bGx9LCJBdXRvU2l6ZSI6MCwiRm9yZWdyb3VuZCI6eyIkaWQiOiIyNzciLCJDb2xvciI6eyIkcmVmIjoiMTE0In19LCJNYXhXaWR0aCI6NzIwLjAsIk1heEhlaWdodCI6IkluZmluaXR5IiwiU21hcnRGb3JlZ3JvdW5kSXNBY3RpdmUiOmZhbHNlLCJIb3Jpem9udGFsQWxpZ25tZW50IjowLCJWZXJ0aWNhbEFsaWdubWVudCI6MCwiU21hcnRGb3JlZ3JvdW5kIjpudWxsLCJCYWNrZ3JvdW5kRmlsbFR5cGUiOjAsIk1hcmdpbiI6eyIkaWQiOiIyNzgiLCJUb3AiOjAsIkxlZnQiOjAsIlJpZ2h0IjowLCJCb3R0b20iOjB9LCJQYWRkaW5nIjp7IiRpZCI6IjI3OSIsIlRvcCI6MCwiTGVmdCI6MCwiUmlnaHQiOjAsIkJvdHRvbSI6MH0sIkJhY2tncm91bmQiOnsiJHJlZiI6IjExNyJ9LCJJc1Zpc2libGUiOnRydWUsIldpZHRoIjowLjAsIkhlaWdodCI6MC4wLCJCb3JkZXJTdHlsZSI6eyIkaWQiOiIyODAiLCJMaW5lQ29sb3IiOm51bGwsIkxpbmVXZWlnaHQiOjAuMCwiTGluZVR5cGUiOjAsIlBhcmVudFN0eWxlIjpudWxsfSwiUGFyZW50U3R5bGUiOm51bGx9LCJEYXRlU3R5bGUiOnsiJGlkIjoiMjgxIiwiRm9udFNldHRpbmdzIjp7IiRpZCI6IjI4MiIsIkZvbnRTaXplIjoxMCwiRm9udE5hbWUiOiJDYWxpYnJpIiwiSXNCb2xkIjpmYWxzZSwiSXNJdGFsaWMiOmZhbHNlLCJJc1VuZGVybGluZWQiOmZhbHNlLCJQYXJlbnRTdHlsZSI6bnVsbH0sIkF1dG9TaXplIjowLCJGb3JlZ3JvdW5kIjp7IiRpZCI6IjI4MyIsIkNvbG9yIjp7IiRyZWYiOiIxMjEifX0sIk1heFdpZHRoIjoyMDAuMCwiTWF4SGVpZ2h0IjoiSW5maW5pdHkiLCJTbWFydEZvcmVncm91bmRJc0FjdGl2ZSI6ZmFsc2UsIkhvcml6b250YWxBbGlnbm1lbnQiOjAsIlZlcnRpY2FsQWxpZ25tZW50IjowLCJTbWFydEZvcmVncm91bmQiOm51bGwsIkJhY2tncm91bmRGaWxsVHlwZSI6MCwiTWFyZ2luIjp7IiRpZCI6IjI4NCIsIlRvcCI6MCwiTGVmdCI6MCwiUmlnaHQiOjAsIkJvdHRvbSI6MH0sIlBhZGRpbmciOnsiJGlkIjoiMjg1IiwiVG9wIjowLCJMZWZ0IjowLCJSaWdodCI6MCwiQm90dG9tIjowfSwiQmFja2dyb3VuZCI6eyIkcmVmIjoiMTI0In0sIklzVmlzaWJsZSI6dHJ1ZSwiV2lkdGgiOjAuMCwiSGVpZ2h0IjowLjAsIkJvcmRlclN0eWxlIjp7IiRpZCI6IjI4NiIsIkxpbmVDb2xvciI6bnVsbCwiTGluZVdlaWdodCI6MC4wLCJMaW5lVHlwZSI6MCwiUGFyZW50U3R5bGUiOm51bGx9LCJQYXJlbnRTdHlsZSI6bnVsbH0sIkRhdGVGb3JtYXQiOnsiJGlkIjoiMjg3IiwiRm9ybWF0U3RyaW5nIjoiTS9kL3l5eXkiLCJTZXBhcmF0b3IiOiIvIiwiVXNlSW50ZXJuYXRpb25hbERhdGVGb3JtYXQiOmZhbHNlLCJEYXRlSXNWaXNpYmxlIjp0cnVlLCJUaW1lSXNWaXNpYmxlIjpmYWxzZSwiSG91ckRpZ2l0cyI6MSwiQW1QbURlc2lnbmF0b3IiOjIsIlRyaW0wME1pbnV0ZXMiOmZhbHNlLCJMYXN0S25vd25WaXNpYmlsaXR5U3RhdGUiOm51bGx9LCJJc1Zpc2libGUiOnRydWUsIlBhcmVudFN0eWxlIjpudWxsfSwiSW5kZXgiOjUsIlNtYXJ0RHVyYXRpb25BY3RpdmF0ZWQiOmZhbHNlLCJEYXRlRm9ybWF0Ijp7IiRyZWYiOiIyODcifSwiSWQiOiIzODJkZGY3Yy00OWFlLTQxYTktYTg5Ni1iNjgyMzNiYjg2MGIiLCJJbXBvcnRJZCI6bnVsbCwiVGl0bGUiOiJDIyDqs7XrtoAg67CPIOyciOuPhOyasCDtlITroZzqt7jrnqggR1VJIOqwnOuwnCIsIk5vdGUiOm51bGwsIkh5cGVybGluayI6bnVsbCwiSXNDaGFuZ2VkIjpmYWxzZSwiSXNOZXciOmZhbHNlfSx7IiRpZCI6IjI4OCIsIkdyb3VwTmFtZSI6bnVsbCwiU3RhcnREYXRlIjoiMjAxOS0wNC0xMFQwMDowMDowMFoiLCJFbmREYXRlIjoiMjAxOS0wNS0xOVQyMzo1OTowMFoiLCJQZXJjZW50YWdlQ29tcGxldGUiOm51bGwsIlN0eWxlIjp7IiRpZCI6IjI4OSIsIlNoYXBlIjowLCJTaGFwZVRoaWNrbmVzcyI6MSwiRHVyYXRpb25Gb3JtYXQiOjAsIkluY2x1ZGVOb25Xb3JraW5nRGF5c0luRHVyYXRpb24iOmZhbHNlLCJQZXJjZW50YWdlQ29tcGxldGVTdHlsZSI6eyIkaWQiOiIyOTAiLCJGb250U2V0dGluZ3MiOnsiJGlkIjoiMjkxIiwiRm9udFNpemUiOjEwLCJGb250TmFtZSI6IkNhbGlicmkiLCJJc0JvbGQiOmZhbHNlLCJJc0l0YWxpYyI6ZmFsc2UsIklzVW5kZXJsaW5lZCI6ZmFsc2UsIlBhcmVudFN0eWxlIjpudWxsfSwiQXV0b1NpemUiOjAsIkZvcmVncm91bmQiOnsiJGlkIjoiMjkyIiwiQ29sb3IiOnsiJHJlZiI6Ijg2In19LCJNYXhXaWR0aCI6MjAwLjAsIk1heEhlaWdodCI6IkluZmluaXR5IiwiU21hcnRGb3JlZ3JvdW5kSXNBY3RpdmUiOmZhbHNlLCJIb3Jpem9udGFsQWxpZ25tZW50IjowLCJWZXJ0aWNhbEFsaWdubWVudCI6MCwiU21hcnRGb3JlZ3JvdW5kIjpudWxsLCJCYWNrZ3JvdW5kRmlsbFR5cGUiOjAsIk1hcmdpbiI6eyIkaWQiOiIyOTMiLCJUb3AiOjAsIkxlZnQiOjAsIlJpZ2h0IjowLCJCb3R0b20iOjB9LCJQYWRkaW5nIjp7IiRpZCI6IjI5NCIsIlRvcCI6MCwiTGVmdCI6MCwiUmlnaHQiOjAsIkJvdHRvbSI6MH0sIkJhY2tncm91bmQiOnsiJHJlZiI6Ijg5In0sIklzVmlzaWJsZSI6dHJ1ZSwiV2lkdGgiOjAuMCwiSGVpZ2h0IjowLjAsIkJvcmRlclN0eWxlIjp7IiRpZCI6IjI5NSIsIkxpbmVDb2xvciI6bnVsbCwiTGluZVdlaWdodCI6MC4wLCJMaW5lVHlwZSI6MCwiUGFyZW50U3R5bGUiOm51bGx9LCJQYXJlbnRTdHlsZSI6bnVsbH0sIkR1cmF0aW9uU3R5bGUiOnsiJGlkIjoiMjk2IiwiRm9udFNldHRpbmdzIjp7IiRpZCI6IjI5NyIsIkZvbnRTaXplIjoxMCwiRm9udE5hbWUiOiJDYWxpYnJpIiwiSXNCb2xkIjpmYWxzZSwiSXNJdGFsaWMiOmZhbHNlLCJJc1VuZGVybGluZWQiOmZhbHNlLCJQYXJlbnRTdHlsZSI6bnVsbH0sIkF1dG9TaXplIjowLCJGb3JlZ3JvdW5kIjp7IiRpZCI6IjI5OCIsIkNvbG9yIjp7IiRyZWYiOiI5MyJ9fSwiTWF4V2lkdGgiOjIwMC4wLCJNYXhIZWlnaHQiOiJJbmZpbml0eSIsIlNtYXJ0Rm9yZWdyb3VuZElzQWN0aXZlIjpmYWxzZSwiSG9yaXpvbnRhbEFsaWdubWVudCI6MCwiVmVydGljYWxBbGlnbm1lbnQiOjAsIlNtYXJ0Rm9yZWdyb3VuZCI6bnVsbCwiQmFja2dyb3VuZEZpbGxUeXBlIjowLCJNYXJnaW4iOnsiJGlkIjoiMjk5IiwiVG9wIjowLCJMZWZ0IjowLCJSaWdodCI6MCwiQm90dG9tIjowfSwiUGFkZGluZyI6eyIkaWQiOiIzMDAiLCJUb3AiOjAsIkxlZnQiOjAsIlJpZ2h0IjowLCJCb3R0b20iOjB9LCJCYWNrZ3JvdW5kIjp7IiRyZWYiOiI5NiJ9LCJJc1Zpc2libGUiOnRydWUsIldpZHRoIjowLjAsIkhlaWdodCI6MC4wLCJCb3JkZXJTdHlsZSI6eyIkaWQiOiIzMDEiLCJMaW5lQ29sb3IiOm51bGwsIkxpbmVXZWlnaHQiOjAuMCwiTGluZVR5cGUiOjAsIlBhcmVudFN0eWxlIjpudWxsfSwiUGFyZW50U3R5bGUiOm51bGx9LCJIb3Jpem9udGFsQ29ubmVjdG9yU3R5bGUiOnsiJGlkIjoiMzAyIiwiTGluZUNvbG9yIjp7IiRyZWYiOiI5OCJ9LCJMaW5lV2VpZ2h0IjoxLjAsIkxpbmVUeXBlIjowLCJQYXJlbnRTdHlsZSI6bnVsbH0sIlZlcnRpY2FsQ29ubmVjdG9yU3R5bGUiOnsiJGlkIjoiMzAzIiwiTGluZUNvbG9yIjp7IiRyZWYiOiIxMDEifSwiTGluZVdlaWdodCI6MC4wLCJMaW5lVHlwZSI6MCwiUGFyZW50U3R5bGUiOm51bGx9LCJNYXJnaW4iOm51bGwsIlN0YXJ0RGF0ZVBvc2l0aW9uIjo0LCJFbmREYXRlUG9zaXRpb24iOjQsIkRhdGVJc1Zpc2libGUiOnRydWUsIlRpdGxlUG9zaXRpb24iOjUsIkR1cmF0aW9uUG9zaXRpb24iOjYsIlBlcmNlbnRhZ2VDb21wbGV0ZWRQb3NpdGlvbiI6NiwiU3BhY2luZyI6NSwiSXNCZWxvd1RpbWViYW5kIjp0cnVlLCJQZXJjZW50YWdlQ29tcGxldGVTaGFwZU9wYWNpdHkiOjM1LCJTaGFwZVN0eWxlIjp7IiRpZCI6IjMwNCIsIk1hcmdpbiI6eyIkaWQiOiIzMDUiLCJUb3AiOjAsIkxlZnQiOjQsIlJpZ2h0Ijo0LCJCb3R0b20iOjB9LCJQYWRkaW5nIjp7IiRpZCI6IjMwNiIsIlRvcCI6MCwiTGVmdCI6MCwiUmlnaHQiOjAsIkJvdHRvbSI6MH0sIkJhY2tncm91bmQiOnsiJGlkIjoiMzA3IiwiQ29sb3IiOnsiJGlkIjoiMzA4IiwiQSI6MjU1LCJSIjoyNTUsIkciOjE5MiwiQiI6MH19LCJJc1Zpc2libGUiOnRydWUsIldpZHRoIjowLjAsIkhlaWdodCI6MTYuMCwiQm9yZGVyU3R5bGUiOnsiJGlkIjoiMzA5IiwiTGluZUNvbG9yIjp7IiRyZWYiOiIxMDkifSwiTGluZVdlaWdodCI6MC4wLCJMaW5lVHlwZSI6MCwiUGFyZW50U3R5bGUiOm51bGx9LCJQYXJlbnRTdHlsZSI6bnVsbH0sIlRpdGxlU3R5bGUiOnsiJGlkIjoiMzEwIiwiRm9udFNldHRpbmdzIjp7IiRpZCI6IjMxMSIsIkZvbnRTaXplIjoxMSwiRm9udE5hbWUiOiJDYWxpYnJpIiwiSXNCb2xkIjp0cnVlLCJJc0l0YWxpYyI6ZmFsc2UsIklzVW5kZXJsaW5lZCI6ZmFsc2UsIlBhcmVudFN0eWxlIjpudWxsfSwiQXV0b1NpemUiOjAsIkZvcmVncm91bmQiOnsiJGlkIjoiMzEyIiwiQ29sb3IiOnsiJHJlZiI6IjExNCJ9fSwiTWF4V2lkdGgiOjk2MC4wLCJNYXhIZWlnaHQiOiJJbmZpbml0eSIsIlNtYXJ0Rm9yZWdyb3VuZElzQWN0aXZlIjpmYWxzZSwiSG9yaXpvbnRhbEFsaWdubWVudCI6MCwiVmVydGljYWxBbGlnbm1lbnQiOjAsIlNtYXJ0Rm9yZWdyb3VuZCI6bnVsbCwiQmFja2dyb3VuZEZpbGxUeXBlIjowLCJNYXJnaW4iOnsiJGlkIjoiMzEzIiwiVG9wIjowLCJMZWZ0IjowLCJSaWdodCI6MCwiQm90dG9tIjowfSwiUGFkZGluZyI6eyIkaWQiOiIzMTQiLCJUb3AiOjAsIkxlZnQiOjAsIlJpZ2h0IjowLCJCb3R0b20iOjB9LCJCYWNrZ3JvdW5kIjp7IiRyZWYiOiIxMTcifSwiSXNWaXNpYmxlIjp0cnVlLCJXaWR0aCI6MC4wLCJIZWlnaHQiOjAuMCwiQm9yZGVyU3R5bGUiOnsiJGlkIjoiMzE1IiwiTGluZUNvbG9yIjpudWxsLCJMaW5lV2VpZ2h0IjowLjAsIkxpbmVUeXBlIjowLCJQYXJlbnRTdHlsZSI6bnVsbH0sIlBhcmVudFN0eWxlIjpudWxsfSwiRGF0ZVN0eWxlIjp7IiRpZCI6IjMxNiIsIkZvbnRTZXR0aW5ncyI6eyIkaWQiOiIzMTciLCJGb250U2l6ZSI6MTAsIkZvbnROYW1lIjoiQ2FsaWJyaSIsIklzQm9sZCI6ZmFsc2UsIklzSXRhbGljIjpmYWxzZSwiSXNVbmRlcmxpbmVkIjpmYWxzZSwiUGFyZW50U3R5bGUiOm51bGx9LCJBdXRvU2l6ZSI6MCwiRm9yZWdyb3VuZCI6eyIkaWQiOiIzMTgiLCJDb2xvciI6eyIkcmVmIjoiMTIxIn19LCJNYXhXaWR0aCI6MjAwLjAsIk1heEhlaWdodCI6IkluZmluaXR5IiwiU21hcnRGb3JlZ3JvdW5kSXNBY3RpdmUiOmZhbHNlLCJIb3Jpem9udGFsQWxpZ25tZW50IjowLCJWZXJ0aWNhbEFsaWdubWVudCI6MCwiU21hcnRGb3JlZ3JvdW5kIjpudWxsLCJCYWNrZ3JvdW5kRmlsbFR5cGUiOjAsIk1hcmdpbiI6eyIkaWQiOiIzMTkiLCJUb3AiOjAsIkxlZnQiOjAsIlJpZ2h0IjowLCJCb3R0b20iOjB9LCJQYWRkaW5nIjp7IiRpZCI6IjMyMCIsIlRvcCI6MCwiTGVmdCI6MCwiUmlnaHQiOjAsIkJvdHRvbSI6MH0sIkJhY2tncm91bmQiOnsiJHJlZiI6IjEyNCJ9LCJJc1Zpc2libGUiOnRydWUsIldpZHRoIjowLjAsIkhlaWdodCI6MC4wLCJCb3JkZXJTdHlsZSI6eyIkaWQiOiIzMjEiLCJMaW5lQ29sb3IiOm51bGwsIkxpbmVXZWlnaHQiOjAuMCwiTGluZVR5cGUiOjAsIlBhcmVudFN0eWxlIjpudWxsfSwiUGFyZW50U3R5bGUiOm51bGx9LCJEYXRlRm9ybWF0Ijp7IiRpZCI6IjMyMiIsIkZvcm1hdFN0cmluZyI6Ik0vZC95eXl5IiwiU2VwYXJhdG9yIjoiLyIsIlVzZUludGVybmF0aW9uYWxEYXRlRm9ybWF0IjpmYWxzZSwiRGF0ZUlzVmlzaWJsZSI6dHJ1ZSwiVGltZUlzVmlzaWJsZSI6ZmFsc2UsIkhvdXJEaWdpdHMiOjEsIkFtUG1EZXNpZ25hdG9yIjoyLCJUcmltMDBNaW51dGVzIjpmYWxzZSwiTGFzdEtub3duVmlzaWJpbGl0eVN0YXRlIjpudWxsfSwiSXNWaXNpYmxlIjp0cnVlLCJQYXJlbnRTdHlsZSI6bnVsbH0sIkluZGV4Ijo2LCJTbWFydER1cmF0aW9uQWN0aXZhdGVkIjpmYWxzZSwiRGF0ZUZvcm1hdCI6eyIkcmVmIjoiMzIyIn0sIklkIjoiMjdhZTQ3NTgtOWJhYy00MGQzLTg0MDktNDA1ZDVhMjhjOWI2IiwiSW1wb3J0SWQiOm51bGwsIlRpdGxlIjoi7IaQIOyduOyLnSDrqqjrk4gg6rCc67CcIiwiTm90ZSI6bnVsbCwiSHlwZXJsaW5rIjpudWxsLCJJc0NoYW5nZWQiOmZhbHNlLCJJc05ldyI6ZmFsc2V9LHsiJGlkIjoiMzIzIiwiR3JvdXBOYW1lIjpudWxsLCJTdGFydERhdGUiOiIyMDE5LTA0LTE0VDAwOjAwOjAwWiIsIkVuZERhdGUiOiIyMDE5LTA1LTA5VDIzOjU5OjAwWiIsIlBlcmNlbnRhZ2VDb21wbGV0ZSI6bnVsbCwiU3R5bGUiOnsiJGlkIjoiMzI0IiwiU2hhcGUiOjAsIlNoYXBlVGhpY2tuZXNzIjoxLCJEdXJhdGlvbkZvcm1hdCI6MCwiSW5jbHVkZU5vbldvcmtpbmdEYXlzSW5EdXJhdGlvbiI6ZmFsc2UsIlBlcmNlbnRhZ2VDb21wbGV0ZVN0eWxlIjp7IiRpZCI6IjMyNSIsIkZvbnRTZXR0aW5ncyI6eyIkaWQiOiIzMjYiLCJGb250U2l6ZSI6MTAsIkZvbnROYW1lIjoiQ2FsaWJyaSIsIklzQm9sZCI6ZmFsc2UsIklzSXRhbGljIjpmYWxzZSwiSXNVbmRlcmxpbmVkIjpmYWxzZSwiUGFyZW50U3R5bGUiOm51bGx9LCJBdXRvU2l6ZSI6MCwiRm9yZWdyb3VuZCI6eyIkaWQiOiIzMjciLCJDb2xvciI6eyIkcmVmIjoiODYifX0sIk1heFdpZHRoIjoyMDAuMCwiTWF4SGVpZ2h0IjoiSW5maW5pdHkiLCJTbWFydEZvcmVncm91bmRJc0FjdGl2ZSI6ZmFsc2UsIkhvcml6b250YWxBbGlnbm1lbnQiOjAsIlZlcnRpY2FsQWxpZ25tZW50IjowLCJTbWFydEZvcmVncm91bmQiOm51bGwsIkJhY2tncm91bmRGaWxsVHlwZSI6MCwiTWFyZ2luIjp7IiRpZCI6IjMyOCIsIlRvcCI6MCwiTGVmdCI6MCwiUmlnaHQiOjAsIkJvdHRvbSI6MH0sIlBhZGRpbmciOnsiJGlkIjoiMzI5IiwiVG9wIjowLCJMZWZ0IjowLCJSaWdodCI6MCwiQm90dG9tIjowfSwiQmFja2dyb3VuZCI6eyIkcmVmIjoiODkifSwiSXNWaXNpYmxlIjp0cnVlLCJXaWR0aCI6MC4wLCJIZWlnaHQiOjAuMCwiQm9yZGVyU3R5bGUiOnsiJGlkIjoiMzMwIiwiTGluZUNvbG9yIjpudWxsLCJMaW5lV2VpZ2h0IjowLjAsIkxpbmVUeXBlIjowLCJQYXJlbnRTdHlsZSI6bnVsbH0sIlBhcmVudFN0eWxlIjpudWxsfSwiRHVyYXRpb25TdHlsZSI6eyIkaWQiOiIzMzEiLCJGb250U2V0dGluZ3MiOnsiJGlkIjoiMzMyIiwiRm9udFNpemUiOjEwLCJGb250TmFtZSI6IkNhbGlicmkiLCJJc0JvbGQiOmZhbHNlLCJJc0l0YWxpYyI6ZmFsc2UsIklzVW5kZXJsaW5lZCI6ZmFsc2UsIlBhcmVudFN0eWxlIjpudWxsfSwiQXV0b1NpemUiOjAsIkZvcmVncm91bmQiOnsiJGlkIjoiMzMzIiwiQ29sb3IiOnsiJHJlZiI6IjkzIn19LCJNYXhXaWR0aCI6MjAwLjAsIk1heEhlaWdodCI6IkluZmluaXR5IiwiU21hcnRGb3JlZ3JvdW5kSXNBY3RpdmUiOmZhbHNlLCJIb3Jpem9udGFsQWxpZ25tZW50IjowLCJWZXJ0aWNhbEFsaWdubWVudCI6MCwiU21hcnRGb3JlZ3JvdW5kIjpudWxsLCJCYWNrZ3JvdW5kRmlsbFR5cGUiOjAsIk1hcmdpbiI6eyIkaWQiOiIzMzQiLCJUb3AiOjAsIkxlZnQiOjAsIlJpZ2h0IjowLCJCb3R0b20iOjB9LCJQYWRkaW5nIjp7IiRpZCI6IjMzNSIsIlRvcCI6MCwiTGVmdCI6MCwiUmlnaHQiOjAsIkJvdHRvbSI6MH0sIkJhY2tncm91bmQiOnsiJHJlZiI6Ijk2In0sIklzVmlzaWJsZSI6dHJ1ZSwiV2lkdGgiOjAuMCwiSGVpZ2h0IjowLjAsIkJvcmRlclN0eWxlIjp7IiRpZCI6IjMzNiIsIkxpbmVDb2xvciI6bnVsbCwiTGluZVdlaWdodCI6MC4wLCJMaW5lVHlwZSI6MCwiUGFyZW50U3R5bGUiOm51bGx9LCJQYXJlbnRTdHlsZSI6bnVsbH0sIkhvcml6b250YWxDb25uZWN0b3JTdHlsZSI6eyIkaWQiOiIzMzciLCJMaW5lQ29sb3IiOnsiJHJlZiI6Ijk4In0sIkxpbmVXZWlnaHQiOjEuMCwiTGluZVR5cGUiOjAsIlBhcmVudFN0eWxlIjpudWxsfSwiVmVydGljYWxDb25uZWN0b3JTdHlsZSI6eyIkaWQiOiIzMzgiLCJMaW5lQ29sb3IiOnsiJHJlZiI6IjEwMSJ9LCJMaW5lV2VpZ2h0IjowLjAsIkxpbmVUeXBlIjowLCJQYXJlbnRTdHlsZSI6bnVsbH0sIk1hcmdpbiI6bnVsbCwiU3RhcnREYXRlUG9zaXRpb24iOjQsIkVuZERhdGVQb3NpdGlvbiI6NCwiRGF0ZUlzVmlzaWJsZSI6dHJ1ZSwiVGl0bGVQb3NpdGlvbiI6NSwiRHVyYXRpb25Qb3NpdGlvbiI6NiwiUGVyY2VudGFnZUNvbXBsZXRlZFBvc2l0aW9uIjo2LCJTcGFjaW5nIjo1LCJJc0JlbG93VGltZWJhbmQiOnRydWUsIlBlcmNlbnRhZ2VDb21wbGV0ZVNoYXBlT3BhY2l0eSI6MzUsIlNoYXBlU3R5bGUiOnsiJGlkIjoiMzM5IiwiTWFyZ2luIjp7IiRpZCI6IjM0MCIsIlRvcCI6MCwiTGVmdCI6NCwiUmlnaHQiOjQsIkJvdHRvbSI6MH0sIlBhZGRpbmciOnsiJGlkIjoiMzQxIiwiVG9wIjowLCJMZWZ0IjowLCJSaWdodCI6MCwiQm90dG9tIjowfSwiQmFja2dyb3VuZCI6eyIkaWQiOiIzNDIiLCJDb2xvciI6eyIkaWQiOiIzNDMiLCJBIjoyNTUsIlIiOjIzNywiRyI6MTI1LCJCIjo0OX19LCJJc1Zpc2libGUiOnRydWUsIldpZHRoIjowLjAsIkhlaWdodCI6MTYuMCwiQm9yZGVyU3R5bGUiOnsiJGlkIjoiMzQ0IiwiTGluZUNvbG9yIjp7IiRyZWYiOiIxMDkifSwiTGluZVdlaWdodCI6MC4wLCJMaW5lVHlwZSI6MCwiUGFyZW50U3R5bGUiOm51bGx9LCJQYXJlbnRTdHlsZSI6bnVsbH0sIlRpdGxlU3R5bGUiOnsiJGlkIjoiMzQ1IiwiRm9udFNldHRpbmdzIjp7IiRpZCI6IjM0NiIsIkZvbnRTaXplIjoxMSwiRm9udE5hbWUiOiJDYWxpYnJpIiwiSXNCb2xkIjp0cnVlLCJJc0l0YWxpYyI6ZmFsc2UsIklzVW5kZXJsaW5lZCI6ZmFsc2UsIlBhcmVudFN0eWxlIjpudWxsfSwiQXV0b1NpemUiOjAsIkZvcmVncm91bmQiOnsiJGlkIjoiMzQ3IiwiQ29sb3IiOnsiJHJlZiI6IjExNCJ9fSwiTWF4V2lkdGgiOjk2MC4wLCJNYXhIZWlnaHQiOiJJbmZpbml0eSIsIlNtYXJ0Rm9yZWdyb3VuZElzQWN0aXZlIjpmYWxzZSwiSG9yaXpvbnRhbEFsaWdubWVudCI6MCwiVmVydGljYWxBbGlnbm1lbnQiOjAsIlNtYXJ0Rm9yZWdyb3VuZCI6bnVsbCwiQmFja2dyb3VuZEZpbGxUeXBlIjowLCJNYXJnaW4iOnsiJGlkIjoiMzQ4IiwiVG9wIjowLCJMZWZ0IjowLCJSaWdodCI6MCwiQm90dG9tIjowfSwiUGFkZGluZyI6eyIkaWQiOiIzNDkiLCJUb3AiOjAsIkxlZnQiOjAsIlJpZ2h0IjowLCJCb3R0b20iOjB9LCJCYWNrZ3JvdW5kIjp7IiRyZWYiOiIxMTcifSwiSXNWaXNpYmxlIjp0cnVlLCJXaWR0aCI6MC4wLCJIZWlnaHQiOjAuMCwiQm9yZGVyU3R5bGUiOnsiJGlkIjoiMzUwIiwiTGluZUNvbG9yIjpudWxsLCJMaW5lV2VpZ2h0IjowLjAsIkxpbmVUeXBlIjowLCJQYXJlbnRTdHlsZSI6bnVsbH0sIlBhcmVudFN0eWxlIjpudWxsfSwiRGF0ZVN0eWxlIjp7IiRpZCI6IjM1MSIsIkZvbnRTZXR0aW5ncyI6eyIkaWQiOiIzNTIiLCJGb250U2l6ZSI6MTAsIkZvbnROYW1lIjoiQ2FsaWJyaSIsIklzQm9sZCI6ZmFsc2UsIklzSXRhbGljIjpmYWxzZSwiSXNVbmRlcmxpbmVkIjpmYWxzZSwiUGFyZW50U3R5bGUiOm51bGx9LCJBdXRvU2l6ZSI6MCwiRm9yZWdyb3VuZCI6eyIkaWQiOiIzNTMiLCJDb2xvciI6eyIkcmVmIjoiMTIxIn19LCJNYXhXaWR0aCI6MjAwLjAsIk1heEhlaWdodCI6IkluZmluaXR5IiwiU21hcnRGb3JlZ3JvdW5kSXNBY3RpdmUiOmZhbHNlLCJIb3Jpem9udGFsQWxpZ25tZW50IjowLCJWZXJ0aWNhbEFsaWdubWVudCI6MCwiU21hcnRGb3JlZ3JvdW5kIjpudWxsLCJCYWNrZ3JvdW5kRmlsbFR5cGUiOjAsIk1hcmdpbiI6eyIkaWQiOiIzNTQiLCJUb3AiOjAsIkxlZnQiOjAsIlJpZ2h0IjowLCJCb3R0b20iOjB9LCJQYWRkaW5nIjp7IiRpZCI6IjM1NSIsIlRvcCI6MCwiTGVmdCI6MCwiUmlnaHQiOjAsIkJvdHRvbSI6MH0sIkJhY2tncm91bmQiOnsiJHJlZiI6IjEyNCJ9LCJJc1Zpc2libGUiOnRydWUsIldpZHRoIjowLjAsIkhlaWdodCI6MC4wLCJCb3JkZXJTdHlsZSI6eyIkaWQiOiIzNTYiLCJMaW5lQ29sb3IiOm51bGwsIkxpbmVXZWlnaHQiOjAuMCwiTGluZVR5cGUiOjAsIlBhcmVudFN0eWxlIjpudWxsfSwiUGFyZW50U3R5bGUiOm51bGx9LCJEYXRlRm9ybWF0Ijp7IiRpZCI6IjM1NyIsIkZvcm1hdFN0cmluZyI6Ik0vZC95eXl5IiwiU2VwYXJhdG9yIjoiLyIsIlVzZUludGVybmF0aW9uYWxEYXRlRm9ybWF0IjpmYWxzZSwiRGF0ZUlzVmlzaWJsZSI6dHJ1ZSwiVGltZUlzVmlzaWJsZSI6ZmFsc2UsIkhvdXJEaWdpdHMiOjEsIkFtUG1EZXNpZ25hdG9yIjoyLCJUcmltMDBNaW51dGVzIjpmYWxzZSwiTGFzdEtub3duVmlzaWJpbGl0eVN0YXRlIjpudWxsfSwiSXNWaXNpYmxlIjp0cnVlLCJQYXJlbnRTdHlsZSI6bnVsbH0sIkluZGV4Ijo3LCJTbWFydER1cmF0aW9uQWN0aXZhdGVkIjpmYWxzZSwiRGF0ZUZvcm1hdCI6eyIkcmVmIjoiMzU3In0sIklkIjoiZTY3NmRkNWMtOGQ2NS00Nzc1LTg4YjYtZDU2YjRlNzNlZTBjIiwiSW1wb3J0SWQiOm51bGwsIlRpdGxlIjoi7Iug7LK0IOyduOyLnSDrqqjrk4gg6rCc67CcIiwiTm90ZSI6bnVsbCwiSHlwZXJsaW5rIjpudWxsLCJJc0NoYW5nZWQiOmZhbHNlLCJJc05ldyI6ZmFsc2V9LHsiJGlkIjoiMzU4IiwiR3JvdXBOYW1lIjpudWxsLCJTdGFydERhdGUiOiIyMDE5LTA1LTEwVDAwOjAwOjAwWiIsIkVuZERhdGUiOiIyMDE5LTA2LTA3VDIzOjU5OjAwWiIsIlBlcmNlbnRhZ2VDb21wbGV0ZSI6bnVsbCwiU3R5bGUiOnsiJGlkIjoiMzU5IiwiU2hhcGUiOjAsIlNoYXBlVGhpY2tuZXNzIjoxLCJEdXJhdGlvbkZvcm1hdCI6MCwiSW5jbHVkZU5vbldvcmtpbmdEYXlzSW5EdXJhdGlvbiI6ZmFsc2UsIlBlcmNlbnRhZ2VDb21wbGV0ZVN0eWxlIjp7IiRpZCI6IjM2MCIsIkZvbnRTZXR0aW5ncyI6eyIkaWQiOiIzNjEiLCJGb250U2l6ZSI6MTAsIkZvbnROYW1lIjoiQ2FsaWJyaSIsIklzQm9sZCI6ZmFsc2UsIklzSXRhbGljIjpmYWxzZSwiSXNVbmRlcmxpbmVkIjpmYWxzZSwiUGFyZW50U3R5bGUiOm51bGx9LCJBdXRvU2l6ZSI6MCwiRm9yZWdyb3VuZCI6eyIkaWQiOiIzNjIiLCJDb2xvciI6eyIkcmVmIjoiODYifX0sIk1heFdpZHRoIjoyMDAuMCwiTWF4SGVpZ2h0IjoiSW5maW5pdHkiLCJTbWFydEZvcmVncm91bmRJc0FjdGl2ZSI6ZmFsc2UsIkhvcml6b250YWxBbGlnbm1lbnQiOjAsIlZlcnRpY2FsQWxpZ25tZW50IjowLCJTbWFydEZvcmVncm91bmQiOm51bGwsIkJhY2tncm91bmRGaWxsVHlwZSI6MCwiTWFyZ2luIjp7IiRpZCI6IjM2MyIsIlRvcCI6MCwiTGVmdCI6MCwiUmlnaHQiOjAsIkJvdHRvbSI6MH0sIlBhZGRpbmciOnsiJGlkIjoiMzY0IiwiVG9wIjowLCJMZWZ0IjowLCJSaWdodCI6MCwiQm90dG9tIjowfSwiQmFja2dyb3VuZCI6eyIkcmVmIjoiODkifSwiSXNWaXNpYmxlIjp0cnVlLCJXaWR0aCI6MC4wLCJIZWlnaHQiOjAuMCwiQm9yZGVyU3R5bGUiOnsiJGlkIjoiMzY1IiwiTGluZUNvbG9yIjpudWxsLCJMaW5lV2VpZ2h0IjowLjAsIkxpbmVUeXBlIjowLCJQYXJlbnRTdHlsZSI6bnVsbH0sIlBhcmVudFN0eWxlIjpudWxsfSwiRHVyYXRpb25TdHlsZSI6eyIkaWQiOiIzNjYiLCJGb250U2V0dGluZ3MiOnsiJGlkIjoiMzY3IiwiRm9udFNpemUiOjEwLCJGb250TmFtZSI6IkNhbGlicmkiLCJJc0JvbGQiOmZhbHNlLCJJc0l0YWxpYyI6ZmFsc2UsIklzVW5kZXJsaW5lZCI6ZmFsc2UsIlBhcmVudFN0eWxlIjpudWxsfSwiQXV0b1NpemUiOjAsIkZvcmVncm91bmQiOnsiJGlkIjoiMzY4IiwiQ29sb3IiOnsiJHJlZiI6IjkzIn19LCJNYXhXaWR0aCI6MjAwLjAsIk1heEhlaWdodCI6IkluZmluaXR5IiwiU21hcnRGb3JlZ3JvdW5kSXNBY3RpdmUiOmZhbHNlLCJIb3Jpem9udGFsQWxpZ25tZW50IjowLCJWZXJ0aWNhbEFsaWdubWVudCI6MCwiU21hcnRGb3JlZ3JvdW5kIjpudWxsLCJCYWNrZ3JvdW5kRmlsbFR5cGUiOjAsIk1hcmdpbiI6eyIkaWQiOiIzNjkiLCJUb3AiOjAsIkxlZnQiOjAsIlJpZ2h0IjowLCJCb3R0b20iOjB9LCJQYWRkaW5nIjp7IiRpZCI6IjM3MCIsIlRvcCI6MCwiTGVmdCI6MCwiUmlnaHQiOjAsIkJvdHRvbSI6MH0sIkJhY2tncm91bmQiOnsiJHJlZiI6Ijk2In0sIklzVmlzaWJsZSI6dHJ1ZSwiV2lkdGgiOjAuMCwiSGVpZ2h0IjowLjAsIkJvcmRlclN0eWxlIjp7IiRpZCI6IjM3MSIsIkxpbmVDb2xvciI6bnVsbCwiTGluZVdlaWdodCI6MC4wLCJMaW5lVHlwZSI6MCwiUGFyZW50U3R5bGUiOm51bGx9LCJQYXJlbnRTdHlsZSI6bnVsbH0sIkhvcml6b250YWxDb25uZWN0b3JTdHlsZSI6eyIkaWQiOiIzNzIiLCJMaW5lQ29sb3IiOnsiJHJlZiI6Ijk4In0sIkxpbmVXZWlnaHQiOjEuMCwiTGluZVR5cGUiOjAsIlBhcmVudFN0eWxlIjpudWxsfSwiVmVydGljYWxDb25uZWN0b3JTdHlsZSI6eyIkaWQiOiIzNzMiLCJMaW5lQ29sb3IiOnsiJHJlZiI6IjEwMSJ9LCJMaW5lV2VpZ2h0IjowLjAsIkxpbmVUeXBlIjowLCJQYXJlbnRTdHlsZSI6bnVsbH0sIk1hcmdpbiI6bnVsbCwiU3RhcnREYXRlUG9zaXRpb24iOjQsIkVuZERhdGVQb3NpdGlvbiI6NCwiRGF0ZUlzVmlzaWJsZSI6dHJ1ZSwiVGl0bGVQb3NpdGlvbiI6NSwiRHVyYXRpb25Qb3NpdGlvbiI6NiwiUGVyY2VudGFnZUNvbXBsZXRlZFBvc2l0aW9uIjo2LCJTcGFjaW5nIjo1LCJJc0JlbG93VGltZWJhbmQiOnRydWUsIlBlcmNlbnRhZ2VDb21wbGV0ZVNoYXBlT3BhY2l0eSI6MzUsIlNoYXBlU3R5bGUiOnsiJGlkIjoiMzc0IiwiTWFyZ2luIjp7IiRpZCI6IjM3NSIsIlRvcCI6MCwiTGVmdCI6NCwiUmlnaHQiOjQsIkJvdHRvbSI6MH0sIlBhZGRpbmciOnsiJGlkIjoiMzc2IiwiVG9wIjowLCJMZWZ0IjowLCJSaWdodCI6MCwiQm90dG9tIjowfSwiQmFja2dyb3VuZCI6eyIkaWQiOiIzNzciLCJDb2xvciI6eyIkaWQiOiIzNzgiLCJBIjoyNTUsIlIiOjIzNywiRyI6MTI1LCJCIjo0OX19LCJJc1Zpc2libGUiOnRydWUsIldpZHRoIjowLjAsIkhlaWdodCI6MTYuMCwiQm9yZGVyU3R5bGUiOnsiJGlkIjoiMzc5IiwiTGluZUNvbG9yIjp7IiRyZWYiOiIxMDkifSwiTGluZVdlaWdodCI6MC4wLCJMaW5lVHlwZSI6MCwiUGFyZW50U3R5bGUiOm51bGx9LCJQYXJlbnRTdHlsZSI6bnVsbH0sIlRpdGxlU3R5bGUiOnsiJGlkIjoiMzgwIiwiRm9udFNldHRpbmdzIjp7IiRpZCI6IjM4MSIsIkZvbnRTaXplIjoxMSwiRm9udE5hbWUiOiJDYWxpYnJpIiwiSXNCb2xkIjp0cnVlLCJJc0l0YWxpYyI6ZmFsc2UsIklzVW5kZXJsaW5lZCI6ZmFsc2UsIlBhcmVudFN0eWxlIjpudWxsfSwiQXV0b1NpemUiOjAsIkZvcmVncm91bmQiOnsiJGlkIjoiMzgyIiwiQ29sb3IiOnsiJHJlZiI6IjExNCJ9fSwiTWF4V2lkdGgiOjcyMC4wLCJNYXhIZWlnaHQiOiJJbmZpbml0eSIsIlNtYXJ0Rm9yZWdyb3VuZElzQWN0aXZlIjpmYWxzZSwiSG9yaXpvbnRhbEFsaWdubWVudCI6MCwiVmVydGljYWxBbGlnbm1lbnQiOjAsIlNtYXJ0Rm9yZWdyb3VuZCI6bnVsbCwiQmFja2dyb3VuZEZpbGxUeXBlIjowLCJNYXJnaW4iOnsiJGlkIjoiMzgzIiwiVG9wIjowLCJMZWZ0IjowLCJSaWdodCI6MCwiQm90dG9tIjowfSwiUGFkZGluZyI6eyIkaWQiOiIzODQiLCJUb3AiOjAsIkxlZnQiOjAsIlJpZ2h0IjowLCJCb3R0b20iOjB9LCJCYWNrZ3JvdW5kIjp7IiRyZWYiOiIxMTcifSwiSXNWaXNpYmxlIjp0cnVlLCJXaWR0aCI6MC4wLCJIZWlnaHQiOjAuMCwiQm9yZGVyU3R5bGUiOnsiJGlkIjoiMzg1IiwiTGluZUNvbG9yIjpudWxsLCJMaW5lV2VpZ2h0IjowLjAsIkxpbmVUeXBlIjowLCJQYXJlbnRTdHlsZSI6bnVsbH0sIlBhcmVudFN0eWxlIjpudWxsfSwiRGF0ZVN0eWxlIjp7IiRpZCI6IjM4NiIsIkZvbnRTZXR0aW5ncyI6eyIkaWQiOiIzODciLCJGb250U2l6ZSI6MTAsIkZvbnROYW1lIjoiQ2FsaWJyaSIsIklzQm9sZCI6ZmFsc2UsIklzSXRhbGljIjpmYWxzZSwiSXNVbmRlcmxpbmVkIjpmYWxzZSwiUGFyZW50U3R5bGUiOm51bGx9LCJBdXRvU2l6ZSI6MCwiRm9yZWdyb3VuZCI6eyIkaWQiOiIzODgiLCJDb2xvciI6eyIkcmVmIjoiMTIxIn19LCJNYXhXaWR0aCI6MjAwLjAsIk1heEhlaWdodCI6IkluZmluaXR5IiwiU21hcnRGb3JlZ3JvdW5kSXNBY3RpdmUiOmZhbHNlLCJIb3Jpem9udGFsQWxpZ25tZW50IjowLCJWZXJ0aWNhbEFsaWdubWVudCI6MCwiU21hcnRGb3JlZ3JvdW5kIjpudWxsLCJCYWNrZ3JvdW5kRmlsbFR5cGUiOjAsIk1hcmdpbiI6eyIkaWQiOiIzODkiLCJUb3AiOjAsIkxlZnQiOjAsIlJpZ2h0IjowLCJCb3R0b20iOjB9LCJQYWRkaW5nIjp7IiRpZCI6IjM5MCIsIlRvcCI6MCwiTGVmdCI6MCwiUmlnaHQiOjAsIkJvdHRvbSI6MH0sIkJhY2tncm91bmQiOnsiJHJlZiI6IjEyNCJ9LCJJc1Zpc2libGUiOnRydWUsIldpZHRoIjowLjAsIkhlaWdodCI6MC4wLCJCb3JkZXJTdHlsZSI6eyIkaWQiOiIzOTEiLCJMaW5lQ29sb3IiOm51bGwsIkxpbmVXZWlnaHQiOjAuMCwiTGluZVR5cGUiOjAsIlBhcmVudFN0eWxlIjpudWxsfSwiUGFyZW50U3R5bGUiOm51bGx9LCJEYXRlRm9ybWF0Ijp7IiRpZCI6IjM5MiIsIkZvcm1hdFN0cmluZyI6Ik0vZC95eXl5IiwiU2VwYXJhdG9yIjoiLyIsIlVzZUludGVybmF0aW9uYWxEYXRlRm9ybWF0IjpmYWxzZSwiRGF0ZUlzVmlzaWJsZSI6dHJ1ZSwiVGltZUlzVmlzaWJsZSI6ZmFsc2UsIkhvdXJEaWdpdHMiOjEsIkFtUG1EZXNpZ25hdG9yIjoyLCJUcmltMDBNaW51dGVzIjpmYWxzZSwiTGFzdEtub3duVmlzaWJpbGl0eVN0YXRlIjpudWxsfSwiSXNWaXNpYmxlIjp0cnVlLCJQYXJlbnRTdHlsZSI6bnVsbH0sIkluZGV4Ijo4LCJTbWFydER1cmF0aW9uQWN0aXZhdGVkIjpmYWxzZSwiRGF0ZUZvcm1hdCI6eyIkcmVmIjoiMzkyIn0sIklkIjoiNTU4NzE1NjYtYWNiNC00NzlmLWE1OTMtYzRkNzVmYWJhNWYzIiwiSW1wb3J0SWQiOm51bGwsIlRpdGxlIjoiQVIg7J2Y7IOBIOqwneyytCDsg53shLEg66qo65OIIOqwnOuwnCIsIk5vdGUiOm51bGwsIkh5cGVybGluayI6bnVsbCwiSXNDaGFuZ2VkIjpmYWxzZSwiSXNOZXciOmZhbHNlfSx7IiRpZCI6IjM5MyIsIkdyb3VwTmFtZSI6bnVsbCwiU3RhcnREYXRlIjoiMjAxOS0wNS0yMFQwMDowMDowMFoiLCJFbmREYXRlIjoiMjAxOS0wNS0yNlQyMzo1OTowMFoiLCJQZXJjZW50YWdlQ29tcGxldGUiOm51bGwsIlN0eWxlIjp7IiRpZCI6IjM5NCIsIlNoYXBlIjowLCJTaGFwZVRoaWNrbmVzcyI6MSwiRHVyYXRpb25Gb3JtYXQiOjAsIkluY2x1ZGVOb25Xb3JraW5nRGF5c0luRHVyYXRpb24iOmZhbHNlLCJQZXJjZW50YWdlQ29tcGxldGVTdHlsZSI6eyIkaWQiOiIzOTUiLCJGb250U2V0dGluZ3MiOnsiJGlkIjoiMzk2IiwiRm9udFNpemUiOjEwLCJGb250TmFtZSI6IkNhbGlicmkiLCJJc0JvbGQiOmZhbHNlLCJJc0l0YWxpYyI6ZmFsc2UsIklzVW5kZXJsaW5lZCI6ZmFsc2UsIlBhcmVudFN0eWxlIjpudWxsfSwiQXV0b1NpemUiOjAsIkZvcmVncm91bmQiOnsiJGlkIjoiMzk3IiwiQ29sb3IiOnsiJHJlZiI6Ijg2In19LCJNYXhXaWR0aCI6MjAwLjAsIk1heEhlaWdodCI6IkluZmluaXR5IiwiU21hcnRGb3JlZ3JvdW5kSXNBY3RpdmUiOmZhbHNlLCJIb3Jpem9udGFsQWxpZ25tZW50IjowLCJWZXJ0aWNhbEFsaWdubWVudCI6MCwiU21hcnRGb3JlZ3JvdW5kIjpudWxsLCJCYWNrZ3JvdW5kRmlsbFR5cGUiOjAsIk1hcmdpbiI6eyIkaWQiOiIzOTgiLCJUb3AiOjAsIkxlZnQiOjAsIlJpZ2h0IjowLCJCb3R0b20iOjB9LCJQYWRkaW5nIjp7IiRpZCI6IjM5OSIsIlRvcCI6MCwiTGVmdCI6MCwiUmlnaHQiOjAsIkJvdHRvbSI6MH0sIkJhY2tncm91bmQiOnsiJHJlZiI6Ijg5In0sIklzVmlzaWJsZSI6dHJ1ZSwiV2lkdGgiOjAuMCwiSGVpZ2h0IjowLjAsIkJvcmRlclN0eWxlIjp7IiRpZCI6IjQwMCIsIkxpbmVDb2xvciI6bnVsbCwiTGluZVdlaWdodCI6MC4wLCJMaW5lVHlwZSI6MCwiUGFyZW50U3R5bGUiOm51bGx9LCJQYXJlbnRTdHlsZSI6bnVsbH0sIkR1cmF0aW9uU3R5bGUiOnsiJGlkIjoiNDAxIiwiRm9udFNldHRpbmdzIjp7IiRpZCI6IjQwMiIsIkZvbnRTaXplIjoxMCwiRm9udE5hbWUiOiJDYWxpYnJpIiwiSXNCb2xkIjpmYWxzZSwiSXNJdGFsaWMiOmZhbHNlLCJJc1VuZGVybGluZWQiOmZhbHNlLCJQYXJlbnRTdHlsZSI6bnVsbH0sIkF1dG9TaXplIjowLCJGb3JlZ3JvdW5kIjp7IiRpZCI6IjQwMyIsIkNvbG9yIjp7IiRyZWYiOiI5MyJ9fSwiTWF4V2lkdGgiOjIwMC4wLCJNYXhIZWlnaHQiOiJJbmZpbml0eSIsIlNtYXJ0Rm9yZWdyb3VuZElzQWN0aXZlIjpmYWxzZSwiSG9yaXpvbnRhbEFsaWdubWVudCI6MCwiVmVydGljYWxBbGlnbm1lbnQiOjAsIlNtYXJ0Rm9yZWdyb3VuZCI6bnVsbCwiQmFja2dyb3VuZEZpbGxUeXBlIjowLCJNYXJnaW4iOnsiJGlkIjoiNDA0IiwiVG9wIjowLCJMZWZ0IjowLCJSaWdodCI6MCwiQm90dG9tIjowfSwiUGFkZGluZyI6eyIkaWQiOiI0MDUiLCJUb3AiOjAsIkxlZnQiOjAsIlJpZ2h0IjowLCJCb3R0b20iOjB9LCJCYWNrZ3JvdW5kIjp7IiRyZWYiOiI5NiJ9LCJJc1Zpc2libGUiOnRydWUsIldpZHRoIjowLjAsIkhlaWdodCI6MC4wLCJCb3JkZXJTdHlsZSI6eyIkaWQiOiI0MDYiLCJMaW5lQ29sb3IiOm51bGwsIkxpbmVXZWlnaHQiOjAuMCwiTGluZVR5cGUiOjAsIlBhcmVudFN0eWxlIjpudWxsfSwiUGFyZW50U3R5bGUiOm51bGx9LCJIb3Jpem9udGFsQ29ubmVjdG9yU3R5bGUiOnsiJGlkIjoiNDA3IiwiTGluZUNvbG9yIjp7IiRyZWYiOiI5OCJ9LCJMaW5lV2VpZ2h0IjoxLjAsIkxpbmVUeXBlIjowLCJQYXJlbnRTdHlsZSI6bnVsbH0sIlZlcnRpY2FsQ29ubmVjdG9yU3R5bGUiOnsiJGlkIjoiNDA4IiwiTGluZUNvbG9yIjp7IiRyZWYiOiIxMDEifSwiTGluZVdlaWdodCI6MC4wLCJMaW5lVHlwZSI6MCwiUGFyZW50U3R5bGUiOm51bGx9LCJNYXJnaW4iOm51bGwsIlN0YXJ0RGF0ZVBvc2l0aW9uIjo0LCJFbmREYXRlUG9zaXRpb24iOjQsIkRhdGVJc1Zpc2libGUiOnRydWUsIlRpdGxlUG9zaXRpb24iOjUsIkR1cmF0aW9uUG9zaXRpb24iOjYsIlBlcmNlbnRhZ2VDb21wbGV0ZWRQb3NpdGlvbiI6NiwiU3BhY2luZyI6NSwiSXNCZWxvd1RpbWViYW5kIjp0cnVlLCJQZXJjZW50YWdlQ29tcGxldGVTaGFwZU9wYWNpdHkiOjM1LCJTaGFwZVN0eWxlIjp7IiRpZCI6IjQwOSIsIk1hcmdpbiI6eyIkaWQiOiI0MTAiLCJUb3AiOjAsIkxlZnQiOjQsIlJpZ2h0Ijo0LCJCb3R0b20iOjB9LCJQYWRkaW5nIjp7IiRpZCI6IjQxMSIsIlRvcCI6MCwiTGVmdCI6MCwiUmlnaHQiOjAsIkJvdHRvbSI6MH0sIkJhY2tncm91bmQiOnsiJGlkIjoiNDEyIiwiQ29sb3IiOnsiJGlkIjoiNDEzIiwiQSI6MjU1LCJSIjoyNTUsIkciOjE5MiwiQiI6MH19LCJJc1Zpc2libGUiOnRydWUsIldpZHRoIjowLjAsIkhlaWdodCI6MTYuMCwiQm9yZGVyU3R5bGUiOnsiJGlkIjoiNDE0IiwiTGluZUNvbG9yIjp7IiRyZWYiOiIxMDkifSwiTGluZVdlaWdodCI6MC4wLCJMaW5lVHlwZSI6MCwiUGFyZW50U3R5bGUiOm51bGx9LCJQYXJlbnRTdHlsZSI6bnVsbH0sIlRpdGxlU3R5bGUiOnsiJGlkIjoiNDE1IiwiRm9udFNldHRpbmdzIjp7IiRpZCI6IjQxNiIsIkZvbnRTaXplIjoxMSwiRm9udE5hbWUiOiJDYWxpYnJpIiwiSXNCb2xkIjp0cnVlLCJJc0l0YWxpYyI6ZmFsc2UsIklzVW5kZXJsaW5lZCI6ZmFsc2UsIlBhcmVudFN0eWxlIjpudWxsfSwiQXV0b1NpemUiOjAsIkZvcmVncm91bmQiOnsiJGlkIjoiNDE3IiwiQ29sb3IiOnsiJHJlZiI6IjExNCJ9fSwiTWF4V2lkdGgiOjk2MC4wLCJNYXhIZWlnaHQiOiJJbmZpbml0eSIsIlNtYXJ0Rm9yZWdyb3VuZElzQWN0aXZlIjpmYWxzZSwiSG9yaXpvbnRhbEFsaWdubWVudCI6MCwiVmVydGljYWxBbGlnbm1lbnQiOjAsIlNtYXJ0Rm9yZWdyb3VuZCI6bnVsbCwiQmFja2dyb3VuZEZpbGxUeXBlIjowLCJNYXJnaW4iOnsiJGlkIjoiNDE4IiwiVG9wIjowLCJMZWZ0IjowLCJSaWdodCI6MCwiQm90dG9tIjowfSwiUGFkZGluZyI6eyIkaWQiOiI0MTkiLCJUb3AiOjAsIkxlZnQiOjAsIlJpZ2h0IjowLCJCb3R0b20iOjB9LCJCYWNrZ3JvdW5kIjp7IiRyZWYiOiIxMTcifSwiSXNWaXNpYmxlIjp0cnVlLCJXaWR0aCI6MC4wLCJIZWlnaHQiOjAuMCwiQm9yZGVyU3R5bGUiOnsiJGlkIjoiNDIwIiwiTGluZUNvbG9yIjpudWxsLCJMaW5lV2VpZ2h0IjowLjAsIkxpbmVUeXBlIjowLCJQYXJlbnRTdHlsZSI6bnVsbH0sIlBhcmVudFN0eWxlIjpudWxsfSwiRGF0ZVN0eWxlIjp7IiRpZCI6IjQyMSIsIkZvbnRTZXR0aW5ncyI6eyIkaWQiOiI0MjIiLCJGb250U2l6ZSI6MTAsIkZvbnROYW1lIjoiQ2FsaWJyaSIsIklzQm9sZCI6ZmFsc2UsIklzSXRhbGljIjpmYWxzZSwiSXNVbmRlcmxpbmVkIjpmYWxzZSwiUGFyZW50U3R5bGUiOm51bGx9LCJBdXRvU2l6ZSI6MCwiRm9yZWdyb3VuZCI6eyIkaWQiOiI0MjMiLCJDb2xvciI6eyIkcmVmIjoiMTIxIn19LCJNYXhXaWR0aCI6MjAwLjAsIk1heEhlaWdodCI6IkluZmluaXR5IiwiU21hcnRGb3JlZ3JvdW5kSXNBY3RpdmUiOmZhbHNlLCJIb3Jpem9udGFsQWxpZ25tZW50IjowLCJWZXJ0aWNhbEFsaWdubWVudCI6MCwiU21hcnRGb3JlZ3JvdW5kIjpudWxsLCJCYWNrZ3JvdW5kRmlsbFR5cGUiOjAsIk1hcmdpbiI6eyIkaWQiOiI0MjQiLCJUb3AiOjAsIkxlZnQiOjAsIlJpZ2h0IjowLCJCb3R0b20iOjB9LCJQYWRkaW5nIjp7IiRpZCI6IjQyNSIsIlRvcCI6MCwiTGVmdCI6MCwiUmlnaHQiOjAsIkJvdHRvbSI6MH0sIkJhY2tncm91bmQiOnsiJHJlZiI6IjEyNCJ9LCJJc1Zpc2libGUiOnRydWUsIldpZHRoIjowLjAsIkhlaWdodCI6MC4wLCJCb3JkZXJTdHlsZSI6eyIkaWQiOiI0MjYiLCJMaW5lQ29sb3IiOm51bGwsIkxpbmVXZWlnaHQiOjAuMCwiTGluZVR5cGUiOjAsIlBhcmVudFN0eWxlIjpudWxsfSwiUGFyZW50U3R5bGUiOm51bGx9LCJEYXRlRm9ybWF0Ijp7IiRpZCI6IjQyNyIsIkZvcm1hdFN0cmluZyI6Ik0vZC95eXl5IiwiU2VwYXJhdG9yIjoiLyIsIlVzZUludGVybmF0aW9uYWxEYXRlRm9ybWF0IjpmYWxzZSwiRGF0ZUlzVmlzaWJsZSI6dHJ1ZSwiVGltZUlzVmlzaWJsZSI6ZmFsc2UsIkhvdXJEaWdpdHMiOjEsIkFtUG1EZXNpZ25hdG9yIjoyLCJUcmltMDBNaW51dGVzIjpmYWxzZSwiTGFzdEtub3duVmlzaWJpbGl0eVN0YXRlIjpudWxsfSwiSXNWaXNpYmxlIjp0cnVlLCJQYXJlbnRTdHlsZSI6bnVsbH0sIkluZGV4Ijo5LCJTbWFydER1cmF0aW9uQWN0aXZhdGVkIjpmYWxzZSwiRGF0ZUZvcm1hdCI6eyIkcmVmIjoiNDI3In0sIklkIjoiODUzZjJlMmEtMWQ5MS00ODFmLThiM2UtYTNmZGVhZGQ4ZmZiIiwiSW1wb3J0SWQiOm51bGwsIlRpdGxlIjoi7KaQ6rKo7LC+6riwIOuqqOuTiCDqsJzrsJwiLCJOb3RlIjpudWxsLCJIeXBlcmxpbmsiOm51bGwsIklzQ2hhbmdlZCI6ZmFsc2UsIklzTmV3IjpmYWxzZX0seyIkaWQiOiI0MjgiLCJHcm91cE5hbWUiOm51bGwsIlN0YXJ0RGF0ZSI6IjIwMTktMDYtMDhUMDA6MDA6MDAiLCJFbmREYXRlIjoiMjAxOS0wNi0xOVQyMzo1OTowMCIsIlBlcmNlbnRhZ2VDb21wbGV0ZSI6bnVsbCwiU3R5bGUiOnsiJGlkIjoiNDI5IiwiU2hhcGUiOjAsIlNoYXBlVGhpY2tuZXNzIjoxLCJEdXJhdGlvbkZvcm1hdCI6MCwiSW5jbHVkZU5vbldvcmtpbmdEYXlzSW5EdXJhdGlvbiI6ZmFsc2UsIlBlcmNlbnRhZ2VDb21wbGV0ZVN0eWxlIjp7IiRpZCI6IjQzMCIsIkZvbnRTZXR0aW5ncyI6eyIkaWQiOiI0MzEiLCJGb250U2l6ZSI6MTAsIkZvbnROYW1lIjoiQ2FsaWJyaSIsIklzQm9sZCI6ZmFsc2UsIklzSXRhbGljIjpmYWxzZSwiSXNVbmRlcmxpbmVkIjpmYWxzZSwiUGFyZW50U3R5bGUiOm51bGx9LCJBdXRvU2l6ZSI6MCwiRm9yZWdyb3VuZCI6eyIkaWQiOiI0MzIiLCJDb2xvciI6eyIkcmVmIjoiODYifX0sIk1heFdpZHRoIjoyMDAuMCwiTWF4SGVpZ2h0IjoiSW5maW5pdHkiLCJTbWFydEZvcmVncm91bmRJc0FjdGl2ZSI6ZmFsc2UsIkhvcml6b250YWxBbGlnbm1lbnQiOjAsIlZlcnRpY2FsQWxpZ25tZW50IjowLCJTbWFydEZvcmVncm91bmQiOm51bGwsIkJhY2tncm91bmRGaWxsVHlwZSI6MCwiTWFyZ2luIjp7IiRpZCI6IjQzMyIsIlRvcCI6MCwiTGVmdCI6MCwiUmlnaHQiOjAsIkJvdHRvbSI6MH0sIlBhZGRpbmciOnsiJGlkIjoiNDM0IiwiVG9wIjowLCJMZWZ0IjowLCJSaWdodCI6MCwiQm90dG9tIjowfSwiQmFja2dyb3VuZCI6eyIkcmVmIjoiODkifSwiSXNWaXNpYmxlIjp0cnVlLCJXaWR0aCI6MC4wLCJIZWlnaHQiOjAuMCwiQm9yZGVyU3R5bGUiOnsiJGlkIjoiNDM1IiwiTGluZUNvbG9yIjpudWxsLCJMaW5lV2VpZ2h0IjowLjAsIkxpbmVUeXBlIjowLCJQYXJlbnRTdHlsZSI6bnVsbH0sIlBhcmVudFN0eWxlIjpudWxsfSwiRHVyYXRpb25TdHlsZSI6eyIkaWQiOiI0MzYiLCJGb250U2V0dGluZ3MiOnsiJGlkIjoiNDM3IiwiRm9udFNpemUiOjEwLCJGb250TmFtZSI6IkNhbGlicmkiLCJJc0JvbGQiOmZhbHNlLCJJc0l0YWxpYyI6ZmFsc2UsIklzVW5kZXJsaW5lZCI6ZmFsc2UsIlBhcmVudFN0eWxlIjpudWxsfSwiQXV0b1NpemUiOjAsIkZvcmVncm91bmQiOnsiJGlkIjoiNDM4IiwiQ29sb3IiOnsiJHJlZiI6IjkzIn19LCJNYXhXaWR0aCI6MjAwLjAsIk1heEhlaWdodCI6IkluZmluaXR5IiwiU21hcnRGb3JlZ3JvdW5kSXNBY3RpdmUiOmZhbHNlLCJIb3Jpem9udGFsQWxpZ25tZW50IjowLCJWZXJ0aWNhbEFsaWdubWVudCI6MCwiU21hcnRGb3JlZ3JvdW5kIjpudWxsLCJCYWNrZ3JvdW5kRmlsbFR5cGUiOjAsIk1hcmdpbiI6eyIkaWQiOiI0MzkiLCJUb3AiOjAsIkxlZnQiOjAsIlJpZ2h0IjowLCJCb3R0b20iOjB9LCJQYWRkaW5nIjp7IiRpZCI6IjQ0MCIsIlRvcCI6MCwiTGVmdCI6MCwiUmlnaHQiOjAsIkJvdHRvbSI6MH0sIkJhY2tncm91bmQiOnsiJHJlZiI6Ijk2In0sIklzVmlzaWJsZSI6dHJ1ZSwiV2lkdGgiOjAuMCwiSGVpZ2h0IjowLjAsIkJvcmRlclN0eWxlIjp7IiRpZCI6IjQ0MSIsIkxpbmVDb2xvciI6bnVsbCwiTGluZVdlaWdodCI6MC4wLCJMaW5lVHlwZSI6MCwiUGFyZW50U3R5bGUiOm51bGx9LCJQYXJlbnRTdHlsZSI6bnVsbH0sIkhvcml6b250YWxDb25uZWN0b3JTdHlsZSI6eyIkaWQiOiI0NDIiLCJMaW5lQ29sb3IiOnsiJHJlZiI6Ijk4In0sIkxpbmVXZWlnaHQiOjEuMCwiTGluZVR5cGUiOjAsIlBhcmVudFN0eWxlIjpudWxsfSwiVmVydGljYWxDb25uZWN0b3JTdHlsZSI6eyIkaWQiOiI0NDMiLCJMaW5lQ29sb3IiOnsiJHJlZiI6IjEwMSJ9LCJMaW5lV2VpZ2h0IjowLjAsIkxpbmVUeXBlIjowLCJQYXJlbnRTdHlsZSI6bnVsbH0sIk1hcmdpbiI6bnVsbCwiU3RhcnREYXRlUG9zaXRpb24iOjQsIkVuZERhdGVQb3NpdGlvbiI6NCwiRGF0ZUlzVmlzaWJsZSI6dHJ1ZSwiVGl0bGVQb3NpdGlvbiI6NSwiRHVyYXRpb25Qb3NpdGlvbiI6NiwiUGVyY2VudGFnZUNvbXBsZXRlZFBvc2l0aW9uIjo2LCJTcGFjaW5nIjo1LCJJc0JlbG93VGltZWJhbmQiOnRydWUsIlBlcmNlbnRhZ2VDb21wbGV0ZVNoYXBlT3BhY2l0eSI6MzUsIlNoYXBlU3R5bGUiOnsiJGlkIjoiNDQ0IiwiTWFyZ2luIjp7IiRpZCI6IjQ0NSIsIlRvcCI6MCwiTGVmdCI6NCwiUmlnaHQiOjQsIkJvdHRvbSI6MH0sIlBhZGRpbmciOnsiJGlkIjoiNDQ2IiwiVG9wIjowLCJMZWZ0IjowLCJSaWdodCI6MCwiQm90dG9tIjowfSwiQmFja2dyb3VuZCI6eyIkaWQiOiI0NDciLCJDb2xvciI6eyIkaWQiOiI0NDgiLCJBIjoyNTUsIlIiOjkxLCJHIjoxNTUsIkIiOjIxM319LCJJc1Zpc2libGUiOnRydWUsIldpZHRoIjowLjAsIkhlaWdodCI6MTYuMCwiQm9yZGVyU3R5bGUiOnsiJGlkIjoiNDQ5IiwiTGluZUNvbG9yIjp7IiRyZWYiOiIxMDkifSwiTGluZVdlaWdodCI6MC4wLCJMaW5lVHlwZSI6MCwiUGFyZW50U3R5bGUiOm51bGx9LCJQYXJlbnRTdHlsZSI6bnVsbH0sIlRpdGxlU3R5bGUiOnsiJGlkIjoiNDUwIiwiRm9udFNldHRpbmdzIjp7IiRpZCI6IjQ1MSIsIkZvbnRTaXplIjoxMSwiRm9udE5hbWUiOiJDYWxpYnJpIiwiSXNCb2xkIjp0cnVlLCJJc0l0YWxpYyI6ZmFsc2UsIklzVW5kZXJsaW5lZCI6ZmFsc2UsIlBhcmVudFN0eWxlIjpudWxsfSwiQXV0b1NpemUiOjAsIkZvcmVncm91bmQiOnsiJGlkIjoiNDUyIiwiQ29sb3IiOnsiJHJlZiI6IjExNCJ9fSwiTWF4V2lkdGgiOjcyMC4wLCJNYXhIZWlnaHQiOiJJbmZpbml0eSIsIlNtYXJ0Rm9yZWdyb3VuZElzQWN0aXZlIjpmYWxzZSwiSG9yaXpvbnRhbEFsaWdubWVudCI6MCwiVmVydGljYWxBbGlnbm1lbnQiOjAsIlNtYXJ0Rm9yZWdyb3VuZCI6bnVsbCwiQmFja2dyb3VuZEZpbGxUeXBlIjowLCJNYXJnaW4iOnsiJGlkIjoiNDUzIiwiVG9wIjowLCJMZWZ0IjowLCJSaWdodCI6MCwiQm90dG9tIjowfSwiUGFkZGluZyI6eyIkaWQiOiI0NTQiLCJUb3AiOjAsIkxlZnQiOjAsIlJpZ2h0IjowLCJCb3R0b20iOjB9LCJCYWNrZ3JvdW5kIjp7IiRyZWYiOiIxMTcifSwiSXNWaXNpYmxlIjp0cnVlLCJXaWR0aCI6MC4wLCJIZWlnaHQiOjAuMCwiQm9yZGVyU3R5bGUiOnsiJGlkIjoiNDU1IiwiTGluZUNvbG9yIjpudWxsLCJMaW5lV2VpZ2h0IjowLjAsIkxpbmVUeXBlIjowLCJQYXJlbnRTdHlsZSI6bnVsbH0sIlBhcmVudFN0eWxlIjpudWxsfSwiRGF0ZVN0eWxlIjp7IiRpZCI6IjQ1NiIsIkZvbnRTZXR0aW5ncyI6eyIkaWQiOiI0NTciLCJGb250U2l6ZSI6MTAsIkZvbnROYW1lIjoiQ2FsaWJyaSIsIklzQm9sZCI6ZmFsc2UsIklzSXRhbGljIjpmYWxzZSwiSXNVbmRlcmxpbmVkIjpmYWxzZSwiUGFyZW50U3R5bGUiOm51bGx9LCJBdXRvU2l6ZSI6MCwiRm9yZWdyb3VuZCI6eyIkaWQiOiI0NTgiLCJDb2xvciI6eyIkcmVmIjoiMTIxIn19LCJNYXhXaWR0aCI6MjAwLjAsIk1heEhlaWdodCI6IkluZmluaXR5IiwiU21hcnRGb3JlZ3JvdW5kSXNBY3RpdmUiOmZhbHNlLCJIb3Jpem9udGFsQWxpZ25tZW50IjowLCJWZXJ0aWNhbEFsaWdubWVudCI6MCwiU21hcnRGb3JlZ3JvdW5kIjpudWxsLCJCYWNrZ3JvdW5kRmlsbFR5cGUiOjAsIk1hcmdpbiI6eyIkaWQiOiI0NTkiLCJUb3AiOjAsIkxlZnQiOjAsIlJpZ2h0IjowLCJCb3R0b20iOjB9LCJQYWRkaW5nIjp7IiRpZCI6IjQ2MCIsIlRvcCI6MCwiTGVmdCI6MCwiUmlnaHQiOjAsIkJvdHRvbSI6MH0sIkJhY2tncm91bmQiOnsiJHJlZiI6IjEyNCJ9LCJJc1Zpc2libGUiOnRydWUsIldpZHRoIjowLjAsIkhlaWdodCI6MC4wLCJCb3JkZXJTdHlsZSI6eyIkaWQiOiI0NjEiLCJMaW5lQ29sb3IiOm51bGwsIkxpbmVXZWlnaHQiOjAuMCwiTGluZVR5cGUiOjAsIlBhcmVudFN0eWxlIjpudWxsfSwiUGFyZW50U3R5bGUiOm51bGx9LCJEYXRlRm9ybWF0Ijp7IiRpZCI6IjQ2MiIsIkZvcm1hdFN0cmluZyI6Ik0vZC95eXl5IiwiU2VwYXJhdG9yIjoiLyIsIlVzZUludGVybmF0aW9uYWxEYXRlRm9ybWF0IjpmYWxzZSwiRGF0ZUlzVmlzaWJsZSI6dHJ1ZSwiVGltZUlzVmlzaWJsZSI6ZmFsc2UsIkhvdXJEaWdpdHMiOjEsIkFtUG1EZXNpZ25hdG9yIjoyLCJUcmltMDBNaW51dGVzIjpmYWxzZSwiTGFzdEtub3duVmlzaWJpbGl0eVN0YXRlIjpudWxsfSwiSXNWaXNpYmxlIjp0cnVlLCJQYXJlbnRTdHlsZSI6bnVsbH0sIkluZGV4IjoxMCwiU21hcnREdXJhdGlvbkFjdGl2YXRlZCI6ZmFsc2UsIkRhdGVGb3JtYXQiOnsiJHJlZiI6IjQ2MiJ9LCJJZCI6IjIyZjM5ZmI4LTI5OTQtNDkxMS1hYWM2LTBmZjI5NTg3ZWZkNCIsIkltcG9ydElkIjpudWxsLCJUaXRsZSI6Iuy1nOyihSDrs7Tqs6DshJwg7J6R7ISxIOuwjyDtlLzrk5zrsLEiLCJOb3RlIjpudWxsLCJIeXBlcmxpbmsiOm51bGwsIklzQ2hhbmdlZCI6ZmFsc2UsIklzTmV3IjpmYWxzZX1dLCJNc1Byb2plY3RJdGVtc1RyZWUiOnsiJGlkIjoiNDYzIiwiUm9vdCI6eyJJbXBvcnRJZCI6bnVsbCwiSXNJbXBvcnRlZCI6ZmFsc2UsIkNoaWxkcmVuIjpbXX19LCJNZXRhZGF0YSI6eyIkaWQiOiI0NjQiLCJSZWNlbnRDb2xvcnNDb2xsZWN0aW9uIjoiW1wiI0ZGRkZDMDAwXCIsXCIjRkZFRDdEMzFcIixcIiNGRjVCOUJENVwiLFwiI0ZGNDQ1NDZBXCIsXCIjRkY3MEFENDdcIl0ifSwiU2V0dGluZ3MiOnsiJGlkIjoiNDY1IiwiSW1wYU9wdGlvbnMiOnsiJGlkIjoiNDY2IiwiTGVmdFRvUmlnaHQiOmZhbHNlLCJQYXlsb2FkT3B0aW9ucyI6Mn0sIlVzZUNvbXByZXNzaW9uIjpmYWxzZSwiQ29tcHJlc2lvblBlcmNlbnRhZ2UiOjUwLjAsIkluYWN0aXZlSW50ZXJ2YWxXaWR0aFRocmVzaG9sZCI6MzAuMCwiSW5hY3RpdmVJbnRlcnZhbFdpZHRoIjoxLjAsIlNwbGl0VGFza3MiOmZhbHNlLCJVc2VDbHVzdGVyIjpmYWxzZSwiRXBzaWxvbiI6MC4wLCJNaW5Qb2ludHNUb0Zvcm1BQ2x1c3RlciI6MiwiR2VuZXJhdGVJbnZpc2libGVTaGFwZXMiOmZhbHNlLCJTbWFydFRpbWVsaW5lVGFza1BlcmNlbnRhZ2VGaXQiOmZhbHNlfSwiSXNOZXciOnRydWUsIkltcG9ydFR5cGUiOjAsIkZpbGVQYXRoIjpudWxsLCJUaW1lQ29uZmlndXJhdGlvbiI6eyIkaWQiOiI0NjciLCJVc2VUaW1lIjpmYWxzZSwiV29ya0RheVN0YXJ0IjoiMDA6MDA6MDAiLCJXb3JrRGF5RW5kIjoiMjM6NTk6MDAifSwiTGFzdFVzZWRUZW1wbGF0ZUlkIjoiNzM1NWI2MzMtYWM2Ni00NTI4LThiNGQtMjk5ZmFlZGM5ZWU5In0="/>
   <p:tag name="__MASTER" val="__part_0"/>
 </p:tagLst>
 </file>

--- a/ppt/ganttppt.pptx
+++ b/ppt/ganttppt.pptx
@@ -13946,13 +13946,22 @@
           <a:lstStyle/>
           <a:p>
             <a:r>
-              <a:rPr lang="ko-KR" altLang="en-US" sz="1100" b="1" spc="-6">
+              <a:rPr lang="ko-KR" altLang="en-US" sz="1100" b="1" spc="-6" err="1">
                 <a:solidFill>
                   <a:schemeClr val="dk1"/>
                 </a:solidFill>
                 <a:latin typeface="Calibri" panose="020F0502020204030204" pitchFamily="34" charset="0"/>
               </a:rPr>
-              <a:t>즐겨찾기 모듈 개발</a:t>
+              <a:t>즐겨찾기</a:t>
+            </a:r>
+            <a:r>
+              <a:rPr lang="ko-KR" altLang="en-US" sz="1100" b="1" spc="-6" dirty="0">
+                <a:solidFill>
+                  <a:schemeClr val="dk1"/>
+                </a:solidFill>
+                <a:latin typeface="Calibri" panose="020F0502020204030204" pitchFamily="34" charset="0"/>
+              </a:rPr>
+              <a:t> 기능 개발</a:t>
             </a:r>
           </a:p>
         </p:txBody>

--- a/ppt/ganttppt.pptx
+++ b/ppt/ganttppt.pptx
@@ -8919,10 +8919,10 @@
       </p:grpSpPr>
       <p:cxnSp>
         <p:nvCxnSpPr>
-          <p:cNvPr id="515" name="OTLSHAPE_T_22f39fb829944911aac60ff29587efd4_HorizontalConnector1">
-            <a:extLst>
-              <a:ext uri="{FF2B5EF4-FFF2-40B4-BE49-F238E27FC236}">
-                <a16:creationId xmlns:a16="http://schemas.microsoft.com/office/drawing/2014/main" id="{82570801-1E81-4B01-9C51-19A570672978}"/>
+          <p:cNvPr id="888" name="OTLSHAPE_T_22f39fb829944911aac60ff29587efd4_HorizontalConnector1">
+            <a:extLst>
+              <a:ext uri="{FF2B5EF4-FFF2-40B4-BE49-F238E27FC236}">
+                <a16:creationId xmlns:a16="http://schemas.microsoft.com/office/drawing/2014/main" id="{9C54EC85-88FD-4025-8C34-5A68DE530672}"/>
               </a:ext>
             </a:extLst>
           </p:cNvPr>
@@ -8968,10 +8968,10 @@
       </p:cxnSp>
       <p:cxnSp>
         <p:nvCxnSpPr>
-          <p:cNvPr id="514" name="OTLSHAPE_T_853f2e2a1d91481f8b3ea3fdeadd8ffb_HorizontalConnector1">
-            <a:extLst>
-              <a:ext uri="{FF2B5EF4-FFF2-40B4-BE49-F238E27FC236}">
-                <a16:creationId xmlns:a16="http://schemas.microsoft.com/office/drawing/2014/main" id="{1C6AD6EF-3614-45C3-95AC-A5CA8E60B100}"/>
+          <p:cNvPr id="887" name="OTLSHAPE_T_55871566acb4479fa593c4d75faba5f3_HorizontalConnector1">
+            <a:extLst>
+              <a:ext uri="{FF2B5EF4-FFF2-40B4-BE49-F238E27FC236}">
+                <a16:creationId xmlns:a16="http://schemas.microsoft.com/office/drawing/2014/main" id="{DA6E11E3-5120-43D3-A425-BCF402649020}"/>
               </a:ext>
             </a:extLst>
           </p:cNvPr>
@@ -8984,8 +8984,8 @@
         </p:nvCxnSpPr>
         <p:spPr>
           <a:xfrm>
-            <a:off x="1307761" y="6180455"/>
-            <a:ext cx="6396273" cy="0"/>
+            <a:off x="1845225" y="6180455"/>
+            <a:ext cx="5858809" cy="0"/>
           </a:xfrm>
           <a:prstGeom prst="line">
             <a:avLst/>
@@ -9017,10 +9017,10 @@
       </p:cxnSp>
       <p:cxnSp>
         <p:nvCxnSpPr>
-          <p:cNvPr id="513" name="OTLSHAPE_T_55871566acb4479fa593c4d75faba5f3_HorizontalConnector1">
-            <a:extLst>
-              <a:ext uri="{FF2B5EF4-FFF2-40B4-BE49-F238E27FC236}">
-                <a16:creationId xmlns:a16="http://schemas.microsoft.com/office/drawing/2014/main" id="{F5DD2549-1678-4F73-86D9-A7BEC1D07C2E}"/>
+          <p:cNvPr id="886" name="OTLSHAPE_T_e676dd5c8d65477588b6d56b4e73ee0c_HorizontalConnector1">
+            <a:extLst>
+              <a:ext uri="{FF2B5EF4-FFF2-40B4-BE49-F238E27FC236}">
+                <a16:creationId xmlns:a16="http://schemas.microsoft.com/office/drawing/2014/main" id="{FD93548A-EBE2-4C3A-8A3B-91B61B84E5BA}"/>
               </a:ext>
             </a:extLst>
           </p:cNvPr>
@@ -9033,8 +9033,8 @@
         </p:nvCxnSpPr>
         <p:spPr>
           <a:xfrm>
-            <a:off x="1845226" y="5913755"/>
-            <a:ext cx="5012475" cy="0"/>
+            <a:off x="1339342" y="5913755"/>
+            <a:ext cx="4587392" cy="0"/>
           </a:xfrm>
           <a:prstGeom prst="line">
             <a:avLst/>
@@ -9066,10 +9066,10 @@
       </p:cxnSp>
       <p:cxnSp>
         <p:nvCxnSpPr>
-          <p:cNvPr id="512" name="OTLSHAPE_T_e676dd5c8d65477588b6d56b4e73ee0c_HorizontalConnector1">
-            <a:extLst>
-              <a:ext uri="{FF2B5EF4-FFF2-40B4-BE49-F238E27FC236}">
-                <a16:creationId xmlns:a16="http://schemas.microsoft.com/office/drawing/2014/main" id="{23E444F3-D7EB-4E31-9E00-A5E112744AD5}"/>
+          <p:cNvPr id="885" name="OTLSHAPE_T_82fb3c45ae5f4c1ea8eb25fb96b27648_HorizontalConnector1">
+            <a:extLst>
+              <a:ext uri="{FF2B5EF4-FFF2-40B4-BE49-F238E27FC236}">
+                <a16:creationId xmlns:a16="http://schemas.microsoft.com/office/drawing/2014/main" id="{505B60D8-FDF9-44F0-9AF6-183D97FF162A}"/>
               </a:ext>
             </a:extLst>
           </p:cNvPr>
@@ -9083,7 +9083,7 @@
         <p:spPr>
           <a:xfrm>
             <a:off x="1339342" y="5647055"/>
-            <a:ext cx="3317891" cy="0"/>
+            <a:ext cx="2979358" cy="0"/>
           </a:xfrm>
           <a:prstGeom prst="line">
             <a:avLst/>
@@ -9115,10 +9115,10 @@
       </p:cxnSp>
       <p:cxnSp>
         <p:nvCxnSpPr>
-          <p:cNvPr id="511" name="OTLSHAPE_T_27ae47589bac40d38409405d5a28c9b6_HorizontalConnector1">
-            <a:extLst>
-              <a:ext uri="{FF2B5EF4-FFF2-40B4-BE49-F238E27FC236}">
-                <a16:creationId xmlns:a16="http://schemas.microsoft.com/office/drawing/2014/main" id="{3668EC6F-6D9F-43D4-9AB3-1EE81FB644BF}"/>
+          <p:cNvPr id="884" name="OTLSHAPE_T_27ae47589bac40d38409405d5a28c9b6_HorizontalConnector1">
+            <a:extLst>
+              <a:ext uri="{FF2B5EF4-FFF2-40B4-BE49-F238E27FC236}">
+                <a16:creationId xmlns:a16="http://schemas.microsoft.com/office/drawing/2014/main" id="{8BE20675-4F84-43ED-9DC4-8038DE893061}"/>
               </a:ext>
             </a:extLst>
           </p:cNvPr>
@@ -9164,10 +9164,10 @@
       </p:cxnSp>
       <p:cxnSp>
         <p:nvCxnSpPr>
-          <p:cNvPr id="510" name="OTLSHAPE_T_382ddf7c49ae41a9a896b68233bb860b_HorizontalConnector1">
-            <a:extLst>
-              <a:ext uri="{FF2B5EF4-FFF2-40B4-BE49-F238E27FC236}">
-                <a16:creationId xmlns:a16="http://schemas.microsoft.com/office/drawing/2014/main" id="{1E536A14-1DAA-45DA-B235-2EAEFF4ADCB0}"/>
+          <p:cNvPr id="883" name="OTLSHAPE_T_382ddf7c49ae41a9a896b68233bb860b_HorizontalConnector1">
+            <a:extLst>
+              <a:ext uri="{FF2B5EF4-FFF2-40B4-BE49-F238E27FC236}">
+                <a16:creationId xmlns:a16="http://schemas.microsoft.com/office/drawing/2014/main" id="{202CE5E9-D40F-4B61-A6C7-917A88437106}"/>
               </a:ext>
             </a:extLst>
           </p:cNvPr>
@@ -9180,8 +9180,8 @@
         </p:nvCxnSpPr>
         <p:spPr>
           <a:xfrm>
-            <a:off x="2353903" y="5113655"/>
-            <a:ext cx="1710897" cy="0"/>
+            <a:off x="1685756" y="5113655"/>
+            <a:ext cx="2379044" cy="0"/>
           </a:xfrm>
           <a:prstGeom prst="line">
             <a:avLst/>
@@ -9213,10 +9213,10 @@
       </p:cxnSp>
       <p:cxnSp>
         <p:nvCxnSpPr>
-          <p:cNvPr id="509" name="OTLSHAPE_T_75dffbd02c41442183b720bbfa1c3d22_HorizontalConnector1">
-            <a:extLst>
-              <a:ext uri="{FF2B5EF4-FFF2-40B4-BE49-F238E27FC236}">
-                <a16:creationId xmlns:a16="http://schemas.microsoft.com/office/drawing/2014/main" id="{BCF20A37-A7BA-4858-8106-EA45721A2611}"/>
+          <p:cNvPr id="882" name="OTLSHAPE_T_75dffbd02c41442183b720bbfa1c3d22_HorizontalConnector1">
+            <a:extLst>
+              <a:ext uri="{FF2B5EF4-FFF2-40B4-BE49-F238E27FC236}">
+                <a16:creationId xmlns:a16="http://schemas.microsoft.com/office/drawing/2014/main" id="{D50726CC-EFC9-42AF-B8F5-4E49428AC78F}"/>
               </a:ext>
             </a:extLst>
           </p:cNvPr>
@@ -9229,8 +9229,8 @@
         </p:nvCxnSpPr>
         <p:spPr>
           <a:xfrm>
-            <a:off x="1307761" y="4846955"/>
-            <a:ext cx="2503138" cy="0"/>
+            <a:off x="1447461" y="4846955"/>
+            <a:ext cx="2363438" cy="0"/>
           </a:xfrm>
           <a:prstGeom prst="line">
             <a:avLst/>
@@ -9262,10 +9262,10 @@
       </p:cxnSp>
       <p:cxnSp>
         <p:nvCxnSpPr>
-          <p:cNvPr id="508" name="OTLSHAPE_T_d447ea458d95438995f5caa9b91329cc_HorizontalConnector1">
-            <a:extLst>
-              <a:ext uri="{FF2B5EF4-FFF2-40B4-BE49-F238E27FC236}">
-                <a16:creationId xmlns:a16="http://schemas.microsoft.com/office/drawing/2014/main" id="{3E1E6A70-07A6-428A-9376-37653D72D257}"/>
+          <p:cNvPr id="881" name="OTLSHAPE_T_d5cd6d2f98024f49adcf10a7c42fbeff_HorizontalConnector1">
+            <a:extLst>
+              <a:ext uri="{FF2B5EF4-FFF2-40B4-BE49-F238E27FC236}">
+                <a16:creationId xmlns:a16="http://schemas.microsoft.com/office/drawing/2014/main" id="{557B715B-51AB-494C-BE69-DAE17070C316}"/>
               </a:ext>
             </a:extLst>
           </p:cNvPr>
@@ -9278,8 +9278,8 @@
         </p:nvCxnSpPr>
         <p:spPr>
           <a:xfrm>
-            <a:off x="1647190" y="4580255"/>
-            <a:ext cx="1909810" cy="0"/>
+            <a:off x="1790023" y="4580255"/>
+            <a:ext cx="1766977" cy="0"/>
           </a:xfrm>
           <a:prstGeom prst="line">
             <a:avLst/>
@@ -9311,10 +9311,10 @@
       </p:cxnSp>
       <p:cxnSp>
         <p:nvCxnSpPr>
-          <p:cNvPr id="507" name="OTLSHAPE_T_d5cd6d2f98024f49adcf10a7c42fbeff_HorizontalConnector1">
-            <a:extLst>
-              <a:ext uri="{FF2B5EF4-FFF2-40B4-BE49-F238E27FC236}">
-                <a16:creationId xmlns:a16="http://schemas.microsoft.com/office/drawing/2014/main" id="{DEEBCD5E-4D24-4A95-9502-C1D339270A0E}"/>
+          <p:cNvPr id="880" name="OTLSHAPE_T_d447ea458d95438995f5caa9b91329cc_HorizontalConnector1">
+            <a:extLst>
+              <a:ext uri="{FF2B5EF4-FFF2-40B4-BE49-F238E27FC236}">
+                <a16:creationId xmlns:a16="http://schemas.microsoft.com/office/drawing/2014/main" id="{68511FE2-33D7-41EB-9034-6C09195CD2BC}"/>
               </a:ext>
             </a:extLst>
           </p:cNvPr>
@@ -9327,8 +9327,8 @@
         </p:nvCxnSpPr>
         <p:spPr>
           <a:xfrm>
-            <a:off x="1790023" y="4313555"/>
-            <a:ext cx="1766977" cy="0"/>
+            <a:off x="1647190" y="4313555"/>
+            <a:ext cx="1909810" cy="0"/>
           </a:xfrm>
           <a:prstGeom prst="line">
             <a:avLst/>
@@ -9360,10 +9360,10 @@
       </p:cxnSp>
       <p:sp>
         <p:nvSpPr>
-          <p:cNvPr id="494" name="OTLSHAPE_TB_00000000000000000000000000000000_LeftEndCaps">
-            <a:extLst>
-              <a:ext uri="{FF2B5EF4-FFF2-40B4-BE49-F238E27FC236}">
-                <a16:creationId xmlns:a16="http://schemas.microsoft.com/office/drawing/2014/main" id="{A3EC98C4-9E85-495A-BC7D-1BE40C9908B8}"/>
+          <p:cNvPr id="867" name="OTLSHAPE_TB_00000000000000000000000000000000_LeftEndCaps">
+            <a:extLst>
+              <a:ext uri="{FF2B5EF4-FFF2-40B4-BE49-F238E27FC236}">
+                <a16:creationId xmlns:a16="http://schemas.microsoft.com/office/drawing/2014/main" id="{C4829A30-5E90-42EA-AFF2-36D5BB4B9B85}"/>
               </a:ext>
             </a:extLst>
           </p:cNvPr>
@@ -9411,10 +9411,10 @@
       </p:sp>
       <p:sp>
         <p:nvSpPr>
-          <p:cNvPr id="495" name="OTLSHAPE_TB_00000000000000000000000000000000_RightEndCaps">
-            <a:extLst>
-              <a:ext uri="{FF2B5EF4-FFF2-40B4-BE49-F238E27FC236}">
-                <a16:creationId xmlns:a16="http://schemas.microsoft.com/office/drawing/2014/main" id="{86A58278-8DFF-4D8F-8496-E5CBACADA298}"/>
+          <p:cNvPr id="868" name="OTLSHAPE_TB_00000000000000000000000000000000_RightEndCaps">
+            <a:extLst>
+              <a:ext uri="{FF2B5EF4-FFF2-40B4-BE49-F238E27FC236}">
+                <a16:creationId xmlns:a16="http://schemas.microsoft.com/office/drawing/2014/main" id="{4F1AAF7F-032B-4808-8E8A-689B6ACD2CC8}"/>
               </a:ext>
             </a:extLst>
           </p:cNvPr>
@@ -9462,10 +9462,10 @@
       </p:sp>
       <p:sp>
         <p:nvSpPr>
-          <p:cNvPr id="496" name="OTLSHAPE_TB_00000000000000000000000000000000_ScaleContainer">
-            <a:extLst>
-              <a:ext uri="{FF2B5EF4-FFF2-40B4-BE49-F238E27FC236}">
-                <a16:creationId xmlns:a16="http://schemas.microsoft.com/office/drawing/2014/main" id="{3C16BCD7-838A-4581-B312-40EDAFAF71AA}"/>
+          <p:cNvPr id="869" name="OTLSHAPE_TB_00000000000000000000000000000000_ScaleContainer">
+            <a:extLst>
+              <a:ext uri="{FF2B5EF4-FFF2-40B4-BE49-F238E27FC236}">
+                <a16:creationId xmlns:a16="http://schemas.microsoft.com/office/drawing/2014/main" id="{32A485E1-A671-4B36-BAFF-1DA53D76A0D1}"/>
               </a:ext>
             </a:extLst>
           </p:cNvPr>
@@ -9554,10 +9554,10 @@
       </p:sp>
       <p:sp>
         <p:nvSpPr>
-          <p:cNvPr id="497" name="OTLSHAPE_TB_00000000000000000000000000000000_ElapsedTime">
-            <a:extLst>
-              <a:ext uri="{FF2B5EF4-FFF2-40B4-BE49-F238E27FC236}">
-                <a16:creationId xmlns:a16="http://schemas.microsoft.com/office/drawing/2014/main" id="{4C6E9445-CB52-4BE4-B351-A0DE152660B0}"/>
+          <p:cNvPr id="870" name="OTLSHAPE_TB_00000000000000000000000000000000_ElapsedTime">
+            <a:extLst>
+              <a:ext uri="{FF2B5EF4-FFF2-40B4-BE49-F238E27FC236}">
+                <a16:creationId xmlns:a16="http://schemas.microsoft.com/office/drawing/2014/main" id="{AF24C522-8D03-4626-8D07-6C846415F8BB}"/>
               </a:ext>
             </a:extLst>
           </p:cNvPr>
@@ -9637,10 +9637,10 @@
       </p:sp>
       <p:sp>
         <p:nvSpPr>
-          <p:cNvPr id="498" name="OTLSHAPE_TB_00000000000000000000000000000000_TodayMarkerShape">
-            <a:extLst>
-              <a:ext uri="{FF2B5EF4-FFF2-40B4-BE49-F238E27FC236}">
-                <a16:creationId xmlns:a16="http://schemas.microsoft.com/office/drawing/2014/main" id="{EF5C99A1-E68A-4DA3-80CC-B3AD30ACC1C5}"/>
+          <p:cNvPr id="871" name="OTLSHAPE_TB_00000000000000000000000000000000_TodayMarkerShape">
+            <a:extLst>
+              <a:ext uri="{FF2B5EF4-FFF2-40B4-BE49-F238E27FC236}">
+                <a16:creationId xmlns:a16="http://schemas.microsoft.com/office/drawing/2014/main" id="{FEC4C437-B9DC-4517-8349-94E3DCFF5986}"/>
               </a:ext>
             </a:extLst>
           </p:cNvPr>
@@ -9653,7 +9653,7 @@
         </p:nvSpPr>
         <p:spPr>
           <a:xfrm>
-            <a:off x="4926845" y="3429000"/>
+            <a:off x="4928654" y="3429000"/>
             <a:ext cx="114300" cy="127000"/>
           </a:xfrm>
           <a:prstGeom prst="triangle">
@@ -9718,10 +9718,10 @@
       </p:sp>
       <p:sp>
         <p:nvSpPr>
-          <p:cNvPr id="499" name="OTLSHAPE_TB_00000000000000000000000000000000_TodayMarkerText">
-            <a:extLst>
-              <a:ext uri="{FF2B5EF4-FFF2-40B4-BE49-F238E27FC236}">
-                <a16:creationId xmlns:a16="http://schemas.microsoft.com/office/drawing/2014/main" id="{A466CD28-6F21-4556-9548-EF8DE7D46972}"/>
+          <p:cNvPr id="872" name="OTLSHAPE_TB_00000000000000000000000000000000_TodayMarkerText">
+            <a:extLst>
+              <a:ext uri="{FF2B5EF4-FFF2-40B4-BE49-F238E27FC236}">
+                <a16:creationId xmlns:a16="http://schemas.microsoft.com/office/drawing/2014/main" id="{617A9D50-4E16-47F3-9567-94FF18AE9C6D}"/>
               </a:ext>
             </a:extLst>
           </p:cNvPr>
@@ -9734,7 +9734,7 @@
         </p:nvSpPr>
         <p:spPr>
           <a:xfrm>
-            <a:off x="4828873" y="3556000"/>
+            <a:off x="4830683" y="3556000"/>
             <a:ext cx="304800" cy="186055"/>
           </a:xfrm>
           <a:prstGeom prst="rect">
@@ -9763,10 +9763,10 @@
       </p:sp>
       <p:sp>
         <p:nvSpPr>
-          <p:cNvPr id="500" name="OTLSHAPE_TB_00000000000000000000000000000000_TimescaleInterval1">
-            <a:extLst>
-              <a:ext uri="{FF2B5EF4-FFF2-40B4-BE49-F238E27FC236}">
-                <a16:creationId xmlns:a16="http://schemas.microsoft.com/office/drawing/2014/main" id="{382F34EC-8EA7-4DFE-B267-CD9F983ECE09}"/>
+          <p:cNvPr id="873" name="OTLSHAPE_TB_00000000000000000000000000000000_TimescaleInterval1">
+            <a:extLst>
+              <a:ext uri="{FF2B5EF4-FFF2-40B4-BE49-F238E27FC236}">
+                <a16:creationId xmlns:a16="http://schemas.microsoft.com/office/drawing/2014/main" id="{76444FE0-A8B0-4026-A10D-726B47D4CB1B}"/>
               </a:ext>
             </a:extLst>
           </p:cNvPr>
@@ -9813,10 +9813,10 @@
       </p:sp>
       <p:cxnSp>
         <p:nvCxnSpPr>
-          <p:cNvPr id="501" name="OTLSHAPE_TB_00000000000000000000000000000000_Separator1">
-            <a:extLst>
-              <a:ext uri="{FF2B5EF4-FFF2-40B4-BE49-F238E27FC236}">
-                <a16:creationId xmlns:a16="http://schemas.microsoft.com/office/drawing/2014/main" id="{D078AD15-D363-48C2-AEC8-796A73A71241}"/>
+          <p:cNvPr id="874" name="OTLSHAPE_TB_00000000000000000000000000000000_Separator1">
+            <a:extLst>
+              <a:ext uri="{FF2B5EF4-FFF2-40B4-BE49-F238E27FC236}">
+                <a16:creationId xmlns:a16="http://schemas.microsoft.com/office/drawing/2014/main" id="{35E7CD83-1F3B-46B9-BC50-501845ED8403}"/>
               </a:ext>
             </a:extLst>
           </p:cNvPr>
@@ -9864,10 +9864,10 @@
       </p:cxnSp>
       <p:sp>
         <p:nvSpPr>
-          <p:cNvPr id="502" name="OTLSHAPE_TB_00000000000000000000000000000000_TimescaleInterval2">
-            <a:extLst>
-              <a:ext uri="{FF2B5EF4-FFF2-40B4-BE49-F238E27FC236}">
-                <a16:creationId xmlns:a16="http://schemas.microsoft.com/office/drawing/2014/main" id="{886FB160-57FA-40EF-B9F7-6065B339F8FB}"/>
+          <p:cNvPr id="875" name="OTLSHAPE_TB_00000000000000000000000000000000_TimescaleInterval2">
+            <a:extLst>
+              <a:ext uri="{FF2B5EF4-FFF2-40B4-BE49-F238E27FC236}">
+                <a16:creationId xmlns:a16="http://schemas.microsoft.com/office/drawing/2014/main" id="{0EF2E016-D803-4ED8-BEA6-E400D455734F}"/>
               </a:ext>
             </a:extLst>
           </p:cNvPr>
@@ -9914,10 +9914,10 @@
       </p:sp>
       <p:cxnSp>
         <p:nvCxnSpPr>
-          <p:cNvPr id="503" name="OTLSHAPE_TB_00000000000000000000000000000000_Separator2">
-            <a:extLst>
-              <a:ext uri="{FF2B5EF4-FFF2-40B4-BE49-F238E27FC236}">
-                <a16:creationId xmlns:a16="http://schemas.microsoft.com/office/drawing/2014/main" id="{13426529-8BCE-4542-90DB-575AFABE2900}"/>
+          <p:cNvPr id="876" name="OTLSHAPE_TB_00000000000000000000000000000000_Separator2">
+            <a:extLst>
+              <a:ext uri="{FF2B5EF4-FFF2-40B4-BE49-F238E27FC236}">
+                <a16:creationId xmlns:a16="http://schemas.microsoft.com/office/drawing/2014/main" id="{A816F6D2-87FC-4168-8A94-607BE60E47D4}"/>
               </a:ext>
             </a:extLst>
           </p:cNvPr>
@@ -9965,10 +9965,10 @@
       </p:cxnSp>
       <p:sp>
         <p:nvSpPr>
-          <p:cNvPr id="504" name="OTLSHAPE_TB_00000000000000000000000000000000_TimescaleInterval3">
-            <a:extLst>
-              <a:ext uri="{FF2B5EF4-FFF2-40B4-BE49-F238E27FC236}">
-                <a16:creationId xmlns:a16="http://schemas.microsoft.com/office/drawing/2014/main" id="{BCA5ECDA-9BCC-4E30-A98F-C3828DFA7254}"/>
+          <p:cNvPr id="877" name="OTLSHAPE_TB_00000000000000000000000000000000_TimescaleInterval3">
+            <a:extLst>
+              <a:ext uri="{FF2B5EF4-FFF2-40B4-BE49-F238E27FC236}">
+                <a16:creationId xmlns:a16="http://schemas.microsoft.com/office/drawing/2014/main" id="{ED233059-4BD2-402C-A2F5-8EBE4FC308CB}"/>
               </a:ext>
             </a:extLst>
           </p:cNvPr>
@@ -10015,10 +10015,10 @@
       </p:sp>
       <p:cxnSp>
         <p:nvCxnSpPr>
-          <p:cNvPr id="505" name="OTLSHAPE_TB_00000000000000000000000000000000_Separator3">
-            <a:extLst>
-              <a:ext uri="{FF2B5EF4-FFF2-40B4-BE49-F238E27FC236}">
-                <a16:creationId xmlns:a16="http://schemas.microsoft.com/office/drawing/2014/main" id="{9A6BA867-AD97-4ECF-97E3-1BC815F305AF}"/>
+          <p:cNvPr id="878" name="OTLSHAPE_TB_00000000000000000000000000000000_Separator3">
+            <a:extLst>
+              <a:ext uri="{FF2B5EF4-FFF2-40B4-BE49-F238E27FC236}">
+                <a16:creationId xmlns:a16="http://schemas.microsoft.com/office/drawing/2014/main" id="{E425AE86-E4BC-48A5-BB85-CC8736DCCADA}"/>
               </a:ext>
             </a:extLst>
           </p:cNvPr>
@@ -10066,10 +10066,10 @@
       </p:cxnSp>
       <p:sp>
         <p:nvSpPr>
-          <p:cNvPr id="506" name="OTLSHAPE_TB_00000000000000000000000000000000_TimescaleInterval4">
-            <a:extLst>
-              <a:ext uri="{FF2B5EF4-FFF2-40B4-BE49-F238E27FC236}">
-                <a16:creationId xmlns:a16="http://schemas.microsoft.com/office/drawing/2014/main" id="{A85D0125-E844-457E-8E9D-7B4BF26CF8F7}"/>
+          <p:cNvPr id="879" name="OTLSHAPE_TB_00000000000000000000000000000000_TimescaleInterval4">
+            <a:extLst>
+              <a:ext uri="{FF2B5EF4-FFF2-40B4-BE49-F238E27FC236}">
+                <a16:creationId xmlns:a16="http://schemas.microsoft.com/office/drawing/2014/main" id="{7C36E377-ACE6-4220-9765-7247C1B300D5}"/>
               </a:ext>
             </a:extLst>
           </p:cNvPr>
@@ -10116,10 +10116,10 @@
       </p:sp>
       <p:sp>
         <p:nvSpPr>
-          <p:cNvPr id="516" name="OTLSHAPE_T_22a4f0d76806446789e8d0dc63898e9a_Shape">
-            <a:extLst>
-              <a:ext uri="{FF2B5EF4-FFF2-40B4-BE49-F238E27FC236}">
-                <a16:creationId xmlns:a16="http://schemas.microsoft.com/office/drawing/2014/main" id="{4C698747-FCA8-4CCE-AB87-AF2330C8292C}"/>
+          <p:cNvPr id="889" name="OTLSHAPE_T_22a4f0d76806446789e8d0dc63898e9a_Shape">
+            <a:extLst>
+              <a:ext uri="{FF2B5EF4-FFF2-40B4-BE49-F238E27FC236}">
+                <a16:creationId xmlns:a16="http://schemas.microsoft.com/office/drawing/2014/main" id="{C9A54FFC-E4FC-42AD-96F7-E38BBE655DA2}"/>
               </a:ext>
             </a:extLst>
           </p:cNvPr>
@@ -10211,10 +10211,10 @@
       </p:sp>
       <p:sp>
         <p:nvSpPr>
-          <p:cNvPr id="517" name="OTLSHAPE_T_22a4f0d76806446789e8d0dc63898e9a_ShapePercentage" hidden="1">
-            <a:extLst>
-              <a:ext uri="{FF2B5EF4-FFF2-40B4-BE49-F238E27FC236}">
-                <a16:creationId xmlns:a16="http://schemas.microsoft.com/office/drawing/2014/main" id="{1F9A8FEC-1F9D-4047-9D6E-7F3C6A818C75}"/>
+          <p:cNvPr id="890" name="OTLSHAPE_T_22a4f0d76806446789e8d0dc63898e9a_ShapePercentage" hidden="1">
+            <a:extLst>
+              <a:ext uri="{FF2B5EF4-FFF2-40B4-BE49-F238E27FC236}">
+                <a16:creationId xmlns:a16="http://schemas.microsoft.com/office/drawing/2014/main" id="{EF21BF0B-372E-4650-AB69-60F576498D64}"/>
               </a:ext>
             </a:extLst>
           </p:cNvPr>
@@ -10261,10 +10261,10 @@
       </p:sp>
       <p:sp>
         <p:nvSpPr>
-          <p:cNvPr id="518" name="OTLSHAPE_T_22a4f0d76806446789e8d0dc63898e9a_Duration" hidden="1">
-            <a:extLst>
-              <a:ext uri="{FF2B5EF4-FFF2-40B4-BE49-F238E27FC236}">
-                <a16:creationId xmlns:a16="http://schemas.microsoft.com/office/drawing/2014/main" id="{658A365C-B409-4A00-96BB-7EF85A19CE56}"/>
+          <p:cNvPr id="891" name="OTLSHAPE_T_22a4f0d76806446789e8d0dc63898e9a_Duration" hidden="1">
+            <a:extLst>
+              <a:ext uri="{FF2B5EF4-FFF2-40B4-BE49-F238E27FC236}">
+                <a16:creationId xmlns:a16="http://schemas.microsoft.com/office/drawing/2014/main" id="{BB90448E-D5A7-467A-9E86-562D29D3734B}"/>
               </a:ext>
             </a:extLst>
           </p:cNvPr>
@@ -10315,10 +10315,10 @@
       </p:sp>
       <p:sp>
         <p:nvSpPr>
-          <p:cNvPr id="519" name="OTLSHAPE_T_22a4f0d76806446789e8d0dc63898e9a_TextPercentage" hidden="1">
-            <a:extLst>
-              <a:ext uri="{FF2B5EF4-FFF2-40B4-BE49-F238E27FC236}">
-                <a16:creationId xmlns:a16="http://schemas.microsoft.com/office/drawing/2014/main" id="{D06BDE60-A530-4F35-BF58-9B06B8F6EBD5}"/>
+          <p:cNvPr id="892" name="OTLSHAPE_T_22a4f0d76806446789e8d0dc63898e9a_TextPercentage" hidden="1">
+            <a:extLst>
+              <a:ext uri="{FF2B5EF4-FFF2-40B4-BE49-F238E27FC236}">
+                <a16:creationId xmlns:a16="http://schemas.microsoft.com/office/drawing/2014/main" id="{99ED1F74-009E-47FE-BE58-4451D966AB7C}"/>
               </a:ext>
             </a:extLst>
           </p:cNvPr>
@@ -10357,10 +10357,10 @@
       </p:sp>
       <p:sp>
         <p:nvSpPr>
-          <p:cNvPr id="520" name="OTLSHAPE_T_22a4f0d76806446789e8d0dc63898e9a_StartDate" hidden="1">
-            <a:extLst>
-              <a:ext uri="{FF2B5EF4-FFF2-40B4-BE49-F238E27FC236}">
-                <a16:creationId xmlns:a16="http://schemas.microsoft.com/office/drawing/2014/main" id="{665FFCAE-39DE-4E5A-BD41-2ADCD2B6EC73}"/>
+          <p:cNvPr id="893" name="OTLSHAPE_T_22a4f0d76806446789e8d0dc63898e9a_StartDate" hidden="1">
+            <a:extLst>
+              <a:ext uri="{FF2B5EF4-FFF2-40B4-BE49-F238E27FC236}">
+                <a16:creationId xmlns:a16="http://schemas.microsoft.com/office/drawing/2014/main" id="{5F578559-BCFA-4047-8991-99984E39A831}"/>
               </a:ext>
             </a:extLst>
           </p:cNvPr>
@@ -10399,10 +10399,10 @@
       </p:sp>
       <p:sp>
         <p:nvSpPr>
-          <p:cNvPr id="521" name="OTLSHAPE_T_22a4f0d76806446789e8d0dc63898e9a_EndDate" hidden="1">
-            <a:extLst>
-              <a:ext uri="{FF2B5EF4-FFF2-40B4-BE49-F238E27FC236}">
-                <a16:creationId xmlns:a16="http://schemas.microsoft.com/office/drawing/2014/main" id="{C5442F36-2985-49A1-B39A-4E970D08324D}"/>
+          <p:cNvPr id="894" name="OTLSHAPE_T_22a4f0d76806446789e8d0dc63898e9a_EndDate" hidden="1">
+            <a:extLst>
+              <a:ext uri="{FF2B5EF4-FFF2-40B4-BE49-F238E27FC236}">
+                <a16:creationId xmlns:a16="http://schemas.microsoft.com/office/drawing/2014/main" id="{602BD1B8-CB36-4AC2-83CA-F9BBDFE2284F}"/>
               </a:ext>
             </a:extLst>
           </p:cNvPr>
@@ -10441,10 +10441,10 @@
       </p:sp>
       <p:sp>
         <p:nvSpPr>
-          <p:cNvPr id="522" name="OTLSHAPE_T_22a4f0d76806446789e8d0dc63898e9a_JoinedDate">
-            <a:extLst>
-              <a:ext uri="{FF2B5EF4-FFF2-40B4-BE49-F238E27FC236}">
-                <a16:creationId xmlns:a16="http://schemas.microsoft.com/office/drawing/2014/main" id="{3DB661EB-2EA5-4426-81E2-CBA2B2C228A1}"/>
+          <p:cNvPr id="895" name="OTLSHAPE_T_22a4f0d76806446789e8d0dc63898e9a_JoinedDate">
+            <a:extLst>
+              <a:ext uri="{FF2B5EF4-FFF2-40B4-BE49-F238E27FC236}">
+                <a16:creationId xmlns:a16="http://schemas.microsoft.com/office/drawing/2014/main" id="{6BE7FB8F-B0DB-41FC-A453-93A133B70756}"/>
               </a:ext>
             </a:extLst>
           </p:cNvPr>
@@ -10491,10 +10491,10 @@
       </p:sp>
       <p:sp>
         <p:nvSpPr>
-          <p:cNvPr id="523" name="OTLSHAPE_T_22a4f0d76806446789e8d0dc63898e9a_Title">
-            <a:extLst>
-              <a:ext uri="{FF2B5EF4-FFF2-40B4-BE49-F238E27FC236}">
-                <a16:creationId xmlns:a16="http://schemas.microsoft.com/office/drawing/2014/main" id="{4A00BDC4-A42E-4BDC-A45A-EFE1785975DB}"/>
+          <p:cNvPr id="896" name="OTLSHAPE_T_22a4f0d76806446789e8d0dc63898e9a_Title">
+            <a:extLst>
+              <a:ext uri="{FF2B5EF4-FFF2-40B4-BE49-F238E27FC236}">
+                <a16:creationId xmlns:a16="http://schemas.microsoft.com/office/drawing/2014/main" id="{13DEA0DD-F070-46B9-8032-D7ED083F6179}"/>
               </a:ext>
             </a:extLst>
           </p:cNvPr>
@@ -10553,10 +10553,10 @@
       </p:sp>
       <p:sp>
         <p:nvSpPr>
-          <p:cNvPr id="524" name="OTLSHAPE_T_d5cd6d2f98024f49adcf10a7c42fbeff_Shape">
-            <a:extLst>
-              <a:ext uri="{FF2B5EF4-FFF2-40B4-BE49-F238E27FC236}">
-                <a16:creationId xmlns:a16="http://schemas.microsoft.com/office/drawing/2014/main" id="{261E33EE-F54D-4251-B444-745915A18E2B}"/>
+          <p:cNvPr id="897" name="OTLSHAPE_T_d447ea458d95438995f5caa9b91329cc_Shape">
+            <a:extLst>
+              <a:ext uri="{FF2B5EF4-FFF2-40B4-BE49-F238E27FC236}">
+                <a16:creationId xmlns:a16="http://schemas.microsoft.com/office/drawing/2014/main" id="{5B437159-1302-4067-AA3F-C14E8CA20BB2}"/>
               </a:ext>
             </a:extLst>
           </p:cNvPr>
@@ -10570,7 +10570,7 @@
         <p:spPr>
           <a:xfrm>
             <a:off x="3557000" y="4211955"/>
-            <a:ext cx="2540000" cy="203200"/>
+            <a:ext cx="850900" cy="203200"/>
           </a:xfrm>
           <a:prstGeom prst="rect">
             <a:avLst/>
@@ -10648,10 +10648,10 @@
       </p:sp>
       <p:sp>
         <p:nvSpPr>
-          <p:cNvPr id="525" name="OTLSHAPE_T_d5cd6d2f98024f49adcf10a7c42fbeff_ShapePercentage" hidden="1">
-            <a:extLst>
-              <a:ext uri="{FF2B5EF4-FFF2-40B4-BE49-F238E27FC236}">
-                <a16:creationId xmlns:a16="http://schemas.microsoft.com/office/drawing/2014/main" id="{85B24B4F-83FA-426C-9511-AB092CE9649A}"/>
+          <p:cNvPr id="898" name="OTLSHAPE_T_d447ea458d95438995f5caa9b91329cc_ShapePercentage" hidden="1">
+            <a:extLst>
+              <a:ext uri="{FF2B5EF4-FFF2-40B4-BE49-F238E27FC236}">
+                <a16:creationId xmlns:a16="http://schemas.microsoft.com/office/drawing/2014/main" id="{25176743-CFC2-4295-9AB3-B0CBF7913403}"/>
               </a:ext>
             </a:extLst>
           </p:cNvPr>
@@ -10698,10 +10698,10 @@
       </p:sp>
       <p:sp>
         <p:nvSpPr>
-          <p:cNvPr id="526" name="OTLSHAPE_T_d5cd6d2f98024f49adcf10a7c42fbeff_Duration" hidden="1">
-            <a:extLst>
-              <a:ext uri="{FF2B5EF4-FFF2-40B4-BE49-F238E27FC236}">
-                <a16:creationId xmlns:a16="http://schemas.microsoft.com/office/drawing/2014/main" id="{265B096F-029C-42A2-B37F-113A0FBAA5EE}"/>
+          <p:cNvPr id="899" name="OTLSHAPE_T_d447ea458d95438995f5caa9b91329cc_Duration" hidden="1">
+            <a:extLst>
+              <a:ext uri="{FF2B5EF4-FFF2-40B4-BE49-F238E27FC236}">
+                <a16:creationId xmlns:a16="http://schemas.microsoft.com/office/drawing/2014/main" id="{203E7FDC-1DB0-4E01-9A0A-3ECDF11C73ED}"/>
               </a:ext>
             </a:extLst>
           </p:cNvPr>
@@ -10736,7 +10736,7 @@
                 </a:solidFill>
                 <a:latin typeface="Calibri" panose="020F0502020204030204" pitchFamily="34" charset="0"/>
               </a:rPr>
-              <a:t>30 </a:t>
+              <a:t>10 </a:t>
             </a:r>
             <a:r>
               <a:rPr lang="ko-KR" altLang="en-US" sz="1000">
@@ -10752,10 +10752,10 @@
       </p:sp>
       <p:sp>
         <p:nvSpPr>
-          <p:cNvPr id="527" name="OTLSHAPE_T_d5cd6d2f98024f49adcf10a7c42fbeff_TextPercentage" hidden="1">
-            <a:extLst>
-              <a:ext uri="{FF2B5EF4-FFF2-40B4-BE49-F238E27FC236}">
-                <a16:creationId xmlns:a16="http://schemas.microsoft.com/office/drawing/2014/main" id="{ED97F8C7-003D-4784-9193-8702A44DD863}"/>
+          <p:cNvPr id="900" name="OTLSHAPE_T_d447ea458d95438995f5caa9b91329cc_TextPercentage" hidden="1">
+            <a:extLst>
+              <a:ext uri="{FF2B5EF4-FFF2-40B4-BE49-F238E27FC236}">
+                <a16:creationId xmlns:a16="http://schemas.microsoft.com/office/drawing/2014/main" id="{4902243B-0FC8-419B-820B-02D995B6A984}"/>
               </a:ext>
             </a:extLst>
           </p:cNvPr>
@@ -10794,10 +10794,10 @@
       </p:sp>
       <p:sp>
         <p:nvSpPr>
-          <p:cNvPr id="528" name="OTLSHAPE_T_d5cd6d2f98024f49adcf10a7c42fbeff_StartDate" hidden="1">
-            <a:extLst>
-              <a:ext uri="{FF2B5EF4-FFF2-40B4-BE49-F238E27FC236}">
-                <a16:creationId xmlns:a16="http://schemas.microsoft.com/office/drawing/2014/main" id="{F48FF234-AF3A-453B-96CF-A9F69F4717A6}"/>
+          <p:cNvPr id="901" name="OTLSHAPE_T_d447ea458d95438995f5caa9b91329cc_StartDate" hidden="1">
+            <a:extLst>
+              <a:ext uri="{FF2B5EF4-FFF2-40B4-BE49-F238E27FC236}">
+                <a16:creationId xmlns:a16="http://schemas.microsoft.com/office/drawing/2014/main" id="{80E86FC8-2E5A-4B7A-9AAC-0A9053F55533}"/>
               </a:ext>
             </a:extLst>
           </p:cNvPr>
@@ -10836,10 +10836,10 @@
       </p:sp>
       <p:sp>
         <p:nvSpPr>
-          <p:cNvPr id="529" name="OTLSHAPE_T_d5cd6d2f98024f49adcf10a7c42fbeff_EndDate" hidden="1">
-            <a:extLst>
-              <a:ext uri="{FF2B5EF4-FFF2-40B4-BE49-F238E27FC236}">
-                <a16:creationId xmlns:a16="http://schemas.microsoft.com/office/drawing/2014/main" id="{759F3710-5556-4A23-AC66-5A8E7713AA85}"/>
+          <p:cNvPr id="902" name="OTLSHAPE_T_d447ea458d95438995f5caa9b91329cc_EndDate" hidden="1">
+            <a:extLst>
+              <a:ext uri="{FF2B5EF4-FFF2-40B4-BE49-F238E27FC236}">
+                <a16:creationId xmlns:a16="http://schemas.microsoft.com/office/drawing/2014/main" id="{434AA00C-87EA-4BB3-AA1C-66CDB5F24BB4}"/>
               </a:ext>
             </a:extLst>
           </p:cNvPr>
@@ -10878,10 +10878,10 @@
       </p:sp>
       <p:sp>
         <p:nvSpPr>
-          <p:cNvPr id="530" name="OTLSHAPE_T_d5cd6d2f98024f49adcf10a7c42fbeff_JoinedDate">
-            <a:extLst>
-              <a:ext uri="{FF2B5EF4-FFF2-40B4-BE49-F238E27FC236}">
-                <a16:creationId xmlns:a16="http://schemas.microsoft.com/office/drawing/2014/main" id="{5FC1CCDB-AF8E-45CB-B4E4-46742DA8672D}"/>
+          <p:cNvPr id="903" name="OTLSHAPE_T_d447ea458d95438995f5caa9b91329cc_JoinedDate">
+            <a:extLst>
+              <a:ext uri="{FF2B5EF4-FFF2-40B4-BE49-F238E27FC236}">
+                <a16:creationId xmlns:a16="http://schemas.microsoft.com/office/drawing/2014/main" id="{2ABE438D-6F30-4472-B014-C3B525B47F43}"/>
               </a:ext>
             </a:extLst>
           </p:cNvPr>
@@ -10894,7 +10894,7 @@
         </p:nvSpPr>
         <p:spPr>
           <a:xfrm>
-            <a:off x="6146742" y="4236043"/>
+            <a:off x="4454075" y="4236043"/>
             <a:ext cx="1092200" cy="155025"/>
           </a:xfrm>
           <a:prstGeom prst="rect">
@@ -10915,7 +10915,7 @@
                 </a:solidFill>
                 <a:latin typeface="Calibri" panose="020F0502020204030204" pitchFamily="34" charset="0"/>
               </a:rPr>
-              <a:t>4-1-2019 - 4-30-2019</a:t>
+              <a:t>4-1-2019 - 4-10-2019</a:t>
             </a:r>
             <a:endParaRPr lang="ko-KR" altLang="en-US" sz="1000" spc="-4">
               <a:solidFill>
@@ -10928,10 +10928,10 @@
       </p:sp>
       <p:sp>
         <p:nvSpPr>
-          <p:cNvPr id="531" name="OTLSHAPE_T_d5cd6d2f98024f49adcf10a7c42fbeff_Title">
-            <a:extLst>
-              <a:ext uri="{FF2B5EF4-FFF2-40B4-BE49-F238E27FC236}">
-                <a16:creationId xmlns:a16="http://schemas.microsoft.com/office/drawing/2014/main" id="{AE9B82DF-E4A4-4ECA-91B7-EF0B748C7244}"/>
+          <p:cNvPr id="904" name="OTLSHAPE_T_d447ea458d95438995f5caa9b91329cc_Title">
+            <a:extLst>
+              <a:ext uri="{FF2B5EF4-FFF2-40B4-BE49-F238E27FC236}">
+                <a16:creationId xmlns:a16="http://schemas.microsoft.com/office/drawing/2014/main" id="{E7807632-931E-489D-8B2F-4D0E285429F6}"/>
               </a:ext>
             </a:extLst>
           </p:cNvPr>
@@ -10945,7 +10945,7 @@
         <p:spPr>
           <a:xfrm>
             <a:off x="127000" y="4228296"/>
-            <a:ext cx="1663700" cy="170519"/>
+            <a:ext cx="1524000" cy="170519"/>
           </a:xfrm>
           <a:prstGeom prst="rect">
             <a:avLst/>
@@ -10965,17 +10965,35 @@
                 </a:solidFill>
                 <a:latin typeface="Calibri" panose="020F0502020204030204" pitchFamily="34" charset="0"/>
               </a:rPr>
-              <a:t>중간 보고서 작성 및 피드백</a:t>
-            </a:r>
-          </a:p>
-        </p:txBody>
-      </p:sp>
-      <p:sp>
-        <p:nvSpPr>
-          <p:cNvPr id="532" name="OTLSHAPE_T_d447ea458d95438995f5caa9b91329cc_Shape">
-            <a:extLst>
-              <a:ext uri="{FF2B5EF4-FFF2-40B4-BE49-F238E27FC236}">
-                <a16:creationId xmlns:a16="http://schemas.microsoft.com/office/drawing/2014/main" id="{7A717372-D7AE-4E18-A4CC-AF4834DF710B}"/>
+              <a:t>관련 오픈소스 수집</a:t>
+            </a:r>
+            <a:r>
+              <a:rPr lang="en-US" altLang="ko-KR" sz="1100" b="1" spc="-4">
+                <a:solidFill>
+                  <a:schemeClr val="dk1"/>
+                </a:solidFill>
+                <a:latin typeface="Calibri" panose="020F0502020204030204" pitchFamily="34" charset="0"/>
+              </a:rPr>
+              <a:t>/</a:t>
+            </a:r>
+            <a:r>
+              <a:rPr lang="ko-KR" altLang="en-US" sz="1100" b="1" spc="-4">
+                <a:solidFill>
+                  <a:schemeClr val="dk1"/>
+                </a:solidFill>
+                <a:latin typeface="Calibri" panose="020F0502020204030204" pitchFamily="34" charset="0"/>
+              </a:rPr>
+              <a:t>분석</a:t>
+            </a:r>
+          </a:p>
+        </p:txBody>
+      </p:sp>
+      <p:sp>
+        <p:nvSpPr>
+          <p:cNvPr id="905" name="OTLSHAPE_T_d5cd6d2f98024f49adcf10a7c42fbeff_Shape">
+            <a:extLst>
+              <a:ext uri="{FF2B5EF4-FFF2-40B4-BE49-F238E27FC236}">
+                <a16:creationId xmlns:a16="http://schemas.microsoft.com/office/drawing/2014/main" id="{AF8A4321-671D-419D-AC77-647CCCBD7EF1}"/>
               </a:ext>
             </a:extLst>
           </p:cNvPr>
@@ -10989,7 +11007,7 @@
         <p:spPr>
           <a:xfrm>
             <a:off x="3557000" y="4478655"/>
-            <a:ext cx="850900" cy="203200"/>
+            <a:ext cx="2540000" cy="203200"/>
           </a:xfrm>
           <a:prstGeom prst="rect">
             <a:avLst/>
@@ -11067,10 +11085,10 @@
       </p:sp>
       <p:sp>
         <p:nvSpPr>
-          <p:cNvPr id="533" name="OTLSHAPE_T_d447ea458d95438995f5caa9b91329cc_ShapePercentage" hidden="1">
-            <a:extLst>
-              <a:ext uri="{FF2B5EF4-FFF2-40B4-BE49-F238E27FC236}">
-                <a16:creationId xmlns:a16="http://schemas.microsoft.com/office/drawing/2014/main" id="{6FE0A6C1-9FBC-4D72-AF0D-C2D2A930D9C6}"/>
+          <p:cNvPr id="906" name="OTLSHAPE_T_d5cd6d2f98024f49adcf10a7c42fbeff_ShapePercentage" hidden="1">
+            <a:extLst>
+              <a:ext uri="{FF2B5EF4-FFF2-40B4-BE49-F238E27FC236}">
+                <a16:creationId xmlns:a16="http://schemas.microsoft.com/office/drawing/2014/main" id="{D1A04803-6EEE-4352-BCA9-0F2ACE80C432}"/>
               </a:ext>
             </a:extLst>
           </p:cNvPr>
@@ -11117,10 +11135,10 @@
       </p:sp>
       <p:sp>
         <p:nvSpPr>
-          <p:cNvPr id="534" name="OTLSHAPE_T_d447ea458d95438995f5caa9b91329cc_Duration" hidden="1">
-            <a:extLst>
-              <a:ext uri="{FF2B5EF4-FFF2-40B4-BE49-F238E27FC236}">
-                <a16:creationId xmlns:a16="http://schemas.microsoft.com/office/drawing/2014/main" id="{980734AF-D1BA-4042-BBDF-2558B18D8DC6}"/>
+          <p:cNvPr id="907" name="OTLSHAPE_T_d5cd6d2f98024f49adcf10a7c42fbeff_Duration" hidden="1">
+            <a:extLst>
+              <a:ext uri="{FF2B5EF4-FFF2-40B4-BE49-F238E27FC236}">
+                <a16:creationId xmlns:a16="http://schemas.microsoft.com/office/drawing/2014/main" id="{AD9C239F-069C-4623-B16F-0A1119731F0B}"/>
               </a:ext>
             </a:extLst>
           </p:cNvPr>
@@ -11155,7 +11173,7 @@
                 </a:solidFill>
                 <a:latin typeface="Calibri" panose="020F0502020204030204" pitchFamily="34" charset="0"/>
               </a:rPr>
-              <a:t>10 </a:t>
+              <a:t>30 </a:t>
             </a:r>
             <a:r>
               <a:rPr lang="ko-KR" altLang="en-US" sz="1000">
@@ -11171,10 +11189,10 @@
       </p:sp>
       <p:sp>
         <p:nvSpPr>
-          <p:cNvPr id="535" name="OTLSHAPE_T_d447ea458d95438995f5caa9b91329cc_TextPercentage" hidden="1">
-            <a:extLst>
-              <a:ext uri="{FF2B5EF4-FFF2-40B4-BE49-F238E27FC236}">
-                <a16:creationId xmlns:a16="http://schemas.microsoft.com/office/drawing/2014/main" id="{890B8BE1-D214-4BE2-9B5A-AC6FA26E9B58}"/>
+          <p:cNvPr id="908" name="OTLSHAPE_T_d5cd6d2f98024f49adcf10a7c42fbeff_TextPercentage" hidden="1">
+            <a:extLst>
+              <a:ext uri="{FF2B5EF4-FFF2-40B4-BE49-F238E27FC236}">
+                <a16:creationId xmlns:a16="http://schemas.microsoft.com/office/drawing/2014/main" id="{2EFEE160-A5BC-4E12-91EA-985677626642}"/>
               </a:ext>
             </a:extLst>
           </p:cNvPr>
@@ -11213,10 +11231,10 @@
       </p:sp>
       <p:sp>
         <p:nvSpPr>
-          <p:cNvPr id="536" name="OTLSHAPE_T_d447ea458d95438995f5caa9b91329cc_StartDate" hidden="1">
-            <a:extLst>
-              <a:ext uri="{FF2B5EF4-FFF2-40B4-BE49-F238E27FC236}">
-                <a16:creationId xmlns:a16="http://schemas.microsoft.com/office/drawing/2014/main" id="{BAF7E6DB-10C7-43C2-82FC-64E7DD69B26B}"/>
+          <p:cNvPr id="909" name="OTLSHAPE_T_d5cd6d2f98024f49adcf10a7c42fbeff_StartDate" hidden="1">
+            <a:extLst>
+              <a:ext uri="{FF2B5EF4-FFF2-40B4-BE49-F238E27FC236}">
+                <a16:creationId xmlns:a16="http://schemas.microsoft.com/office/drawing/2014/main" id="{0AEDAC11-3278-497C-A548-46D991B4F586}"/>
               </a:ext>
             </a:extLst>
           </p:cNvPr>
@@ -11255,10 +11273,10 @@
       </p:sp>
       <p:sp>
         <p:nvSpPr>
-          <p:cNvPr id="537" name="OTLSHAPE_T_d447ea458d95438995f5caa9b91329cc_EndDate" hidden="1">
-            <a:extLst>
-              <a:ext uri="{FF2B5EF4-FFF2-40B4-BE49-F238E27FC236}">
-                <a16:creationId xmlns:a16="http://schemas.microsoft.com/office/drawing/2014/main" id="{DDA30915-FA19-4124-ADC8-3ED958C43B47}"/>
+          <p:cNvPr id="910" name="OTLSHAPE_T_d5cd6d2f98024f49adcf10a7c42fbeff_EndDate" hidden="1">
+            <a:extLst>
+              <a:ext uri="{FF2B5EF4-FFF2-40B4-BE49-F238E27FC236}">
+                <a16:creationId xmlns:a16="http://schemas.microsoft.com/office/drawing/2014/main" id="{0D512C05-516D-48C3-8E33-76A237F81FB0}"/>
               </a:ext>
             </a:extLst>
           </p:cNvPr>
@@ -11297,10 +11315,10 @@
       </p:sp>
       <p:sp>
         <p:nvSpPr>
-          <p:cNvPr id="538" name="OTLSHAPE_T_d447ea458d95438995f5caa9b91329cc_JoinedDate">
-            <a:extLst>
-              <a:ext uri="{FF2B5EF4-FFF2-40B4-BE49-F238E27FC236}">
-                <a16:creationId xmlns:a16="http://schemas.microsoft.com/office/drawing/2014/main" id="{5D4ED1DE-9625-4AAF-8607-47668A2D6A10}"/>
+          <p:cNvPr id="911" name="OTLSHAPE_T_d5cd6d2f98024f49adcf10a7c42fbeff_JoinedDate">
+            <a:extLst>
+              <a:ext uri="{FF2B5EF4-FFF2-40B4-BE49-F238E27FC236}">
+                <a16:creationId xmlns:a16="http://schemas.microsoft.com/office/drawing/2014/main" id="{EB3DA251-437F-43D1-90C1-1FFE2C652B3E}"/>
               </a:ext>
             </a:extLst>
           </p:cNvPr>
@@ -11313,7 +11331,7 @@
         </p:nvSpPr>
         <p:spPr>
           <a:xfrm>
-            <a:off x="4454075" y="4502743"/>
+            <a:off x="6146742" y="4502743"/>
             <a:ext cx="1092200" cy="155025"/>
           </a:xfrm>
           <a:prstGeom prst="rect">
@@ -11334,7 +11352,7 @@
                 </a:solidFill>
                 <a:latin typeface="Calibri" panose="020F0502020204030204" pitchFamily="34" charset="0"/>
               </a:rPr>
-              <a:t>4-1-2019 - 4-10-2019</a:t>
+              <a:t>4-1-2019 - 4-30-2019</a:t>
             </a:r>
             <a:endParaRPr lang="ko-KR" altLang="en-US" sz="1000" spc="-4">
               <a:solidFill>
@@ -11347,10 +11365,10 @@
       </p:sp>
       <p:sp>
         <p:nvSpPr>
-          <p:cNvPr id="539" name="OTLSHAPE_T_d447ea458d95438995f5caa9b91329cc_Title">
-            <a:extLst>
-              <a:ext uri="{FF2B5EF4-FFF2-40B4-BE49-F238E27FC236}">
-                <a16:creationId xmlns:a16="http://schemas.microsoft.com/office/drawing/2014/main" id="{C8ACD4A7-DF0D-4ED9-9FB6-B86DCECC9527}"/>
+          <p:cNvPr id="912" name="OTLSHAPE_T_d5cd6d2f98024f49adcf10a7c42fbeff_Title">
+            <a:extLst>
+              <a:ext uri="{FF2B5EF4-FFF2-40B4-BE49-F238E27FC236}">
+                <a16:creationId xmlns:a16="http://schemas.microsoft.com/office/drawing/2014/main" id="{5643BAA6-8ED5-4E8B-B632-04EC35CA3D10}"/>
               </a:ext>
             </a:extLst>
           </p:cNvPr>
@@ -11364,7 +11382,7 @@
         <p:spPr>
           <a:xfrm>
             <a:off x="127000" y="4494996"/>
-            <a:ext cx="1524000" cy="170519"/>
+            <a:ext cx="1663700" cy="170519"/>
           </a:xfrm>
           <a:prstGeom prst="rect">
             <a:avLst/>
@@ -11384,35 +11402,17 @@
                 </a:solidFill>
                 <a:latin typeface="Calibri" panose="020F0502020204030204" pitchFamily="34" charset="0"/>
               </a:rPr>
-              <a:t>관련 오픈소스 수집</a:t>
-            </a:r>
-            <a:r>
-              <a:rPr lang="en-US" altLang="ko-KR" sz="1100" b="1" spc="-4">
-                <a:solidFill>
-                  <a:schemeClr val="dk1"/>
-                </a:solidFill>
-                <a:latin typeface="Calibri" panose="020F0502020204030204" pitchFamily="34" charset="0"/>
-              </a:rPr>
-              <a:t>/</a:t>
-            </a:r>
-            <a:r>
-              <a:rPr lang="ko-KR" altLang="en-US" sz="1100" b="1" spc="-4">
-                <a:solidFill>
-                  <a:schemeClr val="dk1"/>
-                </a:solidFill>
-                <a:latin typeface="Calibri" panose="020F0502020204030204" pitchFamily="34" charset="0"/>
-              </a:rPr>
-              <a:t>분석</a:t>
-            </a:r>
-          </a:p>
-        </p:txBody>
-      </p:sp>
-      <p:sp>
-        <p:nvSpPr>
-          <p:cNvPr id="540" name="OTLSHAPE_T_75dffbd02c41442183b720bbfa1c3d22_Shape">
-            <a:extLst>
-              <a:ext uri="{FF2B5EF4-FFF2-40B4-BE49-F238E27FC236}">
-                <a16:creationId xmlns:a16="http://schemas.microsoft.com/office/drawing/2014/main" id="{F3FD3791-95D2-4E97-B9EC-9835CBF04095}"/>
+              <a:t>중간 보고서 작성 및 피드백</a:t>
+            </a:r>
+          </a:p>
+        </p:txBody>
+      </p:sp>
+      <p:sp>
+        <p:nvSpPr>
+          <p:cNvPr id="913" name="OTLSHAPE_T_75dffbd02c41442183b720bbfa1c3d22_Shape">
+            <a:extLst>
+              <a:ext uri="{FF2B5EF4-FFF2-40B4-BE49-F238E27FC236}">
+                <a16:creationId xmlns:a16="http://schemas.microsoft.com/office/drawing/2014/main" id="{B0CFD895-4F21-4953-9FF0-975A8D513DEA}"/>
               </a:ext>
             </a:extLst>
           </p:cNvPr>
@@ -11504,10 +11504,10 @@
       </p:sp>
       <p:sp>
         <p:nvSpPr>
-          <p:cNvPr id="541" name="OTLSHAPE_T_75dffbd02c41442183b720bbfa1c3d22_ShapePercentage" hidden="1">
-            <a:extLst>
-              <a:ext uri="{FF2B5EF4-FFF2-40B4-BE49-F238E27FC236}">
-                <a16:creationId xmlns:a16="http://schemas.microsoft.com/office/drawing/2014/main" id="{C81F5802-D40C-4A36-8575-D3E915597658}"/>
+          <p:cNvPr id="914" name="OTLSHAPE_T_75dffbd02c41442183b720bbfa1c3d22_ShapePercentage" hidden="1">
+            <a:extLst>
+              <a:ext uri="{FF2B5EF4-FFF2-40B4-BE49-F238E27FC236}">
+                <a16:creationId xmlns:a16="http://schemas.microsoft.com/office/drawing/2014/main" id="{945326E5-0761-4C56-9134-04AAA5C005F2}"/>
               </a:ext>
             </a:extLst>
           </p:cNvPr>
@@ -11554,10 +11554,10 @@
       </p:sp>
       <p:sp>
         <p:nvSpPr>
-          <p:cNvPr id="542" name="OTLSHAPE_T_75dffbd02c41442183b720bbfa1c3d22_Duration" hidden="1">
-            <a:extLst>
-              <a:ext uri="{FF2B5EF4-FFF2-40B4-BE49-F238E27FC236}">
-                <a16:creationId xmlns:a16="http://schemas.microsoft.com/office/drawing/2014/main" id="{39BB1F06-EFAA-4EC0-BDBF-DABD915EA8BA}"/>
+          <p:cNvPr id="915" name="OTLSHAPE_T_75dffbd02c41442183b720bbfa1c3d22_Duration" hidden="1">
+            <a:extLst>
+              <a:ext uri="{FF2B5EF4-FFF2-40B4-BE49-F238E27FC236}">
+                <a16:creationId xmlns:a16="http://schemas.microsoft.com/office/drawing/2014/main" id="{B79A5AB1-699D-4862-8C40-A53D32FB7332}"/>
               </a:ext>
             </a:extLst>
           </p:cNvPr>
@@ -11608,10 +11608,10 @@
       </p:sp>
       <p:sp>
         <p:nvSpPr>
-          <p:cNvPr id="543" name="OTLSHAPE_T_75dffbd02c41442183b720bbfa1c3d22_TextPercentage" hidden="1">
-            <a:extLst>
-              <a:ext uri="{FF2B5EF4-FFF2-40B4-BE49-F238E27FC236}">
-                <a16:creationId xmlns:a16="http://schemas.microsoft.com/office/drawing/2014/main" id="{A68F9AAC-2D56-462A-8230-79383D083918}"/>
+          <p:cNvPr id="916" name="OTLSHAPE_T_75dffbd02c41442183b720bbfa1c3d22_TextPercentage" hidden="1">
+            <a:extLst>
+              <a:ext uri="{FF2B5EF4-FFF2-40B4-BE49-F238E27FC236}">
+                <a16:creationId xmlns:a16="http://schemas.microsoft.com/office/drawing/2014/main" id="{9E8CFCFD-85F6-4C14-B571-2452EA625703}"/>
               </a:ext>
             </a:extLst>
           </p:cNvPr>
@@ -11650,10 +11650,10 @@
       </p:sp>
       <p:sp>
         <p:nvSpPr>
-          <p:cNvPr id="544" name="OTLSHAPE_T_75dffbd02c41442183b720bbfa1c3d22_StartDate" hidden="1">
-            <a:extLst>
-              <a:ext uri="{FF2B5EF4-FFF2-40B4-BE49-F238E27FC236}">
-                <a16:creationId xmlns:a16="http://schemas.microsoft.com/office/drawing/2014/main" id="{19CC9CA7-BC67-4817-AA51-D83BEFE3D8D8}"/>
+          <p:cNvPr id="917" name="OTLSHAPE_T_75dffbd02c41442183b720bbfa1c3d22_StartDate" hidden="1">
+            <a:extLst>
+              <a:ext uri="{FF2B5EF4-FFF2-40B4-BE49-F238E27FC236}">
+                <a16:creationId xmlns:a16="http://schemas.microsoft.com/office/drawing/2014/main" id="{3A72107B-0CE9-4C9E-A302-7B2607183917}"/>
               </a:ext>
             </a:extLst>
           </p:cNvPr>
@@ -11692,10 +11692,10 @@
       </p:sp>
       <p:sp>
         <p:nvSpPr>
-          <p:cNvPr id="545" name="OTLSHAPE_T_75dffbd02c41442183b720bbfa1c3d22_EndDate" hidden="1">
-            <a:extLst>
-              <a:ext uri="{FF2B5EF4-FFF2-40B4-BE49-F238E27FC236}">
-                <a16:creationId xmlns:a16="http://schemas.microsoft.com/office/drawing/2014/main" id="{B498A4B0-CFC6-4E21-820C-90519AA48B14}"/>
+          <p:cNvPr id="918" name="OTLSHAPE_T_75dffbd02c41442183b720bbfa1c3d22_EndDate" hidden="1">
+            <a:extLst>
+              <a:ext uri="{FF2B5EF4-FFF2-40B4-BE49-F238E27FC236}">
+                <a16:creationId xmlns:a16="http://schemas.microsoft.com/office/drawing/2014/main" id="{5774D165-1639-4FDD-947F-5215A915B1EC}"/>
               </a:ext>
             </a:extLst>
           </p:cNvPr>
@@ -11734,10 +11734,10 @@
       </p:sp>
       <p:sp>
         <p:nvSpPr>
-          <p:cNvPr id="546" name="OTLSHAPE_T_75dffbd02c41442183b720bbfa1c3d22_JoinedDate">
-            <a:extLst>
-              <a:ext uri="{FF2B5EF4-FFF2-40B4-BE49-F238E27FC236}">
-                <a16:creationId xmlns:a16="http://schemas.microsoft.com/office/drawing/2014/main" id="{EEAC3D1A-1A39-45DE-82A6-9B8E86A8381D}"/>
+          <p:cNvPr id="919" name="OTLSHAPE_T_75dffbd02c41442183b720bbfa1c3d22_JoinedDate">
+            <a:extLst>
+              <a:ext uri="{FF2B5EF4-FFF2-40B4-BE49-F238E27FC236}">
+                <a16:creationId xmlns:a16="http://schemas.microsoft.com/office/drawing/2014/main" id="{E6D93259-F8F1-40E7-BA49-BBD407975E7C}"/>
               </a:ext>
             </a:extLst>
           </p:cNvPr>
@@ -11784,10 +11784,10 @@
       </p:sp>
       <p:sp>
         <p:nvSpPr>
-          <p:cNvPr id="547" name="OTLSHAPE_T_75dffbd02c41442183b720bbfa1c3d22_Title">
-            <a:extLst>
-              <a:ext uri="{FF2B5EF4-FFF2-40B4-BE49-F238E27FC236}">
-                <a16:creationId xmlns:a16="http://schemas.microsoft.com/office/drawing/2014/main" id="{7ED974A1-4443-467C-9F05-630DBF353457}"/>
+          <p:cNvPr id="920" name="OTLSHAPE_T_75dffbd02c41442183b720bbfa1c3d22_Title">
+            <a:extLst>
+              <a:ext uri="{FF2B5EF4-FFF2-40B4-BE49-F238E27FC236}">
+                <a16:creationId xmlns:a16="http://schemas.microsoft.com/office/drawing/2014/main" id="{3A0A2673-1053-48ED-B61C-5B4F502300FE}"/>
               </a:ext>
             </a:extLst>
           </p:cNvPr>
@@ -11801,7 +11801,7 @@
         <p:spPr>
           <a:xfrm>
             <a:off x="127000" y="4761696"/>
-            <a:ext cx="1181100" cy="170519"/>
+            <a:ext cx="1320800" cy="170519"/>
           </a:xfrm>
           <a:prstGeom prst="rect">
             <a:avLst/>
@@ -11821,17 +11821,17 @@
                 </a:solidFill>
                 <a:latin typeface="Calibri" panose="020F0502020204030204" pitchFamily="34" charset="0"/>
               </a:rPr>
-              <a:t>안드로이드 앱 개발</a:t>
-            </a:r>
-          </a:p>
-        </p:txBody>
-      </p:sp>
-      <p:sp>
-        <p:nvSpPr>
-          <p:cNvPr id="548" name="OTLSHAPE_T_382ddf7c49ae41a9a896b68233bb860b_Shape">
-            <a:extLst>
-              <a:ext uri="{FF2B5EF4-FFF2-40B4-BE49-F238E27FC236}">
-                <a16:creationId xmlns:a16="http://schemas.microsoft.com/office/drawing/2014/main" id="{FE400CE0-BAE4-44B6-A414-24214B4828FD}"/>
+              <a:t>안드로이드 모듈 개발</a:t>
+            </a:r>
+          </a:p>
+        </p:txBody>
+      </p:sp>
+      <p:sp>
+        <p:nvSpPr>
+          <p:cNvPr id="921" name="OTLSHAPE_T_382ddf7c49ae41a9a896b68233bb860b_Shape">
+            <a:extLst>
+              <a:ext uri="{FF2B5EF4-FFF2-40B4-BE49-F238E27FC236}">
+                <a16:creationId xmlns:a16="http://schemas.microsoft.com/office/drawing/2014/main" id="{2947232E-4BA6-4D05-8C90-4D7BC13B2E42}"/>
               </a:ext>
             </a:extLst>
           </p:cNvPr>
@@ -11923,10 +11923,10 @@
       </p:sp>
       <p:sp>
         <p:nvSpPr>
-          <p:cNvPr id="549" name="OTLSHAPE_T_382ddf7c49ae41a9a896b68233bb860b_ShapePercentage" hidden="1">
-            <a:extLst>
-              <a:ext uri="{FF2B5EF4-FFF2-40B4-BE49-F238E27FC236}">
-                <a16:creationId xmlns:a16="http://schemas.microsoft.com/office/drawing/2014/main" id="{CF324A14-87D4-463E-83BE-054A939BA4BA}"/>
+          <p:cNvPr id="922" name="OTLSHAPE_T_382ddf7c49ae41a9a896b68233bb860b_ShapePercentage" hidden="1">
+            <a:extLst>
+              <a:ext uri="{FF2B5EF4-FFF2-40B4-BE49-F238E27FC236}">
+                <a16:creationId xmlns:a16="http://schemas.microsoft.com/office/drawing/2014/main" id="{A09CE45A-E8FF-4D11-9CDD-5EC0A1C3BBE8}"/>
               </a:ext>
             </a:extLst>
           </p:cNvPr>
@@ -11973,10 +11973,10 @@
       </p:sp>
       <p:sp>
         <p:nvSpPr>
-          <p:cNvPr id="550" name="OTLSHAPE_T_382ddf7c49ae41a9a896b68233bb860b_Duration" hidden="1">
-            <a:extLst>
-              <a:ext uri="{FF2B5EF4-FFF2-40B4-BE49-F238E27FC236}">
-                <a16:creationId xmlns:a16="http://schemas.microsoft.com/office/drawing/2014/main" id="{D8C87F52-6F8D-478B-BF8A-30A3912D4924}"/>
+          <p:cNvPr id="923" name="OTLSHAPE_T_382ddf7c49ae41a9a896b68233bb860b_Duration" hidden="1">
+            <a:extLst>
+              <a:ext uri="{FF2B5EF4-FFF2-40B4-BE49-F238E27FC236}">
+                <a16:creationId xmlns:a16="http://schemas.microsoft.com/office/drawing/2014/main" id="{81EAB877-7E6E-4841-9BC9-D1C57DD8FB81}"/>
               </a:ext>
             </a:extLst>
           </p:cNvPr>
@@ -12027,10 +12027,10 @@
       </p:sp>
       <p:sp>
         <p:nvSpPr>
-          <p:cNvPr id="551" name="OTLSHAPE_T_382ddf7c49ae41a9a896b68233bb860b_TextPercentage" hidden="1">
-            <a:extLst>
-              <a:ext uri="{FF2B5EF4-FFF2-40B4-BE49-F238E27FC236}">
-                <a16:creationId xmlns:a16="http://schemas.microsoft.com/office/drawing/2014/main" id="{E7F3CD34-13A8-4D80-93FE-C227EDF626FC}"/>
+          <p:cNvPr id="924" name="OTLSHAPE_T_382ddf7c49ae41a9a896b68233bb860b_TextPercentage" hidden="1">
+            <a:extLst>
+              <a:ext uri="{FF2B5EF4-FFF2-40B4-BE49-F238E27FC236}">
+                <a16:creationId xmlns:a16="http://schemas.microsoft.com/office/drawing/2014/main" id="{291D2955-E14C-4DC1-9078-16E935E90945}"/>
               </a:ext>
             </a:extLst>
           </p:cNvPr>
@@ -12069,10 +12069,10 @@
       </p:sp>
       <p:sp>
         <p:nvSpPr>
-          <p:cNvPr id="552" name="OTLSHAPE_T_382ddf7c49ae41a9a896b68233bb860b_StartDate" hidden="1">
-            <a:extLst>
-              <a:ext uri="{FF2B5EF4-FFF2-40B4-BE49-F238E27FC236}">
-                <a16:creationId xmlns:a16="http://schemas.microsoft.com/office/drawing/2014/main" id="{CC9D6AC3-33FC-47D9-89E7-A5E9FEBB814E}"/>
+          <p:cNvPr id="925" name="OTLSHAPE_T_382ddf7c49ae41a9a896b68233bb860b_StartDate" hidden="1">
+            <a:extLst>
+              <a:ext uri="{FF2B5EF4-FFF2-40B4-BE49-F238E27FC236}">
+                <a16:creationId xmlns:a16="http://schemas.microsoft.com/office/drawing/2014/main" id="{AFCAF12A-A205-4387-99BC-F18054EC9601}"/>
               </a:ext>
             </a:extLst>
           </p:cNvPr>
@@ -12111,10 +12111,10 @@
       </p:sp>
       <p:sp>
         <p:nvSpPr>
-          <p:cNvPr id="553" name="OTLSHAPE_T_382ddf7c49ae41a9a896b68233bb860b_EndDate" hidden="1">
-            <a:extLst>
-              <a:ext uri="{FF2B5EF4-FFF2-40B4-BE49-F238E27FC236}">
-                <a16:creationId xmlns:a16="http://schemas.microsoft.com/office/drawing/2014/main" id="{089B551A-CC69-4FC2-B5E7-772E2CC33076}"/>
+          <p:cNvPr id="926" name="OTLSHAPE_T_382ddf7c49ae41a9a896b68233bb860b_EndDate" hidden="1">
+            <a:extLst>
+              <a:ext uri="{FF2B5EF4-FFF2-40B4-BE49-F238E27FC236}">
+                <a16:creationId xmlns:a16="http://schemas.microsoft.com/office/drawing/2014/main" id="{8589CEB9-B02F-49B8-AEEB-422A6432F8A2}"/>
               </a:ext>
             </a:extLst>
           </p:cNvPr>
@@ -12153,10 +12153,10 @@
       </p:sp>
       <p:sp>
         <p:nvSpPr>
-          <p:cNvPr id="554" name="OTLSHAPE_T_382ddf7c49ae41a9a896b68233bb860b_JoinedDate">
-            <a:extLst>
-              <a:ext uri="{FF2B5EF4-FFF2-40B4-BE49-F238E27FC236}">
-                <a16:creationId xmlns:a16="http://schemas.microsoft.com/office/drawing/2014/main" id="{6AC72120-3C5F-47AA-ABE7-27F703508A4D}"/>
+          <p:cNvPr id="927" name="OTLSHAPE_T_382ddf7c49ae41a9a896b68233bb860b_JoinedDate">
+            <a:extLst>
+              <a:ext uri="{FF2B5EF4-FFF2-40B4-BE49-F238E27FC236}">
+                <a16:creationId xmlns:a16="http://schemas.microsoft.com/office/drawing/2014/main" id="{8F102D12-A325-4DDD-8AF6-EB0EE4B2AAC0}"/>
               </a:ext>
             </a:extLst>
           </p:cNvPr>
@@ -12203,10 +12203,10 @@
       </p:sp>
       <p:sp>
         <p:nvSpPr>
-          <p:cNvPr id="555" name="OTLSHAPE_T_382ddf7c49ae41a9a896b68233bb860b_Title">
-            <a:extLst>
-              <a:ext uri="{FF2B5EF4-FFF2-40B4-BE49-F238E27FC236}">
-                <a16:creationId xmlns:a16="http://schemas.microsoft.com/office/drawing/2014/main" id="{47EF468E-F142-43E9-BC6C-F0B73A9A76BA}"/>
+          <p:cNvPr id="928" name="OTLSHAPE_T_382ddf7c49ae41a9a896b68233bb860b_Title">
+            <a:extLst>
+              <a:ext uri="{FF2B5EF4-FFF2-40B4-BE49-F238E27FC236}">
+                <a16:creationId xmlns:a16="http://schemas.microsoft.com/office/drawing/2014/main" id="{3F64EFE6-886C-4568-8985-9741C1C43035}"/>
               </a:ext>
             </a:extLst>
           </p:cNvPr>
@@ -12220,7 +12220,7 @@
         <p:spPr>
           <a:xfrm>
             <a:off x="127000" y="5028396"/>
-            <a:ext cx="2235200" cy="170519"/>
+            <a:ext cx="1562100" cy="170519"/>
           </a:xfrm>
           <a:prstGeom prst="rect">
             <a:avLst/>
@@ -12249,48 +12249,449 @@
                 </a:solidFill>
                 <a:latin typeface="Calibri" panose="020F0502020204030204" pitchFamily="34" charset="0"/>
               </a:rPr>
-              <a:t>공부 및 윈도우 프로그램 </a:t>
-            </a:r>
-            <a:r>
-              <a:rPr lang="en-US" altLang="ko-KR" sz="1100" b="1" spc="-4">
+              <a:t>공부 및 메인 모듈 개발</a:t>
+            </a:r>
+          </a:p>
+        </p:txBody>
+      </p:sp>
+      <p:sp>
+        <p:nvSpPr>
+          <p:cNvPr id="929" name="OTLSHAPE_T_27ae47589bac40d38409405d5a28c9b6_Shape">
+            <a:extLst>
+              <a:ext uri="{FF2B5EF4-FFF2-40B4-BE49-F238E27FC236}">
+                <a16:creationId xmlns:a16="http://schemas.microsoft.com/office/drawing/2014/main" id="{0B568C31-35A4-4AEF-970D-0BDC5EC249B1}"/>
+              </a:ext>
+            </a:extLst>
+          </p:cNvPr>
+          <p:cNvSpPr/>
+          <p:nvPr>
+            <p:custDataLst>
+              <p:tags r:id="rId64"/>
+            </p:custDataLst>
+          </p:nvPr>
+        </p:nvSpPr>
+        <p:spPr>
+          <a:xfrm>
+            <a:off x="4318700" y="5278755"/>
+            <a:ext cx="3390900" cy="203200"/>
+          </a:xfrm>
+          <a:prstGeom prst="rect">
+            <a:avLst/>
+          </a:prstGeom>
+          <a:solidFill>
+            <a:schemeClr val="dk2"/>
+          </a:solidFill>
+          <a:ln w="12700" cap="flat" cmpd="sng" algn="ctr">
+            <a:noFill/>
+            <a:prstDash val="solid"/>
+            <a:miter lim="800000"/>
+          </a:ln>
+          <a:effectLst/>
+          <a:scene3d>
+            <a:camera prst="orthographicFront"/>
+            <a:lightRig rig="balanced" dir="t">
+              <a:rot lat="0" lon="0" rev="8700000"/>
+            </a:lightRig>
+          </a:scene3d>
+          <a:sp3d>
+            <a:bevelT w="165100" h="12700"/>
+          </a:sp3d>
+          <a:extLst>
+            <a:ext uri="{91240B29-F687-4F45-9708-019B960494DF}">
+              <a14:hiddenLine xmlns:a14="http://schemas.microsoft.com/office/drawing/2010/main" w="12700" cap="flat" cmpd="sng" algn="ctr">
+                <a:solidFill>
+                  <a:schemeClr val="accent1">
+                    <a:shade val="50000"/>
+                  </a:schemeClr>
+                </a:solidFill>
+                <a:prstDash val="solid"/>
+                <a:miter lim="800000"/>
+              </a14:hiddenLine>
+            </a:ext>
+            <a:ext uri="{AF507438-7753-43E0-B8FC-AC1667EBCBE1}">
+              <a14:hiddenEffects xmlns:a14="http://schemas.microsoft.com/office/drawing/2010/main">
+                <a:effectLst>
+                  <a:outerShdw>
+                    <a:scrgbClr r="0" g="0" b="0">
+                      <a:alpha val="50000"/>
+                    </a:scrgbClr>
+                  </a:outerShdw>
+                </a:effectLst>
+              </a14:hiddenEffects>
+            </a:ext>
+            <a:ext uri="{53640926-AAD7-44D8-BBD7-CCE9431645EC}">
+              <a14:shadowObscured xmlns:a14="http://schemas.microsoft.com/office/drawing/2010/main" val="1"/>
+            </a:ext>
+          </a:extLst>
+        </p:spPr>
+        <p:style>
+          <a:lnRef idx="2">
+            <a:schemeClr val="accent1">
+              <a:shade val="50000"/>
+            </a:schemeClr>
+          </a:lnRef>
+          <a:fillRef idx="1">
+            <a:schemeClr val="accent1"/>
+          </a:fillRef>
+          <a:effectRef idx="0">
+            <a:schemeClr val="accent1"/>
+          </a:effectRef>
+          <a:fontRef idx="minor">
+            <a:schemeClr val="lt1"/>
+          </a:fontRef>
+        </p:style>
+        <p:txBody>
+          <a:bodyPr rtlCol="0" anchor="ctr"/>
+          <a:lstStyle/>
+          <a:p>
+            <a:pPr algn="ctr"/>
+            <a:endParaRPr lang="ko-KR" altLang="en-US"/>
+          </a:p>
+        </p:txBody>
+      </p:sp>
+      <p:sp>
+        <p:nvSpPr>
+          <p:cNvPr id="930" name="OTLSHAPE_T_27ae47589bac40d38409405d5a28c9b6_ShapePercentage" hidden="1">
+            <a:extLst>
+              <a:ext uri="{FF2B5EF4-FFF2-40B4-BE49-F238E27FC236}">
+                <a16:creationId xmlns:a16="http://schemas.microsoft.com/office/drawing/2014/main" id="{F618003F-FBA5-4F1F-AB62-4FCE57C37842}"/>
+              </a:ext>
+            </a:extLst>
+          </p:cNvPr>
+          <p:cNvSpPr/>
+          <p:nvPr>
+            <p:custDataLst>
+              <p:tags r:id="rId65"/>
+            </p:custDataLst>
+          </p:nvPr>
+        </p:nvSpPr>
+        <p:spPr>
+          <a:xfrm>
+            <a:off x="4318700" y="5278755"/>
+            <a:ext cx="0" cy="0"/>
+          </a:xfrm>
+          <a:prstGeom prst="rect">
+            <a:avLst/>
+          </a:prstGeom>
+        </p:spPr>
+        <p:style>
+          <a:lnRef idx="2">
+            <a:schemeClr val="accent1">
+              <a:shade val="50000"/>
+            </a:schemeClr>
+          </a:lnRef>
+          <a:fillRef idx="1">
+            <a:schemeClr val="accent1"/>
+          </a:fillRef>
+          <a:effectRef idx="0">
+            <a:schemeClr val="accent1"/>
+          </a:effectRef>
+          <a:fontRef idx="minor">
+            <a:schemeClr val="lt1"/>
+          </a:fontRef>
+        </p:style>
+        <p:txBody>
+          <a:bodyPr rtlCol="0" anchor="ctr"/>
+          <a:lstStyle/>
+          <a:p>
+            <a:pPr algn="ctr"/>
+            <a:endParaRPr lang="ko-KR" altLang="en-US"/>
+          </a:p>
+        </p:txBody>
+      </p:sp>
+      <p:sp>
+        <p:nvSpPr>
+          <p:cNvPr id="931" name="OTLSHAPE_T_27ae47589bac40d38409405d5a28c9b6_Duration" hidden="1">
+            <a:extLst>
+              <a:ext uri="{FF2B5EF4-FFF2-40B4-BE49-F238E27FC236}">
+                <a16:creationId xmlns:a16="http://schemas.microsoft.com/office/drawing/2014/main" id="{D2C8BF77-63AC-4DC3-8DB9-AD8741A26EB9}"/>
+              </a:ext>
+            </a:extLst>
+          </p:cNvPr>
+          <p:cNvSpPr txBox="1"/>
+          <p:nvPr>
+            <p:custDataLst>
+              <p:tags r:id="rId66"/>
+            </p:custDataLst>
+          </p:nvPr>
+        </p:nvSpPr>
+        <p:spPr>
+          <a:xfrm>
+            <a:off x="0" y="5278755"/>
+            <a:ext cx="292100" cy="155025"/>
+          </a:xfrm>
+          <a:prstGeom prst="rect">
+            <a:avLst/>
+          </a:prstGeom>
+          <a:noFill/>
+        </p:spPr>
+        <p:txBody>
+          <a:bodyPr vert="horz" wrap="square" lIns="0" tIns="0" rIns="0" bIns="0" rtlCol="0" anchor="ctr" anchorCtr="0">
+            <a:spAutoFit/>
+          </a:bodyPr>
+          <a:lstStyle/>
+          <a:p>
+            <a:pPr algn="ctr"/>
+            <a:r>
+              <a:rPr lang="en-US" altLang="ko-KR" sz="1000">
+                <a:solidFill>
+                  <a:schemeClr val="accent2"/>
+                </a:solidFill>
+                <a:latin typeface="Calibri" panose="020F0502020204030204" pitchFamily="34" charset="0"/>
+              </a:rPr>
+              <a:t>40 </a:t>
+            </a:r>
+            <a:r>
+              <a:rPr lang="ko-KR" altLang="en-US" sz="1000">
+                <a:solidFill>
+                  <a:schemeClr val="accent2"/>
+                </a:solidFill>
+                <a:latin typeface="Calibri" panose="020F0502020204030204" pitchFamily="34" charset="0"/>
+              </a:rPr>
+              <a:t>일</a:t>
+            </a:r>
+          </a:p>
+        </p:txBody>
+      </p:sp>
+      <p:sp>
+        <p:nvSpPr>
+          <p:cNvPr id="932" name="OTLSHAPE_T_27ae47589bac40d38409405d5a28c9b6_TextPercentage" hidden="1">
+            <a:extLst>
+              <a:ext uri="{FF2B5EF4-FFF2-40B4-BE49-F238E27FC236}">
+                <a16:creationId xmlns:a16="http://schemas.microsoft.com/office/drawing/2014/main" id="{D9CE3E4C-7BFC-44FA-A36B-9C48F8494000}"/>
+              </a:ext>
+            </a:extLst>
+          </p:cNvPr>
+          <p:cNvSpPr txBox="1"/>
+          <p:nvPr>
+            <p:custDataLst>
+              <p:tags r:id="rId67"/>
+            </p:custDataLst>
+          </p:nvPr>
+        </p:nvSpPr>
+        <p:spPr>
+          <a:xfrm>
+            <a:off x="0" y="5433780"/>
+            <a:ext cx="0" cy="153888"/>
+          </a:xfrm>
+          <a:prstGeom prst="rect">
+            <a:avLst/>
+          </a:prstGeom>
+          <a:noFill/>
+        </p:spPr>
+        <p:txBody>
+          <a:bodyPr vert="horz" wrap="square" lIns="0" tIns="0" rIns="0" bIns="0" rtlCol="0" anchor="ctr" anchorCtr="0">
+            <a:spAutoFit/>
+          </a:bodyPr>
+          <a:lstStyle/>
+          <a:p>
+            <a:pPr algn="ctr"/>
+            <a:endParaRPr lang="ko-KR" altLang="en-US" sz="1000">
+              <a:solidFill>
+                <a:schemeClr val="accent2"/>
+              </a:solidFill>
+              <a:latin typeface="Calibri" panose="020F0502020204030204" pitchFamily="34" charset="0"/>
+            </a:endParaRPr>
+          </a:p>
+        </p:txBody>
+      </p:sp>
+      <p:sp>
+        <p:nvSpPr>
+          <p:cNvPr id="933" name="OTLSHAPE_T_27ae47589bac40d38409405d5a28c9b6_StartDate" hidden="1">
+            <a:extLst>
+              <a:ext uri="{FF2B5EF4-FFF2-40B4-BE49-F238E27FC236}">
+                <a16:creationId xmlns:a16="http://schemas.microsoft.com/office/drawing/2014/main" id="{E7266387-A031-4271-8B7E-42D197EB323B}"/>
+              </a:ext>
+            </a:extLst>
+          </p:cNvPr>
+          <p:cNvSpPr txBox="1"/>
+          <p:nvPr>
+            <p:custDataLst>
+              <p:tags r:id="rId68"/>
+            </p:custDataLst>
+          </p:nvPr>
+        </p:nvSpPr>
+        <p:spPr>
+          <a:xfrm>
+            <a:off x="0" y="5433780"/>
+            <a:ext cx="0" cy="153888"/>
+          </a:xfrm>
+          <a:prstGeom prst="rect">
+            <a:avLst/>
+          </a:prstGeom>
+          <a:noFill/>
+        </p:spPr>
+        <p:txBody>
+          <a:bodyPr vert="horz" wrap="square" lIns="0" tIns="0" rIns="0" bIns="0" rtlCol="0" anchor="ctr" anchorCtr="0">
+            <a:spAutoFit/>
+          </a:bodyPr>
+          <a:lstStyle/>
+          <a:p>
+            <a:pPr algn="ctr"/>
+            <a:endParaRPr lang="ko-KR" altLang="en-US" sz="1000">
+              <a:solidFill>
+                <a:schemeClr val="dk2"/>
+              </a:solidFill>
+              <a:latin typeface="Calibri" panose="020F0502020204030204" pitchFamily="34" charset="0"/>
+            </a:endParaRPr>
+          </a:p>
+        </p:txBody>
+      </p:sp>
+      <p:sp>
+        <p:nvSpPr>
+          <p:cNvPr id="934" name="OTLSHAPE_T_27ae47589bac40d38409405d5a28c9b6_EndDate" hidden="1">
+            <a:extLst>
+              <a:ext uri="{FF2B5EF4-FFF2-40B4-BE49-F238E27FC236}">
+                <a16:creationId xmlns:a16="http://schemas.microsoft.com/office/drawing/2014/main" id="{CD384A74-0109-4D7B-8BD9-12F6A47D6AEB}"/>
+              </a:ext>
+            </a:extLst>
+          </p:cNvPr>
+          <p:cNvSpPr txBox="1"/>
+          <p:nvPr>
+            <p:custDataLst>
+              <p:tags r:id="rId69"/>
+            </p:custDataLst>
+          </p:nvPr>
+        </p:nvSpPr>
+        <p:spPr>
+          <a:xfrm>
+            <a:off x="0" y="5433780"/>
+            <a:ext cx="0" cy="153888"/>
+          </a:xfrm>
+          <a:prstGeom prst="rect">
+            <a:avLst/>
+          </a:prstGeom>
+          <a:noFill/>
+        </p:spPr>
+        <p:txBody>
+          <a:bodyPr vert="horz" wrap="square" lIns="0" tIns="0" rIns="0" bIns="0" rtlCol="0" anchor="ctr" anchorCtr="0">
+            <a:spAutoFit/>
+          </a:bodyPr>
+          <a:lstStyle/>
+          <a:p>
+            <a:pPr algn="ctr"/>
+            <a:endParaRPr lang="ko-KR" altLang="en-US" sz="1000">
+              <a:solidFill>
+                <a:schemeClr val="dk2"/>
+              </a:solidFill>
+              <a:latin typeface="Calibri" panose="020F0502020204030204" pitchFamily="34" charset="0"/>
+            </a:endParaRPr>
+          </a:p>
+        </p:txBody>
+      </p:sp>
+      <p:sp>
+        <p:nvSpPr>
+          <p:cNvPr id="935" name="OTLSHAPE_T_27ae47589bac40d38409405d5a28c9b6_JoinedDate">
+            <a:extLst>
+              <a:ext uri="{FF2B5EF4-FFF2-40B4-BE49-F238E27FC236}">
+                <a16:creationId xmlns:a16="http://schemas.microsoft.com/office/drawing/2014/main" id="{DC7D7B50-1D7A-42DD-94AB-143EDB5E52C6}"/>
+              </a:ext>
+            </a:extLst>
+          </p:cNvPr>
+          <p:cNvSpPr txBox="1"/>
+          <p:nvPr>
+            <p:custDataLst>
+              <p:tags r:id="rId70"/>
+            </p:custDataLst>
+          </p:nvPr>
+        </p:nvSpPr>
+        <p:spPr>
+          <a:xfrm>
+            <a:off x="7754775" y="5302843"/>
+            <a:ext cx="1155700" cy="155025"/>
+          </a:xfrm>
+          <a:prstGeom prst="rect">
+            <a:avLst/>
+          </a:prstGeom>
+          <a:noFill/>
+        </p:spPr>
+        <p:txBody>
+          <a:bodyPr vert="horz" wrap="square" lIns="0" tIns="0" rIns="0" bIns="0" rtlCol="0" anchor="ctr" anchorCtr="0">
+            <a:spAutoFit/>
+          </a:bodyPr>
+          <a:lstStyle/>
+          <a:p>
+            <a:r>
+              <a:rPr lang="en-US" altLang="ko-KR" sz="1000" spc="-4">
+                <a:solidFill>
+                  <a:schemeClr val="dk2"/>
+                </a:solidFill>
+                <a:latin typeface="Calibri" panose="020F0502020204030204" pitchFamily="34" charset="0"/>
+              </a:rPr>
+              <a:t>4-10-2019 - 5-19-2019</a:t>
+            </a:r>
+            <a:endParaRPr lang="ko-KR" altLang="en-US" sz="1000" spc="-4">
+              <a:solidFill>
+                <a:schemeClr val="dk2"/>
+              </a:solidFill>
+              <a:latin typeface="Calibri" panose="020F0502020204030204" pitchFamily="34" charset="0"/>
+            </a:endParaRPr>
+          </a:p>
+        </p:txBody>
+      </p:sp>
+      <p:sp>
+        <p:nvSpPr>
+          <p:cNvPr id="936" name="OTLSHAPE_T_27ae47589bac40d38409405d5a28c9b6_Title">
+            <a:extLst>
+              <a:ext uri="{FF2B5EF4-FFF2-40B4-BE49-F238E27FC236}">
+                <a16:creationId xmlns:a16="http://schemas.microsoft.com/office/drawing/2014/main" id="{42D2E250-3D84-4847-A4AD-5DDD86642819}"/>
+              </a:ext>
+            </a:extLst>
+          </p:cNvPr>
+          <p:cNvSpPr txBox="1"/>
+          <p:nvPr>
+            <p:custDataLst>
+              <p:tags r:id="rId71"/>
+            </p:custDataLst>
+          </p:nvPr>
+        </p:nvSpPr>
+        <p:spPr>
+          <a:xfrm>
+            <a:off x="127000" y="5295096"/>
+            <a:ext cx="1079500" cy="170519"/>
+          </a:xfrm>
+          <a:prstGeom prst="rect">
+            <a:avLst/>
+          </a:prstGeom>
+          <a:noFill/>
+        </p:spPr>
+        <p:txBody>
+          <a:bodyPr vert="horz" wrap="square" lIns="0" tIns="0" rIns="0" bIns="0" rtlCol="0" anchor="ctr" anchorCtr="0">
+            <a:spAutoFit/>
+          </a:bodyPr>
+          <a:lstStyle/>
+          <a:p>
+            <a:r>
+              <a:rPr lang="ko-KR" altLang="en-US" sz="1100" b="1" spc="-6">
                 <a:solidFill>
                   <a:schemeClr val="dk1"/>
                 </a:solidFill>
                 <a:latin typeface="Calibri" panose="020F0502020204030204" pitchFamily="34" charset="0"/>
               </a:rPr>
-              <a:t>GUI </a:t>
-            </a:r>
-            <a:r>
-              <a:rPr lang="ko-KR" altLang="en-US" sz="1100" b="1" spc="-4">
-                <a:solidFill>
-                  <a:schemeClr val="dk1"/>
-                </a:solidFill>
-                <a:latin typeface="Calibri" panose="020F0502020204030204" pitchFamily="34" charset="0"/>
-              </a:rPr>
-              <a:t>개발</a:t>
-            </a:r>
-          </a:p>
-        </p:txBody>
-      </p:sp>
-      <p:sp>
-        <p:nvSpPr>
-          <p:cNvPr id="556" name="OTLSHAPE_T_27ae47589bac40d38409405d5a28c9b6_Shape">
-            <a:extLst>
-              <a:ext uri="{FF2B5EF4-FFF2-40B4-BE49-F238E27FC236}">
-                <a16:creationId xmlns:a16="http://schemas.microsoft.com/office/drawing/2014/main" id="{675BDAF9-8506-4EAF-A5B9-D16689EB0392}"/>
+              <a:t>손 인식 모듈 개발</a:t>
+            </a:r>
+          </a:p>
+        </p:txBody>
+      </p:sp>
+      <p:sp>
+        <p:nvSpPr>
+          <p:cNvPr id="937" name="OTLSHAPE_T_82fb3c45ae5f4c1ea8eb25fb96b27648_Shape">
+            <a:extLst>
+              <a:ext uri="{FF2B5EF4-FFF2-40B4-BE49-F238E27FC236}">
+                <a16:creationId xmlns:a16="http://schemas.microsoft.com/office/drawing/2014/main" id="{22C1D490-8380-481E-A947-177A58444206}"/>
               </a:ext>
             </a:extLst>
           </p:cNvPr>
           <p:cNvSpPr/>
           <p:nvPr>
             <p:custDataLst>
-              <p:tags r:id="rId64"/>
-            </p:custDataLst>
-          </p:nvPr>
-        </p:nvSpPr>
-        <p:spPr>
-          <a:xfrm>
-            <a:off x="4318700" y="5278755"/>
+              <p:tags r:id="rId72"/>
+            </p:custDataLst>
+          </p:nvPr>
+        </p:nvSpPr>
+        <p:spPr>
+          <a:xfrm>
+            <a:off x="4318700" y="5545455"/>
             <a:ext cx="3390900" cy="203200"/>
           </a:xfrm>
           <a:prstGeom prst="rect">
@@ -12369,23 +12770,23 @@
       </p:sp>
       <p:sp>
         <p:nvSpPr>
-          <p:cNvPr id="557" name="OTLSHAPE_T_27ae47589bac40d38409405d5a28c9b6_ShapePercentage" hidden="1">
-            <a:extLst>
-              <a:ext uri="{FF2B5EF4-FFF2-40B4-BE49-F238E27FC236}">
-                <a16:creationId xmlns:a16="http://schemas.microsoft.com/office/drawing/2014/main" id="{B353E3F3-61F4-47BF-9A9E-9A5B8CCFB35C}"/>
+          <p:cNvPr id="938" name="OTLSHAPE_T_82fb3c45ae5f4c1ea8eb25fb96b27648_ShapePercentage" hidden="1">
+            <a:extLst>
+              <a:ext uri="{FF2B5EF4-FFF2-40B4-BE49-F238E27FC236}">
+                <a16:creationId xmlns:a16="http://schemas.microsoft.com/office/drawing/2014/main" id="{32F900F3-44D3-4861-8DE6-E2D294F5AB40}"/>
               </a:ext>
             </a:extLst>
           </p:cNvPr>
           <p:cNvSpPr/>
           <p:nvPr>
             <p:custDataLst>
-              <p:tags r:id="rId65"/>
-            </p:custDataLst>
-          </p:nvPr>
-        </p:nvSpPr>
-        <p:spPr>
-          <a:xfrm>
-            <a:off x="4318700" y="5278755"/>
+              <p:tags r:id="rId73"/>
+            </p:custDataLst>
+          </p:nvPr>
+        </p:nvSpPr>
+        <p:spPr>
+          <a:xfrm>
+            <a:off x="4318700" y="5545455"/>
             <a:ext cx="0" cy="0"/>
           </a:xfrm>
           <a:prstGeom prst="rect">
@@ -12419,23 +12820,23 @@
       </p:sp>
       <p:sp>
         <p:nvSpPr>
-          <p:cNvPr id="558" name="OTLSHAPE_T_27ae47589bac40d38409405d5a28c9b6_Duration" hidden="1">
-            <a:extLst>
-              <a:ext uri="{FF2B5EF4-FFF2-40B4-BE49-F238E27FC236}">
-                <a16:creationId xmlns:a16="http://schemas.microsoft.com/office/drawing/2014/main" id="{135DEEA2-ABEF-4B77-B8E1-9B087F63A1DB}"/>
+          <p:cNvPr id="939" name="OTLSHAPE_T_82fb3c45ae5f4c1ea8eb25fb96b27648_Duration" hidden="1">
+            <a:extLst>
+              <a:ext uri="{FF2B5EF4-FFF2-40B4-BE49-F238E27FC236}">
+                <a16:creationId xmlns:a16="http://schemas.microsoft.com/office/drawing/2014/main" id="{963964D2-E1EC-4CA5-BA52-74ABF9F85D73}"/>
               </a:ext>
             </a:extLst>
           </p:cNvPr>
           <p:cNvSpPr txBox="1"/>
           <p:nvPr>
             <p:custDataLst>
-              <p:tags r:id="rId66"/>
-            </p:custDataLst>
-          </p:nvPr>
-        </p:nvSpPr>
-        <p:spPr>
-          <a:xfrm>
-            <a:off x="0" y="5278755"/>
+              <p:tags r:id="rId74"/>
+            </p:custDataLst>
+          </p:nvPr>
+        </p:nvSpPr>
+        <p:spPr>
+          <a:xfrm>
+            <a:off x="0" y="5545455"/>
             <a:ext cx="292100" cy="155025"/>
           </a:xfrm>
           <a:prstGeom prst="rect">
@@ -12473,23 +12874,23 @@
       </p:sp>
       <p:sp>
         <p:nvSpPr>
-          <p:cNvPr id="559" name="OTLSHAPE_T_27ae47589bac40d38409405d5a28c9b6_TextPercentage" hidden="1">
-            <a:extLst>
-              <a:ext uri="{FF2B5EF4-FFF2-40B4-BE49-F238E27FC236}">
-                <a16:creationId xmlns:a16="http://schemas.microsoft.com/office/drawing/2014/main" id="{D06D5607-BA54-4FE7-9C67-B0B97E070F94}"/>
+          <p:cNvPr id="940" name="OTLSHAPE_T_82fb3c45ae5f4c1ea8eb25fb96b27648_TextPercentage" hidden="1">
+            <a:extLst>
+              <a:ext uri="{FF2B5EF4-FFF2-40B4-BE49-F238E27FC236}">
+                <a16:creationId xmlns:a16="http://schemas.microsoft.com/office/drawing/2014/main" id="{99B69A3A-005A-433F-A1B1-D229CC66B01F}"/>
               </a:ext>
             </a:extLst>
           </p:cNvPr>
           <p:cNvSpPr txBox="1"/>
           <p:nvPr>
             <p:custDataLst>
-              <p:tags r:id="rId67"/>
-            </p:custDataLst>
-          </p:nvPr>
-        </p:nvSpPr>
-        <p:spPr>
-          <a:xfrm>
-            <a:off x="0" y="5433780"/>
+              <p:tags r:id="rId75"/>
+            </p:custDataLst>
+          </p:nvPr>
+        </p:nvSpPr>
+        <p:spPr>
+          <a:xfrm>
+            <a:off x="0" y="5700480"/>
             <a:ext cx="0" cy="153888"/>
           </a:xfrm>
           <a:prstGeom prst="rect">
@@ -12515,23 +12916,23 @@
       </p:sp>
       <p:sp>
         <p:nvSpPr>
-          <p:cNvPr id="560" name="OTLSHAPE_T_27ae47589bac40d38409405d5a28c9b6_StartDate" hidden="1">
-            <a:extLst>
-              <a:ext uri="{FF2B5EF4-FFF2-40B4-BE49-F238E27FC236}">
-                <a16:creationId xmlns:a16="http://schemas.microsoft.com/office/drawing/2014/main" id="{24D54879-2959-4015-B3F3-E43B204ACE6A}"/>
+          <p:cNvPr id="941" name="OTLSHAPE_T_82fb3c45ae5f4c1ea8eb25fb96b27648_StartDate" hidden="1">
+            <a:extLst>
+              <a:ext uri="{FF2B5EF4-FFF2-40B4-BE49-F238E27FC236}">
+                <a16:creationId xmlns:a16="http://schemas.microsoft.com/office/drawing/2014/main" id="{1F10057E-8843-4B0B-9582-39836F37AC6A}"/>
               </a:ext>
             </a:extLst>
           </p:cNvPr>
           <p:cNvSpPr txBox="1"/>
           <p:nvPr>
             <p:custDataLst>
-              <p:tags r:id="rId68"/>
-            </p:custDataLst>
-          </p:nvPr>
-        </p:nvSpPr>
-        <p:spPr>
-          <a:xfrm>
-            <a:off x="0" y="5433780"/>
+              <p:tags r:id="rId76"/>
+            </p:custDataLst>
+          </p:nvPr>
+        </p:nvSpPr>
+        <p:spPr>
+          <a:xfrm>
+            <a:off x="0" y="5700480"/>
             <a:ext cx="0" cy="153888"/>
           </a:xfrm>
           <a:prstGeom prst="rect">
@@ -12557,23 +12958,23 @@
       </p:sp>
       <p:sp>
         <p:nvSpPr>
-          <p:cNvPr id="561" name="OTLSHAPE_T_27ae47589bac40d38409405d5a28c9b6_EndDate" hidden="1">
-            <a:extLst>
-              <a:ext uri="{FF2B5EF4-FFF2-40B4-BE49-F238E27FC236}">
-                <a16:creationId xmlns:a16="http://schemas.microsoft.com/office/drawing/2014/main" id="{38C378AD-5934-4962-8069-F266E12B8E22}"/>
+          <p:cNvPr id="942" name="OTLSHAPE_T_82fb3c45ae5f4c1ea8eb25fb96b27648_EndDate" hidden="1">
+            <a:extLst>
+              <a:ext uri="{FF2B5EF4-FFF2-40B4-BE49-F238E27FC236}">
+                <a16:creationId xmlns:a16="http://schemas.microsoft.com/office/drawing/2014/main" id="{E8221330-A060-4F5F-9B47-7B322F547F1C}"/>
               </a:ext>
             </a:extLst>
           </p:cNvPr>
           <p:cNvSpPr txBox="1"/>
           <p:nvPr>
             <p:custDataLst>
-              <p:tags r:id="rId69"/>
-            </p:custDataLst>
-          </p:nvPr>
-        </p:nvSpPr>
-        <p:spPr>
-          <a:xfrm>
-            <a:off x="0" y="5433780"/>
+              <p:tags r:id="rId77"/>
+            </p:custDataLst>
+          </p:nvPr>
+        </p:nvSpPr>
+        <p:spPr>
+          <a:xfrm>
+            <a:off x="0" y="5700480"/>
             <a:ext cx="0" cy="153888"/>
           </a:xfrm>
           <a:prstGeom prst="rect">
@@ -12599,23 +13000,23 @@
       </p:sp>
       <p:sp>
         <p:nvSpPr>
-          <p:cNvPr id="562" name="OTLSHAPE_T_27ae47589bac40d38409405d5a28c9b6_JoinedDate">
-            <a:extLst>
-              <a:ext uri="{FF2B5EF4-FFF2-40B4-BE49-F238E27FC236}">
-                <a16:creationId xmlns:a16="http://schemas.microsoft.com/office/drawing/2014/main" id="{E0714F82-56A6-412D-8DDA-7ADC2876F0A5}"/>
+          <p:cNvPr id="943" name="OTLSHAPE_T_82fb3c45ae5f4c1ea8eb25fb96b27648_JoinedDate">
+            <a:extLst>
+              <a:ext uri="{FF2B5EF4-FFF2-40B4-BE49-F238E27FC236}">
+                <a16:creationId xmlns:a16="http://schemas.microsoft.com/office/drawing/2014/main" id="{8D37ADDC-121D-4086-8B5E-A1633BBFDC63}"/>
               </a:ext>
             </a:extLst>
           </p:cNvPr>
           <p:cNvSpPr txBox="1"/>
           <p:nvPr>
             <p:custDataLst>
-              <p:tags r:id="rId70"/>
-            </p:custDataLst>
-          </p:nvPr>
-        </p:nvSpPr>
-        <p:spPr>
-          <a:xfrm>
-            <a:off x="7754775" y="5302843"/>
+              <p:tags r:id="rId78"/>
+            </p:custDataLst>
+          </p:nvPr>
+        </p:nvSpPr>
+        <p:spPr>
+          <a:xfrm>
+            <a:off x="7754775" y="5569543"/>
             <a:ext cx="1155700" cy="155025"/>
           </a:xfrm>
           <a:prstGeom prst="rect">
@@ -12649,24 +13050,24 @@
       </p:sp>
       <p:sp>
         <p:nvSpPr>
-          <p:cNvPr id="563" name="OTLSHAPE_T_27ae47589bac40d38409405d5a28c9b6_Title">
-            <a:extLst>
-              <a:ext uri="{FF2B5EF4-FFF2-40B4-BE49-F238E27FC236}">
-                <a16:creationId xmlns:a16="http://schemas.microsoft.com/office/drawing/2014/main" id="{D40FA495-5F20-46A4-94F3-2A7EC87C92EF}"/>
+          <p:cNvPr id="944" name="OTLSHAPE_T_82fb3c45ae5f4c1ea8eb25fb96b27648_Title">
+            <a:extLst>
+              <a:ext uri="{FF2B5EF4-FFF2-40B4-BE49-F238E27FC236}">
+                <a16:creationId xmlns:a16="http://schemas.microsoft.com/office/drawing/2014/main" id="{7E4B2943-7883-41C5-A3CA-0ABD14D704D7}"/>
               </a:ext>
             </a:extLst>
           </p:cNvPr>
           <p:cNvSpPr txBox="1"/>
           <p:nvPr>
             <p:custDataLst>
-              <p:tags r:id="rId71"/>
-            </p:custDataLst>
-          </p:nvPr>
-        </p:nvSpPr>
-        <p:spPr>
-          <a:xfrm>
-            <a:off x="127000" y="5295096"/>
-            <a:ext cx="1079500" cy="170519"/>
+              <p:tags r:id="rId79"/>
+            </p:custDataLst>
+          </p:nvPr>
+        </p:nvSpPr>
+        <p:spPr>
+          <a:xfrm>
+            <a:off x="127000" y="5561796"/>
+            <a:ext cx="1219200" cy="170519"/>
           </a:xfrm>
           <a:prstGeom prst="rect">
             <a:avLst/>
@@ -12686,31 +13087,31 @@
                 </a:solidFill>
                 <a:latin typeface="Calibri" panose="020F0502020204030204" pitchFamily="34" charset="0"/>
               </a:rPr>
-              <a:t>손 인식 모듈 개발</a:t>
-            </a:r>
-          </a:p>
-        </p:txBody>
-      </p:sp>
-      <p:sp>
-        <p:nvSpPr>
-          <p:cNvPr id="564" name="OTLSHAPE_T_e676dd5c8d65477588b6d56b4e73ee0c_Shape">
-            <a:extLst>
-              <a:ext uri="{FF2B5EF4-FFF2-40B4-BE49-F238E27FC236}">
-                <a16:creationId xmlns:a16="http://schemas.microsoft.com/office/drawing/2014/main" id="{2D9422AE-D9A3-4116-A78D-DCFB96FD1717}"/>
+              <a:t>의류 관련 모듈 개발</a:t>
+            </a:r>
+          </a:p>
+        </p:txBody>
+      </p:sp>
+      <p:sp>
+        <p:nvSpPr>
+          <p:cNvPr id="945" name="OTLSHAPE_T_e676dd5c8d65477588b6d56b4e73ee0c_Shape">
+            <a:extLst>
+              <a:ext uri="{FF2B5EF4-FFF2-40B4-BE49-F238E27FC236}">
+                <a16:creationId xmlns:a16="http://schemas.microsoft.com/office/drawing/2014/main" id="{A8E5D0E8-8CF5-476B-A908-6295B6C44083}"/>
               </a:ext>
             </a:extLst>
           </p:cNvPr>
           <p:cNvSpPr/>
           <p:nvPr>
             <p:custDataLst>
-              <p:tags r:id="rId72"/>
-            </p:custDataLst>
-          </p:nvPr>
-        </p:nvSpPr>
-        <p:spPr>
-          <a:xfrm>
-            <a:off x="4657233" y="5545455"/>
-            <a:ext cx="2209800" cy="203200"/>
+              <p:tags r:id="rId80"/>
+            </p:custDataLst>
+          </p:nvPr>
+        </p:nvSpPr>
+        <p:spPr>
+          <a:xfrm>
+            <a:off x="5926734" y="5812155"/>
+            <a:ext cx="1778000" cy="203200"/>
           </a:xfrm>
           <a:prstGeom prst="rect">
             <a:avLst/>
@@ -12788,23 +13189,23 @@
       </p:sp>
       <p:sp>
         <p:nvSpPr>
-          <p:cNvPr id="565" name="OTLSHAPE_T_e676dd5c8d65477588b6d56b4e73ee0c_ShapePercentage" hidden="1">
-            <a:extLst>
-              <a:ext uri="{FF2B5EF4-FFF2-40B4-BE49-F238E27FC236}">
-                <a16:creationId xmlns:a16="http://schemas.microsoft.com/office/drawing/2014/main" id="{2FFCDD61-8064-498C-BE49-DE9FAD044295}"/>
+          <p:cNvPr id="946" name="OTLSHAPE_T_e676dd5c8d65477588b6d56b4e73ee0c_ShapePercentage" hidden="1">
+            <a:extLst>
+              <a:ext uri="{FF2B5EF4-FFF2-40B4-BE49-F238E27FC236}">
+                <a16:creationId xmlns:a16="http://schemas.microsoft.com/office/drawing/2014/main" id="{BCF938D8-9565-413D-B9FF-B67B8F136D14}"/>
               </a:ext>
             </a:extLst>
           </p:cNvPr>
           <p:cNvSpPr/>
           <p:nvPr>
             <p:custDataLst>
-              <p:tags r:id="rId73"/>
-            </p:custDataLst>
-          </p:nvPr>
-        </p:nvSpPr>
-        <p:spPr>
-          <a:xfrm>
-            <a:off x="4657233" y="5545455"/>
+              <p:tags r:id="rId81"/>
+            </p:custDataLst>
+          </p:nvPr>
+        </p:nvSpPr>
+        <p:spPr>
+          <a:xfrm>
+            <a:off x="5926734" y="5812155"/>
             <a:ext cx="0" cy="0"/>
           </a:xfrm>
           <a:prstGeom prst="rect">
@@ -12838,23 +13239,23 @@
       </p:sp>
       <p:sp>
         <p:nvSpPr>
-          <p:cNvPr id="566" name="OTLSHAPE_T_e676dd5c8d65477588b6d56b4e73ee0c_Duration" hidden="1">
-            <a:extLst>
-              <a:ext uri="{FF2B5EF4-FFF2-40B4-BE49-F238E27FC236}">
-                <a16:creationId xmlns:a16="http://schemas.microsoft.com/office/drawing/2014/main" id="{CA30B22A-7994-41D8-856C-C3D7F2247690}"/>
+          <p:cNvPr id="947" name="OTLSHAPE_T_e676dd5c8d65477588b6d56b4e73ee0c_Duration" hidden="1">
+            <a:extLst>
+              <a:ext uri="{FF2B5EF4-FFF2-40B4-BE49-F238E27FC236}">
+                <a16:creationId xmlns:a16="http://schemas.microsoft.com/office/drawing/2014/main" id="{A270DB84-0CB4-4701-A5FD-5C04172930CB}"/>
               </a:ext>
             </a:extLst>
           </p:cNvPr>
           <p:cNvSpPr txBox="1"/>
           <p:nvPr>
             <p:custDataLst>
-              <p:tags r:id="rId74"/>
-            </p:custDataLst>
-          </p:nvPr>
-        </p:nvSpPr>
-        <p:spPr>
-          <a:xfrm>
-            <a:off x="0" y="5545455"/>
+              <p:tags r:id="rId82"/>
+            </p:custDataLst>
+          </p:nvPr>
+        </p:nvSpPr>
+        <p:spPr>
+          <a:xfrm>
+            <a:off x="0" y="5812155"/>
             <a:ext cx="292100" cy="155025"/>
           </a:xfrm>
           <a:prstGeom prst="rect">
@@ -12876,7 +13277,7 @@
                 </a:solidFill>
                 <a:latin typeface="Calibri" panose="020F0502020204030204" pitchFamily="34" charset="0"/>
               </a:rPr>
-              <a:t>26 </a:t>
+              <a:t>21 </a:t>
             </a:r>
             <a:r>
               <a:rPr lang="ko-KR" altLang="en-US" sz="1000">
@@ -12892,23 +13293,23 @@
       </p:sp>
       <p:sp>
         <p:nvSpPr>
-          <p:cNvPr id="567" name="OTLSHAPE_T_e676dd5c8d65477588b6d56b4e73ee0c_TextPercentage" hidden="1">
-            <a:extLst>
-              <a:ext uri="{FF2B5EF4-FFF2-40B4-BE49-F238E27FC236}">
-                <a16:creationId xmlns:a16="http://schemas.microsoft.com/office/drawing/2014/main" id="{208B0166-B999-4B83-9415-13B6EB4FD9E6}"/>
+          <p:cNvPr id="948" name="OTLSHAPE_T_e676dd5c8d65477588b6d56b4e73ee0c_TextPercentage" hidden="1">
+            <a:extLst>
+              <a:ext uri="{FF2B5EF4-FFF2-40B4-BE49-F238E27FC236}">
+                <a16:creationId xmlns:a16="http://schemas.microsoft.com/office/drawing/2014/main" id="{05091C01-8882-4185-AF2C-4AF31ABE4B57}"/>
               </a:ext>
             </a:extLst>
           </p:cNvPr>
           <p:cNvSpPr txBox="1"/>
           <p:nvPr>
             <p:custDataLst>
-              <p:tags r:id="rId75"/>
-            </p:custDataLst>
-          </p:nvPr>
-        </p:nvSpPr>
-        <p:spPr>
-          <a:xfrm>
-            <a:off x="0" y="5700480"/>
+              <p:tags r:id="rId83"/>
+            </p:custDataLst>
+          </p:nvPr>
+        </p:nvSpPr>
+        <p:spPr>
+          <a:xfrm>
+            <a:off x="0" y="5967180"/>
             <a:ext cx="0" cy="153888"/>
           </a:xfrm>
           <a:prstGeom prst="rect">
@@ -12934,23 +13335,23 @@
       </p:sp>
       <p:sp>
         <p:nvSpPr>
-          <p:cNvPr id="568" name="OTLSHAPE_T_e676dd5c8d65477588b6d56b4e73ee0c_StartDate" hidden="1">
-            <a:extLst>
-              <a:ext uri="{FF2B5EF4-FFF2-40B4-BE49-F238E27FC236}">
-                <a16:creationId xmlns:a16="http://schemas.microsoft.com/office/drawing/2014/main" id="{2357F307-CD33-4863-B1B0-9D1E72D8F782}"/>
+          <p:cNvPr id="949" name="OTLSHAPE_T_e676dd5c8d65477588b6d56b4e73ee0c_StartDate" hidden="1">
+            <a:extLst>
+              <a:ext uri="{FF2B5EF4-FFF2-40B4-BE49-F238E27FC236}">
+                <a16:creationId xmlns:a16="http://schemas.microsoft.com/office/drawing/2014/main" id="{90CD9C7B-5D06-4E03-9553-08E7A796FC78}"/>
               </a:ext>
             </a:extLst>
           </p:cNvPr>
           <p:cNvSpPr txBox="1"/>
           <p:nvPr>
             <p:custDataLst>
-              <p:tags r:id="rId76"/>
-            </p:custDataLst>
-          </p:nvPr>
-        </p:nvSpPr>
-        <p:spPr>
-          <a:xfrm>
-            <a:off x="0" y="5700480"/>
+              <p:tags r:id="rId84"/>
+            </p:custDataLst>
+          </p:nvPr>
+        </p:nvSpPr>
+        <p:spPr>
+          <a:xfrm>
+            <a:off x="0" y="5967180"/>
             <a:ext cx="0" cy="153888"/>
           </a:xfrm>
           <a:prstGeom prst="rect">
@@ -12976,23 +13377,23 @@
       </p:sp>
       <p:sp>
         <p:nvSpPr>
-          <p:cNvPr id="569" name="OTLSHAPE_T_e676dd5c8d65477588b6d56b4e73ee0c_EndDate" hidden="1">
-            <a:extLst>
-              <a:ext uri="{FF2B5EF4-FFF2-40B4-BE49-F238E27FC236}">
-                <a16:creationId xmlns:a16="http://schemas.microsoft.com/office/drawing/2014/main" id="{9420328D-E702-41C3-98F2-73E3CA2CA50E}"/>
+          <p:cNvPr id="950" name="OTLSHAPE_T_e676dd5c8d65477588b6d56b4e73ee0c_EndDate" hidden="1">
+            <a:extLst>
+              <a:ext uri="{FF2B5EF4-FFF2-40B4-BE49-F238E27FC236}">
+                <a16:creationId xmlns:a16="http://schemas.microsoft.com/office/drawing/2014/main" id="{80AACA10-9C20-4615-8ACA-497919111608}"/>
               </a:ext>
             </a:extLst>
           </p:cNvPr>
           <p:cNvSpPr txBox="1"/>
           <p:nvPr>
             <p:custDataLst>
-              <p:tags r:id="rId77"/>
-            </p:custDataLst>
-          </p:nvPr>
-        </p:nvSpPr>
-        <p:spPr>
-          <a:xfrm>
-            <a:off x="0" y="5700480"/>
+              <p:tags r:id="rId85"/>
+            </p:custDataLst>
+          </p:nvPr>
+        </p:nvSpPr>
+        <p:spPr>
+          <a:xfrm>
+            <a:off x="0" y="5967180"/>
             <a:ext cx="0" cy="153888"/>
           </a:xfrm>
           <a:prstGeom prst="rect">
@@ -13018,24 +13419,24 @@
       </p:sp>
       <p:sp>
         <p:nvSpPr>
-          <p:cNvPr id="570" name="OTLSHAPE_T_e676dd5c8d65477588b6d56b4e73ee0c_JoinedDate">
-            <a:extLst>
-              <a:ext uri="{FF2B5EF4-FFF2-40B4-BE49-F238E27FC236}">
-                <a16:creationId xmlns:a16="http://schemas.microsoft.com/office/drawing/2014/main" id="{0F2EDDEF-595A-494D-9817-076F9DC65C41}"/>
+          <p:cNvPr id="951" name="OTLSHAPE_T_e676dd5c8d65477588b6d56b4e73ee0c_JoinedDate">
+            <a:extLst>
+              <a:ext uri="{FF2B5EF4-FFF2-40B4-BE49-F238E27FC236}">
+                <a16:creationId xmlns:a16="http://schemas.microsoft.com/office/drawing/2014/main" id="{22B89704-8BA4-4751-B74F-2B375EB3F742}"/>
               </a:ext>
             </a:extLst>
           </p:cNvPr>
           <p:cNvSpPr txBox="1"/>
           <p:nvPr>
             <p:custDataLst>
-              <p:tags r:id="rId78"/>
-            </p:custDataLst>
-          </p:nvPr>
-        </p:nvSpPr>
-        <p:spPr>
-          <a:xfrm>
-            <a:off x="6908442" y="5569543"/>
-            <a:ext cx="1092200" cy="155025"/>
+              <p:tags r:id="rId86"/>
+            </p:custDataLst>
+          </p:nvPr>
+        </p:nvSpPr>
+        <p:spPr>
+          <a:xfrm>
+            <a:off x="7754775" y="5836243"/>
+            <a:ext cx="1155700" cy="155025"/>
           </a:xfrm>
           <a:prstGeom prst="rect">
             <a:avLst/>
@@ -13055,7 +13456,7 @@
                 </a:solidFill>
                 <a:latin typeface="Calibri" panose="020F0502020204030204" pitchFamily="34" charset="0"/>
               </a:rPr>
-              <a:t>4-14-2019 - 5-9-2019</a:t>
+              <a:t>4-29-2019 - 5-19-2019</a:t>
             </a:r>
             <a:endParaRPr lang="ko-KR" altLang="en-US" sz="1000" spc="-4">
               <a:solidFill>
@@ -13068,23 +13469,23 @@
       </p:sp>
       <p:sp>
         <p:nvSpPr>
-          <p:cNvPr id="571" name="OTLSHAPE_T_e676dd5c8d65477588b6d56b4e73ee0c_Title">
-            <a:extLst>
-              <a:ext uri="{FF2B5EF4-FFF2-40B4-BE49-F238E27FC236}">
-                <a16:creationId xmlns:a16="http://schemas.microsoft.com/office/drawing/2014/main" id="{6FCA6889-C758-4247-9AD5-839494B4A923}"/>
+          <p:cNvPr id="952" name="OTLSHAPE_T_e676dd5c8d65477588b6d56b4e73ee0c_Title">
+            <a:extLst>
+              <a:ext uri="{FF2B5EF4-FFF2-40B4-BE49-F238E27FC236}">
+                <a16:creationId xmlns:a16="http://schemas.microsoft.com/office/drawing/2014/main" id="{23DACFE5-6A90-45B8-9074-24DA02EC5A68}"/>
               </a:ext>
             </a:extLst>
           </p:cNvPr>
           <p:cNvSpPr txBox="1"/>
           <p:nvPr>
             <p:custDataLst>
-              <p:tags r:id="rId79"/>
-            </p:custDataLst>
-          </p:nvPr>
-        </p:nvSpPr>
-        <p:spPr>
-          <a:xfrm>
-            <a:off x="127000" y="5561796"/>
+              <p:tags r:id="rId87"/>
+            </p:custDataLst>
+          </p:nvPr>
+        </p:nvSpPr>
+        <p:spPr>
+          <a:xfrm>
+            <a:off x="127000" y="5828496"/>
             <a:ext cx="1219200" cy="170519"/>
           </a:xfrm>
           <a:prstGeom prst="rect">
@@ -13112,24 +13513,24 @@
       </p:sp>
       <p:sp>
         <p:nvSpPr>
-          <p:cNvPr id="572" name="OTLSHAPE_T_55871566acb4479fa593c4d75faba5f3_Shape">
-            <a:extLst>
-              <a:ext uri="{FF2B5EF4-FFF2-40B4-BE49-F238E27FC236}">
-                <a16:creationId xmlns:a16="http://schemas.microsoft.com/office/drawing/2014/main" id="{A7C6518C-61F0-4B3B-A7DA-E816EB02C529}"/>
+          <p:cNvPr id="953" name="OTLSHAPE_T_55871566acb4479fa593c4d75faba5f3_Shape">
+            <a:extLst>
+              <a:ext uri="{FF2B5EF4-FFF2-40B4-BE49-F238E27FC236}">
+                <a16:creationId xmlns:a16="http://schemas.microsoft.com/office/drawing/2014/main" id="{7C6D8E0A-AA8F-482B-8CDB-F70203AE4C48}"/>
               </a:ext>
             </a:extLst>
           </p:cNvPr>
           <p:cNvSpPr/>
           <p:nvPr>
             <p:custDataLst>
-              <p:tags r:id="rId80"/>
-            </p:custDataLst>
-          </p:nvPr>
-        </p:nvSpPr>
-        <p:spPr>
-          <a:xfrm>
-            <a:off x="6857701" y="5812155"/>
-            <a:ext cx="2463800" cy="203200"/>
+              <p:tags r:id="rId88"/>
+            </p:custDataLst>
+          </p:nvPr>
+        </p:nvSpPr>
+        <p:spPr>
+          <a:xfrm>
+            <a:off x="7704034" y="6078855"/>
+            <a:ext cx="1612900" cy="203200"/>
           </a:xfrm>
           <a:prstGeom prst="rect">
             <a:avLst/>
@@ -13207,23 +13608,23 @@
       </p:sp>
       <p:sp>
         <p:nvSpPr>
-          <p:cNvPr id="573" name="OTLSHAPE_T_55871566acb4479fa593c4d75faba5f3_ShapePercentage" hidden="1">
-            <a:extLst>
-              <a:ext uri="{FF2B5EF4-FFF2-40B4-BE49-F238E27FC236}">
-                <a16:creationId xmlns:a16="http://schemas.microsoft.com/office/drawing/2014/main" id="{DCED9AB0-3AC7-40BE-B01E-6905E19F715F}"/>
+          <p:cNvPr id="954" name="OTLSHAPE_T_55871566acb4479fa593c4d75faba5f3_ShapePercentage" hidden="1">
+            <a:extLst>
+              <a:ext uri="{FF2B5EF4-FFF2-40B4-BE49-F238E27FC236}">
+                <a16:creationId xmlns:a16="http://schemas.microsoft.com/office/drawing/2014/main" id="{012B3F48-C2C8-4ED9-B622-50DEFA5301F2}"/>
               </a:ext>
             </a:extLst>
           </p:cNvPr>
           <p:cNvSpPr/>
           <p:nvPr>
             <p:custDataLst>
-              <p:tags r:id="rId81"/>
-            </p:custDataLst>
-          </p:nvPr>
-        </p:nvSpPr>
-        <p:spPr>
-          <a:xfrm>
-            <a:off x="6857701" y="5812155"/>
+              <p:tags r:id="rId89"/>
+            </p:custDataLst>
+          </p:nvPr>
+        </p:nvSpPr>
+        <p:spPr>
+          <a:xfrm>
+            <a:off x="7704034" y="6078855"/>
             <a:ext cx="0" cy="0"/>
           </a:xfrm>
           <a:prstGeom prst="rect">
@@ -13257,23 +13658,23 @@
       </p:sp>
       <p:sp>
         <p:nvSpPr>
-          <p:cNvPr id="574" name="OTLSHAPE_T_55871566acb4479fa593c4d75faba5f3_Duration" hidden="1">
-            <a:extLst>
-              <a:ext uri="{FF2B5EF4-FFF2-40B4-BE49-F238E27FC236}">
-                <a16:creationId xmlns:a16="http://schemas.microsoft.com/office/drawing/2014/main" id="{B99AA088-182E-4BBB-B498-FE9A2841029A}"/>
+          <p:cNvPr id="955" name="OTLSHAPE_T_55871566acb4479fa593c4d75faba5f3_Duration" hidden="1">
+            <a:extLst>
+              <a:ext uri="{FF2B5EF4-FFF2-40B4-BE49-F238E27FC236}">
+                <a16:creationId xmlns:a16="http://schemas.microsoft.com/office/drawing/2014/main" id="{E3C101CD-6A54-4196-9636-938B81962B20}"/>
               </a:ext>
             </a:extLst>
           </p:cNvPr>
           <p:cNvSpPr txBox="1"/>
           <p:nvPr>
             <p:custDataLst>
-              <p:tags r:id="rId82"/>
-            </p:custDataLst>
-          </p:nvPr>
-        </p:nvSpPr>
-        <p:spPr>
-          <a:xfrm>
-            <a:off x="0" y="5812155"/>
+              <p:tags r:id="rId90"/>
+            </p:custDataLst>
+          </p:nvPr>
+        </p:nvSpPr>
+        <p:spPr>
+          <a:xfrm>
+            <a:off x="0" y="6078855"/>
             <a:ext cx="292100" cy="155025"/>
           </a:xfrm>
           <a:prstGeom prst="rect">
@@ -13295,7 +13696,7 @@
                 </a:solidFill>
                 <a:latin typeface="Calibri" panose="020F0502020204030204" pitchFamily="34" charset="0"/>
               </a:rPr>
-              <a:t>29 </a:t>
+              <a:t>19 </a:t>
             </a:r>
             <a:r>
               <a:rPr lang="ko-KR" altLang="en-US" sz="1000">
@@ -13311,23 +13712,23 @@
       </p:sp>
       <p:sp>
         <p:nvSpPr>
-          <p:cNvPr id="575" name="OTLSHAPE_T_55871566acb4479fa593c4d75faba5f3_TextPercentage" hidden="1">
-            <a:extLst>
-              <a:ext uri="{FF2B5EF4-FFF2-40B4-BE49-F238E27FC236}">
-                <a16:creationId xmlns:a16="http://schemas.microsoft.com/office/drawing/2014/main" id="{67CED5AF-E382-4C78-B34C-74B9326C04DC}"/>
+          <p:cNvPr id="956" name="OTLSHAPE_T_55871566acb4479fa593c4d75faba5f3_TextPercentage" hidden="1">
+            <a:extLst>
+              <a:ext uri="{FF2B5EF4-FFF2-40B4-BE49-F238E27FC236}">
+                <a16:creationId xmlns:a16="http://schemas.microsoft.com/office/drawing/2014/main" id="{E0C13C0F-C8E8-4305-9931-FD1AE972386D}"/>
               </a:ext>
             </a:extLst>
           </p:cNvPr>
           <p:cNvSpPr txBox="1"/>
           <p:nvPr>
             <p:custDataLst>
-              <p:tags r:id="rId83"/>
-            </p:custDataLst>
-          </p:nvPr>
-        </p:nvSpPr>
-        <p:spPr>
-          <a:xfrm>
-            <a:off x="0" y="5967180"/>
+              <p:tags r:id="rId91"/>
+            </p:custDataLst>
+          </p:nvPr>
+        </p:nvSpPr>
+        <p:spPr>
+          <a:xfrm>
+            <a:off x="0" y="6233880"/>
             <a:ext cx="0" cy="153888"/>
           </a:xfrm>
           <a:prstGeom prst="rect">
@@ -13353,23 +13754,23 @@
       </p:sp>
       <p:sp>
         <p:nvSpPr>
-          <p:cNvPr id="576" name="OTLSHAPE_T_55871566acb4479fa593c4d75faba5f3_StartDate" hidden="1">
-            <a:extLst>
-              <a:ext uri="{FF2B5EF4-FFF2-40B4-BE49-F238E27FC236}">
-                <a16:creationId xmlns:a16="http://schemas.microsoft.com/office/drawing/2014/main" id="{8383D797-6DF6-4487-BA6B-42F616A5AC69}"/>
+          <p:cNvPr id="957" name="OTLSHAPE_T_55871566acb4479fa593c4d75faba5f3_StartDate" hidden="1">
+            <a:extLst>
+              <a:ext uri="{FF2B5EF4-FFF2-40B4-BE49-F238E27FC236}">
+                <a16:creationId xmlns:a16="http://schemas.microsoft.com/office/drawing/2014/main" id="{B82A8744-DA0A-441E-B8EC-B4285679C166}"/>
               </a:ext>
             </a:extLst>
           </p:cNvPr>
           <p:cNvSpPr txBox="1"/>
           <p:nvPr>
             <p:custDataLst>
-              <p:tags r:id="rId84"/>
-            </p:custDataLst>
-          </p:nvPr>
-        </p:nvSpPr>
-        <p:spPr>
-          <a:xfrm>
-            <a:off x="0" y="5967180"/>
+              <p:tags r:id="rId92"/>
+            </p:custDataLst>
+          </p:nvPr>
+        </p:nvSpPr>
+        <p:spPr>
+          <a:xfrm>
+            <a:off x="0" y="6233880"/>
             <a:ext cx="0" cy="153888"/>
           </a:xfrm>
           <a:prstGeom prst="rect">
@@ -13395,23 +13796,23 @@
       </p:sp>
       <p:sp>
         <p:nvSpPr>
-          <p:cNvPr id="577" name="OTLSHAPE_T_55871566acb4479fa593c4d75faba5f3_EndDate" hidden="1">
-            <a:extLst>
-              <a:ext uri="{FF2B5EF4-FFF2-40B4-BE49-F238E27FC236}">
-                <a16:creationId xmlns:a16="http://schemas.microsoft.com/office/drawing/2014/main" id="{D27ABC3E-C9C4-4C5D-8B84-BB72C17F4650}"/>
+          <p:cNvPr id="958" name="OTLSHAPE_T_55871566acb4479fa593c4d75faba5f3_EndDate" hidden="1">
+            <a:extLst>
+              <a:ext uri="{FF2B5EF4-FFF2-40B4-BE49-F238E27FC236}">
+                <a16:creationId xmlns:a16="http://schemas.microsoft.com/office/drawing/2014/main" id="{D08A0C7D-8A8F-4297-A2CE-438F8E7AA280}"/>
               </a:ext>
             </a:extLst>
           </p:cNvPr>
           <p:cNvSpPr txBox="1"/>
           <p:nvPr>
             <p:custDataLst>
-              <p:tags r:id="rId85"/>
-            </p:custDataLst>
-          </p:nvPr>
-        </p:nvSpPr>
-        <p:spPr>
-          <a:xfrm>
-            <a:off x="0" y="5967180"/>
+              <p:tags r:id="rId93"/>
+            </p:custDataLst>
+          </p:nvPr>
+        </p:nvSpPr>
+        <p:spPr>
+          <a:xfrm>
+            <a:off x="0" y="6233880"/>
             <a:ext cx="0" cy="153888"/>
           </a:xfrm>
           <a:prstGeom prst="rect">
@@ -13437,23 +13838,23 @@
       </p:sp>
       <p:sp>
         <p:nvSpPr>
-          <p:cNvPr id="578" name="OTLSHAPE_T_55871566acb4479fa593c4d75faba5f3_JoinedDate">
-            <a:extLst>
-              <a:ext uri="{FF2B5EF4-FFF2-40B4-BE49-F238E27FC236}">
-                <a16:creationId xmlns:a16="http://schemas.microsoft.com/office/drawing/2014/main" id="{49A6FE1A-FBB9-4E22-A444-9035D4E54C08}"/>
+          <p:cNvPr id="959" name="OTLSHAPE_T_55871566acb4479fa593c4d75faba5f3_JoinedDate">
+            <a:extLst>
+              <a:ext uri="{FF2B5EF4-FFF2-40B4-BE49-F238E27FC236}">
+                <a16:creationId xmlns:a16="http://schemas.microsoft.com/office/drawing/2014/main" id="{DFAA0EFC-9B1A-4D2D-A97D-E59AEA63771F}"/>
               </a:ext>
             </a:extLst>
           </p:cNvPr>
           <p:cNvSpPr txBox="1"/>
           <p:nvPr>
             <p:custDataLst>
-              <p:tags r:id="rId86"/>
-            </p:custDataLst>
-          </p:nvPr>
-        </p:nvSpPr>
-        <p:spPr>
-          <a:xfrm>
-            <a:off x="9362810" y="5836243"/>
+              <p:tags r:id="rId94"/>
+            </p:custDataLst>
+          </p:nvPr>
+        </p:nvSpPr>
+        <p:spPr>
+          <a:xfrm>
+            <a:off x="9362810" y="6102943"/>
             <a:ext cx="1092200" cy="155025"/>
           </a:xfrm>
           <a:prstGeom prst="rect">
@@ -13474,7 +13875,7 @@
                 </a:solidFill>
                 <a:latin typeface="Calibri" panose="020F0502020204030204" pitchFamily="34" charset="0"/>
               </a:rPr>
-              <a:t>5-10-2019 - 6-7-2019</a:t>
+              <a:t>5-20-2019 - 6-7-2019</a:t>
             </a:r>
             <a:endParaRPr lang="ko-KR" altLang="en-US" sz="1000" spc="-4">
               <a:solidFill>
@@ -13487,23 +13888,23 @@
       </p:sp>
       <p:sp>
         <p:nvSpPr>
-          <p:cNvPr id="579" name="OTLSHAPE_T_55871566acb4479fa593c4d75faba5f3_Title">
-            <a:extLst>
-              <a:ext uri="{FF2B5EF4-FFF2-40B4-BE49-F238E27FC236}">
-                <a16:creationId xmlns:a16="http://schemas.microsoft.com/office/drawing/2014/main" id="{2086804C-BCE7-4D23-A6DE-47EA192200C4}"/>
+          <p:cNvPr id="960" name="OTLSHAPE_T_55871566acb4479fa593c4d75faba5f3_Title">
+            <a:extLst>
+              <a:ext uri="{FF2B5EF4-FFF2-40B4-BE49-F238E27FC236}">
+                <a16:creationId xmlns:a16="http://schemas.microsoft.com/office/drawing/2014/main" id="{850B996F-A14E-473E-BDC8-8FD5A4749D46}"/>
               </a:ext>
             </a:extLst>
           </p:cNvPr>
           <p:cNvSpPr txBox="1"/>
           <p:nvPr>
             <p:custDataLst>
-              <p:tags r:id="rId87"/>
-            </p:custDataLst>
-          </p:nvPr>
-        </p:nvSpPr>
-        <p:spPr>
-          <a:xfrm>
-            <a:off x="127000" y="5828496"/>
+              <p:tags r:id="rId95"/>
+            </p:custDataLst>
+          </p:nvPr>
+        </p:nvSpPr>
+        <p:spPr>
+          <a:xfrm>
+            <a:off x="127000" y="6095196"/>
             <a:ext cx="1727200" cy="170519"/>
           </a:xfrm>
           <a:prstGeom prst="rect">
@@ -13533,37 +13934,37 @@
                 </a:solidFill>
                 <a:latin typeface="Calibri" panose="020F0502020204030204" pitchFamily="34" charset="0"/>
               </a:rPr>
-              <a:t>의상 객체 생성 모듈 개발</a:t>
-            </a:r>
-          </a:p>
-        </p:txBody>
-      </p:sp>
-      <p:sp>
-        <p:nvSpPr>
-          <p:cNvPr id="580" name="OTLSHAPE_T_853f2e2a1d91481f8b3ea3fdeadd8ffb_Shape">
-            <a:extLst>
-              <a:ext uri="{FF2B5EF4-FFF2-40B4-BE49-F238E27FC236}">
-                <a16:creationId xmlns:a16="http://schemas.microsoft.com/office/drawing/2014/main" id="{21A8F175-FA15-47D4-AC9E-5330B5E70363}"/>
+              <a:t>모델링 및 출력 함수 개발</a:t>
+            </a:r>
+          </a:p>
+        </p:txBody>
+      </p:sp>
+      <p:sp>
+        <p:nvSpPr>
+          <p:cNvPr id="961" name="OTLSHAPE_T_22f39fb829944911aac60ff29587efd4_Shape">
+            <a:extLst>
+              <a:ext uri="{FF2B5EF4-FFF2-40B4-BE49-F238E27FC236}">
+                <a16:creationId xmlns:a16="http://schemas.microsoft.com/office/drawing/2014/main" id="{AFBAC06C-2B60-46D4-88DE-BACCFFC915FC}"/>
               </a:ext>
             </a:extLst>
           </p:cNvPr>
           <p:cNvSpPr/>
           <p:nvPr>
             <p:custDataLst>
-              <p:tags r:id="rId88"/>
-            </p:custDataLst>
-          </p:nvPr>
-        </p:nvSpPr>
-        <p:spPr>
-          <a:xfrm>
-            <a:off x="7704034" y="6078855"/>
-            <a:ext cx="596900" cy="203200"/>
+              <p:tags r:id="rId96"/>
+            </p:custDataLst>
+          </p:nvPr>
+        </p:nvSpPr>
+        <p:spPr>
+          <a:xfrm>
+            <a:off x="9312068" y="6345555"/>
+            <a:ext cx="1016000" cy="203200"/>
           </a:xfrm>
           <a:prstGeom prst="rect">
             <a:avLst/>
           </a:prstGeom>
           <a:solidFill>
-            <a:schemeClr val="accent4"/>
+            <a:schemeClr val="accent1"/>
           </a:solidFill>
           <a:ln w="12700" cap="flat" cmpd="sng" algn="ctr">
             <a:noFill/>
@@ -13635,23 +14036,23 @@
       </p:sp>
       <p:sp>
         <p:nvSpPr>
-          <p:cNvPr id="581" name="OTLSHAPE_T_853f2e2a1d91481f8b3ea3fdeadd8ffb_ShapePercentage" hidden="1">
-            <a:extLst>
-              <a:ext uri="{FF2B5EF4-FFF2-40B4-BE49-F238E27FC236}">
-                <a16:creationId xmlns:a16="http://schemas.microsoft.com/office/drawing/2014/main" id="{6AAC7743-5C58-465D-9AEC-BB97A587CE6B}"/>
+          <p:cNvPr id="962" name="OTLSHAPE_T_22f39fb829944911aac60ff29587efd4_ShapePercentage" hidden="1">
+            <a:extLst>
+              <a:ext uri="{FF2B5EF4-FFF2-40B4-BE49-F238E27FC236}">
+                <a16:creationId xmlns:a16="http://schemas.microsoft.com/office/drawing/2014/main" id="{80325057-CD21-43D2-9625-687B0295C0A1}"/>
               </a:ext>
             </a:extLst>
           </p:cNvPr>
           <p:cNvSpPr/>
           <p:nvPr>
             <p:custDataLst>
-              <p:tags r:id="rId89"/>
-            </p:custDataLst>
-          </p:nvPr>
-        </p:nvSpPr>
-        <p:spPr>
-          <a:xfrm>
-            <a:off x="7704034" y="6078855"/>
+              <p:tags r:id="rId97"/>
+            </p:custDataLst>
+          </p:nvPr>
+        </p:nvSpPr>
+        <p:spPr>
+          <a:xfrm>
+            <a:off x="9312068" y="6345555"/>
             <a:ext cx="0" cy="0"/>
           </a:xfrm>
           <a:prstGeom prst="rect">
@@ -13685,24 +14086,24 @@
       </p:sp>
       <p:sp>
         <p:nvSpPr>
-          <p:cNvPr id="582" name="OTLSHAPE_T_853f2e2a1d91481f8b3ea3fdeadd8ffb_Duration" hidden="1">
-            <a:extLst>
-              <a:ext uri="{FF2B5EF4-FFF2-40B4-BE49-F238E27FC236}">
-                <a16:creationId xmlns:a16="http://schemas.microsoft.com/office/drawing/2014/main" id="{4021A796-F40C-4164-807A-5C41B18E1F4E}"/>
+          <p:cNvPr id="963" name="OTLSHAPE_T_22f39fb829944911aac60ff29587efd4_Duration" hidden="1">
+            <a:extLst>
+              <a:ext uri="{FF2B5EF4-FFF2-40B4-BE49-F238E27FC236}">
+                <a16:creationId xmlns:a16="http://schemas.microsoft.com/office/drawing/2014/main" id="{03EA4059-82B0-477A-88AE-51A9C43EB1B2}"/>
               </a:ext>
             </a:extLst>
           </p:cNvPr>
           <p:cNvSpPr txBox="1"/>
           <p:nvPr>
             <p:custDataLst>
-              <p:tags r:id="rId90"/>
-            </p:custDataLst>
-          </p:nvPr>
-        </p:nvSpPr>
-        <p:spPr>
-          <a:xfrm>
-            <a:off x="0" y="6078855"/>
-            <a:ext cx="228600" cy="155025"/>
+              <p:tags r:id="rId98"/>
+            </p:custDataLst>
+          </p:nvPr>
+        </p:nvSpPr>
+        <p:spPr>
+          <a:xfrm>
+            <a:off x="0" y="6345555"/>
+            <a:ext cx="292100" cy="155025"/>
           </a:xfrm>
           <a:prstGeom prst="rect">
             <a:avLst/>
@@ -13723,7 +14124,7 @@
                 </a:solidFill>
                 <a:latin typeface="Calibri" panose="020F0502020204030204" pitchFamily="34" charset="0"/>
               </a:rPr>
-              <a:t>7 </a:t>
+              <a:t>12 </a:t>
             </a:r>
             <a:r>
               <a:rPr lang="ko-KR" altLang="en-US" sz="1000">
@@ -13739,23 +14140,23 @@
       </p:sp>
       <p:sp>
         <p:nvSpPr>
-          <p:cNvPr id="583" name="OTLSHAPE_T_853f2e2a1d91481f8b3ea3fdeadd8ffb_TextPercentage" hidden="1">
-            <a:extLst>
-              <a:ext uri="{FF2B5EF4-FFF2-40B4-BE49-F238E27FC236}">
-                <a16:creationId xmlns:a16="http://schemas.microsoft.com/office/drawing/2014/main" id="{139362B1-98EA-410D-AF66-1A88955C7562}"/>
+          <p:cNvPr id="964" name="OTLSHAPE_T_22f39fb829944911aac60ff29587efd4_TextPercentage" hidden="1">
+            <a:extLst>
+              <a:ext uri="{FF2B5EF4-FFF2-40B4-BE49-F238E27FC236}">
+                <a16:creationId xmlns:a16="http://schemas.microsoft.com/office/drawing/2014/main" id="{ADF57EC3-11FC-4FAC-BCB9-3D04BDAE47AC}"/>
               </a:ext>
             </a:extLst>
           </p:cNvPr>
           <p:cNvSpPr txBox="1"/>
           <p:nvPr>
             <p:custDataLst>
-              <p:tags r:id="rId91"/>
-            </p:custDataLst>
-          </p:nvPr>
-        </p:nvSpPr>
-        <p:spPr>
-          <a:xfrm>
-            <a:off x="0" y="6233880"/>
+              <p:tags r:id="rId99"/>
+            </p:custDataLst>
+          </p:nvPr>
+        </p:nvSpPr>
+        <p:spPr>
+          <a:xfrm>
+            <a:off x="0" y="6500580"/>
             <a:ext cx="0" cy="153888"/>
           </a:xfrm>
           <a:prstGeom prst="rect">
@@ -13781,23 +14182,23 @@
       </p:sp>
       <p:sp>
         <p:nvSpPr>
-          <p:cNvPr id="584" name="OTLSHAPE_T_853f2e2a1d91481f8b3ea3fdeadd8ffb_StartDate" hidden="1">
-            <a:extLst>
-              <a:ext uri="{FF2B5EF4-FFF2-40B4-BE49-F238E27FC236}">
-                <a16:creationId xmlns:a16="http://schemas.microsoft.com/office/drawing/2014/main" id="{1A0C24A8-8F90-46B9-B0B1-36CEF7AA9E45}"/>
+          <p:cNvPr id="965" name="OTLSHAPE_T_22f39fb829944911aac60ff29587efd4_StartDate" hidden="1">
+            <a:extLst>
+              <a:ext uri="{FF2B5EF4-FFF2-40B4-BE49-F238E27FC236}">
+                <a16:creationId xmlns:a16="http://schemas.microsoft.com/office/drawing/2014/main" id="{EB7BC67F-B9A2-4253-B994-776172C0127B}"/>
               </a:ext>
             </a:extLst>
           </p:cNvPr>
           <p:cNvSpPr txBox="1"/>
           <p:nvPr>
             <p:custDataLst>
-              <p:tags r:id="rId92"/>
-            </p:custDataLst>
-          </p:nvPr>
-        </p:nvSpPr>
-        <p:spPr>
-          <a:xfrm>
-            <a:off x="0" y="6233880"/>
+              <p:tags r:id="rId100"/>
+            </p:custDataLst>
+          </p:nvPr>
+        </p:nvSpPr>
+        <p:spPr>
+          <a:xfrm>
+            <a:off x="0" y="6500580"/>
             <a:ext cx="0" cy="153888"/>
           </a:xfrm>
           <a:prstGeom prst="rect">
@@ -13823,23 +14224,23 @@
       </p:sp>
       <p:sp>
         <p:nvSpPr>
-          <p:cNvPr id="585" name="OTLSHAPE_T_853f2e2a1d91481f8b3ea3fdeadd8ffb_EndDate" hidden="1">
-            <a:extLst>
-              <a:ext uri="{FF2B5EF4-FFF2-40B4-BE49-F238E27FC236}">
-                <a16:creationId xmlns:a16="http://schemas.microsoft.com/office/drawing/2014/main" id="{4D629BC3-DDE1-4394-87A8-EAE054624212}"/>
+          <p:cNvPr id="966" name="OTLSHAPE_T_22f39fb829944911aac60ff29587efd4_EndDate" hidden="1">
+            <a:extLst>
+              <a:ext uri="{FF2B5EF4-FFF2-40B4-BE49-F238E27FC236}">
+                <a16:creationId xmlns:a16="http://schemas.microsoft.com/office/drawing/2014/main" id="{A9A43CA6-411F-4A38-BE9E-2689BB612797}"/>
               </a:ext>
             </a:extLst>
           </p:cNvPr>
           <p:cNvSpPr txBox="1"/>
           <p:nvPr>
             <p:custDataLst>
-              <p:tags r:id="rId93"/>
-            </p:custDataLst>
-          </p:nvPr>
-        </p:nvSpPr>
-        <p:spPr>
-          <a:xfrm>
-            <a:off x="0" y="6233880"/>
+              <p:tags r:id="rId101"/>
+            </p:custDataLst>
+          </p:nvPr>
+        </p:nvSpPr>
+        <p:spPr>
+          <a:xfrm>
+            <a:off x="0" y="6500580"/>
             <a:ext cx="0" cy="153888"/>
           </a:xfrm>
           <a:prstGeom prst="rect">
@@ -13865,438 +14266,10 @@
       </p:sp>
       <p:sp>
         <p:nvSpPr>
-          <p:cNvPr id="586" name="OTLSHAPE_T_853f2e2a1d91481f8b3ea3fdeadd8ffb_JoinedDate">
-            <a:extLst>
-              <a:ext uri="{FF2B5EF4-FFF2-40B4-BE49-F238E27FC236}">
-                <a16:creationId xmlns:a16="http://schemas.microsoft.com/office/drawing/2014/main" id="{E1F65A62-256F-4733-8530-89BE3BC8FC19}"/>
-              </a:ext>
-            </a:extLst>
-          </p:cNvPr>
-          <p:cNvSpPr txBox="1"/>
-          <p:nvPr>
-            <p:custDataLst>
-              <p:tags r:id="rId94"/>
-            </p:custDataLst>
-          </p:nvPr>
-        </p:nvSpPr>
-        <p:spPr>
-          <a:xfrm>
-            <a:off x="8347209" y="6102943"/>
-            <a:ext cx="1155700" cy="155025"/>
-          </a:xfrm>
-          <a:prstGeom prst="rect">
-            <a:avLst/>
-          </a:prstGeom>
-          <a:noFill/>
-        </p:spPr>
-        <p:txBody>
-          <a:bodyPr vert="horz" wrap="square" lIns="0" tIns="0" rIns="0" bIns="0" rtlCol="0" anchor="ctr" anchorCtr="0">
-            <a:spAutoFit/>
-          </a:bodyPr>
-          <a:lstStyle/>
-          <a:p>
-            <a:r>
-              <a:rPr lang="en-US" altLang="ko-KR" sz="1000" spc="-4">
-                <a:solidFill>
-                  <a:schemeClr val="dk2"/>
-                </a:solidFill>
-                <a:latin typeface="Calibri" panose="020F0502020204030204" pitchFamily="34" charset="0"/>
-              </a:rPr>
-              <a:t>5-20-2019 - 5-26-2019</a:t>
-            </a:r>
-            <a:endParaRPr lang="ko-KR" altLang="en-US" sz="1000" spc="-4">
-              <a:solidFill>
-                <a:schemeClr val="dk2"/>
-              </a:solidFill>
-              <a:latin typeface="Calibri" panose="020F0502020204030204" pitchFamily="34" charset="0"/>
-            </a:endParaRPr>
-          </a:p>
-        </p:txBody>
-      </p:sp>
-      <p:sp>
-        <p:nvSpPr>
-          <p:cNvPr id="587" name="OTLSHAPE_T_853f2e2a1d91481f8b3ea3fdeadd8ffb_Title">
-            <a:extLst>
-              <a:ext uri="{FF2B5EF4-FFF2-40B4-BE49-F238E27FC236}">
-                <a16:creationId xmlns:a16="http://schemas.microsoft.com/office/drawing/2014/main" id="{7F016F0B-1D51-4914-BA58-566E4F740F42}"/>
-              </a:ext>
-            </a:extLst>
-          </p:cNvPr>
-          <p:cNvSpPr txBox="1"/>
-          <p:nvPr>
-            <p:custDataLst>
-              <p:tags r:id="rId95"/>
-            </p:custDataLst>
-          </p:nvPr>
-        </p:nvSpPr>
-        <p:spPr>
-          <a:xfrm>
-            <a:off x="127000" y="6095196"/>
-            <a:ext cx="1181100" cy="170519"/>
-          </a:xfrm>
-          <a:prstGeom prst="rect">
-            <a:avLst/>
-          </a:prstGeom>
-          <a:noFill/>
-        </p:spPr>
-        <p:txBody>
-          <a:bodyPr vert="horz" wrap="square" lIns="0" tIns="0" rIns="0" bIns="0" rtlCol="0" anchor="ctr" anchorCtr="0">
-            <a:spAutoFit/>
-          </a:bodyPr>
-          <a:lstStyle/>
-          <a:p>
-            <a:r>
-              <a:rPr lang="ko-KR" altLang="en-US" sz="1100" b="1" spc="-6" err="1">
-                <a:solidFill>
-                  <a:schemeClr val="dk1"/>
-                </a:solidFill>
-                <a:latin typeface="Calibri" panose="020F0502020204030204" pitchFamily="34" charset="0"/>
-              </a:rPr>
-              <a:t>즐겨찾기</a:t>
-            </a:r>
-            <a:r>
-              <a:rPr lang="ko-KR" altLang="en-US" sz="1100" b="1" spc="-6" dirty="0">
-                <a:solidFill>
-                  <a:schemeClr val="dk1"/>
-                </a:solidFill>
-                <a:latin typeface="Calibri" panose="020F0502020204030204" pitchFamily="34" charset="0"/>
-              </a:rPr>
-              <a:t> 기능 개발</a:t>
-            </a:r>
-          </a:p>
-        </p:txBody>
-      </p:sp>
-      <p:sp>
-        <p:nvSpPr>
-          <p:cNvPr id="588" name="OTLSHAPE_T_22f39fb829944911aac60ff29587efd4_Shape">
-            <a:extLst>
-              <a:ext uri="{FF2B5EF4-FFF2-40B4-BE49-F238E27FC236}">
-                <a16:creationId xmlns:a16="http://schemas.microsoft.com/office/drawing/2014/main" id="{9F9D8552-D450-4431-AA37-4840C30C7D71}"/>
-              </a:ext>
-            </a:extLst>
-          </p:cNvPr>
-          <p:cNvSpPr/>
-          <p:nvPr>
-            <p:custDataLst>
-              <p:tags r:id="rId96"/>
-            </p:custDataLst>
-          </p:nvPr>
-        </p:nvSpPr>
-        <p:spPr>
-          <a:xfrm>
-            <a:off x="9312068" y="6345555"/>
-            <a:ext cx="1016000" cy="203200"/>
-          </a:xfrm>
-          <a:prstGeom prst="rect">
-            <a:avLst/>
-          </a:prstGeom>
-          <a:solidFill>
-            <a:schemeClr val="accent1"/>
-          </a:solidFill>
-          <a:ln w="12700" cap="flat" cmpd="sng" algn="ctr">
-            <a:noFill/>
-            <a:prstDash val="solid"/>
-            <a:miter lim="800000"/>
-          </a:ln>
-          <a:effectLst/>
-          <a:scene3d>
-            <a:camera prst="orthographicFront"/>
-            <a:lightRig rig="balanced" dir="t">
-              <a:rot lat="0" lon="0" rev="8700000"/>
-            </a:lightRig>
-          </a:scene3d>
-          <a:sp3d>
-            <a:bevelT w="165100" h="12700"/>
-          </a:sp3d>
-          <a:extLst>
-            <a:ext uri="{91240B29-F687-4F45-9708-019B960494DF}">
-              <a14:hiddenLine xmlns:a14="http://schemas.microsoft.com/office/drawing/2010/main" w="12700" cap="flat" cmpd="sng" algn="ctr">
-                <a:solidFill>
-                  <a:schemeClr val="accent1">
-                    <a:shade val="50000"/>
-                  </a:schemeClr>
-                </a:solidFill>
-                <a:prstDash val="solid"/>
-                <a:miter lim="800000"/>
-              </a14:hiddenLine>
-            </a:ext>
-            <a:ext uri="{AF507438-7753-43E0-B8FC-AC1667EBCBE1}">
-              <a14:hiddenEffects xmlns:a14="http://schemas.microsoft.com/office/drawing/2010/main">
-                <a:effectLst>
-                  <a:outerShdw>
-                    <a:scrgbClr r="0" g="0" b="0">
-                      <a:alpha val="50000"/>
-                    </a:scrgbClr>
-                  </a:outerShdw>
-                </a:effectLst>
-              </a14:hiddenEffects>
-            </a:ext>
-            <a:ext uri="{53640926-AAD7-44D8-BBD7-CCE9431645EC}">
-              <a14:shadowObscured xmlns:a14="http://schemas.microsoft.com/office/drawing/2010/main" val="1"/>
-            </a:ext>
-          </a:extLst>
-        </p:spPr>
-        <p:style>
-          <a:lnRef idx="2">
-            <a:schemeClr val="accent1">
-              <a:shade val="50000"/>
-            </a:schemeClr>
-          </a:lnRef>
-          <a:fillRef idx="1">
-            <a:schemeClr val="accent1"/>
-          </a:fillRef>
-          <a:effectRef idx="0">
-            <a:schemeClr val="accent1"/>
-          </a:effectRef>
-          <a:fontRef idx="minor">
-            <a:schemeClr val="lt1"/>
-          </a:fontRef>
-        </p:style>
-        <p:txBody>
-          <a:bodyPr rtlCol="0" anchor="ctr"/>
-          <a:lstStyle/>
-          <a:p>
-            <a:pPr algn="ctr"/>
-            <a:endParaRPr lang="ko-KR" altLang="en-US"/>
-          </a:p>
-        </p:txBody>
-      </p:sp>
-      <p:sp>
-        <p:nvSpPr>
-          <p:cNvPr id="589" name="OTLSHAPE_T_22f39fb829944911aac60ff29587efd4_ShapePercentage" hidden="1">
-            <a:extLst>
-              <a:ext uri="{FF2B5EF4-FFF2-40B4-BE49-F238E27FC236}">
-                <a16:creationId xmlns:a16="http://schemas.microsoft.com/office/drawing/2014/main" id="{31B9B77A-A6AF-4264-AE48-CB47376BE55B}"/>
-              </a:ext>
-            </a:extLst>
-          </p:cNvPr>
-          <p:cNvSpPr/>
-          <p:nvPr>
-            <p:custDataLst>
-              <p:tags r:id="rId97"/>
-            </p:custDataLst>
-          </p:nvPr>
-        </p:nvSpPr>
-        <p:spPr>
-          <a:xfrm>
-            <a:off x="9312068" y="6345555"/>
-            <a:ext cx="0" cy="0"/>
-          </a:xfrm>
-          <a:prstGeom prst="rect">
-            <a:avLst/>
-          </a:prstGeom>
-        </p:spPr>
-        <p:style>
-          <a:lnRef idx="2">
-            <a:schemeClr val="accent1">
-              <a:shade val="50000"/>
-            </a:schemeClr>
-          </a:lnRef>
-          <a:fillRef idx="1">
-            <a:schemeClr val="accent1"/>
-          </a:fillRef>
-          <a:effectRef idx="0">
-            <a:schemeClr val="accent1"/>
-          </a:effectRef>
-          <a:fontRef idx="minor">
-            <a:schemeClr val="lt1"/>
-          </a:fontRef>
-        </p:style>
-        <p:txBody>
-          <a:bodyPr rtlCol="0" anchor="ctr"/>
-          <a:lstStyle/>
-          <a:p>
-            <a:pPr algn="ctr"/>
-            <a:endParaRPr lang="ko-KR" altLang="en-US"/>
-          </a:p>
-        </p:txBody>
-      </p:sp>
-      <p:sp>
-        <p:nvSpPr>
-          <p:cNvPr id="590" name="OTLSHAPE_T_22f39fb829944911aac60ff29587efd4_Duration" hidden="1">
-            <a:extLst>
-              <a:ext uri="{FF2B5EF4-FFF2-40B4-BE49-F238E27FC236}">
-                <a16:creationId xmlns:a16="http://schemas.microsoft.com/office/drawing/2014/main" id="{330822C4-BC2E-4C7B-84A2-2359E71DE2C7}"/>
-              </a:ext>
-            </a:extLst>
-          </p:cNvPr>
-          <p:cNvSpPr txBox="1"/>
-          <p:nvPr>
-            <p:custDataLst>
-              <p:tags r:id="rId98"/>
-            </p:custDataLst>
-          </p:nvPr>
-        </p:nvSpPr>
-        <p:spPr>
-          <a:xfrm>
-            <a:off x="0" y="6345555"/>
-            <a:ext cx="292100" cy="155025"/>
-          </a:xfrm>
-          <a:prstGeom prst="rect">
-            <a:avLst/>
-          </a:prstGeom>
-          <a:noFill/>
-        </p:spPr>
-        <p:txBody>
-          <a:bodyPr vert="horz" wrap="square" lIns="0" tIns="0" rIns="0" bIns="0" rtlCol="0" anchor="ctr" anchorCtr="0">
-            <a:spAutoFit/>
-          </a:bodyPr>
-          <a:lstStyle/>
-          <a:p>
-            <a:pPr algn="ctr"/>
-            <a:r>
-              <a:rPr lang="en-US" altLang="ko-KR" sz="1000">
-                <a:solidFill>
-                  <a:schemeClr val="accent2"/>
-                </a:solidFill>
-                <a:latin typeface="Calibri" panose="020F0502020204030204" pitchFamily="34" charset="0"/>
-              </a:rPr>
-              <a:t>12 </a:t>
-            </a:r>
-            <a:r>
-              <a:rPr lang="ko-KR" altLang="en-US" sz="1000">
-                <a:solidFill>
-                  <a:schemeClr val="accent2"/>
-                </a:solidFill>
-                <a:latin typeface="Calibri" panose="020F0502020204030204" pitchFamily="34" charset="0"/>
-              </a:rPr>
-              <a:t>일</a:t>
-            </a:r>
-          </a:p>
-        </p:txBody>
-      </p:sp>
-      <p:sp>
-        <p:nvSpPr>
-          <p:cNvPr id="591" name="OTLSHAPE_T_22f39fb829944911aac60ff29587efd4_TextPercentage" hidden="1">
-            <a:extLst>
-              <a:ext uri="{FF2B5EF4-FFF2-40B4-BE49-F238E27FC236}">
-                <a16:creationId xmlns:a16="http://schemas.microsoft.com/office/drawing/2014/main" id="{941B70F8-8EE0-4DD2-8456-025300EB6F74}"/>
-              </a:ext>
-            </a:extLst>
-          </p:cNvPr>
-          <p:cNvSpPr txBox="1"/>
-          <p:nvPr>
-            <p:custDataLst>
-              <p:tags r:id="rId99"/>
-            </p:custDataLst>
-          </p:nvPr>
-        </p:nvSpPr>
-        <p:spPr>
-          <a:xfrm>
-            <a:off x="0" y="6500580"/>
-            <a:ext cx="0" cy="153888"/>
-          </a:xfrm>
-          <a:prstGeom prst="rect">
-            <a:avLst/>
-          </a:prstGeom>
-          <a:noFill/>
-        </p:spPr>
-        <p:txBody>
-          <a:bodyPr vert="horz" wrap="square" lIns="0" tIns="0" rIns="0" bIns="0" rtlCol="0" anchor="ctr" anchorCtr="0">
-            <a:spAutoFit/>
-          </a:bodyPr>
-          <a:lstStyle/>
-          <a:p>
-            <a:pPr algn="ctr"/>
-            <a:endParaRPr lang="ko-KR" altLang="en-US" sz="1000">
-              <a:solidFill>
-                <a:schemeClr val="accent2"/>
-              </a:solidFill>
-              <a:latin typeface="Calibri" panose="020F0502020204030204" pitchFamily="34" charset="0"/>
-            </a:endParaRPr>
-          </a:p>
-        </p:txBody>
-      </p:sp>
-      <p:sp>
-        <p:nvSpPr>
-          <p:cNvPr id="592" name="OTLSHAPE_T_22f39fb829944911aac60ff29587efd4_StartDate" hidden="1">
-            <a:extLst>
-              <a:ext uri="{FF2B5EF4-FFF2-40B4-BE49-F238E27FC236}">
-                <a16:creationId xmlns:a16="http://schemas.microsoft.com/office/drawing/2014/main" id="{3C53D4F5-A872-4C49-A8C6-9DE33B7C5208}"/>
-              </a:ext>
-            </a:extLst>
-          </p:cNvPr>
-          <p:cNvSpPr txBox="1"/>
-          <p:nvPr>
-            <p:custDataLst>
-              <p:tags r:id="rId100"/>
-            </p:custDataLst>
-          </p:nvPr>
-        </p:nvSpPr>
-        <p:spPr>
-          <a:xfrm>
-            <a:off x="0" y="6500580"/>
-            <a:ext cx="0" cy="153888"/>
-          </a:xfrm>
-          <a:prstGeom prst="rect">
-            <a:avLst/>
-          </a:prstGeom>
-          <a:noFill/>
-        </p:spPr>
-        <p:txBody>
-          <a:bodyPr vert="horz" wrap="square" lIns="0" tIns="0" rIns="0" bIns="0" rtlCol="0" anchor="ctr" anchorCtr="0">
-            <a:spAutoFit/>
-          </a:bodyPr>
-          <a:lstStyle/>
-          <a:p>
-            <a:pPr algn="ctr"/>
-            <a:endParaRPr lang="ko-KR" altLang="en-US" sz="1000">
-              <a:solidFill>
-                <a:schemeClr val="dk2"/>
-              </a:solidFill>
-              <a:latin typeface="Calibri" panose="020F0502020204030204" pitchFamily="34" charset="0"/>
-            </a:endParaRPr>
-          </a:p>
-        </p:txBody>
-      </p:sp>
-      <p:sp>
-        <p:nvSpPr>
-          <p:cNvPr id="593" name="OTLSHAPE_T_22f39fb829944911aac60ff29587efd4_EndDate" hidden="1">
-            <a:extLst>
-              <a:ext uri="{FF2B5EF4-FFF2-40B4-BE49-F238E27FC236}">
-                <a16:creationId xmlns:a16="http://schemas.microsoft.com/office/drawing/2014/main" id="{013AFCF4-A2A7-44FA-95B3-8F0256D2D7AA}"/>
-              </a:ext>
-            </a:extLst>
-          </p:cNvPr>
-          <p:cNvSpPr txBox="1"/>
-          <p:nvPr>
-            <p:custDataLst>
-              <p:tags r:id="rId101"/>
-            </p:custDataLst>
-          </p:nvPr>
-        </p:nvSpPr>
-        <p:spPr>
-          <a:xfrm>
-            <a:off x="0" y="6500580"/>
-            <a:ext cx="0" cy="153888"/>
-          </a:xfrm>
-          <a:prstGeom prst="rect">
-            <a:avLst/>
-          </a:prstGeom>
-          <a:noFill/>
-        </p:spPr>
-        <p:txBody>
-          <a:bodyPr vert="horz" wrap="square" lIns="0" tIns="0" rIns="0" bIns="0" rtlCol="0" anchor="ctr" anchorCtr="0">
-            <a:spAutoFit/>
-          </a:bodyPr>
-          <a:lstStyle/>
-          <a:p>
-            <a:pPr algn="ctr"/>
-            <a:endParaRPr lang="ko-KR" altLang="en-US" sz="1000">
-              <a:solidFill>
-                <a:schemeClr val="dk2"/>
-              </a:solidFill>
-              <a:latin typeface="Calibri" panose="020F0502020204030204" pitchFamily="34" charset="0"/>
-            </a:endParaRPr>
-          </a:p>
-        </p:txBody>
-      </p:sp>
-      <p:sp>
-        <p:nvSpPr>
-          <p:cNvPr id="594" name="OTLSHAPE_T_22f39fb829944911aac60ff29587efd4_JoinedDate">
-            <a:extLst>
-              <a:ext uri="{FF2B5EF4-FFF2-40B4-BE49-F238E27FC236}">
-                <a16:creationId xmlns:a16="http://schemas.microsoft.com/office/drawing/2014/main" id="{58013D7B-16EF-4ECB-BAEC-9C2342310720}"/>
+          <p:cNvPr id="967" name="OTLSHAPE_T_22f39fb829944911aac60ff29587efd4_JoinedDate">
+            <a:extLst>
+              <a:ext uri="{FF2B5EF4-FFF2-40B4-BE49-F238E27FC236}">
+                <a16:creationId xmlns:a16="http://schemas.microsoft.com/office/drawing/2014/main" id="{292F4CC1-A313-46B1-B706-62B4127F7B69}"/>
               </a:ext>
             </a:extLst>
           </p:cNvPr>
@@ -14343,10 +14316,10 @@
       </p:sp>
       <p:sp>
         <p:nvSpPr>
-          <p:cNvPr id="595" name="OTLSHAPE_T_22f39fb829944911aac60ff29587efd4_Title">
-            <a:extLst>
-              <a:ext uri="{FF2B5EF4-FFF2-40B4-BE49-F238E27FC236}">
-                <a16:creationId xmlns:a16="http://schemas.microsoft.com/office/drawing/2014/main" id="{FE6EC61B-A991-4445-91F6-18009A1C2B5D}"/>
+          <p:cNvPr id="968" name="OTLSHAPE_T_22f39fb829944911aac60ff29587efd4_Title">
+            <a:extLst>
+              <a:ext uri="{FF2B5EF4-FFF2-40B4-BE49-F238E27FC236}">
+                <a16:creationId xmlns:a16="http://schemas.microsoft.com/office/drawing/2014/main" id="{909198B5-CFF2-46AE-A2E9-1E8E4CF4D507}"/>
               </a:ext>
             </a:extLst>
           </p:cNvPr>
@@ -14446,7 +14419,7 @@
 
 <file path=ppt/tags/tag105.xml><?xml version="1.0" encoding="utf-8"?>
 <p:tagLst xmlns:a="http://schemas.openxmlformats.org/drawingml/2006/main" xmlns:r="http://schemas.openxmlformats.org/officeDocument/2006/relationships" xmlns:p="http://schemas.openxmlformats.org/presentationml/2006/main">
-  <p:tag name="__PART_0" val="eyIkaWQiOiIxIiwiQ3VsdHVyZUluZm9OYW1lIjoia28tS1IiLCJTdHlsZU5hbWUiOm51bGwsIlZlcnNpb24iOnsiJGlkIjoiMiIsIlZlcnNpb24iOiIzLjEuMyIsIk9yaWdpbmFsQXNzZW1ibHlWZXJzaW9uIjoiMy42Mi4xMS4wMCIsIkVkaXRpb24iOiJCYXNpYyIsIklzUGx1c0VkaXRpb24iOmZhbHNlfSwiRWZmZWN0IjoxLCJTdHlsZSI6eyIkaWQiOiIzIiwiVGltZWJhbmRTdHlsZSI6eyIkaWQiOiI0IiwiU2NhbGVNYXJraW5nIjowLCJTaGFwZSI6MCwiU2hhcGVTdHlsZSI6eyIkaWQiOiI1IiwiTWFyZ2luIjp7IiRpZCI6IjYiLCJUb3AiOjAsIkxlZnQiOjEyLCJSaWdodCI6MTIsIkJvdHRvbSI6MH0sIlBhZGRpbmciOnsiJGlkIjoiNyIsIlRvcCI6NywiTGVmdCI6MCwiUmlnaHQiOjAsIkJvdHRvbSI6N30sIkJhY2tncm91bmQiOnsiJGlkIjoiOCIsIkNvbG9yIjp7IiRpZCI6IjkiLCJBIjoyNTUsIlIiOjY4LCJHIjo4NCwiQiI6MTA2fX0sIklzVmlzaWJsZSI6dHJ1ZSwiV2lkdGgiOjg1OC4wLCJIZWlnaHQiOjMwLjAsIkJvcmRlclN0eWxlIjp7IiRpZCI6IjEwIiwiTGluZUNvbG9yIjp7IiRpZCI6IjExIiwiJHR5cGUiOiJOTFJFLkNvbW1vbi5Eb20uU29saWRDb2xvckJydXNoLCBOTFJFLkNvbW1vbiIsIkNvbG9yIjp7IiRpZCI6IjEyIiwiQSI6MjU1LCJSIjoyNTUsIkciOjAsIkIiOjB9fSwiTGluZVdlaWdodCI6MC4wLCJMaW5lVHlwZSI6MCwiUGFyZW50U3R5bGUiOm51bGx9LCJQYXJlbnRTdHlsZSI6bnVsbH0sIlJpZ2h0RW5kQ2Fwc1N0eWxlIjp7IiRpZCI6IjEzIiwiRm9udFNldHRpbmdzIjp7IiRpZCI6IjE0IiwiRm9udFNpemUiOjE4LCJGb250TmFtZSI6IkNhbGlicmkiLCJJc0JvbGQiOnRydWUsIklzSXRhbGljIjpmYWxzZSwiSXNVbmRlcmxpbmVkIjpmYWxzZSwiUGFyZW50U3R5bGUiOm51bGx9LCJBdXRvU2l6ZSI6MCwiRm9yZWdyb3VuZCI6eyIkaWQiOiIxNSIsIkNvbG9yIjp7IiRpZCI6IjE2IiwiQSI6MjU1LCJSIjoyMzcsIkciOjEyNSwiQiI6NDl9fSwiTWF4V2lkdGgiOiJJbmZpbml0eSIsIk1heEhlaWdodCI6IkluZmluaXR5IiwiU21hcnRGb3JlZ3JvdW5kSXNBY3RpdmUiOmZhbHNlLCJIb3Jpem9udGFsQWxpZ25tZW50IjowLCJWZXJ0aWNhbEFsaWdubWVudCI6MCwiU21hcnRGb3JlZ3JvdW5kIjpudWxsLCJCYWNrZ3JvdW5kRmlsbFR5cGUiOjAsIk1hcmdpbiI6eyIkaWQiOiIxNyIsIlRvcCI6MCwiTGVmdCI6MCwiUmlnaHQiOjI1LCJCb3R0b20iOjB9LCJQYWRkaW5nIjp7IiRpZCI6IjE4IiwiVG9wIjowLCJMZWZ0IjowLCJSaWdodCI6MCwiQm90dG9tIjowfSwiQmFja2dyb3VuZCI6eyIkaWQiOiIxOSIsIkNvbG9yIjp7IiRpZCI6IjIwIiwiQSI6ODksIlIiOjAsIkciOjAsIkIiOjB9fSwiSXNWaXNpYmxlIjp0cnVlLCJXaWR0aCI6MC4wLCJIZWlnaHQiOjAuMCwiQm9yZGVyU3R5bGUiOm51bGwsIlBhcmVudFN0eWxlIjpudWxsfSwiTGVmdEVuZENhcHNTdHlsZSI6eyIkaWQiOiIyMSIsIkZvbnRTZXR0aW5ncyI6eyIkaWQiOiIyMiIsIkZvbnRTaXplIjoxOCwiRm9udE5hbWUiOiJDYWxpYnJpIiwiSXNCb2xkIjp0cnVlLCJJc0l0YWxpYyI6ZmFsc2UsIklzVW5kZXJsaW5lZCI6ZmFsc2UsIlBhcmVudFN0eWxlIjpudWxsfSwiQXV0b1NpemUiOjAsIkZvcmVncm91bmQiOnsiJGlkIjoiMjMiLCJDb2xvciI6eyIkaWQiOiIyNCIsIkEiOjI1NSwiUiI6MjM3LCJHIjoxMjUsIkIiOjQ5fX0sIk1heFdpZHRoIjoiSW5maW5pdHkiLCJNYXhIZWlnaHQiOiJJbmZpbml0eSIsIlNtYXJ0Rm9yZWdyb3VuZElzQWN0aXZlIjpmYWxzZSwiSG9yaXpvbnRhbEFsaWdubWVudCI6MCwiVmVydGljYWxBbGlnbm1lbnQiOjAsIlNtYXJ0Rm9yZWdyb3VuZCI6bnVsbCwiQmFja2dyb3VuZEZpbGxUeXBlIjowLCJNYXJnaW4iOnsiJGlkIjoiMjUiLCJUb3AiOjAsIkxlZnQiOjI1LCJSaWdodCI6MCwiQm90dG9tIjowfSwiUGFkZGluZyI6eyIkaWQiOiIyNiIsIlRvcCI6MCwiTGVmdCI6MCwiUmlnaHQiOjAsIkJvdHRvbSI6MH0sIkJhY2tncm91bmQiOnsiJGlkIjoiMjciLCJDb2xvciI6eyIkcmVmIjoiMjAifX0sIklzVmlzaWJsZSI6dHJ1ZSwiV2lkdGgiOjAuMCwiSGVpZ2h0IjowLjAsIkJvcmRlclN0eWxlIjpudWxsLCJQYXJlbnRTdHlsZSI6bnVsbH0sIlRvZGF5VGV4dFN0eWxlIjp7IiRpZCI6IjI4IiwiRm9udFNldHRpbmdzIjp7IiRpZCI6IjI5IiwiRm9udFNpemUiOjEyLCJGb250TmFtZSI6IkNhbGlicmkiLCJJc0JvbGQiOmZhbHNlLCJJc0l0YWxpYyI6ZmFsc2UsIklzVW5kZXJsaW5lZCI6ZmFsc2UsIlBhcmVudFN0eWxlIjpudWxsfSwiQXV0b1NpemUiOjAsIkZvcmVncm91bmQiOnsiJGlkIjoiMzAiLCJDb2xvciI6eyIkaWQiOiIzMSIsIkEiOjI1NSwiUiI6MCwiRyI6MCwiQiI6MH19LCJNYXhXaWR0aCI6MjAwLjAsIk1heEhlaWdodCI6IkluZmluaXR5IiwiU21hcnRGb3JlZ3JvdW5kSXNBY3RpdmUiOmZhbHNlLCJIb3Jpem9udGFsQWxpZ25tZW50IjowLCJWZXJ0aWNhbEFsaWdubWVudCI6MCwiU21hcnRGb3JlZ3JvdW5kIjpudWxsLCJCYWNrZ3JvdW5kRmlsbFR5cGUiOjAsIk1hcmdpbiI6eyIkaWQiOiIzMiIsIlRvcCI6MCwiTGVmdCI6MCwiUmlnaHQiOjAsIkJvdHRvbSI6MH0sIlBhZGRpbmciOnsiJGlkIjoiMzMiLCJUb3AiOjAsIkxlZnQiOjAsIlJpZ2h0IjowLCJCb3R0b20iOjB9LCJCYWNrZ3JvdW5kIjp7IiRpZCI6IjM0IiwiQ29sb3IiOnsiJHJlZiI6IjIwIn19LCJJc1Zpc2libGUiOnRydWUsIldpZHRoIjowLjAsIkhlaWdodCI6MC4wLCJCb3JkZXJTdHlsZSI6bnVsbCwiUGFyZW50U3R5bGUiOm51bGx9LCJUb2RheU1hcmtlclN0eWxlIjp7IiRpZCI6IjM1IiwiTWFyZ2luIjp7IiRpZCI6IjM2IiwiVG9wIjowLCJMZWZ0IjowLCJSaWdodCI6MCwiQm90dG9tIjowfSwiUGFkZGluZyI6eyIkaWQiOiIzNyIsIlRvcCI6MCwiTGVmdCI6MCwiUmlnaHQiOjAsIkJvdHRvbSI6MH0sIkJhY2tncm91bmQiOnsiJGlkIjoiMzgiLCJDb2xvciI6eyIkaWQiOiIzOSIsIkEiOjI1NSwiUiI6MjU1LCJHIjowLCJCIjowfX0sIklzVmlzaWJsZSI6dHJ1ZSwiV2lkdGgiOjAuMCwiSGVpZ2h0IjowLjAsIkJvcmRlclN0eWxlIjpudWxsLCJQYXJlbnRTdHlsZSI6bnVsbH0sIlNjYWxlU3R5bGUiOnsiJGlkIjoiNDAiLCJTaG93U2VnbWVudFNlcGFyYXRvcnMiOnRydWUsIlNlZ21lbnRTZXBhcmF0b3JPcGFjaXR5IjozMCwiRm9udFNldHRpbmdzIjp7IiRpZCI6IjQxIiwiRm9udFNpemUiOjEyLCJGb250TmFtZSI6IkNhbGlicmkiLCJJc0JvbGQiOmZhbHNlLCJJc0l0YWxpYyI6ZmFsc2UsIklzVW5kZXJsaW5lZCI6ZmFsc2UsIlBhcmVudFN0eWxlIjpudWxsfSwiQXV0b1NpemUiOjAsIkZvcmVncm91bmQiOnsiJGlkIjoiNDIiLCJDb2xvciI6eyIkaWQiOiI0MyIsIkEiOjI1NSwiUiI6MjU1LCJHIjoyNTUsIkIiOjI1NX19LCJNYXhXaWR0aCI6MjAwLjAsIk1heEhlaWdodCI6IkluZmluaXR5IiwiU21hcnRGb3JlZ3JvdW5kSXNBY3RpdmUiOmZhbHNlLCJIb3Jpem9udGFsQWxpZ25tZW50IjowLCJWZXJ0aWNhbEFsaWdubWVudCI6MSwiU21hcnRGb3JlZ3JvdW5kIjpudWxsLCJCYWNrZ3JvdW5kRmlsbFR5cGUiOjAsIk1hcmdpbiI6eyIkaWQiOiI0NCIsIlRvcCI6MCwiTGVmdCI6NSwiUmlnaHQiOjAsIkJvdHRvbSI6MH0sIlBhZGRpbmciOnsiJGlkIjoiNDUiLCJUb3AiOjAsIkxlZnQiOjAsIlJpZ2h0IjowLCJCb3R0b20iOjB9LCJCYWNrZ3JvdW5kIjp7IiRpZCI6IjQ2IiwiQ29sb3IiOnsiJHJlZiI6IjIwIn19LCJJc1Zpc2libGUiOnRydWUsIldpZHRoIjowLjAsIkhlaWdodCI6MC4wLCJCb3JkZXJTdHlsZSI6bnVsbCwiUGFyZW50U3R5bGUiOm51bGx9LCJFbGFwc2VkVGltZUJhY2tncm91bmQiOnsiJGlkIjoiNDciLCJDb2xvciI6eyIkaWQiOiI0OCIsIkEiOjE5MSwiUiI6MjU1LCJHIjowLCJCIjowfX0sIkFwcGVuZFllYXJPblllYXJDaGFuZ2UiOnRydWUsIkVsYXBzZWRUaW1lRm9ybWF0IjoyLCJUb2RheU1hcmtlclBvc2l0aW9uIjozLCJRdWlja1Bvc2l0aW9uIjoxLCJBYnNvbHV0ZVBvc2l0aW9uIjoyNDAuMCwiTWFyZ2luIjp7IiRpZCI6IjQ5IiwiVG9wIjowLCJMZWZ0IjoxMCwiUmlnaHQiOjEwLCJCb3R0b20iOjB9LCJQYWRkaW5nIjp7IiRpZCI6IjUwIiwiVG9wIjowLCJMZWZ0IjowLCJSaWdodCI6MCwiQm90dG9tIjowfSwiQmFja2dyb3VuZCI6eyIkaWQiOiI1MSIsIkNvbG9yIjp7IiRpZCI6IjUyIiwiQSI6MjU1LCJSIjozMSwiRyI6NzMsIkIiOjEyNX19LCJJc1Zpc2libGUiOnRydWUsIldpZHRoIjowLjAsIkhlaWdodCI6MC4wLCJCb3JkZXJTdHlsZSI6bnVsbCwiUGFyZW50U3R5bGUiOm51bGx9LCJEZWZhdWx0TWlsZXN0b25lU3R5bGUiOnsiJGlkIjoiNTMiLCJTaGFwZSI6MiwiQ29ubmVjdG9yTWFyZ2luIjp7IiRpZCI6IjU0IiwiVG9wIjowLCJMZWZ0IjoyLCJSaWdodCI6MiwiQm90dG9tIjowfSwiQ29ubmVjdG9yU3R5bGUiOnsiJGlkIjoiNTUiLCJMaW5lQ29sb3IiOnsiJGlkIjoiNTYiLCIkdHlwZSI6Ik5MUkUuQ29tbW9uLkRvbS5Tb2xpZENvbG9yQnJ1c2gsIE5MUkUuQ29tbW9uIiwiQ29sb3IiOnsiJGlkIjoiNTciLCJBIjoxMjcsIlIiOjMxLCJHIjo3MywiQiI6MTI2fX0sIkxpbmVXZWlnaHQiOjEuMCwiTGluZVR5cGUiOjAsIlBhcmVudFN0eWxlIjpudWxsfSwiSXNCZWxvd1RpbWViYW5kIjpmYWxzZSwiSGlkZURhdGUiOmZhbHNlLCJTaGFwZVNpemUiOjEsIlNwYWNpbmciOjEuMCwiUGFkZGluZyI6eyIkaWQiOiI1OCIsIlRvcCI6NywiTGVmdCI6MywiUmlnaHQiOjAsIkJvdHRvbSI6Mn0sIlNoYXBlU3R5bGUiOnsiJGlkIjoiNTkiLCJNYXJnaW4iOnsiJGlkIjoiNjAiLCJUb3AiOjAsIkxlZnQiOjAsIlJpZ2h0IjowLCJCb3R0b20iOjB9LCJQYWRkaW5nIjp7IiRpZCI6IjYxIiwiVG9wIjowLCJMZWZ0IjowLCJSaWdodCI6MCwiQm90dG9tIjowfSwiQmFja2dyb3VuZCI6eyIkaWQiOiI2MiIsIkNvbG9yIjp7IiRpZCI6IjYzIiwiQSI6MjU1LCJSIjowLCJHIjoxMTQsIkIiOjE4OH19LCJJc1Zpc2libGUiOnRydWUsIldpZHRoIjoxOC4wLCJIZWlnaHQiOjIwLjAsIkJvcmRlclN0eWxlIjp7IiRpZCI6IjY0IiwiTGluZUNvbG9yIjp7IiRpZCI6IjY1IiwiJHR5cGUiOiJOTFJFLkNvbW1vbi5Eb20uU29saWRDb2xvckJydXNoLCBOTFJFLkNvbW1vbiIsIkNvbG9yIjp7IiRpZCI6IjY2IiwiQSI6MjU1LCJSIjoyNTUsIkciOjAsIkIiOjB9fSwiTGluZVdlaWdodCI6MC4wLCJMaW5lVHlwZSI6MCwiUGFyZW50U3R5bGUiOm51bGx9LCJQYXJlbnRTdHlsZSI6bnVsbH0sIlRpdGxlU3R5bGUiOnsiJGlkIjoiNjciLCJGb250U2V0dGluZ3MiOnsiJGlkIjoiNjgiLCJGb250U2l6ZSI6MTEsIkZvbnROYW1lIjoiQ2FsaWJyaSIsIklzQm9sZCI6dHJ1ZSwiSXNJdGFsaWMiOmZhbHNlLCJJc1VuZGVybGluZWQiOmZhbHNlLCJQYXJlbnRTdHlsZSI6bnVsbH0sIkF1dG9TaXplIjowLCJGb3JlZ3JvdW5kIjp7IiRpZCI6IjY5IiwiQ29sb3IiOnsiJGlkIjoiNzAiLCJBIjoyNTUsIlIiOjAsIkciOjAsIkIiOjB9fSwiTWF4V2lkdGgiOjIwMC4wLCJNYXhIZWlnaHQiOiJJbmZpbml0eSIsIlNtYXJ0Rm9yZWdyb3VuZElzQWN0aXZlIjpmYWxzZSwiSG9yaXpvbnRhbEFsaWdubWVudCI6MCwiVmVydGljYWxBbGlnbm1lbnQiOjAsIlNtYXJ0Rm9yZWdyb3VuZCI6bnVsbCwiQmFja2dyb3VuZEZpbGxUeXBlIjowLCJNYXJnaW4iOnsiJGlkIjoiNzEiLCJUb3AiOjAsIkxlZnQiOjAsIlJpZ2h0IjowLCJCb3R0b20iOjB9LCJQYWRkaW5nIjp7IiRpZCI6IjcyIiwiVG9wIjowLCJMZWZ0IjowLCJSaWdodCI6MCwiQm90dG9tIjowfSwiQmFja2dyb3VuZCI6eyIkaWQiOiI3MyIsIkNvbG9yIjp7IiRyZWYiOiIyMCJ9fSwiSXNWaXNpYmxlIjp0cnVlLCJXaWR0aCI6MC4wLCJIZWlnaHQiOjAuMCwiQm9yZGVyU3R5bGUiOm51bGwsIlBhcmVudFN0eWxlIjpudWxsfSwiRGF0ZVN0eWxlIjp7IiRpZCI6Ijc0IiwiRm9udFNldHRpbmdzIjp7IiRpZCI6Ijc1IiwiRm9udFNpemUiOjEwLCJGb250TmFtZSI6IkNhbGlicmkiLCJJc0JvbGQiOmZhbHNlLCJJc0l0YWxpYyI6ZmFsc2UsIklzVW5kZXJsaW5lZCI6ZmFsc2UsIlBhcmVudFN0eWxlIjpudWxsfSwiQXV0b1NpemUiOjAsIkZvcmVncm91bmQiOnsiJGlkIjoiNzYiLCJDb2xvciI6eyIkaWQiOiI3NyIsIkEiOjI1NSwiUiI6NjgsIkciOjg0LCJCIjoxMDZ9fSwiTWF4V2lkdGgiOjIwMC4wLCJNYXhIZWlnaHQiOiJJbmZpbml0eSIsIlNtYXJ0Rm9yZWdyb3VuZElzQWN0aXZlIjpmYWxzZSwiSG9yaXpvbnRhbEFsaWdubWVudCI6MCwiVmVydGljYWxBbGlnbm1lbnQiOjAsIlNtYXJ0Rm9yZWdyb3VuZCI6bnVsbCwiQmFja2dyb3VuZEZpbGxUeXBlIjowLCJNYXJnaW4iOnsiJGlkIjoiNzgiLCJUb3AiOjAsIkxlZnQiOjAsIlJpZ2h0IjowLCJCb3R0b20iOjB9LCJQYWRkaW5nIjp7IiRpZCI6Ijc5IiwiVG9wIjowLCJMZWZ0IjowLCJSaWdodCI6MCwiQm90dG9tIjowfSwiQmFja2dyb3VuZCI6eyIkaWQiOiI4MCIsIkNvbG9yIjp7IiRyZWYiOiIyMCJ9fSwiSXNWaXNpYmxlIjp0cnVlLCJXaWR0aCI6MC4wLCJIZWlnaHQiOjAuMCwiQm9yZGVyU3R5bGUiOm51bGwsIlBhcmVudFN0eWxlIjpudWxsfSwiRGF0ZUZvcm1hdCI6eyIkaWQiOiI4MSIsIkZvcm1hdFN0cmluZyI6Ik0vZC95eXl5IiwiU2VwYXJhdG9yIjoiLyIsIlVzZUludGVybmF0aW9uYWxEYXRlRm9ybWF0IjpmYWxzZSwiRGF0ZUlzVmlzaWJsZSI6dHJ1ZSwiVGltZUlzVmlzaWJsZSI6ZmFsc2UsIkhvdXJEaWdpdHMiOjEsIkFtUG1EZXNpZ25hdG9yIjoyLCJUcmltMDBNaW51dGVzIjpmYWxzZSwiTGFzdEtub3duVmlzaWJpbGl0eVN0YXRlIjpudWxsfSwiSXNWaXNpYmxlIjp0cnVlLCJQYXJlbnRTdHlsZSI6bnVsbH0sIkRlZmF1bHRUYXNrU3R5bGUiOnsiJGlkIjoiODIiLCJTaGFwZSI6MCwiU2hhcGVUaGlja25lc3MiOjEsIkR1cmF0aW9uRm9ybWF0IjowLCJJbmNsdWRlTm9uV29ya2luZ0RheXNJbkR1cmF0aW9uIjpmYWxzZSwiUGVyY2VudGFnZUNvbXBsZXRlU3R5bGUiOnsiJGlkIjoiODMiLCJGb250U2V0dGluZ3MiOnsiJGlkIjoiODQiLCJGb250U2l6ZSI6MTAsIkZvbnROYW1lIjoiQ2FsaWJyaSIsIklzQm9sZCI6ZmFsc2UsIklzSXRhbGljIjpmYWxzZSwiSXNVbmRlcmxpbmVkIjpmYWxzZSwiUGFyZW50U3R5bGUiOm51bGx9LCJBdXRvU2l6ZSI6MCwiRm9yZWdyb3VuZCI6eyIkaWQiOiI4NSIsIkNvbG9yIjp7IiRpZCI6Ijg2IiwiQSI6MjU1LCJSIjoyMzcsIkciOjEyNSwiQiI6NDl9fSwiTWF4V2lkdGgiOjIwMC4wLCJNYXhIZWlnaHQiOiJJbmZpbml0eSIsIlNtYXJ0Rm9yZWdyb3VuZElzQWN0aXZlIjpmYWxzZSwiSG9yaXpvbnRhbEFsaWdubWVudCI6MCwiVmVydGljYWxBbGlnbm1lbnQiOjAsIlNtYXJ0Rm9yZWdyb3VuZCI6bnVsbCwiQmFja2dyb3VuZEZpbGxUeXBlIjowLCJNYXJnaW4iOnsiJGlkIjoiODciLCJUb3AiOjAsIkxlZnQiOjAsIlJpZ2h0IjowLCJCb3R0b20iOjB9LCJQYWRkaW5nIjp7IiRpZCI6Ijg4IiwiVG9wIjowLCJMZWZ0IjowLCJSaWdodCI6MCwiQm90dG9tIjowfSwiQmFja2dyb3VuZCI6eyIkaWQiOiI4OSIsIkNvbG9yIjp7IiRyZWYiOiIyMCJ9fSwiSXNWaXNpYmxlIjp0cnVlLCJXaWR0aCI6MC4wLCJIZWlnaHQiOjAuMCwiQm9yZGVyU3R5bGUiOm51bGwsIlBhcmVudFN0eWxlIjpudWxsfSwiRHVyYXRpb25TdHlsZSI6eyIkaWQiOiI5MCIsIkZvbnRTZXR0aW5ncyI6eyIkaWQiOiI5MSIsIkZvbnRTaXplIjoxMCwiRm9udE5hbWUiOiJDYWxpYnJpIiwiSXNCb2xkIjpmYWxzZSwiSXNJdGFsaWMiOmZhbHNlLCJJc1VuZGVybGluZWQiOmZhbHNlLCJQYXJlbnRTdHlsZSI6bnVsbH0sIkF1dG9TaXplIjowLCJGb3JlZ3JvdW5kIjp7IiRpZCI6IjkyIiwiQ29sb3IiOnsiJGlkIjoiOTMiLCJBIjoyNTUsIlIiOjIzNywiRyI6MTI1LCJCIjo0OX19LCJNYXhXaWR0aCI6MjAwLjAsIk1heEhlaWdodCI6IkluZmluaXR5IiwiU21hcnRGb3JlZ3JvdW5kSXNBY3RpdmUiOmZhbHNlLCJIb3Jpem9udGFsQWxpZ25tZW50IjowLCJWZXJ0aWNhbEFsaWdubWVudCI6MCwiU21hcnRGb3JlZ3JvdW5kIjpudWxsLCJCYWNrZ3JvdW5kRmlsbFR5cGUiOjAsIk1hcmdpbiI6eyIkaWQiOiI5NCIsIlRvcCI6MCwiTGVmdCI6MCwiUmlnaHQiOjAsIkJvdHRvbSI6MH0sIlBhZGRpbmciOnsiJGlkIjoiOTUiLCJUb3AiOjAsIkxlZnQiOjAsIlJpZ2h0IjowLCJCb3R0b20iOjB9LCJCYWNrZ3JvdW5kIjp7IiRpZCI6Ijk2IiwiQ29sb3IiOnsiJHJlZiI6IjIwIn19LCJJc1Zpc2libGUiOnRydWUsIldpZHRoIjowLjAsIkhlaWdodCI6MC4wLCJCb3JkZXJTdHlsZSI6bnVsbCwiUGFyZW50U3R5bGUiOm51bGx9LCJIb3Jpem9udGFsQ29ubmVjdG9yU3R5bGUiOnsiJGlkIjoiOTciLCJMaW5lQ29sb3IiOnsiJGlkIjoiOTgiLCIkdHlwZSI6Ik5MUkUuQ29tbW9uLkRvbS5Tb2xpZENvbG9yQnJ1c2gsIE5MUkUuQ29tbW9uIiwiQ29sb3IiOnsiJGlkIjoiOTkiLCJBIjoyNTUsIlIiOjIwNCwiRyI6MjA0LCJCIjoyMDR9fSwiTGluZVdlaWdodCI6MS4wLCJMaW5lVHlwZSI6MCwiUGFyZW50U3R5bGUiOm51bGx9LCJWZXJ0aWNhbENvbm5lY3RvclN0eWxlIjp7IiRpZCI6IjEwMCIsIkxpbmVDb2xvciI6eyIkaWQiOiIxMDEiLCIkdHlwZSI6Ik5MUkUuQ29tbW9uLkRvbS5Tb2xpZENvbG9yQnJ1c2gsIE5MUkUuQ29tbW9uIiwiQ29sb3IiOnsiJGlkIjoiMTAyIiwiQSI6MjU1LCJSIjoyMDQsIkciOjIwNCwiQiI6MjA0fX0sIkxpbmVXZWlnaHQiOjAuMCwiTGluZVR5cGUiOjAsIlBhcmVudFN0eWxlIjpudWxsfSwiTWFyZ2luIjpudWxsLCJTdGFydERhdGVQb3NpdGlvbiI6NCwiRW5kRGF0ZVBvc2l0aW9uIjo0LCJEYXRlSXNWaXNpYmxlIjp0cnVlLCJUaXRsZVBvc2l0aW9uIjo1LCJEdXJhdGlvblBvc2l0aW9uIjo2LCJQZXJjZW50YWdlQ29tcGxldGVkUG9zaXRpb24iOjYsIlNwYWNpbmciOjUsIklzQmVsb3dUaW1lYmFuZCI6dHJ1ZSwiUGVyY2VudGFnZUNvbXBsZXRlU2hhcGVPcGFjaXR5IjozNSwiU2hhcGVTdHlsZSI6eyIkaWQiOiIxMDMiLCJNYXJnaW4iOnsiJGlkIjoiMTA0IiwiVG9wIjowLCJMZWZ0Ijo0LCJSaWdodCI6NCwiQm90dG9tIjowfSwiUGFkZGluZyI6eyIkaWQiOiIxMDUiLCJUb3AiOjAsIkxlZnQiOjAsIlJpZ2h0IjowLCJCb3R0b20iOjB9LCJCYWNrZ3JvdW5kIjp7IiRpZCI6IjEwNiIsIkNvbG9yIjp7IiRpZCI6IjEwNyIsIkEiOjI1NSwiUiI6MCwiRyI6MTE0LCJCIjoxODh9fSwiSXNWaXNpYmxlIjp0cnVlLCJXaWR0aCI6MC4wLCJIZWlnaHQiOjE2LjAsIkJvcmRlclN0eWxlIjp7IiRpZCI6IjEwOCIsIkxpbmVDb2xvciI6eyIkaWQiOiIxMDkiLCIkdHlwZSI6Ik5MUkUuQ29tbW9uLkRvbS5Tb2xpZENvbG9yQnJ1c2gsIE5MUkUuQ29tbW9uIiwiQ29sb3IiOnsiJGlkIjoiMTEwIiwiQSI6MjU1LCJSIjoyNTUsIkciOjAsIkIiOjB9fSwiTGluZVdlaWdodCI6MC4wLCJMaW5lVHlwZSI6MCwiUGFyZW50U3R5bGUiOm51bGx9LCJQYXJlbnRTdHlsZSI6bnVsbH0sIlRpdGxlU3R5bGUiOnsiJGlkIjoiMTExIiwiRm9udFNldHRpbmdzIjp7IiRpZCI6IjExMiIsIkZvbnRTaXplIjoxMSwiRm9udE5hbWUiOiJDYWxpYnJpIiwiSXNCb2xkIjp0cnVlLCJJc0l0YWxpYyI6ZmFsc2UsIklzVW5kZXJsaW5lZCI6ZmFsc2UsIlBhcmVudFN0eWxlIjpudWxsfSwiQXV0b1NpemUiOjAsIkZvcmVncm91bmQiOnsiJGlkIjoiMTEzIiwiQ29sb3IiOnsiJGlkIjoiMTE0IiwiQSI6MjU1LCJSIjowLCJHIjowLCJCIjowfX0sIk1heFdpZHRoIjo5NjAuMCwiTWF4SGVpZ2h0IjoiSW5maW5pdHkiLCJTbWFydEZvcmVncm91bmRJc0FjdGl2ZSI6ZmFsc2UsIkhvcml6b250YWxBbGlnbm1lbnQiOjAsIlZlcnRpY2FsQWxpZ25tZW50IjowLCJTbWFydEZvcmVncm91bmQiOm51bGwsIkJhY2tncm91bmRGaWxsVHlwZSI6MCwiTWFyZ2luIjp7IiRpZCI6IjExNSIsIlRvcCI6MCwiTGVmdCI6MCwiUmlnaHQiOjAsIkJvdHRvbSI6MH0sIlBhZGRpbmciOnsiJGlkIjoiMTE2IiwiVG9wIjowLCJMZWZ0IjowLCJSaWdodCI6MCwiQm90dG9tIjowfSwiQmFja2dyb3VuZCI6eyIkaWQiOiIxMTciLCJDb2xvciI6eyIkcmVmIjoiMjAifX0sIklzVmlzaWJsZSI6dHJ1ZSwiV2lkdGgiOjAuMCwiSGVpZ2h0IjowLjAsIkJvcmRlclN0eWxlIjpudWxsLCJQYXJlbnRTdHlsZSI6bnVsbH0sIkRhdGVTdHlsZSI6eyIkaWQiOiIxMTgiLCJGb250U2V0dGluZ3MiOnsiJGlkIjoiMTE5IiwiRm9udFNpemUiOjEwLCJGb250TmFtZSI6IkNhbGlicmkiLCJJc0JvbGQiOmZhbHNlLCJJc0l0YWxpYyI6ZmFsc2UsIklzVW5kZXJsaW5lZCI6ZmFsc2UsIlBhcmVudFN0eWxlIjpudWxsfSwiQXV0b1NpemUiOjAsIkZvcmVncm91bmQiOnsiJGlkIjoiMTIwIiwiQ29sb3IiOnsiJGlkIjoiMTIxIiwiQSI6MjU1LCJSIjo2OCwiRyI6ODQsIkIiOjEwNn19LCJNYXhXaWR0aCI6MjAwLjAsIk1heEhlaWdodCI6IkluZmluaXR5IiwiU21hcnRGb3JlZ3JvdW5kSXNBY3RpdmUiOmZhbHNlLCJIb3Jpem9udGFsQWxpZ25tZW50IjowLCJWZXJ0aWNhbEFsaWdubWVudCI6MCwiU21hcnRGb3JlZ3JvdW5kIjpudWxsLCJCYWNrZ3JvdW5kRmlsbFR5cGUiOjAsIk1hcmdpbiI6eyIkaWQiOiIxMjIiLCJUb3AiOjAsIkxlZnQiOjAsIlJpZ2h0IjowLCJCb3R0b20iOjB9LCJQYWRkaW5nIjp7IiRpZCI6IjEyMyIsIlRvcCI6MCwiTGVmdCI6MCwiUmlnaHQiOjAsIkJvdHRvbSI6MH0sIkJhY2tncm91bmQiOnsiJGlkIjoiMTI0IiwiQ29sb3IiOnsiJHJlZiI6IjIwIn19LCJJc1Zpc2libGUiOnRydWUsIldpZHRoIjowLjAsIkhlaWdodCI6MC4wLCJCb3JkZXJTdHlsZSI6bnVsbCwiUGFyZW50U3R5bGUiOm51bGx9LCJEYXRlRm9ybWF0Ijp7IiRpZCI6IjEyNSIsIkZvcm1hdFN0cmluZyI6Ik0vZC95eXl5IiwiU2VwYXJhdG9yIjoiLyIsIlVzZUludGVybmF0aW9uYWxEYXRlRm9ybWF0IjpmYWxzZSwiRGF0ZUlzVmlzaWJsZSI6dHJ1ZSwiVGltZUlzVmlzaWJsZSI6ZmFsc2UsIkhvdXJEaWdpdHMiOjEsIkFtUG1EZXNpZ25hdG9yIjoyLCJUcmltMDBNaW51dGVzIjpmYWxzZSwiTGFzdEtub3duVmlzaWJpbGl0eVN0YXRlIjpudWxsfSwiSXNWaXNpYmxlIjp0cnVlLCJQYXJlbnRTdHlsZSI6bnVsbCwiX2V4cGxpY2l0bHlTZXQiOnsiJGlkIjoiMTI2IiwiU2hhcGVTdHlsZSI6ZmFsc2UsIlRpdGxlU3R5bGUiOmZhbHNlLCJEYXRlU3R5bGUiOmZhbHNlLCJIb3Jpem9udGFsQ29ubmVjdG9yU3R5bGUiOmZhbHNlLCJWZXJ0aWNhbENvbm5lY3RvclN0eWxlIjpmYWxzZSwiUGVyY2VudGFnZUNvbXBsZXRlU2hhcGVPcGFjaXR5IjpmYWxzZSwiU2hhcGUiOmZhbHNlLCJTaGFwZVRoaWNrbmVzcyI6ZmFsc2UsIkR1cmF0aW9uRm9ybWF0IjpmYWxzZSwiSW5jbHVkZU5vbldvcmtpbmdEYXlzSW5EdXJhdGlvbiI6ZmFsc2UsIk1hcmdpbiI6ZmFsc2UsIlN0YXJ0RGF0ZVBvc2l0aW9uIjpmYWxzZSwiRW5kRGF0ZVBvc2l0aW9uIjpmYWxzZSwiVGl0bGVQb3NpdGlvbiI6ZmFsc2UsIkR1cmF0aW9uUG9zaXRpb24iOmZhbHNlLCJQZXJjZW50YWdlQ29tcGxldGVkUG9zaXRpb24iOmZhbHNlLCJTcGFjaW5nIjpmYWxzZSwiSXNCZWxvd1RpbWViYW5kIjpmYWxzZSwiRGF0ZUZvcm1hdCI6ZmFsc2UsIklzVmlzaWJsZSI6ZmFsc2V9fSwiU2hvd0VsYXBzZWRUaW1lR3JhZGllbnRTdHlsZSI6ZmFsc2V9LCJTY2FsZSI6eyIkaWQiOiIxMjciLCJTdGFydERhdGUiOiIwMDAxLTAxLTAxVDAwOjAwOjAwIiwiRW5kRGF0ZSI6IjIwMTktMDYtMTlUMjM6NTk6MDAiLCJGb3JtYXQiOiJNTU0iLCJUeXBlIjoyLCJBdXRvRGF0ZVJhbmdlIjp0cnVlLCJXb3JraW5nRGF5cyI6MTI3LCJUb2RheU1hcmtlclRleHQiOiLsmKTripgiLCJBdXRvU2NhbGVUeXBlIjp0cnVlfSwiTWlsZXN0b25lcyI6W10sIlRhc2tzIjpbeyIkaWQiOiIxMjgiLCJHcm91cE5hbWUiOm51bGwsIlN0YXJ0RGF0ZSI6IjIwMTktMDMtMDZUMDA6MDA6MDAiLCJFbmREYXRlIjoiMjAxOS0wMy0zMVQyMzo1OTowMCIsIlBlcmNlbnRhZ2VDb21wbGV0ZSI6bnVsbCwiU3R5bGUiOnsiJGlkIjoiMTI5IiwiU2hhcGUiOjAsIlNoYXBlVGhpY2tuZXNzIjoxLCJEdXJhdGlvbkZvcm1hdCI6MCwiSW5jbHVkZU5vbldvcmtpbmdEYXlzSW5EdXJhdGlvbiI6ZmFsc2UsIlBlcmNlbnRhZ2VDb21wbGV0ZVN0eWxlIjp7IiRpZCI6IjEzMCIsIkZvbnRTZXR0aW5ncyI6eyIkaWQiOiIxMzEiLCJGb250U2l6ZSI6MTAsIkZvbnROYW1lIjoiQ2FsaWJyaSIsIklzQm9sZCI6ZmFsc2UsIklzSXRhbGljIjpmYWxzZSwiSXNVbmRlcmxpbmVkIjpmYWxzZSwiUGFyZW50U3R5bGUiOm51bGx9LCJBdXRvU2l6ZSI6MCwiRm9yZWdyb3VuZCI6eyIkaWQiOiIxMzIiLCJDb2xvciI6eyIkcmVmIjoiODYifX0sIk1heFdpZHRoIjoyMDAuMCwiTWF4SGVpZ2h0IjoiSW5maW5pdHkiLCJTbWFydEZvcmVncm91bmRJc0FjdGl2ZSI6ZmFsc2UsIkhvcml6b250YWxBbGlnbm1lbnQiOjAsIlZlcnRpY2FsQWxpZ25tZW50IjowLCJTbWFydEZvcmVncm91bmQiOm51bGwsIkJhY2tncm91bmRGaWxsVHlwZSI6MCwiTWFyZ2luIjp7IiRpZCI6IjEzMyIsIlRvcCI6MCwiTGVmdCI6MCwiUmlnaHQiOjAsIkJvdHRvbSI6MH0sIlBhZGRpbmciOnsiJGlkIjoiMTM0IiwiVG9wIjowLCJMZWZ0IjowLCJSaWdodCI6MCwiQm90dG9tIjowfSwiQmFja2dyb3VuZCI6eyIkcmVmIjoiODkifSwiSXNWaXNpYmxlIjp0cnVlLCJXaWR0aCI6MC4wLCJIZWlnaHQiOjAuMCwiQm9yZGVyU3R5bGUiOnsiJGlkIjoiMTM1IiwiTGluZUNvbG9yIjpudWxsLCJMaW5lV2VpZ2h0IjowLjAsIkxpbmVUeXBlIjowLCJQYXJlbnRTdHlsZSI6bnVsbH0sIlBhcmVudFN0eWxlIjpudWxsfSwiRHVyYXRpb25TdHlsZSI6eyIkaWQiOiIxMzYiLCJGb250U2V0dGluZ3MiOnsiJGlkIjoiMTM3IiwiRm9udFNpemUiOjEwLCJGb250TmFtZSI6IkNhbGlicmkiLCJJc0JvbGQiOmZhbHNlLCJJc0l0YWxpYyI6ZmFsc2UsIklzVW5kZXJsaW5lZCI6ZmFsc2UsIlBhcmVudFN0eWxlIjpudWxsfSwiQXV0b1NpemUiOjAsIkZvcmVncm91bmQiOnsiJGlkIjoiMTM4IiwiQ29sb3IiOnsiJHJlZiI6IjkzIn19LCJNYXhXaWR0aCI6MjAwLjAsIk1heEhlaWdodCI6IkluZmluaXR5IiwiU21hcnRGb3JlZ3JvdW5kSXNBY3RpdmUiOmZhbHNlLCJIb3Jpem9udGFsQWxpZ25tZW50IjowLCJWZXJ0aWNhbEFsaWdubWVudCI6MCwiU21hcnRGb3JlZ3JvdW5kIjpudWxsLCJCYWNrZ3JvdW5kRmlsbFR5cGUiOjAsIk1hcmdpbiI6eyIkaWQiOiIxMzkiLCJUb3AiOjAsIkxlZnQiOjAsIlJpZ2h0IjowLCJCb3R0b20iOjB9LCJQYWRkaW5nIjp7IiRpZCI6IjE0MCIsIlRvcCI6MCwiTGVmdCI6MCwiUmlnaHQiOjAsIkJvdHRvbSI6MH0sIkJhY2tncm91bmQiOnsiJHJlZiI6Ijk2In0sIklzVmlzaWJsZSI6dHJ1ZSwiV2lkdGgiOjAuMCwiSGVpZ2h0IjowLjAsIkJvcmRlclN0eWxlIjp7IiRpZCI6IjE0MSIsIkxpbmVDb2xvciI6bnVsbCwiTGluZVdlaWdodCI6MC4wLCJMaW5lVHlwZSI6MCwiUGFyZW50U3R5bGUiOm51bGx9LCJQYXJlbnRTdHlsZSI6bnVsbH0sIkhvcml6b250YWxDb25uZWN0b3JTdHlsZSI6eyIkaWQiOiIxNDIiLCJMaW5lQ29sb3IiOnsiJHJlZiI6Ijk4In0sIkxpbmVXZWlnaHQiOjAuMCwiTGluZVR5cGUiOjAsIlBhcmVudFN0eWxlIjpudWxsfSwiVmVydGljYWxDb25uZWN0b3JTdHlsZSI6eyIkaWQiOiIxNDMiLCJMaW5lQ29sb3IiOnsiJHJlZiI6IjEwMSJ9LCJMaW5lV2VpZ2h0IjowLjAsIkxpbmVUeXBlIjowLCJQYXJlbnRTdHlsZSI6bnVsbH0sIk1hcmdpbiI6bnVsbCwiU3RhcnREYXRlUG9zaXRpb24iOjQsIkVuZERhdGVQb3NpdGlvbiI6NCwiRGF0ZUlzVmlzaWJsZSI6dHJ1ZSwiVGl0bGVQb3NpdGlvbiI6NSwiRHVyYXRpb25Qb3NpdGlvbiI6NiwiUGVyY2VudGFnZUNvbXBsZXRlZFBvc2l0aW9uIjo2LCJTcGFjaW5nIjo1LCJJc0JlbG93VGltZWJhbmQiOnRydWUsIlBlcmNlbnRhZ2VDb21wbGV0ZVNoYXBlT3BhY2l0eSI6MzUsIlNoYXBlU3R5bGUiOnsiJGlkIjoiMTQ0IiwiTWFyZ2luIjp7IiRpZCI6IjE0NSIsIlRvcCI6MCwiTGVmdCI6NCwiUmlnaHQiOjQsIkJvdHRvbSI6MH0sIlBhZGRpbmciOnsiJGlkIjoiMTQ2IiwiVG9wIjowLCJMZWZ0IjowLCJSaWdodCI6MCwiQm90dG9tIjowfSwiQmFja2dyb3VuZCI6eyIkaWQiOiIxNDciLCJDb2xvciI6eyIkaWQiOiIxNDgiLCJBIjoyNTUsIlIiOjkxLCJHIjoxNTUsIkIiOjIxM319LCJJc1Zpc2libGUiOnRydWUsIldpZHRoIjowLjAsIkhlaWdodCI6MTYuMCwiQm9yZGVyU3R5bGUiOnsiJGlkIjoiMTQ5IiwiTGluZUNvbG9yIjp7IiRyZWYiOiIxMDkifSwiTGluZVdlaWdodCI6MC4wLCJMaW5lVHlwZSI6MCwiUGFyZW50U3R5bGUiOm51bGx9LCJQYXJlbnRTdHlsZSI6bnVsbH0sIlRpdGxlU3R5bGUiOnsiJGlkIjoiMTUwIiwiRm9udFNldHRpbmdzIjp7IiRpZCI6IjE1MSIsIkZvbnRTaXplIjoxMSwiRm9udE5hbWUiOiJDYWxpYnJpIiwiSXNCb2xkIjp0cnVlLCJJc0l0YWxpYyI6ZmFsc2UsIklzVW5kZXJsaW5lZCI6ZmFsc2UsIlBhcmVudFN0eWxlIjpudWxsfSwiQXV0b1NpemUiOjAsIkZvcmVncm91bmQiOnsiJGlkIjoiMTUyIiwiQ29sb3IiOnsiJHJlZiI6IjExNCJ9fSwiTWF4V2lkdGgiOjk2MC4wLCJNYXhIZWlnaHQiOiJJbmZpbml0eSIsIlNtYXJ0Rm9yZWdyb3VuZElzQWN0aXZlIjpmYWxzZSwiSG9yaXpvbnRhbEFsaWdubWVudCI6MCwiVmVydGljYWxBbGlnbm1lbnQiOjAsIlNtYXJ0Rm9yZWdyb3VuZCI6bnVsbCwiQmFja2dyb3VuZEZpbGxUeXBlIjowLCJNYXJnaW4iOnsiJGlkIjoiMTUzIiwiVG9wIjowLCJMZWZ0IjowLCJSaWdodCI6MCwiQm90dG9tIjowfSwiUGFkZGluZyI6eyIkaWQiOiIxNTQiLCJUb3AiOjAsIkxlZnQiOjAsIlJpZ2h0IjowLCJCb3R0b20iOjB9LCJCYWNrZ3JvdW5kIjp7IiRyZWYiOiIxMTcifSwiSXNWaXNpYmxlIjp0cnVlLCJXaWR0aCI6MC4wLCJIZWlnaHQiOjAuMCwiQm9yZGVyU3R5bGUiOnsiJGlkIjoiMTU1IiwiTGluZUNvbG9yIjpudWxsLCJMaW5lV2VpZ2h0IjowLjAsIkxpbmVUeXBlIjowLCJQYXJlbnRTdHlsZSI6bnVsbH0sIlBhcmVudFN0eWxlIjpudWxsfSwiRGF0ZVN0eWxlIjp7IiRpZCI6IjE1NiIsIkZvbnRTZXR0aW5ncyI6eyIkaWQiOiIxNTciLCJGb250U2l6ZSI6MTAsIkZvbnROYW1lIjoiQ2FsaWJyaSIsIklzQm9sZCI6ZmFsc2UsIklzSXRhbGljIjpmYWxzZSwiSXNVbmRlcmxpbmVkIjpmYWxzZSwiUGFyZW50U3R5bGUiOm51bGx9LCJBdXRvU2l6ZSI6MCwiRm9yZWdyb3VuZCI6eyIkaWQiOiIxNTgiLCJDb2xvciI6eyIkcmVmIjoiMTIxIn19LCJNYXhXaWR0aCI6MjAwLjAsIk1heEhlaWdodCI6IkluZmluaXR5IiwiU21hcnRGb3JlZ3JvdW5kSXNBY3RpdmUiOmZhbHNlLCJIb3Jpem9udGFsQWxpZ25tZW50IjowLCJWZXJ0aWNhbEFsaWdubWVudCI6MCwiU21hcnRGb3JlZ3JvdW5kIjpudWxsLCJCYWNrZ3JvdW5kRmlsbFR5cGUiOjAsIk1hcmdpbiI6eyIkaWQiOiIxNTkiLCJUb3AiOjAsIkxlZnQiOjAsIlJpZ2h0IjowLCJCb3R0b20iOjB9LCJQYWRkaW5nIjp7IiRpZCI6IjE2MCIsIlRvcCI6MCwiTGVmdCI6MCwiUmlnaHQiOjAsIkJvdHRvbSI6MH0sIkJhY2tncm91bmQiOnsiJHJlZiI6IjEyNCJ9LCJJc1Zpc2libGUiOnRydWUsIldpZHRoIjowLjAsIkhlaWdodCI6MC4wLCJCb3JkZXJTdHlsZSI6eyIkaWQiOiIxNjEiLCJMaW5lQ29sb3IiOm51bGwsIkxpbmVXZWlnaHQiOjAuMCwiTGluZVR5cGUiOjAsIlBhcmVudFN0eWxlIjpudWxsfSwiUGFyZW50U3R5bGUiOm51bGx9LCJEYXRlRm9ybWF0Ijp7IiRpZCI6IjE2MiIsIkZvcm1hdFN0cmluZyI6Ik0vZC95eXl5IiwiU2VwYXJhdG9yIjoiLyIsIlVzZUludGVybmF0aW9uYWxEYXRlRm9ybWF0IjpmYWxzZSwiRGF0ZUlzVmlzaWJsZSI6dHJ1ZSwiVGltZUlzVmlzaWJsZSI6ZmFsc2UsIkhvdXJEaWdpdHMiOjEsIkFtUG1EZXNpZ25hdG9yIjoyLCJUcmltMDBNaW51dGVzIjpmYWxzZSwiTGFzdEtub3duVmlzaWJpbGl0eVN0YXRlIjpudWxsfSwiSXNWaXNpYmxlIjp0cnVlLCJQYXJlbnRTdHlsZSI6bnVsbH0sIkluZGV4IjoxLCJTbWFydER1cmF0aW9uQWN0aXZhdGVkIjpmYWxzZSwiRGF0ZUZvcm1hdCI6eyIkcmVmIjoiMTYyIn0sIklkIjoiMjJhNGYwZDctNjgwNi00NDY3LTg5ZTgtZDBkYzYzODk4ZTlhIiwiSW1wb3J0SWQiOm51bGwsIlRpdGxlIjoi7ZSE66Gc7KCd7Yq4IOqzhO2ajS/shKTqs4QiLCJOb3RlIjpudWxsLCJIeXBlcmxpbmsiOm51bGwsIklzQ2hhbmdlZCI6ZmFsc2UsIklzTmV3IjpmYWxzZX0seyIkaWQiOiIxNjMiLCJHcm91cE5hbWUiOm51bGwsIlN0YXJ0RGF0ZSI6IjIwMTktMDQtMDFUMDA6MDA6MDBaIiwiRW5kRGF0ZSI6IjIwMTktMDQtMzBUMjM6NTk6MDBaIiwiUGVyY2VudGFnZUNvbXBsZXRlIjpudWxsLCJTdHlsZSI6eyIkaWQiOiIxNjQiLCJTaGFwZSI6MCwiU2hhcGVUaGlja25lc3MiOjEsIkR1cmF0aW9uRm9ybWF0IjowLCJJbmNsdWRlTm9uV29ya2luZ0RheXNJbkR1cmF0aW9uIjpmYWxzZSwiUGVyY2VudGFnZUNvbXBsZXRlU3R5bGUiOnsiJGlkIjoiMTY1IiwiRm9udFNldHRpbmdzIjp7IiRpZCI6IjE2NiIsIkZvbnRTaXplIjoxMCwiRm9udE5hbWUiOiJDYWxpYnJpIiwiSXNCb2xkIjpmYWxzZSwiSXNJdGFsaWMiOmZhbHNlLCJJc1VuZGVybGluZWQiOmZhbHNlLCJQYXJlbnRTdHlsZSI6bnVsbH0sIkF1dG9TaXplIjowLCJGb3JlZ3JvdW5kIjp7IiRyZWYiOiI4NSJ9LCJNYXhXaWR0aCI6MjAwLjAsIk1heEhlaWdodCI6IkluZmluaXR5IiwiU21hcnRGb3JlZ3JvdW5kSXNBY3RpdmUiOmZhbHNlLCJIb3Jpem9udGFsQWxpZ25tZW50IjowLCJWZXJ0aWNhbEFsaWdubWVudCI6MCwiU21hcnRGb3JlZ3JvdW5kIjpudWxsLCJCYWNrZ3JvdW5kRmlsbFR5cGUiOjAsIk1hcmdpbiI6eyIkcmVmIjoiODcifSwiUGFkZGluZyI6eyIkcmVmIjoiODgifSwiQmFja2dyb3VuZCI6eyIkcmVmIjoiODkifSwiSXNWaXNpYmxlIjp0cnVlLCJXaWR0aCI6MC4wLCJIZWlnaHQiOjAuMCwiQm9yZGVyU3R5bGUiOnsiJGlkIjoiMTY3IiwiTGluZUNvbG9yIjpudWxsLCJMaW5lV2VpZ2h0IjowLjAsIkxpbmVUeXBlIjowLCJQYXJlbnRTdHlsZSI6bnVsbH0sIlBhcmVudFN0eWxlIjpudWxsfSwiRHVyYXRpb25TdHlsZSI6eyIkaWQiOiIxNjgiLCJGb250U2V0dGluZ3MiOnsiJGlkIjoiMTY5IiwiRm9udFNpemUiOjEwLCJGb250TmFtZSI6IkNhbGlicmkiLCJJc0JvbGQiOmZhbHNlLCJJc0l0YWxpYyI6ZmFsc2UsIklzVW5kZXJsaW5lZCI6ZmFsc2UsIlBhcmVudFN0eWxlIjpudWxsfSwiQXV0b1NpemUiOjAsIkZvcmVncm91bmQiOnsiJHJlZiI6IjkyIn0sIk1heFdpZHRoIjoyMDAuMCwiTWF4SGVpZ2h0IjoiSW5maW5pdHkiLCJTbWFydEZvcmVncm91bmRJc0FjdGl2ZSI6ZmFsc2UsIkhvcml6b250YWxBbGlnbm1lbnQiOjAsIlZlcnRpY2FsQWxpZ25tZW50IjowLCJTbWFydEZvcmVncm91bmQiOm51bGwsIkJhY2tncm91bmRGaWxsVHlwZSI6MCwiTWFyZ2luIjp7IiRyZWYiOiI5NCJ9LCJQYWRkaW5nIjp7IiRyZWYiOiI5NSJ9LCJCYWNrZ3JvdW5kIjp7IiRyZWYiOiI5NiJ9LCJJc1Zpc2libGUiOnRydWUsIldpZHRoIjowLjAsIkhlaWdodCI6MC4wLCJCb3JkZXJTdHlsZSI6eyIkaWQiOiIxNzAiLCJMaW5lQ29sb3IiOm51bGwsIkxpbmVXZWlnaHQiOjAuMCwiTGluZVR5cGUiOjAsIlBhcmVudFN0eWxlIjpudWxsfSwiUGFyZW50U3R5bGUiOm51bGx9LCJIb3Jpem9udGFsQ29ubmVjdG9yU3R5bGUiOnsiJGlkIjoiMTcxIiwiTGluZUNvbG9yIjp7IiRyZWYiOiI5OCJ9LCJMaW5lV2VpZ2h0IjoxLjAsIkxpbmVUeXBlIjowLCJQYXJlbnRTdHlsZSI6bnVsbH0sIlZlcnRpY2FsQ29ubmVjdG9yU3R5bGUiOnsiJGlkIjoiMTcyIiwiTGluZUNvbG9yIjp7IiRyZWYiOiIxMDEifSwiTGluZVdlaWdodCI6MC4wLCJMaW5lVHlwZSI6MCwiUGFyZW50U3R5bGUiOm51bGx9LCJNYXJnaW4iOm51bGwsIlN0YXJ0RGF0ZVBvc2l0aW9uIjo0LCJFbmREYXRlUG9zaXRpb24iOjQsIkRhdGVJc1Zpc2libGUiOnRydWUsIlRpdGxlUG9zaXRpb24iOjUsIkR1cmF0aW9uUG9zaXRpb24iOjYsIlBlcmNlbnRhZ2VDb21wbGV0ZWRQb3NpdGlvbiI6NiwiU3BhY2luZyI6NSwiSXNCZWxvd1RpbWViYW5kIjp0cnVlLCJQZXJjZW50YWdlQ29tcGxldGVTaGFwZU9wYWNpdHkiOjM1LCJTaGFwZVN0eWxlIjp7IiRpZCI6IjE3MyIsIk1hcmdpbiI6eyIkcmVmIjoiMTA0In0sIlBhZGRpbmciOnsiJHJlZiI6IjEwNSJ9LCJCYWNrZ3JvdW5kIjp7IiRpZCI6IjE3NCIsIkNvbG9yIjp7IiRpZCI6IjE3NSIsIkEiOjI1NSwiUiI6OTEsIkciOjE1NSwiQiI6MjEzfX0sIklzVmlzaWJsZSI6dHJ1ZSwiV2lkdGgiOjAuMCwiSGVpZ2h0IjoxNi4wLCJCb3JkZXJTdHlsZSI6eyIkaWQiOiIxNzYiLCJMaW5lQ29sb3IiOnsiJHJlZiI6IjEwOSJ9LCJMaW5lV2VpZ2h0IjowLjAsIkxpbmVUeXBlIjowLCJQYXJlbnRTdHlsZSI6bnVsbH0sIlBhcmVudFN0eWxlIjpudWxsfSwiVGl0bGVTdHlsZSI6eyIkaWQiOiIxNzciLCJGb250U2V0dGluZ3MiOnsiJGlkIjoiMTc4IiwiRm9udFNpemUiOjExLCJGb250TmFtZSI6IkNhbGlicmkiLCJJc0JvbGQiOnRydWUsIklzSXRhbGljIjpmYWxzZSwiSXNVbmRlcmxpbmVkIjpmYWxzZSwiUGFyZW50U3R5bGUiOm51bGx9LCJBdXRvU2l6ZSI6MCwiRm9yZWdyb3VuZCI6eyIkcmVmIjoiMTEzIn0sIk1heFdpZHRoIjo3MjAuMCwiTWF4SGVpZ2h0IjoiSW5maW5pdHkiLCJTbWFydEZvcmVncm91bmRJc0FjdGl2ZSI6ZmFsc2UsIkhvcml6b250YWxBbGlnbm1lbnQiOjAsIlZlcnRpY2FsQWxpZ25tZW50IjowLCJTbWFydEZvcmVncm91bmQiOm51bGwsIkJhY2tncm91bmRGaWxsVHlwZSI6MCwiTWFyZ2luIjp7IiRyZWYiOiIxMTUifSwiUGFkZGluZyI6eyIkcmVmIjoiMTE2In0sIkJhY2tncm91bmQiOnsiJHJlZiI6IjExNyJ9LCJJc1Zpc2libGUiOnRydWUsIldpZHRoIjowLjAsIkhlaWdodCI6MC4wLCJCb3JkZXJTdHlsZSI6eyIkaWQiOiIxNzkiLCJMaW5lQ29sb3IiOm51bGwsIkxpbmVXZWlnaHQiOjAuMCwiTGluZVR5cGUiOjAsIlBhcmVudFN0eWxlIjpudWxsfSwiUGFyZW50U3R5bGUiOm51bGx9LCJEYXRlU3R5bGUiOnsiJGlkIjoiMTgwIiwiRm9udFNldHRpbmdzIjp7IiRpZCI6IjE4MSIsIkZvbnRTaXplIjoxMCwiRm9udE5hbWUiOiJDYWxpYnJpIiwiSXNCb2xkIjpmYWxzZSwiSXNJdGFsaWMiOmZhbHNlLCJJc1VuZGVybGluZWQiOmZhbHNlLCJQYXJlbnRTdHlsZSI6bnVsbH0sIkF1dG9TaXplIjowLCJGb3JlZ3JvdW5kIjp7IiRyZWYiOiIxMjAifSwiTWF4V2lkdGgiOjIwMC4wLCJNYXhIZWlnaHQiOiJJbmZpbml0eSIsIlNtYXJ0Rm9yZWdyb3VuZElzQWN0aXZlIjpmYWxzZSwiSG9yaXpvbnRhbEFsaWdubWVudCI6MCwiVmVydGljYWxBbGlnbm1lbnQiOjAsIlNtYXJ0Rm9yZWdyb3VuZCI6bnVsbCwiQmFja2dyb3VuZEZpbGxUeXBlIjowLCJNYXJnaW4iOnsiJHJlZiI6IjEyMiJ9LCJQYWRkaW5nIjp7IiRyZWYiOiIxMjMifSwiQmFja2dyb3VuZCI6eyIkcmVmIjoiMTI0In0sIklzVmlzaWJsZSI6dHJ1ZSwiV2lkdGgiOjAuMCwiSGVpZ2h0IjowLjAsIkJvcmRlclN0eWxlIjp7IiRpZCI6IjE4MiIsIkxpbmVDb2xvciI6bnVsbCwiTGluZVdlaWdodCI6MC4wLCJMaW5lVHlwZSI6MCwiUGFyZW50U3R5bGUiOm51bGx9LCJQYXJlbnRTdHlsZSI6bnVsbH0sIkRhdGVGb3JtYXQiOnsiJHJlZiI6IjEyNSJ9LCJJc1Zpc2libGUiOnRydWUsIlBhcmVudFN0eWxlIjpudWxsfSwiSW5kZXgiOjIsIlNtYXJ0RHVyYXRpb25BY3RpdmF0ZWQiOmZhbHNlLCJEYXRlRm9ybWF0Ijp7IiRyZWYiOiIxMjUifSwiSWQiOiJkNWNkNmQyZi05ODAyLTRmNDktYWRjZi0xMGE3YzQyZmJlZmYiLCJJbXBvcnRJZCI6bnVsbCwiVGl0bGUiOiLspJHqsIQg67O06rOg7IScIOyekeyEsSDrsI8g7ZS865Oc67CxIiwiTm90ZSI6bnVsbCwiSHlwZXJsaW5rIjpudWxsLCJJc0NoYW5nZWQiOmZhbHNlLCJJc05ldyI6ZmFsc2V9LHsiJGlkIjoiMTgzIiwiR3JvdXBOYW1lIjpudWxsLCJTdGFydERhdGUiOiIyMDE5LTA0LTAxVDAwOjAwOjAwIiwiRW5kRGF0ZSI6IjIwMTktMDQtMTBUMjM6NTk6MDBaIiwiUGVyY2VudGFnZUNvbXBsZXRlIjpudWxsLCJTdHlsZSI6eyIkaWQiOiIxODQiLCJTaGFwZSI6MCwiU2hhcGVUaGlja25lc3MiOjEsIkR1cmF0aW9uRm9ybWF0IjowLCJJbmNsdWRlTm9uV29ya2luZ0RheXNJbkR1cmF0aW9uIjpmYWxzZSwiUGVyY2VudGFnZUNvbXBsZXRlU3R5bGUiOnsiJGlkIjoiMTg1IiwiRm9udFNldHRpbmdzIjp7IiRpZCI6IjE4NiIsIkZvbnRTaXplIjoxMCwiRm9udE5hbWUiOiJDYWxpYnJpIiwiSXNCb2xkIjpmYWxzZSwiSXNJdGFsaWMiOmZhbHNlLCJJc1VuZGVybGluZWQiOmZhbHNlLCJQYXJlbnRTdHlsZSI6bnVsbH0sIkF1dG9TaXplIjowLCJGb3JlZ3JvdW5kIjp7IiRpZCI6IjE4NyIsIkNvbG9yIjp7IiRyZWYiOiI4NiJ9fSwiTWF4V2lkdGgiOjIwMC4wLCJNYXhIZWlnaHQiOiJJbmZpbml0eSIsIlNtYXJ0Rm9yZWdyb3VuZElzQWN0aXZlIjpmYWxzZSwiSG9yaXpvbnRhbEFsaWdubWVudCI6MCwiVmVydGljYWxBbGlnbm1lbnQiOjAsIlNtYXJ0Rm9yZWdyb3VuZCI6bnVsbCwiQmFja2dyb3VuZEZpbGxUeXBlIjowLCJNYXJnaW4iOnsiJGlkIjoiMTg4IiwiVG9wIjowLCJMZWZ0IjowLCJSaWdodCI6MCwiQm90dG9tIjowfSwiUGFkZGluZyI6eyIkaWQiOiIxODkiLCJUb3AiOjAsIkxlZnQiOjAsIlJpZ2h0IjowLCJCb3R0b20iOjB9LCJCYWNrZ3JvdW5kIjp7IiRyZWYiOiI4OSJ9LCJJc1Zpc2libGUiOnRydWUsIldpZHRoIjowLjAsIkhlaWdodCI6MC4wLCJCb3JkZXJTdHlsZSI6eyIkaWQiOiIxOTAiLCJMaW5lQ29sb3IiOm51bGwsIkxpbmVXZWlnaHQiOjAuMCwiTGluZVR5cGUiOjAsIlBhcmVudFN0eWxlIjpudWxsfSwiUGFyZW50U3R5bGUiOm51bGx9LCJEdXJhdGlvblN0eWxlIjp7IiRpZCI6IjE5MSIsIkZvbnRTZXR0aW5ncyI6eyIkaWQiOiIxOTIiLCJGb250U2l6ZSI6MTAsIkZvbnROYW1lIjoiQ2FsaWJyaSIsIklzQm9sZCI6ZmFsc2UsIklzSXRhbGljIjpmYWxzZSwiSXNVbmRlcmxpbmVkIjpmYWxzZSwiUGFyZW50U3R5bGUiOm51bGx9LCJBdXRvU2l6ZSI6MCwiRm9yZWdyb3VuZCI6eyIkaWQiOiIxOTMiLCJDb2xvciI6eyIkcmVmIjoiOTMifX0sIk1heFdpZHRoIjoyMDAuMCwiTWF4SGVpZ2h0IjoiSW5maW5pdHkiLCJTbWFydEZvcmVncm91bmRJc0FjdGl2ZSI6ZmFsc2UsIkhvcml6b250YWxBbGlnbm1lbnQiOjAsIlZlcnRpY2FsQWxpZ25tZW50IjowLCJTbWFydEZvcmVncm91bmQiOm51bGwsIkJhY2tncm91bmRGaWxsVHlwZSI6MCwiTWFyZ2luIjp7IiRpZCI6IjE5NCIsIlRvcCI6MCwiTGVmdCI6MCwiUmlnaHQiOjAsIkJvdHRvbSI6MH0sIlBhZGRpbmciOnsiJGlkIjoiMTk1IiwiVG9wIjowLCJMZWZ0IjowLCJSaWdodCI6MCwiQm90dG9tIjowfSwiQmFja2dyb3VuZCI6eyIkcmVmIjoiOTYifSwiSXNWaXNpYmxlIjp0cnVlLCJXaWR0aCI6MC4wLCJIZWlnaHQiOjAuMCwiQm9yZGVyU3R5bGUiOnsiJGlkIjoiMTk2IiwiTGluZUNvbG9yIjpudWxsLCJMaW5lV2VpZ2h0IjowLjAsIkxpbmVUeXBlIjowLCJQYXJlbnRTdHlsZSI6bnVsbH0sIlBhcmVudFN0eWxlIjpudWxsfSwiSG9yaXpvbnRhbENvbm5lY3RvclN0eWxlIjp7IiRpZCI6IjE5NyIsIkxpbmVDb2xvciI6eyIkcmVmIjoiOTgifSwiTGluZVdlaWdodCI6MS4wLCJMaW5lVHlwZSI6MCwiUGFyZW50U3R5bGUiOm51bGx9LCJWZXJ0aWNhbENvbm5lY3RvclN0eWxlIjp7IiRpZCI6IjE5OCIsIkxpbmVDb2xvciI6eyIkcmVmIjoiMTAxIn0sIkxpbmVXZWlnaHQiOjAuMCwiTGluZVR5cGUiOjAsIlBhcmVudFN0eWxlIjpudWxsfSwiTWFyZ2luIjpudWxsLCJTdGFydERhdGVQb3NpdGlvbiI6NCwiRW5kRGF0ZVBvc2l0aW9uIjo0LCJEYXRlSXNWaXNpYmxlIjp0cnVlLCJUaXRsZVBvc2l0aW9uIjo1LCJEdXJhdGlvblBvc2l0aW9uIjo2LCJQZXJjZW50YWdlQ29tcGxldGVkUG9zaXRpb24iOjYsIlNwYWNpbmciOjUsIklzQmVsb3dUaW1lYmFuZCI6dHJ1ZSwiUGVyY2VudGFnZUNvbXBsZXRlU2hhcGVPcGFjaXR5IjozNSwiU2hhcGVTdHlsZSI6eyIkaWQiOiIxOTkiLCJNYXJnaW4iOnsiJGlkIjoiMjAwIiwiVG9wIjowLCJMZWZ0Ijo0LCJSaWdodCI6NCwiQm90dG9tIjowfSwiUGFkZGluZyI6eyIkaWQiOiIyMDEiLCJUb3AiOjAsIkxlZnQiOjAsIlJpZ2h0IjowLCJCb3R0b20iOjB9LCJCYWNrZ3JvdW5kIjp7IiRpZCI6IjIwMiIsIkNvbG9yIjp7IiRpZCI6IjIwMyIsIkEiOjI1NSwiUiI6OTEsIkciOjE1NSwiQiI6MjEzfX0sIklzVmlzaWJsZSI6dHJ1ZSwiV2lkdGgiOjAuMCwiSGVpZ2h0IjoxNi4wLCJCb3JkZXJTdHlsZSI6eyIkaWQiOiIyMDQiLCJMaW5lQ29sb3IiOnsiJHJlZiI6IjEwOSJ9LCJMaW5lV2VpZ2h0IjowLjAsIkxpbmVUeXBlIjowLCJQYXJlbnRTdHlsZSI6bnVsbH0sIlBhcmVudFN0eWxlIjpudWxsfSwiVGl0bGVTdHlsZSI6eyIkaWQiOiIyMDUiLCJGb250U2V0dGluZ3MiOnsiJGlkIjoiMjA2IiwiRm9udFNpemUiOjExLCJGb250TmFtZSI6IkNhbGlicmkiLCJJc0JvbGQiOnRydWUsIklzSXRhbGljIjpmYWxzZSwiSXNVbmRlcmxpbmVkIjpmYWxzZSwiUGFyZW50U3R5bGUiOm51bGx9LCJBdXRvU2l6ZSI6MCwiRm9yZWdyb3VuZCI6eyIkaWQiOiIyMDciLCJDb2xvciI6eyIkcmVmIjoiMTE0In19LCJNYXhXaWR0aCI6OTYwLjAsIk1heEhlaWdodCI6IkluZmluaXR5IiwiU21hcnRGb3JlZ3JvdW5kSXNBY3RpdmUiOmZhbHNlLCJIb3Jpem9udGFsQWxpZ25tZW50IjowLCJWZXJ0aWNhbEFsaWdubWVudCI6MCwiU21hcnRGb3JlZ3JvdW5kIjpudWxsLCJCYWNrZ3JvdW5kRmlsbFR5cGUiOjAsIk1hcmdpbiI6eyIkaWQiOiIyMDgiLCJUb3AiOjAsIkxlZnQiOjAsIlJpZ2h0IjowLCJCb3R0b20iOjB9LCJQYWRkaW5nIjp7IiRpZCI6IjIwOSIsIlRvcCI6MCwiTGVmdCI6MCwiUmlnaHQiOjAsIkJvdHRvbSI6MH0sIkJhY2tncm91bmQiOnsiJHJlZiI6IjExNyJ9LCJJc1Zpc2libGUiOnRydWUsIldpZHRoIjowLjAsIkhlaWdodCI6MC4wLCJCb3JkZXJTdHlsZSI6eyIkaWQiOiIyMTAiLCJMaW5lQ29sb3IiOm51bGwsIkxpbmVXZWlnaHQiOjAuMCwiTGluZVR5cGUiOjAsIlBhcmVudFN0eWxlIjpudWxsfSwiUGFyZW50U3R5bGUiOm51bGx9LCJEYXRlU3R5bGUiOnsiJGlkIjoiMjExIiwiRm9udFNldHRpbmdzIjp7IiRpZCI6IjIxMiIsIkZvbnRTaXplIjoxMCwiRm9udE5hbWUiOiJDYWxpYnJpIiwiSXNCb2xkIjpmYWxzZSwiSXNJdGFsaWMiOmZhbHNlLCJJc1VuZGVybGluZWQiOmZhbHNlLCJQYXJlbnRTdHlsZSI6bnVsbH0sIkF1dG9TaXplIjowLCJGb3JlZ3JvdW5kIjp7IiRpZCI6IjIxMyIsIkNvbG9yIjp7IiRyZWYiOiIxMjEifX0sIk1heFdpZHRoIjoyMDAuMCwiTWF4SGVpZ2h0IjoiSW5maW5pdHkiLCJTbWFydEZvcmVncm91bmRJc0FjdGl2ZSI6ZmFsc2UsIkhvcml6b250YWxBbGlnbm1lbnQiOjAsIlZlcnRpY2FsQWxpZ25tZW50IjowLCJTbWFydEZvcmVncm91bmQiOm51bGwsIkJhY2tncm91bmRGaWxsVHlwZSI6MCwiTWFyZ2luIjp7IiRpZCI6IjIxNCIsIlRvcCI6MCwiTGVmdCI6MCwiUmlnaHQiOjAsIkJvdHRvbSI6MH0sIlBhZGRpbmciOnsiJGlkIjoiMjE1IiwiVG9wIjowLCJMZWZ0IjowLCJSaWdodCI6MCwiQm90dG9tIjowfSwiQmFja2dyb3VuZCI6eyIkcmVmIjoiMTI0In0sIklzVmlzaWJsZSI6dHJ1ZSwiV2lkdGgiOjAuMCwiSGVpZ2h0IjowLjAsIkJvcmRlclN0eWxlIjp7IiRpZCI6IjIxNiIsIkxpbmVDb2xvciI6bnVsbCwiTGluZVdlaWdodCI6MC4wLCJMaW5lVHlwZSI6MCwiUGFyZW50U3R5bGUiOm51bGx9LCJQYXJlbnRTdHlsZSI6bnVsbH0sIkRhdGVGb3JtYXQiOnsiJGlkIjoiMjE3IiwiRm9ybWF0U3RyaW5nIjoiTS9kL3l5eXkiLCJTZXBhcmF0b3IiOiIvIiwiVXNlSW50ZXJuYXRpb25hbERhdGVGb3JtYXQiOmZhbHNlLCJEYXRlSXNWaXNpYmxlIjp0cnVlLCJUaW1lSXNWaXNpYmxlIjpmYWxzZSwiSG91ckRpZ2l0cyI6MSwiQW1QbURlc2lnbmF0b3IiOjIsIlRyaW0wME1pbnV0ZXMiOmZhbHNlLCJMYXN0S25vd25WaXNpYmlsaXR5U3RhdGUiOm51bGx9LCJJc1Zpc2libGUiOnRydWUsIlBhcmVudFN0eWxlIjpudWxsfSwiSW5kZXgiOjMsIlNtYXJ0RHVyYXRpb25BY3RpdmF0ZWQiOmZhbHNlLCJEYXRlRm9ybWF0Ijp7IiRyZWYiOiIyMTcifSwiSWQiOiJkNDQ3ZWE0NS04ZDk1LTQzODktOTVmNS1jYWE5YjkxMzI5Y2MiLCJJbXBvcnRJZCI6bnVsbCwiVGl0bGUiOiLqtIDroKgg7Jik7ZSI7IaM7IqkIOyImOynkS/rtoTshJ0iLCJOb3RlIjpudWxsLCJIeXBlcmxpbmsiOm51bGwsIklzQ2hhbmdlZCI6ZmFsc2UsIklzTmV3IjpmYWxzZX0seyIkaWQiOiIyMTgiLCJHcm91cE5hbWUiOm51bGwsIlN0YXJ0RGF0ZSI6IjIwMTktMDQtMDRUMDA6MDA6MDBaIiwiRW5kRGF0ZSI6IjIwMTktMDQtMTBUMjM6NTk6MDBaIiwiUGVyY2VudGFnZUNvbXBsZXRlIjpudWxsLCJTdHlsZSI6eyIkaWQiOiIyMTkiLCJTaGFwZSI6MCwiU2hhcGVUaGlja25lc3MiOjEsIkR1cmF0aW9uRm9ybWF0IjowLCJJbmNsdWRlTm9uV29ya2luZ0RheXNJbkR1cmF0aW9uIjpmYWxzZSwiUGVyY2VudGFnZUNvbXBsZXRlU3R5bGUiOnsiJGlkIjoiMjIwIiwiRm9udFNldHRpbmdzIjp7IiRpZCI6IjIyMSIsIkZvbnRTaXplIjoxMCwiRm9udE5hbWUiOiJDYWxpYnJpIiwiSXNCb2xkIjpmYWxzZSwiSXNJdGFsaWMiOmZhbHNlLCJJc1VuZGVybGluZWQiOmZhbHNlLCJQYXJlbnRTdHlsZSI6bnVsbH0sIkF1dG9TaXplIjowLCJGb3JlZ3JvdW5kIjp7IiRpZCI6IjIyMiIsIkNvbG9yIjp7IiRyZWYiOiI4NiJ9fSwiTWF4V2lkdGgiOjIwMC4wLCJNYXhIZWlnaHQiOiJJbmZpbml0eSIsIlNtYXJ0Rm9yZWdyb3VuZElzQWN0aXZlIjpmYWxzZSwiSG9yaXpvbnRhbEFsaWdubWVudCI6MCwiVmVydGljYWxBbGlnbm1lbnQiOjAsIlNtYXJ0Rm9yZWdyb3VuZCI6bnVsbCwiQmFja2dyb3VuZEZpbGxUeXBlIjowLCJNYXJnaW4iOnsiJGlkIjoiMjIzIiwiVG9wIjowLCJMZWZ0IjowLCJSaWdodCI6MCwiQm90dG9tIjowfSwiUGFkZGluZyI6eyIkaWQiOiIyMjQiLCJUb3AiOjAsIkxlZnQiOjAsIlJpZ2h0IjowLCJCb3R0b20iOjB9LCJCYWNrZ3JvdW5kIjp7IiRyZWYiOiI4OSJ9LCJJc1Zpc2libGUiOnRydWUsIldpZHRoIjowLjAsIkhlaWdodCI6MC4wLCJCb3JkZXJTdHlsZSI6eyIkaWQiOiIyMjUiLCJMaW5lQ29sb3IiOm51bGwsIkxpbmVXZWlnaHQiOjAuMCwiTGluZVR5cGUiOjAsIlBhcmVudFN0eWxlIjpudWxsfSwiUGFyZW50U3R5bGUiOm51bGx9LCJEdXJhdGlvblN0eWxlIjp7IiRpZCI6IjIyNiIsIkZvbnRTZXR0aW5ncyI6eyIkaWQiOiIyMjciLCJGb250U2l6ZSI6MTAsIkZvbnROYW1lIjoiQ2FsaWJyaSIsIklzQm9sZCI6ZmFsc2UsIklzSXRhbGljIjpmYWxzZSwiSXNVbmRlcmxpbmVkIjpmYWxzZSwiUGFyZW50U3R5bGUiOm51bGx9LCJBdXRvU2l6ZSI6MCwiRm9yZWdyb3VuZCI6eyIkaWQiOiIyMjgiLCJDb2xvciI6eyIkcmVmIjoiOTMifX0sIk1heFdpZHRoIjoyMDAuMCwiTWF4SGVpZ2h0IjoiSW5maW5pdHkiLCJTbWFydEZvcmVncm91bmRJc0FjdGl2ZSI6ZmFsc2UsIkhvcml6b250YWxBbGlnbm1lbnQiOjAsIlZlcnRpY2FsQWxpZ25tZW50IjowLCJTbWFydEZvcmVncm91bmQiOm51bGwsIkJhY2tncm91bmRGaWxsVHlwZSI6MCwiTWFyZ2luIjp7IiRpZCI6IjIyOSIsIlRvcCI6MCwiTGVmdCI6MCwiUmlnaHQiOjAsIkJvdHRvbSI6MH0sIlBhZGRpbmciOnsiJGlkIjoiMjMwIiwiVG9wIjowLCJMZWZ0IjowLCJSaWdodCI6MCwiQm90dG9tIjowfSwiQmFja2dyb3VuZCI6eyIkcmVmIjoiOTYifSwiSXNWaXNpYmxlIjp0cnVlLCJXaWR0aCI6MC4wLCJIZWlnaHQiOjAuMCwiQm9yZGVyU3R5bGUiOnsiJGlkIjoiMjMxIiwiTGluZUNvbG9yIjpudWxsLCJMaW5lV2VpZ2h0IjowLjAsIkxpbmVUeXBlIjowLCJQYXJlbnRTdHlsZSI6bnVsbH0sIlBhcmVudFN0eWxlIjpudWxsfSwiSG9yaXpvbnRhbENvbm5lY3RvclN0eWxlIjp7IiRpZCI6IjIzMiIsIkxpbmVDb2xvciI6eyIkcmVmIjoiOTgifSwiTGluZVdlaWdodCI6MS4wLCJMaW5lVHlwZSI6MCwiUGFyZW50U3R5bGUiOm51bGx9LCJWZXJ0aWNhbENvbm5lY3RvclN0eWxlIjp7IiRpZCI6IjIzMyIsIkxpbmVDb2xvciI6eyIkcmVmIjoiMTAxIn0sIkxpbmVXZWlnaHQiOjAuMCwiTGluZVR5cGUiOjAsIlBhcmVudFN0eWxlIjpudWxsfSwiTWFyZ2luIjpudWxsLCJTdGFydERhdGVQb3NpdGlvbiI6NCwiRW5kRGF0ZVBvc2l0aW9uIjo0LCJEYXRlSXNWaXNpYmxlIjp0cnVlLCJUaXRsZVBvc2l0aW9uIjo1LCJEdXJhdGlvblBvc2l0aW9uIjo2LCJQZXJjZW50YWdlQ29tcGxldGVkUG9zaXRpb24iOjYsIlNwYWNpbmciOjUsIklzQmVsb3dUaW1lYmFuZCI6dHJ1ZSwiUGVyY2VudGFnZUNvbXBsZXRlU2hhcGVPcGFjaXR5IjozNSwiU2hhcGVTdHlsZSI6eyIkaWQiOiIyMzQiLCJNYXJnaW4iOnsiJGlkIjoiMjM1IiwiVG9wIjowLCJMZWZ0Ijo0LCJSaWdodCI6NCwiQm90dG9tIjowfSwiUGFkZGluZyI6eyIkaWQiOiIyMzYiLCJUb3AiOjAsIkxlZnQiOjAsIlJpZ2h0IjowLCJCb3R0b20iOjB9LCJCYWNrZ3JvdW5kIjp7IiRpZCI6IjIzNyIsIkNvbG9yIjp7IiRpZCI6IjIzOCIsIkEiOjI1NSwiUiI6MTEyLCJHIjoxNzMsIkIiOjcxfX0sIklzVmlzaWJsZSI6dHJ1ZSwiV2lkdGgiOjAuMCwiSGVpZ2h0IjoxNi4wLCJCb3JkZXJTdHlsZSI6eyIkaWQiOiIyMzkiLCJMaW5lQ29sb3IiOnsiJHJlZiI6IjEwOSJ9LCJMaW5lV2VpZ2h0IjowLjAsIkxpbmVUeXBlIjowLCJQYXJlbnRTdHlsZSI6bnVsbH0sIlBhcmVudFN0eWxlIjpudWxsfSwiVGl0bGVTdHlsZSI6eyIkaWQiOiIyNDAiLCJGb250U2V0dGluZ3MiOnsiJGlkIjoiMjQxIiwiRm9udFNpemUiOjExLCJGb250TmFtZSI6IkNhbGlicmkiLCJJc0JvbGQiOnRydWUsIklzSXRhbGljIjpmYWxzZSwiSXNVbmRlcmxpbmVkIjpmYWxzZSwiUGFyZW50U3R5bGUiOm51bGx9LCJBdXRvU2l6ZSI6MCwiRm9yZWdyb3VuZCI6eyIkaWQiOiIyNDIiLCJDb2xvciI6eyIkcmVmIjoiMTE0In19LCJNYXhXaWR0aCI6OTYwLjAsIk1heEhlaWdodCI6IkluZmluaXR5IiwiU21hcnRGb3JlZ3JvdW5kSXNBY3RpdmUiOmZhbHNlLCJIb3Jpem9udGFsQWxpZ25tZW50IjowLCJWZXJ0aWNhbEFsaWdubWVudCI6MCwiU21hcnRGb3JlZ3JvdW5kIjpudWxsLCJCYWNrZ3JvdW5kRmlsbFR5cGUiOjAsIk1hcmdpbiI6eyIkaWQiOiIyNDMiLCJUb3AiOjAsIkxlZnQiOjAsIlJpZ2h0IjowLCJCb3R0b20iOjB9LCJQYWRkaW5nIjp7IiRpZCI6IjI0NCIsIlRvcCI6MCwiTGVmdCI6MCwiUmlnaHQiOjAsIkJvdHRvbSI6MH0sIkJhY2tncm91bmQiOnsiJHJlZiI6IjExNyJ9LCJJc1Zpc2libGUiOnRydWUsIldpZHRoIjowLjAsIkhlaWdodCI6MC4wLCJCb3JkZXJTdHlsZSI6eyIkaWQiOiIyNDUiLCJMaW5lQ29sb3IiOm51bGwsIkxpbmVXZWlnaHQiOjAuMCwiTGluZVR5cGUiOjAsIlBhcmVudFN0eWxlIjpudWxsfSwiUGFyZW50U3R5bGUiOm51bGx9LCJEYXRlU3R5bGUiOnsiJGlkIjoiMjQ2IiwiRm9udFNldHRpbmdzIjp7IiRpZCI6IjI0NyIsIkZvbnRTaXplIjoxMCwiRm9udE5hbWUiOiJDYWxpYnJpIiwiSXNCb2xkIjpmYWxzZSwiSXNJdGFsaWMiOmZhbHNlLCJJc1VuZGVybGluZWQiOmZhbHNlLCJQYXJlbnRTdHlsZSI6bnVsbH0sIkF1dG9TaXplIjowLCJGb3JlZ3JvdW5kIjp7IiRpZCI6IjI0OCIsIkNvbG9yIjp7IiRyZWYiOiIxMjEifX0sIk1heFdpZHRoIjoyMDAuMCwiTWF4SGVpZ2h0IjoiSW5maW5pdHkiLCJTbWFydEZvcmVncm91bmRJc0FjdGl2ZSI6ZmFsc2UsIkhvcml6b250YWxBbGlnbm1lbnQiOjAsIlZlcnRpY2FsQWxpZ25tZW50IjowLCJTbWFydEZvcmVncm91bmQiOm51bGwsIkJhY2tncm91bmRGaWxsVHlwZSI6MCwiTWFyZ2luIjp7IiRpZCI6IjI0OSIsIlRvcCI6MCwiTGVmdCI6MCwiUmlnaHQiOjAsIkJvdHRvbSI6MH0sIlBhZGRpbmciOnsiJGlkIjoiMjUwIiwiVG9wIjowLCJMZWZ0IjowLCJSaWdodCI6MCwiQm90dG9tIjowfSwiQmFja2dyb3VuZCI6eyIkcmVmIjoiMTI0In0sIklzVmlzaWJsZSI6dHJ1ZSwiV2lkdGgiOjAuMCwiSGVpZ2h0IjowLjAsIkJvcmRlclN0eWxlIjp7IiRpZCI6IjI1MSIsIkxpbmVDb2xvciI6bnVsbCwiTGluZVdlaWdodCI6MC4wLCJMaW5lVHlwZSI6MCwiUGFyZW50U3R5bGUiOm51bGx9LCJQYXJlbnRTdHlsZSI6bnVsbH0sIkRhdGVGb3JtYXQiOnsiJGlkIjoiMjUyIiwiRm9ybWF0U3RyaW5nIjoiTS9kL3l5eXkiLCJTZXBhcmF0b3IiOiIvIiwiVXNlSW50ZXJuYXRpb25hbERhdGVGb3JtYXQiOmZhbHNlLCJEYXRlSXNWaXNpYmxlIjp0cnVlLCJUaW1lSXNWaXNpYmxlIjpmYWxzZSwiSG91ckRpZ2l0cyI6MSwiQW1QbURlc2lnbmF0b3IiOjIsIlRyaW0wME1pbnV0ZXMiOmZhbHNlLCJMYXN0S25vd25WaXNpYmlsaXR5U3RhdGUiOm51bGx9LCJJc1Zpc2libGUiOnRydWUsIlBhcmVudFN0eWxlIjpudWxsfSwiSW5kZXgiOjQsIlNtYXJ0RHVyYXRpb25BY3RpdmF0ZWQiOmZhbHNlLCJEYXRlRm9ybWF0Ijp7IiRyZWYiOiIyNTIifSwiSWQiOiI3NWRmZmJkMC0yYzQxLTQ0MjEtODNiNy0yMGJiZmExYzNkMjIiLCJJbXBvcnRJZCI6bnVsbCwiVGl0bGUiOiLslYjrk5zroZzsnbTrk5wg7JWxIOqwnOuwnCIsIk5vdGUiOm51bGwsIkh5cGVybGluayI6bnVsbCwiSXNDaGFuZ2VkIjpmYWxzZSwiSXNOZXciOmZhbHNlfSx7IiRpZCI6IjI1MyIsIkdyb3VwTmFtZSI6bnVsbCwiU3RhcnREYXRlIjoiMjAxOS0wNC0wN1QwMDowMDowMFoiLCJFbmREYXRlIjoiMjAxOS0wNC0yMFQyMzo1OTowMCIsIlBlcmNlbnRhZ2VDb21wbGV0ZSI6bnVsbCwiU3R5bGUiOnsiJGlkIjoiMjU0IiwiU2hhcGUiOjAsIlNoYXBlVGhpY2tuZXNzIjoxLCJEdXJhdGlvbkZvcm1hdCI6MCwiSW5jbHVkZU5vbldvcmtpbmdEYXlzSW5EdXJhdGlvbiI6ZmFsc2UsIlBlcmNlbnRhZ2VDb21wbGV0ZVN0eWxlIjp7IiRpZCI6IjI1NSIsIkZvbnRTZXR0aW5ncyI6eyIkaWQiOiIyNTYiLCJGb250U2l6ZSI6MTAsIkZvbnROYW1lIjoiQ2FsaWJyaSIsIklzQm9sZCI6ZmFsc2UsIklzSXRhbGljIjpmYWxzZSwiSXNVbmRlcmxpbmVkIjpmYWxzZSwiUGFyZW50U3R5bGUiOm51bGx9LCJBdXRvU2l6ZSI6MCwiRm9yZWdyb3VuZCI6eyIkaWQiOiIyNTciLCJDb2xvciI6eyIkcmVmIjoiODYifX0sIk1heFdpZHRoIjoyMDAuMCwiTWF4SGVpZ2h0IjoiSW5maW5pdHkiLCJTbWFydEZvcmVncm91bmRJc0FjdGl2ZSI6ZmFsc2UsIkhvcml6b250YWxBbGlnbm1lbnQiOjAsIlZlcnRpY2FsQWxpZ25tZW50IjowLCJTbWFydEZvcmVncm91bmQiOm51bGwsIkJhY2tncm91bmRGaWxsVHlwZSI6MCwiTWFyZ2luIjp7IiRpZCI6IjI1OCIsIlRvcCI6MCwiTGVmdCI6MCwiUmlnaHQiOjAsIkJvdHRvbSI6MH0sIlBhZGRpbmciOnsiJGlkIjoiMjU5IiwiVG9wIjowLCJMZWZ0IjowLCJSaWdodCI6MCwiQm90dG9tIjowfSwiQmFja2dyb3VuZCI6eyIkcmVmIjoiODkifSwiSXNWaXNpYmxlIjp0cnVlLCJXaWR0aCI6MC4wLCJIZWlnaHQiOjAuMCwiQm9yZGVyU3R5bGUiOnsiJGlkIjoiMjYwIiwiTGluZUNvbG9yIjpudWxsLCJMaW5lV2VpZ2h0IjowLjAsIkxpbmVUeXBlIjowLCJQYXJlbnRTdHlsZSI6bnVsbH0sIlBhcmVudFN0eWxlIjpudWxsfSwiRHVyYXRpb25TdHlsZSI6eyIkaWQiOiIyNjEiLCJGb250U2V0dGluZ3MiOnsiJGlkIjoiMjYyIiwiRm9udFNpemUiOjEwLCJGb250TmFtZSI6IkNhbGlicmkiLCJJc0JvbGQiOmZhbHNlLCJJc0l0YWxpYyI6ZmFsc2UsIklzVW5kZXJsaW5lZCI6ZmFsc2UsIlBhcmVudFN0eWxlIjpudWxsfSwiQXV0b1NpemUiOjAsIkZvcmVncm91bmQiOnsiJGlkIjoiMjYzIiwiQ29sb3IiOnsiJHJlZiI6IjkzIn19LCJNYXhXaWR0aCI6MjAwLjAsIk1heEhlaWdodCI6IkluZmluaXR5IiwiU21hcnRGb3JlZ3JvdW5kSXNBY3RpdmUiOmZhbHNlLCJIb3Jpem9udGFsQWxpZ25tZW50IjowLCJWZXJ0aWNhbEFsaWdubWVudCI6MCwiU21hcnRGb3JlZ3JvdW5kIjpudWxsLCJCYWNrZ3JvdW5kRmlsbFR5cGUiOjAsIk1hcmdpbiI6eyIkaWQiOiIyNjQiLCJUb3AiOjAsIkxlZnQiOjAsIlJpZ2h0IjowLCJCb3R0b20iOjB9LCJQYWRkaW5nIjp7IiRpZCI6IjI2NSIsIlRvcCI6MCwiTGVmdCI6MCwiUmlnaHQiOjAsIkJvdHRvbSI6MH0sIkJhY2tncm91bmQiOnsiJHJlZiI6Ijk2In0sIklzVmlzaWJsZSI6dHJ1ZSwiV2lkdGgiOjAuMCwiSGVpZ2h0IjowLjAsIkJvcmRlclN0eWxlIjp7IiRpZCI6IjI2NiIsIkxpbmVDb2xvciI6bnVsbCwiTGluZVdlaWdodCI6MC4wLCJMaW5lVHlwZSI6MCwiUGFyZW50U3R5bGUiOm51bGx9LCJQYXJlbnRTdHlsZSI6bnVsbH0sIkhvcml6b250YWxDb25uZWN0b3JTdHlsZSI6eyIkaWQiOiIyNjciLCJMaW5lQ29sb3IiOnsiJHJlZiI6Ijk4In0sIkxpbmVXZWlnaHQiOjEuMCwiTGluZVR5cGUiOjAsIlBhcmVudFN0eWxlIjpudWxsfSwiVmVydGljYWxDb25uZWN0b3JTdHlsZSI6eyIkaWQiOiIyNjgiLCJMaW5lQ29sb3IiOnsiJHJlZiI6IjEwMSJ9LCJMaW5lV2VpZ2h0IjowLjAsIkxpbmVUeXBlIjowLCJQYXJlbnRTdHlsZSI6bnVsbH0sIk1hcmdpbiI6bnVsbCwiU3RhcnREYXRlUG9zaXRpb24iOjQsIkVuZERhdGVQb3NpdGlvbiI6NCwiRGF0ZUlzVmlzaWJsZSI6dHJ1ZSwiVGl0bGVQb3NpdGlvbiI6NSwiRHVyYXRpb25Qb3NpdGlvbiI6NiwiUGVyY2VudGFnZUNvbXBsZXRlZFBvc2l0aW9uIjo2LCJTcGFjaW5nIjo1LCJJc0JlbG93VGltZWJhbmQiOnRydWUsIlBlcmNlbnRhZ2VDb21wbGV0ZVNoYXBlT3BhY2l0eSI6MzUsIlNoYXBlU3R5bGUiOnsiJGlkIjoiMjY5IiwiTWFyZ2luIjp7IiRpZCI6IjI3MCIsIlRvcCI6MCwiTGVmdCI6NCwiUmlnaHQiOjQsIkJvdHRvbSI6MH0sIlBhZGRpbmciOnsiJGlkIjoiMjcxIiwiVG9wIjowLCJMZWZ0IjowLCJSaWdodCI6MCwiQm90dG9tIjowfSwiQmFja2dyb3VuZCI6eyIkaWQiOiIyNzIiLCJDb2xvciI6eyIkaWQiOiIyNzMiLCJBIjoyNTUsIlIiOjY4LCJHIjo4NCwiQiI6MTA2fX0sIklzVmlzaWJsZSI6dHJ1ZSwiV2lkdGgiOjAuMCwiSGVpZ2h0IjoxNi4wLCJCb3JkZXJTdHlsZSI6eyIkaWQiOiIyNzQiLCJMaW5lQ29sb3IiOnsiJHJlZiI6IjEwOSJ9LCJMaW5lV2VpZ2h0IjowLjAsIkxpbmVUeXBlIjowLCJQYXJlbnRTdHlsZSI6bnVsbH0sIlBhcmVudFN0eWxlIjpudWxsfSwiVGl0bGVTdHlsZSI6eyIkaWQiOiIyNzUiLCJGb250U2V0dGluZ3MiOnsiJGlkIjoiMjc2IiwiRm9udFNpemUiOjExLCJGb250TmFtZSI6IkNhbGlicmkiLCJJc0JvbGQiOnRydWUsIklzSXRhbGljIjpmYWxzZSwiSXNVbmRlcmxpbmVkIjpmYWxzZSwiUGFyZW50U3R5bGUiOm51bGx9LCJBdXRvU2l6ZSI6MCwiRm9yZWdyb3VuZCI6eyIkaWQiOiIyNzciLCJDb2xvciI6eyIkcmVmIjoiMTE0In19LCJNYXhXaWR0aCI6NzIwLjAsIk1heEhlaWdodCI6IkluZmluaXR5IiwiU21hcnRGb3JlZ3JvdW5kSXNBY3RpdmUiOmZhbHNlLCJIb3Jpem9udGFsQWxpZ25tZW50IjowLCJWZXJ0aWNhbEFsaWdubWVudCI6MCwiU21hcnRGb3JlZ3JvdW5kIjpudWxsLCJCYWNrZ3JvdW5kRmlsbFR5cGUiOjAsIk1hcmdpbiI6eyIkaWQiOiIyNzgiLCJUb3AiOjAsIkxlZnQiOjAsIlJpZ2h0IjowLCJCb3R0b20iOjB9LCJQYWRkaW5nIjp7IiRpZCI6IjI3OSIsIlRvcCI6MCwiTGVmdCI6MCwiUmlnaHQiOjAsIkJvdHRvbSI6MH0sIkJhY2tncm91bmQiOnsiJHJlZiI6IjExNyJ9LCJJc1Zpc2libGUiOnRydWUsIldpZHRoIjowLjAsIkhlaWdodCI6MC4wLCJCb3JkZXJTdHlsZSI6eyIkaWQiOiIyODAiLCJMaW5lQ29sb3IiOm51bGwsIkxpbmVXZWlnaHQiOjAuMCwiTGluZVR5cGUiOjAsIlBhcmVudFN0eWxlIjpudWxsfSwiUGFyZW50U3R5bGUiOm51bGx9LCJEYXRlU3R5bGUiOnsiJGlkIjoiMjgxIiwiRm9udFNldHRpbmdzIjp7IiRpZCI6IjI4MiIsIkZvbnRTaXplIjoxMCwiRm9udE5hbWUiOiJDYWxpYnJpIiwiSXNCb2xkIjpmYWxzZSwiSXNJdGFsaWMiOmZhbHNlLCJJc1VuZGVybGluZWQiOmZhbHNlLCJQYXJlbnRTdHlsZSI6bnVsbH0sIkF1dG9TaXplIjowLCJGb3JlZ3JvdW5kIjp7IiRpZCI6IjI4MyIsIkNvbG9yIjp7IiRyZWYiOiIxMjEifX0sIk1heFdpZHRoIjoyMDAuMCwiTWF4SGVpZ2h0IjoiSW5maW5pdHkiLCJTbWFydEZvcmVncm91bmRJc0FjdGl2ZSI6ZmFsc2UsIkhvcml6b250YWxBbGlnbm1lbnQiOjAsIlZlcnRpY2FsQWxpZ25tZW50IjowLCJTbWFydEZvcmVncm91bmQiOm51bGwsIkJhY2tncm91bmRGaWxsVHlwZSI6MCwiTWFyZ2luIjp7IiRpZCI6IjI4NCIsIlRvcCI6MCwiTGVmdCI6MCwiUmlnaHQiOjAsIkJvdHRvbSI6MH0sIlBhZGRpbmciOnsiJGlkIjoiMjg1IiwiVG9wIjowLCJMZWZ0IjowLCJSaWdodCI6MCwiQm90dG9tIjowfSwiQmFja2dyb3VuZCI6eyIkcmVmIjoiMTI0In0sIklzVmlzaWJsZSI6dHJ1ZSwiV2lkdGgiOjAuMCwiSGVpZ2h0IjowLjAsIkJvcmRlclN0eWxlIjp7IiRpZCI6IjI4NiIsIkxpbmVDb2xvciI6bnVsbCwiTGluZVdlaWdodCI6MC4wLCJMaW5lVHlwZSI6MCwiUGFyZW50U3R5bGUiOm51bGx9LCJQYXJlbnRTdHlsZSI6bnVsbH0sIkRhdGVGb3JtYXQiOnsiJGlkIjoiMjg3IiwiRm9ybWF0U3RyaW5nIjoiTS9kL3l5eXkiLCJTZXBhcmF0b3IiOiIvIiwiVXNlSW50ZXJuYXRpb25hbERhdGVGb3JtYXQiOmZhbHNlLCJEYXRlSXNWaXNpYmxlIjp0cnVlLCJUaW1lSXNWaXNpYmxlIjpmYWxzZSwiSG91ckRpZ2l0cyI6MSwiQW1QbURlc2lnbmF0b3IiOjIsIlRyaW0wME1pbnV0ZXMiOmZhbHNlLCJMYXN0S25vd25WaXNpYmlsaXR5U3RhdGUiOm51bGx9LCJJc1Zpc2libGUiOnRydWUsIlBhcmVudFN0eWxlIjpudWxsfSwiSW5kZXgiOjUsIlNtYXJ0RHVyYXRpb25BY3RpdmF0ZWQiOmZhbHNlLCJEYXRlRm9ybWF0Ijp7IiRyZWYiOiIyODcifSwiSWQiOiIzODJkZGY3Yy00OWFlLTQxYTktYTg5Ni1iNjgyMzNiYjg2MGIiLCJJbXBvcnRJZCI6bnVsbCwiVGl0bGUiOiJDIyDqs7XrtoAg67CPIOyciOuPhOyasCDtlITroZzqt7jrnqggR1VJIOqwnOuwnCIsIk5vdGUiOm51bGwsIkh5cGVybGluayI6bnVsbCwiSXNDaGFuZ2VkIjpmYWxzZSwiSXNOZXciOmZhbHNlfSx7IiRpZCI6IjI4OCIsIkdyb3VwTmFtZSI6bnVsbCwiU3RhcnREYXRlIjoiMjAxOS0wNC0xMFQwMDowMDowMFoiLCJFbmREYXRlIjoiMjAxOS0wNS0xOVQyMzo1OTowMFoiLCJQZXJjZW50YWdlQ29tcGxldGUiOm51bGwsIlN0eWxlIjp7IiRpZCI6IjI4OSIsIlNoYXBlIjowLCJTaGFwZVRoaWNrbmVzcyI6MSwiRHVyYXRpb25Gb3JtYXQiOjAsIkluY2x1ZGVOb25Xb3JraW5nRGF5c0luRHVyYXRpb24iOmZhbHNlLCJQZXJjZW50YWdlQ29tcGxldGVTdHlsZSI6eyIkaWQiOiIyOTAiLCJGb250U2V0dGluZ3MiOnsiJGlkIjoiMjkxIiwiRm9udFNpemUiOjEwLCJGb250TmFtZSI6IkNhbGlicmkiLCJJc0JvbGQiOmZhbHNlLCJJc0l0YWxpYyI6ZmFsc2UsIklzVW5kZXJsaW5lZCI6ZmFsc2UsIlBhcmVudFN0eWxlIjpudWxsfSwiQXV0b1NpemUiOjAsIkZvcmVncm91bmQiOnsiJGlkIjoiMjkyIiwiQ29sb3IiOnsiJHJlZiI6Ijg2In19LCJNYXhXaWR0aCI6MjAwLjAsIk1heEhlaWdodCI6IkluZmluaXR5IiwiU21hcnRGb3JlZ3JvdW5kSXNBY3RpdmUiOmZhbHNlLCJIb3Jpem9udGFsQWxpZ25tZW50IjowLCJWZXJ0aWNhbEFsaWdubWVudCI6MCwiU21hcnRGb3JlZ3JvdW5kIjpudWxsLCJCYWNrZ3JvdW5kRmlsbFR5cGUiOjAsIk1hcmdpbiI6eyIkaWQiOiIyOTMiLCJUb3AiOjAsIkxlZnQiOjAsIlJpZ2h0IjowLCJCb3R0b20iOjB9LCJQYWRkaW5nIjp7IiRpZCI6IjI5NCIsIlRvcCI6MCwiTGVmdCI6MCwiUmlnaHQiOjAsIkJvdHRvbSI6MH0sIkJhY2tncm91bmQiOnsiJHJlZiI6Ijg5In0sIklzVmlzaWJsZSI6dHJ1ZSwiV2lkdGgiOjAuMCwiSGVpZ2h0IjowLjAsIkJvcmRlclN0eWxlIjp7IiRpZCI6IjI5NSIsIkxpbmVDb2xvciI6bnVsbCwiTGluZVdlaWdodCI6MC4wLCJMaW5lVHlwZSI6MCwiUGFyZW50U3R5bGUiOm51bGx9LCJQYXJlbnRTdHlsZSI6bnVsbH0sIkR1cmF0aW9uU3R5bGUiOnsiJGlkIjoiMjk2IiwiRm9udFNldHRpbmdzIjp7IiRpZCI6IjI5NyIsIkZvbnRTaXplIjoxMCwiRm9udE5hbWUiOiJDYWxpYnJpIiwiSXNCb2xkIjpmYWxzZSwiSXNJdGFsaWMiOmZhbHNlLCJJc1VuZGVybGluZWQiOmZhbHNlLCJQYXJlbnRTdHlsZSI6bnVsbH0sIkF1dG9TaXplIjowLCJGb3JlZ3JvdW5kIjp7IiRpZCI6IjI5OCIsIkNvbG9yIjp7IiRyZWYiOiI5MyJ9fSwiTWF4V2lkdGgiOjIwMC4wLCJNYXhIZWlnaHQiOiJJbmZpbml0eSIsIlNtYXJ0Rm9yZWdyb3VuZElzQWN0aXZlIjpmYWxzZSwiSG9yaXpvbnRhbEFsaWdubWVudCI6MCwiVmVydGljYWxBbGlnbm1lbnQiOjAsIlNtYXJ0Rm9yZWdyb3VuZCI6bnVsbCwiQmFja2dyb3VuZEZpbGxUeXBlIjowLCJNYXJnaW4iOnsiJGlkIjoiMjk5IiwiVG9wIjowLCJMZWZ0IjowLCJSaWdodCI6MCwiQm90dG9tIjowfSwiUGFkZGluZyI6eyIkaWQiOiIzMDAiLCJUb3AiOjAsIkxlZnQiOjAsIlJpZ2h0IjowLCJCb3R0b20iOjB9LCJCYWNrZ3JvdW5kIjp7IiRyZWYiOiI5NiJ9LCJJc1Zpc2libGUiOnRydWUsIldpZHRoIjowLjAsIkhlaWdodCI6MC4wLCJCb3JkZXJTdHlsZSI6eyIkaWQiOiIzMDEiLCJMaW5lQ29sb3IiOm51bGwsIkxpbmVXZWlnaHQiOjAuMCwiTGluZVR5cGUiOjAsIlBhcmVudFN0eWxlIjpudWxsfSwiUGFyZW50U3R5bGUiOm51bGx9LCJIb3Jpem9udGFsQ29ubmVjdG9yU3R5bGUiOnsiJGlkIjoiMzAyIiwiTGluZUNvbG9yIjp7IiRyZWYiOiI5OCJ9LCJMaW5lV2VpZ2h0IjoxLjAsIkxpbmVUeXBlIjowLCJQYXJlbnRTdHlsZSI6bnVsbH0sIlZlcnRpY2FsQ29ubmVjdG9yU3R5bGUiOnsiJGlkIjoiMzAzIiwiTGluZUNvbG9yIjp7IiRyZWYiOiIxMDEifSwiTGluZVdlaWdodCI6MC4wLCJMaW5lVHlwZSI6MCwiUGFyZW50U3R5bGUiOm51bGx9LCJNYXJnaW4iOm51bGwsIlN0YXJ0RGF0ZVBvc2l0aW9uIjo0LCJFbmREYXRlUG9zaXRpb24iOjQsIkRhdGVJc1Zpc2libGUiOnRydWUsIlRpdGxlUG9zaXRpb24iOjUsIkR1cmF0aW9uUG9zaXRpb24iOjYsIlBlcmNlbnRhZ2VDb21wbGV0ZWRQb3NpdGlvbiI6NiwiU3BhY2luZyI6NSwiSXNCZWxvd1RpbWViYW5kIjp0cnVlLCJQZXJjZW50YWdlQ29tcGxldGVTaGFwZU9wYWNpdHkiOjM1LCJTaGFwZVN0eWxlIjp7IiRpZCI6IjMwNCIsIk1hcmdpbiI6eyIkaWQiOiIzMDUiLCJUb3AiOjAsIkxlZnQiOjQsIlJpZ2h0Ijo0LCJCb3R0b20iOjB9LCJQYWRkaW5nIjp7IiRpZCI6IjMwNiIsIlRvcCI6MCwiTGVmdCI6MCwiUmlnaHQiOjAsIkJvdHRvbSI6MH0sIkJhY2tncm91bmQiOnsiJGlkIjoiMzA3IiwiQ29sb3IiOnsiJGlkIjoiMzA4IiwiQSI6MjU1LCJSIjoyNTUsIkciOjE5MiwiQiI6MH19LCJJc1Zpc2libGUiOnRydWUsIldpZHRoIjowLjAsIkhlaWdodCI6MTYuMCwiQm9yZGVyU3R5bGUiOnsiJGlkIjoiMzA5IiwiTGluZUNvbG9yIjp7IiRyZWYiOiIxMDkifSwiTGluZVdlaWdodCI6MC4wLCJMaW5lVHlwZSI6MCwiUGFyZW50U3R5bGUiOm51bGx9LCJQYXJlbnRTdHlsZSI6bnVsbH0sIlRpdGxlU3R5bGUiOnsiJGlkIjoiMzEwIiwiRm9udFNldHRpbmdzIjp7IiRpZCI6IjMxMSIsIkZvbnRTaXplIjoxMSwiRm9udE5hbWUiOiJDYWxpYnJpIiwiSXNCb2xkIjp0cnVlLCJJc0l0YWxpYyI6ZmFsc2UsIklzVW5kZXJsaW5lZCI6ZmFsc2UsIlBhcmVudFN0eWxlIjpudWxsfSwiQXV0b1NpemUiOjAsIkZvcmVncm91bmQiOnsiJGlkIjoiMzEyIiwiQ29sb3IiOnsiJHJlZiI6IjExNCJ9fSwiTWF4V2lkdGgiOjk2MC4wLCJNYXhIZWlnaHQiOiJJbmZpbml0eSIsIlNtYXJ0Rm9yZWdyb3VuZElzQWN0aXZlIjpmYWxzZSwiSG9yaXpvbnRhbEFsaWdubWVudCI6MCwiVmVydGljYWxBbGlnbm1lbnQiOjAsIlNtYXJ0Rm9yZWdyb3VuZCI6bnVsbCwiQmFja2dyb3VuZEZpbGxUeXBlIjowLCJNYXJnaW4iOnsiJGlkIjoiMzEzIiwiVG9wIjowLCJMZWZ0IjowLCJSaWdodCI6MCwiQm90dG9tIjowfSwiUGFkZGluZyI6eyIkaWQiOiIzMTQiLCJUb3AiOjAsIkxlZnQiOjAsIlJpZ2h0IjowLCJCb3R0b20iOjB9LCJCYWNrZ3JvdW5kIjp7IiRyZWYiOiIxMTcifSwiSXNWaXNpYmxlIjp0cnVlLCJXaWR0aCI6MC4wLCJIZWlnaHQiOjAuMCwiQm9yZGVyU3R5bGUiOnsiJGlkIjoiMzE1IiwiTGluZUNvbG9yIjpudWxsLCJMaW5lV2VpZ2h0IjowLjAsIkxpbmVUeXBlIjowLCJQYXJlbnRTdHlsZSI6bnVsbH0sIlBhcmVudFN0eWxlIjpudWxsfSwiRGF0ZVN0eWxlIjp7IiRpZCI6IjMxNiIsIkZvbnRTZXR0aW5ncyI6eyIkaWQiOiIzMTciLCJGb250U2l6ZSI6MTAsIkZvbnROYW1lIjoiQ2FsaWJyaSIsIklzQm9sZCI6ZmFsc2UsIklzSXRhbGljIjpmYWxzZSwiSXNVbmRlcmxpbmVkIjpmYWxzZSwiUGFyZW50U3R5bGUiOm51bGx9LCJBdXRvU2l6ZSI6MCwiRm9yZWdyb3VuZCI6eyIkaWQiOiIzMTgiLCJDb2xvciI6eyIkcmVmIjoiMTIxIn19LCJNYXhXaWR0aCI6MjAwLjAsIk1heEhlaWdodCI6IkluZmluaXR5IiwiU21hcnRGb3JlZ3JvdW5kSXNBY3RpdmUiOmZhbHNlLCJIb3Jpem9udGFsQWxpZ25tZW50IjowLCJWZXJ0aWNhbEFsaWdubWVudCI6MCwiU21hcnRGb3JlZ3JvdW5kIjpudWxsLCJCYWNrZ3JvdW5kRmlsbFR5cGUiOjAsIk1hcmdpbiI6eyIkaWQiOiIzMTkiLCJUb3AiOjAsIkxlZnQiOjAsIlJpZ2h0IjowLCJCb3R0b20iOjB9LCJQYWRkaW5nIjp7IiRpZCI6IjMyMCIsIlRvcCI6MCwiTGVmdCI6MCwiUmlnaHQiOjAsIkJvdHRvbSI6MH0sIkJhY2tncm91bmQiOnsiJHJlZiI6IjEyNCJ9LCJJc1Zpc2libGUiOnRydWUsIldpZHRoIjowLjAsIkhlaWdodCI6MC4wLCJCb3JkZXJTdHlsZSI6eyIkaWQiOiIzMjEiLCJMaW5lQ29sb3IiOm51bGwsIkxpbmVXZWlnaHQiOjAuMCwiTGluZVR5cGUiOjAsIlBhcmVudFN0eWxlIjpudWxsfSwiUGFyZW50U3R5bGUiOm51bGx9LCJEYXRlRm9ybWF0Ijp7IiRpZCI6IjMyMiIsIkZvcm1hdFN0cmluZyI6Ik0vZC95eXl5IiwiU2VwYXJhdG9yIjoiLyIsIlVzZUludGVybmF0aW9uYWxEYXRlRm9ybWF0IjpmYWxzZSwiRGF0ZUlzVmlzaWJsZSI6dHJ1ZSwiVGltZUlzVmlzaWJsZSI6ZmFsc2UsIkhvdXJEaWdpdHMiOjEsIkFtUG1EZXNpZ25hdG9yIjoyLCJUcmltMDBNaW51dGVzIjpmYWxzZSwiTGFzdEtub3duVmlzaWJpbGl0eVN0YXRlIjpudWxsfSwiSXNWaXNpYmxlIjp0cnVlLCJQYXJlbnRTdHlsZSI6bnVsbH0sIkluZGV4Ijo2LCJTbWFydER1cmF0aW9uQWN0aXZhdGVkIjpmYWxzZSwiRGF0ZUZvcm1hdCI6eyIkcmVmIjoiMzIyIn0sIklkIjoiMjdhZTQ3NTgtOWJhYy00MGQzLTg0MDktNDA1ZDVhMjhjOWI2IiwiSW1wb3J0SWQiOm51bGwsIlRpdGxlIjoi7IaQIOyduOyLnSDrqqjrk4gg6rCc67CcIiwiTm90ZSI6bnVsbCwiSHlwZXJsaW5rIjpudWxsLCJJc0NoYW5nZWQiOmZhbHNlLCJJc05ldyI6ZmFsc2V9LHsiJGlkIjoiMzIzIiwiR3JvdXBOYW1lIjpudWxsLCJTdGFydERhdGUiOiIyMDE5LTA0LTE0VDAwOjAwOjAwWiIsIkVuZERhdGUiOiIyMDE5LTA1LTA5VDIzOjU5OjAwWiIsIlBlcmNlbnRhZ2VDb21wbGV0ZSI6bnVsbCwiU3R5bGUiOnsiJGlkIjoiMzI0IiwiU2hhcGUiOjAsIlNoYXBlVGhpY2tuZXNzIjoxLCJEdXJhdGlvbkZvcm1hdCI6MCwiSW5jbHVkZU5vbldvcmtpbmdEYXlzSW5EdXJhdGlvbiI6ZmFsc2UsIlBlcmNlbnRhZ2VDb21wbGV0ZVN0eWxlIjp7IiRpZCI6IjMyNSIsIkZvbnRTZXR0aW5ncyI6eyIkaWQiOiIzMjYiLCJGb250U2l6ZSI6MTAsIkZvbnROYW1lIjoiQ2FsaWJyaSIsIklzQm9sZCI6ZmFsc2UsIklzSXRhbGljIjpmYWxzZSwiSXNVbmRlcmxpbmVkIjpmYWxzZSwiUGFyZW50U3R5bGUiOm51bGx9LCJBdXRvU2l6ZSI6MCwiRm9yZWdyb3VuZCI6eyIkaWQiOiIzMjciLCJDb2xvciI6eyIkcmVmIjoiODYifX0sIk1heFdpZHRoIjoyMDAuMCwiTWF4SGVpZ2h0IjoiSW5maW5pdHkiLCJTbWFydEZvcmVncm91bmRJc0FjdGl2ZSI6ZmFsc2UsIkhvcml6b250YWxBbGlnbm1lbnQiOjAsIlZlcnRpY2FsQWxpZ25tZW50IjowLCJTbWFydEZvcmVncm91bmQiOm51bGwsIkJhY2tncm91bmRGaWxsVHlwZSI6MCwiTWFyZ2luIjp7IiRpZCI6IjMyOCIsIlRvcCI6MCwiTGVmdCI6MCwiUmlnaHQiOjAsIkJvdHRvbSI6MH0sIlBhZGRpbmciOnsiJGlkIjoiMzI5IiwiVG9wIjowLCJMZWZ0IjowLCJSaWdodCI6MCwiQm90dG9tIjowfSwiQmFja2dyb3VuZCI6eyIkcmVmIjoiODkifSwiSXNWaXNpYmxlIjp0cnVlLCJXaWR0aCI6MC4wLCJIZWlnaHQiOjAuMCwiQm9yZGVyU3R5bGUiOnsiJGlkIjoiMzMwIiwiTGluZUNvbG9yIjpudWxsLCJMaW5lV2VpZ2h0IjowLjAsIkxpbmVUeXBlIjowLCJQYXJlbnRTdHlsZSI6bnVsbH0sIlBhcmVudFN0eWxlIjpudWxsfSwiRHVyYXRpb25TdHlsZSI6eyIkaWQiOiIzMzEiLCJGb250U2V0dGluZ3MiOnsiJGlkIjoiMzMyIiwiRm9udFNpemUiOjEwLCJGb250TmFtZSI6IkNhbGlicmkiLCJJc0JvbGQiOmZhbHNlLCJJc0l0YWxpYyI6ZmFsc2UsIklzVW5kZXJsaW5lZCI6ZmFsc2UsIlBhcmVudFN0eWxlIjpudWxsfSwiQXV0b1NpemUiOjAsIkZvcmVncm91bmQiOnsiJGlkIjoiMzMzIiwiQ29sb3IiOnsiJHJlZiI6IjkzIn19LCJNYXhXaWR0aCI6MjAwLjAsIk1heEhlaWdodCI6IkluZmluaXR5IiwiU21hcnRGb3JlZ3JvdW5kSXNBY3RpdmUiOmZhbHNlLCJIb3Jpem9udGFsQWxpZ25tZW50IjowLCJWZXJ0aWNhbEFsaWdubWVudCI6MCwiU21hcnRGb3JlZ3JvdW5kIjpudWxsLCJCYWNrZ3JvdW5kRmlsbFR5cGUiOjAsIk1hcmdpbiI6eyIkaWQiOiIzMzQiLCJUb3AiOjAsIkxlZnQiOjAsIlJpZ2h0IjowLCJCb3R0b20iOjB9LCJQYWRkaW5nIjp7IiRpZCI6IjMzNSIsIlRvcCI6MCwiTGVmdCI6MCwiUmlnaHQiOjAsIkJvdHRvbSI6MH0sIkJhY2tncm91bmQiOnsiJHJlZiI6Ijk2In0sIklzVmlzaWJsZSI6dHJ1ZSwiV2lkdGgiOjAuMCwiSGVpZ2h0IjowLjAsIkJvcmRlclN0eWxlIjp7IiRpZCI6IjMzNiIsIkxpbmVDb2xvciI6bnVsbCwiTGluZVdlaWdodCI6MC4wLCJMaW5lVHlwZSI6MCwiUGFyZW50U3R5bGUiOm51bGx9LCJQYXJlbnRTdHlsZSI6bnVsbH0sIkhvcml6b250YWxDb25uZWN0b3JTdHlsZSI6eyIkaWQiOiIzMzciLCJMaW5lQ29sb3IiOnsiJHJlZiI6Ijk4In0sIkxpbmVXZWlnaHQiOjEuMCwiTGluZVR5cGUiOjAsIlBhcmVudFN0eWxlIjpudWxsfSwiVmVydGljYWxDb25uZWN0b3JTdHlsZSI6eyIkaWQiOiIzMzgiLCJMaW5lQ29sb3IiOnsiJHJlZiI6IjEwMSJ9LCJMaW5lV2VpZ2h0IjowLjAsIkxpbmVUeXBlIjowLCJQYXJlbnRTdHlsZSI6bnVsbH0sIk1hcmdpbiI6bnVsbCwiU3RhcnREYXRlUG9zaXRpb24iOjQsIkVuZERhdGVQb3NpdGlvbiI6NCwiRGF0ZUlzVmlzaWJsZSI6dHJ1ZSwiVGl0bGVQb3NpdGlvbiI6NSwiRHVyYXRpb25Qb3NpdGlvbiI6NiwiUGVyY2VudGFnZUNvbXBsZXRlZFBvc2l0aW9uIjo2LCJTcGFjaW5nIjo1LCJJc0JlbG93VGltZWJhbmQiOnRydWUsIlBlcmNlbnRhZ2VDb21wbGV0ZVNoYXBlT3BhY2l0eSI6MzUsIlNoYXBlU3R5bGUiOnsiJGlkIjoiMzM5IiwiTWFyZ2luIjp7IiRpZCI6IjM0MCIsIlRvcCI6MCwiTGVmdCI6NCwiUmlnaHQiOjQsIkJvdHRvbSI6MH0sIlBhZGRpbmciOnsiJGlkIjoiMzQxIiwiVG9wIjowLCJMZWZ0IjowLCJSaWdodCI6MCwiQm90dG9tIjowfSwiQmFja2dyb3VuZCI6eyIkaWQiOiIzNDIiLCJDb2xvciI6eyIkaWQiOiIzNDMiLCJBIjoyNTUsIlIiOjIzNywiRyI6MTI1LCJCIjo0OX19LCJJc1Zpc2libGUiOnRydWUsIldpZHRoIjowLjAsIkhlaWdodCI6MTYuMCwiQm9yZGVyU3R5bGUiOnsiJGlkIjoiMzQ0IiwiTGluZUNvbG9yIjp7IiRyZWYiOiIxMDkifSwiTGluZVdlaWdodCI6MC4wLCJMaW5lVHlwZSI6MCwiUGFyZW50U3R5bGUiOm51bGx9LCJQYXJlbnRTdHlsZSI6bnVsbH0sIlRpdGxlU3R5bGUiOnsiJGlkIjoiMzQ1IiwiRm9udFNldHRpbmdzIjp7IiRpZCI6IjM0NiIsIkZvbnRTaXplIjoxMSwiRm9udE5hbWUiOiJDYWxpYnJpIiwiSXNCb2xkIjp0cnVlLCJJc0l0YWxpYyI6ZmFsc2UsIklzVW5kZXJsaW5lZCI6ZmFsc2UsIlBhcmVudFN0eWxlIjpudWxsfSwiQXV0b1NpemUiOjAsIkZvcmVncm91bmQiOnsiJGlkIjoiMzQ3IiwiQ29sb3IiOnsiJHJlZiI6IjExNCJ9fSwiTWF4V2lkdGgiOjk2MC4wLCJNYXhIZWlnaHQiOiJJbmZpbml0eSIsIlNtYXJ0Rm9yZWdyb3VuZElzQWN0aXZlIjpmYWxzZSwiSG9yaXpvbnRhbEFsaWdubWVudCI6MCwiVmVydGljYWxBbGlnbm1lbnQiOjAsIlNtYXJ0Rm9yZWdyb3VuZCI6bnVsbCwiQmFja2dyb3VuZEZpbGxUeXBlIjowLCJNYXJnaW4iOnsiJGlkIjoiMzQ4IiwiVG9wIjowLCJMZWZ0IjowLCJSaWdodCI6MCwiQm90dG9tIjowfSwiUGFkZGluZyI6eyIkaWQiOiIzNDkiLCJUb3AiOjAsIkxlZnQiOjAsIlJpZ2h0IjowLCJCb3R0b20iOjB9LCJCYWNrZ3JvdW5kIjp7IiRyZWYiOiIxMTcifSwiSXNWaXNpYmxlIjp0cnVlLCJXaWR0aCI6MC4wLCJIZWlnaHQiOjAuMCwiQm9yZGVyU3R5bGUiOnsiJGlkIjoiMzUwIiwiTGluZUNvbG9yIjpudWxsLCJMaW5lV2VpZ2h0IjowLjAsIkxpbmVUeXBlIjowLCJQYXJlbnRTdHlsZSI6bnVsbH0sIlBhcmVudFN0eWxlIjpudWxsfSwiRGF0ZVN0eWxlIjp7IiRpZCI6IjM1MSIsIkZvbnRTZXR0aW5ncyI6eyIkaWQiOiIzNTIiLCJGb250U2l6ZSI6MTAsIkZvbnROYW1lIjoiQ2FsaWJyaSIsIklzQm9sZCI6ZmFsc2UsIklzSXRhbGljIjpmYWxzZSwiSXNVbmRlcmxpbmVkIjpmYWxzZSwiUGFyZW50U3R5bGUiOm51bGx9LCJBdXRvU2l6ZSI6MCwiRm9yZWdyb3VuZCI6eyIkaWQiOiIzNTMiLCJDb2xvciI6eyIkcmVmIjoiMTIxIn19LCJNYXhXaWR0aCI6MjAwLjAsIk1heEhlaWdodCI6IkluZmluaXR5IiwiU21hcnRGb3JlZ3JvdW5kSXNBY3RpdmUiOmZhbHNlLCJIb3Jpem9udGFsQWxpZ25tZW50IjowLCJWZXJ0aWNhbEFsaWdubWVudCI6MCwiU21hcnRGb3JlZ3JvdW5kIjpudWxsLCJCYWNrZ3JvdW5kRmlsbFR5cGUiOjAsIk1hcmdpbiI6eyIkaWQiOiIzNTQiLCJUb3AiOjAsIkxlZnQiOjAsIlJpZ2h0IjowLCJCb3R0b20iOjB9LCJQYWRkaW5nIjp7IiRpZCI6IjM1NSIsIlRvcCI6MCwiTGVmdCI6MCwiUmlnaHQiOjAsIkJvdHRvbSI6MH0sIkJhY2tncm91bmQiOnsiJHJlZiI6IjEyNCJ9LCJJc1Zpc2libGUiOnRydWUsIldpZHRoIjowLjAsIkhlaWdodCI6MC4wLCJCb3JkZXJTdHlsZSI6eyIkaWQiOiIzNTYiLCJMaW5lQ29sb3IiOm51bGwsIkxpbmVXZWlnaHQiOjAuMCwiTGluZVR5cGUiOjAsIlBhcmVudFN0eWxlIjpudWxsfSwiUGFyZW50U3R5bGUiOm51bGx9LCJEYXRlRm9ybWF0Ijp7IiRpZCI6IjM1NyIsIkZvcm1hdFN0cmluZyI6Ik0vZC95eXl5IiwiU2VwYXJhdG9yIjoiLyIsIlVzZUludGVybmF0aW9uYWxEYXRlRm9ybWF0IjpmYWxzZSwiRGF0ZUlzVmlzaWJsZSI6dHJ1ZSwiVGltZUlzVmlzaWJsZSI6ZmFsc2UsIkhvdXJEaWdpdHMiOjEsIkFtUG1EZXNpZ25hdG9yIjoyLCJUcmltMDBNaW51dGVzIjpmYWxzZSwiTGFzdEtub3duVmlzaWJpbGl0eVN0YXRlIjpudWxsfSwiSXNWaXNpYmxlIjp0cnVlLCJQYXJlbnRTdHlsZSI6bnVsbH0sIkluZGV4Ijo3LCJTbWFydER1cmF0aW9uQWN0aXZhdGVkIjpmYWxzZSwiRGF0ZUZvcm1hdCI6eyIkcmVmIjoiMzU3In0sIklkIjoiZTY3NmRkNWMtOGQ2NS00Nzc1LTg4YjYtZDU2YjRlNzNlZTBjIiwiSW1wb3J0SWQiOm51bGwsIlRpdGxlIjoi7Iug7LK0IOyduOyLnSDrqqjrk4gg6rCc67CcIiwiTm90ZSI6bnVsbCwiSHlwZXJsaW5rIjpudWxsLCJJc0NoYW5nZWQiOmZhbHNlLCJJc05ldyI6ZmFsc2V9LHsiJGlkIjoiMzU4IiwiR3JvdXBOYW1lIjpudWxsLCJTdGFydERhdGUiOiIyMDE5LTA1LTEwVDAwOjAwOjAwWiIsIkVuZERhdGUiOiIyMDE5LTA2LTA3VDIzOjU5OjAwWiIsIlBlcmNlbnRhZ2VDb21wbGV0ZSI6bnVsbCwiU3R5bGUiOnsiJGlkIjoiMzU5IiwiU2hhcGUiOjAsIlNoYXBlVGhpY2tuZXNzIjoxLCJEdXJhdGlvbkZvcm1hdCI6MCwiSW5jbHVkZU5vbldvcmtpbmdEYXlzSW5EdXJhdGlvbiI6ZmFsc2UsIlBlcmNlbnRhZ2VDb21wbGV0ZVN0eWxlIjp7IiRpZCI6IjM2MCIsIkZvbnRTZXR0aW5ncyI6eyIkaWQiOiIzNjEiLCJGb250U2l6ZSI6MTAsIkZvbnROYW1lIjoiQ2FsaWJyaSIsIklzQm9sZCI6ZmFsc2UsIklzSXRhbGljIjpmYWxzZSwiSXNVbmRlcmxpbmVkIjpmYWxzZSwiUGFyZW50U3R5bGUiOm51bGx9LCJBdXRvU2l6ZSI6MCwiRm9yZWdyb3VuZCI6eyIkaWQiOiIzNjIiLCJDb2xvciI6eyIkcmVmIjoiODYifX0sIk1heFdpZHRoIjoyMDAuMCwiTWF4SGVpZ2h0IjoiSW5maW5pdHkiLCJTbWFydEZvcmVncm91bmRJc0FjdGl2ZSI6ZmFsc2UsIkhvcml6b250YWxBbGlnbm1lbnQiOjAsIlZlcnRpY2FsQWxpZ25tZW50IjowLCJTbWFydEZvcmVncm91bmQiOm51bGwsIkJhY2tncm91bmRGaWxsVHlwZSI6MCwiTWFyZ2luIjp7IiRpZCI6IjM2MyIsIlRvcCI6MCwiTGVmdCI6MCwiUmlnaHQiOjAsIkJvdHRvbSI6MH0sIlBhZGRpbmciOnsiJGlkIjoiMzY0IiwiVG9wIjowLCJMZWZ0IjowLCJSaWdodCI6MCwiQm90dG9tIjowfSwiQmFja2dyb3VuZCI6eyIkcmVmIjoiODkifSwiSXNWaXNpYmxlIjp0cnVlLCJXaWR0aCI6MC4wLCJIZWlnaHQiOjAuMCwiQm9yZGVyU3R5bGUiOnsiJGlkIjoiMzY1IiwiTGluZUNvbG9yIjpudWxsLCJMaW5lV2VpZ2h0IjowLjAsIkxpbmVUeXBlIjowLCJQYXJlbnRTdHlsZSI6bnVsbH0sIlBhcmVudFN0eWxlIjpudWxsfSwiRHVyYXRpb25TdHlsZSI6eyIkaWQiOiIzNjYiLCJGb250U2V0dGluZ3MiOnsiJGlkIjoiMzY3IiwiRm9udFNpemUiOjEwLCJGb250TmFtZSI6IkNhbGlicmkiLCJJc0JvbGQiOmZhbHNlLCJJc0l0YWxpYyI6ZmFsc2UsIklzVW5kZXJsaW5lZCI6ZmFsc2UsIlBhcmVudFN0eWxlIjpudWxsfSwiQXV0b1NpemUiOjAsIkZvcmVncm91bmQiOnsiJGlkIjoiMzY4IiwiQ29sb3IiOnsiJHJlZiI6IjkzIn19LCJNYXhXaWR0aCI6MjAwLjAsIk1heEhlaWdodCI6IkluZmluaXR5IiwiU21hcnRGb3JlZ3JvdW5kSXNBY3RpdmUiOmZhbHNlLCJIb3Jpem9udGFsQWxpZ25tZW50IjowLCJWZXJ0aWNhbEFsaWdubWVudCI6MCwiU21hcnRGb3JlZ3JvdW5kIjpudWxsLCJCYWNrZ3JvdW5kRmlsbFR5cGUiOjAsIk1hcmdpbiI6eyIkaWQiOiIzNjkiLCJUb3AiOjAsIkxlZnQiOjAsIlJpZ2h0IjowLCJCb3R0b20iOjB9LCJQYWRkaW5nIjp7IiRpZCI6IjM3MCIsIlRvcCI6MCwiTGVmdCI6MCwiUmlnaHQiOjAsIkJvdHRvbSI6MH0sIkJhY2tncm91bmQiOnsiJHJlZiI6Ijk2In0sIklzVmlzaWJsZSI6dHJ1ZSwiV2lkdGgiOjAuMCwiSGVpZ2h0IjowLjAsIkJvcmRlclN0eWxlIjp7IiRpZCI6IjM3MSIsIkxpbmVDb2xvciI6bnVsbCwiTGluZVdlaWdodCI6MC4wLCJMaW5lVHlwZSI6MCwiUGFyZW50U3R5bGUiOm51bGx9LCJQYXJlbnRTdHlsZSI6bnVsbH0sIkhvcml6b250YWxDb25uZWN0b3JTdHlsZSI6eyIkaWQiOiIzNzIiLCJMaW5lQ29sb3IiOnsiJHJlZiI6Ijk4In0sIkxpbmVXZWlnaHQiOjEuMCwiTGluZVR5cGUiOjAsIlBhcmVudFN0eWxlIjpudWxsfSwiVmVydGljYWxDb25uZWN0b3JTdHlsZSI6eyIkaWQiOiIzNzMiLCJMaW5lQ29sb3IiOnsiJHJlZiI6IjEwMSJ9LCJMaW5lV2VpZ2h0IjowLjAsIkxpbmVUeXBlIjowLCJQYXJlbnRTdHlsZSI6bnVsbH0sIk1hcmdpbiI6bnVsbCwiU3RhcnREYXRlUG9zaXRpb24iOjQsIkVuZERhdGVQb3NpdGlvbiI6NCwiRGF0ZUlzVmlzaWJsZSI6dHJ1ZSwiVGl0bGVQb3NpdGlvbiI6NSwiRHVyYXRpb25Qb3NpdGlvbiI6NiwiUGVyY2VudGFnZUNvbXBsZXRlZFBvc2l0aW9uIjo2LCJTcGFjaW5nIjo1LCJJc0JlbG93VGltZWJhbmQiOnRydWUsIlBlcmNlbnRhZ2VDb21wbGV0ZVNoYXBlT3BhY2l0eSI6MzUsIlNoYXBlU3R5bGUiOnsiJGlkIjoiMzc0IiwiTWFyZ2luIjp7IiRpZCI6IjM3NSIsIlRvcCI6MCwiTGVmdCI6NCwiUmlnaHQiOjQsIkJvdHRvbSI6MH0sIlBhZGRpbmciOnsiJGlkIjoiMzc2IiwiVG9wIjowLCJMZWZ0IjowLCJSaWdodCI6MCwiQm90dG9tIjowfSwiQmFja2dyb3VuZCI6eyIkaWQiOiIzNzciLCJDb2xvciI6eyIkaWQiOiIzNzgiLCJBIjoyNTUsIlIiOjIzNywiRyI6MTI1LCJCIjo0OX19LCJJc1Zpc2libGUiOnRydWUsIldpZHRoIjowLjAsIkhlaWdodCI6MTYuMCwiQm9yZGVyU3R5bGUiOnsiJGlkIjoiMzc5IiwiTGluZUNvbG9yIjp7IiRyZWYiOiIxMDkifSwiTGluZVdlaWdodCI6MC4wLCJMaW5lVHlwZSI6MCwiUGFyZW50U3R5bGUiOm51bGx9LCJQYXJlbnRTdHlsZSI6bnVsbH0sIlRpdGxlU3R5bGUiOnsiJGlkIjoiMzgwIiwiRm9udFNldHRpbmdzIjp7IiRpZCI6IjM4MSIsIkZvbnRTaXplIjoxMSwiRm9udE5hbWUiOiJDYWxpYnJpIiwiSXNCb2xkIjp0cnVlLCJJc0l0YWxpYyI6ZmFsc2UsIklzVW5kZXJsaW5lZCI6ZmFsc2UsIlBhcmVudFN0eWxlIjpudWxsfSwiQXV0b1NpemUiOjAsIkZvcmVncm91bmQiOnsiJGlkIjoiMzgyIiwiQ29sb3IiOnsiJHJlZiI6IjExNCJ9fSwiTWF4V2lkdGgiOjcyMC4wLCJNYXhIZWlnaHQiOiJJbmZpbml0eSIsIlNtYXJ0Rm9yZWdyb3VuZElzQWN0aXZlIjpmYWxzZSwiSG9yaXpvbnRhbEFsaWdubWVudCI6MCwiVmVydGljYWxBbGlnbm1lbnQiOjAsIlNtYXJ0Rm9yZWdyb3VuZCI6bnVsbCwiQmFja2dyb3VuZEZpbGxUeXBlIjowLCJNYXJnaW4iOnsiJGlkIjoiMzgzIiwiVG9wIjowLCJMZWZ0IjowLCJSaWdodCI6MCwiQm90dG9tIjowfSwiUGFkZGluZyI6eyIkaWQiOiIzODQiLCJUb3AiOjAsIkxlZnQiOjAsIlJpZ2h0IjowLCJCb3R0b20iOjB9LCJCYWNrZ3JvdW5kIjp7IiRyZWYiOiIxMTcifSwiSXNWaXNpYmxlIjp0cnVlLCJXaWR0aCI6MC4wLCJIZWlnaHQiOjAuMCwiQm9yZGVyU3R5bGUiOnsiJGlkIjoiMzg1IiwiTGluZUNvbG9yIjpudWxsLCJMaW5lV2VpZ2h0IjowLjAsIkxpbmVUeXBlIjowLCJQYXJlbnRTdHlsZSI6bnVsbH0sIlBhcmVudFN0eWxlIjpudWxsfSwiRGF0ZVN0eWxlIjp7IiRpZCI6IjM4NiIsIkZvbnRTZXR0aW5ncyI6eyIkaWQiOiIzODciLCJGb250U2l6ZSI6MTAsIkZvbnROYW1lIjoiQ2FsaWJyaSIsIklzQm9sZCI6ZmFsc2UsIklzSXRhbGljIjpmYWxzZSwiSXNVbmRlcmxpbmVkIjpmYWxzZSwiUGFyZW50U3R5bGUiOm51bGx9LCJBdXRvU2l6ZSI6MCwiRm9yZWdyb3VuZCI6eyIkaWQiOiIzODgiLCJDb2xvciI6eyIkcmVmIjoiMTIxIn19LCJNYXhXaWR0aCI6MjAwLjAsIk1heEhlaWdodCI6IkluZmluaXR5IiwiU21hcnRGb3JlZ3JvdW5kSXNBY3RpdmUiOmZhbHNlLCJIb3Jpem9udGFsQWxpZ25tZW50IjowLCJWZXJ0aWNhbEFsaWdubWVudCI6MCwiU21hcnRGb3JlZ3JvdW5kIjpudWxsLCJCYWNrZ3JvdW5kRmlsbFR5cGUiOjAsIk1hcmdpbiI6eyIkaWQiOiIzODkiLCJUb3AiOjAsIkxlZnQiOjAsIlJpZ2h0IjowLCJCb3R0b20iOjB9LCJQYWRkaW5nIjp7IiRpZCI6IjM5MCIsIlRvcCI6MCwiTGVmdCI6MCwiUmlnaHQiOjAsIkJvdHRvbSI6MH0sIkJhY2tncm91bmQiOnsiJHJlZiI6IjEyNCJ9LCJJc1Zpc2libGUiOnRydWUsIldpZHRoIjowLjAsIkhlaWdodCI6MC4wLCJCb3JkZXJTdHlsZSI6eyIkaWQiOiIzOTEiLCJMaW5lQ29sb3IiOm51bGwsIkxpbmVXZWlnaHQiOjAuMCwiTGluZVR5cGUiOjAsIlBhcmVudFN0eWxlIjpudWxsfSwiUGFyZW50U3R5bGUiOm51bGx9LCJEYXRlRm9ybWF0Ijp7IiRpZCI6IjM5MiIsIkZvcm1hdFN0cmluZyI6Ik0vZC95eXl5IiwiU2VwYXJhdG9yIjoiLyIsIlVzZUludGVybmF0aW9uYWxEYXRlRm9ybWF0IjpmYWxzZSwiRGF0ZUlzVmlzaWJsZSI6dHJ1ZSwiVGltZUlzVmlzaWJsZSI6ZmFsc2UsIkhvdXJEaWdpdHMiOjEsIkFtUG1EZXNpZ25hdG9yIjoyLCJUcmltMDBNaW51dGVzIjpmYWxzZSwiTGFzdEtub3duVmlzaWJpbGl0eVN0YXRlIjpudWxsfSwiSXNWaXNpYmxlIjp0cnVlLCJQYXJlbnRTdHlsZSI6bnVsbH0sIkluZGV4Ijo4LCJTbWFydER1cmF0aW9uQWN0aXZhdGVkIjpmYWxzZSwiRGF0ZUZvcm1hdCI6eyIkcmVmIjoiMzkyIn0sIklkIjoiNTU4NzE1NjYtYWNiNC00NzlmLWE1OTMtYzRkNzVmYWJhNWYzIiwiSW1wb3J0SWQiOm51bGwsIlRpdGxlIjoiQVIg7J2Y7IOBIOqwneyytCDsg53shLEg66qo65OIIOqwnOuwnCIsIk5vdGUiOm51bGwsIkh5cGVybGluayI6bnVsbCwiSXNDaGFuZ2VkIjpmYWxzZSwiSXNOZXciOmZhbHNlfSx7IiRpZCI6IjM5MyIsIkdyb3VwTmFtZSI6bnVsbCwiU3RhcnREYXRlIjoiMjAxOS0wNS0yMFQwMDowMDowMFoiLCJFbmREYXRlIjoiMjAxOS0wNS0yNlQyMzo1OTowMFoiLCJQZXJjZW50YWdlQ29tcGxldGUiOm51bGwsIlN0eWxlIjp7IiRpZCI6IjM5NCIsIlNoYXBlIjowLCJTaGFwZVRoaWNrbmVzcyI6MSwiRHVyYXRpb25Gb3JtYXQiOjAsIkluY2x1ZGVOb25Xb3JraW5nRGF5c0luRHVyYXRpb24iOmZhbHNlLCJQZXJjZW50YWdlQ29tcGxldGVTdHlsZSI6eyIkaWQiOiIzOTUiLCJGb250U2V0dGluZ3MiOnsiJGlkIjoiMzk2IiwiRm9udFNpemUiOjEwLCJGb250TmFtZSI6IkNhbGlicmkiLCJJc0JvbGQiOmZhbHNlLCJJc0l0YWxpYyI6ZmFsc2UsIklzVW5kZXJsaW5lZCI6ZmFsc2UsIlBhcmVudFN0eWxlIjpudWxsfSwiQXV0b1NpemUiOjAsIkZvcmVncm91bmQiOnsiJGlkIjoiMzk3IiwiQ29sb3IiOnsiJHJlZiI6Ijg2In19LCJNYXhXaWR0aCI6MjAwLjAsIk1heEhlaWdodCI6IkluZmluaXR5IiwiU21hcnRGb3JlZ3JvdW5kSXNBY3RpdmUiOmZhbHNlLCJIb3Jpem9udGFsQWxpZ25tZW50IjowLCJWZXJ0aWNhbEFsaWdubWVudCI6MCwiU21hcnRGb3JlZ3JvdW5kIjpudWxsLCJCYWNrZ3JvdW5kRmlsbFR5cGUiOjAsIk1hcmdpbiI6eyIkaWQiOiIzOTgiLCJUb3AiOjAsIkxlZnQiOjAsIlJpZ2h0IjowLCJCb3R0b20iOjB9LCJQYWRkaW5nIjp7IiRpZCI6IjM5OSIsIlRvcCI6MCwiTGVmdCI6MCwiUmlnaHQiOjAsIkJvdHRvbSI6MH0sIkJhY2tncm91bmQiOnsiJHJlZiI6Ijg5In0sIklzVmlzaWJsZSI6dHJ1ZSwiV2lkdGgiOjAuMCwiSGVpZ2h0IjowLjAsIkJvcmRlclN0eWxlIjp7IiRpZCI6IjQwMCIsIkxpbmVDb2xvciI6bnVsbCwiTGluZVdlaWdodCI6MC4wLCJMaW5lVHlwZSI6MCwiUGFyZW50U3R5bGUiOm51bGx9LCJQYXJlbnRTdHlsZSI6bnVsbH0sIkR1cmF0aW9uU3R5bGUiOnsiJGlkIjoiNDAxIiwiRm9udFNldHRpbmdzIjp7IiRpZCI6IjQwMiIsIkZvbnRTaXplIjoxMCwiRm9udE5hbWUiOiJDYWxpYnJpIiwiSXNCb2xkIjpmYWxzZSwiSXNJdGFsaWMiOmZhbHNlLCJJc1VuZGVybGluZWQiOmZhbHNlLCJQYXJlbnRTdHlsZSI6bnVsbH0sIkF1dG9TaXplIjowLCJGb3JlZ3JvdW5kIjp7IiRpZCI6IjQwMyIsIkNvbG9yIjp7IiRyZWYiOiI5MyJ9fSwiTWF4V2lkdGgiOjIwMC4wLCJNYXhIZWlnaHQiOiJJbmZpbml0eSIsIlNtYXJ0Rm9yZWdyb3VuZElzQWN0aXZlIjpmYWxzZSwiSG9yaXpvbnRhbEFsaWdubWVudCI6MCwiVmVydGljYWxBbGlnbm1lbnQiOjAsIlNtYXJ0Rm9yZWdyb3VuZCI6bnVsbCwiQmFja2dyb3VuZEZpbGxUeXBlIjowLCJNYXJnaW4iOnsiJGlkIjoiNDA0IiwiVG9wIjowLCJMZWZ0IjowLCJSaWdodCI6MCwiQm90dG9tIjowfSwiUGFkZGluZyI6eyIkaWQiOiI0MDUiLCJUb3AiOjAsIkxlZnQiOjAsIlJpZ2h0IjowLCJCb3R0b20iOjB9LCJCYWNrZ3JvdW5kIjp7IiRyZWYiOiI5NiJ9LCJJc1Zpc2libGUiOnRydWUsIldpZHRoIjowLjAsIkhlaWdodCI6MC4wLCJCb3JkZXJTdHlsZSI6eyIkaWQiOiI0MDYiLCJMaW5lQ29sb3IiOm51bGwsIkxpbmVXZWlnaHQiOjAuMCwiTGluZVR5cGUiOjAsIlBhcmVudFN0eWxlIjpudWxsfSwiUGFyZW50U3R5bGUiOm51bGx9LCJIb3Jpem9udGFsQ29ubmVjdG9yU3R5bGUiOnsiJGlkIjoiNDA3IiwiTGluZUNvbG9yIjp7IiRyZWYiOiI5OCJ9LCJMaW5lV2VpZ2h0IjoxLjAsIkxpbmVUeXBlIjowLCJQYXJlbnRTdHlsZSI6bnVsbH0sIlZlcnRpY2FsQ29ubmVjdG9yU3R5bGUiOnsiJGlkIjoiNDA4IiwiTGluZUNvbG9yIjp7IiRyZWYiOiIxMDEifSwiTGluZVdlaWdodCI6MC4wLCJMaW5lVHlwZSI6MCwiUGFyZW50U3R5bGUiOm51bGx9LCJNYXJnaW4iOm51bGwsIlN0YXJ0RGF0ZVBvc2l0aW9uIjo0LCJFbmREYXRlUG9zaXRpb24iOjQsIkRhdGVJc1Zpc2libGUiOnRydWUsIlRpdGxlUG9zaXRpb24iOjUsIkR1cmF0aW9uUG9zaXRpb24iOjYsIlBlcmNlbnRhZ2VDb21wbGV0ZWRQb3NpdGlvbiI6NiwiU3BhY2luZyI6NSwiSXNCZWxvd1RpbWViYW5kIjp0cnVlLCJQZXJjZW50YWdlQ29tcGxldGVTaGFwZU9wYWNpdHkiOjM1LCJTaGFwZVN0eWxlIjp7IiRpZCI6IjQwOSIsIk1hcmdpbiI6eyIkaWQiOiI0MTAiLCJUb3AiOjAsIkxlZnQiOjQsIlJpZ2h0Ijo0LCJCb3R0b20iOjB9LCJQYWRkaW5nIjp7IiRpZCI6IjQxMSIsIlRvcCI6MCwiTGVmdCI6MCwiUmlnaHQiOjAsIkJvdHRvbSI6MH0sIkJhY2tncm91bmQiOnsiJGlkIjoiNDEyIiwiQ29sb3IiOnsiJGlkIjoiNDEzIiwiQSI6MjU1LCJSIjoyNTUsIkciOjE5MiwiQiI6MH19LCJJc1Zpc2libGUiOnRydWUsIldpZHRoIjowLjAsIkhlaWdodCI6MTYuMCwiQm9yZGVyU3R5bGUiOnsiJGlkIjoiNDE0IiwiTGluZUNvbG9yIjp7IiRyZWYiOiIxMDkifSwiTGluZVdlaWdodCI6MC4wLCJMaW5lVHlwZSI6MCwiUGFyZW50U3R5bGUiOm51bGx9LCJQYXJlbnRTdHlsZSI6bnVsbH0sIlRpdGxlU3R5bGUiOnsiJGlkIjoiNDE1IiwiRm9udFNldHRpbmdzIjp7IiRpZCI6IjQxNiIsIkZvbnRTaXplIjoxMSwiRm9udE5hbWUiOiJDYWxpYnJpIiwiSXNCb2xkIjp0cnVlLCJJc0l0YWxpYyI6ZmFsc2UsIklzVW5kZXJsaW5lZCI6ZmFsc2UsIlBhcmVudFN0eWxlIjpudWxsfSwiQXV0b1NpemUiOjAsIkZvcmVncm91bmQiOnsiJGlkIjoiNDE3IiwiQ29sb3IiOnsiJHJlZiI6IjExNCJ9fSwiTWF4V2lkdGgiOjk2MC4wLCJNYXhIZWlnaHQiOiJJbmZpbml0eSIsIlNtYXJ0Rm9yZWdyb3VuZElzQWN0aXZlIjpmYWxzZSwiSG9yaXpvbnRhbEFsaWdubWVudCI6MCwiVmVydGljYWxBbGlnbm1lbnQiOjAsIlNtYXJ0Rm9yZWdyb3VuZCI6bnVsbCwiQmFja2dyb3VuZEZpbGxUeXBlIjowLCJNYXJnaW4iOnsiJGlkIjoiNDE4IiwiVG9wIjowLCJMZWZ0IjowLCJSaWdodCI6MCwiQm90dG9tIjowfSwiUGFkZGluZyI6eyIkaWQiOiI0MTkiLCJUb3AiOjAsIkxlZnQiOjAsIlJpZ2h0IjowLCJCb3R0b20iOjB9LCJCYWNrZ3JvdW5kIjp7IiRyZWYiOiIxMTcifSwiSXNWaXNpYmxlIjp0cnVlLCJXaWR0aCI6MC4wLCJIZWlnaHQiOjAuMCwiQm9yZGVyU3R5bGUiOnsiJGlkIjoiNDIwIiwiTGluZUNvbG9yIjpudWxsLCJMaW5lV2VpZ2h0IjowLjAsIkxpbmVUeXBlIjowLCJQYXJlbnRTdHlsZSI6bnVsbH0sIlBhcmVudFN0eWxlIjpudWxsfSwiRGF0ZVN0eWxlIjp7IiRpZCI6IjQyMSIsIkZvbnRTZXR0aW5ncyI6eyIkaWQiOiI0MjIiLCJGb250U2l6ZSI6MTAsIkZvbnROYW1lIjoiQ2FsaWJyaSIsIklzQm9sZCI6ZmFsc2UsIklzSXRhbGljIjpmYWxzZSwiSXNVbmRlcmxpbmVkIjpmYWxzZSwiUGFyZW50U3R5bGUiOm51bGx9LCJBdXRvU2l6ZSI6MCwiRm9yZWdyb3VuZCI6eyIkaWQiOiI0MjMiLCJDb2xvciI6eyIkcmVmIjoiMTIxIn19LCJNYXhXaWR0aCI6MjAwLjAsIk1heEhlaWdodCI6IkluZmluaXR5IiwiU21hcnRGb3JlZ3JvdW5kSXNBY3RpdmUiOmZhbHNlLCJIb3Jpem9udGFsQWxpZ25tZW50IjowLCJWZXJ0aWNhbEFsaWdubWVudCI6MCwiU21hcnRGb3JlZ3JvdW5kIjpudWxsLCJCYWNrZ3JvdW5kRmlsbFR5cGUiOjAsIk1hcmdpbiI6eyIkaWQiOiI0MjQiLCJUb3AiOjAsIkxlZnQiOjAsIlJpZ2h0IjowLCJCb3R0b20iOjB9LCJQYWRkaW5nIjp7IiRpZCI6IjQyNSIsIlRvcCI6MCwiTGVmdCI6MCwiUmlnaHQiOjAsIkJvdHRvbSI6MH0sIkJhY2tncm91bmQiOnsiJHJlZiI6IjEyNCJ9LCJJc1Zpc2libGUiOnRydWUsIldpZHRoIjowLjAsIkhlaWdodCI6MC4wLCJCb3JkZXJTdHlsZSI6eyIkaWQiOiI0MjYiLCJMaW5lQ29sb3IiOm51bGwsIkxpbmVXZWlnaHQiOjAuMCwiTGluZVR5cGUiOjAsIlBhcmVudFN0eWxlIjpudWxsfSwiUGFyZW50U3R5bGUiOm51bGx9LCJEYXRlRm9ybWF0Ijp7IiRpZCI6IjQyNyIsIkZvcm1hdFN0cmluZyI6Ik0vZC95eXl5IiwiU2VwYXJhdG9yIjoiLyIsIlVzZUludGVybmF0aW9uYWxEYXRlRm9ybWF0IjpmYWxzZSwiRGF0ZUlzVmlzaWJsZSI6dHJ1ZSwiVGltZUlzVmlzaWJsZSI6ZmFsc2UsIkhvdXJEaWdpdHMiOjEsIkFtUG1EZXNpZ25hdG9yIjoyLCJUcmltMDBNaW51dGVzIjpmYWxzZSwiTGFzdEtub3duVmlzaWJpbGl0eVN0YXRlIjpudWxsfSwiSXNWaXNpYmxlIjp0cnVlLCJQYXJlbnRTdHlsZSI6bnVsbH0sIkluZGV4Ijo5LCJTbWFydER1cmF0aW9uQWN0aXZhdGVkIjpmYWxzZSwiRGF0ZUZvcm1hdCI6eyIkcmVmIjoiNDI3In0sIklkIjoiODUzZjJlMmEtMWQ5MS00ODFmLThiM2UtYTNmZGVhZGQ4ZmZiIiwiSW1wb3J0SWQiOm51bGwsIlRpdGxlIjoi7KaQ6rKo7LC+6riwIOuqqOuTiCDqsJzrsJwiLCJOb3RlIjpudWxsLCJIeXBlcmxpbmsiOm51bGwsIklzQ2hhbmdlZCI6ZmFsc2UsIklzTmV3IjpmYWxzZX0seyIkaWQiOiI0MjgiLCJHcm91cE5hbWUiOm51bGwsIlN0YXJ0RGF0ZSI6IjIwMTktMDYtMDhUMDA6MDA6MDAiLCJFbmREYXRlIjoiMjAxOS0wNi0xOVQyMzo1OTowMCIsIlBlcmNlbnRhZ2VDb21wbGV0ZSI6bnVsbCwiU3R5bGUiOnsiJGlkIjoiNDI5IiwiU2hhcGUiOjAsIlNoYXBlVGhpY2tuZXNzIjoxLCJEdXJhdGlvbkZvcm1hdCI6MCwiSW5jbHVkZU5vbldvcmtpbmdEYXlzSW5EdXJhdGlvbiI6ZmFsc2UsIlBlcmNlbnRhZ2VDb21wbGV0ZVN0eWxlIjp7IiRpZCI6IjQzMCIsIkZvbnRTZXR0aW5ncyI6eyIkaWQiOiI0MzEiLCJGb250U2l6ZSI6MTAsIkZvbnROYW1lIjoiQ2FsaWJyaSIsIklzQm9sZCI6ZmFsc2UsIklzSXRhbGljIjpmYWxzZSwiSXNVbmRlcmxpbmVkIjpmYWxzZSwiUGFyZW50U3R5bGUiOm51bGx9LCJBdXRvU2l6ZSI6MCwiRm9yZWdyb3VuZCI6eyIkaWQiOiI0MzIiLCJDb2xvciI6eyIkcmVmIjoiODYifX0sIk1heFdpZHRoIjoyMDAuMCwiTWF4SGVpZ2h0IjoiSW5maW5pdHkiLCJTbWFydEZvcmVncm91bmRJc0FjdGl2ZSI6ZmFsc2UsIkhvcml6b250YWxBbGlnbm1lbnQiOjAsIlZlcnRpY2FsQWxpZ25tZW50IjowLCJTbWFydEZvcmVncm91bmQiOm51bGwsIkJhY2tncm91bmRGaWxsVHlwZSI6MCwiTWFyZ2luIjp7IiRpZCI6IjQzMyIsIlRvcCI6MCwiTGVmdCI6MCwiUmlnaHQiOjAsIkJvdHRvbSI6MH0sIlBhZGRpbmciOnsiJGlkIjoiNDM0IiwiVG9wIjowLCJMZWZ0IjowLCJSaWdodCI6MCwiQm90dG9tIjowfSwiQmFja2dyb3VuZCI6eyIkcmVmIjoiODkifSwiSXNWaXNpYmxlIjp0cnVlLCJXaWR0aCI6MC4wLCJIZWlnaHQiOjAuMCwiQm9yZGVyU3R5bGUiOnsiJGlkIjoiNDM1IiwiTGluZUNvbG9yIjpudWxsLCJMaW5lV2VpZ2h0IjowLjAsIkxpbmVUeXBlIjowLCJQYXJlbnRTdHlsZSI6bnVsbH0sIlBhcmVudFN0eWxlIjpudWxsfSwiRHVyYXRpb25TdHlsZSI6eyIkaWQiOiI0MzYiLCJGb250U2V0dGluZ3MiOnsiJGlkIjoiNDM3IiwiRm9udFNpemUiOjEwLCJGb250TmFtZSI6IkNhbGlicmkiLCJJc0JvbGQiOmZhbHNlLCJJc0l0YWxpYyI6ZmFsc2UsIklzVW5kZXJsaW5lZCI6ZmFsc2UsIlBhcmVudFN0eWxlIjpudWxsfSwiQXV0b1NpemUiOjAsIkZvcmVncm91bmQiOnsiJGlkIjoiNDM4IiwiQ29sb3IiOnsiJHJlZiI6IjkzIn19LCJNYXhXaWR0aCI6MjAwLjAsIk1heEhlaWdodCI6IkluZmluaXR5IiwiU21hcnRGb3JlZ3JvdW5kSXNBY3RpdmUiOmZhbHNlLCJIb3Jpem9udGFsQWxpZ25tZW50IjowLCJWZXJ0aWNhbEFsaWdubWVudCI6MCwiU21hcnRGb3JlZ3JvdW5kIjpudWxsLCJCYWNrZ3JvdW5kRmlsbFR5cGUiOjAsIk1hcmdpbiI6eyIkaWQiOiI0MzkiLCJUb3AiOjAsIkxlZnQiOjAsIlJpZ2h0IjowLCJCb3R0b20iOjB9LCJQYWRkaW5nIjp7IiRpZCI6IjQ0MCIsIlRvcCI6MCwiTGVmdCI6MCwiUmlnaHQiOjAsIkJvdHRvbSI6MH0sIkJhY2tncm91bmQiOnsiJHJlZiI6Ijk2In0sIklzVmlzaWJsZSI6dHJ1ZSwiV2lkdGgiOjAuMCwiSGVpZ2h0IjowLjAsIkJvcmRlclN0eWxlIjp7IiRpZCI6IjQ0MSIsIkxpbmVDb2xvciI6bnVsbCwiTGluZVdlaWdodCI6MC4wLCJMaW5lVHlwZSI6MCwiUGFyZW50U3R5bGUiOm51bGx9LCJQYXJlbnRTdHlsZSI6bnVsbH0sIkhvcml6b250YWxDb25uZWN0b3JTdHlsZSI6eyIkaWQiOiI0NDIiLCJMaW5lQ29sb3IiOnsiJHJlZiI6Ijk4In0sIkxpbmVXZWlnaHQiOjEuMCwiTGluZVR5cGUiOjAsIlBhcmVudFN0eWxlIjpudWxsfSwiVmVydGljYWxDb25uZWN0b3JTdHlsZSI6eyIkaWQiOiI0NDMiLCJMaW5lQ29sb3IiOnsiJHJlZiI6IjEwMSJ9LCJMaW5lV2VpZ2h0IjowLjAsIkxpbmVUeXBlIjowLCJQYXJlbnRTdHlsZSI6bnVsbH0sIk1hcmdpbiI6bnVsbCwiU3RhcnREYXRlUG9zaXRpb24iOjQsIkVuZERhdGVQb3NpdGlvbiI6NCwiRGF0ZUlzVmlzaWJsZSI6dHJ1ZSwiVGl0bGVQb3NpdGlvbiI6NSwiRHVyYXRpb25Qb3NpdGlvbiI6NiwiUGVyY2VudGFnZUNvbXBsZXRlZFBvc2l0aW9uIjo2LCJTcGFjaW5nIjo1LCJJc0JlbG93VGltZWJhbmQiOnRydWUsIlBlcmNlbnRhZ2VDb21wbGV0ZVNoYXBlT3BhY2l0eSI6MzUsIlNoYXBlU3R5bGUiOnsiJGlkIjoiNDQ0IiwiTWFyZ2luIjp7IiRpZCI6IjQ0NSIsIlRvcCI6MCwiTGVmdCI6NCwiUmlnaHQiOjQsIkJvdHRvbSI6MH0sIlBhZGRpbmciOnsiJGlkIjoiNDQ2IiwiVG9wIjowLCJMZWZ0IjowLCJSaWdodCI6MCwiQm90dG9tIjowfSwiQmFja2dyb3VuZCI6eyIkaWQiOiI0NDciLCJDb2xvciI6eyIkaWQiOiI0NDgiLCJBIjoyNTUsIlIiOjkxLCJHIjoxNTUsIkIiOjIxM319LCJJc1Zpc2libGUiOnRydWUsIldpZHRoIjowLjAsIkhlaWdodCI6MTYuMCwiQm9yZGVyU3R5bGUiOnsiJGlkIjoiNDQ5IiwiTGluZUNvbG9yIjp7IiRyZWYiOiIxMDkifSwiTGluZVdlaWdodCI6MC4wLCJMaW5lVHlwZSI6MCwiUGFyZW50U3R5bGUiOm51bGx9LCJQYXJlbnRTdHlsZSI6bnVsbH0sIlRpdGxlU3R5bGUiOnsiJGlkIjoiNDUwIiwiRm9udFNldHRpbmdzIjp7IiRpZCI6IjQ1MSIsIkZvbnRTaXplIjoxMSwiRm9udE5hbWUiOiJDYWxpYnJpIiwiSXNCb2xkIjp0cnVlLCJJc0l0YWxpYyI6ZmFsc2UsIklzVW5kZXJsaW5lZCI6ZmFsc2UsIlBhcmVudFN0eWxlIjpudWxsfSwiQXV0b1NpemUiOjAsIkZvcmVncm91bmQiOnsiJGlkIjoiNDUyIiwiQ29sb3IiOnsiJHJlZiI6IjExNCJ9fSwiTWF4V2lkdGgiOjcyMC4wLCJNYXhIZWlnaHQiOiJJbmZpbml0eSIsIlNtYXJ0Rm9yZWdyb3VuZElzQWN0aXZlIjpmYWxzZSwiSG9yaXpvbnRhbEFsaWdubWVudCI6MCwiVmVydGljYWxBbGlnbm1lbnQiOjAsIlNtYXJ0Rm9yZWdyb3VuZCI6bnVsbCwiQmFja2dyb3VuZEZpbGxUeXBlIjowLCJNYXJnaW4iOnsiJGlkIjoiNDUzIiwiVG9wIjowLCJMZWZ0IjowLCJSaWdodCI6MCwiQm90dG9tIjowfSwiUGFkZGluZyI6eyIkaWQiOiI0NTQiLCJUb3AiOjAsIkxlZnQiOjAsIlJpZ2h0IjowLCJCb3R0b20iOjB9LCJCYWNrZ3JvdW5kIjp7IiRyZWYiOiIxMTcifSwiSXNWaXNpYmxlIjp0cnVlLCJXaWR0aCI6MC4wLCJIZWlnaHQiOjAuMCwiQm9yZGVyU3R5bGUiOnsiJGlkIjoiNDU1IiwiTGluZUNvbG9yIjpudWxsLCJMaW5lV2VpZ2h0IjowLjAsIkxpbmVUeXBlIjowLCJQYXJlbnRTdHlsZSI6bnVsbH0sIlBhcmVudFN0eWxlIjpudWxsfSwiRGF0ZVN0eWxlIjp7IiRpZCI6IjQ1NiIsIkZvbnRTZXR0aW5ncyI6eyIkaWQiOiI0NTciLCJGb250U2l6ZSI6MTAsIkZvbnROYW1lIjoiQ2FsaWJyaSIsIklzQm9sZCI6ZmFsc2UsIklzSXRhbGljIjpmYWxzZSwiSXNVbmRlcmxpbmVkIjpmYWxzZSwiUGFyZW50U3R5bGUiOm51bGx9LCJBdXRvU2l6ZSI6MCwiRm9yZWdyb3VuZCI6eyIkaWQiOiI0NTgiLCJDb2xvciI6eyIkcmVmIjoiMTIxIn19LCJNYXhXaWR0aCI6MjAwLjAsIk1heEhlaWdodCI6IkluZmluaXR5IiwiU21hcnRGb3JlZ3JvdW5kSXNBY3RpdmUiOmZhbHNlLCJIb3Jpem9udGFsQWxpZ25tZW50IjowLCJWZXJ0aWNhbEFsaWdubWVudCI6MCwiU21hcnRGb3JlZ3JvdW5kIjpudWxsLCJCYWNrZ3JvdW5kRmlsbFR5cGUiOjAsIk1hcmdpbiI6eyIkaWQiOiI0NTkiLCJUb3AiOjAsIkxlZnQiOjAsIlJpZ2h0IjowLCJCb3R0b20iOjB9LCJQYWRkaW5nIjp7IiRpZCI6IjQ2MCIsIlRvcCI6MCwiTGVmdCI6MCwiUmlnaHQiOjAsIkJvdHRvbSI6MH0sIkJhY2tncm91bmQiOnsiJHJlZiI6IjEyNCJ9LCJJc1Zpc2libGUiOnRydWUsIldpZHRoIjowLjAsIkhlaWdodCI6MC4wLCJCb3JkZXJTdHlsZSI6eyIkaWQiOiI0NjEiLCJMaW5lQ29sb3IiOm51bGwsIkxpbmVXZWlnaHQiOjAuMCwiTGluZVR5cGUiOjAsIlBhcmVudFN0eWxlIjpudWxsfSwiUGFyZW50U3R5bGUiOm51bGx9LCJEYXRlRm9ybWF0Ijp7IiRpZCI6IjQ2MiIsIkZvcm1hdFN0cmluZyI6Ik0vZC95eXl5IiwiU2VwYXJhdG9yIjoiLyIsIlVzZUludGVybmF0aW9uYWxEYXRlRm9ybWF0IjpmYWxzZSwiRGF0ZUlzVmlzaWJsZSI6dHJ1ZSwiVGltZUlzVmlzaWJsZSI6ZmFsc2UsIkhvdXJEaWdpdHMiOjEsIkFtUG1EZXNpZ25hdG9yIjoyLCJUcmltMDBNaW51dGVzIjpmYWxzZSwiTGFzdEtub3duVmlzaWJpbGl0eVN0YXRlIjpudWxsfSwiSXNWaXNpYmxlIjp0cnVlLCJQYXJlbnRTdHlsZSI6bnVsbH0sIkluZGV4IjoxMCwiU21hcnREdXJhdGlvbkFjdGl2YXRlZCI6ZmFsc2UsIkRhdGVGb3JtYXQiOnsiJHJlZiI6IjQ2MiJ9LCJJZCI6IjIyZjM5ZmI4LTI5OTQtNDkxMS1hYWM2LTBmZjI5NTg3ZWZkNCIsIkltcG9ydElkIjpudWxsLCJUaXRsZSI6Iuy1nOyihSDrs7Tqs6DshJwg7J6R7ISxIOuwjyDtlLzrk5zrsLEiLCJOb3RlIjpudWxsLCJIeXBlcmxpbmsiOm51bGwsIklzQ2hhbmdlZCI6ZmFsc2UsIklzTmV3IjpmYWxzZX1dLCJNc1Byb2plY3RJdGVtc1RyZWUiOnsiJGlkIjoiNDYzIiwiUm9vdCI6eyJJbXBvcnRJZCI6bnVsbCwiSXNJbXBvcnRlZCI6ZmFsc2UsIkNoaWxkcmVuIjpbXX19LCJNZXRhZGF0YSI6eyIkaWQiOiI0NjQiLCJSZWNlbnRDb2xvcnNDb2xsZWN0aW9uIjoiW1wiI0ZGRkZDMDAwXCIsXCIjRkZFRDdEMzFcIixcIiNGRjVCOUJENVwiLFwiI0ZGNDQ1NDZBXCIsXCIjRkY3MEFENDdcIl0ifSwiU2V0dGluZ3MiOnsiJGlkIjoiNDY1IiwiSW1wYU9wdGlvbnMiOnsiJGlkIjoiNDY2IiwiTGVmdFRvUmlnaHQiOmZhbHNlLCJQYXlsb2FkT3B0aW9ucyI6Mn0sIlVzZUNvbXByZXNzaW9uIjpmYWxzZSwiQ29tcHJlc2lvblBlcmNlbnRhZ2UiOjUwLjAsIkluYWN0aXZlSW50ZXJ2YWxXaWR0aFRocmVzaG9sZCI6MzAuMCwiSW5hY3RpdmVJbnRlcnZhbFdpZHRoIjoxLjAsIlNwbGl0VGFza3MiOmZhbHNlLCJVc2VDbHVzdGVyIjpmYWxzZSwiRXBzaWxvbiI6MC4wLCJNaW5Qb2ludHNUb0Zvcm1BQ2x1c3RlciI6MiwiR2VuZXJhdGVJbnZpc2libGVTaGFwZXMiOmZhbHNlLCJTbWFydFRpbWVsaW5lVGFza1BlcmNlbnRhZ2VGaXQiOmZhbHNlfSwiSXNOZXciOnRydWUsIkltcG9ydFR5cGUiOjAsIkZpbGVQYXRoIjpudWxsLCJUaW1lQ29uZmlndXJhdGlvbiI6eyIkaWQiOiI0NjciLCJVc2VUaW1lIjpmYWxzZSwiV29ya0RheVN0YXJ0IjoiMDA6MDA6MDAiLCJXb3JrRGF5RW5kIjoiMjM6NTk6MDAifSwiTGFzdFVzZWRUZW1wbGF0ZUlkIjoiNzM1NWI2MzMtYWM2Ni00NTI4LThiNGQtMjk5ZmFlZGM5ZWU5In0="/>
+  <p:tag name="__PART_0" val="eyIkaWQiOiIxIiwiQ3VsdHVyZUluZm9OYW1lIjoia28tS1IiLCJTdHlsZU5hbWUiOm51bGwsIlZlcnNpb24iOnsiJGlkIjoiMiIsIlZlcnNpb24iOiIzLjEuMyIsIk9yaWdpbmFsQXNzZW1ibHlWZXJzaW9uIjoiMy42Mi4xMS4wMCIsIkVkaXRpb24iOiJCYXNpYyIsIklzUGx1c0VkaXRpb24iOmZhbHNlfSwiRWZmZWN0IjoxLCJTdHlsZSI6eyIkaWQiOiIzIiwiVGltZWJhbmRTdHlsZSI6eyIkaWQiOiI0IiwiU2NhbGVNYXJraW5nIjowLCJTaGFwZSI6MCwiU2hhcGVTdHlsZSI6eyIkaWQiOiI1IiwiTWFyZ2luIjp7IiRpZCI6IjYiLCJUb3AiOjAsIkxlZnQiOjEyLCJSaWdodCI6MTIsIkJvdHRvbSI6MH0sIlBhZGRpbmciOnsiJGlkIjoiNyIsIlRvcCI6NywiTGVmdCI6MCwiUmlnaHQiOjAsIkJvdHRvbSI6N30sIkJhY2tncm91bmQiOnsiJGlkIjoiOCIsIkNvbG9yIjp7IiRpZCI6IjkiLCJBIjoyNTUsIlIiOjY4LCJHIjo4NCwiQiI6MTA2fX0sIklzVmlzaWJsZSI6dHJ1ZSwiV2lkdGgiOjg1OC4wLCJIZWlnaHQiOjMwLjAsIkJvcmRlclN0eWxlIjp7IiRpZCI6IjEwIiwiTGluZUNvbG9yIjp7IiRpZCI6IjExIiwiJHR5cGUiOiJOTFJFLkNvbW1vbi5Eb20uU29saWRDb2xvckJydXNoLCBOTFJFLkNvbW1vbiIsIkNvbG9yIjp7IiRpZCI6IjEyIiwiQSI6MjU1LCJSIjoyNTUsIkciOjAsIkIiOjB9fSwiTGluZVdlaWdodCI6MC4wLCJMaW5lVHlwZSI6MCwiUGFyZW50U3R5bGUiOm51bGx9LCJQYXJlbnRTdHlsZSI6bnVsbH0sIlJpZ2h0RW5kQ2Fwc1N0eWxlIjp7IiRpZCI6IjEzIiwiRm9udFNldHRpbmdzIjp7IiRpZCI6IjE0IiwiRm9udFNpemUiOjE4LCJGb250TmFtZSI6IkNhbGlicmkiLCJJc0JvbGQiOnRydWUsIklzSXRhbGljIjpmYWxzZSwiSXNVbmRlcmxpbmVkIjpmYWxzZSwiUGFyZW50U3R5bGUiOm51bGx9LCJBdXRvU2l6ZSI6MCwiRm9yZWdyb3VuZCI6eyIkaWQiOiIxNSIsIkNvbG9yIjp7IiRpZCI6IjE2IiwiQSI6MjU1LCJSIjoyMzcsIkciOjEyNSwiQiI6NDl9fSwiTWF4V2lkdGgiOiJJbmZpbml0eSIsIk1heEhlaWdodCI6IkluZmluaXR5IiwiU21hcnRGb3JlZ3JvdW5kSXNBY3RpdmUiOmZhbHNlLCJIb3Jpem9udGFsQWxpZ25tZW50IjowLCJWZXJ0aWNhbEFsaWdubWVudCI6MCwiU21hcnRGb3JlZ3JvdW5kIjpudWxsLCJCYWNrZ3JvdW5kRmlsbFR5cGUiOjAsIk1hcmdpbiI6eyIkaWQiOiIxNyIsIlRvcCI6MCwiTGVmdCI6MCwiUmlnaHQiOjI1LCJCb3R0b20iOjB9LCJQYWRkaW5nIjp7IiRpZCI6IjE4IiwiVG9wIjowLCJMZWZ0IjowLCJSaWdodCI6MCwiQm90dG9tIjowfSwiQmFja2dyb3VuZCI6eyIkaWQiOiIxOSIsIkNvbG9yIjp7IiRpZCI6IjIwIiwiQSI6ODksIlIiOjAsIkciOjAsIkIiOjB9fSwiSXNWaXNpYmxlIjp0cnVlLCJXaWR0aCI6MC4wLCJIZWlnaHQiOjAuMCwiQm9yZGVyU3R5bGUiOm51bGwsIlBhcmVudFN0eWxlIjpudWxsfSwiTGVmdEVuZENhcHNTdHlsZSI6eyIkaWQiOiIyMSIsIkZvbnRTZXR0aW5ncyI6eyIkaWQiOiIyMiIsIkZvbnRTaXplIjoxOCwiRm9udE5hbWUiOiJDYWxpYnJpIiwiSXNCb2xkIjp0cnVlLCJJc0l0YWxpYyI6ZmFsc2UsIklzVW5kZXJsaW5lZCI6ZmFsc2UsIlBhcmVudFN0eWxlIjpudWxsfSwiQXV0b1NpemUiOjAsIkZvcmVncm91bmQiOnsiJGlkIjoiMjMiLCJDb2xvciI6eyIkaWQiOiIyNCIsIkEiOjI1NSwiUiI6MjM3LCJHIjoxMjUsIkIiOjQ5fX0sIk1heFdpZHRoIjoiSW5maW5pdHkiLCJNYXhIZWlnaHQiOiJJbmZpbml0eSIsIlNtYXJ0Rm9yZWdyb3VuZElzQWN0aXZlIjpmYWxzZSwiSG9yaXpvbnRhbEFsaWdubWVudCI6MCwiVmVydGljYWxBbGlnbm1lbnQiOjAsIlNtYXJ0Rm9yZWdyb3VuZCI6bnVsbCwiQmFja2dyb3VuZEZpbGxUeXBlIjowLCJNYXJnaW4iOnsiJGlkIjoiMjUiLCJUb3AiOjAsIkxlZnQiOjI1LCJSaWdodCI6MCwiQm90dG9tIjowfSwiUGFkZGluZyI6eyIkaWQiOiIyNiIsIlRvcCI6MCwiTGVmdCI6MCwiUmlnaHQiOjAsIkJvdHRvbSI6MH0sIkJhY2tncm91bmQiOnsiJGlkIjoiMjciLCJDb2xvciI6eyIkcmVmIjoiMjAifX0sIklzVmlzaWJsZSI6dHJ1ZSwiV2lkdGgiOjAuMCwiSGVpZ2h0IjowLjAsIkJvcmRlclN0eWxlIjpudWxsLCJQYXJlbnRTdHlsZSI6bnVsbH0sIlRvZGF5VGV4dFN0eWxlIjp7IiRpZCI6IjI4IiwiRm9udFNldHRpbmdzIjp7IiRpZCI6IjI5IiwiRm9udFNpemUiOjEyLCJGb250TmFtZSI6IkNhbGlicmkiLCJJc0JvbGQiOmZhbHNlLCJJc0l0YWxpYyI6ZmFsc2UsIklzVW5kZXJsaW5lZCI6ZmFsc2UsIlBhcmVudFN0eWxlIjpudWxsfSwiQXV0b1NpemUiOjAsIkZvcmVncm91bmQiOnsiJGlkIjoiMzAiLCJDb2xvciI6eyIkaWQiOiIzMSIsIkEiOjI1NSwiUiI6MCwiRyI6MCwiQiI6MH19LCJNYXhXaWR0aCI6MjAwLjAsIk1heEhlaWdodCI6IkluZmluaXR5IiwiU21hcnRGb3JlZ3JvdW5kSXNBY3RpdmUiOmZhbHNlLCJIb3Jpem9udGFsQWxpZ25tZW50IjowLCJWZXJ0aWNhbEFsaWdubWVudCI6MCwiU21hcnRGb3JlZ3JvdW5kIjpudWxsLCJCYWNrZ3JvdW5kRmlsbFR5cGUiOjAsIk1hcmdpbiI6eyIkaWQiOiIzMiIsIlRvcCI6MCwiTGVmdCI6MCwiUmlnaHQiOjAsIkJvdHRvbSI6MH0sIlBhZGRpbmciOnsiJGlkIjoiMzMiLCJUb3AiOjAsIkxlZnQiOjAsIlJpZ2h0IjowLCJCb3R0b20iOjB9LCJCYWNrZ3JvdW5kIjp7IiRpZCI6IjM0IiwiQ29sb3IiOnsiJHJlZiI6IjIwIn19LCJJc1Zpc2libGUiOnRydWUsIldpZHRoIjowLjAsIkhlaWdodCI6MC4wLCJCb3JkZXJTdHlsZSI6bnVsbCwiUGFyZW50U3R5bGUiOm51bGx9LCJUb2RheU1hcmtlclN0eWxlIjp7IiRpZCI6IjM1IiwiTWFyZ2luIjp7IiRpZCI6IjM2IiwiVG9wIjowLCJMZWZ0IjowLCJSaWdodCI6MCwiQm90dG9tIjowfSwiUGFkZGluZyI6eyIkaWQiOiIzNyIsIlRvcCI6MCwiTGVmdCI6MCwiUmlnaHQiOjAsIkJvdHRvbSI6MH0sIkJhY2tncm91bmQiOnsiJGlkIjoiMzgiLCJDb2xvciI6eyIkaWQiOiIzOSIsIkEiOjI1NSwiUiI6MjU1LCJHIjowLCJCIjowfX0sIklzVmlzaWJsZSI6dHJ1ZSwiV2lkdGgiOjAuMCwiSGVpZ2h0IjowLjAsIkJvcmRlclN0eWxlIjpudWxsLCJQYXJlbnRTdHlsZSI6bnVsbH0sIlNjYWxlU3R5bGUiOnsiJGlkIjoiNDAiLCJTaG93U2VnbWVudFNlcGFyYXRvcnMiOnRydWUsIlNlZ21lbnRTZXBhcmF0b3JPcGFjaXR5IjozMCwiRm9udFNldHRpbmdzIjp7IiRpZCI6IjQxIiwiRm9udFNpemUiOjEyLCJGb250TmFtZSI6IkNhbGlicmkiLCJJc0JvbGQiOmZhbHNlLCJJc0l0YWxpYyI6ZmFsc2UsIklzVW5kZXJsaW5lZCI6ZmFsc2UsIlBhcmVudFN0eWxlIjpudWxsfSwiQXV0b1NpemUiOjAsIkZvcmVncm91bmQiOnsiJGlkIjoiNDIiLCJDb2xvciI6eyIkaWQiOiI0MyIsIkEiOjI1NSwiUiI6MjU1LCJHIjoyNTUsIkIiOjI1NX19LCJNYXhXaWR0aCI6MjAwLjAsIk1heEhlaWdodCI6IkluZmluaXR5IiwiU21hcnRGb3JlZ3JvdW5kSXNBY3RpdmUiOmZhbHNlLCJIb3Jpem9udGFsQWxpZ25tZW50IjowLCJWZXJ0aWNhbEFsaWdubWVudCI6MSwiU21hcnRGb3JlZ3JvdW5kIjpudWxsLCJCYWNrZ3JvdW5kRmlsbFR5cGUiOjAsIk1hcmdpbiI6eyIkaWQiOiI0NCIsIlRvcCI6MCwiTGVmdCI6NSwiUmlnaHQiOjAsIkJvdHRvbSI6MH0sIlBhZGRpbmciOnsiJGlkIjoiNDUiLCJUb3AiOjAsIkxlZnQiOjAsIlJpZ2h0IjowLCJCb3R0b20iOjB9LCJCYWNrZ3JvdW5kIjp7IiRpZCI6IjQ2IiwiQ29sb3IiOnsiJHJlZiI6IjIwIn19LCJJc1Zpc2libGUiOnRydWUsIldpZHRoIjowLjAsIkhlaWdodCI6MC4wLCJCb3JkZXJTdHlsZSI6bnVsbCwiUGFyZW50U3R5bGUiOm51bGx9LCJFbGFwc2VkVGltZUJhY2tncm91bmQiOnsiJGlkIjoiNDciLCJDb2xvciI6eyIkaWQiOiI0OCIsIkEiOjE5MSwiUiI6MjU1LCJHIjowLCJCIjowfX0sIkFwcGVuZFllYXJPblllYXJDaGFuZ2UiOnRydWUsIkVsYXBzZWRUaW1lRm9ybWF0IjoyLCJUb2RheU1hcmtlclBvc2l0aW9uIjozLCJRdWlja1Bvc2l0aW9uIjoxLCJBYnNvbHV0ZVBvc2l0aW9uIjoyNDAuMCwiTWFyZ2luIjp7IiRpZCI6IjQ5IiwiVG9wIjowLCJMZWZ0IjoxMCwiUmlnaHQiOjEwLCJCb3R0b20iOjB9LCJQYWRkaW5nIjp7IiRpZCI6IjUwIiwiVG9wIjowLCJMZWZ0IjowLCJSaWdodCI6MCwiQm90dG9tIjowfSwiQmFja2dyb3VuZCI6eyIkaWQiOiI1MSIsIkNvbG9yIjp7IiRpZCI6IjUyIiwiQSI6MjU1LCJSIjozMSwiRyI6NzMsIkIiOjEyNX19LCJJc1Zpc2libGUiOnRydWUsIldpZHRoIjowLjAsIkhlaWdodCI6MC4wLCJCb3JkZXJTdHlsZSI6bnVsbCwiUGFyZW50U3R5bGUiOm51bGx9LCJEZWZhdWx0TWlsZXN0b25lU3R5bGUiOnsiJGlkIjoiNTMiLCJTaGFwZSI6MiwiQ29ubmVjdG9yTWFyZ2luIjp7IiRpZCI6IjU0IiwiVG9wIjowLCJMZWZ0IjoyLCJSaWdodCI6MiwiQm90dG9tIjowfSwiQ29ubmVjdG9yU3R5bGUiOnsiJGlkIjoiNTUiLCJMaW5lQ29sb3IiOnsiJGlkIjoiNTYiLCIkdHlwZSI6Ik5MUkUuQ29tbW9uLkRvbS5Tb2xpZENvbG9yQnJ1c2gsIE5MUkUuQ29tbW9uIiwiQ29sb3IiOnsiJGlkIjoiNTciLCJBIjoxMjcsIlIiOjMxLCJHIjo3MywiQiI6MTI2fX0sIkxpbmVXZWlnaHQiOjEuMCwiTGluZVR5cGUiOjAsIlBhcmVudFN0eWxlIjpudWxsfSwiSXNCZWxvd1RpbWViYW5kIjpmYWxzZSwiSGlkZURhdGUiOmZhbHNlLCJTaGFwZVNpemUiOjEsIlNwYWNpbmciOjEuMCwiUGFkZGluZyI6eyIkaWQiOiI1OCIsIlRvcCI6NywiTGVmdCI6MywiUmlnaHQiOjAsIkJvdHRvbSI6Mn0sIlNoYXBlU3R5bGUiOnsiJGlkIjoiNTkiLCJNYXJnaW4iOnsiJGlkIjoiNjAiLCJUb3AiOjAsIkxlZnQiOjAsIlJpZ2h0IjowLCJCb3R0b20iOjB9LCJQYWRkaW5nIjp7IiRpZCI6IjYxIiwiVG9wIjowLCJMZWZ0IjowLCJSaWdodCI6MCwiQm90dG9tIjowfSwiQmFja2dyb3VuZCI6eyIkaWQiOiI2MiIsIkNvbG9yIjp7IiRpZCI6IjYzIiwiQSI6MjU1LCJSIjowLCJHIjoxMTQsIkIiOjE4OH19LCJJc1Zpc2libGUiOnRydWUsIldpZHRoIjoxOC4wLCJIZWlnaHQiOjIwLjAsIkJvcmRlclN0eWxlIjp7IiRpZCI6IjY0IiwiTGluZUNvbG9yIjp7IiRpZCI6IjY1IiwiJHR5cGUiOiJOTFJFLkNvbW1vbi5Eb20uU29saWRDb2xvckJydXNoLCBOTFJFLkNvbW1vbiIsIkNvbG9yIjp7IiRpZCI6IjY2IiwiQSI6MjU1LCJSIjoyNTUsIkciOjAsIkIiOjB9fSwiTGluZVdlaWdodCI6MC4wLCJMaW5lVHlwZSI6MCwiUGFyZW50U3R5bGUiOm51bGx9LCJQYXJlbnRTdHlsZSI6bnVsbH0sIlRpdGxlU3R5bGUiOnsiJGlkIjoiNjciLCJGb250U2V0dGluZ3MiOnsiJGlkIjoiNjgiLCJGb250U2l6ZSI6MTEsIkZvbnROYW1lIjoiQ2FsaWJyaSIsIklzQm9sZCI6dHJ1ZSwiSXNJdGFsaWMiOmZhbHNlLCJJc1VuZGVybGluZWQiOmZhbHNlLCJQYXJlbnRTdHlsZSI6bnVsbH0sIkF1dG9TaXplIjowLCJGb3JlZ3JvdW5kIjp7IiRpZCI6IjY5IiwiQ29sb3IiOnsiJGlkIjoiNzAiLCJBIjoyNTUsIlIiOjAsIkciOjAsIkIiOjB9fSwiTWF4V2lkdGgiOjIwMC4wLCJNYXhIZWlnaHQiOiJJbmZpbml0eSIsIlNtYXJ0Rm9yZWdyb3VuZElzQWN0aXZlIjpmYWxzZSwiSG9yaXpvbnRhbEFsaWdubWVudCI6MCwiVmVydGljYWxBbGlnbm1lbnQiOjAsIlNtYXJ0Rm9yZWdyb3VuZCI6bnVsbCwiQmFja2dyb3VuZEZpbGxUeXBlIjowLCJNYXJnaW4iOnsiJGlkIjoiNzEiLCJUb3AiOjAsIkxlZnQiOjAsIlJpZ2h0IjowLCJCb3R0b20iOjB9LCJQYWRkaW5nIjp7IiRpZCI6IjcyIiwiVG9wIjowLCJMZWZ0IjowLCJSaWdodCI6MCwiQm90dG9tIjowfSwiQmFja2dyb3VuZCI6eyIkaWQiOiI3MyIsIkNvbG9yIjp7IiRyZWYiOiIyMCJ9fSwiSXNWaXNpYmxlIjp0cnVlLCJXaWR0aCI6MC4wLCJIZWlnaHQiOjAuMCwiQm9yZGVyU3R5bGUiOm51bGwsIlBhcmVudFN0eWxlIjpudWxsfSwiRGF0ZVN0eWxlIjp7IiRpZCI6Ijc0IiwiRm9udFNldHRpbmdzIjp7IiRpZCI6Ijc1IiwiRm9udFNpemUiOjEwLCJGb250TmFtZSI6IkNhbGlicmkiLCJJc0JvbGQiOmZhbHNlLCJJc0l0YWxpYyI6ZmFsc2UsIklzVW5kZXJsaW5lZCI6ZmFsc2UsIlBhcmVudFN0eWxlIjpudWxsfSwiQXV0b1NpemUiOjAsIkZvcmVncm91bmQiOnsiJGlkIjoiNzYiLCJDb2xvciI6eyIkaWQiOiI3NyIsIkEiOjI1NSwiUiI6NjgsIkciOjg0LCJCIjoxMDZ9fSwiTWF4V2lkdGgiOjIwMC4wLCJNYXhIZWlnaHQiOiJJbmZpbml0eSIsIlNtYXJ0Rm9yZWdyb3VuZElzQWN0aXZlIjpmYWxzZSwiSG9yaXpvbnRhbEFsaWdubWVudCI6MCwiVmVydGljYWxBbGlnbm1lbnQiOjAsIlNtYXJ0Rm9yZWdyb3VuZCI6bnVsbCwiQmFja2dyb3VuZEZpbGxUeXBlIjowLCJNYXJnaW4iOnsiJGlkIjoiNzgiLCJUb3AiOjAsIkxlZnQiOjAsIlJpZ2h0IjowLCJCb3R0b20iOjB9LCJQYWRkaW5nIjp7IiRpZCI6Ijc5IiwiVG9wIjowLCJMZWZ0IjowLCJSaWdodCI6MCwiQm90dG9tIjowfSwiQmFja2dyb3VuZCI6eyIkaWQiOiI4MCIsIkNvbG9yIjp7IiRyZWYiOiIyMCJ9fSwiSXNWaXNpYmxlIjp0cnVlLCJXaWR0aCI6MC4wLCJIZWlnaHQiOjAuMCwiQm9yZGVyU3R5bGUiOm51bGwsIlBhcmVudFN0eWxlIjpudWxsfSwiRGF0ZUZvcm1hdCI6eyIkaWQiOiI4MSIsIkZvcm1hdFN0cmluZyI6Ik0vZC95eXl5IiwiU2VwYXJhdG9yIjoiLyIsIlVzZUludGVybmF0aW9uYWxEYXRlRm9ybWF0IjpmYWxzZSwiRGF0ZUlzVmlzaWJsZSI6dHJ1ZSwiVGltZUlzVmlzaWJsZSI6ZmFsc2UsIkhvdXJEaWdpdHMiOjEsIkFtUG1EZXNpZ25hdG9yIjoyLCJUcmltMDBNaW51dGVzIjpmYWxzZSwiTGFzdEtub3duVmlzaWJpbGl0eVN0YXRlIjpudWxsfSwiSXNWaXNpYmxlIjp0cnVlLCJQYXJlbnRTdHlsZSI6bnVsbH0sIkRlZmF1bHRUYXNrU3R5bGUiOnsiJGlkIjoiODIiLCJTaGFwZSI6MCwiU2hhcGVUaGlja25lc3MiOjEsIkR1cmF0aW9uRm9ybWF0IjowLCJJbmNsdWRlTm9uV29ya2luZ0RheXNJbkR1cmF0aW9uIjpmYWxzZSwiUGVyY2VudGFnZUNvbXBsZXRlU3R5bGUiOnsiJGlkIjoiODMiLCJGb250U2V0dGluZ3MiOnsiJGlkIjoiODQiLCJGb250U2l6ZSI6MTAsIkZvbnROYW1lIjoiQ2FsaWJyaSIsIklzQm9sZCI6ZmFsc2UsIklzSXRhbGljIjpmYWxzZSwiSXNVbmRlcmxpbmVkIjpmYWxzZSwiUGFyZW50U3R5bGUiOm51bGx9LCJBdXRvU2l6ZSI6MCwiRm9yZWdyb3VuZCI6eyIkaWQiOiI4NSIsIkNvbG9yIjp7IiRpZCI6Ijg2IiwiQSI6MjU1LCJSIjoyMzcsIkciOjEyNSwiQiI6NDl9fSwiTWF4V2lkdGgiOjIwMC4wLCJNYXhIZWlnaHQiOiJJbmZpbml0eSIsIlNtYXJ0Rm9yZWdyb3VuZElzQWN0aXZlIjpmYWxzZSwiSG9yaXpvbnRhbEFsaWdubWVudCI6MCwiVmVydGljYWxBbGlnbm1lbnQiOjAsIlNtYXJ0Rm9yZWdyb3VuZCI6bnVsbCwiQmFja2dyb3VuZEZpbGxUeXBlIjowLCJNYXJnaW4iOnsiJGlkIjoiODciLCJUb3AiOjAsIkxlZnQiOjAsIlJpZ2h0IjowLCJCb3R0b20iOjB9LCJQYWRkaW5nIjp7IiRpZCI6Ijg4IiwiVG9wIjowLCJMZWZ0IjowLCJSaWdodCI6MCwiQm90dG9tIjowfSwiQmFja2dyb3VuZCI6eyIkaWQiOiI4OSIsIkNvbG9yIjp7IiRyZWYiOiIyMCJ9fSwiSXNWaXNpYmxlIjp0cnVlLCJXaWR0aCI6MC4wLCJIZWlnaHQiOjAuMCwiQm9yZGVyU3R5bGUiOm51bGwsIlBhcmVudFN0eWxlIjpudWxsfSwiRHVyYXRpb25TdHlsZSI6eyIkaWQiOiI5MCIsIkZvbnRTZXR0aW5ncyI6eyIkaWQiOiI5MSIsIkZvbnRTaXplIjoxMCwiRm9udE5hbWUiOiJDYWxpYnJpIiwiSXNCb2xkIjpmYWxzZSwiSXNJdGFsaWMiOmZhbHNlLCJJc1VuZGVybGluZWQiOmZhbHNlLCJQYXJlbnRTdHlsZSI6bnVsbH0sIkF1dG9TaXplIjowLCJGb3JlZ3JvdW5kIjp7IiRpZCI6IjkyIiwiQ29sb3IiOnsiJGlkIjoiOTMiLCJBIjoyNTUsIlIiOjIzNywiRyI6MTI1LCJCIjo0OX19LCJNYXhXaWR0aCI6MjAwLjAsIk1heEhlaWdodCI6IkluZmluaXR5IiwiU21hcnRGb3JlZ3JvdW5kSXNBY3RpdmUiOmZhbHNlLCJIb3Jpem9udGFsQWxpZ25tZW50IjowLCJWZXJ0aWNhbEFsaWdubWVudCI6MCwiU21hcnRGb3JlZ3JvdW5kIjpudWxsLCJCYWNrZ3JvdW5kRmlsbFR5cGUiOjAsIk1hcmdpbiI6eyIkaWQiOiI5NCIsIlRvcCI6MCwiTGVmdCI6MCwiUmlnaHQiOjAsIkJvdHRvbSI6MH0sIlBhZGRpbmciOnsiJGlkIjoiOTUiLCJUb3AiOjAsIkxlZnQiOjAsIlJpZ2h0IjowLCJCb3R0b20iOjB9LCJCYWNrZ3JvdW5kIjp7IiRpZCI6Ijk2IiwiQ29sb3IiOnsiJHJlZiI6IjIwIn19LCJJc1Zpc2libGUiOnRydWUsIldpZHRoIjowLjAsIkhlaWdodCI6MC4wLCJCb3JkZXJTdHlsZSI6bnVsbCwiUGFyZW50U3R5bGUiOm51bGx9LCJIb3Jpem9udGFsQ29ubmVjdG9yU3R5bGUiOnsiJGlkIjoiOTciLCJMaW5lQ29sb3IiOnsiJGlkIjoiOTgiLCIkdHlwZSI6Ik5MUkUuQ29tbW9uLkRvbS5Tb2xpZENvbG9yQnJ1c2gsIE5MUkUuQ29tbW9uIiwiQ29sb3IiOnsiJGlkIjoiOTkiLCJBIjoyNTUsIlIiOjIwNCwiRyI6MjA0LCJCIjoyMDR9fSwiTGluZVdlaWdodCI6MS4wLCJMaW5lVHlwZSI6MCwiUGFyZW50U3R5bGUiOm51bGx9LCJWZXJ0aWNhbENvbm5lY3RvclN0eWxlIjp7IiRpZCI6IjEwMCIsIkxpbmVDb2xvciI6eyIkaWQiOiIxMDEiLCIkdHlwZSI6Ik5MUkUuQ29tbW9uLkRvbS5Tb2xpZENvbG9yQnJ1c2gsIE5MUkUuQ29tbW9uIiwiQ29sb3IiOnsiJGlkIjoiMTAyIiwiQSI6MjU1LCJSIjoyMDQsIkciOjIwNCwiQiI6MjA0fX0sIkxpbmVXZWlnaHQiOjAuMCwiTGluZVR5cGUiOjAsIlBhcmVudFN0eWxlIjpudWxsfSwiTWFyZ2luIjpudWxsLCJTdGFydERhdGVQb3NpdGlvbiI6NCwiRW5kRGF0ZVBvc2l0aW9uIjo0LCJEYXRlSXNWaXNpYmxlIjp0cnVlLCJUaXRsZVBvc2l0aW9uIjo1LCJEdXJhdGlvblBvc2l0aW9uIjo2LCJQZXJjZW50YWdlQ29tcGxldGVkUG9zaXRpb24iOjYsIlNwYWNpbmciOjUsIklzQmVsb3dUaW1lYmFuZCI6dHJ1ZSwiUGVyY2VudGFnZUNvbXBsZXRlU2hhcGVPcGFjaXR5IjozNSwiU2hhcGVTdHlsZSI6eyIkaWQiOiIxMDMiLCJNYXJnaW4iOnsiJGlkIjoiMTA0IiwiVG9wIjowLCJMZWZ0Ijo0LCJSaWdodCI6NCwiQm90dG9tIjowfSwiUGFkZGluZyI6eyIkaWQiOiIxMDUiLCJUb3AiOjAsIkxlZnQiOjAsIlJpZ2h0IjowLCJCb3R0b20iOjB9LCJCYWNrZ3JvdW5kIjp7IiRpZCI6IjEwNiIsIkNvbG9yIjp7IiRpZCI6IjEwNyIsIkEiOjI1NSwiUiI6MCwiRyI6MTE0LCJCIjoxODh9fSwiSXNWaXNpYmxlIjp0cnVlLCJXaWR0aCI6MC4wLCJIZWlnaHQiOjE2LjAsIkJvcmRlclN0eWxlIjp7IiRpZCI6IjEwOCIsIkxpbmVDb2xvciI6eyIkaWQiOiIxMDkiLCIkdHlwZSI6Ik5MUkUuQ29tbW9uLkRvbS5Tb2xpZENvbG9yQnJ1c2gsIE5MUkUuQ29tbW9uIiwiQ29sb3IiOnsiJGlkIjoiMTEwIiwiQSI6MjU1LCJSIjoyNTUsIkciOjAsIkIiOjB9fSwiTGluZVdlaWdodCI6MC4wLCJMaW5lVHlwZSI6MCwiUGFyZW50U3R5bGUiOm51bGx9LCJQYXJlbnRTdHlsZSI6bnVsbH0sIlRpdGxlU3R5bGUiOnsiJGlkIjoiMTExIiwiRm9udFNldHRpbmdzIjp7IiRpZCI6IjExMiIsIkZvbnRTaXplIjoxMSwiRm9udE5hbWUiOiJDYWxpYnJpIiwiSXNCb2xkIjp0cnVlLCJJc0l0YWxpYyI6ZmFsc2UsIklzVW5kZXJsaW5lZCI6ZmFsc2UsIlBhcmVudFN0eWxlIjpudWxsfSwiQXV0b1NpemUiOjAsIkZvcmVncm91bmQiOnsiJGlkIjoiMTEzIiwiQ29sb3IiOnsiJGlkIjoiMTE0IiwiQSI6MjU1LCJSIjowLCJHIjowLCJCIjowfX0sIk1heFdpZHRoIjo5NjAuMCwiTWF4SGVpZ2h0IjoiSW5maW5pdHkiLCJTbWFydEZvcmVncm91bmRJc0FjdGl2ZSI6ZmFsc2UsIkhvcml6b250YWxBbGlnbm1lbnQiOjAsIlZlcnRpY2FsQWxpZ25tZW50IjowLCJTbWFydEZvcmVncm91bmQiOm51bGwsIkJhY2tncm91bmRGaWxsVHlwZSI6MCwiTWFyZ2luIjp7IiRpZCI6IjExNSIsIlRvcCI6MCwiTGVmdCI6MCwiUmlnaHQiOjAsIkJvdHRvbSI6MH0sIlBhZGRpbmciOnsiJGlkIjoiMTE2IiwiVG9wIjowLCJMZWZ0IjowLCJSaWdodCI6MCwiQm90dG9tIjowfSwiQmFja2dyb3VuZCI6eyIkaWQiOiIxMTciLCJDb2xvciI6eyIkcmVmIjoiMjAifX0sIklzVmlzaWJsZSI6dHJ1ZSwiV2lkdGgiOjAuMCwiSGVpZ2h0IjowLjAsIkJvcmRlclN0eWxlIjpudWxsLCJQYXJlbnRTdHlsZSI6bnVsbH0sIkRhdGVTdHlsZSI6eyIkaWQiOiIxMTgiLCJGb250U2V0dGluZ3MiOnsiJGlkIjoiMTE5IiwiRm9udFNpemUiOjEwLCJGb250TmFtZSI6IkNhbGlicmkiLCJJc0JvbGQiOmZhbHNlLCJJc0l0YWxpYyI6ZmFsc2UsIklzVW5kZXJsaW5lZCI6ZmFsc2UsIlBhcmVudFN0eWxlIjpudWxsfSwiQXV0b1NpemUiOjAsIkZvcmVncm91bmQiOnsiJGlkIjoiMTIwIiwiQ29sb3IiOnsiJGlkIjoiMTIxIiwiQSI6MjU1LCJSIjo2OCwiRyI6ODQsIkIiOjEwNn19LCJNYXhXaWR0aCI6MjAwLjAsIk1heEhlaWdodCI6IkluZmluaXR5IiwiU21hcnRGb3JlZ3JvdW5kSXNBY3RpdmUiOmZhbHNlLCJIb3Jpem9udGFsQWxpZ25tZW50IjowLCJWZXJ0aWNhbEFsaWdubWVudCI6MCwiU21hcnRGb3JlZ3JvdW5kIjpudWxsLCJCYWNrZ3JvdW5kRmlsbFR5cGUiOjAsIk1hcmdpbiI6eyIkaWQiOiIxMjIiLCJUb3AiOjAsIkxlZnQiOjAsIlJpZ2h0IjowLCJCb3R0b20iOjB9LCJQYWRkaW5nIjp7IiRpZCI6IjEyMyIsIlRvcCI6MCwiTGVmdCI6MCwiUmlnaHQiOjAsIkJvdHRvbSI6MH0sIkJhY2tncm91bmQiOnsiJGlkIjoiMTI0IiwiQ29sb3IiOnsiJHJlZiI6IjIwIn19LCJJc1Zpc2libGUiOnRydWUsIldpZHRoIjowLjAsIkhlaWdodCI6MC4wLCJCb3JkZXJTdHlsZSI6bnVsbCwiUGFyZW50U3R5bGUiOm51bGx9LCJEYXRlRm9ybWF0Ijp7IiRpZCI6IjEyNSIsIkZvcm1hdFN0cmluZyI6Ik0vZC95eXl5IiwiU2VwYXJhdG9yIjoiLyIsIlVzZUludGVybmF0aW9uYWxEYXRlRm9ybWF0IjpmYWxzZSwiRGF0ZUlzVmlzaWJsZSI6dHJ1ZSwiVGltZUlzVmlzaWJsZSI6ZmFsc2UsIkhvdXJEaWdpdHMiOjEsIkFtUG1EZXNpZ25hdG9yIjoyLCJUcmltMDBNaW51dGVzIjpmYWxzZSwiTGFzdEtub3duVmlzaWJpbGl0eVN0YXRlIjpudWxsfSwiSXNWaXNpYmxlIjp0cnVlLCJQYXJlbnRTdHlsZSI6bnVsbCwiX2V4cGxpY2l0bHlTZXQiOnsiJGlkIjoiMTI2IiwiU2hhcGVTdHlsZSI6ZmFsc2UsIlRpdGxlU3R5bGUiOmZhbHNlLCJEYXRlU3R5bGUiOmZhbHNlLCJIb3Jpem9udGFsQ29ubmVjdG9yU3R5bGUiOmZhbHNlLCJWZXJ0aWNhbENvbm5lY3RvclN0eWxlIjpmYWxzZSwiUGVyY2VudGFnZUNvbXBsZXRlU2hhcGVPcGFjaXR5IjpmYWxzZSwiU2hhcGUiOmZhbHNlLCJTaGFwZVRoaWNrbmVzcyI6ZmFsc2UsIkR1cmF0aW9uRm9ybWF0IjpmYWxzZSwiSW5jbHVkZU5vbldvcmtpbmdEYXlzSW5EdXJhdGlvbiI6ZmFsc2UsIk1hcmdpbiI6ZmFsc2UsIlN0YXJ0RGF0ZVBvc2l0aW9uIjpmYWxzZSwiRW5kRGF0ZVBvc2l0aW9uIjpmYWxzZSwiVGl0bGVQb3NpdGlvbiI6ZmFsc2UsIkR1cmF0aW9uUG9zaXRpb24iOmZhbHNlLCJQZXJjZW50YWdlQ29tcGxldGVkUG9zaXRpb24iOmZhbHNlLCJTcGFjaW5nIjpmYWxzZSwiSXNCZWxvd1RpbWViYW5kIjpmYWxzZSwiRGF0ZUZvcm1hdCI6ZmFsc2UsIklzVmlzaWJsZSI6ZmFsc2V9fSwiU2hvd0VsYXBzZWRUaW1lR3JhZGllbnRTdHlsZSI6ZmFsc2V9LCJTY2FsZSI6eyIkaWQiOiIxMjciLCJTdGFydERhdGUiOiIwMDAxLTAxLTAxVDAwOjAwOjAwIiwiRW5kRGF0ZSI6IjIwMTktMDYtMTlUMjM6NTk6MDAiLCJGb3JtYXQiOiJNTU0iLCJUeXBlIjoyLCJBdXRvRGF0ZVJhbmdlIjp0cnVlLCJXb3JraW5nRGF5cyI6MTI3LCJUb2RheU1hcmtlclRleHQiOiLsmKTripgiLCJBdXRvU2NhbGVUeXBlIjp0cnVlfSwiTWlsZXN0b25lcyI6W10sIlRhc2tzIjpbeyIkaWQiOiIxMjgiLCJHcm91cE5hbWUiOm51bGwsIlN0YXJ0RGF0ZSI6IjIwMTktMDMtMDZUMDA6MDA6MDAiLCJFbmREYXRlIjoiMjAxOS0wMy0zMVQyMzo1OTowMCIsIlBlcmNlbnRhZ2VDb21wbGV0ZSI6bnVsbCwiU3R5bGUiOnsiJGlkIjoiMTI5IiwiU2hhcGUiOjAsIlNoYXBlVGhpY2tuZXNzIjoxLCJEdXJhdGlvbkZvcm1hdCI6MCwiSW5jbHVkZU5vbldvcmtpbmdEYXlzSW5EdXJhdGlvbiI6ZmFsc2UsIlBlcmNlbnRhZ2VDb21wbGV0ZVN0eWxlIjp7IiRpZCI6IjEzMCIsIkZvbnRTZXR0aW5ncyI6eyIkaWQiOiIxMzEiLCJGb250U2l6ZSI6MTAsIkZvbnROYW1lIjoiQ2FsaWJyaSIsIklzQm9sZCI6ZmFsc2UsIklzSXRhbGljIjpmYWxzZSwiSXNVbmRlcmxpbmVkIjpmYWxzZSwiUGFyZW50U3R5bGUiOm51bGx9LCJBdXRvU2l6ZSI6MCwiRm9yZWdyb3VuZCI6eyIkaWQiOiIxMzIiLCJDb2xvciI6eyIkcmVmIjoiODYifX0sIk1heFdpZHRoIjoyMDAuMCwiTWF4SGVpZ2h0IjoiSW5maW5pdHkiLCJTbWFydEZvcmVncm91bmRJc0FjdGl2ZSI6ZmFsc2UsIkhvcml6b250YWxBbGlnbm1lbnQiOjAsIlZlcnRpY2FsQWxpZ25tZW50IjowLCJTbWFydEZvcmVncm91bmQiOm51bGwsIkJhY2tncm91bmRGaWxsVHlwZSI6MCwiTWFyZ2luIjp7IiRpZCI6IjEzMyIsIlRvcCI6MCwiTGVmdCI6MCwiUmlnaHQiOjAsIkJvdHRvbSI6MH0sIlBhZGRpbmciOnsiJGlkIjoiMTM0IiwiVG9wIjowLCJMZWZ0IjowLCJSaWdodCI6MCwiQm90dG9tIjowfSwiQmFja2dyb3VuZCI6eyIkcmVmIjoiODkifSwiSXNWaXNpYmxlIjp0cnVlLCJXaWR0aCI6MC4wLCJIZWlnaHQiOjAuMCwiQm9yZGVyU3R5bGUiOnsiJGlkIjoiMTM1IiwiTGluZUNvbG9yIjpudWxsLCJMaW5lV2VpZ2h0IjowLjAsIkxpbmVUeXBlIjowLCJQYXJlbnRTdHlsZSI6bnVsbH0sIlBhcmVudFN0eWxlIjpudWxsfSwiRHVyYXRpb25TdHlsZSI6eyIkaWQiOiIxMzYiLCJGb250U2V0dGluZ3MiOnsiJGlkIjoiMTM3IiwiRm9udFNpemUiOjEwLCJGb250TmFtZSI6IkNhbGlicmkiLCJJc0JvbGQiOmZhbHNlLCJJc0l0YWxpYyI6ZmFsc2UsIklzVW5kZXJsaW5lZCI6ZmFsc2UsIlBhcmVudFN0eWxlIjpudWxsfSwiQXV0b1NpemUiOjAsIkZvcmVncm91bmQiOnsiJGlkIjoiMTM4IiwiQ29sb3IiOnsiJHJlZiI6IjkzIn19LCJNYXhXaWR0aCI6MjAwLjAsIk1heEhlaWdodCI6IkluZmluaXR5IiwiU21hcnRGb3JlZ3JvdW5kSXNBY3RpdmUiOmZhbHNlLCJIb3Jpem9udGFsQWxpZ25tZW50IjowLCJWZXJ0aWNhbEFsaWdubWVudCI6MCwiU21hcnRGb3JlZ3JvdW5kIjpudWxsLCJCYWNrZ3JvdW5kRmlsbFR5cGUiOjAsIk1hcmdpbiI6eyIkaWQiOiIxMzkiLCJUb3AiOjAsIkxlZnQiOjAsIlJpZ2h0IjowLCJCb3R0b20iOjB9LCJQYWRkaW5nIjp7IiRpZCI6IjE0MCIsIlRvcCI6MCwiTGVmdCI6MCwiUmlnaHQiOjAsIkJvdHRvbSI6MH0sIkJhY2tncm91bmQiOnsiJHJlZiI6Ijk2In0sIklzVmlzaWJsZSI6dHJ1ZSwiV2lkdGgiOjAuMCwiSGVpZ2h0IjowLjAsIkJvcmRlclN0eWxlIjp7IiRpZCI6IjE0MSIsIkxpbmVDb2xvciI6bnVsbCwiTGluZVdlaWdodCI6MC4wLCJMaW5lVHlwZSI6MCwiUGFyZW50U3R5bGUiOm51bGx9LCJQYXJlbnRTdHlsZSI6bnVsbH0sIkhvcml6b250YWxDb25uZWN0b3JTdHlsZSI6eyIkaWQiOiIxNDIiLCJMaW5lQ29sb3IiOnsiJHJlZiI6Ijk4In0sIkxpbmVXZWlnaHQiOjAuMCwiTGluZVR5cGUiOjAsIlBhcmVudFN0eWxlIjpudWxsfSwiVmVydGljYWxDb25uZWN0b3JTdHlsZSI6eyIkaWQiOiIxNDMiLCJMaW5lQ29sb3IiOnsiJHJlZiI6IjEwMSJ9LCJMaW5lV2VpZ2h0IjowLjAsIkxpbmVUeXBlIjowLCJQYXJlbnRTdHlsZSI6bnVsbH0sIk1hcmdpbiI6bnVsbCwiU3RhcnREYXRlUG9zaXRpb24iOjQsIkVuZERhdGVQb3NpdGlvbiI6NCwiRGF0ZUlzVmlzaWJsZSI6dHJ1ZSwiVGl0bGVQb3NpdGlvbiI6NSwiRHVyYXRpb25Qb3NpdGlvbiI6NiwiUGVyY2VudGFnZUNvbXBsZXRlZFBvc2l0aW9uIjo2LCJTcGFjaW5nIjo1LCJJc0JlbG93VGltZWJhbmQiOnRydWUsIlBlcmNlbnRhZ2VDb21wbGV0ZVNoYXBlT3BhY2l0eSI6MzUsIlNoYXBlU3R5bGUiOnsiJGlkIjoiMTQ0IiwiTWFyZ2luIjp7IiRpZCI6IjE0NSIsIlRvcCI6MCwiTGVmdCI6NCwiUmlnaHQiOjQsIkJvdHRvbSI6MH0sIlBhZGRpbmciOnsiJGlkIjoiMTQ2IiwiVG9wIjowLCJMZWZ0IjowLCJSaWdodCI6MCwiQm90dG9tIjowfSwiQmFja2dyb3VuZCI6eyIkaWQiOiIxNDciLCJDb2xvciI6eyIkaWQiOiIxNDgiLCJBIjoyNTUsIlIiOjkxLCJHIjoxNTUsIkIiOjIxM319LCJJc1Zpc2libGUiOnRydWUsIldpZHRoIjowLjAsIkhlaWdodCI6MTYuMCwiQm9yZGVyU3R5bGUiOnsiJGlkIjoiMTQ5IiwiTGluZUNvbG9yIjp7IiRyZWYiOiIxMDkifSwiTGluZVdlaWdodCI6MC4wLCJMaW5lVHlwZSI6MCwiUGFyZW50U3R5bGUiOm51bGx9LCJQYXJlbnRTdHlsZSI6bnVsbH0sIlRpdGxlU3R5bGUiOnsiJGlkIjoiMTUwIiwiRm9udFNldHRpbmdzIjp7IiRpZCI6IjE1MSIsIkZvbnRTaXplIjoxMSwiRm9udE5hbWUiOiJDYWxpYnJpIiwiSXNCb2xkIjp0cnVlLCJJc0l0YWxpYyI6ZmFsc2UsIklzVW5kZXJsaW5lZCI6ZmFsc2UsIlBhcmVudFN0eWxlIjpudWxsfSwiQXV0b1NpemUiOjAsIkZvcmVncm91bmQiOnsiJGlkIjoiMTUyIiwiQ29sb3IiOnsiJHJlZiI6IjExNCJ9fSwiTWF4V2lkdGgiOjk2MC4wLCJNYXhIZWlnaHQiOiJJbmZpbml0eSIsIlNtYXJ0Rm9yZWdyb3VuZElzQWN0aXZlIjpmYWxzZSwiSG9yaXpvbnRhbEFsaWdubWVudCI6MCwiVmVydGljYWxBbGlnbm1lbnQiOjAsIlNtYXJ0Rm9yZWdyb3VuZCI6bnVsbCwiQmFja2dyb3VuZEZpbGxUeXBlIjowLCJNYXJnaW4iOnsiJGlkIjoiMTUzIiwiVG9wIjowLCJMZWZ0IjowLCJSaWdodCI6MCwiQm90dG9tIjowfSwiUGFkZGluZyI6eyIkaWQiOiIxNTQiLCJUb3AiOjAsIkxlZnQiOjAsIlJpZ2h0IjowLCJCb3R0b20iOjB9LCJCYWNrZ3JvdW5kIjp7IiRyZWYiOiIxMTcifSwiSXNWaXNpYmxlIjp0cnVlLCJXaWR0aCI6MC4wLCJIZWlnaHQiOjAuMCwiQm9yZGVyU3R5bGUiOnsiJGlkIjoiMTU1IiwiTGluZUNvbG9yIjpudWxsLCJMaW5lV2VpZ2h0IjowLjAsIkxpbmVUeXBlIjowLCJQYXJlbnRTdHlsZSI6bnVsbH0sIlBhcmVudFN0eWxlIjpudWxsfSwiRGF0ZVN0eWxlIjp7IiRpZCI6IjE1NiIsIkZvbnRTZXR0aW5ncyI6eyIkaWQiOiIxNTciLCJGb250U2l6ZSI6MTAsIkZvbnROYW1lIjoiQ2FsaWJyaSIsIklzQm9sZCI6ZmFsc2UsIklzSXRhbGljIjpmYWxzZSwiSXNVbmRlcmxpbmVkIjpmYWxzZSwiUGFyZW50U3R5bGUiOm51bGx9LCJBdXRvU2l6ZSI6MCwiRm9yZWdyb3VuZCI6eyIkaWQiOiIxNTgiLCJDb2xvciI6eyIkcmVmIjoiMTIxIn19LCJNYXhXaWR0aCI6MjAwLjAsIk1heEhlaWdodCI6IkluZmluaXR5IiwiU21hcnRGb3JlZ3JvdW5kSXNBY3RpdmUiOmZhbHNlLCJIb3Jpem9udGFsQWxpZ25tZW50IjowLCJWZXJ0aWNhbEFsaWdubWVudCI6MCwiU21hcnRGb3JlZ3JvdW5kIjpudWxsLCJCYWNrZ3JvdW5kRmlsbFR5cGUiOjAsIk1hcmdpbiI6eyIkaWQiOiIxNTkiLCJUb3AiOjAsIkxlZnQiOjAsIlJpZ2h0IjowLCJCb3R0b20iOjB9LCJQYWRkaW5nIjp7IiRpZCI6IjE2MCIsIlRvcCI6MCwiTGVmdCI6MCwiUmlnaHQiOjAsIkJvdHRvbSI6MH0sIkJhY2tncm91bmQiOnsiJHJlZiI6IjEyNCJ9LCJJc1Zpc2libGUiOnRydWUsIldpZHRoIjowLjAsIkhlaWdodCI6MC4wLCJCb3JkZXJTdHlsZSI6eyIkaWQiOiIxNjEiLCJMaW5lQ29sb3IiOm51bGwsIkxpbmVXZWlnaHQiOjAuMCwiTGluZVR5cGUiOjAsIlBhcmVudFN0eWxlIjpudWxsfSwiUGFyZW50U3R5bGUiOm51bGx9LCJEYXRlRm9ybWF0Ijp7IiRpZCI6IjE2MiIsIkZvcm1hdFN0cmluZyI6Ik0vZC95eXl5IiwiU2VwYXJhdG9yIjoiLyIsIlVzZUludGVybmF0aW9uYWxEYXRlRm9ybWF0IjpmYWxzZSwiRGF0ZUlzVmlzaWJsZSI6dHJ1ZSwiVGltZUlzVmlzaWJsZSI6ZmFsc2UsIkhvdXJEaWdpdHMiOjEsIkFtUG1EZXNpZ25hdG9yIjoyLCJUcmltMDBNaW51dGVzIjpmYWxzZSwiTGFzdEtub3duVmlzaWJpbGl0eVN0YXRlIjpudWxsfSwiSXNWaXNpYmxlIjp0cnVlLCJQYXJlbnRTdHlsZSI6bnVsbH0sIkluZGV4IjoxLCJTbWFydER1cmF0aW9uQWN0aXZhdGVkIjpmYWxzZSwiRGF0ZUZvcm1hdCI6eyIkcmVmIjoiMTYyIn0sIklkIjoiMjJhNGYwZDctNjgwNi00NDY3LTg5ZTgtZDBkYzYzODk4ZTlhIiwiSW1wb3J0SWQiOm51bGwsIlRpdGxlIjoi7ZSE66Gc7KCd7Yq4IOqzhO2ajS/shKTqs4QiLCJOb3RlIjpudWxsLCJIeXBlcmxpbmsiOm51bGwsIklzQ2hhbmdlZCI6ZmFsc2UsIklzTmV3IjpmYWxzZX0seyIkaWQiOiIxNjMiLCJHcm91cE5hbWUiOm51bGwsIlN0YXJ0RGF0ZSI6IjIwMTktMDQtMDFUMDA6MDA6MDAiLCJFbmREYXRlIjoiMjAxOS0wNC0xMFQyMzo1OTowMFoiLCJQZXJjZW50YWdlQ29tcGxldGUiOm51bGwsIlN0eWxlIjp7IiRpZCI6IjE2NCIsIlNoYXBlIjowLCJTaGFwZVRoaWNrbmVzcyI6MSwiRHVyYXRpb25Gb3JtYXQiOjAsIkluY2x1ZGVOb25Xb3JraW5nRGF5c0luRHVyYXRpb24iOmZhbHNlLCJQZXJjZW50YWdlQ29tcGxldGVTdHlsZSI6eyIkaWQiOiIxNjUiLCJGb250U2V0dGluZ3MiOnsiJGlkIjoiMTY2IiwiRm9udFNpemUiOjEwLCJGb250TmFtZSI6IkNhbGlicmkiLCJJc0JvbGQiOmZhbHNlLCJJc0l0YWxpYyI6ZmFsc2UsIklzVW5kZXJsaW5lZCI6ZmFsc2UsIlBhcmVudFN0eWxlIjpudWxsfSwiQXV0b1NpemUiOjAsIkZvcmVncm91bmQiOnsiJGlkIjoiMTY3IiwiQ29sb3IiOnsiJHJlZiI6Ijg2In19LCJNYXhXaWR0aCI6MjAwLjAsIk1heEhlaWdodCI6IkluZmluaXR5IiwiU21hcnRGb3JlZ3JvdW5kSXNBY3RpdmUiOmZhbHNlLCJIb3Jpem9udGFsQWxpZ25tZW50IjowLCJWZXJ0aWNhbEFsaWdubWVudCI6MCwiU21hcnRGb3JlZ3JvdW5kIjpudWxsLCJCYWNrZ3JvdW5kRmlsbFR5cGUiOjAsIk1hcmdpbiI6eyIkaWQiOiIxNjgiLCJUb3AiOjAsIkxlZnQiOjAsIlJpZ2h0IjowLCJCb3R0b20iOjB9LCJQYWRkaW5nIjp7IiRpZCI6IjE2OSIsIlRvcCI6MCwiTGVmdCI6MCwiUmlnaHQiOjAsIkJvdHRvbSI6MH0sIkJhY2tncm91bmQiOnsiJHJlZiI6Ijg5In0sIklzVmlzaWJsZSI6dHJ1ZSwiV2lkdGgiOjAuMCwiSGVpZ2h0IjowLjAsIkJvcmRlclN0eWxlIjp7IiRpZCI6IjE3MCIsIkxpbmVDb2xvciI6bnVsbCwiTGluZVdlaWdodCI6MC4wLCJMaW5lVHlwZSI6MCwiUGFyZW50U3R5bGUiOm51bGx9LCJQYXJlbnRTdHlsZSI6bnVsbH0sIkR1cmF0aW9uU3R5bGUiOnsiJGlkIjoiMTcxIiwiRm9udFNldHRpbmdzIjp7IiRpZCI6IjE3MiIsIkZvbnRTaXplIjoxMCwiRm9udE5hbWUiOiJDYWxpYnJpIiwiSXNCb2xkIjpmYWxzZSwiSXNJdGFsaWMiOmZhbHNlLCJJc1VuZGVybGluZWQiOmZhbHNlLCJQYXJlbnRTdHlsZSI6bnVsbH0sIkF1dG9TaXplIjowLCJGb3JlZ3JvdW5kIjp7IiRpZCI6IjE3MyIsIkNvbG9yIjp7IiRyZWYiOiI5MyJ9fSwiTWF4V2lkdGgiOjIwMC4wLCJNYXhIZWlnaHQiOiJJbmZpbml0eSIsIlNtYXJ0Rm9yZWdyb3VuZElzQWN0aXZlIjpmYWxzZSwiSG9yaXpvbnRhbEFsaWdubWVudCI6MCwiVmVydGljYWxBbGlnbm1lbnQiOjAsIlNtYXJ0Rm9yZWdyb3VuZCI6bnVsbCwiQmFja2dyb3VuZEZpbGxUeXBlIjowLCJNYXJnaW4iOnsiJGlkIjoiMTc0IiwiVG9wIjowLCJMZWZ0IjowLCJSaWdodCI6MCwiQm90dG9tIjowfSwiUGFkZGluZyI6eyIkaWQiOiIxNzUiLCJUb3AiOjAsIkxlZnQiOjAsIlJpZ2h0IjowLCJCb3R0b20iOjB9LCJCYWNrZ3JvdW5kIjp7IiRyZWYiOiI5NiJ9LCJJc1Zpc2libGUiOnRydWUsIldpZHRoIjowLjAsIkhlaWdodCI6MC4wLCJCb3JkZXJTdHlsZSI6eyIkaWQiOiIxNzYiLCJMaW5lQ29sb3IiOm51bGwsIkxpbmVXZWlnaHQiOjAuMCwiTGluZVR5cGUiOjAsIlBhcmVudFN0eWxlIjpudWxsfSwiUGFyZW50U3R5bGUiOm51bGx9LCJIb3Jpem9udGFsQ29ubmVjdG9yU3R5bGUiOnsiJGlkIjoiMTc3IiwiTGluZUNvbG9yIjp7IiRyZWYiOiI5OCJ9LCJMaW5lV2VpZ2h0IjoxLjAsIkxpbmVUeXBlIjowLCJQYXJlbnRTdHlsZSI6bnVsbH0sIlZlcnRpY2FsQ29ubmVjdG9yU3R5bGUiOnsiJGlkIjoiMTc4IiwiTGluZUNvbG9yIjp7IiRyZWYiOiIxMDEifSwiTGluZVdlaWdodCI6MC4wLCJMaW5lVHlwZSI6MCwiUGFyZW50U3R5bGUiOm51bGx9LCJNYXJnaW4iOm51bGwsIlN0YXJ0RGF0ZVBvc2l0aW9uIjo0LCJFbmREYXRlUG9zaXRpb24iOjQsIkRhdGVJc1Zpc2libGUiOnRydWUsIlRpdGxlUG9zaXRpb24iOjUsIkR1cmF0aW9uUG9zaXRpb24iOjYsIlBlcmNlbnRhZ2VDb21wbGV0ZWRQb3NpdGlvbiI6NiwiU3BhY2luZyI6NSwiSXNCZWxvd1RpbWViYW5kIjp0cnVlLCJQZXJjZW50YWdlQ29tcGxldGVTaGFwZU9wYWNpdHkiOjM1LCJTaGFwZVN0eWxlIjp7IiRpZCI6IjE3OSIsIk1hcmdpbiI6eyIkaWQiOiIxODAiLCJUb3AiOjAsIkxlZnQiOjQsIlJpZ2h0Ijo0LCJCb3R0b20iOjB9LCJQYWRkaW5nIjp7IiRpZCI6IjE4MSIsIlRvcCI6MCwiTGVmdCI6MCwiUmlnaHQiOjAsIkJvdHRvbSI6MH0sIkJhY2tncm91bmQiOnsiJGlkIjoiMTgyIiwiQ29sb3IiOnsiJGlkIjoiMTgzIiwiQSI6MjU1LCJSIjo5MSwiRyI6MTU1LCJCIjoyMTN9fSwiSXNWaXNpYmxlIjp0cnVlLCJXaWR0aCI6MC4wLCJIZWlnaHQiOjE2LjAsIkJvcmRlclN0eWxlIjp7IiRpZCI6IjE4NCIsIkxpbmVDb2xvciI6eyIkcmVmIjoiMTA5In0sIkxpbmVXZWlnaHQiOjAuMCwiTGluZVR5cGUiOjAsIlBhcmVudFN0eWxlIjpudWxsfSwiUGFyZW50U3R5bGUiOm51bGx9LCJUaXRsZVN0eWxlIjp7IiRpZCI6IjE4NSIsIkZvbnRTZXR0aW5ncyI6eyIkaWQiOiIxODYiLCJGb250U2l6ZSI6MTEsIkZvbnROYW1lIjoiQ2FsaWJyaSIsIklzQm9sZCI6dHJ1ZSwiSXNJdGFsaWMiOmZhbHNlLCJJc1VuZGVybGluZWQiOmZhbHNlLCJQYXJlbnRTdHlsZSI6bnVsbH0sIkF1dG9TaXplIjowLCJGb3JlZ3JvdW5kIjp7IiRpZCI6IjE4NyIsIkNvbG9yIjp7IiRyZWYiOiIxMTQifX0sIk1heFdpZHRoIjo5NjAuMCwiTWF4SGVpZ2h0IjoiSW5maW5pdHkiLCJTbWFydEZvcmVncm91bmRJc0FjdGl2ZSI6ZmFsc2UsIkhvcml6b250YWxBbGlnbm1lbnQiOjAsIlZlcnRpY2FsQWxpZ25tZW50IjowLCJTbWFydEZvcmVncm91bmQiOm51bGwsIkJhY2tncm91bmRGaWxsVHlwZSI6MCwiTWFyZ2luIjp7IiRpZCI6IjE4OCIsIlRvcCI6MCwiTGVmdCI6MCwiUmlnaHQiOjAsIkJvdHRvbSI6MH0sIlBhZGRpbmciOnsiJGlkIjoiMTg5IiwiVG9wIjowLCJMZWZ0IjowLCJSaWdodCI6MCwiQm90dG9tIjowfSwiQmFja2dyb3VuZCI6eyIkcmVmIjoiMTE3In0sIklzVmlzaWJsZSI6dHJ1ZSwiV2lkdGgiOjAuMCwiSGVpZ2h0IjowLjAsIkJvcmRlclN0eWxlIjp7IiRpZCI6IjE5MCIsIkxpbmVDb2xvciI6bnVsbCwiTGluZVdlaWdodCI6MC4wLCJMaW5lVHlwZSI6MCwiUGFyZW50U3R5bGUiOm51bGx9LCJQYXJlbnRTdHlsZSI6bnVsbH0sIkRhdGVTdHlsZSI6eyIkaWQiOiIxOTEiLCJGb250U2V0dGluZ3MiOnsiJGlkIjoiMTkyIiwiRm9udFNpemUiOjEwLCJGb250TmFtZSI6IkNhbGlicmkiLCJJc0JvbGQiOmZhbHNlLCJJc0l0YWxpYyI6ZmFsc2UsIklzVW5kZXJsaW5lZCI6ZmFsc2UsIlBhcmVudFN0eWxlIjpudWxsfSwiQXV0b1NpemUiOjAsIkZvcmVncm91bmQiOnsiJGlkIjoiMTkzIiwiQ29sb3IiOnsiJHJlZiI6IjEyMSJ9fSwiTWF4V2lkdGgiOjIwMC4wLCJNYXhIZWlnaHQiOiJJbmZpbml0eSIsIlNtYXJ0Rm9yZWdyb3VuZElzQWN0aXZlIjpmYWxzZSwiSG9yaXpvbnRhbEFsaWdubWVudCI6MCwiVmVydGljYWxBbGlnbm1lbnQiOjAsIlNtYXJ0Rm9yZWdyb3VuZCI6bnVsbCwiQmFja2dyb3VuZEZpbGxUeXBlIjowLCJNYXJnaW4iOnsiJGlkIjoiMTk0IiwiVG9wIjowLCJMZWZ0IjowLCJSaWdodCI6MCwiQm90dG9tIjowfSwiUGFkZGluZyI6eyIkaWQiOiIxOTUiLCJUb3AiOjAsIkxlZnQiOjAsIlJpZ2h0IjowLCJCb3R0b20iOjB9LCJCYWNrZ3JvdW5kIjp7IiRyZWYiOiIxMjQifSwiSXNWaXNpYmxlIjp0cnVlLCJXaWR0aCI6MC4wLCJIZWlnaHQiOjAuMCwiQm9yZGVyU3R5bGUiOnsiJGlkIjoiMTk2IiwiTGluZUNvbG9yIjpudWxsLCJMaW5lV2VpZ2h0IjowLjAsIkxpbmVUeXBlIjowLCJQYXJlbnRTdHlsZSI6bnVsbH0sIlBhcmVudFN0eWxlIjpudWxsfSwiRGF0ZUZvcm1hdCI6eyIkaWQiOiIxOTciLCJGb3JtYXRTdHJpbmciOiJNL2QveXl5eSIsIlNlcGFyYXRvciI6Ii8iLCJVc2VJbnRlcm5hdGlvbmFsRGF0ZUZvcm1hdCI6ZmFsc2UsIkRhdGVJc1Zpc2libGUiOnRydWUsIlRpbWVJc1Zpc2libGUiOmZhbHNlLCJIb3VyRGlnaXRzIjoxLCJBbVBtRGVzaWduYXRvciI6MiwiVHJpbTAwTWludXRlcyI6ZmFsc2UsIkxhc3RLbm93blZpc2liaWxpdHlTdGF0ZSI6bnVsbH0sIklzVmlzaWJsZSI6dHJ1ZSwiUGFyZW50U3R5bGUiOm51bGx9LCJJbmRleCI6MiwiU21hcnREdXJhdGlvbkFjdGl2YXRlZCI6ZmFsc2UsIkRhdGVGb3JtYXQiOnsiJHJlZiI6IjE5NyJ9LCJJZCI6ImQ0NDdlYTQ1LThkOTUtNDM4OS05NWY1LWNhYTliOTEzMjljYyIsIkltcG9ydElkIjpudWxsLCJUaXRsZSI6Iuq0gOugqCDsmKTtlIjshozsiqQg7IiY7KeRL+u2hOyEnSIsIk5vdGUiOm51bGwsIkh5cGVybGluayI6bnVsbCwiSXNDaGFuZ2VkIjpmYWxzZSwiSXNOZXciOmZhbHNlfSx7IiRpZCI6IjE5OCIsIkdyb3VwTmFtZSI6bnVsbCwiU3RhcnREYXRlIjoiMjAxOS0wNC0wMVQwMDowMDowMFoiLCJFbmREYXRlIjoiMjAxOS0wNC0zMFQyMzo1OTowMFoiLCJQZXJjZW50YWdlQ29tcGxldGUiOm51bGwsIlN0eWxlIjp7IiRpZCI6IjE5OSIsIlNoYXBlIjowLCJTaGFwZVRoaWNrbmVzcyI6MSwiRHVyYXRpb25Gb3JtYXQiOjAsIkluY2x1ZGVOb25Xb3JraW5nRGF5c0luRHVyYXRpb24iOmZhbHNlLCJQZXJjZW50YWdlQ29tcGxldGVTdHlsZSI6eyIkaWQiOiIyMDAiLCJGb250U2V0dGluZ3MiOnsiJGlkIjoiMjAxIiwiRm9udFNpemUiOjEwLCJGb250TmFtZSI6IkNhbGlicmkiLCJJc0JvbGQiOmZhbHNlLCJJc0l0YWxpYyI6ZmFsc2UsIklzVW5kZXJsaW5lZCI6ZmFsc2UsIlBhcmVudFN0eWxlIjpudWxsfSwiQXV0b1NpemUiOjAsIkZvcmVncm91bmQiOnsiJHJlZiI6Ijg1In0sIk1heFdpZHRoIjoyMDAuMCwiTWF4SGVpZ2h0IjoiSW5maW5pdHkiLCJTbWFydEZvcmVncm91bmRJc0FjdGl2ZSI6ZmFsc2UsIkhvcml6b250YWxBbGlnbm1lbnQiOjAsIlZlcnRpY2FsQWxpZ25tZW50IjowLCJTbWFydEZvcmVncm91bmQiOm51bGwsIkJhY2tncm91bmRGaWxsVHlwZSI6MCwiTWFyZ2luIjp7IiRyZWYiOiI4NyJ9LCJQYWRkaW5nIjp7IiRyZWYiOiI4OCJ9LCJCYWNrZ3JvdW5kIjp7IiRyZWYiOiI4OSJ9LCJJc1Zpc2libGUiOnRydWUsIldpZHRoIjowLjAsIkhlaWdodCI6MC4wLCJCb3JkZXJTdHlsZSI6eyIkaWQiOiIyMDIiLCJMaW5lQ29sb3IiOm51bGwsIkxpbmVXZWlnaHQiOjAuMCwiTGluZVR5cGUiOjAsIlBhcmVudFN0eWxlIjpudWxsfSwiUGFyZW50U3R5bGUiOm51bGx9LCJEdXJhdGlvblN0eWxlIjp7IiRpZCI6IjIwMyIsIkZvbnRTZXR0aW5ncyI6eyIkaWQiOiIyMDQiLCJGb250U2l6ZSI6MTAsIkZvbnROYW1lIjoiQ2FsaWJyaSIsIklzQm9sZCI6ZmFsc2UsIklzSXRhbGljIjpmYWxzZSwiSXNVbmRlcmxpbmVkIjpmYWxzZSwiUGFyZW50U3R5bGUiOm51bGx9LCJBdXRvU2l6ZSI6MCwiRm9yZWdyb3VuZCI6eyIkcmVmIjoiOTIifSwiTWF4V2lkdGgiOjIwMC4wLCJNYXhIZWlnaHQiOiJJbmZpbml0eSIsIlNtYXJ0Rm9yZWdyb3VuZElzQWN0aXZlIjpmYWxzZSwiSG9yaXpvbnRhbEFsaWdubWVudCI6MCwiVmVydGljYWxBbGlnbm1lbnQiOjAsIlNtYXJ0Rm9yZWdyb3VuZCI6bnVsbCwiQmFja2dyb3VuZEZpbGxUeXBlIjowLCJNYXJnaW4iOnsiJHJlZiI6Ijk0In0sIlBhZGRpbmciOnsiJHJlZiI6Ijk1In0sIkJhY2tncm91bmQiOnsiJHJlZiI6Ijk2In0sIklzVmlzaWJsZSI6dHJ1ZSwiV2lkdGgiOjAuMCwiSGVpZ2h0IjowLjAsIkJvcmRlclN0eWxlIjp7IiRpZCI6IjIwNSIsIkxpbmVDb2xvciI6bnVsbCwiTGluZVdlaWdodCI6MC4wLCJMaW5lVHlwZSI6MCwiUGFyZW50U3R5bGUiOm51bGx9LCJQYXJlbnRTdHlsZSI6bnVsbH0sIkhvcml6b250YWxDb25uZWN0b3JTdHlsZSI6eyIkaWQiOiIyMDYiLCJMaW5lQ29sb3IiOnsiJHJlZiI6Ijk4In0sIkxpbmVXZWlnaHQiOjEuMCwiTGluZVR5cGUiOjAsIlBhcmVudFN0eWxlIjpudWxsfSwiVmVydGljYWxDb25uZWN0b3JTdHlsZSI6eyIkaWQiOiIyMDciLCJMaW5lQ29sb3IiOnsiJHJlZiI6IjEwMSJ9LCJMaW5lV2VpZ2h0IjowLjAsIkxpbmVUeXBlIjowLCJQYXJlbnRTdHlsZSI6bnVsbH0sIk1hcmdpbiI6bnVsbCwiU3RhcnREYXRlUG9zaXRpb24iOjQsIkVuZERhdGVQb3NpdGlvbiI6NCwiRGF0ZUlzVmlzaWJsZSI6dHJ1ZSwiVGl0bGVQb3NpdGlvbiI6NSwiRHVyYXRpb25Qb3NpdGlvbiI6NiwiUGVyY2VudGFnZUNvbXBsZXRlZFBvc2l0aW9uIjo2LCJTcGFjaW5nIjo1LCJJc0JlbG93VGltZWJhbmQiOnRydWUsIlBlcmNlbnRhZ2VDb21wbGV0ZVNoYXBlT3BhY2l0eSI6MzUsIlNoYXBlU3R5bGUiOnsiJGlkIjoiMjA4IiwiTWFyZ2luIjp7IiRyZWYiOiIxMDQifSwiUGFkZGluZyI6eyIkcmVmIjoiMTA1In0sIkJhY2tncm91bmQiOnsiJGlkIjoiMjA5IiwiQ29sb3IiOnsiJGlkIjoiMjEwIiwiQSI6MjU1LCJSIjo5MSwiRyI6MTU1LCJCIjoyMTN9fSwiSXNWaXNpYmxlIjp0cnVlLCJXaWR0aCI6MC4wLCJIZWlnaHQiOjE2LjAsIkJvcmRlclN0eWxlIjp7IiRpZCI6IjIxMSIsIkxpbmVDb2xvciI6eyIkcmVmIjoiMTA5In0sIkxpbmVXZWlnaHQiOjAuMCwiTGluZVR5cGUiOjAsIlBhcmVudFN0eWxlIjpudWxsfSwiUGFyZW50U3R5bGUiOm51bGx9LCJUaXRsZVN0eWxlIjp7IiRpZCI6IjIxMiIsIkZvbnRTZXR0aW5ncyI6eyIkaWQiOiIyMTMiLCJGb250U2l6ZSI6MTEsIkZvbnROYW1lIjoiQ2FsaWJyaSIsIklzQm9sZCI6dHJ1ZSwiSXNJdGFsaWMiOmZhbHNlLCJJc1VuZGVybGluZWQiOmZhbHNlLCJQYXJlbnRTdHlsZSI6bnVsbH0sIkF1dG9TaXplIjowLCJGb3JlZ3JvdW5kIjp7IiRyZWYiOiIxMTMifSwiTWF4V2lkdGgiOjcyMC4wLCJNYXhIZWlnaHQiOiJJbmZpbml0eSIsIlNtYXJ0Rm9yZWdyb3VuZElzQWN0aXZlIjpmYWxzZSwiSG9yaXpvbnRhbEFsaWdubWVudCI6MCwiVmVydGljYWxBbGlnbm1lbnQiOjAsIlNtYXJ0Rm9yZWdyb3VuZCI6bnVsbCwiQmFja2dyb3VuZEZpbGxUeXBlIjowLCJNYXJnaW4iOnsiJHJlZiI6IjExNSJ9LCJQYWRkaW5nIjp7IiRyZWYiOiIxMTYifSwiQmFja2dyb3VuZCI6eyIkcmVmIjoiMTE3In0sIklzVmlzaWJsZSI6dHJ1ZSwiV2lkdGgiOjAuMCwiSGVpZ2h0IjowLjAsIkJvcmRlclN0eWxlIjp7IiRpZCI6IjIxNCIsIkxpbmVDb2xvciI6bnVsbCwiTGluZVdlaWdodCI6MC4wLCJMaW5lVHlwZSI6MCwiUGFyZW50U3R5bGUiOm51bGx9LCJQYXJlbnRTdHlsZSI6bnVsbH0sIkRhdGVTdHlsZSI6eyIkaWQiOiIyMTUiLCJGb250U2V0dGluZ3MiOnsiJGlkIjoiMjE2IiwiRm9udFNpemUiOjEwLCJGb250TmFtZSI6IkNhbGlicmkiLCJJc0JvbGQiOmZhbHNlLCJJc0l0YWxpYyI6ZmFsc2UsIklzVW5kZXJsaW5lZCI6ZmFsc2UsIlBhcmVudFN0eWxlIjpudWxsfSwiQXV0b1NpemUiOjAsIkZvcmVncm91bmQiOnsiJHJlZiI6IjEyMCJ9LCJNYXhXaWR0aCI6MjAwLjAsIk1heEhlaWdodCI6IkluZmluaXR5IiwiU21hcnRGb3JlZ3JvdW5kSXNBY3RpdmUiOmZhbHNlLCJIb3Jpem9udGFsQWxpZ25tZW50IjowLCJWZXJ0aWNhbEFsaWdubWVudCI6MCwiU21hcnRGb3JlZ3JvdW5kIjpudWxsLCJCYWNrZ3JvdW5kRmlsbFR5cGUiOjAsIk1hcmdpbiI6eyIkcmVmIjoiMTIyIn0sIlBhZGRpbmciOnsiJHJlZiI6IjEyMyJ9LCJCYWNrZ3JvdW5kIjp7IiRyZWYiOiIxMjQifSwiSXNWaXNpYmxlIjp0cnVlLCJXaWR0aCI6MC4wLCJIZWlnaHQiOjAuMCwiQm9yZGVyU3R5bGUiOnsiJGlkIjoiMjE3IiwiTGluZUNvbG9yIjpudWxsLCJMaW5lV2VpZ2h0IjowLjAsIkxpbmVUeXBlIjowLCJQYXJlbnRTdHlsZSI6bnVsbH0sIlBhcmVudFN0eWxlIjpudWxsfSwiRGF0ZUZvcm1hdCI6eyIkcmVmIjoiMTI1In0sIklzVmlzaWJsZSI6dHJ1ZSwiUGFyZW50U3R5bGUiOm51bGx9LCJJbmRleCI6MywiU21hcnREdXJhdGlvbkFjdGl2YXRlZCI6ZmFsc2UsIkRhdGVGb3JtYXQiOnsiJHJlZiI6IjEyNSJ9LCJJZCI6ImQ1Y2Q2ZDJmLTk4MDItNGY0OS1hZGNmLTEwYTdjNDJmYmVmZiIsIkltcG9ydElkIjpudWxsLCJUaXRsZSI6IuykkeqwhCDrs7Tqs6DshJwg7J6R7ISxIOuwjyDtlLzrk5zrsLEiLCJOb3RlIjpudWxsLCJIeXBlcmxpbmsiOm51bGwsIklzQ2hhbmdlZCI6ZmFsc2UsIklzTmV3IjpmYWxzZX0seyIkaWQiOiIyMTgiLCJHcm91cE5hbWUiOm51bGwsIlN0YXJ0RGF0ZSI6IjIwMTktMDQtMDRUMDA6MDA6MDBaIiwiRW5kRGF0ZSI6IjIwMTktMDQtMTBUMjM6NTk6MDBaIiwiUGVyY2VudGFnZUNvbXBsZXRlIjpudWxsLCJTdHlsZSI6eyIkaWQiOiIyMTkiLCJTaGFwZSI6MCwiU2hhcGVUaGlja25lc3MiOjEsIkR1cmF0aW9uRm9ybWF0IjowLCJJbmNsdWRlTm9uV29ya2luZ0RheXNJbkR1cmF0aW9uIjpmYWxzZSwiUGVyY2VudGFnZUNvbXBsZXRlU3R5bGUiOnsiJGlkIjoiMjIwIiwiRm9udFNldHRpbmdzIjp7IiRpZCI6IjIyMSIsIkZvbnRTaXplIjoxMCwiRm9udE5hbWUiOiJDYWxpYnJpIiwiSXNCb2xkIjpmYWxzZSwiSXNJdGFsaWMiOmZhbHNlLCJJc1VuZGVybGluZWQiOmZhbHNlLCJQYXJlbnRTdHlsZSI6bnVsbH0sIkF1dG9TaXplIjowLCJGb3JlZ3JvdW5kIjp7IiRpZCI6IjIyMiIsIkNvbG9yIjp7IiRyZWYiOiI4NiJ9fSwiTWF4V2lkdGgiOjIwMC4wLCJNYXhIZWlnaHQiOiJJbmZpbml0eSIsIlNtYXJ0Rm9yZWdyb3VuZElzQWN0aXZlIjpmYWxzZSwiSG9yaXpvbnRhbEFsaWdubWVudCI6MCwiVmVydGljYWxBbGlnbm1lbnQiOjAsIlNtYXJ0Rm9yZWdyb3VuZCI6bnVsbCwiQmFja2dyb3VuZEZpbGxUeXBlIjowLCJNYXJnaW4iOnsiJGlkIjoiMjIzIiwiVG9wIjowLCJMZWZ0IjowLCJSaWdodCI6MCwiQm90dG9tIjowfSwiUGFkZGluZyI6eyIkaWQiOiIyMjQiLCJUb3AiOjAsIkxlZnQiOjAsIlJpZ2h0IjowLCJCb3R0b20iOjB9LCJCYWNrZ3JvdW5kIjp7IiRyZWYiOiI4OSJ9LCJJc1Zpc2libGUiOnRydWUsIldpZHRoIjowLjAsIkhlaWdodCI6MC4wLCJCb3JkZXJTdHlsZSI6eyIkaWQiOiIyMjUiLCJMaW5lQ29sb3IiOm51bGwsIkxpbmVXZWlnaHQiOjAuMCwiTGluZVR5cGUiOjAsIlBhcmVudFN0eWxlIjpudWxsfSwiUGFyZW50U3R5bGUiOm51bGx9LCJEdXJhdGlvblN0eWxlIjp7IiRpZCI6IjIyNiIsIkZvbnRTZXR0aW5ncyI6eyIkaWQiOiIyMjciLCJGb250U2l6ZSI6MTAsIkZvbnROYW1lIjoiQ2FsaWJyaSIsIklzQm9sZCI6ZmFsc2UsIklzSXRhbGljIjpmYWxzZSwiSXNVbmRlcmxpbmVkIjpmYWxzZSwiUGFyZW50U3R5bGUiOm51bGx9LCJBdXRvU2l6ZSI6MCwiRm9yZWdyb3VuZCI6eyIkaWQiOiIyMjgiLCJDb2xvciI6eyIkcmVmIjoiOTMifX0sIk1heFdpZHRoIjoyMDAuMCwiTWF4SGVpZ2h0IjoiSW5maW5pdHkiLCJTbWFydEZvcmVncm91bmRJc0FjdGl2ZSI6ZmFsc2UsIkhvcml6b250YWxBbGlnbm1lbnQiOjAsIlZlcnRpY2FsQWxpZ25tZW50IjowLCJTbWFydEZvcmVncm91bmQiOm51bGwsIkJhY2tncm91bmRGaWxsVHlwZSI6MCwiTWFyZ2luIjp7IiRpZCI6IjIyOSIsIlRvcCI6MCwiTGVmdCI6MCwiUmlnaHQiOjAsIkJvdHRvbSI6MH0sIlBhZGRpbmciOnsiJGlkIjoiMjMwIiwiVG9wIjowLCJMZWZ0IjowLCJSaWdodCI6MCwiQm90dG9tIjowfSwiQmFja2dyb3VuZCI6eyIkcmVmIjoiOTYifSwiSXNWaXNpYmxlIjp0cnVlLCJXaWR0aCI6MC4wLCJIZWlnaHQiOjAuMCwiQm9yZGVyU3R5bGUiOnsiJGlkIjoiMjMxIiwiTGluZUNvbG9yIjpudWxsLCJMaW5lV2VpZ2h0IjowLjAsIkxpbmVUeXBlIjowLCJQYXJlbnRTdHlsZSI6bnVsbH0sIlBhcmVudFN0eWxlIjpudWxsfSwiSG9yaXpvbnRhbENvbm5lY3RvclN0eWxlIjp7IiRpZCI6IjIzMiIsIkxpbmVDb2xvciI6eyIkcmVmIjoiOTgifSwiTGluZVdlaWdodCI6MS4wLCJMaW5lVHlwZSI6MCwiUGFyZW50U3R5bGUiOm51bGx9LCJWZXJ0aWNhbENvbm5lY3RvclN0eWxlIjp7IiRpZCI6IjIzMyIsIkxpbmVDb2xvciI6eyIkcmVmIjoiMTAxIn0sIkxpbmVXZWlnaHQiOjAuMCwiTGluZVR5cGUiOjAsIlBhcmVudFN0eWxlIjpudWxsfSwiTWFyZ2luIjpudWxsLCJTdGFydERhdGVQb3NpdGlvbiI6NCwiRW5kRGF0ZVBvc2l0aW9uIjo0LCJEYXRlSXNWaXNpYmxlIjp0cnVlLCJUaXRsZVBvc2l0aW9uIjo1LCJEdXJhdGlvblBvc2l0aW9uIjo2LCJQZXJjZW50YWdlQ29tcGxldGVkUG9zaXRpb24iOjYsIlNwYWNpbmciOjUsIklzQmVsb3dUaW1lYmFuZCI6dHJ1ZSwiUGVyY2VudGFnZUNvbXBsZXRlU2hhcGVPcGFjaXR5IjozNSwiU2hhcGVTdHlsZSI6eyIkaWQiOiIyMzQiLCJNYXJnaW4iOnsiJGlkIjoiMjM1IiwiVG9wIjowLCJMZWZ0Ijo0LCJSaWdodCI6NCwiQm90dG9tIjowfSwiUGFkZGluZyI6eyIkaWQiOiIyMzYiLCJUb3AiOjAsIkxlZnQiOjAsIlJpZ2h0IjowLCJCb3R0b20iOjB9LCJCYWNrZ3JvdW5kIjp7IiRpZCI6IjIzNyIsIkNvbG9yIjp7IiRpZCI6IjIzOCIsIkEiOjI1NSwiUiI6MTEyLCJHIjoxNzMsIkIiOjcxfX0sIklzVmlzaWJsZSI6dHJ1ZSwiV2lkdGgiOjAuMCwiSGVpZ2h0IjoxNi4wLCJCb3JkZXJTdHlsZSI6eyIkaWQiOiIyMzkiLCJMaW5lQ29sb3IiOnsiJHJlZiI6IjEwOSJ9LCJMaW5lV2VpZ2h0IjowLjAsIkxpbmVUeXBlIjowLCJQYXJlbnRTdHlsZSI6bnVsbH0sIlBhcmVudFN0eWxlIjpudWxsfSwiVGl0bGVTdHlsZSI6eyIkaWQiOiIyNDAiLCJGb250U2V0dGluZ3MiOnsiJGlkIjoiMjQxIiwiRm9udFNpemUiOjExLCJGb250TmFtZSI6IkNhbGlicmkiLCJJc0JvbGQiOnRydWUsIklzSXRhbGljIjpmYWxzZSwiSXNVbmRlcmxpbmVkIjpmYWxzZSwiUGFyZW50U3R5bGUiOm51bGx9LCJBdXRvU2l6ZSI6MCwiRm9yZWdyb3VuZCI6eyIkaWQiOiIyNDIiLCJDb2xvciI6eyIkcmVmIjoiMTE0In19LCJNYXhXaWR0aCI6NzIwLjAsIk1heEhlaWdodCI6IkluZmluaXR5IiwiU21hcnRGb3JlZ3JvdW5kSXNBY3RpdmUiOmZhbHNlLCJIb3Jpem9udGFsQWxpZ25tZW50IjowLCJWZXJ0aWNhbEFsaWdubWVudCI6MCwiU21hcnRGb3JlZ3JvdW5kIjpudWxsLCJCYWNrZ3JvdW5kRmlsbFR5cGUiOjAsIk1hcmdpbiI6eyIkaWQiOiIyNDMiLCJUb3AiOjAsIkxlZnQiOjAsIlJpZ2h0IjowLCJCb3R0b20iOjB9LCJQYWRkaW5nIjp7IiRpZCI6IjI0NCIsIlRvcCI6MCwiTGVmdCI6MCwiUmlnaHQiOjAsIkJvdHRvbSI6MH0sIkJhY2tncm91bmQiOnsiJHJlZiI6IjExNyJ9LCJJc1Zpc2libGUiOnRydWUsIldpZHRoIjowLjAsIkhlaWdodCI6MC4wLCJCb3JkZXJTdHlsZSI6eyIkaWQiOiIyNDUiLCJMaW5lQ29sb3IiOm51bGwsIkxpbmVXZWlnaHQiOjAuMCwiTGluZVR5cGUiOjAsIlBhcmVudFN0eWxlIjpudWxsfSwiUGFyZW50U3R5bGUiOm51bGx9LCJEYXRlU3R5bGUiOnsiJGlkIjoiMjQ2IiwiRm9udFNldHRpbmdzIjp7IiRpZCI6IjI0NyIsIkZvbnRTaXplIjoxMCwiRm9udE5hbWUiOiJDYWxpYnJpIiwiSXNCb2xkIjpmYWxzZSwiSXNJdGFsaWMiOmZhbHNlLCJJc1VuZGVybGluZWQiOmZhbHNlLCJQYXJlbnRTdHlsZSI6bnVsbH0sIkF1dG9TaXplIjowLCJGb3JlZ3JvdW5kIjp7IiRpZCI6IjI0OCIsIkNvbG9yIjp7IiRyZWYiOiIxMjEifX0sIk1heFdpZHRoIjoyMDAuMCwiTWF4SGVpZ2h0IjoiSW5maW5pdHkiLCJTbWFydEZvcmVncm91bmRJc0FjdGl2ZSI6ZmFsc2UsIkhvcml6b250YWxBbGlnbm1lbnQiOjAsIlZlcnRpY2FsQWxpZ25tZW50IjowLCJTbWFydEZvcmVncm91bmQiOm51bGwsIkJhY2tncm91bmRGaWxsVHlwZSI6MCwiTWFyZ2luIjp7IiRpZCI6IjI0OSIsIlRvcCI6MCwiTGVmdCI6MCwiUmlnaHQiOjAsIkJvdHRvbSI6MH0sIlBhZGRpbmciOnsiJGlkIjoiMjUwIiwiVG9wIjowLCJMZWZ0IjowLCJSaWdodCI6MCwiQm90dG9tIjowfSwiQmFja2dyb3VuZCI6eyIkcmVmIjoiMTI0In0sIklzVmlzaWJsZSI6dHJ1ZSwiV2lkdGgiOjAuMCwiSGVpZ2h0IjowLjAsIkJvcmRlclN0eWxlIjp7IiRpZCI6IjI1MSIsIkxpbmVDb2xvciI6bnVsbCwiTGluZVdlaWdodCI6MC4wLCJMaW5lVHlwZSI6MCwiUGFyZW50U3R5bGUiOm51bGx9LCJQYXJlbnRTdHlsZSI6bnVsbH0sIkRhdGVGb3JtYXQiOnsiJGlkIjoiMjUyIiwiRm9ybWF0U3RyaW5nIjoiTS9kL3l5eXkiLCJTZXBhcmF0b3IiOiIvIiwiVXNlSW50ZXJuYXRpb25hbERhdGVGb3JtYXQiOmZhbHNlLCJEYXRlSXNWaXNpYmxlIjp0cnVlLCJUaW1lSXNWaXNpYmxlIjpmYWxzZSwiSG91ckRpZ2l0cyI6MSwiQW1QbURlc2lnbmF0b3IiOjIsIlRyaW0wME1pbnV0ZXMiOmZhbHNlLCJMYXN0S25vd25WaXNpYmlsaXR5U3RhdGUiOm51bGx9LCJJc1Zpc2libGUiOnRydWUsIlBhcmVudFN0eWxlIjpudWxsfSwiSW5kZXgiOjQsIlNtYXJ0RHVyYXRpb25BY3RpdmF0ZWQiOmZhbHNlLCJEYXRlRm9ybWF0Ijp7IiRyZWYiOiIyNTIifSwiSWQiOiI3NWRmZmJkMC0yYzQxLTQ0MjEtODNiNy0yMGJiZmExYzNkMjIiLCJJbXBvcnRJZCI6bnVsbCwiVGl0bGUiOiLslYjrk5zroZzsnbTrk5wg66qo65OIIOqwnOuwnCIsIk5vdGUiOm51bGwsIkh5cGVybGluayI6bnVsbCwiSXNDaGFuZ2VkIjpmYWxzZSwiSXNOZXciOmZhbHNlfSx7IiRpZCI6IjI1MyIsIkdyb3VwTmFtZSI6bnVsbCwiU3RhcnREYXRlIjoiMjAxOS0wNC0wN1QwMDowMDowMFoiLCJFbmREYXRlIjoiMjAxOS0wNC0yMFQyMzo1OTowMCIsIlBlcmNlbnRhZ2VDb21wbGV0ZSI6bnVsbCwiU3R5bGUiOnsiJGlkIjoiMjU0IiwiU2hhcGUiOjAsIlNoYXBlVGhpY2tuZXNzIjoxLCJEdXJhdGlvbkZvcm1hdCI6MCwiSW5jbHVkZU5vbldvcmtpbmdEYXlzSW5EdXJhdGlvbiI6ZmFsc2UsIlBlcmNlbnRhZ2VDb21wbGV0ZVN0eWxlIjp7IiRpZCI6IjI1NSIsIkZvbnRTZXR0aW5ncyI6eyIkaWQiOiIyNTYiLCJGb250U2l6ZSI6MTAsIkZvbnROYW1lIjoiQ2FsaWJyaSIsIklzQm9sZCI6ZmFsc2UsIklzSXRhbGljIjpmYWxzZSwiSXNVbmRlcmxpbmVkIjpmYWxzZSwiUGFyZW50U3R5bGUiOm51bGx9LCJBdXRvU2l6ZSI6MCwiRm9yZWdyb3VuZCI6eyIkaWQiOiIyNTciLCJDb2xvciI6eyIkcmVmIjoiODYifX0sIk1heFdpZHRoIjoyMDAuMCwiTWF4SGVpZ2h0IjoiSW5maW5pdHkiLCJTbWFydEZvcmVncm91bmRJc0FjdGl2ZSI6ZmFsc2UsIkhvcml6b250YWxBbGlnbm1lbnQiOjAsIlZlcnRpY2FsQWxpZ25tZW50IjowLCJTbWFydEZvcmVncm91bmQiOm51bGwsIkJhY2tncm91bmRGaWxsVHlwZSI6MCwiTWFyZ2luIjp7IiRpZCI6IjI1OCIsIlRvcCI6MCwiTGVmdCI6MCwiUmlnaHQiOjAsIkJvdHRvbSI6MH0sIlBhZGRpbmciOnsiJGlkIjoiMjU5IiwiVG9wIjowLCJMZWZ0IjowLCJSaWdodCI6MCwiQm90dG9tIjowfSwiQmFja2dyb3VuZCI6eyIkcmVmIjoiODkifSwiSXNWaXNpYmxlIjp0cnVlLCJXaWR0aCI6MC4wLCJIZWlnaHQiOjAuMCwiQm9yZGVyU3R5bGUiOnsiJGlkIjoiMjYwIiwiTGluZUNvbG9yIjpudWxsLCJMaW5lV2VpZ2h0IjowLjAsIkxpbmVUeXBlIjowLCJQYXJlbnRTdHlsZSI6bnVsbH0sIlBhcmVudFN0eWxlIjpudWxsfSwiRHVyYXRpb25TdHlsZSI6eyIkaWQiOiIyNjEiLCJGb250U2V0dGluZ3MiOnsiJGlkIjoiMjYyIiwiRm9udFNpemUiOjEwLCJGb250TmFtZSI6IkNhbGlicmkiLCJJc0JvbGQiOmZhbHNlLCJJc0l0YWxpYyI6ZmFsc2UsIklzVW5kZXJsaW5lZCI6ZmFsc2UsIlBhcmVudFN0eWxlIjpudWxsfSwiQXV0b1NpemUiOjAsIkZvcmVncm91bmQiOnsiJGlkIjoiMjYzIiwiQ29sb3IiOnsiJHJlZiI6IjkzIn19LCJNYXhXaWR0aCI6MjAwLjAsIk1heEhlaWdodCI6IkluZmluaXR5IiwiU21hcnRGb3JlZ3JvdW5kSXNBY3RpdmUiOmZhbHNlLCJIb3Jpem9udGFsQWxpZ25tZW50IjowLCJWZXJ0aWNhbEFsaWdubWVudCI6MCwiU21hcnRGb3JlZ3JvdW5kIjpudWxsLCJCYWNrZ3JvdW5kRmlsbFR5cGUiOjAsIk1hcmdpbiI6eyIkaWQiOiIyNjQiLCJUb3AiOjAsIkxlZnQiOjAsIlJpZ2h0IjowLCJCb3R0b20iOjB9LCJQYWRkaW5nIjp7IiRpZCI6IjI2NSIsIlRvcCI6MCwiTGVmdCI6MCwiUmlnaHQiOjAsIkJvdHRvbSI6MH0sIkJhY2tncm91bmQiOnsiJHJlZiI6Ijk2In0sIklzVmlzaWJsZSI6dHJ1ZSwiV2lkdGgiOjAuMCwiSGVpZ2h0IjowLjAsIkJvcmRlclN0eWxlIjp7IiRpZCI6IjI2NiIsIkxpbmVDb2xvciI6bnVsbCwiTGluZVdlaWdodCI6MC4wLCJMaW5lVHlwZSI6MCwiUGFyZW50U3R5bGUiOm51bGx9LCJQYXJlbnRTdHlsZSI6bnVsbH0sIkhvcml6b250YWxDb25uZWN0b3JTdHlsZSI6eyIkaWQiOiIyNjciLCJMaW5lQ29sb3IiOnsiJHJlZiI6Ijk4In0sIkxpbmVXZWlnaHQiOjEuMCwiTGluZVR5cGUiOjAsIlBhcmVudFN0eWxlIjpudWxsfSwiVmVydGljYWxDb25uZWN0b3JTdHlsZSI6eyIkaWQiOiIyNjgiLCJMaW5lQ29sb3IiOnsiJHJlZiI6IjEwMSJ9LCJMaW5lV2VpZ2h0IjowLjAsIkxpbmVUeXBlIjowLCJQYXJlbnRTdHlsZSI6bnVsbH0sIk1hcmdpbiI6bnVsbCwiU3RhcnREYXRlUG9zaXRpb24iOjQsIkVuZERhdGVQb3NpdGlvbiI6NCwiRGF0ZUlzVmlzaWJsZSI6dHJ1ZSwiVGl0bGVQb3NpdGlvbiI6NSwiRHVyYXRpb25Qb3NpdGlvbiI6NiwiUGVyY2VudGFnZUNvbXBsZXRlZFBvc2l0aW9uIjo2LCJTcGFjaW5nIjo1LCJJc0JlbG93VGltZWJhbmQiOnRydWUsIlBlcmNlbnRhZ2VDb21wbGV0ZVNoYXBlT3BhY2l0eSI6MzUsIlNoYXBlU3R5bGUiOnsiJGlkIjoiMjY5IiwiTWFyZ2luIjp7IiRpZCI6IjI3MCIsIlRvcCI6MCwiTGVmdCI6NCwiUmlnaHQiOjQsIkJvdHRvbSI6MH0sIlBhZGRpbmciOnsiJGlkIjoiMjcxIiwiVG9wIjowLCJMZWZ0IjowLCJSaWdodCI6MCwiQm90dG9tIjowfSwiQmFja2dyb3VuZCI6eyIkaWQiOiIyNzIiLCJDb2xvciI6eyIkaWQiOiIyNzMiLCJBIjoyNTUsIlIiOjY4LCJHIjo4NCwiQiI6MTA2fX0sIklzVmlzaWJsZSI6dHJ1ZSwiV2lkdGgiOjAuMCwiSGVpZ2h0IjoxNi4wLCJCb3JkZXJTdHlsZSI6eyIkaWQiOiIyNzQiLCJMaW5lQ29sb3IiOnsiJHJlZiI6IjEwOSJ9LCJMaW5lV2VpZ2h0IjowLjAsIkxpbmVUeXBlIjowLCJQYXJlbnRTdHlsZSI6bnVsbH0sIlBhcmVudFN0eWxlIjpudWxsfSwiVGl0bGVTdHlsZSI6eyIkaWQiOiIyNzUiLCJGb250U2V0dGluZ3MiOnsiJGlkIjoiMjc2IiwiRm9udFNpemUiOjExLCJGb250TmFtZSI6IkNhbGlicmkiLCJJc0JvbGQiOnRydWUsIklzSXRhbGljIjpmYWxzZSwiSXNVbmRlcmxpbmVkIjpmYWxzZSwiUGFyZW50U3R5bGUiOm51bGx9LCJBdXRvU2l6ZSI6MCwiRm9yZWdyb3VuZCI6eyIkaWQiOiIyNzciLCJDb2xvciI6eyIkcmVmIjoiMTE0In19LCJNYXhXaWR0aCI6NzIwLjAsIk1heEhlaWdodCI6IkluZmluaXR5IiwiU21hcnRGb3JlZ3JvdW5kSXNBY3RpdmUiOmZhbHNlLCJIb3Jpem9udGFsQWxpZ25tZW50IjowLCJWZXJ0aWNhbEFsaWdubWVudCI6MCwiU21hcnRGb3JlZ3JvdW5kIjpudWxsLCJCYWNrZ3JvdW5kRmlsbFR5cGUiOjAsIk1hcmdpbiI6eyIkaWQiOiIyNzgiLCJUb3AiOjAsIkxlZnQiOjAsIlJpZ2h0IjowLCJCb3R0b20iOjB9LCJQYWRkaW5nIjp7IiRpZCI6IjI3OSIsIlRvcCI6MCwiTGVmdCI6MCwiUmlnaHQiOjAsIkJvdHRvbSI6MH0sIkJhY2tncm91bmQiOnsiJHJlZiI6IjExNyJ9LCJJc1Zpc2libGUiOnRydWUsIldpZHRoIjowLjAsIkhlaWdodCI6MC4wLCJCb3JkZXJTdHlsZSI6eyIkaWQiOiIyODAiLCJMaW5lQ29sb3IiOm51bGwsIkxpbmVXZWlnaHQiOjAuMCwiTGluZVR5cGUiOjAsIlBhcmVudFN0eWxlIjpudWxsfSwiUGFyZW50U3R5bGUiOm51bGx9LCJEYXRlU3R5bGUiOnsiJGlkIjoiMjgxIiwiRm9udFNldHRpbmdzIjp7IiRpZCI6IjI4MiIsIkZvbnRTaXplIjoxMCwiRm9udE5hbWUiOiJDYWxpYnJpIiwiSXNCb2xkIjpmYWxzZSwiSXNJdGFsaWMiOmZhbHNlLCJJc1VuZGVybGluZWQiOmZhbHNlLCJQYXJlbnRTdHlsZSI6bnVsbH0sIkF1dG9TaXplIjowLCJGb3JlZ3JvdW5kIjp7IiRpZCI6IjI4MyIsIkNvbG9yIjp7IiRyZWYiOiIxMjEifX0sIk1heFdpZHRoIjoyMDAuMCwiTWF4SGVpZ2h0IjoiSW5maW5pdHkiLCJTbWFydEZvcmVncm91bmRJc0FjdGl2ZSI6ZmFsc2UsIkhvcml6b250YWxBbGlnbm1lbnQiOjAsIlZlcnRpY2FsQWxpZ25tZW50IjowLCJTbWFydEZvcmVncm91bmQiOm51bGwsIkJhY2tncm91bmRGaWxsVHlwZSI6MCwiTWFyZ2luIjp7IiRpZCI6IjI4NCIsIlRvcCI6MCwiTGVmdCI6MCwiUmlnaHQiOjAsIkJvdHRvbSI6MH0sIlBhZGRpbmciOnsiJGlkIjoiMjg1IiwiVG9wIjowLCJMZWZ0IjowLCJSaWdodCI6MCwiQm90dG9tIjowfSwiQmFja2dyb3VuZCI6eyIkcmVmIjoiMTI0In0sIklzVmlzaWJsZSI6dHJ1ZSwiV2lkdGgiOjAuMCwiSGVpZ2h0IjowLjAsIkJvcmRlclN0eWxlIjp7IiRpZCI6IjI4NiIsIkxpbmVDb2xvciI6bnVsbCwiTGluZVdlaWdodCI6MC4wLCJMaW5lVHlwZSI6MCwiUGFyZW50U3R5bGUiOm51bGx9LCJQYXJlbnRTdHlsZSI6bnVsbH0sIkRhdGVGb3JtYXQiOnsiJGlkIjoiMjg3IiwiRm9ybWF0U3RyaW5nIjoiTS9kL3l5eXkiLCJTZXBhcmF0b3IiOiIvIiwiVXNlSW50ZXJuYXRpb25hbERhdGVGb3JtYXQiOmZhbHNlLCJEYXRlSXNWaXNpYmxlIjp0cnVlLCJUaW1lSXNWaXNpYmxlIjpmYWxzZSwiSG91ckRpZ2l0cyI6MSwiQW1QbURlc2lnbmF0b3IiOjIsIlRyaW0wME1pbnV0ZXMiOmZhbHNlLCJMYXN0S25vd25WaXNpYmlsaXR5U3RhdGUiOm51bGx9LCJJc1Zpc2libGUiOnRydWUsIlBhcmVudFN0eWxlIjpudWxsfSwiSW5kZXgiOjUsIlNtYXJ0RHVyYXRpb25BY3RpdmF0ZWQiOmZhbHNlLCJEYXRlRm9ybWF0Ijp7IiRyZWYiOiIyODcifSwiSWQiOiIzODJkZGY3Yy00OWFlLTQxYTktYTg5Ni1iNjgyMzNiYjg2MGIiLCJJbXBvcnRJZCI6bnVsbCwiVGl0bGUiOiJDIyDqs7XrtoAg67CPIOuplOyduCDrqqjrk4gg6rCc67CcIiwiTm90ZSI6bnVsbCwiSHlwZXJsaW5rIjpudWxsLCJJc0NoYW5nZWQiOmZhbHNlLCJJc05ldyI6ZmFsc2V9LHsiJGlkIjoiMjg4IiwiR3JvdXBOYW1lIjpudWxsLCJTdGFydERhdGUiOiIyMDE5LTA0LTEwVDAwOjAwOjAwWiIsIkVuZERhdGUiOiIyMDE5LTA1LTE5VDIzOjU5OjAwWiIsIlBlcmNlbnRhZ2VDb21wbGV0ZSI6bnVsbCwiU3R5bGUiOnsiJGlkIjoiMjg5IiwiU2hhcGUiOjAsIlNoYXBlVGhpY2tuZXNzIjoxLCJEdXJhdGlvbkZvcm1hdCI6MCwiSW5jbHVkZU5vbldvcmtpbmdEYXlzSW5EdXJhdGlvbiI6ZmFsc2UsIlBlcmNlbnRhZ2VDb21wbGV0ZVN0eWxlIjp7IiRpZCI6IjI5MCIsIkZvbnRTZXR0aW5ncyI6eyIkaWQiOiIyOTEiLCJGb250U2l6ZSI6MTAsIkZvbnROYW1lIjoiQ2FsaWJyaSIsIklzQm9sZCI6ZmFsc2UsIklzSXRhbGljIjpmYWxzZSwiSXNVbmRlcmxpbmVkIjpmYWxzZSwiUGFyZW50U3R5bGUiOm51bGx9LCJBdXRvU2l6ZSI6MCwiRm9yZWdyb3VuZCI6eyIkaWQiOiIyOTIiLCJDb2xvciI6eyIkcmVmIjoiODYifX0sIk1heFdpZHRoIjoyMDAuMCwiTWF4SGVpZ2h0IjoiSW5maW5pdHkiLCJTbWFydEZvcmVncm91bmRJc0FjdGl2ZSI6ZmFsc2UsIkhvcml6b250YWxBbGlnbm1lbnQiOjAsIlZlcnRpY2FsQWxpZ25tZW50IjowLCJTbWFydEZvcmVncm91bmQiOm51bGwsIkJhY2tncm91bmRGaWxsVHlwZSI6MCwiTWFyZ2luIjp7IiRpZCI6IjI5MyIsIlRvcCI6MCwiTGVmdCI6MCwiUmlnaHQiOjAsIkJvdHRvbSI6MH0sIlBhZGRpbmciOnsiJGlkIjoiMjk0IiwiVG9wIjowLCJMZWZ0IjowLCJSaWdodCI6MCwiQm90dG9tIjowfSwiQmFja2dyb3VuZCI6eyIkcmVmIjoiODkifSwiSXNWaXNpYmxlIjp0cnVlLCJXaWR0aCI6MC4wLCJIZWlnaHQiOjAuMCwiQm9yZGVyU3R5bGUiOnsiJGlkIjoiMjk1IiwiTGluZUNvbG9yIjpudWxsLCJMaW5lV2VpZ2h0IjowLjAsIkxpbmVUeXBlIjowLCJQYXJlbnRTdHlsZSI6bnVsbH0sIlBhcmVudFN0eWxlIjpudWxsfSwiRHVyYXRpb25TdHlsZSI6eyIkaWQiOiIyOTYiLCJGb250U2V0dGluZ3MiOnsiJGlkIjoiMjk3IiwiRm9udFNpemUiOjEwLCJGb250TmFtZSI6IkNhbGlicmkiLCJJc0JvbGQiOmZhbHNlLCJJc0l0YWxpYyI6ZmFsc2UsIklzVW5kZXJsaW5lZCI6ZmFsc2UsIlBhcmVudFN0eWxlIjpudWxsfSwiQXV0b1NpemUiOjAsIkZvcmVncm91bmQiOnsiJGlkIjoiMjk4IiwiQ29sb3IiOnsiJHJlZiI6IjkzIn19LCJNYXhXaWR0aCI6MjAwLjAsIk1heEhlaWdodCI6IkluZmluaXR5IiwiU21hcnRGb3JlZ3JvdW5kSXNBY3RpdmUiOmZhbHNlLCJIb3Jpem9udGFsQWxpZ25tZW50IjowLCJWZXJ0aWNhbEFsaWdubWVudCI6MCwiU21hcnRGb3JlZ3JvdW5kIjpudWxsLCJCYWNrZ3JvdW5kRmlsbFR5cGUiOjAsIk1hcmdpbiI6eyIkaWQiOiIyOTkiLCJUb3AiOjAsIkxlZnQiOjAsIlJpZ2h0IjowLCJCb3R0b20iOjB9LCJQYWRkaW5nIjp7IiRpZCI6IjMwMCIsIlRvcCI6MCwiTGVmdCI6MCwiUmlnaHQiOjAsIkJvdHRvbSI6MH0sIkJhY2tncm91bmQiOnsiJHJlZiI6Ijk2In0sIklzVmlzaWJsZSI6dHJ1ZSwiV2lkdGgiOjAuMCwiSGVpZ2h0IjowLjAsIkJvcmRlclN0eWxlIjp7IiRpZCI6IjMwMSIsIkxpbmVDb2xvciI6bnVsbCwiTGluZVdlaWdodCI6MC4wLCJMaW5lVHlwZSI6MCwiUGFyZW50U3R5bGUiOm51bGx9LCJQYXJlbnRTdHlsZSI6bnVsbH0sIkhvcml6b250YWxDb25uZWN0b3JTdHlsZSI6eyIkaWQiOiIzMDIiLCJMaW5lQ29sb3IiOnsiJHJlZiI6Ijk4In0sIkxpbmVXZWlnaHQiOjEuMCwiTGluZVR5cGUiOjAsIlBhcmVudFN0eWxlIjpudWxsfSwiVmVydGljYWxDb25uZWN0b3JTdHlsZSI6eyIkaWQiOiIzMDMiLCJMaW5lQ29sb3IiOnsiJHJlZiI6IjEwMSJ9LCJMaW5lV2VpZ2h0IjowLjAsIkxpbmVUeXBlIjowLCJQYXJlbnRTdHlsZSI6bnVsbH0sIk1hcmdpbiI6bnVsbCwiU3RhcnREYXRlUG9zaXRpb24iOjQsIkVuZERhdGVQb3NpdGlvbiI6NCwiRGF0ZUlzVmlzaWJsZSI6dHJ1ZSwiVGl0bGVQb3NpdGlvbiI6NSwiRHVyYXRpb25Qb3NpdGlvbiI6NiwiUGVyY2VudGFnZUNvbXBsZXRlZFBvc2l0aW9uIjo2LCJTcGFjaW5nIjo1LCJJc0JlbG93VGltZWJhbmQiOnRydWUsIlBlcmNlbnRhZ2VDb21wbGV0ZVNoYXBlT3BhY2l0eSI6MzUsIlNoYXBlU3R5bGUiOnsiJGlkIjoiMzA0IiwiTWFyZ2luIjp7IiRpZCI6IjMwNSIsIlRvcCI6MCwiTGVmdCI6NCwiUmlnaHQiOjQsIkJvdHRvbSI6MH0sIlBhZGRpbmciOnsiJGlkIjoiMzA2IiwiVG9wIjowLCJMZWZ0IjowLCJSaWdodCI6MCwiQm90dG9tIjowfSwiQmFja2dyb3VuZCI6eyIkaWQiOiIzMDciLCJDb2xvciI6eyIkaWQiOiIzMDgiLCJBIjoyNTUsIlIiOjY4LCJHIjo4NCwiQiI6MTA2fX0sIklzVmlzaWJsZSI6dHJ1ZSwiV2lkdGgiOjAuMCwiSGVpZ2h0IjoxNi4wLCJCb3JkZXJTdHlsZSI6eyIkaWQiOiIzMDkiLCJMaW5lQ29sb3IiOnsiJHJlZiI6IjEwOSJ9LCJMaW5lV2VpZ2h0IjowLjAsIkxpbmVUeXBlIjowLCJQYXJlbnRTdHlsZSI6bnVsbH0sIlBhcmVudFN0eWxlIjpudWxsfSwiVGl0bGVTdHlsZSI6eyIkaWQiOiIzMTAiLCJGb250U2V0dGluZ3MiOnsiJGlkIjoiMzExIiwiRm9udFNpemUiOjExLCJGb250TmFtZSI6IkNhbGlicmkiLCJJc0JvbGQiOnRydWUsIklzSXRhbGljIjpmYWxzZSwiSXNVbmRlcmxpbmVkIjpmYWxzZSwiUGFyZW50U3R5bGUiOm51bGx9LCJBdXRvU2l6ZSI6MCwiRm9yZWdyb3VuZCI6eyIkaWQiOiIzMTIiLCJDb2xvciI6eyIkcmVmIjoiMTE0In19LCJNYXhXaWR0aCI6OTYwLjAsIk1heEhlaWdodCI6IkluZmluaXR5IiwiU21hcnRGb3JlZ3JvdW5kSXNBY3RpdmUiOmZhbHNlLCJIb3Jpem9udGFsQWxpZ25tZW50IjowLCJWZXJ0aWNhbEFsaWdubWVudCI6MCwiU21hcnRGb3JlZ3JvdW5kIjpudWxsLCJCYWNrZ3JvdW5kRmlsbFR5cGUiOjAsIk1hcmdpbiI6eyIkaWQiOiIzMTMiLCJUb3AiOjAsIkxlZnQiOjAsIlJpZ2h0IjowLCJCb3R0b20iOjB9LCJQYWRkaW5nIjp7IiRpZCI6IjMxNCIsIlRvcCI6MCwiTGVmdCI6MCwiUmlnaHQiOjAsIkJvdHRvbSI6MH0sIkJhY2tncm91bmQiOnsiJHJlZiI6IjExNyJ9LCJJc1Zpc2libGUiOnRydWUsIldpZHRoIjowLjAsIkhlaWdodCI6MC4wLCJCb3JkZXJTdHlsZSI6eyIkaWQiOiIzMTUiLCJMaW5lQ29sb3IiOm51bGwsIkxpbmVXZWlnaHQiOjAuMCwiTGluZVR5cGUiOjAsIlBhcmVudFN0eWxlIjpudWxsfSwiUGFyZW50U3R5bGUiOm51bGx9LCJEYXRlU3R5bGUiOnsiJGlkIjoiMzE2IiwiRm9udFNldHRpbmdzIjp7IiRpZCI6IjMxNyIsIkZvbnRTaXplIjoxMCwiRm9udE5hbWUiOiJDYWxpYnJpIiwiSXNCb2xkIjpmYWxzZSwiSXNJdGFsaWMiOmZhbHNlLCJJc1VuZGVybGluZWQiOmZhbHNlLCJQYXJlbnRTdHlsZSI6bnVsbH0sIkF1dG9TaXplIjowLCJGb3JlZ3JvdW5kIjp7IiRpZCI6IjMxOCIsIkNvbG9yIjp7IiRyZWYiOiIxMjEifX0sIk1heFdpZHRoIjoyMDAuMCwiTWF4SGVpZ2h0IjoiSW5maW5pdHkiLCJTbWFydEZvcmVncm91bmRJc0FjdGl2ZSI6ZmFsc2UsIkhvcml6b250YWxBbGlnbm1lbnQiOjAsIlZlcnRpY2FsQWxpZ25tZW50IjowLCJTbWFydEZvcmVncm91bmQiOm51bGwsIkJhY2tncm91bmRGaWxsVHlwZSI6MCwiTWFyZ2luIjp7IiRpZCI6IjMxOSIsIlRvcCI6MCwiTGVmdCI6MCwiUmlnaHQiOjAsIkJvdHRvbSI6MH0sIlBhZGRpbmciOnsiJGlkIjoiMzIwIiwiVG9wIjowLCJMZWZ0IjowLCJSaWdodCI6MCwiQm90dG9tIjowfSwiQmFja2dyb3VuZCI6eyIkcmVmIjoiMTI0In0sIklzVmlzaWJsZSI6dHJ1ZSwiV2lkdGgiOjAuMCwiSGVpZ2h0IjowLjAsIkJvcmRlclN0eWxlIjp7IiRpZCI6IjMyMSIsIkxpbmVDb2xvciI6bnVsbCwiTGluZVdlaWdodCI6MC4wLCJMaW5lVHlwZSI6MCwiUGFyZW50U3R5bGUiOm51bGx9LCJQYXJlbnRTdHlsZSI6bnVsbH0sIkRhdGVGb3JtYXQiOnsiJGlkIjoiMzIyIiwiRm9ybWF0U3RyaW5nIjoiTS9kL3l5eXkiLCJTZXBhcmF0b3IiOiIvIiwiVXNlSW50ZXJuYXRpb25hbERhdGVGb3JtYXQiOmZhbHNlLCJEYXRlSXNWaXNpYmxlIjp0cnVlLCJUaW1lSXNWaXNpYmxlIjpmYWxzZSwiSG91ckRpZ2l0cyI6MSwiQW1QbURlc2lnbmF0b3IiOjIsIlRyaW0wME1pbnV0ZXMiOmZhbHNlLCJMYXN0S25vd25WaXNpYmlsaXR5U3RhdGUiOm51bGx9LCJJc1Zpc2libGUiOnRydWUsIlBhcmVudFN0eWxlIjpudWxsfSwiSW5kZXgiOjYsIlNtYXJ0RHVyYXRpb25BY3RpdmF0ZWQiOmZhbHNlLCJEYXRlRm9ybWF0Ijp7IiRyZWYiOiIzMjIifSwiSWQiOiIyN2FlNDc1OC05YmFjLTQwZDMtODQwOS00MDVkNWEyOGM5YjYiLCJJbXBvcnRJZCI6bnVsbCwiVGl0bGUiOiLshpAg7J247IudIOuqqOuTiCDqsJzrsJwiLCJOb3RlIjpudWxsLCJIeXBlcmxpbmsiOm51bGwsIklzQ2hhbmdlZCI6ZmFsc2UsIklzTmV3IjpmYWxzZX0seyIkaWQiOiIzMjMiLCJHcm91cE5hbWUiOm51bGwsIlN0YXJ0RGF0ZSI6IjIwMTktMDQtMTBUMDA6MDA6MDBaIiwiRW5kRGF0ZSI6IjIwMTktMDUtMTlUMjM6NTk6MDBaIiwiUGVyY2VudGFnZUNvbXBsZXRlIjpudWxsLCJTdHlsZSI6eyIkaWQiOiIzMjQiLCJTaGFwZSI6MCwiU2hhcGVUaGlja25lc3MiOjEsIkR1cmF0aW9uRm9ybWF0IjowLCJJbmNsdWRlTm9uV29ya2luZ0RheXNJbkR1cmF0aW9uIjpmYWxzZSwiUGVyY2VudGFnZUNvbXBsZXRlU3R5bGUiOnsiJGlkIjoiMzI1IiwiRm9udFNldHRpbmdzIjp7IiRpZCI6IjMyNiIsIkZvbnRTaXplIjoxMCwiRm9udE5hbWUiOiJDYWxpYnJpIiwiSXNCb2xkIjpmYWxzZSwiSXNJdGFsaWMiOmZhbHNlLCJJc1VuZGVybGluZWQiOmZhbHNlLCJQYXJlbnRTdHlsZSI6bnVsbH0sIkF1dG9TaXplIjowLCJGb3JlZ3JvdW5kIjp7IiRyZWYiOiI4NSJ9LCJNYXhXaWR0aCI6MjAwLjAsIk1heEhlaWdodCI6IkluZmluaXR5IiwiU21hcnRGb3JlZ3JvdW5kSXNBY3RpdmUiOmZhbHNlLCJIb3Jpem9udGFsQWxpZ25tZW50IjowLCJWZXJ0aWNhbEFsaWdubWVudCI6MCwiU21hcnRGb3JlZ3JvdW5kIjpudWxsLCJCYWNrZ3JvdW5kRmlsbFR5cGUiOjAsIk1hcmdpbiI6eyIkcmVmIjoiODcifSwiUGFkZGluZyI6eyIkcmVmIjoiODgifSwiQmFja2dyb3VuZCI6eyIkcmVmIjoiODkifSwiSXNWaXNpYmxlIjp0cnVlLCJXaWR0aCI6MC4wLCJIZWlnaHQiOjAuMCwiQm9yZGVyU3R5bGUiOnsiJGlkIjoiMzI3IiwiTGluZUNvbG9yIjpudWxsLCJMaW5lV2VpZ2h0IjowLjAsIkxpbmVUeXBlIjowLCJQYXJlbnRTdHlsZSI6bnVsbH0sIlBhcmVudFN0eWxlIjpudWxsfSwiRHVyYXRpb25TdHlsZSI6eyIkaWQiOiIzMjgiLCJGb250U2V0dGluZ3MiOnsiJGlkIjoiMzI5IiwiRm9udFNpemUiOjEwLCJGb250TmFtZSI6IkNhbGlicmkiLCJJc0JvbGQiOmZhbHNlLCJJc0l0YWxpYyI6ZmFsc2UsIklzVW5kZXJsaW5lZCI6ZmFsc2UsIlBhcmVudFN0eWxlIjpudWxsfSwiQXV0b1NpemUiOjAsIkZvcmVncm91bmQiOnsiJHJlZiI6IjkyIn0sIk1heFdpZHRoIjoyMDAuMCwiTWF4SGVpZ2h0IjoiSW5maW5pdHkiLCJTbWFydEZvcmVncm91bmRJc0FjdGl2ZSI6ZmFsc2UsIkhvcml6b250YWxBbGlnbm1lbnQiOjAsIlZlcnRpY2FsQWxpZ25tZW50IjowLCJTbWFydEZvcmVncm91bmQiOm51bGwsIkJhY2tncm91bmRGaWxsVHlwZSI6MCwiTWFyZ2luIjp7IiRyZWYiOiI5NCJ9LCJQYWRkaW5nIjp7IiRyZWYiOiI5NSJ9LCJCYWNrZ3JvdW5kIjp7IiRyZWYiOiI5NiJ9LCJJc1Zpc2libGUiOnRydWUsIldpZHRoIjowLjAsIkhlaWdodCI6MC4wLCJCb3JkZXJTdHlsZSI6eyIkaWQiOiIzMzAiLCJMaW5lQ29sb3IiOm51bGwsIkxpbmVXZWlnaHQiOjAuMCwiTGluZVR5cGUiOjAsIlBhcmVudFN0eWxlIjpudWxsfSwiUGFyZW50U3R5bGUiOm51bGx9LCJIb3Jpem9udGFsQ29ubmVjdG9yU3R5bGUiOnsiJGlkIjoiMzMxIiwiTGluZUNvbG9yIjp7IiRyZWYiOiI5OCJ9LCJMaW5lV2VpZ2h0IjoxLjAsIkxpbmVUeXBlIjowLCJQYXJlbnRTdHlsZSI6bnVsbH0sIlZlcnRpY2FsQ29ubmVjdG9yU3R5bGUiOnsiJGlkIjoiMzMyIiwiTGluZUNvbG9yIjp7IiRyZWYiOiIxMDEifSwiTGluZVdlaWdodCI6MC4wLCJMaW5lVHlwZSI6MCwiUGFyZW50U3R5bGUiOm51bGx9LCJNYXJnaW4iOm51bGwsIlN0YXJ0RGF0ZVBvc2l0aW9uIjo0LCJFbmREYXRlUG9zaXRpb24iOjQsIkRhdGVJc1Zpc2libGUiOnRydWUsIlRpdGxlUG9zaXRpb24iOjUsIkR1cmF0aW9uUG9zaXRpb24iOjYsIlBlcmNlbnRhZ2VDb21wbGV0ZWRQb3NpdGlvbiI6NiwiU3BhY2luZyI6NSwiSXNCZWxvd1RpbWViYW5kIjp0cnVlLCJQZXJjZW50YWdlQ29tcGxldGVTaGFwZU9wYWNpdHkiOjM1LCJTaGFwZVN0eWxlIjp7IiRpZCI6IjMzMyIsIk1hcmdpbiI6eyIkcmVmIjoiMTA0In0sIlBhZGRpbmciOnsiJHJlZiI6IjEwNSJ9LCJCYWNrZ3JvdW5kIjp7IiRpZCI6IjMzNCIsIkNvbG9yIjp7IiRpZCI6IjMzNSIsIkEiOjI1NSwiUiI6MjU1LCJHIjoxOTIsIkIiOjB9fSwiSXNWaXNpYmxlIjp0cnVlLCJXaWR0aCI6MC4wLCJIZWlnaHQiOjE2LjAsIkJvcmRlclN0eWxlIjp7IiRpZCI6IjMzNiIsIkxpbmVDb2xvciI6eyIkcmVmIjoiMTA5In0sIkxpbmVXZWlnaHQiOjAuMCwiTGluZVR5cGUiOjAsIlBhcmVudFN0eWxlIjpudWxsfSwiUGFyZW50U3R5bGUiOm51bGx9LCJUaXRsZVN0eWxlIjp7IiRpZCI6IjMzNyIsIkZvbnRTZXR0aW5ncyI6eyIkaWQiOiIzMzgiLCJGb250U2l6ZSI6MTEsIkZvbnROYW1lIjoiQ2FsaWJyaSIsIklzQm9sZCI6dHJ1ZSwiSXNJdGFsaWMiOmZhbHNlLCJJc1VuZGVybGluZWQiOmZhbHNlLCJQYXJlbnRTdHlsZSI6bnVsbH0sIkF1dG9TaXplIjowLCJGb3JlZ3JvdW5kIjp7IiRyZWYiOiIxMTMifSwiTWF4V2lkdGgiOjcyMC4wLCJNYXhIZWlnaHQiOiJJbmZpbml0eSIsIlNtYXJ0Rm9yZWdyb3VuZElzQWN0aXZlIjpmYWxzZSwiSG9yaXpvbnRhbEFsaWdubWVudCI6MCwiVmVydGljYWxBbGlnbm1lbnQiOjAsIlNtYXJ0Rm9yZWdyb3VuZCI6bnVsbCwiQmFja2dyb3VuZEZpbGxUeXBlIjowLCJNYXJnaW4iOnsiJHJlZiI6IjExNSJ9LCJQYWRkaW5nIjp7IiRyZWYiOiIxMTYifSwiQmFja2dyb3VuZCI6eyIkcmVmIjoiMTE3In0sIklzVmlzaWJsZSI6dHJ1ZSwiV2lkdGgiOjAuMCwiSGVpZ2h0IjowLjAsIkJvcmRlclN0eWxlIjp7IiRpZCI6IjMzOSIsIkxpbmVDb2xvciI6bnVsbCwiTGluZVdlaWdodCI6MC4wLCJMaW5lVHlwZSI6MCwiUGFyZW50U3R5bGUiOm51bGx9LCJQYXJlbnRTdHlsZSI6bnVsbH0sIkRhdGVTdHlsZSI6eyIkaWQiOiIzNDAiLCJGb250U2V0dGluZ3MiOnsiJGlkIjoiMzQxIiwiRm9udFNpemUiOjEwLCJGb250TmFtZSI6IkNhbGlicmkiLCJJc0JvbGQiOmZhbHNlLCJJc0l0YWxpYyI6ZmFsc2UsIklzVW5kZXJsaW5lZCI6ZmFsc2UsIlBhcmVudFN0eWxlIjpudWxsfSwiQXV0b1NpemUiOjAsIkZvcmVncm91bmQiOnsiJHJlZiI6IjEyMCJ9LCJNYXhXaWR0aCI6MjAwLjAsIk1heEhlaWdodCI6IkluZmluaXR5IiwiU21hcnRGb3JlZ3JvdW5kSXNBY3RpdmUiOmZhbHNlLCJIb3Jpem9udGFsQWxpZ25tZW50IjowLCJWZXJ0aWNhbEFsaWdubWVudCI6MCwiU21hcnRGb3JlZ3JvdW5kIjpudWxsLCJCYWNrZ3JvdW5kRmlsbFR5cGUiOjAsIk1hcmdpbiI6eyIkcmVmIjoiMTIyIn0sIlBhZGRpbmciOnsiJHJlZiI6IjEyMyJ9LCJCYWNrZ3JvdW5kIjp7IiRyZWYiOiIxMjQifSwiSXNWaXNpYmxlIjp0cnVlLCJXaWR0aCI6MC4wLCJIZWlnaHQiOjAuMCwiQm9yZGVyU3R5bGUiOnsiJGlkIjoiMzQyIiwiTGluZUNvbG9yIjpudWxsLCJMaW5lV2VpZ2h0IjowLjAsIkxpbmVUeXBlIjowLCJQYXJlbnRTdHlsZSI6bnVsbH0sIlBhcmVudFN0eWxlIjpudWxsfSwiRGF0ZUZvcm1hdCI6eyIkcmVmIjoiMTI1In0sIklzVmlzaWJsZSI6dHJ1ZSwiUGFyZW50U3R5bGUiOm51bGx9LCJJbmRleCI6NywiU21hcnREdXJhdGlvbkFjdGl2YXRlZCI6ZmFsc2UsIkRhdGVGb3JtYXQiOnsiJHJlZiI6IjEyNSJ9LCJJZCI6IjgyZmIzYzQ1LWFlNWYtNGMxZS1hOGViLTI1ZmI5NmIyNzY0OCIsIkltcG9ydElkIjpudWxsLCJUaXRsZSI6IuydmOulmCDqtIDroKgg66qo65OIIOqwnOuwnCIsIk5vdGUiOm51bGwsIkh5cGVybGluayI6bnVsbCwiSXNDaGFuZ2VkIjpmYWxzZSwiSXNOZXciOmZhbHNlfSx7IiRpZCI6IjM0MyIsIkdyb3VwTmFtZSI6bnVsbCwiU3RhcnREYXRlIjoiMjAxOS0wNC0yOVQwMDowMDowMFoiLCJFbmREYXRlIjoiMjAxOS0wNS0xOVQyMzo1OTowMFoiLCJQZXJjZW50YWdlQ29tcGxldGUiOm51bGwsIlN0eWxlIjp7IiRpZCI6IjM0NCIsIlNoYXBlIjowLCJTaGFwZVRoaWNrbmVzcyI6MSwiRHVyYXRpb25Gb3JtYXQiOjAsIkluY2x1ZGVOb25Xb3JraW5nRGF5c0luRHVyYXRpb24iOmZhbHNlLCJQZXJjZW50YWdlQ29tcGxldGVTdHlsZSI6eyIkaWQiOiIzNDUiLCJGb250U2V0dGluZ3MiOnsiJGlkIjoiMzQ2IiwiRm9udFNpemUiOjEwLCJGb250TmFtZSI6IkNhbGlicmkiLCJJc0JvbGQiOmZhbHNlLCJJc0l0YWxpYyI6ZmFsc2UsIklzVW5kZXJsaW5lZCI6ZmFsc2UsIlBhcmVudFN0eWxlIjpudWxsfSwiQXV0b1NpemUiOjAsIkZvcmVncm91bmQiOnsiJGlkIjoiMzQ3IiwiQ29sb3IiOnsiJHJlZiI6Ijg2In19LCJNYXhXaWR0aCI6MjAwLjAsIk1heEhlaWdodCI6IkluZmluaXR5IiwiU21hcnRGb3JlZ3JvdW5kSXNBY3RpdmUiOmZhbHNlLCJIb3Jpem9udGFsQWxpZ25tZW50IjowLCJWZXJ0aWNhbEFsaWdubWVudCI6MCwiU21hcnRGb3JlZ3JvdW5kIjpudWxsLCJCYWNrZ3JvdW5kRmlsbFR5cGUiOjAsIk1hcmdpbiI6eyIkaWQiOiIzNDgiLCJUb3AiOjAsIkxlZnQiOjAsIlJpZ2h0IjowLCJCb3R0b20iOjB9LCJQYWRkaW5nIjp7IiRpZCI6IjM0OSIsIlRvcCI6MCwiTGVmdCI6MCwiUmlnaHQiOjAsIkJvdHRvbSI6MH0sIkJhY2tncm91bmQiOnsiJHJlZiI6Ijg5In0sIklzVmlzaWJsZSI6dHJ1ZSwiV2lkdGgiOjAuMCwiSGVpZ2h0IjowLjAsIkJvcmRlclN0eWxlIjp7IiRpZCI6IjM1MCIsIkxpbmVDb2xvciI6bnVsbCwiTGluZVdlaWdodCI6MC4wLCJMaW5lVHlwZSI6MCwiUGFyZW50U3R5bGUiOm51bGx9LCJQYXJlbnRTdHlsZSI6bnVsbH0sIkR1cmF0aW9uU3R5bGUiOnsiJGlkIjoiMzUxIiwiRm9udFNldHRpbmdzIjp7IiRpZCI6IjM1MiIsIkZvbnRTaXplIjoxMCwiRm9udE5hbWUiOiJDYWxpYnJpIiwiSXNCb2xkIjpmYWxzZSwiSXNJdGFsaWMiOmZhbHNlLCJJc1VuZGVybGluZWQiOmZhbHNlLCJQYXJlbnRTdHlsZSI6bnVsbH0sIkF1dG9TaXplIjowLCJGb3JlZ3JvdW5kIjp7IiRpZCI6IjM1MyIsIkNvbG9yIjp7IiRyZWYiOiI5MyJ9fSwiTWF4V2lkdGgiOjIwMC4wLCJNYXhIZWlnaHQiOiJJbmZpbml0eSIsIlNtYXJ0Rm9yZWdyb3VuZElzQWN0aXZlIjpmYWxzZSwiSG9yaXpvbnRhbEFsaWdubWVudCI6MCwiVmVydGljYWxBbGlnbm1lbnQiOjAsIlNtYXJ0Rm9yZWdyb3VuZCI6bnVsbCwiQmFja2dyb3VuZEZpbGxUeXBlIjowLCJNYXJnaW4iOnsiJGlkIjoiMzU0IiwiVG9wIjowLCJMZWZ0IjowLCJSaWdodCI6MCwiQm90dG9tIjowfSwiUGFkZGluZyI6eyIkaWQiOiIzNTUiLCJUb3AiOjAsIkxlZnQiOjAsIlJpZ2h0IjowLCJCb3R0b20iOjB9LCJCYWNrZ3JvdW5kIjp7IiRyZWYiOiI5NiJ9LCJJc1Zpc2libGUiOnRydWUsIldpZHRoIjowLjAsIkhlaWdodCI6MC4wLCJCb3JkZXJTdHlsZSI6eyIkaWQiOiIzNTYiLCJMaW5lQ29sb3IiOm51bGwsIkxpbmVXZWlnaHQiOjAuMCwiTGluZVR5cGUiOjAsIlBhcmVudFN0eWxlIjpudWxsfSwiUGFyZW50U3R5bGUiOm51bGx9LCJIb3Jpem9udGFsQ29ubmVjdG9yU3R5bGUiOnsiJGlkIjoiMzU3IiwiTGluZUNvbG9yIjp7IiRyZWYiOiI5OCJ9LCJMaW5lV2VpZ2h0IjoxLjAsIkxpbmVUeXBlIjowLCJQYXJlbnRTdHlsZSI6bnVsbH0sIlZlcnRpY2FsQ29ubmVjdG9yU3R5bGUiOnsiJGlkIjoiMzU4IiwiTGluZUNvbG9yIjp7IiRyZWYiOiIxMDEifSwiTGluZVdlaWdodCI6MC4wLCJMaW5lVHlwZSI6MCwiUGFyZW50U3R5bGUiOm51bGx9LCJNYXJnaW4iOm51bGwsIlN0YXJ0RGF0ZVBvc2l0aW9uIjo0LCJFbmREYXRlUG9zaXRpb24iOjQsIkRhdGVJc1Zpc2libGUiOnRydWUsIlRpdGxlUG9zaXRpb24iOjUsIkR1cmF0aW9uUG9zaXRpb24iOjYsIlBlcmNlbnRhZ2VDb21wbGV0ZWRQb3NpdGlvbiI6NiwiU3BhY2luZyI6NSwiSXNCZWxvd1RpbWViYW5kIjp0cnVlLCJQZXJjZW50YWdlQ29tcGxldGVTaGFwZU9wYWNpdHkiOjM1LCJTaGFwZVN0eWxlIjp7IiRpZCI6IjM1OSIsIk1hcmdpbiI6eyIkaWQiOiIzNjAiLCJUb3AiOjAsIkxlZnQiOjQsIlJpZ2h0Ijo0LCJCb3R0b20iOjB9LCJQYWRkaW5nIjp7IiRpZCI6IjM2MSIsIlRvcCI6MCwiTGVmdCI6MCwiUmlnaHQiOjAsIkJvdHRvbSI6MH0sIkJhY2tncm91bmQiOnsiJGlkIjoiMzYyIiwiQ29sb3IiOnsiJGlkIjoiMzYzIiwiQSI6MjU1LCJSIjoyMzcsIkciOjEyNSwiQiI6NDl9fSwiSXNWaXNpYmxlIjp0cnVlLCJXaWR0aCI6MC4wLCJIZWlnaHQiOjE2LjAsIkJvcmRlclN0eWxlIjp7IiRpZCI6IjM2NCIsIkxpbmVDb2xvciI6eyIkcmVmIjoiMTA5In0sIkxpbmVXZWlnaHQiOjAuMCwiTGluZVR5cGUiOjAsIlBhcmVudFN0eWxlIjpudWxsfSwiUGFyZW50U3R5bGUiOm51bGx9LCJUaXRsZVN0eWxlIjp7IiRpZCI6IjM2NSIsIkZvbnRTZXR0aW5ncyI6eyIkaWQiOiIzNjYiLCJGb250U2l6ZSI6MTEsIkZvbnROYW1lIjoiQ2FsaWJyaSIsIklzQm9sZCI6dHJ1ZSwiSXNJdGFsaWMiOmZhbHNlLCJJc1VuZGVybGluZWQiOmZhbHNlLCJQYXJlbnRTdHlsZSI6bnVsbH0sIkF1dG9TaXplIjowLCJGb3JlZ3JvdW5kIjp7IiRpZCI6IjM2NyIsIkNvbG9yIjp7IiRyZWYiOiIxMTQifX0sIk1heFdpZHRoIjo5NjAuMCwiTWF4SGVpZ2h0IjoiSW5maW5pdHkiLCJTbWFydEZvcmVncm91bmRJc0FjdGl2ZSI6ZmFsc2UsIkhvcml6b250YWxBbGlnbm1lbnQiOjAsIlZlcnRpY2FsQWxpZ25tZW50IjowLCJTbWFydEZvcmVncm91bmQiOm51bGwsIkJhY2tncm91bmRGaWxsVHlwZSI6MCwiTWFyZ2luIjp7IiRpZCI6IjM2OCIsIlRvcCI6MCwiTGVmdCI6MCwiUmlnaHQiOjAsIkJvdHRvbSI6MH0sIlBhZGRpbmciOnsiJGlkIjoiMzY5IiwiVG9wIjowLCJMZWZ0IjowLCJSaWdodCI6MCwiQm90dG9tIjowfSwiQmFja2dyb3VuZCI6eyIkcmVmIjoiMTE3In0sIklzVmlzaWJsZSI6dHJ1ZSwiV2lkdGgiOjAuMCwiSGVpZ2h0IjowLjAsIkJvcmRlclN0eWxlIjp7IiRpZCI6IjM3MCIsIkxpbmVDb2xvciI6bnVsbCwiTGluZVdlaWdodCI6MC4wLCJMaW5lVHlwZSI6MCwiUGFyZW50U3R5bGUiOm51bGx9LCJQYXJlbnRTdHlsZSI6bnVsbH0sIkRhdGVTdHlsZSI6eyIkaWQiOiIzNzEiLCJGb250U2V0dGluZ3MiOnsiJGlkIjoiMzcyIiwiRm9udFNpemUiOjEwLCJGb250TmFtZSI6IkNhbGlicmkiLCJJc0JvbGQiOmZhbHNlLCJJc0l0YWxpYyI6ZmFsc2UsIklzVW5kZXJsaW5lZCI6ZmFsc2UsIlBhcmVudFN0eWxlIjpudWxsfSwiQXV0b1NpemUiOjAsIkZvcmVncm91bmQiOnsiJGlkIjoiMzczIiwiQ29sb3IiOnsiJHJlZiI6IjEyMSJ9fSwiTWF4V2lkdGgiOjIwMC4wLCJNYXhIZWlnaHQiOiJJbmZpbml0eSIsIlNtYXJ0Rm9yZWdyb3VuZElzQWN0aXZlIjpmYWxzZSwiSG9yaXpvbnRhbEFsaWdubWVudCI6MCwiVmVydGljYWxBbGlnbm1lbnQiOjAsIlNtYXJ0Rm9yZWdyb3VuZCI6bnVsbCwiQmFja2dyb3VuZEZpbGxUeXBlIjowLCJNYXJnaW4iOnsiJGlkIjoiMzc0IiwiVG9wIjowLCJMZWZ0IjowLCJSaWdodCI6MCwiQm90dG9tIjowfSwiUGFkZGluZyI6eyIkaWQiOiIzNzUiLCJUb3AiOjAsIkxlZnQiOjAsIlJpZ2h0IjowLCJCb3R0b20iOjB9LCJCYWNrZ3JvdW5kIjp7IiRyZWYiOiIxMjQifSwiSXNWaXNpYmxlIjp0cnVlLCJXaWR0aCI6MC4wLCJIZWlnaHQiOjAuMCwiQm9yZGVyU3R5bGUiOnsiJGlkIjoiMzc2IiwiTGluZUNvbG9yIjpudWxsLCJMaW5lV2VpZ2h0IjowLjAsIkxpbmVUeXBlIjowLCJQYXJlbnRTdHlsZSI6bnVsbH0sIlBhcmVudFN0eWxlIjpudWxsfSwiRGF0ZUZvcm1hdCI6eyIkaWQiOiIzNzciLCJGb3JtYXRTdHJpbmciOiJNL2QveXl5eSIsIlNlcGFyYXRvciI6Ii8iLCJVc2VJbnRlcm5hdGlvbmFsRGF0ZUZvcm1hdCI6ZmFsc2UsIkRhdGVJc1Zpc2libGUiOnRydWUsIlRpbWVJc1Zpc2libGUiOmZhbHNlLCJIb3VyRGlnaXRzIjoxLCJBbVBtRGVzaWduYXRvciI6MiwiVHJpbTAwTWludXRlcyI6ZmFsc2UsIkxhc3RLbm93blZpc2liaWxpdHlTdGF0ZSI6bnVsbH0sIklzVmlzaWJsZSI6dHJ1ZSwiUGFyZW50U3R5bGUiOm51bGx9LCJJbmRleCI6OCwiU21hcnREdXJhdGlvbkFjdGl2YXRlZCI6ZmFsc2UsIkRhdGVGb3JtYXQiOnsiJHJlZiI6IjM3NyJ9LCJJZCI6ImU2NzZkZDVjLThkNjUtNDc3NS04OGI2LWQ1NmI0ZTczZWUwYyIsIkltcG9ydElkIjpudWxsLCJUaXRsZSI6IuyLoOyytCDsnbjsi50g66qo65OIIOqwnOuwnCIsIk5vdGUiOm51bGwsIkh5cGVybGluayI6bnVsbCwiSXNDaGFuZ2VkIjpmYWxzZSwiSXNOZXciOmZhbHNlfSx7IiRpZCI6IjM3OCIsIkdyb3VwTmFtZSI6bnVsbCwiU3RhcnREYXRlIjoiMjAxOS0wNS0yMFQwMDowMDowMFoiLCJFbmREYXRlIjoiMjAxOS0wNi0wN1QyMzo1OTowMFoiLCJQZXJjZW50YWdlQ29tcGxldGUiOm51bGwsIlN0eWxlIjp7IiRpZCI6IjM3OSIsIlNoYXBlIjowLCJTaGFwZVRoaWNrbmVzcyI6MSwiRHVyYXRpb25Gb3JtYXQiOjAsIkluY2x1ZGVOb25Xb3JraW5nRGF5c0luRHVyYXRpb24iOmZhbHNlLCJQZXJjZW50YWdlQ29tcGxldGVTdHlsZSI6eyIkaWQiOiIzODAiLCJGb250U2V0dGluZ3MiOnsiJGlkIjoiMzgxIiwiRm9udFNpemUiOjEwLCJGb250TmFtZSI6IkNhbGlicmkiLCJJc0JvbGQiOmZhbHNlLCJJc0l0YWxpYyI6ZmFsc2UsIklzVW5kZXJsaW5lZCI6ZmFsc2UsIlBhcmVudFN0eWxlIjpudWxsfSwiQXV0b1NpemUiOjAsIkZvcmVncm91bmQiOnsiJGlkIjoiMzgyIiwiQ29sb3IiOnsiJHJlZiI6Ijg2In19LCJNYXhXaWR0aCI6MjAwLjAsIk1heEhlaWdodCI6IkluZmluaXR5IiwiU21hcnRGb3JlZ3JvdW5kSXNBY3RpdmUiOmZhbHNlLCJIb3Jpem9udGFsQWxpZ25tZW50IjowLCJWZXJ0aWNhbEFsaWdubWVudCI6MCwiU21hcnRGb3JlZ3JvdW5kIjpudWxsLCJCYWNrZ3JvdW5kRmlsbFR5cGUiOjAsIk1hcmdpbiI6eyIkaWQiOiIzODMiLCJUb3AiOjAsIkxlZnQiOjAsIlJpZ2h0IjowLCJCb3R0b20iOjB9LCJQYWRkaW5nIjp7IiRpZCI6IjM4NCIsIlRvcCI6MCwiTGVmdCI6MCwiUmlnaHQiOjAsIkJvdHRvbSI6MH0sIkJhY2tncm91bmQiOnsiJHJlZiI6Ijg5In0sIklzVmlzaWJsZSI6dHJ1ZSwiV2lkdGgiOjAuMCwiSGVpZ2h0IjowLjAsIkJvcmRlclN0eWxlIjp7IiRpZCI6IjM4NSIsIkxpbmVDb2xvciI6bnVsbCwiTGluZVdlaWdodCI6MC4wLCJMaW5lVHlwZSI6MCwiUGFyZW50U3R5bGUiOm51bGx9LCJQYXJlbnRTdHlsZSI6bnVsbH0sIkR1cmF0aW9uU3R5bGUiOnsiJGlkIjoiMzg2IiwiRm9udFNldHRpbmdzIjp7IiRpZCI6IjM4NyIsIkZvbnRTaXplIjoxMCwiRm9udE5hbWUiOiJDYWxpYnJpIiwiSXNCb2xkIjpmYWxzZSwiSXNJdGFsaWMiOmZhbHNlLCJJc1VuZGVybGluZWQiOmZhbHNlLCJQYXJlbnRTdHlsZSI6bnVsbH0sIkF1dG9TaXplIjowLCJGb3JlZ3JvdW5kIjp7IiRpZCI6IjM4OCIsIkNvbG9yIjp7IiRyZWYiOiI5MyJ9fSwiTWF4V2lkdGgiOjIwMC4wLCJNYXhIZWlnaHQiOiJJbmZpbml0eSIsIlNtYXJ0Rm9yZWdyb3VuZElzQWN0aXZlIjpmYWxzZSwiSG9yaXpvbnRhbEFsaWdubWVudCI6MCwiVmVydGljYWxBbGlnbm1lbnQiOjAsIlNtYXJ0Rm9yZWdyb3VuZCI6bnVsbCwiQmFja2dyb3VuZEZpbGxUeXBlIjowLCJNYXJnaW4iOnsiJGlkIjoiMzg5IiwiVG9wIjowLCJMZWZ0IjowLCJSaWdodCI6MCwiQm90dG9tIjowfSwiUGFkZGluZyI6eyIkaWQiOiIzOTAiLCJUb3AiOjAsIkxlZnQiOjAsIlJpZ2h0IjowLCJCb3R0b20iOjB9LCJCYWNrZ3JvdW5kIjp7IiRyZWYiOiI5NiJ9LCJJc1Zpc2libGUiOnRydWUsIldpZHRoIjowLjAsIkhlaWdodCI6MC4wLCJCb3JkZXJTdHlsZSI6eyIkaWQiOiIzOTEiLCJMaW5lQ29sb3IiOm51bGwsIkxpbmVXZWlnaHQiOjAuMCwiTGluZVR5cGUiOjAsIlBhcmVudFN0eWxlIjpudWxsfSwiUGFyZW50U3R5bGUiOm51bGx9LCJIb3Jpem9udGFsQ29ubmVjdG9yU3R5bGUiOnsiJGlkIjoiMzkyIiwiTGluZUNvbG9yIjp7IiRyZWYiOiI5OCJ9LCJMaW5lV2VpZ2h0IjoxLjAsIkxpbmVUeXBlIjowLCJQYXJlbnRTdHlsZSI6bnVsbH0sIlZlcnRpY2FsQ29ubmVjdG9yU3R5bGUiOnsiJGlkIjoiMzkzIiwiTGluZUNvbG9yIjp7IiRyZWYiOiIxMDEifSwiTGluZVdlaWdodCI6MC4wLCJMaW5lVHlwZSI6MCwiUGFyZW50U3R5bGUiOm51bGx9LCJNYXJnaW4iOm51bGwsIlN0YXJ0RGF0ZVBvc2l0aW9uIjo0LCJFbmREYXRlUG9zaXRpb24iOjQsIkRhdGVJc1Zpc2libGUiOnRydWUsIlRpdGxlUG9zaXRpb24iOjUsIkR1cmF0aW9uUG9zaXRpb24iOjYsIlBlcmNlbnRhZ2VDb21wbGV0ZWRQb3NpdGlvbiI6NiwiU3BhY2luZyI6NSwiSXNCZWxvd1RpbWViYW5kIjp0cnVlLCJQZXJjZW50YWdlQ29tcGxldGVTaGFwZU9wYWNpdHkiOjM1LCJTaGFwZVN0eWxlIjp7IiRpZCI6IjM5NCIsIk1hcmdpbiI6eyIkaWQiOiIzOTUiLCJUb3AiOjAsIkxlZnQiOjQsIlJpZ2h0Ijo0LCJCb3R0b20iOjB9LCJQYWRkaW5nIjp7IiRpZCI6IjM5NiIsIlRvcCI6MCwiTGVmdCI6MCwiUmlnaHQiOjAsIkJvdHRvbSI6MH0sIkJhY2tncm91bmQiOnsiJGlkIjoiMzk3IiwiQ29sb3IiOnsiJGlkIjoiMzk4IiwiQSI6MjU1LCJSIjoyMzcsIkciOjEyNSwiQiI6NDl9fSwiSXNWaXNpYmxlIjp0cnVlLCJXaWR0aCI6MC4wLCJIZWlnaHQiOjE2LjAsIkJvcmRlclN0eWxlIjp7IiRpZCI6IjM5OSIsIkxpbmVDb2xvciI6eyIkcmVmIjoiMTA5In0sIkxpbmVXZWlnaHQiOjAuMCwiTGluZVR5cGUiOjAsIlBhcmVudFN0eWxlIjpudWxsfSwiUGFyZW50U3R5bGUiOm51bGx9LCJUaXRsZVN0eWxlIjp7IiRpZCI6IjQwMCIsIkZvbnRTZXR0aW5ncyI6eyIkaWQiOiI0MDEiLCJGb250U2l6ZSI6MTEsIkZvbnROYW1lIjoiQ2FsaWJyaSIsIklzQm9sZCI6dHJ1ZSwiSXNJdGFsaWMiOmZhbHNlLCJJc1VuZGVybGluZWQiOmZhbHNlLCJQYXJlbnRTdHlsZSI6bnVsbH0sIkF1dG9TaXplIjowLCJGb3JlZ3JvdW5kIjp7IiRpZCI6IjQwMiIsIkNvbG9yIjp7IiRyZWYiOiIxMTQifX0sIk1heFdpZHRoIjo3MjAuMCwiTWF4SGVpZ2h0IjoiSW5maW5pdHkiLCJTbWFydEZvcmVncm91bmRJc0FjdGl2ZSI6ZmFsc2UsIkhvcml6b250YWxBbGlnbm1lbnQiOjAsIlZlcnRpY2FsQWxpZ25tZW50IjowLCJTbWFydEZvcmVncm91bmQiOm51bGwsIkJhY2tncm91bmRGaWxsVHlwZSI6MCwiTWFyZ2luIjp7IiRpZCI6IjQwMyIsIlRvcCI6MCwiTGVmdCI6MCwiUmlnaHQiOjAsIkJvdHRvbSI6MH0sIlBhZGRpbmciOnsiJGlkIjoiNDA0IiwiVG9wIjowLCJMZWZ0IjowLCJSaWdodCI6MCwiQm90dG9tIjowfSwiQmFja2dyb3VuZCI6eyIkcmVmIjoiMTE3In0sIklzVmlzaWJsZSI6dHJ1ZSwiV2lkdGgiOjAuMCwiSGVpZ2h0IjowLjAsIkJvcmRlclN0eWxlIjp7IiRpZCI6IjQwNSIsIkxpbmVDb2xvciI6bnVsbCwiTGluZVdlaWdodCI6MC4wLCJMaW5lVHlwZSI6MCwiUGFyZW50U3R5bGUiOm51bGx9LCJQYXJlbnRTdHlsZSI6bnVsbH0sIkRhdGVTdHlsZSI6eyIkaWQiOiI0MDYiLCJGb250U2V0dGluZ3MiOnsiJGlkIjoiNDA3IiwiRm9udFNpemUiOjEwLCJGb250TmFtZSI6IkNhbGlicmkiLCJJc0JvbGQiOmZhbHNlLCJJc0l0YWxpYyI6ZmFsc2UsIklzVW5kZXJsaW5lZCI6ZmFsc2UsIlBhcmVudFN0eWxlIjpudWxsfSwiQXV0b1NpemUiOjAsIkZvcmVncm91bmQiOnsiJGlkIjoiNDA4IiwiQ29sb3IiOnsiJHJlZiI6IjEyMSJ9fSwiTWF4V2lkdGgiOjIwMC4wLCJNYXhIZWlnaHQiOiJJbmZpbml0eSIsIlNtYXJ0Rm9yZWdyb3VuZElzQWN0aXZlIjpmYWxzZSwiSG9yaXpvbnRhbEFsaWdubWVudCI6MCwiVmVydGljYWxBbGlnbm1lbnQiOjAsIlNtYXJ0Rm9yZWdyb3VuZCI6bnVsbCwiQmFja2dyb3VuZEZpbGxUeXBlIjowLCJNYXJnaW4iOnsiJGlkIjoiNDA5IiwiVG9wIjowLCJMZWZ0IjowLCJSaWdodCI6MCwiQm90dG9tIjowfSwiUGFkZGluZyI6eyIkaWQiOiI0MTAiLCJUb3AiOjAsIkxlZnQiOjAsIlJpZ2h0IjowLCJCb3R0b20iOjB9LCJCYWNrZ3JvdW5kIjp7IiRyZWYiOiIxMjQifSwiSXNWaXNpYmxlIjp0cnVlLCJXaWR0aCI6MC4wLCJIZWlnaHQiOjAuMCwiQm9yZGVyU3R5bGUiOnsiJGlkIjoiNDExIiwiTGluZUNvbG9yIjpudWxsLCJMaW5lV2VpZ2h0IjowLjAsIkxpbmVUeXBlIjowLCJQYXJlbnRTdHlsZSI6bnVsbH0sIlBhcmVudFN0eWxlIjpudWxsfSwiRGF0ZUZvcm1hdCI6eyIkaWQiOiI0MTIiLCJGb3JtYXRTdHJpbmciOiJNL2QveXl5eSIsIlNlcGFyYXRvciI6Ii8iLCJVc2VJbnRlcm5hdGlvbmFsRGF0ZUZvcm1hdCI6ZmFsc2UsIkRhdGVJc1Zpc2libGUiOnRydWUsIlRpbWVJc1Zpc2libGUiOmZhbHNlLCJIb3VyRGlnaXRzIjoxLCJBbVBtRGVzaWduYXRvciI6MiwiVHJpbTAwTWludXRlcyI6ZmFsc2UsIkxhc3RLbm93blZpc2liaWxpdHlTdGF0ZSI6bnVsbH0sIklzVmlzaWJsZSI6dHJ1ZSwiUGFyZW50U3R5bGUiOm51bGx9LCJJbmRleCI6OSwiU21hcnREdXJhdGlvbkFjdGl2YXRlZCI6ZmFsc2UsIkRhdGVGb3JtYXQiOnsiJHJlZiI6IjQxMiJ9LCJJZCI6IjU1ODcxNTY2LWFjYjQtNDc5Zi1hNTkzLWM0ZDc1ZmFiYTVmMyIsIkltcG9ydElkIjpudWxsLCJUaXRsZSI6IkFSIOuqqOuNuOungSDrsI8g7Lac66ClIO2VqOyImCDqsJzrsJwiLCJOb3RlIjpudWxsLCJIeXBlcmxpbmsiOm51bGwsIklzQ2hhbmdlZCI6ZmFsc2UsIklzTmV3IjpmYWxzZX0seyIkaWQiOiI0MTMiLCJHcm91cE5hbWUiOm51bGwsIlN0YXJ0RGF0ZSI6IjIwMTktMDYtMDhUMDA6MDA6MDAiLCJFbmREYXRlIjoiMjAxOS0wNi0xOVQyMzo1OTowMCIsIlBlcmNlbnRhZ2VDb21wbGV0ZSI6bnVsbCwiU3R5bGUiOnsiJGlkIjoiNDE0IiwiU2hhcGUiOjAsIlNoYXBlVGhpY2tuZXNzIjoxLCJEdXJhdGlvbkZvcm1hdCI6MCwiSW5jbHVkZU5vbldvcmtpbmdEYXlzSW5EdXJhdGlvbiI6ZmFsc2UsIlBlcmNlbnRhZ2VDb21wbGV0ZVN0eWxlIjp7IiRpZCI6IjQxNSIsIkZvbnRTZXR0aW5ncyI6eyIkaWQiOiI0MTYiLCJGb250U2l6ZSI6MTAsIkZvbnROYW1lIjoiQ2FsaWJyaSIsIklzQm9sZCI6ZmFsc2UsIklzSXRhbGljIjpmYWxzZSwiSXNVbmRlcmxpbmVkIjpmYWxzZSwiUGFyZW50U3R5bGUiOm51bGx9LCJBdXRvU2l6ZSI6MCwiRm9yZWdyb3VuZCI6eyIkaWQiOiI0MTciLCJDb2xvciI6eyIkcmVmIjoiODYifX0sIk1heFdpZHRoIjoyMDAuMCwiTWF4SGVpZ2h0IjoiSW5maW5pdHkiLCJTbWFydEZvcmVncm91bmRJc0FjdGl2ZSI6ZmFsc2UsIkhvcml6b250YWxBbGlnbm1lbnQiOjAsIlZlcnRpY2FsQWxpZ25tZW50IjowLCJTbWFydEZvcmVncm91bmQiOm51bGwsIkJhY2tncm91bmRGaWxsVHlwZSI6MCwiTWFyZ2luIjp7IiRpZCI6IjQxOCIsIlRvcCI6MCwiTGVmdCI6MCwiUmlnaHQiOjAsIkJvdHRvbSI6MH0sIlBhZGRpbmciOnsiJGlkIjoiNDE5IiwiVG9wIjowLCJMZWZ0IjowLCJSaWdodCI6MCwiQm90dG9tIjowfSwiQmFja2dyb3VuZCI6eyIkcmVmIjoiODkifSwiSXNWaXNpYmxlIjp0cnVlLCJXaWR0aCI6MC4wLCJIZWlnaHQiOjAuMCwiQm9yZGVyU3R5bGUiOnsiJGlkIjoiNDIwIiwiTGluZUNvbG9yIjpudWxsLCJMaW5lV2VpZ2h0IjowLjAsIkxpbmVUeXBlIjowLCJQYXJlbnRTdHlsZSI6bnVsbH0sIlBhcmVudFN0eWxlIjpudWxsfSwiRHVyYXRpb25TdHlsZSI6eyIkaWQiOiI0MjEiLCJGb250U2V0dGluZ3MiOnsiJGlkIjoiNDIyIiwiRm9udFNpemUiOjEwLCJGb250TmFtZSI6IkNhbGlicmkiLCJJc0JvbGQiOmZhbHNlLCJJc0l0YWxpYyI6ZmFsc2UsIklzVW5kZXJsaW5lZCI6ZmFsc2UsIlBhcmVudFN0eWxlIjpudWxsfSwiQXV0b1NpemUiOjAsIkZvcmVncm91bmQiOnsiJGlkIjoiNDIzIiwiQ29sb3IiOnsiJHJlZiI6IjkzIn19LCJNYXhXaWR0aCI6MjAwLjAsIk1heEhlaWdodCI6IkluZmluaXR5IiwiU21hcnRGb3JlZ3JvdW5kSXNBY3RpdmUiOmZhbHNlLCJIb3Jpem9udGFsQWxpZ25tZW50IjowLCJWZXJ0aWNhbEFsaWdubWVudCI6MCwiU21hcnRGb3JlZ3JvdW5kIjpudWxsLCJCYWNrZ3JvdW5kRmlsbFR5cGUiOjAsIk1hcmdpbiI6eyIkaWQiOiI0MjQiLCJUb3AiOjAsIkxlZnQiOjAsIlJpZ2h0IjowLCJCb3R0b20iOjB9LCJQYWRkaW5nIjp7IiRpZCI6IjQyNSIsIlRvcCI6MCwiTGVmdCI6MCwiUmlnaHQiOjAsIkJvdHRvbSI6MH0sIkJhY2tncm91bmQiOnsiJHJlZiI6Ijk2In0sIklzVmlzaWJsZSI6dHJ1ZSwiV2lkdGgiOjAuMCwiSGVpZ2h0IjowLjAsIkJvcmRlclN0eWxlIjp7IiRpZCI6IjQyNiIsIkxpbmVDb2xvciI6bnVsbCwiTGluZVdlaWdodCI6MC4wLCJMaW5lVHlwZSI6MCwiUGFyZW50U3R5bGUiOm51bGx9LCJQYXJlbnRTdHlsZSI6bnVsbH0sIkhvcml6b250YWxDb25uZWN0b3JTdHlsZSI6eyIkaWQiOiI0MjciLCJMaW5lQ29sb3IiOnsiJHJlZiI6Ijk4In0sIkxpbmVXZWlnaHQiOjEuMCwiTGluZVR5cGUiOjAsIlBhcmVudFN0eWxlIjpudWxsfSwiVmVydGljYWxDb25uZWN0b3JTdHlsZSI6eyIkaWQiOiI0MjgiLCJMaW5lQ29sb3IiOnsiJHJlZiI6IjEwMSJ9LCJMaW5lV2VpZ2h0IjowLjAsIkxpbmVUeXBlIjowLCJQYXJlbnRTdHlsZSI6bnVsbH0sIk1hcmdpbiI6bnVsbCwiU3RhcnREYXRlUG9zaXRpb24iOjQsIkVuZERhdGVQb3NpdGlvbiI6NCwiRGF0ZUlzVmlzaWJsZSI6dHJ1ZSwiVGl0bGVQb3NpdGlvbiI6NSwiRHVyYXRpb25Qb3NpdGlvbiI6NiwiUGVyY2VudGFnZUNvbXBsZXRlZFBvc2l0aW9uIjo2LCJTcGFjaW5nIjo1LCJJc0JlbG93VGltZWJhbmQiOnRydWUsIlBlcmNlbnRhZ2VDb21wbGV0ZVNoYXBlT3BhY2l0eSI6MzUsIlNoYXBlU3R5bGUiOnsiJGlkIjoiNDI5IiwiTWFyZ2luIjp7IiRpZCI6IjQzMCIsIlRvcCI6MCwiTGVmdCI6NCwiUmlnaHQiOjQsIkJvdHRvbSI6MH0sIlBhZGRpbmciOnsiJGlkIjoiNDMxIiwiVG9wIjowLCJMZWZ0IjowLCJSaWdodCI6MCwiQm90dG9tIjowfSwiQmFja2dyb3VuZCI6eyIkaWQiOiI0MzIiLCJDb2xvciI6eyIkaWQiOiI0MzMiLCJBIjoyNTUsIlIiOjkxLCJHIjoxNTUsIkIiOjIxM319LCJJc1Zpc2libGUiOnRydWUsIldpZHRoIjowLjAsIkhlaWdodCI6MTYuMCwiQm9yZGVyU3R5bGUiOnsiJGlkIjoiNDM0IiwiTGluZUNvbG9yIjp7IiRyZWYiOiIxMDkifSwiTGluZVdlaWdodCI6MC4wLCJMaW5lVHlwZSI6MCwiUGFyZW50U3R5bGUiOm51bGx9LCJQYXJlbnRTdHlsZSI6bnVsbH0sIlRpdGxlU3R5bGUiOnsiJGlkIjoiNDM1IiwiRm9udFNldHRpbmdzIjp7IiRpZCI6IjQzNiIsIkZvbnRTaXplIjoxMSwiRm9udE5hbWUiOiJDYWxpYnJpIiwiSXNCb2xkIjp0cnVlLCJJc0l0YWxpYyI6ZmFsc2UsIklzVW5kZXJsaW5lZCI6ZmFsc2UsIlBhcmVudFN0eWxlIjpudWxsfSwiQXV0b1NpemUiOjAsIkZvcmVncm91bmQiOnsiJGlkIjoiNDM3IiwiQ29sb3IiOnsiJHJlZiI6IjExNCJ9fSwiTWF4V2lkdGgiOjcyMC4wLCJNYXhIZWlnaHQiOiJJbmZpbml0eSIsIlNtYXJ0Rm9yZWdyb3VuZElzQWN0aXZlIjpmYWxzZSwiSG9yaXpvbnRhbEFsaWdubWVudCI6MCwiVmVydGljYWxBbGlnbm1lbnQiOjAsIlNtYXJ0Rm9yZWdyb3VuZCI6bnVsbCwiQmFja2dyb3VuZEZpbGxUeXBlIjowLCJNYXJnaW4iOnsiJGlkIjoiNDM4IiwiVG9wIjowLCJMZWZ0IjowLCJSaWdodCI6MCwiQm90dG9tIjowfSwiUGFkZGluZyI6eyIkaWQiOiI0MzkiLCJUb3AiOjAsIkxlZnQiOjAsIlJpZ2h0IjowLCJCb3R0b20iOjB9LCJCYWNrZ3JvdW5kIjp7IiRyZWYiOiIxMTcifSwiSXNWaXNpYmxlIjp0cnVlLCJXaWR0aCI6MC4wLCJIZWlnaHQiOjAuMCwiQm9yZGVyU3R5bGUiOnsiJGlkIjoiNDQwIiwiTGluZUNvbG9yIjpudWxsLCJMaW5lV2VpZ2h0IjowLjAsIkxpbmVUeXBlIjowLCJQYXJlbnRTdHlsZSI6bnVsbH0sIlBhcmVudFN0eWxlIjpudWxsfSwiRGF0ZVN0eWxlIjp7IiRpZCI6IjQ0MSIsIkZvbnRTZXR0aW5ncyI6eyIkaWQiOiI0NDIiLCJGb250U2l6ZSI6MTAsIkZvbnROYW1lIjoiQ2FsaWJyaSIsIklzQm9sZCI6ZmFsc2UsIklzSXRhbGljIjpmYWxzZSwiSXNVbmRlcmxpbmVkIjpmYWxzZSwiUGFyZW50U3R5bGUiOm51bGx9LCJBdXRvU2l6ZSI6MCwiRm9yZWdyb3VuZCI6eyIkaWQiOiI0NDMiLCJDb2xvciI6eyIkcmVmIjoiMTIxIn19LCJNYXhXaWR0aCI6MjAwLjAsIk1heEhlaWdodCI6IkluZmluaXR5IiwiU21hcnRGb3JlZ3JvdW5kSXNBY3RpdmUiOmZhbHNlLCJIb3Jpem9udGFsQWxpZ25tZW50IjowLCJWZXJ0aWNhbEFsaWdubWVudCI6MCwiU21hcnRGb3JlZ3JvdW5kIjpudWxsLCJCYWNrZ3JvdW5kRmlsbFR5cGUiOjAsIk1hcmdpbiI6eyIkaWQiOiI0NDQiLCJUb3AiOjAsIkxlZnQiOjAsIlJpZ2h0IjowLCJCb3R0b20iOjB9LCJQYWRkaW5nIjp7IiRpZCI6IjQ0NSIsIlRvcCI6MCwiTGVmdCI6MCwiUmlnaHQiOjAsIkJvdHRvbSI6MH0sIkJhY2tncm91bmQiOnsiJHJlZiI6IjEyNCJ9LCJJc1Zpc2libGUiOnRydWUsIldpZHRoIjowLjAsIkhlaWdodCI6MC4wLCJCb3JkZXJTdHlsZSI6eyIkaWQiOiI0NDYiLCJMaW5lQ29sb3IiOm51bGwsIkxpbmVXZWlnaHQiOjAuMCwiTGluZVR5cGUiOjAsIlBhcmVudFN0eWxlIjpudWxsfSwiUGFyZW50U3R5bGUiOm51bGx9LCJEYXRlRm9ybWF0Ijp7IiRpZCI6IjQ0NyIsIkZvcm1hdFN0cmluZyI6Ik0vZC95eXl5IiwiU2VwYXJhdG9yIjoiLyIsIlVzZUludGVybmF0aW9uYWxEYXRlRm9ybWF0IjpmYWxzZSwiRGF0ZUlzVmlzaWJsZSI6dHJ1ZSwiVGltZUlzVmlzaWJsZSI6ZmFsc2UsIkhvdXJEaWdpdHMiOjEsIkFtUG1EZXNpZ25hdG9yIjoyLCJUcmltMDBNaW51dGVzIjpmYWxzZSwiTGFzdEtub3duVmlzaWJpbGl0eVN0YXRlIjpudWxsfSwiSXNWaXNpYmxlIjp0cnVlLCJQYXJlbnRTdHlsZSI6bnVsbH0sIkluZGV4IjoxMCwiU21hcnREdXJhdGlvbkFjdGl2YXRlZCI6ZmFsc2UsIkRhdGVGb3JtYXQiOnsiJHJlZiI6IjQ0NyJ9LCJJZCI6IjIyZjM5ZmI4LTI5OTQtNDkxMS1hYWM2LTBmZjI5NTg3ZWZkNCIsIkltcG9ydElkIjpudWxsLCJUaXRsZSI6Iuy1nOyihSDrs7Tqs6DshJwg7J6R7ISxIOuwjyDtlLzrk5zrsLEiLCJOb3RlIjpudWxsLCJIeXBlcmxpbmsiOm51bGwsIklzQ2hhbmdlZCI6ZmFsc2UsIklzTmV3IjpmYWxzZX1dLCJNc1Byb2plY3RJdGVtc1RyZWUiOnsiJGlkIjoiNDQ4IiwiUm9vdCI6eyJJbXBvcnRJZCI6bnVsbCwiSXNJbXBvcnRlZCI6ZmFsc2UsIkNoaWxkcmVuIjpbXX19LCJNZXRhZGF0YSI6eyIkaWQiOiI0NDkiLCJSZWNlbnRDb2xvcnNDb2xsZWN0aW9uIjoiW1wiI0ZGRkZDMDAwXCIsXCIjRkZFRDdEMzFcIixcIiNGRjVCOUJENVwiLFwiI0ZGNDQ1NDZBXCIsXCIjRkY3MEFENDdcIl0ifSwiU2V0dGluZ3MiOnsiJGlkIjoiNDUwIiwiSW1wYU9wdGlvbnMiOnsiJGlkIjoiNDUxIiwiTGVmdFRvUmlnaHQiOmZhbHNlLCJQYXlsb2FkT3B0aW9ucyI6Mn0sIlVzZUNvbXByZXNzaW9uIjpmYWxzZSwiQ29tcHJlc2lvblBlcmNlbnRhZ2UiOjUwLjAsIkluYWN0aXZlSW50ZXJ2YWxXaWR0aFRocmVzaG9sZCI6MzAuMCwiSW5hY3RpdmVJbnRlcnZhbFdpZHRoIjoxLjAsIlNwbGl0VGFza3MiOmZhbHNlLCJVc2VDbHVzdGVyIjpmYWxzZSwiRXBzaWxvbiI6MC4wLCJNaW5Qb2ludHNUb0Zvcm1BQ2x1c3RlciI6MiwiR2VuZXJhdGVJbnZpc2libGVTaGFwZXMiOmZhbHNlLCJTbWFydFRpbWVsaW5lVGFza1BlcmNlbnRhZ2VGaXQiOmZhbHNlfSwiSXNOZXciOnRydWUsIkltcG9ydFR5cGUiOjAsIkZpbGVQYXRoIjpudWxsLCJUaW1lQ29uZmlndXJhdGlvbiI6eyIkaWQiOiI0NTIiLCJVc2VUaW1lIjpmYWxzZSwiV29ya0RheVN0YXJ0IjoiMDA6MDA6MDAiLCJXb3JrRGF5RW5kIjoiMjM6NTk6MDAifSwiTGFzdFVzZWRUZW1wbGF0ZUlkIjoiNzM1NWI2MzMtYWM2Ni00NTI4LThiNGQtMjk5ZmFlZGM5ZWU5In0="/>
   <p:tag name="__MASTER" val="__part_0"/>
 </p:tagLst>
 </file>

--- a/ppt/ganttppt.pptx
+++ b/ppt/ganttppt.pptx
@@ -253,7 +253,7 @@
           <a:p>
             <a:fld id="{E5913C49-45AE-4926-BFC9-EBF79FA12E5C}" type="datetimeFigureOut">
               <a:rPr lang="en-US" smtClean="0"/>
-              <a:t>4/17/2019</a:t>
+              <a:t>4/25/2019</a:t>
             </a:fld>
             <a:endParaRPr lang="en-US"/>
           </a:p>
@@ -421,7 +421,7 @@
           <a:p>
             <a:fld id="{E5913C49-45AE-4926-BFC9-EBF79FA12E5C}" type="datetimeFigureOut">
               <a:rPr lang="en-US" smtClean="0"/>
-              <a:t>4/17/2019</a:t>
+              <a:t>4/25/2019</a:t>
             </a:fld>
             <a:endParaRPr lang="en-US"/>
           </a:p>
@@ -599,7 +599,7 @@
           <a:p>
             <a:fld id="{E5913C49-45AE-4926-BFC9-EBF79FA12E5C}" type="datetimeFigureOut">
               <a:rPr lang="en-US" smtClean="0"/>
-              <a:t>4/17/2019</a:t>
+              <a:t>4/25/2019</a:t>
             </a:fld>
             <a:endParaRPr lang="en-US"/>
           </a:p>
@@ -767,7 +767,7 @@
           <a:p>
             <a:fld id="{E5913C49-45AE-4926-BFC9-EBF79FA12E5C}" type="datetimeFigureOut">
               <a:rPr lang="en-US" smtClean="0"/>
-              <a:t>4/17/2019</a:t>
+              <a:t>4/25/2019</a:t>
             </a:fld>
             <a:endParaRPr lang="en-US"/>
           </a:p>
@@ -1012,7 +1012,7 @@
           <a:p>
             <a:fld id="{E5913C49-45AE-4926-BFC9-EBF79FA12E5C}" type="datetimeFigureOut">
               <a:rPr lang="en-US" smtClean="0"/>
-              <a:t>4/17/2019</a:t>
+              <a:t>4/25/2019</a:t>
             </a:fld>
             <a:endParaRPr lang="en-US"/>
           </a:p>
@@ -1241,7 +1241,7 @@
           <a:p>
             <a:fld id="{E5913C49-45AE-4926-BFC9-EBF79FA12E5C}" type="datetimeFigureOut">
               <a:rPr lang="en-US" smtClean="0"/>
-              <a:t>4/17/2019</a:t>
+              <a:t>4/25/2019</a:t>
             </a:fld>
             <a:endParaRPr lang="en-US"/>
           </a:p>
@@ -1605,7 +1605,7 @@
           <a:p>
             <a:fld id="{E5913C49-45AE-4926-BFC9-EBF79FA12E5C}" type="datetimeFigureOut">
               <a:rPr lang="en-US" smtClean="0"/>
-              <a:t>4/17/2019</a:t>
+              <a:t>4/25/2019</a:t>
             </a:fld>
             <a:endParaRPr lang="en-US"/>
           </a:p>
@@ -1722,7 +1722,7 @@
           <a:p>
             <a:fld id="{E5913C49-45AE-4926-BFC9-EBF79FA12E5C}" type="datetimeFigureOut">
               <a:rPr lang="en-US" smtClean="0"/>
-              <a:t>4/17/2019</a:t>
+              <a:t>4/25/2019</a:t>
             </a:fld>
             <a:endParaRPr lang="en-US"/>
           </a:p>
@@ -1817,7 +1817,7 @@
           <a:p>
             <a:fld id="{E5913C49-45AE-4926-BFC9-EBF79FA12E5C}" type="datetimeFigureOut">
               <a:rPr lang="en-US" smtClean="0"/>
-              <a:t>4/17/2019</a:t>
+              <a:t>4/25/2019</a:t>
             </a:fld>
             <a:endParaRPr lang="en-US"/>
           </a:p>
@@ -2092,7 +2092,7 @@
           <a:p>
             <a:fld id="{E5913C49-45AE-4926-BFC9-EBF79FA12E5C}" type="datetimeFigureOut">
               <a:rPr lang="en-US" smtClean="0"/>
-              <a:t>4/17/2019</a:t>
+              <a:t>4/25/2019</a:t>
             </a:fld>
             <a:endParaRPr lang="en-US"/>
           </a:p>
@@ -2344,7 +2344,7 @@
           <a:p>
             <a:fld id="{E5913C49-45AE-4926-BFC9-EBF79FA12E5C}" type="datetimeFigureOut">
               <a:rPr lang="en-US" smtClean="0"/>
-              <a:t>4/17/2019</a:t>
+              <a:t>4/25/2019</a:t>
             </a:fld>
             <a:endParaRPr lang="en-US"/>
           </a:p>
@@ -2555,7 +2555,7 @@
           <a:p>
             <a:fld id="{E5913C49-45AE-4926-BFC9-EBF79FA12E5C}" type="datetimeFigureOut">
               <a:rPr lang="en-US" smtClean="0"/>
-              <a:t>4/17/2019</a:t>
+              <a:t>4/25/2019</a:t>
             </a:fld>
             <a:endParaRPr lang="en-US"/>
           </a:p>
@@ -8919,10 +8919,10 @@
       </p:grpSpPr>
       <p:cxnSp>
         <p:nvCxnSpPr>
-          <p:cNvPr id="888" name="OTLSHAPE_T_22f39fb829944911aac60ff29587efd4_HorizontalConnector1">
-            <a:extLst>
-              <a:ext uri="{FF2B5EF4-FFF2-40B4-BE49-F238E27FC236}">
-                <a16:creationId xmlns:a16="http://schemas.microsoft.com/office/drawing/2014/main" id="{9C54EC85-88FD-4025-8C34-5A68DE530672}"/>
+          <p:cNvPr id="1114" name="OTLSHAPE_T_dddb03b0b7dd4b4ab51a5ca87c60bb5e_HorizontalConnector1">
+            <a:extLst>
+              <a:ext uri="{FF2B5EF4-FFF2-40B4-BE49-F238E27FC236}">
+                <a16:creationId xmlns:a16="http://schemas.microsoft.com/office/drawing/2014/main" id="{A3F93E53-4D64-4422-8CF9-ECA3C4388E3F}"/>
               </a:ext>
             </a:extLst>
           </p:cNvPr>
@@ -8935,8 +8935,8 @@
         </p:nvCxnSpPr>
         <p:spPr>
           <a:xfrm>
-            <a:off x="1790022" y="6447155"/>
-            <a:ext cx="7522046" cy="0"/>
+            <a:off x="2149941" y="5921197"/>
+            <a:ext cx="7753823" cy="0"/>
           </a:xfrm>
           <a:prstGeom prst="line">
             <a:avLst/>
@@ -8968,10 +8968,10 @@
       </p:cxnSp>
       <p:cxnSp>
         <p:nvCxnSpPr>
-          <p:cNvPr id="887" name="OTLSHAPE_T_55871566acb4479fa593c4d75faba5f3_HorizontalConnector1">
-            <a:extLst>
-              <a:ext uri="{FF2B5EF4-FFF2-40B4-BE49-F238E27FC236}">
-                <a16:creationId xmlns:a16="http://schemas.microsoft.com/office/drawing/2014/main" id="{DA6E11E3-5120-43D3-A425-BCF402649020}"/>
+          <p:cNvPr id="1113" name="OTLSHAPE_T_873cee77fc804a08b3913e177b784efa_HorizontalConnector1">
+            <a:extLst>
+              <a:ext uri="{FF2B5EF4-FFF2-40B4-BE49-F238E27FC236}">
+                <a16:creationId xmlns:a16="http://schemas.microsoft.com/office/drawing/2014/main" id="{7AD7AE67-5DB4-4818-8A80-8ADB88E4C96F}"/>
               </a:ext>
             </a:extLst>
           </p:cNvPr>
@@ -8984,8 +8984,8 @@
         </p:nvCxnSpPr>
         <p:spPr>
           <a:xfrm>
-            <a:off x="1845225" y="6180455"/>
-            <a:ext cx="5858809" cy="0"/>
+            <a:off x="1672506" y="5601072"/>
+            <a:ext cx="7009083" cy="0"/>
           </a:xfrm>
           <a:prstGeom prst="line">
             <a:avLst/>
@@ -9017,10 +9017,10 @@
       </p:cxnSp>
       <p:cxnSp>
         <p:nvCxnSpPr>
-          <p:cNvPr id="886" name="OTLSHAPE_T_e676dd5c8d65477588b6d56b4e73ee0c_HorizontalConnector1">
-            <a:extLst>
-              <a:ext uri="{FF2B5EF4-FFF2-40B4-BE49-F238E27FC236}">
-                <a16:creationId xmlns:a16="http://schemas.microsoft.com/office/drawing/2014/main" id="{FD93548A-EBE2-4C3A-8A3B-91B61B84E5BA}"/>
+          <p:cNvPr id="1112" name="OTLSHAPE_T_a91e8249d71d4db4b6bf1324ab6255b6_HorizontalConnector1">
+            <a:extLst>
+              <a:ext uri="{FF2B5EF4-FFF2-40B4-BE49-F238E27FC236}">
+                <a16:creationId xmlns:a16="http://schemas.microsoft.com/office/drawing/2014/main" id="{4DFD50CB-834A-4CDA-B00B-35449D0A91D3}"/>
               </a:ext>
             </a:extLst>
           </p:cNvPr>
@@ -9033,8 +9033,8 @@
         </p:nvCxnSpPr>
         <p:spPr>
           <a:xfrm>
-            <a:off x="1339342" y="5913755"/>
-            <a:ext cx="4587392" cy="0"/>
+            <a:off x="1504358" y="5334372"/>
+            <a:ext cx="5870768" cy="0"/>
           </a:xfrm>
           <a:prstGeom prst="line">
             <a:avLst/>
@@ -9066,10 +9066,10 @@
       </p:cxnSp>
       <p:cxnSp>
         <p:nvCxnSpPr>
-          <p:cNvPr id="885" name="OTLSHAPE_T_82fb3c45ae5f4c1ea8eb25fb96b27648_HorizontalConnector1">
-            <a:extLst>
-              <a:ext uri="{FF2B5EF4-FFF2-40B4-BE49-F238E27FC236}">
-                <a16:creationId xmlns:a16="http://schemas.microsoft.com/office/drawing/2014/main" id="{505B60D8-FDF9-44F0-9AF6-183D97FF162A}"/>
+          <p:cNvPr id="1111" name="OTLSHAPE_T_549efdd2f2da4adcba766f4e8cb6c184_HorizontalConnector1">
+            <a:extLst>
+              <a:ext uri="{FF2B5EF4-FFF2-40B4-BE49-F238E27FC236}">
+                <a16:creationId xmlns:a16="http://schemas.microsoft.com/office/drawing/2014/main" id="{9FB9EC23-77D5-4DAE-ABCE-DCE07779A6B8}"/>
               </a:ext>
             </a:extLst>
           </p:cNvPr>
@@ -9082,8 +9082,8 @@
         </p:nvCxnSpPr>
         <p:spPr>
           <a:xfrm>
-            <a:off x="1339342" y="5647055"/>
-            <a:ext cx="2979358" cy="0"/>
+            <a:off x="1644058" y="5067672"/>
+            <a:ext cx="5731068" cy="0"/>
           </a:xfrm>
           <a:prstGeom prst="line">
             <a:avLst/>
@@ -9115,10 +9115,10 @@
       </p:cxnSp>
       <p:cxnSp>
         <p:nvCxnSpPr>
-          <p:cNvPr id="884" name="OTLSHAPE_T_27ae47589bac40d38409405d5a28c9b6_HorizontalConnector1">
-            <a:extLst>
-              <a:ext uri="{FF2B5EF4-FFF2-40B4-BE49-F238E27FC236}">
-                <a16:creationId xmlns:a16="http://schemas.microsoft.com/office/drawing/2014/main" id="{8BE20675-4F84-43ED-9DC4-8038DE893061}"/>
+          <p:cNvPr id="1110" name="OTLSHAPE_T_22f39fb829944911aac60ff29587efd4_HorizontalConnector1">
+            <a:extLst>
+              <a:ext uri="{FF2B5EF4-FFF2-40B4-BE49-F238E27FC236}">
+                <a16:creationId xmlns:a16="http://schemas.microsoft.com/office/drawing/2014/main" id="{A50AC31C-F59B-4984-8E8C-B3356A15E1FE}"/>
               </a:ext>
             </a:extLst>
           </p:cNvPr>
@@ -9131,8 +9131,8 @@
         </p:nvCxnSpPr>
         <p:spPr>
           <a:xfrm>
-            <a:off x="1199642" y="5380355"/>
-            <a:ext cx="3119058" cy="0"/>
+            <a:off x="1783758" y="4800972"/>
+            <a:ext cx="3189163" cy="0"/>
           </a:xfrm>
           <a:prstGeom prst="line">
             <a:avLst/>
@@ -9164,10 +9164,10 @@
       </p:cxnSp>
       <p:cxnSp>
         <p:nvCxnSpPr>
-          <p:cNvPr id="883" name="OTLSHAPE_T_382ddf7c49ae41a9a896b68233bb860b_HorizontalConnector1">
-            <a:extLst>
-              <a:ext uri="{FF2B5EF4-FFF2-40B4-BE49-F238E27FC236}">
-                <a16:creationId xmlns:a16="http://schemas.microsoft.com/office/drawing/2014/main" id="{202CE5E9-D40F-4B61-A6C7-917A88437106}"/>
+          <p:cNvPr id="1109" name="OTLSHAPE_T_860c807e4fce45b4a07b88fb5e537165_HorizontalConnector1">
+            <a:extLst>
+              <a:ext uri="{FF2B5EF4-FFF2-40B4-BE49-F238E27FC236}">
+                <a16:creationId xmlns:a16="http://schemas.microsoft.com/office/drawing/2014/main" id="{6653AB82-8D86-42A5-A29C-76469026ED54}"/>
               </a:ext>
             </a:extLst>
           </p:cNvPr>
@@ -9180,8 +9180,8 @@
         </p:nvCxnSpPr>
         <p:spPr>
           <a:xfrm>
-            <a:off x="1685756" y="5113655"/>
-            <a:ext cx="2379044" cy="0"/>
+            <a:off x="1361524" y="4534272"/>
+            <a:ext cx="3442820" cy="0"/>
           </a:xfrm>
           <a:prstGeom prst="line">
             <a:avLst/>
@@ -9213,10 +9213,10 @@
       </p:cxnSp>
       <p:cxnSp>
         <p:nvCxnSpPr>
-          <p:cNvPr id="882" name="OTLSHAPE_T_75dffbd02c41442183b720bbfa1c3d22_HorizontalConnector1">
-            <a:extLst>
-              <a:ext uri="{FF2B5EF4-FFF2-40B4-BE49-F238E27FC236}">
-                <a16:creationId xmlns:a16="http://schemas.microsoft.com/office/drawing/2014/main" id="{D50726CC-EFC9-42AF-B8F5-4E49428AC78F}"/>
+          <p:cNvPr id="1108" name="OTLSHAPE_T_55871566acb4479fa593c4d75faba5f3_HorizontalConnector1">
+            <a:extLst>
+              <a:ext uri="{FF2B5EF4-FFF2-40B4-BE49-F238E27FC236}">
+                <a16:creationId xmlns:a16="http://schemas.microsoft.com/office/drawing/2014/main" id="{120E2BE5-6C0C-480B-858D-9BE7411BA523}"/>
               </a:ext>
             </a:extLst>
           </p:cNvPr>
@@ -9229,8 +9229,8 @@
         </p:nvCxnSpPr>
         <p:spPr>
           <a:xfrm>
-            <a:off x="1447461" y="4846955"/>
-            <a:ext cx="2363438" cy="0"/>
+            <a:off x="1838960" y="4267572"/>
+            <a:ext cx="2965384" cy="0"/>
           </a:xfrm>
           <a:prstGeom prst="line">
             <a:avLst/>
@@ -9262,10 +9262,10 @@
       </p:cxnSp>
       <p:cxnSp>
         <p:nvCxnSpPr>
-          <p:cNvPr id="881" name="OTLSHAPE_T_d5cd6d2f98024f49adcf10a7c42fbeff_HorizontalConnector1">
-            <a:extLst>
-              <a:ext uri="{FF2B5EF4-FFF2-40B4-BE49-F238E27FC236}">
-                <a16:creationId xmlns:a16="http://schemas.microsoft.com/office/drawing/2014/main" id="{557B715B-51AB-494C-BE69-DAE17070C316}"/>
+          <p:cNvPr id="1107" name="OTLSHAPE_T_e676dd5c8d65477588b6d56b4e73ee0c_HorizontalConnector1">
+            <a:extLst>
+              <a:ext uri="{FF2B5EF4-FFF2-40B4-BE49-F238E27FC236}">
+                <a16:creationId xmlns:a16="http://schemas.microsoft.com/office/drawing/2014/main" id="{014CC5E0-BA4A-4E7A-B08E-DFC741F94A79}"/>
               </a:ext>
             </a:extLst>
           </p:cNvPr>
@@ -9278,8 +9278,8 @@
         </p:nvCxnSpPr>
         <p:spPr>
           <a:xfrm>
-            <a:off x="1790023" y="4580255"/>
-            <a:ext cx="1766977" cy="0"/>
+            <a:off x="1333077" y="4000872"/>
+            <a:ext cx="2164805" cy="0"/>
           </a:xfrm>
           <a:prstGeom prst="line">
             <a:avLst/>
@@ -9311,10 +9311,10 @@
       </p:cxnSp>
       <p:cxnSp>
         <p:nvCxnSpPr>
-          <p:cNvPr id="880" name="OTLSHAPE_T_d447ea458d95438995f5caa9b91329cc_HorizontalConnector1">
-            <a:extLst>
-              <a:ext uri="{FF2B5EF4-FFF2-40B4-BE49-F238E27FC236}">
-                <a16:creationId xmlns:a16="http://schemas.microsoft.com/office/drawing/2014/main" id="{68511FE2-33D7-41EB-9034-6C09195CD2BC}"/>
+          <p:cNvPr id="1106" name="OTLSHAPE_T_82fb3c45ae5f4c1ea8eb25fb96b27648_HorizontalConnector1">
+            <a:extLst>
+              <a:ext uri="{FF2B5EF4-FFF2-40B4-BE49-F238E27FC236}">
+                <a16:creationId xmlns:a16="http://schemas.microsoft.com/office/drawing/2014/main" id="{3219C7F9-28FE-4AEB-BA74-79B769AC2952}"/>
               </a:ext>
             </a:extLst>
           </p:cNvPr>
@@ -9327,8 +9327,8 @@
         </p:nvCxnSpPr>
         <p:spPr>
           <a:xfrm>
-            <a:off x="1647190" y="4313555"/>
-            <a:ext cx="1909810" cy="0"/>
+            <a:off x="1333077" y="3734172"/>
+            <a:ext cx="2164805" cy="0"/>
           </a:xfrm>
           <a:prstGeom prst="line">
             <a:avLst/>
@@ -9358,25 +9358,270 @@
           </a:fontRef>
         </p:style>
       </p:cxnSp>
-      <p:sp>
-        <p:nvSpPr>
-          <p:cNvPr id="867" name="OTLSHAPE_TB_00000000000000000000000000000000_LeftEndCaps">
-            <a:extLst>
-              <a:ext uri="{FF2B5EF4-FFF2-40B4-BE49-F238E27FC236}">
-                <a16:creationId xmlns:a16="http://schemas.microsoft.com/office/drawing/2014/main" id="{C4829A30-5E90-42EA-AFF2-36D5BB4B9B85}"/>
+      <p:cxnSp>
+        <p:nvCxnSpPr>
+          <p:cNvPr id="1105" name="OTLSHAPE_T_27ae47589bac40d38409405d5a28c9b6_HorizontalConnector1">
+            <a:extLst>
+              <a:ext uri="{FF2B5EF4-FFF2-40B4-BE49-F238E27FC236}">
+                <a16:creationId xmlns:a16="http://schemas.microsoft.com/office/drawing/2014/main" id="{9C70609D-C4CB-4616-8A2D-E8D996BB70FC}"/>
+              </a:ext>
+            </a:extLst>
+          </p:cNvPr>
+          <p:cNvCxnSpPr/>
+          <p:nvPr>
+            <p:custDataLst>
+              <p:tags r:id="rId11"/>
+            </p:custDataLst>
+          </p:nvPr>
+        </p:nvCxnSpPr>
+        <p:spPr>
+          <a:xfrm>
+            <a:off x="1193377" y="3467472"/>
+            <a:ext cx="1419482" cy="0"/>
+          </a:xfrm>
+          <a:prstGeom prst="line">
+            <a:avLst/>
+          </a:prstGeom>
+          <a:ln w="7620" cap="flat" cmpd="sng" algn="ctr">
+            <a:solidFill>
+              <a:srgbClr val="CCCCCC"/>
+            </a:solidFill>
+            <a:prstDash val="solid"/>
+            <a:miter lim="800000"/>
+            <a:headEnd type="none" w="med" len="med"/>
+            <a:tailEnd type="none" w="med" len="med"/>
+          </a:ln>
+        </p:spPr>
+        <p:style>
+          <a:lnRef idx="1">
+            <a:schemeClr val="accent1"/>
+          </a:lnRef>
+          <a:fillRef idx="0">
+            <a:schemeClr val="accent1"/>
+          </a:fillRef>
+          <a:effectRef idx="0">
+            <a:schemeClr val="accent1"/>
+          </a:effectRef>
+          <a:fontRef idx="minor">
+            <a:schemeClr val="tx1"/>
+          </a:fontRef>
+        </p:style>
+      </p:cxnSp>
+      <p:cxnSp>
+        <p:nvCxnSpPr>
+          <p:cNvPr id="1104" name="OTLSHAPE_T_382ddf7c49ae41a9a896b68233bb860b_HorizontalConnector1">
+            <a:extLst>
+              <a:ext uri="{FF2B5EF4-FFF2-40B4-BE49-F238E27FC236}">
+                <a16:creationId xmlns:a16="http://schemas.microsoft.com/office/drawing/2014/main" id="{99A916EB-DF5D-4C07-BA2D-ED942B24286D}"/>
+              </a:ext>
+            </a:extLst>
+          </p:cNvPr>
+          <p:cNvCxnSpPr/>
+          <p:nvPr>
+            <p:custDataLst>
+              <p:tags r:id="rId12"/>
+            </p:custDataLst>
+          </p:nvPr>
+        </p:nvCxnSpPr>
+        <p:spPr>
+          <a:xfrm>
+            <a:off x="1679491" y="3200772"/>
+            <a:ext cx="806936" cy="0"/>
+          </a:xfrm>
+          <a:prstGeom prst="line">
+            <a:avLst/>
+          </a:prstGeom>
+          <a:ln w="7620" cap="flat" cmpd="sng" algn="ctr">
+            <a:solidFill>
+              <a:srgbClr val="CCCCCC"/>
+            </a:solidFill>
+            <a:prstDash val="solid"/>
+            <a:miter lim="800000"/>
+            <a:headEnd type="none" w="med" len="med"/>
+            <a:tailEnd type="none" w="med" len="med"/>
+          </a:ln>
+        </p:spPr>
+        <p:style>
+          <a:lnRef idx="1">
+            <a:schemeClr val="accent1"/>
+          </a:lnRef>
+          <a:fillRef idx="0">
+            <a:schemeClr val="accent1"/>
+          </a:fillRef>
+          <a:effectRef idx="0">
+            <a:schemeClr val="accent1"/>
+          </a:effectRef>
+          <a:fontRef idx="minor">
+            <a:schemeClr val="tx1"/>
+          </a:fontRef>
+        </p:style>
+      </p:cxnSp>
+      <p:cxnSp>
+        <p:nvCxnSpPr>
+          <p:cNvPr id="1103" name="OTLSHAPE_T_75dffbd02c41442183b720bbfa1c3d22_HorizontalConnector1">
+            <a:extLst>
+              <a:ext uri="{FF2B5EF4-FFF2-40B4-BE49-F238E27FC236}">
+                <a16:creationId xmlns:a16="http://schemas.microsoft.com/office/drawing/2014/main" id="{C5AF2D2B-9BFD-4116-8775-712F98B4FB44}"/>
+              </a:ext>
+            </a:extLst>
+          </p:cNvPr>
+          <p:cNvCxnSpPr/>
+          <p:nvPr>
+            <p:custDataLst>
+              <p:tags r:id="rId13"/>
+            </p:custDataLst>
+          </p:nvPr>
+        </p:nvCxnSpPr>
+        <p:spPr>
+          <a:xfrm>
+            <a:off x="1301496" y="2934072"/>
+            <a:ext cx="1058499" cy="0"/>
+          </a:xfrm>
+          <a:prstGeom prst="line">
+            <a:avLst/>
+          </a:prstGeom>
+          <a:ln w="7620" cap="flat" cmpd="sng" algn="ctr">
+            <a:solidFill>
+              <a:srgbClr val="CCCCCC"/>
+            </a:solidFill>
+            <a:prstDash val="solid"/>
+            <a:miter lim="800000"/>
+            <a:headEnd type="none" w="med" len="med"/>
+            <a:tailEnd type="none" w="med" len="med"/>
+          </a:ln>
+        </p:spPr>
+        <p:style>
+          <a:lnRef idx="1">
+            <a:schemeClr val="accent1"/>
+          </a:lnRef>
+          <a:fillRef idx="0">
+            <a:schemeClr val="accent1"/>
+          </a:fillRef>
+          <a:effectRef idx="0">
+            <a:schemeClr val="accent1"/>
+          </a:effectRef>
+          <a:fontRef idx="minor">
+            <a:schemeClr val="tx1"/>
+          </a:fontRef>
+        </p:style>
+      </p:cxnSp>
+      <p:cxnSp>
+        <p:nvCxnSpPr>
+          <p:cNvPr id="1102" name="OTLSHAPE_T_d5cd6d2f98024f49adcf10a7c42fbeff_HorizontalConnector1">
+            <a:extLst>
+              <a:ext uri="{FF2B5EF4-FFF2-40B4-BE49-F238E27FC236}">
+                <a16:creationId xmlns:a16="http://schemas.microsoft.com/office/drawing/2014/main" id="{3E1C869F-CAB9-4303-8BAF-62ADBA8768A2}"/>
+              </a:ext>
+            </a:extLst>
+          </p:cNvPr>
+          <p:cNvCxnSpPr/>
+          <p:nvPr>
+            <p:custDataLst>
+              <p:tags r:id="rId14"/>
+            </p:custDataLst>
+          </p:nvPr>
+        </p:nvCxnSpPr>
+        <p:spPr>
+          <a:xfrm>
+            <a:off x="1783758" y="2667372"/>
+            <a:ext cx="449805" cy="0"/>
+          </a:xfrm>
+          <a:prstGeom prst="line">
+            <a:avLst/>
+          </a:prstGeom>
+          <a:ln w="7620" cap="flat" cmpd="sng" algn="ctr">
+            <a:solidFill>
+              <a:srgbClr val="CCCCCC"/>
+            </a:solidFill>
+            <a:prstDash val="solid"/>
+            <a:miter lim="800000"/>
+            <a:headEnd type="none" w="med" len="med"/>
+            <a:tailEnd type="none" w="med" len="med"/>
+          </a:ln>
+        </p:spPr>
+        <p:style>
+          <a:lnRef idx="1">
+            <a:schemeClr val="accent1"/>
+          </a:lnRef>
+          <a:fillRef idx="0">
+            <a:schemeClr val="accent1"/>
+          </a:fillRef>
+          <a:effectRef idx="0">
+            <a:schemeClr val="accent1"/>
+          </a:effectRef>
+          <a:fontRef idx="minor">
+            <a:schemeClr val="tx1"/>
+          </a:fontRef>
+        </p:style>
+      </p:cxnSp>
+      <p:cxnSp>
+        <p:nvCxnSpPr>
+          <p:cNvPr id="1101" name="OTLSHAPE_T_d447ea458d95438995f5caa9b91329cc_HorizontalConnector1">
+            <a:extLst>
+              <a:ext uri="{FF2B5EF4-FFF2-40B4-BE49-F238E27FC236}">
+                <a16:creationId xmlns:a16="http://schemas.microsoft.com/office/drawing/2014/main" id="{9FED1D11-B8FF-4D72-B93C-51F4E936BD53}"/>
+              </a:ext>
+            </a:extLst>
+          </p:cNvPr>
+          <p:cNvCxnSpPr/>
+          <p:nvPr>
+            <p:custDataLst>
+              <p:tags r:id="rId15"/>
+            </p:custDataLst>
+          </p:nvPr>
+        </p:nvCxnSpPr>
+        <p:spPr>
+          <a:xfrm>
+            <a:off x="1640925" y="2400672"/>
+            <a:ext cx="592638" cy="0"/>
+          </a:xfrm>
+          <a:prstGeom prst="line">
+            <a:avLst/>
+          </a:prstGeom>
+          <a:ln w="7620" cap="flat" cmpd="sng" algn="ctr">
+            <a:solidFill>
+              <a:srgbClr val="CCCCCC"/>
+            </a:solidFill>
+            <a:prstDash val="solid"/>
+            <a:miter lim="800000"/>
+            <a:headEnd type="none" w="med" len="med"/>
+            <a:tailEnd type="none" w="med" len="med"/>
+          </a:ln>
+        </p:spPr>
+        <p:style>
+          <a:lnRef idx="1">
+            <a:schemeClr val="accent1"/>
+          </a:lnRef>
+          <a:fillRef idx="0">
+            <a:schemeClr val="accent1"/>
+          </a:fillRef>
+          <a:effectRef idx="0">
+            <a:schemeClr val="accent1"/>
+          </a:effectRef>
+          <a:fontRef idx="minor">
+            <a:schemeClr val="tx1"/>
+          </a:fontRef>
+        </p:style>
+      </p:cxnSp>
+      <p:sp>
+        <p:nvSpPr>
+          <p:cNvPr id="1080" name="OTLSHAPE_TB_00000000000000000000000000000000_LeftEndCaps">
+            <a:extLst>
+              <a:ext uri="{FF2B5EF4-FFF2-40B4-BE49-F238E27FC236}">
+                <a16:creationId xmlns:a16="http://schemas.microsoft.com/office/drawing/2014/main" id="{342059BE-28BA-49FB-A7B9-B1CDB4CA2B4B}"/>
               </a:ext>
             </a:extLst>
           </p:cNvPr>
           <p:cNvSpPr txBox="1"/>
           <p:nvPr>
             <p:custDataLst>
-              <p:tags r:id="rId11"/>
-            </p:custDataLst>
-          </p:nvPr>
-        </p:nvSpPr>
-        <p:spPr>
-          <a:xfrm>
-            <a:off x="317500" y="3098969"/>
+              <p:tags r:id="rId16"/>
+            </p:custDataLst>
+          </p:nvPr>
+        </p:nvSpPr>
+        <p:spPr>
+          <a:xfrm>
+            <a:off x="311235" y="1186086"/>
             <a:ext cx="451662" cy="279061"/>
           </a:xfrm>
           <a:prstGeom prst="rect">
@@ -9411,23 +9656,23 @@
       </p:sp>
       <p:sp>
         <p:nvSpPr>
-          <p:cNvPr id="868" name="OTLSHAPE_TB_00000000000000000000000000000000_RightEndCaps">
-            <a:extLst>
-              <a:ext uri="{FF2B5EF4-FFF2-40B4-BE49-F238E27FC236}">
-                <a16:creationId xmlns:a16="http://schemas.microsoft.com/office/drawing/2014/main" id="{4F1AAF7F-032B-4808-8E8A-689B6ACD2CC8}"/>
+          <p:cNvPr id="1081" name="OTLSHAPE_TB_00000000000000000000000000000000_RightEndCaps">
+            <a:extLst>
+              <a:ext uri="{FF2B5EF4-FFF2-40B4-BE49-F238E27FC236}">
+                <a16:creationId xmlns:a16="http://schemas.microsoft.com/office/drawing/2014/main" id="{F1E614E6-F441-43F6-AF60-E584B0253853}"/>
               </a:ext>
             </a:extLst>
           </p:cNvPr>
           <p:cNvSpPr txBox="1"/>
           <p:nvPr>
             <p:custDataLst>
-              <p:tags r:id="rId12"/>
-            </p:custDataLst>
-          </p:nvPr>
-        </p:nvSpPr>
-        <p:spPr>
-          <a:xfrm>
-            <a:off x="11411034" y="3098969"/>
+              <p:tags r:id="rId17"/>
+            </p:custDataLst>
+          </p:nvPr>
+        </p:nvSpPr>
+        <p:spPr>
+          <a:xfrm>
+            <a:off x="11404769" y="1186086"/>
             <a:ext cx="451662" cy="279061"/>
           </a:xfrm>
           <a:prstGeom prst="rect">
@@ -9462,23 +9707,23 @@
       </p:sp>
       <p:sp>
         <p:nvSpPr>
-          <p:cNvPr id="869" name="OTLSHAPE_TB_00000000000000000000000000000000_ScaleContainer">
-            <a:extLst>
-              <a:ext uri="{FF2B5EF4-FFF2-40B4-BE49-F238E27FC236}">
-                <a16:creationId xmlns:a16="http://schemas.microsoft.com/office/drawing/2014/main" id="{32A485E1-A671-4B36-BAFF-1DA53D76A0D1}"/>
+          <p:cNvPr id="1082" name="OTLSHAPE_TB_00000000000000000000000000000000_ScaleContainer">
+            <a:extLst>
+              <a:ext uri="{FF2B5EF4-FFF2-40B4-BE49-F238E27FC236}">
+                <a16:creationId xmlns:a16="http://schemas.microsoft.com/office/drawing/2014/main" id="{7832C543-3226-4F60-BED4-CFEA5E13CF96}"/>
               </a:ext>
             </a:extLst>
           </p:cNvPr>
           <p:cNvSpPr/>
           <p:nvPr>
             <p:custDataLst>
-              <p:tags r:id="rId13"/>
-            </p:custDataLst>
-          </p:nvPr>
-        </p:nvSpPr>
-        <p:spPr>
-          <a:xfrm>
-            <a:off x="933365" y="3048000"/>
+              <p:tags r:id="rId18"/>
+            </p:custDataLst>
+          </p:nvPr>
+        </p:nvSpPr>
+        <p:spPr>
+          <a:xfrm>
+            <a:off x="927100" y="1135117"/>
             <a:ext cx="10337800" cy="381000"/>
           </a:xfrm>
           <a:prstGeom prst="rect">
@@ -9554,24 +9799,24 @@
       </p:sp>
       <p:sp>
         <p:nvSpPr>
-          <p:cNvPr id="870" name="OTLSHAPE_TB_00000000000000000000000000000000_ElapsedTime">
-            <a:extLst>
-              <a:ext uri="{FF2B5EF4-FFF2-40B4-BE49-F238E27FC236}">
-                <a16:creationId xmlns:a16="http://schemas.microsoft.com/office/drawing/2014/main" id="{AF24C522-8D03-4626-8D07-6C846415F8BB}"/>
+          <p:cNvPr id="1083" name="OTLSHAPE_TB_00000000000000000000000000000000_ElapsedTime">
+            <a:extLst>
+              <a:ext uri="{FF2B5EF4-FFF2-40B4-BE49-F238E27FC236}">
+                <a16:creationId xmlns:a16="http://schemas.microsoft.com/office/drawing/2014/main" id="{577D2E04-1DE8-411C-9829-2B36B946A0F2}"/>
               </a:ext>
             </a:extLst>
           </p:cNvPr>
           <p:cNvSpPr/>
           <p:nvPr>
             <p:custDataLst>
-              <p:tags r:id="rId14"/>
-            </p:custDataLst>
-          </p:nvPr>
-        </p:nvSpPr>
-        <p:spPr>
-          <a:xfrm>
-            <a:off x="933365" y="3352800"/>
-            <a:ext cx="4051300" cy="76200"/>
+              <p:tags r:id="rId19"/>
+            </p:custDataLst>
+          </p:nvPr>
+        </p:nvSpPr>
+        <p:spPr>
+          <a:xfrm>
+            <a:off x="927100" y="1439917"/>
+            <a:ext cx="2349500" cy="76200"/>
           </a:xfrm>
           <a:prstGeom prst="rect">
             <a:avLst/>
@@ -9637,23 +9882,23 @@
       </p:sp>
       <p:sp>
         <p:nvSpPr>
-          <p:cNvPr id="871" name="OTLSHAPE_TB_00000000000000000000000000000000_TodayMarkerShape">
-            <a:extLst>
-              <a:ext uri="{FF2B5EF4-FFF2-40B4-BE49-F238E27FC236}">
-                <a16:creationId xmlns:a16="http://schemas.microsoft.com/office/drawing/2014/main" id="{FEC4C437-B9DC-4517-8349-94E3DCFF5986}"/>
+          <p:cNvPr id="1084" name="OTLSHAPE_TB_00000000000000000000000000000000_TodayMarkerShape">
+            <a:extLst>
+              <a:ext uri="{FF2B5EF4-FFF2-40B4-BE49-F238E27FC236}">
+                <a16:creationId xmlns:a16="http://schemas.microsoft.com/office/drawing/2014/main" id="{2D26FAD8-0922-4A55-9791-B3B86F72DA2F}"/>
               </a:ext>
             </a:extLst>
           </p:cNvPr>
           <p:cNvSpPr/>
           <p:nvPr>
             <p:custDataLst>
-              <p:tags r:id="rId15"/>
-            </p:custDataLst>
-          </p:nvPr>
-        </p:nvSpPr>
-        <p:spPr>
-          <a:xfrm>
-            <a:off x="4928654" y="3429000"/>
+              <p:tags r:id="rId20"/>
+            </p:custDataLst>
+          </p:nvPr>
+        </p:nvSpPr>
+        <p:spPr>
+          <a:xfrm>
+            <a:off x="3219191" y="1516117"/>
             <a:ext cx="114300" cy="127000"/>
           </a:xfrm>
           <a:prstGeom prst="triangle">
@@ -9718,23 +9963,23 @@
       </p:sp>
       <p:sp>
         <p:nvSpPr>
-          <p:cNvPr id="872" name="OTLSHAPE_TB_00000000000000000000000000000000_TodayMarkerText">
-            <a:extLst>
-              <a:ext uri="{FF2B5EF4-FFF2-40B4-BE49-F238E27FC236}">
-                <a16:creationId xmlns:a16="http://schemas.microsoft.com/office/drawing/2014/main" id="{617A9D50-4E16-47F3-9567-94FF18AE9C6D}"/>
+          <p:cNvPr id="1085" name="OTLSHAPE_TB_00000000000000000000000000000000_TodayMarkerText">
+            <a:extLst>
+              <a:ext uri="{FF2B5EF4-FFF2-40B4-BE49-F238E27FC236}">
+                <a16:creationId xmlns:a16="http://schemas.microsoft.com/office/drawing/2014/main" id="{6377791B-5D71-4289-B7B8-B140F2588E93}"/>
               </a:ext>
             </a:extLst>
           </p:cNvPr>
           <p:cNvSpPr txBox="1"/>
           <p:nvPr>
             <p:custDataLst>
-              <p:tags r:id="rId16"/>
-            </p:custDataLst>
-          </p:nvPr>
-        </p:nvSpPr>
-        <p:spPr>
-          <a:xfrm>
-            <a:off x="4830683" y="3556000"/>
+              <p:tags r:id="rId21"/>
+            </p:custDataLst>
+          </p:nvPr>
+        </p:nvSpPr>
+        <p:spPr>
+          <a:xfrm>
+            <a:off x="3121220" y="1643117"/>
             <a:ext cx="304800" cy="186055"/>
           </a:xfrm>
           <a:prstGeom prst="rect">
@@ -9763,23 +10008,23 @@
       </p:sp>
       <p:sp>
         <p:nvSpPr>
-          <p:cNvPr id="873" name="OTLSHAPE_TB_00000000000000000000000000000000_TimescaleInterval1">
-            <a:extLst>
-              <a:ext uri="{FF2B5EF4-FFF2-40B4-BE49-F238E27FC236}">
-                <a16:creationId xmlns:a16="http://schemas.microsoft.com/office/drawing/2014/main" id="{76444FE0-A8B0-4026-A10D-726B47D4CB1B}"/>
+          <p:cNvPr id="1086" name="OTLSHAPE_TB_00000000000000000000000000000000_TimescaleInterval1">
+            <a:extLst>
+              <a:ext uri="{FF2B5EF4-FFF2-40B4-BE49-F238E27FC236}">
+                <a16:creationId xmlns:a16="http://schemas.microsoft.com/office/drawing/2014/main" id="{93C3B868-49DE-431E-B5E8-CF0919BC7F1D}"/>
               </a:ext>
             </a:extLst>
           </p:cNvPr>
           <p:cNvSpPr txBox="1"/>
           <p:nvPr>
             <p:custDataLst>
-              <p:tags r:id="rId17"/>
-            </p:custDataLst>
-          </p:nvPr>
-        </p:nvSpPr>
-        <p:spPr>
-          <a:xfrm>
-            <a:off x="996865" y="3145473"/>
+              <p:tags r:id="rId22"/>
+            </p:custDataLst>
+          </p:nvPr>
+        </p:nvSpPr>
+        <p:spPr>
+          <a:xfrm>
+            <a:off x="990600" y="1232590"/>
             <a:ext cx="75470" cy="186055"/>
           </a:xfrm>
           <a:prstGeom prst="rect">
@@ -9813,23 +10058,23 @@
       </p:sp>
       <p:cxnSp>
         <p:nvCxnSpPr>
-          <p:cNvPr id="874" name="OTLSHAPE_TB_00000000000000000000000000000000_Separator1">
-            <a:extLst>
-              <a:ext uri="{FF2B5EF4-FFF2-40B4-BE49-F238E27FC236}">
-                <a16:creationId xmlns:a16="http://schemas.microsoft.com/office/drawing/2014/main" id="{35E7CD83-1F3B-46B9-BC50-501845ED8403}"/>
+          <p:cNvPr id="1087" name="OTLSHAPE_TB_00000000000000000000000000000000_Separator1">
+            <a:extLst>
+              <a:ext uri="{FF2B5EF4-FFF2-40B4-BE49-F238E27FC236}">
+                <a16:creationId xmlns:a16="http://schemas.microsoft.com/office/drawing/2014/main" id="{2E713699-4056-49F0-BFA3-3F80C3FF384B}"/>
               </a:ext>
             </a:extLst>
           </p:cNvPr>
           <p:cNvCxnSpPr/>
           <p:nvPr>
             <p:custDataLst>
-              <p:tags r:id="rId18"/>
+              <p:tags r:id="rId23"/>
             </p:custDataLst>
           </p:nvPr>
         </p:nvCxnSpPr>
         <p:spPr>
           <a:xfrm>
-            <a:off x="3556999" y="3136900"/>
+            <a:off x="2233563" y="1224017"/>
             <a:ext cx="0" cy="203200"/>
           </a:xfrm>
           <a:prstGeom prst="line">
@@ -9864,23 +10109,23 @@
       </p:cxnSp>
       <p:sp>
         <p:nvSpPr>
-          <p:cNvPr id="875" name="OTLSHAPE_TB_00000000000000000000000000000000_TimescaleInterval2">
-            <a:extLst>
-              <a:ext uri="{FF2B5EF4-FFF2-40B4-BE49-F238E27FC236}">
-                <a16:creationId xmlns:a16="http://schemas.microsoft.com/office/drawing/2014/main" id="{0EF2E016-D803-4ED8-BEA6-E400D455734F}"/>
+          <p:cNvPr id="1088" name="OTLSHAPE_TB_00000000000000000000000000000000_TimescaleInterval2">
+            <a:extLst>
+              <a:ext uri="{FF2B5EF4-FFF2-40B4-BE49-F238E27FC236}">
+                <a16:creationId xmlns:a16="http://schemas.microsoft.com/office/drawing/2014/main" id="{80CBDD84-A2B6-4056-B37B-5E180957D577}"/>
               </a:ext>
             </a:extLst>
           </p:cNvPr>
           <p:cNvSpPr txBox="1"/>
           <p:nvPr>
             <p:custDataLst>
-              <p:tags r:id="rId19"/>
-            </p:custDataLst>
-          </p:nvPr>
-        </p:nvSpPr>
-        <p:spPr>
-          <a:xfrm>
-            <a:off x="3620500" y="3145473"/>
+              <p:tags r:id="rId24"/>
+            </p:custDataLst>
+          </p:nvPr>
+        </p:nvSpPr>
+        <p:spPr>
+          <a:xfrm>
+            <a:off x="2297063" y="1232590"/>
             <a:ext cx="75470" cy="186055"/>
           </a:xfrm>
           <a:prstGeom prst="rect">
@@ -9914,23 +10159,23 @@
       </p:sp>
       <p:cxnSp>
         <p:nvCxnSpPr>
-          <p:cNvPr id="876" name="OTLSHAPE_TB_00000000000000000000000000000000_Separator2">
-            <a:extLst>
-              <a:ext uri="{FF2B5EF4-FFF2-40B4-BE49-F238E27FC236}">
-                <a16:creationId xmlns:a16="http://schemas.microsoft.com/office/drawing/2014/main" id="{A816F6D2-87FC-4168-8A94-607BE60E47D4}"/>
+          <p:cNvPr id="1089" name="OTLSHAPE_TB_00000000000000000000000000000000_Separator2">
+            <a:extLst>
+              <a:ext uri="{FF2B5EF4-FFF2-40B4-BE49-F238E27FC236}">
+                <a16:creationId xmlns:a16="http://schemas.microsoft.com/office/drawing/2014/main" id="{077765D8-5B0C-4217-8FBD-F5F4F49D88DD}"/>
               </a:ext>
             </a:extLst>
           </p:cNvPr>
           <p:cNvCxnSpPr/>
           <p:nvPr>
             <p:custDataLst>
-              <p:tags r:id="rId20"/>
+              <p:tags r:id="rId25"/>
             </p:custDataLst>
           </p:nvPr>
         </p:nvCxnSpPr>
         <p:spPr>
           <a:xfrm>
-            <a:off x="6096000" y="3136900"/>
+            <a:off x="3497881" y="1224017"/>
             <a:ext cx="0" cy="203200"/>
           </a:xfrm>
           <a:prstGeom prst="line">
@@ -9965,23 +10210,23 @@
       </p:cxnSp>
       <p:sp>
         <p:nvSpPr>
-          <p:cNvPr id="877" name="OTLSHAPE_TB_00000000000000000000000000000000_TimescaleInterval3">
-            <a:extLst>
-              <a:ext uri="{FF2B5EF4-FFF2-40B4-BE49-F238E27FC236}">
-                <a16:creationId xmlns:a16="http://schemas.microsoft.com/office/drawing/2014/main" id="{ED233059-4BD2-402C-A2F5-8EBE4FC308CB}"/>
+          <p:cNvPr id="1090" name="OTLSHAPE_TB_00000000000000000000000000000000_TimescaleInterval3">
+            <a:extLst>
+              <a:ext uri="{FF2B5EF4-FFF2-40B4-BE49-F238E27FC236}">
+                <a16:creationId xmlns:a16="http://schemas.microsoft.com/office/drawing/2014/main" id="{FC185964-F154-4E86-86A2-E7A78ECDF635}"/>
               </a:ext>
             </a:extLst>
           </p:cNvPr>
           <p:cNvSpPr txBox="1"/>
           <p:nvPr>
             <p:custDataLst>
-              <p:tags r:id="rId21"/>
-            </p:custDataLst>
-          </p:nvPr>
-        </p:nvSpPr>
-        <p:spPr>
-          <a:xfrm>
-            <a:off x="6159500" y="3145473"/>
+              <p:tags r:id="rId26"/>
+            </p:custDataLst>
+          </p:nvPr>
+        </p:nvSpPr>
+        <p:spPr>
+          <a:xfrm>
+            <a:off x="3561382" y="1232590"/>
             <a:ext cx="75470" cy="186055"/>
           </a:xfrm>
           <a:prstGeom prst="rect">
@@ -10015,23 +10260,23 @@
       </p:sp>
       <p:cxnSp>
         <p:nvCxnSpPr>
-          <p:cNvPr id="878" name="OTLSHAPE_TB_00000000000000000000000000000000_Separator3">
-            <a:extLst>
-              <a:ext uri="{FF2B5EF4-FFF2-40B4-BE49-F238E27FC236}">
-                <a16:creationId xmlns:a16="http://schemas.microsoft.com/office/drawing/2014/main" id="{E425AE86-E4BC-48A5-BB85-CC8736DCCADA}"/>
+          <p:cNvPr id="1091" name="OTLSHAPE_TB_00000000000000000000000000000000_Separator3">
+            <a:extLst>
+              <a:ext uri="{FF2B5EF4-FFF2-40B4-BE49-F238E27FC236}">
+                <a16:creationId xmlns:a16="http://schemas.microsoft.com/office/drawing/2014/main" id="{0E8B74BB-92B0-4910-97F6-0D4AFD47C584}"/>
               </a:ext>
             </a:extLst>
           </p:cNvPr>
           <p:cNvCxnSpPr/>
           <p:nvPr>
             <p:custDataLst>
-              <p:tags r:id="rId22"/>
+              <p:tags r:id="rId27"/>
             </p:custDataLst>
           </p:nvPr>
         </p:nvCxnSpPr>
         <p:spPr>
           <a:xfrm>
-            <a:off x="8719634" y="3136900"/>
+            <a:off x="4804344" y="1224017"/>
             <a:ext cx="0" cy="203200"/>
           </a:xfrm>
           <a:prstGeom prst="line">
@@ -10066,23 +10311,23 @@
       </p:cxnSp>
       <p:sp>
         <p:nvSpPr>
-          <p:cNvPr id="879" name="OTLSHAPE_TB_00000000000000000000000000000000_TimescaleInterval4">
-            <a:extLst>
-              <a:ext uri="{FF2B5EF4-FFF2-40B4-BE49-F238E27FC236}">
-                <a16:creationId xmlns:a16="http://schemas.microsoft.com/office/drawing/2014/main" id="{7C36E377-ACE6-4220-9765-7247C1B300D5}"/>
+          <p:cNvPr id="1092" name="OTLSHAPE_TB_00000000000000000000000000000000_TimescaleInterval4">
+            <a:extLst>
+              <a:ext uri="{FF2B5EF4-FFF2-40B4-BE49-F238E27FC236}">
+                <a16:creationId xmlns:a16="http://schemas.microsoft.com/office/drawing/2014/main" id="{304C4F37-EA9F-46A9-ACDE-2F2481337E4B}"/>
               </a:ext>
             </a:extLst>
           </p:cNvPr>
           <p:cNvSpPr txBox="1"/>
           <p:nvPr>
             <p:custDataLst>
-              <p:tags r:id="rId23"/>
-            </p:custDataLst>
-          </p:nvPr>
-        </p:nvSpPr>
-        <p:spPr>
-          <a:xfrm>
-            <a:off x="8783134" y="3145473"/>
+              <p:tags r:id="rId28"/>
+            </p:custDataLst>
+          </p:nvPr>
+        </p:nvSpPr>
+        <p:spPr>
+          <a:xfrm>
+            <a:off x="4867844" y="1232590"/>
             <a:ext cx="75470" cy="186055"/>
           </a:xfrm>
           <a:prstGeom prst="rect">
@@ -10114,26 +10359,430 @@
           </a:p>
         </p:txBody>
       </p:sp>
-      <p:sp>
-        <p:nvSpPr>
-          <p:cNvPr id="889" name="OTLSHAPE_T_22a4f0d76806446789e8d0dc63898e9a_Shape">
-            <a:extLst>
-              <a:ext uri="{FF2B5EF4-FFF2-40B4-BE49-F238E27FC236}">
-                <a16:creationId xmlns:a16="http://schemas.microsoft.com/office/drawing/2014/main" id="{C9A54FFC-E4FC-42AD-96F7-E38BBE655DA2}"/>
+      <p:cxnSp>
+        <p:nvCxnSpPr>
+          <p:cNvPr id="1093" name="OTLSHAPE_TB_00000000000000000000000000000000_Separator4">
+            <a:extLst>
+              <a:ext uri="{FF2B5EF4-FFF2-40B4-BE49-F238E27FC236}">
+                <a16:creationId xmlns:a16="http://schemas.microsoft.com/office/drawing/2014/main" id="{319972F3-C9C7-48E9-B99A-089C9D5D38A3}"/>
+              </a:ext>
+            </a:extLst>
+          </p:cNvPr>
+          <p:cNvCxnSpPr/>
+          <p:nvPr>
+            <p:custDataLst>
+              <p:tags r:id="rId29"/>
+            </p:custDataLst>
+          </p:nvPr>
+        </p:nvCxnSpPr>
+        <p:spPr>
+          <a:xfrm>
+            <a:off x="6068663" y="1224017"/>
+            <a:ext cx="0" cy="203200"/>
+          </a:xfrm>
+          <a:prstGeom prst="line">
+            <a:avLst/>
+          </a:prstGeom>
+          <a:ln w="6350" cap="flat" cmpd="sng" algn="ctr">
+            <a:solidFill>
+              <a:schemeClr val="lt1">
+                <a:alpha val="29804"/>
+              </a:schemeClr>
+            </a:solidFill>
+            <a:prstDash val="solid"/>
+            <a:miter lim="800000"/>
+            <a:headEnd type="none" w="med" len="med"/>
+            <a:tailEnd type="none" w="med" len="med"/>
+          </a:ln>
+        </p:spPr>
+        <p:style>
+          <a:lnRef idx="1">
+            <a:schemeClr val="accent1"/>
+          </a:lnRef>
+          <a:fillRef idx="0">
+            <a:schemeClr val="accent1"/>
+          </a:fillRef>
+          <a:effectRef idx="0">
+            <a:schemeClr val="accent1"/>
+          </a:effectRef>
+          <a:fontRef idx="minor">
+            <a:schemeClr val="tx1"/>
+          </a:fontRef>
+        </p:style>
+      </p:cxnSp>
+      <p:sp>
+        <p:nvSpPr>
+          <p:cNvPr id="1094" name="OTLSHAPE_TB_00000000000000000000000000000000_TimescaleInterval5">
+            <a:extLst>
+              <a:ext uri="{FF2B5EF4-FFF2-40B4-BE49-F238E27FC236}">
+                <a16:creationId xmlns:a16="http://schemas.microsoft.com/office/drawing/2014/main" id="{0688DC83-2C5F-4183-8354-1C8E35F835D7}"/>
+              </a:ext>
+            </a:extLst>
+          </p:cNvPr>
+          <p:cNvSpPr txBox="1"/>
+          <p:nvPr>
+            <p:custDataLst>
+              <p:tags r:id="rId30"/>
+            </p:custDataLst>
+          </p:nvPr>
+        </p:nvSpPr>
+        <p:spPr>
+          <a:xfrm>
+            <a:off x="6132163" y="1232590"/>
+            <a:ext cx="75470" cy="186055"/>
+          </a:xfrm>
+          <a:prstGeom prst="rect">
+            <a:avLst/>
+          </a:prstGeom>
+          <a:noFill/>
+        </p:spPr>
+        <p:txBody>
+          <a:bodyPr vert="horz" wrap="none" lIns="0" tIns="0" rIns="0" bIns="0" rtlCol="0" anchor="ctr" anchorCtr="0">
+            <a:noAutofit/>
+          </a:bodyPr>
+          <a:lstStyle/>
+          <a:p>
+            <a:r>
+              <a:rPr lang="en-US" altLang="ko-KR" sz="1200" spc="-26">
+                <a:solidFill>
+                  <a:schemeClr val="lt1"/>
+                </a:solidFill>
+                <a:latin typeface="Calibri" panose="020F0502020204030204" pitchFamily="34" charset="0"/>
+              </a:rPr>
+              <a:t>7</a:t>
+            </a:r>
+            <a:endParaRPr lang="ko-KR" altLang="en-US" sz="1200" spc="-26">
+              <a:solidFill>
+                <a:schemeClr val="lt1"/>
+              </a:solidFill>
+              <a:latin typeface="Calibri" panose="020F0502020204030204" pitchFamily="34" charset="0"/>
+            </a:endParaRPr>
+          </a:p>
+        </p:txBody>
+      </p:sp>
+      <p:cxnSp>
+        <p:nvCxnSpPr>
+          <p:cNvPr id="1095" name="OTLSHAPE_TB_00000000000000000000000000000000_Separator5">
+            <a:extLst>
+              <a:ext uri="{FF2B5EF4-FFF2-40B4-BE49-F238E27FC236}">
+                <a16:creationId xmlns:a16="http://schemas.microsoft.com/office/drawing/2014/main" id="{5B4DBD19-570E-4AD9-8564-8D747729517C}"/>
+              </a:ext>
+            </a:extLst>
+          </p:cNvPr>
+          <p:cNvCxnSpPr/>
+          <p:nvPr>
+            <p:custDataLst>
+              <p:tags r:id="rId31"/>
+            </p:custDataLst>
+          </p:nvPr>
+        </p:nvCxnSpPr>
+        <p:spPr>
+          <a:xfrm>
+            <a:off x="7375126" y="1224017"/>
+            <a:ext cx="0" cy="203200"/>
+          </a:xfrm>
+          <a:prstGeom prst="line">
+            <a:avLst/>
+          </a:prstGeom>
+          <a:ln w="6350" cap="flat" cmpd="sng" algn="ctr">
+            <a:solidFill>
+              <a:schemeClr val="lt1">
+                <a:alpha val="29804"/>
+              </a:schemeClr>
+            </a:solidFill>
+            <a:prstDash val="solid"/>
+            <a:miter lim="800000"/>
+            <a:headEnd type="none" w="med" len="med"/>
+            <a:tailEnd type="none" w="med" len="med"/>
+          </a:ln>
+        </p:spPr>
+        <p:style>
+          <a:lnRef idx="1">
+            <a:schemeClr val="accent1"/>
+          </a:lnRef>
+          <a:fillRef idx="0">
+            <a:schemeClr val="accent1"/>
+          </a:fillRef>
+          <a:effectRef idx="0">
+            <a:schemeClr val="accent1"/>
+          </a:effectRef>
+          <a:fontRef idx="minor">
+            <a:schemeClr val="tx1"/>
+          </a:fontRef>
+        </p:style>
+      </p:cxnSp>
+      <p:sp>
+        <p:nvSpPr>
+          <p:cNvPr id="1096" name="OTLSHAPE_TB_00000000000000000000000000000000_TimescaleInterval6">
+            <a:extLst>
+              <a:ext uri="{FF2B5EF4-FFF2-40B4-BE49-F238E27FC236}">
+                <a16:creationId xmlns:a16="http://schemas.microsoft.com/office/drawing/2014/main" id="{77265607-B642-4E98-ABE0-E20B84BA435B}"/>
+              </a:ext>
+            </a:extLst>
+          </p:cNvPr>
+          <p:cNvSpPr txBox="1"/>
+          <p:nvPr>
+            <p:custDataLst>
+              <p:tags r:id="rId32"/>
+            </p:custDataLst>
+          </p:nvPr>
+        </p:nvSpPr>
+        <p:spPr>
+          <a:xfrm>
+            <a:off x="7438626" y="1232590"/>
+            <a:ext cx="75470" cy="186055"/>
+          </a:xfrm>
+          <a:prstGeom prst="rect">
+            <a:avLst/>
+          </a:prstGeom>
+          <a:noFill/>
+        </p:spPr>
+        <p:txBody>
+          <a:bodyPr vert="horz" wrap="none" lIns="0" tIns="0" rIns="0" bIns="0" rtlCol="0" anchor="ctr" anchorCtr="0">
+            <a:noAutofit/>
+          </a:bodyPr>
+          <a:lstStyle/>
+          <a:p>
+            <a:r>
+              <a:rPr lang="en-US" altLang="ko-KR" sz="1200" spc="-26">
+                <a:solidFill>
+                  <a:schemeClr val="lt1"/>
+                </a:solidFill>
+                <a:latin typeface="Calibri" panose="020F0502020204030204" pitchFamily="34" charset="0"/>
+              </a:rPr>
+              <a:t>8</a:t>
+            </a:r>
+            <a:endParaRPr lang="ko-KR" altLang="en-US" sz="1200" spc="-26">
+              <a:solidFill>
+                <a:schemeClr val="lt1"/>
+              </a:solidFill>
+              <a:latin typeface="Calibri" panose="020F0502020204030204" pitchFamily="34" charset="0"/>
+            </a:endParaRPr>
+          </a:p>
+        </p:txBody>
+      </p:sp>
+      <p:cxnSp>
+        <p:nvCxnSpPr>
+          <p:cNvPr id="1097" name="OTLSHAPE_TB_00000000000000000000000000000000_Separator6">
+            <a:extLst>
+              <a:ext uri="{FF2B5EF4-FFF2-40B4-BE49-F238E27FC236}">
+                <a16:creationId xmlns:a16="http://schemas.microsoft.com/office/drawing/2014/main" id="{2735E45C-E707-401E-8357-B7882AE8EA28}"/>
+              </a:ext>
+            </a:extLst>
+          </p:cNvPr>
+          <p:cNvCxnSpPr/>
+          <p:nvPr>
+            <p:custDataLst>
+              <p:tags r:id="rId33"/>
+            </p:custDataLst>
+          </p:nvPr>
+        </p:nvCxnSpPr>
+        <p:spPr>
+          <a:xfrm>
+            <a:off x="8681588" y="1224017"/>
+            <a:ext cx="0" cy="203200"/>
+          </a:xfrm>
+          <a:prstGeom prst="line">
+            <a:avLst/>
+          </a:prstGeom>
+          <a:ln w="6350" cap="flat" cmpd="sng" algn="ctr">
+            <a:solidFill>
+              <a:schemeClr val="lt1">
+                <a:alpha val="29804"/>
+              </a:schemeClr>
+            </a:solidFill>
+            <a:prstDash val="solid"/>
+            <a:miter lim="800000"/>
+            <a:headEnd type="none" w="med" len="med"/>
+            <a:tailEnd type="none" w="med" len="med"/>
+          </a:ln>
+        </p:spPr>
+        <p:style>
+          <a:lnRef idx="1">
+            <a:schemeClr val="accent1"/>
+          </a:lnRef>
+          <a:fillRef idx="0">
+            <a:schemeClr val="accent1"/>
+          </a:fillRef>
+          <a:effectRef idx="0">
+            <a:schemeClr val="accent1"/>
+          </a:effectRef>
+          <a:fontRef idx="minor">
+            <a:schemeClr val="tx1"/>
+          </a:fontRef>
+        </p:style>
+      </p:cxnSp>
+      <p:sp>
+        <p:nvSpPr>
+          <p:cNvPr id="1098" name="OTLSHAPE_TB_00000000000000000000000000000000_TimescaleInterval7">
+            <a:extLst>
+              <a:ext uri="{FF2B5EF4-FFF2-40B4-BE49-F238E27FC236}">
+                <a16:creationId xmlns:a16="http://schemas.microsoft.com/office/drawing/2014/main" id="{FCF35B67-D796-4A4D-A2F9-9E3F1C890EFC}"/>
+              </a:ext>
+            </a:extLst>
+          </p:cNvPr>
+          <p:cNvSpPr txBox="1"/>
+          <p:nvPr>
+            <p:custDataLst>
+              <p:tags r:id="rId34"/>
+            </p:custDataLst>
+          </p:nvPr>
+        </p:nvSpPr>
+        <p:spPr>
+          <a:xfrm>
+            <a:off x="8745088" y="1232590"/>
+            <a:ext cx="75470" cy="186055"/>
+          </a:xfrm>
+          <a:prstGeom prst="rect">
+            <a:avLst/>
+          </a:prstGeom>
+          <a:noFill/>
+        </p:spPr>
+        <p:txBody>
+          <a:bodyPr vert="horz" wrap="none" lIns="0" tIns="0" rIns="0" bIns="0" rtlCol="0" anchor="ctr" anchorCtr="0">
+            <a:noAutofit/>
+          </a:bodyPr>
+          <a:lstStyle/>
+          <a:p>
+            <a:r>
+              <a:rPr lang="en-US" altLang="ko-KR" sz="1200" spc="-26">
+                <a:solidFill>
+                  <a:schemeClr val="lt1"/>
+                </a:solidFill>
+                <a:latin typeface="Calibri" panose="020F0502020204030204" pitchFamily="34" charset="0"/>
+              </a:rPr>
+              <a:t>9</a:t>
+            </a:r>
+            <a:endParaRPr lang="ko-KR" altLang="en-US" sz="1200" spc="-26">
+              <a:solidFill>
+                <a:schemeClr val="lt1"/>
+              </a:solidFill>
+              <a:latin typeface="Calibri" panose="020F0502020204030204" pitchFamily="34" charset="0"/>
+            </a:endParaRPr>
+          </a:p>
+        </p:txBody>
+      </p:sp>
+      <p:cxnSp>
+        <p:nvCxnSpPr>
+          <p:cNvPr id="1099" name="OTLSHAPE_TB_00000000000000000000000000000000_Separator7">
+            <a:extLst>
+              <a:ext uri="{FF2B5EF4-FFF2-40B4-BE49-F238E27FC236}">
+                <a16:creationId xmlns:a16="http://schemas.microsoft.com/office/drawing/2014/main" id="{03D36316-D5A3-47AD-8FC2-83119353213D}"/>
+              </a:ext>
+            </a:extLst>
+          </p:cNvPr>
+          <p:cNvCxnSpPr/>
+          <p:nvPr>
+            <p:custDataLst>
+              <p:tags r:id="rId35"/>
+            </p:custDataLst>
+          </p:nvPr>
+        </p:nvCxnSpPr>
+        <p:spPr>
+          <a:xfrm>
+            <a:off x="9945907" y="1224017"/>
+            <a:ext cx="0" cy="203200"/>
+          </a:xfrm>
+          <a:prstGeom prst="line">
+            <a:avLst/>
+          </a:prstGeom>
+          <a:ln w="6350" cap="flat" cmpd="sng" algn="ctr">
+            <a:solidFill>
+              <a:schemeClr val="lt1">
+                <a:alpha val="29804"/>
+              </a:schemeClr>
+            </a:solidFill>
+            <a:prstDash val="solid"/>
+            <a:miter lim="800000"/>
+            <a:headEnd type="none" w="med" len="med"/>
+            <a:tailEnd type="none" w="med" len="med"/>
+          </a:ln>
+        </p:spPr>
+        <p:style>
+          <a:lnRef idx="1">
+            <a:schemeClr val="accent1"/>
+          </a:lnRef>
+          <a:fillRef idx="0">
+            <a:schemeClr val="accent1"/>
+          </a:fillRef>
+          <a:effectRef idx="0">
+            <a:schemeClr val="accent1"/>
+          </a:effectRef>
+          <a:fontRef idx="minor">
+            <a:schemeClr val="tx1"/>
+          </a:fontRef>
+        </p:style>
+      </p:cxnSp>
+      <p:sp>
+        <p:nvSpPr>
+          <p:cNvPr id="1100" name="OTLSHAPE_TB_00000000000000000000000000000000_TimescaleInterval8">
+            <a:extLst>
+              <a:ext uri="{FF2B5EF4-FFF2-40B4-BE49-F238E27FC236}">
+                <a16:creationId xmlns:a16="http://schemas.microsoft.com/office/drawing/2014/main" id="{D0B0DE72-E17F-4B62-A007-D9EE54270476}"/>
+              </a:ext>
+            </a:extLst>
+          </p:cNvPr>
+          <p:cNvSpPr txBox="1"/>
+          <p:nvPr>
+            <p:custDataLst>
+              <p:tags r:id="rId36"/>
+            </p:custDataLst>
+          </p:nvPr>
+        </p:nvSpPr>
+        <p:spPr>
+          <a:xfrm>
+            <a:off x="10009407" y="1232590"/>
+            <a:ext cx="150939" cy="186055"/>
+          </a:xfrm>
+          <a:prstGeom prst="rect">
+            <a:avLst/>
+          </a:prstGeom>
+          <a:noFill/>
+        </p:spPr>
+        <p:txBody>
+          <a:bodyPr vert="horz" wrap="none" lIns="0" tIns="0" rIns="0" bIns="0" rtlCol="0" anchor="ctr" anchorCtr="0">
+            <a:noAutofit/>
+          </a:bodyPr>
+          <a:lstStyle/>
+          <a:p>
+            <a:r>
+              <a:rPr lang="en-US" altLang="ko-KR" sz="1200" spc="-26">
+                <a:solidFill>
+                  <a:schemeClr val="lt1"/>
+                </a:solidFill>
+                <a:latin typeface="Calibri" panose="020F0502020204030204" pitchFamily="34" charset="0"/>
+              </a:rPr>
+              <a:t>10</a:t>
+            </a:r>
+            <a:endParaRPr lang="ko-KR" altLang="en-US" sz="1200" spc="-26">
+              <a:solidFill>
+                <a:schemeClr val="lt1"/>
+              </a:solidFill>
+              <a:latin typeface="Calibri" panose="020F0502020204030204" pitchFamily="34" charset="0"/>
+            </a:endParaRPr>
+          </a:p>
+        </p:txBody>
+      </p:sp>
+      <p:sp>
+        <p:nvSpPr>
+          <p:cNvPr id="1115" name="OTLSHAPE_T_22a4f0d76806446789e8d0dc63898e9a_Shape">
+            <a:extLst>
+              <a:ext uri="{FF2B5EF4-FFF2-40B4-BE49-F238E27FC236}">
+                <a16:creationId xmlns:a16="http://schemas.microsoft.com/office/drawing/2014/main" id="{384D3D50-DF16-4213-BF37-E027934D9F6F}"/>
               </a:ext>
             </a:extLst>
           </p:cNvPr>
           <p:cNvSpPr/>
           <p:nvPr>
             <p:custDataLst>
-              <p:tags r:id="rId24"/>
-            </p:custDataLst>
-          </p:nvPr>
-        </p:nvSpPr>
-        <p:spPr>
-          <a:xfrm>
-            <a:off x="1356532" y="3945255"/>
-            <a:ext cx="2209800" cy="203200"/>
+              <p:tags r:id="rId37"/>
+            </p:custDataLst>
+          </p:nvPr>
+        </p:nvSpPr>
+        <p:spPr>
+          <a:xfrm>
+            <a:off x="1137820" y="2032372"/>
+            <a:ext cx="1104900" cy="203200"/>
           </a:xfrm>
           <a:prstGeom prst="rect">
             <a:avLst/>
@@ -10211,23 +10860,23 @@
       </p:sp>
       <p:sp>
         <p:nvSpPr>
-          <p:cNvPr id="890" name="OTLSHAPE_T_22a4f0d76806446789e8d0dc63898e9a_ShapePercentage" hidden="1">
-            <a:extLst>
-              <a:ext uri="{FF2B5EF4-FFF2-40B4-BE49-F238E27FC236}">
-                <a16:creationId xmlns:a16="http://schemas.microsoft.com/office/drawing/2014/main" id="{EF21BF0B-372E-4650-AB69-60F576498D64}"/>
+          <p:cNvPr id="1116" name="OTLSHAPE_T_22a4f0d76806446789e8d0dc63898e9a_ShapePercentage" hidden="1">
+            <a:extLst>
+              <a:ext uri="{FF2B5EF4-FFF2-40B4-BE49-F238E27FC236}">
+                <a16:creationId xmlns:a16="http://schemas.microsoft.com/office/drawing/2014/main" id="{62837472-CB3E-4AF7-A9F4-920A35C986E3}"/>
               </a:ext>
             </a:extLst>
           </p:cNvPr>
           <p:cNvSpPr/>
           <p:nvPr>
             <p:custDataLst>
-              <p:tags r:id="rId25"/>
-            </p:custDataLst>
-          </p:nvPr>
-        </p:nvSpPr>
-        <p:spPr>
-          <a:xfrm>
-            <a:off x="1356532" y="3945255"/>
+              <p:tags r:id="rId38"/>
+            </p:custDataLst>
+          </p:nvPr>
+        </p:nvSpPr>
+        <p:spPr>
+          <a:xfrm>
+            <a:off x="1144085" y="3945255"/>
             <a:ext cx="0" cy="0"/>
           </a:xfrm>
           <a:prstGeom prst="rect">
@@ -10261,17 +10910,17 @@
       </p:sp>
       <p:sp>
         <p:nvSpPr>
-          <p:cNvPr id="891" name="OTLSHAPE_T_22a4f0d76806446789e8d0dc63898e9a_Duration" hidden="1">
-            <a:extLst>
-              <a:ext uri="{FF2B5EF4-FFF2-40B4-BE49-F238E27FC236}">
-                <a16:creationId xmlns:a16="http://schemas.microsoft.com/office/drawing/2014/main" id="{BB90448E-D5A7-467A-9E86-562D29D3734B}"/>
+          <p:cNvPr id="1117" name="OTLSHAPE_T_22a4f0d76806446789e8d0dc63898e9a_Duration" hidden="1">
+            <a:extLst>
+              <a:ext uri="{FF2B5EF4-FFF2-40B4-BE49-F238E27FC236}">
+                <a16:creationId xmlns:a16="http://schemas.microsoft.com/office/drawing/2014/main" id="{4F2A246F-0CB9-4CF3-A0A9-A6928632A1CC}"/>
               </a:ext>
             </a:extLst>
           </p:cNvPr>
           <p:cNvSpPr txBox="1"/>
           <p:nvPr>
             <p:custDataLst>
-              <p:tags r:id="rId26"/>
+              <p:tags r:id="rId39"/>
             </p:custDataLst>
           </p:nvPr>
         </p:nvSpPr>
@@ -10315,17 +10964,17 @@
       </p:sp>
       <p:sp>
         <p:nvSpPr>
-          <p:cNvPr id="892" name="OTLSHAPE_T_22a4f0d76806446789e8d0dc63898e9a_TextPercentage" hidden="1">
-            <a:extLst>
-              <a:ext uri="{FF2B5EF4-FFF2-40B4-BE49-F238E27FC236}">
-                <a16:creationId xmlns:a16="http://schemas.microsoft.com/office/drawing/2014/main" id="{99ED1F74-009E-47FE-BE58-4451D966AB7C}"/>
+          <p:cNvPr id="1118" name="OTLSHAPE_T_22a4f0d76806446789e8d0dc63898e9a_TextPercentage" hidden="1">
+            <a:extLst>
+              <a:ext uri="{FF2B5EF4-FFF2-40B4-BE49-F238E27FC236}">
+                <a16:creationId xmlns:a16="http://schemas.microsoft.com/office/drawing/2014/main" id="{CB244ED5-79F6-46BA-86E2-1525B9C40430}"/>
               </a:ext>
             </a:extLst>
           </p:cNvPr>
           <p:cNvSpPr txBox="1"/>
           <p:nvPr>
             <p:custDataLst>
-              <p:tags r:id="rId27"/>
+              <p:tags r:id="rId40"/>
             </p:custDataLst>
           </p:nvPr>
         </p:nvSpPr>
@@ -10357,17 +11006,17 @@
       </p:sp>
       <p:sp>
         <p:nvSpPr>
-          <p:cNvPr id="893" name="OTLSHAPE_T_22a4f0d76806446789e8d0dc63898e9a_StartDate" hidden="1">
-            <a:extLst>
-              <a:ext uri="{FF2B5EF4-FFF2-40B4-BE49-F238E27FC236}">
-                <a16:creationId xmlns:a16="http://schemas.microsoft.com/office/drawing/2014/main" id="{5F578559-BCFA-4047-8991-99984E39A831}"/>
+          <p:cNvPr id="1119" name="OTLSHAPE_T_22a4f0d76806446789e8d0dc63898e9a_StartDate" hidden="1">
+            <a:extLst>
+              <a:ext uri="{FF2B5EF4-FFF2-40B4-BE49-F238E27FC236}">
+                <a16:creationId xmlns:a16="http://schemas.microsoft.com/office/drawing/2014/main" id="{512A6AA8-F5EF-43B4-8B32-D959C1D750E9}"/>
               </a:ext>
             </a:extLst>
           </p:cNvPr>
           <p:cNvSpPr txBox="1"/>
           <p:nvPr>
             <p:custDataLst>
-              <p:tags r:id="rId28"/>
+              <p:tags r:id="rId41"/>
             </p:custDataLst>
           </p:nvPr>
         </p:nvSpPr>
@@ -10399,17 +11048,17 @@
       </p:sp>
       <p:sp>
         <p:nvSpPr>
-          <p:cNvPr id="894" name="OTLSHAPE_T_22a4f0d76806446789e8d0dc63898e9a_EndDate" hidden="1">
-            <a:extLst>
-              <a:ext uri="{FF2B5EF4-FFF2-40B4-BE49-F238E27FC236}">
-                <a16:creationId xmlns:a16="http://schemas.microsoft.com/office/drawing/2014/main" id="{602BD1B8-CB36-4AC2-83CA-F9BBDFE2284F}"/>
+          <p:cNvPr id="1120" name="OTLSHAPE_T_22a4f0d76806446789e8d0dc63898e9a_EndDate" hidden="1">
+            <a:extLst>
+              <a:ext uri="{FF2B5EF4-FFF2-40B4-BE49-F238E27FC236}">
+                <a16:creationId xmlns:a16="http://schemas.microsoft.com/office/drawing/2014/main" id="{27F7A1BA-D28A-41B8-A9AF-FB1B4A527507}"/>
               </a:ext>
             </a:extLst>
           </p:cNvPr>
           <p:cNvSpPr txBox="1"/>
           <p:nvPr>
             <p:custDataLst>
-              <p:tags r:id="rId29"/>
+              <p:tags r:id="rId42"/>
             </p:custDataLst>
           </p:nvPr>
         </p:nvSpPr>
@@ -10441,23 +11090,23 @@
       </p:sp>
       <p:sp>
         <p:nvSpPr>
-          <p:cNvPr id="895" name="OTLSHAPE_T_22a4f0d76806446789e8d0dc63898e9a_JoinedDate">
-            <a:extLst>
-              <a:ext uri="{FF2B5EF4-FFF2-40B4-BE49-F238E27FC236}">
-                <a16:creationId xmlns:a16="http://schemas.microsoft.com/office/drawing/2014/main" id="{6BE7FB8F-B0DB-41FC-A453-93A133B70756}"/>
+          <p:cNvPr id="1121" name="OTLSHAPE_T_22a4f0d76806446789e8d0dc63898e9a_JoinedDate">
+            <a:extLst>
+              <a:ext uri="{FF2B5EF4-FFF2-40B4-BE49-F238E27FC236}">
+                <a16:creationId xmlns:a16="http://schemas.microsoft.com/office/drawing/2014/main" id="{6BA79F8E-A2E8-42EE-9EBD-6A34BE18D9BD}"/>
               </a:ext>
             </a:extLst>
           </p:cNvPr>
           <p:cNvSpPr txBox="1"/>
           <p:nvPr>
             <p:custDataLst>
-              <p:tags r:id="rId30"/>
-            </p:custDataLst>
-          </p:nvPr>
-        </p:nvSpPr>
-        <p:spPr>
-          <a:xfrm>
-            <a:off x="3607741" y="3969343"/>
+              <p:tags r:id="rId43"/>
+            </p:custDataLst>
+          </p:nvPr>
+        </p:nvSpPr>
+        <p:spPr>
+          <a:xfrm>
+            <a:off x="2284334" y="2056460"/>
             <a:ext cx="1092200" cy="155025"/>
           </a:xfrm>
           <a:prstGeom prst="rect">
@@ -10491,23 +11140,23 @@
       </p:sp>
       <p:sp>
         <p:nvSpPr>
-          <p:cNvPr id="896" name="OTLSHAPE_T_22a4f0d76806446789e8d0dc63898e9a_Title">
-            <a:extLst>
-              <a:ext uri="{FF2B5EF4-FFF2-40B4-BE49-F238E27FC236}">
-                <a16:creationId xmlns:a16="http://schemas.microsoft.com/office/drawing/2014/main" id="{13DEA0DD-F070-46B9-8032-D7ED083F6179}"/>
+          <p:cNvPr id="1122" name="OTLSHAPE_T_22a4f0d76806446789e8d0dc63898e9a_Title">
+            <a:extLst>
+              <a:ext uri="{FF2B5EF4-FFF2-40B4-BE49-F238E27FC236}">
+                <a16:creationId xmlns:a16="http://schemas.microsoft.com/office/drawing/2014/main" id="{477B8570-9848-4B26-8BD1-702D954588B2}"/>
               </a:ext>
             </a:extLst>
           </p:cNvPr>
           <p:cNvSpPr txBox="1"/>
           <p:nvPr>
             <p:custDataLst>
-              <p:tags r:id="rId31"/>
-            </p:custDataLst>
-          </p:nvPr>
-        </p:nvSpPr>
-        <p:spPr>
-          <a:xfrm>
-            <a:off x="127000" y="3961596"/>
+              <p:tags r:id="rId44"/>
+            </p:custDataLst>
+          </p:nvPr>
+        </p:nvSpPr>
+        <p:spPr>
+          <a:xfrm>
+            <a:off x="120735" y="2048713"/>
             <a:ext cx="1219200" cy="170519"/>
           </a:xfrm>
           <a:prstGeom prst="rect">
@@ -10553,24 +11202,24 @@
       </p:sp>
       <p:sp>
         <p:nvSpPr>
-          <p:cNvPr id="897" name="OTLSHAPE_T_d447ea458d95438995f5caa9b91329cc_Shape">
-            <a:extLst>
-              <a:ext uri="{FF2B5EF4-FFF2-40B4-BE49-F238E27FC236}">
-                <a16:creationId xmlns:a16="http://schemas.microsoft.com/office/drawing/2014/main" id="{5B437159-1302-4067-AA3F-C14E8CA20BB2}"/>
+          <p:cNvPr id="1123" name="OTLSHAPE_T_d447ea458d95438995f5caa9b91329cc_Shape">
+            <a:extLst>
+              <a:ext uri="{FF2B5EF4-FFF2-40B4-BE49-F238E27FC236}">
+                <a16:creationId xmlns:a16="http://schemas.microsoft.com/office/drawing/2014/main" id="{5986AAD6-AF89-4EE9-8503-33631A9636BD}"/>
               </a:ext>
             </a:extLst>
           </p:cNvPr>
           <p:cNvSpPr/>
           <p:nvPr>
             <p:custDataLst>
-              <p:tags r:id="rId32"/>
-            </p:custDataLst>
-          </p:nvPr>
-        </p:nvSpPr>
-        <p:spPr>
-          <a:xfrm>
-            <a:off x="3557000" y="4211955"/>
-            <a:ext cx="850900" cy="203200"/>
+              <p:tags r:id="rId45"/>
+            </p:custDataLst>
+          </p:nvPr>
+        </p:nvSpPr>
+        <p:spPr>
+          <a:xfrm>
+            <a:off x="2233563" y="2299072"/>
+            <a:ext cx="431800" cy="203200"/>
           </a:xfrm>
           <a:prstGeom prst="rect">
             <a:avLst/>
@@ -10648,23 +11297,23 @@
       </p:sp>
       <p:sp>
         <p:nvSpPr>
-          <p:cNvPr id="898" name="OTLSHAPE_T_d447ea458d95438995f5caa9b91329cc_ShapePercentage" hidden="1">
-            <a:extLst>
-              <a:ext uri="{FF2B5EF4-FFF2-40B4-BE49-F238E27FC236}">
-                <a16:creationId xmlns:a16="http://schemas.microsoft.com/office/drawing/2014/main" id="{25176743-CFC2-4295-9AB3-B0CBF7913403}"/>
+          <p:cNvPr id="1124" name="OTLSHAPE_T_d447ea458d95438995f5caa9b91329cc_ShapePercentage" hidden="1">
+            <a:extLst>
+              <a:ext uri="{FF2B5EF4-FFF2-40B4-BE49-F238E27FC236}">
+                <a16:creationId xmlns:a16="http://schemas.microsoft.com/office/drawing/2014/main" id="{3CE6ABA4-29D2-49D0-8B75-5D6BB28B6567}"/>
               </a:ext>
             </a:extLst>
           </p:cNvPr>
           <p:cNvSpPr/>
           <p:nvPr>
             <p:custDataLst>
-              <p:tags r:id="rId33"/>
-            </p:custDataLst>
-          </p:nvPr>
-        </p:nvSpPr>
-        <p:spPr>
-          <a:xfrm>
-            <a:off x="3557000" y="4211955"/>
+              <p:tags r:id="rId46"/>
+            </p:custDataLst>
+          </p:nvPr>
+        </p:nvSpPr>
+        <p:spPr>
+          <a:xfrm>
+            <a:off x="2239828" y="4211955"/>
             <a:ext cx="0" cy="0"/>
           </a:xfrm>
           <a:prstGeom prst="rect">
@@ -10698,17 +11347,17 @@
       </p:sp>
       <p:sp>
         <p:nvSpPr>
-          <p:cNvPr id="899" name="OTLSHAPE_T_d447ea458d95438995f5caa9b91329cc_Duration" hidden="1">
-            <a:extLst>
-              <a:ext uri="{FF2B5EF4-FFF2-40B4-BE49-F238E27FC236}">
-                <a16:creationId xmlns:a16="http://schemas.microsoft.com/office/drawing/2014/main" id="{203E7FDC-1DB0-4E01-9A0A-3ECDF11C73ED}"/>
+          <p:cNvPr id="1125" name="OTLSHAPE_T_d447ea458d95438995f5caa9b91329cc_Duration" hidden="1">
+            <a:extLst>
+              <a:ext uri="{FF2B5EF4-FFF2-40B4-BE49-F238E27FC236}">
+                <a16:creationId xmlns:a16="http://schemas.microsoft.com/office/drawing/2014/main" id="{CBF5BB8E-D12E-4BA8-B75F-5289E9562D08}"/>
               </a:ext>
             </a:extLst>
           </p:cNvPr>
           <p:cNvSpPr txBox="1"/>
           <p:nvPr>
             <p:custDataLst>
-              <p:tags r:id="rId34"/>
+              <p:tags r:id="rId47"/>
             </p:custDataLst>
           </p:nvPr>
         </p:nvSpPr>
@@ -10752,17 +11401,17 @@
       </p:sp>
       <p:sp>
         <p:nvSpPr>
-          <p:cNvPr id="900" name="OTLSHAPE_T_d447ea458d95438995f5caa9b91329cc_TextPercentage" hidden="1">
-            <a:extLst>
-              <a:ext uri="{FF2B5EF4-FFF2-40B4-BE49-F238E27FC236}">
-                <a16:creationId xmlns:a16="http://schemas.microsoft.com/office/drawing/2014/main" id="{4902243B-0FC8-419B-820B-02D995B6A984}"/>
+          <p:cNvPr id="1126" name="OTLSHAPE_T_d447ea458d95438995f5caa9b91329cc_TextPercentage" hidden="1">
+            <a:extLst>
+              <a:ext uri="{FF2B5EF4-FFF2-40B4-BE49-F238E27FC236}">
+                <a16:creationId xmlns:a16="http://schemas.microsoft.com/office/drawing/2014/main" id="{91FBA7BF-3872-46C7-86C0-52EFB8191DAE}"/>
               </a:ext>
             </a:extLst>
           </p:cNvPr>
           <p:cNvSpPr txBox="1"/>
           <p:nvPr>
             <p:custDataLst>
-              <p:tags r:id="rId35"/>
+              <p:tags r:id="rId48"/>
             </p:custDataLst>
           </p:nvPr>
         </p:nvSpPr>
@@ -10794,17 +11443,17 @@
       </p:sp>
       <p:sp>
         <p:nvSpPr>
-          <p:cNvPr id="901" name="OTLSHAPE_T_d447ea458d95438995f5caa9b91329cc_StartDate" hidden="1">
-            <a:extLst>
-              <a:ext uri="{FF2B5EF4-FFF2-40B4-BE49-F238E27FC236}">
-                <a16:creationId xmlns:a16="http://schemas.microsoft.com/office/drawing/2014/main" id="{80E86FC8-2E5A-4B7A-9AAC-0A9053F55533}"/>
+          <p:cNvPr id="1127" name="OTLSHAPE_T_d447ea458d95438995f5caa9b91329cc_StartDate" hidden="1">
+            <a:extLst>
+              <a:ext uri="{FF2B5EF4-FFF2-40B4-BE49-F238E27FC236}">
+                <a16:creationId xmlns:a16="http://schemas.microsoft.com/office/drawing/2014/main" id="{F96BCDC4-2CBE-4BA3-8416-395AB1BB5B8A}"/>
               </a:ext>
             </a:extLst>
           </p:cNvPr>
           <p:cNvSpPr txBox="1"/>
           <p:nvPr>
             <p:custDataLst>
-              <p:tags r:id="rId36"/>
+              <p:tags r:id="rId49"/>
             </p:custDataLst>
           </p:nvPr>
         </p:nvSpPr>
@@ -10836,17 +11485,17 @@
       </p:sp>
       <p:sp>
         <p:nvSpPr>
-          <p:cNvPr id="902" name="OTLSHAPE_T_d447ea458d95438995f5caa9b91329cc_EndDate" hidden="1">
-            <a:extLst>
-              <a:ext uri="{FF2B5EF4-FFF2-40B4-BE49-F238E27FC236}">
-                <a16:creationId xmlns:a16="http://schemas.microsoft.com/office/drawing/2014/main" id="{434AA00C-87EA-4BB3-AA1C-66CDB5F24BB4}"/>
+          <p:cNvPr id="1128" name="OTLSHAPE_T_d447ea458d95438995f5caa9b91329cc_EndDate" hidden="1">
+            <a:extLst>
+              <a:ext uri="{FF2B5EF4-FFF2-40B4-BE49-F238E27FC236}">
+                <a16:creationId xmlns:a16="http://schemas.microsoft.com/office/drawing/2014/main" id="{38F11C58-75A1-49A7-9284-1AB2B0E36C75}"/>
               </a:ext>
             </a:extLst>
           </p:cNvPr>
           <p:cNvSpPr txBox="1"/>
           <p:nvPr>
             <p:custDataLst>
-              <p:tags r:id="rId37"/>
+              <p:tags r:id="rId50"/>
             </p:custDataLst>
           </p:nvPr>
         </p:nvSpPr>
@@ -10878,23 +11527,23 @@
       </p:sp>
       <p:sp>
         <p:nvSpPr>
-          <p:cNvPr id="903" name="OTLSHAPE_T_d447ea458d95438995f5caa9b91329cc_JoinedDate">
-            <a:extLst>
-              <a:ext uri="{FF2B5EF4-FFF2-40B4-BE49-F238E27FC236}">
-                <a16:creationId xmlns:a16="http://schemas.microsoft.com/office/drawing/2014/main" id="{2ABE438D-6F30-4472-B014-C3B525B47F43}"/>
+          <p:cNvPr id="1129" name="OTLSHAPE_T_d447ea458d95438995f5caa9b91329cc_JoinedDate">
+            <a:extLst>
+              <a:ext uri="{FF2B5EF4-FFF2-40B4-BE49-F238E27FC236}">
+                <a16:creationId xmlns:a16="http://schemas.microsoft.com/office/drawing/2014/main" id="{82363F79-2157-4D81-A85E-41E1C4C4C468}"/>
               </a:ext>
             </a:extLst>
           </p:cNvPr>
           <p:cNvSpPr txBox="1"/>
           <p:nvPr>
             <p:custDataLst>
-              <p:tags r:id="rId38"/>
-            </p:custDataLst>
-          </p:nvPr>
-        </p:nvSpPr>
-        <p:spPr>
-          <a:xfrm>
-            <a:off x="4454075" y="4236043"/>
+              <p:tags r:id="rId51"/>
+            </p:custDataLst>
+          </p:nvPr>
+        </p:nvSpPr>
+        <p:spPr>
+          <a:xfrm>
+            <a:off x="2705773" y="2323160"/>
             <a:ext cx="1092200" cy="155025"/>
           </a:xfrm>
           <a:prstGeom prst="rect">
@@ -10928,23 +11577,23 @@
       </p:sp>
       <p:sp>
         <p:nvSpPr>
-          <p:cNvPr id="904" name="OTLSHAPE_T_d447ea458d95438995f5caa9b91329cc_Title">
-            <a:extLst>
-              <a:ext uri="{FF2B5EF4-FFF2-40B4-BE49-F238E27FC236}">
-                <a16:creationId xmlns:a16="http://schemas.microsoft.com/office/drawing/2014/main" id="{E7807632-931E-489D-8B2F-4D0E285429F6}"/>
+          <p:cNvPr id="1130" name="OTLSHAPE_T_d447ea458d95438995f5caa9b91329cc_Title">
+            <a:extLst>
+              <a:ext uri="{FF2B5EF4-FFF2-40B4-BE49-F238E27FC236}">
+                <a16:creationId xmlns:a16="http://schemas.microsoft.com/office/drawing/2014/main" id="{6F59EDAD-2522-41B4-8844-4A0BE6B24AE9}"/>
               </a:ext>
             </a:extLst>
           </p:cNvPr>
           <p:cNvSpPr txBox="1"/>
           <p:nvPr>
             <p:custDataLst>
-              <p:tags r:id="rId39"/>
-            </p:custDataLst>
-          </p:nvPr>
-        </p:nvSpPr>
-        <p:spPr>
-          <a:xfrm>
-            <a:off x="127000" y="4228296"/>
+              <p:tags r:id="rId52"/>
+            </p:custDataLst>
+          </p:nvPr>
+        </p:nvSpPr>
+        <p:spPr>
+          <a:xfrm>
+            <a:off x="120735" y="2315413"/>
             <a:ext cx="1524000" cy="170519"/>
           </a:xfrm>
           <a:prstGeom prst="rect">
@@ -10990,24 +11639,24 @@
       </p:sp>
       <p:sp>
         <p:nvSpPr>
-          <p:cNvPr id="905" name="OTLSHAPE_T_d5cd6d2f98024f49adcf10a7c42fbeff_Shape">
-            <a:extLst>
-              <a:ext uri="{FF2B5EF4-FFF2-40B4-BE49-F238E27FC236}">
-                <a16:creationId xmlns:a16="http://schemas.microsoft.com/office/drawing/2014/main" id="{AF8A4321-671D-419D-AC77-647CCCBD7EF1}"/>
+          <p:cNvPr id="1131" name="OTLSHAPE_T_d5cd6d2f98024f49adcf10a7c42fbeff_Shape">
+            <a:extLst>
+              <a:ext uri="{FF2B5EF4-FFF2-40B4-BE49-F238E27FC236}">
+                <a16:creationId xmlns:a16="http://schemas.microsoft.com/office/drawing/2014/main" id="{89FE27F3-80E2-434E-A7B2-957918E917DC}"/>
               </a:ext>
             </a:extLst>
           </p:cNvPr>
           <p:cNvSpPr/>
           <p:nvPr>
             <p:custDataLst>
-              <p:tags r:id="rId40"/>
-            </p:custDataLst>
-          </p:nvPr>
-        </p:nvSpPr>
-        <p:spPr>
-          <a:xfrm>
-            <a:off x="3557000" y="4478655"/>
-            <a:ext cx="2540000" cy="203200"/>
+              <p:tags r:id="rId53"/>
+            </p:custDataLst>
+          </p:nvPr>
+        </p:nvSpPr>
+        <p:spPr>
+          <a:xfrm>
+            <a:off x="2233563" y="2565772"/>
+            <a:ext cx="1270000" cy="203200"/>
           </a:xfrm>
           <a:prstGeom prst="rect">
             <a:avLst/>
@@ -11085,23 +11734,23 @@
       </p:sp>
       <p:sp>
         <p:nvSpPr>
-          <p:cNvPr id="906" name="OTLSHAPE_T_d5cd6d2f98024f49adcf10a7c42fbeff_ShapePercentage" hidden="1">
-            <a:extLst>
-              <a:ext uri="{FF2B5EF4-FFF2-40B4-BE49-F238E27FC236}">
-                <a16:creationId xmlns:a16="http://schemas.microsoft.com/office/drawing/2014/main" id="{D1A04803-6EEE-4352-BCA9-0F2ACE80C432}"/>
+          <p:cNvPr id="1132" name="OTLSHAPE_T_d5cd6d2f98024f49adcf10a7c42fbeff_ShapePercentage" hidden="1">
+            <a:extLst>
+              <a:ext uri="{FF2B5EF4-FFF2-40B4-BE49-F238E27FC236}">
+                <a16:creationId xmlns:a16="http://schemas.microsoft.com/office/drawing/2014/main" id="{E8240676-C49F-4196-8479-A117C63B7EC3}"/>
               </a:ext>
             </a:extLst>
           </p:cNvPr>
           <p:cNvSpPr/>
           <p:nvPr>
             <p:custDataLst>
-              <p:tags r:id="rId41"/>
-            </p:custDataLst>
-          </p:nvPr>
-        </p:nvSpPr>
-        <p:spPr>
-          <a:xfrm>
-            <a:off x="3557000" y="4478655"/>
+              <p:tags r:id="rId54"/>
+            </p:custDataLst>
+          </p:nvPr>
+        </p:nvSpPr>
+        <p:spPr>
+          <a:xfrm>
+            <a:off x="2239828" y="4478655"/>
             <a:ext cx="0" cy="0"/>
           </a:xfrm>
           <a:prstGeom prst="rect">
@@ -11135,17 +11784,17 @@
       </p:sp>
       <p:sp>
         <p:nvSpPr>
-          <p:cNvPr id="907" name="OTLSHAPE_T_d5cd6d2f98024f49adcf10a7c42fbeff_Duration" hidden="1">
-            <a:extLst>
-              <a:ext uri="{FF2B5EF4-FFF2-40B4-BE49-F238E27FC236}">
-                <a16:creationId xmlns:a16="http://schemas.microsoft.com/office/drawing/2014/main" id="{AD9C239F-069C-4623-B16F-0A1119731F0B}"/>
+          <p:cNvPr id="1133" name="OTLSHAPE_T_d5cd6d2f98024f49adcf10a7c42fbeff_Duration" hidden="1">
+            <a:extLst>
+              <a:ext uri="{FF2B5EF4-FFF2-40B4-BE49-F238E27FC236}">
+                <a16:creationId xmlns:a16="http://schemas.microsoft.com/office/drawing/2014/main" id="{FEBA60DB-1A48-4351-A09A-7C49F59C5D00}"/>
               </a:ext>
             </a:extLst>
           </p:cNvPr>
           <p:cNvSpPr txBox="1"/>
           <p:nvPr>
             <p:custDataLst>
-              <p:tags r:id="rId42"/>
+              <p:tags r:id="rId55"/>
             </p:custDataLst>
           </p:nvPr>
         </p:nvSpPr>
@@ -11189,17 +11838,17 @@
       </p:sp>
       <p:sp>
         <p:nvSpPr>
-          <p:cNvPr id="908" name="OTLSHAPE_T_d5cd6d2f98024f49adcf10a7c42fbeff_TextPercentage" hidden="1">
-            <a:extLst>
-              <a:ext uri="{FF2B5EF4-FFF2-40B4-BE49-F238E27FC236}">
-                <a16:creationId xmlns:a16="http://schemas.microsoft.com/office/drawing/2014/main" id="{2EFEE160-A5BC-4E12-91EA-985677626642}"/>
+          <p:cNvPr id="1134" name="OTLSHAPE_T_d5cd6d2f98024f49adcf10a7c42fbeff_TextPercentage" hidden="1">
+            <a:extLst>
+              <a:ext uri="{FF2B5EF4-FFF2-40B4-BE49-F238E27FC236}">
+                <a16:creationId xmlns:a16="http://schemas.microsoft.com/office/drawing/2014/main" id="{D794FABD-9E77-4019-9375-29B7D4A11856}"/>
               </a:ext>
             </a:extLst>
           </p:cNvPr>
           <p:cNvSpPr txBox="1"/>
           <p:nvPr>
             <p:custDataLst>
-              <p:tags r:id="rId43"/>
+              <p:tags r:id="rId56"/>
             </p:custDataLst>
           </p:nvPr>
         </p:nvSpPr>
@@ -11231,17 +11880,17 @@
       </p:sp>
       <p:sp>
         <p:nvSpPr>
-          <p:cNvPr id="909" name="OTLSHAPE_T_d5cd6d2f98024f49adcf10a7c42fbeff_StartDate" hidden="1">
-            <a:extLst>
-              <a:ext uri="{FF2B5EF4-FFF2-40B4-BE49-F238E27FC236}">
-                <a16:creationId xmlns:a16="http://schemas.microsoft.com/office/drawing/2014/main" id="{0AEDAC11-3278-497C-A548-46D991B4F586}"/>
+          <p:cNvPr id="1135" name="OTLSHAPE_T_d5cd6d2f98024f49adcf10a7c42fbeff_StartDate" hidden="1">
+            <a:extLst>
+              <a:ext uri="{FF2B5EF4-FFF2-40B4-BE49-F238E27FC236}">
+                <a16:creationId xmlns:a16="http://schemas.microsoft.com/office/drawing/2014/main" id="{088C8B07-03ED-4601-8251-F54BB014A20F}"/>
               </a:ext>
             </a:extLst>
           </p:cNvPr>
           <p:cNvSpPr txBox="1"/>
           <p:nvPr>
             <p:custDataLst>
-              <p:tags r:id="rId44"/>
+              <p:tags r:id="rId57"/>
             </p:custDataLst>
           </p:nvPr>
         </p:nvSpPr>
@@ -11273,17 +11922,17 @@
       </p:sp>
       <p:sp>
         <p:nvSpPr>
-          <p:cNvPr id="910" name="OTLSHAPE_T_d5cd6d2f98024f49adcf10a7c42fbeff_EndDate" hidden="1">
-            <a:extLst>
-              <a:ext uri="{FF2B5EF4-FFF2-40B4-BE49-F238E27FC236}">
-                <a16:creationId xmlns:a16="http://schemas.microsoft.com/office/drawing/2014/main" id="{0D512C05-516D-48C3-8E33-76A237F81FB0}"/>
+          <p:cNvPr id="1136" name="OTLSHAPE_T_d5cd6d2f98024f49adcf10a7c42fbeff_EndDate" hidden="1">
+            <a:extLst>
+              <a:ext uri="{FF2B5EF4-FFF2-40B4-BE49-F238E27FC236}">
+                <a16:creationId xmlns:a16="http://schemas.microsoft.com/office/drawing/2014/main" id="{60143F01-3AD4-4639-A308-B16A448CE514}"/>
               </a:ext>
             </a:extLst>
           </p:cNvPr>
           <p:cNvSpPr txBox="1"/>
           <p:nvPr>
             <p:custDataLst>
-              <p:tags r:id="rId45"/>
+              <p:tags r:id="rId58"/>
             </p:custDataLst>
           </p:nvPr>
         </p:nvSpPr>
@@ -11315,23 +11964,23 @@
       </p:sp>
       <p:sp>
         <p:nvSpPr>
-          <p:cNvPr id="911" name="OTLSHAPE_T_d5cd6d2f98024f49adcf10a7c42fbeff_JoinedDate">
-            <a:extLst>
-              <a:ext uri="{FF2B5EF4-FFF2-40B4-BE49-F238E27FC236}">
-                <a16:creationId xmlns:a16="http://schemas.microsoft.com/office/drawing/2014/main" id="{EB3DA251-437F-43D1-90C1-1FFE2C652B3E}"/>
+          <p:cNvPr id="1137" name="OTLSHAPE_T_d5cd6d2f98024f49adcf10a7c42fbeff_JoinedDate">
+            <a:extLst>
+              <a:ext uri="{FF2B5EF4-FFF2-40B4-BE49-F238E27FC236}">
+                <a16:creationId xmlns:a16="http://schemas.microsoft.com/office/drawing/2014/main" id="{B46CCACA-DDF5-4974-B34E-F09A7EF87500}"/>
               </a:ext>
             </a:extLst>
           </p:cNvPr>
           <p:cNvSpPr txBox="1"/>
           <p:nvPr>
             <p:custDataLst>
-              <p:tags r:id="rId46"/>
-            </p:custDataLst>
-          </p:nvPr>
-        </p:nvSpPr>
-        <p:spPr>
-          <a:xfrm>
-            <a:off x="6146742" y="4502743"/>
+              <p:tags r:id="rId59"/>
+            </p:custDataLst>
+          </p:nvPr>
+        </p:nvSpPr>
+        <p:spPr>
+          <a:xfrm>
+            <a:off x="3548653" y="2589860"/>
             <a:ext cx="1092200" cy="155025"/>
           </a:xfrm>
           <a:prstGeom prst="rect">
@@ -11365,23 +12014,23 @@
       </p:sp>
       <p:sp>
         <p:nvSpPr>
-          <p:cNvPr id="912" name="OTLSHAPE_T_d5cd6d2f98024f49adcf10a7c42fbeff_Title">
-            <a:extLst>
-              <a:ext uri="{FF2B5EF4-FFF2-40B4-BE49-F238E27FC236}">
-                <a16:creationId xmlns:a16="http://schemas.microsoft.com/office/drawing/2014/main" id="{5643BAA6-8ED5-4E8B-B632-04EC35CA3D10}"/>
+          <p:cNvPr id="1138" name="OTLSHAPE_T_d5cd6d2f98024f49adcf10a7c42fbeff_Title">
+            <a:extLst>
+              <a:ext uri="{FF2B5EF4-FFF2-40B4-BE49-F238E27FC236}">
+                <a16:creationId xmlns:a16="http://schemas.microsoft.com/office/drawing/2014/main" id="{EC8F8836-6900-485E-82DF-D8A403629460}"/>
               </a:ext>
             </a:extLst>
           </p:cNvPr>
           <p:cNvSpPr txBox="1"/>
           <p:nvPr>
             <p:custDataLst>
-              <p:tags r:id="rId47"/>
-            </p:custDataLst>
-          </p:nvPr>
-        </p:nvSpPr>
-        <p:spPr>
-          <a:xfrm>
-            <a:off x="127000" y="4494996"/>
+              <p:tags r:id="rId60"/>
+            </p:custDataLst>
+          </p:nvPr>
+        </p:nvSpPr>
+        <p:spPr>
+          <a:xfrm>
+            <a:off x="120735" y="2582113"/>
             <a:ext cx="1663700" cy="170519"/>
           </a:xfrm>
           <a:prstGeom prst="rect">
@@ -11409,24 +12058,24 @@
       </p:sp>
       <p:sp>
         <p:nvSpPr>
-          <p:cNvPr id="913" name="OTLSHAPE_T_75dffbd02c41442183b720bbfa1c3d22_Shape">
-            <a:extLst>
-              <a:ext uri="{FF2B5EF4-FFF2-40B4-BE49-F238E27FC236}">
-                <a16:creationId xmlns:a16="http://schemas.microsoft.com/office/drawing/2014/main" id="{B0CFD895-4F21-4953-9FF0-975A8D513DEA}"/>
+          <p:cNvPr id="1139" name="OTLSHAPE_T_75dffbd02c41442183b720bbfa1c3d22_Shape">
+            <a:extLst>
+              <a:ext uri="{FF2B5EF4-FFF2-40B4-BE49-F238E27FC236}">
+                <a16:creationId xmlns:a16="http://schemas.microsoft.com/office/drawing/2014/main" id="{0BE31690-69F7-4979-9E5F-DFD8EBAAF626}"/>
               </a:ext>
             </a:extLst>
           </p:cNvPr>
           <p:cNvSpPr/>
           <p:nvPr>
             <p:custDataLst>
-              <p:tags r:id="rId48"/>
-            </p:custDataLst>
-          </p:nvPr>
-        </p:nvSpPr>
-        <p:spPr>
-          <a:xfrm>
-            <a:off x="3810900" y="4745355"/>
-            <a:ext cx="596900" cy="203200"/>
+              <p:tags r:id="rId61"/>
+            </p:custDataLst>
+          </p:nvPr>
+        </p:nvSpPr>
+        <p:spPr>
+          <a:xfrm>
+            <a:off x="2359995" y="2832472"/>
+            <a:ext cx="469900" cy="203200"/>
           </a:xfrm>
           <a:prstGeom prst="rect">
             <a:avLst/>
@@ -11504,23 +12153,23 @@
       </p:sp>
       <p:sp>
         <p:nvSpPr>
-          <p:cNvPr id="914" name="OTLSHAPE_T_75dffbd02c41442183b720bbfa1c3d22_ShapePercentage" hidden="1">
-            <a:extLst>
-              <a:ext uri="{FF2B5EF4-FFF2-40B4-BE49-F238E27FC236}">
-                <a16:creationId xmlns:a16="http://schemas.microsoft.com/office/drawing/2014/main" id="{945326E5-0761-4C56-9134-04AAA5C005F2}"/>
+          <p:cNvPr id="1140" name="OTLSHAPE_T_75dffbd02c41442183b720bbfa1c3d22_ShapePercentage" hidden="1">
+            <a:extLst>
+              <a:ext uri="{FF2B5EF4-FFF2-40B4-BE49-F238E27FC236}">
+                <a16:creationId xmlns:a16="http://schemas.microsoft.com/office/drawing/2014/main" id="{690934D3-5BF1-4C63-A2AE-083CB8992391}"/>
               </a:ext>
             </a:extLst>
           </p:cNvPr>
           <p:cNvSpPr/>
           <p:nvPr>
             <p:custDataLst>
-              <p:tags r:id="rId49"/>
-            </p:custDataLst>
-          </p:nvPr>
-        </p:nvSpPr>
-        <p:spPr>
-          <a:xfrm>
-            <a:off x="3810900" y="4745355"/>
+              <p:tags r:id="rId62"/>
+            </p:custDataLst>
+          </p:nvPr>
+        </p:nvSpPr>
+        <p:spPr>
+          <a:xfrm>
+            <a:off x="2366260" y="4745355"/>
             <a:ext cx="0" cy="0"/>
           </a:xfrm>
           <a:prstGeom prst="rect">
@@ -11554,24 +12203,24 @@
       </p:sp>
       <p:sp>
         <p:nvSpPr>
-          <p:cNvPr id="915" name="OTLSHAPE_T_75dffbd02c41442183b720bbfa1c3d22_Duration" hidden="1">
-            <a:extLst>
-              <a:ext uri="{FF2B5EF4-FFF2-40B4-BE49-F238E27FC236}">
-                <a16:creationId xmlns:a16="http://schemas.microsoft.com/office/drawing/2014/main" id="{B79A5AB1-699D-4862-8C40-A53D32FB7332}"/>
+          <p:cNvPr id="1141" name="OTLSHAPE_T_75dffbd02c41442183b720bbfa1c3d22_Duration" hidden="1">
+            <a:extLst>
+              <a:ext uri="{FF2B5EF4-FFF2-40B4-BE49-F238E27FC236}">
+                <a16:creationId xmlns:a16="http://schemas.microsoft.com/office/drawing/2014/main" id="{E637B6BE-06AD-4D92-A6CA-C98BF44239C0}"/>
               </a:ext>
             </a:extLst>
           </p:cNvPr>
           <p:cNvSpPr txBox="1"/>
           <p:nvPr>
             <p:custDataLst>
-              <p:tags r:id="rId50"/>
+              <p:tags r:id="rId63"/>
             </p:custDataLst>
           </p:nvPr>
         </p:nvSpPr>
         <p:spPr>
           <a:xfrm>
             <a:off x="0" y="4745355"/>
-            <a:ext cx="228600" cy="155025"/>
+            <a:ext cx="292100" cy="155025"/>
           </a:xfrm>
           <a:prstGeom prst="rect">
             <a:avLst/>
@@ -11592,7 +12241,7 @@
                 </a:solidFill>
                 <a:latin typeface="Calibri" panose="020F0502020204030204" pitchFamily="34" charset="0"/>
               </a:rPr>
-              <a:t>7 </a:t>
+              <a:t>11 </a:t>
             </a:r>
             <a:r>
               <a:rPr lang="ko-KR" altLang="en-US" sz="1000">
@@ -11608,17 +12257,17 @@
       </p:sp>
       <p:sp>
         <p:nvSpPr>
-          <p:cNvPr id="916" name="OTLSHAPE_T_75dffbd02c41442183b720bbfa1c3d22_TextPercentage" hidden="1">
-            <a:extLst>
-              <a:ext uri="{FF2B5EF4-FFF2-40B4-BE49-F238E27FC236}">
-                <a16:creationId xmlns:a16="http://schemas.microsoft.com/office/drawing/2014/main" id="{9E8CFCFD-85F6-4C14-B571-2452EA625703}"/>
+          <p:cNvPr id="1142" name="OTLSHAPE_T_75dffbd02c41442183b720bbfa1c3d22_TextPercentage" hidden="1">
+            <a:extLst>
+              <a:ext uri="{FF2B5EF4-FFF2-40B4-BE49-F238E27FC236}">
+                <a16:creationId xmlns:a16="http://schemas.microsoft.com/office/drawing/2014/main" id="{26A13E42-CAD5-40CC-B62C-FABAEF5D5E0A}"/>
               </a:ext>
             </a:extLst>
           </p:cNvPr>
           <p:cNvSpPr txBox="1"/>
           <p:nvPr>
             <p:custDataLst>
-              <p:tags r:id="rId51"/>
+              <p:tags r:id="rId64"/>
             </p:custDataLst>
           </p:nvPr>
         </p:nvSpPr>
@@ -11650,17 +12299,17 @@
       </p:sp>
       <p:sp>
         <p:nvSpPr>
-          <p:cNvPr id="917" name="OTLSHAPE_T_75dffbd02c41442183b720bbfa1c3d22_StartDate" hidden="1">
-            <a:extLst>
-              <a:ext uri="{FF2B5EF4-FFF2-40B4-BE49-F238E27FC236}">
-                <a16:creationId xmlns:a16="http://schemas.microsoft.com/office/drawing/2014/main" id="{3A72107B-0CE9-4C9E-A302-7B2607183917}"/>
+          <p:cNvPr id="1143" name="OTLSHAPE_T_75dffbd02c41442183b720bbfa1c3d22_StartDate" hidden="1">
+            <a:extLst>
+              <a:ext uri="{FF2B5EF4-FFF2-40B4-BE49-F238E27FC236}">
+                <a16:creationId xmlns:a16="http://schemas.microsoft.com/office/drawing/2014/main" id="{EEAAD57E-6C2A-48A2-92F4-E1BE0BE25CDF}"/>
               </a:ext>
             </a:extLst>
           </p:cNvPr>
           <p:cNvSpPr txBox="1"/>
           <p:nvPr>
             <p:custDataLst>
-              <p:tags r:id="rId52"/>
+              <p:tags r:id="rId65"/>
             </p:custDataLst>
           </p:nvPr>
         </p:nvSpPr>
@@ -11692,17 +12341,17 @@
       </p:sp>
       <p:sp>
         <p:nvSpPr>
-          <p:cNvPr id="918" name="OTLSHAPE_T_75dffbd02c41442183b720bbfa1c3d22_EndDate" hidden="1">
-            <a:extLst>
-              <a:ext uri="{FF2B5EF4-FFF2-40B4-BE49-F238E27FC236}">
-                <a16:creationId xmlns:a16="http://schemas.microsoft.com/office/drawing/2014/main" id="{5774D165-1639-4FDD-947F-5215A915B1EC}"/>
+          <p:cNvPr id="1144" name="OTLSHAPE_T_75dffbd02c41442183b720bbfa1c3d22_EndDate" hidden="1">
+            <a:extLst>
+              <a:ext uri="{FF2B5EF4-FFF2-40B4-BE49-F238E27FC236}">
+                <a16:creationId xmlns:a16="http://schemas.microsoft.com/office/drawing/2014/main" id="{59239299-F2B2-450A-B61F-7A5EE078630A}"/>
               </a:ext>
             </a:extLst>
           </p:cNvPr>
           <p:cNvSpPr txBox="1"/>
           <p:nvPr>
             <p:custDataLst>
-              <p:tags r:id="rId53"/>
+              <p:tags r:id="rId66"/>
             </p:custDataLst>
           </p:nvPr>
         </p:nvSpPr>
@@ -11734,23 +12383,23 @@
       </p:sp>
       <p:sp>
         <p:nvSpPr>
-          <p:cNvPr id="919" name="OTLSHAPE_T_75dffbd02c41442183b720bbfa1c3d22_JoinedDate">
-            <a:extLst>
-              <a:ext uri="{FF2B5EF4-FFF2-40B4-BE49-F238E27FC236}">
-                <a16:creationId xmlns:a16="http://schemas.microsoft.com/office/drawing/2014/main" id="{E6D93259-F8F1-40E7-BA49-BBD407975E7C}"/>
+          <p:cNvPr id="1145" name="OTLSHAPE_T_75dffbd02c41442183b720bbfa1c3d22_JoinedDate">
+            <a:extLst>
+              <a:ext uri="{FF2B5EF4-FFF2-40B4-BE49-F238E27FC236}">
+                <a16:creationId xmlns:a16="http://schemas.microsoft.com/office/drawing/2014/main" id="{23140793-D27E-4BBF-A2D8-B9701E12E2D5}"/>
               </a:ext>
             </a:extLst>
           </p:cNvPr>
           <p:cNvSpPr txBox="1"/>
           <p:nvPr>
             <p:custDataLst>
-              <p:tags r:id="rId54"/>
-            </p:custDataLst>
-          </p:nvPr>
-        </p:nvSpPr>
-        <p:spPr>
-          <a:xfrm>
-            <a:off x="4454075" y="4769443"/>
+              <p:tags r:id="rId67"/>
+            </p:custDataLst>
+          </p:nvPr>
+        </p:nvSpPr>
+        <p:spPr>
+          <a:xfrm>
+            <a:off x="2874349" y="2856560"/>
             <a:ext cx="1092200" cy="155025"/>
           </a:xfrm>
           <a:prstGeom prst="rect">
@@ -11771,7 +12420,7 @@
                 </a:solidFill>
                 <a:latin typeface="Calibri" panose="020F0502020204030204" pitchFamily="34" charset="0"/>
               </a:rPr>
-              <a:t>4-4-2019 - 4-10-2019</a:t>
+              <a:t>4-4-2019 - 4-14-2019</a:t>
             </a:r>
             <a:endParaRPr lang="ko-KR" altLang="en-US" sz="1000" spc="-4">
               <a:solidFill>
@@ -11784,24 +12433,24 @@
       </p:sp>
       <p:sp>
         <p:nvSpPr>
-          <p:cNvPr id="920" name="OTLSHAPE_T_75dffbd02c41442183b720bbfa1c3d22_Title">
-            <a:extLst>
-              <a:ext uri="{FF2B5EF4-FFF2-40B4-BE49-F238E27FC236}">
-                <a16:creationId xmlns:a16="http://schemas.microsoft.com/office/drawing/2014/main" id="{3A0A2673-1053-48ED-B61C-5B4F502300FE}"/>
+          <p:cNvPr id="1146" name="OTLSHAPE_T_75dffbd02c41442183b720bbfa1c3d22_Title">
+            <a:extLst>
+              <a:ext uri="{FF2B5EF4-FFF2-40B4-BE49-F238E27FC236}">
+                <a16:creationId xmlns:a16="http://schemas.microsoft.com/office/drawing/2014/main" id="{4ADFCCF9-6552-4434-BFBD-FBBFEC2AFE15}"/>
               </a:ext>
             </a:extLst>
           </p:cNvPr>
           <p:cNvSpPr txBox="1"/>
           <p:nvPr>
             <p:custDataLst>
-              <p:tags r:id="rId55"/>
-            </p:custDataLst>
-          </p:nvPr>
-        </p:nvSpPr>
-        <p:spPr>
-          <a:xfrm>
-            <a:off x="127000" y="4761696"/>
-            <a:ext cx="1320800" cy="170519"/>
+              <p:tags r:id="rId68"/>
+            </p:custDataLst>
+          </p:nvPr>
+        </p:nvSpPr>
+        <p:spPr>
+          <a:xfrm>
+            <a:off x="120735" y="2848813"/>
+            <a:ext cx="1181100" cy="170519"/>
           </a:xfrm>
           <a:prstGeom prst="rect">
             <a:avLst/>
@@ -11821,31 +12470,31 @@
                 </a:solidFill>
                 <a:latin typeface="Calibri" panose="020F0502020204030204" pitchFamily="34" charset="0"/>
               </a:rPr>
-              <a:t>안드로이드 모듈 개발</a:t>
-            </a:r>
-          </a:p>
-        </p:txBody>
-      </p:sp>
-      <p:sp>
-        <p:nvSpPr>
-          <p:cNvPr id="921" name="OTLSHAPE_T_382ddf7c49ae41a9a896b68233bb860b_Shape">
-            <a:extLst>
-              <a:ext uri="{FF2B5EF4-FFF2-40B4-BE49-F238E27FC236}">
-                <a16:creationId xmlns:a16="http://schemas.microsoft.com/office/drawing/2014/main" id="{2947232E-4BA6-4D05-8C90-4D7BC13B2E42}"/>
+              <a:t>안드로이드 앱 개발</a:t>
+            </a:r>
+          </a:p>
+        </p:txBody>
+      </p:sp>
+      <p:sp>
+        <p:nvSpPr>
+          <p:cNvPr id="1147" name="OTLSHAPE_T_382ddf7c49ae41a9a896b68233bb860b_Shape">
+            <a:extLst>
+              <a:ext uri="{FF2B5EF4-FFF2-40B4-BE49-F238E27FC236}">
+                <a16:creationId xmlns:a16="http://schemas.microsoft.com/office/drawing/2014/main" id="{0DEA37C0-58C2-40DD-87F8-245260E43D0A}"/>
               </a:ext>
             </a:extLst>
           </p:cNvPr>
           <p:cNvSpPr/>
           <p:nvPr>
             <p:custDataLst>
-              <p:tags r:id="rId56"/>
-            </p:custDataLst>
-          </p:nvPr>
-        </p:nvSpPr>
-        <p:spPr>
-          <a:xfrm>
-            <a:off x="4064800" y="5012055"/>
-            <a:ext cx="1193800" cy="203200"/>
+              <p:tags r:id="rId69"/>
+            </p:custDataLst>
+          </p:nvPr>
+        </p:nvSpPr>
+        <p:spPr>
+          <a:xfrm>
+            <a:off x="2486427" y="3099172"/>
+            <a:ext cx="1231900" cy="203200"/>
           </a:xfrm>
           <a:prstGeom prst="rect">
             <a:avLst/>
@@ -11923,23 +12572,23 @@
       </p:sp>
       <p:sp>
         <p:nvSpPr>
-          <p:cNvPr id="922" name="OTLSHAPE_T_382ddf7c49ae41a9a896b68233bb860b_ShapePercentage" hidden="1">
-            <a:extLst>
-              <a:ext uri="{FF2B5EF4-FFF2-40B4-BE49-F238E27FC236}">
-                <a16:creationId xmlns:a16="http://schemas.microsoft.com/office/drawing/2014/main" id="{A09CE45A-E8FF-4D11-9CDD-5EC0A1C3BBE8}"/>
+          <p:cNvPr id="1148" name="OTLSHAPE_T_382ddf7c49ae41a9a896b68233bb860b_ShapePercentage" hidden="1">
+            <a:extLst>
+              <a:ext uri="{FF2B5EF4-FFF2-40B4-BE49-F238E27FC236}">
+                <a16:creationId xmlns:a16="http://schemas.microsoft.com/office/drawing/2014/main" id="{F22C4E88-C959-43D3-B352-BB6DD0164BCD}"/>
               </a:ext>
             </a:extLst>
           </p:cNvPr>
           <p:cNvSpPr/>
           <p:nvPr>
             <p:custDataLst>
-              <p:tags r:id="rId57"/>
-            </p:custDataLst>
-          </p:nvPr>
-        </p:nvSpPr>
-        <p:spPr>
-          <a:xfrm>
-            <a:off x="4064800" y="5012055"/>
+              <p:tags r:id="rId70"/>
+            </p:custDataLst>
+          </p:nvPr>
+        </p:nvSpPr>
+        <p:spPr>
+          <a:xfrm>
+            <a:off x="2492692" y="5012055"/>
             <a:ext cx="0" cy="0"/>
           </a:xfrm>
           <a:prstGeom prst="rect">
@@ -11973,17 +12622,17 @@
       </p:sp>
       <p:sp>
         <p:nvSpPr>
-          <p:cNvPr id="923" name="OTLSHAPE_T_382ddf7c49ae41a9a896b68233bb860b_Duration" hidden="1">
-            <a:extLst>
-              <a:ext uri="{FF2B5EF4-FFF2-40B4-BE49-F238E27FC236}">
-                <a16:creationId xmlns:a16="http://schemas.microsoft.com/office/drawing/2014/main" id="{81EAB877-7E6E-4841-9BC9-D1C57DD8FB81}"/>
+          <p:cNvPr id="1149" name="OTLSHAPE_T_382ddf7c49ae41a9a896b68233bb860b_Duration" hidden="1">
+            <a:extLst>
+              <a:ext uri="{FF2B5EF4-FFF2-40B4-BE49-F238E27FC236}">
+                <a16:creationId xmlns:a16="http://schemas.microsoft.com/office/drawing/2014/main" id="{FC53C46B-A8B4-451E-9284-F3BC2BC2E8E8}"/>
               </a:ext>
             </a:extLst>
           </p:cNvPr>
           <p:cNvSpPr txBox="1"/>
           <p:nvPr>
             <p:custDataLst>
-              <p:tags r:id="rId58"/>
+              <p:tags r:id="rId71"/>
             </p:custDataLst>
           </p:nvPr>
         </p:nvSpPr>
@@ -12011,7 +12660,7 @@
                 </a:solidFill>
                 <a:latin typeface="Calibri" panose="020F0502020204030204" pitchFamily="34" charset="0"/>
               </a:rPr>
-              <a:t>14 </a:t>
+              <a:t>29 </a:t>
             </a:r>
             <a:r>
               <a:rPr lang="ko-KR" altLang="en-US" sz="1000">
@@ -12027,17 +12676,17 @@
       </p:sp>
       <p:sp>
         <p:nvSpPr>
-          <p:cNvPr id="924" name="OTLSHAPE_T_382ddf7c49ae41a9a896b68233bb860b_TextPercentage" hidden="1">
-            <a:extLst>
-              <a:ext uri="{FF2B5EF4-FFF2-40B4-BE49-F238E27FC236}">
-                <a16:creationId xmlns:a16="http://schemas.microsoft.com/office/drawing/2014/main" id="{291D2955-E14C-4DC1-9078-16E935E90945}"/>
+          <p:cNvPr id="1150" name="OTLSHAPE_T_382ddf7c49ae41a9a896b68233bb860b_TextPercentage" hidden="1">
+            <a:extLst>
+              <a:ext uri="{FF2B5EF4-FFF2-40B4-BE49-F238E27FC236}">
+                <a16:creationId xmlns:a16="http://schemas.microsoft.com/office/drawing/2014/main" id="{B10CFA69-1FCF-4D86-BA58-EB978AD74D3D}"/>
               </a:ext>
             </a:extLst>
           </p:cNvPr>
           <p:cNvSpPr txBox="1"/>
           <p:nvPr>
             <p:custDataLst>
-              <p:tags r:id="rId59"/>
+              <p:tags r:id="rId72"/>
             </p:custDataLst>
           </p:nvPr>
         </p:nvSpPr>
@@ -12069,17 +12718,17 @@
       </p:sp>
       <p:sp>
         <p:nvSpPr>
-          <p:cNvPr id="925" name="OTLSHAPE_T_382ddf7c49ae41a9a896b68233bb860b_StartDate" hidden="1">
-            <a:extLst>
-              <a:ext uri="{FF2B5EF4-FFF2-40B4-BE49-F238E27FC236}">
-                <a16:creationId xmlns:a16="http://schemas.microsoft.com/office/drawing/2014/main" id="{AFCAF12A-A205-4387-99BC-F18054EC9601}"/>
+          <p:cNvPr id="1151" name="OTLSHAPE_T_382ddf7c49ae41a9a896b68233bb860b_StartDate" hidden="1">
+            <a:extLst>
+              <a:ext uri="{FF2B5EF4-FFF2-40B4-BE49-F238E27FC236}">
+                <a16:creationId xmlns:a16="http://schemas.microsoft.com/office/drawing/2014/main" id="{F7B3D3E7-6058-4CD6-9ED0-D5B08F8218E8}"/>
               </a:ext>
             </a:extLst>
           </p:cNvPr>
           <p:cNvSpPr txBox="1"/>
           <p:nvPr>
             <p:custDataLst>
-              <p:tags r:id="rId60"/>
+              <p:tags r:id="rId73"/>
             </p:custDataLst>
           </p:nvPr>
         </p:nvSpPr>
@@ -12111,17 +12760,17 @@
       </p:sp>
       <p:sp>
         <p:nvSpPr>
-          <p:cNvPr id="926" name="OTLSHAPE_T_382ddf7c49ae41a9a896b68233bb860b_EndDate" hidden="1">
-            <a:extLst>
-              <a:ext uri="{FF2B5EF4-FFF2-40B4-BE49-F238E27FC236}">
-                <a16:creationId xmlns:a16="http://schemas.microsoft.com/office/drawing/2014/main" id="{8589CEB9-B02F-49B8-AEEB-422A6432F8A2}"/>
+          <p:cNvPr id="1152" name="OTLSHAPE_T_382ddf7c49ae41a9a896b68233bb860b_EndDate" hidden="1">
+            <a:extLst>
+              <a:ext uri="{FF2B5EF4-FFF2-40B4-BE49-F238E27FC236}">
+                <a16:creationId xmlns:a16="http://schemas.microsoft.com/office/drawing/2014/main" id="{D347E46C-3656-44E6-839B-E4DC5085CAC0}"/>
               </a:ext>
             </a:extLst>
           </p:cNvPr>
           <p:cNvSpPr txBox="1"/>
           <p:nvPr>
             <p:custDataLst>
-              <p:tags r:id="rId61"/>
+              <p:tags r:id="rId74"/>
             </p:custDataLst>
           </p:nvPr>
         </p:nvSpPr>
@@ -12153,24 +12802,24 @@
       </p:sp>
       <p:sp>
         <p:nvSpPr>
-          <p:cNvPr id="927" name="OTLSHAPE_T_382ddf7c49ae41a9a896b68233bb860b_JoinedDate">
-            <a:extLst>
-              <a:ext uri="{FF2B5EF4-FFF2-40B4-BE49-F238E27FC236}">
-                <a16:creationId xmlns:a16="http://schemas.microsoft.com/office/drawing/2014/main" id="{8F102D12-A325-4DDD-8AF6-EB0EE4B2AAC0}"/>
+          <p:cNvPr id="1153" name="OTLSHAPE_T_382ddf7c49ae41a9a896b68233bb860b_JoinedDate">
+            <a:extLst>
+              <a:ext uri="{FF2B5EF4-FFF2-40B4-BE49-F238E27FC236}">
+                <a16:creationId xmlns:a16="http://schemas.microsoft.com/office/drawing/2014/main" id="{C904C7C2-A66B-4ADE-8C5A-8B0FB7052BCA}"/>
               </a:ext>
             </a:extLst>
           </p:cNvPr>
           <p:cNvSpPr txBox="1"/>
           <p:nvPr>
             <p:custDataLst>
-              <p:tags r:id="rId62"/>
-            </p:custDataLst>
-          </p:nvPr>
-        </p:nvSpPr>
-        <p:spPr>
-          <a:xfrm>
-            <a:off x="5300408" y="5036143"/>
-            <a:ext cx="1092200" cy="155025"/>
+              <p:tags r:id="rId75"/>
+            </p:custDataLst>
+          </p:nvPr>
+        </p:nvSpPr>
+        <p:spPr>
+          <a:xfrm>
+            <a:off x="3759372" y="3123260"/>
+            <a:ext cx="1028700" cy="155025"/>
           </a:xfrm>
           <a:prstGeom prst="rect">
             <a:avLst/>
@@ -12190,7 +12839,7 @@
                 </a:solidFill>
                 <a:latin typeface="Calibri" panose="020F0502020204030204" pitchFamily="34" charset="0"/>
               </a:rPr>
-              <a:t>4-7-2019 - 4-20-2019</a:t>
+              <a:t>4-7-2019 - 5-5-2019</a:t>
             </a:r>
             <a:endParaRPr lang="ko-KR" altLang="en-US" sz="1000" spc="-4">
               <a:solidFill>
@@ -12203,23 +12852,23 @@
       </p:sp>
       <p:sp>
         <p:nvSpPr>
-          <p:cNvPr id="928" name="OTLSHAPE_T_382ddf7c49ae41a9a896b68233bb860b_Title">
-            <a:extLst>
-              <a:ext uri="{FF2B5EF4-FFF2-40B4-BE49-F238E27FC236}">
-                <a16:creationId xmlns:a16="http://schemas.microsoft.com/office/drawing/2014/main" id="{3F64EFE6-886C-4568-8985-9741C1C43035}"/>
+          <p:cNvPr id="1154" name="OTLSHAPE_T_382ddf7c49ae41a9a896b68233bb860b_Title">
+            <a:extLst>
+              <a:ext uri="{FF2B5EF4-FFF2-40B4-BE49-F238E27FC236}">
+                <a16:creationId xmlns:a16="http://schemas.microsoft.com/office/drawing/2014/main" id="{FF8362FB-08B6-4A5D-9BDD-7A2EBA38FE2A}"/>
               </a:ext>
             </a:extLst>
           </p:cNvPr>
           <p:cNvSpPr txBox="1"/>
           <p:nvPr>
             <p:custDataLst>
-              <p:tags r:id="rId63"/>
-            </p:custDataLst>
-          </p:nvPr>
-        </p:nvSpPr>
-        <p:spPr>
-          <a:xfrm>
-            <a:off x="127000" y="5028396"/>
+              <p:tags r:id="rId76"/>
+            </p:custDataLst>
+          </p:nvPr>
+        </p:nvSpPr>
+        <p:spPr>
+          <a:xfrm>
+            <a:off x="120735" y="3115513"/>
             <a:ext cx="1562100" cy="170519"/>
           </a:xfrm>
           <a:prstGeom prst="rect">
@@ -12256,24 +12905,24 @@
       </p:sp>
       <p:sp>
         <p:nvSpPr>
-          <p:cNvPr id="929" name="OTLSHAPE_T_27ae47589bac40d38409405d5a28c9b6_Shape">
-            <a:extLst>
-              <a:ext uri="{FF2B5EF4-FFF2-40B4-BE49-F238E27FC236}">
-                <a16:creationId xmlns:a16="http://schemas.microsoft.com/office/drawing/2014/main" id="{0B568C31-35A4-4AEF-970D-0BDC5EC249B1}"/>
+          <p:cNvPr id="1155" name="OTLSHAPE_T_27ae47589bac40d38409405d5a28c9b6_Shape">
+            <a:extLst>
+              <a:ext uri="{FF2B5EF4-FFF2-40B4-BE49-F238E27FC236}">
+                <a16:creationId xmlns:a16="http://schemas.microsoft.com/office/drawing/2014/main" id="{C6C361A5-CF89-4EBD-96E6-11B32DD3164A}"/>
               </a:ext>
             </a:extLst>
           </p:cNvPr>
           <p:cNvSpPr/>
           <p:nvPr>
             <p:custDataLst>
-              <p:tags r:id="rId64"/>
-            </p:custDataLst>
-          </p:nvPr>
-        </p:nvSpPr>
-        <p:spPr>
-          <a:xfrm>
-            <a:off x="4318700" y="5278755"/>
-            <a:ext cx="3390900" cy="203200"/>
+              <p:tags r:id="rId77"/>
+            </p:custDataLst>
+          </p:nvPr>
+        </p:nvSpPr>
+        <p:spPr>
+          <a:xfrm>
+            <a:off x="2612859" y="3365872"/>
+            <a:ext cx="1689100" cy="203200"/>
           </a:xfrm>
           <a:prstGeom prst="rect">
             <a:avLst/>
@@ -12351,23 +13000,23 @@
       </p:sp>
       <p:sp>
         <p:nvSpPr>
-          <p:cNvPr id="930" name="OTLSHAPE_T_27ae47589bac40d38409405d5a28c9b6_ShapePercentage" hidden="1">
-            <a:extLst>
-              <a:ext uri="{FF2B5EF4-FFF2-40B4-BE49-F238E27FC236}">
-                <a16:creationId xmlns:a16="http://schemas.microsoft.com/office/drawing/2014/main" id="{F618003F-FBA5-4F1F-AB62-4FCE57C37842}"/>
+          <p:cNvPr id="1156" name="OTLSHAPE_T_27ae47589bac40d38409405d5a28c9b6_ShapePercentage" hidden="1">
+            <a:extLst>
+              <a:ext uri="{FF2B5EF4-FFF2-40B4-BE49-F238E27FC236}">
+                <a16:creationId xmlns:a16="http://schemas.microsoft.com/office/drawing/2014/main" id="{DCDD4FB3-ED0C-4A2A-81B3-A5775BD11D30}"/>
               </a:ext>
             </a:extLst>
           </p:cNvPr>
           <p:cNvSpPr/>
           <p:nvPr>
             <p:custDataLst>
-              <p:tags r:id="rId65"/>
-            </p:custDataLst>
-          </p:nvPr>
-        </p:nvSpPr>
-        <p:spPr>
-          <a:xfrm>
-            <a:off x="4318700" y="5278755"/>
+              <p:tags r:id="rId78"/>
+            </p:custDataLst>
+          </p:nvPr>
+        </p:nvSpPr>
+        <p:spPr>
+          <a:xfrm>
+            <a:off x="2619124" y="5278755"/>
             <a:ext cx="0" cy="0"/>
           </a:xfrm>
           <a:prstGeom prst="rect">
@@ -12401,17 +13050,17 @@
       </p:sp>
       <p:sp>
         <p:nvSpPr>
-          <p:cNvPr id="931" name="OTLSHAPE_T_27ae47589bac40d38409405d5a28c9b6_Duration" hidden="1">
-            <a:extLst>
-              <a:ext uri="{FF2B5EF4-FFF2-40B4-BE49-F238E27FC236}">
-                <a16:creationId xmlns:a16="http://schemas.microsoft.com/office/drawing/2014/main" id="{D2C8BF77-63AC-4DC3-8DB9-AD8741A26EB9}"/>
+          <p:cNvPr id="1157" name="OTLSHAPE_T_27ae47589bac40d38409405d5a28c9b6_Duration" hidden="1">
+            <a:extLst>
+              <a:ext uri="{FF2B5EF4-FFF2-40B4-BE49-F238E27FC236}">
+                <a16:creationId xmlns:a16="http://schemas.microsoft.com/office/drawing/2014/main" id="{2FD5AC30-DDA9-48E1-A760-D26ECF06F93E}"/>
               </a:ext>
             </a:extLst>
           </p:cNvPr>
           <p:cNvSpPr txBox="1"/>
           <p:nvPr>
             <p:custDataLst>
-              <p:tags r:id="rId66"/>
+              <p:tags r:id="rId79"/>
             </p:custDataLst>
           </p:nvPr>
         </p:nvSpPr>
@@ -12455,17 +13104,17 @@
       </p:sp>
       <p:sp>
         <p:nvSpPr>
-          <p:cNvPr id="932" name="OTLSHAPE_T_27ae47589bac40d38409405d5a28c9b6_TextPercentage" hidden="1">
-            <a:extLst>
-              <a:ext uri="{FF2B5EF4-FFF2-40B4-BE49-F238E27FC236}">
-                <a16:creationId xmlns:a16="http://schemas.microsoft.com/office/drawing/2014/main" id="{D9CE3E4C-7BFC-44FA-A36B-9C48F8494000}"/>
+          <p:cNvPr id="1158" name="OTLSHAPE_T_27ae47589bac40d38409405d5a28c9b6_TextPercentage" hidden="1">
+            <a:extLst>
+              <a:ext uri="{FF2B5EF4-FFF2-40B4-BE49-F238E27FC236}">
+                <a16:creationId xmlns:a16="http://schemas.microsoft.com/office/drawing/2014/main" id="{E1391DAC-0475-4E4E-AAE2-0B8FFB960AF6}"/>
               </a:ext>
             </a:extLst>
           </p:cNvPr>
           <p:cNvSpPr txBox="1"/>
           <p:nvPr>
             <p:custDataLst>
-              <p:tags r:id="rId67"/>
+              <p:tags r:id="rId80"/>
             </p:custDataLst>
           </p:nvPr>
         </p:nvSpPr>
@@ -12497,17 +13146,17 @@
       </p:sp>
       <p:sp>
         <p:nvSpPr>
-          <p:cNvPr id="933" name="OTLSHAPE_T_27ae47589bac40d38409405d5a28c9b6_StartDate" hidden="1">
-            <a:extLst>
-              <a:ext uri="{FF2B5EF4-FFF2-40B4-BE49-F238E27FC236}">
-                <a16:creationId xmlns:a16="http://schemas.microsoft.com/office/drawing/2014/main" id="{E7266387-A031-4271-8B7E-42D197EB323B}"/>
+          <p:cNvPr id="1159" name="OTLSHAPE_T_27ae47589bac40d38409405d5a28c9b6_StartDate" hidden="1">
+            <a:extLst>
+              <a:ext uri="{FF2B5EF4-FFF2-40B4-BE49-F238E27FC236}">
+                <a16:creationId xmlns:a16="http://schemas.microsoft.com/office/drawing/2014/main" id="{2C6C4CCF-068B-4AEF-AD1E-3F07E5E00496}"/>
               </a:ext>
             </a:extLst>
           </p:cNvPr>
           <p:cNvSpPr txBox="1"/>
           <p:nvPr>
             <p:custDataLst>
-              <p:tags r:id="rId68"/>
+              <p:tags r:id="rId81"/>
             </p:custDataLst>
           </p:nvPr>
         </p:nvSpPr>
@@ -12539,17 +13188,17 @@
       </p:sp>
       <p:sp>
         <p:nvSpPr>
-          <p:cNvPr id="934" name="OTLSHAPE_T_27ae47589bac40d38409405d5a28c9b6_EndDate" hidden="1">
-            <a:extLst>
-              <a:ext uri="{FF2B5EF4-FFF2-40B4-BE49-F238E27FC236}">
-                <a16:creationId xmlns:a16="http://schemas.microsoft.com/office/drawing/2014/main" id="{CD384A74-0109-4D7B-8BD9-12F6A47D6AEB}"/>
+          <p:cNvPr id="1160" name="OTLSHAPE_T_27ae47589bac40d38409405d5a28c9b6_EndDate" hidden="1">
+            <a:extLst>
+              <a:ext uri="{FF2B5EF4-FFF2-40B4-BE49-F238E27FC236}">
+                <a16:creationId xmlns:a16="http://schemas.microsoft.com/office/drawing/2014/main" id="{A4ABBB21-458C-4C65-A38D-0A465DAC934A}"/>
               </a:ext>
             </a:extLst>
           </p:cNvPr>
           <p:cNvSpPr txBox="1"/>
           <p:nvPr>
             <p:custDataLst>
-              <p:tags r:id="rId69"/>
+              <p:tags r:id="rId82"/>
             </p:custDataLst>
           </p:nvPr>
         </p:nvSpPr>
@@ -12581,23 +13230,23 @@
       </p:sp>
       <p:sp>
         <p:nvSpPr>
-          <p:cNvPr id="935" name="OTLSHAPE_T_27ae47589bac40d38409405d5a28c9b6_JoinedDate">
-            <a:extLst>
-              <a:ext uri="{FF2B5EF4-FFF2-40B4-BE49-F238E27FC236}">
-                <a16:creationId xmlns:a16="http://schemas.microsoft.com/office/drawing/2014/main" id="{DC7D7B50-1D7A-42DD-94AB-143EDB5E52C6}"/>
+          <p:cNvPr id="1161" name="OTLSHAPE_T_27ae47589bac40d38409405d5a28c9b6_JoinedDate">
+            <a:extLst>
+              <a:ext uri="{FF2B5EF4-FFF2-40B4-BE49-F238E27FC236}">
+                <a16:creationId xmlns:a16="http://schemas.microsoft.com/office/drawing/2014/main" id="{E7D0D410-CD01-4795-B691-3778883E810C}"/>
               </a:ext>
             </a:extLst>
           </p:cNvPr>
           <p:cNvSpPr txBox="1"/>
           <p:nvPr>
             <p:custDataLst>
-              <p:tags r:id="rId70"/>
-            </p:custDataLst>
-          </p:nvPr>
-        </p:nvSpPr>
-        <p:spPr>
-          <a:xfrm>
-            <a:off x="7754775" y="5302843"/>
+              <p:tags r:id="rId83"/>
+            </p:custDataLst>
+          </p:nvPr>
+        </p:nvSpPr>
+        <p:spPr>
+          <a:xfrm>
+            <a:off x="4349388" y="3389960"/>
             <a:ext cx="1155700" cy="155025"/>
           </a:xfrm>
           <a:prstGeom prst="rect">
@@ -12631,23 +13280,23 @@
       </p:sp>
       <p:sp>
         <p:nvSpPr>
-          <p:cNvPr id="936" name="OTLSHAPE_T_27ae47589bac40d38409405d5a28c9b6_Title">
-            <a:extLst>
-              <a:ext uri="{FF2B5EF4-FFF2-40B4-BE49-F238E27FC236}">
-                <a16:creationId xmlns:a16="http://schemas.microsoft.com/office/drawing/2014/main" id="{42D2E250-3D84-4847-A4AD-5DDD86642819}"/>
+          <p:cNvPr id="1162" name="OTLSHAPE_T_27ae47589bac40d38409405d5a28c9b6_Title">
+            <a:extLst>
+              <a:ext uri="{FF2B5EF4-FFF2-40B4-BE49-F238E27FC236}">
+                <a16:creationId xmlns:a16="http://schemas.microsoft.com/office/drawing/2014/main" id="{365B7C93-A2F7-4693-9FBF-C51011260E4E}"/>
               </a:ext>
             </a:extLst>
           </p:cNvPr>
           <p:cNvSpPr txBox="1"/>
           <p:nvPr>
             <p:custDataLst>
-              <p:tags r:id="rId71"/>
-            </p:custDataLst>
-          </p:nvPr>
-        </p:nvSpPr>
-        <p:spPr>
-          <a:xfrm>
-            <a:off x="127000" y="5295096"/>
+              <p:tags r:id="rId84"/>
+            </p:custDataLst>
+          </p:nvPr>
+        </p:nvSpPr>
+        <p:spPr>
+          <a:xfrm>
+            <a:off x="120735" y="3382213"/>
             <a:ext cx="1079500" cy="170519"/>
           </a:xfrm>
           <a:prstGeom prst="rect">
@@ -12675,24 +13324,1290 @@
       </p:sp>
       <p:sp>
         <p:nvSpPr>
-          <p:cNvPr id="937" name="OTLSHAPE_T_82fb3c45ae5f4c1ea8eb25fb96b27648_Shape">
-            <a:extLst>
-              <a:ext uri="{FF2B5EF4-FFF2-40B4-BE49-F238E27FC236}">
-                <a16:creationId xmlns:a16="http://schemas.microsoft.com/office/drawing/2014/main" id="{22C1D490-8380-481E-A947-177A58444206}"/>
+          <p:cNvPr id="1163" name="OTLSHAPE_T_82fb3c45ae5f4c1ea8eb25fb96b27648_Shape">
+            <a:extLst>
+              <a:ext uri="{FF2B5EF4-FFF2-40B4-BE49-F238E27FC236}">
+                <a16:creationId xmlns:a16="http://schemas.microsoft.com/office/drawing/2014/main" id="{9582F241-CEBA-4AE4-8D06-51BE6ED81839}"/>
               </a:ext>
             </a:extLst>
           </p:cNvPr>
           <p:cNvSpPr/>
           <p:nvPr>
             <p:custDataLst>
-              <p:tags r:id="rId72"/>
-            </p:custDataLst>
-          </p:nvPr>
-        </p:nvSpPr>
-        <p:spPr>
-          <a:xfrm>
-            <a:off x="4318700" y="5545455"/>
-            <a:ext cx="3390900" cy="203200"/>
+              <p:tags r:id="rId85"/>
+            </p:custDataLst>
+          </p:nvPr>
+        </p:nvSpPr>
+        <p:spPr>
+          <a:xfrm>
+            <a:off x="3497882" y="3632572"/>
+            <a:ext cx="1308100" cy="203200"/>
+          </a:xfrm>
+          <a:prstGeom prst="rect">
+            <a:avLst/>
+          </a:prstGeom>
+          <a:solidFill>
+            <a:schemeClr val="dk2"/>
+          </a:solidFill>
+          <a:ln w="12700" cap="flat" cmpd="sng" algn="ctr">
+            <a:noFill/>
+            <a:prstDash val="solid"/>
+            <a:miter lim="800000"/>
+          </a:ln>
+          <a:effectLst/>
+          <a:scene3d>
+            <a:camera prst="orthographicFront"/>
+            <a:lightRig rig="balanced" dir="t">
+              <a:rot lat="0" lon="0" rev="8700000"/>
+            </a:lightRig>
+          </a:scene3d>
+          <a:sp3d>
+            <a:bevelT w="165100" h="12700"/>
+          </a:sp3d>
+          <a:extLst>
+            <a:ext uri="{91240B29-F687-4F45-9708-019B960494DF}">
+              <a14:hiddenLine xmlns:a14="http://schemas.microsoft.com/office/drawing/2010/main" w="12700" cap="flat" cmpd="sng" algn="ctr">
+                <a:solidFill>
+                  <a:schemeClr val="accent1">
+                    <a:shade val="50000"/>
+                  </a:schemeClr>
+                </a:solidFill>
+                <a:prstDash val="solid"/>
+                <a:miter lim="800000"/>
+              </a14:hiddenLine>
+            </a:ext>
+            <a:ext uri="{AF507438-7753-43E0-B8FC-AC1667EBCBE1}">
+              <a14:hiddenEffects xmlns:a14="http://schemas.microsoft.com/office/drawing/2010/main">
+                <a:effectLst>
+                  <a:outerShdw>
+                    <a:scrgbClr r="0" g="0" b="0">
+                      <a:alpha val="50000"/>
+                    </a:scrgbClr>
+                  </a:outerShdw>
+                </a:effectLst>
+              </a14:hiddenEffects>
+            </a:ext>
+            <a:ext uri="{53640926-AAD7-44D8-BBD7-CCE9431645EC}">
+              <a14:shadowObscured xmlns:a14="http://schemas.microsoft.com/office/drawing/2010/main" val="1"/>
+            </a:ext>
+          </a:extLst>
+        </p:spPr>
+        <p:style>
+          <a:lnRef idx="2">
+            <a:schemeClr val="accent1">
+              <a:shade val="50000"/>
+            </a:schemeClr>
+          </a:lnRef>
+          <a:fillRef idx="1">
+            <a:schemeClr val="accent1"/>
+          </a:fillRef>
+          <a:effectRef idx="0">
+            <a:schemeClr val="accent1"/>
+          </a:effectRef>
+          <a:fontRef idx="minor">
+            <a:schemeClr val="lt1"/>
+          </a:fontRef>
+        </p:style>
+        <p:txBody>
+          <a:bodyPr rtlCol="0" anchor="ctr"/>
+          <a:lstStyle/>
+          <a:p>
+            <a:pPr algn="ctr"/>
+            <a:endParaRPr lang="ko-KR" altLang="en-US"/>
+          </a:p>
+        </p:txBody>
+      </p:sp>
+      <p:sp>
+        <p:nvSpPr>
+          <p:cNvPr id="1164" name="OTLSHAPE_T_82fb3c45ae5f4c1ea8eb25fb96b27648_ShapePercentage" hidden="1">
+            <a:extLst>
+              <a:ext uri="{FF2B5EF4-FFF2-40B4-BE49-F238E27FC236}">
+                <a16:creationId xmlns:a16="http://schemas.microsoft.com/office/drawing/2014/main" id="{B68BA60B-086D-4483-9994-D40ADAFFC533}"/>
+              </a:ext>
+            </a:extLst>
+          </p:cNvPr>
+          <p:cNvSpPr/>
+          <p:nvPr>
+            <p:custDataLst>
+              <p:tags r:id="rId86"/>
+            </p:custDataLst>
+          </p:nvPr>
+        </p:nvSpPr>
+        <p:spPr>
+          <a:xfrm>
+            <a:off x="3504147" y="5545455"/>
+            <a:ext cx="0" cy="0"/>
+          </a:xfrm>
+          <a:prstGeom prst="rect">
+            <a:avLst/>
+          </a:prstGeom>
+        </p:spPr>
+        <p:style>
+          <a:lnRef idx="2">
+            <a:schemeClr val="accent1">
+              <a:shade val="50000"/>
+            </a:schemeClr>
+          </a:lnRef>
+          <a:fillRef idx="1">
+            <a:schemeClr val="accent1"/>
+          </a:fillRef>
+          <a:effectRef idx="0">
+            <a:schemeClr val="accent1"/>
+          </a:effectRef>
+          <a:fontRef idx="minor">
+            <a:schemeClr val="lt1"/>
+          </a:fontRef>
+        </p:style>
+        <p:txBody>
+          <a:bodyPr rtlCol="0" anchor="ctr"/>
+          <a:lstStyle/>
+          <a:p>
+            <a:pPr algn="ctr"/>
+            <a:endParaRPr lang="ko-KR" altLang="en-US"/>
+          </a:p>
+        </p:txBody>
+      </p:sp>
+      <p:sp>
+        <p:nvSpPr>
+          <p:cNvPr id="1165" name="OTLSHAPE_T_82fb3c45ae5f4c1ea8eb25fb96b27648_Duration" hidden="1">
+            <a:extLst>
+              <a:ext uri="{FF2B5EF4-FFF2-40B4-BE49-F238E27FC236}">
+                <a16:creationId xmlns:a16="http://schemas.microsoft.com/office/drawing/2014/main" id="{C7E25A60-FEF1-470F-88A2-4170A4E20DD1}"/>
+              </a:ext>
+            </a:extLst>
+          </p:cNvPr>
+          <p:cNvSpPr txBox="1"/>
+          <p:nvPr>
+            <p:custDataLst>
+              <p:tags r:id="rId87"/>
+            </p:custDataLst>
+          </p:nvPr>
+        </p:nvSpPr>
+        <p:spPr>
+          <a:xfrm>
+            <a:off x="0" y="5545455"/>
+            <a:ext cx="292100" cy="155025"/>
+          </a:xfrm>
+          <a:prstGeom prst="rect">
+            <a:avLst/>
+          </a:prstGeom>
+          <a:noFill/>
+        </p:spPr>
+        <p:txBody>
+          <a:bodyPr vert="horz" wrap="square" lIns="0" tIns="0" rIns="0" bIns="0" rtlCol="0" anchor="ctr" anchorCtr="0">
+            <a:spAutoFit/>
+          </a:bodyPr>
+          <a:lstStyle/>
+          <a:p>
+            <a:pPr algn="ctr"/>
+            <a:r>
+              <a:rPr lang="en-US" altLang="ko-KR" sz="1000">
+                <a:solidFill>
+                  <a:schemeClr val="accent2"/>
+                </a:solidFill>
+                <a:latin typeface="Calibri" panose="020F0502020204030204" pitchFamily="34" charset="0"/>
+              </a:rPr>
+              <a:t>31 </a:t>
+            </a:r>
+            <a:r>
+              <a:rPr lang="ko-KR" altLang="en-US" sz="1000">
+                <a:solidFill>
+                  <a:schemeClr val="accent2"/>
+                </a:solidFill>
+                <a:latin typeface="Calibri" panose="020F0502020204030204" pitchFamily="34" charset="0"/>
+              </a:rPr>
+              <a:t>일</a:t>
+            </a:r>
+          </a:p>
+        </p:txBody>
+      </p:sp>
+      <p:sp>
+        <p:nvSpPr>
+          <p:cNvPr id="1166" name="OTLSHAPE_T_82fb3c45ae5f4c1ea8eb25fb96b27648_TextPercentage" hidden="1">
+            <a:extLst>
+              <a:ext uri="{FF2B5EF4-FFF2-40B4-BE49-F238E27FC236}">
+                <a16:creationId xmlns:a16="http://schemas.microsoft.com/office/drawing/2014/main" id="{9D575BAA-9B72-485A-ACA1-F699BAC35252}"/>
+              </a:ext>
+            </a:extLst>
+          </p:cNvPr>
+          <p:cNvSpPr txBox="1"/>
+          <p:nvPr>
+            <p:custDataLst>
+              <p:tags r:id="rId88"/>
+            </p:custDataLst>
+          </p:nvPr>
+        </p:nvSpPr>
+        <p:spPr>
+          <a:xfrm>
+            <a:off x="0" y="5700480"/>
+            <a:ext cx="0" cy="153888"/>
+          </a:xfrm>
+          <a:prstGeom prst="rect">
+            <a:avLst/>
+          </a:prstGeom>
+          <a:noFill/>
+        </p:spPr>
+        <p:txBody>
+          <a:bodyPr vert="horz" wrap="square" lIns="0" tIns="0" rIns="0" bIns="0" rtlCol="0" anchor="ctr" anchorCtr="0">
+            <a:spAutoFit/>
+          </a:bodyPr>
+          <a:lstStyle/>
+          <a:p>
+            <a:pPr algn="ctr"/>
+            <a:endParaRPr lang="ko-KR" altLang="en-US" sz="1000">
+              <a:solidFill>
+                <a:schemeClr val="accent2"/>
+              </a:solidFill>
+              <a:latin typeface="Calibri" panose="020F0502020204030204" pitchFamily="34" charset="0"/>
+            </a:endParaRPr>
+          </a:p>
+        </p:txBody>
+      </p:sp>
+      <p:sp>
+        <p:nvSpPr>
+          <p:cNvPr id="1167" name="OTLSHAPE_T_82fb3c45ae5f4c1ea8eb25fb96b27648_StartDate" hidden="1">
+            <a:extLst>
+              <a:ext uri="{FF2B5EF4-FFF2-40B4-BE49-F238E27FC236}">
+                <a16:creationId xmlns:a16="http://schemas.microsoft.com/office/drawing/2014/main" id="{ED22BA82-0A1B-4BCD-95FF-BBF5D9C1780E}"/>
+              </a:ext>
+            </a:extLst>
+          </p:cNvPr>
+          <p:cNvSpPr txBox="1"/>
+          <p:nvPr>
+            <p:custDataLst>
+              <p:tags r:id="rId89"/>
+            </p:custDataLst>
+          </p:nvPr>
+        </p:nvSpPr>
+        <p:spPr>
+          <a:xfrm>
+            <a:off x="0" y="5700480"/>
+            <a:ext cx="0" cy="153888"/>
+          </a:xfrm>
+          <a:prstGeom prst="rect">
+            <a:avLst/>
+          </a:prstGeom>
+          <a:noFill/>
+        </p:spPr>
+        <p:txBody>
+          <a:bodyPr vert="horz" wrap="square" lIns="0" tIns="0" rIns="0" bIns="0" rtlCol="0" anchor="ctr" anchorCtr="0">
+            <a:spAutoFit/>
+          </a:bodyPr>
+          <a:lstStyle/>
+          <a:p>
+            <a:pPr algn="ctr"/>
+            <a:endParaRPr lang="ko-KR" altLang="en-US" sz="1000">
+              <a:solidFill>
+                <a:schemeClr val="dk2"/>
+              </a:solidFill>
+              <a:latin typeface="Calibri" panose="020F0502020204030204" pitchFamily="34" charset="0"/>
+            </a:endParaRPr>
+          </a:p>
+        </p:txBody>
+      </p:sp>
+      <p:sp>
+        <p:nvSpPr>
+          <p:cNvPr id="1168" name="OTLSHAPE_T_82fb3c45ae5f4c1ea8eb25fb96b27648_EndDate" hidden="1">
+            <a:extLst>
+              <a:ext uri="{FF2B5EF4-FFF2-40B4-BE49-F238E27FC236}">
+                <a16:creationId xmlns:a16="http://schemas.microsoft.com/office/drawing/2014/main" id="{D9D741CB-AF04-4509-808A-94E87146DA66}"/>
+              </a:ext>
+            </a:extLst>
+          </p:cNvPr>
+          <p:cNvSpPr txBox="1"/>
+          <p:nvPr>
+            <p:custDataLst>
+              <p:tags r:id="rId90"/>
+            </p:custDataLst>
+          </p:nvPr>
+        </p:nvSpPr>
+        <p:spPr>
+          <a:xfrm>
+            <a:off x="0" y="5700480"/>
+            <a:ext cx="0" cy="153888"/>
+          </a:xfrm>
+          <a:prstGeom prst="rect">
+            <a:avLst/>
+          </a:prstGeom>
+          <a:noFill/>
+        </p:spPr>
+        <p:txBody>
+          <a:bodyPr vert="horz" wrap="square" lIns="0" tIns="0" rIns="0" bIns="0" rtlCol="0" anchor="ctr" anchorCtr="0">
+            <a:spAutoFit/>
+          </a:bodyPr>
+          <a:lstStyle/>
+          <a:p>
+            <a:pPr algn="ctr"/>
+            <a:endParaRPr lang="ko-KR" altLang="en-US" sz="1000">
+              <a:solidFill>
+                <a:schemeClr val="dk2"/>
+              </a:solidFill>
+              <a:latin typeface="Calibri" panose="020F0502020204030204" pitchFamily="34" charset="0"/>
+            </a:endParaRPr>
+          </a:p>
+        </p:txBody>
+      </p:sp>
+      <p:sp>
+        <p:nvSpPr>
+          <p:cNvPr id="1169" name="OTLSHAPE_T_82fb3c45ae5f4c1ea8eb25fb96b27648_JoinedDate">
+            <a:extLst>
+              <a:ext uri="{FF2B5EF4-FFF2-40B4-BE49-F238E27FC236}">
+                <a16:creationId xmlns:a16="http://schemas.microsoft.com/office/drawing/2014/main" id="{4D20A0C0-33DF-42BA-BFC1-E7196089117E}"/>
+              </a:ext>
+            </a:extLst>
+          </p:cNvPr>
+          <p:cNvSpPr txBox="1"/>
+          <p:nvPr>
+            <p:custDataLst>
+              <p:tags r:id="rId91"/>
+            </p:custDataLst>
+          </p:nvPr>
+        </p:nvSpPr>
+        <p:spPr>
+          <a:xfrm>
+            <a:off x="4855115" y="3656660"/>
+            <a:ext cx="1092200" cy="155025"/>
+          </a:xfrm>
+          <a:prstGeom prst="rect">
+            <a:avLst/>
+          </a:prstGeom>
+          <a:noFill/>
+        </p:spPr>
+        <p:txBody>
+          <a:bodyPr vert="horz" wrap="square" lIns="0" tIns="0" rIns="0" bIns="0" rtlCol="0" anchor="ctr" anchorCtr="0">
+            <a:spAutoFit/>
+          </a:bodyPr>
+          <a:lstStyle/>
+          <a:p>
+            <a:r>
+              <a:rPr lang="en-US" altLang="ko-KR" sz="1000" spc="-4">
+                <a:solidFill>
+                  <a:schemeClr val="dk2"/>
+                </a:solidFill>
+                <a:latin typeface="Calibri" panose="020F0502020204030204" pitchFamily="34" charset="0"/>
+              </a:rPr>
+              <a:t>5-1-2019 - 5-31-2019</a:t>
+            </a:r>
+            <a:endParaRPr lang="ko-KR" altLang="en-US" sz="1000" spc="-4">
+              <a:solidFill>
+                <a:schemeClr val="dk2"/>
+              </a:solidFill>
+              <a:latin typeface="Calibri" panose="020F0502020204030204" pitchFamily="34" charset="0"/>
+            </a:endParaRPr>
+          </a:p>
+        </p:txBody>
+      </p:sp>
+      <p:sp>
+        <p:nvSpPr>
+          <p:cNvPr id="1170" name="OTLSHAPE_T_82fb3c45ae5f4c1ea8eb25fb96b27648_Title">
+            <a:extLst>
+              <a:ext uri="{FF2B5EF4-FFF2-40B4-BE49-F238E27FC236}">
+                <a16:creationId xmlns:a16="http://schemas.microsoft.com/office/drawing/2014/main" id="{CB946513-03D8-4159-9E43-35B9CD45C974}"/>
+              </a:ext>
+            </a:extLst>
+          </p:cNvPr>
+          <p:cNvSpPr txBox="1"/>
+          <p:nvPr>
+            <p:custDataLst>
+              <p:tags r:id="rId92"/>
+            </p:custDataLst>
+          </p:nvPr>
+        </p:nvSpPr>
+        <p:spPr>
+          <a:xfrm>
+            <a:off x="120735" y="3648913"/>
+            <a:ext cx="1219200" cy="170519"/>
+          </a:xfrm>
+          <a:prstGeom prst="rect">
+            <a:avLst/>
+          </a:prstGeom>
+          <a:noFill/>
+        </p:spPr>
+        <p:txBody>
+          <a:bodyPr vert="horz" wrap="square" lIns="0" tIns="0" rIns="0" bIns="0" rtlCol="0" anchor="ctr" anchorCtr="0">
+            <a:spAutoFit/>
+          </a:bodyPr>
+          <a:lstStyle/>
+          <a:p>
+            <a:r>
+              <a:rPr lang="ko-KR" altLang="en-US" sz="1100" b="1" spc="-6">
+                <a:solidFill>
+                  <a:schemeClr val="dk1"/>
+                </a:solidFill>
+                <a:latin typeface="Calibri" panose="020F0502020204030204" pitchFamily="34" charset="0"/>
+              </a:rPr>
+              <a:t>의류 관리 모듈 개발</a:t>
+            </a:r>
+          </a:p>
+        </p:txBody>
+      </p:sp>
+      <p:sp>
+        <p:nvSpPr>
+          <p:cNvPr id="1171" name="OTLSHAPE_T_e676dd5c8d65477588b6d56b4e73ee0c_Shape">
+            <a:extLst>
+              <a:ext uri="{FF2B5EF4-FFF2-40B4-BE49-F238E27FC236}">
+                <a16:creationId xmlns:a16="http://schemas.microsoft.com/office/drawing/2014/main" id="{B5FC39F9-5959-4996-AAA3-1E7D2124A6FB}"/>
+              </a:ext>
+            </a:extLst>
+          </p:cNvPr>
+          <p:cNvSpPr/>
+          <p:nvPr>
+            <p:custDataLst>
+              <p:tags r:id="rId93"/>
+            </p:custDataLst>
+          </p:nvPr>
+        </p:nvSpPr>
+        <p:spPr>
+          <a:xfrm>
+            <a:off x="3497882" y="3899272"/>
+            <a:ext cx="1308100" cy="203200"/>
+          </a:xfrm>
+          <a:prstGeom prst="rect">
+            <a:avLst/>
+          </a:prstGeom>
+          <a:solidFill>
+            <a:schemeClr val="dk2"/>
+          </a:solidFill>
+          <a:ln w="12700" cap="flat" cmpd="sng" algn="ctr">
+            <a:noFill/>
+            <a:prstDash val="solid"/>
+            <a:miter lim="800000"/>
+          </a:ln>
+          <a:effectLst/>
+          <a:scene3d>
+            <a:camera prst="orthographicFront"/>
+            <a:lightRig rig="balanced" dir="t">
+              <a:rot lat="0" lon="0" rev="8700000"/>
+            </a:lightRig>
+          </a:scene3d>
+          <a:sp3d>
+            <a:bevelT w="165100" h="12700"/>
+          </a:sp3d>
+          <a:extLst>
+            <a:ext uri="{91240B29-F687-4F45-9708-019B960494DF}">
+              <a14:hiddenLine xmlns:a14="http://schemas.microsoft.com/office/drawing/2010/main" w="12700" cap="flat" cmpd="sng" algn="ctr">
+                <a:solidFill>
+                  <a:schemeClr val="accent1">
+                    <a:shade val="50000"/>
+                  </a:schemeClr>
+                </a:solidFill>
+                <a:prstDash val="solid"/>
+                <a:miter lim="800000"/>
+              </a14:hiddenLine>
+            </a:ext>
+            <a:ext uri="{AF507438-7753-43E0-B8FC-AC1667EBCBE1}">
+              <a14:hiddenEffects xmlns:a14="http://schemas.microsoft.com/office/drawing/2010/main">
+                <a:effectLst>
+                  <a:outerShdw>
+                    <a:scrgbClr r="0" g="0" b="0">
+                      <a:alpha val="50000"/>
+                    </a:scrgbClr>
+                  </a:outerShdw>
+                </a:effectLst>
+              </a14:hiddenEffects>
+            </a:ext>
+            <a:ext uri="{53640926-AAD7-44D8-BBD7-CCE9431645EC}">
+              <a14:shadowObscured xmlns:a14="http://schemas.microsoft.com/office/drawing/2010/main" val="1"/>
+            </a:ext>
+          </a:extLst>
+        </p:spPr>
+        <p:style>
+          <a:lnRef idx="2">
+            <a:schemeClr val="accent1">
+              <a:shade val="50000"/>
+            </a:schemeClr>
+          </a:lnRef>
+          <a:fillRef idx="1">
+            <a:schemeClr val="accent1"/>
+          </a:fillRef>
+          <a:effectRef idx="0">
+            <a:schemeClr val="accent1"/>
+          </a:effectRef>
+          <a:fontRef idx="minor">
+            <a:schemeClr val="lt1"/>
+          </a:fontRef>
+        </p:style>
+        <p:txBody>
+          <a:bodyPr rtlCol="0" anchor="ctr"/>
+          <a:lstStyle/>
+          <a:p>
+            <a:pPr algn="ctr"/>
+            <a:endParaRPr lang="ko-KR" altLang="en-US"/>
+          </a:p>
+        </p:txBody>
+      </p:sp>
+      <p:sp>
+        <p:nvSpPr>
+          <p:cNvPr id="1172" name="OTLSHAPE_T_e676dd5c8d65477588b6d56b4e73ee0c_ShapePercentage" hidden="1">
+            <a:extLst>
+              <a:ext uri="{FF2B5EF4-FFF2-40B4-BE49-F238E27FC236}">
+                <a16:creationId xmlns:a16="http://schemas.microsoft.com/office/drawing/2014/main" id="{5726BC1A-B813-47F2-88B5-D4E7F43F03B3}"/>
+              </a:ext>
+            </a:extLst>
+          </p:cNvPr>
+          <p:cNvSpPr/>
+          <p:nvPr>
+            <p:custDataLst>
+              <p:tags r:id="rId94"/>
+            </p:custDataLst>
+          </p:nvPr>
+        </p:nvSpPr>
+        <p:spPr>
+          <a:xfrm>
+            <a:off x="3504147" y="5812155"/>
+            <a:ext cx="0" cy="0"/>
+          </a:xfrm>
+          <a:prstGeom prst="rect">
+            <a:avLst/>
+          </a:prstGeom>
+        </p:spPr>
+        <p:style>
+          <a:lnRef idx="2">
+            <a:schemeClr val="accent1">
+              <a:shade val="50000"/>
+            </a:schemeClr>
+          </a:lnRef>
+          <a:fillRef idx="1">
+            <a:schemeClr val="accent1"/>
+          </a:fillRef>
+          <a:effectRef idx="0">
+            <a:schemeClr val="accent1"/>
+          </a:effectRef>
+          <a:fontRef idx="minor">
+            <a:schemeClr val="lt1"/>
+          </a:fontRef>
+        </p:style>
+        <p:txBody>
+          <a:bodyPr rtlCol="0" anchor="ctr"/>
+          <a:lstStyle/>
+          <a:p>
+            <a:pPr algn="ctr"/>
+            <a:endParaRPr lang="ko-KR" altLang="en-US"/>
+          </a:p>
+        </p:txBody>
+      </p:sp>
+      <p:sp>
+        <p:nvSpPr>
+          <p:cNvPr id="1173" name="OTLSHAPE_T_e676dd5c8d65477588b6d56b4e73ee0c_Duration" hidden="1">
+            <a:extLst>
+              <a:ext uri="{FF2B5EF4-FFF2-40B4-BE49-F238E27FC236}">
+                <a16:creationId xmlns:a16="http://schemas.microsoft.com/office/drawing/2014/main" id="{E6CF3D4A-186B-4A6B-951E-8A209F19862B}"/>
+              </a:ext>
+            </a:extLst>
+          </p:cNvPr>
+          <p:cNvSpPr txBox="1"/>
+          <p:nvPr>
+            <p:custDataLst>
+              <p:tags r:id="rId95"/>
+            </p:custDataLst>
+          </p:nvPr>
+        </p:nvSpPr>
+        <p:spPr>
+          <a:xfrm>
+            <a:off x="0" y="5812155"/>
+            <a:ext cx="292100" cy="155025"/>
+          </a:xfrm>
+          <a:prstGeom prst="rect">
+            <a:avLst/>
+          </a:prstGeom>
+          <a:noFill/>
+        </p:spPr>
+        <p:txBody>
+          <a:bodyPr vert="horz" wrap="square" lIns="0" tIns="0" rIns="0" bIns="0" rtlCol="0" anchor="ctr" anchorCtr="0">
+            <a:spAutoFit/>
+          </a:bodyPr>
+          <a:lstStyle/>
+          <a:p>
+            <a:pPr algn="ctr"/>
+            <a:r>
+              <a:rPr lang="en-US" altLang="ko-KR" sz="1000">
+                <a:solidFill>
+                  <a:schemeClr val="accent2"/>
+                </a:solidFill>
+                <a:latin typeface="Calibri" panose="020F0502020204030204" pitchFamily="34" charset="0"/>
+              </a:rPr>
+              <a:t>31 </a:t>
+            </a:r>
+            <a:r>
+              <a:rPr lang="ko-KR" altLang="en-US" sz="1000">
+                <a:solidFill>
+                  <a:schemeClr val="accent2"/>
+                </a:solidFill>
+                <a:latin typeface="Calibri" panose="020F0502020204030204" pitchFamily="34" charset="0"/>
+              </a:rPr>
+              <a:t>일</a:t>
+            </a:r>
+          </a:p>
+        </p:txBody>
+      </p:sp>
+      <p:sp>
+        <p:nvSpPr>
+          <p:cNvPr id="1174" name="OTLSHAPE_T_e676dd5c8d65477588b6d56b4e73ee0c_TextPercentage" hidden="1">
+            <a:extLst>
+              <a:ext uri="{FF2B5EF4-FFF2-40B4-BE49-F238E27FC236}">
+                <a16:creationId xmlns:a16="http://schemas.microsoft.com/office/drawing/2014/main" id="{EBBB5BBD-AFB8-4E41-9ECA-31FC84C73091}"/>
+              </a:ext>
+            </a:extLst>
+          </p:cNvPr>
+          <p:cNvSpPr txBox="1"/>
+          <p:nvPr>
+            <p:custDataLst>
+              <p:tags r:id="rId96"/>
+            </p:custDataLst>
+          </p:nvPr>
+        </p:nvSpPr>
+        <p:spPr>
+          <a:xfrm>
+            <a:off x="0" y="5967180"/>
+            <a:ext cx="0" cy="153888"/>
+          </a:xfrm>
+          <a:prstGeom prst="rect">
+            <a:avLst/>
+          </a:prstGeom>
+          <a:noFill/>
+        </p:spPr>
+        <p:txBody>
+          <a:bodyPr vert="horz" wrap="square" lIns="0" tIns="0" rIns="0" bIns="0" rtlCol="0" anchor="ctr" anchorCtr="0">
+            <a:spAutoFit/>
+          </a:bodyPr>
+          <a:lstStyle/>
+          <a:p>
+            <a:pPr algn="ctr"/>
+            <a:endParaRPr lang="ko-KR" altLang="en-US" sz="1000">
+              <a:solidFill>
+                <a:schemeClr val="accent2"/>
+              </a:solidFill>
+              <a:latin typeface="Calibri" panose="020F0502020204030204" pitchFamily="34" charset="0"/>
+            </a:endParaRPr>
+          </a:p>
+        </p:txBody>
+      </p:sp>
+      <p:sp>
+        <p:nvSpPr>
+          <p:cNvPr id="1175" name="OTLSHAPE_T_e676dd5c8d65477588b6d56b4e73ee0c_StartDate" hidden="1">
+            <a:extLst>
+              <a:ext uri="{FF2B5EF4-FFF2-40B4-BE49-F238E27FC236}">
+                <a16:creationId xmlns:a16="http://schemas.microsoft.com/office/drawing/2014/main" id="{690278BC-2D0A-4A00-888A-0493AB3E5C32}"/>
+              </a:ext>
+            </a:extLst>
+          </p:cNvPr>
+          <p:cNvSpPr txBox="1"/>
+          <p:nvPr>
+            <p:custDataLst>
+              <p:tags r:id="rId97"/>
+            </p:custDataLst>
+          </p:nvPr>
+        </p:nvSpPr>
+        <p:spPr>
+          <a:xfrm>
+            <a:off x="0" y="5967180"/>
+            <a:ext cx="0" cy="153888"/>
+          </a:xfrm>
+          <a:prstGeom prst="rect">
+            <a:avLst/>
+          </a:prstGeom>
+          <a:noFill/>
+        </p:spPr>
+        <p:txBody>
+          <a:bodyPr vert="horz" wrap="square" lIns="0" tIns="0" rIns="0" bIns="0" rtlCol="0" anchor="ctr" anchorCtr="0">
+            <a:spAutoFit/>
+          </a:bodyPr>
+          <a:lstStyle/>
+          <a:p>
+            <a:pPr algn="ctr"/>
+            <a:endParaRPr lang="ko-KR" altLang="en-US" sz="1000">
+              <a:solidFill>
+                <a:schemeClr val="dk2"/>
+              </a:solidFill>
+              <a:latin typeface="Calibri" panose="020F0502020204030204" pitchFamily="34" charset="0"/>
+            </a:endParaRPr>
+          </a:p>
+        </p:txBody>
+      </p:sp>
+      <p:sp>
+        <p:nvSpPr>
+          <p:cNvPr id="1176" name="OTLSHAPE_T_e676dd5c8d65477588b6d56b4e73ee0c_EndDate" hidden="1">
+            <a:extLst>
+              <a:ext uri="{FF2B5EF4-FFF2-40B4-BE49-F238E27FC236}">
+                <a16:creationId xmlns:a16="http://schemas.microsoft.com/office/drawing/2014/main" id="{A60A4870-B9E4-4256-8F40-CF1B49B4F03D}"/>
+              </a:ext>
+            </a:extLst>
+          </p:cNvPr>
+          <p:cNvSpPr txBox="1"/>
+          <p:nvPr>
+            <p:custDataLst>
+              <p:tags r:id="rId98"/>
+            </p:custDataLst>
+          </p:nvPr>
+        </p:nvSpPr>
+        <p:spPr>
+          <a:xfrm>
+            <a:off x="0" y="5967180"/>
+            <a:ext cx="0" cy="153888"/>
+          </a:xfrm>
+          <a:prstGeom prst="rect">
+            <a:avLst/>
+          </a:prstGeom>
+          <a:noFill/>
+        </p:spPr>
+        <p:txBody>
+          <a:bodyPr vert="horz" wrap="square" lIns="0" tIns="0" rIns="0" bIns="0" rtlCol="0" anchor="ctr" anchorCtr="0">
+            <a:spAutoFit/>
+          </a:bodyPr>
+          <a:lstStyle/>
+          <a:p>
+            <a:pPr algn="ctr"/>
+            <a:endParaRPr lang="ko-KR" altLang="en-US" sz="1000">
+              <a:solidFill>
+                <a:schemeClr val="dk2"/>
+              </a:solidFill>
+              <a:latin typeface="Calibri" panose="020F0502020204030204" pitchFamily="34" charset="0"/>
+            </a:endParaRPr>
+          </a:p>
+        </p:txBody>
+      </p:sp>
+      <p:sp>
+        <p:nvSpPr>
+          <p:cNvPr id="1177" name="OTLSHAPE_T_e676dd5c8d65477588b6d56b4e73ee0c_JoinedDate">
+            <a:extLst>
+              <a:ext uri="{FF2B5EF4-FFF2-40B4-BE49-F238E27FC236}">
+                <a16:creationId xmlns:a16="http://schemas.microsoft.com/office/drawing/2014/main" id="{DD632E9D-01B5-41DF-9556-9341AAB002C1}"/>
+              </a:ext>
+            </a:extLst>
+          </p:cNvPr>
+          <p:cNvSpPr txBox="1"/>
+          <p:nvPr>
+            <p:custDataLst>
+              <p:tags r:id="rId99"/>
+            </p:custDataLst>
+          </p:nvPr>
+        </p:nvSpPr>
+        <p:spPr>
+          <a:xfrm>
+            <a:off x="4855115" y="3923360"/>
+            <a:ext cx="1092200" cy="155025"/>
+          </a:xfrm>
+          <a:prstGeom prst="rect">
+            <a:avLst/>
+          </a:prstGeom>
+          <a:noFill/>
+        </p:spPr>
+        <p:txBody>
+          <a:bodyPr vert="horz" wrap="square" lIns="0" tIns="0" rIns="0" bIns="0" rtlCol="0" anchor="ctr" anchorCtr="0">
+            <a:spAutoFit/>
+          </a:bodyPr>
+          <a:lstStyle/>
+          <a:p>
+            <a:r>
+              <a:rPr lang="en-US" altLang="ko-KR" sz="1000" spc="-4">
+                <a:solidFill>
+                  <a:schemeClr val="dk2"/>
+                </a:solidFill>
+                <a:latin typeface="Calibri" panose="020F0502020204030204" pitchFamily="34" charset="0"/>
+              </a:rPr>
+              <a:t>5-1-2019 - 5-31-2019</a:t>
+            </a:r>
+            <a:endParaRPr lang="ko-KR" altLang="en-US" sz="1000" spc="-4">
+              <a:solidFill>
+                <a:schemeClr val="dk2"/>
+              </a:solidFill>
+              <a:latin typeface="Calibri" panose="020F0502020204030204" pitchFamily="34" charset="0"/>
+            </a:endParaRPr>
+          </a:p>
+        </p:txBody>
+      </p:sp>
+      <p:sp>
+        <p:nvSpPr>
+          <p:cNvPr id="1178" name="OTLSHAPE_T_e676dd5c8d65477588b6d56b4e73ee0c_Title">
+            <a:extLst>
+              <a:ext uri="{FF2B5EF4-FFF2-40B4-BE49-F238E27FC236}">
+                <a16:creationId xmlns:a16="http://schemas.microsoft.com/office/drawing/2014/main" id="{CCCCB1AA-72E8-4DEA-9E90-D98A262E0AD8}"/>
+              </a:ext>
+            </a:extLst>
+          </p:cNvPr>
+          <p:cNvSpPr txBox="1"/>
+          <p:nvPr>
+            <p:custDataLst>
+              <p:tags r:id="rId100"/>
+            </p:custDataLst>
+          </p:nvPr>
+        </p:nvSpPr>
+        <p:spPr>
+          <a:xfrm>
+            <a:off x="120735" y="3915613"/>
+            <a:ext cx="1219200" cy="170519"/>
+          </a:xfrm>
+          <a:prstGeom prst="rect">
+            <a:avLst/>
+          </a:prstGeom>
+          <a:noFill/>
+        </p:spPr>
+        <p:txBody>
+          <a:bodyPr vert="horz" wrap="square" lIns="0" tIns="0" rIns="0" bIns="0" rtlCol="0" anchor="ctr" anchorCtr="0">
+            <a:spAutoFit/>
+          </a:bodyPr>
+          <a:lstStyle/>
+          <a:p>
+            <a:r>
+              <a:rPr lang="ko-KR" altLang="en-US" sz="1100" b="1" spc="-6">
+                <a:solidFill>
+                  <a:schemeClr val="dk1"/>
+                </a:solidFill>
+                <a:latin typeface="Calibri" panose="020F0502020204030204" pitchFamily="34" charset="0"/>
+              </a:rPr>
+              <a:t>신체 인식 모듈 개발</a:t>
+            </a:r>
+          </a:p>
+        </p:txBody>
+      </p:sp>
+      <p:sp>
+        <p:nvSpPr>
+          <p:cNvPr id="1179" name="OTLSHAPE_T_55871566acb4479fa593c4d75faba5f3_Shape">
+            <a:extLst>
+              <a:ext uri="{FF2B5EF4-FFF2-40B4-BE49-F238E27FC236}">
+                <a16:creationId xmlns:a16="http://schemas.microsoft.com/office/drawing/2014/main" id="{EA08715D-B10A-4C5E-A667-2C8262942DFC}"/>
+              </a:ext>
+            </a:extLst>
+          </p:cNvPr>
+          <p:cNvSpPr/>
+          <p:nvPr>
+            <p:custDataLst>
+              <p:tags r:id="rId101"/>
+            </p:custDataLst>
+          </p:nvPr>
+        </p:nvSpPr>
+        <p:spPr>
+          <a:xfrm>
+            <a:off x="4804344" y="4165972"/>
+            <a:ext cx="2578100" cy="203200"/>
+          </a:xfrm>
+          <a:prstGeom prst="rect">
+            <a:avLst/>
+          </a:prstGeom>
+          <a:solidFill>
+            <a:schemeClr val="dk2"/>
+          </a:solidFill>
+          <a:ln w="12700" cap="flat" cmpd="sng" algn="ctr">
+            <a:noFill/>
+            <a:prstDash val="solid"/>
+            <a:miter lim="800000"/>
+          </a:ln>
+          <a:effectLst/>
+          <a:scene3d>
+            <a:camera prst="orthographicFront"/>
+            <a:lightRig rig="balanced" dir="t">
+              <a:rot lat="0" lon="0" rev="8700000"/>
+            </a:lightRig>
+          </a:scene3d>
+          <a:sp3d>
+            <a:bevelT w="165100" h="12700"/>
+          </a:sp3d>
+          <a:extLst>
+            <a:ext uri="{91240B29-F687-4F45-9708-019B960494DF}">
+              <a14:hiddenLine xmlns:a14="http://schemas.microsoft.com/office/drawing/2010/main" w="12700" cap="flat" cmpd="sng" algn="ctr">
+                <a:solidFill>
+                  <a:schemeClr val="accent1">
+                    <a:shade val="50000"/>
+                  </a:schemeClr>
+                </a:solidFill>
+                <a:prstDash val="solid"/>
+                <a:miter lim="800000"/>
+              </a14:hiddenLine>
+            </a:ext>
+            <a:ext uri="{AF507438-7753-43E0-B8FC-AC1667EBCBE1}">
+              <a14:hiddenEffects xmlns:a14="http://schemas.microsoft.com/office/drawing/2010/main">
+                <a:effectLst>
+                  <a:outerShdw>
+                    <a:scrgbClr r="0" g="0" b="0">
+                      <a:alpha val="50000"/>
+                    </a:scrgbClr>
+                  </a:outerShdw>
+                </a:effectLst>
+              </a14:hiddenEffects>
+            </a:ext>
+            <a:ext uri="{53640926-AAD7-44D8-BBD7-CCE9431645EC}">
+              <a14:shadowObscured xmlns:a14="http://schemas.microsoft.com/office/drawing/2010/main" val="1"/>
+            </a:ext>
+          </a:extLst>
+        </p:spPr>
+        <p:style>
+          <a:lnRef idx="2">
+            <a:schemeClr val="accent1">
+              <a:shade val="50000"/>
+            </a:schemeClr>
+          </a:lnRef>
+          <a:fillRef idx="1">
+            <a:schemeClr val="accent1"/>
+          </a:fillRef>
+          <a:effectRef idx="0">
+            <a:schemeClr val="accent1"/>
+          </a:effectRef>
+          <a:fontRef idx="minor">
+            <a:schemeClr val="lt1"/>
+          </a:fontRef>
+        </p:style>
+        <p:txBody>
+          <a:bodyPr rtlCol="0" anchor="ctr"/>
+          <a:lstStyle/>
+          <a:p>
+            <a:pPr algn="ctr"/>
+            <a:endParaRPr lang="ko-KR" altLang="en-US"/>
+          </a:p>
+        </p:txBody>
+      </p:sp>
+      <p:sp>
+        <p:nvSpPr>
+          <p:cNvPr id="1180" name="OTLSHAPE_T_55871566acb4479fa593c4d75faba5f3_ShapePercentage" hidden="1">
+            <a:extLst>
+              <a:ext uri="{FF2B5EF4-FFF2-40B4-BE49-F238E27FC236}">
+                <a16:creationId xmlns:a16="http://schemas.microsoft.com/office/drawing/2014/main" id="{F445677C-6EE8-41E7-BAE3-C037251B5588}"/>
+              </a:ext>
+            </a:extLst>
+          </p:cNvPr>
+          <p:cNvSpPr/>
+          <p:nvPr>
+            <p:custDataLst>
+              <p:tags r:id="rId102"/>
+            </p:custDataLst>
+          </p:nvPr>
+        </p:nvSpPr>
+        <p:spPr>
+          <a:xfrm>
+            <a:off x="4810609" y="6078855"/>
+            <a:ext cx="0" cy="0"/>
+          </a:xfrm>
+          <a:prstGeom prst="rect">
+            <a:avLst/>
+          </a:prstGeom>
+        </p:spPr>
+        <p:style>
+          <a:lnRef idx="2">
+            <a:schemeClr val="accent1">
+              <a:shade val="50000"/>
+            </a:schemeClr>
+          </a:lnRef>
+          <a:fillRef idx="1">
+            <a:schemeClr val="accent1"/>
+          </a:fillRef>
+          <a:effectRef idx="0">
+            <a:schemeClr val="accent1"/>
+          </a:effectRef>
+          <a:fontRef idx="minor">
+            <a:schemeClr val="lt1"/>
+          </a:fontRef>
+        </p:style>
+        <p:txBody>
+          <a:bodyPr rtlCol="0" anchor="ctr"/>
+          <a:lstStyle/>
+          <a:p>
+            <a:pPr algn="ctr"/>
+            <a:endParaRPr lang="ko-KR" altLang="en-US"/>
+          </a:p>
+        </p:txBody>
+      </p:sp>
+      <p:sp>
+        <p:nvSpPr>
+          <p:cNvPr id="1181" name="OTLSHAPE_T_55871566acb4479fa593c4d75faba5f3_Duration" hidden="1">
+            <a:extLst>
+              <a:ext uri="{FF2B5EF4-FFF2-40B4-BE49-F238E27FC236}">
+                <a16:creationId xmlns:a16="http://schemas.microsoft.com/office/drawing/2014/main" id="{D2CE96B4-32DA-452A-A40B-960F3A25657F}"/>
+              </a:ext>
+            </a:extLst>
+          </p:cNvPr>
+          <p:cNvSpPr txBox="1"/>
+          <p:nvPr>
+            <p:custDataLst>
+              <p:tags r:id="rId103"/>
+            </p:custDataLst>
+          </p:nvPr>
+        </p:nvSpPr>
+        <p:spPr>
+          <a:xfrm>
+            <a:off x="0" y="6078855"/>
+            <a:ext cx="292100" cy="155025"/>
+          </a:xfrm>
+          <a:prstGeom prst="rect">
+            <a:avLst/>
+          </a:prstGeom>
+          <a:noFill/>
+        </p:spPr>
+        <p:txBody>
+          <a:bodyPr vert="horz" wrap="square" lIns="0" tIns="0" rIns="0" bIns="0" rtlCol="0" anchor="ctr" anchorCtr="0">
+            <a:spAutoFit/>
+          </a:bodyPr>
+          <a:lstStyle/>
+          <a:p>
+            <a:pPr algn="ctr"/>
+            <a:r>
+              <a:rPr lang="en-US" altLang="ko-KR" sz="1000">
+                <a:solidFill>
+                  <a:schemeClr val="accent2"/>
+                </a:solidFill>
+                <a:latin typeface="Calibri" panose="020F0502020204030204" pitchFamily="34" charset="0"/>
+              </a:rPr>
+              <a:t>61 </a:t>
+            </a:r>
+            <a:r>
+              <a:rPr lang="ko-KR" altLang="en-US" sz="1000">
+                <a:solidFill>
+                  <a:schemeClr val="accent2"/>
+                </a:solidFill>
+                <a:latin typeface="Calibri" panose="020F0502020204030204" pitchFamily="34" charset="0"/>
+              </a:rPr>
+              <a:t>일</a:t>
+            </a:r>
+          </a:p>
+        </p:txBody>
+      </p:sp>
+      <p:sp>
+        <p:nvSpPr>
+          <p:cNvPr id="1182" name="OTLSHAPE_T_55871566acb4479fa593c4d75faba5f3_TextPercentage" hidden="1">
+            <a:extLst>
+              <a:ext uri="{FF2B5EF4-FFF2-40B4-BE49-F238E27FC236}">
+                <a16:creationId xmlns:a16="http://schemas.microsoft.com/office/drawing/2014/main" id="{45861864-6C35-40CF-93E0-916560F8F82C}"/>
+              </a:ext>
+            </a:extLst>
+          </p:cNvPr>
+          <p:cNvSpPr txBox="1"/>
+          <p:nvPr>
+            <p:custDataLst>
+              <p:tags r:id="rId104"/>
+            </p:custDataLst>
+          </p:nvPr>
+        </p:nvSpPr>
+        <p:spPr>
+          <a:xfrm>
+            <a:off x="0" y="6233880"/>
+            <a:ext cx="0" cy="153888"/>
+          </a:xfrm>
+          <a:prstGeom prst="rect">
+            <a:avLst/>
+          </a:prstGeom>
+          <a:noFill/>
+        </p:spPr>
+        <p:txBody>
+          <a:bodyPr vert="horz" wrap="square" lIns="0" tIns="0" rIns="0" bIns="0" rtlCol="0" anchor="ctr" anchorCtr="0">
+            <a:spAutoFit/>
+          </a:bodyPr>
+          <a:lstStyle/>
+          <a:p>
+            <a:pPr algn="ctr"/>
+            <a:endParaRPr lang="ko-KR" altLang="en-US" sz="1000">
+              <a:solidFill>
+                <a:schemeClr val="accent2"/>
+              </a:solidFill>
+              <a:latin typeface="Calibri" panose="020F0502020204030204" pitchFamily="34" charset="0"/>
+            </a:endParaRPr>
+          </a:p>
+        </p:txBody>
+      </p:sp>
+      <p:sp>
+        <p:nvSpPr>
+          <p:cNvPr id="1183" name="OTLSHAPE_T_55871566acb4479fa593c4d75faba5f3_StartDate" hidden="1">
+            <a:extLst>
+              <a:ext uri="{FF2B5EF4-FFF2-40B4-BE49-F238E27FC236}">
+                <a16:creationId xmlns:a16="http://schemas.microsoft.com/office/drawing/2014/main" id="{6EFE1106-0A61-475B-9946-0604A20E4165}"/>
+              </a:ext>
+            </a:extLst>
+          </p:cNvPr>
+          <p:cNvSpPr txBox="1"/>
+          <p:nvPr>
+            <p:custDataLst>
+              <p:tags r:id="rId105"/>
+            </p:custDataLst>
+          </p:nvPr>
+        </p:nvSpPr>
+        <p:spPr>
+          <a:xfrm>
+            <a:off x="0" y="6233880"/>
+            <a:ext cx="0" cy="153888"/>
+          </a:xfrm>
+          <a:prstGeom prst="rect">
+            <a:avLst/>
+          </a:prstGeom>
+          <a:noFill/>
+        </p:spPr>
+        <p:txBody>
+          <a:bodyPr vert="horz" wrap="square" lIns="0" tIns="0" rIns="0" bIns="0" rtlCol="0" anchor="ctr" anchorCtr="0">
+            <a:spAutoFit/>
+          </a:bodyPr>
+          <a:lstStyle/>
+          <a:p>
+            <a:pPr algn="ctr"/>
+            <a:endParaRPr lang="ko-KR" altLang="en-US" sz="1000">
+              <a:solidFill>
+                <a:schemeClr val="dk2"/>
+              </a:solidFill>
+              <a:latin typeface="Calibri" panose="020F0502020204030204" pitchFamily="34" charset="0"/>
+            </a:endParaRPr>
+          </a:p>
+        </p:txBody>
+      </p:sp>
+      <p:sp>
+        <p:nvSpPr>
+          <p:cNvPr id="1184" name="OTLSHAPE_T_55871566acb4479fa593c4d75faba5f3_EndDate" hidden="1">
+            <a:extLst>
+              <a:ext uri="{FF2B5EF4-FFF2-40B4-BE49-F238E27FC236}">
+                <a16:creationId xmlns:a16="http://schemas.microsoft.com/office/drawing/2014/main" id="{87D38B96-8171-401A-9DCA-002F3F84C7AC}"/>
+              </a:ext>
+            </a:extLst>
+          </p:cNvPr>
+          <p:cNvSpPr txBox="1"/>
+          <p:nvPr>
+            <p:custDataLst>
+              <p:tags r:id="rId106"/>
+            </p:custDataLst>
+          </p:nvPr>
+        </p:nvSpPr>
+        <p:spPr>
+          <a:xfrm>
+            <a:off x="0" y="6233880"/>
+            <a:ext cx="0" cy="153888"/>
+          </a:xfrm>
+          <a:prstGeom prst="rect">
+            <a:avLst/>
+          </a:prstGeom>
+          <a:noFill/>
+        </p:spPr>
+        <p:txBody>
+          <a:bodyPr vert="horz" wrap="square" lIns="0" tIns="0" rIns="0" bIns="0" rtlCol="0" anchor="ctr" anchorCtr="0">
+            <a:spAutoFit/>
+          </a:bodyPr>
+          <a:lstStyle/>
+          <a:p>
+            <a:pPr algn="ctr"/>
+            <a:endParaRPr lang="ko-KR" altLang="en-US" sz="1000">
+              <a:solidFill>
+                <a:schemeClr val="dk2"/>
+              </a:solidFill>
+              <a:latin typeface="Calibri" panose="020F0502020204030204" pitchFamily="34" charset="0"/>
+            </a:endParaRPr>
+          </a:p>
+        </p:txBody>
+      </p:sp>
+      <p:sp>
+        <p:nvSpPr>
+          <p:cNvPr id="1185" name="OTLSHAPE_T_55871566acb4479fa593c4d75faba5f3_JoinedDate">
+            <a:extLst>
+              <a:ext uri="{FF2B5EF4-FFF2-40B4-BE49-F238E27FC236}">
+                <a16:creationId xmlns:a16="http://schemas.microsoft.com/office/drawing/2014/main" id="{4DA47347-A9E0-4F00-990F-89CA9EA7D806}"/>
+              </a:ext>
+            </a:extLst>
+          </p:cNvPr>
+          <p:cNvSpPr txBox="1"/>
+          <p:nvPr>
+            <p:custDataLst>
+              <p:tags r:id="rId107"/>
+            </p:custDataLst>
+          </p:nvPr>
+        </p:nvSpPr>
+        <p:spPr>
+          <a:xfrm>
+            <a:off x="7425897" y="4190060"/>
+            <a:ext cx="1092200" cy="155025"/>
+          </a:xfrm>
+          <a:prstGeom prst="rect">
+            <a:avLst/>
+          </a:prstGeom>
+          <a:noFill/>
+        </p:spPr>
+        <p:txBody>
+          <a:bodyPr vert="horz" wrap="square" lIns="0" tIns="0" rIns="0" bIns="0" rtlCol="0" anchor="ctr" anchorCtr="0">
+            <a:spAutoFit/>
+          </a:bodyPr>
+          <a:lstStyle/>
+          <a:p>
+            <a:r>
+              <a:rPr lang="en-US" altLang="ko-KR" sz="1000" spc="-4">
+                <a:solidFill>
+                  <a:schemeClr val="dk2"/>
+                </a:solidFill>
+                <a:latin typeface="Calibri" panose="020F0502020204030204" pitchFamily="34" charset="0"/>
+              </a:rPr>
+              <a:t>6-1-2019 - 7-31-2019</a:t>
+            </a:r>
+            <a:endParaRPr lang="ko-KR" altLang="en-US" sz="1000" spc="-4">
+              <a:solidFill>
+                <a:schemeClr val="dk2"/>
+              </a:solidFill>
+              <a:latin typeface="Calibri" panose="020F0502020204030204" pitchFamily="34" charset="0"/>
+            </a:endParaRPr>
+          </a:p>
+        </p:txBody>
+      </p:sp>
+      <p:sp>
+        <p:nvSpPr>
+          <p:cNvPr id="1186" name="OTLSHAPE_T_55871566acb4479fa593c4d75faba5f3_Title">
+            <a:extLst>
+              <a:ext uri="{FF2B5EF4-FFF2-40B4-BE49-F238E27FC236}">
+                <a16:creationId xmlns:a16="http://schemas.microsoft.com/office/drawing/2014/main" id="{0E48217C-0AB9-4F8B-A71E-EDA2857E3052}"/>
+              </a:ext>
+            </a:extLst>
+          </p:cNvPr>
+          <p:cNvSpPr txBox="1"/>
+          <p:nvPr>
+            <p:custDataLst>
+              <p:tags r:id="rId108"/>
+            </p:custDataLst>
+          </p:nvPr>
+        </p:nvSpPr>
+        <p:spPr>
+          <a:xfrm>
+            <a:off x="120735" y="4182313"/>
+            <a:ext cx="1727200" cy="170519"/>
+          </a:xfrm>
+          <a:prstGeom prst="rect">
+            <a:avLst/>
+          </a:prstGeom>
+          <a:noFill/>
+        </p:spPr>
+        <p:txBody>
+          <a:bodyPr vert="horz" wrap="square" lIns="0" tIns="0" rIns="0" bIns="0" rtlCol="0" anchor="ctr" anchorCtr="0">
+            <a:spAutoFit/>
+          </a:bodyPr>
+          <a:lstStyle/>
+          <a:p>
+            <a:r>
+              <a:rPr lang="en-US" altLang="ko-KR" sz="1100" b="1" spc="-4">
+                <a:solidFill>
+                  <a:schemeClr val="dk1"/>
+                </a:solidFill>
+                <a:latin typeface="Calibri" panose="020F0502020204030204" pitchFamily="34" charset="0"/>
+              </a:rPr>
+              <a:t>AR </a:t>
+            </a:r>
+            <a:r>
+              <a:rPr lang="ko-KR" altLang="en-US" sz="1100" b="1" spc="-4">
+                <a:solidFill>
+                  <a:schemeClr val="dk1"/>
+                </a:solidFill>
+                <a:latin typeface="Calibri" panose="020F0502020204030204" pitchFamily="34" charset="0"/>
+              </a:rPr>
+              <a:t>모델링 및 출력 함수 개발</a:t>
+            </a:r>
+          </a:p>
+        </p:txBody>
+      </p:sp>
+      <p:sp>
+        <p:nvSpPr>
+          <p:cNvPr id="1187" name="OTLSHAPE_T_860c807e4fce45b4a07b88fb5e537165_Shape">
+            <a:extLst>
+              <a:ext uri="{FF2B5EF4-FFF2-40B4-BE49-F238E27FC236}">
+                <a16:creationId xmlns:a16="http://schemas.microsoft.com/office/drawing/2014/main" id="{C0472C01-EFCB-4D3B-BD98-A7300E4FF66D}"/>
+              </a:ext>
+            </a:extLst>
+          </p:cNvPr>
+          <p:cNvSpPr/>
+          <p:nvPr>
+            <p:custDataLst>
+              <p:tags r:id="rId109"/>
+            </p:custDataLst>
+          </p:nvPr>
+        </p:nvSpPr>
+        <p:spPr>
+          <a:xfrm>
+            <a:off x="4804344" y="4432672"/>
+            <a:ext cx="812800" cy="203200"/>
           </a:xfrm>
           <a:prstGeom prst="rect">
             <a:avLst/>
@@ -12770,23 +14685,23 @@
       </p:sp>
       <p:sp>
         <p:nvSpPr>
-          <p:cNvPr id="938" name="OTLSHAPE_T_82fb3c45ae5f4c1ea8eb25fb96b27648_ShapePercentage" hidden="1">
-            <a:extLst>
-              <a:ext uri="{FF2B5EF4-FFF2-40B4-BE49-F238E27FC236}">
-                <a16:creationId xmlns:a16="http://schemas.microsoft.com/office/drawing/2014/main" id="{32F900F3-44D3-4861-8DE6-E2D294F5AB40}"/>
+          <p:cNvPr id="1188" name="OTLSHAPE_T_860c807e4fce45b4a07b88fb5e537165_ShapePercentage" hidden="1">
+            <a:extLst>
+              <a:ext uri="{FF2B5EF4-FFF2-40B4-BE49-F238E27FC236}">
+                <a16:creationId xmlns:a16="http://schemas.microsoft.com/office/drawing/2014/main" id="{575F198A-AB8A-4D3D-B2D5-0509F53C6396}"/>
               </a:ext>
             </a:extLst>
           </p:cNvPr>
           <p:cNvSpPr/>
           <p:nvPr>
             <p:custDataLst>
-              <p:tags r:id="rId73"/>
-            </p:custDataLst>
-          </p:nvPr>
-        </p:nvSpPr>
-        <p:spPr>
-          <a:xfrm>
-            <a:off x="4318700" y="5545455"/>
+              <p:tags r:id="rId110"/>
+            </p:custDataLst>
+          </p:nvPr>
+        </p:nvSpPr>
+        <p:spPr>
+          <a:xfrm>
+            <a:off x="4810609" y="6345555"/>
             <a:ext cx="0" cy="0"/>
           </a:xfrm>
           <a:prstGeom prst="rect">
@@ -12820,23 +14735,23 @@
       </p:sp>
       <p:sp>
         <p:nvSpPr>
-          <p:cNvPr id="939" name="OTLSHAPE_T_82fb3c45ae5f4c1ea8eb25fb96b27648_Duration" hidden="1">
-            <a:extLst>
-              <a:ext uri="{FF2B5EF4-FFF2-40B4-BE49-F238E27FC236}">
-                <a16:creationId xmlns:a16="http://schemas.microsoft.com/office/drawing/2014/main" id="{963964D2-E1EC-4CA5-BA52-74ABF9F85D73}"/>
+          <p:cNvPr id="1189" name="OTLSHAPE_T_860c807e4fce45b4a07b88fb5e537165_Duration" hidden="1">
+            <a:extLst>
+              <a:ext uri="{FF2B5EF4-FFF2-40B4-BE49-F238E27FC236}">
+                <a16:creationId xmlns:a16="http://schemas.microsoft.com/office/drawing/2014/main" id="{1D3CA12C-63D1-4624-97E8-D4C0A114A68D}"/>
               </a:ext>
             </a:extLst>
           </p:cNvPr>
           <p:cNvSpPr txBox="1"/>
           <p:nvPr>
             <p:custDataLst>
-              <p:tags r:id="rId74"/>
-            </p:custDataLst>
-          </p:nvPr>
-        </p:nvSpPr>
-        <p:spPr>
-          <a:xfrm>
-            <a:off x="0" y="5545455"/>
+              <p:tags r:id="rId111"/>
+            </p:custDataLst>
+          </p:nvPr>
+        </p:nvSpPr>
+        <p:spPr>
+          <a:xfrm>
+            <a:off x="0" y="6345555"/>
             <a:ext cx="292100" cy="155025"/>
           </a:xfrm>
           <a:prstGeom prst="rect">
@@ -12858,7 +14773,7 @@
                 </a:solidFill>
                 <a:latin typeface="Calibri" panose="020F0502020204030204" pitchFamily="34" charset="0"/>
               </a:rPr>
-              <a:t>40 </a:t>
+              <a:t>19 </a:t>
             </a:r>
             <a:r>
               <a:rPr lang="ko-KR" altLang="en-US" sz="1000">
@@ -12874,23 +14789,23 @@
       </p:sp>
       <p:sp>
         <p:nvSpPr>
-          <p:cNvPr id="940" name="OTLSHAPE_T_82fb3c45ae5f4c1ea8eb25fb96b27648_TextPercentage" hidden="1">
-            <a:extLst>
-              <a:ext uri="{FF2B5EF4-FFF2-40B4-BE49-F238E27FC236}">
-                <a16:creationId xmlns:a16="http://schemas.microsoft.com/office/drawing/2014/main" id="{99B69A3A-005A-433F-A1B1-D229CC66B01F}"/>
+          <p:cNvPr id="1190" name="OTLSHAPE_T_860c807e4fce45b4a07b88fb5e537165_TextPercentage" hidden="1">
+            <a:extLst>
+              <a:ext uri="{FF2B5EF4-FFF2-40B4-BE49-F238E27FC236}">
+                <a16:creationId xmlns:a16="http://schemas.microsoft.com/office/drawing/2014/main" id="{55B87EA9-755E-4621-BAB0-C55FFF54770F}"/>
               </a:ext>
             </a:extLst>
           </p:cNvPr>
           <p:cNvSpPr txBox="1"/>
           <p:nvPr>
             <p:custDataLst>
-              <p:tags r:id="rId75"/>
-            </p:custDataLst>
-          </p:nvPr>
-        </p:nvSpPr>
-        <p:spPr>
-          <a:xfrm>
-            <a:off x="0" y="5700480"/>
+              <p:tags r:id="rId112"/>
+            </p:custDataLst>
+          </p:nvPr>
+        </p:nvSpPr>
+        <p:spPr>
+          <a:xfrm>
+            <a:off x="0" y="6500580"/>
             <a:ext cx="0" cy="153888"/>
           </a:xfrm>
           <a:prstGeom prst="rect">
@@ -12916,23 +14831,23 @@
       </p:sp>
       <p:sp>
         <p:nvSpPr>
-          <p:cNvPr id="941" name="OTLSHAPE_T_82fb3c45ae5f4c1ea8eb25fb96b27648_StartDate" hidden="1">
-            <a:extLst>
-              <a:ext uri="{FF2B5EF4-FFF2-40B4-BE49-F238E27FC236}">
-                <a16:creationId xmlns:a16="http://schemas.microsoft.com/office/drawing/2014/main" id="{1F10057E-8843-4B0B-9582-39836F37AC6A}"/>
+          <p:cNvPr id="1191" name="OTLSHAPE_T_860c807e4fce45b4a07b88fb5e537165_StartDate" hidden="1">
+            <a:extLst>
+              <a:ext uri="{FF2B5EF4-FFF2-40B4-BE49-F238E27FC236}">
+                <a16:creationId xmlns:a16="http://schemas.microsoft.com/office/drawing/2014/main" id="{24763EC8-CFE1-4C1D-90F4-37984302BE25}"/>
               </a:ext>
             </a:extLst>
           </p:cNvPr>
           <p:cNvSpPr txBox="1"/>
           <p:nvPr>
             <p:custDataLst>
-              <p:tags r:id="rId76"/>
-            </p:custDataLst>
-          </p:nvPr>
-        </p:nvSpPr>
-        <p:spPr>
-          <a:xfrm>
-            <a:off x="0" y="5700480"/>
+              <p:tags r:id="rId113"/>
+            </p:custDataLst>
+          </p:nvPr>
+        </p:nvSpPr>
+        <p:spPr>
+          <a:xfrm>
+            <a:off x="0" y="6500580"/>
             <a:ext cx="0" cy="153888"/>
           </a:xfrm>
           <a:prstGeom prst="rect">
@@ -12958,23 +14873,23 @@
       </p:sp>
       <p:sp>
         <p:nvSpPr>
-          <p:cNvPr id="942" name="OTLSHAPE_T_82fb3c45ae5f4c1ea8eb25fb96b27648_EndDate" hidden="1">
-            <a:extLst>
-              <a:ext uri="{FF2B5EF4-FFF2-40B4-BE49-F238E27FC236}">
-                <a16:creationId xmlns:a16="http://schemas.microsoft.com/office/drawing/2014/main" id="{E8221330-A060-4F5F-9B47-7B322F547F1C}"/>
+          <p:cNvPr id="1192" name="OTLSHAPE_T_860c807e4fce45b4a07b88fb5e537165_EndDate" hidden="1">
+            <a:extLst>
+              <a:ext uri="{FF2B5EF4-FFF2-40B4-BE49-F238E27FC236}">
+                <a16:creationId xmlns:a16="http://schemas.microsoft.com/office/drawing/2014/main" id="{BCF5AB7B-AA03-4132-BDB3-CDA4B4906943}"/>
               </a:ext>
             </a:extLst>
           </p:cNvPr>
           <p:cNvSpPr txBox="1"/>
           <p:nvPr>
             <p:custDataLst>
-              <p:tags r:id="rId77"/>
-            </p:custDataLst>
-          </p:nvPr>
-        </p:nvSpPr>
-        <p:spPr>
-          <a:xfrm>
-            <a:off x="0" y="5700480"/>
+              <p:tags r:id="rId114"/>
+            </p:custDataLst>
+          </p:nvPr>
+        </p:nvSpPr>
+        <p:spPr>
+          <a:xfrm>
+            <a:off x="0" y="6500580"/>
             <a:ext cx="0" cy="153888"/>
           </a:xfrm>
           <a:prstGeom prst="rect">
@@ -13000,24 +14915,24 @@
       </p:sp>
       <p:sp>
         <p:nvSpPr>
-          <p:cNvPr id="943" name="OTLSHAPE_T_82fb3c45ae5f4c1ea8eb25fb96b27648_JoinedDate">
-            <a:extLst>
-              <a:ext uri="{FF2B5EF4-FFF2-40B4-BE49-F238E27FC236}">
-                <a16:creationId xmlns:a16="http://schemas.microsoft.com/office/drawing/2014/main" id="{8D37ADDC-121D-4086-8B5E-A1633BBFDC63}"/>
+          <p:cNvPr id="1193" name="OTLSHAPE_T_860c807e4fce45b4a07b88fb5e537165_JoinedDate">
+            <a:extLst>
+              <a:ext uri="{FF2B5EF4-FFF2-40B4-BE49-F238E27FC236}">
+                <a16:creationId xmlns:a16="http://schemas.microsoft.com/office/drawing/2014/main" id="{BFEE0925-3F29-4BD1-9CDE-C50ABB5429CB}"/>
               </a:ext>
             </a:extLst>
           </p:cNvPr>
           <p:cNvSpPr txBox="1"/>
           <p:nvPr>
             <p:custDataLst>
-              <p:tags r:id="rId78"/>
-            </p:custDataLst>
-          </p:nvPr>
-        </p:nvSpPr>
-        <p:spPr>
-          <a:xfrm>
-            <a:off x="7754775" y="5569543"/>
-            <a:ext cx="1155700" cy="155025"/>
+              <p:tags r:id="rId115"/>
+            </p:custDataLst>
+          </p:nvPr>
+        </p:nvSpPr>
+        <p:spPr>
+          <a:xfrm>
+            <a:off x="5655851" y="4456760"/>
+            <a:ext cx="1092200" cy="155025"/>
           </a:xfrm>
           <a:prstGeom prst="rect">
             <a:avLst/>
@@ -13037,7 +14952,7 @@
                 </a:solidFill>
                 <a:latin typeface="Calibri" panose="020F0502020204030204" pitchFamily="34" charset="0"/>
               </a:rPr>
-              <a:t>4-10-2019 - 5-19-2019</a:t>
+              <a:t>6-1-2019 - 6-19-2019</a:t>
             </a:r>
             <a:endParaRPr lang="ko-KR" altLang="en-US" sz="1000" spc="-4">
               <a:solidFill>
@@ -13050,24 +14965,24 @@
       </p:sp>
       <p:sp>
         <p:nvSpPr>
-          <p:cNvPr id="944" name="OTLSHAPE_T_82fb3c45ae5f4c1ea8eb25fb96b27648_Title">
-            <a:extLst>
-              <a:ext uri="{FF2B5EF4-FFF2-40B4-BE49-F238E27FC236}">
-                <a16:creationId xmlns:a16="http://schemas.microsoft.com/office/drawing/2014/main" id="{7E4B2943-7883-41C5-A3CA-0ABD14D704D7}"/>
+          <p:cNvPr id="1194" name="OTLSHAPE_T_860c807e4fce45b4a07b88fb5e537165_Title">
+            <a:extLst>
+              <a:ext uri="{FF2B5EF4-FFF2-40B4-BE49-F238E27FC236}">
+                <a16:creationId xmlns:a16="http://schemas.microsoft.com/office/drawing/2014/main" id="{77860882-2C28-4F31-A8F2-D3DF8D1FB6E9}"/>
               </a:ext>
             </a:extLst>
           </p:cNvPr>
           <p:cNvSpPr txBox="1"/>
           <p:nvPr>
             <p:custDataLst>
-              <p:tags r:id="rId79"/>
-            </p:custDataLst>
-          </p:nvPr>
-        </p:nvSpPr>
-        <p:spPr>
-          <a:xfrm>
-            <a:off x="127000" y="5561796"/>
-            <a:ext cx="1219200" cy="170519"/>
+              <p:tags r:id="rId116"/>
+            </p:custDataLst>
+          </p:nvPr>
+        </p:nvSpPr>
+        <p:spPr>
+          <a:xfrm>
+            <a:off x="120735" y="4449013"/>
+            <a:ext cx="1244600" cy="170519"/>
           </a:xfrm>
           <a:prstGeom prst="rect">
             <a:avLst/>
@@ -13087,31 +15002,468 @@
                 </a:solidFill>
                 <a:latin typeface="Calibri" panose="020F0502020204030204" pitchFamily="34" charset="0"/>
               </a:rPr>
-              <a:t>의류 관련 모듈 개발</a:t>
-            </a:r>
-          </a:p>
-        </p:txBody>
-      </p:sp>
-      <p:sp>
-        <p:nvSpPr>
-          <p:cNvPr id="945" name="OTLSHAPE_T_e676dd5c8d65477588b6d56b4e73ee0c_Shape">
-            <a:extLst>
-              <a:ext uri="{FF2B5EF4-FFF2-40B4-BE49-F238E27FC236}">
-                <a16:creationId xmlns:a16="http://schemas.microsoft.com/office/drawing/2014/main" id="{A8E5D0E8-8CF5-476B-A908-6295B6C44083}"/>
+              <a:t>메인 모듈 유지</a:t>
+            </a:r>
+            <a:r>
+              <a:rPr lang="en-US" altLang="ko-KR" sz="1100" b="1" spc="-6">
+                <a:solidFill>
+                  <a:schemeClr val="dk1"/>
+                </a:solidFill>
+                <a:latin typeface="Calibri" panose="020F0502020204030204" pitchFamily="34" charset="0"/>
+              </a:rPr>
+              <a:t>/</a:t>
+            </a:r>
+            <a:r>
+              <a:rPr lang="ko-KR" altLang="en-US" sz="1100" b="1" spc="-6">
+                <a:solidFill>
+                  <a:schemeClr val="dk1"/>
+                </a:solidFill>
+                <a:latin typeface="Calibri" panose="020F0502020204030204" pitchFamily="34" charset="0"/>
+              </a:rPr>
+              <a:t>보수</a:t>
+            </a:r>
+          </a:p>
+        </p:txBody>
+      </p:sp>
+      <p:sp>
+        <p:nvSpPr>
+          <p:cNvPr id="1195" name="OTLSHAPE_T_22f39fb829944911aac60ff29587efd4_Shape">
+            <a:extLst>
+              <a:ext uri="{FF2B5EF4-FFF2-40B4-BE49-F238E27FC236}">
+                <a16:creationId xmlns:a16="http://schemas.microsoft.com/office/drawing/2014/main" id="{94E3D633-FE32-4245-BD4D-18E9DB2AD150}"/>
               </a:ext>
             </a:extLst>
           </p:cNvPr>
           <p:cNvSpPr/>
           <p:nvPr>
             <p:custDataLst>
-              <p:tags r:id="rId80"/>
-            </p:custDataLst>
-          </p:nvPr>
-        </p:nvSpPr>
-        <p:spPr>
-          <a:xfrm>
-            <a:off x="5926734" y="5812155"/>
-            <a:ext cx="1778000" cy="203200"/>
+              <p:tags r:id="rId117"/>
+            </p:custDataLst>
+          </p:nvPr>
+        </p:nvSpPr>
+        <p:spPr>
+          <a:xfrm>
+            <a:off x="4972920" y="4699372"/>
+            <a:ext cx="635000" cy="203200"/>
+          </a:xfrm>
+          <a:prstGeom prst="rect">
+            <a:avLst/>
+          </a:prstGeom>
+          <a:solidFill>
+            <a:schemeClr val="accent1"/>
+          </a:solidFill>
+          <a:ln w="12700" cap="flat" cmpd="sng" algn="ctr">
+            <a:noFill/>
+            <a:prstDash val="solid"/>
+            <a:miter lim="800000"/>
+          </a:ln>
+          <a:effectLst/>
+          <a:scene3d>
+            <a:camera prst="orthographicFront"/>
+            <a:lightRig rig="balanced" dir="t">
+              <a:rot lat="0" lon="0" rev="8700000"/>
+            </a:lightRig>
+          </a:scene3d>
+          <a:sp3d>
+            <a:bevelT w="165100" h="12700"/>
+          </a:sp3d>
+          <a:extLst>
+            <a:ext uri="{91240B29-F687-4F45-9708-019B960494DF}">
+              <a14:hiddenLine xmlns:a14="http://schemas.microsoft.com/office/drawing/2010/main" w="12700" cap="flat" cmpd="sng" algn="ctr">
+                <a:solidFill>
+                  <a:schemeClr val="accent1">
+                    <a:shade val="50000"/>
+                  </a:schemeClr>
+                </a:solidFill>
+                <a:prstDash val="solid"/>
+                <a:miter lim="800000"/>
+              </a14:hiddenLine>
+            </a:ext>
+            <a:ext uri="{AF507438-7753-43E0-B8FC-AC1667EBCBE1}">
+              <a14:hiddenEffects xmlns:a14="http://schemas.microsoft.com/office/drawing/2010/main">
+                <a:effectLst>
+                  <a:outerShdw>
+                    <a:scrgbClr r="0" g="0" b="0">
+                      <a:alpha val="50000"/>
+                    </a:scrgbClr>
+                  </a:outerShdw>
+                </a:effectLst>
+              </a14:hiddenEffects>
+            </a:ext>
+            <a:ext uri="{53640926-AAD7-44D8-BBD7-CCE9431645EC}">
+              <a14:shadowObscured xmlns:a14="http://schemas.microsoft.com/office/drawing/2010/main" val="1"/>
+            </a:ext>
+          </a:extLst>
+        </p:spPr>
+        <p:style>
+          <a:lnRef idx="2">
+            <a:schemeClr val="accent1">
+              <a:shade val="50000"/>
+            </a:schemeClr>
+          </a:lnRef>
+          <a:fillRef idx="1">
+            <a:schemeClr val="accent1"/>
+          </a:fillRef>
+          <a:effectRef idx="0">
+            <a:schemeClr val="accent1"/>
+          </a:effectRef>
+          <a:fontRef idx="minor">
+            <a:schemeClr val="lt1"/>
+          </a:fontRef>
+        </p:style>
+        <p:txBody>
+          <a:bodyPr rtlCol="0" anchor="ctr"/>
+          <a:lstStyle/>
+          <a:p>
+            <a:pPr algn="ctr"/>
+            <a:endParaRPr lang="ko-KR" altLang="en-US"/>
+          </a:p>
+        </p:txBody>
+      </p:sp>
+      <p:sp>
+        <p:nvSpPr>
+          <p:cNvPr id="1196" name="OTLSHAPE_T_22f39fb829944911aac60ff29587efd4_ShapePercentage" hidden="1">
+            <a:extLst>
+              <a:ext uri="{FF2B5EF4-FFF2-40B4-BE49-F238E27FC236}">
+                <a16:creationId xmlns:a16="http://schemas.microsoft.com/office/drawing/2014/main" id="{23C6AB0E-5BD6-4C08-ABAF-BD4DB05A9CF4}"/>
+              </a:ext>
+            </a:extLst>
+          </p:cNvPr>
+          <p:cNvSpPr/>
+          <p:nvPr>
+            <p:custDataLst>
+              <p:tags r:id="rId118"/>
+            </p:custDataLst>
+          </p:nvPr>
+        </p:nvSpPr>
+        <p:spPr>
+          <a:xfrm>
+            <a:off x="4979185" y="6612255"/>
+            <a:ext cx="0" cy="0"/>
+          </a:xfrm>
+          <a:prstGeom prst="rect">
+            <a:avLst/>
+          </a:prstGeom>
+        </p:spPr>
+        <p:style>
+          <a:lnRef idx="2">
+            <a:schemeClr val="accent1">
+              <a:shade val="50000"/>
+            </a:schemeClr>
+          </a:lnRef>
+          <a:fillRef idx="1">
+            <a:schemeClr val="accent1"/>
+          </a:fillRef>
+          <a:effectRef idx="0">
+            <a:schemeClr val="accent1"/>
+          </a:effectRef>
+          <a:fontRef idx="minor">
+            <a:schemeClr val="lt1"/>
+          </a:fontRef>
+        </p:style>
+        <p:txBody>
+          <a:bodyPr rtlCol="0" anchor="ctr"/>
+          <a:lstStyle/>
+          <a:p>
+            <a:pPr algn="ctr"/>
+            <a:endParaRPr lang="ko-KR" altLang="en-US"/>
+          </a:p>
+        </p:txBody>
+      </p:sp>
+      <p:sp>
+        <p:nvSpPr>
+          <p:cNvPr id="1197" name="OTLSHAPE_T_22f39fb829944911aac60ff29587efd4_Duration" hidden="1">
+            <a:extLst>
+              <a:ext uri="{FF2B5EF4-FFF2-40B4-BE49-F238E27FC236}">
+                <a16:creationId xmlns:a16="http://schemas.microsoft.com/office/drawing/2014/main" id="{788C4DC3-2625-4F3E-92A3-228BD1449407}"/>
+              </a:ext>
+            </a:extLst>
+          </p:cNvPr>
+          <p:cNvSpPr txBox="1"/>
+          <p:nvPr>
+            <p:custDataLst>
+              <p:tags r:id="rId119"/>
+            </p:custDataLst>
+          </p:nvPr>
+        </p:nvSpPr>
+        <p:spPr>
+          <a:xfrm>
+            <a:off x="0" y="6612255"/>
+            <a:ext cx="292100" cy="155025"/>
+          </a:xfrm>
+          <a:prstGeom prst="rect">
+            <a:avLst/>
+          </a:prstGeom>
+          <a:noFill/>
+        </p:spPr>
+        <p:txBody>
+          <a:bodyPr vert="horz" wrap="square" lIns="0" tIns="0" rIns="0" bIns="0" rtlCol="0" anchor="ctr" anchorCtr="0">
+            <a:spAutoFit/>
+          </a:bodyPr>
+          <a:lstStyle/>
+          <a:p>
+            <a:pPr algn="ctr"/>
+            <a:r>
+              <a:rPr lang="en-US" altLang="ko-KR" sz="1000">
+                <a:solidFill>
+                  <a:schemeClr val="accent2"/>
+                </a:solidFill>
+                <a:latin typeface="Calibri" panose="020F0502020204030204" pitchFamily="34" charset="0"/>
+              </a:rPr>
+              <a:t>15 </a:t>
+            </a:r>
+            <a:r>
+              <a:rPr lang="ko-KR" altLang="en-US" sz="1000">
+                <a:solidFill>
+                  <a:schemeClr val="accent2"/>
+                </a:solidFill>
+                <a:latin typeface="Calibri" panose="020F0502020204030204" pitchFamily="34" charset="0"/>
+              </a:rPr>
+              <a:t>일</a:t>
+            </a:r>
+          </a:p>
+        </p:txBody>
+      </p:sp>
+      <p:sp>
+        <p:nvSpPr>
+          <p:cNvPr id="1198" name="OTLSHAPE_T_22f39fb829944911aac60ff29587efd4_TextPercentage" hidden="1">
+            <a:extLst>
+              <a:ext uri="{FF2B5EF4-FFF2-40B4-BE49-F238E27FC236}">
+                <a16:creationId xmlns:a16="http://schemas.microsoft.com/office/drawing/2014/main" id="{95D0C319-F1DF-4AC0-BC82-49755971B114}"/>
+              </a:ext>
+            </a:extLst>
+          </p:cNvPr>
+          <p:cNvSpPr txBox="1"/>
+          <p:nvPr>
+            <p:custDataLst>
+              <p:tags r:id="rId120"/>
+            </p:custDataLst>
+          </p:nvPr>
+        </p:nvSpPr>
+        <p:spPr>
+          <a:xfrm>
+            <a:off x="0" y="6767280"/>
+            <a:ext cx="0" cy="153888"/>
+          </a:xfrm>
+          <a:prstGeom prst="rect">
+            <a:avLst/>
+          </a:prstGeom>
+          <a:noFill/>
+        </p:spPr>
+        <p:txBody>
+          <a:bodyPr vert="horz" wrap="square" lIns="0" tIns="0" rIns="0" bIns="0" rtlCol="0" anchor="ctr" anchorCtr="0">
+            <a:spAutoFit/>
+          </a:bodyPr>
+          <a:lstStyle/>
+          <a:p>
+            <a:pPr algn="ctr"/>
+            <a:endParaRPr lang="ko-KR" altLang="en-US" sz="1000">
+              <a:solidFill>
+                <a:schemeClr val="accent2"/>
+              </a:solidFill>
+              <a:latin typeface="Calibri" panose="020F0502020204030204" pitchFamily="34" charset="0"/>
+            </a:endParaRPr>
+          </a:p>
+        </p:txBody>
+      </p:sp>
+      <p:sp>
+        <p:nvSpPr>
+          <p:cNvPr id="1199" name="OTLSHAPE_T_22f39fb829944911aac60ff29587efd4_StartDate" hidden="1">
+            <a:extLst>
+              <a:ext uri="{FF2B5EF4-FFF2-40B4-BE49-F238E27FC236}">
+                <a16:creationId xmlns:a16="http://schemas.microsoft.com/office/drawing/2014/main" id="{6C7B32D3-5FB7-4EC7-99C8-8E6DB6F4FD4F}"/>
+              </a:ext>
+            </a:extLst>
+          </p:cNvPr>
+          <p:cNvSpPr txBox="1"/>
+          <p:nvPr>
+            <p:custDataLst>
+              <p:tags r:id="rId121"/>
+            </p:custDataLst>
+          </p:nvPr>
+        </p:nvSpPr>
+        <p:spPr>
+          <a:xfrm>
+            <a:off x="0" y="6767280"/>
+            <a:ext cx="0" cy="153888"/>
+          </a:xfrm>
+          <a:prstGeom prst="rect">
+            <a:avLst/>
+          </a:prstGeom>
+          <a:noFill/>
+        </p:spPr>
+        <p:txBody>
+          <a:bodyPr vert="horz" wrap="square" lIns="0" tIns="0" rIns="0" bIns="0" rtlCol="0" anchor="ctr" anchorCtr="0">
+            <a:spAutoFit/>
+          </a:bodyPr>
+          <a:lstStyle/>
+          <a:p>
+            <a:pPr algn="ctr"/>
+            <a:endParaRPr lang="ko-KR" altLang="en-US" sz="1000">
+              <a:solidFill>
+                <a:schemeClr val="dk2"/>
+              </a:solidFill>
+              <a:latin typeface="Calibri" panose="020F0502020204030204" pitchFamily="34" charset="0"/>
+            </a:endParaRPr>
+          </a:p>
+        </p:txBody>
+      </p:sp>
+      <p:sp>
+        <p:nvSpPr>
+          <p:cNvPr id="1200" name="OTLSHAPE_T_22f39fb829944911aac60ff29587efd4_EndDate" hidden="1">
+            <a:extLst>
+              <a:ext uri="{FF2B5EF4-FFF2-40B4-BE49-F238E27FC236}">
+                <a16:creationId xmlns:a16="http://schemas.microsoft.com/office/drawing/2014/main" id="{51E0A53D-A3A2-46DA-86F4-CB989241DC78}"/>
+              </a:ext>
+            </a:extLst>
+          </p:cNvPr>
+          <p:cNvSpPr txBox="1"/>
+          <p:nvPr>
+            <p:custDataLst>
+              <p:tags r:id="rId122"/>
+            </p:custDataLst>
+          </p:nvPr>
+        </p:nvSpPr>
+        <p:spPr>
+          <a:xfrm>
+            <a:off x="0" y="6767280"/>
+            <a:ext cx="0" cy="153888"/>
+          </a:xfrm>
+          <a:prstGeom prst="rect">
+            <a:avLst/>
+          </a:prstGeom>
+          <a:noFill/>
+        </p:spPr>
+        <p:txBody>
+          <a:bodyPr vert="horz" wrap="square" lIns="0" tIns="0" rIns="0" bIns="0" rtlCol="0" anchor="ctr" anchorCtr="0">
+            <a:spAutoFit/>
+          </a:bodyPr>
+          <a:lstStyle/>
+          <a:p>
+            <a:pPr algn="ctr"/>
+            <a:endParaRPr lang="ko-KR" altLang="en-US" sz="1000">
+              <a:solidFill>
+                <a:schemeClr val="dk2"/>
+              </a:solidFill>
+              <a:latin typeface="Calibri" panose="020F0502020204030204" pitchFamily="34" charset="0"/>
+            </a:endParaRPr>
+          </a:p>
+        </p:txBody>
+      </p:sp>
+      <p:sp>
+        <p:nvSpPr>
+          <p:cNvPr id="1201" name="OTLSHAPE_T_22f39fb829944911aac60ff29587efd4_JoinedDate">
+            <a:extLst>
+              <a:ext uri="{FF2B5EF4-FFF2-40B4-BE49-F238E27FC236}">
+                <a16:creationId xmlns:a16="http://schemas.microsoft.com/office/drawing/2014/main" id="{9621FA14-6837-4EAA-978B-938057E08F85}"/>
+              </a:ext>
+            </a:extLst>
+          </p:cNvPr>
+          <p:cNvSpPr txBox="1"/>
+          <p:nvPr>
+            <p:custDataLst>
+              <p:tags r:id="rId123"/>
+            </p:custDataLst>
+          </p:nvPr>
+        </p:nvSpPr>
+        <p:spPr>
+          <a:xfrm>
+            <a:off x="5655851" y="4723460"/>
+            <a:ext cx="1092200" cy="155025"/>
+          </a:xfrm>
+          <a:prstGeom prst="rect">
+            <a:avLst/>
+          </a:prstGeom>
+          <a:noFill/>
+        </p:spPr>
+        <p:txBody>
+          <a:bodyPr vert="horz" wrap="square" lIns="0" tIns="0" rIns="0" bIns="0" rtlCol="0" anchor="ctr" anchorCtr="0">
+            <a:spAutoFit/>
+          </a:bodyPr>
+          <a:lstStyle/>
+          <a:p>
+            <a:r>
+              <a:rPr lang="en-US" altLang="ko-KR" sz="1000" spc="-4">
+                <a:solidFill>
+                  <a:schemeClr val="dk2"/>
+                </a:solidFill>
+                <a:latin typeface="Calibri" panose="020F0502020204030204" pitchFamily="34" charset="0"/>
+              </a:rPr>
+              <a:t>6-5-2019 - 6-19-2019</a:t>
+            </a:r>
+            <a:endParaRPr lang="ko-KR" altLang="en-US" sz="1000" spc="-4">
+              <a:solidFill>
+                <a:schemeClr val="dk2"/>
+              </a:solidFill>
+              <a:latin typeface="Calibri" panose="020F0502020204030204" pitchFamily="34" charset="0"/>
+            </a:endParaRPr>
+          </a:p>
+        </p:txBody>
+      </p:sp>
+      <p:sp>
+        <p:nvSpPr>
+          <p:cNvPr id="1202" name="OTLSHAPE_T_22f39fb829944911aac60ff29587efd4_Title">
+            <a:extLst>
+              <a:ext uri="{FF2B5EF4-FFF2-40B4-BE49-F238E27FC236}">
+                <a16:creationId xmlns:a16="http://schemas.microsoft.com/office/drawing/2014/main" id="{9E7ABC25-D022-4D7C-BF0C-FBED3968E42C}"/>
+              </a:ext>
+            </a:extLst>
+          </p:cNvPr>
+          <p:cNvSpPr txBox="1"/>
+          <p:nvPr>
+            <p:custDataLst>
+              <p:tags r:id="rId124"/>
+            </p:custDataLst>
+          </p:nvPr>
+        </p:nvSpPr>
+        <p:spPr>
+          <a:xfrm>
+            <a:off x="120735" y="4715712"/>
+            <a:ext cx="1663700" cy="170519"/>
+          </a:xfrm>
+          <a:prstGeom prst="rect">
+            <a:avLst/>
+          </a:prstGeom>
+          <a:noFill/>
+        </p:spPr>
+        <p:txBody>
+          <a:bodyPr vert="horz" wrap="square" lIns="0" tIns="0" rIns="0" bIns="0" rtlCol="0" anchor="ctr" anchorCtr="0">
+            <a:spAutoFit/>
+          </a:bodyPr>
+          <a:lstStyle/>
+          <a:p>
+            <a:r>
+              <a:rPr lang="ko-KR" altLang="en-US" sz="1100" b="1" spc="-4">
+                <a:solidFill>
+                  <a:schemeClr val="dk1"/>
+                </a:solidFill>
+                <a:latin typeface="Calibri" panose="020F0502020204030204" pitchFamily="34" charset="0"/>
+              </a:rPr>
+              <a:t>최종 보고서 작성 및 피드백</a:t>
+            </a:r>
+          </a:p>
+        </p:txBody>
+      </p:sp>
+      <p:sp>
+        <p:nvSpPr>
+          <p:cNvPr id="1203" name="OTLSHAPE_T_549efdd2f2da4adcba766f4e8cb6c184_Shape">
+            <a:extLst>
+              <a:ext uri="{FF2B5EF4-FFF2-40B4-BE49-F238E27FC236}">
+                <a16:creationId xmlns:a16="http://schemas.microsoft.com/office/drawing/2014/main" id="{F1A36D0A-1D89-47C6-86C8-A7376F05B81B}"/>
+              </a:ext>
+            </a:extLst>
+          </p:cNvPr>
+          <p:cNvSpPr/>
+          <p:nvPr>
+            <p:custDataLst>
+              <p:tags r:id="rId125"/>
+            </p:custDataLst>
+          </p:nvPr>
+        </p:nvSpPr>
+        <p:spPr>
+          <a:xfrm>
+            <a:off x="7375126" y="4966072"/>
+            <a:ext cx="1308100" cy="203200"/>
           </a:xfrm>
           <a:prstGeom prst="rect">
             <a:avLst/>
@@ -13189,23 +15541,23 @@
       </p:sp>
       <p:sp>
         <p:nvSpPr>
-          <p:cNvPr id="946" name="OTLSHAPE_T_e676dd5c8d65477588b6d56b4e73ee0c_ShapePercentage" hidden="1">
-            <a:extLst>
-              <a:ext uri="{FF2B5EF4-FFF2-40B4-BE49-F238E27FC236}">
-                <a16:creationId xmlns:a16="http://schemas.microsoft.com/office/drawing/2014/main" id="{BCF938D8-9565-413D-B9FF-B67B8F136D14}"/>
+          <p:cNvPr id="1204" name="OTLSHAPE_T_549efdd2f2da4adcba766f4e8cb6c184_ShapePercentage" hidden="1">
+            <a:extLst>
+              <a:ext uri="{FF2B5EF4-FFF2-40B4-BE49-F238E27FC236}">
+                <a16:creationId xmlns:a16="http://schemas.microsoft.com/office/drawing/2014/main" id="{1D76D475-CD5D-4E49-9E1A-7BD5F6A67FD7}"/>
               </a:ext>
             </a:extLst>
           </p:cNvPr>
           <p:cNvSpPr/>
           <p:nvPr>
             <p:custDataLst>
-              <p:tags r:id="rId81"/>
-            </p:custDataLst>
-          </p:nvPr>
-        </p:nvSpPr>
-        <p:spPr>
-          <a:xfrm>
-            <a:off x="5926734" y="5812155"/>
+              <p:tags r:id="rId126"/>
+            </p:custDataLst>
+          </p:nvPr>
+        </p:nvSpPr>
+        <p:spPr>
+          <a:xfrm>
+            <a:off x="7381391" y="6878955"/>
             <a:ext cx="0" cy="0"/>
           </a:xfrm>
           <a:prstGeom prst="rect">
@@ -13239,23 +15591,23 @@
       </p:sp>
       <p:sp>
         <p:nvSpPr>
-          <p:cNvPr id="947" name="OTLSHAPE_T_e676dd5c8d65477588b6d56b4e73ee0c_Duration" hidden="1">
-            <a:extLst>
-              <a:ext uri="{FF2B5EF4-FFF2-40B4-BE49-F238E27FC236}">
-                <a16:creationId xmlns:a16="http://schemas.microsoft.com/office/drawing/2014/main" id="{A270DB84-0CB4-4701-A5FD-5C04172930CB}"/>
+          <p:cNvPr id="1205" name="OTLSHAPE_T_549efdd2f2da4adcba766f4e8cb6c184_Duration" hidden="1">
+            <a:extLst>
+              <a:ext uri="{FF2B5EF4-FFF2-40B4-BE49-F238E27FC236}">
+                <a16:creationId xmlns:a16="http://schemas.microsoft.com/office/drawing/2014/main" id="{BB25CEF0-4494-41C0-A1D6-572A3FA3A409}"/>
               </a:ext>
             </a:extLst>
           </p:cNvPr>
           <p:cNvSpPr txBox="1"/>
           <p:nvPr>
             <p:custDataLst>
-              <p:tags r:id="rId82"/>
-            </p:custDataLst>
-          </p:nvPr>
-        </p:nvSpPr>
-        <p:spPr>
-          <a:xfrm>
-            <a:off x="0" y="5812155"/>
+              <p:tags r:id="rId127"/>
+            </p:custDataLst>
+          </p:nvPr>
+        </p:nvSpPr>
+        <p:spPr>
+          <a:xfrm>
+            <a:off x="0" y="6878955"/>
             <a:ext cx="292100" cy="155025"/>
           </a:xfrm>
           <a:prstGeom prst="rect">
@@ -13277,7 +15629,7 @@
                 </a:solidFill>
                 <a:latin typeface="Calibri" panose="020F0502020204030204" pitchFamily="34" charset="0"/>
               </a:rPr>
-              <a:t>21 </a:t>
+              <a:t>31 </a:t>
             </a:r>
             <a:r>
               <a:rPr lang="ko-KR" altLang="en-US" sz="1000">
@@ -13293,23 +15645,23 @@
       </p:sp>
       <p:sp>
         <p:nvSpPr>
-          <p:cNvPr id="948" name="OTLSHAPE_T_e676dd5c8d65477588b6d56b4e73ee0c_TextPercentage" hidden="1">
-            <a:extLst>
-              <a:ext uri="{FF2B5EF4-FFF2-40B4-BE49-F238E27FC236}">
-                <a16:creationId xmlns:a16="http://schemas.microsoft.com/office/drawing/2014/main" id="{05091C01-8882-4185-AF2C-4AF31ABE4B57}"/>
+          <p:cNvPr id="1206" name="OTLSHAPE_T_549efdd2f2da4adcba766f4e8cb6c184_TextPercentage" hidden="1">
+            <a:extLst>
+              <a:ext uri="{FF2B5EF4-FFF2-40B4-BE49-F238E27FC236}">
+                <a16:creationId xmlns:a16="http://schemas.microsoft.com/office/drawing/2014/main" id="{9F18F017-F9B9-4F00-AC3D-D9006CE9A86E}"/>
               </a:ext>
             </a:extLst>
           </p:cNvPr>
           <p:cNvSpPr txBox="1"/>
           <p:nvPr>
             <p:custDataLst>
-              <p:tags r:id="rId83"/>
-            </p:custDataLst>
-          </p:nvPr>
-        </p:nvSpPr>
-        <p:spPr>
-          <a:xfrm>
-            <a:off x="0" y="5967180"/>
+              <p:tags r:id="rId128"/>
+            </p:custDataLst>
+          </p:nvPr>
+        </p:nvSpPr>
+        <p:spPr>
+          <a:xfrm>
+            <a:off x="0" y="7033980"/>
             <a:ext cx="0" cy="153888"/>
           </a:xfrm>
           <a:prstGeom prst="rect">
@@ -13335,23 +15687,23 @@
       </p:sp>
       <p:sp>
         <p:nvSpPr>
-          <p:cNvPr id="949" name="OTLSHAPE_T_e676dd5c8d65477588b6d56b4e73ee0c_StartDate" hidden="1">
-            <a:extLst>
-              <a:ext uri="{FF2B5EF4-FFF2-40B4-BE49-F238E27FC236}">
-                <a16:creationId xmlns:a16="http://schemas.microsoft.com/office/drawing/2014/main" id="{90CD9C7B-5D06-4E03-9553-08E7A796FC78}"/>
+          <p:cNvPr id="1207" name="OTLSHAPE_T_549efdd2f2da4adcba766f4e8cb6c184_StartDate" hidden="1">
+            <a:extLst>
+              <a:ext uri="{FF2B5EF4-FFF2-40B4-BE49-F238E27FC236}">
+                <a16:creationId xmlns:a16="http://schemas.microsoft.com/office/drawing/2014/main" id="{1D5044D5-3906-428F-8D4B-C8559AC14B7E}"/>
               </a:ext>
             </a:extLst>
           </p:cNvPr>
           <p:cNvSpPr txBox="1"/>
           <p:nvPr>
             <p:custDataLst>
-              <p:tags r:id="rId84"/>
-            </p:custDataLst>
-          </p:nvPr>
-        </p:nvSpPr>
-        <p:spPr>
-          <a:xfrm>
-            <a:off x="0" y="5967180"/>
+              <p:tags r:id="rId129"/>
+            </p:custDataLst>
+          </p:nvPr>
+        </p:nvSpPr>
+        <p:spPr>
+          <a:xfrm>
+            <a:off x="0" y="7033980"/>
             <a:ext cx="0" cy="153888"/>
           </a:xfrm>
           <a:prstGeom prst="rect">
@@ -13377,23 +15729,23 @@
       </p:sp>
       <p:sp>
         <p:nvSpPr>
-          <p:cNvPr id="950" name="OTLSHAPE_T_e676dd5c8d65477588b6d56b4e73ee0c_EndDate" hidden="1">
-            <a:extLst>
-              <a:ext uri="{FF2B5EF4-FFF2-40B4-BE49-F238E27FC236}">
-                <a16:creationId xmlns:a16="http://schemas.microsoft.com/office/drawing/2014/main" id="{80AACA10-9C20-4615-8ACA-497919111608}"/>
+          <p:cNvPr id="1208" name="OTLSHAPE_T_549efdd2f2da4adcba766f4e8cb6c184_EndDate" hidden="1">
+            <a:extLst>
+              <a:ext uri="{FF2B5EF4-FFF2-40B4-BE49-F238E27FC236}">
+                <a16:creationId xmlns:a16="http://schemas.microsoft.com/office/drawing/2014/main" id="{6EAC385A-5B5A-471A-A368-A273D9E3BECC}"/>
               </a:ext>
             </a:extLst>
           </p:cNvPr>
           <p:cNvSpPr txBox="1"/>
           <p:nvPr>
             <p:custDataLst>
-              <p:tags r:id="rId85"/>
-            </p:custDataLst>
-          </p:nvPr>
-        </p:nvSpPr>
-        <p:spPr>
-          <a:xfrm>
-            <a:off x="0" y="5967180"/>
+              <p:tags r:id="rId130"/>
+            </p:custDataLst>
+          </p:nvPr>
+        </p:nvSpPr>
+        <p:spPr>
+          <a:xfrm>
+            <a:off x="0" y="7033980"/>
             <a:ext cx="0" cy="153888"/>
           </a:xfrm>
           <a:prstGeom prst="rect">
@@ -13419,24 +15771,24 @@
       </p:sp>
       <p:sp>
         <p:nvSpPr>
-          <p:cNvPr id="951" name="OTLSHAPE_T_e676dd5c8d65477588b6d56b4e73ee0c_JoinedDate">
-            <a:extLst>
-              <a:ext uri="{FF2B5EF4-FFF2-40B4-BE49-F238E27FC236}">
-                <a16:creationId xmlns:a16="http://schemas.microsoft.com/office/drawing/2014/main" id="{22B89704-8BA4-4751-B74F-2B375EB3F742}"/>
+          <p:cNvPr id="1209" name="OTLSHAPE_T_549efdd2f2da4adcba766f4e8cb6c184_JoinedDate">
+            <a:extLst>
+              <a:ext uri="{FF2B5EF4-FFF2-40B4-BE49-F238E27FC236}">
+                <a16:creationId xmlns:a16="http://schemas.microsoft.com/office/drawing/2014/main" id="{6A8C8188-25E4-4487-B9F0-7445D9E38A6E}"/>
               </a:ext>
             </a:extLst>
           </p:cNvPr>
           <p:cNvSpPr txBox="1"/>
           <p:nvPr>
             <p:custDataLst>
-              <p:tags r:id="rId86"/>
-            </p:custDataLst>
-          </p:nvPr>
-        </p:nvSpPr>
-        <p:spPr>
-          <a:xfrm>
-            <a:off x="7754775" y="5836243"/>
-            <a:ext cx="1155700" cy="155025"/>
+              <p:tags r:id="rId131"/>
+            </p:custDataLst>
+          </p:nvPr>
+        </p:nvSpPr>
+        <p:spPr>
+          <a:xfrm>
+            <a:off x="8732360" y="4990160"/>
+            <a:ext cx="1092200" cy="155025"/>
           </a:xfrm>
           <a:prstGeom prst="rect">
             <a:avLst/>
@@ -13456,7 +15808,7 @@
                 </a:solidFill>
                 <a:latin typeface="Calibri" panose="020F0502020204030204" pitchFamily="34" charset="0"/>
               </a:rPr>
-              <a:t>4-29-2019 - 5-19-2019</a:t>
+              <a:t>8-1-2019 - 8-31-2019</a:t>
             </a:r>
             <a:endParaRPr lang="ko-KR" altLang="en-US" sz="1000" spc="-4">
               <a:solidFill>
@@ -13469,24 +15821,24 @@
       </p:sp>
       <p:sp>
         <p:nvSpPr>
-          <p:cNvPr id="952" name="OTLSHAPE_T_e676dd5c8d65477588b6d56b4e73ee0c_Title">
-            <a:extLst>
-              <a:ext uri="{FF2B5EF4-FFF2-40B4-BE49-F238E27FC236}">
-                <a16:creationId xmlns:a16="http://schemas.microsoft.com/office/drawing/2014/main" id="{23DACFE5-6A90-45B8-9074-24DA02EC5A68}"/>
+          <p:cNvPr id="1210" name="OTLSHAPE_T_549efdd2f2da4adcba766f4e8cb6c184_Title">
+            <a:extLst>
+              <a:ext uri="{FF2B5EF4-FFF2-40B4-BE49-F238E27FC236}">
+                <a16:creationId xmlns:a16="http://schemas.microsoft.com/office/drawing/2014/main" id="{8CF232F1-4151-4E0A-8630-7C3BB3173AF7}"/>
               </a:ext>
             </a:extLst>
           </p:cNvPr>
           <p:cNvSpPr txBox="1"/>
           <p:nvPr>
             <p:custDataLst>
-              <p:tags r:id="rId87"/>
-            </p:custDataLst>
-          </p:nvPr>
-        </p:nvSpPr>
-        <p:spPr>
-          <a:xfrm>
-            <a:off x="127000" y="5828496"/>
-            <a:ext cx="1219200" cy="170519"/>
+              <p:tags r:id="rId132"/>
+            </p:custDataLst>
+          </p:nvPr>
+        </p:nvSpPr>
+        <p:spPr>
+          <a:xfrm>
+            <a:off x="120735" y="4982412"/>
+            <a:ext cx="1524000" cy="170519"/>
           </a:xfrm>
           <a:prstGeom prst="rect">
             <a:avLst/>
@@ -13500,37 +15852,37 @@
           <a:lstStyle/>
           <a:p>
             <a:r>
-              <a:rPr lang="ko-KR" altLang="en-US" sz="1100" b="1" spc="-6">
+              <a:rPr lang="ko-KR" altLang="en-US" sz="1100" b="1" spc="-4">
                 <a:solidFill>
                   <a:schemeClr val="dk1"/>
                 </a:solidFill>
                 <a:latin typeface="Calibri" panose="020F0502020204030204" pitchFamily="34" charset="0"/>
               </a:rPr>
-              <a:t>신체 인식 모듈 개발</a:t>
-            </a:r>
-          </a:p>
-        </p:txBody>
-      </p:sp>
-      <p:sp>
-        <p:nvSpPr>
-          <p:cNvPr id="953" name="OTLSHAPE_T_55871566acb4479fa593c4d75faba5f3_Shape">
-            <a:extLst>
-              <a:ext uri="{FF2B5EF4-FFF2-40B4-BE49-F238E27FC236}">
-                <a16:creationId xmlns:a16="http://schemas.microsoft.com/office/drawing/2014/main" id="{7C6D8E0A-AA8F-482B-8CDB-F70203AE4C48}"/>
+              <a:t>신체 인식 모듈 성능 향상</a:t>
+            </a:r>
+          </a:p>
+        </p:txBody>
+      </p:sp>
+      <p:sp>
+        <p:nvSpPr>
+          <p:cNvPr id="1211" name="OTLSHAPE_T_a91e8249d71d4db4b6bf1324ab6255b6_Shape">
+            <a:extLst>
+              <a:ext uri="{FF2B5EF4-FFF2-40B4-BE49-F238E27FC236}">
+                <a16:creationId xmlns:a16="http://schemas.microsoft.com/office/drawing/2014/main" id="{ECD8DB83-B7C6-4FCE-83C2-F65468001A49}"/>
               </a:ext>
             </a:extLst>
           </p:cNvPr>
           <p:cNvSpPr/>
           <p:nvPr>
             <p:custDataLst>
-              <p:tags r:id="rId88"/>
-            </p:custDataLst>
-          </p:nvPr>
-        </p:nvSpPr>
-        <p:spPr>
-          <a:xfrm>
-            <a:off x="7704034" y="6078855"/>
-            <a:ext cx="1612900" cy="203200"/>
+              <p:tags r:id="rId133"/>
+            </p:custDataLst>
+          </p:nvPr>
+        </p:nvSpPr>
+        <p:spPr>
+          <a:xfrm>
+            <a:off x="7375126" y="5232772"/>
+            <a:ext cx="1308100" cy="203200"/>
           </a:xfrm>
           <a:prstGeom prst="rect">
             <a:avLst/>
@@ -13608,23 +15960,23 @@
       </p:sp>
       <p:sp>
         <p:nvSpPr>
-          <p:cNvPr id="954" name="OTLSHAPE_T_55871566acb4479fa593c4d75faba5f3_ShapePercentage" hidden="1">
-            <a:extLst>
-              <a:ext uri="{FF2B5EF4-FFF2-40B4-BE49-F238E27FC236}">
-                <a16:creationId xmlns:a16="http://schemas.microsoft.com/office/drawing/2014/main" id="{012B3F48-C2C8-4ED9-B622-50DEFA5301F2}"/>
+          <p:cNvPr id="1212" name="OTLSHAPE_T_a91e8249d71d4db4b6bf1324ab6255b6_ShapePercentage" hidden="1">
+            <a:extLst>
+              <a:ext uri="{FF2B5EF4-FFF2-40B4-BE49-F238E27FC236}">
+                <a16:creationId xmlns:a16="http://schemas.microsoft.com/office/drawing/2014/main" id="{328FD5A9-9DEF-4BE6-B401-E9F26ED2C029}"/>
               </a:ext>
             </a:extLst>
           </p:cNvPr>
           <p:cNvSpPr/>
           <p:nvPr>
             <p:custDataLst>
-              <p:tags r:id="rId89"/>
-            </p:custDataLst>
-          </p:nvPr>
-        </p:nvSpPr>
-        <p:spPr>
-          <a:xfrm>
-            <a:off x="7704034" y="6078855"/>
+              <p:tags r:id="rId134"/>
+            </p:custDataLst>
+          </p:nvPr>
+        </p:nvSpPr>
+        <p:spPr>
+          <a:xfrm>
+            <a:off x="7381391" y="7145655"/>
             <a:ext cx="0" cy="0"/>
           </a:xfrm>
           <a:prstGeom prst="rect">
@@ -13658,23 +16010,23 @@
       </p:sp>
       <p:sp>
         <p:nvSpPr>
-          <p:cNvPr id="955" name="OTLSHAPE_T_55871566acb4479fa593c4d75faba5f3_Duration" hidden="1">
-            <a:extLst>
-              <a:ext uri="{FF2B5EF4-FFF2-40B4-BE49-F238E27FC236}">
-                <a16:creationId xmlns:a16="http://schemas.microsoft.com/office/drawing/2014/main" id="{E3C101CD-6A54-4196-9636-938B81962B20}"/>
+          <p:cNvPr id="1213" name="OTLSHAPE_T_a91e8249d71d4db4b6bf1324ab6255b6_Duration" hidden="1">
+            <a:extLst>
+              <a:ext uri="{FF2B5EF4-FFF2-40B4-BE49-F238E27FC236}">
+                <a16:creationId xmlns:a16="http://schemas.microsoft.com/office/drawing/2014/main" id="{6247ACBA-7AFF-414A-9A9D-CC3DA9B01569}"/>
               </a:ext>
             </a:extLst>
           </p:cNvPr>
           <p:cNvSpPr txBox="1"/>
           <p:nvPr>
             <p:custDataLst>
-              <p:tags r:id="rId90"/>
-            </p:custDataLst>
-          </p:nvPr>
-        </p:nvSpPr>
-        <p:spPr>
-          <a:xfrm>
-            <a:off x="0" y="6078855"/>
+              <p:tags r:id="rId135"/>
+            </p:custDataLst>
+          </p:nvPr>
+        </p:nvSpPr>
+        <p:spPr>
+          <a:xfrm>
+            <a:off x="0" y="7145655"/>
             <a:ext cx="292100" cy="155025"/>
           </a:xfrm>
           <a:prstGeom prst="rect">
@@ -13696,7 +16048,7 @@
                 </a:solidFill>
                 <a:latin typeface="Calibri" panose="020F0502020204030204" pitchFamily="34" charset="0"/>
               </a:rPr>
-              <a:t>19 </a:t>
+              <a:t>31 </a:t>
             </a:r>
             <a:r>
               <a:rPr lang="ko-KR" altLang="en-US" sz="1000">
@@ -13712,23 +16064,23 @@
       </p:sp>
       <p:sp>
         <p:nvSpPr>
-          <p:cNvPr id="956" name="OTLSHAPE_T_55871566acb4479fa593c4d75faba5f3_TextPercentage" hidden="1">
-            <a:extLst>
-              <a:ext uri="{FF2B5EF4-FFF2-40B4-BE49-F238E27FC236}">
-                <a16:creationId xmlns:a16="http://schemas.microsoft.com/office/drawing/2014/main" id="{E0C13C0F-C8E8-4305-9931-FD1AE972386D}"/>
+          <p:cNvPr id="1214" name="OTLSHAPE_T_a91e8249d71d4db4b6bf1324ab6255b6_TextPercentage" hidden="1">
+            <a:extLst>
+              <a:ext uri="{FF2B5EF4-FFF2-40B4-BE49-F238E27FC236}">
+                <a16:creationId xmlns:a16="http://schemas.microsoft.com/office/drawing/2014/main" id="{BE5A299D-FF9C-4A12-BDDA-61591D4062E3}"/>
               </a:ext>
             </a:extLst>
           </p:cNvPr>
           <p:cNvSpPr txBox="1"/>
           <p:nvPr>
             <p:custDataLst>
-              <p:tags r:id="rId91"/>
-            </p:custDataLst>
-          </p:nvPr>
-        </p:nvSpPr>
-        <p:spPr>
-          <a:xfrm>
-            <a:off x="0" y="6233880"/>
+              <p:tags r:id="rId136"/>
+            </p:custDataLst>
+          </p:nvPr>
+        </p:nvSpPr>
+        <p:spPr>
+          <a:xfrm>
+            <a:off x="0" y="7300680"/>
             <a:ext cx="0" cy="153888"/>
           </a:xfrm>
           <a:prstGeom prst="rect">
@@ -13754,23 +16106,23 @@
       </p:sp>
       <p:sp>
         <p:nvSpPr>
-          <p:cNvPr id="957" name="OTLSHAPE_T_55871566acb4479fa593c4d75faba5f3_StartDate" hidden="1">
-            <a:extLst>
-              <a:ext uri="{FF2B5EF4-FFF2-40B4-BE49-F238E27FC236}">
-                <a16:creationId xmlns:a16="http://schemas.microsoft.com/office/drawing/2014/main" id="{B82A8744-DA0A-441E-B8EC-B4285679C166}"/>
+          <p:cNvPr id="1215" name="OTLSHAPE_T_a91e8249d71d4db4b6bf1324ab6255b6_StartDate" hidden="1">
+            <a:extLst>
+              <a:ext uri="{FF2B5EF4-FFF2-40B4-BE49-F238E27FC236}">
+                <a16:creationId xmlns:a16="http://schemas.microsoft.com/office/drawing/2014/main" id="{7C5B4852-8ADF-4006-B2DC-17A8EAD6AEDB}"/>
               </a:ext>
             </a:extLst>
           </p:cNvPr>
           <p:cNvSpPr txBox="1"/>
           <p:nvPr>
             <p:custDataLst>
-              <p:tags r:id="rId92"/>
-            </p:custDataLst>
-          </p:nvPr>
-        </p:nvSpPr>
-        <p:spPr>
-          <a:xfrm>
-            <a:off x="0" y="6233880"/>
+              <p:tags r:id="rId137"/>
+            </p:custDataLst>
+          </p:nvPr>
+        </p:nvSpPr>
+        <p:spPr>
+          <a:xfrm>
+            <a:off x="0" y="7300680"/>
             <a:ext cx="0" cy="153888"/>
           </a:xfrm>
           <a:prstGeom prst="rect">
@@ -13796,23 +16148,23 @@
       </p:sp>
       <p:sp>
         <p:nvSpPr>
-          <p:cNvPr id="958" name="OTLSHAPE_T_55871566acb4479fa593c4d75faba5f3_EndDate" hidden="1">
-            <a:extLst>
-              <a:ext uri="{FF2B5EF4-FFF2-40B4-BE49-F238E27FC236}">
-                <a16:creationId xmlns:a16="http://schemas.microsoft.com/office/drawing/2014/main" id="{D08A0C7D-8A8F-4297-A2CE-438F8E7AA280}"/>
+          <p:cNvPr id="1216" name="OTLSHAPE_T_a91e8249d71d4db4b6bf1324ab6255b6_EndDate" hidden="1">
+            <a:extLst>
+              <a:ext uri="{FF2B5EF4-FFF2-40B4-BE49-F238E27FC236}">
+                <a16:creationId xmlns:a16="http://schemas.microsoft.com/office/drawing/2014/main" id="{1A50E477-3E38-46C8-8AED-A18C8951AF2E}"/>
               </a:ext>
             </a:extLst>
           </p:cNvPr>
           <p:cNvSpPr txBox="1"/>
           <p:nvPr>
             <p:custDataLst>
-              <p:tags r:id="rId93"/>
-            </p:custDataLst>
-          </p:nvPr>
-        </p:nvSpPr>
-        <p:spPr>
-          <a:xfrm>
-            <a:off x="0" y="6233880"/>
+              <p:tags r:id="rId138"/>
+            </p:custDataLst>
+          </p:nvPr>
+        </p:nvSpPr>
+        <p:spPr>
+          <a:xfrm>
+            <a:off x="0" y="7300680"/>
             <a:ext cx="0" cy="153888"/>
           </a:xfrm>
           <a:prstGeom prst="rect">
@@ -13838,23 +16190,23 @@
       </p:sp>
       <p:sp>
         <p:nvSpPr>
-          <p:cNvPr id="959" name="OTLSHAPE_T_55871566acb4479fa593c4d75faba5f3_JoinedDate">
-            <a:extLst>
-              <a:ext uri="{FF2B5EF4-FFF2-40B4-BE49-F238E27FC236}">
-                <a16:creationId xmlns:a16="http://schemas.microsoft.com/office/drawing/2014/main" id="{DFAA0EFC-9B1A-4D2D-A97D-E59AEA63771F}"/>
+          <p:cNvPr id="1217" name="OTLSHAPE_T_a91e8249d71d4db4b6bf1324ab6255b6_JoinedDate">
+            <a:extLst>
+              <a:ext uri="{FF2B5EF4-FFF2-40B4-BE49-F238E27FC236}">
+                <a16:creationId xmlns:a16="http://schemas.microsoft.com/office/drawing/2014/main" id="{B8A6DB8F-EBD3-47DF-9C83-3806C839BD38}"/>
               </a:ext>
             </a:extLst>
           </p:cNvPr>
           <p:cNvSpPr txBox="1"/>
           <p:nvPr>
             <p:custDataLst>
-              <p:tags r:id="rId94"/>
-            </p:custDataLst>
-          </p:nvPr>
-        </p:nvSpPr>
-        <p:spPr>
-          <a:xfrm>
-            <a:off x="9362810" y="6102943"/>
+              <p:tags r:id="rId139"/>
+            </p:custDataLst>
+          </p:nvPr>
+        </p:nvSpPr>
+        <p:spPr>
+          <a:xfrm>
+            <a:off x="8732360" y="5256860"/>
             <a:ext cx="1092200" cy="155025"/>
           </a:xfrm>
           <a:prstGeom prst="rect">
@@ -13875,7 +16227,7 @@
                 </a:solidFill>
                 <a:latin typeface="Calibri" panose="020F0502020204030204" pitchFamily="34" charset="0"/>
               </a:rPr>
-              <a:t>5-20-2019 - 6-7-2019</a:t>
+              <a:t>8-1-2019 - 8-31-2019</a:t>
             </a:r>
             <a:endParaRPr lang="ko-KR" altLang="en-US" sz="1000" spc="-4">
               <a:solidFill>
@@ -13888,24 +16240,24 @@
       </p:sp>
       <p:sp>
         <p:nvSpPr>
-          <p:cNvPr id="960" name="OTLSHAPE_T_55871566acb4479fa593c4d75faba5f3_Title">
-            <a:extLst>
-              <a:ext uri="{FF2B5EF4-FFF2-40B4-BE49-F238E27FC236}">
-                <a16:creationId xmlns:a16="http://schemas.microsoft.com/office/drawing/2014/main" id="{850B996F-A14E-473E-BDC8-8FD5A4749D46}"/>
+          <p:cNvPr id="1218" name="OTLSHAPE_T_a91e8249d71d4db4b6bf1324ab6255b6_Title">
+            <a:extLst>
+              <a:ext uri="{FF2B5EF4-FFF2-40B4-BE49-F238E27FC236}">
+                <a16:creationId xmlns:a16="http://schemas.microsoft.com/office/drawing/2014/main" id="{2546FBDC-5D10-4E97-A97A-DB2B37A3B6D0}"/>
               </a:ext>
             </a:extLst>
           </p:cNvPr>
           <p:cNvSpPr txBox="1"/>
           <p:nvPr>
             <p:custDataLst>
-              <p:tags r:id="rId95"/>
-            </p:custDataLst>
-          </p:nvPr>
-        </p:nvSpPr>
-        <p:spPr>
-          <a:xfrm>
-            <a:off x="127000" y="6095196"/>
-            <a:ext cx="1727200" cy="170519"/>
+              <p:tags r:id="rId140"/>
+            </p:custDataLst>
+          </p:nvPr>
+        </p:nvSpPr>
+        <p:spPr>
+          <a:xfrm>
+            <a:off x="120735" y="5249112"/>
+            <a:ext cx="1384300" cy="170519"/>
           </a:xfrm>
           <a:prstGeom prst="rect">
             <a:avLst/>
@@ -13918,15 +16270,6 @@
           </a:bodyPr>
           <a:lstStyle/>
           <a:p>
-            <a:r>
-              <a:rPr lang="en-US" altLang="ko-KR" sz="1100" b="1" spc="-4">
-                <a:solidFill>
-                  <a:schemeClr val="dk1"/>
-                </a:solidFill>
-                <a:latin typeface="Calibri" panose="020F0502020204030204" pitchFamily="34" charset="0"/>
-              </a:rPr>
-              <a:t>AR </a:t>
-            </a:r>
             <a:r>
               <a:rPr lang="ko-KR" altLang="en-US" sz="1100" b="1" spc="-4">
                 <a:solidFill>
@@ -13934,37 +16277,37 @@
                 </a:solidFill>
                 <a:latin typeface="Calibri" panose="020F0502020204030204" pitchFamily="34" charset="0"/>
               </a:rPr>
-              <a:t>모델링 및 출력 함수 개발</a:t>
-            </a:r>
-          </a:p>
-        </p:txBody>
-      </p:sp>
-      <p:sp>
-        <p:nvSpPr>
-          <p:cNvPr id="961" name="OTLSHAPE_T_22f39fb829944911aac60ff29587efd4_Shape">
-            <a:extLst>
-              <a:ext uri="{FF2B5EF4-FFF2-40B4-BE49-F238E27FC236}">
-                <a16:creationId xmlns:a16="http://schemas.microsoft.com/office/drawing/2014/main" id="{AFBAC06C-2B60-46D4-88DE-BACCFFC915FC}"/>
+              <a:t>손 인식 모듈 성능 향상</a:t>
+            </a:r>
+          </a:p>
+        </p:txBody>
+      </p:sp>
+      <p:sp>
+        <p:nvSpPr>
+          <p:cNvPr id="1219" name="OTLSHAPE_T_873cee77fc804a08b3913e177b784efa_Shape">
+            <a:extLst>
+              <a:ext uri="{FF2B5EF4-FFF2-40B4-BE49-F238E27FC236}">
+                <a16:creationId xmlns:a16="http://schemas.microsoft.com/office/drawing/2014/main" id="{6C5D7747-1F64-437A-9B20-A97E4AF4F624}"/>
               </a:ext>
             </a:extLst>
           </p:cNvPr>
           <p:cNvSpPr/>
           <p:nvPr>
             <p:custDataLst>
-              <p:tags r:id="rId96"/>
-            </p:custDataLst>
-          </p:nvPr>
-        </p:nvSpPr>
-        <p:spPr>
-          <a:xfrm>
-            <a:off x="9312068" y="6345555"/>
-            <a:ext cx="1016000" cy="203200"/>
+              <p:tags r:id="rId141"/>
+            </p:custDataLst>
+          </p:nvPr>
+        </p:nvSpPr>
+        <p:spPr>
+          <a:xfrm>
+            <a:off x="8681588" y="5499472"/>
+            <a:ext cx="1270000" cy="203200"/>
           </a:xfrm>
           <a:prstGeom prst="rect">
             <a:avLst/>
           </a:prstGeom>
           <a:solidFill>
-            <a:schemeClr val="accent1"/>
+            <a:schemeClr val="accent4"/>
           </a:solidFill>
           <a:ln w="12700" cap="flat" cmpd="sng" algn="ctr">
             <a:noFill/>
@@ -14036,23 +16379,23 @@
       </p:sp>
       <p:sp>
         <p:nvSpPr>
-          <p:cNvPr id="962" name="OTLSHAPE_T_22f39fb829944911aac60ff29587efd4_ShapePercentage" hidden="1">
-            <a:extLst>
-              <a:ext uri="{FF2B5EF4-FFF2-40B4-BE49-F238E27FC236}">
-                <a16:creationId xmlns:a16="http://schemas.microsoft.com/office/drawing/2014/main" id="{80325057-CD21-43D2-9625-687B0295C0A1}"/>
+          <p:cNvPr id="1220" name="OTLSHAPE_T_873cee77fc804a08b3913e177b784efa_ShapePercentage" hidden="1">
+            <a:extLst>
+              <a:ext uri="{FF2B5EF4-FFF2-40B4-BE49-F238E27FC236}">
+                <a16:creationId xmlns:a16="http://schemas.microsoft.com/office/drawing/2014/main" id="{FE1CB50E-B152-41A5-AC0E-77068BA6944D}"/>
               </a:ext>
             </a:extLst>
           </p:cNvPr>
           <p:cNvSpPr/>
           <p:nvPr>
             <p:custDataLst>
-              <p:tags r:id="rId97"/>
-            </p:custDataLst>
-          </p:nvPr>
-        </p:nvSpPr>
-        <p:spPr>
-          <a:xfrm>
-            <a:off x="9312068" y="6345555"/>
+              <p:tags r:id="rId142"/>
+            </p:custDataLst>
+          </p:nvPr>
+        </p:nvSpPr>
+        <p:spPr>
+          <a:xfrm>
+            <a:off x="8687853" y="7412355"/>
             <a:ext cx="0" cy="0"/>
           </a:xfrm>
           <a:prstGeom prst="rect">
@@ -14086,23 +16429,23 @@
       </p:sp>
       <p:sp>
         <p:nvSpPr>
-          <p:cNvPr id="963" name="OTLSHAPE_T_22f39fb829944911aac60ff29587efd4_Duration" hidden="1">
-            <a:extLst>
-              <a:ext uri="{FF2B5EF4-FFF2-40B4-BE49-F238E27FC236}">
-                <a16:creationId xmlns:a16="http://schemas.microsoft.com/office/drawing/2014/main" id="{03EA4059-82B0-477A-88AE-51A9C43EB1B2}"/>
+          <p:cNvPr id="1221" name="OTLSHAPE_T_873cee77fc804a08b3913e177b784efa_Duration" hidden="1">
+            <a:extLst>
+              <a:ext uri="{FF2B5EF4-FFF2-40B4-BE49-F238E27FC236}">
+                <a16:creationId xmlns:a16="http://schemas.microsoft.com/office/drawing/2014/main" id="{18569F7D-0AD7-4E66-8FDB-C762B895382F}"/>
               </a:ext>
             </a:extLst>
           </p:cNvPr>
           <p:cNvSpPr txBox="1"/>
           <p:nvPr>
             <p:custDataLst>
-              <p:tags r:id="rId98"/>
-            </p:custDataLst>
-          </p:nvPr>
-        </p:nvSpPr>
-        <p:spPr>
-          <a:xfrm>
-            <a:off x="0" y="6345555"/>
+              <p:tags r:id="rId143"/>
+            </p:custDataLst>
+          </p:nvPr>
+        </p:nvSpPr>
+        <p:spPr>
+          <a:xfrm>
+            <a:off x="0" y="7412355"/>
             <a:ext cx="292100" cy="155025"/>
           </a:xfrm>
           <a:prstGeom prst="rect">
@@ -14124,7 +16467,7 @@
                 </a:solidFill>
                 <a:latin typeface="Calibri" panose="020F0502020204030204" pitchFamily="34" charset="0"/>
               </a:rPr>
-              <a:t>12 </a:t>
+              <a:t>30 </a:t>
             </a:r>
             <a:r>
               <a:rPr lang="ko-KR" altLang="en-US" sz="1000">
@@ -14140,23 +16483,23 @@
       </p:sp>
       <p:sp>
         <p:nvSpPr>
-          <p:cNvPr id="964" name="OTLSHAPE_T_22f39fb829944911aac60ff29587efd4_TextPercentage" hidden="1">
-            <a:extLst>
-              <a:ext uri="{FF2B5EF4-FFF2-40B4-BE49-F238E27FC236}">
-                <a16:creationId xmlns:a16="http://schemas.microsoft.com/office/drawing/2014/main" id="{ADF57EC3-11FC-4FAC-BCB9-3D04BDAE47AC}"/>
+          <p:cNvPr id="1222" name="OTLSHAPE_T_873cee77fc804a08b3913e177b784efa_TextPercentage" hidden="1">
+            <a:extLst>
+              <a:ext uri="{FF2B5EF4-FFF2-40B4-BE49-F238E27FC236}">
+                <a16:creationId xmlns:a16="http://schemas.microsoft.com/office/drawing/2014/main" id="{BE878650-B6DE-4FEF-ADF4-64E6AB2F1116}"/>
               </a:ext>
             </a:extLst>
           </p:cNvPr>
           <p:cNvSpPr txBox="1"/>
           <p:nvPr>
             <p:custDataLst>
-              <p:tags r:id="rId99"/>
-            </p:custDataLst>
-          </p:nvPr>
-        </p:nvSpPr>
-        <p:spPr>
-          <a:xfrm>
-            <a:off x="0" y="6500580"/>
+              <p:tags r:id="rId144"/>
+            </p:custDataLst>
+          </p:nvPr>
+        </p:nvSpPr>
+        <p:spPr>
+          <a:xfrm>
+            <a:off x="0" y="7567380"/>
             <a:ext cx="0" cy="153888"/>
           </a:xfrm>
           <a:prstGeom prst="rect">
@@ -14182,23 +16525,23 @@
       </p:sp>
       <p:sp>
         <p:nvSpPr>
-          <p:cNvPr id="965" name="OTLSHAPE_T_22f39fb829944911aac60ff29587efd4_StartDate" hidden="1">
-            <a:extLst>
-              <a:ext uri="{FF2B5EF4-FFF2-40B4-BE49-F238E27FC236}">
-                <a16:creationId xmlns:a16="http://schemas.microsoft.com/office/drawing/2014/main" id="{EB7BC67F-B9A2-4253-B994-776172C0127B}"/>
+          <p:cNvPr id="1223" name="OTLSHAPE_T_873cee77fc804a08b3913e177b784efa_StartDate" hidden="1">
+            <a:extLst>
+              <a:ext uri="{FF2B5EF4-FFF2-40B4-BE49-F238E27FC236}">
+                <a16:creationId xmlns:a16="http://schemas.microsoft.com/office/drawing/2014/main" id="{3CFB1CF1-0FED-4874-94CF-DBB2F806599B}"/>
               </a:ext>
             </a:extLst>
           </p:cNvPr>
           <p:cNvSpPr txBox="1"/>
           <p:nvPr>
             <p:custDataLst>
-              <p:tags r:id="rId100"/>
-            </p:custDataLst>
-          </p:nvPr>
-        </p:nvSpPr>
-        <p:spPr>
-          <a:xfrm>
-            <a:off x="0" y="6500580"/>
+              <p:tags r:id="rId145"/>
+            </p:custDataLst>
+          </p:nvPr>
+        </p:nvSpPr>
+        <p:spPr>
+          <a:xfrm>
+            <a:off x="0" y="7567380"/>
             <a:ext cx="0" cy="153888"/>
           </a:xfrm>
           <a:prstGeom prst="rect">
@@ -14224,23 +16567,23 @@
       </p:sp>
       <p:sp>
         <p:nvSpPr>
-          <p:cNvPr id="966" name="OTLSHAPE_T_22f39fb829944911aac60ff29587efd4_EndDate" hidden="1">
-            <a:extLst>
-              <a:ext uri="{FF2B5EF4-FFF2-40B4-BE49-F238E27FC236}">
-                <a16:creationId xmlns:a16="http://schemas.microsoft.com/office/drawing/2014/main" id="{A9A43CA6-411F-4A38-BE9E-2689BB612797}"/>
+          <p:cNvPr id="1224" name="OTLSHAPE_T_873cee77fc804a08b3913e177b784efa_EndDate" hidden="1">
+            <a:extLst>
+              <a:ext uri="{FF2B5EF4-FFF2-40B4-BE49-F238E27FC236}">
+                <a16:creationId xmlns:a16="http://schemas.microsoft.com/office/drawing/2014/main" id="{C8D6B143-3DD2-434B-840F-ACB7C13C03FD}"/>
               </a:ext>
             </a:extLst>
           </p:cNvPr>
           <p:cNvSpPr txBox="1"/>
           <p:nvPr>
             <p:custDataLst>
-              <p:tags r:id="rId101"/>
-            </p:custDataLst>
-          </p:nvPr>
-        </p:nvSpPr>
-        <p:spPr>
-          <a:xfrm>
-            <a:off x="0" y="6500580"/>
+              <p:tags r:id="rId146"/>
+            </p:custDataLst>
+          </p:nvPr>
+        </p:nvSpPr>
+        <p:spPr>
+          <a:xfrm>
+            <a:off x="0" y="7567380"/>
             <a:ext cx="0" cy="153888"/>
           </a:xfrm>
           <a:prstGeom prst="rect">
@@ -14266,23 +16609,23 @@
       </p:sp>
       <p:sp>
         <p:nvSpPr>
-          <p:cNvPr id="967" name="OTLSHAPE_T_22f39fb829944911aac60ff29587efd4_JoinedDate">
-            <a:extLst>
-              <a:ext uri="{FF2B5EF4-FFF2-40B4-BE49-F238E27FC236}">
-                <a16:creationId xmlns:a16="http://schemas.microsoft.com/office/drawing/2014/main" id="{292F4CC1-A313-46B1-B706-62B4127F7B69}"/>
+          <p:cNvPr id="1225" name="OTLSHAPE_T_873cee77fc804a08b3913e177b784efa_JoinedDate">
+            <a:extLst>
+              <a:ext uri="{FF2B5EF4-FFF2-40B4-BE49-F238E27FC236}">
+                <a16:creationId xmlns:a16="http://schemas.microsoft.com/office/drawing/2014/main" id="{8921C16E-F2D6-47FA-BA35-797A3498DCC8}"/>
               </a:ext>
             </a:extLst>
           </p:cNvPr>
           <p:cNvSpPr txBox="1"/>
           <p:nvPr>
             <p:custDataLst>
-              <p:tags r:id="rId102"/>
-            </p:custDataLst>
-          </p:nvPr>
-        </p:nvSpPr>
-        <p:spPr>
-          <a:xfrm>
-            <a:off x="10378410" y="6369643"/>
+              <p:tags r:id="rId147"/>
+            </p:custDataLst>
+          </p:nvPr>
+        </p:nvSpPr>
+        <p:spPr>
+          <a:xfrm>
+            <a:off x="9996678" y="5523560"/>
             <a:ext cx="1092200" cy="155025"/>
           </a:xfrm>
           <a:prstGeom prst="rect">
@@ -14303,7 +16646,7 @@
                 </a:solidFill>
                 <a:latin typeface="Calibri" panose="020F0502020204030204" pitchFamily="34" charset="0"/>
               </a:rPr>
-              <a:t>6-8-2019 - 6-19-2019</a:t>
+              <a:t>9-1-2019 - 9-30-2019</a:t>
             </a:r>
             <a:endParaRPr lang="ko-KR" altLang="en-US" sz="1000" spc="-4">
               <a:solidFill>
@@ -14316,24 +16659,24 @@
       </p:sp>
       <p:sp>
         <p:nvSpPr>
-          <p:cNvPr id="968" name="OTLSHAPE_T_22f39fb829944911aac60ff29587efd4_Title">
-            <a:extLst>
-              <a:ext uri="{FF2B5EF4-FFF2-40B4-BE49-F238E27FC236}">
-                <a16:creationId xmlns:a16="http://schemas.microsoft.com/office/drawing/2014/main" id="{909198B5-CFF2-46AE-A2E9-1E8E4CF4D507}"/>
+          <p:cNvPr id="1226" name="OTLSHAPE_T_873cee77fc804a08b3913e177b784efa_Title">
+            <a:extLst>
+              <a:ext uri="{FF2B5EF4-FFF2-40B4-BE49-F238E27FC236}">
+                <a16:creationId xmlns:a16="http://schemas.microsoft.com/office/drawing/2014/main" id="{D8F4D46F-F61E-4BFF-B77C-6126F913F194}"/>
               </a:ext>
             </a:extLst>
           </p:cNvPr>
           <p:cNvSpPr txBox="1"/>
           <p:nvPr>
             <p:custDataLst>
-              <p:tags r:id="rId103"/>
-            </p:custDataLst>
-          </p:nvPr>
-        </p:nvSpPr>
-        <p:spPr>
-          <a:xfrm>
-            <a:off x="127000" y="6361896"/>
-            <a:ext cx="1663700" cy="170519"/>
+              <p:tags r:id="rId148"/>
+            </p:custDataLst>
+          </p:nvPr>
+        </p:nvSpPr>
+        <p:spPr>
+          <a:xfrm>
+            <a:off x="120735" y="5515812"/>
+            <a:ext cx="1562100" cy="170519"/>
           </a:xfrm>
           <a:prstGeom prst="rect">
             <a:avLst/>
@@ -14353,7 +16696,453 @@
                 </a:solidFill>
                 <a:latin typeface="Calibri" panose="020F0502020204030204" pitchFamily="34" charset="0"/>
               </a:rPr>
-              <a:t>최종 보고서 작성 및 피드백</a:t>
+              <a:t>의류 관리 모듈 유지</a:t>
+            </a:r>
+            <a:r>
+              <a:rPr lang="en-US" altLang="ko-KR" sz="1100" b="1" spc="-4">
+                <a:solidFill>
+                  <a:schemeClr val="dk1"/>
+                </a:solidFill>
+                <a:latin typeface="Calibri" panose="020F0502020204030204" pitchFamily="34" charset="0"/>
+              </a:rPr>
+              <a:t>/</a:t>
+            </a:r>
+            <a:r>
+              <a:rPr lang="ko-KR" altLang="en-US" sz="1100" b="1" spc="-4">
+                <a:solidFill>
+                  <a:schemeClr val="dk1"/>
+                </a:solidFill>
+                <a:latin typeface="Calibri" panose="020F0502020204030204" pitchFamily="34" charset="0"/>
+              </a:rPr>
+              <a:t>보수</a:t>
+            </a:r>
+          </a:p>
+        </p:txBody>
+      </p:sp>
+      <p:sp>
+        <p:nvSpPr>
+          <p:cNvPr id="1227" name="OTLSHAPE_T_dddb03b0b7dd4b4ab51a5ca87c60bb5e_Shape">
+            <a:extLst>
+              <a:ext uri="{FF2B5EF4-FFF2-40B4-BE49-F238E27FC236}">
+                <a16:creationId xmlns:a16="http://schemas.microsoft.com/office/drawing/2014/main" id="{91C1BF35-C336-4606-9222-23CD1681C3AD}"/>
+              </a:ext>
+            </a:extLst>
+          </p:cNvPr>
+          <p:cNvSpPr/>
+          <p:nvPr>
+            <p:custDataLst>
+              <p:tags r:id="rId149"/>
+            </p:custDataLst>
+          </p:nvPr>
+        </p:nvSpPr>
+        <p:spPr>
+          <a:xfrm>
+            <a:off x="9903763" y="5819597"/>
+            <a:ext cx="1358900" cy="203200"/>
+          </a:xfrm>
+          <a:prstGeom prst="rect">
+            <a:avLst/>
+          </a:prstGeom>
+          <a:solidFill>
+            <a:schemeClr val="accent2"/>
+          </a:solidFill>
+          <a:ln w="12700" cap="flat" cmpd="sng" algn="ctr">
+            <a:noFill/>
+            <a:prstDash val="solid"/>
+            <a:miter lim="800000"/>
+          </a:ln>
+          <a:effectLst/>
+          <a:scene3d>
+            <a:camera prst="orthographicFront"/>
+            <a:lightRig rig="balanced" dir="t">
+              <a:rot lat="0" lon="0" rev="8700000"/>
+            </a:lightRig>
+          </a:scene3d>
+          <a:sp3d>
+            <a:bevelT w="165100" h="12700"/>
+          </a:sp3d>
+          <a:extLst>
+            <a:ext uri="{91240B29-F687-4F45-9708-019B960494DF}">
+              <a14:hiddenLine xmlns:a14="http://schemas.microsoft.com/office/drawing/2010/main" w="12700" cap="flat" cmpd="sng" algn="ctr">
+                <a:solidFill>
+                  <a:schemeClr val="accent1">
+                    <a:shade val="50000"/>
+                  </a:schemeClr>
+                </a:solidFill>
+                <a:prstDash val="solid"/>
+                <a:miter lim="800000"/>
+              </a14:hiddenLine>
+            </a:ext>
+            <a:ext uri="{AF507438-7753-43E0-B8FC-AC1667EBCBE1}">
+              <a14:hiddenEffects xmlns:a14="http://schemas.microsoft.com/office/drawing/2010/main">
+                <a:effectLst>
+                  <a:outerShdw>
+                    <a:scrgbClr r="0" g="0" b="0">
+                      <a:alpha val="50000"/>
+                    </a:scrgbClr>
+                  </a:outerShdw>
+                </a:effectLst>
+              </a14:hiddenEffects>
+            </a:ext>
+            <a:ext uri="{53640926-AAD7-44D8-BBD7-CCE9431645EC}">
+              <a14:shadowObscured xmlns:a14="http://schemas.microsoft.com/office/drawing/2010/main" val="1"/>
+            </a:ext>
+          </a:extLst>
+        </p:spPr>
+        <p:style>
+          <a:lnRef idx="2">
+            <a:schemeClr val="accent1">
+              <a:shade val="50000"/>
+            </a:schemeClr>
+          </a:lnRef>
+          <a:fillRef idx="1">
+            <a:schemeClr val="accent1"/>
+          </a:fillRef>
+          <a:effectRef idx="0">
+            <a:schemeClr val="accent1"/>
+          </a:effectRef>
+          <a:fontRef idx="minor">
+            <a:schemeClr val="lt1"/>
+          </a:fontRef>
+        </p:style>
+        <p:txBody>
+          <a:bodyPr rtlCol="0" anchor="ctr"/>
+          <a:lstStyle/>
+          <a:p>
+            <a:pPr algn="ctr"/>
+            <a:endParaRPr lang="ko-KR" altLang="en-US"/>
+          </a:p>
+        </p:txBody>
+      </p:sp>
+      <p:sp>
+        <p:nvSpPr>
+          <p:cNvPr id="1228" name="OTLSHAPE_T_dddb03b0b7dd4b4ab51a5ca87c60bb5e_ShapePercentage" hidden="1">
+            <a:extLst>
+              <a:ext uri="{FF2B5EF4-FFF2-40B4-BE49-F238E27FC236}">
+                <a16:creationId xmlns:a16="http://schemas.microsoft.com/office/drawing/2014/main" id="{F307B0FB-69C5-475A-B365-6601334EEA66}"/>
+              </a:ext>
+            </a:extLst>
+          </p:cNvPr>
+          <p:cNvSpPr/>
+          <p:nvPr>
+            <p:custDataLst>
+              <p:tags r:id="rId150"/>
+            </p:custDataLst>
+          </p:nvPr>
+        </p:nvSpPr>
+        <p:spPr>
+          <a:xfrm>
+            <a:off x="9910028" y="7732480"/>
+            <a:ext cx="0" cy="0"/>
+          </a:xfrm>
+          <a:prstGeom prst="rect">
+            <a:avLst/>
+          </a:prstGeom>
+        </p:spPr>
+        <p:style>
+          <a:lnRef idx="2">
+            <a:schemeClr val="accent1">
+              <a:shade val="50000"/>
+            </a:schemeClr>
+          </a:lnRef>
+          <a:fillRef idx="1">
+            <a:schemeClr val="accent1"/>
+          </a:fillRef>
+          <a:effectRef idx="0">
+            <a:schemeClr val="accent1"/>
+          </a:effectRef>
+          <a:fontRef idx="minor">
+            <a:schemeClr val="lt1"/>
+          </a:fontRef>
+        </p:style>
+        <p:txBody>
+          <a:bodyPr rtlCol="0" anchor="ctr"/>
+          <a:lstStyle/>
+          <a:p>
+            <a:pPr algn="ctr"/>
+            <a:endParaRPr lang="ko-KR" altLang="en-US"/>
+          </a:p>
+        </p:txBody>
+      </p:sp>
+      <p:sp>
+        <p:nvSpPr>
+          <p:cNvPr id="1229" name="OTLSHAPE_T_dddb03b0b7dd4b4ab51a5ca87c60bb5e_Duration" hidden="1">
+            <a:extLst>
+              <a:ext uri="{FF2B5EF4-FFF2-40B4-BE49-F238E27FC236}">
+                <a16:creationId xmlns:a16="http://schemas.microsoft.com/office/drawing/2014/main" id="{AB1C5881-D4B2-4746-9EBA-4CBA757EBD0E}"/>
+              </a:ext>
+            </a:extLst>
+          </p:cNvPr>
+          <p:cNvSpPr txBox="1"/>
+          <p:nvPr>
+            <p:custDataLst>
+              <p:tags r:id="rId151"/>
+            </p:custDataLst>
+          </p:nvPr>
+        </p:nvSpPr>
+        <p:spPr>
+          <a:xfrm>
+            <a:off x="0" y="7679055"/>
+            <a:ext cx="292100" cy="155025"/>
+          </a:xfrm>
+          <a:prstGeom prst="rect">
+            <a:avLst/>
+          </a:prstGeom>
+          <a:noFill/>
+        </p:spPr>
+        <p:txBody>
+          <a:bodyPr vert="horz" wrap="square" lIns="0" tIns="0" rIns="0" bIns="0" rtlCol="0" anchor="ctr" anchorCtr="0">
+            <a:spAutoFit/>
+          </a:bodyPr>
+          <a:lstStyle/>
+          <a:p>
+            <a:pPr algn="ctr"/>
+            <a:r>
+              <a:rPr lang="en-US" altLang="ko-KR" sz="1000">
+                <a:solidFill>
+                  <a:schemeClr val="accent2"/>
+                </a:solidFill>
+                <a:latin typeface="Calibri" panose="020F0502020204030204" pitchFamily="34" charset="0"/>
+              </a:rPr>
+              <a:t>32 </a:t>
+            </a:r>
+            <a:r>
+              <a:rPr lang="ko-KR" altLang="en-US" sz="1000">
+                <a:solidFill>
+                  <a:schemeClr val="accent2"/>
+                </a:solidFill>
+                <a:latin typeface="Calibri" panose="020F0502020204030204" pitchFamily="34" charset="0"/>
+              </a:rPr>
+              <a:t>일</a:t>
+            </a:r>
+          </a:p>
+        </p:txBody>
+      </p:sp>
+      <p:sp>
+        <p:nvSpPr>
+          <p:cNvPr id="1230" name="OTLSHAPE_T_dddb03b0b7dd4b4ab51a5ca87c60bb5e_TextPercentage" hidden="1">
+            <a:extLst>
+              <a:ext uri="{FF2B5EF4-FFF2-40B4-BE49-F238E27FC236}">
+                <a16:creationId xmlns:a16="http://schemas.microsoft.com/office/drawing/2014/main" id="{4618194B-C505-403C-BAE1-2B65452446F8}"/>
+              </a:ext>
+            </a:extLst>
+          </p:cNvPr>
+          <p:cNvSpPr txBox="1"/>
+          <p:nvPr>
+            <p:custDataLst>
+              <p:tags r:id="rId152"/>
+            </p:custDataLst>
+          </p:nvPr>
+        </p:nvSpPr>
+        <p:spPr>
+          <a:xfrm>
+            <a:off x="0" y="7834080"/>
+            <a:ext cx="0" cy="153888"/>
+          </a:xfrm>
+          <a:prstGeom prst="rect">
+            <a:avLst/>
+          </a:prstGeom>
+          <a:noFill/>
+        </p:spPr>
+        <p:txBody>
+          <a:bodyPr vert="horz" wrap="square" lIns="0" tIns="0" rIns="0" bIns="0" rtlCol="0" anchor="ctr" anchorCtr="0">
+            <a:spAutoFit/>
+          </a:bodyPr>
+          <a:lstStyle/>
+          <a:p>
+            <a:pPr algn="ctr"/>
+            <a:endParaRPr lang="ko-KR" altLang="en-US" sz="1000">
+              <a:solidFill>
+                <a:schemeClr val="accent2"/>
+              </a:solidFill>
+              <a:latin typeface="Calibri" panose="020F0502020204030204" pitchFamily="34" charset="0"/>
+            </a:endParaRPr>
+          </a:p>
+        </p:txBody>
+      </p:sp>
+      <p:sp>
+        <p:nvSpPr>
+          <p:cNvPr id="1231" name="OTLSHAPE_T_dddb03b0b7dd4b4ab51a5ca87c60bb5e_StartDate" hidden="1">
+            <a:extLst>
+              <a:ext uri="{FF2B5EF4-FFF2-40B4-BE49-F238E27FC236}">
+                <a16:creationId xmlns:a16="http://schemas.microsoft.com/office/drawing/2014/main" id="{EDDB3EB5-37F6-470D-A851-1142258707F4}"/>
+              </a:ext>
+            </a:extLst>
+          </p:cNvPr>
+          <p:cNvSpPr txBox="1"/>
+          <p:nvPr>
+            <p:custDataLst>
+              <p:tags r:id="rId153"/>
+            </p:custDataLst>
+          </p:nvPr>
+        </p:nvSpPr>
+        <p:spPr>
+          <a:xfrm>
+            <a:off x="0" y="7834080"/>
+            <a:ext cx="0" cy="153888"/>
+          </a:xfrm>
+          <a:prstGeom prst="rect">
+            <a:avLst/>
+          </a:prstGeom>
+          <a:noFill/>
+        </p:spPr>
+        <p:txBody>
+          <a:bodyPr vert="horz" wrap="square" lIns="0" tIns="0" rIns="0" bIns="0" rtlCol="0" anchor="ctr" anchorCtr="0">
+            <a:spAutoFit/>
+          </a:bodyPr>
+          <a:lstStyle/>
+          <a:p>
+            <a:pPr algn="ctr"/>
+            <a:endParaRPr lang="ko-KR" altLang="en-US" sz="1000">
+              <a:solidFill>
+                <a:schemeClr val="dk2"/>
+              </a:solidFill>
+              <a:latin typeface="Calibri" panose="020F0502020204030204" pitchFamily="34" charset="0"/>
+            </a:endParaRPr>
+          </a:p>
+        </p:txBody>
+      </p:sp>
+      <p:sp>
+        <p:nvSpPr>
+          <p:cNvPr id="1232" name="OTLSHAPE_T_dddb03b0b7dd4b4ab51a5ca87c60bb5e_EndDate" hidden="1">
+            <a:extLst>
+              <a:ext uri="{FF2B5EF4-FFF2-40B4-BE49-F238E27FC236}">
+                <a16:creationId xmlns:a16="http://schemas.microsoft.com/office/drawing/2014/main" id="{4D4D7A5C-12B8-412A-B1EE-51042DC74F20}"/>
+              </a:ext>
+            </a:extLst>
+          </p:cNvPr>
+          <p:cNvSpPr txBox="1"/>
+          <p:nvPr>
+            <p:custDataLst>
+              <p:tags r:id="rId154"/>
+            </p:custDataLst>
+          </p:nvPr>
+        </p:nvSpPr>
+        <p:spPr>
+          <a:xfrm>
+            <a:off x="0" y="7834080"/>
+            <a:ext cx="0" cy="153888"/>
+          </a:xfrm>
+          <a:prstGeom prst="rect">
+            <a:avLst/>
+          </a:prstGeom>
+          <a:noFill/>
+        </p:spPr>
+        <p:txBody>
+          <a:bodyPr vert="horz" wrap="square" lIns="0" tIns="0" rIns="0" bIns="0" rtlCol="0" anchor="ctr" anchorCtr="0">
+            <a:spAutoFit/>
+          </a:bodyPr>
+          <a:lstStyle/>
+          <a:p>
+            <a:pPr algn="ctr"/>
+            <a:endParaRPr lang="ko-KR" altLang="en-US" sz="1000">
+              <a:solidFill>
+                <a:schemeClr val="dk2"/>
+              </a:solidFill>
+              <a:latin typeface="Calibri" panose="020F0502020204030204" pitchFamily="34" charset="0"/>
+            </a:endParaRPr>
+          </a:p>
+        </p:txBody>
+      </p:sp>
+      <p:sp>
+        <p:nvSpPr>
+          <p:cNvPr id="1233" name="OTLSHAPE_T_dddb03b0b7dd4b4ab51a5ca87c60bb5e_JoinedDate">
+            <a:extLst>
+              <a:ext uri="{FF2B5EF4-FFF2-40B4-BE49-F238E27FC236}">
+                <a16:creationId xmlns:a16="http://schemas.microsoft.com/office/drawing/2014/main" id="{90A74849-A202-453A-A974-B9786C347C35}"/>
+              </a:ext>
+            </a:extLst>
+          </p:cNvPr>
+          <p:cNvSpPr txBox="1"/>
+          <p:nvPr>
+            <p:custDataLst>
+              <p:tags r:id="rId155"/>
+            </p:custDataLst>
+          </p:nvPr>
+        </p:nvSpPr>
+        <p:spPr>
+          <a:xfrm>
+            <a:off x="11303141" y="5766172"/>
+            <a:ext cx="635000" cy="310049"/>
+          </a:xfrm>
+          <a:prstGeom prst="rect">
+            <a:avLst/>
+          </a:prstGeom>
+          <a:noFill/>
+        </p:spPr>
+        <p:txBody>
+          <a:bodyPr vert="horz" wrap="square" lIns="0" tIns="0" rIns="0" bIns="0" rtlCol="0" anchor="ctr" anchorCtr="0">
+            <a:spAutoFit/>
+          </a:bodyPr>
+          <a:lstStyle/>
+          <a:p>
+            <a:r>
+              <a:rPr lang="en-US" altLang="ko-KR" sz="1000">
+                <a:solidFill>
+                  <a:schemeClr val="dk2"/>
+                </a:solidFill>
+                <a:latin typeface="Calibri" panose="020F0502020204030204" pitchFamily="34" charset="0"/>
+              </a:rPr>
+              <a:t>9-30-2019 - 10-31-2019</a:t>
+            </a:r>
+            <a:endParaRPr lang="ko-KR" altLang="en-US" sz="1000">
+              <a:solidFill>
+                <a:schemeClr val="dk2"/>
+              </a:solidFill>
+              <a:latin typeface="Calibri" panose="020F0502020204030204" pitchFamily="34" charset="0"/>
+            </a:endParaRPr>
+          </a:p>
+        </p:txBody>
+      </p:sp>
+      <p:sp>
+        <p:nvSpPr>
+          <p:cNvPr id="1234" name="OTLSHAPE_T_dddb03b0b7dd4b4ab51a5ca87c60bb5e_Title">
+            <a:extLst>
+              <a:ext uri="{FF2B5EF4-FFF2-40B4-BE49-F238E27FC236}">
+                <a16:creationId xmlns:a16="http://schemas.microsoft.com/office/drawing/2014/main" id="{CEE4B295-FC13-48AE-8E88-563906BA7CE2}"/>
+              </a:ext>
+            </a:extLst>
+          </p:cNvPr>
+          <p:cNvSpPr txBox="1"/>
+          <p:nvPr>
+            <p:custDataLst>
+              <p:tags r:id="rId156"/>
+            </p:custDataLst>
+          </p:nvPr>
+        </p:nvSpPr>
+        <p:spPr>
+          <a:xfrm>
+            <a:off x="120735" y="5835937"/>
+            <a:ext cx="2032000" cy="170519"/>
+          </a:xfrm>
+          <a:prstGeom prst="rect">
+            <a:avLst/>
+          </a:prstGeom>
+          <a:noFill/>
+        </p:spPr>
+        <p:txBody>
+          <a:bodyPr vert="horz" wrap="square" lIns="0" tIns="0" rIns="0" bIns="0" rtlCol="0" anchor="ctr" anchorCtr="0">
+            <a:spAutoFit/>
+          </a:bodyPr>
+          <a:lstStyle/>
+          <a:p>
+            <a:r>
+              <a:rPr lang="en-US" altLang="ko-KR" sz="1100" b="1" spc="-4">
+                <a:solidFill>
+                  <a:schemeClr val="dk1"/>
+                </a:solidFill>
+                <a:latin typeface="Calibri" panose="020F0502020204030204" pitchFamily="34" charset="0"/>
+              </a:rPr>
+              <a:t>AR </a:t>
+            </a:r>
+            <a:r>
+              <a:rPr lang="ko-KR" altLang="en-US" sz="1100" b="1" spc="-4">
+                <a:solidFill>
+                  <a:schemeClr val="dk1"/>
+                </a:solidFill>
+                <a:latin typeface="Calibri" panose="020F0502020204030204" pitchFamily="34" charset="0"/>
+              </a:rPr>
+              <a:t>모델링 및 출력 함수 성능 향상</a:t>
             </a:r>
           </a:p>
         </p:txBody>
@@ -14419,7 +17208,7 @@
 
 <file path=ppt/tags/tag105.xml><?xml version="1.0" encoding="utf-8"?>
 <p:tagLst xmlns:a="http://schemas.openxmlformats.org/drawingml/2006/main" xmlns:r="http://schemas.openxmlformats.org/officeDocument/2006/relationships" xmlns:p="http://schemas.openxmlformats.org/presentationml/2006/main">
-  <p:tag name="__PART_0" val="eyIkaWQiOiIxIiwiQ3VsdHVyZUluZm9OYW1lIjoia28tS1IiLCJTdHlsZU5hbWUiOm51bGwsIlZlcnNpb24iOnsiJGlkIjoiMiIsIlZlcnNpb24iOiIzLjEuMyIsIk9yaWdpbmFsQXNzZW1ibHlWZXJzaW9uIjoiMy42Mi4xMS4wMCIsIkVkaXRpb24iOiJCYXNpYyIsIklzUGx1c0VkaXRpb24iOmZhbHNlfSwiRWZmZWN0IjoxLCJTdHlsZSI6eyIkaWQiOiIzIiwiVGltZWJhbmRTdHlsZSI6eyIkaWQiOiI0IiwiU2NhbGVNYXJraW5nIjowLCJTaGFwZSI6MCwiU2hhcGVTdHlsZSI6eyIkaWQiOiI1IiwiTWFyZ2luIjp7IiRpZCI6IjYiLCJUb3AiOjAsIkxlZnQiOjEyLCJSaWdodCI6MTIsIkJvdHRvbSI6MH0sIlBhZGRpbmciOnsiJGlkIjoiNyIsIlRvcCI6NywiTGVmdCI6MCwiUmlnaHQiOjAsIkJvdHRvbSI6N30sIkJhY2tncm91bmQiOnsiJGlkIjoiOCIsIkNvbG9yIjp7IiRpZCI6IjkiLCJBIjoyNTUsIlIiOjY4LCJHIjo4NCwiQiI6MTA2fX0sIklzVmlzaWJsZSI6dHJ1ZSwiV2lkdGgiOjg1OC4wLCJIZWlnaHQiOjMwLjAsIkJvcmRlclN0eWxlIjp7IiRpZCI6IjEwIiwiTGluZUNvbG9yIjp7IiRpZCI6IjExIiwiJHR5cGUiOiJOTFJFLkNvbW1vbi5Eb20uU29saWRDb2xvckJydXNoLCBOTFJFLkNvbW1vbiIsIkNvbG9yIjp7IiRpZCI6IjEyIiwiQSI6MjU1LCJSIjoyNTUsIkciOjAsIkIiOjB9fSwiTGluZVdlaWdodCI6MC4wLCJMaW5lVHlwZSI6MCwiUGFyZW50U3R5bGUiOm51bGx9LCJQYXJlbnRTdHlsZSI6bnVsbH0sIlJpZ2h0RW5kQ2Fwc1N0eWxlIjp7IiRpZCI6IjEzIiwiRm9udFNldHRpbmdzIjp7IiRpZCI6IjE0IiwiRm9udFNpemUiOjE4LCJGb250TmFtZSI6IkNhbGlicmkiLCJJc0JvbGQiOnRydWUsIklzSXRhbGljIjpmYWxzZSwiSXNVbmRlcmxpbmVkIjpmYWxzZSwiUGFyZW50U3R5bGUiOm51bGx9LCJBdXRvU2l6ZSI6MCwiRm9yZWdyb3VuZCI6eyIkaWQiOiIxNSIsIkNvbG9yIjp7IiRpZCI6IjE2IiwiQSI6MjU1LCJSIjoyMzcsIkciOjEyNSwiQiI6NDl9fSwiTWF4V2lkdGgiOiJJbmZpbml0eSIsIk1heEhlaWdodCI6IkluZmluaXR5IiwiU21hcnRGb3JlZ3JvdW5kSXNBY3RpdmUiOmZhbHNlLCJIb3Jpem9udGFsQWxpZ25tZW50IjowLCJWZXJ0aWNhbEFsaWdubWVudCI6MCwiU21hcnRGb3JlZ3JvdW5kIjpudWxsLCJCYWNrZ3JvdW5kRmlsbFR5cGUiOjAsIk1hcmdpbiI6eyIkaWQiOiIxNyIsIlRvcCI6MCwiTGVmdCI6MCwiUmlnaHQiOjI1LCJCb3R0b20iOjB9LCJQYWRkaW5nIjp7IiRpZCI6IjE4IiwiVG9wIjowLCJMZWZ0IjowLCJSaWdodCI6MCwiQm90dG9tIjowfSwiQmFja2dyb3VuZCI6eyIkaWQiOiIxOSIsIkNvbG9yIjp7IiRpZCI6IjIwIiwiQSI6ODksIlIiOjAsIkciOjAsIkIiOjB9fSwiSXNWaXNpYmxlIjp0cnVlLCJXaWR0aCI6MC4wLCJIZWlnaHQiOjAuMCwiQm9yZGVyU3R5bGUiOm51bGwsIlBhcmVudFN0eWxlIjpudWxsfSwiTGVmdEVuZENhcHNTdHlsZSI6eyIkaWQiOiIyMSIsIkZvbnRTZXR0aW5ncyI6eyIkaWQiOiIyMiIsIkZvbnRTaXplIjoxOCwiRm9udE5hbWUiOiJDYWxpYnJpIiwiSXNCb2xkIjp0cnVlLCJJc0l0YWxpYyI6ZmFsc2UsIklzVW5kZXJsaW5lZCI6ZmFsc2UsIlBhcmVudFN0eWxlIjpudWxsfSwiQXV0b1NpemUiOjAsIkZvcmVncm91bmQiOnsiJGlkIjoiMjMiLCJDb2xvciI6eyIkaWQiOiIyNCIsIkEiOjI1NSwiUiI6MjM3LCJHIjoxMjUsIkIiOjQ5fX0sIk1heFdpZHRoIjoiSW5maW5pdHkiLCJNYXhIZWlnaHQiOiJJbmZpbml0eSIsIlNtYXJ0Rm9yZWdyb3VuZElzQWN0aXZlIjpmYWxzZSwiSG9yaXpvbnRhbEFsaWdubWVudCI6MCwiVmVydGljYWxBbGlnbm1lbnQiOjAsIlNtYXJ0Rm9yZWdyb3VuZCI6bnVsbCwiQmFja2dyb3VuZEZpbGxUeXBlIjowLCJNYXJnaW4iOnsiJGlkIjoiMjUiLCJUb3AiOjAsIkxlZnQiOjI1LCJSaWdodCI6MCwiQm90dG9tIjowfSwiUGFkZGluZyI6eyIkaWQiOiIyNiIsIlRvcCI6MCwiTGVmdCI6MCwiUmlnaHQiOjAsIkJvdHRvbSI6MH0sIkJhY2tncm91bmQiOnsiJGlkIjoiMjciLCJDb2xvciI6eyIkcmVmIjoiMjAifX0sIklzVmlzaWJsZSI6dHJ1ZSwiV2lkdGgiOjAuMCwiSGVpZ2h0IjowLjAsIkJvcmRlclN0eWxlIjpudWxsLCJQYXJlbnRTdHlsZSI6bnVsbH0sIlRvZGF5VGV4dFN0eWxlIjp7IiRpZCI6IjI4IiwiRm9udFNldHRpbmdzIjp7IiRpZCI6IjI5IiwiRm9udFNpemUiOjEyLCJGb250TmFtZSI6IkNhbGlicmkiLCJJc0JvbGQiOmZhbHNlLCJJc0l0YWxpYyI6ZmFsc2UsIklzVW5kZXJsaW5lZCI6ZmFsc2UsIlBhcmVudFN0eWxlIjpudWxsfSwiQXV0b1NpemUiOjAsIkZvcmVncm91bmQiOnsiJGlkIjoiMzAiLCJDb2xvciI6eyIkaWQiOiIzMSIsIkEiOjI1NSwiUiI6MCwiRyI6MCwiQiI6MH19LCJNYXhXaWR0aCI6MjAwLjAsIk1heEhlaWdodCI6IkluZmluaXR5IiwiU21hcnRGb3JlZ3JvdW5kSXNBY3RpdmUiOmZhbHNlLCJIb3Jpem9udGFsQWxpZ25tZW50IjowLCJWZXJ0aWNhbEFsaWdubWVudCI6MCwiU21hcnRGb3JlZ3JvdW5kIjpudWxsLCJCYWNrZ3JvdW5kRmlsbFR5cGUiOjAsIk1hcmdpbiI6eyIkaWQiOiIzMiIsIlRvcCI6MCwiTGVmdCI6MCwiUmlnaHQiOjAsIkJvdHRvbSI6MH0sIlBhZGRpbmciOnsiJGlkIjoiMzMiLCJUb3AiOjAsIkxlZnQiOjAsIlJpZ2h0IjowLCJCb3R0b20iOjB9LCJCYWNrZ3JvdW5kIjp7IiRpZCI6IjM0IiwiQ29sb3IiOnsiJHJlZiI6IjIwIn19LCJJc1Zpc2libGUiOnRydWUsIldpZHRoIjowLjAsIkhlaWdodCI6MC4wLCJCb3JkZXJTdHlsZSI6bnVsbCwiUGFyZW50U3R5bGUiOm51bGx9LCJUb2RheU1hcmtlclN0eWxlIjp7IiRpZCI6IjM1IiwiTWFyZ2luIjp7IiRpZCI6IjM2IiwiVG9wIjowLCJMZWZ0IjowLCJSaWdodCI6MCwiQm90dG9tIjowfSwiUGFkZGluZyI6eyIkaWQiOiIzNyIsIlRvcCI6MCwiTGVmdCI6MCwiUmlnaHQiOjAsIkJvdHRvbSI6MH0sIkJhY2tncm91bmQiOnsiJGlkIjoiMzgiLCJDb2xvciI6eyIkaWQiOiIzOSIsIkEiOjI1NSwiUiI6MjU1LCJHIjowLCJCIjowfX0sIklzVmlzaWJsZSI6dHJ1ZSwiV2lkdGgiOjAuMCwiSGVpZ2h0IjowLjAsIkJvcmRlclN0eWxlIjpudWxsLCJQYXJlbnRTdHlsZSI6bnVsbH0sIlNjYWxlU3R5bGUiOnsiJGlkIjoiNDAiLCJTaG93U2VnbWVudFNlcGFyYXRvcnMiOnRydWUsIlNlZ21lbnRTZXBhcmF0b3JPcGFjaXR5IjozMCwiRm9udFNldHRpbmdzIjp7IiRpZCI6IjQxIiwiRm9udFNpemUiOjEyLCJGb250TmFtZSI6IkNhbGlicmkiLCJJc0JvbGQiOmZhbHNlLCJJc0l0YWxpYyI6ZmFsc2UsIklzVW5kZXJsaW5lZCI6ZmFsc2UsIlBhcmVudFN0eWxlIjpudWxsfSwiQXV0b1NpemUiOjAsIkZvcmVncm91bmQiOnsiJGlkIjoiNDIiLCJDb2xvciI6eyIkaWQiOiI0MyIsIkEiOjI1NSwiUiI6MjU1LCJHIjoyNTUsIkIiOjI1NX19LCJNYXhXaWR0aCI6MjAwLjAsIk1heEhlaWdodCI6IkluZmluaXR5IiwiU21hcnRGb3JlZ3JvdW5kSXNBY3RpdmUiOmZhbHNlLCJIb3Jpem9udGFsQWxpZ25tZW50IjowLCJWZXJ0aWNhbEFsaWdubWVudCI6MSwiU21hcnRGb3JlZ3JvdW5kIjpudWxsLCJCYWNrZ3JvdW5kRmlsbFR5cGUiOjAsIk1hcmdpbiI6eyIkaWQiOiI0NCIsIlRvcCI6MCwiTGVmdCI6NSwiUmlnaHQiOjAsIkJvdHRvbSI6MH0sIlBhZGRpbmciOnsiJGlkIjoiNDUiLCJUb3AiOjAsIkxlZnQiOjAsIlJpZ2h0IjowLCJCb3R0b20iOjB9LCJCYWNrZ3JvdW5kIjp7IiRpZCI6IjQ2IiwiQ29sb3IiOnsiJHJlZiI6IjIwIn19LCJJc1Zpc2libGUiOnRydWUsIldpZHRoIjowLjAsIkhlaWdodCI6MC4wLCJCb3JkZXJTdHlsZSI6bnVsbCwiUGFyZW50U3R5bGUiOm51bGx9LCJFbGFwc2VkVGltZUJhY2tncm91bmQiOnsiJGlkIjoiNDciLCJDb2xvciI6eyIkaWQiOiI0OCIsIkEiOjE5MSwiUiI6MjU1LCJHIjowLCJCIjowfX0sIkFwcGVuZFllYXJPblllYXJDaGFuZ2UiOnRydWUsIkVsYXBzZWRUaW1lRm9ybWF0IjoyLCJUb2RheU1hcmtlclBvc2l0aW9uIjozLCJRdWlja1Bvc2l0aW9uIjoxLCJBYnNvbHV0ZVBvc2l0aW9uIjoyNDAuMCwiTWFyZ2luIjp7IiRpZCI6IjQ5IiwiVG9wIjowLCJMZWZ0IjoxMCwiUmlnaHQiOjEwLCJCb3R0b20iOjB9LCJQYWRkaW5nIjp7IiRpZCI6IjUwIiwiVG9wIjowLCJMZWZ0IjowLCJSaWdodCI6MCwiQm90dG9tIjowfSwiQmFja2dyb3VuZCI6eyIkaWQiOiI1MSIsIkNvbG9yIjp7IiRpZCI6IjUyIiwiQSI6MjU1LCJSIjozMSwiRyI6NzMsIkIiOjEyNX19LCJJc1Zpc2libGUiOnRydWUsIldpZHRoIjowLjAsIkhlaWdodCI6MC4wLCJCb3JkZXJTdHlsZSI6bnVsbCwiUGFyZW50U3R5bGUiOm51bGx9LCJEZWZhdWx0TWlsZXN0b25lU3R5bGUiOnsiJGlkIjoiNTMiLCJTaGFwZSI6MiwiQ29ubmVjdG9yTWFyZ2luIjp7IiRpZCI6IjU0IiwiVG9wIjowLCJMZWZ0IjoyLCJSaWdodCI6MiwiQm90dG9tIjowfSwiQ29ubmVjdG9yU3R5bGUiOnsiJGlkIjoiNTUiLCJMaW5lQ29sb3IiOnsiJGlkIjoiNTYiLCIkdHlwZSI6Ik5MUkUuQ29tbW9uLkRvbS5Tb2xpZENvbG9yQnJ1c2gsIE5MUkUuQ29tbW9uIiwiQ29sb3IiOnsiJGlkIjoiNTciLCJBIjoxMjcsIlIiOjMxLCJHIjo3MywiQiI6MTI2fX0sIkxpbmVXZWlnaHQiOjEuMCwiTGluZVR5cGUiOjAsIlBhcmVudFN0eWxlIjpudWxsfSwiSXNCZWxvd1RpbWViYW5kIjpmYWxzZSwiSGlkZURhdGUiOmZhbHNlLCJTaGFwZVNpemUiOjEsIlNwYWNpbmciOjEuMCwiUGFkZGluZyI6eyIkaWQiOiI1OCIsIlRvcCI6NywiTGVmdCI6MywiUmlnaHQiOjAsIkJvdHRvbSI6Mn0sIlNoYXBlU3R5bGUiOnsiJGlkIjoiNTkiLCJNYXJnaW4iOnsiJGlkIjoiNjAiLCJUb3AiOjAsIkxlZnQiOjAsIlJpZ2h0IjowLCJCb3R0b20iOjB9LCJQYWRkaW5nIjp7IiRpZCI6IjYxIiwiVG9wIjowLCJMZWZ0IjowLCJSaWdodCI6MCwiQm90dG9tIjowfSwiQmFja2dyb3VuZCI6eyIkaWQiOiI2MiIsIkNvbG9yIjp7IiRpZCI6IjYzIiwiQSI6MjU1LCJSIjowLCJHIjoxMTQsIkIiOjE4OH19LCJJc1Zpc2libGUiOnRydWUsIldpZHRoIjoxOC4wLCJIZWlnaHQiOjIwLjAsIkJvcmRlclN0eWxlIjp7IiRpZCI6IjY0IiwiTGluZUNvbG9yIjp7IiRpZCI6IjY1IiwiJHR5cGUiOiJOTFJFLkNvbW1vbi5Eb20uU29saWRDb2xvckJydXNoLCBOTFJFLkNvbW1vbiIsIkNvbG9yIjp7IiRpZCI6IjY2IiwiQSI6MjU1LCJSIjoyNTUsIkciOjAsIkIiOjB9fSwiTGluZVdlaWdodCI6MC4wLCJMaW5lVHlwZSI6MCwiUGFyZW50U3R5bGUiOm51bGx9LCJQYXJlbnRTdHlsZSI6bnVsbH0sIlRpdGxlU3R5bGUiOnsiJGlkIjoiNjciLCJGb250U2V0dGluZ3MiOnsiJGlkIjoiNjgiLCJGb250U2l6ZSI6MTEsIkZvbnROYW1lIjoiQ2FsaWJyaSIsIklzQm9sZCI6dHJ1ZSwiSXNJdGFsaWMiOmZhbHNlLCJJc1VuZGVybGluZWQiOmZhbHNlLCJQYXJlbnRTdHlsZSI6bnVsbH0sIkF1dG9TaXplIjowLCJGb3JlZ3JvdW5kIjp7IiRpZCI6IjY5IiwiQ29sb3IiOnsiJGlkIjoiNzAiLCJBIjoyNTUsIlIiOjAsIkciOjAsIkIiOjB9fSwiTWF4V2lkdGgiOjIwMC4wLCJNYXhIZWlnaHQiOiJJbmZpbml0eSIsIlNtYXJ0Rm9yZWdyb3VuZElzQWN0aXZlIjpmYWxzZSwiSG9yaXpvbnRhbEFsaWdubWVudCI6MCwiVmVydGljYWxBbGlnbm1lbnQiOjAsIlNtYXJ0Rm9yZWdyb3VuZCI6bnVsbCwiQmFja2dyb3VuZEZpbGxUeXBlIjowLCJNYXJnaW4iOnsiJGlkIjoiNzEiLCJUb3AiOjAsIkxlZnQiOjAsIlJpZ2h0IjowLCJCb3R0b20iOjB9LCJQYWRkaW5nIjp7IiRpZCI6IjcyIiwiVG9wIjowLCJMZWZ0IjowLCJSaWdodCI6MCwiQm90dG9tIjowfSwiQmFja2dyb3VuZCI6eyIkaWQiOiI3MyIsIkNvbG9yIjp7IiRyZWYiOiIyMCJ9fSwiSXNWaXNpYmxlIjp0cnVlLCJXaWR0aCI6MC4wLCJIZWlnaHQiOjAuMCwiQm9yZGVyU3R5bGUiOm51bGwsIlBhcmVudFN0eWxlIjpudWxsfSwiRGF0ZVN0eWxlIjp7IiRpZCI6Ijc0IiwiRm9udFNldHRpbmdzIjp7IiRpZCI6Ijc1IiwiRm9udFNpemUiOjEwLCJGb250TmFtZSI6IkNhbGlicmkiLCJJc0JvbGQiOmZhbHNlLCJJc0l0YWxpYyI6ZmFsc2UsIklzVW5kZXJsaW5lZCI6ZmFsc2UsIlBhcmVudFN0eWxlIjpudWxsfSwiQXV0b1NpemUiOjAsIkZvcmVncm91bmQiOnsiJGlkIjoiNzYiLCJDb2xvciI6eyIkaWQiOiI3NyIsIkEiOjI1NSwiUiI6NjgsIkciOjg0LCJCIjoxMDZ9fSwiTWF4V2lkdGgiOjIwMC4wLCJNYXhIZWlnaHQiOiJJbmZpbml0eSIsIlNtYXJ0Rm9yZWdyb3VuZElzQWN0aXZlIjpmYWxzZSwiSG9yaXpvbnRhbEFsaWdubWVudCI6MCwiVmVydGljYWxBbGlnbm1lbnQiOjAsIlNtYXJ0Rm9yZWdyb3VuZCI6bnVsbCwiQmFja2dyb3VuZEZpbGxUeXBlIjowLCJNYXJnaW4iOnsiJGlkIjoiNzgiLCJUb3AiOjAsIkxlZnQiOjAsIlJpZ2h0IjowLCJCb3R0b20iOjB9LCJQYWRkaW5nIjp7IiRpZCI6Ijc5IiwiVG9wIjowLCJMZWZ0IjowLCJSaWdodCI6MCwiQm90dG9tIjowfSwiQmFja2dyb3VuZCI6eyIkaWQiOiI4MCIsIkNvbG9yIjp7IiRyZWYiOiIyMCJ9fSwiSXNWaXNpYmxlIjp0cnVlLCJXaWR0aCI6MC4wLCJIZWlnaHQiOjAuMCwiQm9yZGVyU3R5bGUiOm51bGwsIlBhcmVudFN0eWxlIjpudWxsfSwiRGF0ZUZvcm1hdCI6eyIkaWQiOiI4MSIsIkZvcm1hdFN0cmluZyI6Ik0vZC95eXl5IiwiU2VwYXJhdG9yIjoiLyIsIlVzZUludGVybmF0aW9uYWxEYXRlRm9ybWF0IjpmYWxzZSwiRGF0ZUlzVmlzaWJsZSI6dHJ1ZSwiVGltZUlzVmlzaWJsZSI6ZmFsc2UsIkhvdXJEaWdpdHMiOjEsIkFtUG1EZXNpZ25hdG9yIjoyLCJUcmltMDBNaW51dGVzIjpmYWxzZSwiTGFzdEtub3duVmlzaWJpbGl0eVN0YXRlIjpudWxsfSwiSXNWaXNpYmxlIjp0cnVlLCJQYXJlbnRTdHlsZSI6bnVsbH0sIkRlZmF1bHRUYXNrU3R5bGUiOnsiJGlkIjoiODIiLCJTaGFwZSI6MCwiU2hhcGVUaGlja25lc3MiOjEsIkR1cmF0aW9uRm9ybWF0IjowLCJJbmNsdWRlTm9uV29ya2luZ0RheXNJbkR1cmF0aW9uIjpmYWxzZSwiUGVyY2VudGFnZUNvbXBsZXRlU3R5bGUiOnsiJGlkIjoiODMiLCJGb250U2V0dGluZ3MiOnsiJGlkIjoiODQiLCJGb250U2l6ZSI6MTAsIkZvbnROYW1lIjoiQ2FsaWJyaSIsIklzQm9sZCI6ZmFsc2UsIklzSXRhbGljIjpmYWxzZSwiSXNVbmRlcmxpbmVkIjpmYWxzZSwiUGFyZW50U3R5bGUiOm51bGx9LCJBdXRvU2l6ZSI6MCwiRm9yZWdyb3VuZCI6eyIkaWQiOiI4NSIsIkNvbG9yIjp7IiRpZCI6Ijg2IiwiQSI6MjU1LCJSIjoyMzcsIkciOjEyNSwiQiI6NDl9fSwiTWF4V2lkdGgiOjIwMC4wLCJNYXhIZWlnaHQiOiJJbmZpbml0eSIsIlNtYXJ0Rm9yZWdyb3VuZElzQWN0aXZlIjpmYWxzZSwiSG9yaXpvbnRhbEFsaWdubWVudCI6MCwiVmVydGljYWxBbGlnbm1lbnQiOjAsIlNtYXJ0Rm9yZWdyb3VuZCI6bnVsbCwiQmFja2dyb3VuZEZpbGxUeXBlIjowLCJNYXJnaW4iOnsiJGlkIjoiODciLCJUb3AiOjAsIkxlZnQiOjAsIlJpZ2h0IjowLCJCb3R0b20iOjB9LCJQYWRkaW5nIjp7IiRpZCI6Ijg4IiwiVG9wIjowLCJMZWZ0IjowLCJSaWdodCI6MCwiQm90dG9tIjowfSwiQmFja2dyb3VuZCI6eyIkaWQiOiI4OSIsIkNvbG9yIjp7IiRyZWYiOiIyMCJ9fSwiSXNWaXNpYmxlIjp0cnVlLCJXaWR0aCI6MC4wLCJIZWlnaHQiOjAuMCwiQm9yZGVyU3R5bGUiOm51bGwsIlBhcmVudFN0eWxlIjpudWxsfSwiRHVyYXRpb25TdHlsZSI6eyIkaWQiOiI5MCIsIkZvbnRTZXR0aW5ncyI6eyIkaWQiOiI5MSIsIkZvbnRTaXplIjoxMCwiRm9udE5hbWUiOiJDYWxpYnJpIiwiSXNCb2xkIjpmYWxzZSwiSXNJdGFsaWMiOmZhbHNlLCJJc1VuZGVybGluZWQiOmZhbHNlLCJQYXJlbnRTdHlsZSI6bnVsbH0sIkF1dG9TaXplIjowLCJGb3JlZ3JvdW5kIjp7IiRpZCI6IjkyIiwiQ29sb3IiOnsiJGlkIjoiOTMiLCJBIjoyNTUsIlIiOjIzNywiRyI6MTI1LCJCIjo0OX19LCJNYXhXaWR0aCI6MjAwLjAsIk1heEhlaWdodCI6IkluZmluaXR5IiwiU21hcnRGb3JlZ3JvdW5kSXNBY3RpdmUiOmZhbHNlLCJIb3Jpem9udGFsQWxpZ25tZW50IjowLCJWZXJ0aWNhbEFsaWdubWVudCI6MCwiU21hcnRGb3JlZ3JvdW5kIjpudWxsLCJCYWNrZ3JvdW5kRmlsbFR5cGUiOjAsIk1hcmdpbiI6eyIkaWQiOiI5NCIsIlRvcCI6MCwiTGVmdCI6MCwiUmlnaHQiOjAsIkJvdHRvbSI6MH0sIlBhZGRpbmciOnsiJGlkIjoiOTUiLCJUb3AiOjAsIkxlZnQiOjAsIlJpZ2h0IjowLCJCb3R0b20iOjB9LCJCYWNrZ3JvdW5kIjp7IiRpZCI6Ijk2IiwiQ29sb3IiOnsiJHJlZiI6IjIwIn19LCJJc1Zpc2libGUiOnRydWUsIldpZHRoIjowLjAsIkhlaWdodCI6MC4wLCJCb3JkZXJTdHlsZSI6bnVsbCwiUGFyZW50U3R5bGUiOm51bGx9LCJIb3Jpem9udGFsQ29ubmVjdG9yU3R5bGUiOnsiJGlkIjoiOTciLCJMaW5lQ29sb3IiOnsiJGlkIjoiOTgiLCIkdHlwZSI6Ik5MUkUuQ29tbW9uLkRvbS5Tb2xpZENvbG9yQnJ1c2gsIE5MUkUuQ29tbW9uIiwiQ29sb3IiOnsiJGlkIjoiOTkiLCJBIjoyNTUsIlIiOjIwNCwiRyI6MjA0LCJCIjoyMDR9fSwiTGluZVdlaWdodCI6MS4wLCJMaW5lVHlwZSI6MCwiUGFyZW50U3R5bGUiOm51bGx9LCJWZXJ0aWNhbENvbm5lY3RvclN0eWxlIjp7IiRpZCI6IjEwMCIsIkxpbmVDb2xvciI6eyIkaWQiOiIxMDEiLCIkdHlwZSI6Ik5MUkUuQ29tbW9uLkRvbS5Tb2xpZENvbG9yQnJ1c2gsIE5MUkUuQ29tbW9uIiwiQ29sb3IiOnsiJGlkIjoiMTAyIiwiQSI6MjU1LCJSIjoyMDQsIkciOjIwNCwiQiI6MjA0fX0sIkxpbmVXZWlnaHQiOjAuMCwiTGluZVR5cGUiOjAsIlBhcmVudFN0eWxlIjpudWxsfSwiTWFyZ2luIjpudWxsLCJTdGFydERhdGVQb3NpdGlvbiI6NCwiRW5kRGF0ZVBvc2l0aW9uIjo0LCJEYXRlSXNWaXNpYmxlIjp0cnVlLCJUaXRsZVBvc2l0aW9uIjo1LCJEdXJhdGlvblBvc2l0aW9uIjo2LCJQZXJjZW50YWdlQ29tcGxldGVkUG9zaXRpb24iOjYsIlNwYWNpbmciOjUsIklzQmVsb3dUaW1lYmFuZCI6dHJ1ZSwiUGVyY2VudGFnZUNvbXBsZXRlU2hhcGVPcGFjaXR5IjozNSwiU2hhcGVTdHlsZSI6eyIkaWQiOiIxMDMiLCJNYXJnaW4iOnsiJGlkIjoiMTA0IiwiVG9wIjowLCJMZWZ0Ijo0LCJSaWdodCI6NCwiQm90dG9tIjowfSwiUGFkZGluZyI6eyIkaWQiOiIxMDUiLCJUb3AiOjAsIkxlZnQiOjAsIlJpZ2h0IjowLCJCb3R0b20iOjB9LCJCYWNrZ3JvdW5kIjp7IiRpZCI6IjEwNiIsIkNvbG9yIjp7IiRpZCI6IjEwNyIsIkEiOjI1NSwiUiI6MCwiRyI6MTE0LCJCIjoxODh9fSwiSXNWaXNpYmxlIjp0cnVlLCJXaWR0aCI6MC4wLCJIZWlnaHQiOjE2LjAsIkJvcmRlclN0eWxlIjp7IiRpZCI6IjEwOCIsIkxpbmVDb2xvciI6eyIkaWQiOiIxMDkiLCIkdHlwZSI6Ik5MUkUuQ29tbW9uLkRvbS5Tb2xpZENvbG9yQnJ1c2gsIE5MUkUuQ29tbW9uIiwiQ29sb3IiOnsiJGlkIjoiMTEwIiwiQSI6MjU1LCJSIjoyNTUsIkciOjAsIkIiOjB9fSwiTGluZVdlaWdodCI6MC4wLCJMaW5lVHlwZSI6MCwiUGFyZW50U3R5bGUiOm51bGx9LCJQYXJlbnRTdHlsZSI6bnVsbH0sIlRpdGxlU3R5bGUiOnsiJGlkIjoiMTExIiwiRm9udFNldHRpbmdzIjp7IiRpZCI6IjExMiIsIkZvbnRTaXplIjoxMSwiRm9udE5hbWUiOiJDYWxpYnJpIiwiSXNCb2xkIjp0cnVlLCJJc0l0YWxpYyI6ZmFsc2UsIklzVW5kZXJsaW5lZCI6ZmFsc2UsIlBhcmVudFN0eWxlIjpudWxsfSwiQXV0b1NpemUiOjAsIkZvcmVncm91bmQiOnsiJGlkIjoiMTEzIiwiQ29sb3IiOnsiJGlkIjoiMTE0IiwiQSI6MjU1LCJSIjowLCJHIjowLCJCIjowfX0sIk1heFdpZHRoIjo5NjAuMCwiTWF4SGVpZ2h0IjoiSW5maW5pdHkiLCJTbWFydEZvcmVncm91bmRJc0FjdGl2ZSI6ZmFsc2UsIkhvcml6b250YWxBbGlnbm1lbnQiOjAsIlZlcnRpY2FsQWxpZ25tZW50IjowLCJTbWFydEZvcmVncm91bmQiOm51bGwsIkJhY2tncm91bmRGaWxsVHlwZSI6MCwiTWFyZ2luIjp7IiRpZCI6IjExNSIsIlRvcCI6MCwiTGVmdCI6MCwiUmlnaHQiOjAsIkJvdHRvbSI6MH0sIlBhZGRpbmciOnsiJGlkIjoiMTE2IiwiVG9wIjowLCJMZWZ0IjowLCJSaWdodCI6MCwiQm90dG9tIjowfSwiQmFja2dyb3VuZCI6eyIkaWQiOiIxMTciLCJDb2xvciI6eyIkcmVmIjoiMjAifX0sIklzVmlzaWJsZSI6dHJ1ZSwiV2lkdGgiOjAuMCwiSGVpZ2h0IjowLjAsIkJvcmRlclN0eWxlIjpudWxsLCJQYXJlbnRTdHlsZSI6bnVsbH0sIkRhdGVTdHlsZSI6eyIkaWQiOiIxMTgiLCJGb250U2V0dGluZ3MiOnsiJGlkIjoiMTE5IiwiRm9udFNpemUiOjEwLCJGb250TmFtZSI6IkNhbGlicmkiLCJJc0JvbGQiOmZhbHNlLCJJc0l0YWxpYyI6ZmFsc2UsIklzVW5kZXJsaW5lZCI6ZmFsc2UsIlBhcmVudFN0eWxlIjpudWxsfSwiQXV0b1NpemUiOjAsIkZvcmVncm91bmQiOnsiJGlkIjoiMTIwIiwiQ29sb3IiOnsiJGlkIjoiMTIxIiwiQSI6MjU1LCJSIjo2OCwiRyI6ODQsIkIiOjEwNn19LCJNYXhXaWR0aCI6MjAwLjAsIk1heEhlaWdodCI6IkluZmluaXR5IiwiU21hcnRGb3JlZ3JvdW5kSXNBY3RpdmUiOmZhbHNlLCJIb3Jpem9udGFsQWxpZ25tZW50IjowLCJWZXJ0aWNhbEFsaWdubWVudCI6MCwiU21hcnRGb3JlZ3JvdW5kIjpudWxsLCJCYWNrZ3JvdW5kRmlsbFR5cGUiOjAsIk1hcmdpbiI6eyIkaWQiOiIxMjIiLCJUb3AiOjAsIkxlZnQiOjAsIlJpZ2h0IjowLCJCb3R0b20iOjB9LCJQYWRkaW5nIjp7IiRpZCI6IjEyMyIsIlRvcCI6MCwiTGVmdCI6MCwiUmlnaHQiOjAsIkJvdHRvbSI6MH0sIkJhY2tncm91bmQiOnsiJGlkIjoiMTI0IiwiQ29sb3IiOnsiJHJlZiI6IjIwIn19LCJJc1Zpc2libGUiOnRydWUsIldpZHRoIjowLjAsIkhlaWdodCI6MC4wLCJCb3JkZXJTdHlsZSI6bnVsbCwiUGFyZW50U3R5bGUiOm51bGx9LCJEYXRlRm9ybWF0Ijp7IiRpZCI6IjEyNSIsIkZvcm1hdFN0cmluZyI6Ik0vZC95eXl5IiwiU2VwYXJhdG9yIjoiLyIsIlVzZUludGVybmF0aW9uYWxEYXRlRm9ybWF0IjpmYWxzZSwiRGF0ZUlzVmlzaWJsZSI6dHJ1ZSwiVGltZUlzVmlzaWJsZSI6ZmFsc2UsIkhvdXJEaWdpdHMiOjEsIkFtUG1EZXNpZ25hdG9yIjoyLCJUcmltMDBNaW51dGVzIjpmYWxzZSwiTGFzdEtub3duVmlzaWJpbGl0eVN0YXRlIjpudWxsfSwiSXNWaXNpYmxlIjp0cnVlLCJQYXJlbnRTdHlsZSI6bnVsbCwiX2V4cGxpY2l0bHlTZXQiOnsiJGlkIjoiMTI2IiwiU2hhcGVTdHlsZSI6ZmFsc2UsIlRpdGxlU3R5bGUiOmZhbHNlLCJEYXRlU3R5bGUiOmZhbHNlLCJIb3Jpem9udGFsQ29ubmVjdG9yU3R5bGUiOmZhbHNlLCJWZXJ0aWNhbENvbm5lY3RvclN0eWxlIjpmYWxzZSwiUGVyY2VudGFnZUNvbXBsZXRlU2hhcGVPcGFjaXR5IjpmYWxzZSwiU2hhcGUiOmZhbHNlLCJTaGFwZVRoaWNrbmVzcyI6ZmFsc2UsIkR1cmF0aW9uRm9ybWF0IjpmYWxzZSwiSW5jbHVkZU5vbldvcmtpbmdEYXlzSW5EdXJhdGlvbiI6ZmFsc2UsIk1hcmdpbiI6ZmFsc2UsIlN0YXJ0RGF0ZVBvc2l0aW9uIjpmYWxzZSwiRW5kRGF0ZVBvc2l0aW9uIjpmYWxzZSwiVGl0bGVQb3NpdGlvbiI6ZmFsc2UsIkR1cmF0aW9uUG9zaXRpb24iOmZhbHNlLCJQZXJjZW50YWdlQ29tcGxldGVkUG9zaXRpb24iOmZhbHNlLCJTcGFjaW5nIjpmYWxzZSwiSXNCZWxvd1RpbWViYW5kIjpmYWxzZSwiRGF0ZUZvcm1hdCI6ZmFsc2UsIklzVmlzaWJsZSI6ZmFsc2V9fSwiU2hvd0VsYXBzZWRUaW1lR3JhZGllbnRTdHlsZSI6ZmFsc2V9LCJTY2FsZSI6eyIkaWQiOiIxMjciLCJTdGFydERhdGUiOiIwMDAxLTAxLTAxVDAwOjAwOjAwIiwiRW5kRGF0ZSI6IjIwMTktMDYtMTlUMjM6NTk6MDAiLCJGb3JtYXQiOiJNTU0iLCJUeXBlIjoyLCJBdXRvRGF0ZVJhbmdlIjp0cnVlLCJXb3JraW5nRGF5cyI6MTI3LCJUb2RheU1hcmtlclRleHQiOiLsmKTripgiLCJBdXRvU2NhbGVUeXBlIjp0cnVlfSwiTWlsZXN0b25lcyI6W10sIlRhc2tzIjpbeyIkaWQiOiIxMjgiLCJHcm91cE5hbWUiOm51bGwsIlN0YXJ0RGF0ZSI6IjIwMTktMDMtMDZUMDA6MDA6MDAiLCJFbmREYXRlIjoiMjAxOS0wMy0zMVQyMzo1OTowMCIsIlBlcmNlbnRhZ2VDb21wbGV0ZSI6bnVsbCwiU3R5bGUiOnsiJGlkIjoiMTI5IiwiU2hhcGUiOjAsIlNoYXBlVGhpY2tuZXNzIjoxLCJEdXJhdGlvbkZvcm1hdCI6MCwiSW5jbHVkZU5vbldvcmtpbmdEYXlzSW5EdXJhdGlvbiI6ZmFsc2UsIlBlcmNlbnRhZ2VDb21wbGV0ZVN0eWxlIjp7IiRpZCI6IjEzMCIsIkZvbnRTZXR0aW5ncyI6eyIkaWQiOiIxMzEiLCJGb250U2l6ZSI6MTAsIkZvbnROYW1lIjoiQ2FsaWJyaSIsIklzQm9sZCI6ZmFsc2UsIklzSXRhbGljIjpmYWxzZSwiSXNVbmRlcmxpbmVkIjpmYWxzZSwiUGFyZW50U3R5bGUiOm51bGx9LCJBdXRvU2l6ZSI6MCwiRm9yZWdyb3VuZCI6eyIkaWQiOiIxMzIiLCJDb2xvciI6eyIkcmVmIjoiODYifX0sIk1heFdpZHRoIjoyMDAuMCwiTWF4SGVpZ2h0IjoiSW5maW5pdHkiLCJTbWFydEZvcmVncm91bmRJc0FjdGl2ZSI6ZmFsc2UsIkhvcml6b250YWxBbGlnbm1lbnQiOjAsIlZlcnRpY2FsQWxpZ25tZW50IjowLCJTbWFydEZvcmVncm91bmQiOm51bGwsIkJhY2tncm91bmRGaWxsVHlwZSI6MCwiTWFyZ2luIjp7IiRpZCI6IjEzMyIsIlRvcCI6MCwiTGVmdCI6MCwiUmlnaHQiOjAsIkJvdHRvbSI6MH0sIlBhZGRpbmciOnsiJGlkIjoiMTM0IiwiVG9wIjowLCJMZWZ0IjowLCJSaWdodCI6MCwiQm90dG9tIjowfSwiQmFja2dyb3VuZCI6eyIkcmVmIjoiODkifSwiSXNWaXNpYmxlIjp0cnVlLCJXaWR0aCI6MC4wLCJIZWlnaHQiOjAuMCwiQm9yZGVyU3R5bGUiOnsiJGlkIjoiMTM1IiwiTGluZUNvbG9yIjpudWxsLCJMaW5lV2VpZ2h0IjowLjAsIkxpbmVUeXBlIjowLCJQYXJlbnRTdHlsZSI6bnVsbH0sIlBhcmVudFN0eWxlIjpudWxsfSwiRHVyYXRpb25TdHlsZSI6eyIkaWQiOiIxMzYiLCJGb250U2V0dGluZ3MiOnsiJGlkIjoiMTM3IiwiRm9udFNpemUiOjEwLCJGb250TmFtZSI6IkNhbGlicmkiLCJJc0JvbGQiOmZhbHNlLCJJc0l0YWxpYyI6ZmFsc2UsIklzVW5kZXJsaW5lZCI6ZmFsc2UsIlBhcmVudFN0eWxlIjpudWxsfSwiQXV0b1NpemUiOjAsIkZvcmVncm91bmQiOnsiJGlkIjoiMTM4IiwiQ29sb3IiOnsiJHJlZiI6IjkzIn19LCJNYXhXaWR0aCI6MjAwLjAsIk1heEhlaWdodCI6IkluZmluaXR5IiwiU21hcnRGb3JlZ3JvdW5kSXNBY3RpdmUiOmZhbHNlLCJIb3Jpem9udGFsQWxpZ25tZW50IjowLCJWZXJ0aWNhbEFsaWdubWVudCI6MCwiU21hcnRGb3JlZ3JvdW5kIjpudWxsLCJCYWNrZ3JvdW5kRmlsbFR5cGUiOjAsIk1hcmdpbiI6eyIkaWQiOiIxMzkiLCJUb3AiOjAsIkxlZnQiOjAsIlJpZ2h0IjowLCJCb3R0b20iOjB9LCJQYWRkaW5nIjp7IiRpZCI6IjE0MCIsIlRvcCI6MCwiTGVmdCI6MCwiUmlnaHQiOjAsIkJvdHRvbSI6MH0sIkJhY2tncm91bmQiOnsiJHJlZiI6Ijk2In0sIklzVmlzaWJsZSI6dHJ1ZSwiV2lkdGgiOjAuMCwiSGVpZ2h0IjowLjAsIkJvcmRlclN0eWxlIjp7IiRpZCI6IjE0MSIsIkxpbmVDb2xvciI6bnVsbCwiTGluZVdlaWdodCI6MC4wLCJMaW5lVHlwZSI6MCwiUGFyZW50U3R5bGUiOm51bGx9LCJQYXJlbnRTdHlsZSI6bnVsbH0sIkhvcml6b250YWxDb25uZWN0b3JTdHlsZSI6eyIkaWQiOiIxNDIiLCJMaW5lQ29sb3IiOnsiJHJlZiI6Ijk4In0sIkxpbmVXZWlnaHQiOjAuMCwiTGluZVR5cGUiOjAsIlBhcmVudFN0eWxlIjpudWxsfSwiVmVydGljYWxDb25uZWN0b3JTdHlsZSI6eyIkaWQiOiIxNDMiLCJMaW5lQ29sb3IiOnsiJHJlZiI6IjEwMSJ9LCJMaW5lV2VpZ2h0IjowLjAsIkxpbmVUeXBlIjowLCJQYXJlbnRTdHlsZSI6bnVsbH0sIk1hcmdpbiI6bnVsbCwiU3RhcnREYXRlUG9zaXRpb24iOjQsIkVuZERhdGVQb3NpdGlvbiI6NCwiRGF0ZUlzVmlzaWJsZSI6dHJ1ZSwiVGl0bGVQb3NpdGlvbiI6NSwiRHVyYXRpb25Qb3NpdGlvbiI6NiwiUGVyY2VudGFnZUNvbXBsZXRlZFBvc2l0aW9uIjo2LCJTcGFjaW5nIjo1LCJJc0JlbG93VGltZWJhbmQiOnRydWUsIlBlcmNlbnRhZ2VDb21wbGV0ZVNoYXBlT3BhY2l0eSI6MzUsIlNoYXBlU3R5bGUiOnsiJGlkIjoiMTQ0IiwiTWFyZ2luIjp7IiRpZCI6IjE0NSIsIlRvcCI6MCwiTGVmdCI6NCwiUmlnaHQiOjQsIkJvdHRvbSI6MH0sIlBhZGRpbmciOnsiJGlkIjoiMTQ2IiwiVG9wIjowLCJMZWZ0IjowLCJSaWdodCI6MCwiQm90dG9tIjowfSwiQmFja2dyb3VuZCI6eyIkaWQiOiIxNDciLCJDb2xvciI6eyIkaWQiOiIxNDgiLCJBIjoyNTUsIlIiOjkxLCJHIjoxNTUsIkIiOjIxM319LCJJc1Zpc2libGUiOnRydWUsIldpZHRoIjowLjAsIkhlaWdodCI6MTYuMCwiQm9yZGVyU3R5bGUiOnsiJGlkIjoiMTQ5IiwiTGluZUNvbG9yIjp7IiRyZWYiOiIxMDkifSwiTGluZVdlaWdodCI6MC4wLCJMaW5lVHlwZSI6MCwiUGFyZW50U3R5bGUiOm51bGx9LCJQYXJlbnRTdHlsZSI6bnVsbH0sIlRpdGxlU3R5bGUiOnsiJGlkIjoiMTUwIiwiRm9udFNldHRpbmdzIjp7IiRpZCI6IjE1MSIsIkZvbnRTaXplIjoxMSwiRm9udE5hbWUiOiJDYWxpYnJpIiwiSXNCb2xkIjp0cnVlLCJJc0l0YWxpYyI6ZmFsc2UsIklzVW5kZXJsaW5lZCI6ZmFsc2UsIlBhcmVudFN0eWxlIjpudWxsfSwiQXV0b1NpemUiOjAsIkZvcmVncm91bmQiOnsiJGlkIjoiMTUyIiwiQ29sb3IiOnsiJHJlZiI6IjExNCJ9fSwiTWF4V2lkdGgiOjk2MC4wLCJNYXhIZWlnaHQiOiJJbmZpbml0eSIsIlNtYXJ0Rm9yZWdyb3VuZElzQWN0aXZlIjpmYWxzZSwiSG9yaXpvbnRhbEFsaWdubWVudCI6MCwiVmVydGljYWxBbGlnbm1lbnQiOjAsIlNtYXJ0Rm9yZWdyb3VuZCI6bnVsbCwiQmFja2dyb3VuZEZpbGxUeXBlIjowLCJNYXJnaW4iOnsiJGlkIjoiMTUzIiwiVG9wIjowLCJMZWZ0IjowLCJSaWdodCI6MCwiQm90dG9tIjowfSwiUGFkZGluZyI6eyIkaWQiOiIxNTQiLCJUb3AiOjAsIkxlZnQiOjAsIlJpZ2h0IjowLCJCb3R0b20iOjB9LCJCYWNrZ3JvdW5kIjp7IiRyZWYiOiIxMTcifSwiSXNWaXNpYmxlIjp0cnVlLCJXaWR0aCI6MC4wLCJIZWlnaHQiOjAuMCwiQm9yZGVyU3R5bGUiOnsiJGlkIjoiMTU1IiwiTGluZUNvbG9yIjpudWxsLCJMaW5lV2VpZ2h0IjowLjAsIkxpbmVUeXBlIjowLCJQYXJlbnRTdHlsZSI6bnVsbH0sIlBhcmVudFN0eWxlIjpudWxsfSwiRGF0ZVN0eWxlIjp7IiRpZCI6IjE1NiIsIkZvbnRTZXR0aW5ncyI6eyIkaWQiOiIxNTciLCJGb250U2l6ZSI6MTAsIkZvbnROYW1lIjoiQ2FsaWJyaSIsIklzQm9sZCI6ZmFsc2UsIklzSXRhbGljIjpmYWxzZSwiSXNVbmRlcmxpbmVkIjpmYWxzZSwiUGFyZW50U3R5bGUiOm51bGx9LCJBdXRvU2l6ZSI6MCwiRm9yZWdyb3VuZCI6eyIkaWQiOiIxNTgiLCJDb2xvciI6eyIkcmVmIjoiMTIxIn19LCJNYXhXaWR0aCI6MjAwLjAsIk1heEhlaWdodCI6IkluZmluaXR5IiwiU21hcnRGb3JlZ3JvdW5kSXNBY3RpdmUiOmZhbHNlLCJIb3Jpem9udGFsQWxpZ25tZW50IjowLCJWZXJ0aWNhbEFsaWdubWVudCI6MCwiU21hcnRGb3JlZ3JvdW5kIjpudWxsLCJCYWNrZ3JvdW5kRmlsbFR5cGUiOjAsIk1hcmdpbiI6eyIkaWQiOiIxNTkiLCJUb3AiOjAsIkxlZnQiOjAsIlJpZ2h0IjowLCJCb3R0b20iOjB9LCJQYWRkaW5nIjp7IiRpZCI6IjE2MCIsIlRvcCI6MCwiTGVmdCI6MCwiUmlnaHQiOjAsIkJvdHRvbSI6MH0sIkJhY2tncm91bmQiOnsiJHJlZiI6IjEyNCJ9LCJJc1Zpc2libGUiOnRydWUsIldpZHRoIjowLjAsIkhlaWdodCI6MC4wLCJCb3JkZXJTdHlsZSI6eyIkaWQiOiIxNjEiLCJMaW5lQ29sb3IiOm51bGwsIkxpbmVXZWlnaHQiOjAuMCwiTGluZVR5cGUiOjAsIlBhcmVudFN0eWxlIjpudWxsfSwiUGFyZW50U3R5bGUiOm51bGx9LCJEYXRlRm9ybWF0Ijp7IiRpZCI6IjE2MiIsIkZvcm1hdFN0cmluZyI6Ik0vZC95eXl5IiwiU2VwYXJhdG9yIjoiLyIsIlVzZUludGVybmF0aW9uYWxEYXRlRm9ybWF0IjpmYWxzZSwiRGF0ZUlzVmlzaWJsZSI6dHJ1ZSwiVGltZUlzVmlzaWJsZSI6ZmFsc2UsIkhvdXJEaWdpdHMiOjEsIkFtUG1EZXNpZ25hdG9yIjoyLCJUcmltMDBNaW51dGVzIjpmYWxzZSwiTGFzdEtub3duVmlzaWJpbGl0eVN0YXRlIjpudWxsfSwiSXNWaXNpYmxlIjp0cnVlLCJQYXJlbnRTdHlsZSI6bnVsbH0sIkluZGV4IjoxLCJTbWFydER1cmF0aW9uQWN0aXZhdGVkIjpmYWxzZSwiRGF0ZUZvcm1hdCI6eyIkcmVmIjoiMTYyIn0sIklkIjoiMjJhNGYwZDctNjgwNi00NDY3LTg5ZTgtZDBkYzYzODk4ZTlhIiwiSW1wb3J0SWQiOm51bGwsIlRpdGxlIjoi7ZSE66Gc7KCd7Yq4IOqzhO2ajS/shKTqs4QiLCJOb3RlIjpudWxsLCJIeXBlcmxpbmsiOm51bGwsIklzQ2hhbmdlZCI6ZmFsc2UsIklzTmV3IjpmYWxzZX0seyIkaWQiOiIxNjMiLCJHcm91cE5hbWUiOm51bGwsIlN0YXJ0RGF0ZSI6IjIwMTktMDQtMDFUMDA6MDA6MDAiLCJFbmREYXRlIjoiMjAxOS0wNC0xMFQyMzo1OTowMFoiLCJQZXJjZW50YWdlQ29tcGxldGUiOm51bGwsIlN0eWxlIjp7IiRpZCI6IjE2NCIsIlNoYXBlIjowLCJTaGFwZVRoaWNrbmVzcyI6MSwiRHVyYXRpb25Gb3JtYXQiOjAsIkluY2x1ZGVOb25Xb3JraW5nRGF5c0luRHVyYXRpb24iOmZhbHNlLCJQZXJjZW50YWdlQ29tcGxldGVTdHlsZSI6eyIkaWQiOiIxNjUiLCJGb250U2V0dGluZ3MiOnsiJGlkIjoiMTY2IiwiRm9udFNpemUiOjEwLCJGb250TmFtZSI6IkNhbGlicmkiLCJJc0JvbGQiOmZhbHNlLCJJc0l0YWxpYyI6ZmFsc2UsIklzVW5kZXJsaW5lZCI6ZmFsc2UsIlBhcmVudFN0eWxlIjpudWxsfSwiQXV0b1NpemUiOjAsIkZvcmVncm91bmQiOnsiJGlkIjoiMTY3IiwiQ29sb3IiOnsiJHJlZiI6Ijg2In19LCJNYXhXaWR0aCI6MjAwLjAsIk1heEhlaWdodCI6IkluZmluaXR5IiwiU21hcnRGb3JlZ3JvdW5kSXNBY3RpdmUiOmZhbHNlLCJIb3Jpem9udGFsQWxpZ25tZW50IjowLCJWZXJ0aWNhbEFsaWdubWVudCI6MCwiU21hcnRGb3JlZ3JvdW5kIjpudWxsLCJCYWNrZ3JvdW5kRmlsbFR5cGUiOjAsIk1hcmdpbiI6eyIkaWQiOiIxNjgiLCJUb3AiOjAsIkxlZnQiOjAsIlJpZ2h0IjowLCJCb3R0b20iOjB9LCJQYWRkaW5nIjp7IiRpZCI6IjE2OSIsIlRvcCI6MCwiTGVmdCI6MCwiUmlnaHQiOjAsIkJvdHRvbSI6MH0sIkJhY2tncm91bmQiOnsiJHJlZiI6Ijg5In0sIklzVmlzaWJsZSI6dHJ1ZSwiV2lkdGgiOjAuMCwiSGVpZ2h0IjowLjAsIkJvcmRlclN0eWxlIjp7IiRpZCI6IjE3MCIsIkxpbmVDb2xvciI6bnVsbCwiTGluZVdlaWdodCI6MC4wLCJMaW5lVHlwZSI6MCwiUGFyZW50U3R5bGUiOm51bGx9LCJQYXJlbnRTdHlsZSI6bnVsbH0sIkR1cmF0aW9uU3R5bGUiOnsiJGlkIjoiMTcxIiwiRm9udFNldHRpbmdzIjp7IiRpZCI6IjE3MiIsIkZvbnRTaXplIjoxMCwiRm9udE5hbWUiOiJDYWxpYnJpIiwiSXNCb2xkIjpmYWxzZSwiSXNJdGFsaWMiOmZhbHNlLCJJc1VuZGVybGluZWQiOmZhbHNlLCJQYXJlbnRTdHlsZSI6bnVsbH0sIkF1dG9TaXplIjowLCJGb3JlZ3JvdW5kIjp7IiRpZCI6IjE3MyIsIkNvbG9yIjp7IiRyZWYiOiI5MyJ9fSwiTWF4V2lkdGgiOjIwMC4wLCJNYXhIZWlnaHQiOiJJbmZpbml0eSIsIlNtYXJ0Rm9yZWdyb3VuZElzQWN0aXZlIjpmYWxzZSwiSG9yaXpvbnRhbEFsaWdubWVudCI6MCwiVmVydGljYWxBbGlnbm1lbnQiOjAsIlNtYXJ0Rm9yZWdyb3VuZCI6bnVsbCwiQmFja2dyb3VuZEZpbGxUeXBlIjowLCJNYXJnaW4iOnsiJGlkIjoiMTc0IiwiVG9wIjowLCJMZWZ0IjowLCJSaWdodCI6MCwiQm90dG9tIjowfSwiUGFkZGluZyI6eyIkaWQiOiIxNzUiLCJUb3AiOjAsIkxlZnQiOjAsIlJpZ2h0IjowLCJCb3R0b20iOjB9LCJCYWNrZ3JvdW5kIjp7IiRyZWYiOiI5NiJ9LCJJc1Zpc2libGUiOnRydWUsIldpZHRoIjowLjAsIkhlaWdodCI6MC4wLCJCb3JkZXJTdHlsZSI6eyIkaWQiOiIxNzYiLCJMaW5lQ29sb3IiOm51bGwsIkxpbmVXZWlnaHQiOjAuMCwiTGluZVR5cGUiOjAsIlBhcmVudFN0eWxlIjpudWxsfSwiUGFyZW50U3R5bGUiOm51bGx9LCJIb3Jpem9udGFsQ29ubmVjdG9yU3R5bGUiOnsiJGlkIjoiMTc3IiwiTGluZUNvbG9yIjp7IiRyZWYiOiI5OCJ9LCJMaW5lV2VpZ2h0IjoxLjAsIkxpbmVUeXBlIjowLCJQYXJlbnRTdHlsZSI6bnVsbH0sIlZlcnRpY2FsQ29ubmVjdG9yU3R5bGUiOnsiJGlkIjoiMTc4IiwiTGluZUNvbG9yIjp7IiRyZWYiOiIxMDEifSwiTGluZVdlaWdodCI6MC4wLCJMaW5lVHlwZSI6MCwiUGFyZW50U3R5bGUiOm51bGx9LCJNYXJnaW4iOm51bGwsIlN0YXJ0RGF0ZVBvc2l0aW9uIjo0LCJFbmREYXRlUG9zaXRpb24iOjQsIkRhdGVJc1Zpc2libGUiOnRydWUsIlRpdGxlUG9zaXRpb24iOjUsIkR1cmF0aW9uUG9zaXRpb24iOjYsIlBlcmNlbnRhZ2VDb21wbGV0ZWRQb3NpdGlvbiI6NiwiU3BhY2luZyI6NSwiSXNCZWxvd1RpbWViYW5kIjp0cnVlLCJQZXJjZW50YWdlQ29tcGxldGVTaGFwZU9wYWNpdHkiOjM1LCJTaGFwZVN0eWxlIjp7IiRpZCI6IjE3OSIsIk1hcmdpbiI6eyIkaWQiOiIxODAiLCJUb3AiOjAsIkxlZnQiOjQsIlJpZ2h0Ijo0LCJCb3R0b20iOjB9LCJQYWRkaW5nIjp7IiRpZCI6IjE4MSIsIlRvcCI6MCwiTGVmdCI6MCwiUmlnaHQiOjAsIkJvdHRvbSI6MH0sIkJhY2tncm91bmQiOnsiJGlkIjoiMTgyIiwiQ29sb3IiOnsiJGlkIjoiMTgzIiwiQSI6MjU1LCJSIjo5MSwiRyI6MTU1LCJCIjoyMTN9fSwiSXNWaXNpYmxlIjp0cnVlLCJXaWR0aCI6MC4wLCJIZWlnaHQiOjE2LjAsIkJvcmRlclN0eWxlIjp7IiRpZCI6IjE4NCIsIkxpbmVDb2xvciI6eyIkcmVmIjoiMTA5In0sIkxpbmVXZWlnaHQiOjAuMCwiTGluZVR5cGUiOjAsIlBhcmVudFN0eWxlIjpudWxsfSwiUGFyZW50U3R5bGUiOm51bGx9LCJUaXRsZVN0eWxlIjp7IiRpZCI6IjE4NSIsIkZvbnRTZXR0aW5ncyI6eyIkaWQiOiIxODYiLCJGb250U2l6ZSI6MTEsIkZvbnROYW1lIjoiQ2FsaWJyaSIsIklzQm9sZCI6dHJ1ZSwiSXNJdGFsaWMiOmZhbHNlLCJJc1VuZGVybGluZWQiOmZhbHNlLCJQYXJlbnRTdHlsZSI6bnVsbH0sIkF1dG9TaXplIjowLCJGb3JlZ3JvdW5kIjp7IiRpZCI6IjE4NyIsIkNvbG9yIjp7IiRyZWYiOiIxMTQifX0sIk1heFdpZHRoIjo5NjAuMCwiTWF4SGVpZ2h0IjoiSW5maW5pdHkiLCJTbWFydEZvcmVncm91bmRJc0FjdGl2ZSI6ZmFsc2UsIkhvcml6b250YWxBbGlnbm1lbnQiOjAsIlZlcnRpY2FsQWxpZ25tZW50IjowLCJTbWFydEZvcmVncm91bmQiOm51bGwsIkJhY2tncm91bmRGaWxsVHlwZSI6MCwiTWFyZ2luIjp7IiRpZCI6IjE4OCIsIlRvcCI6MCwiTGVmdCI6MCwiUmlnaHQiOjAsIkJvdHRvbSI6MH0sIlBhZGRpbmciOnsiJGlkIjoiMTg5IiwiVG9wIjowLCJMZWZ0IjowLCJSaWdodCI6MCwiQm90dG9tIjowfSwiQmFja2dyb3VuZCI6eyIkcmVmIjoiMTE3In0sIklzVmlzaWJsZSI6dHJ1ZSwiV2lkdGgiOjAuMCwiSGVpZ2h0IjowLjAsIkJvcmRlclN0eWxlIjp7IiRpZCI6IjE5MCIsIkxpbmVDb2xvciI6bnVsbCwiTGluZVdlaWdodCI6MC4wLCJMaW5lVHlwZSI6MCwiUGFyZW50U3R5bGUiOm51bGx9LCJQYXJlbnRTdHlsZSI6bnVsbH0sIkRhdGVTdHlsZSI6eyIkaWQiOiIxOTEiLCJGb250U2V0dGluZ3MiOnsiJGlkIjoiMTkyIiwiRm9udFNpemUiOjEwLCJGb250TmFtZSI6IkNhbGlicmkiLCJJc0JvbGQiOmZhbHNlLCJJc0l0YWxpYyI6ZmFsc2UsIklzVW5kZXJsaW5lZCI6ZmFsc2UsIlBhcmVudFN0eWxlIjpudWxsfSwiQXV0b1NpemUiOjAsIkZvcmVncm91bmQiOnsiJGlkIjoiMTkzIiwiQ29sb3IiOnsiJHJlZiI6IjEyMSJ9fSwiTWF4V2lkdGgiOjIwMC4wLCJNYXhIZWlnaHQiOiJJbmZpbml0eSIsIlNtYXJ0Rm9yZWdyb3VuZElzQWN0aXZlIjpmYWxzZSwiSG9yaXpvbnRhbEFsaWdubWVudCI6MCwiVmVydGljYWxBbGlnbm1lbnQiOjAsIlNtYXJ0Rm9yZWdyb3VuZCI6bnVsbCwiQmFja2dyb3VuZEZpbGxUeXBlIjowLCJNYXJnaW4iOnsiJGlkIjoiMTk0IiwiVG9wIjowLCJMZWZ0IjowLCJSaWdodCI6MCwiQm90dG9tIjowfSwiUGFkZGluZyI6eyIkaWQiOiIxOTUiLCJUb3AiOjAsIkxlZnQiOjAsIlJpZ2h0IjowLCJCb3R0b20iOjB9LCJCYWNrZ3JvdW5kIjp7IiRyZWYiOiIxMjQifSwiSXNWaXNpYmxlIjp0cnVlLCJXaWR0aCI6MC4wLCJIZWlnaHQiOjAuMCwiQm9yZGVyU3R5bGUiOnsiJGlkIjoiMTk2IiwiTGluZUNvbG9yIjpudWxsLCJMaW5lV2VpZ2h0IjowLjAsIkxpbmVUeXBlIjowLCJQYXJlbnRTdHlsZSI6bnVsbH0sIlBhcmVudFN0eWxlIjpudWxsfSwiRGF0ZUZvcm1hdCI6eyIkaWQiOiIxOTciLCJGb3JtYXRTdHJpbmciOiJNL2QveXl5eSIsIlNlcGFyYXRvciI6Ii8iLCJVc2VJbnRlcm5hdGlvbmFsRGF0ZUZvcm1hdCI6ZmFsc2UsIkRhdGVJc1Zpc2libGUiOnRydWUsIlRpbWVJc1Zpc2libGUiOmZhbHNlLCJIb3VyRGlnaXRzIjoxLCJBbVBtRGVzaWduYXRvciI6MiwiVHJpbTAwTWludXRlcyI6ZmFsc2UsIkxhc3RLbm93blZpc2liaWxpdHlTdGF0ZSI6bnVsbH0sIklzVmlzaWJsZSI6dHJ1ZSwiUGFyZW50U3R5bGUiOm51bGx9LCJJbmRleCI6MiwiU21hcnREdXJhdGlvbkFjdGl2YXRlZCI6ZmFsc2UsIkRhdGVGb3JtYXQiOnsiJHJlZiI6IjE5NyJ9LCJJZCI6ImQ0NDdlYTQ1LThkOTUtNDM4OS05NWY1LWNhYTliOTEzMjljYyIsIkltcG9ydElkIjpudWxsLCJUaXRsZSI6Iuq0gOugqCDsmKTtlIjshozsiqQg7IiY7KeRL+u2hOyEnSIsIk5vdGUiOm51bGwsIkh5cGVybGluayI6bnVsbCwiSXNDaGFuZ2VkIjpmYWxzZSwiSXNOZXciOmZhbHNlfSx7IiRpZCI6IjE5OCIsIkdyb3VwTmFtZSI6bnVsbCwiU3RhcnREYXRlIjoiMjAxOS0wNC0wMVQwMDowMDowMFoiLCJFbmREYXRlIjoiMjAxOS0wNC0zMFQyMzo1OTowMFoiLCJQZXJjZW50YWdlQ29tcGxldGUiOm51bGwsIlN0eWxlIjp7IiRpZCI6IjE5OSIsIlNoYXBlIjowLCJTaGFwZVRoaWNrbmVzcyI6MSwiRHVyYXRpb25Gb3JtYXQiOjAsIkluY2x1ZGVOb25Xb3JraW5nRGF5c0luRHVyYXRpb24iOmZhbHNlLCJQZXJjZW50YWdlQ29tcGxldGVTdHlsZSI6eyIkaWQiOiIyMDAiLCJGb250U2V0dGluZ3MiOnsiJGlkIjoiMjAxIiwiRm9udFNpemUiOjEwLCJGb250TmFtZSI6IkNhbGlicmkiLCJJc0JvbGQiOmZhbHNlLCJJc0l0YWxpYyI6ZmFsc2UsIklzVW5kZXJsaW5lZCI6ZmFsc2UsIlBhcmVudFN0eWxlIjpudWxsfSwiQXV0b1NpemUiOjAsIkZvcmVncm91bmQiOnsiJHJlZiI6Ijg1In0sIk1heFdpZHRoIjoyMDAuMCwiTWF4SGVpZ2h0IjoiSW5maW5pdHkiLCJTbWFydEZvcmVncm91bmRJc0FjdGl2ZSI6ZmFsc2UsIkhvcml6b250YWxBbGlnbm1lbnQiOjAsIlZlcnRpY2FsQWxpZ25tZW50IjowLCJTbWFydEZvcmVncm91bmQiOm51bGwsIkJhY2tncm91bmRGaWxsVHlwZSI6MCwiTWFyZ2luIjp7IiRyZWYiOiI4NyJ9LCJQYWRkaW5nIjp7IiRyZWYiOiI4OCJ9LCJCYWNrZ3JvdW5kIjp7IiRyZWYiOiI4OSJ9LCJJc1Zpc2libGUiOnRydWUsIldpZHRoIjowLjAsIkhlaWdodCI6MC4wLCJCb3JkZXJTdHlsZSI6eyIkaWQiOiIyMDIiLCJMaW5lQ29sb3IiOm51bGwsIkxpbmVXZWlnaHQiOjAuMCwiTGluZVR5cGUiOjAsIlBhcmVudFN0eWxlIjpudWxsfSwiUGFyZW50U3R5bGUiOm51bGx9LCJEdXJhdGlvblN0eWxlIjp7IiRpZCI6IjIwMyIsIkZvbnRTZXR0aW5ncyI6eyIkaWQiOiIyMDQiLCJGb250U2l6ZSI6MTAsIkZvbnROYW1lIjoiQ2FsaWJyaSIsIklzQm9sZCI6ZmFsc2UsIklzSXRhbGljIjpmYWxzZSwiSXNVbmRlcmxpbmVkIjpmYWxzZSwiUGFyZW50U3R5bGUiOm51bGx9LCJBdXRvU2l6ZSI6MCwiRm9yZWdyb3VuZCI6eyIkcmVmIjoiOTIifSwiTWF4V2lkdGgiOjIwMC4wLCJNYXhIZWlnaHQiOiJJbmZpbml0eSIsIlNtYXJ0Rm9yZWdyb3VuZElzQWN0aXZlIjpmYWxzZSwiSG9yaXpvbnRhbEFsaWdubWVudCI6MCwiVmVydGljYWxBbGlnbm1lbnQiOjAsIlNtYXJ0Rm9yZWdyb3VuZCI6bnVsbCwiQmFja2dyb3VuZEZpbGxUeXBlIjowLCJNYXJnaW4iOnsiJHJlZiI6Ijk0In0sIlBhZGRpbmciOnsiJHJlZiI6Ijk1In0sIkJhY2tncm91bmQiOnsiJHJlZiI6Ijk2In0sIklzVmlzaWJsZSI6dHJ1ZSwiV2lkdGgiOjAuMCwiSGVpZ2h0IjowLjAsIkJvcmRlclN0eWxlIjp7IiRpZCI6IjIwNSIsIkxpbmVDb2xvciI6bnVsbCwiTGluZVdlaWdodCI6MC4wLCJMaW5lVHlwZSI6MCwiUGFyZW50U3R5bGUiOm51bGx9LCJQYXJlbnRTdHlsZSI6bnVsbH0sIkhvcml6b250YWxDb25uZWN0b3JTdHlsZSI6eyIkaWQiOiIyMDYiLCJMaW5lQ29sb3IiOnsiJHJlZiI6Ijk4In0sIkxpbmVXZWlnaHQiOjEuMCwiTGluZVR5cGUiOjAsIlBhcmVudFN0eWxlIjpudWxsfSwiVmVydGljYWxDb25uZWN0b3JTdHlsZSI6eyIkaWQiOiIyMDciLCJMaW5lQ29sb3IiOnsiJHJlZiI6IjEwMSJ9LCJMaW5lV2VpZ2h0IjowLjAsIkxpbmVUeXBlIjowLCJQYXJlbnRTdHlsZSI6bnVsbH0sIk1hcmdpbiI6bnVsbCwiU3RhcnREYXRlUG9zaXRpb24iOjQsIkVuZERhdGVQb3NpdGlvbiI6NCwiRGF0ZUlzVmlzaWJsZSI6dHJ1ZSwiVGl0bGVQb3NpdGlvbiI6NSwiRHVyYXRpb25Qb3NpdGlvbiI6NiwiUGVyY2VudGFnZUNvbXBsZXRlZFBvc2l0aW9uIjo2LCJTcGFjaW5nIjo1LCJJc0JlbG93VGltZWJhbmQiOnRydWUsIlBlcmNlbnRhZ2VDb21wbGV0ZVNoYXBlT3BhY2l0eSI6MzUsIlNoYXBlU3R5bGUiOnsiJGlkIjoiMjA4IiwiTWFyZ2luIjp7IiRyZWYiOiIxMDQifSwiUGFkZGluZyI6eyIkcmVmIjoiMTA1In0sIkJhY2tncm91bmQiOnsiJGlkIjoiMjA5IiwiQ29sb3IiOnsiJGlkIjoiMjEwIiwiQSI6MjU1LCJSIjo5MSwiRyI6MTU1LCJCIjoyMTN9fSwiSXNWaXNpYmxlIjp0cnVlLCJXaWR0aCI6MC4wLCJIZWlnaHQiOjE2LjAsIkJvcmRlclN0eWxlIjp7IiRpZCI6IjIxMSIsIkxpbmVDb2xvciI6eyIkcmVmIjoiMTA5In0sIkxpbmVXZWlnaHQiOjAuMCwiTGluZVR5cGUiOjAsIlBhcmVudFN0eWxlIjpudWxsfSwiUGFyZW50U3R5bGUiOm51bGx9LCJUaXRsZVN0eWxlIjp7IiRpZCI6IjIxMiIsIkZvbnRTZXR0aW5ncyI6eyIkaWQiOiIyMTMiLCJGb250U2l6ZSI6MTEsIkZvbnROYW1lIjoiQ2FsaWJyaSIsIklzQm9sZCI6dHJ1ZSwiSXNJdGFsaWMiOmZhbHNlLCJJc1VuZGVybGluZWQiOmZhbHNlLCJQYXJlbnRTdHlsZSI6bnVsbH0sIkF1dG9TaXplIjowLCJGb3JlZ3JvdW5kIjp7IiRyZWYiOiIxMTMifSwiTWF4V2lkdGgiOjcyMC4wLCJNYXhIZWlnaHQiOiJJbmZpbml0eSIsIlNtYXJ0Rm9yZWdyb3VuZElzQWN0aXZlIjpmYWxzZSwiSG9yaXpvbnRhbEFsaWdubWVudCI6MCwiVmVydGljYWxBbGlnbm1lbnQiOjAsIlNtYXJ0Rm9yZWdyb3VuZCI6bnVsbCwiQmFja2dyb3VuZEZpbGxUeXBlIjowLCJNYXJnaW4iOnsiJHJlZiI6IjExNSJ9LCJQYWRkaW5nIjp7IiRyZWYiOiIxMTYifSwiQmFja2dyb3VuZCI6eyIkcmVmIjoiMTE3In0sIklzVmlzaWJsZSI6dHJ1ZSwiV2lkdGgiOjAuMCwiSGVpZ2h0IjowLjAsIkJvcmRlclN0eWxlIjp7IiRpZCI6IjIxNCIsIkxpbmVDb2xvciI6bnVsbCwiTGluZVdlaWdodCI6MC4wLCJMaW5lVHlwZSI6MCwiUGFyZW50U3R5bGUiOm51bGx9LCJQYXJlbnRTdHlsZSI6bnVsbH0sIkRhdGVTdHlsZSI6eyIkaWQiOiIyMTUiLCJGb250U2V0dGluZ3MiOnsiJGlkIjoiMjE2IiwiRm9udFNpemUiOjEwLCJGb250TmFtZSI6IkNhbGlicmkiLCJJc0JvbGQiOmZhbHNlLCJJc0l0YWxpYyI6ZmFsc2UsIklzVW5kZXJsaW5lZCI6ZmFsc2UsIlBhcmVudFN0eWxlIjpudWxsfSwiQXV0b1NpemUiOjAsIkZvcmVncm91bmQiOnsiJHJlZiI6IjEyMCJ9LCJNYXhXaWR0aCI6MjAwLjAsIk1heEhlaWdodCI6IkluZmluaXR5IiwiU21hcnRGb3JlZ3JvdW5kSXNBY3RpdmUiOmZhbHNlLCJIb3Jpem9udGFsQWxpZ25tZW50IjowLCJWZXJ0aWNhbEFsaWdubWVudCI6MCwiU21hcnRGb3JlZ3JvdW5kIjpudWxsLCJCYWNrZ3JvdW5kRmlsbFR5cGUiOjAsIk1hcmdpbiI6eyIkcmVmIjoiMTIyIn0sIlBhZGRpbmciOnsiJHJlZiI6IjEyMyJ9LCJCYWNrZ3JvdW5kIjp7IiRyZWYiOiIxMjQifSwiSXNWaXNpYmxlIjp0cnVlLCJXaWR0aCI6MC4wLCJIZWlnaHQiOjAuMCwiQm9yZGVyU3R5bGUiOnsiJGlkIjoiMjE3IiwiTGluZUNvbG9yIjpudWxsLCJMaW5lV2VpZ2h0IjowLjAsIkxpbmVUeXBlIjowLCJQYXJlbnRTdHlsZSI6bnVsbH0sIlBhcmVudFN0eWxlIjpudWxsfSwiRGF0ZUZvcm1hdCI6eyIkcmVmIjoiMTI1In0sIklzVmlzaWJsZSI6dHJ1ZSwiUGFyZW50U3R5bGUiOm51bGx9LCJJbmRleCI6MywiU21hcnREdXJhdGlvbkFjdGl2YXRlZCI6ZmFsc2UsIkRhdGVGb3JtYXQiOnsiJHJlZiI6IjEyNSJ9LCJJZCI6ImQ1Y2Q2ZDJmLTk4MDItNGY0OS1hZGNmLTEwYTdjNDJmYmVmZiIsIkltcG9ydElkIjpudWxsLCJUaXRsZSI6IuykkeqwhCDrs7Tqs6DshJwg7J6R7ISxIOuwjyDtlLzrk5zrsLEiLCJOb3RlIjpudWxsLCJIeXBlcmxpbmsiOm51bGwsIklzQ2hhbmdlZCI6ZmFsc2UsIklzTmV3IjpmYWxzZX0seyIkaWQiOiIyMTgiLCJHcm91cE5hbWUiOm51bGwsIlN0YXJ0RGF0ZSI6IjIwMTktMDQtMDRUMDA6MDA6MDBaIiwiRW5kRGF0ZSI6IjIwMTktMDQtMTBUMjM6NTk6MDBaIiwiUGVyY2VudGFnZUNvbXBsZXRlIjpudWxsLCJTdHlsZSI6eyIkaWQiOiIyMTkiLCJTaGFwZSI6MCwiU2hhcGVUaGlja25lc3MiOjEsIkR1cmF0aW9uRm9ybWF0IjowLCJJbmNsdWRlTm9uV29ya2luZ0RheXNJbkR1cmF0aW9uIjpmYWxzZSwiUGVyY2VudGFnZUNvbXBsZXRlU3R5bGUiOnsiJGlkIjoiMjIwIiwiRm9udFNldHRpbmdzIjp7IiRpZCI6IjIyMSIsIkZvbnRTaXplIjoxMCwiRm9udE5hbWUiOiJDYWxpYnJpIiwiSXNCb2xkIjpmYWxzZSwiSXNJdGFsaWMiOmZhbHNlLCJJc1VuZGVybGluZWQiOmZhbHNlLCJQYXJlbnRTdHlsZSI6bnVsbH0sIkF1dG9TaXplIjowLCJGb3JlZ3JvdW5kIjp7IiRpZCI6IjIyMiIsIkNvbG9yIjp7IiRyZWYiOiI4NiJ9fSwiTWF4V2lkdGgiOjIwMC4wLCJNYXhIZWlnaHQiOiJJbmZpbml0eSIsIlNtYXJ0Rm9yZWdyb3VuZElzQWN0aXZlIjpmYWxzZSwiSG9yaXpvbnRhbEFsaWdubWVudCI6MCwiVmVydGljYWxBbGlnbm1lbnQiOjAsIlNtYXJ0Rm9yZWdyb3VuZCI6bnVsbCwiQmFja2dyb3VuZEZpbGxUeXBlIjowLCJNYXJnaW4iOnsiJGlkIjoiMjIzIiwiVG9wIjowLCJMZWZ0IjowLCJSaWdodCI6MCwiQm90dG9tIjowfSwiUGFkZGluZyI6eyIkaWQiOiIyMjQiLCJUb3AiOjAsIkxlZnQiOjAsIlJpZ2h0IjowLCJCb3R0b20iOjB9LCJCYWNrZ3JvdW5kIjp7IiRyZWYiOiI4OSJ9LCJJc1Zpc2libGUiOnRydWUsIldpZHRoIjowLjAsIkhlaWdodCI6MC4wLCJCb3JkZXJTdHlsZSI6eyIkaWQiOiIyMjUiLCJMaW5lQ29sb3IiOm51bGwsIkxpbmVXZWlnaHQiOjAuMCwiTGluZVR5cGUiOjAsIlBhcmVudFN0eWxlIjpudWxsfSwiUGFyZW50U3R5bGUiOm51bGx9LCJEdXJhdGlvblN0eWxlIjp7IiRpZCI6IjIyNiIsIkZvbnRTZXR0aW5ncyI6eyIkaWQiOiIyMjciLCJGb250U2l6ZSI6MTAsIkZvbnROYW1lIjoiQ2FsaWJyaSIsIklzQm9sZCI6ZmFsc2UsIklzSXRhbGljIjpmYWxzZSwiSXNVbmRlcmxpbmVkIjpmYWxzZSwiUGFyZW50U3R5bGUiOm51bGx9LCJBdXRvU2l6ZSI6MCwiRm9yZWdyb3VuZCI6eyIkaWQiOiIyMjgiLCJDb2xvciI6eyIkcmVmIjoiOTMifX0sIk1heFdpZHRoIjoyMDAuMCwiTWF4SGVpZ2h0IjoiSW5maW5pdHkiLCJTbWFydEZvcmVncm91bmRJc0FjdGl2ZSI6ZmFsc2UsIkhvcml6b250YWxBbGlnbm1lbnQiOjAsIlZlcnRpY2FsQWxpZ25tZW50IjowLCJTbWFydEZvcmVncm91bmQiOm51bGwsIkJhY2tncm91bmRGaWxsVHlwZSI6MCwiTWFyZ2luIjp7IiRpZCI6IjIyOSIsIlRvcCI6MCwiTGVmdCI6MCwiUmlnaHQiOjAsIkJvdHRvbSI6MH0sIlBhZGRpbmciOnsiJGlkIjoiMjMwIiwiVG9wIjowLCJMZWZ0IjowLCJSaWdodCI6MCwiQm90dG9tIjowfSwiQmFja2dyb3VuZCI6eyIkcmVmIjoiOTYifSwiSXNWaXNpYmxlIjp0cnVlLCJXaWR0aCI6MC4wLCJIZWlnaHQiOjAuMCwiQm9yZGVyU3R5bGUiOnsiJGlkIjoiMjMxIiwiTGluZUNvbG9yIjpudWxsLCJMaW5lV2VpZ2h0IjowLjAsIkxpbmVUeXBlIjowLCJQYXJlbnRTdHlsZSI6bnVsbH0sIlBhcmVudFN0eWxlIjpudWxsfSwiSG9yaXpvbnRhbENvbm5lY3RvclN0eWxlIjp7IiRpZCI6IjIzMiIsIkxpbmVDb2xvciI6eyIkcmVmIjoiOTgifSwiTGluZVdlaWdodCI6MS4wLCJMaW5lVHlwZSI6MCwiUGFyZW50U3R5bGUiOm51bGx9LCJWZXJ0aWNhbENvbm5lY3RvclN0eWxlIjp7IiRpZCI6IjIzMyIsIkxpbmVDb2xvciI6eyIkcmVmIjoiMTAxIn0sIkxpbmVXZWlnaHQiOjAuMCwiTGluZVR5cGUiOjAsIlBhcmVudFN0eWxlIjpudWxsfSwiTWFyZ2luIjpudWxsLCJTdGFydERhdGVQb3NpdGlvbiI6NCwiRW5kRGF0ZVBvc2l0aW9uIjo0LCJEYXRlSXNWaXNpYmxlIjp0cnVlLCJUaXRsZVBvc2l0aW9uIjo1LCJEdXJhdGlvblBvc2l0aW9uIjo2LCJQZXJjZW50YWdlQ29tcGxldGVkUG9zaXRpb24iOjYsIlNwYWNpbmciOjUsIklzQmVsb3dUaW1lYmFuZCI6dHJ1ZSwiUGVyY2VudGFnZUNvbXBsZXRlU2hhcGVPcGFjaXR5IjozNSwiU2hhcGVTdHlsZSI6eyIkaWQiOiIyMzQiLCJNYXJnaW4iOnsiJGlkIjoiMjM1IiwiVG9wIjowLCJMZWZ0Ijo0LCJSaWdodCI6NCwiQm90dG9tIjowfSwiUGFkZGluZyI6eyIkaWQiOiIyMzYiLCJUb3AiOjAsIkxlZnQiOjAsIlJpZ2h0IjowLCJCb3R0b20iOjB9LCJCYWNrZ3JvdW5kIjp7IiRpZCI6IjIzNyIsIkNvbG9yIjp7IiRpZCI6IjIzOCIsIkEiOjI1NSwiUiI6MTEyLCJHIjoxNzMsIkIiOjcxfX0sIklzVmlzaWJsZSI6dHJ1ZSwiV2lkdGgiOjAuMCwiSGVpZ2h0IjoxNi4wLCJCb3JkZXJTdHlsZSI6eyIkaWQiOiIyMzkiLCJMaW5lQ29sb3IiOnsiJHJlZiI6IjEwOSJ9LCJMaW5lV2VpZ2h0IjowLjAsIkxpbmVUeXBlIjowLCJQYXJlbnRTdHlsZSI6bnVsbH0sIlBhcmVudFN0eWxlIjpudWxsfSwiVGl0bGVTdHlsZSI6eyIkaWQiOiIyNDAiLCJGb250U2V0dGluZ3MiOnsiJGlkIjoiMjQxIiwiRm9udFNpemUiOjExLCJGb250TmFtZSI6IkNhbGlicmkiLCJJc0JvbGQiOnRydWUsIklzSXRhbGljIjpmYWxzZSwiSXNVbmRlcmxpbmVkIjpmYWxzZSwiUGFyZW50U3R5bGUiOm51bGx9LCJBdXRvU2l6ZSI6MCwiRm9yZWdyb3VuZCI6eyIkaWQiOiIyNDIiLCJDb2xvciI6eyIkcmVmIjoiMTE0In19LCJNYXhXaWR0aCI6NzIwLjAsIk1heEhlaWdodCI6IkluZmluaXR5IiwiU21hcnRGb3JlZ3JvdW5kSXNBY3RpdmUiOmZhbHNlLCJIb3Jpem9udGFsQWxpZ25tZW50IjowLCJWZXJ0aWNhbEFsaWdubWVudCI6MCwiU21hcnRGb3JlZ3JvdW5kIjpudWxsLCJCYWNrZ3JvdW5kRmlsbFR5cGUiOjAsIk1hcmdpbiI6eyIkaWQiOiIyNDMiLCJUb3AiOjAsIkxlZnQiOjAsIlJpZ2h0IjowLCJCb3R0b20iOjB9LCJQYWRkaW5nIjp7IiRpZCI6IjI0NCIsIlRvcCI6MCwiTGVmdCI6MCwiUmlnaHQiOjAsIkJvdHRvbSI6MH0sIkJhY2tncm91bmQiOnsiJHJlZiI6IjExNyJ9LCJJc1Zpc2libGUiOnRydWUsIldpZHRoIjowLjAsIkhlaWdodCI6MC4wLCJCb3JkZXJTdHlsZSI6eyIkaWQiOiIyNDUiLCJMaW5lQ29sb3IiOm51bGwsIkxpbmVXZWlnaHQiOjAuMCwiTGluZVR5cGUiOjAsIlBhcmVudFN0eWxlIjpudWxsfSwiUGFyZW50U3R5bGUiOm51bGx9LCJEYXRlU3R5bGUiOnsiJGlkIjoiMjQ2IiwiRm9udFNldHRpbmdzIjp7IiRpZCI6IjI0NyIsIkZvbnRTaXplIjoxMCwiRm9udE5hbWUiOiJDYWxpYnJpIiwiSXNCb2xkIjpmYWxzZSwiSXNJdGFsaWMiOmZhbHNlLCJJc1VuZGVybGluZWQiOmZhbHNlLCJQYXJlbnRTdHlsZSI6bnVsbH0sIkF1dG9TaXplIjowLCJGb3JlZ3JvdW5kIjp7IiRpZCI6IjI0OCIsIkNvbG9yIjp7IiRyZWYiOiIxMjEifX0sIk1heFdpZHRoIjoyMDAuMCwiTWF4SGVpZ2h0IjoiSW5maW5pdHkiLCJTbWFydEZvcmVncm91bmRJc0FjdGl2ZSI6ZmFsc2UsIkhvcml6b250YWxBbGlnbm1lbnQiOjAsIlZlcnRpY2FsQWxpZ25tZW50IjowLCJTbWFydEZvcmVncm91bmQiOm51bGwsIkJhY2tncm91bmRGaWxsVHlwZSI6MCwiTWFyZ2luIjp7IiRpZCI6IjI0OSIsIlRvcCI6MCwiTGVmdCI6MCwiUmlnaHQiOjAsIkJvdHRvbSI6MH0sIlBhZGRpbmciOnsiJGlkIjoiMjUwIiwiVG9wIjowLCJMZWZ0IjowLCJSaWdodCI6MCwiQm90dG9tIjowfSwiQmFja2dyb3VuZCI6eyIkcmVmIjoiMTI0In0sIklzVmlzaWJsZSI6dHJ1ZSwiV2lkdGgiOjAuMCwiSGVpZ2h0IjowLjAsIkJvcmRlclN0eWxlIjp7IiRpZCI6IjI1MSIsIkxpbmVDb2xvciI6bnVsbCwiTGluZVdlaWdodCI6MC4wLCJMaW5lVHlwZSI6MCwiUGFyZW50U3R5bGUiOm51bGx9LCJQYXJlbnRTdHlsZSI6bnVsbH0sIkRhdGVGb3JtYXQiOnsiJGlkIjoiMjUyIiwiRm9ybWF0U3RyaW5nIjoiTS9kL3l5eXkiLCJTZXBhcmF0b3IiOiIvIiwiVXNlSW50ZXJuYXRpb25hbERhdGVGb3JtYXQiOmZhbHNlLCJEYXRlSXNWaXNpYmxlIjp0cnVlLCJUaW1lSXNWaXNpYmxlIjpmYWxzZSwiSG91ckRpZ2l0cyI6MSwiQW1QbURlc2lnbmF0b3IiOjIsIlRyaW0wME1pbnV0ZXMiOmZhbHNlLCJMYXN0S25vd25WaXNpYmlsaXR5U3RhdGUiOm51bGx9LCJJc1Zpc2libGUiOnRydWUsIlBhcmVudFN0eWxlIjpudWxsfSwiSW5kZXgiOjQsIlNtYXJ0RHVyYXRpb25BY3RpdmF0ZWQiOmZhbHNlLCJEYXRlRm9ybWF0Ijp7IiRyZWYiOiIyNTIifSwiSWQiOiI3NWRmZmJkMC0yYzQxLTQ0MjEtODNiNy0yMGJiZmExYzNkMjIiLCJJbXBvcnRJZCI6bnVsbCwiVGl0bGUiOiLslYjrk5zroZzsnbTrk5wg66qo65OIIOqwnOuwnCIsIk5vdGUiOm51bGwsIkh5cGVybGluayI6bnVsbCwiSXNDaGFuZ2VkIjpmYWxzZSwiSXNOZXciOmZhbHNlfSx7IiRpZCI6IjI1MyIsIkdyb3VwTmFtZSI6bnVsbCwiU3RhcnREYXRlIjoiMjAxOS0wNC0wN1QwMDowMDowMFoiLCJFbmREYXRlIjoiMjAxOS0wNC0yMFQyMzo1OTowMCIsIlBlcmNlbnRhZ2VDb21wbGV0ZSI6bnVsbCwiU3R5bGUiOnsiJGlkIjoiMjU0IiwiU2hhcGUiOjAsIlNoYXBlVGhpY2tuZXNzIjoxLCJEdXJhdGlvbkZvcm1hdCI6MCwiSW5jbHVkZU5vbldvcmtpbmdEYXlzSW5EdXJhdGlvbiI6ZmFsc2UsIlBlcmNlbnRhZ2VDb21wbGV0ZVN0eWxlIjp7IiRpZCI6IjI1NSIsIkZvbnRTZXR0aW5ncyI6eyIkaWQiOiIyNTYiLCJGb250U2l6ZSI6MTAsIkZvbnROYW1lIjoiQ2FsaWJyaSIsIklzQm9sZCI6ZmFsc2UsIklzSXRhbGljIjpmYWxzZSwiSXNVbmRlcmxpbmVkIjpmYWxzZSwiUGFyZW50U3R5bGUiOm51bGx9LCJBdXRvU2l6ZSI6MCwiRm9yZWdyb3VuZCI6eyIkaWQiOiIyNTciLCJDb2xvciI6eyIkcmVmIjoiODYifX0sIk1heFdpZHRoIjoyMDAuMCwiTWF4SGVpZ2h0IjoiSW5maW5pdHkiLCJTbWFydEZvcmVncm91bmRJc0FjdGl2ZSI6ZmFsc2UsIkhvcml6b250YWxBbGlnbm1lbnQiOjAsIlZlcnRpY2FsQWxpZ25tZW50IjowLCJTbWFydEZvcmVncm91bmQiOm51bGwsIkJhY2tncm91bmRGaWxsVHlwZSI6MCwiTWFyZ2luIjp7IiRpZCI6IjI1OCIsIlRvcCI6MCwiTGVmdCI6MCwiUmlnaHQiOjAsIkJvdHRvbSI6MH0sIlBhZGRpbmciOnsiJGlkIjoiMjU5IiwiVG9wIjowLCJMZWZ0IjowLCJSaWdodCI6MCwiQm90dG9tIjowfSwiQmFja2dyb3VuZCI6eyIkcmVmIjoiODkifSwiSXNWaXNpYmxlIjp0cnVlLCJXaWR0aCI6MC4wLCJIZWlnaHQiOjAuMCwiQm9yZGVyU3R5bGUiOnsiJGlkIjoiMjYwIiwiTGluZUNvbG9yIjpudWxsLCJMaW5lV2VpZ2h0IjowLjAsIkxpbmVUeXBlIjowLCJQYXJlbnRTdHlsZSI6bnVsbH0sIlBhcmVudFN0eWxlIjpudWxsfSwiRHVyYXRpb25TdHlsZSI6eyIkaWQiOiIyNjEiLCJGb250U2V0dGluZ3MiOnsiJGlkIjoiMjYyIiwiRm9udFNpemUiOjEwLCJGb250TmFtZSI6IkNhbGlicmkiLCJJc0JvbGQiOmZhbHNlLCJJc0l0YWxpYyI6ZmFsc2UsIklzVW5kZXJsaW5lZCI6ZmFsc2UsIlBhcmVudFN0eWxlIjpudWxsfSwiQXV0b1NpemUiOjAsIkZvcmVncm91bmQiOnsiJGlkIjoiMjYzIiwiQ29sb3IiOnsiJHJlZiI6IjkzIn19LCJNYXhXaWR0aCI6MjAwLjAsIk1heEhlaWdodCI6IkluZmluaXR5IiwiU21hcnRGb3JlZ3JvdW5kSXNBY3RpdmUiOmZhbHNlLCJIb3Jpem9udGFsQWxpZ25tZW50IjowLCJWZXJ0aWNhbEFsaWdubWVudCI6MCwiU21hcnRGb3JlZ3JvdW5kIjpudWxsLCJCYWNrZ3JvdW5kRmlsbFR5cGUiOjAsIk1hcmdpbiI6eyIkaWQiOiIyNjQiLCJUb3AiOjAsIkxlZnQiOjAsIlJpZ2h0IjowLCJCb3R0b20iOjB9LCJQYWRkaW5nIjp7IiRpZCI6IjI2NSIsIlRvcCI6MCwiTGVmdCI6MCwiUmlnaHQiOjAsIkJvdHRvbSI6MH0sIkJhY2tncm91bmQiOnsiJHJlZiI6Ijk2In0sIklzVmlzaWJsZSI6dHJ1ZSwiV2lkdGgiOjAuMCwiSGVpZ2h0IjowLjAsIkJvcmRlclN0eWxlIjp7IiRpZCI6IjI2NiIsIkxpbmVDb2xvciI6bnVsbCwiTGluZVdlaWdodCI6MC4wLCJMaW5lVHlwZSI6MCwiUGFyZW50U3R5bGUiOm51bGx9LCJQYXJlbnRTdHlsZSI6bnVsbH0sIkhvcml6b250YWxDb25uZWN0b3JTdHlsZSI6eyIkaWQiOiIyNjciLCJMaW5lQ29sb3IiOnsiJHJlZiI6Ijk4In0sIkxpbmVXZWlnaHQiOjEuMCwiTGluZVR5cGUiOjAsIlBhcmVudFN0eWxlIjpudWxsfSwiVmVydGljYWxDb25uZWN0b3JTdHlsZSI6eyIkaWQiOiIyNjgiLCJMaW5lQ29sb3IiOnsiJHJlZiI6IjEwMSJ9LCJMaW5lV2VpZ2h0IjowLjAsIkxpbmVUeXBlIjowLCJQYXJlbnRTdHlsZSI6bnVsbH0sIk1hcmdpbiI6bnVsbCwiU3RhcnREYXRlUG9zaXRpb24iOjQsIkVuZERhdGVQb3NpdGlvbiI6NCwiRGF0ZUlzVmlzaWJsZSI6dHJ1ZSwiVGl0bGVQb3NpdGlvbiI6NSwiRHVyYXRpb25Qb3NpdGlvbiI6NiwiUGVyY2VudGFnZUNvbXBsZXRlZFBvc2l0aW9uIjo2LCJTcGFjaW5nIjo1LCJJc0JlbG93VGltZWJhbmQiOnRydWUsIlBlcmNlbnRhZ2VDb21wbGV0ZVNoYXBlT3BhY2l0eSI6MzUsIlNoYXBlU3R5bGUiOnsiJGlkIjoiMjY5IiwiTWFyZ2luIjp7IiRpZCI6IjI3MCIsIlRvcCI6MCwiTGVmdCI6NCwiUmlnaHQiOjQsIkJvdHRvbSI6MH0sIlBhZGRpbmciOnsiJGlkIjoiMjcxIiwiVG9wIjowLCJMZWZ0IjowLCJSaWdodCI6MCwiQm90dG9tIjowfSwiQmFja2dyb3VuZCI6eyIkaWQiOiIyNzIiLCJDb2xvciI6eyIkaWQiOiIyNzMiLCJBIjoyNTUsIlIiOjY4LCJHIjo4NCwiQiI6MTA2fX0sIklzVmlzaWJsZSI6dHJ1ZSwiV2lkdGgiOjAuMCwiSGVpZ2h0IjoxNi4wLCJCb3JkZXJTdHlsZSI6eyIkaWQiOiIyNzQiLCJMaW5lQ29sb3IiOnsiJHJlZiI6IjEwOSJ9LCJMaW5lV2VpZ2h0IjowLjAsIkxpbmVUeXBlIjowLCJQYXJlbnRTdHlsZSI6bnVsbH0sIlBhcmVudFN0eWxlIjpudWxsfSwiVGl0bGVTdHlsZSI6eyIkaWQiOiIyNzUiLCJGb250U2V0dGluZ3MiOnsiJGlkIjoiMjc2IiwiRm9udFNpemUiOjExLCJGb250TmFtZSI6IkNhbGlicmkiLCJJc0JvbGQiOnRydWUsIklzSXRhbGljIjpmYWxzZSwiSXNVbmRlcmxpbmVkIjpmYWxzZSwiUGFyZW50U3R5bGUiOm51bGx9LCJBdXRvU2l6ZSI6MCwiRm9yZWdyb3VuZCI6eyIkaWQiOiIyNzciLCJDb2xvciI6eyIkcmVmIjoiMTE0In19LCJNYXhXaWR0aCI6NzIwLjAsIk1heEhlaWdodCI6IkluZmluaXR5IiwiU21hcnRGb3JlZ3JvdW5kSXNBY3RpdmUiOmZhbHNlLCJIb3Jpem9udGFsQWxpZ25tZW50IjowLCJWZXJ0aWNhbEFsaWdubWVudCI6MCwiU21hcnRGb3JlZ3JvdW5kIjpudWxsLCJCYWNrZ3JvdW5kRmlsbFR5cGUiOjAsIk1hcmdpbiI6eyIkaWQiOiIyNzgiLCJUb3AiOjAsIkxlZnQiOjAsIlJpZ2h0IjowLCJCb3R0b20iOjB9LCJQYWRkaW5nIjp7IiRpZCI6IjI3OSIsIlRvcCI6MCwiTGVmdCI6MCwiUmlnaHQiOjAsIkJvdHRvbSI6MH0sIkJhY2tncm91bmQiOnsiJHJlZiI6IjExNyJ9LCJJc1Zpc2libGUiOnRydWUsIldpZHRoIjowLjAsIkhlaWdodCI6MC4wLCJCb3JkZXJTdHlsZSI6eyIkaWQiOiIyODAiLCJMaW5lQ29sb3IiOm51bGwsIkxpbmVXZWlnaHQiOjAuMCwiTGluZVR5cGUiOjAsIlBhcmVudFN0eWxlIjpudWxsfSwiUGFyZW50U3R5bGUiOm51bGx9LCJEYXRlU3R5bGUiOnsiJGlkIjoiMjgxIiwiRm9udFNldHRpbmdzIjp7IiRpZCI6IjI4MiIsIkZvbnRTaXplIjoxMCwiRm9udE5hbWUiOiJDYWxpYnJpIiwiSXNCb2xkIjpmYWxzZSwiSXNJdGFsaWMiOmZhbHNlLCJJc1VuZGVybGluZWQiOmZhbHNlLCJQYXJlbnRTdHlsZSI6bnVsbH0sIkF1dG9TaXplIjowLCJGb3JlZ3JvdW5kIjp7IiRpZCI6IjI4MyIsIkNvbG9yIjp7IiRyZWYiOiIxMjEifX0sIk1heFdpZHRoIjoyMDAuMCwiTWF4SGVpZ2h0IjoiSW5maW5pdHkiLCJTbWFydEZvcmVncm91bmRJc0FjdGl2ZSI6ZmFsc2UsIkhvcml6b250YWxBbGlnbm1lbnQiOjAsIlZlcnRpY2FsQWxpZ25tZW50IjowLCJTbWFydEZvcmVncm91bmQiOm51bGwsIkJhY2tncm91bmRGaWxsVHlwZSI6MCwiTWFyZ2luIjp7IiRpZCI6IjI4NCIsIlRvcCI6MCwiTGVmdCI6MCwiUmlnaHQiOjAsIkJvdHRvbSI6MH0sIlBhZGRpbmciOnsiJGlkIjoiMjg1IiwiVG9wIjowLCJMZWZ0IjowLCJSaWdodCI6MCwiQm90dG9tIjowfSwiQmFja2dyb3VuZCI6eyIkcmVmIjoiMTI0In0sIklzVmlzaWJsZSI6dHJ1ZSwiV2lkdGgiOjAuMCwiSGVpZ2h0IjowLjAsIkJvcmRlclN0eWxlIjp7IiRpZCI6IjI4NiIsIkxpbmVDb2xvciI6bnVsbCwiTGluZVdlaWdodCI6MC4wLCJMaW5lVHlwZSI6MCwiUGFyZW50U3R5bGUiOm51bGx9LCJQYXJlbnRTdHlsZSI6bnVsbH0sIkRhdGVGb3JtYXQiOnsiJGlkIjoiMjg3IiwiRm9ybWF0U3RyaW5nIjoiTS9kL3l5eXkiLCJTZXBhcmF0b3IiOiIvIiwiVXNlSW50ZXJuYXRpb25hbERhdGVGb3JtYXQiOmZhbHNlLCJEYXRlSXNWaXNpYmxlIjp0cnVlLCJUaW1lSXNWaXNpYmxlIjpmYWxzZSwiSG91ckRpZ2l0cyI6MSwiQW1QbURlc2lnbmF0b3IiOjIsIlRyaW0wME1pbnV0ZXMiOmZhbHNlLCJMYXN0S25vd25WaXNpYmlsaXR5U3RhdGUiOm51bGx9LCJJc1Zpc2libGUiOnRydWUsIlBhcmVudFN0eWxlIjpudWxsfSwiSW5kZXgiOjUsIlNtYXJ0RHVyYXRpb25BY3RpdmF0ZWQiOmZhbHNlLCJEYXRlRm9ybWF0Ijp7IiRyZWYiOiIyODcifSwiSWQiOiIzODJkZGY3Yy00OWFlLTQxYTktYTg5Ni1iNjgyMzNiYjg2MGIiLCJJbXBvcnRJZCI6bnVsbCwiVGl0bGUiOiJDIyDqs7XrtoAg67CPIOuplOyduCDrqqjrk4gg6rCc67CcIiwiTm90ZSI6bnVsbCwiSHlwZXJsaW5rIjpudWxsLCJJc0NoYW5nZWQiOmZhbHNlLCJJc05ldyI6ZmFsc2V9LHsiJGlkIjoiMjg4IiwiR3JvdXBOYW1lIjpudWxsLCJTdGFydERhdGUiOiIyMDE5LTA0LTEwVDAwOjAwOjAwWiIsIkVuZERhdGUiOiIyMDE5LTA1LTE5VDIzOjU5OjAwWiIsIlBlcmNlbnRhZ2VDb21wbGV0ZSI6bnVsbCwiU3R5bGUiOnsiJGlkIjoiMjg5IiwiU2hhcGUiOjAsIlNoYXBlVGhpY2tuZXNzIjoxLCJEdXJhdGlvbkZvcm1hdCI6MCwiSW5jbHVkZU5vbldvcmtpbmdEYXlzSW5EdXJhdGlvbiI6ZmFsc2UsIlBlcmNlbnRhZ2VDb21wbGV0ZVN0eWxlIjp7IiRpZCI6IjI5MCIsIkZvbnRTZXR0aW5ncyI6eyIkaWQiOiIyOTEiLCJGb250U2l6ZSI6MTAsIkZvbnROYW1lIjoiQ2FsaWJyaSIsIklzQm9sZCI6ZmFsc2UsIklzSXRhbGljIjpmYWxzZSwiSXNVbmRlcmxpbmVkIjpmYWxzZSwiUGFyZW50U3R5bGUiOm51bGx9LCJBdXRvU2l6ZSI6MCwiRm9yZWdyb3VuZCI6eyIkaWQiOiIyOTIiLCJDb2xvciI6eyIkcmVmIjoiODYifX0sIk1heFdpZHRoIjoyMDAuMCwiTWF4SGVpZ2h0IjoiSW5maW5pdHkiLCJTbWFydEZvcmVncm91bmRJc0FjdGl2ZSI6ZmFsc2UsIkhvcml6b250YWxBbGlnbm1lbnQiOjAsIlZlcnRpY2FsQWxpZ25tZW50IjowLCJTbWFydEZvcmVncm91bmQiOm51bGwsIkJhY2tncm91bmRGaWxsVHlwZSI6MCwiTWFyZ2luIjp7IiRpZCI6IjI5MyIsIlRvcCI6MCwiTGVmdCI6MCwiUmlnaHQiOjAsIkJvdHRvbSI6MH0sIlBhZGRpbmciOnsiJGlkIjoiMjk0IiwiVG9wIjowLCJMZWZ0IjowLCJSaWdodCI6MCwiQm90dG9tIjowfSwiQmFja2dyb3VuZCI6eyIkcmVmIjoiODkifSwiSXNWaXNpYmxlIjp0cnVlLCJXaWR0aCI6MC4wLCJIZWlnaHQiOjAuMCwiQm9yZGVyU3R5bGUiOnsiJGlkIjoiMjk1IiwiTGluZUNvbG9yIjpudWxsLCJMaW5lV2VpZ2h0IjowLjAsIkxpbmVUeXBlIjowLCJQYXJlbnRTdHlsZSI6bnVsbH0sIlBhcmVudFN0eWxlIjpudWxsfSwiRHVyYXRpb25TdHlsZSI6eyIkaWQiOiIyOTYiLCJGb250U2V0dGluZ3MiOnsiJGlkIjoiMjk3IiwiRm9udFNpemUiOjEwLCJGb250TmFtZSI6IkNhbGlicmkiLCJJc0JvbGQiOmZhbHNlLCJJc0l0YWxpYyI6ZmFsc2UsIklzVW5kZXJsaW5lZCI6ZmFsc2UsIlBhcmVudFN0eWxlIjpudWxsfSwiQXV0b1NpemUiOjAsIkZvcmVncm91bmQiOnsiJGlkIjoiMjk4IiwiQ29sb3IiOnsiJHJlZiI6IjkzIn19LCJNYXhXaWR0aCI6MjAwLjAsIk1heEhlaWdodCI6IkluZmluaXR5IiwiU21hcnRGb3JlZ3JvdW5kSXNBY3RpdmUiOmZhbHNlLCJIb3Jpem9udGFsQWxpZ25tZW50IjowLCJWZXJ0aWNhbEFsaWdubWVudCI6MCwiU21hcnRGb3JlZ3JvdW5kIjpudWxsLCJCYWNrZ3JvdW5kRmlsbFR5cGUiOjAsIk1hcmdpbiI6eyIkaWQiOiIyOTkiLCJUb3AiOjAsIkxlZnQiOjAsIlJpZ2h0IjowLCJCb3R0b20iOjB9LCJQYWRkaW5nIjp7IiRpZCI6IjMwMCIsIlRvcCI6MCwiTGVmdCI6MCwiUmlnaHQiOjAsIkJvdHRvbSI6MH0sIkJhY2tncm91bmQiOnsiJHJlZiI6Ijk2In0sIklzVmlzaWJsZSI6dHJ1ZSwiV2lkdGgiOjAuMCwiSGVpZ2h0IjowLjAsIkJvcmRlclN0eWxlIjp7IiRpZCI6IjMwMSIsIkxpbmVDb2xvciI6bnVsbCwiTGluZVdlaWdodCI6MC4wLCJMaW5lVHlwZSI6MCwiUGFyZW50U3R5bGUiOm51bGx9LCJQYXJlbnRTdHlsZSI6bnVsbH0sIkhvcml6b250YWxDb25uZWN0b3JTdHlsZSI6eyIkaWQiOiIzMDIiLCJMaW5lQ29sb3IiOnsiJHJlZiI6Ijk4In0sIkxpbmVXZWlnaHQiOjEuMCwiTGluZVR5cGUiOjAsIlBhcmVudFN0eWxlIjpudWxsfSwiVmVydGljYWxDb25uZWN0b3JTdHlsZSI6eyIkaWQiOiIzMDMiLCJMaW5lQ29sb3IiOnsiJHJlZiI6IjEwMSJ9LCJMaW5lV2VpZ2h0IjowLjAsIkxpbmVUeXBlIjowLCJQYXJlbnRTdHlsZSI6bnVsbH0sIk1hcmdpbiI6bnVsbCwiU3RhcnREYXRlUG9zaXRpb24iOjQsIkVuZERhdGVQb3NpdGlvbiI6NCwiRGF0ZUlzVmlzaWJsZSI6dHJ1ZSwiVGl0bGVQb3NpdGlvbiI6NSwiRHVyYXRpb25Qb3NpdGlvbiI6NiwiUGVyY2VudGFnZUNvbXBsZXRlZFBvc2l0aW9uIjo2LCJTcGFjaW5nIjo1LCJJc0JlbG93VGltZWJhbmQiOnRydWUsIlBlcmNlbnRhZ2VDb21wbGV0ZVNoYXBlT3BhY2l0eSI6MzUsIlNoYXBlU3R5bGUiOnsiJGlkIjoiMzA0IiwiTWFyZ2luIjp7IiRpZCI6IjMwNSIsIlRvcCI6MCwiTGVmdCI6NCwiUmlnaHQiOjQsIkJvdHRvbSI6MH0sIlBhZGRpbmciOnsiJGlkIjoiMzA2IiwiVG9wIjowLCJMZWZ0IjowLCJSaWdodCI6MCwiQm90dG9tIjowfSwiQmFja2dyb3VuZCI6eyIkaWQiOiIzMDciLCJDb2xvciI6eyIkaWQiOiIzMDgiLCJBIjoyNTUsIlIiOjY4LCJHIjo4NCwiQiI6MTA2fX0sIklzVmlzaWJsZSI6dHJ1ZSwiV2lkdGgiOjAuMCwiSGVpZ2h0IjoxNi4wLCJCb3JkZXJTdHlsZSI6eyIkaWQiOiIzMDkiLCJMaW5lQ29sb3IiOnsiJHJlZiI6IjEwOSJ9LCJMaW5lV2VpZ2h0IjowLjAsIkxpbmVUeXBlIjowLCJQYXJlbnRTdHlsZSI6bnVsbH0sIlBhcmVudFN0eWxlIjpudWxsfSwiVGl0bGVTdHlsZSI6eyIkaWQiOiIzMTAiLCJGb250U2V0dGluZ3MiOnsiJGlkIjoiMzExIiwiRm9udFNpemUiOjExLCJGb250TmFtZSI6IkNhbGlicmkiLCJJc0JvbGQiOnRydWUsIklzSXRhbGljIjpmYWxzZSwiSXNVbmRlcmxpbmVkIjpmYWxzZSwiUGFyZW50U3R5bGUiOm51bGx9LCJBdXRvU2l6ZSI6MCwiRm9yZWdyb3VuZCI6eyIkaWQiOiIzMTIiLCJDb2xvciI6eyIkcmVmIjoiMTE0In19LCJNYXhXaWR0aCI6OTYwLjAsIk1heEhlaWdodCI6IkluZmluaXR5IiwiU21hcnRGb3JlZ3JvdW5kSXNBY3RpdmUiOmZhbHNlLCJIb3Jpem9udGFsQWxpZ25tZW50IjowLCJWZXJ0aWNhbEFsaWdubWVudCI6MCwiU21hcnRGb3JlZ3JvdW5kIjpudWxsLCJCYWNrZ3JvdW5kRmlsbFR5cGUiOjAsIk1hcmdpbiI6eyIkaWQiOiIzMTMiLCJUb3AiOjAsIkxlZnQiOjAsIlJpZ2h0IjowLCJCb3R0b20iOjB9LCJQYWRkaW5nIjp7IiRpZCI6IjMxNCIsIlRvcCI6MCwiTGVmdCI6MCwiUmlnaHQiOjAsIkJvdHRvbSI6MH0sIkJhY2tncm91bmQiOnsiJHJlZiI6IjExNyJ9LCJJc1Zpc2libGUiOnRydWUsIldpZHRoIjowLjAsIkhlaWdodCI6MC4wLCJCb3JkZXJTdHlsZSI6eyIkaWQiOiIzMTUiLCJMaW5lQ29sb3IiOm51bGwsIkxpbmVXZWlnaHQiOjAuMCwiTGluZVR5cGUiOjAsIlBhcmVudFN0eWxlIjpudWxsfSwiUGFyZW50U3R5bGUiOm51bGx9LCJEYXRlU3R5bGUiOnsiJGlkIjoiMzE2IiwiRm9udFNldHRpbmdzIjp7IiRpZCI6IjMxNyIsIkZvbnRTaXplIjoxMCwiRm9udE5hbWUiOiJDYWxpYnJpIiwiSXNCb2xkIjpmYWxzZSwiSXNJdGFsaWMiOmZhbHNlLCJJc1VuZGVybGluZWQiOmZhbHNlLCJQYXJlbnRTdHlsZSI6bnVsbH0sIkF1dG9TaXplIjowLCJGb3JlZ3JvdW5kIjp7IiRpZCI6IjMxOCIsIkNvbG9yIjp7IiRyZWYiOiIxMjEifX0sIk1heFdpZHRoIjoyMDAuMCwiTWF4SGVpZ2h0IjoiSW5maW5pdHkiLCJTbWFydEZvcmVncm91bmRJc0FjdGl2ZSI6ZmFsc2UsIkhvcml6b250YWxBbGlnbm1lbnQiOjAsIlZlcnRpY2FsQWxpZ25tZW50IjowLCJTbWFydEZvcmVncm91bmQiOm51bGwsIkJhY2tncm91bmRGaWxsVHlwZSI6MCwiTWFyZ2luIjp7IiRpZCI6IjMxOSIsIlRvcCI6MCwiTGVmdCI6MCwiUmlnaHQiOjAsIkJvdHRvbSI6MH0sIlBhZGRpbmciOnsiJGlkIjoiMzIwIiwiVG9wIjowLCJMZWZ0IjowLCJSaWdodCI6MCwiQm90dG9tIjowfSwiQmFja2dyb3VuZCI6eyIkcmVmIjoiMTI0In0sIklzVmlzaWJsZSI6dHJ1ZSwiV2lkdGgiOjAuMCwiSGVpZ2h0IjowLjAsIkJvcmRlclN0eWxlIjp7IiRpZCI6IjMyMSIsIkxpbmVDb2xvciI6bnVsbCwiTGluZVdlaWdodCI6MC4wLCJMaW5lVHlwZSI6MCwiUGFyZW50U3R5bGUiOm51bGx9LCJQYXJlbnRTdHlsZSI6bnVsbH0sIkRhdGVGb3JtYXQiOnsiJGlkIjoiMzIyIiwiRm9ybWF0U3RyaW5nIjoiTS9kL3l5eXkiLCJTZXBhcmF0b3IiOiIvIiwiVXNlSW50ZXJuYXRpb25hbERhdGVGb3JtYXQiOmZhbHNlLCJEYXRlSXNWaXNpYmxlIjp0cnVlLCJUaW1lSXNWaXNpYmxlIjpmYWxzZSwiSG91ckRpZ2l0cyI6MSwiQW1QbURlc2lnbmF0b3IiOjIsIlRyaW0wME1pbnV0ZXMiOmZhbHNlLCJMYXN0S25vd25WaXNpYmlsaXR5U3RhdGUiOm51bGx9LCJJc1Zpc2libGUiOnRydWUsIlBhcmVudFN0eWxlIjpudWxsfSwiSW5kZXgiOjYsIlNtYXJ0RHVyYXRpb25BY3RpdmF0ZWQiOmZhbHNlLCJEYXRlRm9ybWF0Ijp7IiRyZWYiOiIzMjIifSwiSWQiOiIyN2FlNDc1OC05YmFjLTQwZDMtODQwOS00MDVkNWEyOGM5YjYiLCJJbXBvcnRJZCI6bnVsbCwiVGl0bGUiOiLshpAg7J247IudIOuqqOuTiCDqsJzrsJwiLCJOb3RlIjpudWxsLCJIeXBlcmxpbmsiOm51bGwsIklzQ2hhbmdlZCI6ZmFsc2UsIklzTmV3IjpmYWxzZX0seyIkaWQiOiIzMjMiLCJHcm91cE5hbWUiOm51bGwsIlN0YXJ0RGF0ZSI6IjIwMTktMDQtMTBUMDA6MDA6MDBaIiwiRW5kRGF0ZSI6IjIwMTktMDUtMTlUMjM6NTk6MDBaIiwiUGVyY2VudGFnZUNvbXBsZXRlIjpudWxsLCJTdHlsZSI6eyIkaWQiOiIzMjQiLCJTaGFwZSI6MCwiU2hhcGVUaGlja25lc3MiOjEsIkR1cmF0aW9uRm9ybWF0IjowLCJJbmNsdWRlTm9uV29ya2luZ0RheXNJbkR1cmF0aW9uIjpmYWxzZSwiUGVyY2VudGFnZUNvbXBsZXRlU3R5bGUiOnsiJGlkIjoiMzI1IiwiRm9udFNldHRpbmdzIjp7IiRpZCI6IjMyNiIsIkZvbnRTaXplIjoxMCwiRm9udE5hbWUiOiJDYWxpYnJpIiwiSXNCb2xkIjpmYWxzZSwiSXNJdGFsaWMiOmZhbHNlLCJJc1VuZGVybGluZWQiOmZhbHNlLCJQYXJlbnRTdHlsZSI6bnVsbH0sIkF1dG9TaXplIjowLCJGb3JlZ3JvdW5kIjp7IiRyZWYiOiI4NSJ9LCJNYXhXaWR0aCI6MjAwLjAsIk1heEhlaWdodCI6IkluZmluaXR5IiwiU21hcnRGb3JlZ3JvdW5kSXNBY3RpdmUiOmZhbHNlLCJIb3Jpem9udGFsQWxpZ25tZW50IjowLCJWZXJ0aWNhbEFsaWdubWVudCI6MCwiU21hcnRGb3JlZ3JvdW5kIjpudWxsLCJCYWNrZ3JvdW5kRmlsbFR5cGUiOjAsIk1hcmdpbiI6eyIkcmVmIjoiODcifSwiUGFkZGluZyI6eyIkcmVmIjoiODgifSwiQmFja2dyb3VuZCI6eyIkcmVmIjoiODkifSwiSXNWaXNpYmxlIjp0cnVlLCJXaWR0aCI6MC4wLCJIZWlnaHQiOjAuMCwiQm9yZGVyU3R5bGUiOnsiJGlkIjoiMzI3IiwiTGluZUNvbG9yIjpudWxsLCJMaW5lV2VpZ2h0IjowLjAsIkxpbmVUeXBlIjowLCJQYXJlbnRTdHlsZSI6bnVsbH0sIlBhcmVudFN0eWxlIjpudWxsfSwiRHVyYXRpb25TdHlsZSI6eyIkaWQiOiIzMjgiLCJGb250U2V0dGluZ3MiOnsiJGlkIjoiMzI5IiwiRm9udFNpemUiOjEwLCJGb250TmFtZSI6IkNhbGlicmkiLCJJc0JvbGQiOmZhbHNlLCJJc0l0YWxpYyI6ZmFsc2UsIklzVW5kZXJsaW5lZCI6ZmFsc2UsIlBhcmVudFN0eWxlIjpudWxsfSwiQXV0b1NpemUiOjAsIkZvcmVncm91bmQiOnsiJHJlZiI6IjkyIn0sIk1heFdpZHRoIjoyMDAuMCwiTWF4SGVpZ2h0IjoiSW5maW5pdHkiLCJTbWFydEZvcmVncm91bmRJc0FjdGl2ZSI6ZmFsc2UsIkhvcml6b250YWxBbGlnbm1lbnQiOjAsIlZlcnRpY2FsQWxpZ25tZW50IjowLCJTbWFydEZvcmVncm91bmQiOm51bGwsIkJhY2tncm91bmRGaWxsVHlwZSI6MCwiTWFyZ2luIjp7IiRyZWYiOiI5NCJ9LCJQYWRkaW5nIjp7IiRyZWYiOiI5NSJ9LCJCYWNrZ3JvdW5kIjp7IiRyZWYiOiI5NiJ9LCJJc1Zpc2libGUiOnRydWUsIldpZHRoIjowLjAsIkhlaWdodCI6MC4wLCJCb3JkZXJTdHlsZSI6eyIkaWQiOiIzMzAiLCJMaW5lQ29sb3IiOm51bGwsIkxpbmVXZWlnaHQiOjAuMCwiTGluZVR5cGUiOjAsIlBhcmVudFN0eWxlIjpudWxsfSwiUGFyZW50U3R5bGUiOm51bGx9LCJIb3Jpem9udGFsQ29ubmVjdG9yU3R5bGUiOnsiJGlkIjoiMzMxIiwiTGluZUNvbG9yIjp7IiRyZWYiOiI5OCJ9LCJMaW5lV2VpZ2h0IjoxLjAsIkxpbmVUeXBlIjowLCJQYXJlbnRTdHlsZSI6bnVsbH0sIlZlcnRpY2FsQ29ubmVjdG9yU3R5bGUiOnsiJGlkIjoiMzMyIiwiTGluZUNvbG9yIjp7IiRyZWYiOiIxMDEifSwiTGluZVdlaWdodCI6MC4wLCJMaW5lVHlwZSI6MCwiUGFyZW50U3R5bGUiOm51bGx9LCJNYXJnaW4iOm51bGwsIlN0YXJ0RGF0ZVBvc2l0aW9uIjo0LCJFbmREYXRlUG9zaXRpb24iOjQsIkRhdGVJc1Zpc2libGUiOnRydWUsIlRpdGxlUG9zaXRpb24iOjUsIkR1cmF0aW9uUG9zaXRpb24iOjYsIlBlcmNlbnRhZ2VDb21wbGV0ZWRQb3NpdGlvbiI6NiwiU3BhY2luZyI6NSwiSXNCZWxvd1RpbWViYW5kIjp0cnVlLCJQZXJjZW50YWdlQ29tcGxldGVTaGFwZU9wYWNpdHkiOjM1LCJTaGFwZVN0eWxlIjp7IiRpZCI6IjMzMyIsIk1hcmdpbiI6eyIkcmVmIjoiMTA0In0sIlBhZGRpbmciOnsiJHJlZiI6IjEwNSJ9LCJCYWNrZ3JvdW5kIjp7IiRpZCI6IjMzNCIsIkNvbG9yIjp7IiRpZCI6IjMzNSIsIkEiOjI1NSwiUiI6MjU1LCJHIjoxOTIsIkIiOjB9fSwiSXNWaXNpYmxlIjp0cnVlLCJXaWR0aCI6MC4wLCJIZWlnaHQiOjE2LjAsIkJvcmRlclN0eWxlIjp7IiRpZCI6IjMzNiIsIkxpbmVDb2xvciI6eyIkcmVmIjoiMTA5In0sIkxpbmVXZWlnaHQiOjAuMCwiTGluZVR5cGUiOjAsIlBhcmVudFN0eWxlIjpudWxsfSwiUGFyZW50U3R5bGUiOm51bGx9LCJUaXRsZVN0eWxlIjp7IiRpZCI6IjMzNyIsIkZvbnRTZXR0aW5ncyI6eyIkaWQiOiIzMzgiLCJGb250U2l6ZSI6MTEsIkZvbnROYW1lIjoiQ2FsaWJyaSIsIklzQm9sZCI6dHJ1ZSwiSXNJdGFsaWMiOmZhbHNlLCJJc1VuZGVybGluZWQiOmZhbHNlLCJQYXJlbnRTdHlsZSI6bnVsbH0sIkF1dG9TaXplIjowLCJGb3JlZ3JvdW5kIjp7IiRyZWYiOiIxMTMifSwiTWF4V2lkdGgiOjcyMC4wLCJNYXhIZWlnaHQiOiJJbmZpbml0eSIsIlNtYXJ0Rm9yZWdyb3VuZElzQWN0aXZlIjpmYWxzZSwiSG9yaXpvbnRhbEFsaWdubWVudCI6MCwiVmVydGljYWxBbGlnbm1lbnQiOjAsIlNtYXJ0Rm9yZWdyb3VuZCI6bnVsbCwiQmFja2dyb3VuZEZpbGxUeXBlIjowLCJNYXJnaW4iOnsiJHJlZiI6IjExNSJ9LCJQYWRkaW5nIjp7IiRyZWYiOiIxMTYifSwiQmFja2dyb3VuZCI6eyIkcmVmIjoiMTE3In0sIklzVmlzaWJsZSI6dHJ1ZSwiV2lkdGgiOjAuMCwiSGVpZ2h0IjowLjAsIkJvcmRlclN0eWxlIjp7IiRpZCI6IjMzOSIsIkxpbmVDb2xvciI6bnVsbCwiTGluZVdlaWdodCI6MC4wLCJMaW5lVHlwZSI6MCwiUGFyZW50U3R5bGUiOm51bGx9LCJQYXJlbnRTdHlsZSI6bnVsbH0sIkRhdGVTdHlsZSI6eyIkaWQiOiIzNDAiLCJGb250U2V0dGluZ3MiOnsiJGlkIjoiMzQxIiwiRm9udFNpemUiOjEwLCJGb250TmFtZSI6IkNhbGlicmkiLCJJc0JvbGQiOmZhbHNlLCJJc0l0YWxpYyI6ZmFsc2UsIklzVW5kZXJsaW5lZCI6ZmFsc2UsIlBhcmVudFN0eWxlIjpudWxsfSwiQXV0b1NpemUiOjAsIkZvcmVncm91bmQiOnsiJHJlZiI6IjEyMCJ9LCJNYXhXaWR0aCI6MjAwLjAsIk1heEhlaWdodCI6IkluZmluaXR5IiwiU21hcnRGb3JlZ3JvdW5kSXNBY3RpdmUiOmZhbHNlLCJIb3Jpem9udGFsQWxpZ25tZW50IjowLCJWZXJ0aWNhbEFsaWdubWVudCI6MCwiU21hcnRGb3JlZ3JvdW5kIjpudWxsLCJCYWNrZ3JvdW5kRmlsbFR5cGUiOjAsIk1hcmdpbiI6eyIkcmVmIjoiMTIyIn0sIlBhZGRpbmciOnsiJHJlZiI6IjEyMyJ9LCJCYWNrZ3JvdW5kIjp7IiRyZWYiOiIxMjQifSwiSXNWaXNpYmxlIjp0cnVlLCJXaWR0aCI6MC4wLCJIZWlnaHQiOjAuMCwiQm9yZGVyU3R5bGUiOnsiJGlkIjoiMzQyIiwiTGluZUNvbG9yIjpudWxsLCJMaW5lV2VpZ2h0IjowLjAsIkxpbmVUeXBlIjowLCJQYXJlbnRTdHlsZSI6bnVsbH0sIlBhcmVudFN0eWxlIjpudWxsfSwiRGF0ZUZvcm1hdCI6eyIkcmVmIjoiMTI1In0sIklzVmlzaWJsZSI6dHJ1ZSwiUGFyZW50U3R5bGUiOm51bGx9LCJJbmRleCI6NywiU21hcnREdXJhdGlvbkFjdGl2YXRlZCI6ZmFsc2UsIkRhdGVGb3JtYXQiOnsiJHJlZiI6IjEyNSJ9LCJJZCI6IjgyZmIzYzQ1LWFlNWYtNGMxZS1hOGViLTI1ZmI5NmIyNzY0OCIsIkltcG9ydElkIjpudWxsLCJUaXRsZSI6IuydmOulmCDqtIDroKgg66qo65OIIOqwnOuwnCIsIk5vdGUiOm51bGwsIkh5cGVybGluayI6bnVsbCwiSXNDaGFuZ2VkIjpmYWxzZSwiSXNOZXciOmZhbHNlfSx7IiRpZCI6IjM0MyIsIkdyb3VwTmFtZSI6bnVsbCwiU3RhcnREYXRlIjoiMjAxOS0wNC0yOVQwMDowMDowMFoiLCJFbmREYXRlIjoiMjAxOS0wNS0xOVQyMzo1OTowMFoiLCJQZXJjZW50YWdlQ29tcGxldGUiOm51bGwsIlN0eWxlIjp7IiRpZCI6IjM0NCIsIlNoYXBlIjowLCJTaGFwZVRoaWNrbmVzcyI6MSwiRHVyYXRpb25Gb3JtYXQiOjAsIkluY2x1ZGVOb25Xb3JraW5nRGF5c0luRHVyYXRpb24iOmZhbHNlLCJQZXJjZW50YWdlQ29tcGxldGVTdHlsZSI6eyIkaWQiOiIzNDUiLCJGb250U2V0dGluZ3MiOnsiJGlkIjoiMzQ2IiwiRm9udFNpemUiOjEwLCJGb250TmFtZSI6IkNhbGlicmkiLCJJc0JvbGQiOmZhbHNlLCJJc0l0YWxpYyI6ZmFsc2UsIklzVW5kZXJsaW5lZCI6ZmFsc2UsIlBhcmVudFN0eWxlIjpudWxsfSwiQXV0b1NpemUiOjAsIkZvcmVncm91bmQiOnsiJGlkIjoiMzQ3IiwiQ29sb3IiOnsiJHJlZiI6Ijg2In19LCJNYXhXaWR0aCI6MjAwLjAsIk1heEhlaWdodCI6IkluZmluaXR5IiwiU21hcnRGb3JlZ3JvdW5kSXNBY3RpdmUiOmZhbHNlLCJIb3Jpem9udGFsQWxpZ25tZW50IjowLCJWZXJ0aWNhbEFsaWdubWVudCI6MCwiU21hcnRGb3JlZ3JvdW5kIjpudWxsLCJCYWNrZ3JvdW5kRmlsbFR5cGUiOjAsIk1hcmdpbiI6eyIkaWQiOiIzNDgiLCJUb3AiOjAsIkxlZnQiOjAsIlJpZ2h0IjowLCJCb3R0b20iOjB9LCJQYWRkaW5nIjp7IiRpZCI6IjM0OSIsIlRvcCI6MCwiTGVmdCI6MCwiUmlnaHQiOjAsIkJvdHRvbSI6MH0sIkJhY2tncm91bmQiOnsiJHJlZiI6Ijg5In0sIklzVmlzaWJsZSI6dHJ1ZSwiV2lkdGgiOjAuMCwiSGVpZ2h0IjowLjAsIkJvcmRlclN0eWxlIjp7IiRpZCI6IjM1MCIsIkxpbmVDb2xvciI6bnVsbCwiTGluZVdlaWdodCI6MC4wLCJMaW5lVHlwZSI6MCwiUGFyZW50U3R5bGUiOm51bGx9LCJQYXJlbnRTdHlsZSI6bnVsbH0sIkR1cmF0aW9uU3R5bGUiOnsiJGlkIjoiMzUxIiwiRm9udFNldHRpbmdzIjp7IiRpZCI6IjM1MiIsIkZvbnRTaXplIjoxMCwiRm9udE5hbWUiOiJDYWxpYnJpIiwiSXNCb2xkIjpmYWxzZSwiSXNJdGFsaWMiOmZhbHNlLCJJc1VuZGVybGluZWQiOmZhbHNlLCJQYXJlbnRTdHlsZSI6bnVsbH0sIkF1dG9TaXplIjowLCJGb3JlZ3JvdW5kIjp7IiRpZCI6IjM1MyIsIkNvbG9yIjp7IiRyZWYiOiI5MyJ9fSwiTWF4V2lkdGgiOjIwMC4wLCJNYXhIZWlnaHQiOiJJbmZpbml0eSIsIlNtYXJ0Rm9yZWdyb3VuZElzQWN0aXZlIjpmYWxzZSwiSG9yaXpvbnRhbEFsaWdubWVudCI6MCwiVmVydGljYWxBbGlnbm1lbnQiOjAsIlNtYXJ0Rm9yZWdyb3VuZCI6bnVsbCwiQmFja2dyb3VuZEZpbGxUeXBlIjowLCJNYXJnaW4iOnsiJGlkIjoiMzU0IiwiVG9wIjowLCJMZWZ0IjowLCJSaWdodCI6MCwiQm90dG9tIjowfSwiUGFkZGluZyI6eyIkaWQiOiIzNTUiLCJUb3AiOjAsIkxlZnQiOjAsIlJpZ2h0IjowLCJCb3R0b20iOjB9LCJCYWNrZ3JvdW5kIjp7IiRyZWYiOiI5NiJ9LCJJc1Zpc2libGUiOnRydWUsIldpZHRoIjowLjAsIkhlaWdodCI6MC4wLCJCb3JkZXJTdHlsZSI6eyIkaWQiOiIzNTYiLCJMaW5lQ29sb3IiOm51bGwsIkxpbmVXZWlnaHQiOjAuMCwiTGluZVR5cGUiOjAsIlBhcmVudFN0eWxlIjpudWxsfSwiUGFyZW50U3R5bGUiOm51bGx9LCJIb3Jpem9udGFsQ29ubmVjdG9yU3R5bGUiOnsiJGlkIjoiMzU3IiwiTGluZUNvbG9yIjp7IiRyZWYiOiI5OCJ9LCJMaW5lV2VpZ2h0IjoxLjAsIkxpbmVUeXBlIjowLCJQYXJlbnRTdHlsZSI6bnVsbH0sIlZlcnRpY2FsQ29ubmVjdG9yU3R5bGUiOnsiJGlkIjoiMzU4IiwiTGluZUNvbG9yIjp7IiRyZWYiOiIxMDEifSwiTGluZVdlaWdodCI6MC4wLCJMaW5lVHlwZSI6MCwiUGFyZW50U3R5bGUiOm51bGx9LCJNYXJnaW4iOm51bGwsIlN0YXJ0RGF0ZVBvc2l0aW9uIjo0LCJFbmREYXRlUG9zaXRpb24iOjQsIkRhdGVJc1Zpc2libGUiOnRydWUsIlRpdGxlUG9zaXRpb24iOjUsIkR1cmF0aW9uUG9zaXRpb24iOjYsIlBlcmNlbnRhZ2VDb21wbGV0ZWRQb3NpdGlvbiI6NiwiU3BhY2luZyI6NSwiSXNCZWxvd1RpbWViYW5kIjp0cnVlLCJQZXJjZW50YWdlQ29tcGxldGVTaGFwZU9wYWNpdHkiOjM1LCJTaGFwZVN0eWxlIjp7IiRpZCI6IjM1OSIsIk1hcmdpbiI6eyIkaWQiOiIzNjAiLCJUb3AiOjAsIkxlZnQiOjQsIlJpZ2h0Ijo0LCJCb3R0b20iOjB9LCJQYWRkaW5nIjp7IiRpZCI6IjM2MSIsIlRvcCI6MCwiTGVmdCI6MCwiUmlnaHQiOjAsIkJvdHRvbSI6MH0sIkJhY2tncm91bmQiOnsiJGlkIjoiMzYyIiwiQ29sb3IiOnsiJGlkIjoiMzYzIiwiQSI6MjU1LCJSIjoyMzcsIkciOjEyNSwiQiI6NDl9fSwiSXNWaXNpYmxlIjp0cnVlLCJXaWR0aCI6MC4wLCJIZWlnaHQiOjE2LjAsIkJvcmRlclN0eWxlIjp7IiRpZCI6IjM2NCIsIkxpbmVDb2xvciI6eyIkcmVmIjoiMTA5In0sIkxpbmVXZWlnaHQiOjAuMCwiTGluZVR5cGUiOjAsIlBhcmVudFN0eWxlIjpudWxsfSwiUGFyZW50U3R5bGUiOm51bGx9LCJUaXRsZVN0eWxlIjp7IiRpZCI6IjM2NSIsIkZvbnRTZXR0aW5ncyI6eyIkaWQiOiIzNjYiLCJGb250U2l6ZSI6MTEsIkZvbnROYW1lIjoiQ2FsaWJyaSIsIklzQm9sZCI6dHJ1ZSwiSXNJdGFsaWMiOmZhbHNlLCJJc1VuZGVybGluZWQiOmZhbHNlLCJQYXJlbnRTdHlsZSI6bnVsbH0sIkF1dG9TaXplIjowLCJGb3JlZ3JvdW5kIjp7IiRpZCI6IjM2NyIsIkNvbG9yIjp7IiRyZWYiOiIxMTQifX0sIk1heFdpZHRoIjo5NjAuMCwiTWF4SGVpZ2h0IjoiSW5maW5pdHkiLCJTbWFydEZvcmVncm91bmRJc0FjdGl2ZSI6ZmFsc2UsIkhvcml6b250YWxBbGlnbm1lbnQiOjAsIlZlcnRpY2FsQWxpZ25tZW50IjowLCJTbWFydEZvcmVncm91bmQiOm51bGwsIkJhY2tncm91bmRGaWxsVHlwZSI6MCwiTWFyZ2luIjp7IiRpZCI6IjM2OCIsIlRvcCI6MCwiTGVmdCI6MCwiUmlnaHQiOjAsIkJvdHRvbSI6MH0sIlBhZGRpbmciOnsiJGlkIjoiMzY5IiwiVG9wIjowLCJMZWZ0IjowLCJSaWdodCI6MCwiQm90dG9tIjowfSwiQmFja2dyb3VuZCI6eyIkcmVmIjoiMTE3In0sIklzVmlzaWJsZSI6dHJ1ZSwiV2lkdGgiOjAuMCwiSGVpZ2h0IjowLjAsIkJvcmRlclN0eWxlIjp7IiRpZCI6IjM3MCIsIkxpbmVDb2xvciI6bnVsbCwiTGluZVdlaWdodCI6MC4wLCJMaW5lVHlwZSI6MCwiUGFyZW50U3R5bGUiOm51bGx9LCJQYXJlbnRTdHlsZSI6bnVsbH0sIkRhdGVTdHlsZSI6eyIkaWQiOiIzNzEiLCJGb250U2V0dGluZ3MiOnsiJGlkIjoiMzcyIiwiRm9udFNpemUiOjEwLCJGb250TmFtZSI6IkNhbGlicmkiLCJJc0JvbGQiOmZhbHNlLCJJc0l0YWxpYyI6ZmFsc2UsIklzVW5kZXJsaW5lZCI6ZmFsc2UsIlBhcmVudFN0eWxlIjpudWxsfSwiQXV0b1NpemUiOjAsIkZvcmVncm91bmQiOnsiJGlkIjoiMzczIiwiQ29sb3IiOnsiJHJlZiI6IjEyMSJ9fSwiTWF4V2lkdGgiOjIwMC4wLCJNYXhIZWlnaHQiOiJJbmZpbml0eSIsIlNtYXJ0Rm9yZWdyb3VuZElzQWN0aXZlIjpmYWxzZSwiSG9yaXpvbnRhbEFsaWdubWVudCI6MCwiVmVydGljYWxBbGlnbm1lbnQiOjAsIlNtYXJ0Rm9yZWdyb3VuZCI6bnVsbCwiQmFja2dyb3VuZEZpbGxUeXBlIjowLCJNYXJnaW4iOnsiJGlkIjoiMzc0IiwiVG9wIjowLCJMZWZ0IjowLCJSaWdodCI6MCwiQm90dG9tIjowfSwiUGFkZGluZyI6eyIkaWQiOiIzNzUiLCJUb3AiOjAsIkxlZnQiOjAsIlJpZ2h0IjowLCJCb3R0b20iOjB9LCJCYWNrZ3JvdW5kIjp7IiRyZWYiOiIxMjQifSwiSXNWaXNpYmxlIjp0cnVlLCJXaWR0aCI6MC4wLCJIZWlnaHQiOjAuMCwiQm9yZGVyU3R5bGUiOnsiJGlkIjoiMzc2IiwiTGluZUNvbG9yIjpudWxsLCJMaW5lV2VpZ2h0IjowLjAsIkxpbmVUeXBlIjowLCJQYXJlbnRTdHlsZSI6bnVsbH0sIlBhcmVudFN0eWxlIjpudWxsfSwiRGF0ZUZvcm1hdCI6eyIkaWQiOiIzNzciLCJGb3JtYXRTdHJpbmciOiJNL2QveXl5eSIsIlNlcGFyYXRvciI6Ii8iLCJVc2VJbnRlcm5hdGlvbmFsRGF0ZUZvcm1hdCI6ZmFsc2UsIkRhdGVJc1Zpc2libGUiOnRydWUsIlRpbWVJc1Zpc2libGUiOmZhbHNlLCJIb3VyRGlnaXRzIjoxLCJBbVBtRGVzaWduYXRvciI6MiwiVHJpbTAwTWludXRlcyI6ZmFsc2UsIkxhc3RLbm93blZpc2liaWxpdHlTdGF0ZSI6bnVsbH0sIklzVmlzaWJsZSI6dHJ1ZSwiUGFyZW50U3R5bGUiOm51bGx9LCJJbmRleCI6OCwiU21hcnREdXJhdGlvbkFjdGl2YXRlZCI6ZmFsc2UsIkRhdGVGb3JtYXQiOnsiJHJlZiI6IjM3NyJ9LCJJZCI6ImU2NzZkZDVjLThkNjUtNDc3NS04OGI2LWQ1NmI0ZTczZWUwYyIsIkltcG9ydElkIjpudWxsLCJUaXRsZSI6IuyLoOyytCDsnbjsi50g66qo65OIIOqwnOuwnCIsIk5vdGUiOm51bGwsIkh5cGVybGluayI6bnVsbCwiSXNDaGFuZ2VkIjpmYWxzZSwiSXNOZXciOmZhbHNlfSx7IiRpZCI6IjM3OCIsIkdyb3VwTmFtZSI6bnVsbCwiU3RhcnREYXRlIjoiMjAxOS0wNS0yMFQwMDowMDowMFoiLCJFbmREYXRlIjoiMjAxOS0wNi0wN1QyMzo1OTowMFoiLCJQZXJjZW50YWdlQ29tcGxldGUiOm51bGwsIlN0eWxlIjp7IiRpZCI6IjM3OSIsIlNoYXBlIjowLCJTaGFwZVRoaWNrbmVzcyI6MSwiRHVyYXRpb25Gb3JtYXQiOjAsIkluY2x1ZGVOb25Xb3JraW5nRGF5c0luRHVyYXRpb24iOmZhbHNlLCJQZXJjZW50YWdlQ29tcGxldGVTdHlsZSI6eyIkaWQiOiIzODAiLCJGb250U2V0dGluZ3MiOnsiJGlkIjoiMzgxIiwiRm9udFNpemUiOjEwLCJGb250TmFtZSI6IkNhbGlicmkiLCJJc0JvbGQiOmZhbHNlLCJJc0l0YWxpYyI6ZmFsc2UsIklzVW5kZXJsaW5lZCI6ZmFsc2UsIlBhcmVudFN0eWxlIjpudWxsfSwiQXV0b1NpemUiOjAsIkZvcmVncm91bmQiOnsiJGlkIjoiMzgyIiwiQ29sb3IiOnsiJHJlZiI6Ijg2In19LCJNYXhXaWR0aCI6MjAwLjAsIk1heEhlaWdodCI6IkluZmluaXR5IiwiU21hcnRGb3JlZ3JvdW5kSXNBY3RpdmUiOmZhbHNlLCJIb3Jpem9udGFsQWxpZ25tZW50IjowLCJWZXJ0aWNhbEFsaWdubWVudCI6MCwiU21hcnRGb3JlZ3JvdW5kIjpudWxsLCJCYWNrZ3JvdW5kRmlsbFR5cGUiOjAsIk1hcmdpbiI6eyIkaWQiOiIzODMiLCJUb3AiOjAsIkxlZnQiOjAsIlJpZ2h0IjowLCJCb3R0b20iOjB9LCJQYWRkaW5nIjp7IiRpZCI6IjM4NCIsIlRvcCI6MCwiTGVmdCI6MCwiUmlnaHQiOjAsIkJvdHRvbSI6MH0sIkJhY2tncm91bmQiOnsiJHJlZiI6Ijg5In0sIklzVmlzaWJsZSI6dHJ1ZSwiV2lkdGgiOjAuMCwiSGVpZ2h0IjowLjAsIkJvcmRlclN0eWxlIjp7IiRpZCI6IjM4NSIsIkxpbmVDb2xvciI6bnVsbCwiTGluZVdlaWdodCI6MC4wLCJMaW5lVHlwZSI6MCwiUGFyZW50U3R5bGUiOm51bGx9LCJQYXJlbnRTdHlsZSI6bnVsbH0sIkR1cmF0aW9uU3R5bGUiOnsiJGlkIjoiMzg2IiwiRm9udFNldHRpbmdzIjp7IiRpZCI6IjM4NyIsIkZvbnRTaXplIjoxMCwiRm9udE5hbWUiOiJDYWxpYnJpIiwiSXNCb2xkIjpmYWxzZSwiSXNJdGFsaWMiOmZhbHNlLCJJc1VuZGVybGluZWQiOmZhbHNlLCJQYXJlbnRTdHlsZSI6bnVsbH0sIkF1dG9TaXplIjowLCJGb3JlZ3JvdW5kIjp7IiRpZCI6IjM4OCIsIkNvbG9yIjp7IiRyZWYiOiI5MyJ9fSwiTWF4V2lkdGgiOjIwMC4wLCJNYXhIZWlnaHQiOiJJbmZpbml0eSIsIlNtYXJ0Rm9yZWdyb3VuZElzQWN0aXZlIjpmYWxzZSwiSG9yaXpvbnRhbEFsaWdubWVudCI6MCwiVmVydGljYWxBbGlnbm1lbnQiOjAsIlNtYXJ0Rm9yZWdyb3VuZCI6bnVsbCwiQmFja2dyb3VuZEZpbGxUeXBlIjowLCJNYXJnaW4iOnsiJGlkIjoiMzg5IiwiVG9wIjowLCJMZWZ0IjowLCJSaWdodCI6MCwiQm90dG9tIjowfSwiUGFkZGluZyI6eyIkaWQiOiIzOTAiLCJUb3AiOjAsIkxlZnQiOjAsIlJpZ2h0IjowLCJCb3R0b20iOjB9LCJCYWNrZ3JvdW5kIjp7IiRyZWYiOiI5NiJ9LCJJc1Zpc2libGUiOnRydWUsIldpZHRoIjowLjAsIkhlaWdodCI6MC4wLCJCb3JkZXJTdHlsZSI6eyIkaWQiOiIzOTEiLCJMaW5lQ29sb3IiOm51bGwsIkxpbmVXZWlnaHQiOjAuMCwiTGluZVR5cGUiOjAsIlBhcmVudFN0eWxlIjpudWxsfSwiUGFyZW50U3R5bGUiOm51bGx9LCJIb3Jpem9udGFsQ29ubmVjdG9yU3R5bGUiOnsiJGlkIjoiMzkyIiwiTGluZUNvbG9yIjp7IiRyZWYiOiI5OCJ9LCJMaW5lV2VpZ2h0IjoxLjAsIkxpbmVUeXBlIjowLCJQYXJlbnRTdHlsZSI6bnVsbH0sIlZlcnRpY2FsQ29ubmVjdG9yU3R5bGUiOnsiJGlkIjoiMzkzIiwiTGluZUNvbG9yIjp7IiRyZWYiOiIxMDEifSwiTGluZVdlaWdodCI6MC4wLCJMaW5lVHlwZSI6MCwiUGFyZW50U3R5bGUiOm51bGx9LCJNYXJnaW4iOm51bGwsIlN0YXJ0RGF0ZVBvc2l0aW9uIjo0LCJFbmREYXRlUG9zaXRpb24iOjQsIkRhdGVJc1Zpc2libGUiOnRydWUsIlRpdGxlUG9zaXRpb24iOjUsIkR1cmF0aW9uUG9zaXRpb24iOjYsIlBlcmNlbnRhZ2VDb21wbGV0ZWRQb3NpdGlvbiI6NiwiU3BhY2luZyI6NSwiSXNCZWxvd1RpbWViYW5kIjp0cnVlLCJQZXJjZW50YWdlQ29tcGxldGVTaGFwZU9wYWNpdHkiOjM1LCJTaGFwZVN0eWxlIjp7IiRpZCI6IjM5NCIsIk1hcmdpbiI6eyIkaWQiOiIzOTUiLCJUb3AiOjAsIkxlZnQiOjQsIlJpZ2h0Ijo0LCJCb3R0b20iOjB9LCJQYWRkaW5nIjp7IiRpZCI6IjM5NiIsIlRvcCI6MCwiTGVmdCI6MCwiUmlnaHQiOjAsIkJvdHRvbSI6MH0sIkJhY2tncm91bmQiOnsiJGlkIjoiMzk3IiwiQ29sb3IiOnsiJGlkIjoiMzk4IiwiQSI6MjU1LCJSIjoyMzcsIkciOjEyNSwiQiI6NDl9fSwiSXNWaXNpYmxlIjp0cnVlLCJXaWR0aCI6MC4wLCJIZWlnaHQiOjE2LjAsIkJvcmRlclN0eWxlIjp7IiRpZCI6IjM5OSIsIkxpbmVDb2xvciI6eyIkcmVmIjoiMTA5In0sIkxpbmVXZWlnaHQiOjAuMCwiTGluZVR5cGUiOjAsIlBhcmVudFN0eWxlIjpudWxsfSwiUGFyZW50U3R5bGUiOm51bGx9LCJUaXRsZVN0eWxlIjp7IiRpZCI6IjQwMCIsIkZvbnRTZXR0aW5ncyI6eyIkaWQiOiI0MDEiLCJGb250U2l6ZSI6MTEsIkZvbnROYW1lIjoiQ2FsaWJyaSIsIklzQm9sZCI6dHJ1ZSwiSXNJdGFsaWMiOmZhbHNlLCJJc1VuZGVybGluZWQiOmZhbHNlLCJQYXJlbnRTdHlsZSI6bnVsbH0sIkF1dG9TaXplIjowLCJGb3JlZ3JvdW5kIjp7IiRpZCI6IjQwMiIsIkNvbG9yIjp7IiRyZWYiOiIxMTQifX0sIk1heFdpZHRoIjo3MjAuMCwiTWF4SGVpZ2h0IjoiSW5maW5pdHkiLCJTbWFydEZvcmVncm91bmRJc0FjdGl2ZSI6ZmFsc2UsIkhvcml6b250YWxBbGlnbm1lbnQiOjAsIlZlcnRpY2FsQWxpZ25tZW50IjowLCJTbWFydEZvcmVncm91bmQiOm51bGwsIkJhY2tncm91bmRGaWxsVHlwZSI6MCwiTWFyZ2luIjp7IiRpZCI6IjQwMyIsIlRvcCI6MCwiTGVmdCI6MCwiUmlnaHQiOjAsIkJvdHRvbSI6MH0sIlBhZGRpbmciOnsiJGlkIjoiNDA0IiwiVG9wIjowLCJMZWZ0IjowLCJSaWdodCI6MCwiQm90dG9tIjowfSwiQmFja2dyb3VuZCI6eyIkcmVmIjoiMTE3In0sIklzVmlzaWJsZSI6dHJ1ZSwiV2lkdGgiOjAuMCwiSGVpZ2h0IjowLjAsIkJvcmRlclN0eWxlIjp7IiRpZCI6IjQwNSIsIkxpbmVDb2xvciI6bnVsbCwiTGluZVdlaWdodCI6MC4wLCJMaW5lVHlwZSI6MCwiUGFyZW50U3R5bGUiOm51bGx9LCJQYXJlbnRTdHlsZSI6bnVsbH0sIkRhdGVTdHlsZSI6eyIkaWQiOiI0MDYiLCJGb250U2V0dGluZ3MiOnsiJGlkIjoiNDA3IiwiRm9udFNpemUiOjEwLCJGb250TmFtZSI6IkNhbGlicmkiLCJJc0JvbGQiOmZhbHNlLCJJc0l0YWxpYyI6ZmFsc2UsIklzVW5kZXJsaW5lZCI6ZmFsc2UsIlBhcmVudFN0eWxlIjpudWxsfSwiQXV0b1NpemUiOjAsIkZvcmVncm91bmQiOnsiJGlkIjoiNDA4IiwiQ29sb3IiOnsiJHJlZiI6IjEyMSJ9fSwiTWF4V2lkdGgiOjIwMC4wLCJNYXhIZWlnaHQiOiJJbmZpbml0eSIsIlNtYXJ0Rm9yZWdyb3VuZElzQWN0aXZlIjpmYWxzZSwiSG9yaXpvbnRhbEFsaWdubWVudCI6MCwiVmVydGljYWxBbGlnbm1lbnQiOjAsIlNtYXJ0Rm9yZWdyb3VuZCI6bnVsbCwiQmFja2dyb3VuZEZpbGxUeXBlIjowLCJNYXJnaW4iOnsiJGlkIjoiNDA5IiwiVG9wIjowLCJMZWZ0IjowLCJSaWdodCI6MCwiQm90dG9tIjowfSwiUGFkZGluZyI6eyIkaWQiOiI0MTAiLCJUb3AiOjAsIkxlZnQiOjAsIlJpZ2h0IjowLCJCb3R0b20iOjB9LCJCYWNrZ3JvdW5kIjp7IiRyZWYiOiIxMjQifSwiSXNWaXNpYmxlIjp0cnVlLCJXaWR0aCI6MC4wLCJIZWlnaHQiOjAuMCwiQm9yZGVyU3R5bGUiOnsiJGlkIjoiNDExIiwiTGluZUNvbG9yIjpudWxsLCJMaW5lV2VpZ2h0IjowLjAsIkxpbmVUeXBlIjowLCJQYXJlbnRTdHlsZSI6bnVsbH0sIlBhcmVudFN0eWxlIjpudWxsfSwiRGF0ZUZvcm1hdCI6eyIkaWQiOiI0MTIiLCJGb3JtYXRTdHJpbmciOiJNL2QveXl5eSIsIlNlcGFyYXRvciI6Ii8iLCJVc2VJbnRlcm5hdGlvbmFsRGF0ZUZvcm1hdCI6ZmFsc2UsIkRhdGVJc1Zpc2libGUiOnRydWUsIlRpbWVJc1Zpc2libGUiOmZhbHNlLCJIb3VyRGlnaXRzIjoxLCJBbVBtRGVzaWduYXRvciI6MiwiVHJpbTAwTWludXRlcyI6ZmFsc2UsIkxhc3RLbm93blZpc2liaWxpdHlTdGF0ZSI6bnVsbH0sIklzVmlzaWJsZSI6dHJ1ZSwiUGFyZW50U3R5bGUiOm51bGx9LCJJbmRleCI6OSwiU21hcnREdXJhdGlvbkFjdGl2YXRlZCI6ZmFsc2UsIkRhdGVGb3JtYXQiOnsiJHJlZiI6IjQxMiJ9LCJJZCI6IjU1ODcxNTY2LWFjYjQtNDc5Zi1hNTkzLWM0ZDc1ZmFiYTVmMyIsIkltcG9ydElkIjpudWxsLCJUaXRsZSI6IkFSIOuqqOuNuOungSDrsI8g7Lac66ClIO2VqOyImCDqsJzrsJwiLCJOb3RlIjpudWxsLCJIeXBlcmxpbmsiOm51bGwsIklzQ2hhbmdlZCI6ZmFsc2UsIklzTmV3IjpmYWxzZX0seyIkaWQiOiI0MTMiLCJHcm91cE5hbWUiOm51bGwsIlN0YXJ0RGF0ZSI6IjIwMTktMDYtMDhUMDA6MDA6MDAiLCJFbmREYXRlIjoiMjAxOS0wNi0xOVQyMzo1OTowMCIsIlBlcmNlbnRhZ2VDb21wbGV0ZSI6bnVsbCwiU3R5bGUiOnsiJGlkIjoiNDE0IiwiU2hhcGUiOjAsIlNoYXBlVGhpY2tuZXNzIjoxLCJEdXJhdGlvbkZvcm1hdCI6MCwiSW5jbHVkZU5vbldvcmtpbmdEYXlzSW5EdXJhdGlvbiI6ZmFsc2UsIlBlcmNlbnRhZ2VDb21wbGV0ZVN0eWxlIjp7IiRpZCI6IjQxNSIsIkZvbnRTZXR0aW5ncyI6eyIkaWQiOiI0MTYiLCJGb250U2l6ZSI6MTAsIkZvbnROYW1lIjoiQ2FsaWJyaSIsIklzQm9sZCI6ZmFsc2UsIklzSXRhbGljIjpmYWxzZSwiSXNVbmRlcmxpbmVkIjpmYWxzZSwiUGFyZW50U3R5bGUiOm51bGx9LCJBdXRvU2l6ZSI6MCwiRm9yZWdyb3VuZCI6eyIkaWQiOiI0MTciLCJDb2xvciI6eyIkcmVmIjoiODYifX0sIk1heFdpZHRoIjoyMDAuMCwiTWF4SGVpZ2h0IjoiSW5maW5pdHkiLCJTbWFydEZvcmVncm91bmRJc0FjdGl2ZSI6ZmFsc2UsIkhvcml6b250YWxBbGlnbm1lbnQiOjAsIlZlcnRpY2FsQWxpZ25tZW50IjowLCJTbWFydEZvcmVncm91bmQiOm51bGwsIkJhY2tncm91bmRGaWxsVHlwZSI6MCwiTWFyZ2luIjp7IiRpZCI6IjQxOCIsIlRvcCI6MCwiTGVmdCI6MCwiUmlnaHQiOjAsIkJvdHRvbSI6MH0sIlBhZGRpbmciOnsiJGlkIjoiNDE5IiwiVG9wIjowLCJMZWZ0IjowLCJSaWdodCI6MCwiQm90dG9tIjowfSwiQmFja2dyb3VuZCI6eyIkcmVmIjoiODkifSwiSXNWaXNpYmxlIjp0cnVlLCJXaWR0aCI6MC4wLCJIZWlnaHQiOjAuMCwiQm9yZGVyU3R5bGUiOnsiJGlkIjoiNDIwIiwiTGluZUNvbG9yIjpudWxsLCJMaW5lV2VpZ2h0IjowLjAsIkxpbmVUeXBlIjowLCJQYXJlbnRTdHlsZSI6bnVsbH0sIlBhcmVudFN0eWxlIjpudWxsfSwiRHVyYXRpb25TdHlsZSI6eyIkaWQiOiI0MjEiLCJGb250U2V0dGluZ3MiOnsiJGlkIjoiNDIyIiwiRm9udFNpemUiOjEwLCJGb250TmFtZSI6IkNhbGlicmkiLCJJc0JvbGQiOmZhbHNlLCJJc0l0YWxpYyI6ZmFsc2UsIklzVW5kZXJsaW5lZCI6ZmFsc2UsIlBhcmVudFN0eWxlIjpudWxsfSwiQXV0b1NpemUiOjAsIkZvcmVncm91bmQiOnsiJGlkIjoiNDIzIiwiQ29sb3IiOnsiJHJlZiI6IjkzIn19LCJNYXhXaWR0aCI6MjAwLjAsIk1heEhlaWdodCI6IkluZmluaXR5IiwiU21hcnRGb3JlZ3JvdW5kSXNBY3RpdmUiOmZhbHNlLCJIb3Jpem9udGFsQWxpZ25tZW50IjowLCJWZXJ0aWNhbEFsaWdubWVudCI6MCwiU21hcnRGb3JlZ3JvdW5kIjpudWxsLCJCYWNrZ3JvdW5kRmlsbFR5cGUiOjAsIk1hcmdpbiI6eyIkaWQiOiI0MjQiLCJUb3AiOjAsIkxlZnQiOjAsIlJpZ2h0IjowLCJCb3R0b20iOjB9LCJQYWRkaW5nIjp7IiRpZCI6IjQyNSIsIlRvcCI6MCwiTGVmdCI6MCwiUmlnaHQiOjAsIkJvdHRvbSI6MH0sIkJhY2tncm91bmQiOnsiJHJlZiI6Ijk2In0sIklzVmlzaWJsZSI6dHJ1ZSwiV2lkdGgiOjAuMCwiSGVpZ2h0IjowLjAsIkJvcmRlclN0eWxlIjp7IiRpZCI6IjQyNiIsIkxpbmVDb2xvciI6bnVsbCwiTGluZVdlaWdodCI6MC4wLCJMaW5lVHlwZSI6MCwiUGFyZW50U3R5bGUiOm51bGx9LCJQYXJlbnRTdHlsZSI6bnVsbH0sIkhvcml6b250YWxDb25uZWN0b3JTdHlsZSI6eyIkaWQiOiI0MjciLCJMaW5lQ29sb3IiOnsiJHJlZiI6Ijk4In0sIkxpbmVXZWlnaHQiOjEuMCwiTGluZVR5cGUiOjAsIlBhcmVudFN0eWxlIjpudWxsfSwiVmVydGljYWxDb25uZWN0b3JTdHlsZSI6eyIkaWQiOiI0MjgiLCJMaW5lQ29sb3IiOnsiJHJlZiI6IjEwMSJ9LCJMaW5lV2VpZ2h0IjowLjAsIkxpbmVUeXBlIjowLCJQYXJlbnRTdHlsZSI6bnVsbH0sIk1hcmdpbiI6bnVsbCwiU3RhcnREYXRlUG9zaXRpb24iOjQsIkVuZERhdGVQb3NpdGlvbiI6NCwiRGF0ZUlzVmlzaWJsZSI6dHJ1ZSwiVGl0bGVQb3NpdGlvbiI6NSwiRHVyYXRpb25Qb3NpdGlvbiI6NiwiUGVyY2VudGFnZUNvbXBsZXRlZFBvc2l0aW9uIjo2LCJTcGFjaW5nIjo1LCJJc0JlbG93VGltZWJhbmQiOnRydWUsIlBlcmNlbnRhZ2VDb21wbGV0ZVNoYXBlT3BhY2l0eSI6MzUsIlNoYXBlU3R5bGUiOnsiJGlkIjoiNDI5IiwiTWFyZ2luIjp7IiRpZCI6IjQzMCIsIlRvcCI6MCwiTGVmdCI6NCwiUmlnaHQiOjQsIkJvdHRvbSI6MH0sIlBhZGRpbmciOnsiJGlkIjoiNDMxIiwiVG9wIjowLCJMZWZ0IjowLCJSaWdodCI6MCwiQm90dG9tIjowfSwiQmFja2dyb3VuZCI6eyIkaWQiOiI0MzIiLCJDb2xvciI6eyIkaWQiOiI0MzMiLCJBIjoyNTUsIlIiOjkxLCJHIjoxNTUsIkIiOjIxM319LCJJc1Zpc2libGUiOnRydWUsIldpZHRoIjowLjAsIkhlaWdodCI6MTYuMCwiQm9yZGVyU3R5bGUiOnsiJGlkIjoiNDM0IiwiTGluZUNvbG9yIjp7IiRyZWYiOiIxMDkifSwiTGluZVdlaWdodCI6MC4wLCJMaW5lVHlwZSI6MCwiUGFyZW50U3R5bGUiOm51bGx9LCJQYXJlbnRTdHlsZSI6bnVsbH0sIlRpdGxlU3R5bGUiOnsiJGlkIjoiNDM1IiwiRm9udFNldHRpbmdzIjp7IiRpZCI6IjQzNiIsIkZvbnRTaXplIjoxMSwiRm9udE5hbWUiOiJDYWxpYnJpIiwiSXNCb2xkIjp0cnVlLCJJc0l0YWxpYyI6ZmFsc2UsIklzVW5kZXJsaW5lZCI6ZmFsc2UsIlBhcmVudFN0eWxlIjpudWxsfSwiQXV0b1NpemUiOjAsIkZvcmVncm91bmQiOnsiJGlkIjoiNDM3IiwiQ29sb3IiOnsiJHJlZiI6IjExNCJ9fSwiTWF4V2lkdGgiOjcyMC4wLCJNYXhIZWlnaHQiOiJJbmZpbml0eSIsIlNtYXJ0Rm9yZWdyb3VuZElzQWN0aXZlIjpmYWxzZSwiSG9yaXpvbnRhbEFsaWdubWVudCI6MCwiVmVydGljYWxBbGlnbm1lbnQiOjAsIlNtYXJ0Rm9yZWdyb3VuZCI6bnVsbCwiQmFja2dyb3VuZEZpbGxUeXBlIjowLCJNYXJnaW4iOnsiJGlkIjoiNDM4IiwiVG9wIjowLCJMZWZ0IjowLCJSaWdodCI6MCwiQm90dG9tIjowfSwiUGFkZGluZyI6eyIkaWQiOiI0MzkiLCJUb3AiOjAsIkxlZnQiOjAsIlJpZ2h0IjowLCJCb3R0b20iOjB9LCJCYWNrZ3JvdW5kIjp7IiRyZWYiOiIxMTcifSwiSXNWaXNpYmxlIjp0cnVlLCJXaWR0aCI6MC4wLCJIZWlnaHQiOjAuMCwiQm9yZGVyU3R5bGUiOnsiJGlkIjoiNDQwIiwiTGluZUNvbG9yIjpudWxsLCJMaW5lV2VpZ2h0IjowLjAsIkxpbmVUeXBlIjowLCJQYXJlbnRTdHlsZSI6bnVsbH0sIlBhcmVudFN0eWxlIjpudWxsfSwiRGF0ZVN0eWxlIjp7IiRpZCI6IjQ0MSIsIkZvbnRTZXR0aW5ncyI6eyIkaWQiOiI0NDIiLCJGb250U2l6ZSI6MTAsIkZvbnROYW1lIjoiQ2FsaWJyaSIsIklzQm9sZCI6ZmFsc2UsIklzSXRhbGljIjpmYWxzZSwiSXNVbmRlcmxpbmVkIjpmYWxzZSwiUGFyZW50U3R5bGUiOm51bGx9LCJBdXRvU2l6ZSI6MCwiRm9yZWdyb3VuZCI6eyIkaWQiOiI0NDMiLCJDb2xvciI6eyIkcmVmIjoiMTIxIn19LCJNYXhXaWR0aCI6MjAwLjAsIk1heEhlaWdodCI6IkluZmluaXR5IiwiU21hcnRGb3JlZ3JvdW5kSXNBY3RpdmUiOmZhbHNlLCJIb3Jpem9udGFsQWxpZ25tZW50IjowLCJWZXJ0aWNhbEFsaWdubWVudCI6MCwiU21hcnRGb3JlZ3JvdW5kIjpudWxsLCJCYWNrZ3JvdW5kRmlsbFR5cGUiOjAsIk1hcmdpbiI6eyIkaWQiOiI0NDQiLCJUb3AiOjAsIkxlZnQiOjAsIlJpZ2h0IjowLCJCb3R0b20iOjB9LCJQYWRkaW5nIjp7IiRpZCI6IjQ0NSIsIlRvcCI6MCwiTGVmdCI6MCwiUmlnaHQiOjAsIkJvdHRvbSI6MH0sIkJhY2tncm91bmQiOnsiJHJlZiI6IjEyNCJ9LCJJc1Zpc2libGUiOnRydWUsIldpZHRoIjowLjAsIkhlaWdodCI6MC4wLCJCb3JkZXJTdHlsZSI6eyIkaWQiOiI0NDYiLCJMaW5lQ29sb3IiOm51bGwsIkxpbmVXZWlnaHQiOjAuMCwiTGluZVR5cGUiOjAsIlBhcmVudFN0eWxlIjpudWxsfSwiUGFyZW50U3R5bGUiOm51bGx9LCJEYXRlRm9ybWF0Ijp7IiRpZCI6IjQ0NyIsIkZvcm1hdFN0cmluZyI6Ik0vZC95eXl5IiwiU2VwYXJhdG9yIjoiLyIsIlVzZUludGVybmF0aW9uYWxEYXRlRm9ybWF0IjpmYWxzZSwiRGF0ZUlzVmlzaWJsZSI6dHJ1ZSwiVGltZUlzVmlzaWJsZSI6ZmFsc2UsIkhvdXJEaWdpdHMiOjEsIkFtUG1EZXNpZ25hdG9yIjoyLCJUcmltMDBNaW51dGVzIjpmYWxzZSwiTGFzdEtub3duVmlzaWJpbGl0eVN0YXRlIjpudWxsfSwiSXNWaXNpYmxlIjp0cnVlLCJQYXJlbnRTdHlsZSI6bnVsbH0sIkluZGV4IjoxMCwiU21hcnREdXJhdGlvbkFjdGl2YXRlZCI6ZmFsc2UsIkRhdGVGb3JtYXQiOnsiJHJlZiI6IjQ0NyJ9LCJJZCI6IjIyZjM5ZmI4LTI5OTQtNDkxMS1hYWM2LTBmZjI5NTg3ZWZkNCIsIkltcG9ydElkIjpudWxsLCJUaXRsZSI6Iuy1nOyihSDrs7Tqs6DshJwg7J6R7ISxIOuwjyDtlLzrk5zrsLEiLCJOb3RlIjpudWxsLCJIeXBlcmxpbmsiOm51bGwsIklzQ2hhbmdlZCI6ZmFsc2UsIklzTmV3IjpmYWxzZX1dLCJNc1Byb2plY3RJdGVtc1RyZWUiOnsiJGlkIjoiNDQ4IiwiUm9vdCI6eyJJbXBvcnRJZCI6bnVsbCwiSXNJbXBvcnRlZCI6ZmFsc2UsIkNoaWxkcmVuIjpbXX19LCJNZXRhZGF0YSI6eyIkaWQiOiI0NDkiLCJSZWNlbnRDb2xvcnNDb2xsZWN0aW9uIjoiW1wiI0ZGRkZDMDAwXCIsXCIjRkZFRDdEMzFcIixcIiNGRjVCOUJENVwiLFwiI0ZGNDQ1NDZBXCIsXCIjRkY3MEFENDdcIl0ifSwiU2V0dGluZ3MiOnsiJGlkIjoiNDUwIiwiSW1wYU9wdGlvbnMiOnsiJGlkIjoiNDUxIiwiTGVmdFRvUmlnaHQiOmZhbHNlLCJQYXlsb2FkT3B0aW9ucyI6Mn0sIlVzZUNvbXByZXNzaW9uIjpmYWxzZSwiQ29tcHJlc2lvblBlcmNlbnRhZ2UiOjUwLjAsIkluYWN0aXZlSW50ZXJ2YWxXaWR0aFRocmVzaG9sZCI6MzAuMCwiSW5hY3RpdmVJbnRlcnZhbFdpZHRoIjoxLjAsIlNwbGl0VGFza3MiOmZhbHNlLCJVc2VDbHVzdGVyIjpmYWxzZSwiRXBzaWxvbiI6MC4wLCJNaW5Qb2ludHNUb0Zvcm1BQ2x1c3RlciI6MiwiR2VuZXJhdGVJbnZpc2libGVTaGFwZXMiOmZhbHNlLCJTbWFydFRpbWVsaW5lVGFza1BlcmNlbnRhZ2VGaXQiOmZhbHNlfSwiSXNOZXciOnRydWUsIkltcG9ydFR5cGUiOjAsIkZpbGVQYXRoIjpudWxsLCJUaW1lQ29uZmlndXJhdGlvbiI6eyIkaWQiOiI0NTIiLCJVc2VUaW1lIjpmYWxzZSwiV29ya0RheVN0YXJ0IjoiMDA6MDA6MDAiLCJXb3JrRGF5RW5kIjoiMjM6NTk6MDAifSwiTGFzdFVzZWRUZW1wbGF0ZUlkIjoiNzM1NWI2MzMtYWM2Ni00NTI4LThiNGQtMjk5ZmFlZGM5ZWU5In0="/>
+  <p:tag name="__PART_0" val="eyIkaWQiOiIxIiwiQ3VsdHVyZUluZm9OYW1lIjoia28tS1IiLCJTdHlsZU5hbWUiOm51bGwsIlZlcnNpb24iOnsiJGlkIjoiMiIsIlZlcnNpb24iOiIzLjEuMyIsIk9yaWdpbmFsQXNzZW1ibHlWZXJzaW9uIjoiMy42Mi4xMS4wMCIsIkVkaXRpb24iOiJCYXNpYyIsIklzUGx1c0VkaXRpb24iOmZhbHNlfSwiRWZmZWN0IjoxLCJTdHlsZSI6eyIkaWQiOiIzIiwiVGltZWJhbmRTdHlsZSI6eyIkaWQiOiI0IiwiU2NhbGVNYXJraW5nIjowLCJTaGFwZSI6MCwiU2hhcGVTdHlsZSI6eyIkaWQiOiI1IiwiTWFyZ2luIjp7IiRpZCI6IjYiLCJUb3AiOjAsIkxlZnQiOjEyLCJSaWdodCI6MTIsIkJvdHRvbSI6MH0sIlBhZGRpbmciOnsiJGlkIjoiNyIsIlRvcCI6NywiTGVmdCI6MCwiUmlnaHQiOjAsIkJvdHRvbSI6N30sIkJhY2tncm91bmQiOnsiJGlkIjoiOCIsIkNvbG9yIjp7IiRpZCI6IjkiLCJBIjoyNTUsIlIiOjY4LCJHIjo4NCwiQiI6MTA2fX0sIklzVmlzaWJsZSI6dHJ1ZSwiV2lkdGgiOjg1OC4wLCJIZWlnaHQiOjMwLjAsIkJvcmRlclN0eWxlIjp7IiRpZCI6IjEwIiwiTGluZUNvbG9yIjp7IiRpZCI6IjExIiwiJHR5cGUiOiJOTFJFLkNvbW1vbi5Eb20uU29saWRDb2xvckJydXNoLCBOTFJFLkNvbW1vbiIsIkNvbG9yIjp7IiRpZCI6IjEyIiwiQSI6MjU1LCJSIjoyNTUsIkciOjAsIkIiOjB9fSwiTGluZVdlaWdodCI6MC4wLCJMaW5lVHlwZSI6MCwiUGFyZW50U3R5bGUiOm51bGx9LCJQYXJlbnRTdHlsZSI6bnVsbH0sIlJpZ2h0RW5kQ2Fwc1N0eWxlIjp7IiRpZCI6IjEzIiwiRm9udFNldHRpbmdzIjp7IiRpZCI6IjE0IiwiRm9udFNpemUiOjE4LCJGb250TmFtZSI6IkNhbGlicmkiLCJJc0JvbGQiOnRydWUsIklzSXRhbGljIjpmYWxzZSwiSXNVbmRlcmxpbmVkIjpmYWxzZSwiUGFyZW50U3R5bGUiOm51bGx9LCJBdXRvU2l6ZSI6MCwiRm9yZWdyb3VuZCI6eyIkaWQiOiIxNSIsIkNvbG9yIjp7IiRpZCI6IjE2IiwiQSI6MjU1LCJSIjoyMzcsIkciOjEyNSwiQiI6NDl9fSwiTWF4V2lkdGgiOiJJbmZpbml0eSIsIk1heEhlaWdodCI6IkluZmluaXR5IiwiU21hcnRGb3JlZ3JvdW5kSXNBY3RpdmUiOmZhbHNlLCJIb3Jpem9udGFsQWxpZ25tZW50IjowLCJWZXJ0aWNhbEFsaWdubWVudCI6MCwiU21hcnRGb3JlZ3JvdW5kIjpudWxsLCJCYWNrZ3JvdW5kRmlsbFR5cGUiOjAsIk1hcmdpbiI6eyIkaWQiOiIxNyIsIlRvcCI6MCwiTGVmdCI6MCwiUmlnaHQiOjI1LCJCb3R0b20iOjB9LCJQYWRkaW5nIjp7IiRpZCI6IjE4IiwiVG9wIjowLCJMZWZ0IjowLCJSaWdodCI6MCwiQm90dG9tIjowfSwiQmFja2dyb3VuZCI6eyIkaWQiOiIxOSIsIkNvbG9yIjp7IiRpZCI6IjIwIiwiQSI6ODksIlIiOjAsIkciOjAsIkIiOjB9fSwiSXNWaXNpYmxlIjp0cnVlLCJXaWR0aCI6MC4wLCJIZWlnaHQiOjAuMCwiQm9yZGVyU3R5bGUiOm51bGwsIlBhcmVudFN0eWxlIjpudWxsfSwiTGVmdEVuZENhcHNTdHlsZSI6eyIkaWQiOiIyMSIsIkZvbnRTZXR0aW5ncyI6eyIkaWQiOiIyMiIsIkZvbnRTaXplIjoxOCwiRm9udE5hbWUiOiJDYWxpYnJpIiwiSXNCb2xkIjp0cnVlLCJJc0l0YWxpYyI6ZmFsc2UsIklzVW5kZXJsaW5lZCI6ZmFsc2UsIlBhcmVudFN0eWxlIjpudWxsfSwiQXV0b1NpemUiOjAsIkZvcmVncm91bmQiOnsiJGlkIjoiMjMiLCJDb2xvciI6eyIkaWQiOiIyNCIsIkEiOjI1NSwiUiI6MjM3LCJHIjoxMjUsIkIiOjQ5fX0sIk1heFdpZHRoIjoiSW5maW5pdHkiLCJNYXhIZWlnaHQiOiJJbmZpbml0eSIsIlNtYXJ0Rm9yZWdyb3VuZElzQWN0aXZlIjpmYWxzZSwiSG9yaXpvbnRhbEFsaWdubWVudCI6MCwiVmVydGljYWxBbGlnbm1lbnQiOjAsIlNtYXJ0Rm9yZWdyb3VuZCI6bnVsbCwiQmFja2dyb3VuZEZpbGxUeXBlIjowLCJNYXJnaW4iOnsiJGlkIjoiMjUiLCJUb3AiOjAsIkxlZnQiOjI1LCJSaWdodCI6MCwiQm90dG9tIjowfSwiUGFkZGluZyI6eyIkaWQiOiIyNiIsIlRvcCI6MCwiTGVmdCI6MCwiUmlnaHQiOjAsIkJvdHRvbSI6MH0sIkJhY2tncm91bmQiOnsiJGlkIjoiMjciLCJDb2xvciI6eyIkcmVmIjoiMjAifX0sIklzVmlzaWJsZSI6dHJ1ZSwiV2lkdGgiOjAuMCwiSGVpZ2h0IjowLjAsIkJvcmRlclN0eWxlIjpudWxsLCJQYXJlbnRTdHlsZSI6bnVsbH0sIlRvZGF5VGV4dFN0eWxlIjp7IiRpZCI6IjI4IiwiRm9udFNldHRpbmdzIjp7IiRpZCI6IjI5IiwiRm9udFNpemUiOjEyLCJGb250TmFtZSI6IkNhbGlicmkiLCJJc0JvbGQiOmZhbHNlLCJJc0l0YWxpYyI6ZmFsc2UsIklzVW5kZXJsaW5lZCI6ZmFsc2UsIlBhcmVudFN0eWxlIjpudWxsfSwiQXV0b1NpemUiOjAsIkZvcmVncm91bmQiOnsiJGlkIjoiMzAiLCJDb2xvciI6eyIkaWQiOiIzMSIsIkEiOjI1NSwiUiI6MCwiRyI6MCwiQiI6MH19LCJNYXhXaWR0aCI6MjAwLjAsIk1heEhlaWdodCI6IkluZmluaXR5IiwiU21hcnRGb3JlZ3JvdW5kSXNBY3RpdmUiOmZhbHNlLCJIb3Jpem9udGFsQWxpZ25tZW50IjowLCJWZXJ0aWNhbEFsaWdubWVudCI6MCwiU21hcnRGb3JlZ3JvdW5kIjpudWxsLCJCYWNrZ3JvdW5kRmlsbFR5cGUiOjAsIk1hcmdpbiI6eyIkaWQiOiIzMiIsIlRvcCI6MCwiTGVmdCI6MCwiUmlnaHQiOjAsIkJvdHRvbSI6MH0sIlBhZGRpbmciOnsiJGlkIjoiMzMiLCJUb3AiOjAsIkxlZnQiOjAsIlJpZ2h0IjowLCJCb3R0b20iOjB9LCJCYWNrZ3JvdW5kIjp7IiRpZCI6IjM0IiwiQ29sb3IiOnsiJHJlZiI6IjIwIn19LCJJc1Zpc2libGUiOnRydWUsIldpZHRoIjowLjAsIkhlaWdodCI6MC4wLCJCb3JkZXJTdHlsZSI6bnVsbCwiUGFyZW50U3R5bGUiOm51bGx9LCJUb2RheU1hcmtlclN0eWxlIjp7IiRpZCI6IjM1IiwiTWFyZ2luIjp7IiRpZCI6IjM2IiwiVG9wIjowLCJMZWZ0IjowLCJSaWdodCI6MCwiQm90dG9tIjowfSwiUGFkZGluZyI6eyIkaWQiOiIzNyIsIlRvcCI6MCwiTGVmdCI6MCwiUmlnaHQiOjAsIkJvdHRvbSI6MH0sIkJhY2tncm91bmQiOnsiJGlkIjoiMzgiLCJDb2xvciI6eyIkaWQiOiIzOSIsIkEiOjI1NSwiUiI6MjU1LCJHIjowLCJCIjowfX0sIklzVmlzaWJsZSI6dHJ1ZSwiV2lkdGgiOjAuMCwiSGVpZ2h0IjowLjAsIkJvcmRlclN0eWxlIjpudWxsLCJQYXJlbnRTdHlsZSI6bnVsbH0sIlNjYWxlU3R5bGUiOnsiJGlkIjoiNDAiLCJTaG93U2VnbWVudFNlcGFyYXRvcnMiOnRydWUsIlNlZ21lbnRTZXBhcmF0b3JPcGFjaXR5IjozMCwiRm9udFNldHRpbmdzIjp7IiRpZCI6IjQxIiwiRm9udFNpemUiOjEyLCJGb250TmFtZSI6IkNhbGlicmkiLCJJc0JvbGQiOmZhbHNlLCJJc0l0YWxpYyI6ZmFsc2UsIklzVW5kZXJsaW5lZCI6ZmFsc2UsIlBhcmVudFN0eWxlIjpudWxsfSwiQXV0b1NpemUiOjAsIkZvcmVncm91bmQiOnsiJGlkIjoiNDIiLCJDb2xvciI6eyIkaWQiOiI0MyIsIkEiOjI1NSwiUiI6MjU1LCJHIjoyNTUsIkIiOjI1NX19LCJNYXhXaWR0aCI6MjAwLjAsIk1heEhlaWdodCI6IkluZmluaXR5IiwiU21hcnRGb3JlZ3JvdW5kSXNBY3RpdmUiOmZhbHNlLCJIb3Jpem9udGFsQWxpZ25tZW50IjowLCJWZXJ0aWNhbEFsaWdubWVudCI6MSwiU21hcnRGb3JlZ3JvdW5kIjpudWxsLCJCYWNrZ3JvdW5kRmlsbFR5cGUiOjAsIk1hcmdpbiI6eyIkaWQiOiI0NCIsIlRvcCI6MCwiTGVmdCI6NSwiUmlnaHQiOjAsIkJvdHRvbSI6MH0sIlBhZGRpbmciOnsiJGlkIjoiNDUiLCJUb3AiOjAsIkxlZnQiOjAsIlJpZ2h0IjowLCJCb3R0b20iOjB9LCJCYWNrZ3JvdW5kIjp7IiRpZCI6IjQ2IiwiQ29sb3IiOnsiJHJlZiI6IjIwIn19LCJJc1Zpc2libGUiOnRydWUsIldpZHRoIjowLjAsIkhlaWdodCI6MC4wLCJCb3JkZXJTdHlsZSI6bnVsbCwiUGFyZW50U3R5bGUiOm51bGx9LCJFbGFwc2VkVGltZUJhY2tncm91bmQiOnsiJGlkIjoiNDciLCJDb2xvciI6eyIkaWQiOiI0OCIsIkEiOjE5MSwiUiI6MjU1LCJHIjowLCJCIjowfX0sIkFwcGVuZFllYXJPblllYXJDaGFuZ2UiOnRydWUsIkVsYXBzZWRUaW1lRm9ybWF0IjoyLCJUb2RheU1hcmtlclBvc2l0aW9uIjozLCJRdWlja1Bvc2l0aW9uIjoxLCJBYnNvbHV0ZVBvc2l0aW9uIjoyNDAuMCwiTWFyZ2luIjp7IiRpZCI6IjQ5IiwiVG9wIjowLCJMZWZ0IjoxMCwiUmlnaHQiOjEwLCJCb3R0b20iOjB9LCJQYWRkaW5nIjp7IiRpZCI6IjUwIiwiVG9wIjowLCJMZWZ0IjowLCJSaWdodCI6MCwiQm90dG9tIjowfSwiQmFja2dyb3VuZCI6eyIkaWQiOiI1MSIsIkNvbG9yIjp7IiRpZCI6IjUyIiwiQSI6MjU1LCJSIjozMSwiRyI6NzMsIkIiOjEyNX19LCJJc1Zpc2libGUiOnRydWUsIldpZHRoIjowLjAsIkhlaWdodCI6MC4wLCJCb3JkZXJTdHlsZSI6bnVsbCwiUGFyZW50U3R5bGUiOm51bGx9LCJEZWZhdWx0TWlsZXN0b25lU3R5bGUiOnsiJGlkIjoiNTMiLCJTaGFwZSI6MiwiQ29ubmVjdG9yTWFyZ2luIjp7IiRpZCI6IjU0IiwiVG9wIjowLCJMZWZ0IjoyLCJSaWdodCI6MiwiQm90dG9tIjowfSwiQ29ubmVjdG9yU3R5bGUiOnsiJGlkIjoiNTUiLCJMaW5lQ29sb3IiOnsiJGlkIjoiNTYiLCIkdHlwZSI6Ik5MUkUuQ29tbW9uLkRvbS5Tb2xpZENvbG9yQnJ1c2gsIE5MUkUuQ29tbW9uIiwiQ29sb3IiOnsiJGlkIjoiNTciLCJBIjoxMjcsIlIiOjMxLCJHIjo3MywiQiI6MTI2fX0sIkxpbmVXZWlnaHQiOjEuMCwiTGluZVR5cGUiOjAsIlBhcmVudFN0eWxlIjpudWxsfSwiSXNCZWxvd1RpbWViYW5kIjpmYWxzZSwiSGlkZURhdGUiOmZhbHNlLCJTaGFwZVNpemUiOjEsIlNwYWNpbmciOjEuMCwiUGFkZGluZyI6eyIkaWQiOiI1OCIsIlRvcCI6NywiTGVmdCI6MywiUmlnaHQiOjAsIkJvdHRvbSI6Mn0sIlNoYXBlU3R5bGUiOnsiJGlkIjoiNTkiLCJNYXJnaW4iOnsiJGlkIjoiNjAiLCJUb3AiOjAsIkxlZnQiOjAsIlJpZ2h0IjowLCJCb3R0b20iOjB9LCJQYWRkaW5nIjp7IiRpZCI6IjYxIiwiVG9wIjowLCJMZWZ0IjowLCJSaWdodCI6MCwiQm90dG9tIjowfSwiQmFja2dyb3VuZCI6eyIkaWQiOiI2MiIsIkNvbG9yIjp7IiRpZCI6IjYzIiwiQSI6MjU1LCJSIjowLCJHIjoxMTQsIkIiOjE4OH19LCJJc1Zpc2libGUiOnRydWUsIldpZHRoIjoxOC4wLCJIZWlnaHQiOjIwLjAsIkJvcmRlclN0eWxlIjp7IiRpZCI6IjY0IiwiTGluZUNvbG9yIjp7IiRpZCI6IjY1IiwiJHR5cGUiOiJOTFJFLkNvbW1vbi5Eb20uU29saWRDb2xvckJydXNoLCBOTFJFLkNvbW1vbiIsIkNvbG9yIjp7IiRpZCI6IjY2IiwiQSI6MjU1LCJSIjoyNTUsIkciOjAsIkIiOjB9fSwiTGluZVdlaWdodCI6MC4wLCJMaW5lVHlwZSI6MCwiUGFyZW50U3R5bGUiOm51bGx9LCJQYXJlbnRTdHlsZSI6bnVsbH0sIlRpdGxlU3R5bGUiOnsiJGlkIjoiNjciLCJGb250U2V0dGluZ3MiOnsiJGlkIjoiNjgiLCJGb250U2l6ZSI6MTEsIkZvbnROYW1lIjoiQ2FsaWJyaSIsIklzQm9sZCI6dHJ1ZSwiSXNJdGFsaWMiOmZhbHNlLCJJc1VuZGVybGluZWQiOmZhbHNlLCJQYXJlbnRTdHlsZSI6bnVsbH0sIkF1dG9TaXplIjowLCJGb3JlZ3JvdW5kIjp7IiRpZCI6IjY5IiwiQ29sb3IiOnsiJGlkIjoiNzAiLCJBIjoyNTUsIlIiOjAsIkciOjAsIkIiOjB9fSwiTWF4V2lkdGgiOjIwMC4wLCJNYXhIZWlnaHQiOiJJbmZpbml0eSIsIlNtYXJ0Rm9yZWdyb3VuZElzQWN0aXZlIjpmYWxzZSwiSG9yaXpvbnRhbEFsaWdubWVudCI6MCwiVmVydGljYWxBbGlnbm1lbnQiOjAsIlNtYXJ0Rm9yZWdyb3VuZCI6bnVsbCwiQmFja2dyb3VuZEZpbGxUeXBlIjowLCJNYXJnaW4iOnsiJGlkIjoiNzEiLCJUb3AiOjAsIkxlZnQiOjAsIlJpZ2h0IjowLCJCb3R0b20iOjB9LCJQYWRkaW5nIjp7IiRpZCI6IjcyIiwiVG9wIjowLCJMZWZ0IjowLCJSaWdodCI6MCwiQm90dG9tIjowfSwiQmFja2dyb3VuZCI6eyIkaWQiOiI3MyIsIkNvbG9yIjp7IiRyZWYiOiIyMCJ9fSwiSXNWaXNpYmxlIjp0cnVlLCJXaWR0aCI6MC4wLCJIZWlnaHQiOjAuMCwiQm9yZGVyU3R5bGUiOm51bGwsIlBhcmVudFN0eWxlIjpudWxsfSwiRGF0ZVN0eWxlIjp7IiRpZCI6Ijc0IiwiRm9udFNldHRpbmdzIjp7IiRpZCI6Ijc1IiwiRm9udFNpemUiOjEwLCJGb250TmFtZSI6IkNhbGlicmkiLCJJc0JvbGQiOmZhbHNlLCJJc0l0YWxpYyI6ZmFsc2UsIklzVW5kZXJsaW5lZCI6ZmFsc2UsIlBhcmVudFN0eWxlIjpudWxsfSwiQXV0b1NpemUiOjAsIkZvcmVncm91bmQiOnsiJGlkIjoiNzYiLCJDb2xvciI6eyIkaWQiOiI3NyIsIkEiOjI1NSwiUiI6NjgsIkciOjg0LCJCIjoxMDZ9fSwiTWF4V2lkdGgiOjIwMC4wLCJNYXhIZWlnaHQiOiJJbmZpbml0eSIsIlNtYXJ0Rm9yZWdyb3VuZElzQWN0aXZlIjpmYWxzZSwiSG9yaXpvbnRhbEFsaWdubWVudCI6MCwiVmVydGljYWxBbGlnbm1lbnQiOjAsIlNtYXJ0Rm9yZWdyb3VuZCI6bnVsbCwiQmFja2dyb3VuZEZpbGxUeXBlIjowLCJNYXJnaW4iOnsiJGlkIjoiNzgiLCJUb3AiOjAsIkxlZnQiOjAsIlJpZ2h0IjowLCJCb3R0b20iOjB9LCJQYWRkaW5nIjp7IiRpZCI6Ijc5IiwiVG9wIjowLCJMZWZ0IjowLCJSaWdodCI6MCwiQm90dG9tIjowfSwiQmFja2dyb3VuZCI6eyIkaWQiOiI4MCIsIkNvbG9yIjp7IiRyZWYiOiIyMCJ9fSwiSXNWaXNpYmxlIjp0cnVlLCJXaWR0aCI6MC4wLCJIZWlnaHQiOjAuMCwiQm9yZGVyU3R5bGUiOm51bGwsIlBhcmVudFN0eWxlIjpudWxsfSwiRGF0ZUZvcm1hdCI6eyIkaWQiOiI4MSIsIkZvcm1hdFN0cmluZyI6Ik0vZC95eXl5IiwiU2VwYXJhdG9yIjoiLyIsIlVzZUludGVybmF0aW9uYWxEYXRlRm9ybWF0IjpmYWxzZSwiRGF0ZUlzVmlzaWJsZSI6dHJ1ZSwiVGltZUlzVmlzaWJsZSI6ZmFsc2UsIkhvdXJEaWdpdHMiOjEsIkFtUG1EZXNpZ25hdG9yIjoyLCJUcmltMDBNaW51dGVzIjpmYWxzZSwiTGFzdEtub3duVmlzaWJpbGl0eVN0YXRlIjpudWxsfSwiSXNWaXNpYmxlIjp0cnVlLCJQYXJlbnRTdHlsZSI6bnVsbH0sIkRlZmF1bHRUYXNrU3R5bGUiOnsiJGlkIjoiODIiLCJTaGFwZSI6MCwiU2hhcGVUaGlja25lc3MiOjEsIkR1cmF0aW9uRm9ybWF0IjowLCJJbmNsdWRlTm9uV29ya2luZ0RheXNJbkR1cmF0aW9uIjpmYWxzZSwiUGVyY2VudGFnZUNvbXBsZXRlU3R5bGUiOnsiJGlkIjoiODMiLCJGb250U2V0dGluZ3MiOnsiJGlkIjoiODQiLCJGb250U2l6ZSI6MTAsIkZvbnROYW1lIjoiQ2FsaWJyaSIsIklzQm9sZCI6ZmFsc2UsIklzSXRhbGljIjpmYWxzZSwiSXNVbmRlcmxpbmVkIjpmYWxzZSwiUGFyZW50U3R5bGUiOm51bGx9LCJBdXRvU2l6ZSI6MCwiRm9yZWdyb3VuZCI6eyIkaWQiOiI4NSIsIkNvbG9yIjp7IiRpZCI6Ijg2IiwiQSI6MjU1LCJSIjoyMzcsIkciOjEyNSwiQiI6NDl9fSwiTWF4V2lkdGgiOjIwMC4wLCJNYXhIZWlnaHQiOiJJbmZpbml0eSIsIlNtYXJ0Rm9yZWdyb3VuZElzQWN0aXZlIjpmYWxzZSwiSG9yaXpvbnRhbEFsaWdubWVudCI6MCwiVmVydGljYWxBbGlnbm1lbnQiOjAsIlNtYXJ0Rm9yZWdyb3VuZCI6bnVsbCwiQmFja2dyb3VuZEZpbGxUeXBlIjowLCJNYXJnaW4iOnsiJGlkIjoiODciLCJUb3AiOjAsIkxlZnQiOjAsIlJpZ2h0IjowLCJCb3R0b20iOjB9LCJQYWRkaW5nIjp7IiRpZCI6Ijg4IiwiVG9wIjowLCJMZWZ0IjowLCJSaWdodCI6MCwiQm90dG9tIjowfSwiQmFja2dyb3VuZCI6eyIkaWQiOiI4OSIsIkNvbG9yIjp7IiRyZWYiOiIyMCJ9fSwiSXNWaXNpYmxlIjp0cnVlLCJXaWR0aCI6MC4wLCJIZWlnaHQiOjAuMCwiQm9yZGVyU3R5bGUiOm51bGwsIlBhcmVudFN0eWxlIjpudWxsfSwiRHVyYXRpb25TdHlsZSI6eyIkaWQiOiI5MCIsIkZvbnRTZXR0aW5ncyI6eyIkaWQiOiI5MSIsIkZvbnRTaXplIjoxMCwiRm9udE5hbWUiOiJDYWxpYnJpIiwiSXNCb2xkIjpmYWxzZSwiSXNJdGFsaWMiOmZhbHNlLCJJc1VuZGVybGluZWQiOmZhbHNlLCJQYXJlbnRTdHlsZSI6bnVsbH0sIkF1dG9TaXplIjowLCJGb3JlZ3JvdW5kIjp7IiRpZCI6IjkyIiwiQ29sb3IiOnsiJGlkIjoiOTMiLCJBIjoyNTUsIlIiOjIzNywiRyI6MTI1LCJCIjo0OX19LCJNYXhXaWR0aCI6MjAwLjAsIk1heEhlaWdodCI6IkluZmluaXR5IiwiU21hcnRGb3JlZ3JvdW5kSXNBY3RpdmUiOmZhbHNlLCJIb3Jpem9udGFsQWxpZ25tZW50IjowLCJWZXJ0aWNhbEFsaWdubWVudCI6MCwiU21hcnRGb3JlZ3JvdW5kIjpudWxsLCJCYWNrZ3JvdW5kRmlsbFR5cGUiOjAsIk1hcmdpbiI6eyIkaWQiOiI5NCIsIlRvcCI6MCwiTGVmdCI6MCwiUmlnaHQiOjAsIkJvdHRvbSI6MH0sIlBhZGRpbmciOnsiJGlkIjoiOTUiLCJUb3AiOjAsIkxlZnQiOjAsIlJpZ2h0IjowLCJCb3R0b20iOjB9LCJCYWNrZ3JvdW5kIjp7IiRpZCI6Ijk2IiwiQ29sb3IiOnsiJHJlZiI6IjIwIn19LCJJc1Zpc2libGUiOnRydWUsIldpZHRoIjowLjAsIkhlaWdodCI6MC4wLCJCb3JkZXJTdHlsZSI6bnVsbCwiUGFyZW50U3R5bGUiOm51bGx9LCJIb3Jpem9udGFsQ29ubmVjdG9yU3R5bGUiOnsiJGlkIjoiOTciLCJMaW5lQ29sb3IiOnsiJGlkIjoiOTgiLCIkdHlwZSI6Ik5MUkUuQ29tbW9uLkRvbS5Tb2xpZENvbG9yQnJ1c2gsIE5MUkUuQ29tbW9uIiwiQ29sb3IiOnsiJGlkIjoiOTkiLCJBIjoyNTUsIlIiOjIwNCwiRyI6MjA0LCJCIjoyMDR9fSwiTGluZVdlaWdodCI6MS4wLCJMaW5lVHlwZSI6MCwiUGFyZW50U3R5bGUiOm51bGx9LCJWZXJ0aWNhbENvbm5lY3RvclN0eWxlIjp7IiRpZCI6IjEwMCIsIkxpbmVDb2xvciI6eyIkaWQiOiIxMDEiLCIkdHlwZSI6Ik5MUkUuQ29tbW9uLkRvbS5Tb2xpZENvbG9yQnJ1c2gsIE5MUkUuQ29tbW9uIiwiQ29sb3IiOnsiJGlkIjoiMTAyIiwiQSI6MjU1LCJSIjoyMDQsIkciOjIwNCwiQiI6MjA0fX0sIkxpbmVXZWlnaHQiOjAuMCwiTGluZVR5cGUiOjAsIlBhcmVudFN0eWxlIjpudWxsfSwiTWFyZ2luIjpudWxsLCJTdGFydERhdGVQb3NpdGlvbiI6NCwiRW5kRGF0ZVBvc2l0aW9uIjo0LCJEYXRlSXNWaXNpYmxlIjp0cnVlLCJUaXRsZVBvc2l0aW9uIjo1LCJEdXJhdGlvblBvc2l0aW9uIjo2LCJQZXJjZW50YWdlQ29tcGxldGVkUG9zaXRpb24iOjYsIlNwYWNpbmciOjUsIklzQmVsb3dUaW1lYmFuZCI6dHJ1ZSwiUGVyY2VudGFnZUNvbXBsZXRlU2hhcGVPcGFjaXR5IjozNSwiU2hhcGVTdHlsZSI6eyIkaWQiOiIxMDMiLCJNYXJnaW4iOnsiJGlkIjoiMTA0IiwiVG9wIjowLCJMZWZ0Ijo0LCJSaWdodCI6NCwiQm90dG9tIjowfSwiUGFkZGluZyI6eyIkaWQiOiIxMDUiLCJUb3AiOjAsIkxlZnQiOjAsIlJpZ2h0IjowLCJCb3R0b20iOjB9LCJCYWNrZ3JvdW5kIjp7IiRpZCI6IjEwNiIsIkNvbG9yIjp7IiRpZCI6IjEwNyIsIkEiOjI1NSwiUiI6MCwiRyI6MTE0LCJCIjoxODh9fSwiSXNWaXNpYmxlIjp0cnVlLCJXaWR0aCI6MC4wLCJIZWlnaHQiOjE2LjAsIkJvcmRlclN0eWxlIjp7IiRpZCI6IjEwOCIsIkxpbmVDb2xvciI6eyIkaWQiOiIxMDkiLCIkdHlwZSI6Ik5MUkUuQ29tbW9uLkRvbS5Tb2xpZENvbG9yQnJ1c2gsIE5MUkUuQ29tbW9uIiwiQ29sb3IiOnsiJGlkIjoiMTEwIiwiQSI6MjU1LCJSIjoyNTUsIkciOjAsIkIiOjB9fSwiTGluZVdlaWdodCI6MC4wLCJMaW5lVHlwZSI6MCwiUGFyZW50U3R5bGUiOm51bGx9LCJQYXJlbnRTdHlsZSI6bnVsbH0sIlRpdGxlU3R5bGUiOnsiJGlkIjoiMTExIiwiRm9udFNldHRpbmdzIjp7IiRpZCI6IjExMiIsIkZvbnRTaXplIjoxMSwiRm9udE5hbWUiOiJDYWxpYnJpIiwiSXNCb2xkIjp0cnVlLCJJc0l0YWxpYyI6ZmFsc2UsIklzVW5kZXJsaW5lZCI6ZmFsc2UsIlBhcmVudFN0eWxlIjpudWxsfSwiQXV0b1NpemUiOjAsIkZvcmVncm91bmQiOnsiJGlkIjoiMTEzIiwiQ29sb3IiOnsiJGlkIjoiMTE0IiwiQSI6MjU1LCJSIjowLCJHIjowLCJCIjowfX0sIk1heFdpZHRoIjo5NjAuMCwiTWF4SGVpZ2h0IjoiSW5maW5pdHkiLCJTbWFydEZvcmVncm91bmRJc0FjdGl2ZSI6ZmFsc2UsIkhvcml6b250YWxBbGlnbm1lbnQiOjAsIlZlcnRpY2FsQWxpZ25tZW50IjowLCJTbWFydEZvcmVncm91bmQiOm51bGwsIkJhY2tncm91bmRGaWxsVHlwZSI6MCwiTWFyZ2luIjp7IiRpZCI6IjExNSIsIlRvcCI6MCwiTGVmdCI6MCwiUmlnaHQiOjAsIkJvdHRvbSI6MH0sIlBhZGRpbmciOnsiJGlkIjoiMTE2IiwiVG9wIjowLCJMZWZ0IjowLCJSaWdodCI6MCwiQm90dG9tIjowfSwiQmFja2dyb3VuZCI6eyIkaWQiOiIxMTciLCJDb2xvciI6eyIkcmVmIjoiMjAifX0sIklzVmlzaWJsZSI6dHJ1ZSwiV2lkdGgiOjAuMCwiSGVpZ2h0IjowLjAsIkJvcmRlclN0eWxlIjpudWxsLCJQYXJlbnRTdHlsZSI6bnVsbH0sIkRhdGVTdHlsZSI6eyIkaWQiOiIxMTgiLCJGb250U2V0dGluZ3MiOnsiJGlkIjoiMTE5IiwiRm9udFNpemUiOjEwLCJGb250TmFtZSI6IkNhbGlicmkiLCJJc0JvbGQiOmZhbHNlLCJJc0l0YWxpYyI6ZmFsc2UsIklzVW5kZXJsaW5lZCI6ZmFsc2UsIlBhcmVudFN0eWxlIjpudWxsfSwiQXV0b1NpemUiOjAsIkZvcmVncm91bmQiOnsiJGlkIjoiMTIwIiwiQ29sb3IiOnsiJGlkIjoiMTIxIiwiQSI6MjU1LCJSIjo2OCwiRyI6ODQsIkIiOjEwNn19LCJNYXhXaWR0aCI6MjAwLjAsIk1heEhlaWdodCI6IkluZmluaXR5IiwiU21hcnRGb3JlZ3JvdW5kSXNBY3RpdmUiOmZhbHNlLCJIb3Jpem9udGFsQWxpZ25tZW50IjowLCJWZXJ0aWNhbEFsaWdubWVudCI6MCwiU21hcnRGb3JlZ3JvdW5kIjpudWxsLCJCYWNrZ3JvdW5kRmlsbFR5cGUiOjAsIk1hcmdpbiI6eyIkaWQiOiIxMjIiLCJUb3AiOjAsIkxlZnQiOjAsIlJpZ2h0IjowLCJCb3R0b20iOjB9LCJQYWRkaW5nIjp7IiRpZCI6IjEyMyIsIlRvcCI6MCwiTGVmdCI6MCwiUmlnaHQiOjAsIkJvdHRvbSI6MH0sIkJhY2tncm91bmQiOnsiJGlkIjoiMTI0IiwiQ29sb3IiOnsiJHJlZiI6IjIwIn19LCJJc1Zpc2libGUiOnRydWUsIldpZHRoIjowLjAsIkhlaWdodCI6MC4wLCJCb3JkZXJTdHlsZSI6bnVsbCwiUGFyZW50U3R5bGUiOm51bGx9LCJEYXRlRm9ybWF0Ijp7IiRpZCI6IjEyNSIsIkZvcm1hdFN0cmluZyI6Ik0vZC95eXl5IiwiU2VwYXJhdG9yIjoiLyIsIlVzZUludGVybmF0aW9uYWxEYXRlRm9ybWF0IjpmYWxzZSwiRGF0ZUlzVmlzaWJsZSI6dHJ1ZSwiVGltZUlzVmlzaWJsZSI6ZmFsc2UsIkhvdXJEaWdpdHMiOjEsIkFtUG1EZXNpZ25hdG9yIjoyLCJUcmltMDBNaW51dGVzIjpmYWxzZSwiTGFzdEtub3duVmlzaWJpbGl0eVN0YXRlIjpudWxsfSwiSXNWaXNpYmxlIjp0cnVlLCJQYXJlbnRTdHlsZSI6bnVsbCwiX2V4cGxpY2l0bHlTZXQiOnsiJGlkIjoiMTI2IiwiU2hhcGVTdHlsZSI6ZmFsc2UsIlRpdGxlU3R5bGUiOmZhbHNlLCJEYXRlU3R5bGUiOmZhbHNlLCJIb3Jpem9udGFsQ29ubmVjdG9yU3R5bGUiOmZhbHNlLCJWZXJ0aWNhbENvbm5lY3RvclN0eWxlIjpmYWxzZSwiUGVyY2VudGFnZUNvbXBsZXRlU2hhcGVPcGFjaXR5IjpmYWxzZSwiU2hhcGUiOmZhbHNlLCJTaGFwZVRoaWNrbmVzcyI6ZmFsc2UsIkR1cmF0aW9uRm9ybWF0IjpmYWxzZSwiSW5jbHVkZU5vbldvcmtpbmdEYXlzSW5EdXJhdGlvbiI6ZmFsc2UsIk1hcmdpbiI6ZmFsc2UsIlN0YXJ0RGF0ZVBvc2l0aW9uIjpmYWxzZSwiRW5kRGF0ZVBvc2l0aW9uIjpmYWxzZSwiVGl0bGVQb3NpdGlvbiI6ZmFsc2UsIkR1cmF0aW9uUG9zaXRpb24iOmZhbHNlLCJQZXJjZW50YWdlQ29tcGxldGVkUG9zaXRpb24iOmZhbHNlLCJTcGFjaW5nIjpmYWxzZSwiSXNCZWxvd1RpbWViYW5kIjpmYWxzZSwiRGF0ZUZvcm1hdCI6ZmFsc2UsIklzVmlzaWJsZSI6ZmFsc2V9fSwiU2hvd0VsYXBzZWRUaW1lR3JhZGllbnRTdHlsZSI6ZmFsc2V9LCJTY2FsZSI6eyIkaWQiOiIxMjciLCJTdGFydERhdGUiOiIwMDAxLTAxLTAxVDAwOjAwOjAwIiwiRW5kRGF0ZSI6IjIwMTktMTAtMzFUMjM6NTk6MDAiLCJGb3JtYXQiOiJNTU0iLCJUeXBlIjoyLCJBdXRvRGF0ZVJhbmdlIjp0cnVlLCJXb3JraW5nRGF5cyI6MTI3LCJUb2RheU1hcmtlclRleHQiOiLsmKTripgiLCJBdXRvU2NhbGVUeXBlIjp0cnVlfSwiTWlsZXN0b25lcyI6W10sIlRhc2tzIjpbeyIkaWQiOiIxMjgiLCJHcm91cE5hbWUiOm51bGwsIlN0YXJ0RGF0ZSI6IjIwMTktMDMtMDZUMDA6MDA6MDAiLCJFbmREYXRlIjoiMjAxOS0wMy0zMVQyMzo1OTowMCIsIlBlcmNlbnRhZ2VDb21wbGV0ZSI6bnVsbCwiU3R5bGUiOnsiJGlkIjoiMTI5IiwiU2hhcGUiOjAsIlNoYXBlVGhpY2tuZXNzIjoxLCJEdXJhdGlvbkZvcm1hdCI6MCwiSW5jbHVkZU5vbldvcmtpbmdEYXlzSW5EdXJhdGlvbiI6ZmFsc2UsIlBlcmNlbnRhZ2VDb21wbGV0ZVN0eWxlIjp7IiRpZCI6IjEzMCIsIkZvbnRTZXR0aW5ncyI6eyIkaWQiOiIxMzEiLCJGb250U2l6ZSI6MTAsIkZvbnROYW1lIjoiQ2FsaWJyaSIsIklzQm9sZCI6ZmFsc2UsIklzSXRhbGljIjpmYWxzZSwiSXNVbmRlcmxpbmVkIjpmYWxzZSwiUGFyZW50U3R5bGUiOm51bGx9LCJBdXRvU2l6ZSI6MCwiRm9yZWdyb3VuZCI6eyIkaWQiOiIxMzIiLCJDb2xvciI6eyIkcmVmIjoiODYifX0sIk1heFdpZHRoIjoyMDAuMCwiTWF4SGVpZ2h0IjoiSW5maW5pdHkiLCJTbWFydEZvcmVncm91bmRJc0FjdGl2ZSI6ZmFsc2UsIkhvcml6b250YWxBbGlnbm1lbnQiOjAsIlZlcnRpY2FsQWxpZ25tZW50IjowLCJTbWFydEZvcmVncm91bmQiOm51bGwsIkJhY2tncm91bmRGaWxsVHlwZSI6MCwiTWFyZ2luIjp7IiRpZCI6IjEzMyIsIlRvcCI6MCwiTGVmdCI6MCwiUmlnaHQiOjAsIkJvdHRvbSI6MH0sIlBhZGRpbmciOnsiJGlkIjoiMTM0IiwiVG9wIjowLCJMZWZ0IjowLCJSaWdodCI6MCwiQm90dG9tIjowfSwiQmFja2dyb3VuZCI6eyIkcmVmIjoiODkifSwiSXNWaXNpYmxlIjp0cnVlLCJXaWR0aCI6MC4wLCJIZWlnaHQiOjAuMCwiQm9yZGVyU3R5bGUiOnsiJGlkIjoiMTM1IiwiTGluZUNvbG9yIjpudWxsLCJMaW5lV2VpZ2h0IjowLjAsIkxpbmVUeXBlIjowLCJQYXJlbnRTdHlsZSI6bnVsbH0sIlBhcmVudFN0eWxlIjpudWxsfSwiRHVyYXRpb25TdHlsZSI6eyIkaWQiOiIxMzYiLCJGb250U2V0dGluZ3MiOnsiJGlkIjoiMTM3IiwiRm9udFNpemUiOjEwLCJGb250TmFtZSI6IkNhbGlicmkiLCJJc0JvbGQiOmZhbHNlLCJJc0l0YWxpYyI6ZmFsc2UsIklzVW5kZXJsaW5lZCI6ZmFsc2UsIlBhcmVudFN0eWxlIjpudWxsfSwiQXV0b1NpemUiOjAsIkZvcmVncm91bmQiOnsiJGlkIjoiMTM4IiwiQ29sb3IiOnsiJHJlZiI6IjkzIn19LCJNYXhXaWR0aCI6MjAwLjAsIk1heEhlaWdodCI6IkluZmluaXR5IiwiU21hcnRGb3JlZ3JvdW5kSXNBY3RpdmUiOmZhbHNlLCJIb3Jpem9udGFsQWxpZ25tZW50IjowLCJWZXJ0aWNhbEFsaWdubWVudCI6MCwiU21hcnRGb3JlZ3JvdW5kIjpudWxsLCJCYWNrZ3JvdW5kRmlsbFR5cGUiOjAsIk1hcmdpbiI6eyIkaWQiOiIxMzkiLCJUb3AiOjAsIkxlZnQiOjAsIlJpZ2h0IjowLCJCb3R0b20iOjB9LCJQYWRkaW5nIjp7IiRpZCI6IjE0MCIsIlRvcCI6MCwiTGVmdCI6MCwiUmlnaHQiOjAsIkJvdHRvbSI6MH0sIkJhY2tncm91bmQiOnsiJHJlZiI6Ijk2In0sIklzVmlzaWJsZSI6dHJ1ZSwiV2lkdGgiOjAuMCwiSGVpZ2h0IjowLjAsIkJvcmRlclN0eWxlIjp7IiRpZCI6IjE0MSIsIkxpbmVDb2xvciI6bnVsbCwiTGluZVdlaWdodCI6MC4wLCJMaW5lVHlwZSI6MCwiUGFyZW50U3R5bGUiOm51bGx9LCJQYXJlbnRTdHlsZSI6bnVsbH0sIkhvcml6b250YWxDb25uZWN0b3JTdHlsZSI6eyIkaWQiOiIxNDIiLCJMaW5lQ29sb3IiOnsiJHJlZiI6Ijk4In0sIkxpbmVXZWlnaHQiOjAuMCwiTGluZVR5cGUiOjAsIlBhcmVudFN0eWxlIjpudWxsfSwiVmVydGljYWxDb25uZWN0b3JTdHlsZSI6eyIkaWQiOiIxNDMiLCJMaW5lQ29sb3IiOnsiJHJlZiI6IjEwMSJ9LCJMaW5lV2VpZ2h0IjowLjAsIkxpbmVUeXBlIjowLCJQYXJlbnRTdHlsZSI6bnVsbH0sIk1hcmdpbiI6bnVsbCwiU3RhcnREYXRlUG9zaXRpb24iOjQsIkVuZERhdGVQb3NpdGlvbiI6NCwiRGF0ZUlzVmlzaWJsZSI6dHJ1ZSwiVGl0bGVQb3NpdGlvbiI6NSwiRHVyYXRpb25Qb3NpdGlvbiI6NiwiUGVyY2VudGFnZUNvbXBsZXRlZFBvc2l0aW9uIjo2LCJTcGFjaW5nIjo1LCJJc0JlbG93VGltZWJhbmQiOnRydWUsIlBlcmNlbnRhZ2VDb21wbGV0ZVNoYXBlT3BhY2l0eSI6MzUsIlNoYXBlU3R5bGUiOnsiJGlkIjoiMTQ0IiwiTWFyZ2luIjp7IiRpZCI6IjE0NSIsIlRvcCI6MCwiTGVmdCI6NCwiUmlnaHQiOjQsIkJvdHRvbSI6MH0sIlBhZGRpbmciOnsiJGlkIjoiMTQ2IiwiVG9wIjowLCJMZWZ0IjowLCJSaWdodCI6MCwiQm90dG9tIjowfSwiQmFja2dyb3VuZCI6eyIkaWQiOiIxNDciLCJDb2xvciI6eyIkaWQiOiIxNDgiLCJBIjoyNTUsIlIiOjkxLCJHIjoxNTUsIkIiOjIxM319LCJJc1Zpc2libGUiOnRydWUsIldpZHRoIjowLjAsIkhlaWdodCI6MTYuMCwiQm9yZGVyU3R5bGUiOnsiJGlkIjoiMTQ5IiwiTGluZUNvbG9yIjp7IiRyZWYiOiIxMDkifSwiTGluZVdlaWdodCI6MC4wLCJMaW5lVHlwZSI6MCwiUGFyZW50U3R5bGUiOm51bGx9LCJQYXJlbnRTdHlsZSI6bnVsbH0sIlRpdGxlU3R5bGUiOnsiJGlkIjoiMTUwIiwiRm9udFNldHRpbmdzIjp7IiRpZCI6IjE1MSIsIkZvbnRTaXplIjoxMSwiRm9udE5hbWUiOiJDYWxpYnJpIiwiSXNCb2xkIjp0cnVlLCJJc0l0YWxpYyI6ZmFsc2UsIklzVW5kZXJsaW5lZCI6ZmFsc2UsIlBhcmVudFN0eWxlIjpudWxsfSwiQXV0b1NpemUiOjAsIkZvcmVncm91bmQiOnsiJGlkIjoiMTUyIiwiQ29sb3IiOnsiJHJlZiI6IjExNCJ9fSwiTWF4V2lkdGgiOjk2MC4wLCJNYXhIZWlnaHQiOiJJbmZpbml0eSIsIlNtYXJ0Rm9yZWdyb3VuZElzQWN0aXZlIjpmYWxzZSwiSG9yaXpvbnRhbEFsaWdubWVudCI6MCwiVmVydGljYWxBbGlnbm1lbnQiOjAsIlNtYXJ0Rm9yZWdyb3VuZCI6bnVsbCwiQmFja2dyb3VuZEZpbGxUeXBlIjowLCJNYXJnaW4iOnsiJGlkIjoiMTUzIiwiVG9wIjowLCJMZWZ0IjowLCJSaWdodCI6MCwiQm90dG9tIjowfSwiUGFkZGluZyI6eyIkaWQiOiIxNTQiLCJUb3AiOjAsIkxlZnQiOjAsIlJpZ2h0IjowLCJCb3R0b20iOjB9LCJCYWNrZ3JvdW5kIjp7IiRyZWYiOiIxMTcifSwiSXNWaXNpYmxlIjp0cnVlLCJXaWR0aCI6MC4wLCJIZWlnaHQiOjAuMCwiQm9yZGVyU3R5bGUiOnsiJGlkIjoiMTU1IiwiTGluZUNvbG9yIjpudWxsLCJMaW5lV2VpZ2h0IjowLjAsIkxpbmVUeXBlIjowLCJQYXJlbnRTdHlsZSI6bnVsbH0sIlBhcmVudFN0eWxlIjpudWxsfSwiRGF0ZVN0eWxlIjp7IiRpZCI6IjE1NiIsIkZvbnRTZXR0aW5ncyI6eyIkaWQiOiIxNTciLCJGb250U2l6ZSI6MTAsIkZvbnROYW1lIjoiQ2FsaWJyaSIsIklzQm9sZCI6ZmFsc2UsIklzSXRhbGljIjpmYWxzZSwiSXNVbmRlcmxpbmVkIjpmYWxzZSwiUGFyZW50U3R5bGUiOm51bGx9LCJBdXRvU2l6ZSI6MCwiRm9yZWdyb3VuZCI6eyIkaWQiOiIxNTgiLCJDb2xvciI6eyIkcmVmIjoiMTIxIn19LCJNYXhXaWR0aCI6MjAwLjAsIk1heEhlaWdodCI6IkluZmluaXR5IiwiU21hcnRGb3JlZ3JvdW5kSXNBY3RpdmUiOmZhbHNlLCJIb3Jpem9udGFsQWxpZ25tZW50IjowLCJWZXJ0aWNhbEFsaWdubWVudCI6MCwiU21hcnRGb3JlZ3JvdW5kIjpudWxsLCJCYWNrZ3JvdW5kRmlsbFR5cGUiOjAsIk1hcmdpbiI6eyIkaWQiOiIxNTkiLCJUb3AiOjAsIkxlZnQiOjAsIlJpZ2h0IjowLCJCb3R0b20iOjB9LCJQYWRkaW5nIjp7IiRpZCI6IjE2MCIsIlRvcCI6MCwiTGVmdCI6MCwiUmlnaHQiOjAsIkJvdHRvbSI6MH0sIkJhY2tncm91bmQiOnsiJHJlZiI6IjEyNCJ9LCJJc1Zpc2libGUiOnRydWUsIldpZHRoIjowLjAsIkhlaWdodCI6MC4wLCJCb3JkZXJTdHlsZSI6eyIkaWQiOiIxNjEiLCJMaW5lQ29sb3IiOm51bGwsIkxpbmVXZWlnaHQiOjAuMCwiTGluZVR5cGUiOjAsIlBhcmVudFN0eWxlIjpudWxsfSwiUGFyZW50U3R5bGUiOm51bGx9LCJEYXRlRm9ybWF0Ijp7IiRpZCI6IjE2MiIsIkZvcm1hdFN0cmluZyI6Ik0vZC95eXl5IiwiU2VwYXJhdG9yIjoiLyIsIlVzZUludGVybmF0aW9uYWxEYXRlRm9ybWF0IjpmYWxzZSwiRGF0ZUlzVmlzaWJsZSI6dHJ1ZSwiVGltZUlzVmlzaWJsZSI6ZmFsc2UsIkhvdXJEaWdpdHMiOjEsIkFtUG1EZXNpZ25hdG9yIjoyLCJUcmltMDBNaW51dGVzIjpmYWxzZSwiTGFzdEtub3duVmlzaWJpbGl0eVN0YXRlIjpudWxsfSwiSXNWaXNpYmxlIjp0cnVlLCJQYXJlbnRTdHlsZSI6bnVsbH0sIkluZGV4IjoxLCJTbWFydER1cmF0aW9uQWN0aXZhdGVkIjpmYWxzZSwiRGF0ZUZvcm1hdCI6eyIkcmVmIjoiMTYyIn0sIklkIjoiMjJhNGYwZDctNjgwNi00NDY3LTg5ZTgtZDBkYzYzODk4ZTlhIiwiSW1wb3J0SWQiOm51bGwsIlRpdGxlIjoi7ZSE66Gc7KCd7Yq4IOqzhO2ajS/shKTqs4QiLCJOb3RlIjpudWxsLCJIeXBlcmxpbmsiOm51bGwsIklzQ2hhbmdlZCI6ZmFsc2UsIklzTmV3IjpmYWxzZX0seyIkaWQiOiIxNjMiLCJHcm91cE5hbWUiOm51bGwsIlN0YXJ0RGF0ZSI6IjIwMTktMDQtMDFUMDA6MDA6MDAiLCJFbmREYXRlIjoiMjAxOS0wNC0xMFQyMzo1OTowMFoiLCJQZXJjZW50YWdlQ29tcGxldGUiOm51bGwsIlN0eWxlIjp7IiRpZCI6IjE2NCIsIlNoYXBlIjowLCJTaGFwZVRoaWNrbmVzcyI6MSwiRHVyYXRpb25Gb3JtYXQiOjAsIkluY2x1ZGVOb25Xb3JraW5nRGF5c0luRHVyYXRpb24iOmZhbHNlLCJQZXJjZW50YWdlQ29tcGxldGVTdHlsZSI6eyIkaWQiOiIxNjUiLCJGb250U2V0dGluZ3MiOnsiJGlkIjoiMTY2IiwiRm9udFNpemUiOjEwLCJGb250TmFtZSI6IkNhbGlicmkiLCJJc0JvbGQiOmZhbHNlLCJJc0l0YWxpYyI6ZmFsc2UsIklzVW5kZXJsaW5lZCI6ZmFsc2UsIlBhcmVudFN0eWxlIjpudWxsfSwiQXV0b1NpemUiOjAsIkZvcmVncm91bmQiOnsiJGlkIjoiMTY3IiwiQ29sb3IiOnsiJHJlZiI6Ijg2In19LCJNYXhXaWR0aCI6MjAwLjAsIk1heEhlaWdodCI6IkluZmluaXR5IiwiU21hcnRGb3JlZ3JvdW5kSXNBY3RpdmUiOmZhbHNlLCJIb3Jpem9udGFsQWxpZ25tZW50IjowLCJWZXJ0aWNhbEFsaWdubWVudCI6MCwiU21hcnRGb3JlZ3JvdW5kIjpudWxsLCJCYWNrZ3JvdW5kRmlsbFR5cGUiOjAsIk1hcmdpbiI6eyIkaWQiOiIxNjgiLCJUb3AiOjAsIkxlZnQiOjAsIlJpZ2h0IjowLCJCb3R0b20iOjB9LCJQYWRkaW5nIjp7IiRpZCI6IjE2OSIsIlRvcCI6MCwiTGVmdCI6MCwiUmlnaHQiOjAsIkJvdHRvbSI6MH0sIkJhY2tncm91bmQiOnsiJHJlZiI6Ijg5In0sIklzVmlzaWJsZSI6dHJ1ZSwiV2lkdGgiOjAuMCwiSGVpZ2h0IjowLjAsIkJvcmRlclN0eWxlIjp7IiRpZCI6IjE3MCIsIkxpbmVDb2xvciI6bnVsbCwiTGluZVdlaWdodCI6MC4wLCJMaW5lVHlwZSI6MCwiUGFyZW50U3R5bGUiOm51bGx9LCJQYXJlbnRTdHlsZSI6bnVsbH0sIkR1cmF0aW9uU3R5bGUiOnsiJGlkIjoiMTcxIiwiRm9udFNldHRpbmdzIjp7IiRpZCI6IjE3MiIsIkZvbnRTaXplIjoxMCwiRm9udE5hbWUiOiJDYWxpYnJpIiwiSXNCb2xkIjpmYWxzZSwiSXNJdGFsaWMiOmZhbHNlLCJJc1VuZGVybGluZWQiOmZhbHNlLCJQYXJlbnRTdHlsZSI6bnVsbH0sIkF1dG9TaXplIjowLCJGb3JlZ3JvdW5kIjp7IiRpZCI6IjE3MyIsIkNvbG9yIjp7IiRyZWYiOiI5MyJ9fSwiTWF4V2lkdGgiOjIwMC4wLCJNYXhIZWlnaHQiOiJJbmZpbml0eSIsIlNtYXJ0Rm9yZWdyb3VuZElzQWN0aXZlIjpmYWxzZSwiSG9yaXpvbnRhbEFsaWdubWVudCI6MCwiVmVydGljYWxBbGlnbm1lbnQiOjAsIlNtYXJ0Rm9yZWdyb3VuZCI6bnVsbCwiQmFja2dyb3VuZEZpbGxUeXBlIjowLCJNYXJnaW4iOnsiJGlkIjoiMTc0IiwiVG9wIjowLCJMZWZ0IjowLCJSaWdodCI6MCwiQm90dG9tIjowfSwiUGFkZGluZyI6eyIkaWQiOiIxNzUiLCJUb3AiOjAsIkxlZnQiOjAsIlJpZ2h0IjowLCJCb3R0b20iOjB9LCJCYWNrZ3JvdW5kIjp7IiRyZWYiOiI5NiJ9LCJJc1Zpc2libGUiOnRydWUsIldpZHRoIjowLjAsIkhlaWdodCI6MC4wLCJCb3JkZXJTdHlsZSI6eyIkaWQiOiIxNzYiLCJMaW5lQ29sb3IiOm51bGwsIkxpbmVXZWlnaHQiOjAuMCwiTGluZVR5cGUiOjAsIlBhcmVudFN0eWxlIjpudWxsfSwiUGFyZW50U3R5bGUiOm51bGx9LCJIb3Jpem9udGFsQ29ubmVjdG9yU3R5bGUiOnsiJGlkIjoiMTc3IiwiTGluZUNvbG9yIjp7IiRyZWYiOiI5OCJ9LCJMaW5lV2VpZ2h0IjoxLjAsIkxpbmVUeXBlIjowLCJQYXJlbnRTdHlsZSI6bnVsbH0sIlZlcnRpY2FsQ29ubmVjdG9yU3R5bGUiOnsiJGlkIjoiMTc4IiwiTGluZUNvbG9yIjp7IiRyZWYiOiIxMDEifSwiTGluZVdlaWdodCI6MC4wLCJMaW5lVHlwZSI6MCwiUGFyZW50U3R5bGUiOm51bGx9LCJNYXJnaW4iOm51bGwsIlN0YXJ0RGF0ZVBvc2l0aW9uIjo0LCJFbmREYXRlUG9zaXRpb24iOjQsIkRhdGVJc1Zpc2libGUiOnRydWUsIlRpdGxlUG9zaXRpb24iOjUsIkR1cmF0aW9uUG9zaXRpb24iOjYsIlBlcmNlbnRhZ2VDb21wbGV0ZWRQb3NpdGlvbiI6NiwiU3BhY2luZyI6NSwiSXNCZWxvd1RpbWViYW5kIjp0cnVlLCJQZXJjZW50YWdlQ29tcGxldGVTaGFwZU9wYWNpdHkiOjM1LCJTaGFwZVN0eWxlIjp7IiRpZCI6IjE3OSIsIk1hcmdpbiI6eyIkaWQiOiIxODAiLCJUb3AiOjAsIkxlZnQiOjQsIlJpZ2h0Ijo0LCJCb3R0b20iOjB9LCJQYWRkaW5nIjp7IiRpZCI6IjE4MSIsIlRvcCI6MCwiTGVmdCI6MCwiUmlnaHQiOjAsIkJvdHRvbSI6MH0sIkJhY2tncm91bmQiOnsiJGlkIjoiMTgyIiwiQ29sb3IiOnsiJGlkIjoiMTgzIiwiQSI6MjU1LCJSIjo5MSwiRyI6MTU1LCJCIjoyMTN9fSwiSXNWaXNpYmxlIjp0cnVlLCJXaWR0aCI6MC4wLCJIZWlnaHQiOjE2LjAsIkJvcmRlclN0eWxlIjp7IiRpZCI6IjE4NCIsIkxpbmVDb2xvciI6eyIkcmVmIjoiMTA5In0sIkxpbmVXZWlnaHQiOjAuMCwiTGluZVR5cGUiOjAsIlBhcmVudFN0eWxlIjpudWxsfSwiUGFyZW50U3R5bGUiOm51bGx9LCJUaXRsZVN0eWxlIjp7IiRpZCI6IjE4NSIsIkZvbnRTZXR0aW5ncyI6eyIkaWQiOiIxODYiLCJGb250U2l6ZSI6MTEsIkZvbnROYW1lIjoiQ2FsaWJyaSIsIklzQm9sZCI6dHJ1ZSwiSXNJdGFsaWMiOmZhbHNlLCJJc1VuZGVybGluZWQiOmZhbHNlLCJQYXJlbnRTdHlsZSI6bnVsbH0sIkF1dG9TaXplIjowLCJGb3JlZ3JvdW5kIjp7IiRpZCI6IjE4NyIsIkNvbG9yIjp7IiRyZWYiOiIxMTQifX0sIk1heFdpZHRoIjo5NjAuMCwiTWF4SGVpZ2h0IjoiSW5maW5pdHkiLCJTbWFydEZvcmVncm91bmRJc0FjdGl2ZSI6ZmFsc2UsIkhvcml6b250YWxBbGlnbm1lbnQiOjAsIlZlcnRpY2FsQWxpZ25tZW50IjowLCJTbWFydEZvcmVncm91bmQiOm51bGwsIkJhY2tncm91bmRGaWxsVHlwZSI6MCwiTWFyZ2luIjp7IiRpZCI6IjE4OCIsIlRvcCI6MCwiTGVmdCI6MCwiUmlnaHQiOjAsIkJvdHRvbSI6MH0sIlBhZGRpbmciOnsiJGlkIjoiMTg5IiwiVG9wIjowLCJMZWZ0IjowLCJSaWdodCI6MCwiQm90dG9tIjowfSwiQmFja2dyb3VuZCI6eyIkcmVmIjoiMTE3In0sIklzVmlzaWJsZSI6dHJ1ZSwiV2lkdGgiOjAuMCwiSGVpZ2h0IjowLjAsIkJvcmRlclN0eWxlIjp7IiRpZCI6IjE5MCIsIkxpbmVDb2xvciI6bnVsbCwiTGluZVdlaWdodCI6MC4wLCJMaW5lVHlwZSI6MCwiUGFyZW50U3R5bGUiOm51bGx9LCJQYXJlbnRTdHlsZSI6bnVsbH0sIkRhdGVTdHlsZSI6eyIkaWQiOiIxOTEiLCJGb250U2V0dGluZ3MiOnsiJGlkIjoiMTkyIiwiRm9udFNpemUiOjEwLCJGb250TmFtZSI6IkNhbGlicmkiLCJJc0JvbGQiOmZhbHNlLCJJc0l0YWxpYyI6ZmFsc2UsIklzVW5kZXJsaW5lZCI6ZmFsc2UsIlBhcmVudFN0eWxlIjpudWxsfSwiQXV0b1NpemUiOjAsIkZvcmVncm91bmQiOnsiJGlkIjoiMTkzIiwiQ29sb3IiOnsiJHJlZiI6IjEyMSJ9fSwiTWF4V2lkdGgiOjIwMC4wLCJNYXhIZWlnaHQiOiJJbmZpbml0eSIsIlNtYXJ0Rm9yZWdyb3VuZElzQWN0aXZlIjpmYWxzZSwiSG9yaXpvbnRhbEFsaWdubWVudCI6MCwiVmVydGljYWxBbGlnbm1lbnQiOjAsIlNtYXJ0Rm9yZWdyb3VuZCI6bnVsbCwiQmFja2dyb3VuZEZpbGxUeXBlIjowLCJNYXJnaW4iOnsiJGlkIjoiMTk0IiwiVG9wIjowLCJMZWZ0IjowLCJSaWdodCI6MCwiQm90dG9tIjowfSwiUGFkZGluZyI6eyIkaWQiOiIxOTUiLCJUb3AiOjAsIkxlZnQiOjAsIlJpZ2h0IjowLCJCb3R0b20iOjB9LCJCYWNrZ3JvdW5kIjp7IiRyZWYiOiIxMjQifSwiSXNWaXNpYmxlIjp0cnVlLCJXaWR0aCI6MC4wLCJIZWlnaHQiOjAuMCwiQm9yZGVyU3R5bGUiOnsiJGlkIjoiMTk2IiwiTGluZUNvbG9yIjpudWxsLCJMaW5lV2VpZ2h0IjowLjAsIkxpbmVUeXBlIjowLCJQYXJlbnRTdHlsZSI6bnVsbH0sIlBhcmVudFN0eWxlIjpudWxsfSwiRGF0ZUZvcm1hdCI6eyIkaWQiOiIxOTciLCJGb3JtYXRTdHJpbmciOiJNL2QveXl5eSIsIlNlcGFyYXRvciI6Ii8iLCJVc2VJbnRlcm5hdGlvbmFsRGF0ZUZvcm1hdCI6ZmFsc2UsIkRhdGVJc1Zpc2libGUiOnRydWUsIlRpbWVJc1Zpc2libGUiOmZhbHNlLCJIb3VyRGlnaXRzIjoxLCJBbVBtRGVzaWduYXRvciI6MiwiVHJpbTAwTWludXRlcyI6ZmFsc2UsIkxhc3RLbm93blZpc2liaWxpdHlTdGF0ZSI6bnVsbH0sIklzVmlzaWJsZSI6dHJ1ZSwiUGFyZW50U3R5bGUiOm51bGx9LCJJbmRleCI6MiwiU21hcnREdXJhdGlvbkFjdGl2YXRlZCI6ZmFsc2UsIkRhdGVGb3JtYXQiOnsiJHJlZiI6IjE5NyJ9LCJJZCI6ImQ0NDdlYTQ1LThkOTUtNDM4OS05NWY1LWNhYTliOTEzMjljYyIsIkltcG9ydElkIjpudWxsLCJUaXRsZSI6Iuq0gOugqCDsmKTtlIjshozsiqQg7IiY7KeRL+u2hOyEnSIsIk5vdGUiOm51bGwsIkh5cGVybGluayI6bnVsbCwiSXNDaGFuZ2VkIjpmYWxzZSwiSXNOZXciOmZhbHNlfSx7IiRpZCI6IjE5OCIsIkdyb3VwTmFtZSI6bnVsbCwiU3RhcnREYXRlIjoiMjAxOS0wNC0wMVQwMDowMDowMFoiLCJFbmREYXRlIjoiMjAxOS0wNC0zMFQyMzo1OTowMFoiLCJQZXJjZW50YWdlQ29tcGxldGUiOm51bGwsIlN0eWxlIjp7IiRpZCI6IjE5OSIsIlNoYXBlIjowLCJTaGFwZVRoaWNrbmVzcyI6MSwiRHVyYXRpb25Gb3JtYXQiOjAsIkluY2x1ZGVOb25Xb3JraW5nRGF5c0luRHVyYXRpb24iOmZhbHNlLCJQZXJjZW50YWdlQ29tcGxldGVTdHlsZSI6eyIkaWQiOiIyMDAiLCJGb250U2V0dGluZ3MiOnsiJGlkIjoiMjAxIiwiRm9udFNpemUiOjEwLCJGb250TmFtZSI6IkNhbGlicmkiLCJJc0JvbGQiOmZhbHNlLCJJc0l0YWxpYyI6ZmFsc2UsIklzVW5kZXJsaW5lZCI6ZmFsc2UsIlBhcmVudFN0eWxlIjpudWxsfSwiQXV0b1NpemUiOjAsIkZvcmVncm91bmQiOnsiJHJlZiI6Ijg1In0sIk1heFdpZHRoIjoyMDAuMCwiTWF4SGVpZ2h0IjoiSW5maW5pdHkiLCJTbWFydEZvcmVncm91bmRJc0FjdGl2ZSI6ZmFsc2UsIkhvcml6b250YWxBbGlnbm1lbnQiOjAsIlZlcnRpY2FsQWxpZ25tZW50IjowLCJTbWFydEZvcmVncm91bmQiOm51bGwsIkJhY2tncm91bmRGaWxsVHlwZSI6MCwiTWFyZ2luIjp7IiRyZWYiOiI4NyJ9LCJQYWRkaW5nIjp7IiRyZWYiOiI4OCJ9LCJCYWNrZ3JvdW5kIjp7IiRyZWYiOiI4OSJ9LCJJc1Zpc2libGUiOnRydWUsIldpZHRoIjowLjAsIkhlaWdodCI6MC4wLCJCb3JkZXJTdHlsZSI6eyIkaWQiOiIyMDIiLCJMaW5lQ29sb3IiOm51bGwsIkxpbmVXZWlnaHQiOjAuMCwiTGluZVR5cGUiOjAsIlBhcmVudFN0eWxlIjpudWxsfSwiUGFyZW50U3R5bGUiOm51bGx9LCJEdXJhdGlvblN0eWxlIjp7IiRpZCI6IjIwMyIsIkZvbnRTZXR0aW5ncyI6eyIkaWQiOiIyMDQiLCJGb250U2l6ZSI6MTAsIkZvbnROYW1lIjoiQ2FsaWJyaSIsIklzQm9sZCI6ZmFsc2UsIklzSXRhbGljIjpmYWxzZSwiSXNVbmRlcmxpbmVkIjpmYWxzZSwiUGFyZW50U3R5bGUiOm51bGx9LCJBdXRvU2l6ZSI6MCwiRm9yZWdyb3VuZCI6eyIkcmVmIjoiOTIifSwiTWF4V2lkdGgiOjIwMC4wLCJNYXhIZWlnaHQiOiJJbmZpbml0eSIsIlNtYXJ0Rm9yZWdyb3VuZElzQWN0aXZlIjpmYWxzZSwiSG9yaXpvbnRhbEFsaWdubWVudCI6MCwiVmVydGljYWxBbGlnbm1lbnQiOjAsIlNtYXJ0Rm9yZWdyb3VuZCI6bnVsbCwiQmFja2dyb3VuZEZpbGxUeXBlIjowLCJNYXJnaW4iOnsiJHJlZiI6Ijk0In0sIlBhZGRpbmciOnsiJHJlZiI6Ijk1In0sIkJhY2tncm91bmQiOnsiJHJlZiI6Ijk2In0sIklzVmlzaWJsZSI6dHJ1ZSwiV2lkdGgiOjAuMCwiSGVpZ2h0IjowLjAsIkJvcmRlclN0eWxlIjp7IiRpZCI6IjIwNSIsIkxpbmVDb2xvciI6bnVsbCwiTGluZVdlaWdodCI6MC4wLCJMaW5lVHlwZSI6MCwiUGFyZW50U3R5bGUiOm51bGx9LCJQYXJlbnRTdHlsZSI6bnVsbH0sIkhvcml6b250YWxDb25uZWN0b3JTdHlsZSI6eyIkaWQiOiIyMDYiLCJMaW5lQ29sb3IiOnsiJHJlZiI6Ijk4In0sIkxpbmVXZWlnaHQiOjEuMCwiTGluZVR5cGUiOjAsIlBhcmVudFN0eWxlIjpudWxsfSwiVmVydGljYWxDb25uZWN0b3JTdHlsZSI6eyIkaWQiOiIyMDciLCJMaW5lQ29sb3IiOnsiJHJlZiI6IjEwMSJ9LCJMaW5lV2VpZ2h0IjowLjAsIkxpbmVUeXBlIjowLCJQYXJlbnRTdHlsZSI6bnVsbH0sIk1hcmdpbiI6bnVsbCwiU3RhcnREYXRlUG9zaXRpb24iOjQsIkVuZERhdGVQb3NpdGlvbiI6NCwiRGF0ZUlzVmlzaWJsZSI6dHJ1ZSwiVGl0bGVQb3NpdGlvbiI6NSwiRHVyYXRpb25Qb3NpdGlvbiI6NiwiUGVyY2VudGFnZUNvbXBsZXRlZFBvc2l0aW9uIjo2LCJTcGFjaW5nIjo1LCJJc0JlbG93VGltZWJhbmQiOnRydWUsIlBlcmNlbnRhZ2VDb21wbGV0ZVNoYXBlT3BhY2l0eSI6MzUsIlNoYXBlU3R5bGUiOnsiJGlkIjoiMjA4IiwiTWFyZ2luIjp7IiRyZWYiOiIxMDQifSwiUGFkZGluZyI6eyIkcmVmIjoiMTA1In0sIkJhY2tncm91bmQiOnsiJGlkIjoiMjA5IiwiQ29sb3IiOnsiJGlkIjoiMjEwIiwiQSI6MjU1LCJSIjo5MSwiRyI6MTU1LCJCIjoyMTN9fSwiSXNWaXNpYmxlIjp0cnVlLCJXaWR0aCI6MC4wLCJIZWlnaHQiOjE2LjAsIkJvcmRlclN0eWxlIjp7IiRpZCI6IjIxMSIsIkxpbmVDb2xvciI6eyIkcmVmIjoiMTA5In0sIkxpbmVXZWlnaHQiOjAuMCwiTGluZVR5cGUiOjAsIlBhcmVudFN0eWxlIjpudWxsfSwiUGFyZW50U3R5bGUiOm51bGx9LCJUaXRsZVN0eWxlIjp7IiRpZCI6IjIxMiIsIkZvbnRTZXR0aW5ncyI6eyIkaWQiOiIyMTMiLCJGb250U2l6ZSI6MTEsIkZvbnROYW1lIjoiQ2FsaWJyaSIsIklzQm9sZCI6dHJ1ZSwiSXNJdGFsaWMiOmZhbHNlLCJJc1VuZGVybGluZWQiOmZhbHNlLCJQYXJlbnRTdHlsZSI6bnVsbH0sIkF1dG9TaXplIjowLCJGb3JlZ3JvdW5kIjp7IiRyZWYiOiIxMTMifSwiTWF4V2lkdGgiOjcyMC4wLCJNYXhIZWlnaHQiOiJJbmZpbml0eSIsIlNtYXJ0Rm9yZWdyb3VuZElzQWN0aXZlIjpmYWxzZSwiSG9yaXpvbnRhbEFsaWdubWVudCI6MCwiVmVydGljYWxBbGlnbm1lbnQiOjAsIlNtYXJ0Rm9yZWdyb3VuZCI6bnVsbCwiQmFja2dyb3VuZEZpbGxUeXBlIjowLCJNYXJnaW4iOnsiJHJlZiI6IjExNSJ9LCJQYWRkaW5nIjp7IiRyZWYiOiIxMTYifSwiQmFja2dyb3VuZCI6eyIkcmVmIjoiMTE3In0sIklzVmlzaWJsZSI6dHJ1ZSwiV2lkdGgiOjAuMCwiSGVpZ2h0IjowLjAsIkJvcmRlclN0eWxlIjp7IiRpZCI6IjIxNCIsIkxpbmVDb2xvciI6bnVsbCwiTGluZVdlaWdodCI6MC4wLCJMaW5lVHlwZSI6MCwiUGFyZW50U3R5bGUiOm51bGx9LCJQYXJlbnRTdHlsZSI6bnVsbH0sIkRhdGVTdHlsZSI6eyIkaWQiOiIyMTUiLCJGb250U2V0dGluZ3MiOnsiJGlkIjoiMjE2IiwiRm9udFNpemUiOjEwLCJGb250TmFtZSI6IkNhbGlicmkiLCJJc0JvbGQiOmZhbHNlLCJJc0l0YWxpYyI6ZmFsc2UsIklzVW5kZXJsaW5lZCI6ZmFsc2UsIlBhcmVudFN0eWxlIjpudWxsfSwiQXV0b1NpemUiOjAsIkZvcmVncm91bmQiOnsiJHJlZiI6IjEyMCJ9LCJNYXhXaWR0aCI6MjAwLjAsIk1heEhlaWdodCI6IkluZmluaXR5IiwiU21hcnRGb3JlZ3JvdW5kSXNBY3RpdmUiOmZhbHNlLCJIb3Jpem9udGFsQWxpZ25tZW50IjowLCJWZXJ0aWNhbEFsaWdubWVudCI6MCwiU21hcnRGb3JlZ3JvdW5kIjpudWxsLCJCYWNrZ3JvdW5kRmlsbFR5cGUiOjAsIk1hcmdpbiI6eyIkcmVmIjoiMTIyIn0sIlBhZGRpbmciOnsiJHJlZiI6IjEyMyJ9LCJCYWNrZ3JvdW5kIjp7IiRyZWYiOiIxMjQifSwiSXNWaXNpYmxlIjp0cnVlLCJXaWR0aCI6MC4wLCJIZWlnaHQiOjAuMCwiQm9yZGVyU3R5bGUiOnsiJGlkIjoiMjE3IiwiTGluZUNvbG9yIjpudWxsLCJMaW5lV2VpZ2h0IjowLjAsIkxpbmVUeXBlIjowLCJQYXJlbnRTdHlsZSI6bnVsbH0sIlBhcmVudFN0eWxlIjpudWxsfSwiRGF0ZUZvcm1hdCI6eyIkcmVmIjoiMTI1In0sIklzVmlzaWJsZSI6dHJ1ZSwiUGFyZW50U3R5bGUiOm51bGx9LCJJbmRleCI6MywiU21hcnREdXJhdGlvbkFjdGl2YXRlZCI6ZmFsc2UsIkRhdGVGb3JtYXQiOnsiJHJlZiI6IjEyNSJ9LCJJZCI6ImQ1Y2Q2ZDJmLTk4MDItNGY0OS1hZGNmLTEwYTdjNDJmYmVmZiIsIkltcG9ydElkIjpudWxsLCJUaXRsZSI6IuykkeqwhCDrs7Tqs6DshJwg7J6R7ISxIOuwjyDtlLzrk5zrsLEiLCJOb3RlIjpudWxsLCJIeXBlcmxpbmsiOm51bGwsIklzQ2hhbmdlZCI6ZmFsc2UsIklzTmV3IjpmYWxzZX0seyIkaWQiOiIyMTgiLCJHcm91cE5hbWUiOm51bGwsIlN0YXJ0RGF0ZSI6IjIwMTktMDQtMDRUMDA6MDA6MDBaIiwiRW5kRGF0ZSI6IjIwMTktMDQtMTRUMjM6NTk6MDBaIiwiUGVyY2VudGFnZUNvbXBsZXRlIjpudWxsLCJTdHlsZSI6eyIkaWQiOiIyMTkiLCJTaGFwZSI6MCwiU2hhcGVUaGlja25lc3MiOjEsIkR1cmF0aW9uRm9ybWF0IjowLCJJbmNsdWRlTm9uV29ya2luZ0RheXNJbkR1cmF0aW9uIjpmYWxzZSwiUGVyY2VudGFnZUNvbXBsZXRlU3R5bGUiOnsiJGlkIjoiMjIwIiwiRm9udFNldHRpbmdzIjp7IiRpZCI6IjIyMSIsIkZvbnRTaXplIjoxMCwiRm9udE5hbWUiOiJDYWxpYnJpIiwiSXNCb2xkIjpmYWxzZSwiSXNJdGFsaWMiOmZhbHNlLCJJc1VuZGVybGluZWQiOmZhbHNlLCJQYXJlbnRTdHlsZSI6bnVsbH0sIkF1dG9TaXplIjowLCJGb3JlZ3JvdW5kIjp7IiRpZCI6IjIyMiIsIkNvbG9yIjp7IiRyZWYiOiI4NiJ9fSwiTWF4V2lkdGgiOjIwMC4wLCJNYXhIZWlnaHQiOiJJbmZpbml0eSIsIlNtYXJ0Rm9yZWdyb3VuZElzQWN0aXZlIjpmYWxzZSwiSG9yaXpvbnRhbEFsaWdubWVudCI6MCwiVmVydGljYWxBbGlnbm1lbnQiOjAsIlNtYXJ0Rm9yZWdyb3VuZCI6bnVsbCwiQmFja2dyb3VuZEZpbGxUeXBlIjowLCJNYXJnaW4iOnsiJGlkIjoiMjIzIiwiVG9wIjowLCJMZWZ0IjowLCJSaWdodCI6MCwiQm90dG9tIjowfSwiUGFkZGluZyI6eyIkaWQiOiIyMjQiLCJUb3AiOjAsIkxlZnQiOjAsIlJpZ2h0IjowLCJCb3R0b20iOjB9LCJCYWNrZ3JvdW5kIjp7IiRyZWYiOiI4OSJ9LCJJc1Zpc2libGUiOnRydWUsIldpZHRoIjowLjAsIkhlaWdodCI6MC4wLCJCb3JkZXJTdHlsZSI6eyIkaWQiOiIyMjUiLCJMaW5lQ29sb3IiOm51bGwsIkxpbmVXZWlnaHQiOjAuMCwiTGluZVR5cGUiOjAsIlBhcmVudFN0eWxlIjpudWxsfSwiUGFyZW50U3R5bGUiOm51bGx9LCJEdXJhdGlvblN0eWxlIjp7IiRpZCI6IjIyNiIsIkZvbnRTZXR0aW5ncyI6eyIkaWQiOiIyMjciLCJGb250U2l6ZSI6MTAsIkZvbnROYW1lIjoiQ2FsaWJyaSIsIklzQm9sZCI6ZmFsc2UsIklzSXRhbGljIjpmYWxzZSwiSXNVbmRlcmxpbmVkIjpmYWxzZSwiUGFyZW50U3R5bGUiOm51bGx9LCJBdXRvU2l6ZSI6MCwiRm9yZWdyb3VuZCI6eyIkaWQiOiIyMjgiLCJDb2xvciI6eyIkcmVmIjoiOTMifX0sIk1heFdpZHRoIjoyMDAuMCwiTWF4SGVpZ2h0IjoiSW5maW5pdHkiLCJTbWFydEZvcmVncm91bmRJc0FjdGl2ZSI6ZmFsc2UsIkhvcml6b250YWxBbGlnbm1lbnQiOjAsIlZlcnRpY2FsQWxpZ25tZW50IjowLCJTbWFydEZvcmVncm91bmQiOm51bGwsIkJhY2tncm91bmRGaWxsVHlwZSI6MCwiTWFyZ2luIjp7IiRpZCI6IjIyOSIsIlRvcCI6MCwiTGVmdCI6MCwiUmlnaHQiOjAsIkJvdHRvbSI6MH0sIlBhZGRpbmciOnsiJGlkIjoiMjMwIiwiVG9wIjowLCJMZWZ0IjowLCJSaWdodCI6MCwiQm90dG9tIjowfSwiQmFja2dyb3VuZCI6eyIkcmVmIjoiOTYifSwiSXNWaXNpYmxlIjp0cnVlLCJXaWR0aCI6MC4wLCJIZWlnaHQiOjAuMCwiQm9yZGVyU3R5bGUiOnsiJGlkIjoiMjMxIiwiTGluZUNvbG9yIjpudWxsLCJMaW5lV2VpZ2h0IjowLjAsIkxpbmVUeXBlIjowLCJQYXJlbnRTdHlsZSI6bnVsbH0sIlBhcmVudFN0eWxlIjpudWxsfSwiSG9yaXpvbnRhbENvbm5lY3RvclN0eWxlIjp7IiRpZCI6IjIzMiIsIkxpbmVDb2xvciI6eyIkcmVmIjoiOTgifSwiTGluZVdlaWdodCI6MS4wLCJMaW5lVHlwZSI6MCwiUGFyZW50U3R5bGUiOm51bGx9LCJWZXJ0aWNhbENvbm5lY3RvclN0eWxlIjp7IiRpZCI6IjIzMyIsIkxpbmVDb2xvciI6eyIkcmVmIjoiMTAxIn0sIkxpbmVXZWlnaHQiOjAuMCwiTGluZVR5cGUiOjAsIlBhcmVudFN0eWxlIjpudWxsfSwiTWFyZ2luIjpudWxsLCJTdGFydERhdGVQb3NpdGlvbiI6NCwiRW5kRGF0ZVBvc2l0aW9uIjo0LCJEYXRlSXNWaXNpYmxlIjp0cnVlLCJUaXRsZVBvc2l0aW9uIjo1LCJEdXJhdGlvblBvc2l0aW9uIjo2LCJQZXJjZW50YWdlQ29tcGxldGVkUG9zaXRpb24iOjYsIlNwYWNpbmciOjUsIklzQmVsb3dUaW1lYmFuZCI6dHJ1ZSwiUGVyY2VudGFnZUNvbXBsZXRlU2hhcGVPcGFjaXR5IjozNSwiU2hhcGVTdHlsZSI6eyIkaWQiOiIyMzQiLCJNYXJnaW4iOnsiJGlkIjoiMjM1IiwiVG9wIjowLCJMZWZ0Ijo0LCJSaWdodCI6NCwiQm90dG9tIjowfSwiUGFkZGluZyI6eyIkaWQiOiIyMzYiLCJUb3AiOjAsIkxlZnQiOjAsIlJpZ2h0IjowLCJCb3R0b20iOjB9LCJCYWNrZ3JvdW5kIjp7IiRpZCI6IjIzNyIsIkNvbG9yIjp7IiRpZCI6IjIzOCIsIkEiOjI1NSwiUiI6MTEyLCJHIjoxNzMsIkIiOjcxfX0sIklzVmlzaWJsZSI6dHJ1ZSwiV2lkdGgiOjAuMCwiSGVpZ2h0IjoxNi4wLCJCb3JkZXJTdHlsZSI6eyIkaWQiOiIyMzkiLCJMaW5lQ29sb3IiOnsiJHJlZiI6IjEwOSJ9LCJMaW5lV2VpZ2h0IjowLjAsIkxpbmVUeXBlIjowLCJQYXJlbnRTdHlsZSI6bnVsbH0sIlBhcmVudFN0eWxlIjpudWxsfSwiVGl0bGVTdHlsZSI6eyIkaWQiOiIyNDAiLCJGb250U2V0dGluZ3MiOnsiJGlkIjoiMjQxIiwiRm9udFNpemUiOjExLCJGb250TmFtZSI6IkNhbGlicmkiLCJJc0JvbGQiOnRydWUsIklzSXRhbGljIjpmYWxzZSwiSXNVbmRlcmxpbmVkIjpmYWxzZSwiUGFyZW50U3R5bGUiOm51bGx9LCJBdXRvU2l6ZSI6MCwiRm9yZWdyb3VuZCI6eyIkaWQiOiIyNDIiLCJDb2xvciI6eyIkcmVmIjoiMTE0In19LCJNYXhXaWR0aCI6NzIwLjAsIk1heEhlaWdodCI6IkluZmluaXR5IiwiU21hcnRGb3JlZ3JvdW5kSXNBY3RpdmUiOmZhbHNlLCJIb3Jpem9udGFsQWxpZ25tZW50IjowLCJWZXJ0aWNhbEFsaWdubWVudCI6MCwiU21hcnRGb3JlZ3JvdW5kIjpudWxsLCJCYWNrZ3JvdW5kRmlsbFR5cGUiOjAsIk1hcmdpbiI6eyIkaWQiOiIyNDMiLCJUb3AiOjAsIkxlZnQiOjAsIlJpZ2h0IjowLCJCb3R0b20iOjB9LCJQYWRkaW5nIjp7IiRpZCI6IjI0NCIsIlRvcCI6MCwiTGVmdCI6MCwiUmlnaHQiOjAsIkJvdHRvbSI6MH0sIkJhY2tncm91bmQiOnsiJHJlZiI6IjExNyJ9LCJJc1Zpc2libGUiOnRydWUsIldpZHRoIjowLjAsIkhlaWdodCI6MC4wLCJCb3JkZXJTdHlsZSI6eyIkaWQiOiIyNDUiLCJMaW5lQ29sb3IiOm51bGwsIkxpbmVXZWlnaHQiOjAuMCwiTGluZVR5cGUiOjAsIlBhcmVudFN0eWxlIjpudWxsfSwiUGFyZW50U3R5bGUiOm51bGx9LCJEYXRlU3R5bGUiOnsiJGlkIjoiMjQ2IiwiRm9udFNldHRpbmdzIjp7IiRpZCI6IjI0NyIsIkZvbnRTaXplIjoxMCwiRm9udE5hbWUiOiJDYWxpYnJpIiwiSXNCb2xkIjpmYWxzZSwiSXNJdGFsaWMiOmZhbHNlLCJJc1VuZGVybGluZWQiOmZhbHNlLCJQYXJlbnRTdHlsZSI6bnVsbH0sIkF1dG9TaXplIjowLCJGb3JlZ3JvdW5kIjp7IiRpZCI6IjI0OCIsIkNvbG9yIjp7IiRyZWYiOiIxMjEifX0sIk1heFdpZHRoIjoyMDAuMCwiTWF4SGVpZ2h0IjoiSW5maW5pdHkiLCJTbWFydEZvcmVncm91bmRJc0FjdGl2ZSI6ZmFsc2UsIkhvcml6b250YWxBbGlnbm1lbnQiOjAsIlZlcnRpY2FsQWxpZ25tZW50IjowLCJTbWFydEZvcmVncm91bmQiOm51bGwsIkJhY2tncm91bmRGaWxsVHlwZSI6MCwiTWFyZ2luIjp7IiRpZCI6IjI0OSIsIlRvcCI6MCwiTGVmdCI6MCwiUmlnaHQiOjAsIkJvdHRvbSI6MH0sIlBhZGRpbmciOnsiJGlkIjoiMjUwIiwiVG9wIjowLCJMZWZ0IjowLCJSaWdodCI6MCwiQm90dG9tIjowfSwiQmFja2dyb3VuZCI6eyIkcmVmIjoiMTI0In0sIklzVmlzaWJsZSI6dHJ1ZSwiV2lkdGgiOjAuMCwiSGVpZ2h0IjowLjAsIkJvcmRlclN0eWxlIjp7IiRpZCI6IjI1MSIsIkxpbmVDb2xvciI6bnVsbCwiTGluZVdlaWdodCI6MC4wLCJMaW5lVHlwZSI6MCwiUGFyZW50U3R5bGUiOm51bGx9LCJQYXJlbnRTdHlsZSI6bnVsbH0sIkRhdGVGb3JtYXQiOnsiJGlkIjoiMjUyIiwiRm9ybWF0U3RyaW5nIjoiTS9kL3l5eXkiLCJTZXBhcmF0b3IiOiIvIiwiVXNlSW50ZXJuYXRpb25hbERhdGVGb3JtYXQiOmZhbHNlLCJEYXRlSXNWaXNpYmxlIjp0cnVlLCJUaW1lSXNWaXNpYmxlIjpmYWxzZSwiSG91ckRpZ2l0cyI6MSwiQW1QbURlc2lnbmF0b3IiOjIsIlRyaW0wME1pbnV0ZXMiOmZhbHNlLCJMYXN0S25vd25WaXNpYmlsaXR5U3RhdGUiOm51bGx9LCJJc1Zpc2libGUiOnRydWUsIlBhcmVudFN0eWxlIjpudWxsfSwiSW5kZXgiOjQsIlNtYXJ0RHVyYXRpb25BY3RpdmF0ZWQiOmZhbHNlLCJEYXRlRm9ybWF0Ijp7IiRyZWYiOiIyNTIifSwiSWQiOiI3NWRmZmJkMC0yYzQxLTQ0MjEtODNiNy0yMGJiZmExYzNkMjIiLCJJbXBvcnRJZCI6bnVsbCwiVGl0bGUiOiLslYjrk5zroZzsnbTrk5wg7JWxIOqwnOuwnCIsIk5vdGUiOm51bGwsIkh5cGVybGluayI6bnVsbCwiSXNDaGFuZ2VkIjpmYWxzZSwiSXNOZXciOmZhbHNlfSx7IiRpZCI6IjI1MyIsIkdyb3VwTmFtZSI6bnVsbCwiU3RhcnREYXRlIjoiMjAxOS0wNC0wN1QwMDowMDowMFoiLCJFbmREYXRlIjoiMjAxOS0wNS0wNVQyMzo1OTowMFoiLCJQZXJjZW50YWdlQ29tcGxldGUiOm51bGwsIlN0eWxlIjp7IiRpZCI6IjI1NCIsIlNoYXBlIjowLCJTaGFwZVRoaWNrbmVzcyI6MSwiRHVyYXRpb25Gb3JtYXQiOjAsIkluY2x1ZGVOb25Xb3JraW5nRGF5c0luRHVyYXRpb24iOmZhbHNlLCJQZXJjZW50YWdlQ29tcGxldGVTdHlsZSI6eyIkaWQiOiIyNTUiLCJGb250U2V0dGluZ3MiOnsiJGlkIjoiMjU2IiwiRm9udFNpemUiOjEwLCJGb250TmFtZSI6IkNhbGlicmkiLCJJc0JvbGQiOmZhbHNlLCJJc0l0YWxpYyI6ZmFsc2UsIklzVW5kZXJsaW5lZCI6ZmFsc2UsIlBhcmVudFN0eWxlIjpudWxsfSwiQXV0b1NpemUiOjAsIkZvcmVncm91bmQiOnsiJGlkIjoiMjU3IiwiQ29sb3IiOnsiJHJlZiI6Ijg2In19LCJNYXhXaWR0aCI6MjAwLjAsIk1heEhlaWdodCI6IkluZmluaXR5IiwiU21hcnRGb3JlZ3JvdW5kSXNBY3RpdmUiOmZhbHNlLCJIb3Jpem9udGFsQWxpZ25tZW50IjowLCJWZXJ0aWNhbEFsaWdubWVudCI6MCwiU21hcnRGb3JlZ3JvdW5kIjpudWxsLCJCYWNrZ3JvdW5kRmlsbFR5cGUiOjAsIk1hcmdpbiI6eyIkaWQiOiIyNTgiLCJUb3AiOjAsIkxlZnQiOjAsIlJpZ2h0IjowLCJCb3R0b20iOjB9LCJQYWRkaW5nIjp7IiRpZCI6IjI1OSIsIlRvcCI6MCwiTGVmdCI6MCwiUmlnaHQiOjAsIkJvdHRvbSI6MH0sIkJhY2tncm91bmQiOnsiJHJlZiI6Ijg5In0sIklzVmlzaWJsZSI6dHJ1ZSwiV2lkdGgiOjAuMCwiSGVpZ2h0IjowLjAsIkJvcmRlclN0eWxlIjp7IiRpZCI6IjI2MCIsIkxpbmVDb2xvciI6bnVsbCwiTGluZVdlaWdodCI6MC4wLCJMaW5lVHlwZSI6MCwiUGFyZW50U3R5bGUiOm51bGx9LCJQYXJlbnRTdHlsZSI6bnVsbH0sIkR1cmF0aW9uU3R5bGUiOnsiJGlkIjoiMjYxIiwiRm9udFNldHRpbmdzIjp7IiRpZCI6IjI2MiIsIkZvbnRTaXplIjoxMCwiRm9udE5hbWUiOiJDYWxpYnJpIiwiSXNCb2xkIjpmYWxzZSwiSXNJdGFsaWMiOmZhbHNlLCJJc1VuZGVybGluZWQiOmZhbHNlLCJQYXJlbnRTdHlsZSI6bnVsbH0sIkF1dG9TaXplIjowLCJGb3JlZ3JvdW5kIjp7IiRpZCI6IjI2MyIsIkNvbG9yIjp7IiRyZWYiOiI5MyJ9fSwiTWF4V2lkdGgiOjIwMC4wLCJNYXhIZWlnaHQiOiJJbmZpbml0eSIsIlNtYXJ0Rm9yZWdyb3VuZElzQWN0aXZlIjpmYWxzZSwiSG9yaXpvbnRhbEFsaWdubWVudCI6MCwiVmVydGljYWxBbGlnbm1lbnQiOjAsIlNtYXJ0Rm9yZWdyb3VuZCI6bnVsbCwiQmFja2dyb3VuZEZpbGxUeXBlIjowLCJNYXJnaW4iOnsiJGlkIjoiMjY0IiwiVG9wIjowLCJMZWZ0IjowLCJSaWdodCI6MCwiQm90dG9tIjowfSwiUGFkZGluZyI6eyIkaWQiOiIyNjUiLCJUb3AiOjAsIkxlZnQiOjAsIlJpZ2h0IjowLCJCb3R0b20iOjB9LCJCYWNrZ3JvdW5kIjp7IiRyZWYiOiI5NiJ9LCJJc1Zpc2libGUiOnRydWUsIldpZHRoIjowLjAsIkhlaWdodCI6MC4wLCJCb3JkZXJTdHlsZSI6eyIkaWQiOiIyNjYiLCJMaW5lQ29sb3IiOm51bGwsIkxpbmVXZWlnaHQiOjAuMCwiTGluZVR5cGUiOjAsIlBhcmVudFN0eWxlIjpudWxsfSwiUGFyZW50U3R5bGUiOm51bGx9LCJIb3Jpem9udGFsQ29ubmVjdG9yU3R5bGUiOnsiJGlkIjoiMjY3IiwiTGluZUNvbG9yIjp7IiRyZWYiOiI5OCJ9LCJMaW5lV2VpZ2h0IjoxLjAsIkxpbmVUeXBlIjowLCJQYXJlbnRTdHlsZSI6bnVsbH0sIlZlcnRpY2FsQ29ubmVjdG9yU3R5bGUiOnsiJGlkIjoiMjY4IiwiTGluZUNvbG9yIjp7IiRyZWYiOiIxMDEifSwiTGluZVdlaWdodCI6MC4wLCJMaW5lVHlwZSI6MCwiUGFyZW50U3R5bGUiOm51bGx9LCJNYXJnaW4iOm51bGwsIlN0YXJ0RGF0ZVBvc2l0aW9uIjo0LCJFbmREYXRlUG9zaXRpb24iOjQsIkRhdGVJc1Zpc2libGUiOnRydWUsIlRpdGxlUG9zaXRpb24iOjUsIkR1cmF0aW9uUG9zaXRpb24iOjYsIlBlcmNlbnRhZ2VDb21wbGV0ZWRQb3NpdGlvbiI6NiwiU3BhY2luZyI6NSwiSXNCZWxvd1RpbWViYW5kIjp0cnVlLCJQZXJjZW50YWdlQ29tcGxldGVTaGFwZU9wYWNpdHkiOjM1LCJTaGFwZVN0eWxlIjp7IiRpZCI6IjI2OSIsIk1hcmdpbiI6eyIkaWQiOiIyNzAiLCJUb3AiOjAsIkxlZnQiOjQsIlJpZ2h0Ijo0LCJCb3R0b20iOjB9LCJQYWRkaW5nIjp7IiRpZCI6IjI3MSIsIlRvcCI6MCwiTGVmdCI6MCwiUmlnaHQiOjAsIkJvdHRvbSI6MH0sIkJhY2tncm91bmQiOnsiJGlkIjoiMjcyIiwiQ29sb3IiOnsiJGlkIjoiMjczIiwiQSI6MjU1LCJSIjo2OCwiRyI6ODQsIkIiOjEwNn19LCJJc1Zpc2libGUiOnRydWUsIldpZHRoIjowLjAsIkhlaWdodCI6MTYuMCwiQm9yZGVyU3R5bGUiOnsiJGlkIjoiMjc0IiwiTGluZUNvbG9yIjp7IiRyZWYiOiIxMDkifSwiTGluZVdlaWdodCI6MC4wLCJMaW5lVHlwZSI6MCwiUGFyZW50U3R5bGUiOm51bGx9LCJQYXJlbnRTdHlsZSI6bnVsbH0sIlRpdGxlU3R5bGUiOnsiJGlkIjoiMjc1IiwiRm9udFNldHRpbmdzIjp7IiRpZCI6IjI3NiIsIkZvbnRTaXplIjoxMSwiRm9udE5hbWUiOiJDYWxpYnJpIiwiSXNCb2xkIjp0cnVlLCJJc0l0YWxpYyI6ZmFsc2UsIklzVW5kZXJsaW5lZCI6ZmFsc2UsIlBhcmVudFN0eWxlIjpudWxsfSwiQXV0b1NpemUiOjAsIkZvcmVncm91bmQiOnsiJGlkIjoiMjc3IiwiQ29sb3IiOnsiJHJlZiI6IjExNCJ9fSwiTWF4V2lkdGgiOjcyMC4wLCJNYXhIZWlnaHQiOiJJbmZpbml0eSIsIlNtYXJ0Rm9yZWdyb3VuZElzQWN0aXZlIjpmYWxzZSwiSG9yaXpvbnRhbEFsaWdubWVudCI6MCwiVmVydGljYWxBbGlnbm1lbnQiOjAsIlNtYXJ0Rm9yZWdyb3VuZCI6bnVsbCwiQmFja2dyb3VuZEZpbGxUeXBlIjowLCJNYXJnaW4iOnsiJGlkIjoiMjc4IiwiVG9wIjowLCJMZWZ0IjowLCJSaWdodCI6MCwiQm90dG9tIjowfSwiUGFkZGluZyI6eyIkaWQiOiIyNzkiLCJUb3AiOjAsIkxlZnQiOjAsIlJpZ2h0IjowLCJCb3R0b20iOjB9LCJCYWNrZ3JvdW5kIjp7IiRyZWYiOiIxMTcifSwiSXNWaXNpYmxlIjp0cnVlLCJXaWR0aCI6MC4wLCJIZWlnaHQiOjAuMCwiQm9yZGVyU3R5bGUiOnsiJGlkIjoiMjgwIiwiTGluZUNvbG9yIjpudWxsLCJMaW5lV2VpZ2h0IjowLjAsIkxpbmVUeXBlIjowLCJQYXJlbnRTdHlsZSI6bnVsbH0sIlBhcmVudFN0eWxlIjpudWxsfSwiRGF0ZVN0eWxlIjp7IiRpZCI6IjI4MSIsIkZvbnRTZXR0aW5ncyI6eyIkaWQiOiIyODIiLCJGb250U2l6ZSI6MTAsIkZvbnROYW1lIjoiQ2FsaWJyaSIsIklzQm9sZCI6ZmFsc2UsIklzSXRhbGljIjpmYWxzZSwiSXNVbmRlcmxpbmVkIjpmYWxzZSwiUGFyZW50U3R5bGUiOm51bGx9LCJBdXRvU2l6ZSI6MCwiRm9yZWdyb3VuZCI6eyIkaWQiOiIyODMiLCJDb2xvciI6eyIkcmVmIjoiMTIxIn19LCJNYXhXaWR0aCI6MjAwLjAsIk1heEhlaWdodCI6IkluZmluaXR5IiwiU21hcnRGb3JlZ3JvdW5kSXNBY3RpdmUiOmZhbHNlLCJIb3Jpem9udGFsQWxpZ25tZW50IjowLCJWZXJ0aWNhbEFsaWdubWVudCI6MCwiU21hcnRGb3JlZ3JvdW5kIjpudWxsLCJCYWNrZ3JvdW5kRmlsbFR5cGUiOjAsIk1hcmdpbiI6eyIkaWQiOiIyODQiLCJUb3AiOjAsIkxlZnQiOjAsIlJpZ2h0IjowLCJCb3R0b20iOjB9LCJQYWRkaW5nIjp7IiRpZCI6IjI4NSIsIlRvcCI6MCwiTGVmdCI6MCwiUmlnaHQiOjAsIkJvdHRvbSI6MH0sIkJhY2tncm91bmQiOnsiJHJlZiI6IjEyNCJ9LCJJc1Zpc2libGUiOnRydWUsIldpZHRoIjowLjAsIkhlaWdodCI6MC4wLCJCb3JkZXJTdHlsZSI6eyIkaWQiOiIyODYiLCJMaW5lQ29sb3IiOm51bGwsIkxpbmVXZWlnaHQiOjAuMCwiTGluZVR5cGUiOjAsIlBhcmVudFN0eWxlIjpudWxsfSwiUGFyZW50U3R5bGUiOm51bGx9LCJEYXRlRm9ybWF0Ijp7IiRpZCI6IjI4NyIsIkZvcm1hdFN0cmluZyI6Ik0vZC95eXl5IiwiU2VwYXJhdG9yIjoiLyIsIlVzZUludGVybmF0aW9uYWxEYXRlRm9ybWF0IjpmYWxzZSwiRGF0ZUlzVmlzaWJsZSI6dHJ1ZSwiVGltZUlzVmlzaWJsZSI6ZmFsc2UsIkhvdXJEaWdpdHMiOjEsIkFtUG1EZXNpZ25hdG9yIjoyLCJUcmltMDBNaW51dGVzIjpmYWxzZSwiTGFzdEtub3duVmlzaWJpbGl0eVN0YXRlIjpudWxsfSwiSXNWaXNpYmxlIjp0cnVlLCJQYXJlbnRTdHlsZSI6bnVsbH0sIkluZGV4Ijo1LCJTbWFydER1cmF0aW9uQWN0aXZhdGVkIjpmYWxzZSwiRGF0ZUZvcm1hdCI6eyIkcmVmIjoiMjg3In0sIklkIjoiMzgyZGRmN2MtNDlhZS00MWE5LWE4OTYtYjY4MjMzYmI4NjBiIiwiSW1wb3J0SWQiOm51bGwsIlRpdGxlIjoiQyMg6rO167aAIOuwjyDrqZTsnbgg66qo65OIIOqwnOuwnCIsIk5vdGUiOm51bGwsIkh5cGVybGluayI6bnVsbCwiSXNDaGFuZ2VkIjpmYWxzZSwiSXNOZXciOmZhbHNlfSx7IiRpZCI6IjI4OCIsIkdyb3VwTmFtZSI6bnVsbCwiU3RhcnREYXRlIjoiMjAxOS0wNC0xMFQwMDowMDowMFoiLCJFbmREYXRlIjoiMjAxOS0wNS0xOVQyMzo1OTowMFoiLCJQZXJjZW50YWdlQ29tcGxldGUiOm51bGwsIlN0eWxlIjp7IiRpZCI6IjI4OSIsIlNoYXBlIjowLCJTaGFwZVRoaWNrbmVzcyI6MSwiRHVyYXRpb25Gb3JtYXQiOjAsIkluY2x1ZGVOb25Xb3JraW5nRGF5c0luRHVyYXRpb24iOmZhbHNlLCJQZXJjZW50YWdlQ29tcGxldGVTdHlsZSI6eyIkaWQiOiIyOTAiLCJGb250U2V0dGluZ3MiOnsiJGlkIjoiMjkxIiwiRm9udFNpemUiOjEwLCJGb250TmFtZSI6IkNhbGlicmkiLCJJc0JvbGQiOmZhbHNlLCJJc0l0YWxpYyI6ZmFsc2UsIklzVW5kZXJsaW5lZCI6ZmFsc2UsIlBhcmVudFN0eWxlIjpudWxsfSwiQXV0b1NpemUiOjAsIkZvcmVncm91bmQiOnsiJGlkIjoiMjkyIiwiQ29sb3IiOnsiJHJlZiI6Ijg2In19LCJNYXhXaWR0aCI6MjAwLjAsIk1heEhlaWdodCI6IkluZmluaXR5IiwiU21hcnRGb3JlZ3JvdW5kSXNBY3RpdmUiOmZhbHNlLCJIb3Jpem9udGFsQWxpZ25tZW50IjowLCJWZXJ0aWNhbEFsaWdubWVudCI6MCwiU21hcnRGb3JlZ3JvdW5kIjpudWxsLCJCYWNrZ3JvdW5kRmlsbFR5cGUiOjAsIk1hcmdpbiI6eyIkaWQiOiIyOTMiLCJUb3AiOjAsIkxlZnQiOjAsIlJpZ2h0IjowLCJCb3R0b20iOjB9LCJQYWRkaW5nIjp7IiRpZCI6IjI5NCIsIlRvcCI6MCwiTGVmdCI6MCwiUmlnaHQiOjAsIkJvdHRvbSI6MH0sIkJhY2tncm91bmQiOnsiJHJlZiI6Ijg5In0sIklzVmlzaWJsZSI6dHJ1ZSwiV2lkdGgiOjAuMCwiSGVpZ2h0IjowLjAsIkJvcmRlclN0eWxlIjp7IiRpZCI6IjI5NSIsIkxpbmVDb2xvciI6bnVsbCwiTGluZVdlaWdodCI6MC4wLCJMaW5lVHlwZSI6MCwiUGFyZW50U3R5bGUiOm51bGx9LCJQYXJlbnRTdHlsZSI6bnVsbH0sIkR1cmF0aW9uU3R5bGUiOnsiJGlkIjoiMjk2IiwiRm9udFNldHRpbmdzIjp7IiRpZCI6IjI5NyIsIkZvbnRTaXplIjoxMCwiRm9udE5hbWUiOiJDYWxpYnJpIiwiSXNCb2xkIjpmYWxzZSwiSXNJdGFsaWMiOmZhbHNlLCJJc1VuZGVybGluZWQiOmZhbHNlLCJQYXJlbnRTdHlsZSI6bnVsbH0sIkF1dG9TaXplIjowLCJGb3JlZ3JvdW5kIjp7IiRpZCI6IjI5OCIsIkNvbG9yIjp7IiRyZWYiOiI5MyJ9fSwiTWF4V2lkdGgiOjIwMC4wLCJNYXhIZWlnaHQiOiJJbmZpbml0eSIsIlNtYXJ0Rm9yZWdyb3VuZElzQWN0aXZlIjpmYWxzZSwiSG9yaXpvbnRhbEFsaWdubWVudCI6MCwiVmVydGljYWxBbGlnbm1lbnQiOjAsIlNtYXJ0Rm9yZWdyb3VuZCI6bnVsbCwiQmFja2dyb3VuZEZpbGxUeXBlIjowLCJNYXJnaW4iOnsiJGlkIjoiMjk5IiwiVG9wIjowLCJMZWZ0IjowLCJSaWdodCI6MCwiQm90dG9tIjowfSwiUGFkZGluZyI6eyIkaWQiOiIzMDAiLCJUb3AiOjAsIkxlZnQiOjAsIlJpZ2h0IjowLCJCb3R0b20iOjB9LCJCYWNrZ3JvdW5kIjp7IiRyZWYiOiI5NiJ9LCJJc1Zpc2libGUiOnRydWUsIldpZHRoIjowLjAsIkhlaWdodCI6MC4wLCJCb3JkZXJTdHlsZSI6eyIkaWQiOiIzMDEiLCJMaW5lQ29sb3IiOm51bGwsIkxpbmVXZWlnaHQiOjAuMCwiTGluZVR5cGUiOjAsIlBhcmVudFN0eWxlIjpudWxsfSwiUGFyZW50U3R5bGUiOm51bGx9LCJIb3Jpem9udGFsQ29ubmVjdG9yU3R5bGUiOnsiJGlkIjoiMzAyIiwiTGluZUNvbG9yIjp7IiRyZWYiOiI5OCJ9LCJMaW5lV2VpZ2h0IjoxLjAsIkxpbmVUeXBlIjowLCJQYXJlbnRTdHlsZSI6bnVsbH0sIlZlcnRpY2FsQ29ubmVjdG9yU3R5bGUiOnsiJGlkIjoiMzAzIiwiTGluZUNvbG9yIjp7IiRyZWYiOiIxMDEifSwiTGluZVdlaWdodCI6MC4wLCJMaW5lVHlwZSI6MCwiUGFyZW50U3R5bGUiOm51bGx9LCJNYXJnaW4iOm51bGwsIlN0YXJ0RGF0ZVBvc2l0aW9uIjo0LCJFbmREYXRlUG9zaXRpb24iOjQsIkRhdGVJc1Zpc2libGUiOnRydWUsIlRpdGxlUG9zaXRpb24iOjUsIkR1cmF0aW9uUG9zaXRpb24iOjYsIlBlcmNlbnRhZ2VDb21wbGV0ZWRQb3NpdGlvbiI6NiwiU3BhY2luZyI6NSwiSXNCZWxvd1RpbWViYW5kIjp0cnVlLCJQZXJjZW50YWdlQ29tcGxldGVTaGFwZU9wYWNpdHkiOjM1LCJTaGFwZVN0eWxlIjp7IiRpZCI6IjMwNCIsIk1hcmdpbiI6eyIkaWQiOiIzMDUiLCJUb3AiOjAsIkxlZnQiOjQsIlJpZ2h0Ijo0LCJCb3R0b20iOjB9LCJQYWRkaW5nIjp7IiRpZCI6IjMwNiIsIlRvcCI6MCwiTGVmdCI6MCwiUmlnaHQiOjAsIkJvdHRvbSI6MH0sIkJhY2tncm91bmQiOnsiJGlkIjoiMzA3IiwiQ29sb3IiOnsiJGlkIjoiMzA4IiwiQSI6MjU1LCJSIjo2OCwiRyI6ODQsIkIiOjEwNn19LCJJc1Zpc2libGUiOnRydWUsIldpZHRoIjowLjAsIkhlaWdodCI6MTYuMCwiQm9yZGVyU3R5bGUiOnsiJGlkIjoiMzA5IiwiTGluZUNvbG9yIjp7IiRyZWYiOiIxMDkifSwiTGluZVdlaWdodCI6MC4wLCJMaW5lVHlwZSI6MCwiUGFyZW50U3R5bGUiOm51bGx9LCJQYXJlbnRTdHlsZSI6bnVsbH0sIlRpdGxlU3R5bGUiOnsiJGlkIjoiMzEwIiwiRm9udFNldHRpbmdzIjp7IiRpZCI6IjMxMSIsIkZvbnRTaXplIjoxMSwiRm9udE5hbWUiOiJDYWxpYnJpIiwiSXNCb2xkIjp0cnVlLCJJc0l0YWxpYyI6ZmFsc2UsIklzVW5kZXJsaW5lZCI6ZmFsc2UsIlBhcmVudFN0eWxlIjpudWxsfSwiQXV0b1NpemUiOjAsIkZvcmVncm91bmQiOnsiJGlkIjoiMzEyIiwiQ29sb3IiOnsiJHJlZiI6IjExNCJ9fSwiTWF4V2lkdGgiOjk2MC4wLCJNYXhIZWlnaHQiOiJJbmZpbml0eSIsIlNtYXJ0Rm9yZWdyb3VuZElzQWN0aXZlIjpmYWxzZSwiSG9yaXpvbnRhbEFsaWdubWVudCI6MCwiVmVydGljYWxBbGlnbm1lbnQiOjAsIlNtYXJ0Rm9yZWdyb3VuZCI6bnVsbCwiQmFja2dyb3VuZEZpbGxUeXBlIjowLCJNYXJnaW4iOnsiJGlkIjoiMzEzIiwiVG9wIjowLCJMZWZ0IjowLCJSaWdodCI6MCwiQm90dG9tIjowfSwiUGFkZGluZyI6eyIkaWQiOiIzMTQiLCJUb3AiOjAsIkxlZnQiOjAsIlJpZ2h0IjowLCJCb3R0b20iOjB9LCJCYWNrZ3JvdW5kIjp7IiRyZWYiOiIxMTcifSwiSXNWaXNpYmxlIjp0cnVlLCJXaWR0aCI6MC4wLCJIZWlnaHQiOjAuMCwiQm9yZGVyU3R5bGUiOnsiJGlkIjoiMzE1IiwiTGluZUNvbG9yIjpudWxsLCJMaW5lV2VpZ2h0IjowLjAsIkxpbmVUeXBlIjowLCJQYXJlbnRTdHlsZSI6bnVsbH0sIlBhcmVudFN0eWxlIjpudWxsfSwiRGF0ZVN0eWxlIjp7IiRpZCI6IjMxNiIsIkZvbnRTZXR0aW5ncyI6eyIkaWQiOiIzMTciLCJGb250U2l6ZSI6MTAsIkZvbnROYW1lIjoiQ2FsaWJyaSIsIklzQm9sZCI6ZmFsc2UsIklzSXRhbGljIjpmYWxzZSwiSXNVbmRlcmxpbmVkIjpmYWxzZSwiUGFyZW50U3R5bGUiOm51bGx9LCJBdXRvU2l6ZSI6MCwiRm9yZWdyb3VuZCI6eyIkaWQiOiIzMTgiLCJDb2xvciI6eyIkcmVmIjoiMTIxIn19LCJNYXhXaWR0aCI6MjAwLjAsIk1heEhlaWdodCI6IkluZmluaXR5IiwiU21hcnRGb3JlZ3JvdW5kSXNBY3RpdmUiOmZhbHNlLCJIb3Jpem9udGFsQWxpZ25tZW50IjowLCJWZXJ0aWNhbEFsaWdubWVudCI6MCwiU21hcnRGb3JlZ3JvdW5kIjpudWxsLCJCYWNrZ3JvdW5kRmlsbFR5cGUiOjAsIk1hcmdpbiI6eyIkaWQiOiIzMTkiLCJUb3AiOjAsIkxlZnQiOjAsIlJpZ2h0IjowLCJCb3R0b20iOjB9LCJQYWRkaW5nIjp7IiRpZCI6IjMyMCIsIlRvcCI6MCwiTGVmdCI6MCwiUmlnaHQiOjAsIkJvdHRvbSI6MH0sIkJhY2tncm91bmQiOnsiJHJlZiI6IjEyNCJ9LCJJc1Zpc2libGUiOnRydWUsIldpZHRoIjowLjAsIkhlaWdodCI6MC4wLCJCb3JkZXJTdHlsZSI6eyIkaWQiOiIzMjEiLCJMaW5lQ29sb3IiOm51bGwsIkxpbmVXZWlnaHQiOjAuMCwiTGluZVR5cGUiOjAsIlBhcmVudFN0eWxlIjpudWxsfSwiUGFyZW50U3R5bGUiOm51bGx9LCJEYXRlRm9ybWF0Ijp7IiRpZCI6IjMyMiIsIkZvcm1hdFN0cmluZyI6Ik0vZC95eXl5IiwiU2VwYXJhdG9yIjoiLyIsIlVzZUludGVybmF0aW9uYWxEYXRlRm9ybWF0IjpmYWxzZSwiRGF0ZUlzVmlzaWJsZSI6dHJ1ZSwiVGltZUlzVmlzaWJsZSI6ZmFsc2UsIkhvdXJEaWdpdHMiOjEsIkFtUG1EZXNpZ25hdG9yIjoyLCJUcmltMDBNaW51dGVzIjpmYWxzZSwiTGFzdEtub3duVmlzaWJpbGl0eVN0YXRlIjpudWxsfSwiSXNWaXNpYmxlIjp0cnVlLCJQYXJlbnRTdHlsZSI6bnVsbH0sIkluZGV4Ijo2LCJTbWFydER1cmF0aW9uQWN0aXZhdGVkIjpmYWxzZSwiRGF0ZUZvcm1hdCI6eyIkcmVmIjoiMzIyIn0sIklkIjoiMjdhZTQ3NTgtOWJhYy00MGQzLTg0MDktNDA1ZDVhMjhjOWI2IiwiSW1wb3J0SWQiOm51bGwsIlRpdGxlIjoi7IaQIOyduOyLnSDrqqjrk4gg6rCc67CcIiwiTm90ZSI6bnVsbCwiSHlwZXJsaW5rIjpudWxsLCJJc0NoYW5nZWQiOmZhbHNlLCJJc05ldyI6ZmFsc2V9LHsiJGlkIjoiMzIzIiwiR3JvdXBOYW1lIjpudWxsLCJTdGFydERhdGUiOiIyMDE5LTA1LTAxVDAwOjAwOjAwWiIsIkVuZERhdGUiOiIyMDE5LTA1LTMxVDIzOjU5OjAwWiIsIlBlcmNlbnRhZ2VDb21wbGV0ZSI6bnVsbCwiU3R5bGUiOnsiJGlkIjoiMzI0IiwiU2hhcGUiOjAsIlNoYXBlVGhpY2tuZXNzIjoxLCJEdXJhdGlvbkZvcm1hdCI6MCwiSW5jbHVkZU5vbldvcmtpbmdEYXlzSW5EdXJhdGlvbiI6ZmFsc2UsIlBlcmNlbnRhZ2VDb21wbGV0ZVN0eWxlIjp7IiRpZCI6IjMyNSIsIkZvbnRTZXR0aW5ncyI6eyIkaWQiOiIzMjYiLCJGb250U2l6ZSI6MTAsIkZvbnROYW1lIjoiQ2FsaWJyaSIsIklzQm9sZCI6ZmFsc2UsIklzSXRhbGljIjpmYWxzZSwiSXNVbmRlcmxpbmVkIjpmYWxzZSwiUGFyZW50U3R5bGUiOm51bGx9LCJBdXRvU2l6ZSI6MCwiRm9yZWdyb3VuZCI6eyIkcmVmIjoiODUifSwiTWF4V2lkdGgiOjIwMC4wLCJNYXhIZWlnaHQiOiJJbmZpbml0eSIsIlNtYXJ0Rm9yZWdyb3VuZElzQWN0aXZlIjpmYWxzZSwiSG9yaXpvbnRhbEFsaWdubWVudCI6MCwiVmVydGljYWxBbGlnbm1lbnQiOjAsIlNtYXJ0Rm9yZWdyb3VuZCI6bnVsbCwiQmFja2dyb3VuZEZpbGxUeXBlIjowLCJNYXJnaW4iOnsiJHJlZiI6Ijg3In0sIlBhZGRpbmciOnsiJHJlZiI6Ijg4In0sIkJhY2tncm91bmQiOnsiJHJlZiI6Ijg5In0sIklzVmlzaWJsZSI6dHJ1ZSwiV2lkdGgiOjAuMCwiSGVpZ2h0IjowLjAsIkJvcmRlclN0eWxlIjp7IiRpZCI6IjMyNyIsIkxpbmVDb2xvciI6bnVsbCwiTGluZVdlaWdodCI6MC4wLCJMaW5lVHlwZSI6MCwiUGFyZW50U3R5bGUiOm51bGx9LCJQYXJlbnRTdHlsZSI6bnVsbH0sIkR1cmF0aW9uU3R5bGUiOnsiJGlkIjoiMzI4IiwiRm9udFNldHRpbmdzIjp7IiRpZCI6IjMyOSIsIkZvbnRTaXplIjoxMCwiRm9udE5hbWUiOiJDYWxpYnJpIiwiSXNCb2xkIjpmYWxzZSwiSXNJdGFsaWMiOmZhbHNlLCJJc1VuZGVybGluZWQiOmZhbHNlLCJQYXJlbnRTdHlsZSI6bnVsbH0sIkF1dG9TaXplIjowLCJGb3JlZ3JvdW5kIjp7IiRyZWYiOiI5MiJ9LCJNYXhXaWR0aCI6MjAwLjAsIk1heEhlaWdodCI6IkluZmluaXR5IiwiU21hcnRGb3JlZ3JvdW5kSXNBY3RpdmUiOmZhbHNlLCJIb3Jpem9udGFsQWxpZ25tZW50IjowLCJWZXJ0aWNhbEFsaWdubWVudCI6MCwiU21hcnRGb3JlZ3JvdW5kIjpudWxsLCJCYWNrZ3JvdW5kRmlsbFR5cGUiOjAsIk1hcmdpbiI6eyIkcmVmIjoiOTQifSwiUGFkZGluZyI6eyIkcmVmIjoiOTUifSwiQmFja2dyb3VuZCI6eyIkcmVmIjoiOTYifSwiSXNWaXNpYmxlIjp0cnVlLCJXaWR0aCI6MC4wLCJIZWlnaHQiOjAuMCwiQm9yZGVyU3R5bGUiOnsiJGlkIjoiMzMwIiwiTGluZUNvbG9yIjpudWxsLCJMaW5lV2VpZ2h0IjowLjAsIkxpbmVUeXBlIjowLCJQYXJlbnRTdHlsZSI6bnVsbH0sIlBhcmVudFN0eWxlIjpudWxsfSwiSG9yaXpvbnRhbENvbm5lY3RvclN0eWxlIjp7IiRpZCI6IjMzMSIsIkxpbmVDb2xvciI6eyIkcmVmIjoiOTgifSwiTGluZVdlaWdodCI6MS4wLCJMaW5lVHlwZSI6MCwiUGFyZW50U3R5bGUiOm51bGx9LCJWZXJ0aWNhbENvbm5lY3RvclN0eWxlIjp7IiRpZCI6IjMzMiIsIkxpbmVDb2xvciI6eyIkcmVmIjoiMTAxIn0sIkxpbmVXZWlnaHQiOjAuMCwiTGluZVR5cGUiOjAsIlBhcmVudFN0eWxlIjpudWxsfSwiTWFyZ2luIjpudWxsLCJTdGFydERhdGVQb3NpdGlvbiI6NCwiRW5kRGF0ZVBvc2l0aW9uIjo0LCJEYXRlSXNWaXNpYmxlIjp0cnVlLCJUaXRsZVBvc2l0aW9uIjo1LCJEdXJhdGlvblBvc2l0aW9uIjo2LCJQZXJjZW50YWdlQ29tcGxldGVkUG9zaXRpb24iOjYsIlNwYWNpbmciOjUsIklzQmVsb3dUaW1lYmFuZCI6dHJ1ZSwiUGVyY2VudGFnZUNvbXBsZXRlU2hhcGVPcGFjaXR5IjozNSwiU2hhcGVTdHlsZSI6eyIkaWQiOiIzMzMiLCJNYXJnaW4iOnsiJHJlZiI6IjEwNCJ9LCJQYWRkaW5nIjp7IiRyZWYiOiIxMDUifSwiQmFja2dyb3VuZCI6eyIkaWQiOiIzMzQiLCJDb2xvciI6eyIkaWQiOiIzMzUiLCJBIjoyNTUsIlIiOjY4LCJHIjo4NCwiQiI6MTA2fX0sIklzVmlzaWJsZSI6dHJ1ZSwiV2lkdGgiOjAuMCwiSGVpZ2h0IjoxNi4wLCJCb3JkZXJTdHlsZSI6eyIkaWQiOiIzMzYiLCJMaW5lQ29sb3IiOnsiJHJlZiI6IjEwOSJ9LCJMaW5lV2VpZ2h0IjowLjAsIkxpbmVUeXBlIjowLCJQYXJlbnRTdHlsZSI6bnVsbH0sIlBhcmVudFN0eWxlIjpudWxsfSwiVGl0bGVTdHlsZSI6eyIkaWQiOiIzMzciLCJGb250U2V0dGluZ3MiOnsiJGlkIjoiMzM4IiwiRm9udFNpemUiOjExLCJGb250TmFtZSI6IkNhbGlicmkiLCJJc0JvbGQiOnRydWUsIklzSXRhbGljIjpmYWxzZSwiSXNVbmRlcmxpbmVkIjpmYWxzZSwiUGFyZW50U3R5bGUiOm51bGx9LCJBdXRvU2l6ZSI6MCwiRm9yZWdyb3VuZCI6eyIkcmVmIjoiMTEzIn0sIk1heFdpZHRoIjo3MjAuMCwiTWF4SGVpZ2h0IjoiSW5maW5pdHkiLCJTbWFydEZvcmVncm91bmRJc0FjdGl2ZSI6ZmFsc2UsIkhvcml6b250YWxBbGlnbm1lbnQiOjAsIlZlcnRpY2FsQWxpZ25tZW50IjowLCJTbWFydEZvcmVncm91bmQiOm51bGwsIkJhY2tncm91bmRGaWxsVHlwZSI6MCwiTWFyZ2luIjp7IiRyZWYiOiIxMTUifSwiUGFkZGluZyI6eyIkcmVmIjoiMTE2In0sIkJhY2tncm91bmQiOnsiJHJlZiI6IjExNyJ9LCJJc1Zpc2libGUiOnRydWUsIldpZHRoIjowLjAsIkhlaWdodCI6MC4wLCJCb3JkZXJTdHlsZSI6eyIkaWQiOiIzMzkiLCJMaW5lQ29sb3IiOm51bGwsIkxpbmVXZWlnaHQiOjAuMCwiTGluZVR5cGUiOjAsIlBhcmVudFN0eWxlIjpudWxsfSwiUGFyZW50U3R5bGUiOm51bGx9LCJEYXRlU3R5bGUiOnsiJGlkIjoiMzQwIiwiRm9udFNldHRpbmdzIjp7IiRpZCI6IjM0MSIsIkZvbnRTaXplIjoxMCwiRm9udE5hbWUiOiJDYWxpYnJpIiwiSXNCb2xkIjpmYWxzZSwiSXNJdGFsaWMiOmZhbHNlLCJJc1VuZGVybGluZWQiOmZhbHNlLCJQYXJlbnRTdHlsZSI6bnVsbH0sIkF1dG9TaXplIjowLCJGb3JlZ3JvdW5kIjp7IiRyZWYiOiIxMjAifSwiTWF4V2lkdGgiOjIwMC4wLCJNYXhIZWlnaHQiOiJJbmZpbml0eSIsIlNtYXJ0Rm9yZWdyb3VuZElzQWN0aXZlIjpmYWxzZSwiSG9yaXpvbnRhbEFsaWdubWVudCI6MCwiVmVydGljYWxBbGlnbm1lbnQiOjAsIlNtYXJ0Rm9yZWdyb3VuZCI6bnVsbCwiQmFja2dyb3VuZEZpbGxUeXBlIjowLCJNYXJnaW4iOnsiJHJlZiI6IjEyMiJ9LCJQYWRkaW5nIjp7IiRyZWYiOiIxMjMifSwiQmFja2dyb3VuZCI6eyIkcmVmIjoiMTI0In0sIklzVmlzaWJsZSI6dHJ1ZSwiV2lkdGgiOjAuMCwiSGVpZ2h0IjowLjAsIkJvcmRlclN0eWxlIjp7IiRpZCI6IjM0MiIsIkxpbmVDb2xvciI6bnVsbCwiTGluZVdlaWdodCI6MC4wLCJMaW5lVHlwZSI6MCwiUGFyZW50U3R5bGUiOm51bGx9LCJQYXJlbnRTdHlsZSI6bnVsbH0sIkRhdGVGb3JtYXQiOnsiJHJlZiI6IjEyNSJ9LCJJc1Zpc2libGUiOnRydWUsIlBhcmVudFN0eWxlIjpudWxsfSwiSW5kZXgiOjcsIlNtYXJ0RHVyYXRpb25BY3RpdmF0ZWQiOmZhbHNlLCJEYXRlRm9ybWF0Ijp7IiRyZWYiOiIxMjUifSwiSWQiOiI4MmZiM2M0NS1hZTVmLTRjMWUtYThlYi0yNWZiOTZiMjc2NDgiLCJJbXBvcnRJZCI6bnVsbCwiVGl0bGUiOiLsnZjrpZgg6rSA66asIOuqqOuTiCDqsJzrsJwiLCJOb3RlIjpudWxsLCJIeXBlcmxpbmsiOm51bGwsIklzQ2hhbmdlZCI6ZmFsc2UsIklzTmV3IjpmYWxzZX0seyIkaWQiOiIzNDMiLCJHcm91cE5hbWUiOm51bGwsIlN0YXJ0RGF0ZSI6IjIwMTktMDUtMDFUMDA6MDA6MDBaIiwiRW5kRGF0ZSI6IjIwMTktMDUtMzFUMjM6NTk6MDBaIiwiUGVyY2VudGFnZUNvbXBsZXRlIjpudWxsLCJTdHlsZSI6eyIkaWQiOiIzNDQiLCJTaGFwZSI6MCwiU2hhcGVUaGlja25lc3MiOjEsIkR1cmF0aW9uRm9ybWF0IjowLCJJbmNsdWRlTm9uV29ya2luZ0RheXNJbkR1cmF0aW9uIjpmYWxzZSwiUGVyY2VudGFnZUNvbXBsZXRlU3R5bGUiOnsiJGlkIjoiMzQ1IiwiRm9udFNldHRpbmdzIjp7IiRpZCI6IjM0NiIsIkZvbnRTaXplIjoxMCwiRm9udE5hbWUiOiJDYWxpYnJpIiwiSXNCb2xkIjpmYWxzZSwiSXNJdGFsaWMiOmZhbHNlLCJJc1VuZGVybGluZWQiOmZhbHNlLCJQYXJlbnRTdHlsZSI6bnVsbH0sIkF1dG9TaXplIjowLCJGb3JlZ3JvdW5kIjp7IiRpZCI6IjM0NyIsIkNvbG9yIjp7IiRyZWYiOiI4NiJ9fSwiTWF4V2lkdGgiOjIwMC4wLCJNYXhIZWlnaHQiOiJJbmZpbml0eSIsIlNtYXJ0Rm9yZWdyb3VuZElzQWN0aXZlIjpmYWxzZSwiSG9yaXpvbnRhbEFsaWdubWVudCI6MCwiVmVydGljYWxBbGlnbm1lbnQiOjAsIlNtYXJ0Rm9yZWdyb3VuZCI6bnVsbCwiQmFja2dyb3VuZEZpbGxUeXBlIjowLCJNYXJnaW4iOnsiJGlkIjoiMzQ4IiwiVG9wIjowLCJMZWZ0IjowLCJSaWdodCI6MCwiQm90dG9tIjowfSwiUGFkZGluZyI6eyIkaWQiOiIzNDkiLCJUb3AiOjAsIkxlZnQiOjAsIlJpZ2h0IjowLCJCb3R0b20iOjB9LCJCYWNrZ3JvdW5kIjp7IiRyZWYiOiI4OSJ9LCJJc1Zpc2libGUiOnRydWUsIldpZHRoIjowLjAsIkhlaWdodCI6MC4wLCJCb3JkZXJTdHlsZSI6eyIkaWQiOiIzNTAiLCJMaW5lQ29sb3IiOm51bGwsIkxpbmVXZWlnaHQiOjAuMCwiTGluZVR5cGUiOjAsIlBhcmVudFN0eWxlIjpudWxsfSwiUGFyZW50U3R5bGUiOm51bGx9LCJEdXJhdGlvblN0eWxlIjp7IiRpZCI6IjM1MSIsIkZvbnRTZXR0aW5ncyI6eyIkaWQiOiIzNTIiLCJGb250U2l6ZSI6MTAsIkZvbnROYW1lIjoiQ2FsaWJyaSIsIklzQm9sZCI6ZmFsc2UsIklzSXRhbGljIjpmYWxzZSwiSXNVbmRlcmxpbmVkIjpmYWxzZSwiUGFyZW50U3R5bGUiOm51bGx9LCJBdXRvU2l6ZSI6MCwiRm9yZWdyb3VuZCI6eyIkaWQiOiIzNTMiLCJDb2xvciI6eyIkcmVmIjoiOTMifX0sIk1heFdpZHRoIjoyMDAuMCwiTWF4SGVpZ2h0IjoiSW5maW5pdHkiLCJTbWFydEZvcmVncm91bmRJc0FjdGl2ZSI6ZmFsc2UsIkhvcml6b250YWxBbGlnbm1lbnQiOjAsIlZlcnRpY2FsQWxpZ25tZW50IjowLCJTbWFydEZvcmVncm91bmQiOm51bGwsIkJhY2tncm91bmRGaWxsVHlwZSI6MCwiTWFyZ2luIjp7IiRpZCI6IjM1NCIsIlRvcCI6MCwiTGVmdCI6MCwiUmlnaHQiOjAsIkJvdHRvbSI6MH0sIlBhZGRpbmciOnsiJGlkIjoiMzU1IiwiVG9wIjowLCJMZWZ0IjowLCJSaWdodCI6MCwiQm90dG9tIjowfSwiQmFja2dyb3VuZCI6eyIkcmVmIjoiOTYifSwiSXNWaXNpYmxlIjp0cnVlLCJXaWR0aCI6MC4wLCJIZWlnaHQiOjAuMCwiQm9yZGVyU3R5bGUiOnsiJGlkIjoiMzU2IiwiTGluZUNvbG9yIjpudWxsLCJMaW5lV2VpZ2h0IjowLjAsIkxpbmVUeXBlIjowLCJQYXJlbnRTdHlsZSI6bnVsbH0sIlBhcmVudFN0eWxlIjpudWxsfSwiSG9yaXpvbnRhbENvbm5lY3RvclN0eWxlIjp7IiRpZCI6IjM1NyIsIkxpbmVDb2xvciI6eyIkcmVmIjoiOTgifSwiTGluZVdlaWdodCI6MS4wLCJMaW5lVHlwZSI6MCwiUGFyZW50U3R5bGUiOm51bGx9LCJWZXJ0aWNhbENvbm5lY3RvclN0eWxlIjp7IiRpZCI6IjM1OCIsIkxpbmVDb2xvciI6eyIkcmVmIjoiMTAxIn0sIkxpbmVXZWlnaHQiOjAuMCwiTGluZVR5cGUiOjAsIlBhcmVudFN0eWxlIjpudWxsfSwiTWFyZ2luIjpudWxsLCJTdGFydERhdGVQb3NpdGlvbiI6NCwiRW5kRGF0ZVBvc2l0aW9uIjo0LCJEYXRlSXNWaXNpYmxlIjp0cnVlLCJUaXRsZVBvc2l0aW9uIjo1LCJEdXJhdGlvblBvc2l0aW9uIjo2LCJQZXJjZW50YWdlQ29tcGxldGVkUG9zaXRpb24iOjYsIlNwYWNpbmciOjUsIklzQmVsb3dUaW1lYmFuZCI6dHJ1ZSwiUGVyY2VudGFnZUNvbXBsZXRlU2hhcGVPcGFjaXR5IjozNSwiU2hhcGVTdHlsZSI6eyIkaWQiOiIzNTkiLCJNYXJnaW4iOnsiJGlkIjoiMzYwIiwiVG9wIjowLCJMZWZ0Ijo0LCJSaWdodCI6NCwiQm90dG9tIjowfSwiUGFkZGluZyI6eyIkaWQiOiIzNjEiLCJUb3AiOjAsIkxlZnQiOjAsIlJpZ2h0IjowLCJCb3R0b20iOjB9LCJCYWNrZ3JvdW5kIjp7IiRpZCI6IjM2MiIsIkNvbG9yIjp7IiRpZCI6IjM2MyIsIkEiOjI1NSwiUiI6NjgsIkciOjg0LCJCIjoxMDZ9fSwiSXNWaXNpYmxlIjp0cnVlLCJXaWR0aCI6MC4wLCJIZWlnaHQiOjE2LjAsIkJvcmRlclN0eWxlIjp7IiRpZCI6IjM2NCIsIkxpbmVDb2xvciI6eyIkcmVmIjoiMTA5In0sIkxpbmVXZWlnaHQiOjAuMCwiTGluZVR5cGUiOjAsIlBhcmVudFN0eWxlIjpudWxsfSwiUGFyZW50U3R5bGUiOm51bGx9LCJUaXRsZVN0eWxlIjp7IiRpZCI6IjM2NSIsIkZvbnRTZXR0aW5ncyI6eyIkaWQiOiIzNjYiLCJGb250U2l6ZSI6MTEsIkZvbnROYW1lIjoiQ2FsaWJyaSIsIklzQm9sZCI6dHJ1ZSwiSXNJdGFsaWMiOmZhbHNlLCJJc1VuZGVybGluZWQiOmZhbHNlLCJQYXJlbnRTdHlsZSI6bnVsbH0sIkF1dG9TaXplIjowLCJGb3JlZ3JvdW5kIjp7IiRpZCI6IjM2NyIsIkNvbG9yIjp7IiRyZWYiOiIxMTQifX0sIk1heFdpZHRoIjo5NjAuMCwiTWF4SGVpZ2h0IjoiSW5maW5pdHkiLCJTbWFydEZvcmVncm91bmRJc0FjdGl2ZSI6ZmFsc2UsIkhvcml6b250YWxBbGlnbm1lbnQiOjAsIlZlcnRpY2FsQWxpZ25tZW50IjowLCJTbWFydEZvcmVncm91bmQiOm51bGwsIkJhY2tncm91bmRGaWxsVHlwZSI6MCwiTWFyZ2luIjp7IiRpZCI6IjM2OCIsIlRvcCI6MCwiTGVmdCI6MCwiUmlnaHQiOjAsIkJvdHRvbSI6MH0sIlBhZGRpbmciOnsiJGlkIjoiMzY5IiwiVG9wIjowLCJMZWZ0IjowLCJSaWdodCI6MCwiQm90dG9tIjowfSwiQmFja2dyb3VuZCI6eyIkcmVmIjoiMTE3In0sIklzVmlzaWJsZSI6dHJ1ZSwiV2lkdGgiOjAuMCwiSGVpZ2h0IjowLjAsIkJvcmRlclN0eWxlIjp7IiRpZCI6IjM3MCIsIkxpbmVDb2xvciI6bnVsbCwiTGluZVdlaWdodCI6MC4wLCJMaW5lVHlwZSI6MCwiUGFyZW50U3R5bGUiOm51bGx9LCJQYXJlbnRTdHlsZSI6bnVsbH0sIkRhdGVTdHlsZSI6eyIkaWQiOiIzNzEiLCJGb250U2V0dGluZ3MiOnsiJGlkIjoiMzcyIiwiRm9udFNpemUiOjEwLCJGb250TmFtZSI6IkNhbGlicmkiLCJJc0JvbGQiOmZhbHNlLCJJc0l0YWxpYyI6ZmFsc2UsIklzVW5kZXJsaW5lZCI6ZmFsc2UsIlBhcmVudFN0eWxlIjpudWxsfSwiQXV0b1NpemUiOjAsIkZvcmVncm91bmQiOnsiJGlkIjoiMzczIiwiQ29sb3IiOnsiJHJlZiI6IjEyMSJ9fSwiTWF4V2lkdGgiOjIwMC4wLCJNYXhIZWlnaHQiOiJJbmZpbml0eSIsIlNtYXJ0Rm9yZWdyb3VuZElzQWN0aXZlIjpmYWxzZSwiSG9yaXpvbnRhbEFsaWdubWVudCI6MCwiVmVydGljYWxBbGlnbm1lbnQiOjAsIlNtYXJ0Rm9yZWdyb3VuZCI6bnVsbCwiQmFja2dyb3VuZEZpbGxUeXBlIjowLCJNYXJnaW4iOnsiJGlkIjoiMzc0IiwiVG9wIjowLCJMZWZ0IjowLCJSaWdodCI6MCwiQm90dG9tIjowfSwiUGFkZGluZyI6eyIkaWQiOiIzNzUiLCJUb3AiOjAsIkxlZnQiOjAsIlJpZ2h0IjowLCJCb3R0b20iOjB9LCJCYWNrZ3JvdW5kIjp7IiRyZWYiOiIxMjQifSwiSXNWaXNpYmxlIjp0cnVlLCJXaWR0aCI6MC4wLCJIZWlnaHQiOjAuMCwiQm9yZGVyU3R5bGUiOnsiJGlkIjoiMzc2IiwiTGluZUNvbG9yIjpudWxsLCJMaW5lV2VpZ2h0IjowLjAsIkxpbmVUeXBlIjowLCJQYXJlbnRTdHlsZSI6bnVsbH0sIlBhcmVudFN0eWxlIjpudWxsfSwiRGF0ZUZvcm1hdCI6eyIkaWQiOiIzNzciLCJGb3JtYXRTdHJpbmciOiJNL2QveXl5eSIsIlNlcGFyYXRvciI6Ii8iLCJVc2VJbnRlcm5hdGlvbmFsRGF0ZUZvcm1hdCI6ZmFsc2UsIkRhdGVJc1Zpc2libGUiOnRydWUsIlRpbWVJc1Zpc2libGUiOmZhbHNlLCJIb3VyRGlnaXRzIjoxLCJBbVBtRGVzaWduYXRvciI6MiwiVHJpbTAwTWludXRlcyI6ZmFsc2UsIkxhc3RLbm93blZpc2liaWxpdHlTdGF0ZSI6bnVsbH0sIklzVmlzaWJsZSI6dHJ1ZSwiUGFyZW50U3R5bGUiOm51bGx9LCJJbmRleCI6OCwiU21hcnREdXJhdGlvbkFjdGl2YXRlZCI6ZmFsc2UsIkRhdGVGb3JtYXQiOnsiJHJlZiI6IjM3NyJ9LCJJZCI6ImU2NzZkZDVjLThkNjUtNDc3NS04OGI2LWQ1NmI0ZTczZWUwYyIsIkltcG9ydElkIjpudWxsLCJUaXRsZSI6IuyLoOyytCDsnbjsi50g66qo65OIIOqwnOuwnCIsIk5vdGUiOm51bGwsIkh5cGVybGluayI6bnVsbCwiSXNDaGFuZ2VkIjpmYWxzZSwiSXNOZXciOmZhbHNlfSx7IiRpZCI6IjM3OCIsIkdyb3VwTmFtZSI6bnVsbCwiU3RhcnREYXRlIjoiMjAxOS0wNi0wMVQwMDowMDowMFoiLCJFbmREYXRlIjoiMjAxOS0wNy0zMVQyMzo1OTowMFoiLCJQZXJjZW50YWdlQ29tcGxldGUiOm51bGwsIlN0eWxlIjp7IiRpZCI6IjM3OSIsIlNoYXBlIjowLCJTaGFwZVRoaWNrbmVzcyI6MSwiRHVyYXRpb25Gb3JtYXQiOjAsIkluY2x1ZGVOb25Xb3JraW5nRGF5c0luRHVyYXRpb24iOmZhbHNlLCJQZXJjZW50YWdlQ29tcGxldGVTdHlsZSI6eyIkaWQiOiIzODAiLCJGb250U2V0dGluZ3MiOnsiJGlkIjoiMzgxIiwiRm9udFNpemUiOjEwLCJGb250TmFtZSI6IkNhbGlicmkiLCJJc0JvbGQiOmZhbHNlLCJJc0l0YWxpYyI6ZmFsc2UsIklzVW5kZXJsaW5lZCI6ZmFsc2UsIlBhcmVudFN0eWxlIjpudWxsfSwiQXV0b1NpemUiOjAsIkZvcmVncm91bmQiOnsiJGlkIjoiMzgyIiwiQ29sb3IiOnsiJHJlZiI6Ijg2In19LCJNYXhXaWR0aCI6MjAwLjAsIk1heEhlaWdodCI6IkluZmluaXR5IiwiU21hcnRGb3JlZ3JvdW5kSXNBY3RpdmUiOmZhbHNlLCJIb3Jpem9udGFsQWxpZ25tZW50IjowLCJWZXJ0aWNhbEFsaWdubWVudCI6MCwiU21hcnRGb3JlZ3JvdW5kIjpudWxsLCJCYWNrZ3JvdW5kRmlsbFR5cGUiOjAsIk1hcmdpbiI6eyIkaWQiOiIzODMiLCJUb3AiOjAsIkxlZnQiOjAsIlJpZ2h0IjowLCJCb3R0b20iOjB9LCJQYWRkaW5nIjp7IiRpZCI6IjM4NCIsIlRvcCI6MCwiTGVmdCI6MCwiUmlnaHQiOjAsIkJvdHRvbSI6MH0sIkJhY2tncm91bmQiOnsiJHJlZiI6Ijg5In0sIklzVmlzaWJsZSI6dHJ1ZSwiV2lkdGgiOjAuMCwiSGVpZ2h0IjowLjAsIkJvcmRlclN0eWxlIjp7IiRpZCI6IjM4NSIsIkxpbmVDb2xvciI6bnVsbCwiTGluZVdlaWdodCI6MC4wLCJMaW5lVHlwZSI6MCwiUGFyZW50U3R5bGUiOm51bGx9LCJQYXJlbnRTdHlsZSI6bnVsbH0sIkR1cmF0aW9uU3R5bGUiOnsiJGlkIjoiMzg2IiwiRm9udFNldHRpbmdzIjp7IiRpZCI6IjM4NyIsIkZvbnRTaXplIjoxMCwiRm9udE5hbWUiOiJDYWxpYnJpIiwiSXNCb2xkIjpmYWxzZSwiSXNJdGFsaWMiOmZhbHNlLCJJc1VuZGVybGluZWQiOmZhbHNlLCJQYXJlbnRTdHlsZSI6bnVsbH0sIkF1dG9TaXplIjowLCJGb3JlZ3JvdW5kIjp7IiRpZCI6IjM4OCIsIkNvbG9yIjp7IiRyZWYiOiI5MyJ9fSwiTWF4V2lkdGgiOjIwMC4wLCJNYXhIZWlnaHQiOiJJbmZpbml0eSIsIlNtYXJ0Rm9yZWdyb3VuZElzQWN0aXZlIjpmYWxzZSwiSG9yaXpvbnRhbEFsaWdubWVudCI6MCwiVmVydGljYWxBbGlnbm1lbnQiOjAsIlNtYXJ0Rm9yZWdyb3VuZCI6bnVsbCwiQmFja2dyb3VuZEZpbGxUeXBlIjowLCJNYXJnaW4iOnsiJGlkIjoiMzg5IiwiVG9wIjowLCJMZWZ0IjowLCJSaWdodCI6MCwiQm90dG9tIjowfSwiUGFkZGluZyI6eyIkaWQiOiIzOTAiLCJUb3AiOjAsIkxlZnQiOjAsIlJpZ2h0IjowLCJCb3R0b20iOjB9LCJCYWNrZ3JvdW5kIjp7IiRyZWYiOiI5NiJ9LCJJc1Zpc2libGUiOnRydWUsIldpZHRoIjowLjAsIkhlaWdodCI6MC4wLCJCb3JkZXJTdHlsZSI6eyIkaWQiOiIzOTEiLCJMaW5lQ29sb3IiOm51bGwsIkxpbmVXZWlnaHQiOjAuMCwiTGluZVR5cGUiOjAsIlBhcmVudFN0eWxlIjpudWxsfSwiUGFyZW50U3R5bGUiOm51bGx9LCJIb3Jpem9udGFsQ29ubmVjdG9yU3R5bGUiOnsiJGlkIjoiMzkyIiwiTGluZUNvbG9yIjp7IiRyZWYiOiI5OCJ9LCJMaW5lV2VpZ2h0IjoxLjAsIkxpbmVUeXBlIjowLCJQYXJlbnRTdHlsZSI6bnVsbH0sIlZlcnRpY2FsQ29ubmVjdG9yU3R5bGUiOnsiJGlkIjoiMzkzIiwiTGluZUNvbG9yIjp7IiRyZWYiOiIxMDEifSwiTGluZVdlaWdodCI6MC4wLCJMaW5lVHlwZSI6MCwiUGFyZW50U3R5bGUiOm51bGx9LCJNYXJnaW4iOm51bGwsIlN0YXJ0RGF0ZVBvc2l0aW9uIjo0LCJFbmREYXRlUG9zaXRpb24iOjQsIkRhdGVJc1Zpc2libGUiOnRydWUsIlRpdGxlUG9zaXRpb24iOjUsIkR1cmF0aW9uUG9zaXRpb24iOjYsIlBlcmNlbnRhZ2VDb21wbGV0ZWRQb3NpdGlvbiI6NiwiU3BhY2luZyI6NSwiSXNCZWxvd1RpbWViYW5kIjp0cnVlLCJQZXJjZW50YWdlQ29tcGxldGVTaGFwZU9wYWNpdHkiOjM1LCJTaGFwZVN0eWxlIjp7IiRpZCI6IjM5NCIsIk1hcmdpbiI6eyIkaWQiOiIzOTUiLCJUb3AiOjAsIkxlZnQiOjQsIlJpZ2h0Ijo0LCJCb3R0b20iOjB9LCJQYWRkaW5nIjp7IiRpZCI6IjM5NiIsIlRvcCI6MCwiTGVmdCI6MCwiUmlnaHQiOjAsIkJvdHRvbSI6MH0sIkJhY2tncm91bmQiOnsiJGlkIjoiMzk3IiwiQ29sb3IiOnsiJGlkIjoiMzk4IiwiQSI6MjU1LCJSIjo2OCwiRyI6ODQsIkIiOjEwNn19LCJJc1Zpc2libGUiOnRydWUsIldpZHRoIjowLjAsIkhlaWdodCI6MTYuMCwiQm9yZGVyU3R5bGUiOnsiJGlkIjoiMzk5IiwiTGluZUNvbG9yIjp7IiRyZWYiOiIxMDkifSwiTGluZVdlaWdodCI6MC4wLCJMaW5lVHlwZSI6MCwiUGFyZW50U3R5bGUiOm51bGx9LCJQYXJlbnRTdHlsZSI6bnVsbH0sIlRpdGxlU3R5bGUiOnsiJGlkIjoiNDAwIiwiRm9udFNldHRpbmdzIjp7IiRpZCI6IjQwMSIsIkZvbnRTaXplIjoxMSwiRm9udE5hbWUiOiJDYWxpYnJpIiwiSXNCb2xkIjp0cnVlLCJJc0l0YWxpYyI6ZmFsc2UsIklzVW5kZXJsaW5lZCI6ZmFsc2UsIlBhcmVudFN0eWxlIjpudWxsfSwiQXV0b1NpemUiOjAsIkZvcmVncm91bmQiOnsiJGlkIjoiNDAyIiwiQ29sb3IiOnsiJHJlZiI6IjExNCJ9fSwiTWF4V2lkdGgiOjcyMC4wLCJNYXhIZWlnaHQiOiJJbmZpbml0eSIsIlNtYXJ0Rm9yZWdyb3VuZElzQWN0aXZlIjpmYWxzZSwiSG9yaXpvbnRhbEFsaWdubWVudCI6MCwiVmVydGljYWxBbGlnbm1lbnQiOjAsIlNtYXJ0Rm9yZWdyb3VuZCI6bnVsbCwiQmFja2dyb3VuZEZpbGxUeXBlIjowLCJNYXJnaW4iOnsiJGlkIjoiNDAzIiwiVG9wIjowLCJMZWZ0IjowLCJSaWdodCI6MCwiQm90dG9tIjowfSwiUGFkZGluZyI6eyIkaWQiOiI0MDQiLCJUb3AiOjAsIkxlZnQiOjAsIlJpZ2h0IjowLCJCb3R0b20iOjB9LCJCYWNrZ3JvdW5kIjp7IiRyZWYiOiIxMTcifSwiSXNWaXNpYmxlIjp0cnVlLCJXaWR0aCI6MC4wLCJIZWlnaHQiOjAuMCwiQm9yZGVyU3R5bGUiOnsiJGlkIjoiNDA1IiwiTGluZUNvbG9yIjpudWxsLCJMaW5lV2VpZ2h0IjowLjAsIkxpbmVUeXBlIjowLCJQYXJlbnRTdHlsZSI6bnVsbH0sIlBhcmVudFN0eWxlIjpudWxsfSwiRGF0ZVN0eWxlIjp7IiRpZCI6IjQwNiIsIkZvbnRTZXR0aW5ncyI6eyIkaWQiOiI0MDciLCJGb250U2l6ZSI6MTAsIkZvbnROYW1lIjoiQ2FsaWJyaSIsIklzQm9sZCI6ZmFsc2UsIklzSXRhbGljIjpmYWxzZSwiSXNVbmRlcmxpbmVkIjpmYWxzZSwiUGFyZW50U3R5bGUiOm51bGx9LCJBdXRvU2l6ZSI6MCwiRm9yZWdyb3VuZCI6eyIkaWQiOiI0MDgiLCJDb2xvciI6eyIkcmVmIjoiMTIxIn19LCJNYXhXaWR0aCI6MjAwLjAsIk1heEhlaWdodCI6IkluZmluaXR5IiwiU21hcnRGb3JlZ3JvdW5kSXNBY3RpdmUiOmZhbHNlLCJIb3Jpem9udGFsQWxpZ25tZW50IjowLCJWZXJ0aWNhbEFsaWdubWVudCI6MCwiU21hcnRGb3JlZ3JvdW5kIjpudWxsLCJCYWNrZ3JvdW5kRmlsbFR5cGUiOjAsIk1hcmdpbiI6eyIkaWQiOiI0MDkiLCJUb3AiOjAsIkxlZnQiOjAsIlJpZ2h0IjowLCJCb3R0b20iOjB9LCJQYWRkaW5nIjp7IiRpZCI6IjQxMCIsIlRvcCI6MCwiTGVmdCI6MCwiUmlnaHQiOjAsIkJvdHRvbSI6MH0sIkJhY2tncm91bmQiOnsiJHJlZiI6IjEyNCJ9LCJJc1Zpc2libGUiOnRydWUsIldpZHRoIjowLjAsIkhlaWdodCI6MC4wLCJCb3JkZXJTdHlsZSI6eyIkaWQiOiI0MTEiLCJMaW5lQ29sb3IiOm51bGwsIkxpbmVXZWlnaHQiOjAuMCwiTGluZVR5cGUiOjAsIlBhcmVudFN0eWxlIjpudWxsfSwiUGFyZW50U3R5bGUiOm51bGx9LCJEYXRlRm9ybWF0Ijp7IiRpZCI6IjQxMiIsIkZvcm1hdFN0cmluZyI6Ik0vZC95eXl5IiwiU2VwYXJhdG9yIjoiLyIsIlVzZUludGVybmF0aW9uYWxEYXRlRm9ybWF0IjpmYWxzZSwiRGF0ZUlzVmlzaWJsZSI6dHJ1ZSwiVGltZUlzVmlzaWJsZSI6ZmFsc2UsIkhvdXJEaWdpdHMiOjEsIkFtUG1EZXNpZ25hdG9yIjoyLCJUcmltMDBNaW51dGVzIjpmYWxzZSwiTGFzdEtub3duVmlzaWJpbGl0eVN0YXRlIjpudWxsfSwiSXNWaXNpYmxlIjp0cnVlLCJQYXJlbnRTdHlsZSI6bnVsbH0sIkluZGV4Ijo5LCJTbWFydER1cmF0aW9uQWN0aXZhdGVkIjpmYWxzZSwiRGF0ZUZvcm1hdCI6eyIkcmVmIjoiNDEyIn0sIklkIjoiNTU4NzE1NjYtYWNiNC00NzlmLWE1OTMtYzRkNzVmYWJhNWYzIiwiSW1wb3J0SWQiOm51bGwsIlRpdGxlIjoiQVIg66qo642466eBIOuwjyDstpzroKUg7ZWo7IiYIOqwnOuwnCIsIk5vdGUiOm51bGwsIkh5cGVybGluayI6bnVsbCwiSXNDaGFuZ2VkIjpmYWxzZSwiSXNOZXciOmZhbHNlfSx7IiRpZCI6IjQxMyIsIkdyb3VwTmFtZSI6bnVsbCwiU3RhcnREYXRlIjoiMjAxOS0wNi0wMVQwMDowMDowMFoiLCJFbmREYXRlIjoiMjAxOS0wNi0xOVQyMzo1OTowMFoiLCJQZXJjZW50YWdlQ29tcGxldGUiOm51bGwsIlN0eWxlIjp7IiRpZCI6IjQxNCIsIlNoYXBlIjowLCJTaGFwZVRoaWNrbmVzcyI6MSwiRHVyYXRpb25Gb3JtYXQiOjAsIkluY2x1ZGVOb25Xb3JraW5nRGF5c0luRHVyYXRpb24iOmZhbHNlLCJQZXJjZW50YWdlQ29tcGxldGVTdHlsZSI6eyIkaWQiOiI0MTUiLCJGb250U2V0dGluZ3MiOnsiJGlkIjoiNDE2IiwiRm9udFNpemUiOjEwLCJGb250TmFtZSI6IkNhbGlicmkiLCJJc0JvbGQiOmZhbHNlLCJJc0l0YWxpYyI6ZmFsc2UsIklzVW5kZXJsaW5lZCI6ZmFsc2UsIlBhcmVudFN0eWxlIjpudWxsfSwiQXV0b1NpemUiOjAsIkZvcmVncm91bmQiOnsiJHJlZiI6Ijg1In0sIk1heFdpZHRoIjoyMDAuMCwiTWF4SGVpZ2h0IjoiSW5maW5pdHkiLCJTbWFydEZvcmVncm91bmRJc0FjdGl2ZSI6ZmFsc2UsIkhvcml6b250YWxBbGlnbm1lbnQiOjAsIlZlcnRpY2FsQWxpZ25tZW50IjowLCJTbWFydEZvcmVncm91bmQiOm51bGwsIkJhY2tncm91bmRGaWxsVHlwZSI6MCwiTWFyZ2luIjp7IiRyZWYiOiI4NyJ9LCJQYWRkaW5nIjp7IiRyZWYiOiI4OCJ9LCJCYWNrZ3JvdW5kIjp7IiRyZWYiOiI4OSJ9LCJJc1Zpc2libGUiOnRydWUsIldpZHRoIjowLjAsIkhlaWdodCI6MC4wLCJCb3JkZXJTdHlsZSI6eyIkaWQiOiI0MTciLCJMaW5lQ29sb3IiOm51bGwsIkxpbmVXZWlnaHQiOjAuMCwiTGluZVR5cGUiOjAsIlBhcmVudFN0eWxlIjpudWxsfSwiUGFyZW50U3R5bGUiOm51bGx9LCJEdXJhdGlvblN0eWxlIjp7IiRpZCI6IjQxOCIsIkZvbnRTZXR0aW5ncyI6eyIkaWQiOiI0MTkiLCJGb250U2l6ZSI6MTAsIkZvbnROYW1lIjoiQ2FsaWJyaSIsIklzQm9sZCI6ZmFsc2UsIklzSXRhbGljIjpmYWxzZSwiSXNVbmRlcmxpbmVkIjpmYWxzZSwiUGFyZW50U3R5bGUiOm51bGx9LCJBdXRvU2l6ZSI6MCwiRm9yZWdyb3VuZCI6eyIkcmVmIjoiOTIifSwiTWF4V2lkdGgiOjIwMC4wLCJNYXhIZWlnaHQiOiJJbmZpbml0eSIsIlNtYXJ0Rm9yZWdyb3VuZElzQWN0aXZlIjpmYWxzZSwiSG9yaXpvbnRhbEFsaWdubWVudCI6MCwiVmVydGljYWxBbGlnbm1lbnQiOjAsIlNtYXJ0Rm9yZWdyb3VuZCI6bnVsbCwiQmFja2dyb3VuZEZpbGxUeXBlIjowLCJNYXJnaW4iOnsiJHJlZiI6Ijk0In0sIlBhZGRpbmciOnsiJHJlZiI6Ijk1In0sIkJhY2tncm91bmQiOnsiJHJlZiI6Ijk2In0sIklzVmlzaWJsZSI6dHJ1ZSwiV2lkdGgiOjAuMCwiSGVpZ2h0IjowLjAsIkJvcmRlclN0eWxlIjp7IiRpZCI6IjQyMCIsIkxpbmVDb2xvciI6bnVsbCwiTGluZVdlaWdodCI6MC4wLCJMaW5lVHlwZSI6MCwiUGFyZW50U3R5bGUiOm51bGx9LCJQYXJlbnRTdHlsZSI6bnVsbH0sIkhvcml6b250YWxDb25uZWN0b3JTdHlsZSI6eyIkaWQiOiI0MjEiLCJMaW5lQ29sb3IiOnsiJHJlZiI6Ijk4In0sIkxpbmVXZWlnaHQiOjEuMCwiTGluZVR5cGUiOjAsIlBhcmVudFN0eWxlIjpudWxsfSwiVmVydGljYWxDb25uZWN0b3JTdHlsZSI6eyIkaWQiOiI0MjIiLCJMaW5lQ29sb3IiOnsiJHJlZiI6IjEwMSJ9LCJMaW5lV2VpZ2h0IjowLjAsIkxpbmVUeXBlIjowLCJQYXJlbnRTdHlsZSI6bnVsbH0sIk1hcmdpbiI6bnVsbCwiU3RhcnREYXRlUG9zaXRpb24iOjQsIkVuZERhdGVQb3NpdGlvbiI6NCwiRGF0ZUlzVmlzaWJsZSI6dHJ1ZSwiVGl0bGVQb3NpdGlvbiI6NSwiRHVyYXRpb25Qb3NpdGlvbiI6NiwiUGVyY2VudGFnZUNvbXBsZXRlZFBvc2l0aW9uIjo2LCJTcGFjaW5nIjo1LCJJc0JlbG93VGltZWJhbmQiOnRydWUsIlBlcmNlbnRhZ2VDb21wbGV0ZVNoYXBlT3BhY2l0eSI6MzUsIlNoYXBlU3R5bGUiOnsiJGlkIjoiNDIzIiwiTWFyZ2luIjp7IiRyZWYiOiIxMDQifSwiUGFkZGluZyI6eyIkcmVmIjoiMTA1In0sIkJhY2tncm91bmQiOnsiJGlkIjoiNDI0IiwiQ29sb3IiOnsiJGlkIjoiNDI1IiwiQSI6MjU1LCJSIjoyNTUsIkciOjE5MiwiQiI6MH19LCJJc1Zpc2libGUiOnRydWUsIldpZHRoIjowLjAsIkhlaWdodCI6MTYuMCwiQm9yZGVyU3R5bGUiOnsiJGlkIjoiNDI2IiwiTGluZUNvbG9yIjp7IiRyZWYiOiIxMDkifSwiTGluZVdlaWdodCI6MC4wLCJMaW5lVHlwZSI6MCwiUGFyZW50U3R5bGUiOm51bGx9LCJQYXJlbnRTdHlsZSI6bnVsbH0sIlRpdGxlU3R5bGUiOnsiJGlkIjoiNDI3IiwiRm9udFNldHRpbmdzIjp7IiRpZCI6IjQyOCIsIkZvbnRTaXplIjoxMSwiRm9udE5hbWUiOiJDYWxpYnJpIiwiSXNCb2xkIjp0cnVlLCJJc0l0YWxpYyI6ZmFsc2UsIklzVW5kZXJsaW5lZCI6ZmFsc2UsIlBhcmVudFN0eWxlIjpudWxsfSwiQXV0b1NpemUiOjAsIkZvcmVncm91bmQiOnsiJHJlZiI6IjExMyJ9LCJNYXhXaWR0aCI6NzIwLjAsIk1heEhlaWdodCI6IkluZmluaXR5IiwiU21hcnRGb3JlZ3JvdW5kSXNBY3RpdmUiOmZhbHNlLCJIb3Jpem9udGFsQWxpZ25tZW50IjowLCJWZXJ0aWNhbEFsaWdubWVudCI6MCwiU21hcnRGb3JlZ3JvdW5kIjpudWxsLCJCYWNrZ3JvdW5kRmlsbFR5cGUiOjAsIk1hcmdpbiI6eyIkcmVmIjoiMTE1In0sIlBhZGRpbmciOnsiJHJlZiI6IjExNiJ9LCJCYWNrZ3JvdW5kIjp7IiRyZWYiOiIxMTcifSwiSXNWaXNpYmxlIjp0cnVlLCJXaWR0aCI6MC4wLCJIZWlnaHQiOjAuMCwiQm9yZGVyU3R5bGUiOnsiJGlkIjoiNDI5IiwiTGluZUNvbG9yIjpudWxsLCJMaW5lV2VpZ2h0IjowLjAsIkxpbmVUeXBlIjowLCJQYXJlbnRTdHlsZSI6bnVsbH0sIlBhcmVudFN0eWxlIjpudWxsfSwiRGF0ZVN0eWxlIjp7IiRpZCI6IjQzMCIsIkZvbnRTZXR0aW5ncyI6eyIkaWQiOiI0MzEiLCJGb250U2l6ZSI6MTAsIkZvbnROYW1lIjoiQ2FsaWJyaSIsIklzQm9sZCI6ZmFsc2UsIklzSXRhbGljIjpmYWxzZSwiSXNVbmRlcmxpbmVkIjpmYWxzZSwiUGFyZW50U3R5bGUiOm51bGx9LCJBdXRvU2l6ZSI6MCwiRm9yZWdyb3VuZCI6eyIkcmVmIjoiMTIwIn0sIk1heFdpZHRoIjoyMDAuMCwiTWF4SGVpZ2h0IjoiSW5maW5pdHkiLCJTbWFydEZvcmVncm91bmRJc0FjdGl2ZSI6ZmFsc2UsIkhvcml6b250YWxBbGlnbm1lbnQiOjAsIlZlcnRpY2FsQWxpZ25tZW50IjowLCJTbWFydEZvcmVncm91bmQiOm51bGwsIkJhY2tncm91bmRGaWxsVHlwZSI6MCwiTWFyZ2luIjp7IiRyZWYiOiIxMjIifSwiUGFkZGluZyI6eyIkcmVmIjoiMTIzIn0sIkJhY2tncm91bmQiOnsiJHJlZiI6IjEyNCJ9LCJJc1Zpc2libGUiOnRydWUsIldpZHRoIjowLjAsIkhlaWdodCI6MC4wLCJCb3JkZXJTdHlsZSI6eyIkaWQiOiI0MzIiLCJMaW5lQ29sb3IiOm51bGwsIkxpbmVXZWlnaHQiOjAuMCwiTGluZVR5cGUiOjAsIlBhcmVudFN0eWxlIjpudWxsfSwiUGFyZW50U3R5bGUiOm51bGx9LCJEYXRlRm9ybWF0Ijp7IiRyZWYiOiIxMjUifSwiSXNWaXNpYmxlIjp0cnVlLCJQYXJlbnRTdHlsZSI6bnVsbH0sIkluZGV4IjoxMCwiU21hcnREdXJhdGlvbkFjdGl2YXRlZCI6ZmFsc2UsIkRhdGVGb3JtYXQiOnsiJHJlZiI6IjEyNSJ9LCJJZCI6Ijg2MGM4MDdlLTRmY2UtNDViNC1hMDdiLTg4ZmI1ZTUzNzE2NSIsIkltcG9ydElkIjpudWxsLCJUaXRsZSI6IuuplOyduCDrqqjrk4gg7Jyg7KeAL+uztOyImCIsIk5vdGUiOm51bGwsIkh5cGVybGluayI6bnVsbCwiSXNDaGFuZ2VkIjpmYWxzZSwiSXNOZXciOmZhbHNlfSx7IiRpZCI6IjQzMyIsIkdyb3VwTmFtZSI6bnVsbCwiU3RhcnREYXRlIjoiMjAxOS0wNi0wNVQwMDowMDowMFoiLCJFbmREYXRlIjoiMjAxOS0wNi0xOVQyMzo1OTowMCIsIlBlcmNlbnRhZ2VDb21wbGV0ZSI6bnVsbCwiU3R5bGUiOnsiJGlkIjoiNDM0IiwiU2hhcGUiOjAsIlNoYXBlVGhpY2tuZXNzIjoxLCJEdXJhdGlvbkZvcm1hdCI6MCwiSW5jbHVkZU5vbldvcmtpbmdEYXlzSW5EdXJhdGlvbiI6ZmFsc2UsIlBlcmNlbnRhZ2VDb21wbGV0ZVN0eWxlIjp7IiRpZCI6IjQzNSIsIkZvbnRTZXR0aW5ncyI6eyIkaWQiOiI0MzYiLCJGb250U2l6ZSI6MTAsIkZvbnROYW1lIjoiQ2FsaWJyaSIsIklzQm9sZCI6ZmFsc2UsIklzSXRhbGljIjpmYWxzZSwiSXNVbmRlcmxpbmVkIjpmYWxzZSwiUGFyZW50U3R5bGUiOm51bGx9LCJBdXRvU2l6ZSI6MCwiRm9yZWdyb3VuZCI6eyIkaWQiOiI0MzciLCJDb2xvciI6eyIkcmVmIjoiODYifX0sIk1heFdpZHRoIjoyMDAuMCwiTWF4SGVpZ2h0IjoiSW5maW5pdHkiLCJTbWFydEZvcmVncm91bmRJc0FjdGl2ZSI6ZmFsc2UsIkhvcml6b250YWxBbGlnbm1lbnQiOjAsIlZlcnRpY2FsQWxpZ25tZW50IjowLCJTbWFydEZvcmVncm91bmQiOm51bGwsIkJhY2tncm91bmRGaWxsVHlwZSI6MCwiTWFyZ2luIjp7IiRpZCI6IjQzOCIsIlRvcCI6MCwiTGVmdCI6MCwiUmlnaHQiOjAsIkJvdHRvbSI6MH0sIlBhZGRpbmciOnsiJGlkIjoiNDM5IiwiVG9wIjowLCJMZWZ0IjowLCJSaWdodCI6MCwiQm90dG9tIjowfSwiQmFja2dyb3VuZCI6eyIkcmVmIjoiODkifSwiSXNWaXNpYmxlIjp0cnVlLCJXaWR0aCI6MC4wLCJIZWlnaHQiOjAuMCwiQm9yZGVyU3R5bGUiOnsiJGlkIjoiNDQwIiwiTGluZUNvbG9yIjpudWxsLCJMaW5lV2VpZ2h0IjowLjAsIkxpbmVUeXBlIjowLCJQYXJlbnRTdHlsZSI6bnVsbH0sIlBhcmVudFN0eWxlIjpudWxsfSwiRHVyYXRpb25TdHlsZSI6eyIkaWQiOiI0NDEiLCJGb250U2V0dGluZ3MiOnsiJGlkIjoiNDQyIiwiRm9udFNpemUiOjEwLCJGb250TmFtZSI6IkNhbGlicmkiLCJJc0JvbGQiOmZhbHNlLCJJc0l0YWxpYyI6ZmFsc2UsIklzVW5kZXJsaW5lZCI6ZmFsc2UsIlBhcmVudFN0eWxlIjpudWxsfSwiQXV0b1NpemUiOjAsIkZvcmVncm91bmQiOnsiJGlkIjoiNDQzIiwiQ29sb3IiOnsiJHJlZiI6IjkzIn19LCJNYXhXaWR0aCI6MjAwLjAsIk1heEhlaWdodCI6IkluZmluaXR5IiwiU21hcnRGb3JlZ3JvdW5kSXNBY3RpdmUiOmZhbHNlLCJIb3Jpem9udGFsQWxpZ25tZW50IjowLCJWZXJ0aWNhbEFsaWdubWVudCI6MCwiU21hcnRGb3JlZ3JvdW5kIjpudWxsLCJCYWNrZ3JvdW5kRmlsbFR5cGUiOjAsIk1hcmdpbiI6eyIkaWQiOiI0NDQiLCJUb3AiOjAsIkxlZnQiOjAsIlJpZ2h0IjowLCJCb3R0b20iOjB9LCJQYWRkaW5nIjp7IiRpZCI6IjQ0NSIsIlRvcCI6MCwiTGVmdCI6MCwiUmlnaHQiOjAsIkJvdHRvbSI6MH0sIkJhY2tncm91bmQiOnsiJHJlZiI6Ijk2In0sIklzVmlzaWJsZSI6dHJ1ZSwiV2lkdGgiOjAuMCwiSGVpZ2h0IjowLjAsIkJvcmRlclN0eWxlIjp7IiRpZCI6IjQ0NiIsIkxpbmVDb2xvciI6bnVsbCwiTGluZVdlaWdodCI6MC4wLCJMaW5lVHlwZSI6MCwiUGFyZW50U3R5bGUiOm51bGx9LCJQYXJlbnRTdHlsZSI6bnVsbH0sIkhvcml6b250YWxDb25uZWN0b3JTdHlsZSI6eyIkaWQiOiI0NDciLCJMaW5lQ29sb3IiOnsiJHJlZiI6Ijk4In0sIkxpbmVXZWlnaHQiOjEuMCwiTGluZVR5cGUiOjAsIlBhcmVudFN0eWxlIjpudWxsfSwiVmVydGljYWxDb25uZWN0b3JTdHlsZSI6eyIkaWQiOiI0NDgiLCJMaW5lQ29sb3IiOnsiJHJlZiI6IjEwMSJ9LCJMaW5lV2VpZ2h0IjowLjAsIkxpbmVUeXBlIjowLCJQYXJlbnRTdHlsZSI6bnVsbH0sIk1hcmdpbiI6bnVsbCwiU3RhcnREYXRlUG9zaXRpb24iOjQsIkVuZERhdGVQb3NpdGlvbiI6NCwiRGF0ZUlzVmlzaWJsZSI6dHJ1ZSwiVGl0bGVQb3NpdGlvbiI6NSwiRHVyYXRpb25Qb3NpdGlvbiI6NiwiUGVyY2VudGFnZUNvbXBsZXRlZFBvc2l0aW9uIjo2LCJTcGFjaW5nIjo1LCJJc0JlbG93VGltZWJhbmQiOnRydWUsIlBlcmNlbnRhZ2VDb21wbGV0ZVNoYXBlT3BhY2l0eSI6MzUsIlNoYXBlU3R5bGUiOnsiJGlkIjoiNDQ5IiwiTWFyZ2luIjp7IiRpZCI6IjQ1MCIsIlRvcCI6MCwiTGVmdCI6NCwiUmlnaHQiOjQsIkJvdHRvbSI6MH0sIlBhZGRpbmciOnsiJGlkIjoiNDUxIiwiVG9wIjowLCJMZWZ0IjowLCJSaWdodCI6MCwiQm90dG9tIjowfSwiQmFja2dyb3VuZCI6eyIkaWQiOiI0NTIiLCJDb2xvciI6eyIkaWQiOiI0NTMiLCJBIjoyNTUsIlIiOjkxLCJHIjoxNTUsIkIiOjIxM319LCJJc1Zpc2libGUiOnRydWUsIldpZHRoIjowLjAsIkhlaWdodCI6MTYuMCwiQm9yZGVyU3R5bGUiOnsiJGlkIjoiNDU0IiwiTGluZUNvbG9yIjp7IiRyZWYiOiIxMDkifSwiTGluZVdlaWdodCI6MC4wLCJMaW5lVHlwZSI6MCwiUGFyZW50U3R5bGUiOm51bGx9LCJQYXJlbnRTdHlsZSI6bnVsbH0sIlRpdGxlU3R5bGUiOnsiJGlkIjoiNDU1IiwiRm9udFNldHRpbmdzIjp7IiRpZCI6IjQ1NiIsIkZvbnRTaXplIjoxMSwiRm9udE5hbWUiOiJDYWxpYnJpIiwiSXNCb2xkIjp0cnVlLCJJc0l0YWxpYyI6ZmFsc2UsIklzVW5kZXJsaW5lZCI6ZmFsc2UsIlBhcmVudFN0eWxlIjpudWxsfSwiQXV0b1NpemUiOjAsIkZvcmVncm91bmQiOnsiJGlkIjoiNDU3IiwiQ29sb3IiOnsiJHJlZiI6IjExNCJ9fSwiTWF4V2lkdGgiOjcyMC4wLCJNYXhIZWlnaHQiOiJJbmZpbml0eSIsIlNtYXJ0Rm9yZWdyb3VuZElzQWN0aXZlIjpmYWxzZSwiSG9yaXpvbnRhbEFsaWdubWVudCI6MCwiVmVydGljYWxBbGlnbm1lbnQiOjAsIlNtYXJ0Rm9yZWdyb3VuZCI6bnVsbCwiQmFja2dyb3VuZEZpbGxUeXBlIjowLCJNYXJnaW4iOnsiJGlkIjoiNDU4IiwiVG9wIjowLCJMZWZ0IjowLCJSaWdodCI6MCwiQm90dG9tIjowfSwiUGFkZGluZyI6eyIkaWQiOiI0NTkiLCJUb3AiOjAsIkxlZnQiOjAsIlJpZ2h0IjowLCJCb3R0b20iOjB9LCJCYWNrZ3JvdW5kIjp7IiRyZWYiOiIxMTcifSwiSXNWaXNpYmxlIjp0cnVlLCJXaWR0aCI6MC4wLCJIZWlnaHQiOjAuMCwiQm9yZGVyU3R5bGUiOnsiJGlkIjoiNDYwIiwiTGluZUNvbG9yIjpudWxsLCJMaW5lV2VpZ2h0IjowLjAsIkxpbmVUeXBlIjowLCJQYXJlbnRTdHlsZSI6bnVsbH0sIlBhcmVudFN0eWxlIjpudWxsfSwiRGF0ZVN0eWxlIjp7IiRpZCI6IjQ2MSIsIkZvbnRTZXR0aW5ncyI6eyIkaWQiOiI0NjIiLCJGb250U2l6ZSI6MTAsIkZvbnROYW1lIjoiQ2FsaWJyaSIsIklzQm9sZCI6ZmFsc2UsIklzSXRhbGljIjpmYWxzZSwiSXNVbmRlcmxpbmVkIjpmYWxzZSwiUGFyZW50U3R5bGUiOm51bGx9LCJBdXRvU2l6ZSI6MCwiRm9yZWdyb3VuZCI6eyIkaWQiOiI0NjMiLCJDb2xvciI6eyIkcmVmIjoiMTIxIn19LCJNYXhXaWR0aCI6MjAwLjAsIk1heEhlaWdodCI6IkluZmluaXR5IiwiU21hcnRGb3JlZ3JvdW5kSXNBY3RpdmUiOmZhbHNlLCJIb3Jpem9udGFsQWxpZ25tZW50IjowLCJWZXJ0aWNhbEFsaWdubWVudCI6MCwiU21hcnRGb3JlZ3JvdW5kIjpudWxsLCJCYWNrZ3JvdW5kRmlsbFR5cGUiOjAsIk1hcmdpbiI6eyIkaWQiOiI0NjQiLCJUb3AiOjAsIkxlZnQiOjAsIlJpZ2h0IjowLCJCb3R0b20iOjB9LCJQYWRkaW5nIjp7IiRpZCI6IjQ2NSIsIlRvcCI6MCwiTGVmdCI6MCwiUmlnaHQiOjAsIkJvdHRvbSI6MH0sIkJhY2tncm91bmQiOnsiJHJlZiI6IjEyNCJ9LCJJc1Zpc2libGUiOnRydWUsIldpZHRoIjowLjAsIkhlaWdodCI6MC4wLCJCb3JkZXJTdHlsZSI6eyIkaWQiOiI0NjYiLCJMaW5lQ29sb3IiOm51bGwsIkxpbmVXZWlnaHQiOjAuMCwiTGluZVR5cGUiOjAsIlBhcmVudFN0eWxlIjpudWxsfSwiUGFyZW50U3R5bGUiOm51bGx9LCJEYXRlRm9ybWF0Ijp7IiRpZCI6IjQ2NyIsIkZvcm1hdFN0cmluZyI6Ik0vZC95eXl5IiwiU2VwYXJhdG9yIjoiLyIsIlVzZUludGVybmF0aW9uYWxEYXRlRm9ybWF0IjpmYWxzZSwiRGF0ZUlzVmlzaWJsZSI6dHJ1ZSwiVGltZUlzVmlzaWJsZSI6ZmFsc2UsIkhvdXJEaWdpdHMiOjEsIkFtUG1EZXNpZ25hdG9yIjoyLCJUcmltMDBNaW51dGVzIjpmYWxzZSwiTGFzdEtub3duVmlzaWJpbGl0eVN0YXRlIjpudWxsfSwiSXNWaXNpYmxlIjp0cnVlLCJQYXJlbnRTdHlsZSI6bnVsbH0sIkluZGV4IjoxMSwiU21hcnREdXJhdGlvbkFjdGl2YXRlZCI6ZmFsc2UsIkRhdGVGb3JtYXQiOnsiJHJlZiI6IjQ2NyJ9LCJJZCI6IjIyZjM5ZmI4LTI5OTQtNDkxMS1hYWM2LTBmZjI5NTg3ZWZkNCIsIkltcG9ydElkIjpudWxsLCJUaXRsZSI6Iuy1nOyihSDrs7Tqs6DshJwg7J6R7ISxIOuwjyDtlLzrk5zrsLEiLCJOb3RlIjpudWxsLCJIeXBlcmxpbmsiOm51bGwsIklzQ2hhbmdlZCI6ZmFsc2UsIklzTmV3IjpmYWxzZX0seyIkaWQiOiI0NjgiLCJHcm91cE5hbWUiOm51bGwsIlN0YXJ0RGF0ZSI6IjIwMTktMDgtMDFUMDA6MDA6MDBaIiwiRW5kRGF0ZSI6IjIwMTktMDgtMzFUMjM6NTk6MDBaIiwiUGVyY2VudGFnZUNvbXBsZXRlIjpudWxsLCJTdHlsZSI6eyIkaWQiOiI0NjkiLCJTaGFwZSI6MCwiU2hhcGVUaGlja25lc3MiOjEsIkR1cmF0aW9uRm9ybWF0IjowLCJJbmNsdWRlTm9uV29ya2luZ0RheXNJbkR1cmF0aW9uIjpmYWxzZSwiUGVyY2VudGFnZUNvbXBsZXRlU3R5bGUiOnsiJGlkIjoiNDcwIiwiRm9udFNldHRpbmdzIjp7IiRpZCI6IjQ3MSIsIkZvbnRTaXplIjoxMCwiRm9udE5hbWUiOiJDYWxpYnJpIiwiSXNCb2xkIjpmYWxzZSwiSXNJdGFsaWMiOmZhbHNlLCJJc1VuZGVybGluZWQiOmZhbHNlLCJQYXJlbnRTdHlsZSI6bnVsbH0sIkF1dG9TaXplIjowLCJGb3JlZ3JvdW5kIjp7IiRyZWYiOiI4NSJ9LCJNYXhXaWR0aCI6MjAwLjAsIk1heEhlaWdodCI6IkluZmluaXR5IiwiU21hcnRGb3JlZ3JvdW5kSXNBY3RpdmUiOmZhbHNlLCJIb3Jpem9udGFsQWxpZ25tZW50IjowLCJWZXJ0aWNhbEFsaWdubWVudCI6MCwiU21hcnRGb3JlZ3JvdW5kIjpudWxsLCJCYWNrZ3JvdW5kRmlsbFR5cGUiOjAsIk1hcmdpbiI6eyIkcmVmIjoiODcifSwiUGFkZGluZyI6eyIkcmVmIjoiODgifSwiQmFja2dyb3VuZCI6eyIkcmVmIjoiODkifSwiSXNWaXNpYmxlIjp0cnVlLCJXaWR0aCI6MC4wLCJIZWlnaHQiOjAuMCwiQm9yZGVyU3R5bGUiOnsiJGlkIjoiNDcyIiwiTGluZUNvbG9yIjpudWxsLCJMaW5lV2VpZ2h0IjowLjAsIkxpbmVUeXBlIjowLCJQYXJlbnRTdHlsZSI6bnVsbH0sIlBhcmVudFN0eWxlIjpudWxsfSwiRHVyYXRpb25TdHlsZSI6eyIkaWQiOiI0NzMiLCJGb250U2V0dGluZ3MiOnsiJGlkIjoiNDc0IiwiRm9udFNpemUiOjEwLCJGb250TmFtZSI6IkNhbGlicmkiLCJJc0JvbGQiOmZhbHNlLCJJc0l0YWxpYyI6ZmFsc2UsIklzVW5kZXJsaW5lZCI6ZmFsc2UsIlBhcmVudFN0eWxlIjpudWxsfSwiQXV0b1NpemUiOjAsIkZvcmVncm91bmQiOnsiJHJlZiI6IjkyIn0sIk1heFdpZHRoIjoyMDAuMCwiTWF4SGVpZ2h0IjoiSW5maW5pdHkiLCJTbWFydEZvcmVncm91bmRJc0FjdGl2ZSI6ZmFsc2UsIkhvcml6b250YWxBbGlnbm1lbnQiOjAsIlZlcnRpY2FsQWxpZ25tZW50IjowLCJTbWFydEZvcmVncm91bmQiOm51bGwsIkJhY2tncm91bmRGaWxsVHlwZSI6MCwiTWFyZ2luIjp7IiRyZWYiOiI5NCJ9LCJQYWRkaW5nIjp7IiRyZWYiOiI5NSJ9LCJCYWNrZ3JvdW5kIjp7IiRyZWYiOiI5NiJ9LCJJc1Zpc2libGUiOnRydWUsIldpZHRoIjowLjAsIkhlaWdodCI6MC4wLCJCb3JkZXJTdHlsZSI6eyIkaWQiOiI0NzUiLCJMaW5lQ29sb3IiOm51bGwsIkxpbmVXZWlnaHQiOjAuMCwiTGluZVR5cGUiOjAsIlBhcmVudFN0eWxlIjpudWxsfSwiUGFyZW50U3R5bGUiOm51bGx9LCJIb3Jpem9udGFsQ29ubmVjdG9yU3R5bGUiOnsiJGlkIjoiNDc2IiwiTGluZUNvbG9yIjp7IiRyZWYiOiI5OCJ9LCJMaW5lV2VpZ2h0IjoxLjAsIkxpbmVUeXBlIjowLCJQYXJlbnRTdHlsZSI6bnVsbH0sIlZlcnRpY2FsQ29ubmVjdG9yU3R5bGUiOnsiJGlkIjoiNDc3IiwiTGluZUNvbG9yIjp7IiRyZWYiOiIxMDEifSwiTGluZVdlaWdodCI6MC4wLCJMaW5lVHlwZSI6MCwiUGFyZW50U3R5bGUiOm51bGx9LCJNYXJnaW4iOm51bGwsIlN0YXJ0RGF0ZVBvc2l0aW9uIjo0LCJFbmREYXRlUG9zaXRpb24iOjQsIkRhdGVJc1Zpc2libGUiOnRydWUsIlRpdGxlUG9zaXRpb24iOjUsIkR1cmF0aW9uUG9zaXRpb24iOjYsIlBlcmNlbnRhZ2VDb21wbGV0ZWRQb3NpdGlvbiI6NiwiU3BhY2luZyI6NSwiSXNCZWxvd1RpbWViYW5kIjp0cnVlLCJQZXJjZW50YWdlQ29tcGxldGVTaGFwZU9wYWNpdHkiOjM1LCJTaGFwZVN0eWxlIjp7IiRpZCI6IjQ3OCIsIk1hcmdpbiI6eyIkcmVmIjoiMTA0In0sIlBhZGRpbmciOnsiJHJlZiI6IjEwNSJ9LCJCYWNrZ3JvdW5kIjp7IiRpZCI6IjQ3OSIsIkNvbG9yIjp7IiRpZCI6IjQ4MCIsIkEiOjI1NSwiUiI6MjM3LCJHIjoxMjUsIkIiOjQ5fX0sIklzVmlzaWJsZSI6dHJ1ZSwiV2lkdGgiOjAuMCwiSGVpZ2h0IjoxNi4wLCJCb3JkZXJTdHlsZSI6eyIkaWQiOiI0ODEiLCJMaW5lQ29sb3IiOnsiJHJlZiI6IjEwOSJ9LCJMaW5lV2VpZ2h0IjowLjAsIkxpbmVUeXBlIjowLCJQYXJlbnRTdHlsZSI6bnVsbH0sIlBhcmVudFN0eWxlIjpudWxsfSwiVGl0bGVTdHlsZSI6eyIkaWQiOiI0ODIiLCJGb250U2V0dGluZ3MiOnsiJGlkIjoiNDgzIiwiRm9udFNpemUiOjExLCJGb250TmFtZSI6IkNhbGlicmkiLCJJc0JvbGQiOnRydWUsIklzSXRhbGljIjpmYWxzZSwiSXNVbmRlcmxpbmVkIjpmYWxzZSwiUGFyZW50U3R5bGUiOm51bGx9LCJBdXRvU2l6ZSI6MCwiRm9yZWdyb3VuZCI6eyIkcmVmIjoiMTEzIn0sIk1heFdpZHRoIjo3MjAuMCwiTWF4SGVpZ2h0IjoiSW5maW5pdHkiLCJTbWFydEZvcmVncm91bmRJc0FjdGl2ZSI6ZmFsc2UsIkhvcml6b250YWxBbGlnbm1lbnQiOjAsIlZlcnRpY2FsQWxpZ25tZW50IjowLCJTbWFydEZvcmVncm91bmQiOm51bGwsIkJhY2tncm91bmRGaWxsVHlwZSI6MCwiTWFyZ2luIjp7IiRyZWYiOiIxMTUifSwiUGFkZGluZyI6eyIkcmVmIjoiMTE2In0sIkJhY2tncm91bmQiOnsiJHJlZiI6IjExNyJ9LCJJc1Zpc2libGUiOnRydWUsIldpZHRoIjowLjAsIkhlaWdodCI6MC4wLCJCb3JkZXJTdHlsZSI6eyIkaWQiOiI0ODQiLCJMaW5lQ29sb3IiOm51bGwsIkxpbmVXZWlnaHQiOjAuMCwiTGluZVR5cGUiOjAsIlBhcmVudFN0eWxlIjpudWxsfSwiUGFyZW50U3R5bGUiOm51bGx9LCJEYXRlU3R5bGUiOnsiJGlkIjoiNDg1IiwiRm9udFNldHRpbmdzIjp7IiRpZCI6IjQ4NiIsIkZvbnRTaXplIjoxMCwiRm9udE5hbWUiOiJDYWxpYnJpIiwiSXNCb2xkIjpmYWxzZSwiSXNJdGFsaWMiOmZhbHNlLCJJc1VuZGVybGluZWQiOmZhbHNlLCJQYXJlbnRTdHlsZSI6bnVsbH0sIkF1dG9TaXplIjowLCJGb3JlZ3JvdW5kIjp7IiRyZWYiOiIxMjAifSwiTWF4V2lkdGgiOjIwMC4wLCJNYXhIZWlnaHQiOiJJbmZpbml0eSIsIlNtYXJ0Rm9yZWdyb3VuZElzQWN0aXZlIjpmYWxzZSwiSG9yaXpvbnRhbEFsaWdubWVudCI6MCwiVmVydGljYWxBbGlnbm1lbnQiOjAsIlNtYXJ0Rm9yZWdyb3VuZCI6bnVsbCwiQmFja2dyb3VuZEZpbGxUeXBlIjowLCJNYXJnaW4iOnsiJHJlZiI6IjEyMiJ9LCJQYWRkaW5nIjp7IiRyZWYiOiIxMjMifSwiQmFja2dyb3VuZCI6eyIkcmVmIjoiMTI0In0sIklzVmlzaWJsZSI6dHJ1ZSwiV2lkdGgiOjAuMCwiSGVpZ2h0IjowLjAsIkJvcmRlclN0eWxlIjp7IiRpZCI6IjQ4NyIsIkxpbmVDb2xvciI6bnVsbCwiTGluZVdlaWdodCI6MC4wLCJMaW5lVHlwZSI6MCwiUGFyZW50U3R5bGUiOm51bGx9LCJQYXJlbnRTdHlsZSI6bnVsbH0sIkRhdGVGb3JtYXQiOnsiJHJlZiI6IjEyNSJ9LCJJc1Zpc2libGUiOnRydWUsIlBhcmVudFN0eWxlIjpudWxsfSwiSW5kZXgiOjEyLCJTbWFydER1cmF0aW9uQWN0aXZhdGVkIjpmYWxzZSwiRGF0ZUZvcm1hdCI6eyIkcmVmIjoiMTI1In0sIklkIjoiNTQ5ZWZkZDItZjJkYS00YWRjLWJhNzYtNmY0ZThjYjZjMTg0IiwiSW1wb3J0SWQiOm51bGwsIlRpdGxlIjoi7Iug7LK0IOyduOyLnSDrqqjrk4gg7ISx64qlIO2WpeyDgSIsIk5vdGUiOm51bGwsIkh5cGVybGluayI6bnVsbCwiSXNDaGFuZ2VkIjpmYWxzZSwiSXNOZXciOmZhbHNlfSx7IiRpZCI6IjQ4OCIsIkdyb3VwTmFtZSI6bnVsbCwiU3RhcnREYXRlIjoiMjAxOS0wOC0wMVQwMDowMDowMFoiLCJFbmREYXRlIjoiMjAxOS0wOC0zMVQyMzo1OTowMFoiLCJQZXJjZW50YWdlQ29tcGxldGUiOm51bGwsIlN0eWxlIjp7IiRpZCI6IjQ4OSIsIlNoYXBlIjowLCJTaGFwZVRoaWNrbmVzcyI6MSwiRHVyYXRpb25Gb3JtYXQiOjAsIkluY2x1ZGVOb25Xb3JraW5nRGF5c0luRHVyYXRpb24iOmZhbHNlLCJQZXJjZW50YWdlQ29tcGxldGVTdHlsZSI6eyIkaWQiOiI0OTAiLCJGb250U2V0dGluZ3MiOnsiJGlkIjoiNDkxIiwiRm9udFNpemUiOjEwLCJGb250TmFtZSI6IkNhbGlicmkiLCJJc0JvbGQiOmZhbHNlLCJJc0l0YWxpYyI6ZmFsc2UsIklzVW5kZXJsaW5lZCI6ZmFsc2UsIlBhcmVudFN0eWxlIjpudWxsfSwiQXV0b1NpemUiOjAsIkZvcmVncm91bmQiOnsiJHJlZiI6Ijg1In0sIk1heFdpZHRoIjoyMDAuMCwiTWF4SGVpZ2h0IjoiSW5maW5pdHkiLCJTbWFydEZvcmVncm91bmRJc0FjdGl2ZSI6ZmFsc2UsIkhvcml6b250YWxBbGlnbm1lbnQiOjAsIlZlcnRpY2FsQWxpZ25tZW50IjowLCJTbWFydEZvcmVncm91bmQiOm51bGwsIkJhY2tncm91bmRGaWxsVHlwZSI6MCwiTWFyZ2luIjp7IiRyZWYiOiI4NyJ9LCJQYWRkaW5nIjp7IiRyZWYiOiI4OCJ9LCJCYWNrZ3JvdW5kIjp7IiRyZWYiOiI4OSJ9LCJJc1Zpc2libGUiOnRydWUsIldpZHRoIjowLjAsIkhlaWdodCI6MC4wLCJCb3JkZXJTdHlsZSI6eyIkaWQiOiI0OTIiLCJMaW5lQ29sb3IiOm51bGwsIkxpbmVXZWlnaHQiOjAuMCwiTGluZVR5cGUiOjAsIlBhcmVudFN0eWxlIjpudWxsfSwiUGFyZW50U3R5bGUiOm51bGx9LCJEdXJhdGlvblN0eWxlIjp7IiRpZCI6IjQ5MyIsIkZvbnRTZXR0aW5ncyI6eyIkaWQiOiI0OTQiLCJGb250U2l6ZSI6MTAsIkZvbnROYW1lIjoiQ2FsaWJyaSIsIklzQm9sZCI6ZmFsc2UsIklzSXRhbGljIjpmYWxzZSwiSXNVbmRlcmxpbmVkIjpmYWxzZSwiUGFyZW50U3R5bGUiOm51bGx9LCJBdXRvU2l6ZSI6MCwiRm9yZWdyb3VuZCI6eyIkcmVmIjoiOTIifSwiTWF4V2lkdGgiOjIwMC4wLCJNYXhIZWlnaHQiOiJJbmZpbml0eSIsIlNtYXJ0Rm9yZWdyb3VuZElzQWN0aXZlIjpmYWxzZSwiSG9yaXpvbnRhbEFsaWdubWVudCI6MCwiVmVydGljYWxBbGlnbm1lbnQiOjAsIlNtYXJ0Rm9yZWdyb3VuZCI6bnVsbCwiQmFja2dyb3VuZEZpbGxUeXBlIjowLCJNYXJnaW4iOnsiJHJlZiI6Ijk0In0sIlBhZGRpbmciOnsiJHJlZiI6Ijk1In0sIkJhY2tncm91bmQiOnsiJHJlZiI6Ijk2In0sIklzVmlzaWJsZSI6dHJ1ZSwiV2lkdGgiOjAuMCwiSGVpZ2h0IjowLjAsIkJvcmRlclN0eWxlIjp7IiRpZCI6IjQ5NSIsIkxpbmVDb2xvciI6bnVsbCwiTGluZVdlaWdodCI6MC4wLCJMaW5lVHlwZSI6MCwiUGFyZW50U3R5bGUiOm51bGx9LCJQYXJlbnRTdHlsZSI6bnVsbH0sIkhvcml6b250YWxDb25uZWN0b3JTdHlsZSI6eyIkaWQiOiI0OTYiLCJMaW5lQ29sb3IiOnsiJHJlZiI6Ijk4In0sIkxpbmVXZWlnaHQiOjEuMCwiTGluZVR5cGUiOjAsIlBhcmVudFN0eWxlIjpudWxsfSwiVmVydGljYWxDb25uZWN0b3JTdHlsZSI6eyIkaWQiOiI0OTciLCJMaW5lQ29sb3IiOnsiJHJlZiI6IjEwMSJ9LCJMaW5lV2VpZ2h0IjowLjAsIkxpbmVUeXBlIjowLCJQYXJlbnRTdHlsZSI6bnVsbH0sIk1hcmdpbiI6bnVsbCwiU3RhcnREYXRlUG9zaXRpb24iOjQsIkVuZERhdGVQb3NpdGlvbiI6NCwiRGF0ZUlzVmlzaWJsZSI6dHJ1ZSwiVGl0bGVQb3NpdGlvbiI6NSwiRHVyYXRpb25Qb3NpdGlvbiI6NiwiUGVyY2VudGFnZUNvbXBsZXRlZFBvc2l0aW9uIjo2LCJTcGFjaW5nIjo1LCJJc0JlbG93VGltZWJhbmQiOnRydWUsIlBlcmNlbnRhZ2VDb21wbGV0ZVNoYXBlT3BhY2l0eSI6MzUsIlNoYXBlU3R5bGUiOnsiJGlkIjoiNDk4IiwiTWFyZ2luIjp7IiRyZWYiOiIxMDQifSwiUGFkZGluZyI6eyIkcmVmIjoiMTA1In0sIkJhY2tncm91bmQiOnsiJGlkIjoiNDk5IiwiQ29sb3IiOnsiJGlkIjoiNTAwIiwiQSI6MjU1LCJSIjoyMzcsIkciOjEyNSwiQiI6NDl9fSwiSXNWaXNpYmxlIjp0cnVlLCJXaWR0aCI6MC4wLCJIZWlnaHQiOjE2LjAsIkJvcmRlclN0eWxlIjp7IiRpZCI6IjUwMSIsIkxpbmVDb2xvciI6eyIkcmVmIjoiMTA5In0sIkxpbmVXZWlnaHQiOjAuMCwiTGluZVR5cGUiOjAsIlBhcmVudFN0eWxlIjpudWxsfSwiUGFyZW50U3R5bGUiOm51bGx9LCJUaXRsZVN0eWxlIjp7IiRpZCI6IjUwMiIsIkZvbnRTZXR0aW5ncyI6eyIkaWQiOiI1MDMiLCJGb250U2l6ZSI6MTEsIkZvbnROYW1lIjoiQ2FsaWJyaSIsIklzQm9sZCI6dHJ1ZSwiSXNJdGFsaWMiOmZhbHNlLCJJc1VuZGVybGluZWQiOmZhbHNlLCJQYXJlbnRTdHlsZSI6bnVsbH0sIkF1dG9TaXplIjowLCJGb3JlZ3JvdW5kIjp7IiRyZWYiOiIxMTMifSwiTWF4V2lkdGgiOjcyMC4wLCJNYXhIZWlnaHQiOiJJbmZpbml0eSIsIlNtYXJ0Rm9yZWdyb3VuZElzQWN0aXZlIjpmYWxzZSwiSG9yaXpvbnRhbEFsaWdubWVudCI6MCwiVmVydGljYWxBbGlnbm1lbnQiOjAsIlNtYXJ0Rm9yZWdyb3VuZCI6bnVsbCwiQmFja2dyb3VuZEZpbGxUeXBlIjowLCJNYXJnaW4iOnsiJHJlZiI6IjExNSJ9LCJQYWRkaW5nIjp7IiRyZWYiOiIxMTYifSwiQmFja2dyb3VuZCI6eyIkcmVmIjoiMTE3In0sIklzVmlzaWJsZSI6dHJ1ZSwiV2lkdGgiOjAuMCwiSGVpZ2h0IjowLjAsIkJvcmRlclN0eWxlIjp7IiRpZCI6IjUwNCIsIkxpbmVDb2xvciI6bnVsbCwiTGluZVdlaWdodCI6MC4wLCJMaW5lVHlwZSI6MCwiUGFyZW50U3R5bGUiOm51bGx9LCJQYXJlbnRTdHlsZSI6bnVsbH0sIkRhdGVTdHlsZSI6eyIkaWQiOiI1MDUiLCJGb250U2V0dGluZ3MiOnsiJGlkIjoiNTA2IiwiRm9udFNpemUiOjEwLCJGb250TmFtZSI6IkNhbGlicmkiLCJJc0JvbGQiOmZhbHNlLCJJc0l0YWxpYyI6ZmFsc2UsIklzVW5kZXJsaW5lZCI6ZmFsc2UsIlBhcmVudFN0eWxlIjpudWxsfSwiQXV0b1NpemUiOjAsIkZvcmVncm91bmQiOnsiJHJlZiI6IjEyMCJ9LCJNYXhXaWR0aCI6MjAwLjAsIk1heEhlaWdodCI6IkluZmluaXR5IiwiU21hcnRGb3JlZ3JvdW5kSXNBY3RpdmUiOmZhbHNlLCJIb3Jpem9udGFsQWxpZ25tZW50IjowLCJWZXJ0aWNhbEFsaWdubWVudCI6MCwiU21hcnRGb3JlZ3JvdW5kIjpudWxsLCJCYWNrZ3JvdW5kRmlsbFR5cGUiOjAsIk1hcmdpbiI6eyIkcmVmIjoiMTIyIn0sIlBhZGRpbmciOnsiJHJlZiI6IjEyMyJ9LCJCYWNrZ3JvdW5kIjp7IiRyZWYiOiIxMjQifSwiSXNWaXNpYmxlIjp0cnVlLCJXaWR0aCI6MC4wLCJIZWlnaHQiOjAuMCwiQm9yZGVyU3R5bGUiOnsiJGlkIjoiNTA3IiwiTGluZUNvbG9yIjpudWxsLCJMaW5lV2VpZ2h0IjowLjAsIkxpbmVUeXBlIjowLCJQYXJlbnRTdHlsZSI6bnVsbH0sIlBhcmVudFN0eWxlIjpudWxsfSwiRGF0ZUZvcm1hdCI6eyIkcmVmIjoiMTI1In0sIklzVmlzaWJsZSI6dHJ1ZSwiUGFyZW50U3R5bGUiOm51bGx9LCJJbmRleCI6MTMsIlNtYXJ0RHVyYXRpb25BY3RpdmF0ZWQiOmZhbHNlLCJEYXRlRm9ybWF0Ijp7IiRyZWYiOiIxMjUifSwiSWQiOiJhOTFlODI0OS1kNzFkLTRkYjQtYjZiZi0xMzI0YWI2MjU1YjYiLCJJbXBvcnRJZCI6bnVsbCwiVGl0bGUiOiLshpAg7J247IudIOuqqOuTiCDshLHriqUg7Zal7IOBIiwiTm90ZSI6bnVsbCwiSHlwZXJsaW5rIjpudWxsLCJJc0NoYW5nZWQiOmZhbHNlLCJJc05ldyI6ZmFsc2V9LHsiJGlkIjoiNTA4IiwiR3JvdXBOYW1lIjpudWxsLCJTdGFydERhdGUiOiIyMDE5LTA5LTAxVDAwOjAwOjAwWiIsIkVuZERhdGUiOiIyMDE5LTA5LTMwVDIzOjU5OjAwWiIsIlBlcmNlbnRhZ2VDb21wbGV0ZSI6bnVsbCwiU3R5bGUiOnsiJGlkIjoiNTA5IiwiU2hhcGUiOjAsIlNoYXBlVGhpY2tuZXNzIjoxLCJEdXJhdGlvbkZvcm1hdCI6MCwiSW5jbHVkZU5vbldvcmtpbmdEYXlzSW5EdXJhdGlvbiI6ZmFsc2UsIlBlcmNlbnRhZ2VDb21wbGV0ZVN0eWxlIjp7IiRpZCI6IjUxMCIsIkZvbnRTZXR0aW5ncyI6eyIkaWQiOiI1MTEiLCJGb250U2l6ZSI6MTAsIkZvbnROYW1lIjoiQ2FsaWJyaSIsIklzQm9sZCI6ZmFsc2UsIklzSXRhbGljIjpmYWxzZSwiSXNVbmRlcmxpbmVkIjpmYWxzZSwiUGFyZW50U3R5bGUiOm51bGx9LCJBdXRvU2l6ZSI6MCwiRm9yZWdyb3VuZCI6eyIkcmVmIjoiODUifSwiTWF4V2lkdGgiOjIwMC4wLCJNYXhIZWlnaHQiOiJJbmZpbml0eSIsIlNtYXJ0Rm9yZWdyb3VuZElzQWN0aXZlIjpmYWxzZSwiSG9yaXpvbnRhbEFsaWdubWVudCI6MCwiVmVydGljYWxBbGlnbm1lbnQiOjAsIlNtYXJ0Rm9yZWdyb3VuZCI6bnVsbCwiQmFja2dyb3VuZEZpbGxUeXBlIjowLCJNYXJnaW4iOnsiJHJlZiI6Ijg3In0sIlBhZGRpbmciOnsiJHJlZiI6Ijg4In0sIkJhY2tncm91bmQiOnsiJHJlZiI6Ijg5In0sIklzVmlzaWJsZSI6dHJ1ZSwiV2lkdGgiOjAuMCwiSGVpZ2h0IjowLjAsIkJvcmRlclN0eWxlIjp7IiRpZCI6IjUxMiIsIkxpbmVDb2xvciI6bnVsbCwiTGluZVdlaWdodCI6MC4wLCJMaW5lVHlwZSI6MCwiUGFyZW50U3R5bGUiOm51bGx9LCJQYXJlbnRTdHlsZSI6bnVsbH0sIkR1cmF0aW9uU3R5bGUiOnsiJGlkIjoiNTEzIiwiRm9udFNldHRpbmdzIjp7IiRpZCI6IjUxNCIsIkZvbnRTaXplIjoxMCwiRm9udE5hbWUiOiJDYWxpYnJpIiwiSXNCb2xkIjpmYWxzZSwiSXNJdGFsaWMiOmZhbHNlLCJJc1VuZGVybGluZWQiOmZhbHNlLCJQYXJlbnRTdHlsZSI6bnVsbH0sIkF1dG9TaXplIjowLCJGb3JlZ3JvdW5kIjp7IiRyZWYiOiI5MiJ9LCJNYXhXaWR0aCI6MjAwLjAsIk1heEhlaWdodCI6IkluZmluaXR5IiwiU21hcnRGb3JlZ3JvdW5kSXNBY3RpdmUiOmZhbHNlLCJIb3Jpem9udGFsQWxpZ25tZW50IjowLCJWZXJ0aWNhbEFsaWdubWVudCI6MCwiU21hcnRGb3JlZ3JvdW5kIjpudWxsLCJCYWNrZ3JvdW5kRmlsbFR5cGUiOjAsIk1hcmdpbiI6eyIkcmVmIjoiOTQifSwiUGFkZGluZyI6eyIkcmVmIjoiOTUifSwiQmFja2dyb3VuZCI6eyIkcmVmIjoiOTYifSwiSXNWaXNpYmxlIjp0cnVlLCJXaWR0aCI6MC4wLCJIZWlnaHQiOjAuMCwiQm9yZGVyU3R5bGUiOnsiJGlkIjoiNTE1IiwiTGluZUNvbG9yIjpudWxsLCJMaW5lV2VpZ2h0IjowLjAsIkxpbmVUeXBlIjowLCJQYXJlbnRTdHlsZSI6bnVsbH0sIlBhcmVudFN0eWxlIjpudWxsfSwiSG9yaXpvbnRhbENvbm5lY3RvclN0eWxlIjp7IiRpZCI6IjUxNiIsIkxpbmVDb2xvciI6eyIkcmVmIjoiOTgifSwiTGluZVdlaWdodCI6MS4wLCJMaW5lVHlwZSI6MCwiUGFyZW50U3R5bGUiOm51bGx9LCJWZXJ0aWNhbENvbm5lY3RvclN0eWxlIjp7IiRpZCI6IjUxNyIsIkxpbmVDb2xvciI6eyIkcmVmIjoiMTAxIn0sIkxpbmVXZWlnaHQiOjAuMCwiTGluZVR5cGUiOjAsIlBhcmVudFN0eWxlIjpudWxsfSwiTWFyZ2luIjpudWxsLCJTdGFydERhdGVQb3NpdGlvbiI6NCwiRW5kRGF0ZVBvc2l0aW9uIjo0LCJEYXRlSXNWaXNpYmxlIjp0cnVlLCJUaXRsZVBvc2l0aW9uIjo1LCJEdXJhdGlvblBvc2l0aW9uIjo2LCJQZXJjZW50YWdlQ29tcGxldGVkUG9zaXRpb24iOjYsIlNwYWNpbmciOjUsIklzQmVsb3dUaW1lYmFuZCI6dHJ1ZSwiUGVyY2VudGFnZUNvbXBsZXRlU2hhcGVPcGFjaXR5IjozNSwiU2hhcGVTdHlsZSI6eyIkaWQiOiI1MTgiLCJNYXJnaW4iOnsiJHJlZiI6IjEwNCJ9LCJQYWRkaW5nIjp7IiRyZWYiOiIxMDUifSwiQmFja2dyb3VuZCI6eyIkaWQiOiI1MTkiLCJDb2xvciI6eyIkaWQiOiI1MjAiLCJBIjoyNTUsIlIiOjI1NSwiRyI6MTkyLCJCIjowfX0sIklzVmlzaWJsZSI6dHJ1ZSwiV2lkdGgiOjAuMCwiSGVpZ2h0IjoxNi4wLCJCb3JkZXJTdHlsZSI6eyIkaWQiOiI1MjEiLCJMaW5lQ29sb3IiOnsiJHJlZiI6IjEwOSJ9LCJMaW5lV2VpZ2h0IjowLjAsIkxpbmVUeXBlIjowLCJQYXJlbnRTdHlsZSI6bnVsbH0sIlBhcmVudFN0eWxlIjpudWxsfSwiVGl0bGVTdHlsZSI6eyIkaWQiOiI1MjIiLCJGb250U2V0dGluZ3MiOnsiJGlkIjoiNTIzIiwiRm9udFNpemUiOjExLCJGb250TmFtZSI6IkNhbGlicmkiLCJJc0JvbGQiOnRydWUsIklzSXRhbGljIjpmYWxzZSwiSXNVbmRlcmxpbmVkIjpmYWxzZSwiUGFyZW50U3R5bGUiOm51bGx9LCJBdXRvU2l6ZSI6MCwiRm9yZWdyb3VuZCI6eyIkcmVmIjoiMTEzIn0sIk1heFdpZHRoIjo3MjAuMCwiTWF4SGVpZ2h0IjoiSW5maW5pdHkiLCJTbWFydEZvcmVncm91bmRJc0FjdGl2ZSI6ZmFsc2UsIkhvcml6b250YWxBbGlnbm1lbnQiOjAsIlZlcnRpY2FsQWxpZ25tZW50IjowLCJTbWFydEZvcmVncm91bmQiOm51bGwsIkJhY2tncm91bmRGaWxsVHlwZSI6MCwiTWFyZ2luIjp7IiRyZWYiOiIxMTUifSwiUGFkZGluZyI6eyIkcmVmIjoiMTE2In0sIkJhY2tncm91bmQiOnsiJHJlZiI6IjExNyJ9LCJJc1Zpc2libGUiOnRydWUsIldpZHRoIjowLjAsIkhlaWdodCI6MC4wLCJCb3JkZXJTdHlsZSI6eyIkaWQiOiI1MjQiLCJMaW5lQ29sb3IiOm51bGwsIkxpbmVXZWlnaHQiOjAuMCwiTGluZVR5cGUiOjAsIlBhcmVudFN0eWxlIjpudWxsfSwiUGFyZW50U3R5bGUiOm51bGx9LCJEYXRlU3R5bGUiOnsiJGlkIjoiNTI1IiwiRm9udFNldHRpbmdzIjp7IiRpZCI6IjUyNiIsIkZvbnRTaXplIjoxMCwiRm9udE5hbWUiOiJDYWxpYnJpIiwiSXNCb2xkIjpmYWxzZSwiSXNJdGFsaWMiOmZhbHNlLCJJc1VuZGVybGluZWQiOmZhbHNlLCJQYXJlbnRTdHlsZSI6bnVsbH0sIkF1dG9TaXplIjowLCJGb3JlZ3JvdW5kIjp7IiRyZWYiOiIxMjAifSwiTWF4V2lkdGgiOjIwMC4wLCJNYXhIZWlnaHQiOiJJbmZpbml0eSIsIlNtYXJ0Rm9yZWdyb3VuZElzQWN0aXZlIjpmYWxzZSwiSG9yaXpvbnRhbEFsaWdubWVudCI6MCwiVmVydGljYWxBbGlnbm1lbnQiOjAsIlNtYXJ0Rm9yZWdyb3VuZCI6bnVsbCwiQmFja2dyb3VuZEZpbGxUeXBlIjowLCJNYXJnaW4iOnsiJHJlZiI6IjEyMiJ9LCJQYWRkaW5nIjp7IiRyZWYiOiIxMjMifSwiQmFja2dyb3VuZCI6eyIkcmVmIjoiMTI0In0sIklzVmlzaWJsZSI6dHJ1ZSwiV2lkdGgiOjAuMCwiSGVpZ2h0IjowLjAsIkJvcmRlclN0eWxlIjp7IiRpZCI6IjUyNyIsIkxpbmVDb2xvciI6bnVsbCwiTGluZVdlaWdodCI6MC4wLCJMaW5lVHlwZSI6MCwiUGFyZW50U3R5bGUiOm51bGx9LCJQYXJlbnRTdHlsZSI6bnVsbH0sIkRhdGVGb3JtYXQiOnsiJHJlZiI6IjEyNSJ9LCJJc1Zpc2libGUiOnRydWUsIlBhcmVudFN0eWxlIjpudWxsfSwiSW5kZXgiOjE0LCJTbWFydER1cmF0aW9uQWN0aXZhdGVkIjpmYWxzZSwiRGF0ZUZvcm1hdCI6eyIkcmVmIjoiMTI1In0sIklkIjoiODczY2VlNzctZmM4MC00YTA4LWIzOTEtM2UxNzdiNzg0ZWZhIiwiSW1wb3J0SWQiOm51bGwsIlRpdGxlIjoi7J2Y66WYIOq0gOumrCDrqqjrk4gg7Jyg7KeAL+uztOyImCIsIk5vdGUiOm51bGwsIkh5cGVybGluayI6bnVsbCwiSXNDaGFuZ2VkIjpmYWxzZSwiSXNOZXciOmZhbHNlfSx7IiRpZCI6IjUyOCIsIkdyb3VwTmFtZSI6bnVsbCwiU3RhcnREYXRlIjoiMjAxOS0wOS0zMFQwMDowMDowMFoiLCJFbmREYXRlIjoiMjAxOS0xMC0zMVQyMzo1OTowMFoiLCJQZXJjZW50YWdlQ29tcGxldGUiOm51bGwsIlN0eWxlIjp7IiRpZCI6IjUyOSIsIlNoYXBlIjowLCJTaGFwZVRoaWNrbmVzcyI6MSwiRHVyYXRpb25Gb3JtYXQiOjAsIkluY2x1ZGVOb25Xb3JraW5nRGF5c0luRHVyYXRpb24iOmZhbHNlLCJQZXJjZW50YWdlQ29tcGxldGVTdHlsZSI6eyIkaWQiOiI1MzAiLCJGb250U2V0dGluZ3MiOnsiJGlkIjoiNTMxIiwiRm9udFNpemUiOjEwLCJGb250TmFtZSI6IkNhbGlicmkiLCJJc0JvbGQiOmZhbHNlLCJJc0l0YWxpYyI6ZmFsc2UsIklzVW5kZXJsaW5lZCI6ZmFsc2UsIlBhcmVudFN0eWxlIjpudWxsfSwiQXV0b1NpemUiOjAsIkZvcmVncm91bmQiOnsiJHJlZiI6Ijg1In0sIk1heFdpZHRoIjoyMDAuMCwiTWF4SGVpZ2h0IjoiSW5maW5pdHkiLCJTbWFydEZvcmVncm91bmRJc0FjdGl2ZSI6ZmFsc2UsIkhvcml6b250YWxBbGlnbm1lbnQiOjAsIlZlcnRpY2FsQWxpZ25tZW50IjowLCJTbWFydEZvcmVncm91bmQiOm51bGwsIkJhY2tncm91bmRGaWxsVHlwZSI6MCwiTWFyZ2luIjp7IiRyZWYiOiI4NyJ9LCJQYWRkaW5nIjp7IiRyZWYiOiI4OCJ9LCJCYWNrZ3JvdW5kIjp7IiRyZWYiOiI4OSJ9LCJJc1Zpc2libGUiOnRydWUsIldpZHRoIjowLjAsIkhlaWdodCI6MC4wLCJCb3JkZXJTdHlsZSI6eyIkaWQiOiI1MzIiLCJMaW5lQ29sb3IiOm51bGwsIkxpbmVXZWlnaHQiOjAuMCwiTGluZVR5cGUiOjAsIlBhcmVudFN0eWxlIjpudWxsfSwiUGFyZW50U3R5bGUiOm51bGx9LCJEdXJhdGlvblN0eWxlIjp7IiRpZCI6IjUzMyIsIkZvbnRTZXR0aW5ncyI6eyIkaWQiOiI1MzQiLCJGb250U2l6ZSI6MTAsIkZvbnROYW1lIjoiQ2FsaWJyaSIsIklzQm9sZCI6ZmFsc2UsIklzSXRhbGljIjpmYWxzZSwiSXNVbmRlcmxpbmVkIjpmYWxzZSwiUGFyZW50U3R5bGUiOm51bGx9LCJBdXRvU2l6ZSI6MCwiRm9yZWdyb3VuZCI6eyIkcmVmIjoiOTIifSwiTWF4V2lkdGgiOjIwMC4wLCJNYXhIZWlnaHQiOiJJbmZpbml0eSIsIlNtYXJ0Rm9yZWdyb3VuZElzQWN0aXZlIjpmYWxzZSwiSG9yaXpvbnRhbEFsaWdubWVudCI6MCwiVmVydGljYWxBbGlnbm1lbnQiOjAsIlNtYXJ0Rm9yZWdyb3VuZCI6bnVsbCwiQmFja2dyb3VuZEZpbGxUeXBlIjowLCJNYXJnaW4iOnsiJHJlZiI6Ijk0In0sIlBhZGRpbmciOnsiJHJlZiI6Ijk1In0sIkJhY2tncm91bmQiOnsiJHJlZiI6Ijk2In0sIklzVmlzaWJsZSI6dHJ1ZSwiV2lkdGgiOjAuMCwiSGVpZ2h0IjowLjAsIkJvcmRlclN0eWxlIjp7IiRpZCI6IjUzNSIsIkxpbmVDb2xvciI6bnVsbCwiTGluZVdlaWdodCI6MC4wLCJMaW5lVHlwZSI6MCwiUGFyZW50U3R5bGUiOm51bGx9LCJQYXJlbnRTdHlsZSI6bnVsbH0sIkhvcml6b250YWxDb25uZWN0b3JTdHlsZSI6eyIkaWQiOiI1MzYiLCJMaW5lQ29sb3IiOnsiJHJlZiI6Ijk4In0sIkxpbmVXZWlnaHQiOjEuMCwiTGluZVR5cGUiOjAsIlBhcmVudFN0eWxlIjpudWxsfSwiVmVydGljYWxDb25uZWN0b3JTdHlsZSI6eyIkaWQiOiI1MzciLCJMaW5lQ29sb3IiOnsiJHJlZiI6IjEwMSJ9LCJMaW5lV2VpZ2h0IjowLjAsIkxpbmVUeXBlIjowLCJQYXJlbnRTdHlsZSI6bnVsbH0sIk1hcmdpbiI6bnVsbCwiU3RhcnREYXRlUG9zaXRpb24iOjQsIkVuZERhdGVQb3NpdGlvbiI6NCwiRGF0ZUlzVmlzaWJsZSI6dHJ1ZSwiVGl0bGVQb3NpdGlvbiI6NSwiRHVyYXRpb25Qb3NpdGlvbiI6NiwiUGVyY2VudGFnZUNvbXBsZXRlZFBvc2l0aW9uIjo2LCJTcGFjaW5nIjo1LCJJc0JlbG93VGltZWJhbmQiOnRydWUsIlBlcmNlbnRhZ2VDb21wbGV0ZVNoYXBlT3BhY2l0eSI6MzUsIlNoYXBlU3R5bGUiOnsiJGlkIjoiNTM4IiwiTWFyZ2luIjp7IiRyZWYiOiIxMDQifSwiUGFkZGluZyI6eyIkcmVmIjoiMTA1In0sIkJhY2tncm91bmQiOnsiJGlkIjoiNTM5IiwiQ29sb3IiOnsiJGlkIjoiNTQwIiwiQSI6MjU1LCJSIjoyMzcsIkciOjEyNSwiQiI6NDl9fSwiSXNWaXNpYmxlIjp0cnVlLCJXaWR0aCI6MC4wLCJIZWlnaHQiOjE2LjAsIkJvcmRlclN0eWxlIjp7IiRpZCI6IjU0MSIsIkxpbmVDb2xvciI6eyIkcmVmIjoiMTA5In0sIkxpbmVXZWlnaHQiOjAuMCwiTGluZVR5cGUiOjAsIlBhcmVudFN0eWxlIjpudWxsfSwiUGFyZW50U3R5bGUiOm51bGx9LCJUaXRsZVN0eWxlIjp7IiRpZCI6IjU0MiIsIkZvbnRTZXR0aW5ncyI6eyIkaWQiOiI1NDMiLCJGb250U2l6ZSI6MTEsIkZvbnROYW1lIjoiQ2FsaWJyaSIsIklzQm9sZCI6dHJ1ZSwiSXNJdGFsaWMiOmZhbHNlLCJJc1VuZGVybGluZWQiOmZhbHNlLCJQYXJlbnRTdHlsZSI6bnVsbH0sIkF1dG9TaXplIjowLCJGb3JlZ3JvdW5kIjp7IiRyZWYiOiIxMTMifSwiTWF4V2lkdGgiOjcyMC4wLCJNYXhIZWlnaHQiOiJJbmZpbml0eSIsIlNtYXJ0Rm9yZWdyb3VuZElzQWN0aXZlIjpmYWxzZSwiSG9yaXpvbnRhbEFsaWdubWVudCI6MCwiVmVydGljYWxBbGlnbm1lbnQiOjAsIlNtYXJ0Rm9yZWdyb3VuZCI6bnVsbCwiQmFja2dyb3VuZEZpbGxUeXBlIjowLCJNYXJnaW4iOnsiJHJlZiI6IjExNSJ9LCJQYWRkaW5nIjp7IiRyZWYiOiIxMTYifSwiQmFja2dyb3VuZCI6eyIkcmVmIjoiMTE3In0sIklzVmlzaWJsZSI6dHJ1ZSwiV2lkdGgiOjAuMCwiSGVpZ2h0IjowLjAsIkJvcmRlclN0eWxlIjp7IiRpZCI6IjU0NCIsIkxpbmVDb2xvciI6bnVsbCwiTGluZVdlaWdodCI6MC4wLCJMaW5lVHlwZSI6MCwiUGFyZW50U3R5bGUiOm51bGx9LCJQYXJlbnRTdHlsZSI6bnVsbH0sIkRhdGVTdHlsZSI6eyIkaWQiOiI1NDUiLCJGb250U2V0dGluZ3MiOnsiJGlkIjoiNTQ2IiwiRm9udFNpemUiOjEwLCJGb250TmFtZSI6IkNhbGlicmkiLCJJc0JvbGQiOmZhbHNlLCJJc0l0YWxpYyI6ZmFsc2UsIklzVW5kZXJsaW5lZCI6ZmFsc2UsIlBhcmVudFN0eWxlIjpudWxsfSwiQXV0b1NpemUiOjAsIkZvcmVncm91bmQiOnsiJHJlZiI6IjEyMCJ9LCJNYXhXaWR0aCI6MjAwLjAsIk1heEhlaWdodCI6IkluZmluaXR5IiwiU21hcnRGb3JlZ3JvdW5kSXNBY3RpdmUiOmZhbHNlLCJIb3Jpem9udGFsQWxpZ25tZW50IjowLCJWZXJ0aWNhbEFsaWdubWVudCI6MCwiU21hcnRGb3JlZ3JvdW5kIjpudWxsLCJCYWNrZ3JvdW5kRmlsbFR5cGUiOjAsIk1hcmdpbiI6eyIkcmVmIjoiMTIyIn0sIlBhZGRpbmciOnsiJHJlZiI6IjEyMyJ9LCJCYWNrZ3JvdW5kIjp7IiRyZWYiOiIxMjQifSwiSXNWaXNpYmxlIjp0cnVlLCJXaWR0aCI6MC4wLCJIZWlnaHQiOjAuMCwiQm9yZGVyU3R5bGUiOnsiJGlkIjoiNTQ3IiwiTGluZUNvbG9yIjpudWxsLCJMaW5lV2VpZ2h0IjowLjAsIkxpbmVUeXBlIjowLCJQYXJlbnRTdHlsZSI6bnVsbH0sIlBhcmVudFN0eWxlIjpudWxsfSwiRGF0ZUZvcm1hdCI6eyIkcmVmIjoiMTI1In0sIklzVmlzaWJsZSI6dHJ1ZSwiUGFyZW50U3R5bGUiOm51bGx9LCJJbmRleCI6MTUsIlNtYXJ0RHVyYXRpb25BY3RpdmF0ZWQiOmZhbHNlLCJEYXRlRm9ybWF0Ijp7IiRyZWYiOiIxMjUifSwiSWQiOiJkZGRiMDNiMC1iN2RkLTRiNGEtYjUxYS01Y2E4N2M2MGJiNWUiLCJJbXBvcnRJZCI6bnVsbCwiVGl0bGUiOiJBUiDrqqjrjbjrp4Eg67CPIOy2nOugpSDtlajsiJgg7ISx64qlIO2WpeyDgSIsIk5vdGUiOm51bGwsIkh5cGVybGluayI6bnVsbCwiSXNDaGFuZ2VkIjpmYWxzZSwiSXNOZXciOmZhbHNlfV0sIk1zUHJvamVjdEl0ZW1zVHJlZSI6eyIkaWQiOiI1NDgiLCJSb290Ijp7IkltcG9ydElkIjpudWxsLCJJc0ltcG9ydGVkIjpmYWxzZSwiQ2hpbGRyZW4iOltdfX0sIk1ldGFkYXRhIjp7IiRpZCI6IjU0OSIsIlJlY2VudENvbG9yc0NvbGxlY3Rpb24iOiJbXCIjRkZGRkMwMDBcIixcIiNGRkVEN0QzMVwiLFwiI0ZGNUI5QkQ1XCIsXCIjRkY0NDU0NkFcIixcIiNGRjcwQUQ0N1wiXSJ9LCJTZXR0aW5ncyI6eyIkaWQiOiI1NTAiLCJJbXBhT3B0aW9ucyI6eyIkaWQiOiI1NTEiLCJMZWZ0VG9SaWdodCI6ZmFsc2UsIlBheWxvYWRPcHRpb25zIjoyfSwiVXNlQ29tcHJlc3Npb24iOmZhbHNlLCJDb21wcmVzaW9uUGVyY2VudGFnZSI6NTAuMCwiSW5hY3RpdmVJbnRlcnZhbFdpZHRoVGhyZXNob2xkIjozMC4wLCJJbmFjdGl2ZUludGVydmFsV2lkdGgiOjEuMCwiU3BsaXRUYXNrcyI6ZmFsc2UsIlVzZUNsdXN0ZXIiOmZhbHNlLCJFcHNpbG9uIjowLjAsIk1pblBvaW50c1RvRm9ybUFDbHVzdGVyIjoyLCJHZW5lcmF0ZUludmlzaWJsZVNoYXBlcyI6ZmFsc2UsIlNtYXJ0VGltZWxpbmVUYXNrUGVyY2VudGFnZUZpdCI6ZmFsc2V9LCJJc05ldyI6dHJ1ZSwiSW1wb3J0VHlwZSI6MCwiRmlsZVBhdGgiOm51bGwsIlRpbWVDb25maWd1cmF0aW9uIjp7IiRpZCI6IjU1MiIsIlVzZVRpbWUiOmZhbHNlLCJXb3JrRGF5U3RhcnQiOiIwMDowMDowMCIsIldvcmtEYXlFbmQiOiIyMzo1OTowMCJ9LCJMYXN0VXNlZFRlbXBsYXRlSWQiOiI3MzU1YjYzMy1hYzY2LTQ1MjgtOGI0ZC0yOTlmYWVkYzllZTkifQ=="/>
   <p:tag name="__MASTER" val="__part_0"/>
 </p:tagLst>
 </file>
@@ -15102,37 +17891,355 @@
 </p:tagLst>
 </file>
 
+<file path=ppt/tags/tag208.xml><?xml version="1.0" encoding="utf-8"?>
+<p:tagLst xmlns:a="http://schemas.openxmlformats.org/drawingml/2006/main" xmlns:r="http://schemas.openxmlformats.org/officeDocument/2006/relationships" xmlns:p="http://schemas.openxmlformats.org/presentationml/2006/main">
+  <p:tag name="OTLMARKERSHAPE" val="OTL"/>
+</p:tagLst>
+</file>
+
+<file path=ppt/tags/tag209.xml><?xml version="1.0" encoding="utf-8"?>
+<p:tagLst xmlns:a="http://schemas.openxmlformats.org/drawingml/2006/main" xmlns:r="http://schemas.openxmlformats.org/officeDocument/2006/relationships" xmlns:p="http://schemas.openxmlformats.org/presentationml/2006/main">
+  <p:tag name="OTLMARKERSHAPE" val="OTL"/>
+</p:tagLst>
+</file>
+
 <file path=ppt/tags/tag21.xml><?xml version="1.0" encoding="utf-8"?>
 <p:tagLst xmlns:a="http://schemas.openxmlformats.org/drawingml/2006/main" xmlns:r="http://schemas.openxmlformats.org/officeDocument/2006/relationships" xmlns:p="http://schemas.openxmlformats.org/presentationml/2006/main">
   <p:tag name="OTLMARKERSHAPE" val="OTL"/>
 </p:tagLst>
 </file>
 
+<file path=ppt/tags/tag210.xml><?xml version="1.0" encoding="utf-8"?>
+<p:tagLst xmlns:a="http://schemas.openxmlformats.org/drawingml/2006/main" xmlns:r="http://schemas.openxmlformats.org/officeDocument/2006/relationships" xmlns:p="http://schemas.openxmlformats.org/presentationml/2006/main">
+  <p:tag name="OTLMARKERSHAPE" val="OTL"/>
+</p:tagLst>
+</file>
+
+<file path=ppt/tags/tag211.xml><?xml version="1.0" encoding="utf-8"?>
+<p:tagLst xmlns:a="http://schemas.openxmlformats.org/drawingml/2006/main" xmlns:r="http://schemas.openxmlformats.org/officeDocument/2006/relationships" xmlns:p="http://schemas.openxmlformats.org/presentationml/2006/main">
+  <p:tag name="OTLMARKERSHAPE" val="OTL"/>
+</p:tagLst>
+</file>
+
+<file path=ppt/tags/tag212.xml><?xml version="1.0" encoding="utf-8"?>
+<p:tagLst xmlns:a="http://schemas.openxmlformats.org/drawingml/2006/main" xmlns:r="http://schemas.openxmlformats.org/officeDocument/2006/relationships" xmlns:p="http://schemas.openxmlformats.org/presentationml/2006/main">
+  <p:tag name="OTLMARKERSHAPE" val="OTL"/>
+</p:tagLst>
+</file>
+
+<file path=ppt/tags/tag213.xml><?xml version="1.0" encoding="utf-8"?>
+<p:tagLst xmlns:a="http://schemas.openxmlformats.org/drawingml/2006/main" xmlns:r="http://schemas.openxmlformats.org/officeDocument/2006/relationships" xmlns:p="http://schemas.openxmlformats.org/presentationml/2006/main">
+  <p:tag name="OTLMARKERSHAPE" val="OTL"/>
+</p:tagLst>
+</file>
+
+<file path=ppt/tags/tag214.xml><?xml version="1.0" encoding="utf-8"?>
+<p:tagLst xmlns:a="http://schemas.openxmlformats.org/drawingml/2006/main" xmlns:r="http://schemas.openxmlformats.org/officeDocument/2006/relationships" xmlns:p="http://schemas.openxmlformats.org/presentationml/2006/main">
+  <p:tag name="OTLMARKERSHAPE" val="OTL"/>
+</p:tagLst>
+</file>
+
+<file path=ppt/tags/tag215.xml><?xml version="1.0" encoding="utf-8"?>
+<p:tagLst xmlns:a="http://schemas.openxmlformats.org/drawingml/2006/main" xmlns:r="http://schemas.openxmlformats.org/officeDocument/2006/relationships" xmlns:p="http://schemas.openxmlformats.org/presentationml/2006/main">
+  <p:tag name="OTLMARKERSHAPE" val="OTL"/>
+</p:tagLst>
+</file>
+
+<file path=ppt/tags/tag216.xml><?xml version="1.0" encoding="utf-8"?>
+<p:tagLst xmlns:a="http://schemas.openxmlformats.org/drawingml/2006/main" xmlns:r="http://schemas.openxmlformats.org/officeDocument/2006/relationships" xmlns:p="http://schemas.openxmlformats.org/presentationml/2006/main">
+  <p:tag name="OTLMARKERSHAPE" val="OTL"/>
+</p:tagLst>
+</file>
+
+<file path=ppt/tags/tag217.xml><?xml version="1.0" encoding="utf-8"?>
+<p:tagLst xmlns:a="http://schemas.openxmlformats.org/drawingml/2006/main" xmlns:r="http://schemas.openxmlformats.org/officeDocument/2006/relationships" xmlns:p="http://schemas.openxmlformats.org/presentationml/2006/main">
+  <p:tag name="OTLMARKERSHAPE" val="OTL"/>
+</p:tagLst>
+</file>
+
+<file path=ppt/tags/tag218.xml><?xml version="1.0" encoding="utf-8"?>
+<p:tagLst xmlns:a="http://schemas.openxmlformats.org/drawingml/2006/main" xmlns:r="http://schemas.openxmlformats.org/officeDocument/2006/relationships" xmlns:p="http://schemas.openxmlformats.org/presentationml/2006/main">
+  <p:tag name="OTLMARKERSHAPE" val="OTL"/>
+</p:tagLst>
+</file>
+
+<file path=ppt/tags/tag219.xml><?xml version="1.0" encoding="utf-8"?>
+<p:tagLst xmlns:a="http://schemas.openxmlformats.org/drawingml/2006/main" xmlns:r="http://schemas.openxmlformats.org/officeDocument/2006/relationships" xmlns:p="http://schemas.openxmlformats.org/presentationml/2006/main">
+  <p:tag name="OTLMARKERSHAPE" val="OTL"/>
+</p:tagLst>
+</file>
+
 <file path=ppt/tags/tag22.xml><?xml version="1.0" encoding="utf-8"?>
 <p:tagLst xmlns:a="http://schemas.openxmlformats.org/drawingml/2006/main" xmlns:r="http://schemas.openxmlformats.org/officeDocument/2006/relationships" xmlns:p="http://schemas.openxmlformats.org/presentationml/2006/main">
   <p:tag name="OTLMARKERSHAPE" val="OTL"/>
 </p:tagLst>
 </file>
 
+<file path=ppt/tags/tag220.xml><?xml version="1.0" encoding="utf-8"?>
+<p:tagLst xmlns:a="http://schemas.openxmlformats.org/drawingml/2006/main" xmlns:r="http://schemas.openxmlformats.org/officeDocument/2006/relationships" xmlns:p="http://schemas.openxmlformats.org/presentationml/2006/main">
+  <p:tag name="OTLMARKERSHAPE" val="OTL"/>
+</p:tagLst>
+</file>
+
+<file path=ppt/tags/tag221.xml><?xml version="1.0" encoding="utf-8"?>
+<p:tagLst xmlns:a="http://schemas.openxmlformats.org/drawingml/2006/main" xmlns:r="http://schemas.openxmlformats.org/officeDocument/2006/relationships" xmlns:p="http://schemas.openxmlformats.org/presentationml/2006/main">
+  <p:tag name="OTLMARKERSHAPE" val="OTL"/>
+</p:tagLst>
+</file>
+
+<file path=ppt/tags/tag222.xml><?xml version="1.0" encoding="utf-8"?>
+<p:tagLst xmlns:a="http://schemas.openxmlformats.org/drawingml/2006/main" xmlns:r="http://schemas.openxmlformats.org/officeDocument/2006/relationships" xmlns:p="http://schemas.openxmlformats.org/presentationml/2006/main">
+  <p:tag name="OTLMARKERSHAPE" val="OTL"/>
+</p:tagLst>
+</file>
+
+<file path=ppt/tags/tag223.xml><?xml version="1.0" encoding="utf-8"?>
+<p:tagLst xmlns:a="http://schemas.openxmlformats.org/drawingml/2006/main" xmlns:r="http://schemas.openxmlformats.org/officeDocument/2006/relationships" xmlns:p="http://schemas.openxmlformats.org/presentationml/2006/main">
+  <p:tag name="OTLMARKERSHAPE" val="OTL"/>
+</p:tagLst>
+</file>
+
+<file path=ppt/tags/tag224.xml><?xml version="1.0" encoding="utf-8"?>
+<p:tagLst xmlns:a="http://schemas.openxmlformats.org/drawingml/2006/main" xmlns:r="http://schemas.openxmlformats.org/officeDocument/2006/relationships" xmlns:p="http://schemas.openxmlformats.org/presentationml/2006/main">
+  <p:tag name="OTLMARKERSHAPE" val="OTL"/>
+</p:tagLst>
+</file>
+
+<file path=ppt/tags/tag225.xml><?xml version="1.0" encoding="utf-8"?>
+<p:tagLst xmlns:a="http://schemas.openxmlformats.org/drawingml/2006/main" xmlns:r="http://schemas.openxmlformats.org/officeDocument/2006/relationships" xmlns:p="http://schemas.openxmlformats.org/presentationml/2006/main">
+  <p:tag name="OTLMARKERSHAPE" val="OTL"/>
+</p:tagLst>
+</file>
+
+<file path=ppt/tags/tag226.xml><?xml version="1.0" encoding="utf-8"?>
+<p:tagLst xmlns:a="http://schemas.openxmlformats.org/drawingml/2006/main" xmlns:r="http://schemas.openxmlformats.org/officeDocument/2006/relationships" xmlns:p="http://schemas.openxmlformats.org/presentationml/2006/main">
+  <p:tag name="OTLMARKERSHAPE" val="OTL"/>
+</p:tagLst>
+</file>
+
+<file path=ppt/tags/tag227.xml><?xml version="1.0" encoding="utf-8"?>
+<p:tagLst xmlns:a="http://schemas.openxmlformats.org/drawingml/2006/main" xmlns:r="http://schemas.openxmlformats.org/officeDocument/2006/relationships" xmlns:p="http://schemas.openxmlformats.org/presentationml/2006/main">
+  <p:tag name="OTLMARKERSHAPE" val="OTL"/>
+</p:tagLst>
+</file>
+
+<file path=ppt/tags/tag228.xml><?xml version="1.0" encoding="utf-8"?>
+<p:tagLst xmlns:a="http://schemas.openxmlformats.org/drawingml/2006/main" xmlns:r="http://schemas.openxmlformats.org/officeDocument/2006/relationships" xmlns:p="http://schemas.openxmlformats.org/presentationml/2006/main">
+  <p:tag name="OTLMARKERSHAPE" val="OTL"/>
+</p:tagLst>
+</file>
+
+<file path=ppt/tags/tag229.xml><?xml version="1.0" encoding="utf-8"?>
+<p:tagLst xmlns:a="http://schemas.openxmlformats.org/drawingml/2006/main" xmlns:r="http://schemas.openxmlformats.org/officeDocument/2006/relationships" xmlns:p="http://schemas.openxmlformats.org/presentationml/2006/main">
+  <p:tag name="OTLMARKERSHAPE" val="OTL"/>
+</p:tagLst>
+</file>
+
 <file path=ppt/tags/tag23.xml><?xml version="1.0" encoding="utf-8"?>
 <p:tagLst xmlns:a="http://schemas.openxmlformats.org/drawingml/2006/main" xmlns:r="http://schemas.openxmlformats.org/officeDocument/2006/relationships" xmlns:p="http://schemas.openxmlformats.org/presentationml/2006/main">
   <p:tag name="OTLMARKERSHAPE" val="OTL"/>
 </p:tagLst>
 </file>
 
+<file path=ppt/tags/tag230.xml><?xml version="1.0" encoding="utf-8"?>
+<p:tagLst xmlns:a="http://schemas.openxmlformats.org/drawingml/2006/main" xmlns:r="http://schemas.openxmlformats.org/officeDocument/2006/relationships" xmlns:p="http://schemas.openxmlformats.org/presentationml/2006/main">
+  <p:tag name="OTLMARKERSHAPE" val="OTL"/>
+</p:tagLst>
+</file>
+
+<file path=ppt/tags/tag231.xml><?xml version="1.0" encoding="utf-8"?>
+<p:tagLst xmlns:a="http://schemas.openxmlformats.org/drawingml/2006/main" xmlns:r="http://schemas.openxmlformats.org/officeDocument/2006/relationships" xmlns:p="http://schemas.openxmlformats.org/presentationml/2006/main">
+  <p:tag name="OTLMARKERSHAPE" val="OTL"/>
+</p:tagLst>
+</file>
+
+<file path=ppt/tags/tag232.xml><?xml version="1.0" encoding="utf-8"?>
+<p:tagLst xmlns:a="http://schemas.openxmlformats.org/drawingml/2006/main" xmlns:r="http://schemas.openxmlformats.org/officeDocument/2006/relationships" xmlns:p="http://schemas.openxmlformats.org/presentationml/2006/main">
+  <p:tag name="OTLMARKERSHAPE" val="OTL"/>
+</p:tagLst>
+</file>
+
+<file path=ppt/tags/tag233.xml><?xml version="1.0" encoding="utf-8"?>
+<p:tagLst xmlns:a="http://schemas.openxmlformats.org/drawingml/2006/main" xmlns:r="http://schemas.openxmlformats.org/officeDocument/2006/relationships" xmlns:p="http://schemas.openxmlformats.org/presentationml/2006/main">
+  <p:tag name="OTLMARKERSHAPE" val="OTL"/>
+</p:tagLst>
+</file>
+
+<file path=ppt/tags/tag234.xml><?xml version="1.0" encoding="utf-8"?>
+<p:tagLst xmlns:a="http://schemas.openxmlformats.org/drawingml/2006/main" xmlns:r="http://schemas.openxmlformats.org/officeDocument/2006/relationships" xmlns:p="http://schemas.openxmlformats.org/presentationml/2006/main">
+  <p:tag name="OTLMARKERSHAPE" val="OTL"/>
+</p:tagLst>
+</file>
+
+<file path=ppt/tags/tag235.xml><?xml version="1.0" encoding="utf-8"?>
+<p:tagLst xmlns:a="http://schemas.openxmlformats.org/drawingml/2006/main" xmlns:r="http://schemas.openxmlformats.org/officeDocument/2006/relationships" xmlns:p="http://schemas.openxmlformats.org/presentationml/2006/main">
+  <p:tag name="OTLMARKERSHAPE" val="OTL"/>
+</p:tagLst>
+</file>
+
+<file path=ppt/tags/tag236.xml><?xml version="1.0" encoding="utf-8"?>
+<p:tagLst xmlns:a="http://schemas.openxmlformats.org/drawingml/2006/main" xmlns:r="http://schemas.openxmlformats.org/officeDocument/2006/relationships" xmlns:p="http://schemas.openxmlformats.org/presentationml/2006/main">
+  <p:tag name="OTLMARKERSHAPE" val="OTL"/>
+</p:tagLst>
+</file>
+
+<file path=ppt/tags/tag237.xml><?xml version="1.0" encoding="utf-8"?>
+<p:tagLst xmlns:a="http://schemas.openxmlformats.org/drawingml/2006/main" xmlns:r="http://schemas.openxmlformats.org/officeDocument/2006/relationships" xmlns:p="http://schemas.openxmlformats.org/presentationml/2006/main">
+  <p:tag name="OTLMARKERSHAPE" val="OTL"/>
+</p:tagLst>
+</file>
+
+<file path=ppt/tags/tag238.xml><?xml version="1.0" encoding="utf-8"?>
+<p:tagLst xmlns:a="http://schemas.openxmlformats.org/drawingml/2006/main" xmlns:r="http://schemas.openxmlformats.org/officeDocument/2006/relationships" xmlns:p="http://schemas.openxmlformats.org/presentationml/2006/main">
+  <p:tag name="OTLMARKERSHAPE" val="OTL"/>
+</p:tagLst>
+</file>
+
+<file path=ppt/tags/tag239.xml><?xml version="1.0" encoding="utf-8"?>
+<p:tagLst xmlns:a="http://schemas.openxmlformats.org/drawingml/2006/main" xmlns:r="http://schemas.openxmlformats.org/officeDocument/2006/relationships" xmlns:p="http://schemas.openxmlformats.org/presentationml/2006/main">
+  <p:tag name="OTLMARKERSHAPE" val="OTL"/>
+</p:tagLst>
+</file>
+
 <file path=ppt/tags/tag24.xml><?xml version="1.0" encoding="utf-8"?>
 <p:tagLst xmlns:a="http://schemas.openxmlformats.org/drawingml/2006/main" xmlns:r="http://schemas.openxmlformats.org/officeDocument/2006/relationships" xmlns:p="http://schemas.openxmlformats.org/presentationml/2006/main">
   <p:tag name="OTLMARKERSHAPE" val="OTL"/>
 </p:tagLst>
 </file>
 
+<file path=ppt/tags/tag240.xml><?xml version="1.0" encoding="utf-8"?>
+<p:tagLst xmlns:a="http://schemas.openxmlformats.org/drawingml/2006/main" xmlns:r="http://schemas.openxmlformats.org/officeDocument/2006/relationships" xmlns:p="http://schemas.openxmlformats.org/presentationml/2006/main">
+  <p:tag name="OTLMARKERSHAPE" val="OTL"/>
+</p:tagLst>
+</file>
+
+<file path=ppt/tags/tag241.xml><?xml version="1.0" encoding="utf-8"?>
+<p:tagLst xmlns:a="http://schemas.openxmlformats.org/drawingml/2006/main" xmlns:r="http://schemas.openxmlformats.org/officeDocument/2006/relationships" xmlns:p="http://schemas.openxmlformats.org/presentationml/2006/main">
+  <p:tag name="OTLMARKERSHAPE" val="OTL"/>
+</p:tagLst>
+</file>
+
+<file path=ppt/tags/tag242.xml><?xml version="1.0" encoding="utf-8"?>
+<p:tagLst xmlns:a="http://schemas.openxmlformats.org/drawingml/2006/main" xmlns:r="http://schemas.openxmlformats.org/officeDocument/2006/relationships" xmlns:p="http://schemas.openxmlformats.org/presentationml/2006/main">
+  <p:tag name="OTLMARKERSHAPE" val="OTL"/>
+</p:tagLst>
+</file>
+
+<file path=ppt/tags/tag243.xml><?xml version="1.0" encoding="utf-8"?>
+<p:tagLst xmlns:a="http://schemas.openxmlformats.org/drawingml/2006/main" xmlns:r="http://schemas.openxmlformats.org/officeDocument/2006/relationships" xmlns:p="http://schemas.openxmlformats.org/presentationml/2006/main">
+  <p:tag name="OTLMARKERSHAPE" val="OTL"/>
+</p:tagLst>
+</file>
+
+<file path=ppt/tags/tag244.xml><?xml version="1.0" encoding="utf-8"?>
+<p:tagLst xmlns:a="http://schemas.openxmlformats.org/drawingml/2006/main" xmlns:r="http://schemas.openxmlformats.org/officeDocument/2006/relationships" xmlns:p="http://schemas.openxmlformats.org/presentationml/2006/main">
+  <p:tag name="OTLMARKERSHAPE" val="OTL"/>
+</p:tagLst>
+</file>
+
+<file path=ppt/tags/tag245.xml><?xml version="1.0" encoding="utf-8"?>
+<p:tagLst xmlns:a="http://schemas.openxmlformats.org/drawingml/2006/main" xmlns:r="http://schemas.openxmlformats.org/officeDocument/2006/relationships" xmlns:p="http://schemas.openxmlformats.org/presentationml/2006/main">
+  <p:tag name="OTLMARKERSHAPE" val="OTL"/>
+</p:tagLst>
+</file>
+
+<file path=ppt/tags/tag246.xml><?xml version="1.0" encoding="utf-8"?>
+<p:tagLst xmlns:a="http://schemas.openxmlformats.org/drawingml/2006/main" xmlns:r="http://schemas.openxmlformats.org/officeDocument/2006/relationships" xmlns:p="http://schemas.openxmlformats.org/presentationml/2006/main">
+  <p:tag name="OTLMARKERSHAPE" val="OTL"/>
+</p:tagLst>
+</file>
+
+<file path=ppt/tags/tag247.xml><?xml version="1.0" encoding="utf-8"?>
+<p:tagLst xmlns:a="http://schemas.openxmlformats.org/drawingml/2006/main" xmlns:r="http://schemas.openxmlformats.org/officeDocument/2006/relationships" xmlns:p="http://schemas.openxmlformats.org/presentationml/2006/main">
+  <p:tag name="OTLMARKERSHAPE" val="OTL"/>
+</p:tagLst>
+</file>
+
+<file path=ppt/tags/tag248.xml><?xml version="1.0" encoding="utf-8"?>
+<p:tagLst xmlns:a="http://schemas.openxmlformats.org/drawingml/2006/main" xmlns:r="http://schemas.openxmlformats.org/officeDocument/2006/relationships" xmlns:p="http://schemas.openxmlformats.org/presentationml/2006/main">
+  <p:tag name="OTLMARKERSHAPE" val="OTL"/>
+</p:tagLst>
+</file>
+
+<file path=ppt/tags/tag249.xml><?xml version="1.0" encoding="utf-8"?>
+<p:tagLst xmlns:a="http://schemas.openxmlformats.org/drawingml/2006/main" xmlns:r="http://schemas.openxmlformats.org/officeDocument/2006/relationships" xmlns:p="http://schemas.openxmlformats.org/presentationml/2006/main">
+  <p:tag name="OTLMARKERSHAPE" val="OTL"/>
+</p:tagLst>
+</file>
+
 <file path=ppt/tags/tag25.xml><?xml version="1.0" encoding="utf-8"?>
 <p:tagLst xmlns:a="http://schemas.openxmlformats.org/drawingml/2006/main" xmlns:r="http://schemas.openxmlformats.org/officeDocument/2006/relationships" xmlns:p="http://schemas.openxmlformats.org/presentationml/2006/main">
   <p:tag name="OTLMARKERSHAPE" val="OTL"/>
 </p:tagLst>
 </file>
 
+<file path=ppt/tags/tag250.xml><?xml version="1.0" encoding="utf-8"?>
+<p:tagLst xmlns:a="http://schemas.openxmlformats.org/drawingml/2006/main" xmlns:r="http://schemas.openxmlformats.org/officeDocument/2006/relationships" xmlns:p="http://schemas.openxmlformats.org/presentationml/2006/main">
+  <p:tag name="OTLMARKERSHAPE" val="OTL"/>
+</p:tagLst>
+</file>
+
+<file path=ppt/tags/tag251.xml><?xml version="1.0" encoding="utf-8"?>
+<p:tagLst xmlns:a="http://schemas.openxmlformats.org/drawingml/2006/main" xmlns:r="http://schemas.openxmlformats.org/officeDocument/2006/relationships" xmlns:p="http://schemas.openxmlformats.org/presentationml/2006/main">
+  <p:tag name="OTLMARKERSHAPE" val="OTL"/>
+</p:tagLst>
+</file>
+
+<file path=ppt/tags/tag252.xml><?xml version="1.0" encoding="utf-8"?>
+<p:tagLst xmlns:a="http://schemas.openxmlformats.org/drawingml/2006/main" xmlns:r="http://schemas.openxmlformats.org/officeDocument/2006/relationships" xmlns:p="http://schemas.openxmlformats.org/presentationml/2006/main">
+  <p:tag name="OTLMARKERSHAPE" val="OTL"/>
+</p:tagLst>
+</file>
+
+<file path=ppt/tags/tag253.xml><?xml version="1.0" encoding="utf-8"?>
+<p:tagLst xmlns:a="http://schemas.openxmlformats.org/drawingml/2006/main" xmlns:r="http://schemas.openxmlformats.org/officeDocument/2006/relationships" xmlns:p="http://schemas.openxmlformats.org/presentationml/2006/main">
+  <p:tag name="OTLMARKERSHAPE" val="OTL"/>
+</p:tagLst>
+</file>
+
+<file path=ppt/tags/tag254.xml><?xml version="1.0" encoding="utf-8"?>
+<p:tagLst xmlns:a="http://schemas.openxmlformats.org/drawingml/2006/main" xmlns:r="http://schemas.openxmlformats.org/officeDocument/2006/relationships" xmlns:p="http://schemas.openxmlformats.org/presentationml/2006/main">
+  <p:tag name="OTLMARKERSHAPE" val="OTL"/>
+</p:tagLst>
+</file>
+
+<file path=ppt/tags/tag255.xml><?xml version="1.0" encoding="utf-8"?>
+<p:tagLst xmlns:a="http://schemas.openxmlformats.org/drawingml/2006/main" xmlns:r="http://schemas.openxmlformats.org/officeDocument/2006/relationships" xmlns:p="http://schemas.openxmlformats.org/presentationml/2006/main">
+  <p:tag name="OTLMARKERSHAPE" val="OTL"/>
+</p:tagLst>
+</file>
+
+<file path=ppt/tags/tag256.xml><?xml version="1.0" encoding="utf-8"?>
+<p:tagLst xmlns:a="http://schemas.openxmlformats.org/drawingml/2006/main" xmlns:r="http://schemas.openxmlformats.org/officeDocument/2006/relationships" xmlns:p="http://schemas.openxmlformats.org/presentationml/2006/main">
+  <p:tag name="OTLMARKERSHAPE" val="OTL"/>
+</p:tagLst>
+</file>
+
+<file path=ppt/tags/tag257.xml><?xml version="1.0" encoding="utf-8"?>
+<p:tagLst xmlns:a="http://schemas.openxmlformats.org/drawingml/2006/main" xmlns:r="http://schemas.openxmlformats.org/officeDocument/2006/relationships" xmlns:p="http://schemas.openxmlformats.org/presentationml/2006/main">
+  <p:tag name="OTLMARKERSHAPE" val="OTL"/>
+</p:tagLst>
+</file>
+
+<file path=ppt/tags/tag258.xml><?xml version="1.0" encoding="utf-8"?>
+<p:tagLst xmlns:a="http://schemas.openxmlformats.org/drawingml/2006/main" xmlns:r="http://schemas.openxmlformats.org/officeDocument/2006/relationships" xmlns:p="http://schemas.openxmlformats.org/presentationml/2006/main">
+  <p:tag name="OTLMARKERSHAPE" val="OTL"/>
+</p:tagLst>
+</file>
+
+<file path=ppt/tags/tag259.xml><?xml version="1.0" encoding="utf-8"?>
+<p:tagLst xmlns:a="http://schemas.openxmlformats.org/drawingml/2006/main" xmlns:r="http://schemas.openxmlformats.org/officeDocument/2006/relationships" xmlns:p="http://schemas.openxmlformats.org/presentationml/2006/main">
+  <p:tag name="OTLMARKERSHAPE" val="OTL"/>
+</p:tagLst>
+</file>
+
 <file path=ppt/tags/tag26.xml><?xml version="1.0" encoding="utf-8"?>
+<p:tagLst xmlns:a="http://schemas.openxmlformats.org/drawingml/2006/main" xmlns:r="http://schemas.openxmlformats.org/officeDocument/2006/relationships" xmlns:p="http://schemas.openxmlformats.org/presentationml/2006/main">
+  <p:tag name="OTLMARKERSHAPE" val="OTL"/>
+</p:tagLst>
+</file>
+
+<file path=ppt/tags/tag260.xml><?xml version="1.0" encoding="utf-8"?>
 <p:tagLst xmlns:a="http://schemas.openxmlformats.org/drawingml/2006/main" xmlns:r="http://schemas.openxmlformats.org/officeDocument/2006/relationships" xmlns:p="http://schemas.openxmlformats.org/presentationml/2006/main">
   <p:tag name="OTLMARKERSHAPE" val="OTL"/>
 </p:tagLst>
